--- a/docs/diagrams/ModelComponentClassDiagram.pptx
+++ b/docs/diagrams/ModelComponentClassDiagram.pptx
@@ -107,6 +107,22 @@
       </a:defRPr>
     </a:lvl9pPr>
   </p:defaultTextStyle>
+  <p:extLst>
+    <p:ext uri="{EFAFB233-063F-42B5-8137-9DF3F51BA10A}">
+      <p15:sldGuideLst xmlns:p15="http://schemas.microsoft.com/office/powerpoint/2012/main">
+        <p15:guide id="1" orient="horz" pos="1488">
+          <p15:clr>
+            <a:srgbClr val="A4A3A4"/>
+          </p15:clr>
+        </p15:guide>
+        <p15:guide id="2" pos="2880">
+          <p15:clr>
+            <a:srgbClr val="A4A3A4"/>
+          </p15:clr>
+        </p15:guide>
+      </p15:sldGuideLst>
+    </p:ext>
+  </p:extLst>
 </p:presentation>
 </file>
 
@@ -192,7 +208,7 @@
           <a:p>
             <a:fld id="{F5CC4B3F-88C1-4FFA-B1B6-F41C21DC6924}" type="datetimeFigureOut">
               <a:rPr lang="en-US" smtClean="0"/>
-              <a:t>11/19/2016</a:t>
+              <a:t>3/3/17</a:t>
             </a:fld>
             <a:endParaRPr lang="en-US"/>
           </a:p>
@@ -641,7 +657,7 @@
           <a:p>
             <a:fld id="{78C97017-6FC3-485B-9764-EAC9E56C1D49}" type="datetimeFigureOut">
               <a:rPr lang="en-US" smtClean="0"/>
-              <a:t>11/19/2016</a:t>
+              <a:t>3/3/17</a:t>
             </a:fld>
             <a:endParaRPr lang="en-US"/>
           </a:p>
@@ -811,7 +827,7 @@
           <a:p>
             <a:fld id="{78C97017-6FC3-485B-9764-EAC9E56C1D49}" type="datetimeFigureOut">
               <a:rPr lang="en-US" smtClean="0"/>
-              <a:t>11/19/2016</a:t>
+              <a:t>3/3/17</a:t>
             </a:fld>
             <a:endParaRPr lang="en-US"/>
           </a:p>
@@ -991,7 +1007,7 @@
           <a:p>
             <a:fld id="{78C97017-6FC3-485B-9764-EAC9E56C1D49}" type="datetimeFigureOut">
               <a:rPr lang="en-US" smtClean="0"/>
-              <a:t>11/19/2016</a:t>
+              <a:t>3/3/17</a:t>
             </a:fld>
             <a:endParaRPr lang="en-US"/>
           </a:p>
@@ -1161,7 +1177,7 @@
           <a:p>
             <a:fld id="{78C97017-6FC3-485B-9764-EAC9E56C1D49}" type="datetimeFigureOut">
               <a:rPr lang="en-US" smtClean="0"/>
-              <a:t>11/19/2016</a:t>
+              <a:t>3/3/17</a:t>
             </a:fld>
             <a:endParaRPr lang="en-US"/>
           </a:p>
@@ -1407,7 +1423,7 @@
           <a:p>
             <a:fld id="{78C97017-6FC3-485B-9764-EAC9E56C1D49}" type="datetimeFigureOut">
               <a:rPr lang="en-US" smtClean="0"/>
-              <a:t>11/19/2016</a:t>
+              <a:t>3/3/17</a:t>
             </a:fld>
             <a:endParaRPr lang="en-US"/>
           </a:p>
@@ -1695,7 +1711,7 @@
           <a:p>
             <a:fld id="{78C97017-6FC3-485B-9764-EAC9E56C1D49}" type="datetimeFigureOut">
               <a:rPr lang="en-US" smtClean="0"/>
-              <a:t>11/19/2016</a:t>
+              <a:t>3/3/17</a:t>
             </a:fld>
             <a:endParaRPr lang="en-US"/>
           </a:p>
@@ -2117,7 +2133,7 @@
           <a:p>
             <a:fld id="{78C97017-6FC3-485B-9764-EAC9E56C1D49}" type="datetimeFigureOut">
               <a:rPr lang="en-US" smtClean="0"/>
-              <a:t>11/19/2016</a:t>
+              <a:t>3/3/17</a:t>
             </a:fld>
             <a:endParaRPr lang="en-US"/>
           </a:p>
@@ -2235,7 +2251,7 @@
           <a:p>
             <a:fld id="{78C97017-6FC3-485B-9764-EAC9E56C1D49}" type="datetimeFigureOut">
               <a:rPr lang="en-US" smtClean="0"/>
-              <a:t>11/19/2016</a:t>
+              <a:t>3/3/17</a:t>
             </a:fld>
             <a:endParaRPr lang="en-US"/>
           </a:p>
@@ -2330,7 +2346,7 @@
           <a:p>
             <a:fld id="{78C97017-6FC3-485B-9764-EAC9E56C1D49}" type="datetimeFigureOut">
               <a:rPr lang="en-US" smtClean="0"/>
-              <a:t>11/19/2016</a:t>
+              <a:t>3/3/17</a:t>
             </a:fld>
             <a:endParaRPr lang="en-US"/>
           </a:p>
@@ -2607,7 +2623,7 @@
           <a:p>
             <a:fld id="{78C97017-6FC3-485B-9764-EAC9E56C1D49}" type="datetimeFigureOut">
               <a:rPr lang="en-US" smtClean="0"/>
-              <a:t>11/19/2016</a:t>
+              <a:t>3/3/17</a:t>
             </a:fld>
             <a:endParaRPr lang="en-US"/>
           </a:p>
@@ -2860,7 +2876,7 @@
           <a:p>
             <a:fld id="{78C97017-6FC3-485B-9764-EAC9E56C1D49}" type="datetimeFigureOut">
               <a:rPr lang="en-US" smtClean="0"/>
-              <a:t>11/19/2016</a:t>
+              <a:t>3/3/17</a:t>
             </a:fld>
             <a:endParaRPr lang="en-US"/>
           </a:p>
@@ -3073,7 +3089,7 @@
           <a:p>
             <a:fld id="{78C97017-6FC3-485B-9764-EAC9E56C1D49}" type="datetimeFigureOut">
               <a:rPr lang="en-US" smtClean="0"/>
-              <a:t>11/19/2016</a:t>
+              <a:t>3/3/17</a:t>
             </a:fld>
             <a:endParaRPr lang="en-US"/>
           </a:p>
@@ -3457,7 +3473,7 @@
         <p:spPr>
           <a:xfrm>
             <a:off x="1119865" y="1727200"/>
-            <a:ext cx="7490735" cy="2997200"/>
+            <a:ext cx="7795535" cy="2997200"/>
           </a:xfrm>
           <a:prstGeom prst="roundRect">
             <a:avLst>
@@ -4096,7 +4112,7 @@
                   <a:srgbClr val="7030A0"/>
                 </a:solidFill>
               </a:rPr>
-              <a:t>AddressBook</a:t>
+              <a:t>TaskManager</a:t>
             </a:r>
             <a:endParaRPr lang="en-SG" sz="1050" dirty="0">
               <a:solidFill>
@@ -4238,7 +4254,7 @@
                   <a:srgbClr val="7030A0"/>
                 </a:solidFill>
               </a:rPr>
-              <a:t>UniquePersonList</a:t>
+              <a:t>UniqueTaskList</a:t>
             </a:r>
             <a:endParaRPr lang="en-SG" sz="1050" dirty="0">
               <a:solidFill>
@@ -4481,7 +4497,7 @@
                   <a:srgbClr val="7030A0"/>
                 </a:solidFill>
               </a:rPr>
-              <a:t>Person</a:t>
+              <a:t>Task</a:t>
             </a:r>
             <a:endParaRPr lang="en-SG" sz="1050" dirty="0">
               <a:solidFill>
@@ -4780,7 +4796,7 @@
                   <a:srgbClr val="7030A0"/>
                 </a:solidFill>
               </a:rPr>
-              <a:t>ReadOnlyPerson</a:t>
+              <a:t>ReadOnlyTask</a:t>
             </a:r>
             <a:endParaRPr lang="en-SG" sz="1050" dirty="0">
               <a:solidFill>
@@ -4799,7 +4815,7 @@
         <p:spPr>
           <a:xfrm>
             <a:off x="7712397" y="2564238"/>
-            <a:ext cx="708186" cy="285783"/>
+            <a:ext cx="898202" cy="285783"/>
           </a:xfrm>
           <a:prstGeom prst="rect">
             <a:avLst/>
@@ -4836,7 +4852,7 @@
                   <a:srgbClr val="7030A0"/>
                 </a:solidFill>
               </a:rPr>
-              <a:t>Name</a:t>
+              <a:t>Title</a:t>
             </a:r>
             <a:endParaRPr lang="en-SG" sz="1050" dirty="0">
               <a:solidFill>
@@ -4942,8 +4958,8 @@
         </p:nvSpPr>
         <p:spPr>
           <a:xfrm>
-            <a:off x="7712397" y="2887216"/>
-            <a:ext cx="708186" cy="285783"/>
+            <a:off x="7712396" y="2887216"/>
+            <a:ext cx="898203" cy="541784"/>
           </a:xfrm>
           <a:prstGeom prst="rect">
             <a:avLst/>
@@ -4980,7 +4996,7 @@
                   <a:srgbClr val="7030A0"/>
                 </a:solidFill>
               </a:rPr>
-              <a:t>Phone</a:t>
+              <a:t>Task Description</a:t>
             </a:r>
             <a:endParaRPr lang="en-SG" sz="1050" dirty="0">
               <a:solidFill>
@@ -5000,9 +5016,9 @@
           <p:nvPr/>
         </p:nvCxnSpPr>
         <p:spPr>
-          <a:xfrm flipV="1">
-            <a:off x="7277995" y="3030108"/>
-            <a:ext cx="434402" cy="4783"/>
+          <a:xfrm>
+            <a:off x="7277995" y="3034891"/>
+            <a:ext cx="434401" cy="123217"/>
           </a:xfrm>
           <a:prstGeom prst="bentConnector3">
             <a:avLst/>
@@ -5039,8 +5055,8 @@
         </p:nvSpPr>
         <p:spPr>
           <a:xfrm>
-            <a:off x="7712397" y="3210194"/>
-            <a:ext cx="708186" cy="285783"/>
+            <a:off x="7708158" y="3477500"/>
+            <a:ext cx="888898" cy="285783"/>
           </a:xfrm>
           <a:prstGeom prst="rect">
             <a:avLst/>
@@ -5077,7 +5093,7 @@
                   <a:srgbClr val="7030A0"/>
                 </a:solidFill>
               </a:rPr>
-              <a:t>Email</a:t>
+              <a:t>Date/Time</a:t>
             </a:r>
             <a:endParaRPr lang="en-SG" sz="1050" dirty="0">
               <a:solidFill>
@@ -5099,7 +5115,7 @@
         <p:spPr>
           <a:xfrm>
             <a:off x="7277995" y="3034891"/>
-            <a:ext cx="434402" cy="318195"/>
+            <a:ext cx="430163" cy="585501"/>
           </a:xfrm>
           <a:prstGeom prst="bentConnector3">
             <a:avLst/>
@@ -5136,8 +5152,8 @@
         </p:nvSpPr>
         <p:spPr>
           <a:xfrm>
-            <a:off x="7712397" y="3533171"/>
-            <a:ext cx="708186" cy="285783"/>
+            <a:off x="7708158" y="3811783"/>
+            <a:ext cx="888898" cy="285783"/>
           </a:xfrm>
           <a:prstGeom prst="rect">
             <a:avLst/>
@@ -5169,12 +5185,12 @@
           <a:p>
             <a:pPr algn="ctr"/>
             <a:r>
-              <a:rPr lang="en-US" sz="1050" dirty="0" smtClean="0">
+              <a:rPr lang="en-SG" sz="1050" dirty="0" smtClean="0">
                 <a:solidFill>
                   <a:srgbClr val="7030A0"/>
                 </a:solidFill>
               </a:rPr>
-              <a:t>Address</a:t>
+              <a:t>Location</a:t>
             </a:r>
             <a:endParaRPr lang="en-SG" sz="1050" dirty="0">
               <a:solidFill>
@@ -5196,7 +5212,7 @@
         <p:spPr>
           <a:xfrm>
             <a:off x="7277995" y="3034891"/>
-            <a:ext cx="434402" cy="641172"/>
+            <a:ext cx="430163" cy="919784"/>
           </a:xfrm>
           <a:prstGeom prst="bentConnector3">
             <a:avLst/>
@@ -5377,7 +5393,7 @@
                   <a:srgbClr val="7030A0"/>
                 </a:solidFill>
               </a:rPr>
-              <a:t>ReadOnlyAddressBook</a:t>
+              <a:t>ReadOnlyTaskManager</a:t>
             </a:r>
             <a:endParaRPr lang="en-SG" sz="1050" dirty="0">
               <a:solidFill>

--- a/docs/diagrams/ModelComponentClassDiagram.pptx
+++ b/docs/diagrams/ModelComponentClassDiagram.pptx
@@ -107,6 +107,22 @@
       </a:defRPr>
     </a:lvl9pPr>
   </p:defaultTextStyle>
+  <p:extLst>
+    <p:ext uri="{EFAFB233-063F-42B5-8137-9DF3F51BA10A}">
+      <p15:sldGuideLst xmlns:p15="http://schemas.microsoft.com/office/powerpoint/2012/main">
+        <p15:guide id="1" orient="horz" pos="1488">
+          <p15:clr>
+            <a:srgbClr val="A4A3A4"/>
+          </p15:clr>
+        </p15:guide>
+        <p15:guide id="2" pos="2880">
+          <p15:clr>
+            <a:srgbClr val="A4A3A4"/>
+          </p15:clr>
+        </p15:guide>
+      </p15:sldGuideLst>
+    </p:ext>
+  </p:extLst>
 </p:presentation>
 </file>
 
@@ -192,7 +208,7 @@
           <a:p>
             <a:fld id="{F5CC4B3F-88C1-4FFA-B1B6-F41C21DC6924}" type="datetimeFigureOut">
               <a:rPr lang="en-US" smtClean="0"/>
-              <a:t>11/19/2016</a:t>
+              <a:t>3/7/2017</a:t>
             </a:fld>
             <a:endParaRPr lang="en-US"/>
           </a:p>
@@ -256,38 +272,37 @@
           <a:p>
             <a:pPr lvl="0"/>
             <a:r>
-              <a:rPr lang="en-US" smtClean="0"/>
+              <a:rPr lang="en-US"/>
               <a:t>Click to edit Master text styles</a:t>
             </a:r>
           </a:p>
           <a:p>
             <a:pPr lvl="1"/>
             <a:r>
-              <a:rPr lang="en-US" smtClean="0"/>
+              <a:rPr lang="en-US"/>
               <a:t>Second level</a:t>
             </a:r>
           </a:p>
           <a:p>
             <a:pPr lvl="2"/>
             <a:r>
-              <a:rPr lang="en-US" smtClean="0"/>
+              <a:rPr lang="en-US"/>
               <a:t>Third level</a:t>
             </a:r>
           </a:p>
           <a:p>
             <a:pPr lvl="3"/>
             <a:r>
-              <a:rPr lang="en-US" smtClean="0"/>
+              <a:rPr lang="en-US"/>
               <a:t>Fourth level</a:t>
             </a:r>
           </a:p>
           <a:p>
             <a:pPr lvl="4"/>
             <a:r>
-              <a:rPr lang="en-US" smtClean="0"/>
+              <a:rPr lang="en-US"/>
               <a:t>Fifth level</a:t>
             </a:r>
-            <a:endParaRPr lang="en-US"/>
           </a:p>
         </p:txBody>
       </p:sp>
@@ -498,10 +513,9 @@
           <a:lstStyle/>
           <a:p>
             <a:r>
-              <a:rPr lang="en-US" smtClean="0"/>
+              <a:rPr lang="en-US"/>
               <a:t>Click to edit Master title style</a:t>
             </a:r>
-            <a:endParaRPr lang="en-US"/>
           </a:p>
         </p:txBody>
       </p:sp>
@@ -617,10 +631,9 @@
           </a:lstStyle>
           <a:p>
             <a:r>
-              <a:rPr lang="en-US" smtClean="0"/>
+              <a:rPr lang="en-US"/>
               <a:t>Click to edit Master subtitle style</a:t>
             </a:r>
-            <a:endParaRPr lang="en-US"/>
           </a:p>
         </p:txBody>
       </p:sp>
@@ -641,7 +654,7 @@
           <a:p>
             <a:fld id="{78C97017-6FC3-485B-9764-EAC9E56C1D49}" type="datetimeFigureOut">
               <a:rPr lang="en-US" smtClean="0"/>
-              <a:t>11/19/2016</a:t>
+              <a:t>3/7/2017</a:t>
             </a:fld>
             <a:endParaRPr lang="en-US"/>
           </a:p>
@@ -735,10 +748,9 @@
           <a:lstStyle/>
           <a:p>
             <a:r>
-              <a:rPr lang="en-US" smtClean="0"/>
+              <a:rPr lang="en-US"/>
               <a:t>Click to edit Master title style</a:t>
             </a:r>
-            <a:endParaRPr lang="en-US"/>
           </a:p>
         </p:txBody>
       </p:sp>
@@ -759,38 +771,37 @@
           <a:p>
             <a:pPr lvl="0"/>
             <a:r>
-              <a:rPr lang="en-US" smtClean="0"/>
+              <a:rPr lang="en-US"/>
               <a:t>Click to edit Master text styles</a:t>
             </a:r>
           </a:p>
           <a:p>
             <a:pPr lvl="1"/>
             <a:r>
-              <a:rPr lang="en-US" smtClean="0"/>
+              <a:rPr lang="en-US"/>
               <a:t>Second level</a:t>
             </a:r>
           </a:p>
           <a:p>
             <a:pPr lvl="2"/>
             <a:r>
-              <a:rPr lang="en-US" smtClean="0"/>
+              <a:rPr lang="en-US"/>
               <a:t>Third level</a:t>
             </a:r>
           </a:p>
           <a:p>
             <a:pPr lvl="3"/>
             <a:r>
-              <a:rPr lang="en-US" smtClean="0"/>
+              <a:rPr lang="en-US"/>
               <a:t>Fourth level</a:t>
             </a:r>
           </a:p>
           <a:p>
             <a:pPr lvl="4"/>
             <a:r>
-              <a:rPr lang="en-US" smtClean="0"/>
+              <a:rPr lang="en-US"/>
               <a:t>Fifth level</a:t>
             </a:r>
-            <a:endParaRPr lang="en-US"/>
           </a:p>
         </p:txBody>
       </p:sp>
@@ -811,7 +822,7 @@
           <a:p>
             <a:fld id="{78C97017-6FC3-485B-9764-EAC9E56C1D49}" type="datetimeFigureOut">
               <a:rPr lang="en-US" smtClean="0"/>
-              <a:t>11/19/2016</a:t>
+              <a:t>3/7/2017</a:t>
             </a:fld>
             <a:endParaRPr lang="en-US"/>
           </a:p>
@@ -910,10 +921,9 @@
           <a:lstStyle/>
           <a:p>
             <a:r>
-              <a:rPr lang="en-US" smtClean="0"/>
+              <a:rPr lang="en-US"/>
               <a:t>Click to edit Master title style</a:t>
             </a:r>
-            <a:endParaRPr lang="en-US"/>
           </a:p>
         </p:txBody>
       </p:sp>
@@ -939,38 +949,37 @@
           <a:p>
             <a:pPr lvl="0"/>
             <a:r>
-              <a:rPr lang="en-US" smtClean="0"/>
+              <a:rPr lang="en-US"/>
               <a:t>Click to edit Master text styles</a:t>
             </a:r>
           </a:p>
           <a:p>
             <a:pPr lvl="1"/>
             <a:r>
-              <a:rPr lang="en-US" smtClean="0"/>
+              <a:rPr lang="en-US"/>
               <a:t>Second level</a:t>
             </a:r>
           </a:p>
           <a:p>
             <a:pPr lvl="2"/>
             <a:r>
-              <a:rPr lang="en-US" smtClean="0"/>
+              <a:rPr lang="en-US"/>
               <a:t>Third level</a:t>
             </a:r>
           </a:p>
           <a:p>
             <a:pPr lvl="3"/>
             <a:r>
-              <a:rPr lang="en-US" smtClean="0"/>
+              <a:rPr lang="en-US"/>
               <a:t>Fourth level</a:t>
             </a:r>
           </a:p>
           <a:p>
             <a:pPr lvl="4"/>
             <a:r>
-              <a:rPr lang="en-US" smtClean="0"/>
+              <a:rPr lang="en-US"/>
               <a:t>Fifth level</a:t>
             </a:r>
-            <a:endParaRPr lang="en-US"/>
           </a:p>
         </p:txBody>
       </p:sp>
@@ -991,7 +1000,7 @@
           <a:p>
             <a:fld id="{78C97017-6FC3-485B-9764-EAC9E56C1D49}" type="datetimeFigureOut">
               <a:rPr lang="en-US" smtClean="0"/>
-              <a:t>11/19/2016</a:t>
+              <a:t>3/7/2017</a:t>
             </a:fld>
             <a:endParaRPr lang="en-US"/>
           </a:p>
@@ -1085,10 +1094,9 @@
           <a:lstStyle/>
           <a:p>
             <a:r>
-              <a:rPr lang="en-US" smtClean="0"/>
+              <a:rPr lang="en-US"/>
               <a:t>Click to edit Master title style</a:t>
             </a:r>
-            <a:endParaRPr lang="en-US"/>
           </a:p>
         </p:txBody>
       </p:sp>
@@ -1109,38 +1117,37 @@
           <a:p>
             <a:pPr lvl="0"/>
             <a:r>
-              <a:rPr lang="en-US" smtClean="0"/>
+              <a:rPr lang="en-US"/>
               <a:t>Click to edit Master text styles</a:t>
             </a:r>
           </a:p>
           <a:p>
             <a:pPr lvl="1"/>
             <a:r>
-              <a:rPr lang="en-US" smtClean="0"/>
+              <a:rPr lang="en-US"/>
               <a:t>Second level</a:t>
             </a:r>
           </a:p>
           <a:p>
             <a:pPr lvl="2"/>
             <a:r>
-              <a:rPr lang="en-US" smtClean="0"/>
+              <a:rPr lang="en-US"/>
               <a:t>Third level</a:t>
             </a:r>
           </a:p>
           <a:p>
             <a:pPr lvl="3"/>
             <a:r>
-              <a:rPr lang="en-US" smtClean="0"/>
+              <a:rPr lang="en-US"/>
               <a:t>Fourth level</a:t>
             </a:r>
           </a:p>
           <a:p>
             <a:pPr lvl="4"/>
             <a:r>
-              <a:rPr lang="en-US" smtClean="0"/>
+              <a:rPr lang="en-US"/>
               <a:t>Fifth level</a:t>
             </a:r>
-            <a:endParaRPr lang="en-US"/>
           </a:p>
         </p:txBody>
       </p:sp>
@@ -1161,7 +1168,7 @@
           <a:p>
             <a:fld id="{78C97017-6FC3-485B-9764-EAC9E56C1D49}" type="datetimeFigureOut">
               <a:rPr lang="en-US" smtClean="0"/>
-              <a:t>11/19/2016</a:t>
+              <a:t>3/7/2017</a:t>
             </a:fld>
             <a:endParaRPr lang="en-US"/>
           </a:p>
@@ -1264,10 +1271,9 @@
           </a:lstStyle>
           <a:p>
             <a:r>
-              <a:rPr lang="en-US" smtClean="0"/>
+              <a:rPr lang="en-US"/>
               <a:t>Click to edit Master title style</a:t>
             </a:r>
-            <a:endParaRPr lang="en-US"/>
           </a:p>
         </p:txBody>
       </p:sp>
@@ -1384,7 +1390,7 @@
           <a:p>
             <a:pPr lvl="0"/>
             <a:r>
-              <a:rPr lang="en-US" smtClean="0"/>
+              <a:rPr lang="en-US"/>
               <a:t>Click to edit Master text styles</a:t>
             </a:r>
           </a:p>
@@ -1407,7 +1413,7 @@
           <a:p>
             <a:fld id="{78C97017-6FC3-485B-9764-EAC9E56C1D49}" type="datetimeFigureOut">
               <a:rPr lang="en-US" smtClean="0"/>
-              <a:t>11/19/2016</a:t>
+              <a:t>3/7/2017</a:t>
             </a:fld>
             <a:endParaRPr lang="en-US"/>
           </a:p>
@@ -1501,10 +1507,9 @@
           <a:lstStyle/>
           <a:p>
             <a:r>
-              <a:rPr lang="en-US" smtClean="0"/>
+              <a:rPr lang="en-US"/>
               <a:t>Click to edit Master title style</a:t>
             </a:r>
-            <a:endParaRPr lang="en-US"/>
           </a:p>
         </p:txBody>
       </p:sp>
@@ -1558,38 +1563,37 @@
           <a:p>
             <a:pPr lvl="0"/>
             <a:r>
-              <a:rPr lang="en-US" smtClean="0"/>
+              <a:rPr lang="en-US"/>
               <a:t>Click to edit Master text styles</a:t>
             </a:r>
           </a:p>
           <a:p>
             <a:pPr lvl="1"/>
             <a:r>
-              <a:rPr lang="en-US" smtClean="0"/>
+              <a:rPr lang="en-US"/>
               <a:t>Second level</a:t>
             </a:r>
           </a:p>
           <a:p>
             <a:pPr lvl="2"/>
             <a:r>
-              <a:rPr lang="en-US" smtClean="0"/>
+              <a:rPr lang="en-US"/>
               <a:t>Third level</a:t>
             </a:r>
           </a:p>
           <a:p>
             <a:pPr lvl="3"/>
             <a:r>
-              <a:rPr lang="en-US" smtClean="0"/>
+              <a:rPr lang="en-US"/>
               <a:t>Fourth level</a:t>
             </a:r>
           </a:p>
           <a:p>
             <a:pPr lvl="4"/>
             <a:r>
-              <a:rPr lang="en-US" smtClean="0"/>
+              <a:rPr lang="en-US"/>
               <a:t>Fifth level</a:t>
             </a:r>
-            <a:endParaRPr lang="en-US"/>
           </a:p>
         </p:txBody>
       </p:sp>
@@ -1643,38 +1647,37 @@
           <a:p>
             <a:pPr lvl="0"/>
             <a:r>
-              <a:rPr lang="en-US" smtClean="0"/>
+              <a:rPr lang="en-US"/>
               <a:t>Click to edit Master text styles</a:t>
             </a:r>
           </a:p>
           <a:p>
             <a:pPr lvl="1"/>
             <a:r>
-              <a:rPr lang="en-US" smtClean="0"/>
+              <a:rPr lang="en-US"/>
               <a:t>Second level</a:t>
             </a:r>
           </a:p>
           <a:p>
             <a:pPr lvl="2"/>
             <a:r>
-              <a:rPr lang="en-US" smtClean="0"/>
+              <a:rPr lang="en-US"/>
               <a:t>Third level</a:t>
             </a:r>
           </a:p>
           <a:p>
             <a:pPr lvl="3"/>
             <a:r>
-              <a:rPr lang="en-US" smtClean="0"/>
+              <a:rPr lang="en-US"/>
               <a:t>Fourth level</a:t>
             </a:r>
           </a:p>
           <a:p>
             <a:pPr lvl="4"/>
             <a:r>
-              <a:rPr lang="en-US" smtClean="0"/>
+              <a:rPr lang="en-US"/>
               <a:t>Fifth level</a:t>
             </a:r>
-            <a:endParaRPr lang="en-US"/>
           </a:p>
         </p:txBody>
       </p:sp>
@@ -1695,7 +1698,7 @@
           <a:p>
             <a:fld id="{78C97017-6FC3-485B-9764-EAC9E56C1D49}" type="datetimeFigureOut">
               <a:rPr lang="en-US" smtClean="0"/>
-              <a:t>11/19/2016</a:t>
+              <a:t>3/7/2017</a:t>
             </a:fld>
             <a:endParaRPr lang="en-US"/>
           </a:p>
@@ -1793,10 +1796,9 @@
           </a:lstStyle>
           <a:p>
             <a:r>
-              <a:rPr lang="en-US" smtClean="0"/>
+              <a:rPr lang="en-US"/>
               <a:t>Click to edit Master title style</a:t>
             </a:r>
-            <a:endParaRPr lang="en-US"/>
           </a:p>
         </p:txBody>
       </p:sp>
@@ -1859,7 +1861,7 @@
           <a:p>
             <a:pPr lvl="0"/>
             <a:r>
-              <a:rPr lang="en-US" smtClean="0"/>
+              <a:rPr lang="en-US"/>
               <a:t>Click to edit Master text styles</a:t>
             </a:r>
           </a:p>
@@ -1915,38 +1917,37 @@
           <a:p>
             <a:pPr lvl="0"/>
             <a:r>
-              <a:rPr lang="en-US" smtClean="0"/>
+              <a:rPr lang="en-US"/>
               <a:t>Click to edit Master text styles</a:t>
             </a:r>
           </a:p>
           <a:p>
             <a:pPr lvl="1"/>
             <a:r>
-              <a:rPr lang="en-US" smtClean="0"/>
+              <a:rPr lang="en-US"/>
               <a:t>Second level</a:t>
             </a:r>
           </a:p>
           <a:p>
             <a:pPr lvl="2"/>
             <a:r>
-              <a:rPr lang="en-US" smtClean="0"/>
+              <a:rPr lang="en-US"/>
               <a:t>Third level</a:t>
             </a:r>
           </a:p>
           <a:p>
             <a:pPr lvl="3"/>
             <a:r>
-              <a:rPr lang="en-US" smtClean="0"/>
+              <a:rPr lang="en-US"/>
               <a:t>Fourth level</a:t>
             </a:r>
           </a:p>
           <a:p>
             <a:pPr lvl="4"/>
             <a:r>
-              <a:rPr lang="en-US" smtClean="0"/>
+              <a:rPr lang="en-US"/>
               <a:t>Fifth level</a:t>
             </a:r>
-            <a:endParaRPr lang="en-US"/>
           </a:p>
         </p:txBody>
       </p:sp>
@@ -2009,7 +2010,7 @@
           <a:p>
             <a:pPr lvl="0"/>
             <a:r>
-              <a:rPr lang="en-US" smtClean="0"/>
+              <a:rPr lang="en-US"/>
               <a:t>Click to edit Master text styles</a:t>
             </a:r>
           </a:p>
@@ -2065,38 +2066,37 @@
           <a:p>
             <a:pPr lvl="0"/>
             <a:r>
-              <a:rPr lang="en-US" smtClean="0"/>
+              <a:rPr lang="en-US"/>
               <a:t>Click to edit Master text styles</a:t>
             </a:r>
           </a:p>
           <a:p>
             <a:pPr lvl="1"/>
             <a:r>
-              <a:rPr lang="en-US" smtClean="0"/>
+              <a:rPr lang="en-US"/>
               <a:t>Second level</a:t>
             </a:r>
           </a:p>
           <a:p>
             <a:pPr lvl="2"/>
             <a:r>
-              <a:rPr lang="en-US" smtClean="0"/>
+              <a:rPr lang="en-US"/>
               <a:t>Third level</a:t>
             </a:r>
           </a:p>
           <a:p>
             <a:pPr lvl="3"/>
             <a:r>
-              <a:rPr lang="en-US" smtClean="0"/>
+              <a:rPr lang="en-US"/>
               <a:t>Fourth level</a:t>
             </a:r>
           </a:p>
           <a:p>
             <a:pPr lvl="4"/>
             <a:r>
-              <a:rPr lang="en-US" smtClean="0"/>
+              <a:rPr lang="en-US"/>
               <a:t>Fifth level</a:t>
             </a:r>
-            <a:endParaRPr lang="en-US"/>
           </a:p>
         </p:txBody>
       </p:sp>
@@ -2117,7 +2117,7 @@
           <a:p>
             <a:fld id="{78C97017-6FC3-485B-9764-EAC9E56C1D49}" type="datetimeFigureOut">
               <a:rPr lang="en-US" smtClean="0"/>
-              <a:t>11/19/2016</a:t>
+              <a:t>3/7/2017</a:t>
             </a:fld>
             <a:endParaRPr lang="en-US"/>
           </a:p>
@@ -2211,10 +2211,9 @@
           <a:lstStyle/>
           <a:p>
             <a:r>
-              <a:rPr lang="en-US" smtClean="0"/>
+              <a:rPr lang="en-US"/>
               <a:t>Click to edit Master title style</a:t>
             </a:r>
-            <a:endParaRPr lang="en-US"/>
           </a:p>
         </p:txBody>
       </p:sp>
@@ -2235,7 +2234,7 @@
           <a:p>
             <a:fld id="{78C97017-6FC3-485B-9764-EAC9E56C1D49}" type="datetimeFigureOut">
               <a:rPr lang="en-US" smtClean="0"/>
-              <a:t>11/19/2016</a:t>
+              <a:t>3/7/2017</a:t>
             </a:fld>
             <a:endParaRPr lang="en-US"/>
           </a:p>
@@ -2330,7 +2329,7 @@
           <a:p>
             <a:fld id="{78C97017-6FC3-485B-9764-EAC9E56C1D49}" type="datetimeFigureOut">
               <a:rPr lang="en-US" smtClean="0"/>
-              <a:t>11/19/2016</a:t>
+              <a:t>3/7/2017</a:t>
             </a:fld>
             <a:endParaRPr lang="en-US"/>
           </a:p>
@@ -2433,10 +2432,9 @@
           </a:lstStyle>
           <a:p>
             <a:r>
-              <a:rPr lang="en-US" smtClean="0"/>
+              <a:rPr lang="en-US"/>
               <a:t>Click to edit Master title style</a:t>
             </a:r>
-            <a:endParaRPr lang="en-US"/>
           </a:p>
         </p:txBody>
       </p:sp>
@@ -2490,38 +2488,37 @@
           <a:p>
             <a:pPr lvl="0"/>
             <a:r>
-              <a:rPr lang="en-US" smtClean="0"/>
+              <a:rPr lang="en-US"/>
               <a:t>Click to edit Master text styles</a:t>
             </a:r>
           </a:p>
           <a:p>
             <a:pPr lvl="1"/>
             <a:r>
-              <a:rPr lang="en-US" smtClean="0"/>
+              <a:rPr lang="en-US"/>
               <a:t>Second level</a:t>
             </a:r>
           </a:p>
           <a:p>
             <a:pPr lvl="2"/>
             <a:r>
-              <a:rPr lang="en-US" smtClean="0"/>
+              <a:rPr lang="en-US"/>
               <a:t>Third level</a:t>
             </a:r>
           </a:p>
           <a:p>
             <a:pPr lvl="3"/>
             <a:r>
-              <a:rPr lang="en-US" smtClean="0"/>
+              <a:rPr lang="en-US"/>
               <a:t>Fourth level</a:t>
             </a:r>
           </a:p>
           <a:p>
             <a:pPr lvl="4"/>
             <a:r>
-              <a:rPr lang="en-US" smtClean="0"/>
+              <a:rPr lang="en-US"/>
               <a:t>Fifth level</a:t>
             </a:r>
-            <a:endParaRPr lang="en-US"/>
           </a:p>
         </p:txBody>
       </p:sp>
@@ -2584,7 +2581,7 @@
           <a:p>
             <a:pPr lvl="0"/>
             <a:r>
-              <a:rPr lang="en-US" smtClean="0"/>
+              <a:rPr lang="en-US"/>
               <a:t>Click to edit Master text styles</a:t>
             </a:r>
           </a:p>
@@ -2607,7 +2604,7 @@
           <a:p>
             <a:fld id="{78C97017-6FC3-485B-9764-EAC9E56C1D49}" type="datetimeFigureOut">
               <a:rPr lang="en-US" smtClean="0"/>
-              <a:t>11/19/2016</a:t>
+              <a:t>3/7/2017</a:t>
             </a:fld>
             <a:endParaRPr lang="en-US"/>
           </a:p>
@@ -2710,10 +2707,9 @@
           </a:lstStyle>
           <a:p>
             <a:r>
-              <a:rPr lang="en-US" smtClean="0"/>
+              <a:rPr lang="en-US"/>
               <a:t>Click to edit Master title style</a:t>
             </a:r>
-            <a:endParaRPr lang="en-US"/>
           </a:p>
         </p:txBody>
       </p:sp>
@@ -2837,7 +2833,7 @@
           <a:p>
             <a:pPr lvl="0"/>
             <a:r>
-              <a:rPr lang="en-US" smtClean="0"/>
+              <a:rPr lang="en-US"/>
               <a:t>Click to edit Master text styles</a:t>
             </a:r>
           </a:p>
@@ -2860,7 +2856,7 @@
           <a:p>
             <a:fld id="{78C97017-6FC3-485B-9764-EAC9E56C1D49}" type="datetimeFigureOut">
               <a:rPr lang="en-US" smtClean="0"/>
-              <a:t>11/19/2016</a:t>
+              <a:t>3/7/2017</a:t>
             </a:fld>
             <a:endParaRPr lang="en-US"/>
           </a:p>
@@ -2925,9 +2921,14 @@
 <p:sldMaster xmlns:a="http://schemas.openxmlformats.org/drawingml/2006/main" xmlns:r="http://schemas.openxmlformats.org/officeDocument/2006/relationships" xmlns:p="http://schemas.openxmlformats.org/presentationml/2006/main">
   <p:cSld>
     <p:bg>
-      <p:bgRef idx="1001">
-        <a:schemeClr val="bg1"/>
-      </p:bgRef>
+      <p:bgPr>
+        <a:solidFill>
+          <a:schemeClr val="bg1">
+            <a:alpha val="0"/>
+          </a:schemeClr>
+        </a:solidFill>
+        <a:effectLst/>
+      </p:bgPr>
     </p:bg>
     <p:spTree>
       <p:nvGrpSpPr>
@@ -2969,10 +2970,9 @@
           <a:lstStyle/>
           <a:p>
             <a:r>
-              <a:rPr lang="en-US" smtClean="0"/>
+              <a:rPr lang="en-US"/>
               <a:t>Click to edit Master title style</a:t>
             </a:r>
-            <a:endParaRPr lang="en-US"/>
           </a:p>
         </p:txBody>
       </p:sp>
@@ -3003,38 +3003,37 @@
           <a:p>
             <a:pPr lvl="0"/>
             <a:r>
-              <a:rPr lang="en-US" smtClean="0"/>
+              <a:rPr lang="en-US"/>
               <a:t>Click to edit Master text styles</a:t>
             </a:r>
           </a:p>
           <a:p>
             <a:pPr lvl="1"/>
             <a:r>
-              <a:rPr lang="en-US" smtClean="0"/>
+              <a:rPr lang="en-US"/>
               <a:t>Second level</a:t>
             </a:r>
           </a:p>
           <a:p>
             <a:pPr lvl="2"/>
             <a:r>
-              <a:rPr lang="en-US" smtClean="0"/>
+              <a:rPr lang="en-US"/>
               <a:t>Third level</a:t>
             </a:r>
           </a:p>
           <a:p>
             <a:pPr lvl="3"/>
             <a:r>
-              <a:rPr lang="en-US" smtClean="0"/>
+              <a:rPr lang="en-US"/>
               <a:t>Fourth level</a:t>
             </a:r>
           </a:p>
           <a:p>
             <a:pPr lvl="4"/>
             <a:r>
-              <a:rPr lang="en-US" smtClean="0"/>
+              <a:rPr lang="en-US"/>
               <a:t>Fifth level</a:t>
             </a:r>
-            <a:endParaRPr lang="en-US"/>
           </a:p>
         </p:txBody>
       </p:sp>
@@ -3073,7 +3072,7 @@
           <a:p>
             <a:fld id="{78C97017-6FC3-485B-9764-EAC9E56C1D49}" type="datetimeFigureOut">
               <a:rPr lang="en-US" smtClean="0"/>
-              <a:t>11/19/2016</a:t>
+              <a:t>3/7/2017</a:t>
             </a:fld>
             <a:endParaRPr lang="en-US"/>
           </a:p>
@@ -3494,7 +3493,7 @@
           <a:lstStyle/>
           <a:p>
             <a:r>
-              <a:rPr lang="en-US" sz="1200" b="1" dirty="0" smtClean="0">
+              <a:rPr lang="en-US" sz="1200" b="1" dirty="0">
                 <a:solidFill>
                   <a:srgbClr val="7030A0"/>
                 </a:solidFill>
@@ -3553,7 +3552,7 @@
           <a:p>
             <a:pPr algn="ctr"/>
             <a:r>
-              <a:rPr lang="en-US" sz="1050" dirty="0" err="1" smtClean="0">
+              <a:rPr lang="en-US" sz="1050" dirty="0" err="1">
                 <a:solidFill>
                   <a:schemeClr val="bg1"/>
                 </a:solidFill>
@@ -3612,7 +3611,7 @@
           <a:p>
             <a:pPr algn="ctr"/>
             <a:r>
-              <a:rPr lang="en-US" sz="1050" dirty="0" err="1" smtClean="0">
+              <a:rPr lang="en-US" sz="1050" dirty="0" err="1">
                 <a:solidFill>
                   <a:schemeClr val="bg1"/>
                 </a:solidFill>
@@ -3767,7 +3766,7 @@
           <a:p>
             <a:pPr algn="ctr"/>
             <a:r>
-              <a:rPr lang="en-US" sz="1050" dirty="0" smtClean="0">
+              <a:rPr lang="en-US" sz="1050" dirty="0">
                 <a:solidFill>
                   <a:schemeClr val="bg1"/>
                 </a:solidFill>
@@ -4091,12 +4090,12 @@
           <a:p>
             <a:pPr algn="ctr"/>
             <a:r>
-              <a:rPr lang="en-US" sz="1050" dirty="0" err="1" smtClean="0">
+              <a:rPr lang="en-US" sz="1050" dirty="0" err="1">
                 <a:solidFill>
                   <a:srgbClr val="7030A0"/>
                 </a:solidFill>
               </a:rPr>
-              <a:t>AddressBook</a:t>
+              <a:t>TaskManager</a:t>
             </a:r>
             <a:endParaRPr lang="en-SG" sz="1050" dirty="0">
               <a:solidFill>
@@ -4233,12 +4232,12 @@
           <a:p>
             <a:pPr algn="ctr"/>
             <a:r>
-              <a:rPr lang="en-US" sz="1050" dirty="0" err="1" smtClean="0">
+              <a:rPr lang="en-US" sz="1050" dirty="0" err="1">
                 <a:solidFill>
                   <a:srgbClr val="7030A0"/>
                 </a:solidFill>
               </a:rPr>
-              <a:t>UniquePersonList</a:t>
+              <a:t>UniqueTaskList</a:t>
             </a:r>
             <a:endParaRPr lang="en-SG" sz="1050" dirty="0">
               <a:solidFill>
@@ -4377,7 +4376,7 @@
           <a:p>
             <a:pPr algn="ctr"/>
             <a:r>
-              <a:rPr lang="en-US" sz="1050" dirty="0" err="1" smtClean="0">
+              <a:rPr lang="en-US" sz="1050" dirty="0" err="1">
                 <a:solidFill>
                   <a:srgbClr val="7030A0"/>
                 </a:solidFill>
@@ -4476,12 +4475,12 @@
           <a:p>
             <a:pPr algn="ctr"/>
             <a:r>
-              <a:rPr lang="en-US" sz="1050" dirty="0" smtClean="0">
+              <a:rPr lang="en-US" sz="1050" dirty="0">
                 <a:solidFill>
                   <a:srgbClr val="7030A0"/>
                 </a:solidFill>
               </a:rPr>
-              <a:t>Person</a:t>
+              <a:t>Task</a:t>
             </a:r>
             <a:endParaRPr lang="en-SG" sz="1050" dirty="0">
               <a:solidFill>
@@ -4618,7 +4617,7 @@
           <a:p>
             <a:pPr algn="ctr"/>
             <a:r>
-              <a:rPr lang="en-US" sz="1050" dirty="0" smtClean="0">
+              <a:rPr lang="en-US" sz="1050" dirty="0">
                 <a:solidFill>
                   <a:srgbClr val="7030A0"/>
                 </a:solidFill>
@@ -4760,7 +4759,7 @@
           <a:p>
             <a:pPr algn="ctr"/>
             <a:r>
-              <a:rPr lang="en-US" sz="1050" dirty="0" smtClean="0">
+              <a:rPr lang="en-US" sz="1050" dirty="0">
                 <a:solidFill>
                   <a:srgbClr val="7030A0"/>
                 </a:solidFill>
@@ -4768,19 +4767,19 @@
               <a:t>&lt;&lt;interface&gt;&gt;</a:t>
             </a:r>
             <a:br>
-              <a:rPr lang="en-US" sz="1050" dirty="0" smtClean="0">
+              <a:rPr lang="en-US" sz="1050" dirty="0">
                 <a:solidFill>
                   <a:srgbClr val="7030A0"/>
                 </a:solidFill>
               </a:rPr>
             </a:br>
             <a:r>
-              <a:rPr lang="en-US" sz="1050" dirty="0" err="1" smtClean="0">
+              <a:rPr lang="en-US" sz="1050" dirty="0" err="1">
                 <a:solidFill>
                   <a:srgbClr val="7030A0"/>
                 </a:solidFill>
               </a:rPr>
-              <a:t>ReadOnlyPerson</a:t>
+              <a:t>ReadOnlyTask</a:t>
             </a:r>
             <a:endParaRPr lang="en-SG" sz="1050" dirty="0">
               <a:solidFill>
@@ -4831,7 +4830,7 @@
           <a:p>
             <a:pPr algn="ctr"/>
             <a:r>
-              <a:rPr lang="en-US" sz="1050" dirty="0" smtClean="0">
+              <a:rPr lang="en-US" sz="1050" dirty="0">
                 <a:solidFill>
                   <a:srgbClr val="7030A0"/>
                 </a:solidFill>
@@ -4975,12 +4974,12 @@
           <a:p>
             <a:pPr algn="ctr"/>
             <a:r>
-              <a:rPr lang="en-US" sz="1050" dirty="0" smtClean="0">
+              <a:rPr lang="en-US" sz="1050" dirty="0">
                 <a:solidFill>
                   <a:srgbClr val="7030A0"/>
                 </a:solidFill>
               </a:rPr>
-              <a:t>Phone</a:t>
+              <a:t>Note</a:t>
             </a:r>
             <a:endParaRPr lang="en-SG" sz="1050" dirty="0">
               <a:solidFill>
@@ -5072,12 +5071,12 @@
           <a:p>
             <a:pPr algn="ctr"/>
             <a:r>
-              <a:rPr lang="en-US" sz="1050" dirty="0" smtClean="0">
+              <a:rPr lang="en-US" sz="1050" dirty="0">
                 <a:solidFill>
                   <a:srgbClr val="7030A0"/>
                 </a:solidFill>
               </a:rPr>
-              <a:t>Email</a:t>
+              <a:t>Priority</a:t>
             </a:r>
             <a:endParaRPr lang="en-SG" sz="1050" dirty="0">
               <a:solidFill>
@@ -5169,12 +5168,12 @@
           <a:p>
             <a:pPr algn="ctr"/>
             <a:r>
-              <a:rPr lang="en-US" sz="1050" dirty="0" smtClean="0">
+              <a:rPr lang="en-US" sz="1050" dirty="0">
                 <a:solidFill>
                   <a:srgbClr val="7030A0"/>
                 </a:solidFill>
               </a:rPr>
-              <a:t>Address</a:t>
+              <a:t>Status</a:t>
             </a:r>
             <a:endParaRPr lang="en-SG" sz="1050" dirty="0">
               <a:solidFill>
@@ -5357,7 +5356,7 @@
           <a:p>
             <a:pPr algn="ctr"/>
             <a:r>
-              <a:rPr lang="en-US" sz="1050" dirty="0" smtClean="0">
+              <a:rPr lang="en-US" sz="1050" dirty="0">
                 <a:solidFill>
                   <a:srgbClr val="7030A0"/>
                 </a:solidFill>
@@ -5365,19 +5364,19 @@
               <a:t>&lt;&lt;interface&gt;&gt;</a:t>
             </a:r>
             <a:br>
-              <a:rPr lang="en-US" sz="1050" dirty="0" smtClean="0">
+              <a:rPr lang="en-US" sz="1050" dirty="0">
                 <a:solidFill>
                   <a:srgbClr val="7030A0"/>
                 </a:solidFill>
               </a:rPr>
             </a:br>
             <a:r>
-              <a:rPr lang="en-US" sz="1050" dirty="0" err="1" smtClean="0">
+              <a:rPr lang="en-US" sz="1050" dirty="0" err="1">
                 <a:solidFill>
                   <a:srgbClr val="7030A0"/>
                 </a:solidFill>
               </a:rPr>
-              <a:t>ReadOnlyAddressBook</a:t>
+              <a:t>ReadOnlyTaskManager</a:t>
             </a:r>
             <a:endParaRPr lang="en-SG" sz="1050" dirty="0">
               <a:solidFill>
@@ -5411,7 +5410,7 @@
           <a:p>
             <a:pPr algn="r"/>
             <a:r>
-              <a:rPr lang="en-US" sz="1100" dirty="0" smtClean="0">
+              <a:rPr lang="en-US" sz="1100" dirty="0">
                 <a:solidFill>
                   <a:srgbClr val="7030A0"/>
                 </a:solidFill>
@@ -5467,20 +5466,12 @@
           <a:p>
             <a:pPr algn="ctr"/>
             <a:r>
-              <a:rPr lang="en-US" sz="1050" dirty="0" smtClean="0">
+              <a:rPr lang="en-US" sz="1050" dirty="0">
                 <a:solidFill>
                   <a:srgbClr val="7030A0"/>
                 </a:solidFill>
               </a:rPr>
               <a:t>&lt;&lt;interface&gt;&gt;</a:t>
-            </a:r>
-            <a:r>
-              <a:rPr lang="en-US" sz="1050" dirty="0">
-                <a:solidFill>
-                  <a:srgbClr val="7030A0"/>
-                </a:solidFill>
-              </a:rPr>
-              <a:t/>
             </a:r>
             <a:br>
               <a:rPr lang="en-US" sz="1050" dirty="0">
@@ -5490,7 +5481,7 @@
               </a:rPr>
             </a:br>
             <a:r>
-              <a:rPr lang="en-US" sz="1050" dirty="0" err="1" smtClean="0">
+              <a:rPr lang="en-US" sz="1050" dirty="0" err="1">
                 <a:solidFill>
                   <a:srgbClr val="7030A0"/>
                 </a:solidFill>
@@ -5612,7 +5603,7 @@
           <a:p>
             <a:pPr algn="ctr"/>
             <a:r>
-              <a:rPr lang="en-US" sz="1100" dirty="0" smtClean="0">
+              <a:rPr lang="en-US" sz="1100" dirty="0">
                 <a:solidFill>
                   <a:srgbClr val="7030A0"/>
                 </a:solidFill>
@@ -5651,7 +5642,7 @@
           <a:p>
             <a:pPr algn="ctr"/>
             <a:r>
-              <a:rPr lang="en-US" sz="1100" dirty="0" smtClean="0">
+              <a:rPr lang="en-US" sz="1100" dirty="0">
                 <a:solidFill>
                   <a:srgbClr val="7030A0"/>
                 </a:solidFill>
@@ -5690,7 +5681,7 @@
           <a:p>
             <a:pPr algn="ctr"/>
             <a:r>
-              <a:rPr lang="en-US" sz="1100" dirty="0" smtClean="0">
+              <a:rPr lang="en-US" sz="1100" dirty="0">
                 <a:solidFill>
                   <a:srgbClr val="7030A0"/>
                 </a:solidFill>
@@ -5729,7 +5720,7 @@
           <a:p>
             <a:pPr algn="ctr"/>
             <a:r>
-              <a:rPr lang="en-US" sz="1100" dirty="0" smtClean="0">
+              <a:rPr lang="en-US" sz="1100" dirty="0">
                 <a:solidFill>
                   <a:srgbClr val="7030A0"/>
                 </a:solidFill>
@@ -5768,7 +5759,7 @@
           <a:p>
             <a:pPr algn="ctr"/>
             <a:r>
-              <a:rPr lang="en-US" sz="1100" dirty="0" smtClean="0">
+              <a:rPr lang="en-US" sz="1100" dirty="0">
                 <a:solidFill>
                   <a:srgbClr val="7030A0"/>
                 </a:solidFill>
@@ -5807,7 +5798,7 @@
           <a:p>
             <a:pPr algn="ctr"/>
             <a:r>
-              <a:rPr lang="en-US" sz="1100" dirty="0" smtClean="0">
+              <a:rPr lang="en-US" sz="1100" dirty="0">
                 <a:solidFill>
                   <a:srgbClr val="7030A0"/>
                 </a:solidFill>
@@ -5846,7 +5837,7 @@
           <a:p>
             <a:pPr algn="ctr"/>
             <a:r>
-              <a:rPr lang="en-US" sz="1100" dirty="0" smtClean="0">
+              <a:rPr lang="en-US" sz="1100" dirty="0">
                 <a:solidFill>
                   <a:srgbClr val="7030A0"/>
                 </a:solidFill>
@@ -5885,7 +5876,7 @@
           <a:p>
             <a:pPr algn="ctr"/>
             <a:r>
-              <a:rPr lang="en-US" sz="1100" dirty="0" smtClean="0">
+              <a:rPr lang="en-US" sz="1100" dirty="0">
                 <a:solidFill>
                   <a:srgbClr val="7030A0"/>
                 </a:solidFill>
@@ -5910,13 +5901,6 @@
   <p:clrMapOvr>
     <a:masterClrMapping/>
   </p:clrMapOvr>
-  <p:timing>
-    <p:tnLst>
-      <p:par>
-        <p:cTn id="1" dur="indefinite" restart="never" nodeType="tmRoot"/>
-      </p:par>
-    </p:tnLst>
-  </p:timing>
 </p:sld>
 </file>
 

--- a/docs/diagrams/ModelComponentClassDiagram.pptx
+++ b/docs/diagrams/ModelComponentClassDiagram.pptx
@@ -107,6 +107,22 @@
       </a:defRPr>
     </a:lvl9pPr>
   </p:defaultTextStyle>
+  <p:extLst>
+    <p:ext uri="{EFAFB233-063F-42B5-8137-9DF3F51BA10A}">
+      <p15:sldGuideLst xmlns:p15="http://schemas.microsoft.com/office/powerpoint/2012/main">
+        <p15:guide id="1" orient="horz" pos="1488">
+          <p15:clr>
+            <a:srgbClr val="A4A3A4"/>
+          </p15:clr>
+        </p15:guide>
+        <p15:guide id="2" pos="2880">
+          <p15:clr>
+            <a:srgbClr val="A4A3A4"/>
+          </p15:clr>
+        </p15:guide>
+      </p15:sldGuideLst>
+    </p:ext>
+  </p:extLst>
 </p:presentation>
 </file>
 
@@ -192,7 +208,7 @@
           <a:p>
             <a:fld id="{F5CC4B3F-88C1-4FFA-B1B6-F41C21DC6924}" type="datetimeFigureOut">
               <a:rPr lang="en-US" smtClean="0"/>
-              <a:t>11/19/2016</a:t>
+              <a:t>3/9/17</a:t>
             </a:fld>
             <a:endParaRPr lang="en-US"/>
           </a:p>
@@ -641,7 +657,7 @@
           <a:p>
             <a:fld id="{78C97017-6FC3-485B-9764-EAC9E56C1D49}" type="datetimeFigureOut">
               <a:rPr lang="en-US" smtClean="0"/>
-              <a:t>11/19/2016</a:t>
+              <a:t>3/9/17</a:t>
             </a:fld>
             <a:endParaRPr lang="en-US"/>
           </a:p>
@@ -811,7 +827,7 @@
           <a:p>
             <a:fld id="{78C97017-6FC3-485B-9764-EAC9E56C1D49}" type="datetimeFigureOut">
               <a:rPr lang="en-US" smtClean="0"/>
-              <a:t>11/19/2016</a:t>
+              <a:t>3/9/17</a:t>
             </a:fld>
             <a:endParaRPr lang="en-US"/>
           </a:p>
@@ -991,7 +1007,7 @@
           <a:p>
             <a:fld id="{78C97017-6FC3-485B-9764-EAC9E56C1D49}" type="datetimeFigureOut">
               <a:rPr lang="en-US" smtClean="0"/>
-              <a:t>11/19/2016</a:t>
+              <a:t>3/9/17</a:t>
             </a:fld>
             <a:endParaRPr lang="en-US"/>
           </a:p>
@@ -1161,7 +1177,7 @@
           <a:p>
             <a:fld id="{78C97017-6FC3-485B-9764-EAC9E56C1D49}" type="datetimeFigureOut">
               <a:rPr lang="en-US" smtClean="0"/>
-              <a:t>11/19/2016</a:t>
+              <a:t>3/9/17</a:t>
             </a:fld>
             <a:endParaRPr lang="en-US"/>
           </a:p>
@@ -1407,7 +1423,7 @@
           <a:p>
             <a:fld id="{78C97017-6FC3-485B-9764-EAC9E56C1D49}" type="datetimeFigureOut">
               <a:rPr lang="en-US" smtClean="0"/>
-              <a:t>11/19/2016</a:t>
+              <a:t>3/9/17</a:t>
             </a:fld>
             <a:endParaRPr lang="en-US"/>
           </a:p>
@@ -1695,7 +1711,7 @@
           <a:p>
             <a:fld id="{78C97017-6FC3-485B-9764-EAC9E56C1D49}" type="datetimeFigureOut">
               <a:rPr lang="en-US" smtClean="0"/>
-              <a:t>11/19/2016</a:t>
+              <a:t>3/9/17</a:t>
             </a:fld>
             <a:endParaRPr lang="en-US"/>
           </a:p>
@@ -2117,7 +2133,7 @@
           <a:p>
             <a:fld id="{78C97017-6FC3-485B-9764-EAC9E56C1D49}" type="datetimeFigureOut">
               <a:rPr lang="en-US" smtClean="0"/>
-              <a:t>11/19/2016</a:t>
+              <a:t>3/9/17</a:t>
             </a:fld>
             <a:endParaRPr lang="en-US"/>
           </a:p>
@@ -2235,7 +2251,7 @@
           <a:p>
             <a:fld id="{78C97017-6FC3-485B-9764-EAC9E56C1D49}" type="datetimeFigureOut">
               <a:rPr lang="en-US" smtClean="0"/>
-              <a:t>11/19/2016</a:t>
+              <a:t>3/9/17</a:t>
             </a:fld>
             <a:endParaRPr lang="en-US"/>
           </a:p>
@@ -2330,7 +2346,7 @@
           <a:p>
             <a:fld id="{78C97017-6FC3-485B-9764-EAC9E56C1D49}" type="datetimeFigureOut">
               <a:rPr lang="en-US" smtClean="0"/>
-              <a:t>11/19/2016</a:t>
+              <a:t>3/9/17</a:t>
             </a:fld>
             <a:endParaRPr lang="en-US"/>
           </a:p>
@@ -2607,7 +2623,7 @@
           <a:p>
             <a:fld id="{78C97017-6FC3-485B-9764-EAC9E56C1D49}" type="datetimeFigureOut">
               <a:rPr lang="en-US" smtClean="0"/>
-              <a:t>11/19/2016</a:t>
+              <a:t>3/9/17</a:t>
             </a:fld>
             <a:endParaRPr lang="en-US"/>
           </a:p>
@@ -2860,7 +2876,7 @@
           <a:p>
             <a:fld id="{78C97017-6FC3-485B-9764-EAC9E56C1D49}" type="datetimeFigureOut">
               <a:rPr lang="en-US" smtClean="0"/>
-              <a:t>11/19/2016</a:t>
+              <a:t>3/9/17</a:t>
             </a:fld>
             <a:endParaRPr lang="en-US"/>
           </a:p>
@@ -3073,7 +3089,7 @@
           <a:p>
             <a:fld id="{78C97017-6FC3-485B-9764-EAC9E56C1D49}" type="datetimeFigureOut">
               <a:rPr lang="en-US" smtClean="0"/>
-              <a:t>11/19/2016</a:t>
+              <a:t>3/9/17</a:t>
             </a:fld>
             <a:endParaRPr lang="en-US"/>
           </a:p>
@@ -4091,12 +4107,12 @@
           <a:p>
             <a:pPr algn="ctr"/>
             <a:r>
-              <a:rPr lang="en-US" sz="1050" dirty="0" err="1" smtClean="0">
+              <a:rPr lang="en-US" altLang="zh-CN" sz="1050" dirty="0" err="1" smtClean="0">
                 <a:solidFill>
                   <a:srgbClr val="7030A0"/>
                 </a:solidFill>
               </a:rPr>
-              <a:t>AddressBook</a:t>
+              <a:t>TaskManager</a:t>
             </a:r>
             <a:endParaRPr lang="en-SG" sz="1050" dirty="0">
               <a:solidFill>
@@ -4238,7 +4254,23 @@
                   <a:srgbClr val="7030A0"/>
                 </a:solidFill>
               </a:rPr>
-              <a:t>UniquePersonList</a:t>
+              <a:t>Unique</a:t>
+            </a:r>
+            <a:r>
+              <a:rPr lang="en-US" altLang="zh-CN" sz="1050" dirty="0" err="1" smtClean="0">
+                <a:solidFill>
+                  <a:srgbClr val="7030A0"/>
+                </a:solidFill>
+              </a:rPr>
+              <a:t>Task</a:t>
+            </a:r>
+            <a:r>
+              <a:rPr lang="en-US" sz="1050" dirty="0" err="1" smtClean="0">
+                <a:solidFill>
+                  <a:srgbClr val="7030A0"/>
+                </a:solidFill>
+              </a:rPr>
+              <a:t>List</a:t>
             </a:r>
             <a:endParaRPr lang="en-SG" sz="1050" dirty="0">
               <a:solidFill>
@@ -4476,12 +4508,12 @@
           <a:p>
             <a:pPr algn="ctr"/>
             <a:r>
-              <a:rPr lang="en-US" sz="1050" dirty="0" smtClean="0">
+              <a:rPr lang="en-US" altLang="zh-CN" sz="1050" dirty="0" smtClean="0">
                 <a:solidFill>
                   <a:srgbClr val="7030A0"/>
                 </a:solidFill>
               </a:rPr>
-              <a:t>Person</a:t>
+              <a:t>Task</a:t>
             </a:r>
             <a:endParaRPr lang="en-SG" sz="1050" dirty="0">
               <a:solidFill>
@@ -4780,7 +4812,15 @@
                   <a:srgbClr val="7030A0"/>
                 </a:solidFill>
               </a:rPr>
-              <a:t>ReadOnlyPerson</a:t>
+              <a:t>ReadOnly</a:t>
+            </a:r>
+            <a:r>
+              <a:rPr lang="en-US" altLang="zh-CN" sz="1050" dirty="0" err="1" smtClean="0">
+                <a:solidFill>
+                  <a:srgbClr val="7030A0"/>
+                </a:solidFill>
+              </a:rPr>
+              <a:t>Task</a:t>
             </a:r>
             <a:endParaRPr lang="en-SG" sz="1050" dirty="0">
               <a:solidFill>
@@ -4831,12 +4871,12 @@
           <a:p>
             <a:pPr algn="ctr"/>
             <a:r>
-              <a:rPr lang="en-US" sz="1050" dirty="0" smtClean="0">
+              <a:rPr lang="en-US" altLang="zh-CN" sz="1050" dirty="0" smtClean="0">
                 <a:solidFill>
                   <a:srgbClr val="7030A0"/>
                 </a:solidFill>
               </a:rPr>
-              <a:t>Name</a:t>
+              <a:t>Title</a:t>
             </a:r>
             <a:endParaRPr lang="en-SG" sz="1050" dirty="0">
               <a:solidFill>
@@ -4906,297 +4946,6 @@
           <a:xfrm flipV="1">
             <a:off x="7277995" y="2707130"/>
             <a:ext cx="434402" cy="327761"/>
-          </a:xfrm>
-          <a:prstGeom prst="bentConnector3">
-            <a:avLst/>
-          </a:prstGeom>
-          <a:ln w="19050">
-            <a:solidFill>
-              <a:srgbClr val="7030A0"/>
-            </a:solidFill>
-            <a:headEnd type="none" w="med" len="med"/>
-            <a:tailEnd type="arrow" w="med" len="med"/>
-          </a:ln>
-          <a:effectLst/>
-        </p:spPr>
-        <p:style>
-          <a:lnRef idx="1">
-            <a:schemeClr val="accent2"/>
-          </a:lnRef>
-          <a:fillRef idx="2">
-            <a:schemeClr val="accent2"/>
-          </a:fillRef>
-          <a:effectRef idx="1">
-            <a:schemeClr val="accent2"/>
-          </a:effectRef>
-          <a:fontRef idx="minor">
-            <a:schemeClr val="dk1"/>
-          </a:fontRef>
-        </p:style>
-      </p:cxnSp>
-      <p:sp>
-        <p:nvSpPr>
-          <p:cNvPr id="80" name="Rectangle 8"/>
-          <p:cNvSpPr/>
-          <p:nvPr/>
-        </p:nvSpPr>
-        <p:spPr>
-          <a:xfrm>
-            <a:off x="7712397" y="2887216"/>
-            <a:ext cx="708186" cy="285783"/>
-          </a:xfrm>
-          <a:prstGeom prst="rect">
-            <a:avLst/>
-          </a:prstGeom>
-          <a:ln w="19050">
-            <a:solidFill>
-              <a:srgbClr val="7030A0"/>
-            </a:solidFill>
-          </a:ln>
-          <a:effectLst/>
-        </p:spPr>
-        <p:style>
-          <a:lnRef idx="1">
-            <a:schemeClr val="accent4"/>
-          </a:lnRef>
-          <a:fillRef idx="2">
-            <a:schemeClr val="accent4"/>
-          </a:fillRef>
-          <a:effectRef idx="1">
-            <a:schemeClr val="accent4"/>
-          </a:effectRef>
-          <a:fontRef idx="minor">
-            <a:schemeClr val="dk1"/>
-          </a:fontRef>
-        </p:style>
-        <p:txBody>
-          <a:bodyPr rtlCol="0" anchor="ctr"/>
-          <a:lstStyle/>
-          <a:p>
-            <a:pPr algn="ctr"/>
-            <a:r>
-              <a:rPr lang="en-US" sz="1050" dirty="0" smtClean="0">
-                <a:solidFill>
-                  <a:srgbClr val="7030A0"/>
-                </a:solidFill>
-              </a:rPr>
-              <a:t>Phone</a:t>
-            </a:r>
-            <a:endParaRPr lang="en-SG" sz="1050" dirty="0">
-              <a:solidFill>
-                <a:srgbClr val="7030A0"/>
-              </a:solidFill>
-            </a:endParaRPr>
-          </a:p>
-        </p:txBody>
-      </p:sp>
-      <p:cxnSp>
-        <p:nvCxnSpPr>
-          <p:cNvPr id="81" name="Elbow Connector 80"/>
-          <p:cNvCxnSpPr>
-            <a:stCxn id="78" idx="3"/>
-            <a:endCxn id="80" idx="1"/>
-          </p:cNvCxnSpPr>
-          <p:nvPr/>
-        </p:nvCxnSpPr>
-        <p:spPr>
-          <a:xfrm flipV="1">
-            <a:off x="7277995" y="3030108"/>
-            <a:ext cx="434402" cy="4783"/>
-          </a:xfrm>
-          <a:prstGeom prst="bentConnector3">
-            <a:avLst/>
-          </a:prstGeom>
-          <a:ln w="19050">
-            <a:solidFill>
-              <a:srgbClr val="7030A0"/>
-            </a:solidFill>
-            <a:headEnd type="none" w="med" len="med"/>
-            <a:tailEnd type="arrow" w="med" len="med"/>
-          </a:ln>
-          <a:effectLst/>
-        </p:spPr>
-        <p:style>
-          <a:lnRef idx="1">
-            <a:schemeClr val="accent2"/>
-          </a:lnRef>
-          <a:fillRef idx="2">
-            <a:schemeClr val="accent2"/>
-          </a:fillRef>
-          <a:effectRef idx="1">
-            <a:schemeClr val="accent2"/>
-          </a:effectRef>
-          <a:fontRef idx="minor">
-            <a:schemeClr val="dk1"/>
-          </a:fontRef>
-        </p:style>
-      </p:cxnSp>
-      <p:sp>
-        <p:nvSpPr>
-          <p:cNvPr id="83" name="Rectangle 8"/>
-          <p:cNvSpPr/>
-          <p:nvPr/>
-        </p:nvSpPr>
-        <p:spPr>
-          <a:xfrm>
-            <a:off x="7712397" y="3210194"/>
-            <a:ext cx="708186" cy="285783"/>
-          </a:xfrm>
-          <a:prstGeom prst="rect">
-            <a:avLst/>
-          </a:prstGeom>
-          <a:ln w="19050">
-            <a:solidFill>
-              <a:srgbClr val="7030A0"/>
-            </a:solidFill>
-          </a:ln>
-          <a:effectLst/>
-        </p:spPr>
-        <p:style>
-          <a:lnRef idx="1">
-            <a:schemeClr val="accent4"/>
-          </a:lnRef>
-          <a:fillRef idx="2">
-            <a:schemeClr val="accent4"/>
-          </a:fillRef>
-          <a:effectRef idx="1">
-            <a:schemeClr val="accent4"/>
-          </a:effectRef>
-          <a:fontRef idx="minor">
-            <a:schemeClr val="dk1"/>
-          </a:fontRef>
-        </p:style>
-        <p:txBody>
-          <a:bodyPr rtlCol="0" anchor="ctr"/>
-          <a:lstStyle/>
-          <a:p>
-            <a:pPr algn="ctr"/>
-            <a:r>
-              <a:rPr lang="en-US" sz="1050" dirty="0" smtClean="0">
-                <a:solidFill>
-                  <a:srgbClr val="7030A0"/>
-                </a:solidFill>
-              </a:rPr>
-              <a:t>Email</a:t>
-            </a:r>
-            <a:endParaRPr lang="en-SG" sz="1050" dirty="0">
-              <a:solidFill>
-                <a:srgbClr val="7030A0"/>
-              </a:solidFill>
-            </a:endParaRPr>
-          </a:p>
-        </p:txBody>
-      </p:sp>
-      <p:cxnSp>
-        <p:nvCxnSpPr>
-          <p:cNvPr id="84" name="Elbow Connector 83"/>
-          <p:cNvCxnSpPr>
-            <a:stCxn id="78" idx="3"/>
-            <a:endCxn id="83" idx="1"/>
-          </p:cNvCxnSpPr>
-          <p:nvPr/>
-        </p:nvCxnSpPr>
-        <p:spPr>
-          <a:xfrm>
-            <a:off x="7277995" y="3034891"/>
-            <a:ext cx="434402" cy="318195"/>
-          </a:xfrm>
-          <a:prstGeom prst="bentConnector3">
-            <a:avLst/>
-          </a:prstGeom>
-          <a:ln w="19050">
-            <a:solidFill>
-              <a:srgbClr val="7030A0"/>
-            </a:solidFill>
-            <a:headEnd type="none" w="med" len="med"/>
-            <a:tailEnd type="arrow" w="med" len="med"/>
-          </a:ln>
-          <a:effectLst/>
-        </p:spPr>
-        <p:style>
-          <a:lnRef idx="1">
-            <a:schemeClr val="accent2"/>
-          </a:lnRef>
-          <a:fillRef idx="2">
-            <a:schemeClr val="accent2"/>
-          </a:fillRef>
-          <a:effectRef idx="1">
-            <a:schemeClr val="accent2"/>
-          </a:effectRef>
-          <a:fontRef idx="minor">
-            <a:schemeClr val="dk1"/>
-          </a:fontRef>
-        </p:style>
-      </p:cxnSp>
-      <p:sp>
-        <p:nvSpPr>
-          <p:cNvPr id="85" name="Rectangle 8"/>
-          <p:cNvSpPr/>
-          <p:nvPr/>
-        </p:nvSpPr>
-        <p:spPr>
-          <a:xfrm>
-            <a:off x="7712397" y="3533171"/>
-            <a:ext cx="708186" cy="285783"/>
-          </a:xfrm>
-          <a:prstGeom prst="rect">
-            <a:avLst/>
-          </a:prstGeom>
-          <a:ln w="19050">
-            <a:solidFill>
-              <a:srgbClr val="7030A0"/>
-            </a:solidFill>
-          </a:ln>
-          <a:effectLst/>
-        </p:spPr>
-        <p:style>
-          <a:lnRef idx="1">
-            <a:schemeClr val="accent4"/>
-          </a:lnRef>
-          <a:fillRef idx="2">
-            <a:schemeClr val="accent4"/>
-          </a:fillRef>
-          <a:effectRef idx="1">
-            <a:schemeClr val="accent4"/>
-          </a:effectRef>
-          <a:fontRef idx="minor">
-            <a:schemeClr val="dk1"/>
-          </a:fontRef>
-        </p:style>
-        <p:txBody>
-          <a:bodyPr rtlCol="0" anchor="ctr"/>
-          <a:lstStyle/>
-          <a:p>
-            <a:pPr algn="ctr"/>
-            <a:r>
-              <a:rPr lang="en-US" sz="1050" dirty="0" smtClean="0">
-                <a:solidFill>
-                  <a:srgbClr val="7030A0"/>
-                </a:solidFill>
-              </a:rPr>
-              <a:t>Address</a:t>
-            </a:r>
-            <a:endParaRPr lang="en-SG" sz="1050" dirty="0">
-              <a:solidFill>
-                <a:srgbClr val="7030A0"/>
-              </a:solidFill>
-            </a:endParaRPr>
-          </a:p>
-        </p:txBody>
-      </p:sp>
-      <p:cxnSp>
-        <p:nvCxnSpPr>
-          <p:cNvPr id="86" name="Elbow Connector 85"/>
-          <p:cNvCxnSpPr>
-            <a:stCxn id="78" idx="3"/>
-            <a:endCxn id="85" idx="1"/>
-          </p:cNvCxnSpPr>
-          <p:nvPr/>
-        </p:nvCxnSpPr>
-        <p:spPr>
-          <a:xfrm>
-            <a:off x="7277995" y="3034891"/>
-            <a:ext cx="434402" cy="641172"/>
           </a:xfrm>
           <a:prstGeom prst="bentConnector3">
             <a:avLst/>
@@ -5227,29 +4976,26 @@
       </p:cxnSp>
       <p:cxnSp>
         <p:nvCxnSpPr>
-          <p:cNvPr id="97" name="Elbow Connector 63"/>
+          <p:cNvPr id="81" name="Elbow Connector 80"/>
           <p:cNvCxnSpPr>
-            <a:stCxn id="99" idx="3"/>
+            <a:stCxn id="78" idx="3"/>
           </p:cNvCxnSpPr>
           <p:nvPr/>
         </p:nvCxnSpPr>
         <p:spPr>
-          <a:xfrm rot="16200000" flipH="1">
-            <a:off x="3279321" y="2485431"/>
-            <a:ext cx="293825" cy="1"/>
+          <a:xfrm flipV="1">
+            <a:off x="7277995" y="3030108"/>
+            <a:ext cx="434402" cy="4783"/>
           </a:xfrm>
           <a:prstGeom prst="bentConnector3">
-            <a:avLst>
-              <a:gd name="adj1" fmla="val 50000"/>
-            </a:avLst>
+            <a:avLst/>
           </a:prstGeom>
           <a:ln w="19050">
             <a:solidFill>
               <a:srgbClr val="7030A0"/>
             </a:solidFill>
-            <a:prstDash val="sysDot"/>
             <a:headEnd type="none" w="med" len="med"/>
-            <a:tailEnd type="none" w="med" len="med"/>
+            <a:tailEnd type="arrow" w="med" len="med"/>
           </a:ln>
           <a:effectLst/>
         </p:spPr>
@@ -5270,16 +5016,16 @@
       </p:cxnSp>
       <p:sp>
         <p:nvSpPr>
-          <p:cNvPr id="99" name="Isosceles Triangle 102"/>
+          <p:cNvPr id="83" name="Rectangle 8"/>
           <p:cNvSpPr/>
           <p:nvPr/>
         </p:nvSpPr>
         <p:spPr>
-          <a:xfrm rot="10800000" flipV="1">
-            <a:off x="3290981" y="2162997"/>
-            <a:ext cx="270504" cy="175523"/>
-          </a:xfrm>
-          <a:prstGeom prst="triangle">
+          <a:xfrm>
+            <a:off x="7722624" y="3332499"/>
+            <a:ext cx="705610" cy="285783"/>
+          </a:xfrm>
+          <a:prstGeom prst="rect">
             <a:avLst/>
           </a:prstGeom>
           <a:ln w="19050">
@@ -5308,24 +5054,73 @@
           <a:lstStyle/>
           <a:p>
             <a:pPr algn="ctr"/>
-            <a:endParaRPr lang="en-SG" sz="1050" b="1">
+            <a:r>
+              <a:rPr lang="en-US" altLang="zh-CN" sz="1050" dirty="0" err="1" smtClean="0">
+                <a:solidFill>
+                  <a:srgbClr val="7030A0"/>
+                </a:solidFill>
+              </a:rPr>
+              <a:t>EndTime</a:t>
+            </a:r>
+            <a:endParaRPr lang="en-SG" sz="1050" dirty="0">
               <a:solidFill>
-                <a:srgbClr val="92D050"/>
+                <a:srgbClr val="7030A0"/>
               </a:solidFill>
             </a:endParaRPr>
           </a:p>
         </p:txBody>
       </p:sp>
-      <p:sp>
-        <p:nvSpPr>
-          <p:cNvPr id="100" name="Rectangle 8"/>
+      <p:cxnSp>
+        <p:nvCxnSpPr>
+          <p:cNvPr id="84" name="Elbow Connector 83"/>
+          <p:cNvCxnSpPr>
+            <a:stCxn id="78" idx="3"/>
+            <a:endCxn id="83" idx="1"/>
+          </p:cNvCxnSpPr>
+          <p:nvPr/>
+        </p:nvCxnSpPr>
+        <p:spPr>
+          <a:xfrm>
+            <a:off x="7277995" y="3034891"/>
+            <a:ext cx="444629" cy="440500"/>
+          </a:xfrm>
+          <a:prstGeom prst="bentConnector3">
+            <a:avLst/>
+          </a:prstGeom>
+          <a:ln w="19050">
+            <a:solidFill>
+              <a:srgbClr val="7030A0"/>
+            </a:solidFill>
+            <a:headEnd type="none" w="med" len="med"/>
+            <a:tailEnd type="arrow" w="med" len="med"/>
+          </a:ln>
+          <a:effectLst/>
+        </p:spPr>
+        <p:style>
+          <a:lnRef idx="1">
+            <a:schemeClr val="accent2"/>
+          </a:lnRef>
+          <a:fillRef idx="2">
+            <a:schemeClr val="accent2"/>
+          </a:fillRef>
+          <a:effectRef idx="1">
+            <a:schemeClr val="accent2"/>
+          </a:effectRef>
+          <a:fontRef idx="minor">
+            <a:schemeClr val="dk1"/>
+          </a:fontRef>
+        </p:style>
+      </p:cxnSp>
+      <p:sp>
+        <p:nvSpPr>
+          <p:cNvPr id="85" name="Rectangle 8"/>
           <p:cNvSpPr/>
           <p:nvPr/>
         </p:nvSpPr>
         <p:spPr>
           <a:xfrm>
-            <a:off x="2660303" y="1806470"/>
-            <a:ext cx="1539926" cy="346760"/>
+            <a:off x="7717386" y="2935345"/>
+            <a:ext cx="771567" cy="285783"/>
           </a:xfrm>
           <a:prstGeom prst="rect">
             <a:avLst/>
@@ -5357,6 +5152,153 @@
           <a:p>
             <a:pPr algn="ctr"/>
             <a:r>
+              <a:rPr lang="en-US" altLang="zh-CN" sz="1050" smtClean="0">
+                <a:solidFill>
+                  <a:srgbClr val="7030A0"/>
+                </a:solidFill>
+              </a:rPr>
+              <a:t>StartTime</a:t>
+            </a:r>
+            <a:endParaRPr lang="en-SG" sz="1050" dirty="0">
+              <a:solidFill>
+                <a:srgbClr val="7030A0"/>
+              </a:solidFill>
+            </a:endParaRPr>
+          </a:p>
+        </p:txBody>
+      </p:sp>
+      <p:cxnSp>
+        <p:nvCxnSpPr>
+          <p:cNvPr id="97" name="Elbow Connector 63"/>
+          <p:cNvCxnSpPr>
+            <a:stCxn id="99" idx="3"/>
+          </p:cNvCxnSpPr>
+          <p:nvPr/>
+        </p:nvCxnSpPr>
+        <p:spPr>
+          <a:xfrm rot="16200000" flipH="1">
+            <a:off x="3279321" y="2485431"/>
+            <a:ext cx="293825" cy="1"/>
+          </a:xfrm>
+          <a:prstGeom prst="bentConnector3">
+            <a:avLst>
+              <a:gd name="adj1" fmla="val 50000"/>
+            </a:avLst>
+          </a:prstGeom>
+          <a:ln w="19050">
+            <a:solidFill>
+              <a:srgbClr val="7030A0"/>
+            </a:solidFill>
+            <a:prstDash val="sysDot"/>
+            <a:headEnd type="none" w="med" len="med"/>
+            <a:tailEnd type="none" w="med" len="med"/>
+          </a:ln>
+          <a:effectLst/>
+        </p:spPr>
+        <p:style>
+          <a:lnRef idx="1">
+            <a:schemeClr val="accent2"/>
+          </a:lnRef>
+          <a:fillRef idx="2">
+            <a:schemeClr val="accent2"/>
+          </a:fillRef>
+          <a:effectRef idx="1">
+            <a:schemeClr val="accent2"/>
+          </a:effectRef>
+          <a:fontRef idx="minor">
+            <a:schemeClr val="dk1"/>
+          </a:fontRef>
+        </p:style>
+      </p:cxnSp>
+      <p:sp>
+        <p:nvSpPr>
+          <p:cNvPr id="99" name="Isosceles Triangle 102"/>
+          <p:cNvSpPr/>
+          <p:nvPr/>
+        </p:nvSpPr>
+        <p:spPr>
+          <a:xfrm rot="10800000" flipV="1">
+            <a:off x="3290981" y="2162997"/>
+            <a:ext cx="270504" cy="175523"/>
+          </a:xfrm>
+          <a:prstGeom prst="triangle">
+            <a:avLst/>
+          </a:prstGeom>
+          <a:ln w="19050">
+            <a:solidFill>
+              <a:srgbClr val="7030A0"/>
+            </a:solidFill>
+          </a:ln>
+          <a:effectLst/>
+        </p:spPr>
+        <p:style>
+          <a:lnRef idx="1">
+            <a:schemeClr val="accent4"/>
+          </a:lnRef>
+          <a:fillRef idx="2">
+            <a:schemeClr val="accent4"/>
+          </a:fillRef>
+          <a:effectRef idx="1">
+            <a:schemeClr val="accent4"/>
+          </a:effectRef>
+          <a:fontRef idx="minor">
+            <a:schemeClr val="dk1"/>
+          </a:fontRef>
+        </p:style>
+        <p:txBody>
+          <a:bodyPr rtlCol="0" anchor="ctr"/>
+          <a:lstStyle/>
+          <a:p>
+            <a:pPr algn="ctr"/>
+            <a:endParaRPr lang="en-SG" sz="1050" b="1">
+              <a:solidFill>
+                <a:srgbClr val="92D050"/>
+              </a:solidFill>
+            </a:endParaRPr>
+          </a:p>
+        </p:txBody>
+      </p:sp>
+      <p:sp>
+        <p:nvSpPr>
+          <p:cNvPr id="100" name="Rectangle 8"/>
+          <p:cNvSpPr/>
+          <p:nvPr/>
+        </p:nvSpPr>
+        <p:spPr>
+          <a:xfrm>
+            <a:off x="2660303" y="1806470"/>
+            <a:ext cx="1539926" cy="346760"/>
+          </a:xfrm>
+          <a:prstGeom prst="rect">
+            <a:avLst/>
+          </a:prstGeom>
+          <a:ln w="19050">
+            <a:solidFill>
+              <a:srgbClr val="7030A0"/>
+            </a:solidFill>
+          </a:ln>
+          <a:effectLst/>
+        </p:spPr>
+        <p:style>
+          <a:lnRef idx="1">
+            <a:schemeClr val="accent4"/>
+          </a:lnRef>
+          <a:fillRef idx="2">
+            <a:schemeClr val="accent4"/>
+          </a:fillRef>
+          <a:effectRef idx="1">
+            <a:schemeClr val="accent4"/>
+          </a:effectRef>
+          <a:fontRef idx="minor">
+            <a:schemeClr val="dk1"/>
+          </a:fontRef>
+        </p:style>
+        <p:txBody>
+          <a:bodyPr rtlCol="0" anchor="ctr"/>
+          <a:lstStyle/>
+          <a:p>
+            <a:pPr algn="ctr"/>
+            <a:r>
               <a:rPr lang="en-US" sz="1050" dirty="0" smtClean="0">
                 <a:solidFill>
                   <a:srgbClr val="7030A0"/>
@@ -5377,7 +5319,15 @@
                   <a:srgbClr val="7030A0"/>
                 </a:solidFill>
               </a:rPr>
-              <a:t>ReadOnlyAddressBook</a:t>
+              <a:t>ReadOnly</a:t>
+            </a:r>
+            <a:r>
+              <a:rPr lang="en-US" altLang="zh-CN" sz="1050" dirty="0" err="1" smtClean="0">
+                <a:solidFill>
+                  <a:srgbClr val="7030A0"/>
+                </a:solidFill>
+              </a:rPr>
+              <a:t>TaskManager</a:t>
             </a:r>
             <a:endParaRPr lang="en-SG" sz="1050" dirty="0">
               <a:solidFill>

--- a/docs/diagrams/ModelComponentClassDiagram.pptx
+++ b/docs/diagrams/ModelComponentClassDiagram.pptx
@@ -107,6 +107,22 @@
       </a:defRPr>
     </a:lvl9pPr>
   </p:defaultTextStyle>
+  <p:extLst>
+    <p:ext uri="{EFAFB233-063F-42B5-8137-9DF3F51BA10A}">
+      <p15:sldGuideLst xmlns:p15="http://schemas.microsoft.com/office/powerpoint/2012/main">
+        <p15:guide id="1" orient="horz" pos="1488">
+          <p15:clr>
+            <a:srgbClr val="A4A3A4"/>
+          </p15:clr>
+        </p15:guide>
+        <p15:guide id="2" pos="2880">
+          <p15:clr>
+            <a:srgbClr val="A4A3A4"/>
+          </p15:clr>
+        </p15:guide>
+      </p15:sldGuideLst>
+    </p:ext>
+  </p:extLst>
 </p:presentation>
 </file>
 
@@ -192,7 +208,7 @@
           <a:p>
             <a:fld id="{F5CC4B3F-88C1-4FFA-B1B6-F41C21DC6924}" type="datetimeFigureOut">
               <a:rPr lang="en-US" smtClean="0"/>
-              <a:t>11/19/2016</a:t>
+              <a:t>3/10/2017</a:t>
             </a:fld>
             <a:endParaRPr lang="en-US"/>
           </a:p>
@@ -256,38 +272,37 @@
           <a:p>
             <a:pPr lvl="0"/>
             <a:r>
-              <a:rPr lang="en-US" smtClean="0"/>
+              <a:rPr lang="en-US"/>
               <a:t>Click to edit Master text styles</a:t>
             </a:r>
           </a:p>
           <a:p>
             <a:pPr lvl="1"/>
             <a:r>
-              <a:rPr lang="en-US" smtClean="0"/>
+              <a:rPr lang="en-US"/>
               <a:t>Second level</a:t>
             </a:r>
           </a:p>
           <a:p>
             <a:pPr lvl="2"/>
             <a:r>
-              <a:rPr lang="en-US" smtClean="0"/>
+              <a:rPr lang="en-US"/>
               <a:t>Third level</a:t>
             </a:r>
           </a:p>
           <a:p>
             <a:pPr lvl="3"/>
             <a:r>
-              <a:rPr lang="en-US" smtClean="0"/>
+              <a:rPr lang="en-US"/>
               <a:t>Fourth level</a:t>
             </a:r>
           </a:p>
           <a:p>
             <a:pPr lvl="4"/>
             <a:r>
-              <a:rPr lang="en-US" smtClean="0"/>
+              <a:rPr lang="en-US"/>
               <a:t>Fifth level</a:t>
             </a:r>
-            <a:endParaRPr lang="en-US"/>
           </a:p>
         </p:txBody>
       </p:sp>
@@ -498,10 +513,9 @@
           <a:lstStyle/>
           <a:p>
             <a:r>
-              <a:rPr lang="en-US" smtClean="0"/>
+              <a:rPr lang="en-US"/>
               <a:t>Click to edit Master title style</a:t>
             </a:r>
-            <a:endParaRPr lang="en-US"/>
           </a:p>
         </p:txBody>
       </p:sp>
@@ -617,10 +631,9 @@
           </a:lstStyle>
           <a:p>
             <a:r>
-              <a:rPr lang="en-US" smtClean="0"/>
+              <a:rPr lang="en-US"/>
               <a:t>Click to edit Master subtitle style</a:t>
             </a:r>
-            <a:endParaRPr lang="en-US"/>
           </a:p>
         </p:txBody>
       </p:sp>
@@ -641,7 +654,7 @@
           <a:p>
             <a:fld id="{78C97017-6FC3-485B-9764-EAC9E56C1D49}" type="datetimeFigureOut">
               <a:rPr lang="en-US" smtClean="0"/>
-              <a:t>11/19/2016</a:t>
+              <a:t>3/10/2017</a:t>
             </a:fld>
             <a:endParaRPr lang="en-US"/>
           </a:p>
@@ -735,10 +748,9 @@
           <a:lstStyle/>
           <a:p>
             <a:r>
-              <a:rPr lang="en-US" smtClean="0"/>
+              <a:rPr lang="en-US"/>
               <a:t>Click to edit Master title style</a:t>
             </a:r>
-            <a:endParaRPr lang="en-US"/>
           </a:p>
         </p:txBody>
       </p:sp>
@@ -759,38 +771,37 @@
           <a:p>
             <a:pPr lvl="0"/>
             <a:r>
-              <a:rPr lang="en-US" smtClean="0"/>
+              <a:rPr lang="en-US"/>
               <a:t>Click to edit Master text styles</a:t>
             </a:r>
           </a:p>
           <a:p>
             <a:pPr lvl="1"/>
             <a:r>
-              <a:rPr lang="en-US" smtClean="0"/>
+              <a:rPr lang="en-US"/>
               <a:t>Second level</a:t>
             </a:r>
           </a:p>
           <a:p>
             <a:pPr lvl="2"/>
             <a:r>
-              <a:rPr lang="en-US" smtClean="0"/>
+              <a:rPr lang="en-US"/>
               <a:t>Third level</a:t>
             </a:r>
           </a:p>
           <a:p>
             <a:pPr lvl="3"/>
             <a:r>
-              <a:rPr lang="en-US" smtClean="0"/>
+              <a:rPr lang="en-US"/>
               <a:t>Fourth level</a:t>
             </a:r>
           </a:p>
           <a:p>
             <a:pPr lvl="4"/>
             <a:r>
-              <a:rPr lang="en-US" smtClean="0"/>
+              <a:rPr lang="en-US"/>
               <a:t>Fifth level</a:t>
             </a:r>
-            <a:endParaRPr lang="en-US"/>
           </a:p>
         </p:txBody>
       </p:sp>
@@ -811,7 +822,7 @@
           <a:p>
             <a:fld id="{78C97017-6FC3-485B-9764-EAC9E56C1D49}" type="datetimeFigureOut">
               <a:rPr lang="en-US" smtClean="0"/>
-              <a:t>11/19/2016</a:t>
+              <a:t>3/10/2017</a:t>
             </a:fld>
             <a:endParaRPr lang="en-US"/>
           </a:p>
@@ -910,10 +921,9 @@
           <a:lstStyle/>
           <a:p>
             <a:r>
-              <a:rPr lang="en-US" smtClean="0"/>
+              <a:rPr lang="en-US"/>
               <a:t>Click to edit Master title style</a:t>
             </a:r>
-            <a:endParaRPr lang="en-US"/>
           </a:p>
         </p:txBody>
       </p:sp>
@@ -939,38 +949,37 @@
           <a:p>
             <a:pPr lvl="0"/>
             <a:r>
-              <a:rPr lang="en-US" smtClean="0"/>
+              <a:rPr lang="en-US"/>
               <a:t>Click to edit Master text styles</a:t>
             </a:r>
           </a:p>
           <a:p>
             <a:pPr lvl="1"/>
             <a:r>
-              <a:rPr lang="en-US" smtClean="0"/>
+              <a:rPr lang="en-US"/>
               <a:t>Second level</a:t>
             </a:r>
           </a:p>
           <a:p>
             <a:pPr lvl="2"/>
             <a:r>
-              <a:rPr lang="en-US" smtClean="0"/>
+              <a:rPr lang="en-US"/>
               <a:t>Third level</a:t>
             </a:r>
           </a:p>
           <a:p>
             <a:pPr lvl="3"/>
             <a:r>
-              <a:rPr lang="en-US" smtClean="0"/>
+              <a:rPr lang="en-US"/>
               <a:t>Fourth level</a:t>
             </a:r>
           </a:p>
           <a:p>
             <a:pPr lvl="4"/>
             <a:r>
-              <a:rPr lang="en-US" smtClean="0"/>
+              <a:rPr lang="en-US"/>
               <a:t>Fifth level</a:t>
             </a:r>
-            <a:endParaRPr lang="en-US"/>
           </a:p>
         </p:txBody>
       </p:sp>
@@ -991,7 +1000,7 @@
           <a:p>
             <a:fld id="{78C97017-6FC3-485B-9764-EAC9E56C1D49}" type="datetimeFigureOut">
               <a:rPr lang="en-US" smtClean="0"/>
-              <a:t>11/19/2016</a:t>
+              <a:t>3/10/2017</a:t>
             </a:fld>
             <a:endParaRPr lang="en-US"/>
           </a:p>
@@ -1085,10 +1094,9 @@
           <a:lstStyle/>
           <a:p>
             <a:r>
-              <a:rPr lang="en-US" smtClean="0"/>
+              <a:rPr lang="en-US"/>
               <a:t>Click to edit Master title style</a:t>
             </a:r>
-            <a:endParaRPr lang="en-US"/>
           </a:p>
         </p:txBody>
       </p:sp>
@@ -1109,38 +1117,37 @@
           <a:p>
             <a:pPr lvl="0"/>
             <a:r>
-              <a:rPr lang="en-US" smtClean="0"/>
+              <a:rPr lang="en-US"/>
               <a:t>Click to edit Master text styles</a:t>
             </a:r>
           </a:p>
           <a:p>
             <a:pPr lvl="1"/>
             <a:r>
-              <a:rPr lang="en-US" smtClean="0"/>
+              <a:rPr lang="en-US"/>
               <a:t>Second level</a:t>
             </a:r>
           </a:p>
           <a:p>
             <a:pPr lvl="2"/>
             <a:r>
-              <a:rPr lang="en-US" smtClean="0"/>
+              <a:rPr lang="en-US"/>
               <a:t>Third level</a:t>
             </a:r>
           </a:p>
           <a:p>
             <a:pPr lvl="3"/>
             <a:r>
-              <a:rPr lang="en-US" smtClean="0"/>
+              <a:rPr lang="en-US"/>
               <a:t>Fourth level</a:t>
             </a:r>
           </a:p>
           <a:p>
             <a:pPr lvl="4"/>
             <a:r>
-              <a:rPr lang="en-US" smtClean="0"/>
+              <a:rPr lang="en-US"/>
               <a:t>Fifth level</a:t>
             </a:r>
-            <a:endParaRPr lang="en-US"/>
           </a:p>
         </p:txBody>
       </p:sp>
@@ -1161,7 +1168,7 @@
           <a:p>
             <a:fld id="{78C97017-6FC3-485B-9764-EAC9E56C1D49}" type="datetimeFigureOut">
               <a:rPr lang="en-US" smtClean="0"/>
-              <a:t>11/19/2016</a:t>
+              <a:t>3/10/2017</a:t>
             </a:fld>
             <a:endParaRPr lang="en-US"/>
           </a:p>
@@ -1264,10 +1271,9 @@
           </a:lstStyle>
           <a:p>
             <a:r>
-              <a:rPr lang="en-US" smtClean="0"/>
+              <a:rPr lang="en-US"/>
               <a:t>Click to edit Master title style</a:t>
             </a:r>
-            <a:endParaRPr lang="en-US"/>
           </a:p>
         </p:txBody>
       </p:sp>
@@ -1384,7 +1390,7 @@
           <a:p>
             <a:pPr lvl="0"/>
             <a:r>
-              <a:rPr lang="en-US" smtClean="0"/>
+              <a:rPr lang="en-US"/>
               <a:t>Click to edit Master text styles</a:t>
             </a:r>
           </a:p>
@@ -1407,7 +1413,7 @@
           <a:p>
             <a:fld id="{78C97017-6FC3-485B-9764-EAC9E56C1D49}" type="datetimeFigureOut">
               <a:rPr lang="en-US" smtClean="0"/>
-              <a:t>11/19/2016</a:t>
+              <a:t>3/10/2017</a:t>
             </a:fld>
             <a:endParaRPr lang="en-US"/>
           </a:p>
@@ -1501,10 +1507,9 @@
           <a:lstStyle/>
           <a:p>
             <a:r>
-              <a:rPr lang="en-US" smtClean="0"/>
+              <a:rPr lang="en-US"/>
               <a:t>Click to edit Master title style</a:t>
             </a:r>
-            <a:endParaRPr lang="en-US"/>
           </a:p>
         </p:txBody>
       </p:sp>
@@ -1558,38 +1563,37 @@
           <a:p>
             <a:pPr lvl="0"/>
             <a:r>
-              <a:rPr lang="en-US" smtClean="0"/>
+              <a:rPr lang="en-US"/>
               <a:t>Click to edit Master text styles</a:t>
             </a:r>
           </a:p>
           <a:p>
             <a:pPr lvl="1"/>
             <a:r>
-              <a:rPr lang="en-US" smtClean="0"/>
+              <a:rPr lang="en-US"/>
               <a:t>Second level</a:t>
             </a:r>
           </a:p>
           <a:p>
             <a:pPr lvl="2"/>
             <a:r>
-              <a:rPr lang="en-US" smtClean="0"/>
+              <a:rPr lang="en-US"/>
               <a:t>Third level</a:t>
             </a:r>
           </a:p>
           <a:p>
             <a:pPr lvl="3"/>
             <a:r>
-              <a:rPr lang="en-US" smtClean="0"/>
+              <a:rPr lang="en-US"/>
               <a:t>Fourth level</a:t>
             </a:r>
           </a:p>
           <a:p>
             <a:pPr lvl="4"/>
             <a:r>
-              <a:rPr lang="en-US" smtClean="0"/>
+              <a:rPr lang="en-US"/>
               <a:t>Fifth level</a:t>
             </a:r>
-            <a:endParaRPr lang="en-US"/>
           </a:p>
         </p:txBody>
       </p:sp>
@@ -1643,38 +1647,37 @@
           <a:p>
             <a:pPr lvl="0"/>
             <a:r>
-              <a:rPr lang="en-US" smtClean="0"/>
+              <a:rPr lang="en-US"/>
               <a:t>Click to edit Master text styles</a:t>
             </a:r>
           </a:p>
           <a:p>
             <a:pPr lvl="1"/>
             <a:r>
-              <a:rPr lang="en-US" smtClean="0"/>
+              <a:rPr lang="en-US"/>
               <a:t>Second level</a:t>
             </a:r>
           </a:p>
           <a:p>
             <a:pPr lvl="2"/>
             <a:r>
-              <a:rPr lang="en-US" smtClean="0"/>
+              <a:rPr lang="en-US"/>
               <a:t>Third level</a:t>
             </a:r>
           </a:p>
           <a:p>
             <a:pPr lvl="3"/>
             <a:r>
-              <a:rPr lang="en-US" smtClean="0"/>
+              <a:rPr lang="en-US"/>
               <a:t>Fourth level</a:t>
             </a:r>
           </a:p>
           <a:p>
             <a:pPr lvl="4"/>
             <a:r>
-              <a:rPr lang="en-US" smtClean="0"/>
+              <a:rPr lang="en-US"/>
               <a:t>Fifth level</a:t>
             </a:r>
-            <a:endParaRPr lang="en-US"/>
           </a:p>
         </p:txBody>
       </p:sp>
@@ -1695,7 +1698,7 @@
           <a:p>
             <a:fld id="{78C97017-6FC3-485B-9764-EAC9E56C1D49}" type="datetimeFigureOut">
               <a:rPr lang="en-US" smtClean="0"/>
-              <a:t>11/19/2016</a:t>
+              <a:t>3/10/2017</a:t>
             </a:fld>
             <a:endParaRPr lang="en-US"/>
           </a:p>
@@ -1793,10 +1796,9 @@
           </a:lstStyle>
           <a:p>
             <a:r>
-              <a:rPr lang="en-US" smtClean="0"/>
+              <a:rPr lang="en-US"/>
               <a:t>Click to edit Master title style</a:t>
             </a:r>
-            <a:endParaRPr lang="en-US"/>
           </a:p>
         </p:txBody>
       </p:sp>
@@ -1859,7 +1861,7 @@
           <a:p>
             <a:pPr lvl="0"/>
             <a:r>
-              <a:rPr lang="en-US" smtClean="0"/>
+              <a:rPr lang="en-US"/>
               <a:t>Click to edit Master text styles</a:t>
             </a:r>
           </a:p>
@@ -1915,38 +1917,37 @@
           <a:p>
             <a:pPr lvl="0"/>
             <a:r>
-              <a:rPr lang="en-US" smtClean="0"/>
+              <a:rPr lang="en-US"/>
               <a:t>Click to edit Master text styles</a:t>
             </a:r>
           </a:p>
           <a:p>
             <a:pPr lvl="1"/>
             <a:r>
-              <a:rPr lang="en-US" smtClean="0"/>
+              <a:rPr lang="en-US"/>
               <a:t>Second level</a:t>
             </a:r>
           </a:p>
           <a:p>
             <a:pPr lvl="2"/>
             <a:r>
-              <a:rPr lang="en-US" smtClean="0"/>
+              <a:rPr lang="en-US"/>
               <a:t>Third level</a:t>
             </a:r>
           </a:p>
           <a:p>
             <a:pPr lvl="3"/>
             <a:r>
-              <a:rPr lang="en-US" smtClean="0"/>
+              <a:rPr lang="en-US"/>
               <a:t>Fourth level</a:t>
             </a:r>
           </a:p>
           <a:p>
             <a:pPr lvl="4"/>
             <a:r>
-              <a:rPr lang="en-US" smtClean="0"/>
+              <a:rPr lang="en-US"/>
               <a:t>Fifth level</a:t>
             </a:r>
-            <a:endParaRPr lang="en-US"/>
           </a:p>
         </p:txBody>
       </p:sp>
@@ -2009,7 +2010,7 @@
           <a:p>
             <a:pPr lvl="0"/>
             <a:r>
-              <a:rPr lang="en-US" smtClean="0"/>
+              <a:rPr lang="en-US"/>
               <a:t>Click to edit Master text styles</a:t>
             </a:r>
           </a:p>
@@ -2065,38 +2066,37 @@
           <a:p>
             <a:pPr lvl="0"/>
             <a:r>
-              <a:rPr lang="en-US" smtClean="0"/>
+              <a:rPr lang="en-US"/>
               <a:t>Click to edit Master text styles</a:t>
             </a:r>
           </a:p>
           <a:p>
             <a:pPr lvl="1"/>
             <a:r>
-              <a:rPr lang="en-US" smtClean="0"/>
+              <a:rPr lang="en-US"/>
               <a:t>Second level</a:t>
             </a:r>
           </a:p>
           <a:p>
             <a:pPr lvl="2"/>
             <a:r>
-              <a:rPr lang="en-US" smtClean="0"/>
+              <a:rPr lang="en-US"/>
               <a:t>Third level</a:t>
             </a:r>
           </a:p>
           <a:p>
             <a:pPr lvl="3"/>
             <a:r>
-              <a:rPr lang="en-US" smtClean="0"/>
+              <a:rPr lang="en-US"/>
               <a:t>Fourth level</a:t>
             </a:r>
           </a:p>
           <a:p>
             <a:pPr lvl="4"/>
             <a:r>
-              <a:rPr lang="en-US" smtClean="0"/>
+              <a:rPr lang="en-US"/>
               <a:t>Fifth level</a:t>
             </a:r>
-            <a:endParaRPr lang="en-US"/>
           </a:p>
         </p:txBody>
       </p:sp>
@@ -2117,7 +2117,7 @@
           <a:p>
             <a:fld id="{78C97017-6FC3-485B-9764-EAC9E56C1D49}" type="datetimeFigureOut">
               <a:rPr lang="en-US" smtClean="0"/>
-              <a:t>11/19/2016</a:t>
+              <a:t>3/10/2017</a:t>
             </a:fld>
             <a:endParaRPr lang="en-US"/>
           </a:p>
@@ -2211,10 +2211,9 @@
           <a:lstStyle/>
           <a:p>
             <a:r>
-              <a:rPr lang="en-US" smtClean="0"/>
+              <a:rPr lang="en-US"/>
               <a:t>Click to edit Master title style</a:t>
             </a:r>
-            <a:endParaRPr lang="en-US"/>
           </a:p>
         </p:txBody>
       </p:sp>
@@ -2235,7 +2234,7 @@
           <a:p>
             <a:fld id="{78C97017-6FC3-485B-9764-EAC9E56C1D49}" type="datetimeFigureOut">
               <a:rPr lang="en-US" smtClean="0"/>
-              <a:t>11/19/2016</a:t>
+              <a:t>3/10/2017</a:t>
             </a:fld>
             <a:endParaRPr lang="en-US"/>
           </a:p>
@@ -2330,7 +2329,7 @@
           <a:p>
             <a:fld id="{78C97017-6FC3-485B-9764-EAC9E56C1D49}" type="datetimeFigureOut">
               <a:rPr lang="en-US" smtClean="0"/>
-              <a:t>11/19/2016</a:t>
+              <a:t>3/10/2017</a:t>
             </a:fld>
             <a:endParaRPr lang="en-US"/>
           </a:p>
@@ -2433,10 +2432,9 @@
           </a:lstStyle>
           <a:p>
             <a:r>
-              <a:rPr lang="en-US" smtClean="0"/>
+              <a:rPr lang="en-US"/>
               <a:t>Click to edit Master title style</a:t>
             </a:r>
-            <a:endParaRPr lang="en-US"/>
           </a:p>
         </p:txBody>
       </p:sp>
@@ -2490,38 +2488,37 @@
           <a:p>
             <a:pPr lvl="0"/>
             <a:r>
-              <a:rPr lang="en-US" smtClean="0"/>
+              <a:rPr lang="en-US"/>
               <a:t>Click to edit Master text styles</a:t>
             </a:r>
           </a:p>
           <a:p>
             <a:pPr lvl="1"/>
             <a:r>
-              <a:rPr lang="en-US" smtClean="0"/>
+              <a:rPr lang="en-US"/>
               <a:t>Second level</a:t>
             </a:r>
           </a:p>
           <a:p>
             <a:pPr lvl="2"/>
             <a:r>
-              <a:rPr lang="en-US" smtClean="0"/>
+              <a:rPr lang="en-US"/>
               <a:t>Third level</a:t>
             </a:r>
           </a:p>
           <a:p>
             <a:pPr lvl="3"/>
             <a:r>
-              <a:rPr lang="en-US" smtClean="0"/>
+              <a:rPr lang="en-US"/>
               <a:t>Fourth level</a:t>
             </a:r>
           </a:p>
           <a:p>
             <a:pPr lvl="4"/>
             <a:r>
-              <a:rPr lang="en-US" smtClean="0"/>
+              <a:rPr lang="en-US"/>
               <a:t>Fifth level</a:t>
             </a:r>
-            <a:endParaRPr lang="en-US"/>
           </a:p>
         </p:txBody>
       </p:sp>
@@ -2584,7 +2581,7 @@
           <a:p>
             <a:pPr lvl="0"/>
             <a:r>
-              <a:rPr lang="en-US" smtClean="0"/>
+              <a:rPr lang="en-US"/>
               <a:t>Click to edit Master text styles</a:t>
             </a:r>
           </a:p>
@@ -2607,7 +2604,7 @@
           <a:p>
             <a:fld id="{78C97017-6FC3-485B-9764-EAC9E56C1D49}" type="datetimeFigureOut">
               <a:rPr lang="en-US" smtClean="0"/>
-              <a:t>11/19/2016</a:t>
+              <a:t>3/10/2017</a:t>
             </a:fld>
             <a:endParaRPr lang="en-US"/>
           </a:p>
@@ -2710,10 +2707,9 @@
           </a:lstStyle>
           <a:p>
             <a:r>
-              <a:rPr lang="en-US" smtClean="0"/>
+              <a:rPr lang="en-US"/>
               <a:t>Click to edit Master title style</a:t>
             </a:r>
-            <a:endParaRPr lang="en-US"/>
           </a:p>
         </p:txBody>
       </p:sp>
@@ -2837,7 +2833,7 @@
           <a:p>
             <a:pPr lvl="0"/>
             <a:r>
-              <a:rPr lang="en-US" smtClean="0"/>
+              <a:rPr lang="en-US"/>
               <a:t>Click to edit Master text styles</a:t>
             </a:r>
           </a:p>
@@ -2860,7 +2856,7 @@
           <a:p>
             <a:fld id="{78C97017-6FC3-485B-9764-EAC9E56C1D49}" type="datetimeFigureOut">
               <a:rPr lang="en-US" smtClean="0"/>
-              <a:t>11/19/2016</a:t>
+              <a:t>3/10/2017</a:t>
             </a:fld>
             <a:endParaRPr lang="en-US"/>
           </a:p>
@@ -2969,10 +2965,9 @@
           <a:lstStyle/>
           <a:p>
             <a:r>
-              <a:rPr lang="en-US" smtClean="0"/>
+              <a:rPr lang="en-US"/>
               <a:t>Click to edit Master title style</a:t>
             </a:r>
-            <a:endParaRPr lang="en-US"/>
           </a:p>
         </p:txBody>
       </p:sp>
@@ -3003,38 +2998,37 @@
           <a:p>
             <a:pPr lvl="0"/>
             <a:r>
-              <a:rPr lang="en-US" smtClean="0"/>
+              <a:rPr lang="en-US"/>
               <a:t>Click to edit Master text styles</a:t>
             </a:r>
           </a:p>
           <a:p>
             <a:pPr lvl="1"/>
             <a:r>
-              <a:rPr lang="en-US" smtClean="0"/>
+              <a:rPr lang="en-US"/>
               <a:t>Second level</a:t>
             </a:r>
           </a:p>
           <a:p>
             <a:pPr lvl="2"/>
             <a:r>
-              <a:rPr lang="en-US" smtClean="0"/>
+              <a:rPr lang="en-US"/>
               <a:t>Third level</a:t>
             </a:r>
           </a:p>
           <a:p>
             <a:pPr lvl="3"/>
             <a:r>
-              <a:rPr lang="en-US" smtClean="0"/>
+              <a:rPr lang="en-US"/>
               <a:t>Fourth level</a:t>
             </a:r>
           </a:p>
           <a:p>
             <a:pPr lvl="4"/>
             <a:r>
-              <a:rPr lang="en-US" smtClean="0"/>
+              <a:rPr lang="en-US"/>
               <a:t>Fifth level</a:t>
             </a:r>
-            <a:endParaRPr lang="en-US"/>
           </a:p>
         </p:txBody>
       </p:sp>
@@ -3073,7 +3067,7 @@
           <a:p>
             <a:fld id="{78C97017-6FC3-485B-9764-EAC9E56C1D49}" type="datetimeFigureOut">
               <a:rPr lang="en-US" smtClean="0"/>
-              <a:t>11/19/2016</a:t>
+              <a:t>3/10/2017</a:t>
             </a:fld>
             <a:endParaRPr lang="en-US"/>
           </a:p>
@@ -3494,7 +3488,7 @@
           <a:lstStyle/>
           <a:p>
             <a:r>
-              <a:rPr lang="en-US" sz="1200" b="1" dirty="0" smtClean="0">
+              <a:rPr lang="en-US" sz="1200" b="1" dirty="0">
                 <a:solidFill>
                   <a:srgbClr val="7030A0"/>
                 </a:solidFill>
@@ -3553,7 +3547,7 @@
           <a:p>
             <a:pPr algn="ctr"/>
             <a:r>
-              <a:rPr lang="en-US" sz="1050" dirty="0" err="1" smtClean="0">
+              <a:rPr lang="en-US" sz="1050" dirty="0" err="1">
                 <a:solidFill>
                   <a:schemeClr val="bg1"/>
                 </a:solidFill>
@@ -3612,7 +3606,7 @@
           <a:p>
             <a:pPr algn="ctr"/>
             <a:r>
-              <a:rPr lang="en-US" sz="1050" dirty="0" err="1" smtClean="0">
+              <a:rPr lang="en-US" sz="1050" dirty="0" err="1">
                 <a:solidFill>
                   <a:schemeClr val="bg1"/>
                 </a:solidFill>
@@ -3767,7 +3761,7 @@
           <a:p>
             <a:pPr algn="ctr"/>
             <a:r>
-              <a:rPr lang="en-US" sz="1050" dirty="0" smtClean="0">
+              <a:rPr lang="en-US" sz="1050" dirty="0">
                 <a:solidFill>
                   <a:schemeClr val="bg1"/>
                 </a:solidFill>
@@ -4058,7 +4052,7 @@
         </p:nvSpPr>
         <p:spPr>
           <a:xfrm>
-            <a:off x="2879490" y="2627420"/>
+            <a:off x="2895600" y="2627420"/>
             <a:ext cx="1093635" cy="346760"/>
           </a:xfrm>
           <a:prstGeom prst="rect">
@@ -4091,12 +4085,12 @@
           <a:p>
             <a:pPr algn="ctr"/>
             <a:r>
-              <a:rPr lang="en-US" sz="1050" dirty="0" err="1" smtClean="0">
+              <a:rPr lang="en-US" sz="1050" dirty="0" err="1">
                 <a:solidFill>
                   <a:srgbClr val="7030A0"/>
                 </a:solidFill>
               </a:rPr>
-              <a:t>AddressBook</a:t>
+              <a:t>TaskManager</a:t>
             </a:r>
             <a:endParaRPr lang="en-SG" sz="1050" dirty="0">
               <a:solidFill>
@@ -4118,7 +4112,7 @@
         <p:spPr>
           <a:xfrm>
             <a:off x="2658680" y="2795516"/>
-            <a:ext cx="220810" cy="5284"/>
+            <a:ext cx="236920" cy="5284"/>
           </a:xfrm>
           <a:prstGeom prst="straightConnector1">
             <a:avLst/>
@@ -4233,12 +4227,12 @@
           <a:p>
             <a:pPr algn="ctr"/>
             <a:r>
-              <a:rPr lang="en-US" sz="1050" dirty="0" err="1" smtClean="0">
+              <a:rPr lang="en-US" sz="1050" dirty="0" err="1">
                 <a:solidFill>
                   <a:srgbClr val="7030A0"/>
                 </a:solidFill>
               </a:rPr>
-              <a:t>UniquePersonList</a:t>
+              <a:t>UniqueTaskList</a:t>
             </a:r>
             <a:endParaRPr lang="en-SG" sz="1050" dirty="0">
               <a:solidFill>
@@ -4377,7 +4371,7 @@
           <a:p>
             <a:pPr algn="ctr"/>
             <a:r>
-              <a:rPr lang="en-US" sz="1050" dirty="0" err="1" smtClean="0">
+              <a:rPr lang="en-US" sz="1050" dirty="0" err="1">
                 <a:solidFill>
                   <a:srgbClr val="7030A0"/>
                 </a:solidFill>
@@ -4476,12 +4470,12 @@
           <a:p>
             <a:pPr algn="ctr"/>
             <a:r>
-              <a:rPr lang="en-US" sz="1050" dirty="0" smtClean="0">
+              <a:rPr lang="en-US" sz="1050" dirty="0">
                 <a:solidFill>
                   <a:srgbClr val="7030A0"/>
                 </a:solidFill>
               </a:rPr>
-              <a:t>Person</a:t>
+              <a:t>Task</a:t>
             </a:r>
             <a:endParaRPr lang="en-SG" sz="1050" dirty="0">
               <a:solidFill>
@@ -4618,7 +4612,7 @@
           <a:p>
             <a:pPr algn="ctr"/>
             <a:r>
-              <a:rPr lang="en-US" sz="1050" dirty="0" smtClean="0">
+              <a:rPr lang="en-US" sz="1050" dirty="0">
                 <a:solidFill>
                   <a:srgbClr val="7030A0"/>
                 </a:solidFill>
@@ -4760,7 +4754,7 @@
           <a:p>
             <a:pPr algn="ctr"/>
             <a:r>
-              <a:rPr lang="en-US" sz="1050" dirty="0" smtClean="0">
+              <a:rPr lang="en-US" sz="1050" dirty="0">
                 <a:solidFill>
                   <a:srgbClr val="7030A0"/>
                 </a:solidFill>
@@ -4768,19 +4762,19 @@
               <a:t>&lt;&lt;interface&gt;&gt;</a:t>
             </a:r>
             <a:br>
-              <a:rPr lang="en-US" sz="1050" dirty="0" smtClean="0">
+              <a:rPr lang="en-US" sz="1050" dirty="0">
                 <a:solidFill>
                   <a:srgbClr val="7030A0"/>
                 </a:solidFill>
               </a:rPr>
             </a:br>
             <a:r>
-              <a:rPr lang="en-US" sz="1050" dirty="0" err="1" smtClean="0">
+              <a:rPr lang="en-US" sz="1050" dirty="0" err="1">
                 <a:solidFill>
                   <a:srgbClr val="7030A0"/>
                 </a:solidFill>
               </a:rPr>
-              <a:t>ReadOnlyPerson</a:t>
+              <a:t>ReadOnlyEvent</a:t>
             </a:r>
             <a:endParaRPr lang="en-SG" sz="1050" dirty="0">
               <a:solidFill>
@@ -4798,8 +4792,8 @@
         </p:nvSpPr>
         <p:spPr>
           <a:xfrm>
-            <a:off x="7712397" y="2564238"/>
-            <a:ext cx="708186" cy="285783"/>
+            <a:off x="7712396" y="2384707"/>
+            <a:ext cx="822003" cy="285783"/>
           </a:xfrm>
           <a:prstGeom prst="rect">
             <a:avLst/>
@@ -4831,12 +4825,12 @@
           <a:p>
             <a:pPr algn="ctr"/>
             <a:r>
-              <a:rPr lang="en-US" sz="1050" dirty="0" smtClean="0">
+              <a:rPr lang="en-US" sz="1050" dirty="0">
                 <a:solidFill>
                   <a:srgbClr val="7030A0"/>
                 </a:solidFill>
               </a:rPr>
-              <a:t>Name</a:t>
+              <a:t>Title</a:t>
             </a:r>
             <a:endParaRPr lang="en-SG" sz="1050" dirty="0">
               <a:solidFill>
@@ -4897,6 +4891,7 @@
         <p:nvCxnSpPr>
           <p:cNvPr id="79" name="Elbow Connector 78"/>
           <p:cNvCxnSpPr>
+            <a:cxnSpLocks/>
             <a:stCxn id="78" idx="3"/>
             <a:endCxn id="76" idx="1"/>
           </p:cNvCxnSpPr>
@@ -4904,8 +4899,8 @@
         </p:nvCxnSpPr>
         <p:spPr>
           <a:xfrm flipV="1">
-            <a:off x="7277995" y="2707130"/>
-            <a:ext cx="434402" cy="327761"/>
+            <a:off x="7277995" y="2527599"/>
+            <a:ext cx="434401" cy="507292"/>
           </a:xfrm>
           <a:prstGeom prst="bentConnector3">
             <a:avLst/>
@@ -4942,8 +4937,8 @@
         </p:nvSpPr>
         <p:spPr>
           <a:xfrm>
-            <a:off x="7712397" y="2887216"/>
-            <a:ext cx="708186" cy="285783"/>
+            <a:off x="7712397" y="2707685"/>
+            <a:ext cx="822002" cy="285783"/>
           </a:xfrm>
           <a:prstGeom prst="rect">
             <a:avLst/>
@@ -4975,12 +4970,12 @@
           <a:p>
             <a:pPr algn="ctr"/>
             <a:r>
-              <a:rPr lang="en-US" sz="1050" dirty="0" smtClean="0">
+              <a:rPr lang="en-US" sz="1050" dirty="0">
                 <a:solidFill>
                   <a:srgbClr val="7030A0"/>
                 </a:solidFill>
               </a:rPr>
-              <a:t>Phone</a:t>
+              <a:t>Deadline</a:t>
             </a:r>
             <a:endParaRPr lang="en-SG" sz="1050" dirty="0">
               <a:solidFill>
@@ -4994,6 +4989,7 @@
         <p:nvCxnSpPr>
           <p:cNvPr id="81" name="Elbow Connector 80"/>
           <p:cNvCxnSpPr>
+            <a:cxnSpLocks/>
             <a:stCxn id="78" idx="3"/>
             <a:endCxn id="80" idx="1"/>
           </p:cNvCxnSpPr>
@@ -5001,8 +4997,8 @@
         </p:nvCxnSpPr>
         <p:spPr>
           <a:xfrm flipV="1">
-            <a:off x="7277995" y="3030108"/>
-            <a:ext cx="434402" cy="4783"/>
+            <a:off x="7277995" y="2850577"/>
+            <a:ext cx="434402" cy="184314"/>
           </a:xfrm>
           <a:prstGeom prst="bentConnector3">
             <a:avLst/>
@@ -5039,8 +5035,8 @@
         </p:nvSpPr>
         <p:spPr>
           <a:xfrm>
-            <a:off x="7712397" y="3210194"/>
-            <a:ext cx="708186" cy="285783"/>
+            <a:off x="7712397" y="3030663"/>
+            <a:ext cx="822002" cy="285783"/>
           </a:xfrm>
           <a:prstGeom prst="rect">
             <a:avLst/>
@@ -5072,12 +5068,12 @@
           <a:p>
             <a:pPr algn="ctr"/>
             <a:r>
-              <a:rPr lang="en-US" sz="1050" dirty="0" smtClean="0">
+              <a:rPr lang="en-US" sz="1050" dirty="0">
                 <a:solidFill>
                   <a:srgbClr val="7030A0"/>
                 </a:solidFill>
               </a:rPr>
-              <a:t>Email</a:t>
+              <a:t>Timing</a:t>
             </a:r>
             <a:endParaRPr lang="en-SG" sz="1050" dirty="0">
               <a:solidFill>
@@ -5091,6 +5087,7 @@
         <p:nvCxnSpPr>
           <p:cNvPr id="84" name="Elbow Connector 83"/>
           <p:cNvCxnSpPr>
+            <a:cxnSpLocks/>
             <a:stCxn id="78" idx="3"/>
             <a:endCxn id="83" idx="1"/>
           </p:cNvCxnSpPr>
@@ -5099,7 +5096,7 @@
         <p:spPr>
           <a:xfrm>
             <a:off x="7277995" y="3034891"/>
-            <a:ext cx="434402" cy="318195"/>
+            <a:ext cx="434402" cy="138664"/>
           </a:xfrm>
           <a:prstGeom prst="bentConnector3">
             <a:avLst/>
@@ -5136,8 +5133,8 @@
         </p:nvSpPr>
         <p:spPr>
           <a:xfrm>
-            <a:off x="7712397" y="3533171"/>
-            <a:ext cx="708186" cy="285783"/>
+            <a:off x="7712397" y="3353640"/>
+            <a:ext cx="822002" cy="285783"/>
           </a:xfrm>
           <a:prstGeom prst="rect">
             <a:avLst/>
@@ -5169,12 +5166,12 @@
           <a:p>
             <a:pPr algn="ctr"/>
             <a:r>
-              <a:rPr lang="en-US" sz="1050" dirty="0" smtClean="0">
+              <a:rPr lang="en-US" sz="1050" dirty="0">
                 <a:solidFill>
                   <a:srgbClr val="7030A0"/>
                 </a:solidFill>
               </a:rPr>
-              <a:t>Address</a:t>
+              <a:t>Description</a:t>
             </a:r>
             <a:endParaRPr lang="en-SG" sz="1050" dirty="0">
               <a:solidFill>
@@ -5188,15 +5185,16 @@
         <p:nvCxnSpPr>
           <p:cNvPr id="86" name="Elbow Connector 85"/>
           <p:cNvCxnSpPr>
+            <a:cxnSpLocks/>
             <a:stCxn id="78" idx="3"/>
-            <a:endCxn id="85" idx="1"/>
+            <a:endCxn id="113" idx="1"/>
           </p:cNvCxnSpPr>
           <p:nvPr/>
         </p:nvCxnSpPr>
         <p:spPr>
           <a:xfrm>
             <a:off x="7277995" y="3034891"/>
-            <a:ext cx="434402" cy="641172"/>
+            <a:ext cx="434402" cy="784618"/>
           </a:xfrm>
           <a:prstGeom prst="bentConnector3">
             <a:avLst/>
@@ -5357,7 +5355,7 @@
           <a:p>
             <a:pPr algn="ctr"/>
             <a:r>
-              <a:rPr lang="en-US" sz="1050" dirty="0" smtClean="0">
+              <a:rPr lang="en-US" sz="1050" dirty="0">
                 <a:solidFill>
                   <a:srgbClr val="7030A0"/>
                 </a:solidFill>
@@ -5365,19 +5363,19 @@
               <a:t>&lt;&lt;interface&gt;&gt;</a:t>
             </a:r>
             <a:br>
-              <a:rPr lang="en-US" sz="1050" dirty="0" smtClean="0">
+              <a:rPr lang="en-US" sz="1050" dirty="0">
                 <a:solidFill>
                   <a:srgbClr val="7030A0"/>
                 </a:solidFill>
               </a:rPr>
             </a:br>
             <a:r>
-              <a:rPr lang="en-US" sz="1050" dirty="0" err="1" smtClean="0">
+              <a:rPr lang="en-US" sz="1050" dirty="0" err="1">
                 <a:solidFill>
                   <a:srgbClr val="7030A0"/>
                 </a:solidFill>
               </a:rPr>
-              <a:t>ReadOnlyAddressBook</a:t>
+              <a:t>ReadOnlyTaskManager</a:t>
             </a:r>
             <a:endParaRPr lang="en-SG" sz="1050" dirty="0">
               <a:solidFill>
@@ -5411,7 +5409,7 @@
           <a:p>
             <a:pPr algn="r"/>
             <a:r>
-              <a:rPr lang="en-US" sz="1100" dirty="0" smtClean="0">
+              <a:rPr lang="en-US" sz="1100" dirty="0">
                 <a:solidFill>
                   <a:srgbClr val="7030A0"/>
                 </a:solidFill>
@@ -5467,20 +5465,12 @@
           <a:p>
             <a:pPr algn="ctr"/>
             <a:r>
-              <a:rPr lang="en-US" sz="1050" dirty="0" smtClean="0">
+              <a:rPr lang="en-US" sz="1050" dirty="0">
                 <a:solidFill>
                   <a:srgbClr val="7030A0"/>
                 </a:solidFill>
               </a:rPr>
               <a:t>&lt;&lt;interface&gt;&gt;</a:t>
-            </a:r>
-            <a:r>
-              <a:rPr lang="en-US" sz="1050" dirty="0">
-                <a:solidFill>
-                  <a:srgbClr val="7030A0"/>
-                </a:solidFill>
-              </a:rPr>
-              <a:t/>
             </a:r>
             <a:br>
               <a:rPr lang="en-US" sz="1050" dirty="0">
@@ -5490,7 +5480,7 @@
               </a:rPr>
             </a:br>
             <a:r>
-              <a:rPr lang="en-US" sz="1050" dirty="0" err="1" smtClean="0">
+              <a:rPr lang="en-US" sz="1050" dirty="0" err="1">
                 <a:solidFill>
                   <a:srgbClr val="7030A0"/>
                 </a:solidFill>
@@ -5612,7 +5602,7 @@
           <a:p>
             <a:pPr algn="ctr"/>
             <a:r>
-              <a:rPr lang="en-US" sz="1100" dirty="0" smtClean="0">
+              <a:rPr lang="en-US" sz="1100" dirty="0">
                 <a:solidFill>
                   <a:srgbClr val="7030A0"/>
                 </a:solidFill>
@@ -5651,7 +5641,7 @@
           <a:p>
             <a:pPr algn="ctr"/>
             <a:r>
-              <a:rPr lang="en-US" sz="1100" dirty="0" smtClean="0">
+              <a:rPr lang="en-US" sz="1100" dirty="0">
                 <a:solidFill>
                   <a:srgbClr val="7030A0"/>
                 </a:solidFill>
@@ -5690,7 +5680,7 @@
           <a:p>
             <a:pPr algn="ctr"/>
             <a:r>
-              <a:rPr lang="en-US" sz="1100" dirty="0" smtClean="0">
+              <a:rPr lang="en-US" sz="1100" dirty="0">
                 <a:solidFill>
                   <a:srgbClr val="7030A0"/>
                 </a:solidFill>
@@ -5729,7 +5719,7 @@
           <a:p>
             <a:pPr algn="ctr"/>
             <a:r>
-              <a:rPr lang="en-US" sz="1100" dirty="0" smtClean="0">
+              <a:rPr lang="en-US" sz="1100" dirty="0">
                 <a:solidFill>
                   <a:srgbClr val="7030A0"/>
                 </a:solidFill>
@@ -5768,7 +5758,7 @@
           <a:p>
             <a:pPr algn="ctr"/>
             <a:r>
-              <a:rPr lang="en-US" sz="1100" dirty="0" smtClean="0">
+              <a:rPr lang="en-US" sz="1100" dirty="0">
                 <a:solidFill>
                   <a:srgbClr val="7030A0"/>
                 </a:solidFill>
@@ -5807,7 +5797,7 @@
           <a:p>
             <a:pPr algn="ctr"/>
             <a:r>
-              <a:rPr lang="en-US" sz="1100" dirty="0" smtClean="0">
+              <a:rPr lang="en-US" sz="1100" dirty="0">
                 <a:solidFill>
                   <a:srgbClr val="7030A0"/>
                 </a:solidFill>
@@ -5846,7 +5836,7 @@
           <a:p>
             <a:pPr algn="ctr"/>
             <a:r>
-              <a:rPr lang="en-US" sz="1100" dirty="0" smtClean="0">
+              <a:rPr lang="en-US" sz="1100" dirty="0">
                 <a:solidFill>
                   <a:srgbClr val="7030A0"/>
                 </a:solidFill>
@@ -5885,7 +5875,7 @@
           <a:p>
             <a:pPr algn="ctr"/>
             <a:r>
-              <a:rPr lang="en-US" sz="1100" dirty="0" smtClean="0">
+              <a:rPr lang="en-US" sz="1100" dirty="0">
                 <a:solidFill>
                   <a:srgbClr val="7030A0"/>
                 </a:solidFill>
@@ -5900,6 +5890,112 @@
           </a:p>
         </p:txBody>
       </p:sp>
+      <p:sp>
+        <p:nvSpPr>
+          <p:cNvPr id="113" name="Rectangle 8"/>
+          <p:cNvSpPr/>
+          <p:nvPr/>
+        </p:nvSpPr>
+        <p:spPr>
+          <a:xfrm>
+            <a:off x="7712397" y="3676617"/>
+            <a:ext cx="822002" cy="285783"/>
+          </a:xfrm>
+          <a:prstGeom prst="rect">
+            <a:avLst/>
+          </a:prstGeom>
+          <a:ln w="19050">
+            <a:solidFill>
+              <a:srgbClr val="7030A0"/>
+            </a:solidFill>
+          </a:ln>
+          <a:effectLst/>
+        </p:spPr>
+        <p:style>
+          <a:lnRef idx="1">
+            <a:schemeClr val="accent4"/>
+          </a:lnRef>
+          <a:fillRef idx="2">
+            <a:schemeClr val="accent4"/>
+          </a:fillRef>
+          <a:effectRef idx="1">
+            <a:schemeClr val="accent4"/>
+          </a:effectRef>
+          <a:fontRef idx="minor">
+            <a:schemeClr val="dk1"/>
+          </a:fontRef>
+        </p:style>
+        <p:txBody>
+          <a:bodyPr rtlCol="0" anchor="ctr"/>
+          <a:lstStyle/>
+          <a:p>
+            <a:pPr algn="ctr"/>
+            <a:r>
+              <a:rPr lang="en-US" sz="1050">
+                <a:solidFill>
+                  <a:srgbClr val="7030A0"/>
+                </a:solidFill>
+              </a:rPr>
+              <a:t>Periodicit</a:t>
+            </a:r>
+            <a:r>
+              <a:rPr lang="en-US" sz="1050">
+                <a:solidFill>
+                  <a:srgbClr val="7030A0"/>
+                </a:solidFill>
+              </a:rPr>
+              <a:t>y</a:t>
+            </a:r>
+            <a:endParaRPr lang="en-SG" sz="1050" dirty="0">
+              <a:solidFill>
+                <a:srgbClr val="7030A0"/>
+              </a:solidFill>
+            </a:endParaRPr>
+          </a:p>
+        </p:txBody>
+      </p:sp>
+      <p:cxnSp>
+        <p:nvCxnSpPr>
+          <p:cNvPr id="115" name="Elbow Connector 83"/>
+          <p:cNvCxnSpPr>
+            <a:cxnSpLocks/>
+            <a:stCxn id="78" idx="3"/>
+            <a:endCxn id="85" idx="1"/>
+          </p:cNvCxnSpPr>
+          <p:nvPr/>
+        </p:nvCxnSpPr>
+        <p:spPr>
+          <a:xfrm>
+            <a:off x="7277995" y="3034891"/>
+            <a:ext cx="434402" cy="461641"/>
+          </a:xfrm>
+          <a:prstGeom prst="bentConnector3">
+            <a:avLst/>
+          </a:prstGeom>
+          <a:ln w="19050">
+            <a:solidFill>
+              <a:srgbClr val="7030A0"/>
+            </a:solidFill>
+            <a:headEnd type="none" w="med" len="med"/>
+            <a:tailEnd type="arrow" w="med" len="med"/>
+          </a:ln>
+          <a:effectLst/>
+        </p:spPr>
+        <p:style>
+          <a:lnRef idx="1">
+            <a:schemeClr val="accent2"/>
+          </a:lnRef>
+          <a:fillRef idx="2">
+            <a:schemeClr val="accent2"/>
+          </a:fillRef>
+          <a:effectRef idx="1">
+            <a:schemeClr val="accent2"/>
+          </a:effectRef>
+          <a:fontRef idx="minor">
+            <a:schemeClr val="dk1"/>
+          </a:fontRef>
+        </p:style>
+      </p:cxnSp>
     </p:spTree>
     <p:extLst>
       <p:ext uri="{BB962C8B-B14F-4D97-AF65-F5344CB8AC3E}">
@@ -5910,13 +6006,6 @@
   <p:clrMapOvr>
     <a:masterClrMapping/>
   </p:clrMapOvr>
-  <p:timing>
-    <p:tnLst>
-      <p:par>
-        <p:cTn id="1" dur="indefinite" restart="never" nodeType="tmRoot"/>
-      </p:par>
-    </p:tnLst>
-  </p:timing>
 </p:sld>
 </file>
 

--- a/docs/diagrams/ModelComponentClassDiagram.pptx
+++ b/docs/diagrams/ModelComponentClassDiagram.pptx
@@ -107,6 +107,22 @@
       </a:defRPr>
     </a:lvl9pPr>
   </p:defaultTextStyle>
+  <p:extLst>
+    <p:ext uri="{EFAFB233-063F-42B5-8137-9DF3F51BA10A}">
+      <p15:sldGuideLst xmlns:p15="http://schemas.microsoft.com/office/powerpoint/2012/main">
+        <p15:guide id="1" orient="horz" pos="1488">
+          <p15:clr>
+            <a:srgbClr val="A4A3A4"/>
+          </p15:clr>
+        </p15:guide>
+        <p15:guide id="2" pos="2880">
+          <p15:clr>
+            <a:srgbClr val="A4A3A4"/>
+          </p15:clr>
+        </p15:guide>
+      </p15:sldGuideLst>
+    </p:ext>
+  </p:extLst>
 </p:presentation>
 </file>
 
@@ -192,7 +208,7 @@
           <a:p>
             <a:fld id="{F5CC4B3F-88C1-4FFA-B1B6-F41C21DC6924}" type="datetimeFigureOut">
               <a:rPr lang="en-US" smtClean="0"/>
-              <a:t>11/19/2016</a:t>
+              <a:t>3/12/2017</a:t>
             </a:fld>
             <a:endParaRPr lang="en-US"/>
           </a:p>
@@ -641,7 +657,7 @@
           <a:p>
             <a:fld id="{78C97017-6FC3-485B-9764-EAC9E56C1D49}" type="datetimeFigureOut">
               <a:rPr lang="en-US" smtClean="0"/>
-              <a:t>11/19/2016</a:t>
+              <a:t>3/12/2017</a:t>
             </a:fld>
             <a:endParaRPr lang="en-US"/>
           </a:p>
@@ -811,7 +827,7 @@
           <a:p>
             <a:fld id="{78C97017-6FC3-485B-9764-EAC9E56C1D49}" type="datetimeFigureOut">
               <a:rPr lang="en-US" smtClean="0"/>
-              <a:t>11/19/2016</a:t>
+              <a:t>3/12/2017</a:t>
             </a:fld>
             <a:endParaRPr lang="en-US"/>
           </a:p>
@@ -991,7 +1007,7 @@
           <a:p>
             <a:fld id="{78C97017-6FC3-485B-9764-EAC9E56C1D49}" type="datetimeFigureOut">
               <a:rPr lang="en-US" smtClean="0"/>
-              <a:t>11/19/2016</a:t>
+              <a:t>3/12/2017</a:t>
             </a:fld>
             <a:endParaRPr lang="en-US"/>
           </a:p>
@@ -1161,7 +1177,7 @@
           <a:p>
             <a:fld id="{78C97017-6FC3-485B-9764-EAC9E56C1D49}" type="datetimeFigureOut">
               <a:rPr lang="en-US" smtClean="0"/>
-              <a:t>11/19/2016</a:t>
+              <a:t>3/12/2017</a:t>
             </a:fld>
             <a:endParaRPr lang="en-US"/>
           </a:p>
@@ -1407,7 +1423,7 @@
           <a:p>
             <a:fld id="{78C97017-6FC3-485B-9764-EAC9E56C1D49}" type="datetimeFigureOut">
               <a:rPr lang="en-US" smtClean="0"/>
-              <a:t>11/19/2016</a:t>
+              <a:t>3/12/2017</a:t>
             </a:fld>
             <a:endParaRPr lang="en-US"/>
           </a:p>
@@ -1695,7 +1711,7 @@
           <a:p>
             <a:fld id="{78C97017-6FC3-485B-9764-EAC9E56C1D49}" type="datetimeFigureOut">
               <a:rPr lang="en-US" smtClean="0"/>
-              <a:t>11/19/2016</a:t>
+              <a:t>3/12/2017</a:t>
             </a:fld>
             <a:endParaRPr lang="en-US"/>
           </a:p>
@@ -2117,7 +2133,7 @@
           <a:p>
             <a:fld id="{78C97017-6FC3-485B-9764-EAC9E56C1D49}" type="datetimeFigureOut">
               <a:rPr lang="en-US" smtClean="0"/>
-              <a:t>11/19/2016</a:t>
+              <a:t>3/12/2017</a:t>
             </a:fld>
             <a:endParaRPr lang="en-US"/>
           </a:p>
@@ -2235,7 +2251,7 @@
           <a:p>
             <a:fld id="{78C97017-6FC3-485B-9764-EAC9E56C1D49}" type="datetimeFigureOut">
               <a:rPr lang="en-US" smtClean="0"/>
-              <a:t>11/19/2016</a:t>
+              <a:t>3/12/2017</a:t>
             </a:fld>
             <a:endParaRPr lang="en-US"/>
           </a:p>
@@ -2330,7 +2346,7 @@
           <a:p>
             <a:fld id="{78C97017-6FC3-485B-9764-EAC9E56C1D49}" type="datetimeFigureOut">
               <a:rPr lang="en-US" smtClean="0"/>
-              <a:t>11/19/2016</a:t>
+              <a:t>3/12/2017</a:t>
             </a:fld>
             <a:endParaRPr lang="en-US"/>
           </a:p>
@@ -2607,7 +2623,7 @@
           <a:p>
             <a:fld id="{78C97017-6FC3-485B-9764-EAC9E56C1D49}" type="datetimeFigureOut">
               <a:rPr lang="en-US" smtClean="0"/>
-              <a:t>11/19/2016</a:t>
+              <a:t>3/12/2017</a:t>
             </a:fld>
             <a:endParaRPr lang="en-US"/>
           </a:p>
@@ -2860,7 +2876,7 @@
           <a:p>
             <a:fld id="{78C97017-6FC3-485B-9764-EAC9E56C1D49}" type="datetimeFigureOut">
               <a:rPr lang="en-US" smtClean="0"/>
-              <a:t>11/19/2016</a:t>
+              <a:t>3/12/2017</a:t>
             </a:fld>
             <a:endParaRPr lang="en-US"/>
           </a:p>
@@ -3073,7 +3089,7 @@
           <a:p>
             <a:fld id="{78C97017-6FC3-485B-9764-EAC9E56C1D49}" type="datetimeFigureOut">
               <a:rPr lang="en-US" smtClean="0"/>
-              <a:t>11/19/2016</a:t>
+              <a:t>3/12/2017</a:t>
             </a:fld>
             <a:endParaRPr lang="en-US"/>
           </a:p>
@@ -3465,9 +3481,9 @@
             </a:avLst>
           </a:prstGeom>
           <a:solidFill>
-            <a:schemeClr val="accent4">
-              <a:lumMod val="20000"/>
-              <a:lumOff val="80000"/>
+            <a:schemeClr val="accent6">
+              <a:lumMod val="60000"/>
+              <a:lumOff val="40000"/>
             </a:schemeClr>
           </a:solidFill>
           <a:ln w="19050">
@@ -3496,14 +3512,14 @@
             <a:r>
               <a:rPr lang="en-US" sz="1200" b="1" dirty="0" smtClean="0">
                 <a:solidFill>
-                  <a:srgbClr val="7030A0"/>
+                  <a:srgbClr val="0070C0"/>
                 </a:solidFill>
               </a:rPr>
               <a:t>Model</a:t>
             </a:r>
             <a:endParaRPr lang="en-SG" sz="1200" b="1" dirty="0">
               <a:solidFill>
-                <a:srgbClr val="7030A0"/>
+                <a:srgbClr val="0070C0"/>
               </a:solidFill>
             </a:endParaRPr>
           </a:p>
@@ -4096,7 +4112,7 @@
                   <a:srgbClr val="7030A0"/>
                 </a:solidFill>
               </a:rPr>
-              <a:t>AddressBook</a:t>
+              <a:t>EzDo</a:t>
             </a:r>
             <a:endParaRPr lang="en-SG" sz="1050" dirty="0">
               <a:solidFill>
@@ -4238,7 +4254,7 @@
                   <a:srgbClr val="7030A0"/>
                 </a:solidFill>
               </a:rPr>
-              <a:t>UniquePersonList</a:t>
+              <a:t>UniqueTaskList</a:t>
             </a:r>
             <a:endParaRPr lang="en-SG" sz="1050" dirty="0">
               <a:solidFill>
@@ -4481,7 +4497,7 @@
                   <a:srgbClr val="7030A0"/>
                 </a:solidFill>
               </a:rPr>
-              <a:t>Person</a:t>
+              <a:t>Task</a:t>
             </a:r>
             <a:endParaRPr lang="en-SG" sz="1050" dirty="0">
               <a:solidFill>
@@ -4780,7 +4796,7 @@
                   <a:srgbClr val="7030A0"/>
                 </a:solidFill>
               </a:rPr>
-              <a:t>ReadOnlyPerson</a:t>
+              <a:t>ReadOnlyTask</a:t>
             </a:r>
             <a:endParaRPr lang="en-SG" sz="1050" dirty="0">
               <a:solidFill>
@@ -4980,7 +4996,7 @@
                   <a:srgbClr val="7030A0"/>
                 </a:solidFill>
               </a:rPr>
-              <a:t>Phone</a:t>
+              <a:t>Priority</a:t>
             </a:r>
             <a:endParaRPr lang="en-SG" sz="1050" dirty="0">
               <a:solidFill>
@@ -5072,12 +5088,12 @@
           <a:p>
             <a:pPr algn="ctr"/>
             <a:r>
-              <a:rPr lang="en-US" sz="1050" dirty="0" smtClean="0">
+              <a:rPr lang="en-US" sz="1050" dirty="0" err="1" smtClean="0">
                 <a:solidFill>
                   <a:srgbClr val="7030A0"/>
                 </a:solidFill>
               </a:rPr>
-              <a:t>Email</a:t>
+              <a:t>StartDate</a:t>
             </a:r>
             <a:endParaRPr lang="en-SG" sz="1050" dirty="0">
               <a:solidFill>
@@ -5169,12 +5185,12 @@
           <a:p>
             <a:pPr algn="ctr"/>
             <a:r>
-              <a:rPr lang="en-US" sz="1050" dirty="0" smtClean="0">
+              <a:rPr lang="en-US" sz="1050" dirty="0" err="1" smtClean="0">
                 <a:solidFill>
                   <a:srgbClr val="7030A0"/>
                 </a:solidFill>
               </a:rPr>
-              <a:t>Address</a:t>
+              <a:t>DueDate</a:t>
             </a:r>
             <a:endParaRPr lang="en-SG" sz="1050" dirty="0">
               <a:solidFill>
@@ -5377,7 +5393,7 @@
                   <a:srgbClr val="7030A0"/>
                 </a:solidFill>
               </a:rPr>
-              <a:t>ReadOnlyAddressBook</a:t>
+              <a:t>ReadOnlyEzDo</a:t>
             </a:r>
             <a:endParaRPr lang="en-SG" sz="1050" dirty="0">
               <a:solidFill>

--- a/docs/diagrams/ModelComponentClassDiagram.pptx
+++ b/docs/diagrams/ModelComponentClassDiagram.pptx
@@ -107,6 +107,22 @@
       </a:defRPr>
     </a:lvl9pPr>
   </p:defaultTextStyle>
+  <p:extLst>
+    <p:ext uri="{EFAFB233-063F-42B5-8137-9DF3F51BA10A}">
+      <p15:sldGuideLst xmlns:p15="http://schemas.microsoft.com/office/powerpoint/2012/main">
+        <p15:guide id="1" orient="horz" pos="1488">
+          <p15:clr>
+            <a:srgbClr val="A4A3A4"/>
+          </p15:clr>
+        </p15:guide>
+        <p15:guide id="2" pos="2880">
+          <p15:clr>
+            <a:srgbClr val="A4A3A4"/>
+          </p15:clr>
+        </p15:guide>
+      </p15:sldGuideLst>
+    </p:ext>
+  </p:extLst>
 </p:presentation>
 </file>
 
@@ -192,7 +208,7 @@
           <a:p>
             <a:fld id="{F5CC4B3F-88C1-4FFA-B1B6-F41C21DC6924}" type="datetimeFigureOut">
               <a:rPr lang="en-US" smtClean="0"/>
-              <a:t>11/19/2016</a:t>
+              <a:t>3/13/17</a:t>
             </a:fld>
             <a:endParaRPr lang="en-US"/>
           </a:p>
@@ -641,7 +657,7 @@
           <a:p>
             <a:fld id="{78C97017-6FC3-485B-9764-EAC9E56C1D49}" type="datetimeFigureOut">
               <a:rPr lang="en-US" smtClean="0"/>
-              <a:t>11/19/2016</a:t>
+              <a:t>3/13/17</a:t>
             </a:fld>
             <a:endParaRPr lang="en-US"/>
           </a:p>
@@ -811,7 +827,7 @@
           <a:p>
             <a:fld id="{78C97017-6FC3-485B-9764-EAC9E56C1D49}" type="datetimeFigureOut">
               <a:rPr lang="en-US" smtClean="0"/>
-              <a:t>11/19/2016</a:t>
+              <a:t>3/13/17</a:t>
             </a:fld>
             <a:endParaRPr lang="en-US"/>
           </a:p>
@@ -991,7 +1007,7 @@
           <a:p>
             <a:fld id="{78C97017-6FC3-485B-9764-EAC9E56C1D49}" type="datetimeFigureOut">
               <a:rPr lang="en-US" smtClean="0"/>
-              <a:t>11/19/2016</a:t>
+              <a:t>3/13/17</a:t>
             </a:fld>
             <a:endParaRPr lang="en-US"/>
           </a:p>
@@ -1161,7 +1177,7 @@
           <a:p>
             <a:fld id="{78C97017-6FC3-485B-9764-EAC9E56C1D49}" type="datetimeFigureOut">
               <a:rPr lang="en-US" smtClean="0"/>
-              <a:t>11/19/2016</a:t>
+              <a:t>3/13/17</a:t>
             </a:fld>
             <a:endParaRPr lang="en-US"/>
           </a:p>
@@ -1407,7 +1423,7 @@
           <a:p>
             <a:fld id="{78C97017-6FC3-485B-9764-EAC9E56C1D49}" type="datetimeFigureOut">
               <a:rPr lang="en-US" smtClean="0"/>
-              <a:t>11/19/2016</a:t>
+              <a:t>3/13/17</a:t>
             </a:fld>
             <a:endParaRPr lang="en-US"/>
           </a:p>
@@ -1695,7 +1711,7 @@
           <a:p>
             <a:fld id="{78C97017-6FC3-485B-9764-EAC9E56C1D49}" type="datetimeFigureOut">
               <a:rPr lang="en-US" smtClean="0"/>
-              <a:t>11/19/2016</a:t>
+              <a:t>3/13/17</a:t>
             </a:fld>
             <a:endParaRPr lang="en-US"/>
           </a:p>
@@ -2117,7 +2133,7 @@
           <a:p>
             <a:fld id="{78C97017-6FC3-485B-9764-EAC9E56C1D49}" type="datetimeFigureOut">
               <a:rPr lang="en-US" smtClean="0"/>
-              <a:t>11/19/2016</a:t>
+              <a:t>3/13/17</a:t>
             </a:fld>
             <a:endParaRPr lang="en-US"/>
           </a:p>
@@ -2235,7 +2251,7 @@
           <a:p>
             <a:fld id="{78C97017-6FC3-485B-9764-EAC9E56C1D49}" type="datetimeFigureOut">
               <a:rPr lang="en-US" smtClean="0"/>
-              <a:t>11/19/2016</a:t>
+              <a:t>3/13/17</a:t>
             </a:fld>
             <a:endParaRPr lang="en-US"/>
           </a:p>
@@ -2330,7 +2346,7 @@
           <a:p>
             <a:fld id="{78C97017-6FC3-485B-9764-EAC9E56C1D49}" type="datetimeFigureOut">
               <a:rPr lang="en-US" smtClean="0"/>
-              <a:t>11/19/2016</a:t>
+              <a:t>3/13/17</a:t>
             </a:fld>
             <a:endParaRPr lang="en-US"/>
           </a:p>
@@ -2607,7 +2623,7 @@
           <a:p>
             <a:fld id="{78C97017-6FC3-485B-9764-EAC9E56C1D49}" type="datetimeFigureOut">
               <a:rPr lang="en-US" smtClean="0"/>
-              <a:t>11/19/2016</a:t>
+              <a:t>3/13/17</a:t>
             </a:fld>
             <a:endParaRPr lang="en-US"/>
           </a:p>
@@ -2860,7 +2876,7 @@
           <a:p>
             <a:fld id="{78C97017-6FC3-485B-9764-EAC9E56C1D49}" type="datetimeFigureOut">
               <a:rPr lang="en-US" smtClean="0"/>
-              <a:t>11/19/2016</a:t>
+              <a:t>3/13/17</a:t>
             </a:fld>
             <a:endParaRPr lang="en-US"/>
           </a:p>
@@ -3073,7 +3089,7 @@
           <a:p>
             <a:fld id="{78C97017-6FC3-485B-9764-EAC9E56C1D49}" type="datetimeFigureOut">
               <a:rPr lang="en-US" smtClean="0"/>
-              <a:t>11/19/2016</a:t>
+              <a:t>3/13/17</a:t>
             </a:fld>
             <a:endParaRPr lang="en-US"/>
           </a:p>
@@ -3456,7 +3472,7 @@
         </p:nvSpPr>
         <p:spPr>
           <a:xfrm>
-            <a:off x="1119865" y="1727200"/>
+            <a:off x="1196065" y="1727200"/>
             <a:ext cx="7490735" cy="2997200"/>
           </a:xfrm>
           <a:prstGeom prst="roundRect">
@@ -3553,7 +3569,7 @@
           <a:p>
             <a:pPr algn="ctr"/>
             <a:r>
-              <a:rPr lang="en-US" sz="1050" dirty="0" err="1" smtClean="0">
+              <a:rPr lang="en-US" sz="1050" dirty="0" smtClean="0">
                 <a:solidFill>
                   <a:schemeClr val="bg1"/>
                 </a:solidFill>
@@ -4091,12 +4107,12 @@
           <a:p>
             <a:pPr algn="ctr"/>
             <a:r>
-              <a:rPr lang="en-US" sz="1050" dirty="0" err="1" smtClean="0">
+              <a:rPr lang="en-US" altLang="zh-CN" sz="1050" dirty="0" smtClean="0">
                 <a:solidFill>
                   <a:srgbClr val="7030A0"/>
                 </a:solidFill>
               </a:rPr>
-              <a:t>AddressBook</a:t>
+              <a:t>TaskBoss</a:t>
             </a:r>
             <a:endParaRPr lang="en-SG" sz="1050" dirty="0">
               <a:solidFill>
@@ -4233,12 +4249,28 @@
           <a:p>
             <a:pPr algn="ctr"/>
             <a:r>
-              <a:rPr lang="en-US" sz="1050" dirty="0" err="1" smtClean="0">
+              <a:rPr lang="en-US" sz="1050" dirty="0" smtClean="0">
                 <a:solidFill>
                   <a:srgbClr val="7030A0"/>
                 </a:solidFill>
               </a:rPr>
-              <a:t>UniquePersonList</a:t>
+              <a:t>Unique</a:t>
+            </a:r>
+            <a:r>
+              <a:rPr lang="en-US" altLang="zh-CN" sz="1050" dirty="0" smtClean="0">
+                <a:solidFill>
+                  <a:srgbClr val="7030A0"/>
+                </a:solidFill>
+              </a:rPr>
+              <a:t>Task</a:t>
+            </a:r>
+            <a:r>
+              <a:rPr lang="en-US" sz="1050" dirty="0" smtClean="0">
+                <a:solidFill>
+                  <a:srgbClr val="7030A0"/>
+                </a:solidFill>
+              </a:rPr>
+              <a:t>List</a:t>
             </a:r>
             <a:endParaRPr lang="en-SG" sz="1050" dirty="0">
               <a:solidFill>
@@ -4345,7 +4377,7 @@
         <p:spPr>
           <a:xfrm>
             <a:off x="4477328" y="2280569"/>
-            <a:ext cx="1156969" cy="346760"/>
+            <a:ext cx="1255272" cy="346760"/>
           </a:xfrm>
           <a:prstGeom prst="rect">
             <a:avLst/>
@@ -4377,12 +4409,28 @@
           <a:p>
             <a:pPr algn="ctr"/>
             <a:r>
-              <a:rPr lang="en-US" sz="1050" dirty="0" err="1" smtClean="0">
+              <a:rPr lang="en-US" sz="1050" smtClean="0">
                 <a:solidFill>
                   <a:srgbClr val="7030A0"/>
                 </a:solidFill>
               </a:rPr>
-              <a:t>UniqueTagList</a:t>
+              <a:t>Unique</a:t>
+            </a:r>
+            <a:r>
+              <a:rPr lang="en-US" altLang="zh-CN" sz="1050" smtClean="0">
+                <a:solidFill>
+                  <a:srgbClr val="7030A0"/>
+                </a:solidFill>
+              </a:rPr>
+              <a:t>Category</a:t>
+            </a:r>
+            <a:r>
+              <a:rPr lang="en-US" sz="1050" smtClean="0">
+                <a:solidFill>
+                  <a:srgbClr val="7030A0"/>
+                </a:solidFill>
+              </a:rPr>
+              <a:t>List</a:t>
             </a:r>
             <a:endParaRPr lang="en-SG" sz="1050" dirty="0">
               <a:solidFill>
@@ -4476,12 +4524,12 @@
           <a:p>
             <a:pPr algn="ctr"/>
             <a:r>
-              <a:rPr lang="en-US" sz="1050" dirty="0" smtClean="0">
+              <a:rPr lang="en-US" altLang="zh-CN" sz="1050" dirty="0" smtClean="0">
                 <a:solidFill>
                   <a:srgbClr val="7030A0"/>
                 </a:solidFill>
               </a:rPr>
-              <a:t>Person</a:t>
+              <a:t>Task</a:t>
             </a:r>
             <a:endParaRPr lang="en-SG" sz="1050" dirty="0">
               <a:solidFill>
@@ -4586,7 +4634,7 @@
         <p:spPr>
           <a:xfrm>
             <a:off x="5336105" y="1809332"/>
-            <a:ext cx="483700" cy="346760"/>
+            <a:ext cx="753218" cy="346760"/>
           </a:xfrm>
           <a:prstGeom prst="rect">
             <a:avLst/>
@@ -4618,12 +4666,12 @@
           <a:p>
             <a:pPr algn="ctr"/>
             <a:r>
-              <a:rPr lang="en-US" sz="1050" dirty="0" smtClean="0">
+              <a:rPr lang="en-US" altLang="zh-CN" sz="1050" smtClean="0">
                 <a:solidFill>
                   <a:srgbClr val="7030A0"/>
                 </a:solidFill>
               </a:rPr>
-              <a:t>Tag</a:t>
+              <a:t>Category</a:t>
             </a:r>
             <a:endParaRPr lang="en-SG" sz="1050" dirty="0">
               <a:solidFill>
@@ -4775,12 +4823,20 @@
               </a:rPr>
             </a:br>
             <a:r>
-              <a:rPr lang="en-US" sz="1050" dirty="0" err="1" smtClean="0">
+              <a:rPr lang="en-US" sz="1050" dirty="0" smtClean="0">
                 <a:solidFill>
                   <a:srgbClr val="7030A0"/>
                 </a:solidFill>
               </a:rPr>
-              <a:t>ReadOnlyPerson</a:t>
+              <a:t>ReadOnly</a:t>
+            </a:r>
+            <a:r>
+              <a:rPr lang="en-US" altLang="zh-CN" sz="1050" dirty="0" smtClean="0">
+                <a:solidFill>
+                  <a:srgbClr val="7030A0"/>
+                </a:solidFill>
+              </a:rPr>
+              <a:t>Task</a:t>
             </a:r>
             <a:endParaRPr lang="en-SG" sz="1050" dirty="0">
               <a:solidFill>
@@ -4799,7 +4855,7 @@
         <p:spPr>
           <a:xfrm>
             <a:off x="7712397" y="2564238"/>
-            <a:ext cx="708186" cy="285783"/>
+            <a:ext cx="898202" cy="285783"/>
           </a:xfrm>
           <a:prstGeom prst="rect">
             <a:avLst/>
@@ -4943,7 +4999,7 @@
         <p:spPr>
           <a:xfrm>
             <a:off x="7712397" y="2887216"/>
-            <a:ext cx="708186" cy="285783"/>
+            <a:ext cx="898202" cy="285783"/>
           </a:xfrm>
           <a:prstGeom prst="rect">
             <a:avLst/>
@@ -4975,12 +5031,20 @@
           <a:p>
             <a:pPr algn="ctr"/>
             <a:r>
-              <a:rPr lang="en-US" sz="1050" dirty="0" smtClean="0">
+              <a:rPr lang="en-US" sz="1050" dirty="0" err="1" smtClean="0">
                 <a:solidFill>
                   <a:srgbClr val="7030A0"/>
                 </a:solidFill>
               </a:rPr>
-              <a:t>Phone</a:t>
+              <a:t>P</a:t>
+            </a:r>
+            <a:r>
+              <a:rPr lang="en-US" altLang="zh-CN" sz="1050" dirty="0" err="1" smtClean="0">
+                <a:solidFill>
+                  <a:srgbClr val="7030A0"/>
+                </a:solidFill>
+              </a:rPr>
+              <a:t>riorityLevel</a:t>
             </a:r>
             <a:endParaRPr lang="en-SG" sz="1050" dirty="0">
               <a:solidFill>
@@ -5039,8 +5103,8 @@
         </p:nvSpPr>
         <p:spPr>
           <a:xfrm>
-            <a:off x="7712397" y="3210194"/>
-            <a:ext cx="708186" cy="285783"/>
+            <a:off x="7712396" y="3210194"/>
+            <a:ext cx="898203" cy="285783"/>
           </a:xfrm>
           <a:prstGeom prst="rect">
             <a:avLst/>
@@ -5072,12 +5136,12 @@
           <a:p>
             <a:pPr algn="ctr"/>
             <a:r>
-              <a:rPr lang="en-US" sz="1050" dirty="0" smtClean="0">
+              <a:rPr lang="en-US" altLang="zh-CN" sz="1050" smtClean="0">
                 <a:solidFill>
                   <a:srgbClr val="7030A0"/>
                 </a:solidFill>
               </a:rPr>
-              <a:t>Email</a:t>
+              <a:t>Information</a:t>
             </a:r>
             <a:endParaRPr lang="en-SG" sz="1050" dirty="0">
               <a:solidFill>
@@ -5099,7 +5163,7 @@
         <p:spPr>
           <a:xfrm>
             <a:off x="7277995" y="3034891"/>
-            <a:ext cx="434402" cy="318195"/>
+            <a:ext cx="434401" cy="318195"/>
           </a:xfrm>
           <a:prstGeom prst="bentConnector3">
             <a:avLst/>
@@ -5136,8 +5200,8 @@
         </p:nvSpPr>
         <p:spPr>
           <a:xfrm>
-            <a:off x="7712397" y="3533171"/>
-            <a:ext cx="708186" cy="285783"/>
+            <a:off x="7712396" y="3533171"/>
+            <a:ext cx="898203" cy="285783"/>
           </a:xfrm>
           <a:prstGeom prst="rect">
             <a:avLst/>
@@ -5169,12 +5233,12 @@
           <a:p>
             <a:pPr algn="ctr"/>
             <a:r>
-              <a:rPr lang="en-US" sz="1050" dirty="0" smtClean="0">
+              <a:rPr lang="en-US" altLang="zh-CN" sz="1050" dirty="0" err="1" smtClean="0">
                 <a:solidFill>
                   <a:srgbClr val="7030A0"/>
                 </a:solidFill>
               </a:rPr>
-              <a:t>Address</a:t>
+              <a:t>DateTime</a:t>
             </a:r>
             <a:endParaRPr lang="en-SG" sz="1050" dirty="0">
               <a:solidFill>
@@ -5196,7 +5260,7 @@
         <p:spPr>
           <a:xfrm>
             <a:off x="7277995" y="3034891"/>
-            <a:ext cx="434402" cy="641172"/>
+            <a:ext cx="434401" cy="641172"/>
           </a:xfrm>
           <a:prstGeom prst="bentConnector3">
             <a:avLst/>
@@ -5372,12 +5436,20 @@
               </a:rPr>
             </a:br>
             <a:r>
-              <a:rPr lang="en-US" sz="1050" dirty="0" err="1" smtClean="0">
+              <a:rPr lang="en-US" sz="1050" dirty="0" smtClean="0">
                 <a:solidFill>
                   <a:srgbClr val="7030A0"/>
                 </a:solidFill>
               </a:rPr>
-              <a:t>ReadOnlyAddressBook</a:t>
+              <a:t>ReadOnly</a:t>
+            </a:r>
+            <a:r>
+              <a:rPr lang="en-US" altLang="zh-CN" sz="1050" dirty="0" smtClean="0">
+                <a:solidFill>
+                  <a:srgbClr val="7030A0"/>
+                </a:solidFill>
+              </a:rPr>
+              <a:t>TaskBoss</a:t>
             </a:r>
             <a:endParaRPr lang="en-SG" sz="1050" dirty="0">
               <a:solidFill>
@@ -5558,8 +5630,8 @@
         </p:nvCxnSpPr>
         <p:spPr>
           <a:xfrm rot="16200000" flipV="1">
-            <a:off x="5948976" y="2139271"/>
-            <a:ext cx="404117" cy="1033473"/>
+            <a:off x="5998127" y="2188423"/>
+            <a:ext cx="404117" cy="935170"/>
           </a:xfrm>
           <a:prstGeom prst="bentConnector2">
             <a:avLst/>

--- a/docs/diagrams/ModelComponentClassDiagram.pptx
+++ b/docs/diagrams/ModelComponentClassDiagram.pptx
@@ -107,6 +107,22 @@
       </a:defRPr>
     </a:lvl9pPr>
   </p:defaultTextStyle>
+  <p:extLst>
+    <p:ext uri="{EFAFB233-063F-42B5-8137-9DF3F51BA10A}">
+      <p15:sldGuideLst xmlns:p15="http://schemas.microsoft.com/office/powerpoint/2012/main">
+        <p15:guide id="1" orient="horz" pos="1488">
+          <p15:clr>
+            <a:srgbClr val="A4A3A4"/>
+          </p15:clr>
+        </p15:guide>
+        <p15:guide id="2" pos="2880">
+          <p15:clr>
+            <a:srgbClr val="A4A3A4"/>
+          </p15:clr>
+        </p15:guide>
+      </p15:sldGuideLst>
+    </p:ext>
+  </p:extLst>
 </p:presentation>
 </file>
 
@@ -192,7 +208,7 @@
           <a:p>
             <a:fld id="{F5CC4B3F-88C1-4FFA-B1B6-F41C21DC6924}" type="datetimeFigureOut">
               <a:rPr lang="en-US" smtClean="0"/>
-              <a:t>11/19/2016</a:t>
+              <a:t>3/14/2017</a:t>
             </a:fld>
             <a:endParaRPr lang="en-US"/>
           </a:p>
@@ -641,7 +657,7 @@
           <a:p>
             <a:fld id="{78C97017-6FC3-485B-9764-EAC9E56C1D49}" type="datetimeFigureOut">
               <a:rPr lang="en-US" smtClean="0"/>
-              <a:t>11/19/2016</a:t>
+              <a:t>3/14/2017</a:t>
             </a:fld>
             <a:endParaRPr lang="en-US"/>
           </a:p>
@@ -811,7 +827,7 @@
           <a:p>
             <a:fld id="{78C97017-6FC3-485B-9764-EAC9E56C1D49}" type="datetimeFigureOut">
               <a:rPr lang="en-US" smtClean="0"/>
-              <a:t>11/19/2016</a:t>
+              <a:t>3/14/2017</a:t>
             </a:fld>
             <a:endParaRPr lang="en-US"/>
           </a:p>
@@ -991,7 +1007,7 @@
           <a:p>
             <a:fld id="{78C97017-6FC3-485B-9764-EAC9E56C1D49}" type="datetimeFigureOut">
               <a:rPr lang="en-US" smtClean="0"/>
-              <a:t>11/19/2016</a:t>
+              <a:t>3/14/2017</a:t>
             </a:fld>
             <a:endParaRPr lang="en-US"/>
           </a:p>
@@ -1161,7 +1177,7 @@
           <a:p>
             <a:fld id="{78C97017-6FC3-485B-9764-EAC9E56C1D49}" type="datetimeFigureOut">
               <a:rPr lang="en-US" smtClean="0"/>
-              <a:t>11/19/2016</a:t>
+              <a:t>3/14/2017</a:t>
             </a:fld>
             <a:endParaRPr lang="en-US"/>
           </a:p>
@@ -1407,7 +1423,7 @@
           <a:p>
             <a:fld id="{78C97017-6FC3-485B-9764-EAC9E56C1D49}" type="datetimeFigureOut">
               <a:rPr lang="en-US" smtClean="0"/>
-              <a:t>11/19/2016</a:t>
+              <a:t>3/14/2017</a:t>
             </a:fld>
             <a:endParaRPr lang="en-US"/>
           </a:p>
@@ -1695,7 +1711,7 @@
           <a:p>
             <a:fld id="{78C97017-6FC3-485B-9764-EAC9E56C1D49}" type="datetimeFigureOut">
               <a:rPr lang="en-US" smtClean="0"/>
-              <a:t>11/19/2016</a:t>
+              <a:t>3/14/2017</a:t>
             </a:fld>
             <a:endParaRPr lang="en-US"/>
           </a:p>
@@ -2117,7 +2133,7 @@
           <a:p>
             <a:fld id="{78C97017-6FC3-485B-9764-EAC9E56C1D49}" type="datetimeFigureOut">
               <a:rPr lang="en-US" smtClean="0"/>
-              <a:t>11/19/2016</a:t>
+              <a:t>3/14/2017</a:t>
             </a:fld>
             <a:endParaRPr lang="en-US"/>
           </a:p>
@@ -2235,7 +2251,7 @@
           <a:p>
             <a:fld id="{78C97017-6FC3-485B-9764-EAC9E56C1D49}" type="datetimeFigureOut">
               <a:rPr lang="en-US" smtClean="0"/>
-              <a:t>11/19/2016</a:t>
+              <a:t>3/14/2017</a:t>
             </a:fld>
             <a:endParaRPr lang="en-US"/>
           </a:p>
@@ -2330,7 +2346,7 @@
           <a:p>
             <a:fld id="{78C97017-6FC3-485B-9764-EAC9E56C1D49}" type="datetimeFigureOut">
               <a:rPr lang="en-US" smtClean="0"/>
-              <a:t>11/19/2016</a:t>
+              <a:t>3/14/2017</a:t>
             </a:fld>
             <a:endParaRPr lang="en-US"/>
           </a:p>
@@ -2607,7 +2623,7 @@
           <a:p>
             <a:fld id="{78C97017-6FC3-485B-9764-EAC9E56C1D49}" type="datetimeFigureOut">
               <a:rPr lang="en-US" smtClean="0"/>
-              <a:t>11/19/2016</a:t>
+              <a:t>3/14/2017</a:t>
             </a:fld>
             <a:endParaRPr lang="en-US"/>
           </a:p>
@@ -2860,7 +2876,7 @@
           <a:p>
             <a:fld id="{78C97017-6FC3-485B-9764-EAC9E56C1D49}" type="datetimeFigureOut">
               <a:rPr lang="en-US" smtClean="0"/>
-              <a:t>11/19/2016</a:t>
+              <a:t>3/14/2017</a:t>
             </a:fld>
             <a:endParaRPr lang="en-US"/>
           </a:p>
@@ -3073,7 +3089,7 @@
           <a:p>
             <a:fld id="{78C97017-6FC3-485B-9764-EAC9E56C1D49}" type="datetimeFigureOut">
               <a:rPr lang="en-US" smtClean="0"/>
-              <a:t>11/19/2016</a:t>
+              <a:t>3/14/2017</a:t>
             </a:fld>
             <a:endParaRPr lang="en-US"/>
           </a:p>
@@ -3456,8 +3472,8 @@
         </p:nvSpPr>
         <p:spPr>
           <a:xfrm>
-            <a:off x="1119865" y="1727200"/>
-            <a:ext cx="7490735" cy="2997200"/>
+            <a:off x="315532" y="1600200"/>
+            <a:ext cx="7795535" cy="2997200"/>
           </a:xfrm>
           <a:prstGeom prst="roundRect">
             <a:avLst>
@@ -3517,7 +3533,7 @@
         </p:nvSpPr>
         <p:spPr>
           <a:xfrm>
-            <a:off x="2877180" y="3158440"/>
+            <a:off x="2038980" y="2971800"/>
             <a:ext cx="1093635" cy="346760"/>
           </a:xfrm>
           <a:prstGeom prst="rect">
@@ -3553,7 +3569,7 @@
           <a:p>
             <a:pPr algn="ctr"/>
             <a:r>
-              <a:rPr lang="en-US" sz="1050" dirty="0" err="1" smtClean="0">
+              <a:rPr lang="en-US" sz="1050" dirty="0" smtClean="0">
                 <a:solidFill>
                   <a:schemeClr val="bg1"/>
                 </a:solidFill>
@@ -3576,7 +3592,7 @@
         </p:nvSpPr>
         <p:spPr>
           <a:xfrm rot="16200000">
-            <a:off x="1683963" y="2868687"/>
+            <a:off x="845765" y="2868687"/>
             <a:ext cx="1093635" cy="346760"/>
           </a:xfrm>
           <a:prstGeom prst="rect">
@@ -3612,7 +3628,7 @@
           <a:p>
             <a:pPr algn="ctr"/>
             <a:r>
-              <a:rPr lang="en-US" sz="1050" dirty="0" err="1" smtClean="0">
+              <a:rPr lang="en-US" sz="1050" dirty="0" smtClean="0">
                 <a:solidFill>
                   <a:schemeClr val="bg1"/>
                 </a:solidFill>
@@ -3631,14 +3647,14 @@
         <p:nvCxnSpPr>
           <p:cNvPr id="53" name="Elbow Connector 63"/>
           <p:cNvCxnSpPr>
-            <a:stCxn id="71" idx="3"/>
+            <a:endCxn id="71" idx="3"/>
           </p:cNvCxnSpPr>
           <p:nvPr/>
         </p:nvCxnSpPr>
         <p:spPr>
-          <a:xfrm flipV="1">
-            <a:off x="6477000" y="3194131"/>
-            <a:ext cx="95385" cy="416514"/>
+          <a:xfrm rot="5400000" flipH="1" flipV="1">
+            <a:off x="5781241" y="2437358"/>
+            <a:ext cx="634523" cy="185509"/>
           </a:xfrm>
           <a:prstGeom prst="bentConnector2">
             <a:avLst/>
@@ -3672,19 +3688,18 @@
         <p:nvCxnSpPr>
           <p:cNvPr id="107" name="Elbow Connector 106"/>
           <p:cNvCxnSpPr>
-            <a:stCxn id="9" idx="1"/>
+            <a:endCxn id="134" idx="1"/>
           </p:cNvCxnSpPr>
           <p:nvPr/>
         </p:nvCxnSpPr>
         <p:spPr>
-          <a:xfrm rot="5400000" flipH="1" flipV="1">
-            <a:off x="4360065" y="1080909"/>
-            <a:ext cx="378691" cy="4637261"/>
-          </a:xfrm>
-          <a:prstGeom prst="bentConnector4">
+          <a:xfrm>
+            <a:off x="1392584" y="3588885"/>
+            <a:ext cx="4151208" cy="170492"/>
+          </a:xfrm>
+          <a:prstGeom prst="bentConnector3">
             <a:avLst>
-              <a:gd name="adj1" fmla="val -101829"/>
-              <a:gd name="adj2" fmla="val 99976"/>
+              <a:gd name="adj1" fmla="val 31"/>
             </a:avLst>
           </a:prstGeom>
           <a:ln w="19050">
@@ -3720,7 +3735,7 @@
         </p:nvSpPr>
         <p:spPr>
           <a:xfrm rot="16200000">
-            <a:off x="956202" y="2861202"/>
+            <a:off x="118002" y="2861202"/>
             <a:ext cx="1093635" cy="346760"/>
           </a:xfrm>
           <a:prstGeom prst="rect">
@@ -3790,7 +3805,7 @@
         </p:nvSpPr>
         <p:spPr>
           <a:xfrm rot="16200000">
-            <a:off x="1626910" y="2952291"/>
+            <a:off x="788710" y="2952291"/>
             <a:ext cx="270504" cy="175523"/>
           </a:xfrm>
           <a:prstGeom prst="triangle">
@@ -3839,9 +3854,9 @@
           <p:nvPr/>
         </p:nvCxnSpPr>
         <p:spPr>
-          <a:xfrm>
-            <a:off x="2656370" y="3326536"/>
-            <a:ext cx="220810" cy="5284"/>
+          <a:xfrm flipV="1">
+            <a:off x="1812932" y="3145180"/>
+            <a:ext cx="226048" cy="5677"/>
           </a:xfrm>
           <a:prstGeom prst="straightConnector1">
             <a:avLst/>
@@ -3877,8 +3892,8 @@
           <p:nvPr/>
         </p:nvSpPr>
         <p:spPr>
-          <a:xfrm rot="5400000" flipV="1">
-            <a:off x="6253986" y="3522883"/>
+          <a:xfrm rot="16200000" flipH="1" flipV="1">
+            <a:off x="6143766" y="2125088"/>
             <a:ext cx="270504" cy="175523"/>
           </a:xfrm>
           <a:prstGeom prst="triangle">
@@ -3929,7 +3944,7 @@
         </p:nvCxnSpPr>
         <p:spPr>
           <a:xfrm>
-            <a:off x="910091" y="3040053"/>
+            <a:off x="71891" y="3040053"/>
             <a:ext cx="419548" cy="2860"/>
           </a:xfrm>
           <a:prstGeom prst="bentConnector3">
@@ -3974,7 +3989,7 @@
         </p:nvCxnSpPr>
         <p:spPr>
           <a:xfrm flipV="1">
-            <a:off x="1849924" y="3040052"/>
+            <a:off x="1011724" y="3040052"/>
             <a:ext cx="216105" cy="1"/>
           </a:xfrm>
           <a:prstGeom prst="line">
@@ -4013,7 +4028,7 @@
         </p:nvSpPr>
         <p:spPr>
           <a:xfrm>
-            <a:off x="2420322" y="3239846"/>
+            <a:off x="1576884" y="3064167"/>
             <a:ext cx="236048" cy="173380"/>
           </a:xfrm>
           <a:prstGeom prst="flowChartDecision">
@@ -4058,7 +4073,7 @@
         </p:nvSpPr>
         <p:spPr>
           <a:xfrm>
-            <a:off x="2879490" y="2627420"/>
+            <a:off x="2040104" y="2522599"/>
             <a:ext cx="1093635" cy="346760"/>
           </a:xfrm>
           <a:prstGeom prst="rect">
@@ -4091,12 +4106,12 @@
           <a:p>
             <a:pPr algn="ctr"/>
             <a:r>
-              <a:rPr lang="en-US" sz="1050" dirty="0" err="1" smtClean="0">
+              <a:rPr lang="en-US" sz="1050" dirty="0" smtClean="0">
                 <a:solidFill>
                   <a:srgbClr val="7030A0"/>
                 </a:solidFill>
               </a:rPr>
-              <a:t>AddressBook</a:t>
+              <a:t>TaskManager</a:t>
             </a:r>
             <a:endParaRPr lang="en-SG" sz="1050" dirty="0">
               <a:solidFill>
@@ -4116,9 +4131,9 @@
           <p:nvPr/>
         </p:nvCxnSpPr>
         <p:spPr>
-          <a:xfrm>
-            <a:off x="2658680" y="2795516"/>
-            <a:ext cx="220810" cy="5284"/>
+          <a:xfrm flipV="1">
+            <a:off x="1801541" y="2695979"/>
+            <a:ext cx="238563" cy="7527"/>
           </a:xfrm>
           <a:prstGeom prst="straightConnector1">
             <a:avLst/>
@@ -4155,7 +4170,7 @@
         </p:nvSpPr>
         <p:spPr>
           <a:xfrm>
-            <a:off x="2422632" y="2708826"/>
+            <a:off x="1565493" y="2616816"/>
             <a:ext cx="236048" cy="173380"/>
           </a:xfrm>
           <a:prstGeom prst="flowChartDecision">
@@ -4200,7 +4215,7 @@
         </p:nvSpPr>
         <p:spPr>
           <a:xfrm>
-            <a:off x="4487017" y="2847371"/>
+            <a:off x="3648058" y="2725323"/>
             <a:ext cx="1156969" cy="346760"/>
           </a:xfrm>
           <a:prstGeom prst="rect">
@@ -4233,12 +4248,12 @@
           <a:p>
             <a:pPr algn="ctr"/>
             <a:r>
-              <a:rPr lang="en-US" sz="1050" dirty="0" err="1" smtClean="0">
+              <a:rPr lang="en-US" sz="1050" dirty="0" smtClean="0">
                 <a:solidFill>
                   <a:srgbClr val="7030A0"/>
                 </a:solidFill>
               </a:rPr>
-              <a:t>UniquePersonList</a:t>
+              <a:t>UniqueTaskList</a:t>
             </a:r>
             <a:endParaRPr lang="en-SG" sz="1050" dirty="0">
               <a:solidFill>
@@ -4256,7 +4271,7 @@
         </p:nvSpPr>
         <p:spPr>
           <a:xfrm>
-            <a:off x="3984303" y="2673991"/>
+            <a:off x="3146103" y="2673991"/>
             <a:ext cx="236048" cy="173380"/>
           </a:xfrm>
           <a:prstGeom prst="flowChartDecision">
@@ -4306,8 +4321,8 @@
         </p:nvCxnSpPr>
         <p:spPr>
           <a:xfrm>
-            <a:off x="4220351" y="2760681"/>
-            <a:ext cx="266666" cy="260070"/>
+            <a:off x="3382151" y="2760681"/>
+            <a:ext cx="265907" cy="138022"/>
           </a:xfrm>
           <a:prstGeom prst="bentConnector3">
             <a:avLst/>
@@ -4344,7 +4359,7 @@
         </p:nvSpPr>
         <p:spPr>
           <a:xfrm>
-            <a:off x="4477328" y="2280569"/>
+            <a:off x="3639128" y="2280569"/>
             <a:ext cx="1156969" cy="346760"/>
           </a:xfrm>
           <a:prstGeom prst="rect">
@@ -4377,7 +4392,7 @@
           <a:p>
             <a:pPr algn="ctr"/>
             <a:r>
-              <a:rPr lang="en-US" sz="1050" dirty="0" err="1" smtClean="0">
+              <a:rPr lang="en-US" sz="1050" dirty="0" smtClean="0">
                 <a:solidFill>
                   <a:srgbClr val="7030A0"/>
                 </a:solidFill>
@@ -4403,7 +4418,7 @@
         </p:nvCxnSpPr>
         <p:spPr>
           <a:xfrm flipV="1">
-            <a:off x="4220351" y="2453949"/>
+            <a:off x="3382151" y="2453949"/>
             <a:ext cx="256977" cy="306732"/>
           </a:xfrm>
           <a:prstGeom prst="bentConnector3">
@@ -4443,7 +4458,7 @@
         </p:nvSpPr>
         <p:spPr>
           <a:xfrm>
-            <a:off x="6313677" y="2858066"/>
+            <a:off x="5475477" y="2858066"/>
             <a:ext cx="708186" cy="346760"/>
           </a:xfrm>
           <a:prstGeom prst="rect">
@@ -4476,12 +4491,12 @@
           <a:p>
             <a:pPr algn="ctr"/>
             <a:r>
-              <a:rPr lang="en-US" sz="1050" dirty="0" smtClean="0">
+              <a:rPr lang="en-SG" sz="1050" dirty="0" smtClean="0">
                 <a:solidFill>
                   <a:srgbClr val="7030A0"/>
                 </a:solidFill>
               </a:rPr>
-              <a:t>Person</a:t>
+              <a:t>Task</a:t>
             </a:r>
             <a:endParaRPr lang="en-SG" sz="1050" dirty="0">
               <a:solidFill>
@@ -4499,7 +4514,7 @@
         </p:nvSpPr>
         <p:spPr>
           <a:xfrm>
-            <a:off x="5643227" y="2943979"/>
+            <a:off x="4808886" y="2808546"/>
             <a:ext cx="236048" cy="173380"/>
           </a:xfrm>
           <a:prstGeom prst="flowChartDecision">
@@ -4536,47 +4551,6 @@
           </a:p>
         </p:txBody>
       </p:sp>
-      <p:cxnSp>
-        <p:nvCxnSpPr>
-          <p:cNvPr id="64" name="Elbow Connector 63"/>
-          <p:cNvCxnSpPr>
-            <a:stCxn id="63" idx="3"/>
-            <a:endCxn id="62" idx="1"/>
-          </p:cNvCxnSpPr>
-          <p:nvPr/>
-        </p:nvCxnSpPr>
-        <p:spPr>
-          <a:xfrm>
-            <a:off x="5879275" y="3030669"/>
-            <a:ext cx="434402" cy="777"/>
-          </a:xfrm>
-          <a:prstGeom prst="bentConnector3">
-            <a:avLst/>
-          </a:prstGeom>
-          <a:ln w="19050">
-            <a:solidFill>
-              <a:srgbClr val="7030A0"/>
-            </a:solidFill>
-            <a:headEnd type="none" w="med" len="med"/>
-            <a:tailEnd type="arrow" w="med" len="med"/>
-          </a:ln>
-          <a:effectLst/>
-        </p:spPr>
-        <p:style>
-          <a:lnRef idx="1">
-            <a:schemeClr val="accent2"/>
-          </a:lnRef>
-          <a:fillRef idx="2">
-            <a:schemeClr val="accent2"/>
-          </a:fillRef>
-          <a:effectRef idx="1">
-            <a:schemeClr val="accent2"/>
-          </a:effectRef>
-          <a:fontRef idx="minor">
-            <a:schemeClr val="dk1"/>
-          </a:fontRef>
-        </p:style>
-      </p:cxnSp>
       <p:sp>
         <p:nvSpPr>
           <p:cNvPr id="67" name="Rectangle 8"/>
@@ -4585,7 +4559,7 @@
         </p:nvSpPr>
         <p:spPr>
           <a:xfrm>
-            <a:off x="5336105" y="1809332"/>
+            <a:off x="4497905" y="1809332"/>
             <a:ext cx="483700" cy="346760"/>
           </a:xfrm>
           <a:prstGeom prst="rect">
@@ -4641,7 +4615,7 @@
         </p:nvSpPr>
         <p:spPr>
           <a:xfrm rot="16200000">
-            <a:off x="4921666" y="2066540"/>
+            <a:off x="4083466" y="2066540"/>
             <a:ext cx="236048" cy="173380"/>
           </a:xfrm>
           <a:prstGeom prst="flowChartDecision">
@@ -4681,15 +4655,12 @@
       <p:cxnSp>
         <p:nvCxnSpPr>
           <p:cNvPr id="69" name="Elbow Connector 68"/>
-          <p:cNvCxnSpPr>
-            <a:stCxn id="68" idx="3"/>
-            <a:endCxn id="67" idx="1"/>
-          </p:cNvCxnSpPr>
+          <p:cNvCxnSpPr/>
           <p:nvPr/>
         </p:nvCxnSpPr>
         <p:spPr>
           <a:xfrm rot="5400000" flipH="1" flipV="1">
-            <a:off x="5161650" y="1860752"/>
+            <a:off x="4323451" y="1860752"/>
             <a:ext cx="52494" cy="296415"/>
           </a:xfrm>
           <a:prstGeom prst="bentConnector2">
@@ -4727,7 +4698,7 @@
         </p:nvSpPr>
         <p:spPr>
           <a:xfrm>
-            <a:off x="5128257" y="3429000"/>
+            <a:off x="6387303" y="1994778"/>
             <a:ext cx="1156969" cy="346760"/>
           </a:xfrm>
           <a:prstGeom prst="rect">
@@ -4775,12 +4746,12 @@
               </a:rPr>
             </a:br>
             <a:r>
-              <a:rPr lang="en-US" sz="1050" dirty="0" err="1" smtClean="0">
+              <a:rPr lang="en-US" sz="1050" dirty="0" smtClean="0">
                 <a:solidFill>
                   <a:srgbClr val="7030A0"/>
                 </a:solidFill>
               </a:rPr>
-              <a:t>ReadOnlyPerson</a:t>
+              <a:t>ReadOnlyTask</a:t>
             </a:r>
             <a:endParaRPr lang="en-SG" sz="1050" dirty="0">
               <a:solidFill>
@@ -4798,7 +4769,7 @@
         </p:nvSpPr>
         <p:spPr>
           <a:xfrm>
-            <a:off x="7712397" y="2564238"/>
+            <a:off x="7200639" y="4053201"/>
             <a:ext cx="708186" cy="285783"/>
           </a:xfrm>
           <a:prstGeom prst="rect">
@@ -4836,7 +4807,7 @@
                   <a:srgbClr val="7030A0"/>
                 </a:solidFill>
               </a:rPr>
-              <a:t>Name</a:t>
+              <a:t>Date</a:t>
             </a:r>
             <a:endParaRPr lang="en-SG" sz="1050" dirty="0">
               <a:solidFill>
@@ -4854,7 +4825,7 @@
         </p:nvSpPr>
         <p:spPr>
           <a:xfrm>
-            <a:off x="7041947" y="2948201"/>
+            <a:off x="6203747" y="2948201"/>
             <a:ext cx="236048" cy="173380"/>
           </a:xfrm>
           <a:prstGeom prst="flowChartDecision">
@@ -4897,18 +4868,20 @@
         <p:nvCxnSpPr>
           <p:cNvPr id="79" name="Elbow Connector 78"/>
           <p:cNvCxnSpPr>
-            <a:stCxn id="78" idx="3"/>
+            <a:stCxn id="140" idx="3"/>
             <a:endCxn id="76" idx="1"/>
           </p:cNvCxnSpPr>
           <p:nvPr/>
         </p:nvCxnSpPr>
         <p:spPr>
-          <a:xfrm flipV="1">
-            <a:off x="7277995" y="2707130"/>
-            <a:ext cx="434402" cy="327761"/>
+          <a:xfrm>
+            <a:off x="6693480" y="3787616"/>
+            <a:ext cx="507159" cy="408477"/>
           </a:xfrm>
           <a:prstGeom prst="bentConnector3">
-            <a:avLst/>
+            <a:avLst>
+              <a:gd name="adj1" fmla="val 2421"/>
+            </a:avLst>
           </a:prstGeom>
           <a:ln w="19050">
             <a:solidFill>
@@ -4942,7 +4915,7 @@
         </p:nvSpPr>
         <p:spPr>
           <a:xfrm>
-            <a:off x="7712397" y="2887216"/>
+            <a:off x="7185366" y="3234090"/>
             <a:ext cx="708186" cy="285783"/>
           </a:xfrm>
           <a:prstGeom prst="rect">
@@ -4980,7 +4953,7 @@
                   <a:srgbClr val="7030A0"/>
                 </a:solidFill>
               </a:rPr>
-              <a:t>Phone</a:t>
+              <a:t>Time</a:t>
             </a:r>
             <a:endParaRPr lang="en-SG" sz="1050" dirty="0">
               <a:solidFill>
@@ -4994,18 +4967,20 @@
         <p:nvCxnSpPr>
           <p:cNvPr id="81" name="Elbow Connector 80"/>
           <p:cNvCxnSpPr>
-            <a:stCxn id="78" idx="3"/>
+            <a:stCxn id="140" idx="3"/>
             <a:endCxn id="80" idx="1"/>
           </p:cNvCxnSpPr>
           <p:nvPr/>
         </p:nvCxnSpPr>
         <p:spPr>
           <a:xfrm flipV="1">
-            <a:off x="7277995" y="3030108"/>
-            <a:ext cx="434402" cy="4783"/>
+            <a:off x="6693480" y="3376982"/>
+            <a:ext cx="491886" cy="410634"/>
           </a:xfrm>
           <a:prstGeom prst="bentConnector3">
-            <a:avLst/>
+            <a:avLst>
+              <a:gd name="adj1" fmla="val 944"/>
+            </a:avLst>
           </a:prstGeom>
           <a:ln w="19050">
             <a:solidFill>
@@ -5039,7 +5014,7 @@
         </p:nvSpPr>
         <p:spPr>
           <a:xfrm>
-            <a:off x="7712397" y="3210194"/>
+            <a:off x="7185366" y="3644725"/>
             <a:ext cx="708186" cy="285783"/>
           </a:xfrm>
           <a:prstGeom prst="rect">
@@ -5077,7 +5052,7 @@
                   <a:srgbClr val="7030A0"/>
                 </a:solidFill>
               </a:rPr>
-              <a:t>Email</a:t>
+              <a:t>Duration</a:t>
             </a:r>
             <a:endParaRPr lang="en-SG" sz="1050" dirty="0">
               <a:solidFill>
@@ -5087,47 +5062,6 @@
           </a:p>
         </p:txBody>
       </p:sp>
-      <p:cxnSp>
-        <p:nvCxnSpPr>
-          <p:cNvPr id="84" name="Elbow Connector 83"/>
-          <p:cNvCxnSpPr>
-            <a:stCxn id="78" idx="3"/>
-            <a:endCxn id="83" idx="1"/>
-          </p:cNvCxnSpPr>
-          <p:nvPr/>
-        </p:nvCxnSpPr>
-        <p:spPr>
-          <a:xfrm>
-            <a:off x="7277995" y="3034891"/>
-            <a:ext cx="434402" cy="318195"/>
-          </a:xfrm>
-          <a:prstGeom prst="bentConnector3">
-            <a:avLst/>
-          </a:prstGeom>
-          <a:ln w="19050">
-            <a:solidFill>
-              <a:srgbClr val="7030A0"/>
-            </a:solidFill>
-            <a:headEnd type="none" w="med" len="med"/>
-            <a:tailEnd type="arrow" w="med" len="med"/>
-          </a:ln>
-          <a:effectLst/>
-        </p:spPr>
-        <p:style>
-          <a:lnRef idx="1">
-            <a:schemeClr val="accent2"/>
-          </a:lnRef>
-          <a:fillRef idx="2">
-            <a:schemeClr val="accent2"/>
-          </a:fillRef>
-          <a:effectRef idx="1">
-            <a:schemeClr val="accent2"/>
-          </a:effectRef>
-          <a:fontRef idx="minor">
-            <a:schemeClr val="dk1"/>
-          </a:fontRef>
-        </p:style>
-      </p:cxnSp>
       <p:sp>
         <p:nvSpPr>
           <p:cNvPr id="85" name="Rectangle 8"/>
@@ -5136,7 +5070,7 @@
         </p:nvSpPr>
         <p:spPr>
           <a:xfrm>
-            <a:off x="7712397" y="3533171"/>
+            <a:off x="7200639" y="2504413"/>
             <a:ext cx="708186" cy="285783"/>
           </a:xfrm>
           <a:prstGeom prst="rect">
@@ -5174,7 +5108,7 @@
                   <a:srgbClr val="7030A0"/>
                 </a:solidFill>
               </a:rPr>
-              <a:t>Address</a:t>
+              <a:t>Name</a:t>
             </a:r>
             <a:endParaRPr lang="en-SG" sz="1050" dirty="0">
               <a:solidFill>
@@ -5194,9 +5128,9 @@
           <p:nvPr/>
         </p:nvCxnSpPr>
         <p:spPr>
-          <a:xfrm>
-            <a:off x="7277995" y="3034891"/>
-            <a:ext cx="434402" cy="641172"/>
+          <a:xfrm flipV="1">
+            <a:off x="6439795" y="2647305"/>
+            <a:ext cx="760844" cy="387586"/>
           </a:xfrm>
           <a:prstGeom prst="bentConnector3">
             <a:avLst/>
@@ -5228,15 +5162,13 @@
       <p:cxnSp>
         <p:nvCxnSpPr>
           <p:cNvPr id="97" name="Elbow Connector 63"/>
-          <p:cNvCxnSpPr>
-            <a:stCxn id="99" idx="3"/>
-          </p:cNvCxnSpPr>
+          <p:cNvCxnSpPr/>
           <p:nvPr/>
         </p:nvCxnSpPr>
         <p:spPr>
           <a:xfrm rot="16200000" flipH="1">
-            <a:off x="3279321" y="2485431"/>
-            <a:ext cx="293825" cy="1"/>
+            <a:off x="2498034" y="2424600"/>
+            <a:ext cx="180000" cy="1"/>
           </a:xfrm>
           <a:prstGeom prst="bentConnector3">
             <a:avLst>
@@ -5276,7 +5208,7 @@
         </p:nvSpPr>
         <p:spPr>
           <a:xfrm rot="10800000" flipV="1">
-            <a:off x="3290981" y="2162997"/>
+            <a:off x="2452781" y="2162997"/>
             <a:ext cx="270504" cy="175523"/>
           </a:xfrm>
           <a:prstGeom prst="triangle">
@@ -5324,7 +5256,7 @@
         </p:nvSpPr>
         <p:spPr>
           <a:xfrm>
-            <a:off x="2660303" y="1806470"/>
+            <a:off x="1822103" y="1806470"/>
             <a:ext cx="1539926" cy="346760"/>
           </a:xfrm>
           <a:prstGeom prst="rect">
@@ -5372,12 +5304,12 @@
               </a:rPr>
             </a:br>
             <a:r>
-              <a:rPr lang="en-US" sz="1050" dirty="0" err="1" smtClean="0">
+              <a:rPr lang="en-US" sz="1050" dirty="0" smtClean="0">
                 <a:solidFill>
                   <a:srgbClr val="7030A0"/>
                 </a:solidFill>
               </a:rPr>
-              <a:t>ReadOnlyAddressBook</a:t>
+              <a:t>ReadOnlyTaskManager</a:t>
             </a:r>
             <a:endParaRPr lang="en-SG" sz="1050" dirty="0">
               <a:solidFill>
@@ -5395,7 +5327,7 @@
         </p:nvSpPr>
         <p:spPr>
           <a:xfrm rot="16200000">
-            <a:off x="6527512" y="3586305"/>
+            <a:off x="5301940" y="2032192"/>
             <a:ext cx="881018" cy="261610"/>
           </a:xfrm>
           <a:prstGeom prst="rect">
@@ -5434,7 +5366,7 @@
         </p:nvSpPr>
         <p:spPr>
           <a:xfrm>
-            <a:off x="2057400" y="4239491"/>
+            <a:off x="1232986" y="4042343"/>
             <a:ext cx="1775949" cy="346760"/>
           </a:xfrm>
           <a:prstGeom prst="rect">
@@ -5490,7 +5422,7 @@
               </a:rPr>
             </a:br>
             <a:r>
-              <a:rPr lang="en-US" sz="1050" dirty="0" err="1" smtClean="0">
+              <a:rPr lang="en-US" sz="1050" dirty="0" smtClean="0">
                 <a:solidFill>
                   <a:srgbClr val="7030A0"/>
                 </a:solidFill>
@@ -5516,8 +5448,8 @@
         </p:nvCxnSpPr>
         <p:spPr>
           <a:xfrm rot="16200000" flipH="1">
-            <a:off x="1364475" y="3719945"/>
-            <a:ext cx="831471" cy="554380"/>
+            <a:off x="631742" y="3614478"/>
+            <a:ext cx="634323" cy="568166"/>
           </a:xfrm>
           <a:prstGeom prst="bentConnector2">
             <a:avLst/>
@@ -5551,18 +5483,19 @@
         <p:nvCxnSpPr>
           <p:cNvPr id="50" name="Elbow Connector 49"/>
           <p:cNvCxnSpPr>
-            <a:stCxn id="62" idx="0"/>
             <a:endCxn id="57" idx="3"/>
           </p:cNvCxnSpPr>
           <p:nvPr/>
         </p:nvCxnSpPr>
         <p:spPr>
-          <a:xfrm rot="16200000" flipV="1">
-            <a:off x="5948976" y="2139271"/>
-            <a:ext cx="404117" cy="1033473"/>
-          </a:xfrm>
-          <a:prstGeom prst="bentConnector2">
-            <a:avLst/>
+          <a:xfrm rot="10800000">
+            <a:off x="4796098" y="2453950"/>
+            <a:ext cx="738267" cy="396591"/>
+          </a:xfrm>
+          <a:prstGeom prst="bentConnector3">
+            <a:avLst>
+              <a:gd name="adj1" fmla="val -461"/>
+            </a:avLst>
           </a:prstGeom>
           <a:ln w="19050">
             <a:solidFill>
@@ -5596,7 +5529,7 @@
         </p:nvSpPr>
         <p:spPr>
           <a:xfrm>
-            <a:off x="4324972" y="2191228"/>
+            <a:off x="3486772" y="2191228"/>
             <a:ext cx="189257" cy="178683"/>
           </a:xfrm>
           <a:prstGeom prst="rect">
@@ -5635,7 +5568,7 @@
         </p:nvSpPr>
         <p:spPr>
           <a:xfrm>
-            <a:off x="4324972" y="3058864"/>
+            <a:off x="3491590" y="2678271"/>
             <a:ext cx="189257" cy="178683"/>
           </a:xfrm>
           <a:prstGeom prst="rect">
@@ -5674,7 +5607,7 @@
         </p:nvSpPr>
         <p:spPr>
           <a:xfrm>
-            <a:off x="5689761" y="2495413"/>
+            <a:off x="4851561" y="2495413"/>
             <a:ext cx="189257" cy="178683"/>
           </a:xfrm>
           <a:prstGeom prst="rect">
@@ -5713,7 +5646,7 @@
         </p:nvSpPr>
         <p:spPr>
           <a:xfrm>
-            <a:off x="5163172" y="1778919"/>
+            <a:off x="4324972" y="1778919"/>
             <a:ext cx="189257" cy="178683"/>
           </a:xfrm>
           <a:prstGeom prst="rect">
@@ -5752,7 +5685,7 @@
         </p:nvSpPr>
         <p:spPr>
           <a:xfrm>
-            <a:off x="6135256" y="3097917"/>
+            <a:off x="5257800" y="2716917"/>
             <a:ext cx="189257" cy="178683"/>
           </a:xfrm>
           <a:prstGeom prst="rect">
@@ -5791,7 +5724,7 @@
         </p:nvSpPr>
         <p:spPr>
           <a:xfrm>
-            <a:off x="2687923" y="2564238"/>
+            <a:off x="1849723" y="2488317"/>
             <a:ext cx="189257" cy="178683"/>
           </a:xfrm>
           <a:prstGeom prst="rect">
@@ -5830,7 +5763,7 @@
         </p:nvSpPr>
         <p:spPr>
           <a:xfrm>
-            <a:off x="2656370" y="3386050"/>
+            <a:off x="1845551" y="2944477"/>
             <a:ext cx="189257" cy="178683"/>
           </a:xfrm>
           <a:prstGeom prst="rect">
@@ -5869,7 +5802,826 @@
         </p:nvSpPr>
         <p:spPr>
           <a:xfrm>
-            <a:off x="6667770" y="3210194"/>
+            <a:off x="5676834" y="2616816"/>
+            <a:ext cx="176827" cy="201177"/>
+          </a:xfrm>
+          <a:prstGeom prst="rect">
+            <a:avLst/>
+          </a:prstGeom>
+          <a:noFill/>
+        </p:spPr>
+        <p:txBody>
+          <a:bodyPr wrap="square" lIns="0" tIns="0" rIns="0" bIns="0" rtlCol="0">
+            <a:noAutofit/>
+          </a:bodyPr>
+          <a:lstStyle/>
+          <a:p>
+            <a:pPr algn="ctr"/>
+            <a:r>
+              <a:rPr lang="en-US" sz="1100" dirty="0" smtClean="0">
+                <a:solidFill>
+                  <a:srgbClr val="7030A0"/>
+                </a:solidFill>
+              </a:rPr>
+              <a:t>1</a:t>
+            </a:r>
+            <a:endParaRPr lang="en-SG" sz="1100" dirty="0">
+              <a:solidFill>
+                <a:srgbClr val="7030A0"/>
+              </a:solidFill>
+            </a:endParaRPr>
+          </a:p>
+        </p:txBody>
+      </p:sp>
+      <p:sp>
+        <p:nvSpPr>
+          <p:cNvPr id="134" name="Rectangle 8"/>
+          <p:cNvSpPr/>
+          <p:nvPr/>
+        </p:nvSpPr>
+        <p:spPr>
+          <a:xfrm>
+            <a:off x="5543792" y="3616485"/>
+            <a:ext cx="906581" cy="285783"/>
+          </a:xfrm>
+          <a:prstGeom prst="rect">
+            <a:avLst/>
+          </a:prstGeom>
+          <a:ln w="19050">
+            <a:solidFill>
+              <a:srgbClr val="7030A0"/>
+            </a:solidFill>
+          </a:ln>
+          <a:effectLst/>
+        </p:spPr>
+        <p:style>
+          <a:lnRef idx="1">
+            <a:schemeClr val="accent4"/>
+          </a:lnRef>
+          <a:fillRef idx="2">
+            <a:schemeClr val="accent4"/>
+          </a:fillRef>
+          <a:effectRef idx="1">
+            <a:schemeClr val="accent4"/>
+          </a:effectRef>
+          <a:fontRef idx="minor">
+            <a:schemeClr val="dk1"/>
+          </a:fontRef>
+        </p:style>
+        <p:txBody>
+          <a:bodyPr rtlCol="0" anchor="ctr"/>
+          <a:lstStyle/>
+          <a:p>
+            <a:pPr algn="ctr"/>
+            <a:r>
+              <a:rPr lang="en-US" sz="1050" dirty="0" smtClean="0">
+                <a:solidFill>
+                  <a:srgbClr val="7030A0"/>
+                </a:solidFill>
+              </a:rPr>
+              <a:t>DetailedTask</a:t>
+            </a:r>
+            <a:endParaRPr lang="en-SG" sz="1050" dirty="0">
+              <a:solidFill>
+                <a:srgbClr val="7030A0"/>
+              </a:solidFill>
+            </a:endParaRPr>
+          </a:p>
+        </p:txBody>
+      </p:sp>
+      <p:sp>
+        <p:nvSpPr>
+          <p:cNvPr id="140" name="Flowchart: Decision 96"/>
+          <p:cNvSpPr/>
+          <p:nvPr/>
+        </p:nvSpPr>
+        <p:spPr>
+          <a:xfrm>
+            <a:off x="6457432" y="3700926"/>
+            <a:ext cx="236048" cy="173380"/>
+          </a:xfrm>
+          <a:prstGeom prst="flowChartDecision">
+            <a:avLst/>
+          </a:prstGeom>
+          <a:solidFill>
+            <a:srgbClr val="7030A0"/>
+          </a:solidFill>
+          <a:ln w="19050">
+            <a:solidFill>
+              <a:srgbClr val="7030A0"/>
+            </a:solidFill>
+          </a:ln>
+          <a:effectLst/>
+        </p:spPr>
+        <p:style>
+          <a:lnRef idx="1">
+            <a:schemeClr val="accent6"/>
+          </a:lnRef>
+          <a:fillRef idx="2">
+            <a:schemeClr val="accent6"/>
+          </a:fillRef>
+          <a:effectRef idx="1">
+            <a:schemeClr val="accent6"/>
+          </a:effectRef>
+          <a:fontRef idx="minor">
+            <a:schemeClr val="dk1"/>
+          </a:fontRef>
+        </p:style>
+        <p:txBody>
+          <a:bodyPr rtlCol="0" anchor="ctr"/>
+          <a:lstStyle/>
+          <a:p>
+            <a:pPr algn="ctr"/>
+            <a:endParaRPr lang="en-US" sz="1050"/>
+          </a:p>
+        </p:txBody>
+      </p:sp>
+      <p:cxnSp>
+        <p:nvCxnSpPr>
+          <p:cNvPr id="187" name="Elbow Connector 186"/>
+          <p:cNvCxnSpPr>
+            <a:stCxn id="9" idx="3"/>
+            <a:endCxn id="62" idx="0"/>
+          </p:cNvCxnSpPr>
+          <p:nvPr/>
+        </p:nvCxnSpPr>
+        <p:spPr>
+          <a:xfrm rot="16200000" flipH="1">
+            <a:off x="3429668" y="458164"/>
+            <a:ext cx="362816" cy="4436988"/>
+          </a:xfrm>
+          <a:prstGeom prst="bentConnector3">
+            <a:avLst>
+              <a:gd name="adj1" fmla="val -213286"/>
+            </a:avLst>
+          </a:prstGeom>
+          <a:ln w="19050">
+            <a:solidFill>
+              <a:srgbClr val="7030A0"/>
+            </a:solidFill>
+            <a:headEnd type="none" w="med" len="med"/>
+            <a:tailEnd type="triangle"/>
+          </a:ln>
+          <a:effectLst/>
+        </p:spPr>
+        <p:style>
+          <a:lnRef idx="1">
+            <a:schemeClr val="accent2"/>
+          </a:lnRef>
+          <a:fillRef idx="2">
+            <a:schemeClr val="accent2"/>
+          </a:fillRef>
+          <a:effectRef idx="1">
+            <a:schemeClr val="accent2"/>
+          </a:effectRef>
+          <a:fontRef idx="minor">
+            <a:schemeClr val="dk1"/>
+          </a:fontRef>
+        </p:style>
+      </p:cxnSp>
+      <p:cxnSp>
+        <p:nvCxnSpPr>
+          <p:cNvPr id="196" name="Straight Connector 195"/>
+          <p:cNvCxnSpPr/>
+          <p:nvPr/>
+        </p:nvCxnSpPr>
+        <p:spPr>
+          <a:xfrm flipH="1" flipV="1">
+            <a:off x="5963512" y="3292226"/>
+            <a:ext cx="9725" cy="324259"/>
+          </a:xfrm>
+          <a:prstGeom prst="line">
+            <a:avLst/>
+          </a:prstGeom>
+          <a:ln w="19050">
+            <a:solidFill>
+              <a:srgbClr val="7030A0"/>
+            </a:solidFill>
+            <a:headEnd type="none" w="med" len="med"/>
+            <a:tailEnd type="arrow" w="med" len="med"/>
+          </a:ln>
+          <a:effectLst/>
+        </p:spPr>
+        <p:style>
+          <a:lnRef idx="1">
+            <a:schemeClr val="accent2"/>
+          </a:lnRef>
+          <a:fillRef idx="2">
+            <a:schemeClr val="accent2"/>
+          </a:fillRef>
+          <a:effectRef idx="1">
+            <a:schemeClr val="accent2"/>
+          </a:effectRef>
+          <a:fontRef idx="minor">
+            <a:schemeClr val="dk1"/>
+          </a:fontRef>
+        </p:style>
+      </p:cxnSp>
+      <p:sp>
+        <p:nvSpPr>
+          <p:cNvPr id="194" name="Isosceles Triangle 102"/>
+          <p:cNvSpPr/>
+          <p:nvPr/>
+        </p:nvSpPr>
+        <p:spPr>
+          <a:xfrm rot="10800000" flipV="1">
+            <a:off x="5828260" y="3222357"/>
+            <a:ext cx="270504" cy="175523"/>
+          </a:xfrm>
+          <a:prstGeom prst="triangle">
+            <a:avLst/>
+          </a:prstGeom>
+          <a:ln w="19050">
+            <a:solidFill>
+              <a:srgbClr val="7030A0"/>
+            </a:solidFill>
+          </a:ln>
+          <a:effectLst/>
+        </p:spPr>
+        <p:style>
+          <a:lnRef idx="1">
+            <a:schemeClr val="accent4"/>
+          </a:lnRef>
+          <a:fillRef idx="2">
+            <a:schemeClr val="accent4"/>
+          </a:fillRef>
+          <a:effectRef idx="1">
+            <a:schemeClr val="accent4"/>
+          </a:effectRef>
+          <a:fontRef idx="minor">
+            <a:schemeClr val="dk1"/>
+          </a:fontRef>
+        </p:style>
+        <p:txBody>
+          <a:bodyPr rtlCol="0" anchor="ctr"/>
+          <a:lstStyle/>
+          <a:p>
+            <a:pPr algn="ctr"/>
+            <a:endParaRPr lang="en-SG" sz="1050" b="1">
+              <a:solidFill>
+                <a:srgbClr val="92D050"/>
+              </a:solidFill>
+            </a:endParaRPr>
+          </a:p>
+        </p:txBody>
+      </p:sp>
+      <p:sp>
+        <p:nvSpPr>
+          <p:cNvPr id="205" name="TextBox 204"/>
+          <p:cNvSpPr txBox="1"/>
+          <p:nvPr/>
+        </p:nvSpPr>
+        <p:spPr>
+          <a:xfrm>
+            <a:off x="4596987" y="3531931"/>
+            <a:ext cx="881018" cy="261610"/>
+          </a:xfrm>
+          <a:prstGeom prst="rect">
+            <a:avLst/>
+          </a:prstGeom>
+          <a:noFill/>
+        </p:spPr>
+        <p:txBody>
+          <a:bodyPr wrap="square" rtlCol="0">
+            <a:spAutoFit/>
+          </a:bodyPr>
+          <a:lstStyle/>
+          <a:p>
+            <a:pPr algn="r"/>
+            <a:r>
+              <a:rPr lang="en-US" sz="1100" dirty="0" smtClean="0">
+                <a:solidFill>
+                  <a:srgbClr val="7030A0"/>
+                </a:solidFill>
+              </a:rPr>
+              <a:t>filtered list</a:t>
+            </a:r>
+            <a:endParaRPr lang="en-SG" sz="1100" dirty="0">
+              <a:solidFill>
+                <a:srgbClr val="7030A0"/>
+              </a:solidFill>
+            </a:endParaRPr>
+          </a:p>
+        </p:txBody>
+      </p:sp>
+      <p:sp>
+        <p:nvSpPr>
+          <p:cNvPr id="207" name="TextBox 206"/>
+          <p:cNvSpPr txBox="1"/>
+          <p:nvPr/>
+        </p:nvSpPr>
+        <p:spPr>
+          <a:xfrm>
+            <a:off x="5391684" y="3835264"/>
+            <a:ext cx="176827" cy="201177"/>
+          </a:xfrm>
+          <a:prstGeom prst="rect">
+            <a:avLst/>
+          </a:prstGeom>
+          <a:noFill/>
+        </p:spPr>
+        <p:txBody>
+          <a:bodyPr wrap="square" lIns="0" tIns="0" rIns="0" bIns="0" rtlCol="0">
+            <a:noAutofit/>
+          </a:bodyPr>
+          <a:lstStyle/>
+          <a:p>
+            <a:pPr algn="ctr"/>
+            <a:r>
+              <a:rPr lang="en-US" sz="1100" dirty="0" smtClean="0">
+                <a:solidFill>
+                  <a:srgbClr val="7030A0"/>
+                </a:solidFill>
+              </a:rPr>
+              <a:t>1</a:t>
+            </a:r>
+            <a:endParaRPr lang="en-SG" sz="1100" dirty="0">
+              <a:solidFill>
+                <a:srgbClr val="7030A0"/>
+              </a:solidFill>
+            </a:endParaRPr>
+          </a:p>
+        </p:txBody>
+      </p:sp>
+      <p:cxnSp>
+        <p:nvCxnSpPr>
+          <p:cNvPr id="234" name="Straight Arrow Connector 233"/>
+          <p:cNvCxnSpPr>
+            <a:stCxn id="140" idx="3"/>
+            <a:endCxn id="83" idx="1"/>
+          </p:cNvCxnSpPr>
+          <p:nvPr/>
+        </p:nvCxnSpPr>
+        <p:spPr>
+          <a:xfrm>
+            <a:off x="6693480" y="3787616"/>
+            <a:ext cx="491886" cy="1"/>
+          </a:xfrm>
+          <a:prstGeom prst="straightConnector1">
+            <a:avLst/>
+          </a:prstGeom>
+          <a:ln w="19050">
+            <a:solidFill>
+              <a:srgbClr val="7030A0"/>
+            </a:solidFill>
+            <a:headEnd type="none" w="med" len="med"/>
+            <a:tailEnd type="arrow" w="med" len="med"/>
+          </a:ln>
+          <a:effectLst/>
+        </p:spPr>
+        <p:style>
+          <a:lnRef idx="1">
+            <a:schemeClr val="accent2"/>
+          </a:lnRef>
+          <a:fillRef idx="2">
+            <a:schemeClr val="accent2"/>
+          </a:fillRef>
+          <a:effectRef idx="1">
+            <a:schemeClr val="accent2"/>
+          </a:effectRef>
+          <a:fontRef idx="minor">
+            <a:schemeClr val="dk1"/>
+          </a:fontRef>
+        </p:style>
+      </p:cxnSp>
+      <p:sp>
+        <p:nvSpPr>
+          <p:cNvPr id="241" name="Rectangle 8"/>
+          <p:cNvSpPr/>
+          <p:nvPr/>
+        </p:nvSpPr>
+        <p:spPr>
+          <a:xfrm>
+            <a:off x="3365617" y="4037615"/>
+            <a:ext cx="1447413" cy="346760"/>
+          </a:xfrm>
+          <a:prstGeom prst="rect">
+            <a:avLst/>
+          </a:prstGeom>
+          <a:ln w="19050">
+            <a:solidFill>
+              <a:srgbClr val="7030A0"/>
+            </a:solidFill>
+          </a:ln>
+          <a:effectLst/>
+        </p:spPr>
+        <p:style>
+          <a:lnRef idx="1">
+            <a:schemeClr val="accent4"/>
+          </a:lnRef>
+          <a:fillRef idx="2">
+            <a:schemeClr val="accent4"/>
+          </a:fillRef>
+          <a:effectRef idx="1">
+            <a:schemeClr val="accent4"/>
+          </a:effectRef>
+          <a:fontRef idx="minor">
+            <a:schemeClr val="dk1"/>
+          </a:fontRef>
+        </p:style>
+        <p:txBody>
+          <a:bodyPr rtlCol="0" anchor="ctr"/>
+          <a:lstStyle/>
+          <a:p>
+            <a:pPr algn="ctr"/>
+            <a:r>
+              <a:rPr lang="en-US" sz="1050" dirty="0" smtClean="0">
+                <a:solidFill>
+                  <a:srgbClr val="7030A0"/>
+                </a:solidFill>
+              </a:rPr>
+              <a:t>&lt;&lt;interface&gt;&gt;</a:t>
+            </a:r>
+            <a:br>
+              <a:rPr lang="en-US" sz="1050" dirty="0" smtClean="0">
+                <a:solidFill>
+                  <a:srgbClr val="7030A0"/>
+                </a:solidFill>
+              </a:rPr>
+            </a:br>
+            <a:r>
+              <a:rPr lang="en-US" sz="1050" dirty="0" smtClean="0">
+                <a:solidFill>
+                  <a:srgbClr val="7030A0"/>
+                </a:solidFill>
+              </a:rPr>
+              <a:t>ReadOnlyDetailedTask</a:t>
+            </a:r>
+            <a:endParaRPr lang="en-SG" sz="1050" dirty="0">
+              <a:solidFill>
+                <a:srgbClr val="7030A0"/>
+              </a:solidFill>
+            </a:endParaRPr>
+          </a:p>
+        </p:txBody>
+      </p:sp>
+      <p:sp>
+        <p:nvSpPr>
+          <p:cNvPr id="242" name="Isosceles Triangle 102"/>
+          <p:cNvSpPr/>
+          <p:nvPr/>
+        </p:nvSpPr>
+        <p:spPr>
+          <a:xfrm rot="5400000" flipH="1" flipV="1">
+            <a:off x="4769795" y="4123711"/>
+            <a:ext cx="270504" cy="175523"/>
+          </a:xfrm>
+          <a:prstGeom prst="triangle">
+            <a:avLst/>
+          </a:prstGeom>
+          <a:solidFill>
+            <a:srgbClr val="7030A0"/>
+          </a:solidFill>
+          <a:ln w="19050">
+            <a:solidFill>
+              <a:srgbClr val="7030A0"/>
+            </a:solidFill>
+          </a:ln>
+          <a:effectLst/>
+        </p:spPr>
+        <p:style>
+          <a:lnRef idx="1">
+            <a:schemeClr val="accent4"/>
+          </a:lnRef>
+          <a:fillRef idx="2">
+            <a:schemeClr val="accent4"/>
+          </a:fillRef>
+          <a:effectRef idx="1">
+            <a:schemeClr val="accent4"/>
+          </a:effectRef>
+          <a:fontRef idx="minor">
+            <a:schemeClr val="dk1"/>
+          </a:fontRef>
+        </p:style>
+        <p:txBody>
+          <a:bodyPr rtlCol="0" anchor="ctr"/>
+          <a:lstStyle/>
+          <a:p>
+            <a:pPr algn="ctr"/>
+            <a:endParaRPr lang="en-SG" sz="1050" b="1">
+              <a:solidFill>
+                <a:srgbClr val="92D050"/>
+              </a:solidFill>
+            </a:endParaRPr>
+          </a:p>
+        </p:txBody>
+      </p:sp>
+      <p:cxnSp>
+        <p:nvCxnSpPr>
+          <p:cNvPr id="243" name="Elbow Connector 63"/>
+          <p:cNvCxnSpPr>
+            <a:stCxn id="242" idx="3"/>
+            <a:endCxn id="134" idx="2"/>
+          </p:cNvCxnSpPr>
+          <p:nvPr/>
+        </p:nvCxnSpPr>
+        <p:spPr>
+          <a:xfrm flipV="1">
+            <a:off x="4992809" y="3902268"/>
+            <a:ext cx="1004274" cy="309205"/>
+          </a:xfrm>
+          <a:prstGeom prst="bentConnector2">
+            <a:avLst/>
+          </a:prstGeom>
+          <a:ln w="19050">
+            <a:solidFill>
+              <a:srgbClr val="7030A0"/>
+            </a:solidFill>
+            <a:prstDash val="sysDot"/>
+            <a:headEnd type="none" w="med" len="med"/>
+            <a:tailEnd type="none" w="med" len="med"/>
+          </a:ln>
+          <a:effectLst/>
+        </p:spPr>
+        <p:style>
+          <a:lnRef idx="1">
+            <a:schemeClr val="accent2"/>
+          </a:lnRef>
+          <a:fillRef idx="2">
+            <a:schemeClr val="accent2"/>
+          </a:fillRef>
+          <a:effectRef idx="1">
+            <a:schemeClr val="accent2"/>
+          </a:effectRef>
+          <a:fontRef idx="minor">
+            <a:schemeClr val="dk1"/>
+          </a:fontRef>
+        </p:style>
+      </p:cxnSp>
+      <p:cxnSp>
+        <p:nvCxnSpPr>
+          <p:cNvPr id="266" name="Elbow Connector 265"/>
+          <p:cNvCxnSpPr>
+            <a:stCxn id="51" idx="3"/>
+            <a:endCxn id="273" idx="1"/>
+          </p:cNvCxnSpPr>
+          <p:nvPr/>
+        </p:nvCxnSpPr>
+        <p:spPr>
+          <a:xfrm>
+            <a:off x="3382151" y="2760681"/>
+            <a:ext cx="265907" cy="589640"/>
+          </a:xfrm>
+          <a:prstGeom prst="bentConnector3">
+            <a:avLst>
+              <a:gd name="adj1" fmla="val 50000"/>
+            </a:avLst>
+          </a:prstGeom>
+          <a:ln w="19050">
+            <a:solidFill>
+              <a:srgbClr val="7030A0"/>
+            </a:solidFill>
+            <a:headEnd type="none" w="med" len="med"/>
+            <a:tailEnd type="arrow" w="med" len="med"/>
+          </a:ln>
+          <a:effectLst/>
+        </p:spPr>
+        <p:style>
+          <a:lnRef idx="1">
+            <a:schemeClr val="accent2"/>
+          </a:lnRef>
+          <a:fillRef idx="2">
+            <a:schemeClr val="accent2"/>
+          </a:fillRef>
+          <a:effectRef idx="1">
+            <a:schemeClr val="accent2"/>
+          </a:effectRef>
+          <a:fontRef idx="minor">
+            <a:schemeClr val="dk1"/>
+          </a:fontRef>
+        </p:style>
+      </p:cxnSp>
+      <p:sp>
+        <p:nvSpPr>
+          <p:cNvPr id="273" name="Rectangle 8"/>
+          <p:cNvSpPr/>
+          <p:nvPr/>
+        </p:nvSpPr>
+        <p:spPr>
+          <a:xfrm>
+            <a:off x="3648058" y="3176941"/>
+            <a:ext cx="1494645" cy="346760"/>
+          </a:xfrm>
+          <a:prstGeom prst="rect">
+            <a:avLst/>
+          </a:prstGeom>
+          <a:ln w="19050">
+            <a:solidFill>
+              <a:srgbClr val="7030A0"/>
+            </a:solidFill>
+          </a:ln>
+          <a:effectLst/>
+        </p:spPr>
+        <p:style>
+          <a:lnRef idx="1">
+            <a:schemeClr val="accent4"/>
+          </a:lnRef>
+          <a:fillRef idx="2">
+            <a:schemeClr val="accent4"/>
+          </a:fillRef>
+          <a:effectRef idx="1">
+            <a:schemeClr val="accent4"/>
+          </a:effectRef>
+          <a:fontRef idx="minor">
+            <a:schemeClr val="dk1"/>
+          </a:fontRef>
+        </p:style>
+        <p:txBody>
+          <a:bodyPr rtlCol="0" anchor="ctr"/>
+          <a:lstStyle/>
+          <a:p>
+            <a:pPr algn="ctr"/>
+            <a:r>
+              <a:rPr lang="en-US" sz="1050" dirty="0" smtClean="0">
+                <a:solidFill>
+                  <a:srgbClr val="7030A0"/>
+                </a:solidFill>
+              </a:rPr>
+              <a:t>UniqueDetailedTaskList</a:t>
+            </a:r>
+            <a:endParaRPr lang="en-SG" sz="1050" dirty="0">
+              <a:solidFill>
+                <a:srgbClr val="7030A0"/>
+              </a:solidFill>
+            </a:endParaRPr>
+          </a:p>
+        </p:txBody>
+      </p:sp>
+      <p:cxnSp>
+        <p:nvCxnSpPr>
+          <p:cNvPr id="283" name="Straight Arrow Connector 282"/>
+          <p:cNvCxnSpPr>
+            <a:stCxn id="63" idx="3"/>
+          </p:cNvCxnSpPr>
+          <p:nvPr/>
+        </p:nvCxnSpPr>
+        <p:spPr>
+          <a:xfrm flipV="1">
+            <a:off x="5044934" y="2893950"/>
+            <a:ext cx="430543" cy="1286"/>
+          </a:xfrm>
+          <a:prstGeom prst="straightConnector1">
+            <a:avLst/>
+          </a:prstGeom>
+          <a:ln w="19050">
+            <a:solidFill>
+              <a:srgbClr val="7030A0"/>
+            </a:solidFill>
+            <a:headEnd type="none" w="med" len="med"/>
+            <a:tailEnd type="arrow" w="med" len="med"/>
+          </a:ln>
+          <a:effectLst/>
+        </p:spPr>
+        <p:style>
+          <a:lnRef idx="1">
+            <a:schemeClr val="accent2"/>
+          </a:lnRef>
+          <a:fillRef idx="2">
+            <a:schemeClr val="accent2"/>
+          </a:fillRef>
+          <a:effectRef idx="1">
+            <a:schemeClr val="accent2"/>
+          </a:effectRef>
+          <a:fontRef idx="minor">
+            <a:schemeClr val="dk1"/>
+          </a:fontRef>
+        </p:style>
+      </p:cxnSp>
+      <p:sp>
+        <p:nvSpPr>
+          <p:cNvPr id="293" name="Flowchart: Decision 96"/>
+          <p:cNvSpPr/>
+          <p:nvPr/>
+        </p:nvSpPr>
+        <p:spPr>
+          <a:xfrm>
+            <a:off x="5154317" y="3268318"/>
+            <a:ext cx="236048" cy="173380"/>
+          </a:xfrm>
+          <a:prstGeom prst="flowChartDecision">
+            <a:avLst/>
+          </a:prstGeom>
+          <a:noFill/>
+          <a:ln w="19050">
+            <a:solidFill>
+              <a:srgbClr val="7030A0"/>
+            </a:solidFill>
+          </a:ln>
+          <a:effectLst/>
+        </p:spPr>
+        <p:style>
+          <a:lnRef idx="1">
+            <a:schemeClr val="accent6"/>
+          </a:lnRef>
+          <a:fillRef idx="2">
+            <a:schemeClr val="accent6"/>
+          </a:fillRef>
+          <a:effectRef idx="1">
+            <a:schemeClr val="accent6"/>
+          </a:effectRef>
+          <a:fontRef idx="minor">
+            <a:schemeClr val="dk1"/>
+          </a:fontRef>
+        </p:style>
+        <p:txBody>
+          <a:bodyPr rtlCol="0" anchor="ctr"/>
+          <a:lstStyle/>
+          <a:p>
+            <a:pPr algn="ctr"/>
+            <a:endParaRPr lang="en-US" sz="1050"/>
+          </a:p>
+        </p:txBody>
+      </p:sp>
+      <p:cxnSp>
+        <p:nvCxnSpPr>
+          <p:cNvPr id="296" name="Elbow Connector 295"/>
+          <p:cNvCxnSpPr>
+            <a:stCxn id="293" idx="3"/>
+          </p:cNvCxnSpPr>
+          <p:nvPr/>
+        </p:nvCxnSpPr>
+        <p:spPr>
+          <a:xfrm>
+            <a:off x="5390365" y="3355008"/>
+            <a:ext cx="339788" cy="259754"/>
+          </a:xfrm>
+          <a:prstGeom prst="bentConnector3">
+            <a:avLst>
+              <a:gd name="adj1" fmla="val 99991"/>
+            </a:avLst>
+          </a:prstGeom>
+          <a:ln w="19050">
+            <a:solidFill>
+              <a:srgbClr val="7030A0"/>
+            </a:solidFill>
+            <a:headEnd type="none" w="med" len="med"/>
+            <a:tailEnd type="arrow" w="med" len="med"/>
+          </a:ln>
+          <a:effectLst/>
+        </p:spPr>
+        <p:style>
+          <a:lnRef idx="1">
+            <a:schemeClr val="accent2"/>
+          </a:lnRef>
+          <a:fillRef idx="2">
+            <a:schemeClr val="accent2"/>
+          </a:fillRef>
+          <a:effectRef idx="1">
+            <a:schemeClr val="accent2"/>
+          </a:effectRef>
+          <a:fontRef idx="minor">
+            <a:schemeClr val="dk1"/>
+          </a:fontRef>
+        </p:style>
+      </p:cxnSp>
+      <p:sp>
+        <p:nvSpPr>
+          <p:cNvPr id="302" name="TextBox 301"/>
+          <p:cNvSpPr txBox="1"/>
+          <p:nvPr/>
+        </p:nvSpPr>
+        <p:spPr>
+          <a:xfrm>
+            <a:off x="5525743" y="3441854"/>
+            <a:ext cx="189257" cy="178683"/>
+          </a:xfrm>
+          <a:prstGeom prst="rect">
+            <a:avLst/>
+          </a:prstGeom>
+          <a:noFill/>
+        </p:spPr>
+        <p:txBody>
+          <a:bodyPr wrap="square" lIns="0" tIns="0" rIns="0" bIns="0" rtlCol="0">
+            <a:noAutofit/>
+          </a:bodyPr>
+          <a:lstStyle/>
+          <a:p>
+            <a:pPr algn="ctr"/>
+            <a:r>
+              <a:rPr lang="en-US" sz="1100" dirty="0" smtClean="0">
+                <a:solidFill>
+                  <a:srgbClr val="7030A0"/>
+                </a:solidFill>
+              </a:rPr>
+              <a:t>*</a:t>
+            </a:r>
+            <a:endParaRPr lang="en-SG" sz="1100" dirty="0">
+              <a:solidFill>
+                <a:srgbClr val="7030A0"/>
+              </a:solidFill>
+            </a:endParaRPr>
+          </a:p>
+        </p:txBody>
+      </p:sp>
+      <p:sp>
+        <p:nvSpPr>
+          <p:cNvPr id="311" name="TextBox 310"/>
+          <p:cNvSpPr txBox="1"/>
+          <p:nvPr/>
+        </p:nvSpPr>
+        <p:spPr>
+          <a:xfrm>
+            <a:off x="3461311" y="3407275"/>
             <a:ext cx="189257" cy="178683"/>
           </a:xfrm>
           <a:prstGeom prst="rect">
@@ -6200,7 +6952,36 @@
       </a:bgFillStyleLst>
     </a:fmtScheme>
   </a:themeElements>
-  <a:objectDefaults/>
+  <a:objectDefaults>
+    <a:lnDef>
+      <a:spPr>
+        <a:ln w="19050">
+          <a:solidFill>
+            <a:srgbClr val="7030A0"/>
+          </a:solidFill>
+          <a:headEnd type="none" w="med" len="med"/>
+          <a:tailEnd type="arrow" w="med" len="med"/>
+        </a:ln>
+        <a:effectLst/>
+      </a:spPr>
+      <a:bodyPr/>
+      <a:lstStyle/>
+      <a:style>
+        <a:lnRef idx="1">
+          <a:schemeClr val="accent2"/>
+        </a:lnRef>
+        <a:fillRef idx="2">
+          <a:schemeClr val="accent2"/>
+        </a:fillRef>
+        <a:effectRef idx="1">
+          <a:schemeClr val="accent2"/>
+        </a:effectRef>
+        <a:fontRef idx="minor">
+          <a:schemeClr val="dk1"/>
+        </a:fontRef>
+      </a:style>
+    </a:lnDef>
+  </a:objectDefaults>
   <a:extraClrSchemeLst/>
 </a:theme>
 </file>

--- a/docs/diagrams/ModelComponentClassDiagram.pptx
+++ b/docs/diagrams/ModelComponentClassDiagram.pptx
@@ -107,6 +107,22 @@
       </a:defRPr>
     </a:lvl9pPr>
   </p:defaultTextStyle>
+  <p:extLst>
+    <p:ext uri="{EFAFB233-063F-42B5-8137-9DF3F51BA10A}">
+      <p15:sldGuideLst xmlns:p15="http://schemas.microsoft.com/office/powerpoint/2012/main">
+        <p15:guide id="1" orient="horz" pos="1488">
+          <p15:clr>
+            <a:srgbClr val="A4A3A4"/>
+          </p15:clr>
+        </p15:guide>
+        <p15:guide id="2" pos="2880">
+          <p15:clr>
+            <a:srgbClr val="A4A3A4"/>
+          </p15:clr>
+        </p15:guide>
+      </p15:sldGuideLst>
+    </p:ext>
+  </p:extLst>
 </p:presentation>
 </file>
 
@@ -192,7 +208,7 @@
           <a:p>
             <a:fld id="{F5CC4B3F-88C1-4FFA-B1B6-F41C21DC6924}" type="datetimeFigureOut">
               <a:rPr lang="en-US" smtClean="0"/>
-              <a:t>11/19/2016</a:t>
+              <a:t>3/14/2017</a:t>
             </a:fld>
             <a:endParaRPr lang="en-US"/>
           </a:p>
@@ -641,7 +657,7 @@
           <a:p>
             <a:fld id="{78C97017-6FC3-485B-9764-EAC9E56C1D49}" type="datetimeFigureOut">
               <a:rPr lang="en-US" smtClean="0"/>
-              <a:t>11/19/2016</a:t>
+              <a:t>3/14/2017</a:t>
             </a:fld>
             <a:endParaRPr lang="en-US"/>
           </a:p>
@@ -811,7 +827,7 @@
           <a:p>
             <a:fld id="{78C97017-6FC3-485B-9764-EAC9E56C1D49}" type="datetimeFigureOut">
               <a:rPr lang="en-US" smtClean="0"/>
-              <a:t>11/19/2016</a:t>
+              <a:t>3/14/2017</a:t>
             </a:fld>
             <a:endParaRPr lang="en-US"/>
           </a:p>
@@ -991,7 +1007,7 @@
           <a:p>
             <a:fld id="{78C97017-6FC3-485B-9764-EAC9E56C1D49}" type="datetimeFigureOut">
               <a:rPr lang="en-US" smtClean="0"/>
-              <a:t>11/19/2016</a:t>
+              <a:t>3/14/2017</a:t>
             </a:fld>
             <a:endParaRPr lang="en-US"/>
           </a:p>
@@ -1161,7 +1177,7 @@
           <a:p>
             <a:fld id="{78C97017-6FC3-485B-9764-EAC9E56C1D49}" type="datetimeFigureOut">
               <a:rPr lang="en-US" smtClean="0"/>
-              <a:t>11/19/2016</a:t>
+              <a:t>3/14/2017</a:t>
             </a:fld>
             <a:endParaRPr lang="en-US"/>
           </a:p>
@@ -1407,7 +1423,7 @@
           <a:p>
             <a:fld id="{78C97017-6FC3-485B-9764-EAC9E56C1D49}" type="datetimeFigureOut">
               <a:rPr lang="en-US" smtClean="0"/>
-              <a:t>11/19/2016</a:t>
+              <a:t>3/14/2017</a:t>
             </a:fld>
             <a:endParaRPr lang="en-US"/>
           </a:p>
@@ -1695,7 +1711,7 @@
           <a:p>
             <a:fld id="{78C97017-6FC3-485B-9764-EAC9E56C1D49}" type="datetimeFigureOut">
               <a:rPr lang="en-US" smtClean="0"/>
-              <a:t>11/19/2016</a:t>
+              <a:t>3/14/2017</a:t>
             </a:fld>
             <a:endParaRPr lang="en-US"/>
           </a:p>
@@ -2117,7 +2133,7 @@
           <a:p>
             <a:fld id="{78C97017-6FC3-485B-9764-EAC9E56C1D49}" type="datetimeFigureOut">
               <a:rPr lang="en-US" smtClean="0"/>
-              <a:t>11/19/2016</a:t>
+              <a:t>3/14/2017</a:t>
             </a:fld>
             <a:endParaRPr lang="en-US"/>
           </a:p>
@@ -2235,7 +2251,7 @@
           <a:p>
             <a:fld id="{78C97017-6FC3-485B-9764-EAC9E56C1D49}" type="datetimeFigureOut">
               <a:rPr lang="en-US" smtClean="0"/>
-              <a:t>11/19/2016</a:t>
+              <a:t>3/14/2017</a:t>
             </a:fld>
             <a:endParaRPr lang="en-US"/>
           </a:p>
@@ -2330,7 +2346,7 @@
           <a:p>
             <a:fld id="{78C97017-6FC3-485B-9764-EAC9E56C1D49}" type="datetimeFigureOut">
               <a:rPr lang="en-US" smtClean="0"/>
-              <a:t>11/19/2016</a:t>
+              <a:t>3/14/2017</a:t>
             </a:fld>
             <a:endParaRPr lang="en-US"/>
           </a:p>
@@ -2607,7 +2623,7 @@
           <a:p>
             <a:fld id="{78C97017-6FC3-485B-9764-EAC9E56C1D49}" type="datetimeFigureOut">
               <a:rPr lang="en-US" smtClean="0"/>
-              <a:t>11/19/2016</a:t>
+              <a:t>3/14/2017</a:t>
             </a:fld>
             <a:endParaRPr lang="en-US"/>
           </a:p>
@@ -2860,7 +2876,7 @@
           <a:p>
             <a:fld id="{78C97017-6FC3-485B-9764-EAC9E56C1D49}" type="datetimeFigureOut">
               <a:rPr lang="en-US" smtClean="0"/>
-              <a:t>11/19/2016</a:t>
+              <a:t>3/14/2017</a:t>
             </a:fld>
             <a:endParaRPr lang="en-US"/>
           </a:p>
@@ -3073,7 +3089,7 @@
           <a:p>
             <a:fld id="{78C97017-6FC3-485B-9764-EAC9E56C1D49}" type="datetimeFigureOut">
               <a:rPr lang="en-US" smtClean="0"/>
-              <a:t>11/19/2016</a:t>
+              <a:t>3/14/2017</a:t>
             </a:fld>
             <a:endParaRPr lang="en-US"/>
           </a:p>
@@ -3450,7 +3466,7 @@
       </p:grpSpPr>
       <p:sp>
         <p:nvSpPr>
-          <p:cNvPr id="118" name="Rectangle 65"/>
+          <p:cNvPr id="55" name="Rectangle 65"/>
           <p:cNvSpPr/>
           <p:nvPr/>
         </p:nvSpPr>
@@ -3511,7 +3527,7 @@
       </p:sp>
       <p:sp>
         <p:nvSpPr>
-          <p:cNvPr id="2" name="Rectangle 8"/>
+          <p:cNvPr id="73" name="Rectangle 8"/>
           <p:cNvSpPr/>
           <p:nvPr/>
         </p:nvSpPr>
@@ -3570,7 +3586,7 @@
       </p:sp>
       <p:sp>
         <p:nvSpPr>
-          <p:cNvPr id="9" name="Rectangle 62"/>
+          <p:cNvPr id="74" name="Rectangle 62"/>
           <p:cNvSpPr/>
           <p:nvPr/>
         </p:nvSpPr>
@@ -3629,9 +3645,9 @@
       </p:sp>
       <p:cxnSp>
         <p:nvCxnSpPr>
-          <p:cNvPr id="53" name="Elbow Connector 63"/>
+          <p:cNvPr id="77" name="Elbow Connector 63"/>
           <p:cNvCxnSpPr>
-            <a:stCxn id="71" idx="3"/>
+            <a:stCxn id="90" idx="3"/>
           </p:cNvCxnSpPr>
           <p:nvPr/>
         </p:nvCxnSpPr>
@@ -3670,9 +3686,9 @@
       </p:cxnSp>
       <p:cxnSp>
         <p:nvCxnSpPr>
-          <p:cNvPr id="107" name="Elbow Connector 106"/>
+          <p:cNvPr id="82" name="Elbow Connector 81"/>
           <p:cNvCxnSpPr>
-            <a:stCxn id="9" idx="1"/>
+            <a:stCxn id="74" idx="1"/>
           </p:cNvCxnSpPr>
           <p:nvPr/>
         </p:nvCxnSpPr>
@@ -3714,7 +3730,7 @@
       </p:cxnSp>
       <p:sp>
         <p:nvSpPr>
-          <p:cNvPr id="119" name="Rectangle 62"/>
+          <p:cNvPr id="87" name="Rectangle 62"/>
           <p:cNvSpPr/>
           <p:nvPr/>
         </p:nvSpPr>
@@ -3784,7 +3800,7 @@
       </p:sp>
       <p:sp>
         <p:nvSpPr>
-          <p:cNvPr id="120" name="Isosceles Triangle 102"/>
+          <p:cNvPr id="88" name="Isosceles Triangle 102"/>
           <p:cNvSpPr/>
           <p:nvPr/>
         </p:nvSpPr>
@@ -3831,10 +3847,10 @@
       </p:sp>
       <p:cxnSp>
         <p:nvCxnSpPr>
-          <p:cNvPr id="58" name="Straight Arrow Connector 57"/>
+          <p:cNvPr id="89" name="Straight Arrow Connector 88"/>
           <p:cNvCxnSpPr>
-            <a:stCxn id="42" idx="3"/>
-            <a:endCxn id="2" idx="1"/>
+            <a:stCxn id="93" idx="3"/>
+            <a:endCxn id="73" idx="1"/>
           </p:cNvCxnSpPr>
           <p:nvPr/>
         </p:nvCxnSpPr>
@@ -3872,7 +3888,7 @@
       </p:cxnSp>
       <p:sp>
         <p:nvSpPr>
-          <p:cNvPr id="71" name="Isosceles Triangle 102"/>
+          <p:cNvPr id="90" name="Isosceles Triangle 102"/>
           <p:cNvSpPr/>
           <p:nvPr/>
         </p:nvSpPr>
@@ -3923,7 +3939,7 @@
       </p:sp>
       <p:cxnSp>
         <p:nvCxnSpPr>
-          <p:cNvPr id="75" name="Elbow Connector 122"/>
+          <p:cNvPr id="91" name="Elbow Connector 122"/>
           <p:cNvCxnSpPr/>
           <p:nvPr/>
         </p:nvCxnSpPr>
@@ -3966,9 +3982,9 @@
       </p:cxnSp>
       <p:cxnSp>
         <p:nvCxnSpPr>
-          <p:cNvPr id="21" name="Straight Connector 20"/>
+          <p:cNvPr id="92" name="Straight Connector 91"/>
           <p:cNvCxnSpPr>
-            <a:stCxn id="120" idx="3"/>
+            <a:stCxn id="88" idx="3"/>
           </p:cNvCxnSpPr>
           <p:nvPr/>
         </p:nvCxnSpPr>
@@ -4007,7 +4023,7 @@
       </p:cxnSp>
       <p:sp>
         <p:nvSpPr>
-          <p:cNvPr id="42" name="Flowchart: Decision 96"/>
+          <p:cNvPr id="93" name="Flowchart: Decision 96"/>
           <p:cNvSpPr/>
           <p:nvPr/>
         </p:nvSpPr>
@@ -4052,7 +4068,7 @@
       </p:sp>
       <p:sp>
         <p:nvSpPr>
-          <p:cNvPr id="46" name="Rectangle 8"/>
+          <p:cNvPr id="94" name="Rectangle 8"/>
           <p:cNvSpPr/>
           <p:nvPr/>
         </p:nvSpPr>
@@ -4096,7 +4112,7 @@
                   <a:srgbClr val="7030A0"/>
                 </a:solidFill>
               </a:rPr>
-              <a:t>AddressBook</a:t>
+              <a:t>TaskManager</a:t>
             </a:r>
             <a:endParaRPr lang="en-SG" sz="1050" dirty="0">
               <a:solidFill>
@@ -4108,10 +4124,10 @@
       </p:sp>
       <p:cxnSp>
         <p:nvCxnSpPr>
-          <p:cNvPr id="47" name="Straight Arrow Connector 46"/>
+          <p:cNvPr id="95" name="Straight Arrow Connector 94"/>
           <p:cNvCxnSpPr>
-            <a:stCxn id="48" idx="3"/>
-            <a:endCxn id="46" idx="1"/>
+            <a:stCxn id="96" idx="3"/>
+            <a:endCxn id="94" idx="1"/>
           </p:cNvCxnSpPr>
           <p:nvPr/>
         </p:nvCxnSpPr>
@@ -4149,7 +4165,7 @@
       </p:cxnSp>
       <p:sp>
         <p:nvSpPr>
-          <p:cNvPr id="48" name="Flowchart: Decision 96"/>
+          <p:cNvPr id="96" name="Flowchart: Decision 96"/>
           <p:cNvSpPr/>
           <p:nvPr/>
         </p:nvSpPr>
@@ -4194,7 +4210,7 @@
       </p:sp>
       <p:sp>
         <p:nvSpPr>
-          <p:cNvPr id="49" name="Rectangle 8"/>
+          <p:cNvPr id="98" name="Rectangle 8"/>
           <p:cNvSpPr/>
           <p:nvPr/>
         </p:nvSpPr>
@@ -4238,7 +4254,7 @@
                   <a:srgbClr val="7030A0"/>
                 </a:solidFill>
               </a:rPr>
-              <a:t>UniquePersonList</a:t>
+              <a:t>UniqueTaskList</a:t>
             </a:r>
             <a:endParaRPr lang="en-SG" sz="1050" dirty="0">
               <a:solidFill>
@@ -4250,7 +4266,7 @@
       </p:sp>
       <p:sp>
         <p:nvSpPr>
-          <p:cNvPr id="51" name="Flowchart: Decision 96"/>
+          <p:cNvPr id="101" name="Flowchart: Decision 96"/>
           <p:cNvSpPr/>
           <p:nvPr/>
         </p:nvSpPr>
@@ -4297,10 +4313,10 @@
       </p:sp>
       <p:cxnSp>
         <p:nvCxnSpPr>
-          <p:cNvPr id="30" name="Elbow Connector 29"/>
+          <p:cNvPr id="102" name="Elbow Connector 101"/>
           <p:cNvCxnSpPr>
-            <a:stCxn id="51" idx="3"/>
-            <a:endCxn id="49" idx="1"/>
+            <a:stCxn id="101" idx="3"/>
+            <a:endCxn id="98" idx="1"/>
           </p:cNvCxnSpPr>
           <p:nvPr/>
         </p:nvCxnSpPr>
@@ -4338,7 +4354,7 @@
       </p:cxnSp>
       <p:sp>
         <p:nvSpPr>
-          <p:cNvPr id="57" name="Rectangle 8"/>
+          <p:cNvPr id="103" name="Rectangle 8"/>
           <p:cNvSpPr/>
           <p:nvPr/>
         </p:nvSpPr>
@@ -4394,10 +4410,10 @@
       </p:sp>
       <p:cxnSp>
         <p:nvCxnSpPr>
-          <p:cNvPr id="59" name="Elbow Connector 58"/>
+          <p:cNvPr id="104" name="Elbow Connector 103"/>
           <p:cNvCxnSpPr>
-            <a:stCxn id="51" idx="3"/>
-            <a:endCxn id="57" idx="1"/>
+            <a:stCxn id="101" idx="3"/>
+            <a:endCxn id="103" idx="1"/>
           </p:cNvCxnSpPr>
           <p:nvPr/>
         </p:nvCxnSpPr>
@@ -4437,7 +4453,7 @@
       </p:cxnSp>
       <p:sp>
         <p:nvSpPr>
-          <p:cNvPr id="62" name="Rectangle 8"/>
+          <p:cNvPr id="105" name="Rectangle 8"/>
           <p:cNvSpPr/>
           <p:nvPr/>
         </p:nvSpPr>
@@ -4481,7 +4497,7 @@
                   <a:srgbClr val="7030A0"/>
                 </a:solidFill>
               </a:rPr>
-              <a:t>Person</a:t>
+              <a:t>Task</a:t>
             </a:r>
             <a:endParaRPr lang="en-SG" sz="1050" dirty="0">
               <a:solidFill>
@@ -4493,7 +4509,7 @@
       </p:sp>
       <p:sp>
         <p:nvSpPr>
-          <p:cNvPr id="63" name="Flowchart: Decision 96"/>
+          <p:cNvPr id="106" name="Flowchart: Decision 96"/>
           <p:cNvSpPr/>
           <p:nvPr/>
         </p:nvSpPr>
@@ -4538,10 +4554,10 @@
       </p:sp>
       <p:cxnSp>
         <p:nvCxnSpPr>
-          <p:cNvPr id="64" name="Elbow Connector 63"/>
+          <p:cNvPr id="108" name="Elbow Connector 107"/>
           <p:cNvCxnSpPr>
-            <a:stCxn id="63" idx="3"/>
-            <a:endCxn id="62" idx="1"/>
+            <a:stCxn id="106" idx="3"/>
+            <a:endCxn id="105" idx="1"/>
           </p:cNvCxnSpPr>
           <p:nvPr/>
         </p:nvCxnSpPr>
@@ -4579,7 +4595,7 @@
       </p:cxnSp>
       <p:sp>
         <p:nvSpPr>
-          <p:cNvPr id="67" name="Rectangle 8"/>
+          <p:cNvPr id="109" name="Rectangle 8"/>
           <p:cNvSpPr/>
           <p:nvPr/>
         </p:nvSpPr>
@@ -4635,7 +4651,7 @@
       </p:sp>
       <p:sp>
         <p:nvSpPr>
-          <p:cNvPr id="68" name="Flowchart: Decision 96"/>
+          <p:cNvPr id="110" name="Flowchart: Decision 96"/>
           <p:cNvSpPr/>
           <p:nvPr/>
         </p:nvSpPr>
@@ -4680,10 +4696,10 @@
       </p:sp>
       <p:cxnSp>
         <p:nvCxnSpPr>
-          <p:cNvPr id="69" name="Elbow Connector 68"/>
+          <p:cNvPr id="111" name="Elbow Connector 110"/>
           <p:cNvCxnSpPr>
-            <a:stCxn id="68" idx="3"/>
-            <a:endCxn id="67" idx="1"/>
+            <a:stCxn id="110" idx="3"/>
+            <a:endCxn id="109" idx="1"/>
           </p:cNvCxnSpPr>
           <p:nvPr/>
         </p:nvCxnSpPr>
@@ -4721,7 +4737,7 @@
       </p:cxnSp>
       <p:sp>
         <p:nvSpPr>
-          <p:cNvPr id="72" name="Rectangle 8"/>
+          <p:cNvPr id="112" name="Rectangle 8"/>
           <p:cNvSpPr/>
           <p:nvPr/>
         </p:nvSpPr>
@@ -4780,7 +4796,7 @@
                   <a:srgbClr val="7030A0"/>
                 </a:solidFill>
               </a:rPr>
-              <a:t>ReadOnlyPerson</a:t>
+              <a:t>ReadOnlyTask</a:t>
             </a:r>
             <a:endParaRPr lang="en-SG" sz="1050" dirty="0">
               <a:solidFill>
@@ -4792,7 +4808,7 @@
       </p:sp>
       <p:sp>
         <p:nvSpPr>
-          <p:cNvPr id="76" name="Rectangle 8"/>
+          <p:cNvPr id="113" name="Rectangle 8"/>
           <p:cNvSpPr/>
           <p:nvPr/>
         </p:nvSpPr>
@@ -4848,7 +4864,7 @@
       </p:sp>
       <p:sp>
         <p:nvSpPr>
-          <p:cNvPr id="78" name="Flowchart: Decision 96"/>
+          <p:cNvPr id="115" name="Flowchart: Decision 96"/>
           <p:cNvSpPr/>
           <p:nvPr/>
         </p:nvSpPr>
@@ -4895,10 +4911,10 @@
       </p:sp>
       <p:cxnSp>
         <p:nvCxnSpPr>
-          <p:cNvPr id="79" name="Elbow Connector 78"/>
+          <p:cNvPr id="116" name="Elbow Connector 115"/>
           <p:cNvCxnSpPr>
-            <a:stCxn id="78" idx="3"/>
-            <a:endCxn id="76" idx="1"/>
+            <a:stCxn id="115" idx="3"/>
+            <a:endCxn id="113" idx="1"/>
           </p:cNvCxnSpPr>
           <p:nvPr/>
         </p:nvCxnSpPr>
@@ -4936,7 +4952,7 @@
       </p:cxnSp>
       <p:sp>
         <p:nvSpPr>
-          <p:cNvPr id="80" name="Rectangle 8"/>
+          <p:cNvPr id="117" name="Rectangle 8"/>
           <p:cNvSpPr/>
           <p:nvPr/>
         </p:nvSpPr>
@@ -4980,7 +4996,7 @@
                   <a:srgbClr val="7030A0"/>
                 </a:solidFill>
               </a:rPr>
-              <a:t>Phone</a:t>
+              <a:t>Content</a:t>
             </a:r>
             <a:endParaRPr lang="en-SG" sz="1050" dirty="0">
               <a:solidFill>
@@ -4992,10 +5008,10 @@
       </p:sp>
       <p:cxnSp>
         <p:nvCxnSpPr>
-          <p:cNvPr id="81" name="Elbow Connector 80"/>
+          <p:cNvPr id="121" name="Elbow Connector 120"/>
           <p:cNvCxnSpPr>
-            <a:stCxn id="78" idx="3"/>
-            <a:endCxn id="80" idx="1"/>
+            <a:stCxn id="115" idx="3"/>
+            <a:endCxn id="117" idx="1"/>
           </p:cNvCxnSpPr>
           <p:nvPr/>
         </p:nvCxnSpPr>
@@ -5033,7 +5049,7 @@
       </p:cxnSp>
       <p:sp>
         <p:nvSpPr>
-          <p:cNvPr id="83" name="Rectangle 8"/>
+          <p:cNvPr id="123" name="Rectangle 8"/>
           <p:cNvSpPr/>
           <p:nvPr/>
         </p:nvSpPr>
@@ -5077,7 +5093,7 @@
                   <a:srgbClr val="7030A0"/>
                 </a:solidFill>
               </a:rPr>
-              <a:t>Email</a:t>
+              <a:t>Date</a:t>
             </a:r>
             <a:endParaRPr lang="en-SG" sz="1050" dirty="0">
               <a:solidFill>
@@ -5089,10 +5105,10 @@
       </p:sp>
       <p:cxnSp>
         <p:nvCxnSpPr>
-          <p:cNvPr id="84" name="Elbow Connector 83"/>
+          <p:cNvPr id="125" name="Elbow Connector 124"/>
           <p:cNvCxnSpPr>
-            <a:stCxn id="78" idx="3"/>
-            <a:endCxn id="83" idx="1"/>
+            <a:stCxn id="115" idx="3"/>
+            <a:endCxn id="123" idx="1"/>
           </p:cNvCxnSpPr>
           <p:nvPr/>
         </p:nvCxnSpPr>
@@ -5130,7 +5146,7 @@
       </p:cxnSp>
       <p:sp>
         <p:nvSpPr>
-          <p:cNvPr id="85" name="Rectangle 8"/>
+          <p:cNvPr id="126" name="Rectangle 8"/>
           <p:cNvSpPr/>
           <p:nvPr/>
         </p:nvSpPr>
@@ -5174,7 +5190,7 @@
                   <a:srgbClr val="7030A0"/>
                 </a:solidFill>
               </a:rPr>
-              <a:t>Address</a:t>
+              <a:t>Time</a:t>
             </a:r>
             <a:endParaRPr lang="en-SG" sz="1050" dirty="0">
               <a:solidFill>
@@ -5186,10 +5202,10 @@
       </p:sp>
       <p:cxnSp>
         <p:nvCxnSpPr>
-          <p:cNvPr id="86" name="Elbow Connector 85"/>
+          <p:cNvPr id="127" name="Elbow Connector 126"/>
           <p:cNvCxnSpPr>
-            <a:stCxn id="78" idx="3"/>
-            <a:endCxn id="85" idx="1"/>
+            <a:stCxn id="115" idx="3"/>
+            <a:endCxn id="126" idx="1"/>
           </p:cNvCxnSpPr>
           <p:nvPr/>
         </p:nvCxnSpPr>
@@ -5227,9 +5243,9 @@
       </p:cxnSp>
       <p:cxnSp>
         <p:nvCxnSpPr>
-          <p:cNvPr id="97" name="Elbow Connector 63"/>
+          <p:cNvPr id="128" name="Elbow Connector 63"/>
           <p:cNvCxnSpPr>
-            <a:stCxn id="99" idx="3"/>
+            <a:stCxn id="129" idx="3"/>
           </p:cNvCxnSpPr>
           <p:nvPr/>
         </p:nvCxnSpPr>
@@ -5270,7 +5286,7 @@
       </p:cxnSp>
       <p:sp>
         <p:nvSpPr>
-          <p:cNvPr id="99" name="Isosceles Triangle 102"/>
+          <p:cNvPr id="129" name="Isosceles Triangle 102"/>
           <p:cNvSpPr/>
           <p:nvPr/>
         </p:nvSpPr>
@@ -5318,7 +5334,7 @@
       </p:sp>
       <p:sp>
         <p:nvSpPr>
-          <p:cNvPr id="100" name="Rectangle 8"/>
+          <p:cNvPr id="130" name="Rectangle 8"/>
           <p:cNvSpPr/>
           <p:nvPr/>
         </p:nvSpPr>
@@ -5377,7 +5393,7 @@
                   <a:srgbClr val="7030A0"/>
                 </a:solidFill>
               </a:rPr>
-              <a:t>ReadOnlyAddressBook</a:t>
+              <a:t>ReadOnlyTaskManager</a:t>
             </a:r>
             <a:endParaRPr lang="en-SG" sz="1050" dirty="0">
               <a:solidFill>
@@ -5389,7 +5405,7 @@
       </p:sp>
       <p:sp>
         <p:nvSpPr>
-          <p:cNvPr id="114" name="TextBox 113"/>
+          <p:cNvPr id="131" name="TextBox 130"/>
           <p:cNvSpPr txBox="1"/>
           <p:nvPr/>
         </p:nvSpPr>
@@ -5428,7 +5444,7 @@
       </p:sp>
       <p:sp>
         <p:nvSpPr>
-          <p:cNvPr id="122" name="Rectangle 8"/>
+          <p:cNvPr id="132" name="Rectangle 8"/>
           <p:cNvSpPr/>
           <p:nvPr/>
         </p:nvSpPr>
@@ -5507,10 +5523,10 @@
       </p:sp>
       <p:cxnSp>
         <p:nvCxnSpPr>
-          <p:cNvPr id="124" name="Elbow Connector 122"/>
+          <p:cNvPr id="133" name="Elbow Connector 122"/>
           <p:cNvCxnSpPr>
-            <a:stCxn id="119" idx="1"/>
-            <a:endCxn id="122" idx="1"/>
+            <a:stCxn id="87" idx="1"/>
+            <a:endCxn id="132" idx="1"/>
           </p:cNvCxnSpPr>
           <p:nvPr/>
         </p:nvCxnSpPr>
@@ -5549,10 +5565,10 @@
       </p:cxnSp>
       <p:cxnSp>
         <p:nvCxnSpPr>
-          <p:cNvPr id="50" name="Elbow Connector 49"/>
+          <p:cNvPr id="134" name="Elbow Connector 133"/>
           <p:cNvCxnSpPr>
-            <a:stCxn id="62" idx="0"/>
-            <a:endCxn id="57" idx="3"/>
+            <a:stCxn id="105" idx="0"/>
+            <a:endCxn id="103" idx="3"/>
           </p:cNvCxnSpPr>
           <p:nvPr/>
         </p:nvCxnSpPr>
@@ -5590,7 +5606,7 @@
       </p:cxnSp>
       <p:sp>
         <p:nvSpPr>
-          <p:cNvPr id="11" name="TextBox 10"/>
+          <p:cNvPr id="135" name="TextBox 134"/>
           <p:cNvSpPr txBox="1"/>
           <p:nvPr/>
         </p:nvSpPr>
@@ -5629,7 +5645,7 @@
       </p:sp>
       <p:sp>
         <p:nvSpPr>
-          <p:cNvPr id="54" name="TextBox 53"/>
+          <p:cNvPr id="136" name="TextBox 135"/>
           <p:cNvSpPr txBox="1"/>
           <p:nvPr/>
         </p:nvSpPr>
@@ -5668,7 +5684,7 @@
       </p:sp>
       <p:sp>
         <p:nvSpPr>
-          <p:cNvPr id="56" name="TextBox 55"/>
+          <p:cNvPr id="137" name="TextBox 136"/>
           <p:cNvSpPr txBox="1"/>
           <p:nvPr/>
         </p:nvSpPr>
@@ -5707,7 +5723,7 @@
       </p:sp>
       <p:sp>
         <p:nvSpPr>
-          <p:cNvPr id="60" name="TextBox 59"/>
+          <p:cNvPr id="138" name="TextBox 137"/>
           <p:cNvSpPr txBox="1"/>
           <p:nvPr/>
         </p:nvSpPr>
@@ -5746,7 +5762,7 @@
       </p:sp>
       <p:sp>
         <p:nvSpPr>
-          <p:cNvPr id="61" name="TextBox 60"/>
+          <p:cNvPr id="139" name="TextBox 138"/>
           <p:cNvSpPr txBox="1"/>
           <p:nvPr/>
         </p:nvSpPr>
@@ -5785,7 +5801,7 @@
       </p:sp>
       <p:sp>
         <p:nvSpPr>
-          <p:cNvPr id="65" name="TextBox 64"/>
+          <p:cNvPr id="140" name="TextBox 139"/>
           <p:cNvSpPr txBox="1"/>
           <p:nvPr/>
         </p:nvSpPr>
@@ -5824,7 +5840,7 @@
       </p:sp>
       <p:sp>
         <p:nvSpPr>
-          <p:cNvPr id="66" name="TextBox 65"/>
+          <p:cNvPr id="141" name="TextBox 140"/>
           <p:cNvSpPr txBox="1"/>
           <p:nvPr/>
         </p:nvSpPr>
@@ -5863,7 +5879,7 @@
       </p:sp>
       <p:sp>
         <p:nvSpPr>
-          <p:cNvPr id="70" name="TextBox 69"/>
+          <p:cNvPr id="142" name="TextBox 141"/>
           <p:cNvSpPr txBox="1"/>
           <p:nvPr/>
         </p:nvSpPr>

--- a/docs/diagrams/ModelComponentClassDiagram.pptx
+++ b/docs/diagrams/ModelComponentClassDiagram.pptx
@@ -107,6 +107,22 @@
       </a:defRPr>
     </a:lvl9pPr>
   </p:defaultTextStyle>
+  <p:extLst>
+    <p:ext uri="{EFAFB233-063F-42B5-8137-9DF3F51BA10A}">
+      <p15:sldGuideLst xmlns:p15="http://schemas.microsoft.com/office/powerpoint/2012/main">
+        <p15:guide id="1" orient="horz" pos="1488">
+          <p15:clr>
+            <a:srgbClr val="A4A3A4"/>
+          </p15:clr>
+        </p15:guide>
+        <p15:guide id="2" pos="2880">
+          <p15:clr>
+            <a:srgbClr val="A4A3A4"/>
+          </p15:clr>
+        </p15:guide>
+      </p15:sldGuideLst>
+    </p:ext>
+  </p:extLst>
 </p:presentation>
 </file>
 
@@ -192,7 +208,7 @@
           <a:p>
             <a:fld id="{F5CC4B3F-88C1-4FFA-B1B6-F41C21DC6924}" type="datetimeFigureOut">
               <a:rPr lang="en-US" smtClean="0"/>
-              <a:t>11/19/2016</a:t>
+              <a:t>3/15/2017</a:t>
             </a:fld>
             <a:endParaRPr lang="en-US"/>
           </a:p>
@@ -256,38 +272,37 @@
           <a:p>
             <a:pPr lvl="0"/>
             <a:r>
-              <a:rPr lang="en-US" smtClean="0"/>
+              <a:rPr lang="en-US"/>
               <a:t>Click to edit Master text styles</a:t>
             </a:r>
           </a:p>
           <a:p>
             <a:pPr lvl="1"/>
             <a:r>
-              <a:rPr lang="en-US" smtClean="0"/>
+              <a:rPr lang="en-US"/>
               <a:t>Second level</a:t>
             </a:r>
           </a:p>
           <a:p>
             <a:pPr lvl="2"/>
             <a:r>
-              <a:rPr lang="en-US" smtClean="0"/>
+              <a:rPr lang="en-US"/>
               <a:t>Third level</a:t>
             </a:r>
           </a:p>
           <a:p>
             <a:pPr lvl="3"/>
             <a:r>
-              <a:rPr lang="en-US" smtClean="0"/>
+              <a:rPr lang="en-US"/>
               <a:t>Fourth level</a:t>
             </a:r>
           </a:p>
           <a:p>
             <a:pPr lvl="4"/>
             <a:r>
-              <a:rPr lang="en-US" smtClean="0"/>
+              <a:rPr lang="en-US"/>
               <a:t>Fifth level</a:t>
             </a:r>
-            <a:endParaRPr lang="en-US"/>
           </a:p>
         </p:txBody>
       </p:sp>
@@ -498,10 +513,9 @@
           <a:lstStyle/>
           <a:p>
             <a:r>
-              <a:rPr lang="en-US" smtClean="0"/>
+              <a:rPr lang="en-US"/>
               <a:t>Click to edit Master title style</a:t>
             </a:r>
-            <a:endParaRPr lang="en-US"/>
           </a:p>
         </p:txBody>
       </p:sp>
@@ -617,10 +631,9 @@
           </a:lstStyle>
           <a:p>
             <a:r>
-              <a:rPr lang="en-US" smtClean="0"/>
+              <a:rPr lang="en-US"/>
               <a:t>Click to edit Master subtitle style</a:t>
             </a:r>
-            <a:endParaRPr lang="en-US"/>
           </a:p>
         </p:txBody>
       </p:sp>
@@ -641,7 +654,7 @@
           <a:p>
             <a:fld id="{78C97017-6FC3-485B-9764-EAC9E56C1D49}" type="datetimeFigureOut">
               <a:rPr lang="en-US" smtClean="0"/>
-              <a:t>11/19/2016</a:t>
+              <a:t>3/15/2017</a:t>
             </a:fld>
             <a:endParaRPr lang="en-US"/>
           </a:p>
@@ -735,10 +748,9 @@
           <a:lstStyle/>
           <a:p>
             <a:r>
-              <a:rPr lang="en-US" smtClean="0"/>
+              <a:rPr lang="en-US"/>
               <a:t>Click to edit Master title style</a:t>
             </a:r>
-            <a:endParaRPr lang="en-US"/>
           </a:p>
         </p:txBody>
       </p:sp>
@@ -759,38 +771,37 @@
           <a:p>
             <a:pPr lvl="0"/>
             <a:r>
-              <a:rPr lang="en-US" smtClean="0"/>
+              <a:rPr lang="en-US"/>
               <a:t>Click to edit Master text styles</a:t>
             </a:r>
           </a:p>
           <a:p>
             <a:pPr lvl="1"/>
             <a:r>
-              <a:rPr lang="en-US" smtClean="0"/>
+              <a:rPr lang="en-US"/>
               <a:t>Second level</a:t>
             </a:r>
           </a:p>
           <a:p>
             <a:pPr lvl="2"/>
             <a:r>
-              <a:rPr lang="en-US" smtClean="0"/>
+              <a:rPr lang="en-US"/>
               <a:t>Third level</a:t>
             </a:r>
           </a:p>
           <a:p>
             <a:pPr lvl="3"/>
             <a:r>
-              <a:rPr lang="en-US" smtClean="0"/>
+              <a:rPr lang="en-US"/>
               <a:t>Fourth level</a:t>
             </a:r>
           </a:p>
           <a:p>
             <a:pPr lvl="4"/>
             <a:r>
-              <a:rPr lang="en-US" smtClean="0"/>
+              <a:rPr lang="en-US"/>
               <a:t>Fifth level</a:t>
             </a:r>
-            <a:endParaRPr lang="en-US"/>
           </a:p>
         </p:txBody>
       </p:sp>
@@ -811,7 +822,7 @@
           <a:p>
             <a:fld id="{78C97017-6FC3-485B-9764-EAC9E56C1D49}" type="datetimeFigureOut">
               <a:rPr lang="en-US" smtClean="0"/>
-              <a:t>11/19/2016</a:t>
+              <a:t>3/15/2017</a:t>
             </a:fld>
             <a:endParaRPr lang="en-US"/>
           </a:p>
@@ -910,10 +921,9 @@
           <a:lstStyle/>
           <a:p>
             <a:r>
-              <a:rPr lang="en-US" smtClean="0"/>
+              <a:rPr lang="en-US"/>
               <a:t>Click to edit Master title style</a:t>
             </a:r>
-            <a:endParaRPr lang="en-US"/>
           </a:p>
         </p:txBody>
       </p:sp>
@@ -939,38 +949,37 @@
           <a:p>
             <a:pPr lvl="0"/>
             <a:r>
-              <a:rPr lang="en-US" smtClean="0"/>
+              <a:rPr lang="en-US"/>
               <a:t>Click to edit Master text styles</a:t>
             </a:r>
           </a:p>
           <a:p>
             <a:pPr lvl="1"/>
             <a:r>
-              <a:rPr lang="en-US" smtClean="0"/>
+              <a:rPr lang="en-US"/>
               <a:t>Second level</a:t>
             </a:r>
           </a:p>
           <a:p>
             <a:pPr lvl="2"/>
             <a:r>
-              <a:rPr lang="en-US" smtClean="0"/>
+              <a:rPr lang="en-US"/>
               <a:t>Third level</a:t>
             </a:r>
           </a:p>
           <a:p>
             <a:pPr lvl="3"/>
             <a:r>
-              <a:rPr lang="en-US" smtClean="0"/>
+              <a:rPr lang="en-US"/>
               <a:t>Fourth level</a:t>
             </a:r>
           </a:p>
           <a:p>
             <a:pPr lvl="4"/>
             <a:r>
-              <a:rPr lang="en-US" smtClean="0"/>
+              <a:rPr lang="en-US"/>
               <a:t>Fifth level</a:t>
             </a:r>
-            <a:endParaRPr lang="en-US"/>
           </a:p>
         </p:txBody>
       </p:sp>
@@ -991,7 +1000,7 @@
           <a:p>
             <a:fld id="{78C97017-6FC3-485B-9764-EAC9E56C1D49}" type="datetimeFigureOut">
               <a:rPr lang="en-US" smtClean="0"/>
-              <a:t>11/19/2016</a:t>
+              <a:t>3/15/2017</a:t>
             </a:fld>
             <a:endParaRPr lang="en-US"/>
           </a:p>
@@ -1085,10 +1094,9 @@
           <a:lstStyle/>
           <a:p>
             <a:r>
-              <a:rPr lang="en-US" smtClean="0"/>
+              <a:rPr lang="en-US"/>
               <a:t>Click to edit Master title style</a:t>
             </a:r>
-            <a:endParaRPr lang="en-US"/>
           </a:p>
         </p:txBody>
       </p:sp>
@@ -1109,38 +1117,37 @@
           <a:p>
             <a:pPr lvl="0"/>
             <a:r>
-              <a:rPr lang="en-US" smtClean="0"/>
+              <a:rPr lang="en-US"/>
               <a:t>Click to edit Master text styles</a:t>
             </a:r>
           </a:p>
           <a:p>
             <a:pPr lvl="1"/>
             <a:r>
-              <a:rPr lang="en-US" smtClean="0"/>
+              <a:rPr lang="en-US"/>
               <a:t>Second level</a:t>
             </a:r>
           </a:p>
           <a:p>
             <a:pPr lvl="2"/>
             <a:r>
-              <a:rPr lang="en-US" smtClean="0"/>
+              <a:rPr lang="en-US"/>
               <a:t>Third level</a:t>
             </a:r>
           </a:p>
           <a:p>
             <a:pPr lvl="3"/>
             <a:r>
-              <a:rPr lang="en-US" smtClean="0"/>
+              <a:rPr lang="en-US"/>
               <a:t>Fourth level</a:t>
             </a:r>
           </a:p>
           <a:p>
             <a:pPr lvl="4"/>
             <a:r>
-              <a:rPr lang="en-US" smtClean="0"/>
+              <a:rPr lang="en-US"/>
               <a:t>Fifth level</a:t>
             </a:r>
-            <a:endParaRPr lang="en-US"/>
           </a:p>
         </p:txBody>
       </p:sp>
@@ -1161,7 +1168,7 @@
           <a:p>
             <a:fld id="{78C97017-6FC3-485B-9764-EAC9E56C1D49}" type="datetimeFigureOut">
               <a:rPr lang="en-US" smtClean="0"/>
-              <a:t>11/19/2016</a:t>
+              <a:t>3/15/2017</a:t>
             </a:fld>
             <a:endParaRPr lang="en-US"/>
           </a:p>
@@ -1264,10 +1271,9 @@
           </a:lstStyle>
           <a:p>
             <a:r>
-              <a:rPr lang="en-US" smtClean="0"/>
+              <a:rPr lang="en-US"/>
               <a:t>Click to edit Master title style</a:t>
             </a:r>
-            <a:endParaRPr lang="en-US"/>
           </a:p>
         </p:txBody>
       </p:sp>
@@ -1384,7 +1390,7 @@
           <a:p>
             <a:pPr lvl="0"/>
             <a:r>
-              <a:rPr lang="en-US" smtClean="0"/>
+              <a:rPr lang="en-US"/>
               <a:t>Click to edit Master text styles</a:t>
             </a:r>
           </a:p>
@@ -1407,7 +1413,7 @@
           <a:p>
             <a:fld id="{78C97017-6FC3-485B-9764-EAC9E56C1D49}" type="datetimeFigureOut">
               <a:rPr lang="en-US" smtClean="0"/>
-              <a:t>11/19/2016</a:t>
+              <a:t>3/15/2017</a:t>
             </a:fld>
             <a:endParaRPr lang="en-US"/>
           </a:p>
@@ -1501,10 +1507,9 @@
           <a:lstStyle/>
           <a:p>
             <a:r>
-              <a:rPr lang="en-US" smtClean="0"/>
+              <a:rPr lang="en-US"/>
               <a:t>Click to edit Master title style</a:t>
             </a:r>
-            <a:endParaRPr lang="en-US"/>
           </a:p>
         </p:txBody>
       </p:sp>
@@ -1558,38 +1563,37 @@
           <a:p>
             <a:pPr lvl="0"/>
             <a:r>
-              <a:rPr lang="en-US" smtClean="0"/>
+              <a:rPr lang="en-US"/>
               <a:t>Click to edit Master text styles</a:t>
             </a:r>
           </a:p>
           <a:p>
             <a:pPr lvl="1"/>
             <a:r>
-              <a:rPr lang="en-US" smtClean="0"/>
+              <a:rPr lang="en-US"/>
               <a:t>Second level</a:t>
             </a:r>
           </a:p>
           <a:p>
             <a:pPr lvl="2"/>
             <a:r>
-              <a:rPr lang="en-US" smtClean="0"/>
+              <a:rPr lang="en-US"/>
               <a:t>Third level</a:t>
             </a:r>
           </a:p>
           <a:p>
             <a:pPr lvl="3"/>
             <a:r>
-              <a:rPr lang="en-US" smtClean="0"/>
+              <a:rPr lang="en-US"/>
               <a:t>Fourth level</a:t>
             </a:r>
           </a:p>
           <a:p>
             <a:pPr lvl="4"/>
             <a:r>
-              <a:rPr lang="en-US" smtClean="0"/>
+              <a:rPr lang="en-US"/>
               <a:t>Fifth level</a:t>
             </a:r>
-            <a:endParaRPr lang="en-US"/>
           </a:p>
         </p:txBody>
       </p:sp>
@@ -1643,38 +1647,37 @@
           <a:p>
             <a:pPr lvl="0"/>
             <a:r>
-              <a:rPr lang="en-US" smtClean="0"/>
+              <a:rPr lang="en-US"/>
               <a:t>Click to edit Master text styles</a:t>
             </a:r>
           </a:p>
           <a:p>
             <a:pPr lvl="1"/>
             <a:r>
-              <a:rPr lang="en-US" smtClean="0"/>
+              <a:rPr lang="en-US"/>
               <a:t>Second level</a:t>
             </a:r>
           </a:p>
           <a:p>
             <a:pPr lvl="2"/>
             <a:r>
-              <a:rPr lang="en-US" smtClean="0"/>
+              <a:rPr lang="en-US"/>
               <a:t>Third level</a:t>
             </a:r>
           </a:p>
           <a:p>
             <a:pPr lvl="3"/>
             <a:r>
-              <a:rPr lang="en-US" smtClean="0"/>
+              <a:rPr lang="en-US"/>
               <a:t>Fourth level</a:t>
             </a:r>
           </a:p>
           <a:p>
             <a:pPr lvl="4"/>
             <a:r>
-              <a:rPr lang="en-US" smtClean="0"/>
+              <a:rPr lang="en-US"/>
               <a:t>Fifth level</a:t>
             </a:r>
-            <a:endParaRPr lang="en-US"/>
           </a:p>
         </p:txBody>
       </p:sp>
@@ -1695,7 +1698,7 @@
           <a:p>
             <a:fld id="{78C97017-6FC3-485B-9764-EAC9E56C1D49}" type="datetimeFigureOut">
               <a:rPr lang="en-US" smtClean="0"/>
-              <a:t>11/19/2016</a:t>
+              <a:t>3/15/2017</a:t>
             </a:fld>
             <a:endParaRPr lang="en-US"/>
           </a:p>
@@ -1793,10 +1796,9 @@
           </a:lstStyle>
           <a:p>
             <a:r>
-              <a:rPr lang="en-US" smtClean="0"/>
+              <a:rPr lang="en-US"/>
               <a:t>Click to edit Master title style</a:t>
             </a:r>
-            <a:endParaRPr lang="en-US"/>
           </a:p>
         </p:txBody>
       </p:sp>
@@ -1859,7 +1861,7 @@
           <a:p>
             <a:pPr lvl="0"/>
             <a:r>
-              <a:rPr lang="en-US" smtClean="0"/>
+              <a:rPr lang="en-US"/>
               <a:t>Click to edit Master text styles</a:t>
             </a:r>
           </a:p>
@@ -1915,38 +1917,37 @@
           <a:p>
             <a:pPr lvl="0"/>
             <a:r>
-              <a:rPr lang="en-US" smtClean="0"/>
+              <a:rPr lang="en-US"/>
               <a:t>Click to edit Master text styles</a:t>
             </a:r>
           </a:p>
           <a:p>
             <a:pPr lvl="1"/>
             <a:r>
-              <a:rPr lang="en-US" smtClean="0"/>
+              <a:rPr lang="en-US"/>
               <a:t>Second level</a:t>
             </a:r>
           </a:p>
           <a:p>
             <a:pPr lvl="2"/>
             <a:r>
-              <a:rPr lang="en-US" smtClean="0"/>
+              <a:rPr lang="en-US"/>
               <a:t>Third level</a:t>
             </a:r>
           </a:p>
           <a:p>
             <a:pPr lvl="3"/>
             <a:r>
-              <a:rPr lang="en-US" smtClean="0"/>
+              <a:rPr lang="en-US"/>
               <a:t>Fourth level</a:t>
             </a:r>
           </a:p>
           <a:p>
             <a:pPr lvl="4"/>
             <a:r>
-              <a:rPr lang="en-US" smtClean="0"/>
+              <a:rPr lang="en-US"/>
               <a:t>Fifth level</a:t>
             </a:r>
-            <a:endParaRPr lang="en-US"/>
           </a:p>
         </p:txBody>
       </p:sp>
@@ -2009,7 +2010,7 @@
           <a:p>
             <a:pPr lvl="0"/>
             <a:r>
-              <a:rPr lang="en-US" smtClean="0"/>
+              <a:rPr lang="en-US"/>
               <a:t>Click to edit Master text styles</a:t>
             </a:r>
           </a:p>
@@ -2065,38 +2066,37 @@
           <a:p>
             <a:pPr lvl="0"/>
             <a:r>
-              <a:rPr lang="en-US" smtClean="0"/>
+              <a:rPr lang="en-US"/>
               <a:t>Click to edit Master text styles</a:t>
             </a:r>
           </a:p>
           <a:p>
             <a:pPr lvl="1"/>
             <a:r>
-              <a:rPr lang="en-US" smtClean="0"/>
+              <a:rPr lang="en-US"/>
               <a:t>Second level</a:t>
             </a:r>
           </a:p>
           <a:p>
             <a:pPr lvl="2"/>
             <a:r>
-              <a:rPr lang="en-US" smtClean="0"/>
+              <a:rPr lang="en-US"/>
               <a:t>Third level</a:t>
             </a:r>
           </a:p>
           <a:p>
             <a:pPr lvl="3"/>
             <a:r>
-              <a:rPr lang="en-US" smtClean="0"/>
+              <a:rPr lang="en-US"/>
               <a:t>Fourth level</a:t>
             </a:r>
           </a:p>
           <a:p>
             <a:pPr lvl="4"/>
             <a:r>
-              <a:rPr lang="en-US" smtClean="0"/>
+              <a:rPr lang="en-US"/>
               <a:t>Fifth level</a:t>
             </a:r>
-            <a:endParaRPr lang="en-US"/>
           </a:p>
         </p:txBody>
       </p:sp>
@@ -2117,7 +2117,7 @@
           <a:p>
             <a:fld id="{78C97017-6FC3-485B-9764-EAC9E56C1D49}" type="datetimeFigureOut">
               <a:rPr lang="en-US" smtClean="0"/>
-              <a:t>11/19/2016</a:t>
+              <a:t>3/15/2017</a:t>
             </a:fld>
             <a:endParaRPr lang="en-US"/>
           </a:p>
@@ -2211,10 +2211,9 @@
           <a:lstStyle/>
           <a:p>
             <a:r>
-              <a:rPr lang="en-US" smtClean="0"/>
+              <a:rPr lang="en-US"/>
               <a:t>Click to edit Master title style</a:t>
             </a:r>
-            <a:endParaRPr lang="en-US"/>
           </a:p>
         </p:txBody>
       </p:sp>
@@ -2235,7 +2234,7 @@
           <a:p>
             <a:fld id="{78C97017-6FC3-485B-9764-EAC9E56C1D49}" type="datetimeFigureOut">
               <a:rPr lang="en-US" smtClean="0"/>
-              <a:t>11/19/2016</a:t>
+              <a:t>3/15/2017</a:t>
             </a:fld>
             <a:endParaRPr lang="en-US"/>
           </a:p>
@@ -2330,7 +2329,7 @@
           <a:p>
             <a:fld id="{78C97017-6FC3-485B-9764-EAC9E56C1D49}" type="datetimeFigureOut">
               <a:rPr lang="en-US" smtClean="0"/>
-              <a:t>11/19/2016</a:t>
+              <a:t>3/15/2017</a:t>
             </a:fld>
             <a:endParaRPr lang="en-US"/>
           </a:p>
@@ -2433,10 +2432,9 @@
           </a:lstStyle>
           <a:p>
             <a:r>
-              <a:rPr lang="en-US" smtClean="0"/>
+              <a:rPr lang="en-US"/>
               <a:t>Click to edit Master title style</a:t>
             </a:r>
-            <a:endParaRPr lang="en-US"/>
           </a:p>
         </p:txBody>
       </p:sp>
@@ -2490,38 +2488,37 @@
           <a:p>
             <a:pPr lvl="0"/>
             <a:r>
-              <a:rPr lang="en-US" smtClean="0"/>
+              <a:rPr lang="en-US"/>
               <a:t>Click to edit Master text styles</a:t>
             </a:r>
           </a:p>
           <a:p>
             <a:pPr lvl="1"/>
             <a:r>
-              <a:rPr lang="en-US" smtClean="0"/>
+              <a:rPr lang="en-US"/>
               <a:t>Second level</a:t>
             </a:r>
           </a:p>
           <a:p>
             <a:pPr lvl="2"/>
             <a:r>
-              <a:rPr lang="en-US" smtClean="0"/>
+              <a:rPr lang="en-US"/>
               <a:t>Third level</a:t>
             </a:r>
           </a:p>
           <a:p>
             <a:pPr lvl="3"/>
             <a:r>
-              <a:rPr lang="en-US" smtClean="0"/>
+              <a:rPr lang="en-US"/>
               <a:t>Fourth level</a:t>
             </a:r>
           </a:p>
           <a:p>
             <a:pPr lvl="4"/>
             <a:r>
-              <a:rPr lang="en-US" smtClean="0"/>
+              <a:rPr lang="en-US"/>
               <a:t>Fifth level</a:t>
             </a:r>
-            <a:endParaRPr lang="en-US"/>
           </a:p>
         </p:txBody>
       </p:sp>
@@ -2584,7 +2581,7 @@
           <a:p>
             <a:pPr lvl="0"/>
             <a:r>
-              <a:rPr lang="en-US" smtClean="0"/>
+              <a:rPr lang="en-US"/>
               <a:t>Click to edit Master text styles</a:t>
             </a:r>
           </a:p>
@@ -2607,7 +2604,7 @@
           <a:p>
             <a:fld id="{78C97017-6FC3-485B-9764-EAC9E56C1D49}" type="datetimeFigureOut">
               <a:rPr lang="en-US" smtClean="0"/>
-              <a:t>11/19/2016</a:t>
+              <a:t>3/15/2017</a:t>
             </a:fld>
             <a:endParaRPr lang="en-US"/>
           </a:p>
@@ -2710,10 +2707,9 @@
           </a:lstStyle>
           <a:p>
             <a:r>
-              <a:rPr lang="en-US" smtClean="0"/>
+              <a:rPr lang="en-US"/>
               <a:t>Click to edit Master title style</a:t>
             </a:r>
-            <a:endParaRPr lang="en-US"/>
           </a:p>
         </p:txBody>
       </p:sp>
@@ -2837,7 +2833,7 @@
           <a:p>
             <a:pPr lvl="0"/>
             <a:r>
-              <a:rPr lang="en-US" smtClean="0"/>
+              <a:rPr lang="en-US"/>
               <a:t>Click to edit Master text styles</a:t>
             </a:r>
           </a:p>
@@ -2860,7 +2856,7 @@
           <a:p>
             <a:fld id="{78C97017-6FC3-485B-9764-EAC9E56C1D49}" type="datetimeFigureOut">
               <a:rPr lang="en-US" smtClean="0"/>
-              <a:t>11/19/2016</a:t>
+              <a:t>3/15/2017</a:t>
             </a:fld>
             <a:endParaRPr lang="en-US"/>
           </a:p>
@@ -2969,10 +2965,9 @@
           <a:lstStyle/>
           <a:p>
             <a:r>
-              <a:rPr lang="en-US" smtClean="0"/>
+              <a:rPr lang="en-US"/>
               <a:t>Click to edit Master title style</a:t>
             </a:r>
-            <a:endParaRPr lang="en-US"/>
           </a:p>
         </p:txBody>
       </p:sp>
@@ -3003,38 +2998,37 @@
           <a:p>
             <a:pPr lvl="0"/>
             <a:r>
-              <a:rPr lang="en-US" smtClean="0"/>
+              <a:rPr lang="en-US"/>
               <a:t>Click to edit Master text styles</a:t>
             </a:r>
           </a:p>
           <a:p>
             <a:pPr lvl="1"/>
             <a:r>
-              <a:rPr lang="en-US" smtClean="0"/>
+              <a:rPr lang="en-US"/>
               <a:t>Second level</a:t>
             </a:r>
           </a:p>
           <a:p>
             <a:pPr lvl="2"/>
             <a:r>
-              <a:rPr lang="en-US" smtClean="0"/>
+              <a:rPr lang="en-US"/>
               <a:t>Third level</a:t>
             </a:r>
           </a:p>
           <a:p>
             <a:pPr lvl="3"/>
             <a:r>
-              <a:rPr lang="en-US" smtClean="0"/>
+              <a:rPr lang="en-US"/>
               <a:t>Fourth level</a:t>
             </a:r>
           </a:p>
           <a:p>
             <a:pPr lvl="4"/>
             <a:r>
-              <a:rPr lang="en-US" smtClean="0"/>
+              <a:rPr lang="en-US"/>
               <a:t>Fifth level</a:t>
             </a:r>
-            <a:endParaRPr lang="en-US"/>
           </a:p>
         </p:txBody>
       </p:sp>
@@ -3073,7 +3067,7 @@
           <a:p>
             <a:fld id="{78C97017-6FC3-485B-9764-EAC9E56C1D49}" type="datetimeFigureOut">
               <a:rPr lang="en-US" smtClean="0"/>
-              <a:t>11/19/2016</a:t>
+              <a:t>3/15/2017</a:t>
             </a:fld>
             <a:endParaRPr lang="en-US"/>
           </a:p>
@@ -3457,7 +3451,7 @@
         <p:spPr>
           <a:xfrm>
             <a:off x="1119865" y="1727200"/>
-            <a:ext cx="7490735" cy="2997200"/>
+            <a:ext cx="7719335" cy="2997200"/>
           </a:xfrm>
           <a:prstGeom prst="roundRect">
             <a:avLst>
@@ -3494,7 +3488,7 @@
           <a:lstStyle/>
           <a:p>
             <a:r>
-              <a:rPr lang="en-US" sz="1200" b="1" dirty="0" smtClean="0">
+              <a:rPr lang="en-US" sz="1200" b="1" dirty="0">
                 <a:solidFill>
                   <a:srgbClr val="7030A0"/>
                 </a:solidFill>
@@ -3553,7 +3547,7 @@
           <a:p>
             <a:pPr algn="ctr"/>
             <a:r>
-              <a:rPr lang="en-US" sz="1050" dirty="0" err="1" smtClean="0">
+              <a:rPr lang="en-US" sz="1050" dirty="0" err="1">
                 <a:solidFill>
                   <a:schemeClr val="bg1"/>
                 </a:solidFill>
@@ -3612,7 +3606,7 @@
           <a:p>
             <a:pPr algn="ctr"/>
             <a:r>
-              <a:rPr lang="en-US" sz="1050" dirty="0" err="1" smtClean="0">
+              <a:rPr lang="en-US" sz="1050" dirty="0" err="1">
                 <a:solidFill>
                   <a:schemeClr val="bg1"/>
                 </a:solidFill>
@@ -3767,7 +3761,7 @@
           <a:p>
             <a:pPr algn="ctr"/>
             <a:r>
-              <a:rPr lang="en-US" sz="1050" dirty="0" smtClean="0">
+              <a:rPr lang="en-US" sz="1050" dirty="0">
                 <a:solidFill>
                   <a:schemeClr val="bg1"/>
                 </a:solidFill>
@@ -4091,12 +4085,12 @@
           <a:p>
             <a:pPr algn="ctr"/>
             <a:r>
-              <a:rPr lang="en-US" sz="1050" dirty="0" err="1" smtClean="0">
+              <a:rPr lang="en-US" sz="1050" dirty="0" err="1">
                 <a:solidFill>
                   <a:srgbClr val="7030A0"/>
                 </a:solidFill>
               </a:rPr>
-              <a:t>AddressBook</a:t>
+              <a:t>TaskBook</a:t>
             </a:r>
             <a:endParaRPr lang="en-SG" sz="1050" dirty="0">
               <a:solidFill>
@@ -4233,12 +4227,12 @@
           <a:p>
             <a:pPr algn="ctr"/>
             <a:r>
-              <a:rPr lang="en-US" sz="1050" dirty="0" err="1" smtClean="0">
+              <a:rPr lang="en-US" sz="1050" dirty="0" err="1">
                 <a:solidFill>
                   <a:srgbClr val="7030A0"/>
                 </a:solidFill>
               </a:rPr>
-              <a:t>UniquePersonList</a:t>
+              <a:t>UniqueTaskList</a:t>
             </a:r>
             <a:endParaRPr lang="en-SG" sz="1050" dirty="0">
               <a:solidFill>
@@ -4377,7 +4371,7 @@
           <a:p>
             <a:pPr algn="ctr"/>
             <a:r>
-              <a:rPr lang="en-US" sz="1050" dirty="0" err="1" smtClean="0">
+              <a:rPr lang="en-US" sz="1050" dirty="0" err="1">
                 <a:solidFill>
                   <a:srgbClr val="7030A0"/>
                 </a:solidFill>
@@ -4476,12 +4470,12 @@
           <a:p>
             <a:pPr algn="ctr"/>
             <a:r>
-              <a:rPr lang="en-US" sz="1050" dirty="0" smtClean="0">
+              <a:rPr lang="en-US" sz="1050" dirty="0">
                 <a:solidFill>
                   <a:srgbClr val="7030A0"/>
                 </a:solidFill>
               </a:rPr>
-              <a:t>Person</a:t>
+              <a:t>Task</a:t>
             </a:r>
             <a:endParaRPr lang="en-SG" sz="1050" dirty="0">
               <a:solidFill>
@@ -4618,7 +4612,7 @@
           <a:p>
             <a:pPr algn="ctr"/>
             <a:r>
-              <a:rPr lang="en-US" sz="1050" dirty="0" smtClean="0">
+              <a:rPr lang="en-US" sz="1050" dirty="0">
                 <a:solidFill>
                   <a:srgbClr val="7030A0"/>
                 </a:solidFill>
@@ -4760,7 +4754,7 @@
           <a:p>
             <a:pPr algn="ctr"/>
             <a:r>
-              <a:rPr lang="en-US" sz="1050" dirty="0" smtClean="0">
+              <a:rPr lang="en-US" sz="1050" dirty="0">
                 <a:solidFill>
                   <a:srgbClr val="7030A0"/>
                 </a:solidFill>
@@ -4768,19 +4762,19 @@
               <a:t>&lt;&lt;interface&gt;&gt;</a:t>
             </a:r>
             <a:br>
-              <a:rPr lang="en-US" sz="1050" dirty="0" smtClean="0">
+              <a:rPr lang="en-US" sz="1050" dirty="0">
                 <a:solidFill>
                   <a:srgbClr val="7030A0"/>
                 </a:solidFill>
               </a:rPr>
             </a:br>
             <a:r>
-              <a:rPr lang="en-US" sz="1050" dirty="0" err="1" smtClean="0">
+              <a:rPr lang="en-US" sz="1050" dirty="0" err="1">
                 <a:solidFill>
                   <a:srgbClr val="7030A0"/>
                 </a:solidFill>
               </a:rPr>
-              <a:t>ReadOnlyPerson</a:t>
+              <a:t>ReadOnlyTask</a:t>
             </a:r>
             <a:endParaRPr lang="en-SG" sz="1050" dirty="0">
               <a:solidFill>
@@ -4798,8 +4792,8 @@
         </p:nvSpPr>
         <p:spPr>
           <a:xfrm>
-            <a:off x="7712397" y="2564238"/>
-            <a:ext cx="708186" cy="285783"/>
+            <a:off x="7712396" y="2564238"/>
+            <a:ext cx="1050560" cy="285783"/>
           </a:xfrm>
           <a:prstGeom prst="rect">
             <a:avLst/>
@@ -4831,7 +4825,7 @@
           <a:p>
             <a:pPr algn="ctr"/>
             <a:r>
-              <a:rPr lang="en-US" sz="1050" dirty="0" smtClean="0">
+              <a:rPr lang="en-US" sz="1050" dirty="0">
                 <a:solidFill>
                   <a:srgbClr val="7030A0"/>
                 </a:solidFill>
@@ -4897,6 +4891,7 @@
         <p:nvCxnSpPr>
           <p:cNvPr id="79" name="Elbow Connector 78"/>
           <p:cNvCxnSpPr>
+            <a:cxnSpLocks/>
             <a:stCxn id="78" idx="3"/>
             <a:endCxn id="76" idx="1"/>
           </p:cNvCxnSpPr>
@@ -4905,7 +4900,7 @@
         <p:spPr>
           <a:xfrm flipV="1">
             <a:off x="7277995" y="2707130"/>
-            <a:ext cx="434402" cy="327761"/>
+            <a:ext cx="434401" cy="327761"/>
           </a:xfrm>
           <a:prstGeom prst="bentConnector3">
             <a:avLst/>
@@ -4942,8 +4937,8 @@
         </p:nvSpPr>
         <p:spPr>
           <a:xfrm>
-            <a:off x="7712397" y="2887216"/>
-            <a:ext cx="708186" cy="285783"/>
+            <a:off x="7712396" y="2887216"/>
+            <a:ext cx="1050560" cy="285783"/>
           </a:xfrm>
           <a:prstGeom prst="rect">
             <a:avLst/>
@@ -4975,12 +4970,12 @@
           <a:p>
             <a:pPr algn="ctr"/>
             <a:r>
-              <a:rPr lang="en-US" sz="1050" dirty="0" smtClean="0">
+              <a:rPr lang="en-US" sz="1050" dirty="0">
                 <a:solidFill>
                   <a:srgbClr val="7030A0"/>
                 </a:solidFill>
               </a:rPr>
-              <a:t>Phone</a:t>
+              <a:t>Description</a:t>
             </a:r>
             <a:endParaRPr lang="en-SG" sz="1050" dirty="0">
               <a:solidFill>
@@ -4994,6 +4989,7 @@
         <p:nvCxnSpPr>
           <p:cNvPr id="81" name="Elbow Connector 80"/>
           <p:cNvCxnSpPr>
+            <a:cxnSpLocks/>
             <a:stCxn id="78" idx="3"/>
             <a:endCxn id="80" idx="1"/>
           </p:cNvCxnSpPr>
@@ -5002,7 +4998,7 @@
         <p:spPr>
           <a:xfrm flipV="1">
             <a:off x="7277995" y="3030108"/>
-            <a:ext cx="434402" cy="4783"/>
+            <a:ext cx="434401" cy="4783"/>
           </a:xfrm>
           <a:prstGeom prst="bentConnector3">
             <a:avLst/>
@@ -5039,8 +5035,8 @@
         </p:nvSpPr>
         <p:spPr>
           <a:xfrm>
-            <a:off x="7712397" y="3210194"/>
-            <a:ext cx="708186" cy="285783"/>
+            <a:off x="7712396" y="3210194"/>
+            <a:ext cx="1050560" cy="285783"/>
           </a:xfrm>
           <a:prstGeom prst="rect">
             <a:avLst/>
@@ -5072,12 +5068,20 @@
           <a:p>
             <a:pPr algn="ctr"/>
             <a:r>
-              <a:rPr lang="en-US" sz="1050" dirty="0" smtClean="0">
+              <a:rPr lang="en-US" sz="1050" dirty="0">
                 <a:solidFill>
                   <a:srgbClr val="7030A0"/>
                 </a:solidFill>
               </a:rPr>
-              <a:t>Email</a:t>
+              <a:t>Start </a:t>
+            </a:r>
+            <a:r>
+              <a:rPr lang="en-US" sz="1050" dirty="0" err="1">
+                <a:solidFill>
+                  <a:srgbClr val="7030A0"/>
+                </a:solidFill>
+              </a:rPr>
+              <a:t>DateTime</a:t>
             </a:r>
             <a:endParaRPr lang="en-SG" sz="1050" dirty="0">
               <a:solidFill>
@@ -5091,6 +5095,7 @@
         <p:nvCxnSpPr>
           <p:cNvPr id="84" name="Elbow Connector 83"/>
           <p:cNvCxnSpPr>
+            <a:cxnSpLocks/>
             <a:stCxn id="78" idx="3"/>
             <a:endCxn id="83" idx="1"/>
           </p:cNvCxnSpPr>
@@ -5099,7 +5104,7 @@
         <p:spPr>
           <a:xfrm>
             <a:off x="7277995" y="3034891"/>
-            <a:ext cx="434402" cy="318195"/>
+            <a:ext cx="434401" cy="318195"/>
           </a:xfrm>
           <a:prstGeom prst="bentConnector3">
             <a:avLst/>
@@ -5136,8 +5141,8 @@
         </p:nvSpPr>
         <p:spPr>
           <a:xfrm>
-            <a:off x="7712397" y="3533171"/>
-            <a:ext cx="708186" cy="285783"/>
+            <a:off x="7712396" y="3533171"/>
+            <a:ext cx="1050560" cy="285783"/>
           </a:xfrm>
           <a:prstGeom prst="rect">
             <a:avLst/>
@@ -5169,12 +5174,20 @@
           <a:p>
             <a:pPr algn="ctr"/>
             <a:r>
-              <a:rPr lang="en-US" sz="1050" dirty="0" smtClean="0">
+              <a:rPr lang="en-US" sz="1050" dirty="0">
                 <a:solidFill>
                   <a:srgbClr val="7030A0"/>
                 </a:solidFill>
               </a:rPr>
-              <a:t>Address</a:t>
+              <a:t>End </a:t>
+            </a:r>
+            <a:r>
+              <a:rPr lang="en-US" sz="1050" dirty="0" err="1">
+                <a:solidFill>
+                  <a:srgbClr val="7030A0"/>
+                </a:solidFill>
+              </a:rPr>
+              <a:t>DateTime</a:t>
             </a:r>
             <a:endParaRPr lang="en-SG" sz="1050" dirty="0">
               <a:solidFill>
@@ -5188,6 +5201,7 @@
         <p:nvCxnSpPr>
           <p:cNvPr id="86" name="Elbow Connector 85"/>
           <p:cNvCxnSpPr>
+            <a:cxnSpLocks/>
             <a:stCxn id="78" idx="3"/>
             <a:endCxn id="85" idx="1"/>
           </p:cNvCxnSpPr>
@@ -5196,7 +5210,7 @@
         <p:spPr>
           <a:xfrm>
             <a:off x="7277995" y="3034891"/>
-            <a:ext cx="434402" cy="641172"/>
+            <a:ext cx="434401" cy="641172"/>
           </a:xfrm>
           <a:prstGeom prst="bentConnector3">
             <a:avLst/>
@@ -5357,7 +5371,7 @@
           <a:p>
             <a:pPr algn="ctr"/>
             <a:r>
-              <a:rPr lang="en-US" sz="1050" dirty="0" smtClean="0">
+              <a:rPr lang="en-US" sz="1050" dirty="0">
                 <a:solidFill>
                   <a:srgbClr val="7030A0"/>
                 </a:solidFill>
@@ -5365,19 +5379,19 @@
               <a:t>&lt;&lt;interface&gt;&gt;</a:t>
             </a:r>
             <a:br>
-              <a:rPr lang="en-US" sz="1050" dirty="0" smtClean="0">
+              <a:rPr lang="en-US" sz="1050" dirty="0">
                 <a:solidFill>
                   <a:srgbClr val="7030A0"/>
                 </a:solidFill>
               </a:rPr>
             </a:br>
             <a:r>
-              <a:rPr lang="en-US" sz="1050" dirty="0" err="1" smtClean="0">
+              <a:rPr lang="en-US" sz="1050" dirty="0" err="1">
                 <a:solidFill>
                   <a:srgbClr val="7030A0"/>
                 </a:solidFill>
               </a:rPr>
-              <a:t>ReadOnlyAddressBook</a:t>
+              <a:t>ReadOnlyTaskBook</a:t>
             </a:r>
             <a:endParaRPr lang="en-SG" sz="1050" dirty="0">
               <a:solidFill>
@@ -5411,7 +5425,7 @@
           <a:p>
             <a:pPr algn="r"/>
             <a:r>
-              <a:rPr lang="en-US" sz="1100" dirty="0" smtClean="0">
+              <a:rPr lang="en-US" sz="1100" dirty="0">
                 <a:solidFill>
                   <a:srgbClr val="7030A0"/>
                 </a:solidFill>
@@ -5467,20 +5481,12 @@
           <a:p>
             <a:pPr algn="ctr"/>
             <a:r>
-              <a:rPr lang="en-US" sz="1050" dirty="0" smtClean="0">
+              <a:rPr lang="en-US" sz="1050" dirty="0">
                 <a:solidFill>
                   <a:srgbClr val="7030A0"/>
                 </a:solidFill>
               </a:rPr>
               <a:t>&lt;&lt;interface&gt;&gt;</a:t>
-            </a:r>
-            <a:r>
-              <a:rPr lang="en-US" sz="1050" dirty="0">
-                <a:solidFill>
-                  <a:srgbClr val="7030A0"/>
-                </a:solidFill>
-              </a:rPr>
-              <a:t/>
             </a:r>
             <a:br>
               <a:rPr lang="en-US" sz="1050" dirty="0">
@@ -5490,7 +5496,7 @@
               </a:rPr>
             </a:br>
             <a:r>
-              <a:rPr lang="en-US" sz="1050" dirty="0" err="1" smtClean="0">
+              <a:rPr lang="en-US" sz="1050" dirty="0" err="1">
                 <a:solidFill>
                   <a:srgbClr val="7030A0"/>
                 </a:solidFill>
@@ -5612,7 +5618,7 @@
           <a:p>
             <a:pPr algn="ctr"/>
             <a:r>
-              <a:rPr lang="en-US" sz="1100" dirty="0" smtClean="0">
+              <a:rPr lang="en-US" sz="1100" dirty="0">
                 <a:solidFill>
                   <a:srgbClr val="7030A0"/>
                 </a:solidFill>
@@ -5651,7 +5657,7 @@
           <a:p>
             <a:pPr algn="ctr"/>
             <a:r>
-              <a:rPr lang="en-US" sz="1100" dirty="0" smtClean="0">
+              <a:rPr lang="en-US" sz="1100" dirty="0">
                 <a:solidFill>
                   <a:srgbClr val="7030A0"/>
                 </a:solidFill>
@@ -5690,7 +5696,7 @@
           <a:p>
             <a:pPr algn="ctr"/>
             <a:r>
-              <a:rPr lang="en-US" sz="1100" dirty="0" smtClean="0">
+              <a:rPr lang="en-US" sz="1100" dirty="0">
                 <a:solidFill>
                   <a:srgbClr val="7030A0"/>
                 </a:solidFill>
@@ -5729,7 +5735,7 @@
           <a:p>
             <a:pPr algn="ctr"/>
             <a:r>
-              <a:rPr lang="en-US" sz="1100" dirty="0" smtClean="0">
+              <a:rPr lang="en-US" sz="1100" dirty="0">
                 <a:solidFill>
                   <a:srgbClr val="7030A0"/>
                 </a:solidFill>
@@ -5768,7 +5774,7 @@
           <a:p>
             <a:pPr algn="ctr"/>
             <a:r>
-              <a:rPr lang="en-US" sz="1100" dirty="0" smtClean="0">
+              <a:rPr lang="en-US" sz="1100" dirty="0">
                 <a:solidFill>
                   <a:srgbClr val="7030A0"/>
                 </a:solidFill>
@@ -5807,7 +5813,7 @@
           <a:p>
             <a:pPr algn="ctr"/>
             <a:r>
-              <a:rPr lang="en-US" sz="1100" dirty="0" smtClean="0">
+              <a:rPr lang="en-US" sz="1100" dirty="0">
                 <a:solidFill>
                   <a:srgbClr val="7030A0"/>
                 </a:solidFill>
@@ -5846,7 +5852,7 @@
           <a:p>
             <a:pPr algn="ctr"/>
             <a:r>
-              <a:rPr lang="en-US" sz="1100" dirty="0" smtClean="0">
+              <a:rPr lang="en-US" sz="1100" dirty="0">
                 <a:solidFill>
                   <a:srgbClr val="7030A0"/>
                 </a:solidFill>
@@ -5885,7 +5891,7 @@
           <a:p>
             <a:pPr algn="ctr"/>
             <a:r>
-              <a:rPr lang="en-US" sz="1100" dirty="0" smtClean="0">
+              <a:rPr lang="en-US" sz="1100" dirty="0">
                 <a:solidFill>
                   <a:srgbClr val="7030A0"/>
                 </a:solidFill>
@@ -5910,13 +5916,6 @@
   <p:clrMapOvr>
     <a:masterClrMapping/>
   </p:clrMapOvr>
-  <p:timing>
-    <p:tnLst>
-      <p:par>
-        <p:cTn id="1" dur="indefinite" restart="never" nodeType="tmRoot"/>
-      </p:par>
-    </p:tnLst>
-  </p:timing>
 </p:sld>
 </file>
 

--- a/docs/diagrams/ModelComponentClassDiagram.pptx
+++ b/docs/diagrams/ModelComponentClassDiagram.pptx
@@ -107,6 +107,22 @@
       </a:defRPr>
     </a:lvl9pPr>
   </p:defaultTextStyle>
+  <p:extLst>
+    <p:ext uri="{EFAFB233-063F-42B5-8137-9DF3F51BA10A}">
+      <p15:sldGuideLst xmlns:p15="http://schemas.microsoft.com/office/powerpoint/2012/main">
+        <p15:guide id="1" orient="horz" pos="1488">
+          <p15:clr>
+            <a:srgbClr val="A4A3A4"/>
+          </p15:clr>
+        </p15:guide>
+        <p15:guide id="2" pos="2880">
+          <p15:clr>
+            <a:srgbClr val="A4A3A4"/>
+          </p15:clr>
+        </p15:guide>
+      </p15:sldGuideLst>
+    </p:ext>
+  </p:extLst>
 </p:presentation>
 </file>
 
@@ -192,7 +208,7 @@
           <a:p>
             <a:fld id="{F5CC4B3F-88C1-4FFA-B1B6-F41C21DC6924}" type="datetimeFigureOut">
               <a:rPr lang="en-US" smtClean="0"/>
-              <a:t>11/19/2016</a:t>
+              <a:t>3/15/2017</a:t>
             </a:fld>
             <a:endParaRPr lang="en-US"/>
           </a:p>
@@ -641,7 +657,7 @@
           <a:p>
             <a:fld id="{78C97017-6FC3-485B-9764-EAC9E56C1D49}" type="datetimeFigureOut">
               <a:rPr lang="en-US" smtClean="0"/>
-              <a:t>11/19/2016</a:t>
+              <a:t>3/15/2017</a:t>
             </a:fld>
             <a:endParaRPr lang="en-US"/>
           </a:p>
@@ -811,7 +827,7 @@
           <a:p>
             <a:fld id="{78C97017-6FC3-485B-9764-EAC9E56C1D49}" type="datetimeFigureOut">
               <a:rPr lang="en-US" smtClean="0"/>
-              <a:t>11/19/2016</a:t>
+              <a:t>3/15/2017</a:t>
             </a:fld>
             <a:endParaRPr lang="en-US"/>
           </a:p>
@@ -991,7 +1007,7 @@
           <a:p>
             <a:fld id="{78C97017-6FC3-485B-9764-EAC9E56C1D49}" type="datetimeFigureOut">
               <a:rPr lang="en-US" smtClean="0"/>
-              <a:t>11/19/2016</a:t>
+              <a:t>3/15/2017</a:t>
             </a:fld>
             <a:endParaRPr lang="en-US"/>
           </a:p>
@@ -1161,7 +1177,7 @@
           <a:p>
             <a:fld id="{78C97017-6FC3-485B-9764-EAC9E56C1D49}" type="datetimeFigureOut">
               <a:rPr lang="en-US" smtClean="0"/>
-              <a:t>11/19/2016</a:t>
+              <a:t>3/15/2017</a:t>
             </a:fld>
             <a:endParaRPr lang="en-US"/>
           </a:p>
@@ -1407,7 +1423,7 @@
           <a:p>
             <a:fld id="{78C97017-6FC3-485B-9764-EAC9E56C1D49}" type="datetimeFigureOut">
               <a:rPr lang="en-US" smtClean="0"/>
-              <a:t>11/19/2016</a:t>
+              <a:t>3/15/2017</a:t>
             </a:fld>
             <a:endParaRPr lang="en-US"/>
           </a:p>
@@ -1695,7 +1711,7 @@
           <a:p>
             <a:fld id="{78C97017-6FC3-485B-9764-EAC9E56C1D49}" type="datetimeFigureOut">
               <a:rPr lang="en-US" smtClean="0"/>
-              <a:t>11/19/2016</a:t>
+              <a:t>3/15/2017</a:t>
             </a:fld>
             <a:endParaRPr lang="en-US"/>
           </a:p>
@@ -2117,7 +2133,7 @@
           <a:p>
             <a:fld id="{78C97017-6FC3-485B-9764-EAC9E56C1D49}" type="datetimeFigureOut">
               <a:rPr lang="en-US" smtClean="0"/>
-              <a:t>11/19/2016</a:t>
+              <a:t>3/15/2017</a:t>
             </a:fld>
             <a:endParaRPr lang="en-US"/>
           </a:p>
@@ -2235,7 +2251,7 @@
           <a:p>
             <a:fld id="{78C97017-6FC3-485B-9764-EAC9E56C1D49}" type="datetimeFigureOut">
               <a:rPr lang="en-US" smtClean="0"/>
-              <a:t>11/19/2016</a:t>
+              <a:t>3/15/2017</a:t>
             </a:fld>
             <a:endParaRPr lang="en-US"/>
           </a:p>
@@ -2330,7 +2346,7 @@
           <a:p>
             <a:fld id="{78C97017-6FC3-485B-9764-EAC9E56C1D49}" type="datetimeFigureOut">
               <a:rPr lang="en-US" smtClean="0"/>
-              <a:t>11/19/2016</a:t>
+              <a:t>3/15/2017</a:t>
             </a:fld>
             <a:endParaRPr lang="en-US"/>
           </a:p>
@@ -2607,7 +2623,7 @@
           <a:p>
             <a:fld id="{78C97017-6FC3-485B-9764-EAC9E56C1D49}" type="datetimeFigureOut">
               <a:rPr lang="en-US" smtClean="0"/>
-              <a:t>11/19/2016</a:t>
+              <a:t>3/15/2017</a:t>
             </a:fld>
             <a:endParaRPr lang="en-US"/>
           </a:p>
@@ -2860,7 +2876,7 @@
           <a:p>
             <a:fld id="{78C97017-6FC3-485B-9764-EAC9E56C1D49}" type="datetimeFigureOut">
               <a:rPr lang="en-US" smtClean="0"/>
-              <a:t>11/19/2016</a:t>
+              <a:t>3/15/2017</a:t>
             </a:fld>
             <a:endParaRPr lang="en-US"/>
           </a:p>
@@ -3073,7 +3089,7 @@
           <a:p>
             <a:fld id="{78C97017-6FC3-485B-9764-EAC9E56C1D49}" type="datetimeFigureOut">
               <a:rPr lang="en-US" smtClean="0"/>
-              <a:t>11/19/2016</a:t>
+              <a:t>3/15/2017</a:t>
             </a:fld>
             <a:endParaRPr lang="en-US"/>
           </a:p>
@@ -3457,7 +3473,7 @@
         <p:spPr>
           <a:xfrm>
             <a:off x="1119865" y="1727200"/>
-            <a:ext cx="7490735" cy="2997200"/>
+            <a:ext cx="7719335" cy="2997200"/>
           </a:xfrm>
           <a:prstGeom prst="roundRect">
             <a:avLst>
@@ -4096,7 +4112,15 @@
                   <a:srgbClr val="7030A0"/>
                 </a:solidFill>
               </a:rPr>
-              <a:t>AddressBook</a:t>
+              <a:t>T</a:t>
+            </a:r>
+            <a:r>
+              <a:rPr lang="en-US" altLang="zh-CN" sz="1050" dirty="0" err="1" smtClean="0">
+                <a:solidFill>
+                  <a:srgbClr val="7030A0"/>
+                </a:solidFill>
+              </a:rPr>
+              <a:t>odoList</a:t>
             </a:r>
             <a:endParaRPr lang="en-SG" sz="1050" dirty="0">
               <a:solidFill>
@@ -4238,7 +4262,7 @@
                   <a:srgbClr val="7030A0"/>
                 </a:solidFill>
               </a:rPr>
-              <a:t>UniquePersonList</a:t>
+              <a:t>UniqueTaskList</a:t>
             </a:r>
             <a:endParaRPr lang="en-SG" sz="1050" dirty="0">
               <a:solidFill>
@@ -4481,7 +4505,7 @@
                   <a:srgbClr val="7030A0"/>
                 </a:solidFill>
               </a:rPr>
-              <a:t>Person</a:t>
+              <a:t>Task</a:t>
             </a:r>
             <a:endParaRPr lang="en-SG" sz="1050" dirty="0">
               <a:solidFill>
@@ -4780,7 +4804,7 @@
                   <a:srgbClr val="7030A0"/>
                 </a:solidFill>
               </a:rPr>
-              <a:t>ReadOnlyPerson</a:t>
+              <a:t>ReadOnlyTask</a:t>
             </a:r>
             <a:endParaRPr lang="en-SG" sz="1050" dirty="0">
               <a:solidFill>
@@ -4798,8 +4822,8 @@
         </p:nvSpPr>
         <p:spPr>
           <a:xfrm>
-            <a:off x="7712397" y="2564238"/>
-            <a:ext cx="708186" cy="285783"/>
+            <a:off x="7712396" y="2564238"/>
+            <a:ext cx="855459" cy="285783"/>
           </a:xfrm>
           <a:prstGeom prst="rect">
             <a:avLst/>
@@ -4836,7 +4860,7 @@
                   <a:srgbClr val="7030A0"/>
                 </a:solidFill>
               </a:rPr>
-              <a:t>Name</a:t>
+              <a:t>Description</a:t>
             </a:r>
             <a:endParaRPr lang="en-SG" sz="1050" dirty="0">
               <a:solidFill>
@@ -4905,7 +4929,7 @@
         <p:spPr>
           <a:xfrm flipV="1">
             <a:off x="7277995" y="2707130"/>
-            <a:ext cx="434402" cy="327761"/>
+            <a:ext cx="434401" cy="327761"/>
           </a:xfrm>
           <a:prstGeom prst="bentConnector3">
             <a:avLst/>
@@ -4942,8 +4966,8 @@
         </p:nvSpPr>
         <p:spPr>
           <a:xfrm>
-            <a:off x="7712397" y="2887216"/>
-            <a:ext cx="708186" cy="285783"/>
+            <a:off x="7712396" y="2887216"/>
+            <a:ext cx="855459" cy="285783"/>
           </a:xfrm>
           <a:prstGeom prst="rect">
             <a:avLst/>
@@ -4980,7 +5004,7 @@
                   <a:srgbClr val="7030A0"/>
                 </a:solidFill>
               </a:rPr>
-              <a:t>Phone</a:t>
+              <a:t>Priority</a:t>
             </a:r>
             <a:endParaRPr lang="en-SG" sz="1050" dirty="0">
               <a:solidFill>
@@ -5002,7 +5026,7 @@
         <p:spPr>
           <a:xfrm flipV="1">
             <a:off x="7277995" y="3030108"/>
-            <a:ext cx="434402" cy="4783"/>
+            <a:ext cx="434401" cy="4783"/>
           </a:xfrm>
           <a:prstGeom prst="bentConnector3">
             <a:avLst/>
@@ -5039,8 +5063,8 @@
         </p:nvSpPr>
         <p:spPr>
           <a:xfrm>
-            <a:off x="7712397" y="3210194"/>
-            <a:ext cx="708186" cy="285783"/>
+            <a:off x="7712396" y="3210194"/>
+            <a:ext cx="855459" cy="285783"/>
           </a:xfrm>
           <a:prstGeom prst="rect">
             <a:avLst/>
@@ -5072,12 +5096,12 @@
           <a:p>
             <a:pPr algn="ctr"/>
             <a:r>
-              <a:rPr lang="en-US" sz="1050" dirty="0" smtClean="0">
+              <a:rPr lang="en-US" sz="1050" dirty="0" err="1" smtClean="0">
                 <a:solidFill>
                   <a:srgbClr val="7030A0"/>
                 </a:solidFill>
               </a:rPr>
-              <a:t>Email</a:t>
+              <a:t>FinishStatus</a:t>
             </a:r>
             <a:endParaRPr lang="en-SG" sz="1050" dirty="0">
               <a:solidFill>
@@ -5099,104 +5123,7 @@
         <p:spPr>
           <a:xfrm>
             <a:off x="7277995" y="3034891"/>
-            <a:ext cx="434402" cy="318195"/>
-          </a:xfrm>
-          <a:prstGeom prst="bentConnector3">
-            <a:avLst/>
-          </a:prstGeom>
-          <a:ln w="19050">
-            <a:solidFill>
-              <a:srgbClr val="7030A0"/>
-            </a:solidFill>
-            <a:headEnd type="none" w="med" len="med"/>
-            <a:tailEnd type="arrow" w="med" len="med"/>
-          </a:ln>
-          <a:effectLst/>
-        </p:spPr>
-        <p:style>
-          <a:lnRef idx="1">
-            <a:schemeClr val="accent2"/>
-          </a:lnRef>
-          <a:fillRef idx="2">
-            <a:schemeClr val="accent2"/>
-          </a:fillRef>
-          <a:effectRef idx="1">
-            <a:schemeClr val="accent2"/>
-          </a:effectRef>
-          <a:fontRef idx="minor">
-            <a:schemeClr val="dk1"/>
-          </a:fontRef>
-        </p:style>
-      </p:cxnSp>
-      <p:sp>
-        <p:nvSpPr>
-          <p:cNvPr id="85" name="Rectangle 8"/>
-          <p:cNvSpPr/>
-          <p:nvPr/>
-        </p:nvSpPr>
-        <p:spPr>
-          <a:xfrm>
-            <a:off x="7712397" y="3533171"/>
-            <a:ext cx="708186" cy="285783"/>
-          </a:xfrm>
-          <a:prstGeom prst="rect">
-            <a:avLst/>
-          </a:prstGeom>
-          <a:ln w="19050">
-            <a:solidFill>
-              <a:srgbClr val="7030A0"/>
-            </a:solidFill>
-          </a:ln>
-          <a:effectLst/>
-        </p:spPr>
-        <p:style>
-          <a:lnRef idx="1">
-            <a:schemeClr val="accent4"/>
-          </a:lnRef>
-          <a:fillRef idx="2">
-            <a:schemeClr val="accent4"/>
-          </a:fillRef>
-          <a:effectRef idx="1">
-            <a:schemeClr val="accent4"/>
-          </a:effectRef>
-          <a:fontRef idx="minor">
-            <a:schemeClr val="dk1"/>
-          </a:fontRef>
-        </p:style>
-        <p:txBody>
-          <a:bodyPr rtlCol="0" anchor="ctr"/>
-          <a:lstStyle/>
-          <a:p>
-            <a:pPr algn="ctr"/>
-            <a:r>
-              <a:rPr lang="en-US" sz="1050" dirty="0" smtClean="0">
-                <a:solidFill>
-                  <a:srgbClr val="7030A0"/>
-                </a:solidFill>
-              </a:rPr>
-              <a:t>Address</a:t>
-            </a:r>
-            <a:endParaRPr lang="en-SG" sz="1050" dirty="0">
-              <a:solidFill>
-                <a:srgbClr val="7030A0"/>
-              </a:solidFill>
-            </a:endParaRPr>
-          </a:p>
-        </p:txBody>
-      </p:sp>
-      <p:cxnSp>
-        <p:nvCxnSpPr>
-          <p:cNvPr id="86" name="Elbow Connector 85"/>
-          <p:cNvCxnSpPr>
-            <a:stCxn id="78" idx="3"/>
-            <a:endCxn id="85" idx="1"/>
-          </p:cNvCxnSpPr>
-          <p:nvPr/>
-        </p:nvCxnSpPr>
-        <p:spPr>
-          <a:xfrm>
-            <a:off x="7277995" y="3034891"/>
-            <a:ext cx="434402" cy="641172"/>
+            <a:ext cx="434401" cy="318195"/>
           </a:xfrm>
           <a:prstGeom prst="bentConnector3">
             <a:avLst/>
@@ -5377,7 +5304,7 @@
                   <a:srgbClr val="7030A0"/>
                 </a:solidFill>
               </a:rPr>
-              <a:t>ReadOnlyAddressBook</a:t>
+              <a:t>ReadOnlyTodoList</a:t>
             </a:r>
             <a:endParaRPr lang="en-SG" sz="1050" dirty="0">
               <a:solidFill>

--- a/docs/diagrams/ModelComponentClassDiagram.pptx
+++ b/docs/diagrams/ModelComponentClassDiagram.pptx
@@ -208,7 +208,7 @@
           <a:p>
             <a:fld id="{F5CC4B3F-88C1-4FFA-B1B6-F41C21DC6924}" type="datetimeFigureOut">
               <a:rPr lang="en-US" smtClean="0"/>
-              <a:t>3/7/2017</a:t>
+              <a:t>3/16/17</a:t>
             </a:fld>
             <a:endParaRPr lang="en-US"/>
           </a:p>
@@ -654,7 +654,7 @@
           <a:p>
             <a:fld id="{78C97017-6FC3-485B-9764-EAC9E56C1D49}" type="datetimeFigureOut">
               <a:rPr lang="en-US" smtClean="0"/>
-              <a:t>3/7/2017</a:t>
+              <a:t>3/16/17</a:t>
             </a:fld>
             <a:endParaRPr lang="en-US"/>
           </a:p>
@@ -822,7 +822,7 @@
           <a:p>
             <a:fld id="{78C97017-6FC3-485B-9764-EAC9E56C1D49}" type="datetimeFigureOut">
               <a:rPr lang="en-US" smtClean="0"/>
-              <a:t>3/7/2017</a:t>
+              <a:t>3/16/17</a:t>
             </a:fld>
             <a:endParaRPr lang="en-US"/>
           </a:p>
@@ -1000,7 +1000,7 @@
           <a:p>
             <a:fld id="{78C97017-6FC3-485B-9764-EAC9E56C1D49}" type="datetimeFigureOut">
               <a:rPr lang="en-US" smtClean="0"/>
-              <a:t>3/7/2017</a:t>
+              <a:t>3/16/17</a:t>
             </a:fld>
             <a:endParaRPr lang="en-US"/>
           </a:p>
@@ -1168,7 +1168,7 @@
           <a:p>
             <a:fld id="{78C97017-6FC3-485B-9764-EAC9E56C1D49}" type="datetimeFigureOut">
               <a:rPr lang="en-US" smtClean="0"/>
-              <a:t>3/7/2017</a:t>
+              <a:t>3/16/17</a:t>
             </a:fld>
             <a:endParaRPr lang="en-US"/>
           </a:p>
@@ -1413,7 +1413,7 @@
           <a:p>
             <a:fld id="{78C97017-6FC3-485B-9764-EAC9E56C1D49}" type="datetimeFigureOut">
               <a:rPr lang="en-US" smtClean="0"/>
-              <a:t>3/7/2017</a:t>
+              <a:t>3/16/17</a:t>
             </a:fld>
             <a:endParaRPr lang="en-US"/>
           </a:p>
@@ -1698,7 +1698,7 @@
           <a:p>
             <a:fld id="{78C97017-6FC3-485B-9764-EAC9E56C1D49}" type="datetimeFigureOut">
               <a:rPr lang="en-US" smtClean="0"/>
-              <a:t>3/7/2017</a:t>
+              <a:t>3/16/17</a:t>
             </a:fld>
             <a:endParaRPr lang="en-US"/>
           </a:p>
@@ -2117,7 +2117,7 @@
           <a:p>
             <a:fld id="{78C97017-6FC3-485B-9764-EAC9E56C1D49}" type="datetimeFigureOut">
               <a:rPr lang="en-US" smtClean="0"/>
-              <a:t>3/7/2017</a:t>
+              <a:t>3/16/17</a:t>
             </a:fld>
             <a:endParaRPr lang="en-US"/>
           </a:p>
@@ -2234,7 +2234,7 @@
           <a:p>
             <a:fld id="{78C97017-6FC3-485B-9764-EAC9E56C1D49}" type="datetimeFigureOut">
               <a:rPr lang="en-US" smtClean="0"/>
-              <a:t>3/7/2017</a:t>
+              <a:t>3/16/17</a:t>
             </a:fld>
             <a:endParaRPr lang="en-US"/>
           </a:p>
@@ -2329,7 +2329,7 @@
           <a:p>
             <a:fld id="{78C97017-6FC3-485B-9764-EAC9E56C1D49}" type="datetimeFigureOut">
               <a:rPr lang="en-US" smtClean="0"/>
-              <a:t>3/7/2017</a:t>
+              <a:t>3/16/17</a:t>
             </a:fld>
             <a:endParaRPr lang="en-US"/>
           </a:p>
@@ -2604,7 +2604,7 @@
           <a:p>
             <a:fld id="{78C97017-6FC3-485B-9764-EAC9E56C1D49}" type="datetimeFigureOut">
               <a:rPr lang="en-US" smtClean="0"/>
-              <a:t>3/7/2017</a:t>
+              <a:t>3/16/17</a:t>
             </a:fld>
             <a:endParaRPr lang="en-US"/>
           </a:p>
@@ -2856,7 +2856,7 @@
           <a:p>
             <a:fld id="{78C97017-6FC3-485B-9764-EAC9E56C1D49}" type="datetimeFigureOut">
               <a:rPr lang="en-US" smtClean="0"/>
-              <a:t>3/7/2017</a:t>
+              <a:t>3/16/17</a:t>
             </a:fld>
             <a:endParaRPr lang="en-US"/>
           </a:p>
@@ -3072,7 +3072,7 @@
           <a:p>
             <a:fld id="{78C97017-6FC3-485B-9764-EAC9E56C1D49}" type="datetimeFigureOut">
               <a:rPr lang="en-US" smtClean="0"/>
-              <a:t>3/7/2017</a:t>
+              <a:t>3/16/17</a:t>
             </a:fld>
             <a:endParaRPr lang="en-US"/>
           </a:p>
@@ -4797,7 +4797,7 @@
         </p:nvSpPr>
         <p:spPr>
           <a:xfrm>
-            <a:off x="7712397" y="2564238"/>
+            <a:off x="7712397" y="2243052"/>
             <a:ext cx="708186" cy="285783"/>
           </a:xfrm>
           <a:prstGeom prst="rect">
@@ -4903,8 +4903,8 @@
         </p:nvCxnSpPr>
         <p:spPr>
           <a:xfrm flipV="1">
-            <a:off x="7277995" y="2707130"/>
-            <a:ext cx="434402" cy="327761"/>
+            <a:off x="7277995" y="2385944"/>
+            <a:ext cx="434402" cy="648947"/>
           </a:xfrm>
           <a:prstGeom prst="bentConnector3">
             <a:avLst/>
@@ -4941,7 +4941,7 @@
         </p:nvSpPr>
         <p:spPr>
           <a:xfrm>
-            <a:off x="7712397" y="2887216"/>
+            <a:off x="7712397" y="2566030"/>
             <a:ext cx="708186" cy="285783"/>
           </a:xfrm>
           <a:prstGeom prst="rect">
@@ -5000,8 +5000,8 @@
         </p:nvCxnSpPr>
         <p:spPr>
           <a:xfrm flipV="1">
-            <a:off x="7277995" y="3030108"/>
-            <a:ext cx="434402" cy="4783"/>
+            <a:off x="7277995" y="2708922"/>
+            <a:ext cx="434402" cy="325969"/>
           </a:xfrm>
           <a:prstGeom prst="bentConnector3">
             <a:avLst/>
@@ -5038,7 +5038,7 @@
         </p:nvSpPr>
         <p:spPr>
           <a:xfrm>
-            <a:off x="7712397" y="3210194"/>
+            <a:off x="7712397" y="2889008"/>
             <a:ext cx="708186" cy="285783"/>
           </a:xfrm>
           <a:prstGeom prst="rect">
@@ -5096,9 +5096,9 @@
           <p:nvPr/>
         </p:nvCxnSpPr>
         <p:spPr>
-          <a:xfrm>
-            <a:off x="7277995" y="3034891"/>
-            <a:ext cx="434402" cy="318195"/>
+          <a:xfrm flipV="1">
+            <a:off x="7277995" y="3031900"/>
+            <a:ext cx="434402" cy="2991"/>
           </a:xfrm>
           <a:prstGeom prst="bentConnector3">
             <a:avLst/>
@@ -5135,7 +5135,7 @@
         </p:nvSpPr>
         <p:spPr>
           <a:xfrm>
-            <a:off x="7712397" y="3533171"/>
+            <a:off x="7712397" y="3211985"/>
             <a:ext cx="708186" cy="285783"/>
           </a:xfrm>
           <a:prstGeom prst="rect">
@@ -5195,7 +5195,7 @@
         <p:spPr>
           <a:xfrm>
             <a:off x="7277995" y="3034891"/>
-            <a:ext cx="434402" cy="641172"/>
+            <a:ext cx="434402" cy="319986"/>
           </a:xfrm>
           <a:prstGeom prst="bentConnector3">
             <a:avLst/>
@@ -5891,6 +5891,202 @@
           </a:p>
         </p:txBody>
       </p:sp>
+      <p:sp>
+        <p:nvSpPr>
+          <p:cNvPr id="55" name="Rectangle 8"/>
+          <p:cNvSpPr/>
+          <p:nvPr/>
+        </p:nvSpPr>
+        <p:spPr>
+          <a:xfrm>
+            <a:off x="7716762" y="3541389"/>
+            <a:ext cx="708186" cy="285783"/>
+          </a:xfrm>
+          <a:prstGeom prst="rect">
+            <a:avLst/>
+          </a:prstGeom>
+          <a:ln w="19050">
+            <a:solidFill>
+              <a:srgbClr val="7030A0"/>
+            </a:solidFill>
+          </a:ln>
+          <a:effectLst/>
+        </p:spPr>
+        <p:style>
+          <a:lnRef idx="1">
+            <a:schemeClr val="accent4"/>
+          </a:lnRef>
+          <a:fillRef idx="2">
+            <a:schemeClr val="accent4"/>
+          </a:fillRef>
+          <a:effectRef idx="1">
+            <a:schemeClr val="accent4"/>
+          </a:effectRef>
+          <a:fontRef idx="minor">
+            <a:schemeClr val="dk1"/>
+          </a:fontRef>
+        </p:style>
+        <p:txBody>
+          <a:bodyPr rtlCol="0" anchor="ctr"/>
+          <a:lstStyle/>
+          <a:p>
+            <a:pPr algn="ctr"/>
+            <a:r>
+              <a:rPr lang="en-US" sz="1050" dirty="0" err="1" smtClean="0">
+                <a:solidFill>
+                  <a:srgbClr val="7030A0"/>
+                </a:solidFill>
+              </a:rPr>
+              <a:t>EndTime</a:t>
+            </a:r>
+            <a:endParaRPr lang="en-SG" sz="1050" dirty="0">
+              <a:solidFill>
+                <a:srgbClr val="7030A0"/>
+              </a:solidFill>
+            </a:endParaRPr>
+          </a:p>
+        </p:txBody>
+      </p:sp>
+      <p:sp>
+        <p:nvSpPr>
+          <p:cNvPr id="73" name="Rectangle 8"/>
+          <p:cNvSpPr/>
+          <p:nvPr/>
+        </p:nvSpPr>
+        <p:spPr>
+          <a:xfrm>
+            <a:off x="7718469" y="3868558"/>
+            <a:ext cx="708186" cy="285783"/>
+          </a:xfrm>
+          <a:prstGeom prst="rect">
+            <a:avLst/>
+          </a:prstGeom>
+          <a:ln w="19050">
+            <a:solidFill>
+              <a:srgbClr val="7030A0"/>
+            </a:solidFill>
+          </a:ln>
+          <a:effectLst/>
+        </p:spPr>
+        <p:style>
+          <a:lnRef idx="1">
+            <a:schemeClr val="accent4"/>
+          </a:lnRef>
+          <a:fillRef idx="2">
+            <a:schemeClr val="accent4"/>
+          </a:fillRef>
+          <a:effectRef idx="1">
+            <a:schemeClr val="accent4"/>
+          </a:effectRef>
+          <a:fontRef idx="minor">
+            <a:schemeClr val="dk1"/>
+          </a:fontRef>
+        </p:style>
+        <p:txBody>
+          <a:bodyPr rtlCol="0" anchor="ctr"/>
+          <a:lstStyle/>
+          <a:p>
+            <a:pPr algn="ctr"/>
+            <a:r>
+              <a:rPr lang="en-US" sz="1000" dirty="0" err="1" smtClean="0">
+                <a:solidFill>
+                  <a:srgbClr val="7030A0"/>
+                </a:solidFill>
+              </a:rPr>
+              <a:t>StartTime</a:t>
+            </a:r>
+            <a:endParaRPr lang="en-SG" sz="1000" dirty="0">
+              <a:solidFill>
+                <a:srgbClr val="7030A0"/>
+              </a:solidFill>
+            </a:endParaRPr>
+          </a:p>
+        </p:txBody>
+      </p:sp>
+      <p:cxnSp>
+        <p:nvCxnSpPr>
+          <p:cNvPr id="74" name="Elbow Connector 73"/>
+          <p:cNvCxnSpPr>
+            <a:stCxn id="78" idx="3"/>
+            <a:endCxn id="55" idx="1"/>
+          </p:cNvCxnSpPr>
+          <p:nvPr/>
+        </p:nvCxnSpPr>
+        <p:spPr>
+          <a:xfrm>
+            <a:off x="7277995" y="3034891"/>
+            <a:ext cx="438767" cy="649390"/>
+          </a:xfrm>
+          <a:prstGeom prst="bentConnector3">
+            <a:avLst/>
+          </a:prstGeom>
+          <a:ln w="19050">
+            <a:solidFill>
+              <a:srgbClr val="7030A0"/>
+            </a:solidFill>
+            <a:headEnd type="none" w="med" len="med"/>
+            <a:tailEnd type="arrow" w="med" len="med"/>
+          </a:ln>
+          <a:effectLst/>
+        </p:spPr>
+        <p:style>
+          <a:lnRef idx="1">
+            <a:schemeClr val="accent2"/>
+          </a:lnRef>
+          <a:fillRef idx="2">
+            <a:schemeClr val="accent2"/>
+          </a:fillRef>
+          <a:effectRef idx="1">
+            <a:schemeClr val="accent2"/>
+          </a:effectRef>
+          <a:fontRef idx="minor">
+            <a:schemeClr val="dk1"/>
+          </a:fontRef>
+        </p:style>
+      </p:cxnSp>
+      <p:cxnSp>
+        <p:nvCxnSpPr>
+          <p:cNvPr id="82" name="Elbow Connector 81"/>
+          <p:cNvCxnSpPr>
+            <a:stCxn id="78" idx="3"/>
+            <a:endCxn id="73" idx="1"/>
+          </p:cNvCxnSpPr>
+          <p:nvPr/>
+        </p:nvCxnSpPr>
+        <p:spPr>
+          <a:xfrm>
+            <a:off x="7277995" y="3034891"/>
+            <a:ext cx="440474" cy="976559"/>
+          </a:xfrm>
+          <a:prstGeom prst="bentConnector3">
+            <a:avLst>
+              <a:gd name="adj1" fmla="val 50000"/>
+            </a:avLst>
+          </a:prstGeom>
+          <a:ln w="19050">
+            <a:solidFill>
+              <a:srgbClr val="7030A0"/>
+            </a:solidFill>
+            <a:headEnd type="none" w="med" len="med"/>
+            <a:tailEnd type="arrow" w="med" len="med"/>
+          </a:ln>
+          <a:effectLst/>
+        </p:spPr>
+        <p:style>
+          <a:lnRef idx="1">
+            <a:schemeClr val="accent2"/>
+          </a:lnRef>
+          <a:fillRef idx="2">
+            <a:schemeClr val="accent2"/>
+          </a:fillRef>
+          <a:effectRef idx="1">
+            <a:schemeClr val="accent2"/>
+          </a:effectRef>
+          <a:fontRef idx="minor">
+            <a:schemeClr val="dk1"/>
+          </a:fontRef>
+        </p:style>
+      </p:cxnSp>
     </p:spTree>
     <p:extLst>
       <p:ext uri="{BB962C8B-B14F-4D97-AF65-F5344CB8AC3E}">

--- a/docs/diagrams/ModelComponentClassDiagram.pptx
+++ b/docs/diagrams/ModelComponentClassDiagram.pptx
@@ -107,6 +107,22 @@
       </a:defRPr>
     </a:lvl9pPr>
   </p:defaultTextStyle>
+  <p:extLst>
+    <p:ext uri="{EFAFB233-063F-42B5-8137-9DF3F51BA10A}">
+      <p15:sldGuideLst xmlns:p15="http://schemas.microsoft.com/office/powerpoint/2012/main">
+        <p15:guide id="1" orient="horz" pos="1488">
+          <p15:clr>
+            <a:srgbClr val="A4A3A4"/>
+          </p15:clr>
+        </p15:guide>
+        <p15:guide id="2" pos="2880">
+          <p15:clr>
+            <a:srgbClr val="A4A3A4"/>
+          </p15:clr>
+        </p15:guide>
+      </p15:sldGuideLst>
+    </p:ext>
+  </p:extLst>
 </p:presentation>
 </file>
 
@@ -192,7 +208,7 @@
           <a:p>
             <a:fld id="{F5CC4B3F-88C1-4FFA-B1B6-F41C21DC6924}" type="datetimeFigureOut">
               <a:rPr lang="en-US" smtClean="0"/>
-              <a:t>11/19/2016</a:t>
+              <a:t>3/16/2017</a:t>
             </a:fld>
             <a:endParaRPr lang="en-US"/>
           </a:p>
@@ -256,38 +272,37 @@
           <a:p>
             <a:pPr lvl="0"/>
             <a:r>
-              <a:rPr lang="en-US" smtClean="0"/>
+              <a:rPr lang="en-US"/>
               <a:t>Click to edit Master text styles</a:t>
             </a:r>
           </a:p>
           <a:p>
             <a:pPr lvl="1"/>
             <a:r>
-              <a:rPr lang="en-US" smtClean="0"/>
+              <a:rPr lang="en-US"/>
               <a:t>Second level</a:t>
             </a:r>
           </a:p>
           <a:p>
             <a:pPr lvl="2"/>
             <a:r>
-              <a:rPr lang="en-US" smtClean="0"/>
+              <a:rPr lang="en-US"/>
               <a:t>Third level</a:t>
             </a:r>
           </a:p>
           <a:p>
             <a:pPr lvl="3"/>
             <a:r>
-              <a:rPr lang="en-US" smtClean="0"/>
+              <a:rPr lang="en-US"/>
               <a:t>Fourth level</a:t>
             </a:r>
           </a:p>
           <a:p>
             <a:pPr lvl="4"/>
             <a:r>
-              <a:rPr lang="en-US" smtClean="0"/>
+              <a:rPr lang="en-US"/>
               <a:t>Fifth level</a:t>
             </a:r>
-            <a:endParaRPr lang="en-US"/>
           </a:p>
         </p:txBody>
       </p:sp>
@@ -498,10 +513,9 @@
           <a:lstStyle/>
           <a:p>
             <a:r>
-              <a:rPr lang="en-US" smtClean="0"/>
+              <a:rPr lang="en-US"/>
               <a:t>Click to edit Master title style</a:t>
             </a:r>
-            <a:endParaRPr lang="en-US"/>
           </a:p>
         </p:txBody>
       </p:sp>
@@ -617,10 +631,9 @@
           </a:lstStyle>
           <a:p>
             <a:r>
-              <a:rPr lang="en-US" smtClean="0"/>
+              <a:rPr lang="en-US"/>
               <a:t>Click to edit Master subtitle style</a:t>
             </a:r>
-            <a:endParaRPr lang="en-US"/>
           </a:p>
         </p:txBody>
       </p:sp>
@@ -641,7 +654,7 @@
           <a:p>
             <a:fld id="{78C97017-6FC3-485B-9764-EAC9E56C1D49}" type="datetimeFigureOut">
               <a:rPr lang="en-US" smtClean="0"/>
-              <a:t>11/19/2016</a:t>
+              <a:t>3/16/2017</a:t>
             </a:fld>
             <a:endParaRPr lang="en-US"/>
           </a:p>
@@ -735,10 +748,9 @@
           <a:lstStyle/>
           <a:p>
             <a:r>
-              <a:rPr lang="en-US" smtClean="0"/>
+              <a:rPr lang="en-US"/>
               <a:t>Click to edit Master title style</a:t>
             </a:r>
-            <a:endParaRPr lang="en-US"/>
           </a:p>
         </p:txBody>
       </p:sp>
@@ -759,38 +771,37 @@
           <a:p>
             <a:pPr lvl="0"/>
             <a:r>
-              <a:rPr lang="en-US" smtClean="0"/>
+              <a:rPr lang="en-US"/>
               <a:t>Click to edit Master text styles</a:t>
             </a:r>
           </a:p>
           <a:p>
             <a:pPr lvl="1"/>
             <a:r>
-              <a:rPr lang="en-US" smtClean="0"/>
+              <a:rPr lang="en-US"/>
               <a:t>Second level</a:t>
             </a:r>
           </a:p>
           <a:p>
             <a:pPr lvl="2"/>
             <a:r>
-              <a:rPr lang="en-US" smtClean="0"/>
+              <a:rPr lang="en-US"/>
               <a:t>Third level</a:t>
             </a:r>
           </a:p>
           <a:p>
             <a:pPr lvl="3"/>
             <a:r>
-              <a:rPr lang="en-US" smtClean="0"/>
+              <a:rPr lang="en-US"/>
               <a:t>Fourth level</a:t>
             </a:r>
           </a:p>
           <a:p>
             <a:pPr lvl="4"/>
             <a:r>
-              <a:rPr lang="en-US" smtClean="0"/>
+              <a:rPr lang="en-US"/>
               <a:t>Fifth level</a:t>
             </a:r>
-            <a:endParaRPr lang="en-US"/>
           </a:p>
         </p:txBody>
       </p:sp>
@@ -811,7 +822,7 @@
           <a:p>
             <a:fld id="{78C97017-6FC3-485B-9764-EAC9E56C1D49}" type="datetimeFigureOut">
               <a:rPr lang="en-US" smtClean="0"/>
-              <a:t>11/19/2016</a:t>
+              <a:t>3/16/2017</a:t>
             </a:fld>
             <a:endParaRPr lang="en-US"/>
           </a:p>
@@ -910,10 +921,9 @@
           <a:lstStyle/>
           <a:p>
             <a:r>
-              <a:rPr lang="en-US" smtClean="0"/>
+              <a:rPr lang="en-US"/>
               <a:t>Click to edit Master title style</a:t>
             </a:r>
-            <a:endParaRPr lang="en-US"/>
           </a:p>
         </p:txBody>
       </p:sp>
@@ -939,38 +949,37 @@
           <a:p>
             <a:pPr lvl="0"/>
             <a:r>
-              <a:rPr lang="en-US" smtClean="0"/>
+              <a:rPr lang="en-US"/>
               <a:t>Click to edit Master text styles</a:t>
             </a:r>
           </a:p>
           <a:p>
             <a:pPr lvl="1"/>
             <a:r>
-              <a:rPr lang="en-US" smtClean="0"/>
+              <a:rPr lang="en-US"/>
               <a:t>Second level</a:t>
             </a:r>
           </a:p>
           <a:p>
             <a:pPr lvl="2"/>
             <a:r>
-              <a:rPr lang="en-US" smtClean="0"/>
+              <a:rPr lang="en-US"/>
               <a:t>Third level</a:t>
             </a:r>
           </a:p>
           <a:p>
             <a:pPr lvl="3"/>
             <a:r>
-              <a:rPr lang="en-US" smtClean="0"/>
+              <a:rPr lang="en-US"/>
               <a:t>Fourth level</a:t>
             </a:r>
           </a:p>
           <a:p>
             <a:pPr lvl="4"/>
             <a:r>
-              <a:rPr lang="en-US" smtClean="0"/>
+              <a:rPr lang="en-US"/>
               <a:t>Fifth level</a:t>
             </a:r>
-            <a:endParaRPr lang="en-US"/>
           </a:p>
         </p:txBody>
       </p:sp>
@@ -991,7 +1000,7 @@
           <a:p>
             <a:fld id="{78C97017-6FC3-485B-9764-EAC9E56C1D49}" type="datetimeFigureOut">
               <a:rPr lang="en-US" smtClean="0"/>
-              <a:t>11/19/2016</a:t>
+              <a:t>3/16/2017</a:t>
             </a:fld>
             <a:endParaRPr lang="en-US"/>
           </a:p>
@@ -1085,10 +1094,9 @@
           <a:lstStyle/>
           <a:p>
             <a:r>
-              <a:rPr lang="en-US" smtClean="0"/>
+              <a:rPr lang="en-US"/>
               <a:t>Click to edit Master title style</a:t>
             </a:r>
-            <a:endParaRPr lang="en-US"/>
           </a:p>
         </p:txBody>
       </p:sp>
@@ -1109,38 +1117,37 @@
           <a:p>
             <a:pPr lvl="0"/>
             <a:r>
-              <a:rPr lang="en-US" smtClean="0"/>
+              <a:rPr lang="en-US"/>
               <a:t>Click to edit Master text styles</a:t>
             </a:r>
           </a:p>
           <a:p>
             <a:pPr lvl="1"/>
             <a:r>
-              <a:rPr lang="en-US" smtClean="0"/>
+              <a:rPr lang="en-US"/>
               <a:t>Second level</a:t>
             </a:r>
           </a:p>
           <a:p>
             <a:pPr lvl="2"/>
             <a:r>
-              <a:rPr lang="en-US" smtClean="0"/>
+              <a:rPr lang="en-US"/>
               <a:t>Third level</a:t>
             </a:r>
           </a:p>
           <a:p>
             <a:pPr lvl="3"/>
             <a:r>
-              <a:rPr lang="en-US" smtClean="0"/>
+              <a:rPr lang="en-US"/>
               <a:t>Fourth level</a:t>
             </a:r>
           </a:p>
           <a:p>
             <a:pPr lvl="4"/>
             <a:r>
-              <a:rPr lang="en-US" smtClean="0"/>
+              <a:rPr lang="en-US"/>
               <a:t>Fifth level</a:t>
             </a:r>
-            <a:endParaRPr lang="en-US"/>
           </a:p>
         </p:txBody>
       </p:sp>
@@ -1161,7 +1168,7 @@
           <a:p>
             <a:fld id="{78C97017-6FC3-485B-9764-EAC9E56C1D49}" type="datetimeFigureOut">
               <a:rPr lang="en-US" smtClean="0"/>
-              <a:t>11/19/2016</a:t>
+              <a:t>3/16/2017</a:t>
             </a:fld>
             <a:endParaRPr lang="en-US"/>
           </a:p>
@@ -1264,10 +1271,9 @@
           </a:lstStyle>
           <a:p>
             <a:r>
-              <a:rPr lang="en-US" smtClean="0"/>
+              <a:rPr lang="en-US"/>
               <a:t>Click to edit Master title style</a:t>
             </a:r>
-            <a:endParaRPr lang="en-US"/>
           </a:p>
         </p:txBody>
       </p:sp>
@@ -1384,7 +1390,7 @@
           <a:p>
             <a:pPr lvl="0"/>
             <a:r>
-              <a:rPr lang="en-US" smtClean="0"/>
+              <a:rPr lang="en-US"/>
               <a:t>Click to edit Master text styles</a:t>
             </a:r>
           </a:p>
@@ -1407,7 +1413,7 @@
           <a:p>
             <a:fld id="{78C97017-6FC3-485B-9764-EAC9E56C1D49}" type="datetimeFigureOut">
               <a:rPr lang="en-US" smtClean="0"/>
-              <a:t>11/19/2016</a:t>
+              <a:t>3/16/2017</a:t>
             </a:fld>
             <a:endParaRPr lang="en-US"/>
           </a:p>
@@ -1501,10 +1507,9 @@
           <a:lstStyle/>
           <a:p>
             <a:r>
-              <a:rPr lang="en-US" smtClean="0"/>
+              <a:rPr lang="en-US"/>
               <a:t>Click to edit Master title style</a:t>
             </a:r>
-            <a:endParaRPr lang="en-US"/>
           </a:p>
         </p:txBody>
       </p:sp>
@@ -1558,38 +1563,37 @@
           <a:p>
             <a:pPr lvl="0"/>
             <a:r>
-              <a:rPr lang="en-US" smtClean="0"/>
+              <a:rPr lang="en-US"/>
               <a:t>Click to edit Master text styles</a:t>
             </a:r>
           </a:p>
           <a:p>
             <a:pPr lvl="1"/>
             <a:r>
-              <a:rPr lang="en-US" smtClean="0"/>
+              <a:rPr lang="en-US"/>
               <a:t>Second level</a:t>
             </a:r>
           </a:p>
           <a:p>
             <a:pPr lvl="2"/>
             <a:r>
-              <a:rPr lang="en-US" smtClean="0"/>
+              <a:rPr lang="en-US"/>
               <a:t>Third level</a:t>
             </a:r>
           </a:p>
           <a:p>
             <a:pPr lvl="3"/>
             <a:r>
-              <a:rPr lang="en-US" smtClean="0"/>
+              <a:rPr lang="en-US"/>
               <a:t>Fourth level</a:t>
             </a:r>
           </a:p>
           <a:p>
             <a:pPr lvl="4"/>
             <a:r>
-              <a:rPr lang="en-US" smtClean="0"/>
+              <a:rPr lang="en-US"/>
               <a:t>Fifth level</a:t>
             </a:r>
-            <a:endParaRPr lang="en-US"/>
           </a:p>
         </p:txBody>
       </p:sp>
@@ -1643,38 +1647,37 @@
           <a:p>
             <a:pPr lvl="0"/>
             <a:r>
-              <a:rPr lang="en-US" smtClean="0"/>
+              <a:rPr lang="en-US"/>
               <a:t>Click to edit Master text styles</a:t>
             </a:r>
           </a:p>
           <a:p>
             <a:pPr lvl="1"/>
             <a:r>
-              <a:rPr lang="en-US" smtClean="0"/>
+              <a:rPr lang="en-US"/>
               <a:t>Second level</a:t>
             </a:r>
           </a:p>
           <a:p>
             <a:pPr lvl="2"/>
             <a:r>
-              <a:rPr lang="en-US" smtClean="0"/>
+              <a:rPr lang="en-US"/>
               <a:t>Third level</a:t>
             </a:r>
           </a:p>
           <a:p>
             <a:pPr lvl="3"/>
             <a:r>
-              <a:rPr lang="en-US" smtClean="0"/>
+              <a:rPr lang="en-US"/>
               <a:t>Fourth level</a:t>
             </a:r>
           </a:p>
           <a:p>
             <a:pPr lvl="4"/>
             <a:r>
-              <a:rPr lang="en-US" smtClean="0"/>
+              <a:rPr lang="en-US"/>
               <a:t>Fifth level</a:t>
             </a:r>
-            <a:endParaRPr lang="en-US"/>
           </a:p>
         </p:txBody>
       </p:sp>
@@ -1695,7 +1698,7 @@
           <a:p>
             <a:fld id="{78C97017-6FC3-485B-9764-EAC9E56C1D49}" type="datetimeFigureOut">
               <a:rPr lang="en-US" smtClean="0"/>
-              <a:t>11/19/2016</a:t>
+              <a:t>3/16/2017</a:t>
             </a:fld>
             <a:endParaRPr lang="en-US"/>
           </a:p>
@@ -1793,10 +1796,9 @@
           </a:lstStyle>
           <a:p>
             <a:r>
-              <a:rPr lang="en-US" smtClean="0"/>
+              <a:rPr lang="en-US"/>
               <a:t>Click to edit Master title style</a:t>
             </a:r>
-            <a:endParaRPr lang="en-US"/>
           </a:p>
         </p:txBody>
       </p:sp>
@@ -1859,7 +1861,7 @@
           <a:p>
             <a:pPr lvl="0"/>
             <a:r>
-              <a:rPr lang="en-US" smtClean="0"/>
+              <a:rPr lang="en-US"/>
               <a:t>Click to edit Master text styles</a:t>
             </a:r>
           </a:p>
@@ -1915,38 +1917,37 @@
           <a:p>
             <a:pPr lvl="0"/>
             <a:r>
-              <a:rPr lang="en-US" smtClean="0"/>
+              <a:rPr lang="en-US"/>
               <a:t>Click to edit Master text styles</a:t>
             </a:r>
           </a:p>
           <a:p>
             <a:pPr lvl="1"/>
             <a:r>
-              <a:rPr lang="en-US" smtClean="0"/>
+              <a:rPr lang="en-US"/>
               <a:t>Second level</a:t>
             </a:r>
           </a:p>
           <a:p>
             <a:pPr lvl="2"/>
             <a:r>
-              <a:rPr lang="en-US" smtClean="0"/>
+              <a:rPr lang="en-US"/>
               <a:t>Third level</a:t>
             </a:r>
           </a:p>
           <a:p>
             <a:pPr lvl="3"/>
             <a:r>
-              <a:rPr lang="en-US" smtClean="0"/>
+              <a:rPr lang="en-US"/>
               <a:t>Fourth level</a:t>
             </a:r>
           </a:p>
           <a:p>
             <a:pPr lvl="4"/>
             <a:r>
-              <a:rPr lang="en-US" smtClean="0"/>
+              <a:rPr lang="en-US"/>
               <a:t>Fifth level</a:t>
             </a:r>
-            <a:endParaRPr lang="en-US"/>
           </a:p>
         </p:txBody>
       </p:sp>
@@ -2009,7 +2010,7 @@
           <a:p>
             <a:pPr lvl="0"/>
             <a:r>
-              <a:rPr lang="en-US" smtClean="0"/>
+              <a:rPr lang="en-US"/>
               <a:t>Click to edit Master text styles</a:t>
             </a:r>
           </a:p>
@@ -2065,38 +2066,37 @@
           <a:p>
             <a:pPr lvl="0"/>
             <a:r>
-              <a:rPr lang="en-US" smtClean="0"/>
+              <a:rPr lang="en-US"/>
               <a:t>Click to edit Master text styles</a:t>
             </a:r>
           </a:p>
           <a:p>
             <a:pPr lvl="1"/>
             <a:r>
-              <a:rPr lang="en-US" smtClean="0"/>
+              <a:rPr lang="en-US"/>
               <a:t>Second level</a:t>
             </a:r>
           </a:p>
           <a:p>
             <a:pPr lvl="2"/>
             <a:r>
-              <a:rPr lang="en-US" smtClean="0"/>
+              <a:rPr lang="en-US"/>
               <a:t>Third level</a:t>
             </a:r>
           </a:p>
           <a:p>
             <a:pPr lvl="3"/>
             <a:r>
-              <a:rPr lang="en-US" smtClean="0"/>
+              <a:rPr lang="en-US"/>
               <a:t>Fourth level</a:t>
             </a:r>
           </a:p>
           <a:p>
             <a:pPr lvl="4"/>
             <a:r>
-              <a:rPr lang="en-US" smtClean="0"/>
+              <a:rPr lang="en-US"/>
               <a:t>Fifth level</a:t>
             </a:r>
-            <a:endParaRPr lang="en-US"/>
           </a:p>
         </p:txBody>
       </p:sp>
@@ -2117,7 +2117,7 @@
           <a:p>
             <a:fld id="{78C97017-6FC3-485B-9764-EAC9E56C1D49}" type="datetimeFigureOut">
               <a:rPr lang="en-US" smtClean="0"/>
-              <a:t>11/19/2016</a:t>
+              <a:t>3/16/2017</a:t>
             </a:fld>
             <a:endParaRPr lang="en-US"/>
           </a:p>
@@ -2211,10 +2211,9 @@
           <a:lstStyle/>
           <a:p>
             <a:r>
-              <a:rPr lang="en-US" smtClean="0"/>
+              <a:rPr lang="en-US"/>
               <a:t>Click to edit Master title style</a:t>
             </a:r>
-            <a:endParaRPr lang="en-US"/>
           </a:p>
         </p:txBody>
       </p:sp>
@@ -2235,7 +2234,7 @@
           <a:p>
             <a:fld id="{78C97017-6FC3-485B-9764-EAC9E56C1D49}" type="datetimeFigureOut">
               <a:rPr lang="en-US" smtClean="0"/>
-              <a:t>11/19/2016</a:t>
+              <a:t>3/16/2017</a:t>
             </a:fld>
             <a:endParaRPr lang="en-US"/>
           </a:p>
@@ -2330,7 +2329,7 @@
           <a:p>
             <a:fld id="{78C97017-6FC3-485B-9764-EAC9E56C1D49}" type="datetimeFigureOut">
               <a:rPr lang="en-US" smtClean="0"/>
-              <a:t>11/19/2016</a:t>
+              <a:t>3/16/2017</a:t>
             </a:fld>
             <a:endParaRPr lang="en-US"/>
           </a:p>
@@ -2433,10 +2432,9 @@
           </a:lstStyle>
           <a:p>
             <a:r>
-              <a:rPr lang="en-US" smtClean="0"/>
+              <a:rPr lang="en-US"/>
               <a:t>Click to edit Master title style</a:t>
             </a:r>
-            <a:endParaRPr lang="en-US"/>
           </a:p>
         </p:txBody>
       </p:sp>
@@ -2490,38 +2488,37 @@
           <a:p>
             <a:pPr lvl="0"/>
             <a:r>
-              <a:rPr lang="en-US" smtClean="0"/>
+              <a:rPr lang="en-US"/>
               <a:t>Click to edit Master text styles</a:t>
             </a:r>
           </a:p>
           <a:p>
             <a:pPr lvl="1"/>
             <a:r>
-              <a:rPr lang="en-US" smtClean="0"/>
+              <a:rPr lang="en-US"/>
               <a:t>Second level</a:t>
             </a:r>
           </a:p>
           <a:p>
             <a:pPr lvl="2"/>
             <a:r>
-              <a:rPr lang="en-US" smtClean="0"/>
+              <a:rPr lang="en-US"/>
               <a:t>Third level</a:t>
             </a:r>
           </a:p>
           <a:p>
             <a:pPr lvl="3"/>
             <a:r>
-              <a:rPr lang="en-US" smtClean="0"/>
+              <a:rPr lang="en-US"/>
               <a:t>Fourth level</a:t>
             </a:r>
           </a:p>
           <a:p>
             <a:pPr lvl="4"/>
             <a:r>
-              <a:rPr lang="en-US" smtClean="0"/>
+              <a:rPr lang="en-US"/>
               <a:t>Fifth level</a:t>
             </a:r>
-            <a:endParaRPr lang="en-US"/>
           </a:p>
         </p:txBody>
       </p:sp>
@@ -2584,7 +2581,7 @@
           <a:p>
             <a:pPr lvl="0"/>
             <a:r>
-              <a:rPr lang="en-US" smtClean="0"/>
+              <a:rPr lang="en-US"/>
               <a:t>Click to edit Master text styles</a:t>
             </a:r>
           </a:p>
@@ -2607,7 +2604,7 @@
           <a:p>
             <a:fld id="{78C97017-6FC3-485B-9764-EAC9E56C1D49}" type="datetimeFigureOut">
               <a:rPr lang="en-US" smtClean="0"/>
-              <a:t>11/19/2016</a:t>
+              <a:t>3/16/2017</a:t>
             </a:fld>
             <a:endParaRPr lang="en-US"/>
           </a:p>
@@ -2710,10 +2707,9 @@
           </a:lstStyle>
           <a:p>
             <a:r>
-              <a:rPr lang="en-US" smtClean="0"/>
+              <a:rPr lang="en-US"/>
               <a:t>Click to edit Master title style</a:t>
             </a:r>
-            <a:endParaRPr lang="en-US"/>
           </a:p>
         </p:txBody>
       </p:sp>
@@ -2837,7 +2833,7 @@
           <a:p>
             <a:pPr lvl="0"/>
             <a:r>
-              <a:rPr lang="en-US" smtClean="0"/>
+              <a:rPr lang="en-US"/>
               <a:t>Click to edit Master text styles</a:t>
             </a:r>
           </a:p>
@@ -2860,7 +2856,7 @@
           <a:p>
             <a:fld id="{78C97017-6FC3-485B-9764-EAC9E56C1D49}" type="datetimeFigureOut">
               <a:rPr lang="en-US" smtClean="0"/>
-              <a:t>11/19/2016</a:t>
+              <a:t>3/16/2017</a:t>
             </a:fld>
             <a:endParaRPr lang="en-US"/>
           </a:p>
@@ -2969,10 +2965,9 @@
           <a:lstStyle/>
           <a:p>
             <a:r>
-              <a:rPr lang="en-US" smtClean="0"/>
+              <a:rPr lang="en-US"/>
               <a:t>Click to edit Master title style</a:t>
             </a:r>
-            <a:endParaRPr lang="en-US"/>
           </a:p>
         </p:txBody>
       </p:sp>
@@ -3003,38 +2998,37 @@
           <a:p>
             <a:pPr lvl="0"/>
             <a:r>
-              <a:rPr lang="en-US" smtClean="0"/>
+              <a:rPr lang="en-US"/>
               <a:t>Click to edit Master text styles</a:t>
             </a:r>
           </a:p>
           <a:p>
             <a:pPr lvl="1"/>
             <a:r>
-              <a:rPr lang="en-US" smtClean="0"/>
+              <a:rPr lang="en-US"/>
               <a:t>Second level</a:t>
             </a:r>
           </a:p>
           <a:p>
             <a:pPr lvl="2"/>
             <a:r>
-              <a:rPr lang="en-US" smtClean="0"/>
+              <a:rPr lang="en-US"/>
               <a:t>Third level</a:t>
             </a:r>
           </a:p>
           <a:p>
             <a:pPr lvl="3"/>
             <a:r>
-              <a:rPr lang="en-US" smtClean="0"/>
+              <a:rPr lang="en-US"/>
               <a:t>Fourth level</a:t>
             </a:r>
           </a:p>
           <a:p>
             <a:pPr lvl="4"/>
             <a:r>
-              <a:rPr lang="en-US" smtClean="0"/>
+              <a:rPr lang="en-US"/>
               <a:t>Fifth level</a:t>
             </a:r>
-            <a:endParaRPr lang="en-US"/>
           </a:p>
         </p:txBody>
       </p:sp>
@@ -3073,7 +3067,7 @@
           <a:p>
             <a:fld id="{78C97017-6FC3-485B-9764-EAC9E56C1D49}" type="datetimeFigureOut">
               <a:rPr lang="en-US" smtClean="0"/>
-              <a:t>11/19/2016</a:t>
+              <a:t>3/16/2017</a:t>
             </a:fld>
             <a:endParaRPr lang="en-US"/>
           </a:p>
@@ -3494,7 +3488,7 @@
           <a:lstStyle/>
           <a:p>
             <a:r>
-              <a:rPr lang="en-US" sz="1200" b="1" dirty="0" smtClean="0">
+              <a:rPr lang="en-US" sz="1200" b="1" dirty="0">
                 <a:solidFill>
                   <a:srgbClr val="7030A0"/>
                 </a:solidFill>
@@ -3553,7 +3547,7 @@
           <a:p>
             <a:pPr algn="ctr"/>
             <a:r>
-              <a:rPr lang="en-US" sz="1050" dirty="0" err="1" smtClean="0">
+              <a:rPr lang="en-US" sz="1050" dirty="0" err="1">
                 <a:solidFill>
                   <a:schemeClr val="bg1"/>
                 </a:solidFill>
@@ -3612,7 +3606,7 @@
           <a:p>
             <a:pPr algn="ctr"/>
             <a:r>
-              <a:rPr lang="en-US" sz="1050" dirty="0" err="1" smtClean="0">
+              <a:rPr lang="en-US" sz="1050" dirty="0" err="1">
                 <a:solidFill>
                   <a:schemeClr val="bg1"/>
                 </a:solidFill>
@@ -3637,7 +3631,7 @@
         </p:nvCxnSpPr>
         <p:spPr>
           <a:xfrm flipV="1">
-            <a:off x="6477000" y="3194131"/>
+            <a:off x="6477000" y="2940232"/>
             <a:ext cx="95385" cy="416514"/>
           </a:xfrm>
           <a:prstGeom prst="bentConnector2">
@@ -3672,19 +3666,20 @@
         <p:nvCxnSpPr>
           <p:cNvPr id="107" name="Elbow Connector 106"/>
           <p:cNvCxnSpPr>
+            <a:cxnSpLocks/>
             <a:stCxn id="9" idx="1"/>
           </p:cNvCxnSpPr>
           <p:nvPr/>
         </p:nvCxnSpPr>
         <p:spPr>
           <a:xfrm rot="5400000" flipH="1" flipV="1">
-            <a:off x="4360065" y="1080909"/>
-            <a:ext cx="378691" cy="4637261"/>
+            <a:off x="4209819" y="941677"/>
+            <a:ext cx="668170" cy="4626246"/>
           </a:xfrm>
           <a:prstGeom prst="bentConnector4">
             <a:avLst>
-              <a:gd name="adj1" fmla="val -101829"/>
-              <a:gd name="adj2" fmla="val 99976"/>
+              <a:gd name="adj1" fmla="val -34213"/>
+              <a:gd name="adj2" fmla="val 100013"/>
             </a:avLst>
           </a:prstGeom>
           <a:ln w="19050">
@@ -3767,7 +3762,7 @@
           <a:p>
             <a:pPr algn="ctr"/>
             <a:r>
-              <a:rPr lang="en-US" sz="1050" dirty="0" smtClean="0">
+              <a:rPr lang="en-US" sz="1050" dirty="0">
                 <a:solidFill>
                   <a:schemeClr val="bg1"/>
                 </a:solidFill>
@@ -3878,7 +3873,7 @@
         </p:nvSpPr>
         <p:spPr>
           <a:xfrm rot="5400000" flipV="1">
-            <a:off x="6253986" y="3522883"/>
+            <a:off x="6253986" y="3268984"/>
             <a:ext cx="270504" cy="175523"/>
           </a:xfrm>
           <a:prstGeom prst="triangle">
@@ -4091,12 +4086,12 @@
           <a:p>
             <a:pPr algn="ctr"/>
             <a:r>
-              <a:rPr lang="en-US" sz="1050" dirty="0" err="1" smtClean="0">
+              <a:rPr lang="en-US" altLang="zh-CN" sz="1050" dirty="0" err="1">
                 <a:solidFill>
                   <a:srgbClr val="7030A0"/>
                 </a:solidFill>
               </a:rPr>
-              <a:t>AddressBook</a:t>
+              <a:t>TaskManager</a:t>
             </a:r>
             <a:endParaRPr lang="en-SG" sz="1050" dirty="0">
               <a:solidFill>
@@ -4200,7 +4195,7 @@
         </p:nvSpPr>
         <p:spPr>
           <a:xfrm>
-            <a:off x="4487017" y="2847371"/>
+            <a:off x="4484147" y="2586369"/>
             <a:ext cx="1156969" cy="346760"/>
           </a:xfrm>
           <a:prstGeom prst="rect">
@@ -4233,12 +4228,12 @@
           <a:p>
             <a:pPr algn="ctr"/>
             <a:r>
-              <a:rPr lang="en-US" sz="1050" dirty="0" err="1" smtClean="0">
+              <a:rPr lang="en-US" sz="1050" dirty="0" err="1">
                 <a:solidFill>
                   <a:srgbClr val="7030A0"/>
                 </a:solidFill>
               </a:rPr>
-              <a:t>UniquePersonList</a:t>
+              <a:t>UniqueTaskList</a:t>
             </a:r>
             <a:endParaRPr lang="en-SG" sz="1050" dirty="0">
               <a:solidFill>
@@ -4305,9 +4300,9 @@
           <p:nvPr/>
         </p:nvCxnSpPr>
         <p:spPr>
-          <a:xfrm>
-            <a:off x="4220351" y="2760681"/>
-            <a:ext cx="266666" cy="260070"/>
+          <a:xfrm flipV="1">
+            <a:off x="4220351" y="2759749"/>
+            <a:ext cx="263796" cy="932"/>
           </a:xfrm>
           <a:prstGeom prst="bentConnector3">
             <a:avLst/>
@@ -4338,14 +4333,14 @@
       </p:cxnSp>
       <p:sp>
         <p:nvSpPr>
-          <p:cNvPr id="57" name="Rectangle 8"/>
+          <p:cNvPr id="62" name="Rectangle 8"/>
           <p:cNvSpPr/>
           <p:nvPr/>
         </p:nvSpPr>
         <p:spPr>
           <a:xfrm>
-            <a:off x="4477328" y="2280569"/>
-            <a:ext cx="1156969" cy="346760"/>
+            <a:off x="6313677" y="2604167"/>
+            <a:ext cx="708186" cy="346760"/>
           </a:xfrm>
           <a:prstGeom prst="rect">
             <a:avLst/>
@@ -4377,12 +4372,12 @@
           <a:p>
             <a:pPr algn="ctr"/>
             <a:r>
-              <a:rPr lang="en-US" sz="1050" dirty="0" err="1" smtClean="0">
+              <a:rPr lang="en-US" sz="1050" dirty="0">
                 <a:solidFill>
                   <a:srgbClr val="7030A0"/>
                 </a:solidFill>
               </a:rPr>
-              <a:t>UniqueTagList</a:t>
+              <a:t>Task</a:t>
             </a:r>
             <a:endParaRPr lang="en-SG" sz="1050" dirty="0">
               <a:solidFill>
@@ -4392,24 +4387,67 @@
           </a:p>
         </p:txBody>
       </p:sp>
+      <p:sp>
+        <p:nvSpPr>
+          <p:cNvPr id="63" name="Flowchart: Decision 96"/>
+          <p:cNvSpPr/>
+          <p:nvPr/>
+        </p:nvSpPr>
+        <p:spPr>
+          <a:xfrm>
+            <a:off x="5643227" y="2690080"/>
+            <a:ext cx="236048" cy="173380"/>
+          </a:xfrm>
+          <a:prstGeom prst="flowChartDecision">
+            <a:avLst/>
+          </a:prstGeom>
+          <a:noFill/>
+          <a:ln w="19050">
+            <a:solidFill>
+              <a:srgbClr val="7030A0"/>
+            </a:solidFill>
+          </a:ln>
+          <a:effectLst/>
+        </p:spPr>
+        <p:style>
+          <a:lnRef idx="1">
+            <a:schemeClr val="accent6"/>
+          </a:lnRef>
+          <a:fillRef idx="2">
+            <a:schemeClr val="accent6"/>
+          </a:fillRef>
+          <a:effectRef idx="1">
+            <a:schemeClr val="accent6"/>
+          </a:effectRef>
+          <a:fontRef idx="minor">
+            <a:schemeClr val="dk1"/>
+          </a:fontRef>
+        </p:style>
+        <p:txBody>
+          <a:bodyPr rtlCol="0" anchor="ctr"/>
+          <a:lstStyle/>
+          <a:p>
+            <a:pPr algn="ctr"/>
+            <a:endParaRPr lang="en-US" sz="1050"/>
+          </a:p>
+        </p:txBody>
+      </p:sp>
       <p:cxnSp>
         <p:nvCxnSpPr>
-          <p:cNvPr id="59" name="Elbow Connector 58"/>
+          <p:cNvPr id="64" name="Elbow Connector 63"/>
           <p:cNvCxnSpPr>
-            <a:stCxn id="51" idx="3"/>
-            <a:endCxn id="57" idx="1"/>
+            <a:stCxn id="63" idx="3"/>
+            <a:endCxn id="62" idx="1"/>
           </p:cNvCxnSpPr>
           <p:nvPr/>
         </p:nvCxnSpPr>
         <p:spPr>
-          <a:xfrm flipV="1">
-            <a:off x="4220351" y="2453949"/>
-            <a:ext cx="256977" cy="306732"/>
+          <a:xfrm>
+            <a:off x="5879275" y="2776770"/>
+            <a:ext cx="434402" cy="777"/>
           </a:xfrm>
           <a:prstGeom prst="bentConnector3">
-            <a:avLst>
-              <a:gd name="adj1" fmla="val 50000"/>
-            </a:avLst>
+            <a:avLst/>
           </a:prstGeom>
           <a:ln w="19050">
             <a:solidFill>
@@ -4437,14 +4475,14 @@
       </p:cxnSp>
       <p:sp>
         <p:nvSpPr>
-          <p:cNvPr id="62" name="Rectangle 8"/>
+          <p:cNvPr id="67" name="Rectangle 8"/>
           <p:cNvSpPr/>
           <p:nvPr/>
         </p:nvSpPr>
         <p:spPr>
           <a:xfrm>
-            <a:off x="6313677" y="2858066"/>
-            <a:ext cx="708186" cy="346760"/>
+            <a:off x="5163172" y="2014853"/>
+            <a:ext cx="483700" cy="346760"/>
           </a:xfrm>
           <a:prstGeom prst="rect">
             <a:avLst/>
@@ -4476,12 +4514,12 @@
           <a:p>
             <a:pPr algn="ctr"/>
             <a:r>
-              <a:rPr lang="en-US" sz="1050" dirty="0" smtClean="0">
+              <a:rPr lang="en-US" sz="1050" dirty="0">
                 <a:solidFill>
                   <a:srgbClr val="7030A0"/>
                 </a:solidFill>
               </a:rPr>
-              <a:t>Person</a:t>
+              <a:t>Tag</a:t>
             </a:r>
             <a:endParaRPr lang="en-SG" sz="1050" dirty="0">
               <a:solidFill>
@@ -4493,13 +4531,13 @@
       </p:sp>
       <p:sp>
         <p:nvSpPr>
-          <p:cNvPr id="63" name="Flowchart: Decision 96"/>
+          <p:cNvPr id="68" name="Flowchart: Decision 96"/>
           <p:cNvSpPr/>
           <p:nvPr/>
         </p:nvSpPr>
         <p:spPr>
-          <a:xfrm>
-            <a:off x="5643227" y="2943979"/>
+          <a:xfrm rot="16200000">
+            <a:off x="4823185" y="2383261"/>
             <a:ext cx="236048" cy="173380"/>
           </a:xfrm>
           <a:prstGeom prst="flowChartDecision">
@@ -4538,19 +4576,19 @@
       </p:sp>
       <p:cxnSp>
         <p:nvCxnSpPr>
-          <p:cNvPr id="64" name="Elbow Connector 63"/>
+          <p:cNvPr id="69" name="Elbow Connector 68"/>
           <p:cNvCxnSpPr>
-            <a:stCxn id="63" idx="3"/>
-            <a:endCxn id="62" idx="1"/>
+            <a:stCxn id="68" idx="3"/>
+            <a:endCxn id="67" idx="1"/>
           </p:cNvCxnSpPr>
           <p:nvPr/>
         </p:nvCxnSpPr>
         <p:spPr>
-          <a:xfrm>
-            <a:off x="5879275" y="3030669"/>
-            <a:ext cx="434402" cy="777"/>
-          </a:xfrm>
-          <a:prstGeom prst="bentConnector3">
+          <a:xfrm rot="5400000" flipH="1" flipV="1">
+            <a:off x="4970343" y="2159099"/>
+            <a:ext cx="163694" cy="221963"/>
+          </a:xfrm>
+          <a:prstGeom prst="bentConnector2">
             <a:avLst/>
           </a:prstGeom>
           <a:ln w="19050">
@@ -4579,14 +4617,14 @@
       </p:cxnSp>
       <p:sp>
         <p:nvSpPr>
-          <p:cNvPr id="67" name="Rectangle 8"/>
+          <p:cNvPr id="72" name="Rectangle 8"/>
           <p:cNvSpPr/>
           <p:nvPr/>
         </p:nvSpPr>
         <p:spPr>
           <a:xfrm>
-            <a:off x="5336105" y="1809332"/>
-            <a:ext cx="483700" cy="346760"/>
+            <a:off x="5128257" y="3175101"/>
+            <a:ext cx="1156969" cy="346760"/>
           </a:xfrm>
           <a:prstGeom prst="rect">
             <a:avLst/>
@@ -4618,12 +4656,27 @@
           <a:p>
             <a:pPr algn="ctr"/>
             <a:r>
-              <a:rPr lang="en-US" sz="1050" dirty="0" smtClean="0">
+              <a:rPr lang="en-US" sz="1050" dirty="0">
                 <a:solidFill>
                   <a:srgbClr val="7030A0"/>
                 </a:solidFill>
               </a:rPr>
-              <a:t>Tag</a:t>
+              <a:t>&lt;&lt;interface&gt;&gt;</a:t>
+            </a:r>
+            <a:br>
+              <a:rPr lang="en-US" sz="1050" dirty="0">
+                <a:solidFill>
+                  <a:srgbClr val="7030A0"/>
+                </a:solidFill>
+              </a:rPr>
+            </a:br>
+            <a:r>
+              <a:rPr lang="en-US" sz="1050" dirty="0" err="1">
+                <a:solidFill>
+                  <a:srgbClr val="7030A0"/>
+                </a:solidFill>
+              </a:rPr>
+              <a:t>ReadOnlyTask</a:t>
             </a:r>
             <a:endParaRPr lang="en-SG" sz="1050" dirty="0">
               <a:solidFill>
@@ -4635,19 +4688,77 @@
       </p:sp>
       <p:sp>
         <p:nvSpPr>
-          <p:cNvPr id="68" name="Flowchart: Decision 96"/>
+          <p:cNvPr id="76" name="Rectangle 8"/>
           <p:cNvSpPr/>
           <p:nvPr/>
         </p:nvSpPr>
         <p:spPr>
-          <a:xfrm rot="16200000">
-            <a:off x="4921666" y="2066540"/>
+          <a:xfrm>
+            <a:off x="7694424" y="2323888"/>
+            <a:ext cx="708186" cy="285783"/>
+          </a:xfrm>
+          <a:prstGeom prst="rect">
+            <a:avLst/>
+          </a:prstGeom>
+          <a:ln w="19050">
+            <a:solidFill>
+              <a:srgbClr val="7030A0"/>
+            </a:solidFill>
+          </a:ln>
+          <a:effectLst/>
+        </p:spPr>
+        <p:style>
+          <a:lnRef idx="1">
+            <a:schemeClr val="accent4"/>
+          </a:lnRef>
+          <a:fillRef idx="2">
+            <a:schemeClr val="accent4"/>
+          </a:fillRef>
+          <a:effectRef idx="1">
+            <a:schemeClr val="accent4"/>
+          </a:effectRef>
+          <a:fontRef idx="minor">
+            <a:schemeClr val="dk1"/>
+          </a:fontRef>
+        </p:style>
+        <p:txBody>
+          <a:bodyPr rtlCol="0" anchor="ctr"/>
+          <a:lstStyle/>
+          <a:p>
+            <a:pPr algn="ctr"/>
+            <a:r>
+              <a:rPr lang="en-US" sz="1050" dirty="0">
+                <a:solidFill>
+                  <a:srgbClr val="7030A0"/>
+                </a:solidFill>
+              </a:rPr>
+              <a:t>Title</a:t>
+            </a:r>
+            <a:endParaRPr lang="en-SG" sz="1050" dirty="0">
+              <a:solidFill>
+                <a:srgbClr val="7030A0"/>
+              </a:solidFill>
+            </a:endParaRPr>
+          </a:p>
+        </p:txBody>
+      </p:sp>
+      <p:sp>
+        <p:nvSpPr>
+          <p:cNvPr id="78" name="Flowchart: Decision 96"/>
+          <p:cNvSpPr/>
+          <p:nvPr/>
+        </p:nvSpPr>
+        <p:spPr>
+          <a:xfrm>
+            <a:off x="7023974" y="2707851"/>
             <a:ext cx="236048" cy="173380"/>
           </a:xfrm>
           <a:prstGeom prst="flowChartDecision">
             <a:avLst/>
           </a:prstGeom>
-          <a:noFill/>
+          <a:solidFill>
+            <a:srgbClr val="7030A0"/>
+          </a:solidFill>
           <a:ln w="19050">
             <a:solidFill>
               <a:srgbClr val="7030A0"/>
@@ -4680,19 +4791,19 @@
       </p:sp>
       <p:cxnSp>
         <p:nvCxnSpPr>
-          <p:cNvPr id="69" name="Elbow Connector 68"/>
+          <p:cNvPr id="79" name="Elbow Connector 78"/>
           <p:cNvCxnSpPr>
-            <a:stCxn id="68" idx="3"/>
-            <a:endCxn id="67" idx="1"/>
+            <a:stCxn id="78" idx="3"/>
+            <a:endCxn id="76" idx="1"/>
           </p:cNvCxnSpPr>
           <p:nvPr/>
         </p:nvCxnSpPr>
         <p:spPr>
-          <a:xfrm rot="5400000" flipH="1" flipV="1">
-            <a:off x="5161650" y="1860752"/>
-            <a:ext cx="52494" cy="296415"/>
-          </a:xfrm>
-          <a:prstGeom prst="bentConnector2">
+          <a:xfrm flipV="1">
+            <a:off x="7260022" y="2466780"/>
+            <a:ext cx="434402" cy="327761"/>
+          </a:xfrm>
+          <a:prstGeom prst="bentConnector3">
             <a:avLst/>
           </a:prstGeom>
           <a:ln w="19050">
@@ -4721,14 +4832,14 @@
       </p:cxnSp>
       <p:sp>
         <p:nvSpPr>
-          <p:cNvPr id="72" name="Rectangle 8"/>
+          <p:cNvPr id="80" name="Rectangle 8"/>
           <p:cNvSpPr/>
           <p:nvPr/>
         </p:nvSpPr>
         <p:spPr>
           <a:xfrm>
-            <a:off x="5128257" y="3429000"/>
-            <a:ext cx="1156969" cy="346760"/>
+            <a:off x="7694424" y="2646866"/>
+            <a:ext cx="708186" cy="285783"/>
           </a:xfrm>
           <a:prstGeom prst="rect">
             <a:avLst/>
@@ -4760,27 +4871,12 @@
           <a:p>
             <a:pPr algn="ctr"/>
             <a:r>
-              <a:rPr lang="en-US" sz="1050" dirty="0" smtClean="0">
+              <a:rPr lang="en-US" sz="1050" dirty="0">
                 <a:solidFill>
                   <a:srgbClr val="7030A0"/>
                 </a:solidFill>
               </a:rPr>
-              <a:t>&lt;&lt;interface&gt;&gt;</a:t>
-            </a:r>
-            <a:br>
-              <a:rPr lang="en-US" sz="1050" dirty="0" smtClean="0">
-                <a:solidFill>
-                  <a:srgbClr val="7030A0"/>
-                </a:solidFill>
-              </a:rPr>
-            </a:br>
-            <a:r>
-              <a:rPr lang="en-US" sz="1050" dirty="0" err="1" smtClean="0">
-                <a:solidFill>
-                  <a:srgbClr val="7030A0"/>
-                </a:solidFill>
-              </a:rPr>
-              <a:t>ReadOnlyPerson</a:t>
+              <a:t>Location</a:t>
             </a:r>
             <a:endParaRPr lang="en-SG" sz="1050" dirty="0">
               <a:solidFill>
@@ -4790,122 +4886,19 @@
           </a:p>
         </p:txBody>
       </p:sp>
-      <p:sp>
-        <p:nvSpPr>
-          <p:cNvPr id="76" name="Rectangle 8"/>
-          <p:cNvSpPr/>
-          <p:nvPr/>
-        </p:nvSpPr>
-        <p:spPr>
-          <a:xfrm>
-            <a:off x="7712397" y="2564238"/>
-            <a:ext cx="708186" cy="285783"/>
-          </a:xfrm>
-          <a:prstGeom prst="rect">
-            <a:avLst/>
-          </a:prstGeom>
-          <a:ln w="19050">
-            <a:solidFill>
-              <a:srgbClr val="7030A0"/>
-            </a:solidFill>
-          </a:ln>
-          <a:effectLst/>
-        </p:spPr>
-        <p:style>
-          <a:lnRef idx="1">
-            <a:schemeClr val="accent4"/>
-          </a:lnRef>
-          <a:fillRef idx="2">
-            <a:schemeClr val="accent4"/>
-          </a:fillRef>
-          <a:effectRef idx="1">
-            <a:schemeClr val="accent4"/>
-          </a:effectRef>
-          <a:fontRef idx="minor">
-            <a:schemeClr val="dk1"/>
-          </a:fontRef>
-        </p:style>
-        <p:txBody>
-          <a:bodyPr rtlCol="0" anchor="ctr"/>
-          <a:lstStyle/>
-          <a:p>
-            <a:pPr algn="ctr"/>
-            <a:r>
-              <a:rPr lang="en-US" sz="1050" dirty="0" smtClean="0">
-                <a:solidFill>
-                  <a:srgbClr val="7030A0"/>
-                </a:solidFill>
-              </a:rPr>
-              <a:t>Name</a:t>
-            </a:r>
-            <a:endParaRPr lang="en-SG" sz="1050" dirty="0">
-              <a:solidFill>
-                <a:srgbClr val="7030A0"/>
-              </a:solidFill>
-            </a:endParaRPr>
-          </a:p>
-        </p:txBody>
-      </p:sp>
-      <p:sp>
-        <p:nvSpPr>
-          <p:cNvPr id="78" name="Flowchart: Decision 96"/>
-          <p:cNvSpPr/>
-          <p:nvPr/>
-        </p:nvSpPr>
-        <p:spPr>
-          <a:xfrm>
-            <a:off x="7041947" y="2948201"/>
-            <a:ext cx="236048" cy="173380"/>
-          </a:xfrm>
-          <a:prstGeom prst="flowChartDecision">
-            <a:avLst/>
-          </a:prstGeom>
-          <a:solidFill>
-            <a:srgbClr val="7030A0"/>
-          </a:solidFill>
-          <a:ln w="19050">
-            <a:solidFill>
-              <a:srgbClr val="7030A0"/>
-            </a:solidFill>
-          </a:ln>
-          <a:effectLst/>
-        </p:spPr>
-        <p:style>
-          <a:lnRef idx="1">
-            <a:schemeClr val="accent6"/>
-          </a:lnRef>
-          <a:fillRef idx="2">
-            <a:schemeClr val="accent6"/>
-          </a:fillRef>
-          <a:effectRef idx="1">
-            <a:schemeClr val="accent6"/>
-          </a:effectRef>
-          <a:fontRef idx="minor">
-            <a:schemeClr val="dk1"/>
-          </a:fontRef>
-        </p:style>
-        <p:txBody>
-          <a:bodyPr rtlCol="0" anchor="ctr"/>
-          <a:lstStyle/>
-          <a:p>
-            <a:pPr algn="ctr"/>
-            <a:endParaRPr lang="en-US" sz="1050"/>
-          </a:p>
-        </p:txBody>
-      </p:sp>
       <p:cxnSp>
         <p:nvCxnSpPr>
-          <p:cNvPr id="79" name="Elbow Connector 78"/>
+          <p:cNvPr id="81" name="Elbow Connector 80"/>
           <p:cNvCxnSpPr>
             <a:stCxn id="78" idx="3"/>
-            <a:endCxn id="76" idx="1"/>
+            <a:endCxn id="80" idx="1"/>
           </p:cNvCxnSpPr>
           <p:nvPr/>
         </p:nvCxnSpPr>
         <p:spPr>
           <a:xfrm flipV="1">
-            <a:off x="7277995" y="2707130"/>
-            <a:ext cx="434402" cy="327761"/>
+            <a:off x="7260022" y="2789758"/>
+            <a:ext cx="434402" cy="4783"/>
           </a:xfrm>
           <a:prstGeom prst="bentConnector3">
             <a:avLst/>
@@ -4936,13 +4929,13 @@
       </p:cxnSp>
       <p:sp>
         <p:nvSpPr>
-          <p:cNvPr id="80" name="Rectangle 8"/>
+          <p:cNvPr id="83" name="Rectangle 8"/>
           <p:cNvSpPr/>
           <p:nvPr/>
         </p:nvSpPr>
         <p:spPr>
           <a:xfrm>
-            <a:off x="7712397" y="2887216"/>
+            <a:off x="7694424" y="2969844"/>
             <a:ext cx="708186" cy="285783"/>
           </a:xfrm>
           <a:prstGeom prst="rect">
@@ -4975,12 +4968,12 @@
           <a:p>
             <a:pPr algn="ctr"/>
             <a:r>
-              <a:rPr lang="en-US" sz="1050" dirty="0" smtClean="0">
+              <a:rPr lang="en-US" sz="1050" dirty="0" err="1">
                 <a:solidFill>
                   <a:srgbClr val="7030A0"/>
                 </a:solidFill>
               </a:rPr>
-              <a:t>Phone</a:t>
+              <a:t>startDateTime</a:t>
             </a:r>
             <a:endParaRPr lang="en-SG" sz="1050" dirty="0">
               <a:solidFill>
@@ -4992,17 +4985,17 @@
       </p:sp>
       <p:cxnSp>
         <p:nvCxnSpPr>
-          <p:cNvPr id="81" name="Elbow Connector 80"/>
+          <p:cNvPr id="84" name="Elbow Connector 83"/>
           <p:cNvCxnSpPr>
             <a:stCxn id="78" idx="3"/>
-            <a:endCxn id="80" idx="1"/>
+            <a:endCxn id="83" idx="1"/>
           </p:cNvCxnSpPr>
           <p:nvPr/>
         </p:nvCxnSpPr>
         <p:spPr>
-          <a:xfrm flipV="1">
-            <a:off x="7277995" y="3030108"/>
-            <a:ext cx="434402" cy="4783"/>
+          <a:xfrm>
+            <a:off x="7260022" y="2794541"/>
+            <a:ext cx="434402" cy="318195"/>
           </a:xfrm>
           <a:prstGeom prst="bentConnector3">
             <a:avLst/>
@@ -5033,13 +5026,13 @@
       </p:cxnSp>
       <p:sp>
         <p:nvSpPr>
-          <p:cNvPr id="83" name="Rectangle 8"/>
+          <p:cNvPr id="85" name="Rectangle 8"/>
           <p:cNvSpPr/>
           <p:nvPr/>
         </p:nvSpPr>
         <p:spPr>
           <a:xfrm>
-            <a:off x="7712397" y="3210194"/>
+            <a:off x="7694424" y="3292821"/>
             <a:ext cx="708186" cy="285783"/>
           </a:xfrm>
           <a:prstGeom prst="rect">
@@ -5072,109 +5065,12 @@
           <a:p>
             <a:pPr algn="ctr"/>
             <a:r>
-              <a:rPr lang="en-US" sz="1050" dirty="0" smtClean="0">
+              <a:rPr lang="en-US" sz="1050" dirty="0" err="1">
                 <a:solidFill>
                   <a:srgbClr val="7030A0"/>
                 </a:solidFill>
               </a:rPr>
-              <a:t>Email</a:t>
-            </a:r>
-            <a:endParaRPr lang="en-SG" sz="1050" dirty="0">
-              <a:solidFill>
-                <a:srgbClr val="7030A0"/>
-              </a:solidFill>
-            </a:endParaRPr>
-          </a:p>
-        </p:txBody>
-      </p:sp>
-      <p:cxnSp>
-        <p:nvCxnSpPr>
-          <p:cNvPr id="84" name="Elbow Connector 83"/>
-          <p:cNvCxnSpPr>
-            <a:stCxn id="78" idx="3"/>
-            <a:endCxn id="83" idx="1"/>
-          </p:cNvCxnSpPr>
-          <p:nvPr/>
-        </p:nvCxnSpPr>
-        <p:spPr>
-          <a:xfrm>
-            <a:off x="7277995" y="3034891"/>
-            <a:ext cx="434402" cy="318195"/>
-          </a:xfrm>
-          <a:prstGeom prst="bentConnector3">
-            <a:avLst/>
-          </a:prstGeom>
-          <a:ln w="19050">
-            <a:solidFill>
-              <a:srgbClr val="7030A0"/>
-            </a:solidFill>
-            <a:headEnd type="none" w="med" len="med"/>
-            <a:tailEnd type="arrow" w="med" len="med"/>
-          </a:ln>
-          <a:effectLst/>
-        </p:spPr>
-        <p:style>
-          <a:lnRef idx="1">
-            <a:schemeClr val="accent2"/>
-          </a:lnRef>
-          <a:fillRef idx="2">
-            <a:schemeClr val="accent2"/>
-          </a:fillRef>
-          <a:effectRef idx="1">
-            <a:schemeClr val="accent2"/>
-          </a:effectRef>
-          <a:fontRef idx="minor">
-            <a:schemeClr val="dk1"/>
-          </a:fontRef>
-        </p:style>
-      </p:cxnSp>
-      <p:sp>
-        <p:nvSpPr>
-          <p:cNvPr id="85" name="Rectangle 8"/>
-          <p:cNvSpPr/>
-          <p:nvPr/>
-        </p:nvSpPr>
-        <p:spPr>
-          <a:xfrm>
-            <a:off x="7712397" y="3533171"/>
-            <a:ext cx="708186" cy="285783"/>
-          </a:xfrm>
-          <a:prstGeom prst="rect">
-            <a:avLst/>
-          </a:prstGeom>
-          <a:ln w="19050">
-            <a:solidFill>
-              <a:srgbClr val="7030A0"/>
-            </a:solidFill>
-          </a:ln>
-          <a:effectLst/>
-        </p:spPr>
-        <p:style>
-          <a:lnRef idx="1">
-            <a:schemeClr val="accent4"/>
-          </a:lnRef>
-          <a:fillRef idx="2">
-            <a:schemeClr val="accent4"/>
-          </a:fillRef>
-          <a:effectRef idx="1">
-            <a:schemeClr val="accent4"/>
-          </a:effectRef>
-          <a:fontRef idx="minor">
-            <a:schemeClr val="dk1"/>
-          </a:fontRef>
-        </p:style>
-        <p:txBody>
-          <a:bodyPr rtlCol="0" anchor="ctr"/>
-          <a:lstStyle/>
-          <a:p>
-            <a:pPr algn="ctr"/>
-            <a:r>
-              <a:rPr lang="en-US" sz="1050" dirty="0" smtClean="0">
-                <a:solidFill>
-                  <a:srgbClr val="7030A0"/>
-                </a:solidFill>
-              </a:rPr>
-              <a:t>Address</a:t>
+              <a:t>endDateTime</a:t>
             </a:r>
             <a:endParaRPr lang="en-SG" sz="1050" dirty="0">
               <a:solidFill>
@@ -5195,7 +5091,7 @@
         </p:nvCxnSpPr>
         <p:spPr>
           <a:xfrm>
-            <a:off x="7277995" y="3034891"/>
+            <a:off x="7260022" y="2794541"/>
             <a:ext cx="434402" cy="641172"/>
           </a:xfrm>
           <a:prstGeom prst="bentConnector3">
@@ -5357,7 +5253,7 @@
           <a:p>
             <a:pPr algn="ctr"/>
             <a:r>
-              <a:rPr lang="en-US" sz="1050" dirty="0" smtClean="0">
+              <a:rPr lang="en-US" sz="1050" dirty="0">
                 <a:solidFill>
                   <a:srgbClr val="7030A0"/>
                 </a:solidFill>
@@ -5365,19 +5261,19 @@
               <a:t>&lt;&lt;interface&gt;&gt;</a:t>
             </a:r>
             <a:br>
-              <a:rPr lang="en-US" sz="1050" dirty="0" smtClean="0">
+              <a:rPr lang="en-US" sz="1050" dirty="0">
                 <a:solidFill>
                   <a:srgbClr val="7030A0"/>
                 </a:solidFill>
               </a:rPr>
             </a:br>
             <a:r>
-              <a:rPr lang="en-US" sz="1050" dirty="0" err="1" smtClean="0">
+              <a:rPr lang="en-US" sz="1050" dirty="0" err="1">
                 <a:solidFill>
                   <a:srgbClr val="7030A0"/>
                 </a:solidFill>
               </a:rPr>
-              <a:t>ReadOnlyAddressBook</a:t>
+              <a:t>ReadOnlyTaskManager</a:t>
             </a:r>
             <a:endParaRPr lang="en-SG" sz="1050" dirty="0">
               <a:solidFill>
@@ -5395,7 +5291,7 @@
         </p:nvSpPr>
         <p:spPr>
           <a:xfrm rot="16200000">
-            <a:off x="6527512" y="3586305"/>
+            <a:off x="6532156" y="3350311"/>
             <a:ext cx="881018" cy="261610"/>
           </a:xfrm>
           <a:prstGeom prst="rect">
@@ -5411,7 +5307,7 @@
           <a:p>
             <a:pPr algn="r"/>
             <a:r>
-              <a:rPr lang="en-US" sz="1100" dirty="0" smtClean="0">
+              <a:rPr lang="en-US" sz="1100" dirty="0">
                 <a:solidFill>
                   <a:srgbClr val="7030A0"/>
                 </a:solidFill>
@@ -5467,20 +5363,12 @@
           <a:p>
             <a:pPr algn="ctr"/>
             <a:r>
-              <a:rPr lang="en-US" sz="1050" dirty="0" smtClean="0">
+              <a:rPr lang="en-US" sz="1050" dirty="0">
                 <a:solidFill>
                   <a:srgbClr val="7030A0"/>
                 </a:solidFill>
               </a:rPr>
               <a:t>&lt;&lt;interface&gt;&gt;</a:t>
-            </a:r>
-            <a:r>
-              <a:rPr lang="en-US" sz="1050" dirty="0">
-                <a:solidFill>
-                  <a:srgbClr val="7030A0"/>
-                </a:solidFill>
-              </a:rPr>
-              <a:t/>
             </a:r>
             <a:br>
               <a:rPr lang="en-US" sz="1050" dirty="0">
@@ -5490,7 +5378,7 @@
               </a:rPr>
             </a:br>
             <a:r>
-              <a:rPr lang="en-US" sz="1050" dirty="0" err="1" smtClean="0">
+              <a:rPr lang="en-US" sz="1050" dirty="0" err="1">
                 <a:solidFill>
                   <a:srgbClr val="7030A0"/>
                 </a:solidFill>
@@ -5551,14 +5439,14 @@
         <p:nvCxnSpPr>
           <p:cNvPr id="50" name="Elbow Connector 49"/>
           <p:cNvCxnSpPr>
+            <a:cxnSpLocks/>
             <a:stCxn id="62" idx="0"/>
-            <a:endCxn id="57" idx="3"/>
           </p:cNvCxnSpPr>
           <p:nvPr/>
         </p:nvCxnSpPr>
         <p:spPr>
           <a:xfrm rot="16200000" flipV="1">
-            <a:off x="5948976" y="2139271"/>
+            <a:off x="5948976" y="1885372"/>
             <a:ext cx="404117" cy="1033473"/>
           </a:xfrm>
           <a:prstGeom prst="bentConnector2">
@@ -5590,13 +5478,13 @@
       </p:cxnSp>
       <p:sp>
         <p:nvSpPr>
-          <p:cNvPr id="11" name="TextBox 10"/>
+          <p:cNvPr id="54" name="TextBox 53"/>
           <p:cNvSpPr txBox="1"/>
           <p:nvPr/>
         </p:nvSpPr>
         <p:spPr>
           <a:xfrm>
-            <a:off x="4324972" y="2191228"/>
+            <a:off x="4324972" y="3058864"/>
             <a:ext cx="189257" cy="178683"/>
           </a:xfrm>
           <a:prstGeom prst="rect">
@@ -5612,7 +5500,7 @@
           <a:p>
             <a:pPr algn="ctr"/>
             <a:r>
-              <a:rPr lang="en-US" sz="1100" dirty="0" smtClean="0">
+              <a:rPr lang="en-US" sz="1100" dirty="0">
                 <a:solidFill>
                   <a:srgbClr val="7030A0"/>
                 </a:solidFill>
@@ -5629,13 +5517,13 @@
       </p:sp>
       <p:sp>
         <p:nvSpPr>
-          <p:cNvPr id="54" name="TextBox 53"/>
+          <p:cNvPr id="56" name="TextBox 55"/>
           <p:cNvSpPr txBox="1"/>
           <p:nvPr/>
         </p:nvSpPr>
         <p:spPr>
           <a:xfrm>
-            <a:off x="4324972" y="3058864"/>
+            <a:off x="5689761" y="2495413"/>
             <a:ext cx="189257" cy="178683"/>
           </a:xfrm>
           <a:prstGeom prst="rect">
@@ -5651,7 +5539,7 @@
           <a:p>
             <a:pPr algn="ctr"/>
             <a:r>
-              <a:rPr lang="en-US" sz="1100" dirty="0" smtClean="0">
+              <a:rPr lang="en-US" sz="1100" dirty="0">
                 <a:solidFill>
                   <a:srgbClr val="7030A0"/>
                 </a:solidFill>
@@ -5668,13 +5556,13 @@
       </p:sp>
       <p:sp>
         <p:nvSpPr>
-          <p:cNvPr id="56" name="TextBox 55"/>
+          <p:cNvPr id="60" name="TextBox 59"/>
           <p:cNvSpPr txBox="1"/>
           <p:nvPr/>
         </p:nvSpPr>
         <p:spPr>
           <a:xfrm>
-            <a:off x="5689761" y="2495413"/>
+            <a:off x="5001907" y="1978101"/>
             <a:ext cx="189257" cy="178683"/>
           </a:xfrm>
           <a:prstGeom prst="rect">
@@ -5690,7 +5578,85 @@
           <a:p>
             <a:pPr algn="ctr"/>
             <a:r>
-              <a:rPr lang="en-US" sz="1100" dirty="0" smtClean="0">
+              <a:rPr lang="en-US" sz="1100" dirty="0">
+                <a:solidFill>
+                  <a:srgbClr val="7030A0"/>
+                </a:solidFill>
+              </a:rPr>
+              <a:t>*</a:t>
+            </a:r>
+            <a:endParaRPr lang="en-SG" sz="1100" dirty="0">
+              <a:solidFill>
+                <a:srgbClr val="7030A0"/>
+              </a:solidFill>
+            </a:endParaRPr>
+          </a:p>
+        </p:txBody>
+      </p:sp>
+      <p:sp>
+        <p:nvSpPr>
+          <p:cNvPr id="61" name="TextBox 60"/>
+          <p:cNvSpPr txBox="1"/>
+          <p:nvPr/>
+        </p:nvSpPr>
+        <p:spPr>
+          <a:xfrm>
+            <a:off x="6135256" y="3097917"/>
+            <a:ext cx="189257" cy="178683"/>
+          </a:xfrm>
+          <a:prstGeom prst="rect">
+            <a:avLst/>
+          </a:prstGeom>
+          <a:noFill/>
+        </p:spPr>
+        <p:txBody>
+          <a:bodyPr wrap="square" lIns="0" tIns="0" rIns="0" bIns="0" rtlCol="0">
+            <a:noAutofit/>
+          </a:bodyPr>
+          <a:lstStyle/>
+          <a:p>
+            <a:pPr algn="ctr"/>
+            <a:r>
+              <a:rPr lang="en-US" sz="1100" dirty="0">
+                <a:solidFill>
+                  <a:srgbClr val="7030A0"/>
+                </a:solidFill>
+              </a:rPr>
+              <a:t>*</a:t>
+            </a:r>
+            <a:endParaRPr lang="en-SG" sz="1100" dirty="0">
+              <a:solidFill>
+                <a:srgbClr val="7030A0"/>
+              </a:solidFill>
+            </a:endParaRPr>
+          </a:p>
+        </p:txBody>
+      </p:sp>
+      <p:sp>
+        <p:nvSpPr>
+          <p:cNvPr id="65" name="TextBox 64"/>
+          <p:cNvSpPr txBox="1"/>
+          <p:nvPr/>
+        </p:nvSpPr>
+        <p:spPr>
+          <a:xfrm>
+            <a:off x="2687923" y="2564238"/>
+            <a:ext cx="189257" cy="178683"/>
+          </a:xfrm>
+          <a:prstGeom prst="rect">
+            <a:avLst/>
+          </a:prstGeom>
+          <a:noFill/>
+        </p:spPr>
+        <p:txBody>
+          <a:bodyPr wrap="square" lIns="0" tIns="0" rIns="0" bIns="0" rtlCol="0">
+            <a:noAutofit/>
+          </a:bodyPr>
+          <a:lstStyle/>
+          <a:p>
+            <a:pPr algn="ctr"/>
+            <a:r>
+              <a:rPr lang="en-US" sz="1100" dirty="0">
                 <a:solidFill>
                   <a:srgbClr val="7030A0"/>
                 </a:solidFill>
@@ -5707,13 +5673,13 @@
       </p:sp>
       <p:sp>
         <p:nvSpPr>
-          <p:cNvPr id="60" name="TextBox 59"/>
+          <p:cNvPr id="66" name="TextBox 65"/>
           <p:cNvSpPr txBox="1"/>
           <p:nvPr/>
         </p:nvSpPr>
         <p:spPr>
           <a:xfrm>
-            <a:off x="5163172" y="1778919"/>
+            <a:off x="2656370" y="3386050"/>
             <a:ext cx="189257" cy="178683"/>
           </a:xfrm>
           <a:prstGeom prst="rect">
@@ -5729,12 +5695,12 @@
           <a:p>
             <a:pPr algn="ctr"/>
             <a:r>
-              <a:rPr lang="en-US" sz="1100" dirty="0" smtClean="0">
+              <a:rPr lang="en-US" sz="1100" dirty="0">
                 <a:solidFill>
                   <a:srgbClr val="7030A0"/>
                 </a:solidFill>
               </a:rPr>
-              <a:t>*</a:t>
+              <a:t>1</a:t>
             </a:r>
             <a:endParaRPr lang="en-SG" sz="1100" dirty="0">
               <a:solidFill>
@@ -5746,13 +5712,13 @@
       </p:sp>
       <p:sp>
         <p:nvSpPr>
-          <p:cNvPr id="61" name="TextBox 60"/>
+          <p:cNvPr id="70" name="TextBox 69"/>
           <p:cNvSpPr txBox="1"/>
           <p:nvPr/>
         </p:nvSpPr>
         <p:spPr>
           <a:xfrm>
-            <a:off x="6135256" y="3097917"/>
+            <a:off x="6715462" y="2972814"/>
             <a:ext cx="189257" cy="178683"/>
           </a:xfrm>
           <a:prstGeom prst="rect">
@@ -5768,124 +5734,7 @@
           <a:p>
             <a:pPr algn="ctr"/>
             <a:r>
-              <a:rPr lang="en-US" sz="1100" dirty="0" smtClean="0">
-                <a:solidFill>
-                  <a:srgbClr val="7030A0"/>
-                </a:solidFill>
-              </a:rPr>
-              <a:t>*</a:t>
-            </a:r>
-            <a:endParaRPr lang="en-SG" sz="1100" dirty="0">
-              <a:solidFill>
-                <a:srgbClr val="7030A0"/>
-              </a:solidFill>
-            </a:endParaRPr>
-          </a:p>
-        </p:txBody>
-      </p:sp>
-      <p:sp>
-        <p:nvSpPr>
-          <p:cNvPr id="65" name="TextBox 64"/>
-          <p:cNvSpPr txBox="1"/>
-          <p:nvPr/>
-        </p:nvSpPr>
-        <p:spPr>
-          <a:xfrm>
-            <a:off x="2687923" y="2564238"/>
-            <a:ext cx="189257" cy="178683"/>
-          </a:xfrm>
-          <a:prstGeom prst="rect">
-            <a:avLst/>
-          </a:prstGeom>
-          <a:noFill/>
-        </p:spPr>
-        <p:txBody>
-          <a:bodyPr wrap="square" lIns="0" tIns="0" rIns="0" bIns="0" rtlCol="0">
-            <a:noAutofit/>
-          </a:bodyPr>
-          <a:lstStyle/>
-          <a:p>
-            <a:pPr algn="ctr"/>
-            <a:r>
-              <a:rPr lang="en-US" sz="1100" dirty="0" smtClean="0">
-                <a:solidFill>
-                  <a:srgbClr val="7030A0"/>
-                </a:solidFill>
-              </a:rPr>
-              <a:t>1</a:t>
-            </a:r>
-            <a:endParaRPr lang="en-SG" sz="1100" dirty="0">
-              <a:solidFill>
-                <a:srgbClr val="7030A0"/>
-              </a:solidFill>
-            </a:endParaRPr>
-          </a:p>
-        </p:txBody>
-      </p:sp>
-      <p:sp>
-        <p:nvSpPr>
-          <p:cNvPr id="66" name="TextBox 65"/>
-          <p:cNvSpPr txBox="1"/>
-          <p:nvPr/>
-        </p:nvSpPr>
-        <p:spPr>
-          <a:xfrm>
-            <a:off x="2656370" y="3386050"/>
-            <a:ext cx="189257" cy="178683"/>
-          </a:xfrm>
-          <a:prstGeom prst="rect">
-            <a:avLst/>
-          </a:prstGeom>
-          <a:noFill/>
-        </p:spPr>
-        <p:txBody>
-          <a:bodyPr wrap="square" lIns="0" tIns="0" rIns="0" bIns="0" rtlCol="0">
-            <a:noAutofit/>
-          </a:bodyPr>
-          <a:lstStyle/>
-          <a:p>
-            <a:pPr algn="ctr"/>
-            <a:r>
-              <a:rPr lang="en-US" sz="1100" dirty="0" smtClean="0">
-                <a:solidFill>
-                  <a:srgbClr val="7030A0"/>
-                </a:solidFill>
-              </a:rPr>
-              <a:t>1</a:t>
-            </a:r>
-            <a:endParaRPr lang="en-SG" sz="1100" dirty="0">
-              <a:solidFill>
-                <a:srgbClr val="7030A0"/>
-              </a:solidFill>
-            </a:endParaRPr>
-          </a:p>
-        </p:txBody>
-      </p:sp>
-      <p:sp>
-        <p:nvSpPr>
-          <p:cNvPr id="70" name="TextBox 69"/>
-          <p:cNvSpPr txBox="1"/>
-          <p:nvPr/>
-        </p:nvSpPr>
-        <p:spPr>
-          <a:xfrm>
-            <a:off x="6667770" y="3210194"/>
-            <a:ext cx="189257" cy="178683"/>
-          </a:xfrm>
-          <a:prstGeom prst="rect">
-            <a:avLst/>
-          </a:prstGeom>
-          <a:noFill/>
-        </p:spPr>
-        <p:txBody>
-          <a:bodyPr wrap="square" lIns="0" tIns="0" rIns="0" bIns="0" rtlCol="0">
-            <a:noAutofit/>
-          </a:bodyPr>
-          <a:lstStyle/>
-          <a:p>
-            <a:pPr algn="ctr"/>
-            <a:r>
-              <a:rPr lang="en-US" sz="1100" dirty="0" smtClean="0">
+              <a:rPr lang="en-US" sz="1100" dirty="0">
                 <a:solidFill>
                   <a:srgbClr val="7030A0"/>
                 </a:solidFill>
@@ -5910,13 +5759,6 @@
   <p:clrMapOvr>
     <a:masterClrMapping/>
   </p:clrMapOvr>
-  <p:timing>
-    <p:tnLst>
-      <p:par>
-        <p:cTn id="1" dur="indefinite" restart="never" nodeType="tmRoot"/>
-      </p:par>
-    </p:tnLst>
-  </p:timing>
 </p:sld>
 </file>
 

--- a/docs/diagrams/ModelComponentClassDiagram.pptx
+++ b/docs/diagrams/ModelComponentClassDiagram.pptx
@@ -107,6 +107,22 @@
       </a:defRPr>
     </a:lvl9pPr>
   </p:defaultTextStyle>
+  <p:extLst>
+    <p:ext uri="{EFAFB233-063F-42B5-8137-9DF3F51BA10A}">
+      <p15:sldGuideLst xmlns:p15="http://schemas.microsoft.com/office/powerpoint/2012/main">
+        <p15:guide id="1" orient="horz" pos="1488">
+          <p15:clr>
+            <a:srgbClr val="A4A3A4"/>
+          </p15:clr>
+        </p15:guide>
+        <p15:guide id="2" pos="2880">
+          <p15:clr>
+            <a:srgbClr val="A4A3A4"/>
+          </p15:clr>
+        </p15:guide>
+      </p15:sldGuideLst>
+    </p:ext>
+  </p:extLst>
 </p:presentation>
 </file>
 
@@ -192,7 +208,7 @@
           <a:p>
             <a:fld id="{F5CC4B3F-88C1-4FFA-B1B6-F41C21DC6924}" type="datetimeFigureOut">
               <a:rPr lang="en-US" smtClean="0"/>
-              <a:t>11/19/2016</a:t>
+              <a:t>17-Mar-17</a:t>
             </a:fld>
             <a:endParaRPr lang="en-US"/>
           </a:p>
@@ -641,7 +657,7 @@
           <a:p>
             <a:fld id="{78C97017-6FC3-485B-9764-EAC9E56C1D49}" type="datetimeFigureOut">
               <a:rPr lang="en-US" smtClean="0"/>
-              <a:t>11/19/2016</a:t>
+              <a:t>17-Mar-17</a:t>
             </a:fld>
             <a:endParaRPr lang="en-US"/>
           </a:p>
@@ -811,7 +827,7 @@
           <a:p>
             <a:fld id="{78C97017-6FC3-485B-9764-EAC9E56C1D49}" type="datetimeFigureOut">
               <a:rPr lang="en-US" smtClean="0"/>
-              <a:t>11/19/2016</a:t>
+              <a:t>17-Mar-17</a:t>
             </a:fld>
             <a:endParaRPr lang="en-US"/>
           </a:p>
@@ -991,7 +1007,7 @@
           <a:p>
             <a:fld id="{78C97017-6FC3-485B-9764-EAC9E56C1D49}" type="datetimeFigureOut">
               <a:rPr lang="en-US" smtClean="0"/>
-              <a:t>11/19/2016</a:t>
+              <a:t>17-Mar-17</a:t>
             </a:fld>
             <a:endParaRPr lang="en-US"/>
           </a:p>
@@ -1161,7 +1177,7 @@
           <a:p>
             <a:fld id="{78C97017-6FC3-485B-9764-EAC9E56C1D49}" type="datetimeFigureOut">
               <a:rPr lang="en-US" smtClean="0"/>
-              <a:t>11/19/2016</a:t>
+              <a:t>17-Mar-17</a:t>
             </a:fld>
             <a:endParaRPr lang="en-US"/>
           </a:p>
@@ -1407,7 +1423,7 @@
           <a:p>
             <a:fld id="{78C97017-6FC3-485B-9764-EAC9E56C1D49}" type="datetimeFigureOut">
               <a:rPr lang="en-US" smtClean="0"/>
-              <a:t>11/19/2016</a:t>
+              <a:t>17-Mar-17</a:t>
             </a:fld>
             <a:endParaRPr lang="en-US"/>
           </a:p>
@@ -1695,7 +1711,7 @@
           <a:p>
             <a:fld id="{78C97017-6FC3-485B-9764-EAC9E56C1D49}" type="datetimeFigureOut">
               <a:rPr lang="en-US" smtClean="0"/>
-              <a:t>11/19/2016</a:t>
+              <a:t>17-Mar-17</a:t>
             </a:fld>
             <a:endParaRPr lang="en-US"/>
           </a:p>
@@ -2117,7 +2133,7 @@
           <a:p>
             <a:fld id="{78C97017-6FC3-485B-9764-EAC9E56C1D49}" type="datetimeFigureOut">
               <a:rPr lang="en-US" smtClean="0"/>
-              <a:t>11/19/2016</a:t>
+              <a:t>17-Mar-17</a:t>
             </a:fld>
             <a:endParaRPr lang="en-US"/>
           </a:p>
@@ -2235,7 +2251,7 @@
           <a:p>
             <a:fld id="{78C97017-6FC3-485B-9764-EAC9E56C1D49}" type="datetimeFigureOut">
               <a:rPr lang="en-US" smtClean="0"/>
-              <a:t>11/19/2016</a:t>
+              <a:t>17-Mar-17</a:t>
             </a:fld>
             <a:endParaRPr lang="en-US"/>
           </a:p>
@@ -2330,7 +2346,7 @@
           <a:p>
             <a:fld id="{78C97017-6FC3-485B-9764-EAC9E56C1D49}" type="datetimeFigureOut">
               <a:rPr lang="en-US" smtClean="0"/>
-              <a:t>11/19/2016</a:t>
+              <a:t>17-Mar-17</a:t>
             </a:fld>
             <a:endParaRPr lang="en-US"/>
           </a:p>
@@ -2607,7 +2623,7 @@
           <a:p>
             <a:fld id="{78C97017-6FC3-485B-9764-EAC9E56C1D49}" type="datetimeFigureOut">
               <a:rPr lang="en-US" smtClean="0"/>
-              <a:t>11/19/2016</a:t>
+              <a:t>17-Mar-17</a:t>
             </a:fld>
             <a:endParaRPr lang="en-US"/>
           </a:p>
@@ -2860,7 +2876,7 @@
           <a:p>
             <a:fld id="{78C97017-6FC3-485B-9764-EAC9E56C1D49}" type="datetimeFigureOut">
               <a:rPr lang="en-US" smtClean="0"/>
-              <a:t>11/19/2016</a:t>
+              <a:t>17-Mar-17</a:t>
             </a:fld>
             <a:endParaRPr lang="en-US"/>
           </a:p>
@@ -3073,7 +3089,7 @@
           <a:p>
             <a:fld id="{78C97017-6FC3-485B-9764-EAC9E56C1D49}" type="datetimeFigureOut">
               <a:rPr lang="en-US" smtClean="0"/>
-              <a:t>11/19/2016</a:t>
+              <a:t>17-Mar-17</a:t>
             </a:fld>
             <a:endParaRPr lang="en-US"/>
           </a:p>
@@ -4096,7 +4112,7 @@
                   <a:srgbClr val="7030A0"/>
                 </a:solidFill>
               </a:rPr>
-              <a:t>AddressBook</a:t>
+              <a:t>TaskManager</a:t>
             </a:r>
             <a:endParaRPr lang="en-SG" sz="1050" dirty="0">
               <a:solidFill>
@@ -4238,7 +4254,7 @@
                   <a:srgbClr val="7030A0"/>
                 </a:solidFill>
               </a:rPr>
-              <a:t>UniquePersonList</a:t>
+              <a:t>UniqueTaskList</a:t>
             </a:r>
             <a:endParaRPr lang="en-SG" sz="1050" dirty="0">
               <a:solidFill>
@@ -4481,7 +4497,7 @@
                   <a:srgbClr val="7030A0"/>
                 </a:solidFill>
               </a:rPr>
-              <a:t>Person</a:t>
+              <a:t>Task</a:t>
             </a:r>
             <a:endParaRPr lang="en-SG" sz="1050" dirty="0">
               <a:solidFill>
@@ -4780,7 +4796,7 @@
                   <a:srgbClr val="7030A0"/>
                 </a:solidFill>
               </a:rPr>
-              <a:t>ReadOnlyPerson</a:t>
+              <a:t>ReadOnlyTask</a:t>
             </a:r>
             <a:endParaRPr lang="en-SG" sz="1050" dirty="0">
               <a:solidFill>
@@ -4943,7 +4959,7 @@
         <p:spPr>
           <a:xfrm>
             <a:off x="7712397" y="2887216"/>
-            <a:ext cx="708186" cy="285783"/>
+            <a:ext cx="713474" cy="285783"/>
           </a:xfrm>
           <a:prstGeom prst="rect">
             <a:avLst/>
@@ -4975,12 +4991,12 @@
           <a:p>
             <a:pPr algn="ctr"/>
             <a:r>
-              <a:rPr lang="en-US" sz="1050" dirty="0" smtClean="0">
+              <a:rPr lang="en-US" sz="1050" dirty="0" err="1" smtClean="0">
                 <a:solidFill>
                   <a:srgbClr val="7030A0"/>
                 </a:solidFill>
               </a:rPr>
-              <a:t>Phone</a:t>
+              <a:t>StartTime</a:t>
             </a:r>
             <a:endParaRPr lang="en-SG" sz="1050" dirty="0">
               <a:solidFill>
@@ -5072,12 +5088,12 @@
           <a:p>
             <a:pPr algn="ctr"/>
             <a:r>
-              <a:rPr lang="en-US" sz="1050" dirty="0" smtClean="0">
+              <a:rPr lang="en-US" sz="1050" dirty="0" err="1" smtClean="0">
                 <a:solidFill>
                   <a:srgbClr val="7030A0"/>
                 </a:solidFill>
               </a:rPr>
-              <a:t>Email</a:t>
+              <a:t>EndTime</a:t>
             </a:r>
             <a:endParaRPr lang="en-SG" sz="1050" dirty="0">
               <a:solidFill>
@@ -5174,7 +5190,7 @@
                   <a:srgbClr val="7030A0"/>
                 </a:solidFill>
               </a:rPr>
-              <a:t>Address</a:t>
+              <a:t>Priority</a:t>
             </a:r>
             <a:endParaRPr lang="en-SG" sz="1050" dirty="0">
               <a:solidFill>
@@ -5377,7 +5393,7 @@
                   <a:srgbClr val="7030A0"/>
                 </a:solidFill>
               </a:rPr>
-              <a:t>ReadOnlyAddressBook</a:t>
+              <a:t>ReadOnlyTaskManager</a:t>
             </a:r>
             <a:endParaRPr lang="en-SG" sz="1050" dirty="0">
               <a:solidFill>
@@ -5900,6 +5916,104 @@
           </a:p>
         </p:txBody>
       </p:sp>
+      <p:sp>
+        <p:nvSpPr>
+          <p:cNvPr id="73" name="Rectangle 8"/>
+          <p:cNvSpPr/>
+          <p:nvPr/>
+        </p:nvSpPr>
+        <p:spPr>
+          <a:xfrm>
+            <a:off x="7717684" y="3862178"/>
+            <a:ext cx="702899" cy="285783"/>
+          </a:xfrm>
+          <a:prstGeom prst="rect">
+            <a:avLst/>
+          </a:prstGeom>
+          <a:ln w="19050">
+            <a:solidFill>
+              <a:srgbClr val="7030A0"/>
+            </a:solidFill>
+          </a:ln>
+          <a:effectLst/>
+        </p:spPr>
+        <p:style>
+          <a:lnRef idx="1">
+            <a:schemeClr val="accent4"/>
+          </a:lnRef>
+          <a:fillRef idx="2">
+            <a:schemeClr val="accent4"/>
+          </a:fillRef>
+          <a:effectRef idx="1">
+            <a:schemeClr val="accent4"/>
+          </a:effectRef>
+          <a:fontRef idx="minor">
+            <a:schemeClr val="dk1"/>
+          </a:fontRef>
+        </p:style>
+        <p:txBody>
+          <a:bodyPr rtlCol="0" anchor="ctr"/>
+          <a:lstStyle/>
+          <a:p>
+            <a:r>
+              <a:rPr lang="en-US" sz="800" dirty="0" smtClean="0">
+                <a:solidFill>
+                  <a:srgbClr val="7030A0"/>
+                </a:solidFill>
+              </a:rPr>
+              <a:t>Description</a:t>
+            </a:r>
+            <a:endParaRPr lang="en-SG" sz="800" dirty="0">
+              <a:solidFill>
+                <a:srgbClr val="7030A0"/>
+              </a:solidFill>
+            </a:endParaRPr>
+          </a:p>
+        </p:txBody>
+      </p:sp>
+      <p:cxnSp>
+        <p:nvCxnSpPr>
+          <p:cNvPr id="74" name="Elbow Connector 73"/>
+          <p:cNvCxnSpPr>
+            <a:stCxn id="78" idx="3"/>
+            <a:endCxn id="73" idx="1"/>
+          </p:cNvCxnSpPr>
+          <p:nvPr/>
+        </p:nvCxnSpPr>
+        <p:spPr>
+          <a:xfrm>
+            <a:off x="7277995" y="3034891"/>
+            <a:ext cx="439689" cy="970179"/>
+          </a:xfrm>
+          <a:prstGeom prst="bentConnector3">
+            <a:avLst>
+              <a:gd name="adj1" fmla="val 50000"/>
+            </a:avLst>
+          </a:prstGeom>
+          <a:ln w="19050">
+            <a:solidFill>
+              <a:srgbClr val="7030A0"/>
+            </a:solidFill>
+            <a:headEnd type="none" w="med" len="med"/>
+            <a:tailEnd type="arrow" w="med" len="med"/>
+          </a:ln>
+          <a:effectLst/>
+        </p:spPr>
+        <p:style>
+          <a:lnRef idx="1">
+            <a:schemeClr val="accent2"/>
+          </a:lnRef>
+          <a:fillRef idx="2">
+            <a:schemeClr val="accent2"/>
+          </a:fillRef>
+          <a:effectRef idx="1">
+            <a:schemeClr val="accent2"/>
+          </a:effectRef>
+          <a:fontRef idx="minor">
+            <a:schemeClr val="dk1"/>
+          </a:fontRef>
+        </p:style>
+      </p:cxnSp>
     </p:spTree>
     <p:extLst>
       <p:ext uri="{BB962C8B-B14F-4D97-AF65-F5344CB8AC3E}">

--- a/docs/diagrams/ModelComponentClassDiagram.pptx
+++ b/docs/diagrams/ModelComponentClassDiagram.pptx
@@ -107,6 +107,22 @@
       </a:defRPr>
     </a:lvl9pPr>
   </p:defaultTextStyle>
+  <p:extLst>
+    <p:ext uri="{EFAFB233-063F-42B5-8137-9DF3F51BA10A}">
+      <p15:sldGuideLst xmlns:p15="http://schemas.microsoft.com/office/powerpoint/2012/main">
+        <p15:guide id="1" orient="horz" pos="1488">
+          <p15:clr>
+            <a:srgbClr val="A4A3A4"/>
+          </p15:clr>
+        </p15:guide>
+        <p15:guide id="2" pos="2880">
+          <p15:clr>
+            <a:srgbClr val="A4A3A4"/>
+          </p15:clr>
+        </p15:guide>
+      </p15:sldGuideLst>
+    </p:ext>
+  </p:extLst>
 </p:presentation>
 </file>
 
@@ -192,7 +208,7 @@
           <a:p>
             <a:fld id="{F5CC4B3F-88C1-4FFA-B1B6-F41C21DC6924}" type="datetimeFigureOut">
               <a:rPr lang="en-US" smtClean="0"/>
-              <a:t>11/19/2016</a:t>
+              <a:t>3/22/17</a:t>
             </a:fld>
             <a:endParaRPr lang="en-US"/>
           </a:p>
@@ -641,7 +657,7 @@
           <a:p>
             <a:fld id="{78C97017-6FC3-485B-9764-EAC9E56C1D49}" type="datetimeFigureOut">
               <a:rPr lang="en-US" smtClean="0"/>
-              <a:t>11/19/2016</a:t>
+              <a:t>3/22/17</a:t>
             </a:fld>
             <a:endParaRPr lang="en-US"/>
           </a:p>
@@ -811,7 +827,7 @@
           <a:p>
             <a:fld id="{78C97017-6FC3-485B-9764-EAC9E56C1D49}" type="datetimeFigureOut">
               <a:rPr lang="en-US" smtClean="0"/>
-              <a:t>11/19/2016</a:t>
+              <a:t>3/22/17</a:t>
             </a:fld>
             <a:endParaRPr lang="en-US"/>
           </a:p>
@@ -991,7 +1007,7 @@
           <a:p>
             <a:fld id="{78C97017-6FC3-485B-9764-EAC9E56C1D49}" type="datetimeFigureOut">
               <a:rPr lang="en-US" smtClean="0"/>
-              <a:t>11/19/2016</a:t>
+              <a:t>3/22/17</a:t>
             </a:fld>
             <a:endParaRPr lang="en-US"/>
           </a:p>
@@ -1161,7 +1177,7 @@
           <a:p>
             <a:fld id="{78C97017-6FC3-485B-9764-EAC9E56C1D49}" type="datetimeFigureOut">
               <a:rPr lang="en-US" smtClean="0"/>
-              <a:t>11/19/2016</a:t>
+              <a:t>3/22/17</a:t>
             </a:fld>
             <a:endParaRPr lang="en-US"/>
           </a:p>
@@ -1407,7 +1423,7 @@
           <a:p>
             <a:fld id="{78C97017-6FC3-485B-9764-EAC9E56C1D49}" type="datetimeFigureOut">
               <a:rPr lang="en-US" smtClean="0"/>
-              <a:t>11/19/2016</a:t>
+              <a:t>3/22/17</a:t>
             </a:fld>
             <a:endParaRPr lang="en-US"/>
           </a:p>
@@ -1695,7 +1711,7 @@
           <a:p>
             <a:fld id="{78C97017-6FC3-485B-9764-EAC9E56C1D49}" type="datetimeFigureOut">
               <a:rPr lang="en-US" smtClean="0"/>
-              <a:t>11/19/2016</a:t>
+              <a:t>3/22/17</a:t>
             </a:fld>
             <a:endParaRPr lang="en-US"/>
           </a:p>
@@ -2117,7 +2133,7 @@
           <a:p>
             <a:fld id="{78C97017-6FC3-485B-9764-EAC9E56C1D49}" type="datetimeFigureOut">
               <a:rPr lang="en-US" smtClean="0"/>
-              <a:t>11/19/2016</a:t>
+              <a:t>3/22/17</a:t>
             </a:fld>
             <a:endParaRPr lang="en-US"/>
           </a:p>
@@ -2235,7 +2251,7 @@
           <a:p>
             <a:fld id="{78C97017-6FC3-485B-9764-EAC9E56C1D49}" type="datetimeFigureOut">
               <a:rPr lang="en-US" smtClean="0"/>
-              <a:t>11/19/2016</a:t>
+              <a:t>3/22/17</a:t>
             </a:fld>
             <a:endParaRPr lang="en-US"/>
           </a:p>
@@ -2330,7 +2346,7 @@
           <a:p>
             <a:fld id="{78C97017-6FC3-485B-9764-EAC9E56C1D49}" type="datetimeFigureOut">
               <a:rPr lang="en-US" smtClean="0"/>
-              <a:t>11/19/2016</a:t>
+              <a:t>3/22/17</a:t>
             </a:fld>
             <a:endParaRPr lang="en-US"/>
           </a:p>
@@ -2607,7 +2623,7 @@
           <a:p>
             <a:fld id="{78C97017-6FC3-485B-9764-EAC9E56C1D49}" type="datetimeFigureOut">
               <a:rPr lang="en-US" smtClean="0"/>
-              <a:t>11/19/2016</a:t>
+              <a:t>3/22/17</a:t>
             </a:fld>
             <a:endParaRPr lang="en-US"/>
           </a:p>
@@ -2860,7 +2876,7 @@
           <a:p>
             <a:fld id="{78C97017-6FC3-485B-9764-EAC9E56C1D49}" type="datetimeFigureOut">
               <a:rPr lang="en-US" smtClean="0"/>
-              <a:t>11/19/2016</a:t>
+              <a:t>3/22/17</a:t>
             </a:fld>
             <a:endParaRPr lang="en-US"/>
           </a:p>
@@ -3073,7 +3089,7 @@
           <a:p>
             <a:fld id="{78C97017-6FC3-485B-9764-EAC9E56C1D49}" type="datetimeFigureOut">
               <a:rPr lang="en-US" smtClean="0"/>
-              <a:t>11/19/2016</a:t>
+              <a:t>3/22/17</a:t>
             </a:fld>
             <a:endParaRPr lang="en-US"/>
           </a:p>
@@ -3494,7 +3510,7 @@
           <a:lstStyle/>
           <a:p>
             <a:r>
-              <a:rPr lang="en-US" sz="1200" b="1" dirty="0" smtClean="0">
+              <a:rPr lang="en-US" sz="1200" b="1" smtClean="0">
                 <a:solidFill>
                   <a:srgbClr val="7030A0"/>
                 </a:solidFill>
@@ -4096,7 +4112,7 @@
                   <a:srgbClr val="7030A0"/>
                 </a:solidFill>
               </a:rPr>
-              <a:t>AddressBook</a:t>
+              <a:t>TaskManager</a:t>
             </a:r>
             <a:endParaRPr lang="en-SG" sz="1050" dirty="0">
               <a:solidFill>
@@ -4238,7 +4254,7 @@
                   <a:srgbClr val="7030A0"/>
                 </a:solidFill>
               </a:rPr>
-              <a:t>UniquePersonList</a:t>
+              <a:t>UniqueTaskList</a:t>
             </a:r>
             <a:endParaRPr lang="en-SG" sz="1050" dirty="0">
               <a:solidFill>
@@ -4338,14 +4354,14 @@
       </p:cxnSp>
       <p:sp>
         <p:nvSpPr>
-          <p:cNvPr id="57" name="Rectangle 8"/>
+          <p:cNvPr id="62" name="Rectangle 8"/>
           <p:cNvSpPr/>
           <p:nvPr/>
         </p:nvSpPr>
         <p:spPr>
           <a:xfrm>
-            <a:off x="4477328" y="2280569"/>
-            <a:ext cx="1156969" cy="346760"/>
+            <a:off x="6313677" y="2858066"/>
+            <a:ext cx="708186" cy="346760"/>
           </a:xfrm>
           <a:prstGeom prst="rect">
             <a:avLst/>
@@ -4377,12 +4393,12 @@
           <a:p>
             <a:pPr algn="ctr"/>
             <a:r>
-              <a:rPr lang="en-US" sz="1050" dirty="0" err="1" smtClean="0">
+              <a:rPr lang="en-US" sz="1050" dirty="0" smtClean="0">
                 <a:solidFill>
                   <a:srgbClr val="7030A0"/>
                 </a:solidFill>
               </a:rPr>
-              <a:t>UniqueTagList</a:t>
+              <a:t>Task</a:t>
             </a:r>
             <a:endParaRPr lang="en-SG" sz="1050" dirty="0">
               <a:solidFill>
@@ -4392,24 +4408,67 @@
           </a:p>
         </p:txBody>
       </p:sp>
+      <p:sp>
+        <p:nvSpPr>
+          <p:cNvPr id="63" name="Flowchart: Decision 96"/>
+          <p:cNvSpPr/>
+          <p:nvPr/>
+        </p:nvSpPr>
+        <p:spPr>
+          <a:xfrm>
+            <a:off x="5643227" y="2943979"/>
+            <a:ext cx="236048" cy="173380"/>
+          </a:xfrm>
+          <a:prstGeom prst="flowChartDecision">
+            <a:avLst/>
+          </a:prstGeom>
+          <a:noFill/>
+          <a:ln w="19050">
+            <a:solidFill>
+              <a:srgbClr val="7030A0"/>
+            </a:solidFill>
+          </a:ln>
+          <a:effectLst/>
+        </p:spPr>
+        <p:style>
+          <a:lnRef idx="1">
+            <a:schemeClr val="accent6"/>
+          </a:lnRef>
+          <a:fillRef idx="2">
+            <a:schemeClr val="accent6"/>
+          </a:fillRef>
+          <a:effectRef idx="1">
+            <a:schemeClr val="accent6"/>
+          </a:effectRef>
+          <a:fontRef idx="minor">
+            <a:schemeClr val="dk1"/>
+          </a:fontRef>
+        </p:style>
+        <p:txBody>
+          <a:bodyPr rtlCol="0" anchor="ctr"/>
+          <a:lstStyle/>
+          <a:p>
+            <a:pPr algn="ctr"/>
+            <a:endParaRPr lang="en-US" sz="1050"/>
+          </a:p>
+        </p:txBody>
+      </p:sp>
       <p:cxnSp>
         <p:nvCxnSpPr>
-          <p:cNvPr id="59" name="Elbow Connector 58"/>
+          <p:cNvPr id="64" name="Elbow Connector 63"/>
           <p:cNvCxnSpPr>
-            <a:stCxn id="51" idx="3"/>
-            <a:endCxn id="57" idx="1"/>
+            <a:stCxn id="63" idx="3"/>
+            <a:endCxn id="62" idx="1"/>
           </p:cNvCxnSpPr>
           <p:nvPr/>
         </p:nvCxnSpPr>
         <p:spPr>
-          <a:xfrm flipV="1">
-            <a:off x="4220351" y="2453949"/>
-            <a:ext cx="256977" cy="306732"/>
+          <a:xfrm>
+            <a:off x="5879275" y="3030669"/>
+            <a:ext cx="434402" cy="777"/>
           </a:xfrm>
           <a:prstGeom prst="bentConnector3">
-            <a:avLst>
-              <a:gd name="adj1" fmla="val 50000"/>
-            </a:avLst>
+            <a:avLst/>
           </a:prstGeom>
           <a:ln w="19050">
             <a:solidFill>
@@ -4437,14 +4496,14 @@
       </p:cxnSp>
       <p:sp>
         <p:nvSpPr>
-          <p:cNvPr id="62" name="Rectangle 8"/>
+          <p:cNvPr id="72" name="Rectangle 8"/>
           <p:cNvSpPr/>
           <p:nvPr/>
         </p:nvSpPr>
         <p:spPr>
           <a:xfrm>
-            <a:off x="6313677" y="2858066"/>
-            <a:ext cx="708186" cy="346760"/>
+            <a:off x="5128257" y="3429000"/>
+            <a:ext cx="1156969" cy="346760"/>
           </a:xfrm>
           <a:prstGeom prst="rect">
             <a:avLst/>
@@ -4481,7 +4540,22 @@
                   <a:srgbClr val="7030A0"/>
                 </a:solidFill>
               </a:rPr>
-              <a:t>Person</a:t>
+              <a:t>&lt;&lt;interface&gt;&gt;</a:t>
+            </a:r>
+            <a:br>
+              <a:rPr lang="en-US" sz="1050" dirty="0" smtClean="0">
+                <a:solidFill>
+                  <a:srgbClr val="7030A0"/>
+                </a:solidFill>
+              </a:rPr>
+            </a:br>
+            <a:r>
+              <a:rPr lang="en-US" sz="1050" dirty="0" err="1" smtClean="0">
+                <a:solidFill>
+                  <a:srgbClr val="7030A0"/>
+                </a:solidFill>
+              </a:rPr>
+              <a:t>ReadOnlyTask</a:t>
             </a:r>
             <a:endParaRPr lang="en-SG" sz="1050" dirty="0">
               <a:solidFill>
@@ -4493,19 +4567,77 @@
       </p:sp>
       <p:sp>
         <p:nvSpPr>
-          <p:cNvPr id="63" name="Flowchart: Decision 96"/>
+          <p:cNvPr id="76" name="Rectangle 8"/>
           <p:cNvSpPr/>
           <p:nvPr/>
         </p:nvSpPr>
         <p:spPr>
           <a:xfrm>
-            <a:off x="5643227" y="2943979"/>
+            <a:off x="7712397" y="2564238"/>
+            <a:ext cx="708186" cy="285783"/>
+          </a:xfrm>
+          <a:prstGeom prst="rect">
+            <a:avLst/>
+          </a:prstGeom>
+          <a:ln w="19050">
+            <a:solidFill>
+              <a:srgbClr val="7030A0"/>
+            </a:solidFill>
+          </a:ln>
+          <a:effectLst/>
+        </p:spPr>
+        <p:style>
+          <a:lnRef idx="1">
+            <a:schemeClr val="accent4"/>
+          </a:lnRef>
+          <a:fillRef idx="2">
+            <a:schemeClr val="accent4"/>
+          </a:fillRef>
+          <a:effectRef idx="1">
+            <a:schemeClr val="accent4"/>
+          </a:effectRef>
+          <a:fontRef idx="minor">
+            <a:schemeClr val="dk1"/>
+          </a:fontRef>
+        </p:style>
+        <p:txBody>
+          <a:bodyPr rtlCol="0" anchor="ctr"/>
+          <a:lstStyle/>
+          <a:p>
+            <a:pPr algn="ctr"/>
+            <a:r>
+              <a:rPr lang="en-US" sz="900" dirty="0" err="1" smtClean="0">
+                <a:solidFill>
+                  <a:srgbClr val="7030A0"/>
+                </a:solidFill>
+              </a:rPr>
+              <a:t>TaskName</a:t>
+            </a:r>
+            <a:endParaRPr lang="en-SG" sz="900" dirty="0">
+              <a:solidFill>
+                <a:srgbClr val="7030A0"/>
+              </a:solidFill>
+            </a:endParaRPr>
+          </a:p>
+        </p:txBody>
+      </p:sp>
+      <p:sp>
+        <p:nvSpPr>
+          <p:cNvPr id="78" name="Flowchart: Decision 96"/>
+          <p:cNvSpPr/>
+          <p:nvPr/>
+        </p:nvSpPr>
+        <p:spPr>
+          <a:xfrm>
+            <a:off x="7041947" y="2948201"/>
             <a:ext cx="236048" cy="173380"/>
           </a:xfrm>
           <a:prstGeom prst="flowChartDecision">
             <a:avLst/>
           </a:prstGeom>
-          <a:noFill/>
+          <a:solidFill>
+            <a:srgbClr val="7030A0"/>
+          </a:solidFill>
           <a:ln w="19050">
             <a:solidFill>
               <a:srgbClr val="7030A0"/>
@@ -4538,17 +4670,17 @@
       </p:sp>
       <p:cxnSp>
         <p:nvCxnSpPr>
-          <p:cNvPr id="64" name="Elbow Connector 63"/>
+          <p:cNvPr id="79" name="Elbow Connector 78"/>
           <p:cNvCxnSpPr>
-            <a:stCxn id="63" idx="3"/>
-            <a:endCxn id="62" idx="1"/>
+            <a:stCxn id="78" idx="3"/>
+            <a:endCxn id="76" idx="1"/>
           </p:cNvCxnSpPr>
           <p:nvPr/>
         </p:nvCxnSpPr>
         <p:spPr>
-          <a:xfrm>
-            <a:off x="5879275" y="3030669"/>
-            <a:ext cx="434402" cy="777"/>
+          <a:xfrm flipV="1">
+            <a:off x="7277995" y="2707130"/>
+            <a:ext cx="434402" cy="327761"/>
           </a:xfrm>
           <a:prstGeom prst="bentConnector3">
             <a:avLst/>
@@ -4579,14 +4711,14 @@
       </p:cxnSp>
       <p:sp>
         <p:nvSpPr>
-          <p:cNvPr id="67" name="Rectangle 8"/>
+          <p:cNvPr id="80" name="Rectangle 8"/>
           <p:cNvSpPr/>
           <p:nvPr/>
         </p:nvSpPr>
         <p:spPr>
           <a:xfrm>
-            <a:off x="5336105" y="1809332"/>
-            <a:ext cx="483700" cy="346760"/>
+            <a:off x="7712397" y="2887216"/>
+            <a:ext cx="708186" cy="285783"/>
           </a:xfrm>
           <a:prstGeom prst="rect">
             <a:avLst/>
@@ -4623,7 +4755,7 @@
                   <a:srgbClr val="7030A0"/>
                 </a:solidFill>
               </a:rPr>
-              <a:t>Tag</a:t>
+              <a:t>Date</a:t>
             </a:r>
             <a:endParaRPr lang="en-SG" sz="1050" dirty="0">
               <a:solidFill>
@@ -4633,66 +4765,21 @@
           </a:p>
         </p:txBody>
       </p:sp>
-      <p:sp>
-        <p:nvSpPr>
-          <p:cNvPr id="68" name="Flowchart: Decision 96"/>
-          <p:cNvSpPr/>
-          <p:nvPr/>
-        </p:nvSpPr>
-        <p:spPr>
-          <a:xfrm rot="16200000">
-            <a:off x="4921666" y="2066540"/>
-            <a:ext cx="236048" cy="173380"/>
-          </a:xfrm>
-          <a:prstGeom prst="flowChartDecision">
-            <a:avLst/>
-          </a:prstGeom>
-          <a:noFill/>
-          <a:ln w="19050">
-            <a:solidFill>
-              <a:srgbClr val="7030A0"/>
-            </a:solidFill>
-          </a:ln>
-          <a:effectLst/>
-        </p:spPr>
-        <p:style>
-          <a:lnRef idx="1">
-            <a:schemeClr val="accent6"/>
-          </a:lnRef>
-          <a:fillRef idx="2">
-            <a:schemeClr val="accent6"/>
-          </a:fillRef>
-          <a:effectRef idx="1">
-            <a:schemeClr val="accent6"/>
-          </a:effectRef>
-          <a:fontRef idx="minor">
-            <a:schemeClr val="dk1"/>
-          </a:fontRef>
-        </p:style>
-        <p:txBody>
-          <a:bodyPr rtlCol="0" anchor="ctr"/>
-          <a:lstStyle/>
-          <a:p>
-            <a:pPr algn="ctr"/>
-            <a:endParaRPr lang="en-US" sz="1050"/>
-          </a:p>
-        </p:txBody>
-      </p:sp>
       <p:cxnSp>
         <p:nvCxnSpPr>
-          <p:cNvPr id="69" name="Elbow Connector 68"/>
+          <p:cNvPr id="81" name="Elbow Connector 80"/>
           <p:cNvCxnSpPr>
-            <a:stCxn id="68" idx="3"/>
-            <a:endCxn id="67" idx="1"/>
+            <a:stCxn id="78" idx="3"/>
+            <a:endCxn id="80" idx="1"/>
           </p:cNvCxnSpPr>
           <p:nvPr/>
         </p:nvCxnSpPr>
         <p:spPr>
-          <a:xfrm rot="5400000" flipH="1" flipV="1">
-            <a:off x="5161650" y="1860752"/>
-            <a:ext cx="52494" cy="296415"/>
-          </a:xfrm>
-          <a:prstGeom prst="bentConnector2">
+          <a:xfrm flipV="1">
+            <a:off x="7277995" y="3030108"/>
+            <a:ext cx="434402" cy="4783"/>
+          </a:xfrm>
+          <a:prstGeom prst="bentConnector3">
             <a:avLst/>
           </a:prstGeom>
           <a:ln w="19050">
@@ -4721,14 +4808,14 @@
       </p:cxnSp>
       <p:sp>
         <p:nvSpPr>
-          <p:cNvPr id="72" name="Rectangle 8"/>
+          <p:cNvPr id="83" name="Rectangle 8"/>
           <p:cNvSpPr/>
           <p:nvPr/>
         </p:nvSpPr>
         <p:spPr>
           <a:xfrm>
-            <a:off x="5128257" y="3429000"/>
-            <a:ext cx="1156969" cy="346760"/>
+            <a:off x="7712397" y="3210194"/>
+            <a:ext cx="708186" cy="285783"/>
           </a:xfrm>
           <a:prstGeom prst="rect">
             <a:avLst/>
@@ -4760,29 +4847,14 @@
           <a:p>
             <a:pPr algn="ctr"/>
             <a:r>
-              <a:rPr lang="en-US" sz="1050" dirty="0" smtClean="0">
+              <a:rPr lang="en-US" sz="900" dirty="0" err="1" smtClean="0">
                 <a:solidFill>
                   <a:srgbClr val="7030A0"/>
                 </a:solidFill>
               </a:rPr>
-              <a:t>&lt;&lt;interface&gt;&gt;</a:t>
-            </a:r>
-            <a:br>
-              <a:rPr lang="en-US" sz="1050" dirty="0" smtClean="0">
-                <a:solidFill>
-                  <a:srgbClr val="7030A0"/>
-                </a:solidFill>
-              </a:rPr>
-            </a:br>
-            <a:r>
-              <a:rPr lang="en-US" sz="1050" dirty="0" err="1" smtClean="0">
-                <a:solidFill>
-                  <a:srgbClr val="7030A0"/>
-                </a:solidFill>
-              </a:rPr>
-              <a:t>ReadOnlyPerson</a:t>
-            </a:r>
-            <a:endParaRPr lang="en-SG" sz="1050" dirty="0">
+              <a:t>StartTime</a:t>
+            </a:r>
+            <a:endParaRPr lang="en-SG" sz="900" dirty="0">
               <a:solidFill>
                 <a:srgbClr val="7030A0"/>
               </a:solidFill>
@@ -4790,122 +4862,19 @@
           </a:p>
         </p:txBody>
       </p:sp>
-      <p:sp>
-        <p:nvSpPr>
-          <p:cNvPr id="76" name="Rectangle 8"/>
-          <p:cNvSpPr/>
-          <p:nvPr/>
-        </p:nvSpPr>
-        <p:spPr>
-          <a:xfrm>
-            <a:off x="7712397" y="2564238"/>
-            <a:ext cx="708186" cy="285783"/>
-          </a:xfrm>
-          <a:prstGeom prst="rect">
-            <a:avLst/>
-          </a:prstGeom>
-          <a:ln w="19050">
-            <a:solidFill>
-              <a:srgbClr val="7030A0"/>
-            </a:solidFill>
-          </a:ln>
-          <a:effectLst/>
-        </p:spPr>
-        <p:style>
-          <a:lnRef idx="1">
-            <a:schemeClr val="accent4"/>
-          </a:lnRef>
-          <a:fillRef idx="2">
-            <a:schemeClr val="accent4"/>
-          </a:fillRef>
-          <a:effectRef idx="1">
-            <a:schemeClr val="accent4"/>
-          </a:effectRef>
-          <a:fontRef idx="minor">
-            <a:schemeClr val="dk1"/>
-          </a:fontRef>
-        </p:style>
-        <p:txBody>
-          <a:bodyPr rtlCol="0" anchor="ctr"/>
-          <a:lstStyle/>
-          <a:p>
-            <a:pPr algn="ctr"/>
-            <a:r>
-              <a:rPr lang="en-US" sz="1050" dirty="0" smtClean="0">
-                <a:solidFill>
-                  <a:srgbClr val="7030A0"/>
-                </a:solidFill>
-              </a:rPr>
-              <a:t>Name</a:t>
-            </a:r>
-            <a:endParaRPr lang="en-SG" sz="1050" dirty="0">
-              <a:solidFill>
-                <a:srgbClr val="7030A0"/>
-              </a:solidFill>
-            </a:endParaRPr>
-          </a:p>
-        </p:txBody>
-      </p:sp>
-      <p:sp>
-        <p:nvSpPr>
-          <p:cNvPr id="78" name="Flowchart: Decision 96"/>
-          <p:cNvSpPr/>
-          <p:nvPr/>
-        </p:nvSpPr>
-        <p:spPr>
-          <a:xfrm>
-            <a:off x="7041947" y="2948201"/>
-            <a:ext cx="236048" cy="173380"/>
-          </a:xfrm>
-          <a:prstGeom prst="flowChartDecision">
-            <a:avLst/>
-          </a:prstGeom>
-          <a:solidFill>
-            <a:srgbClr val="7030A0"/>
-          </a:solidFill>
-          <a:ln w="19050">
-            <a:solidFill>
-              <a:srgbClr val="7030A0"/>
-            </a:solidFill>
-          </a:ln>
-          <a:effectLst/>
-        </p:spPr>
-        <p:style>
-          <a:lnRef idx="1">
-            <a:schemeClr val="accent6"/>
-          </a:lnRef>
-          <a:fillRef idx="2">
-            <a:schemeClr val="accent6"/>
-          </a:fillRef>
-          <a:effectRef idx="1">
-            <a:schemeClr val="accent6"/>
-          </a:effectRef>
-          <a:fontRef idx="minor">
-            <a:schemeClr val="dk1"/>
-          </a:fontRef>
-        </p:style>
-        <p:txBody>
-          <a:bodyPr rtlCol="0" anchor="ctr"/>
-          <a:lstStyle/>
-          <a:p>
-            <a:pPr algn="ctr"/>
-            <a:endParaRPr lang="en-US" sz="1050"/>
-          </a:p>
-        </p:txBody>
-      </p:sp>
       <p:cxnSp>
         <p:nvCxnSpPr>
-          <p:cNvPr id="79" name="Elbow Connector 78"/>
+          <p:cNvPr id="84" name="Elbow Connector 83"/>
           <p:cNvCxnSpPr>
             <a:stCxn id="78" idx="3"/>
-            <a:endCxn id="76" idx="1"/>
+            <a:endCxn id="83" idx="1"/>
           </p:cNvCxnSpPr>
           <p:nvPr/>
         </p:nvCxnSpPr>
         <p:spPr>
-          <a:xfrm flipV="1">
-            <a:off x="7277995" y="2707130"/>
-            <a:ext cx="434402" cy="327761"/>
+          <a:xfrm>
+            <a:off x="7277995" y="3034891"/>
+            <a:ext cx="434402" cy="318195"/>
           </a:xfrm>
           <a:prstGeom prst="bentConnector3">
             <a:avLst/>
@@ -4936,13 +4905,13 @@
       </p:cxnSp>
       <p:sp>
         <p:nvSpPr>
-          <p:cNvPr id="80" name="Rectangle 8"/>
+          <p:cNvPr id="85" name="Rectangle 8"/>
           <p:cNvSpPr/>
           <p:nvPr/>
         </p:nvSpPr>
         <p:spPr>
           <a:xfrm>
-            <a:off x="7712397" y="2887216"/>
+            <a:off x="7712397" y="3533171"/>
             <a:ext cx="708186" cy="285783"/>
           </a:xfrm>
           <a:prstGeom prst="rect">
@@ -4975,206 +4944,12 @@
           <a:p>
             <a:pPr algn="ctr"/>
             <a:r>
-              <a:rPr lang="en-US" sz="1050" dirty="0" smtClean="0">
+              <a:rPr lang="en-US" sz="1050" dirty="0" err="1" smtClean="0">
                 <a:solidFill>
                   <a:srgbClr val="7030A0"/>
                 </a:solidFill>
               </a:rPr>
-              <a:t>Phone</a:t>
-            </a:r>
-            <a:endParaRPr lang="en-SG" sz="1050" dirty="0">
-              <a:solidFill>
-                <a:srgbClr val="7030A0"/>
-              </a:solidFill>
-            </a:endParaRPr>
-          </a:p>
-        </p:txBody>
-      </p:sp>
-      <p:cxnSp>
-        <p:nvCxnSpPr>
-          <p:cNvPr id="81" name="Elbow Connector 80"/>
-          <p:cNvCxnSpPr>
-            <a:stCxn id="78" idx="3"/>
-            <a:endCxn id="80" idx="1"/>
-          </p:cNvCxnSpPr>
-          <p:nvPr/>
-        </p:nvCxnSpPr>
-        <p:spPr>
-          <a:xfrm flipV="1">
-            <a:off x="7277995" y="3030108"/>
-            <a:ext cx="434402" cy="4783"/>
-          </a:xfrm>
-          <a:prstGeom prst="bentConnector3">
-            <a:avLst/>
-          </a:prstGeom>
-          <a:ln w="19050">
-            <a:solidFill>
-              <a:srgbClr val="7030A0"/>
-            </a:solidFill>
-            <a:headEnd type="none" w="med" len="med"/>
-            <a:tailEnd type="arrow" w="med" len="med"/>
-          </a:ln>
-          <a:effectLst/>
-        </p:spPr>
-        <p:style>
-          <a:lnRef idx="1">
-            <a:schemeClr val="accent2"/>
-          </a:lnRef>
-          <a:fillRef idx="2">
-            <a:schemeClr val="accent2"/>
-          </a:fillRef>
-          <a:effectRef idx="1">
-            <a:schemeClr val="accent2"/>
-          </a:effectRef>
-          <a:fontRef idx="minor">
-            <a:schemeClr val="dk1"/>
-          </a:fontRef>
-        </p:style>
-      </p:cxnSp>
-      <p:sp>
-        <p:nvSpPr>
-          <p:cNvPr id="83" name="Rectangle 8"/>
-          <p:cNvSpPr/>
-          <p:nvPr/>
-        </p:nvSpPr>
-        <p:spPr>
-          <a:xfrm>
-            <a:off x="7712397" y="3210194"/>
-            <a:ext cx="708186" cy="285783"/>
-          </a:xfrm>
-          <a:prstGeom prst="rect">
-            <a:avLst/>
-          </a:prstGeom>
-          <a:ln w="19050">
-            <a:solidFill>
-              <a:srgbClr val="7030A0"/>
-            </a:solidFill>
-          </a:ln>
-          <a:effectLst/>
-        </p:spPr>
-        <p:style>
-          <a:lnRef idx="1">
-            <a:schemeClr val="accent4"/>
-          </a:lnRef>
-          <a:fillRef idx="2">
-            <a:schemeClr val="accent4"/>
-          </a:fillRef>
-          <a:effectRef idx="1">
-            <a:schemeClr val="accent4"/>
-          </a:effectRef>
-          <a:fontRef idx="minor">
-            <a:schemeClr val="dk1"/>
-          </a:fontRef>
-        </p:style>
-        <p:txBody>
-          <a:bodyPr rtlCol="0" anchor="ctr"/>
-          <a:lstStyle/>
-          <a:p>
-            <a:pPr algn="ctr"/>
-            <a:r>
-              <a:rPr lang="en-US" sz="1050" dirty="0" smtClean="0">
-                <a:solidFill>
-                  <a:srgbClr val="7030A0"/>
-                </a:solidFill>
-              </a:rPr>
-              <a:t>Email</a:t>
-            </a:r>
-            <a:endParaRPr lang="en-SG" sz="1050" dirty="0">
-              <a:solidFill>
-                <a:srgbClr val="7030A0"/>
-              </a:solidFill>
-            </a:endParaRPr>
-          </a:p>
-        </p:txBody>
-      </p:sp>
-      <p:cxnSp>
-        <p:nvCxnSpPr>
-          <p:cNvPr id="84" name="Elbow Connector 83"/>
-          <p:cNvCxnSpPr>
-            <a:stCxn id="78" idx="3"/>
-            <a:endCxn id="83" idx="1"/>
-          </p:cNvCxnSpPr>
-          <p:nvPr/>
-        </p:nvCxnSpPr>
-        <p:spPr>
-          <a:xfrm>
-            <a:off x="7277995" y="3034891"/>
-            <a:ext cx="434402" cy="318195"/>
-          </a:xfrm>
-          <a:prstGeom prst="bentConnector3">
-            <a:avLst/>
-          </a:prstGeom>
-          <a:ln w="19050">
-            <a:solidFill>
-              <a:srgbClr val="7030A0"/>
-            </a:solidFill>
-            <a:headEnd type="none" w="med" len="med"/>
-            <a:tailEnd type="arrow" w="med" len="med"/>
-          </a:ln>
-          <a:effectLst/>
-        </p:spPr>
-        <p:style>
-          <a:lnRef idx="1">
-            <a:schemeClr val="accent2"/>
-          </a:lnRef>
-          <a:fillRef idx="2">
-            <a:schemeClr val="accent2"/>
-          </a:fillRef>
-          <a:effectRef idx="1">
-            <a:schemeClr val="accent2"/>
-          </a:effectRef>
-          <a:fontRef idx="minor">
-            <a:schemeClr val="dk1"/>
-          </a:fontRef>
-        </p:style>
-      </p:cxnSp>
-      <p:sp>
-        <p:nvSpPr>
-          <p:cNvPr id="85" name="Rectangle 8"/>
-          <p:cNvSpPr/>
-          <p:nvPr/>
-        </p:nvSpPr>
-        <p:spPr>
-          <a:xfrm>
-            <a:off x="7712397" y="3533171"/>
-            <a:ext cx="708186" cy="285783"/>
-          </a:xfrm>
-          <a:prstGeom prst="rect">
-            <a:avLst/>
-          </a:prstGeom>
-          <a:ln w="19050">
-            <a:solidFill>
-              <a:srgbClr val="7030A0"/>
-            </a:solidFill>
-          </a:ln>
-          <a:effectLst/>
-        </p:spPr>
-        <p:style>
-          <a:lnRef idx="1">
-            <a:schemeClr val="accent4"/>
-          </a:lnRef>
-          <a:fillRef idx="2">
-            <a:schemeClr val="accent4"/>
-          </a:fillRef>
-          <a:effectRef idx="1">
-            <a:schemeClr val="accent4"/>
-          </a:effectRef>
-          <a:fontRef idx="minor">
-            <a:schemeClr val="dk1"/>
-          </a:fontRef>
-        </p:style>
-        <p:txBody>
-          <a:bodyPr rtlCol="0" anchor="ctr"/>
-          <a:lstStyle/>
-          <a:p>
-            <a:pPr algn="ctr"/>
-            <a:r>
-              <a:rPr lang="en-US" sz="1050" dirty="0" smtClean="0">
-                <a:solidFill>
-                  <a:srgbClr val="7030A0"/>
-                </a:solidFill>
-              </a:rPr>
-              <a:t>Address</a:t>
+              <a:t>EndTime</a:t>
             </a:r>
             <a:endParaRPr lang="en-SG" sz="1050" dirty="0">
               <a:solidFill>
@@ -5377,7 +5152,7 @@
                   <a:srgbClr val="7030A0"/>
                 </a:solidFill>
               </a:rPr>
-              <a:t>ReadOnlyAddressBook</a:t>
+              <a:t>ReadOnlyTaskManager</a:t>
             </a:r>
             <a:endParaRPr lang="en-SG" sz="1050" dirty="0">
               <a:solidFill>
@@ -5547,19 +5322,306 @@
           </a:fontRef>
         </p:style>
       </p:cxnSp>
+      <p:sp>
+        <p:nvSpPr>
+          <p:cNvPr id="11" name="TextBox 10"/>
+          <p:cNvSpPr txBox="1"/>
+          <p:nvPr/>
+        </p:nvSpPr>
+        <p:spPr>
+          <a:xfrm>
+            <a:off x="4324972" y="2191228"/>
+            <a:ext cx="189257" cy="178683"/>
+          </a:xfrm>
+          <a:prstGeom prst="rect">
+            <a:avLst/>
+          </a:prstGeom>
+          <a:noFill/>
+        </p:spPr>
+        <p:txBody>
+          <a:bodyPr wrap="square" lIns="0" tIns="0" rIns="0" bIns="0" rtlCol="0">
+            <a:noAutofit/>
+          </a:bodyPr>
+          <a:lstStyle/>
+          <a:p>
+            <a:pPr algn="ctr"/>
+            <a:endParaRPr lang="en-SG" sz="1100" dirty="0">
+              <a:solidFill>
+                <a:srgbClr val="7030A0"/>
+              </a:solidFill>
+            </a:endParaRPr>
+          </a:p>
+        </p:txBody>
+      </p:sp>
+      <p:sp>
+        <p:nvSpPr>
+          <p:cNvPr id="54" name="TextBox 53"/>
+          <p:cNvSpPr txBox="1"/>
+          <p:nvPr/>
+        </p:nvSpPr>
+        <p:spPr>
+          <a:xfrm>
+            <a:off x="4324972" y="3058864"/>
+            <a:ext cx="189257" cy="178683"/>
+          </a:xfrm>
+          <a:prstGeom prst="rect">
+            <a:avLst/>
+          </a:prstGeom>
+          <a:noFill/>
+        </p:spPr>
+        <p:txBody>
+          <a:bodyPr wrap="square" lIns="0" tIns="0" rIns="0" bIns="0" rtlCol="0">
+            <a:noAutofit/>
+          </a:bodyPr>
+          <a:lstStyle/>
+          <a:p>
+            <a:pPr algn="ctr"/>
+            <a:r>
+              <a:rPr lang="en-US" sz="1100" dirty="0" smtClean="0">
+                <a:solidFill>
+                  <a:srgbClr val="7030A0"/>
+                </a:solidFill>
+              </a:rPr>
+              <a:t>1</a:t>
+            </a:r>
+            <a:endParaRPr lang="en-SG" sz="1100" dirty="0">
+              <a:solidFill>
+                <a:srgbClr val="7030A0"/>
+              </a:solidFill>
+            </a:endParaRPr>
+          </a:p>
+        </p:txBody>
+      </p:sp>
+      <p:sp>
+        <p:nvSpPr>
+          <p:cNvPr id="56" name="TextBox 55"/>
+          <p:cNvSpPr txBox="1"/>
+          <p:nvPr/>
+        </p:nvSpPr>
+        <p:spPr>
+          <a:xfrm>
+            <a:off x="5689761" y="2495413"/>
+            <a:ext cx="189257" cy="178683"/>
+          </a:xfrm>
+          <a:prstGeom prst="rect">
+            <a:avLst/>
+          </a:prstGeom>
+          <a:noFill/>
+        </p:spPr>
+        <p:txBody>
+          <a:bodyPr wrap="square" lIns="0" tIns="0" rIns="0" bIns="0" rtlCol="0">
+            <a:noAutofit/>
+          </a:bodyPr>
+          <a:lstStyle/>
+          <a:p>
+            <a:pPr algn="ctr"/>
+            <a:endParaRPr lang="en-SG" sz="1100" dirty="0">
+              <a:solidFill>
+                <a:srgbClr val="7030A0"/>
+              </a:solidFill>
+            </a:endParaRPr>
+          </a:p>
+        </p:txBody>
+      </p:sp>
+      <p:sp>
+        <p:nvSpPr>
+          <p:cNvPr id="60" name="TextBox 59"/>
+          <p:cNvSpPr txBox="1"/>
+          <p:nvPr/>
+        </p:nvSpPr>
+        <p:spPr>
+          <a:xfrm>
+            <a:off x="5163172" y="1778919"/>
+            <a:ext cx="189257" cy="178683"/>
+          </a:xfrm>
+          <a:prstGeom prst="rect">
+            <a:avLst/>
+          </a:prstGeom>
+          <a:noFill/>
+        </p:spPr>
+        <p:txBody>
+          <a:bodyPr wrap="square" lIns="0" tIns="0" rIns="0" bIns="0" rtlCol="0">
+            <a:noAutofit/>
+          </a:bodyPr>
+          <a:lstStyle/>
+          <a:p>
+            <a:pPr algn="ctr"/>
+            <a:endParaRPr lang="en-SG" sz="1100" dirty="0">
+              <a:solidFill>
+                <a:srgbClr val="7030A0"/>
+              </a:solidFill>
+            </a:endParaRPr>
+          </a:p>
+        </p:txBody>
+      </p:sp>
+      <p:sp>
+        <p:nvSpPr>
+          <p:cNvPr id="61" name="TextBox 60"/>
+          <p:cNvSpPr txBox="1"/>
+          <p:nvPr/>
+        </p:nvSpPr>
+        <p:spPr>
+          <a:xfrm>
+            <a:off x="6135256" y="3097917"/>
+            <a:ext cx="189257" cy="178683"/>
+          </a:xfrm>
+          <a:prstGeom prst="rect">
+            <a:avLst/>
+          </a:prstGeom>
+          <a:noFill/>
+        </p:spPr>
+        <p:txBody>
+          <a:bodyPr wrap="square" lIns="0" tIns="0" rIns="0" bIns="0" rtlCol="0">
+            <a:noAutofit/>
+          </a:bodyPr>
+          <a:lstStyle/>
+          <a:p>
+            <a:pPr algn="ctr"/>
+            <a:r>
+              <a:rPr lang="en-US" sz="1100" dirty="0" smtClean="0">
+                <a:solidFill>
+                  <a:srgbClr val="7030A0"/>
+                </a:solidFill>
+              </a:rPr>
+              <a:t>*</a:t>
+            </a:r>
+            <a:endParaRPr lang="en-SG" sz="1100" dirty="0">
+              <a:solidFill>
+                <a:srgbClr val="7030A0"/>
+              </a:solidFill>
+            </a:endParaRPr>
+          </a:p>
+        </p:txBody>
+      </p:sp>
+      <p:sp>
+        <p:nvSpPr>
+          <p:cNvPr id="65" name="TextBox 64"/>
+          <p:cNvSpPr txBox="1"/>
+          <p:nvPr/>
+        </p:nvSpPr>
+        <p:spPr>
+          <a:xfrm>
+            <a:off x="2687923" y="2564238"/>
+            <a:ext cx="189257" cy="178683"/>
+          </a:xfrm>
+          <a:prstGeom prst="rect">
+            <a:avLst/>
+          </a:prstGeom>
+          <a:noFill/>
+        </p:spPr>
+        <p:txBody>
+          <a:bodyPr wrap="square" lIns="0" tIns="0" rIns="0" bIns="0" rtlCol="0">
+            <a:noAutofit/>
+          </a:bodyPr>
+          <a:lstStyle/>
+          <a:p>
+            <a:pPr algn="ctr"/>
+            <a:r>
+              <a:rPr lang="en-US" sz="1100" dirty="0" smtClean="0">
+                <a:solidFill>
+                  <a:srgbClr val="7030A0"/>
+                </a:solidFill>
+              </a:rPr>
+              <a:t>1</a:t>
+            </a:r>
+            <a:endParaRPr lang="en-SG" sz="1100" dirty="0">
+              <a:solidFill>
+                <a:srgbClr val="7030A0"/>
+              </a:solidFill>
+            </a:endParaRPr>
+          </a:p>
+        </p:txBody>
+      </p:sp>
+      <p:sp>
+        <p:nvSpPr>
+          <p:cNvPr id="66" name="TextBox 65"/>
+          <p:cNvSpPr txBox="1"/>
+          <p:nvPr/>
+        </p:nvSpPr>
+        <p:spPr>
+          <a:xfrm>
+            <a:off x="2656370" y="3386050"/>
+            <a:ext cx="189257" cy="178683"/>
+          </a:xfrm>
+          <a:prstGeom prst="rect">
+            <a:avLst/>
+          </a:prstGeom>
+          <a:noFill/>
+        </p:spPr>
+        <p:txBody>
+          <a:bodyPr wrap="square" lIns="0" tIns="0" rIns="0" bIns="0" rtlCol="0">
+            <a:noAutofit/>
+          </a:bodyPr>
+          <a:lstStyle/>
+          <a:p>
+            <a:pPr algn="ctr"/>
+            <a:r>
+              <a:rPr lang="en-US" sz="1100" dirty="0" smtClean="0">
+                <a:solidFill>
+                  <a:srgbClr val="7030A0"/>
+                </a:solidFill>
+              </a:rPr>
+              <a:t>1</a:t>
+            </a:r>
+            <a:endParaRPr lang="en-SG" sz="1100" dirty="0">
+              <a:solidFill>
+                <a:srgbClr val="7030A0"/>
+              </a:solidFill>
+            </a:endParaRPr>
+          </a:p>
+        </p:txBody>
+      </p:sp>
+      <p:sp>
+        <p:nvSpPr>
+          <p:cNvPr id="70" name="TextBox 69"/>
+          <p:cNvSpPr txBox="1"/>
+          <p:nvPr/>
+        </p:nvSpPr>
+        <p:spPr>
+          <a:xfrm>
+            <a:off x="6667770" y="3210194"/>
+            <a:ext cx="189257" cy="178683"/>
+          </a:xfrm>
+          <a:prstGeom prst="rect">
+            <a:avLst/>
+          </a:prstGeom>
+          <a:noFill/>
+        </p:spPr>
+        <p:txBody>
+          <a:bodyPr wrap="square" lIns="0" tIns="0" rIns="0" bIns="0" rtlCol="0">
+            <a:noAutofit/>
+          </a:bodyPr>
+          <a:lstStyle/>
+          <a:p>
+            <a:pPr algn="ctr"/>
+            <a:r>
+              <a:rPr lang="en-US" sz="1100" dirty="0" smtClean="0">
+                <a:solidFill>
+                  <a:srgbClr val="7030A0"/>
+                </a:solidFill>
+              </a:rPr>
+              <a:t>1</a:t>
+            </a:r>
+            <a:endParaRPr lang="en-SG" sz="1100" dirty="0">
+              <a:solidFill>
+                <a:srgbClr val="7030A0"/>
+              </a:solidFill>
+            </a:endParaRPr>
+          </a:p>
+        </p:txBody>
+      </p:sp>
       <p:cxnSp>
         <p:nvCxnSpPr>
-          <p:cNvPr id="50" name="Elbow Connector 49"/>
+          <p:cNvPr id="77" name="Elbow Connector 76"/>
           <p:cNvCxnSpPr>
-            <a:stCxn id="62" idx="0"/>
-            <a:endCxn id="57" idx="3"/>
+            <a:endCxn id="88" idx="1"/>
           </p:cNvCxnSpPr>
           <p:nvPr/>
         </p:nvCxnSpPr>
         <p:spPr>
-          <a:xfrm rot="16200000" flipV="1">
-            <a:off x="5948976" y="2139271"/>
-            <a:ext cx="404117" cy="1033473"/>
+          <a:xfrm rot="16200000" flipH="1">
+            <a:off x="7142824" y="3443463"/>
+            <a:ext cx="919624" cy="214881"/>
           </a:xfrm>
           <a:prstGeom prst="bentConnector2">
             <a:avLst/>
@@ -5590,309 +5652,53 @@
       </p:cxnSp>
       <p:sp>
         <p:nvSpPr>
-          <p:cNvPr id="11" name="TextBox 10"/>
-          <p:cNvSpPr txBox="1"/>
+          <p:cNvPr id="88" name="Rectangle 8"/>
+          <p:cNvSpPr/>
           <p:nvPr/>
         </p:nvSpPr>
         <p:spPr>
           <a:xfrm>
-            <a:off x="4324972" y="2191228"/>
-            <a:ext cx="189257" cy="178683"/>
+            <a:off x="7710077" y="3867824"/>
+            <a:ext cx="708186" cy="285783"/>
           </a:xfrm>
           <a:prstGeom prst="rect">
             <a:avLst/>
           </a:prstGeom>
-          <a:noFill/>
-        </p:spPr>
-        <p:txBody>
-          <a:bodyPr wrap="square" lIns="0" tIns="0" rIns="0" bIns="0" rtlCol="0">
-            <a:noAutofit/>
-          </a:bodyPr>
+          <a:ln w="19050">
+            <a:solidFill>
+              <a:srgbClr val="7030A0"/>
+            </a:solidFill>
+          </a:ln>
+          <a:effectLst/>
+        </p:spPr>
+        <p:style>
+          <a:lnRef idx="1">
+            <a:schemeClr val="accent4"/>
+          </a:lnRef>
+          <a:fillRef idx="2">
+            <a:schemeClr val="accent4"/>
+          </a:fillRef>
+          <a:effectRef idx="1">
+            <a:schemeClr val="accent4"/>
+          </a:effectRef>
+          <a:fontRef idx="minor">
+            <a:schemeClr val="dk1"/>
+          </a:fontRef>
+        </p:style>
+        <p:txBody>
+          <a:bodyPr rtlCol="0" anchor="ctr"/>
           <a:lstStyle/>
           <a:p>
             <a:pPr algn="ctr"/>
             <a:r>
-              <a:rPr lang="en-US" sz="1100" dirty="0" smtClean="0">
+              <a:rPr lang="en-US" sz="900" dirty="0" smtClean="0">
                 <a:solidFill>
                   <a:srgbClr val="7030A0"/>
                 </a:solidFill>
               </a:rPr>
-              <a:t>1</a:t>
-            </a:r>
-            <a:endParaRPr lang="en-SG" sz="1100" dirty="0">
-              <a:solidFill>
-                <a:srgbClr val="7030A0"/>
-              </a:solidFill>
-            </a:endParaRPr>
-          </a:p>
-        </p:txBody>
-      </p:sp>
-      <p:sp>
-        <p:nvSpPr>
-          <p:cNvPr id="54" name="TextBox 53"/>
-          <p:cNvSpPr txBox="1"/>
-          <p:nvPr/>
-        </p:nvSpPr>
-        <p:spPr>
-          <a:xfrm>
-            <a:off x="4324972" y="3058864"/>
-            <a:ext cx="189257" cy="178683"/>
-          </a:xfrm>
-          <a:prstGeom prst="rect">
-            <a:avLst/>
-          </a:prstGeom>
-          <a:noFill/>
-        </p:spPr>
-        <p:txBody>
-          <a:bodyPr wrap="square" lIns="0" tIns="0" rIns="0" bIns="0" rtlCol="0">
-            <a:noAutofit/>
-          </a:bodyPr>
-          <a:lstStyle/>
-          <a:p>
-            <a:pPr algn="ctr"/>
-            <a:r>
-              <a:rPr lang="en-US" sz="1100" dirty="0" smtClean="0">
-                <a:solidFill>
-                  <a:srgbClr val="7030A0"/>
-                </a:solidFill>
-              </a:rPr>
-              <a:t>1</a:t>
-            </a:r>
-            <a:endParaRPr lang="en-SG" sz="1100" dirty="0">
-              <a:solidFill>
-                <a:srgbClr val="7030A0"/>
-              </a:solidFill>
-            </a:endParaRPr>
-          </a:p>
-        </p:txBody>
-      </p:sp>
-      <p:sp>
-        <p:nvSpPr>
-          <p:cNvPr id="56" name="TextBox 55"/>
-          <p:cNvSpPr txBox="1"/>
-          <p:nvPr/>
-        </p:nvSpPr>
-        <p:spPr>
-          <a:xfrm>
-            <a:off x="5689761" y="2495413"/>
-            <a:ext cx="189257" cy="178683"/>
-          </a:xfrm>
-          <a:prstGeom prst="rect">
-            <a:avLst/>
-          </a:prstGeom>
-          <a:noFill/>
-        </p:spPr>
-        <p:txBody>
-          <a:bodyPr wrap="square" lIns="0" tIns="0" rIns="0" bIns="0" rtlCol="0">
-            <a:noAutofit/>
-          </a:bodyPr>
-          <a:lstStyle/>
-          <a:p>
-            <a:pPr algn="ctr"/>
-            <a:r>
-              <a:rPr lang="en-US" sz="1100" dirty="0" smtClean="0">
-                <a:solidFill>
-                  <a:srgbClr val="7030A0"/>
-                </a:solidFill>
-              </a:rPr>
-              <a:t>1</a:t>
-            </a:r>
-            <a:endParaRPr lang="en-SG" sz="1100" dirty="0">
-              <a:solidFill>
-                <a:srgbClr val="7030A0"/>
-              </a:solidFill>
-            </a:endParaRPr>
-          </a:p>
-        </p:txBody>
-      </p:sp>
-      <p:sp>
-        <p:nvSpPr>
-          <p:cNvPr id="60" name="TextBox 59"/>
-          <p:cNvSpPr txBox="1"/>
-          <p:nvPr/>
-        </p:nvSpPr>
-        <p:spPr>
-          <a:xfrm>
-            <a:off x="5163172" y="1778919"/>
-            <a:ext cx="189257" cy="178683"/>
-          </a:xfrm>
-          <a:prstGeom prst="rect">
-            <a:avLst/>
-          </a:prstGeom>
-          <a:noFill/>
-        </p:spPr>
-        <p:txBody>
-          <a:bodyPr wrap="square" lIns="0" tIns="0" rIns="0" bIns="0" rtlCol="0">
-            <a:noAutofit/>
-          </a:bodyPr>
-          <a:lstStyle/>
-          <a:p>
-            <a:pPr algn="ctr"/>
-            <a:r>
-              <a:rPr lang="en-US" sz="1100" dirty="0" smtClean="0">
-                <a:solidFill>
-                  <a:srgbClr val="7030A0"/>
-                </a:solidFill>
-              </a:rPr>
-              <a:t>*</a:t>
-            </a:r>
-            <a:endParaRPr lang="en-SG" sz="1100" dirty="0">
-              <a:solidFill>
-                <a:srgbClr val="7030A0"/>
-              </a:solidFill>
-            </a:endParaRPr>
-          </a:p>
-        </p:txBody>
-      </p:sp>
-      <p:sp>
-        <p:nvSpPr>
-          <p:cNvPr id="61" name="TextBox 60"/>
-          <p:cNvSpPr txBox="1"/>
-          <p:nvPr/>
-        </p:nvSpPr>
-        <p:spPr>
-          <a:xfrm>
-            <a:off x="6135256" y="3097917"/>
-            <a:ext cx="189257" cy="178683"/>
-          </a:xfrm>
-          <a:prstGeom prst="rect">
-            <a:avLst/>
-          </a:prstGeom>
-          <a:noFill/>
-        </p:spPr>
-        <p:txBody>
-          <a:bodyPr wrap="square" lIns="0" tIns="0" rIns="0" bIns="0" rtlCol="0">
-            <a:noAutofit/>
-          </a:bodyPr>
-          <a:lstStyle/>
-          <a:p>
-            <a:pPr algn="ctr"/>
-            <a:r>
-              <a:rPr lang="en-US" sz="1100" dirty="0" smtClean="0">
-                <a:solidFill>
-                  <a:srgbClr val="7030A0"/>
-                </a:solidFill>
-              </a:rPr>
-              <a:t>*</a:t>
-            </a:r>
-            <a:endParaRPr lang="en-SG" sz="1100" dirty="0">
-              <a:solidFill>
-                <a:srgbClr val="7030A0"/>
-              </a:solidFill>
-            </a:endParaRPr>
-          </a:p>
-        </p:txBody>
-      </p:sp>
-      <p:sp>
-        <p:nvSpPr>
-          <p:cNvPr id="65" name="TextBox 64"/>
-          <p:cNvSpPr txBox="1"/>
-          <p:nvPr/>
-        </p:nvSpPr>
-        <p:spPr>
-          <a:xfrm>
-            <a:off x="2687923" y="2564238"/>
-            <a:ext cx="189257" cy="178683"/>
-          </a:xfrm>
-          <a:prstGeom prst="rect">
-            <a:avLst/>
-          </a:prstGeom>
-          <a:noFill/>
-        </p:spPr>
-        <p:txBody>
-          <a:bodyPr wrap="square" lIns="0" tIns="0" rIns="0" bIns="0" rtlCol="0">
-            <a:noAutofit/>
-          </a:bodyPr>
-          <a:lstStyle/>
-          <a:p>
-            <a:pPr algn="ctr"/>
-            <a:r>
-              <a:rPr lang="en-US" sz="1100" dirty="0" smtClean="0">
-                <a:solidFill>
-                  <a:srgbClr val="7030A0"/>
-                </a:solidFill>
-              </a:rPr>
-              <a:t>1</a:t>
-            </a:r>
-            <a:endParaRPr lang="en-SG" sz="1100" dirty="0">
-              <a:solidFill>
-                <a:srgbClr val="7030A0"/>
-              </a:solidFill>
-            </a:endParaRPr>
-          </a:p>
-        </p:txBody>
-      </p:sp>
-      <p:sp>
-        <p:nvSpPr>
-          <p:cNvPr id="66" name="TextBox 65"/>
-          <p:cNvSpPr txBox="1"/>
-          <p:nvPr/>
-        </p:nvSpPr>
-        <p:spPr>
-          <a:xfrm>
-            <a:off x="2656370" y="3386050"/>
-            <a:ext cx="189257" cy="178683"/>
-          </a:xfrm>
-          <a:prstGeom prst="rect">
-            <a:avLst/>
-          </a:prstGeom>
-          <a:noFill/>
-        </p:spPr>
-        <p:txBody>
-          <a:bodyPr wrap="square" lIns="0" tIns="0" rIns="0" bIns="0" rtlCol="0">
-            <a:noAutofit/>
-          </a:bodyPr>
-          <a:lstStyle/>
-          <a:p>
-            <a:pPr algn="ctr"/>
-            <a:r>
-              <a:rPr lang="en-US" sz="1100" dirty="0" smtClean="0">
-                <a:solidFill>
-                  <a:srgbClr val="7030A0"/>
-                </a:solidFill>
-              </a:rPr>
-              <a:t>1</a:t>
-            </a:r>
-            <a:endParaRPr lang="en-SG" sz="1100" dirty="0">
-              <a:solidFill>
-                <a:srgbClr val="7030A0"/>
-              </a:solidFill>
-            </a:endParaRPr>
-          </a:p>
-        </p:txBody>
-      </p:sp>
-      <p:sp>
-        <p:nvSpPr>
-          <p:cNvPr id="70" name="TextBox 69"/>
-          <p:cNvSpPr txBox="1"/>
-          <p:nvPr/>
-        </p:nvSpPr>
-        <p:spPr>
-          <a:xfrm>
-            <a:off x="6667770" y="3210194"/>
-            <a:ext cx="189257" cy="178683"/>
-          </a:xfrm>
-          <a:prstGeom prst="rect">
-            <a:avLst/>
-          </a:prstGeom>
-          <a:noFill/>
-        </p:spPr>
-        <p:txBody>
-          <a:bodyPr wrap="square" lIns="0" tIns="0" rIns="0" bIns="0" rtlCol="0">
-            <a:noAutofit/>
-          </a:bodyPr>
-          <a:lstStyle/>
-          <a:p>
-            <a:pPr algn="ctr"/>
-            <a:r>
-              <a:rPr lang="en-US" sz="1100" dirty="0" smtClean="0">
-                <a:solidFill>
-                  <a:srgbClr val="7030A0"/>
-                </a:solidFill>
-              </a:rPr>
-              <a:t>1</a:t>
-            </a:r>
-            <a:endParaRPr lang="en-SG" sz="1100" dirty="0">
+              <a:t>Message</a:t>
+            </a:r>
+            <a:endParaRPr lang="en-SG" sz="900" dirty="0">
               <a:solidFill>
                 <a:srgbClr val="7030A0"/>
               </a:solidFill>

--- a/docs/diagrams/ModelComponentClassDiagram.pptx
+++ b/docs/diagrams/ModelComponentClassDiagram.pptx
@@ -107,6 +107,22 @@
       </a:defRPr>
     </a:lvl9pPr>
   </p:defaultTextStyle>
+  <p:extLst>
+    <p:ext uri="{EFAFB233-063F-42B5-8137-9DF3F51BA10A}">
+      <p15:sldGuideLst xmlns:p15="http://schemas.microsoft.com/office/powerpoint/2012/main">
+        <p15:guide id="1" orient="horz" pos="1488">
+          <p15:clr>
+            <a:srgbClr val="A4A3A4"/>
+          </p15:clr>
+        </p15:guide>
+        <p15:guide id="2" pos="2880">
+          <p15:clr>
+            <a:srgbClr val="A4A3A4"/>
+          </p15:clr>
+        </p15:guide>
+      </p15:sldGuideLst>
+    </p:ext>
+  </p:extLst>
 </p:presentation>
 </file>
 
@@ -192,7 +208,7 @@
           <a:p>
             <a:fld id="{F5CC4B3F-88C1-4FFA-B1B6-F41C21DC6924}" type="datetimeFigureOut">
               <a:rPr lang="en-US" smtClean="0"/>
-              <a:t>11/19/2016</a:t>
+              <a:t>3/22/2017</a:t>
             </a:fld>
             <a:endParaRPr lang="en-US"/>
           </a:p>
@@ -641,7 +657,7 @@
           <a:p>
             <a:fld id="{78C97017-6FC3-485B-9764-EAC9E56C1D49}" type="datetimeFigureOut">
               <a:rPr lang="en-US" smtClean="0"/>
-              <a:t>11/19/2016</a:t>
+              <a:t>3/22/2017</a:t>
             </a:fld>
             <a:endParaRPr lang="en-US"/>
           </a:p>
@@ -811,7 +827,7 @@
           <a:p>
             <a:fld id="{78C97017-6FC3-485B-9764-EAC9E56C1D49}" type="datetimeFigureOut">
               <a:rPr lang="en-US" smtClean="0"/>
-              <a:t>11/19/2016</a:t>
+              <a:t>3/22/2017</a:t>
             </a:fld>
             <a:endParaRPr lang="en-US"/>
           </a:p>
@@ -991,7 +1007,7 @@
           <a:p>
             <a:fld id="{78C97017-6FC3-485B-9764-EAC9E56C1D49}" type="datetimeFigureOut">
               <a:rPr lang="en-US" smtClean="0"/>
-              <a:t>11/19/2016</a:t>
+              <a:t>3/22/2017</a:t>
             </a:fld>
             <a:endParaRPr lang="en-US"/>
           </a:p>
@@ -1161,7 +1177,7 @@
           <a:p>
             <a:fld id="{78C97017-6FC3-485B-9764-EAC9E56C1D49}" type="datetimeFigureOut">
               <a:rPr lang="en-US" smtClean="0"/>
-              <a:t>11/19/2016</a:t>
+              <a:t>3/22/2017</a:t>
             </a:fld>
             <a:endParaRPr lang="en-US"/>
           </a:p>
@@ -1407,7 +1423,7 @@
           <a:p>
             <a:fld id="{78C97017-6FC3-485B-9764-EAC9E56C1D49}" type="datetimeFigureOut">
               <a:rPr lang="en-US" smtClean="0"/>
-              <a:t>11/19/2016</a:t>
+              <a:t>3/22/2017</a:t>
             </a:fld>
             <a:endParaRPr lang="en-US"/>
           </a:p>
@@ -1695,7 +1711,7 @@
           <a:p>
             <a:fld id="{78C97017-6FC3-485B-9764-EAC9E56C1D49}" type="datetimeFigureOut">
               <a:rPr lang="en-US" smtClean="0"/>
-              <a:t>11/19/2016</a:t>
+              <a:t>3/22/2017</a:t>
             </a:fld>
             <a:endParaRPr lang="en-US"/>
           </a:p>
@@ -2117,7 +2133,7 @@
           <a:p>
             <a:fld id="{78C97017-6FC3-485B-9764-EAC9E56C1D49}" type="datetimeFigureOut">
               <a:rPr lang="en-US" smtClean="0"/>
-              <a:t>11/19/2016</a:t>
+              <a:t>3/22/2017</a:t>
             </a:fld>
             <a:endParaRPr lang="en-US"/>
           </a:p>
@@ -2235,7 +2251,7 @@
           <a:p>
             <a:fld id="{78C97017-6FC3-485B-9764-EAC9E56C1D49}" type="datetimeFigureOut">
               <a:rPr lang="en-US" smtClean="0"/>
-              <a:t>11/19/2016</a:t>
+              <a:t>3/22/2017</a:t>
             </a:fld>
             <a:endParaRPr lang="en-US"/>
           </a:p>
@@ -2330,7 +2346,7 @@
           <a:p>
             <a:fld id="{78C97017-6FC3-485B-9764-EAC9E56C1D49}" type="datetimeFigureOut">
               <a:rPr lang="en-US" smtClean="0"/>
-              <a:t>11/19/2016</a:t>
+              <a:t>3/22/2017</a:t>
             </a:fld>
             <a:endParaRPr lang="en-US"/>
           </a:p>
@@ -2607,7 +2623,7 @@
           <a:p>
             <a:fld id="{78C97017-6FC3-485B-9764-EAC9E56C1D49}" type="datetimeFigureOut">
               <a:rPr lang="en-US" smtClean="0"/>
-              <a:t>11/19/2016</a:t>
+              <a:t>3/22/2017</a:t>
             </a:fld>
             <a:endParaRPr lang="en-US"/>
           </a:p>
@@ -2860,7 +2876,7 @@
           <a:p>
             <a:fld id="{78C97017-6FC3-485B-9764-EAC9E56C1D49}" type="datetimeFigureOut">
               <a:rPr lang="en-US" smtClean="0"/>
-              <a:t>11/19/2016</a:t>
+              <a:t>3/22/2017</a:t>
             </a:fld>
             <a:endParaRPr lang="en-US"/>
           </a:p>
@@ -3073,7 +3089,7 @@
           <a:p>
             <a:fld id="{78C97017-6FC3-485B-9764-EAC9E56C1D49}" type="datetimeFigureOut">
               <a:rPr lang="en-US" smtClean="0"/>
-              <a:t>11/19/2016</a:t>
+              <a:t>3/22/2017</a:t>
             </a:fld>
             <a:endParaRPr lang="en-US"/>
           </a:p>
@@ -4096,7 +4112,7 @@
                   <a:srgbClr val="7030A0"/>
                 </a:solidFill>
               </a:rPr>
-              <a:t>AddressBook</a:t>
+              <a:t>TodoList</a:t>
             </a:r>
             <a:endParaRPr lang="en-SG" sz="1050" dirty="0">
               <a:solidFill>
@@ -4238,7 +4254,7 @@
                   <a:srgbClr val="7030A0"/>
                 </a:solidFill>
               </a:rPr>
-              <a:t>UniquePersonList</a:t>
+              <a:t>UniqueTodoList</a:t>
             </a:r>
             <a:endParaRPr lang="en-SG" sz="1050" dirty="0">
               <a:solidFill>
@@ -4476,12 +4492,12 @@
           <a:p>
             <a:pPr algn="ctr"/>
             <a:r>
-              <a:rPr lang="en-US" sz="1050" dirty="0" smtClean="0">
+              <a:rPr lang="en-US" sz="1050" dirty="0" err="1" smtClean="0">
                 <a:solidFill>
                   <a:srgbClr val="7030A0"/>
                 </a:solidFill>
               </a:rPr>
-              <a:t>Person</a:t>
+              <a:t>Todo</a:t>
             </a:r>
             <a:endParaRPr lang="en-SG" sz="1050" dirty="0">
               <a:solidFill>
@@ -4780,7 +4796,7 @@
                   <a:srgbClr val="7030A0"/>
                 </a:solidFill>
               </a:rPr>
-              <a:t>ReadOnlyPerson</a:t>
+              <a:t>ReadOnlyTodo</a:t>
             </a:r>
             <a:endParaRPr lang="en-SG" sz="1050" dirty="0">
               <a:solidFill>
@@ -4942,8 +4958,8 @@
         </p:nvSpPr>
         <p:spPr>
           <a:xfrm>
-            <a:off x="7712397" y="2887216"/>
-            <a:ext cx="708186" cy="285783"/>
+            <a:off x="7712396" y="2887216"/>
+            <a:ext cx="765721" cy="285783"/>
           </a:xfrm>
           <a:prstGeom prst="rect">
             <a:avLst/>
@@ -4975,12 +4991,12 @@
           <a:p>
             <a:pPr algn="ctr"/>
             <a:r>
-              <a:rPr lang="en-US" sz="1050" dirty="0" smtClean="0">
+              <a:rPr lang="en-US" sz="1050" dirty="0" err="1" smtClean="0">
                 <a:solidFill>
                   <a:srgbClr val="7030A0"/>
                 </a:solidFill>
               </a:rPr>
-              <a:t>Phone</a:t>
+              <a:t>StartTime</a:t>
             </a:r>
             <a:endParaRPr lang="en-SG" sz="1050" dirty="0">
               <a:solidFill>
@@ -5002,7 +5018,7 @@
         <p:spPr>
           <a:xfrm flipV="1">
             <a:off x="7277995" y="3030108"/>
-            <a:ext cx="434402" cy="4783"/>
+            <a:ext cx="434401" cy="4783"/>
           </a:xfrm>
           <a:prstGeom prst="bentConnector3">
             <a:avLst/>
@@ -5072,12 +5088,12 @@
           <a:p>
             <a:pPr algn="ctr"/>
             <a:r>
-              <a:rPr lang="en-US" sz="1050" dirty="0" smtClean="0">
+              <a:rPr lang="en-US" sz="1050" dirty="0" err="1" smtClean="0">
                 <a:solidFill>
                   <a:srgbClr val="7030A0"/>
                 </a:solidFill>
               </a:rPr>
-              <a:t>Email</a:t>
+              <a:t>EndTime</a:t>
             </a:r>
             <a:endParaRPr lang="en-SG" sz="1050" dirty="0">
               <a:solidFill>
@@ -5137,7 +5153,7 @@
         <p:spPr>
           <a:xfrm>
             <a:off x="7712397" y="3533171"/>
-            <a:ext cx="708186" cy="285783"/>
+            <a:ext cx="765720" cy="296780"/>
           </a:xfrm>
           <a:prstGeom prst="rect">
             <a:avLst/>
@@ -5169,12 +5185,12 @@
           <a:p>
             <a:pPr algn="ctr"/>
             <a:r>
-              <a:rPr lang="en-US" sz="1050" dirty="0" smtClean="0">
+              <a:rPr lang="en-SG" sz="1050" dirty="0" err="1" smtClean="0">
                 <a:solidFill>
                   <a:srgbClr val="7030A0"/>
                 </a:solidFill>
               </a:rPr>
-              <a:t>Address</a:t>
+              <a:t>CompleteTIme</a:t>
             </a:r>
             <a:endParaRPr lang="en-SG" sz="1050" dirty="0">
               <a:solidFill>
@@ -5196,7 +5212,7 @@
         <p:spPr>
           <a:xfrm>
             <a:off x="7277995" y="3034891"/>
-            <a:ext cx="434402" cy="641172"/>
+            <a:ext cx="434402" cy="646670"/>
           </a:xfrm>
           <a:prstGeom prst="bentConnector3">
             <a:avLst/>
@@ -5377,7 +5393,7 @@
                   <a:srgbClr val="7030A0"/>
                 </a:solidFill>
               </a:rPr>
-              <a:t>ReadOnlyAddressBook</a:t>
+              <a:t>ReadOnlyTodoList</a:t>
             </a:r>
             <a:endParaRPr lang="en-SG" sz="1050" dirty="0">
               <a:solidFill>

--- a/docs/diagrams/ModelComponentClassDiagram.pptx
+++ b/docs/diagrams/ModelComponentClassDiagram.pptx
@@ -107,6 +107,22 @@
       </a:defRPr>
     </a:lvl9pPr>
   </p:defaultTextStyle>
+  <p:extLst>
+    <p:ext uri="{EFAFB233-063F-42B5-8137-9DF3F51BA10A}">
+      <p15:sldGuideLst xmlns:p15="http://schemas.microsoft.com/office/powerpoint/2012/main">
+        <p15:guide id="1" orient="horz" pos="1488">
+          <p15:clr>
+            <a:srgbClr val="A4A3A4"/>
+          </p15:clr>
+        </p15:guide>
+        <p15:guide id="2" pos="2880">
+          <p15:clr>
+            <a:srgbClr val="A4A3A4"/>
+          </p15:clr>
+        </p15:guide>
+      </p15:sldGuideLst>
+    </p:ext>
+  </p:extLst>
 </p:presentation>
 </file>
 
@@ -192,7 +208,7 @@
           <a:p>
             <a:fld id="{F5CC4B3F-88C1-4FFA-B1B6-F41C21DC6924}" type="datetimeFigureOut">
               <a:rPr lang="en-US" smtClean="0"/>
-              <a:t>11/19/2016</a:t>
+              <a:t>3/22/2017</a:t>
             </a:fld>
             <a:endParaRPr lang="en-US"/>
           </a:p>
@@ -460,6 +476,90 @@
 </p:notesMaster>
 </file>
 
+<file path=ppt/notesSlides/notesSlide1.xml><?xml version="1.0" encoding="utf-8"?>
+<p:notes xmlns:a="http://schemas.openxmlformats.org/drawingml/2006/main" xmlns:r="http://schemas.openxmlformats.org/officeDocument/2006/relationships" xmlns:p="http://schemas.openxmlformats.org/presentationml/2006/main">
+  <p:cSld>
+    <p:spTree>
+      <p:nvGrpSpPr>
+        <p:cNvPr id="1" name=""/>
+        <p:cNvGrpSpPr/>
+        <p:nvPr/>
+      </p:nvGrpSpPr>
+      <p:grpSpPr>
+        <a:xfrm>
+          <a:off x="0" y="0"/>
+          <a:ext cx="0" cy="0"/>
+          <a:chOff x="0" y="0"/>
+          <a:chExt cx="0" cy="0"/>
+        </a:xfrm>
+      </p:grpSpPr>
+      <p:sp>
+        <p:nvSpPr>
+          <p:cNvPr id="2" name="Slide Image Placeholder 1"/>
+          <p:cNvSpPr>
+            <a:spLocks noGrp="1" noRot="1" noChangeAspect="1"/>
+          </p:cNvSpPr>
+          <p:nvPr>
+            <p:ph type="sldImg"/>
+          </p:nvPr>
+        </p:nvSpPr>
+        <p:spPr/>
+      </p:sp>
+      <p:sp>
+        <p:nvSpPr>
+          <p:cNvPr id="3" name="Notes Placeholder 2"/>
+          <p:cNvSpPr>
+            <a:spLocks noGrp="1"/>
+          </p:cNvSpPr>
+          <p:nvPr>
+            <p:ph type="body" idx="1"/>
+          </p:nvPr>
+        </p:nvSpPr>
+        <p:spPr/>
+        <p:txBody>
+          <a:bodyPr/>
+          <a:lstStyle/>
+          <a:p>
+            <a:endParaRPr lang="en-US" dirty="0"/>
+          </a:p>
+        </p:txBody>
+      </p:sp>
+      <p:sp>
+        <p:nvSpPr>
+          <p:cNvPr id="4" name="Slide Number Placeholder 3"/>
+          <p:cNvSpPr>
+            <a:spLocks noGrp="1"/>
+          </p:cNvSpPr>
+          <p:nvPr>
+            <p:ph type="sldNum" sz="quarter" idx="10"/>
+          </p:nvPr>
+        </p:nvSpPr>
+        <p:spPr/>
+        <p:txBody>
+          <a:bodyPr/>
+          <a:lstStyle/>
+          <a:p>
+            <a:fld id="{5A7AB025-77E3-4BD1-A2FD-B3183DBA47A3}" type="slidenum">
+              <a:rPr lang="en-US" smtClean="0"/>
+              <a:t>1</a:t>
+            </a:fld>
+            <a:endParaRPr lang="en-US"/>
+          </a:p>
+        </p:txBody>
+      </p:sp>
+    </p:spTree>
+    <p:extLst>
+      <p:ext uri="{BB962C8B-B14F-4D97-AF65-F5344CB8AC3E}">
+        <p14:creationId xmlns:p14="http://schemas.microsoft.com/office/powerpoint/2010/main" val="3522501485"/>
+      </p:ext>
+    </p:extLst>
+  </p:cSld>
+  <p:clrMapOvr>
+    <a:masterClrMapping/>
+  </p:clrMapOvr>
+</p:notes>
+</file>
+
 <file path=ppt/slideLayouts/slideLayout1.xml><?xml version="1.0" encoding="utf-8"?>
 <p:sldLayout xmlns:a="http://schemas.openxmlformats.org/drawingml/2006/main" xmlns:r="http://schemas.openxmlformats.org/officeDocument/2006/relationships" xmlns:p="http://schemas.openxmlformats.org/presentationml/2006/main" type="title" preserve="1">
   <p:cSld name="Title Slide">
@@ -641,7 +741,7 @@
           <a:p>
             <a:fld id="{78C97017-6FC3-485B-9764-EAC9E56C1D49}" type="datetimeFigureOut">
               <a:rPr lang="en-US" smtClean="0"/>
-              <a:t>11/19/2016</a:t>
+              <a:t>3/22/2017</a:t>
             </a:fld>
             <a:endParaRPr lang="en-US"/>
           </a:p>
@@ -811,7 +911,7 @@
           <a:p>
             <a:fld id="{78C97017-6FC3-485B-9764-EAC9E56C1D49}" type="datetimeFigureOut">
               <a:rPr lang="en-US" smtClean="0"/>
-              <a:t>11/19/2016</a:t>
+              <a:t>3/22/2017</a:t>
             </a:fld>
             <a:endParaRPr lang="en-US"/>
           </a:p>
@@ -991,7 +1091,7 @@
           <a:p>
             <a:fld id="{78C97017-6FC3-485B-9764-EAC9E56C1D49}" type="datetimeFigureOut">
               <a:rPr lang="en-US" smtClean="0"/>
-              <a:t>11/19/2016</a:t>
+              <a:t>3/22/2017</a:t>
             </a:fld>
             <a:endParaRPr lang="en-US"/>
           </a:p>
@@ -1161,7 +1261,7 @@
           <a:p>
             <a:fld id="{78C97017-6FC3-485B-9764-EAC9E56C1D49}" type="datetimeFigureOut">
               <a:rPr lang="en-US" smtClean="0"/>
-              <a:t>11/19/2016</a:t>
+              <a:t>3/22/2017</a:t>
             </a:fld>
             <a:endParaRPr lang="en-US"/>
           </a:p>
@@ -1407,7 +1507,7 @@
           <a:p>
             <a:fld id="{78C97017-6FC3-485B-9764-EAC9E56C1D49}" type="datetimeFigureOut">
               <a:rPr lang="en-US" smtClean="0"/>
-              <a:t>11/19/2016</a:t>
+              <a:t>3/22/2017</a:t>
             </a:fld>
             <a:endParaRPr lang="en-US"/>
           </a:p>
@@ -1695,7 +1795,7 @@
           <a:p>
             <a:fld id="{78C97017-6FC3-485B-9764-EAC9E56C1D49}" type="datetimeFigureOut">
               <a:rPr lang="en-US" smtClean="0"/>
-              <a:t>11/19/2016</a:t>
+              <a:t>3/22/2017</a:t>
             </a:fld>
             <a:endParaRPr lang="en-US"/>
           </a:p>
@@ -2117,7 +2217,7 @@
           <a:p>
             <a:fld id="{78C97017-6FC3-485B-9764-EAC9E56C1D49}" type="datetimeFigureOut">
               <a:rPr lang="en-US" smtClean="0"/>
-              <a:t>11/19/2016</a:t>
+              <a:t>3/22/2017</a:t>
             </a:fld>
             <a:endParaRPr lang="en-US"/>
           </a:p>
@@ -2235,7 +2335,7 @@
           <a:p>
             <a:fld id="{78C97017-6FC3-485B-9764-EAC9E56C1D49}" type="datetimeFigureOut">
               <a:rPr lang="en-US" smtClean="0"/>
-              <a:t>11/19/2016</a:t>
+              <a:t>3/22/2017</a:t>
             </a:fld>
             <a:endParaRPr lang="en-US"/>
           </a:p>
@@ -2330,7 +2430,7 @@
           <a:p>
             <a:fld id="{78C97017-6FC3-485B-9764-EAC9E56C1D49}" type="datetimeFigureOut">
               <a:rPr lang="en-US" smtClean="0"/>
-              <a:t>11/19/2016</a:t>
+              <a:t>3/22/2017</a:t>
             </a:fld>
             <a:endParaRPr lang="en-US"/>
           </a:p>
@@ -2607,7 +2707,7 @@
           <a:p>
             <a:fld id="{78C97017-6FC3-485B-9764-EAC9E56C1D49}" type="datetimeFigureOut">
               <a:rPr lang="en-US" smtClean="0"/>
-              <a:t>11/19/2016</a:t>
+              <a:t>3/22/2017</a:t>
             </a:fld>
             <a:endParaRPr lang="en-US"/>
           </a:p>
@@ -2860,7 +2960,7 @@
           <a:p>
             <a:fld id="{78C97017-6FC3-485B-9764-EAC9E56C1D49}" type="datetimeFigureOut">
               <a:rPr lang="en-US" smtClean="0"/>
-              <a:t>11/19/2016</a:t>
+              <a:t>3/22/2017</a:t>
             </a:fld>
             <a:endParaRPr lang="en-US"/>
           </a:p>
@@ -3073,7 +3173,7 @@
           <a:p>
             <a:fld id="{78C97017-6FC3-485B-9764-EAC9E56C1D49}" type="datetimeFigureOut">
               <a:rPr lang="en-US" smtClean="0"/>
-              <a:t>11/19/2016</a:t>
+              <a:t>3/22/2017</a:t>
             </a:fld>
             <a:endParaRPr lang="en-US"/>
           </a:p>
@@ -3457,7 +3557,7 @@
         <p:spPr>
           <a:xfrm>
             <a:off x="1119865" y="1727200"/>
-            <a:ext cx="7490735" cy="2997200"/>
+            <a:ext cx="7490735" cy="4064000"/>
           </a:xfrm>
           <a:prstGeom prst="roundRect">
             <a:avLst>
@@ -3632,13 +3732,14 @@
           <p:cNvPr id="53" name="Elbow Connector 63"/>
           <p:cNvCxnSpPr>
             <a:stCxn id="71" idx="3"/>
+            <a:endCxn id="62" idx="2"/>
           </p:cNvCxnSpPr>
           <p:nvPr/>
         </p:nvCxnSpPr>
         <p:spPr>
           <a:xfrm flipV="1">
-            <a:off x="6477000" y="3194131"/>
-            <a:ext cx="95385" cy="416514"/>
+            <a:off x="6418788" y="3204826"/>
+            <a:ext cx="248982" cy="1441967"/>
           </a:xfrm>
           <a:prstGeom prst="bentConnector2">
             <a:avLst/>
@@ -3683,7 +3784,7 @@
           </a:xfrm>
           <a:prstGeom prst="bentConnector4">
             <a:avLst>
-              <a:gd name="adj1" fmla="val -101829"/>
+              <a:gd name="adj1" fmla="val -386540"/>
               <a:gd name="adj2" fmla="val 99976"/>
             </a:avLst>
           </a:prstGeom>
@@ -3878,8 +3979,8 @@
         </p:nvSpPr>
         <p:spPr>
           <a:xfrm rot="5400000" flipV="1">
-            <a:off x="6253986" y="3522883"/>
-            <a:ext cx="270504" cy="175523"/>
+            <a:off x="6131249" y="4579073"/>
+            <a:ext cx="439639" cy="135439"/>
           </a:xfrm>
           <a:prstGeom prst="triangle">
             <a:avLst/>
@@ -4096,7 +4197,7 @@
                   <a:srgbClr val="7030A0"/>
                 </a:solidFill>
               </a:rPr>
-              <a:t>AddressBook</a:t>
+              <a:t>TaskManager</a:t>
             </a:r>
             <a:endParaRPr lang="en-SG" sz="1050" dirty="0">
               <a:solidFill>
@@ -4238,7 +4339,7 @@
                   <a:srgbClr val="7030A0"/>
                 </a:solidFill>
               </a:rPr>
-              <a:t>UniquePersonList</a:t>
+              <a:t>UniqueTaskList</a:t>
             </a:r>
             <a:endParaRPr lang="en-SG" sz="1050" dirty="0">
               <a:solidFill>
@@ -4382,7 +4483,7 @@
                   <a:srgbClr val="7030A0"/>
                 </a:solidFill>
               </a:rPr>
-              <a:t>UniqueTagList</a:t>
+              <a:t>UniqueLabelList</a:t>
             </a:r>
             <a:endParaRPr lang="en-SG" sz="1050" dirty="0">
               <a:solidFill>
@@ -4481,7 +4582,7 @@
                   <a:srgbClr val="7030A0"/>
                 </a:solidFill>
               </a:rPr>
-              <a:t>Person</a:t>
+              <a:t>Task</a:t>
             </a:r>
             <a:endParaRPr lang="en-SG" sz="1050" dirty="0">
               <a:solidFill>
@@ -4623,7 +4724,7 @@
                   <a:srgbClr val="7030A0"/>
                 </a:solidFill>
               </a:rPr>
-              <a:t>Tag</a:t>
+              <a:t>Label</a:t>
             </a:r>
             <a:endParaRPr lang="en-SG" sz="1050" dirty="0">
               <a:solidFill>
@@ -4727,7 +4828,7 @@
         </p:nvSpPr>
         <p:spPr>
           <a:xfrm>
-            <a:off x="5128257" y="3429000"/>
+            <a:off x="5126380" y="4426973"/>
             <a:ext cx="1156969" cy="346760"/>
           </a:xfrm>
           <a:prstGeom prst="rect">
@@ -4780,7 +4881,7 @@
                   <a:srgbClr val="7030A0"/>
                 </a:solidFill>
               </a:rPr>
-              <a:t>ReadOnlyPerson</a:t>
+              <a:t>ReadOnlyTask</a:t>
             </a:r>
             <a:endParaRPr lang="en-SG" sz="1050" dirty="0">
               <a:solidFill>
@@ -4836,7 +4937,7 @@
                   <a:srgbClr val="7030A0"/>
                 </a:solidFill>
               </a:rPr>
-              <a:t>Name</a:t>
+              <a:t>Title</a:t>
             </a:r>
             <a:endParaRPr lang="en-SG" sz="1050" dirty="0">
               <a:solidFill>
@@ -4980,7 +5081,7 @@
                   <a:srgbClr val="7030A0"/>
                 </a:solidFill>
               </a:rPr>
-              <a:t>Phone</a:t>
+              <a:t>Deadline</a:t>
             </a:r>
             <a:endParaRPr lang="en-SG" sz="1050" dirty="0">
               <a:solidFill>
@@ -5003,200 +5104,6 @@
           <a:xfrm flipV="1">
             <a:off x="7277995" y="3030108"/>
             <a:ext cx="434402" cy="4783"/>
-          </a:xfrm>
-          <a:prstGeom prst="bentConnector3">
-            <a:avLst/>
-          </a:prstGeom>
-          <a:ln w="19050">
-            <a:solidFill>
-              <a:srgbClr val="7030A0"/>
-            </a:solidFill>
-            <a:headEnd type="none" w="med" len="med"/>
-            <a:tailEnd type="arrow" w="med" len="med"/>
-          </a:ln>
-          <a:effectLst/>
-        </p:spPr>
-        <p:style>
-          <a:lnRef idx="1">
-            <a:schemeClr val="accent2"/>
-          </a:lnRef>
-          <a:fillRef idx="2">
-            <a:schemeClr val="accent2"/>
-          </a:fillRef>
-          <a:effectRef idx="1">
-            <a:schemeClr val="accent2"/>
-          </a:effectRef>
-          <a:fontRef idx="minor">
-            <a:schemeClr val="dk1"/>
-          </a:fontRef>
-        </p:style>
-      </p:cxnSp>
-      <p:sp>
-        <p:nvSpPr>
-          <p:cNvPr id="83" name="Rectangle 8"/>
-          <p:cNvSpPr/>
-          <p:nvPr/>
-        </p:nvSpPr>
-        <p:spPr>
-          <a:xfrm>
-            <a:off x="7712397" y="3210194"/>
-            <a:ext cx="708186" cy="285783"/>
-          </a:xfrm>
-          <a:prstGeom prst="rect">
-            <a:avLst/>
-          </a:prstGeom>
-          <a:ln w="19050">
-            <a:solidFill>
-              <a:srgbClr val="7030A0"/>
-            </a:solidFill>
-          </a:ln>
-          <a:effectLst/>
-        </p:spPr>
-        <p:style>
-          <a:lnRef idx="1">
-            <a:schemeClr val="accent4"/>
-          </a:lnRef>
-          <a:fillRef idx="2">
-            <a:schemeClr val="accent4"/>
-          </a:fillRef>
-          <a:effectRef idx="1">
-            <a:schemeClr val="accent4"/>
-          </a:effectRef>
-          <a:fontRef idx="minor">
-            <a:schemeClr val="dk1"/>
-          </a:fontRef>
-        </p:style>
-        <p:txBody>
-          <a:bodyPr rtlCol="0" anchor="ctr"/>
-          <a:lstStyle/>
-          <a:p>
-            <a:pPr algn="ctr"/>
-            <a:r>
-              <a:rPr lang="en-US" sz="1050" dirty="0" smtClean="0">
-                <a:solidFill>
-                  <a:srgbClr val="7030A0"/>
-                </a:solidFill>
-              </a:rPr>
-              <a:t>Email</a:t>
-            </a:r>
-            <a:endParaRPr lang="en-SG" sz="1050" dirty="0">
-              <a:solidFill>
-                <a:srgbClr val="7030A0"/>
-              </a:solidFill>
-            </a:endParaRPr>
-          </a:p>
-        </p:txBody>
-      </p:sp>
-      <p:cxnSp>
-        <p:nvCxnSpPr>
-          <p:cNvPr id="84" name="Elbow Connector 83"/>
-          <p:cNvCxnSpPr>
-            <a:stCxn id="78" idx="3"/>
-            <a:endCxn id="83" idx="1"/>
-          </p:cNvCxnSpPr>
-          <p:nvPr/>
-        </p:nvCxnSpPr>
-        <p:spPr>
-          <a:xfrm>
-            <a:off x="7277995" y="3034891"/>
-            <a:ext cx="434402" cy="318195"/>
-          </a:xfrm>
-          <a:prstGeom prst="bentConnector3">
-            <a:avLst/>
-          </a:prstGeom>
-          <a:ln w="19050">
-            <a:solidFill>
-              <a:srgbClr val="7030A0"/>
-            </a:solidFill>
-            <a:headEnd type="none" w="med" len="med"/>
-            <a:tailEnd type="arrow" w="med" len="med"/>
-          </a:ln>
-          <a:effectLst/>
-        </p:spPr>
-        <p:style>
-          <a:lnRef idx="1">
-            <a:schemeClr val="accent2"/>
-          </a:lnRef>
-          <a:fillRef idx="2">
-            <a:schemeClr val="accent2"/>
-          </a:fillRef>
-          <a:effectRef idx="1">
-            <a:schemeClr val="accent2"/>
-          </a:effectRef>
-          <a:fontRef idx="minor">
-            <a:schemeClr val="dk1"/>
-          </a:fontRef>
-        </p:style>
-      </p:cxnSp>
-      <p:sp>
-        <p:nvSpPr>
-          <p:cNvPr id="85" name="Rectangle 8"/>
-          <p:cNvSpPr/>
-          <p:nvPr/>
-        </p:nvSpPr>
-        <p:spPr>
-          <a:xfrm>
-            <a:off x="7712397" y="3533171"/>
-            <a:ext cx="708186" cy="285783"/>
-          </a:xfrm>
-          <a:prstGeom prst="rect">
-            <a:avLst/>
-          </a:prstGeom>
-          <a:ln w="19050">
-            <a:solidFill>
-              <a:srgbClr val="7030A0"/>
-            </a:solidFill>
-          </a:ln>
-          <a:effectLst/>
-        </p:spPr>
-        <p:style>
-          <a:lnRef idx="1">
-            <a:schemeClr val="accent4"/>
-          </a:lnRef>
-          <a:fillRef idx="2">
-            <a:schemeClr val="accent4"/>
-          </a:fillRef>
-          <a:effectRef idx="1">
-            <a:schemeClr val="accent4"/>
-          </a:effectRef>
-          <a:fontRef idx="minor">
-            <a:schemeClr val="dk1"/>
-          </a:fontRef>
-        </p:style>
-        <p:txBody>
-          <a:bodyPr rtlCol="0" anchor="ctr"/>
-          <a:lstStyle/>
-          <a:p>
-            <a:pPr algn="ctr"/>
-            <a:r>
-              <a:rPr lang="en-US" sz="1050" dirty="0" smtClean="0">
-                <a:solidFill>
-                  <a:srgbClr val="7030A0"/>
-                </a:solidFill>
-              </a:rPr>
-              <a:t>Address</a:t>
-            </a:r>
-            <a:endParaRPr lang="en-SG" sz="1050" dirty="0">
-              <a:solidFill>
-                <a:srgbClr val="7030A0"/>
-              </a:solidFill>
-            </a:endParaRPr>
-          </a:p>
-        </p:txBody>
-      </p:sp>
-      <p:cxnSp>
-        <p:nvCxnSpPr>
-          <p:cNvPr id="86" name="Elbow Connector 85"/>
-          <p:cNvCxnSpPr>
-            <a:stCxn id="78" idx="3"/>
-            <a:endCxn id="85" idx="1"/>
-          </p:cNvCxnSpPr>
-          <p:nvPr/>
-        </p:nvCxnSpPr>
-        <p:spPr>
-          <a:xfrm>
-            <a:off x="7277995" y="3034891"/>
-            <a:ext cx="434402" cy="641172"/>
           </a:xfrm>
           <a:prstGeom prst="bentConnector3">
             <a:avLst/>
@@ -5377,7 +5284,7 @@
                   <a:srgbClr val="7030A0"/>
                 </a:solidFill>
               </a:rPr>
-              <a:t>ReadOnlyAddressBook</a:t>
+              <a:t>ReadOnlyTaskManager</a:t>
             </a:r>
             <a:endParaRPr lang="en-SG" sz="1050" dirty="0">
               <a:solidFill>
@@ -5434,7 +5341,7 @@
         </p:nvSpPr>
         <p:spPr>
           <a:xfrm>
-            <a:off x="2057400" y="4239491"/>
+            <a:off x="2066029" y="5262661"/>
             <a:ext cx="1775949" cy="346760"/>
           </a:xfrm>
           <a:prstGeom prst="rect">
@@ -5516,8 +5423,8 @@
         </p:nvCxnSpPr>
         <p:spPr>
           <a:xfrm rot="16200000" flipH="1">
-            <a:off x="1364475" y="3719945"/>
-            <a:ext cx="831471" cy="554380"/>
+            <a:off x="857204" y="4227215"/>
+            <a:ext cx="1854641" cy="563009"/>
           </a:xfrm>
           <a:prstGeom prst="bentConnector2">
             <a:avLst/>
@@ -5891,6 +5798,323 @@
                 </a:solidFill>
               </a:rPr>
               <a:t>1</a:t>
+            </a:r>
+            <a:endParaRPr lang="en-SG" sz="1100" dirty="0">
+              <a:solidFill>
+                <a:srgbClr val="7030A0"/>
+              </a:solidFill>
+            </a:endParaRPr>
+          </a:p>
+        </p:txBody>
+      </p:sp>
+      <p:sp>
+        <p:nvSpPr>
+          <p:cNvPr id="73" name="Rectangle 8"/>
+          <p:cNvSpPr/>
+          <p:nvPr/>
+        </p:nvSpPr>
+        <p:spPr>
+          <a:xfrm>
+            <a:off x="4474551" y="3434925"/>
+            <a:ext cx="1404467" cy="417979"/>
+          </a:xfrm>
+          <a:prstGeom prst="rect">
+            <a:avLst/>
+          </a:prstGeom>
+          <a:ln w="19050">
+            <a:solidFill>
+              <a:srgbClr val="7030A0"/>
+            </a:solidFill>
+          </a:ln>
+          <a:effectLst/>
+        </p:spPr>
+        <p:style>
+          <a:lnRef idx="1">
+            <a:schemeClr val="accent4"/>
+          </a:lnRef>
+          <a:fillRef idx="2">
+            <a:schemeClr val="accent4"/>
+          </a:fillRef>
+          <a:effectRef idx="1">
+            <a:schemeClr val="accent4"/>
+          </a:effectRef>
+          <a:fontRef idx="minor">
+            <a:schemeClr val="dk1"/>
+          </a:fontRef>
+        </p:style>
+        <p:txBody>
+          <a:bodyPr rtlCol="0" anchor="ctr"/>
+          <a:lstStyle/>
+          <a:p>
+            <a:pPr algn="ctr"/>
+            <a:r>
+              <a:rPr lang="en-US" sz="1050" dirty="0" err="1" smtClean="0">
+                <a:solidFill>
+                  <a:srgbClr val="7030A0"/>
+                </a:solidFill>
+              </a:rPr>
+              <a:t>UniqueBookingList</a:t>
+            </a:r>
+            <a:endParaRPr lang="en-SG" sz="1050" dirty="0">
+              <a:solidFill>
+                <a:srgbClr val="7030A0"/>
+              </a:solidFill>
+            </a:endParaRPr>
+          </a:p>
+        </p:txBody>
+      </p:sp>
+      <p:cxnSp>
+        <p:nvCxnSpPr>
+          <p:cNvPr id="74" name="Elbow Connector 73"/>
+          <p:cNvCxnSpPr>
+            <a:endCxn id="73" idx="1"/>
+          </p:cNvCxnSpPr>
+          <p:nvPr/>
+        </p:nvCxnSpPr>
+        <p:spPr>
+          <a:xfrm rot="16200000" flipH="1">
+            <a:off x="3962256" y="3131620"/>
+            <a:ext cx="883234" cy="141356"/>
+          </a:xfrm>
+          <a:prstGeom prst="bentConnector2">
+            <a:avLst/>
+          </a:prstGeom>
+          <a:ln w="19050">
+            <a:solidFill>
+              <a:srgbClr val="7030A0"/>
+            </a:solidFill>
+            <a:headEnd type="none" w="med" len="med"/>
+            <a:tailEnd type="arrow" w="med" len="med"/>
+          </a:ln>
+          <a:effectLst/>
+        </p:spPr>
+        <p:style>
+          <a:lnRef idx="1">
+            <a:schemeClr val="accent2"/>
+          </a:lnRef>
+          <a:fillRef idx="2">
+            <a:schemeClr val="accent2"/>
+          </a:fillRef>
+          <a:effectRef idx="1">
+            <a:schemeClr val="accent2"/>
+          </a:effectRef>
+          <a:fontRef idx="minor">
+            <a:schemeClr val="dk1"/>
+          </a:fontRef>
+        </p:style>
+      </p:cxnSp>
+      <p:sp>
+        <p:nvSpPr>
+          <p:cNvPr id="77" name="TextBox 76"/>
+          <p:cNvSpPr txBox="1"/>
+          <p:nvPr/>
+        </p:nvSpPr>
+        <p:spPr>
+          <a:xfrm>
+            <a:off x="4281449" y="3724274"/>
+            <a:ext cx="189257" cy="178683"/>
+          </a:xfrm>
+          <a:prstGeom prst="rect">
+            <a:avLst/>
+          </a:prstGeom>
+          <a:noFill/>
+        </p:spPr>
+        <p:txBody>
+          <a:bodyPr wrap="square" lIns="0" tIns="0" rIns="0" bIns="0" rtlCol="0">
+            <a:noAutofit/>
+          </a:bodyPr>
+          <a:lstStyle/>
+          <a:p>
+            <a:pPr algn="ctr"/>
+            <a:r>
+              <a:rPr lang="en-US" sz="1100" dirty="0" smtClean="0">
+                <a:solidFill>
+                  <a:srgbClr val="7030A0"/>
+                </a:solidFill>
+              </a:rPr>
+              <a:t>1</a:t>
+            </a:r>
+            <a:endParaRPr lang="en-SG" sz="1100" dirty="0">
+              <a:solidFill>
+                <a:srgbClr val="7030A0"/>
+              </a:solidFill>
+            </a:endParaRPr>
+          </a:p>
+        </p:txBody>
+      </p:sp>
+      <p:sp>
+        <p:nvSpPr>
+          <p:cNvPr id="82" name="Rectangle 8"/>
+          <p:cNvSpPr/>
+          <p:nvPr/>
+        </p:nvSpPr>
+        <p:spPr>
+          <a:xfrm>
+            <a:off x="4134227" y="4119571"/>
+            <a:ext cx="791882" cy="307402"/>
+          </a:xfrm>
+          <a:prstGeom prst="rect">
+            <a:avLst/>
+          </a:prstGeom>
+          <a:ln w="19050">
+            <a:solidFill>
+              <a:srgbClr val="7030A0"/>
+            </a:solidFill>
+          </a:ln>
+          <a:effectLst/>
+        </p:spPr>
+        <p:style>
+          <a:lnRef idx="1">
+            <a:schemeClr val="accent4"/>
+          </a:lnRef>
+          <a:fillRef idx="2">
+            <a:schemeClr val="accent4"/>
+          </a:fillRef>
+          <a:effectRef idx="1">
+            <a:schemeClr val="accent4"/>
+          </a:effectRef>
+          <a:fontRef idx="minor">
+            <a:schemeClr val="dk1"/>
+          </a:fontRef>
+        </p:style>
+        <p:txBody>
+          <a:bodyPr rtlCol="0" anchor="ctr"/>
+          <a:lstStyle/>
+          <a:p>
+            <a:pPr algn="ctr"/>
+            <a:r>
+              <a:rPr lang="en-US" sz="1050" dirty="0" smtClean="0">
+                <a:solidFill>
+                  <a:srgbClr val="7030A0"/>
+                </a:solidFill>
+              </a:rPr>
+              <a:t>Booking</a:t>
+            </a:r>
+            <a:endParaRPr lang="en-SG" sz="1050" dirty="0">
+              <a:solidFill>
+                <a:srgbClr val="7030A0"/>
+              </a:solidFill>
+            </a:endParaRPr>
+          </a:p>
+        </p:txBody>
+      </p:sp>
+      <p:sp>
+        <p:nvSpPr>
+          <p:cNvPr id="87" name="Flowchart: Decision 96"/>
+          <p:cNvSpPr/>
+          <p:nvPr/>
+        </p:nvSpPr>
+        <p:spPr>
+          <a:xfrm rot="16200000">
+            <a:off x="5384505" y="3899547"/>
+            <a:ext cx="236048" cy="173380"/>
+          </a:xfrm>
+          <a:prstGeom prst="flowChartDecision">
+            <a:avLst/>
+          </a:prstGeom>
+          <a:noFill/>
+          <a:ln w="19050">
+            <a:solidFill>
+              <a:srgbClr val="7030A0"/>
+            </a:solidFill>
+          </a:ln>
+          <a:effectLst/>
+        </p:spPr>
+        <p:style>
+          <a:lnRef idx="1">
+            <a:schemeClr val="accent6"/>
+          </a:lnRef>
+          <a:fillRef idx="2">
+            <a:schemeClr val="accent6"/>
+          </a:fillRef>
+          <a:effectRef idx="1">
+            <a:schemeClr val="accent6"/>
+          </a:effectRef>
+          <a:fontRef idx="minor">
+            <a:schemeClr val="dk1"/>
+          </a:fontRef>
+        </p:style>
+        <p:txBody>
+          <a:bodyPr rtlCol="0" anchor="ctr"/>
+          <a:lstStyle/>
+          <a:p>
+            <a:pPr algn="ctr"/>
+            <a:endParaRPr lang="en-US" sz="1050"/>
+          </a:p>
+        </p:txBody>
+      </p:sp>
+      <p:cxnSp>
+        <p:nvCxnSpPr>
+          <p:cNvPr id="88" name="Elbow Connector 87"/>
+          <p:cNvCxnSpPr>
+            <a:endCxn id="82" idx="3"/>
+          </p:cNvCxnSpPr>
+          <p:nvPr/>
+        </p:nvCxnSpPr>
+        <p:spPr>
+          <a:xfrm rot="10800000" flipV="1">
+            <a:off x="4926110" y="4097618"/>
+            <a:ext cx="597281" cy="175654"/>
+          </a:xfrm>
+          <a:prstGeom prst="bentConnector3">
+            <a:avLst>
+              <a:gd name="adj1" fmla="val 50000"/>
+            </a:avLst>
+          </a:prstGeom>
+          <a:ln w="19050">
+            <a:solidFill>
+              <a:srgbClr val="7030A0"/>
+            </a:solidFill>
+            <a:headEnd type="none" w="med" len="med"/>
+            <a:tailEnd type="arrow" w="med" len="med"/>
+          </a:ln>
+          <a:effectLst/>
+        </p:spPr>
+        <p:style>
+          <a:lnRef idx="1">
+            <a:schemeClr val="accent2"/>
+          </a:lnRef>
+          <a:fillRef idx="2">
+            <a:schemeClr val="accent2"/>
+          </a:fillRef>
+          <a:effectRef idx="1">
+            <a:schemeClr val="accent2"/>
+          </a:effectRef>
+          <a:fontRef idx="minor">
+            <a:schemeClr val="dk1"/>
+          </a:fontRef>
+        </p:style>
+      </p:cxnSp>
+      <p:sp>
+        <p:nvSpPr>
+          <p:cNvPr id="89" name="TextBox 88"/>
+          <p:cNvSpPr txBox="1"/>
+          <p:nvPr/>
+        </p:nvSpPr>
+        <p:spPr>
+          <a:xfrm>
+            <a:off x="4935485" y="4064540"/>
+            <a:ext cx="189257" cy="178683"/>
+          </a:xfrm>
+          <a:prstGeom prst="rect">
+            <a:avLst/>
+          </a:prstGeom>
+          <a:noFill/>
+        </p:spPr>
+        <p:txBody>
+          <a:bodyPr wrap="square" lIns="0" tIns="0" rIns="0" bIns="0" rtlCol="0">
+            <a:noAutofit/>
+          </a:bodyPr>
+          <a:lstStyle/>
+          <a:p>
+            <a:pPr algn="ctr"/>
+            <a:r>
+              <a:rPr lang="en-US" sz="1100" dirty="0" smtClean="0">
+                <a:solidFill>
+                  <a:srgbClr val="7030A0"/>
+                </a:solidFill>
+              </a:rPr>
+              <a:t>*</a:t>
             </a:r>
             <a:endParaRPr lang="en-SG" sz="1100" dirty="0">
               <a:solidFill>

--- a/docs/diagrams/ModelComponentClassDiagram.pptx
+++ b/docs/diagrams/ModelComponentClassDiagram.pptx
@@ -208,7 +208,7 @@
           <a:p>
             <a:fld id="{F5CC4B3F-88C1-4FFA-B1B6-F41C21DC6924}" type="datetimeFigureOut">
               <a:rPr lang="en-US" smtClean="0"/>
-              <a:t>3/14/2017</a:t>
+              <a:t>3/22/2017</a:t>
             </a:fld>
             <a:endParaRPr lang="en-US"/>
           </a:p>
@@ -657,7 +657,7 @@
           <a:p>
             <a:fld id="{78C97017-6FC3-485B-9764-EAC9E56C1D49}" type="datetimeFigureOut">
               <a:rPr lang="en-US" smtClean="0"/>
-              <a:t>3/14/2017</a:t>
+              <a:t>3/22/2017</a:t>
             </a:fld>
             <a:endParaRPr lang="en-US"/>
           </a:p>
@@ -827,7 +827,7 @@
           <a:p>
             <a:fld id="{78C97017-6FC3-485B-9764-EAC9E56C1D49}" type="datetimeFigureOut">
               <a:rPr lang="en-US" smtClean="0"/>
-              <a:t>3/14/2017</a:t>
+              <a:t>3/22/2017</a:t>
             </a:fld>
             <a:endParaRPr lang="en-US"/>
           </a:p>
@@ -1007,7 +1007,7 @@
           <a:p>
             <a:fld id="{78C97017-6FC3-485B-9764-EAC9E56C1D49}" type="datetimeFigureOut">
               <a:rPr lang="en-US" smtClean="0"/>
-              <a:t>3/14/2017</a:t>
+              <a:t>3/22/2017</a:t>
             </a:fld>
             <a:endParaRPr lang="en-US"/>
           </a:p>
@@ -1177,7 +1177,7 @@
           <a:p>
             <a:fld id="{78C97017-6FC3-485B-9764-EAC9E56C1D49}" type="datetimeFigureOut">
               <a:rPr lang="en-US" smtClean="0"/>
-              <a:t>3/14/2017</a:t>
+              <a:t>3/22/2017</a:t>
             </a:fld>
             <a:endParaRPr lang="en-US"/>
           </a:p>
@@ -1423,7 +1423,7 @@
           <a:p>
             <a:fld id="{78C97017-6FC3-485B-9764-EAC9E56C1D49}" type="datetimeFigureOut">
               <a:rPr lang="en-US" smtClean="0"/>
-              <a:t>3/14/2017</a:t>
+              <a:t>3/22/2017</a:t>
             </a:fld>
             <a:endParaRPr lang="en-US"/>
           </a:p>
@@ -1711,7 +1711,7 @@
           <a:p>
             <a:fld id="{78C97017-6FC3-485B-9764-EAC9E56C1D49}" type="datetimeFigureOut">
               <a:rPr lang="en-US" smtClean="0"/>
-              <a:t>3/14/2017</a:t>
+              <a:t>3/22/2017</a:t>
             </a:fld>
             <a:endParaRPr lang="en-US"/>
           </a:p>
@@ -2133,7 +2133,7 @@
           <a:p>
             <a:fld id="{78C97017-6FC3-485B-9764-EAC9E56C1D49}" type="datetimeFigureOut">
               <a:rPr lang="en-US" smtClean="0"/>
-              <a:t>3/14/2017</a:t>
+              <a:t>3/22/2017</a:t>
             </a:fld>
             <a:endParaRPr lang="en-US"/>
           </a:p>
@@ -2251,7 +2251,7 @@
           <a:p>
             <a:fld id="{78C97017-6FC3-485B-9764-EAC9E56C1D49}" type="datetimeFigureOut">
               <a:rPr lang="en-US" smtClean="0"/>
-              <a:t>3/14/2017</a:t>
+              <a:t>3/22/2017</a:t>
             </a:fld>
             <a:endParaRPr lang="en-US"/>
           </a:p>
@@ -2346,7 +2346,7 @@
           <a:p>
             <a:fld id="{78C97017-6FC3-485B-9764-EAC9E56C1D49}" type="datetimeFigureOut">
               <a:rPr lang="en-US" smtClean="0"/>
-              <a:t>3/14/2017</a:t>
+              <a:t>3/22/2017</a:t>
             </a:fld>
             <a:endParaRPr lang="en-US"/>
           </a:p>
@@ -2623,7 +2623,7 @@
           <a:p>
             <a:fld id="{78C97017-6FC3-485B-9764-EAC9E56C1D49}" type="datetimeFigureOut">
               <a:rPr lang="en-US" smtClean="0"/>
-              <a:t>3/14/2017</a:t>
+              <a:t>3/22/2017</a:t>
             </a:fld>
             <a:endParaRPr lang="en-US"/>
           </a:p>
@@ -2876,7 +2876,7 @@
           <a:p>
             <a:fld id="{78C97017-6FC3-485B-9764-EAC9E56C1D49}" type="datetimeFigureOut">
               <a:rPr lang="en-US" smtClean="0"/>
-              <a:t>3/14/2017</a:t>
+              <a:t>3/22/2017</a:t>
             </a:fld>
             <a:endParaRPr lang="en-US"/>
           </a:p>
@@ -3089,7 +3089,7 @@
           <a:p>
             <a:fld id="{78C97017-6FC3-485B-9764-EAC9E56C1D49}" type="datetimeFigureOut">
               <a:rPr lang="en-US" smtClean="0"/>
-              <a:t>3/14/2017</a:t>
+              <a:t>3/22/2017</a:t>
             </a:fld>
             <a:endParaRPr lang="en-US"/>
           </a:p>
@@ -3684,49 +3684,6 @@
           </a:fontRef>
         </p:style>
       </p:cxnSp>
-      <p:cxnSp>
-        <p:nvCxnSpPr>
-          <p:cNvPr id="107" name="Elbow Connector 106"/>
-          <p:cNvCxnSpPr>
-            <a:endCxn id="134" idx="1"/>
-          </p:cNvCxnSpPr>
-          <p:nvPr/>
-        </p:nvCxnSpPr>
-        <p:spPr>
-          <a:xfrm>
-            <a:off x="1392584" y="3588885"/>
-            <a:ext cx="4151208" cy="170492"/>
-          </a:xfrm>
-          <a:prstGeom prst="bentConnector3">
-            <a:avLst>
-              <a:gd name="adj1" fmla="val 31"/>
-            </a:avLst>
-          </a:prstGeom>
-          <a:ln w="19050">
-            <a:solidFill>
-              <a:srgbClr val="7030A0"/>
-            </a:solidFill>
-            <a:prstDash val="solid"/>
-            <a:headEnd type="none" w="med" len="med"/>
-            <a:tailEnd type="arrow" w="med" len="med"/>
-          </a:ln>
-          <a:effectLst/>
-        </p:spPr>
-        <p:style>
-          <a:lnRef idx="1">
-            <a:schemeClr val="accent2"/>
-          </a:lnRef>
-          <a:fillRef idx="2">
-            <a:schemeClr val="accent2"/>
-          </a:fillRef>
-          <a:effectRef idx="1">
-            <a:schemeClr val="accent2"/>
-          </a:effectRef>
-          <a:fontRef idx="minor">
-            <a:schemeClr val="dk1"/>
-          </a:fontRef>
-        </p:style>
-      </p:cxnSp>
       <p:sp>
         <p:nvSpPr>
           <p:cNvPr id="119" name="Rectangle 62"/>
@@ -4763,62 +4720,6 @@
       </p:sp>
       <p:sp>
         <p:nvSpPr>
-          <p:cNvPr id="76" name="Rectangle 8"/>
-          <p:cNvSpPr/>
-          <p:nvPr/>
-        </p:nvSpPr>
-        <p:spPr>
-          <a:xfrm>
-            <a:off x="7200639" y="4053201"/>
-            <a:ext cx="708186" cy="285783"/>
-          </a:xfrm>
-          <a:prstGeom prst="rect">
-            <a:avLst/>
-          </a:prstGeom>
-          <a:ln w="19050">
-            <a:solidFill>
-              <a:srgbClr val="7030A0"/>
-            </a:solidFill>
-          </a:ln>
-          <a:effectLst/>
-        </p:spPr>
-        <p:style>
-          <a:lnRef idx="1">
-            <a:schemeClr val="accent4"/>
-          </a:lnRef>
-          <a:fillRef idx="2">
-            <a:schemeClr val="accent4"/>
-          </a:fillRef>
-          <a:effectRef idx="1">
-            <a:schemeClr val="accent4"/>
-          </a:effectRef>
-          <a:fontRef idx="minor">
-            <a:schemeClr val="dk1"/>
-          </a:fontRef>
-        </p:style>
-        <p:txBody>
-          <a:bodyPr rtlCol="0" anchor="ctr"/>
-          <a:lstStyle/>
-          <a:p>
-            <a:pPr algn="ctr"/>
-            <a:r>
-              <a:rPr lang="en-US" sz="1050" dirty="0" smtClean="0">
-                <a:solidFill>
-                  <a:srgbClr val="7030A0"/>
-                </a:solidFill>
-              </a:rPr>
-              <a:t>Date</a:t>
-            </a:r>
-            <a:endParaRPr lang="en-SG" sz="1050" dirty="0">
-              <a:solidFill>
-                <a:srgbClr val="7030A0"/>
-              </a:solidFill>
-            </a:endParaRPr>
-          </a:p>
-        </p:txBody>
-      </p:sp>
-      <p:sp>
-        <p:nvSpPr>
           <p:cNvPr id="78" name="Flowchart: Decision 96"/>
           <p:cNvSpPr/>
           <p:nvPr/>
@@ -4867,20 +4768,17 @@
       <p:cxnSp>
         <p:nvCxnSpPr>
           <p:cNvPr id="79" name="Elbow Connector 78"/>
-          <p:cNvCxnSpPr>
-            <a:stCxn id="140" idx="3"/>
-            <a:endCxn id="76" idx="1"/>
-          </p:cNvCxnSpPr>
+          <p:cNvCxnSpPr/>
           <p:nvPr/>
         </p:nvCxnSpPr>
         <p:spPr>
           <a:xfrm>
-            <a:off x="6693480" y="3787616"/>
-            <a:ext cx="507159" cy="408477"/>
+            <a:off x="6453765" y="3039997"/>
+            <a:ext cx="732904" cy="328340"/>
           </a:xfrm>
           <a:prstGeom prst="bentConnector3">
             <a:avLst>
-              <a:gd name="adj1" fmla="val 2421"/>
+              <a:gd name="adj1" fmla="val 50000"/>
             </a:avLst>
           </a:prstGeom>
           <a:ln w="19050">
@@ -4915,8 +4813,8 @@
         </p:nvSpPr>
         <p:spPr>
           <a:xfrm>
-            <a:off x="7185366" y="3234090"/>
-            <a:ext cx="708186" cy="285783"/>
+            <a:off x="7202537" y="3243417"/>
+            <a:ext cx="817879" cy="285783"/>
           </a:xfrm>
           <a:prstGeom prst="rect">
             <a:avLst/>
@@ -4948,111 +4846,12 @@
           <a:p>
             <a:pPr algn="ctr"/>
             <a:r>
-              <a:rPr lang="en-US" sz="1050" dirty="0" smtClean="0">
+              <a:rPr lang="en-US" sz="1050" dirty="0" err="1" smtClean="0">
                 <a:solidFill>
                   <a:srgbClr val="7030A0"/>
                 </a:solidFill>
               </a:rPr>
-              <a:t>Time</a:t>
-            </a:r>
-            <a:endParaRPr lang="en-SG" sz="1050" dirty="0">
-              <a:solidFill>
-                <a:srgbClr val="7030A0"/>
-              </a:solidFill>
-            </a:endParaRPr>
-          </a:p>
-        </p:txBody>
-      </p:sp>
-      <p:cxnSp>
-        <p:nvCxnSpPr>
-          <p:cNvPr id="81" name="Elbow Connector 80"/>
-          <p:cNvCxnSpPr>
-            <a:stCxn id="140" idx="3"/>
-            <a:endCxn id="80" idx="1"/>
-          </p:cNvCxnSpPr>
-          <p:nvPr/>
-        </p:nvCxnSpPr>
-        <p:spPr>
-          <a:xfrm flipV="1">
-            <a:off x="6693480" y="3376982"/>
-            <a:ext cx="491886" cy="410634"/>
-          </a:xfrm>
-          <a:prstGeom prst="bentConnector3">
-            <a:avLst>
-              <a:gd name="adj1" fmla="val 944"/>
-            </a:avLst>
-          </a:prstGeom>
-          <a:ln w="19050">
-            <a:solidFill>
-              <a:srgbClr val="7030A0"/>
-            </a:solidFill>
-            <a:headEnd type="none" w="med" len="med"/>
-            <a:tailEnd type="arrow" w="med" len="med"/>
-          </a:ln>
-          <a:effectLst/>
-        </p:spPr>
-        <p:style>
-          <a:lnRef idx="1">
-            <a:schemeClr val="accent2"/>
-          </a:lnRef>
-          <a:fillRef idx="2">
-            <a:schemeClr val="accent2"/>
-          </a:fillRef>
-          <a:effectRef idx="1">
-            <a:schemeClr val="accent2"/>
-          </a:effectRef>
-          <a:fontRef idx="minor">
-            <a:schemeClr val="dk1"/>
-          </a:fontRef>
-        </p:style>
-      </p:cxnSp>
-      <p:sp>
-        <p:nvSpPr>
-          <p:cNvPr id="83" name="Rectangle 8"/>
-          <p:cNvSpPr/>
-          <p:nvPr/>
-        </p:nvSpPr>
-        <p:spPr>
-          <a:xfrm>
-            <a:off x="7185366" y="3644725"/>
-            <a:ext cx="708186" cy="285783"/>
-          </a:xfrm>
-          <a:prstGeom prst="rect">
-            <a:avLst/>
-          </a:prstGeom>
-          <a:ln w="19050">
-            <a:solidFill>
-              <a:srgbClr val="7030A0"/>
-            </a:solidFill>
-          </a:ln>
-          <a:effectLst/>
-        </p:spPr>
-        <p:style>
-          <a:lnRef idx="1">
-            <a:schemeClr val="accent4"/>
-          </a:lnRef>
-          <a:fillRef idx="2">
-            <a:schemeClr val="accent4"/>
-          </a:fillRef>
-          <a:effectRef idx="1">
-            <a:schemeClr val="accent4"/>
-          </a:effectRef>
-          <a:fontRef idx="minor">
-            <a:schemeClr val="dk1"/>
-          </a:fontRef>
-        </p:style>
-        <p:txBody>
-          <a:bodyPr rtlCol="0" anchor="ctr"/>
-          <a:lstStyle/>
-          <a:p>
-            <a:pPr algn="ctr"/>
-            <a:r>
-              <a:rPr lang="en-US" sz="1050" dirty="0" smtClean="0">
-                <a:solidFill>
-                  <a:srgbClr val="7030A0"/>
-                </a:solidFill>
-              </a:rPr>
-              <a:t>Duration</a:t>
+              <a:t>DateTime</a:t>
             </a:r>
             <a:endParaRPr lang="en-SG" sz="1050" dirty="0">
               <a:solidFill>
@@ -5833,109 +5632,6 @@
           </a:p>
         </p:txBody>
       </p:sp>
-      <p:sp>
-        <p:nvSpPr>
-          <p:cNvPr id="134" name="Rectangle 8"/>
-          <p:cNvSpPr/>
-          <p:nvPr/>
-        </p:nvSpPr>
-        <p:spPr>
-          <a:xfrm>
-            <a:off x="5543792" y="3616485"/>
-            <a:ext cx="906581" cy="285783"/>
-          </a:xfrm>
-          <a:prstGeom prst="rect">
-            <a:avLst/>
-          </a:prstGeom>
-          <a:ln w="19050">
-            <a:solidFill>
-              <a:srgbClr val="7030A0"/>
-            </a:solidFill>
-          </a:ln>
-          <a:effectLst/>
-        </p:spPr>
-        <p:style>
-          <a:lnRef idx="1">
-            <a:schemeClr val="accent4"/>
-          </a:lnRef>
-          <a:fillRef idx="2">
-            <a:schemeClr val="accent4"/>
-          </a:fillRef>
-          <a:effectRef idx="1">
-            <a:schemeClr val="accent4"/>
-          </a:effectRef>
-          <a:fontRef idx="minor">
-            <a:schemeClr val="dk1"/>
-          </a:fontRef>
-        </p:style>
-        <p:txBody>
-          <a:bodyPr rtlCol="0" anchor="ctr"/>
-          <a:lstStyle/>
-          <a:p>
-            <a:pPr algn="ctr"/>
-            <a:r>
-              <a:rPr lang="en-US" sz="1050" dirty="0" smtClean="0">
-                <a:solidFill>
-                  <a:srgbClr val="7030A0"/>
-                </a:solidFill>
-              </a:rPr>
-              <a:t>DetailedTask</a:t>
-            </a:r>
-            <a:endParaRPr lang="en-SG" sz="1050" dirty="0">
-              <a:solidFill>
-                <a:srgbClr val="7030A0"/>
-              </a:solidFill>
-            </a:endParaRPr>
-          </a:p>
-        </p:txBody>
-      </p:sp>
-      <p:sp>
-        <p:nvSpPr>
-          <p:cNvPr id="140" name="Flowchart: Decision 96"/>
-          <p:cNvSpPr/>
-          <p:nvPr/>
-        </p:nvSpPr>
-        <p:spPr>
-          <a:xfrm>
-            <a:off x="6457432" y="3700926"/>
-            <a:ext cx="236048" cy="173380"/>
-          </a:xfrm>
-          <a:prstGeom prst="flowChartDecision">
-            <a:avLst/>
-          </a:prstGeom>
-          <a:solidFill>
-            <a:srgbClr val="7030A0"/>
-          </a:solidFill>
-          <a:ln w="19050">
-            <a:solidFill>
-              <a:srgbClr val="7030A0"/>
-            </a:solidFill>
-          </a:ln>
-          <a:effectLst/>
-        </p:spPr>
-        <p:style>
-          <a:lnRef idx="1">
-            <a:schemeClr val="accent6"/>
-          </a:lnRef>
-          <a:fillRef idx="2">
-            <a:schemeClr val="accent6"/>
-          </a:fillRef>
-          <a:effectRef idx="1">
-            <a:schemeClr val="accent6"/>
-          </a:effectRef>
-          <a:fontRef idx="minor">
-            <a:schemeClr val="dk1"/>
-          </a:fontRef>
-        </p:style>
-        <p:txBody>
-          <a:bodyPr rtlCol="0" anchor="ctr"/>
-          <a:lstStyle/>
-          <a:p>
-            <a:pPr algn="ctr"/>
-            <a:endParaRPr lang="en-US" sz="1050"/>
-          </a:p>
-        </p:txBody>
-      </p:sp>
       <p:cxnSp>
         <p:nvCxnSpPr>
           <p:cNvPr id="187" name="Elbow Connector 186"/>
@@ -5981,16 +5677,18 @@
       </p:cxnSp>
       <p:cxnSp>
         <p:nvCxnSpPr>
-          <p:cNvPr id="196" name="Straight Connector 195"/>
-          <p:cNvCxnSpPr/>
+          <p:cNvPr id="283" name="Straight Arrow Connector 282"/>
+          <p:cNvCxnSpPr>
+            <a:stCxn id="63" idx="3"/>
+          </p:cNvCxnSpPr>
           <p:nvPr/>
         </p:nvCxnSpPr>
         <p:spPr>
-          <a:xfrm flipH="1" flipV="1">
-            <a:off x="5963512" y="3292226"/>
-            <a:ext cx="9725" cy="324259"/>
-          </a:xfrm>
-          <a:prstGeom prst="line">
+          <a:xfrm flipV="1">
+            <a:off x="5044934" y="2893950"/>
+            <a:ext cx="430543" cy="1286"/>
+          </a:xfrm>
+          <a:prstGeom prst="straightConnector1">
             <a:avLst/>
           </a:prstGeom>
           <a:ln w="19050">
@@ -6017,641 +5715,6 @@
           </a:fontRef>
         </p:style>
       </p:cxnSp>
-      <p:sp>
-        <p:nvSpPr>
-          <p:cNvPr id="194" name="Isosceles Triangle 102"/>
-          <p:cNvSpPr/>
-          <p:nvPr/>
-        </p:nvSpPr>
-        <p:spPr>
-          <a:xfrm rot="10800000" flipV="1">
-            <a:off x="5828260" y="3222357"/>
-            <a:ext cx="270504" cy="175523"/>
-          </a:xfrm>
-          <a:prstGeom prst="triangle">
-            <a:avLst/>
-          </a:prstGeom>
-          <a:ln w="19050">
-            <a:solidFill>
-              <a:srgbClr val="7030A0"/>
-            </a:solidFill>
-          </a:ln>
-          <a:effectLst/>
-        </p:spPr>
-        <p:style>
-          <a:lnRef idx="1">
-            <a:schemeClr val="accent4"/>
-          </a:lnRef>
-          <a:fillRef idx="2">
-            <a:schemeClr val="accent4"/>
-          </a:fillRef>
-          <a:effectRef idx="1">
-            <a:schemeClr val="accent4"/>
-          </a:effectRef>
-          <a:fontRef idx="minor">
-            <a:schemeClr val="dk1"/>
-          </a:fontRef>
-        </p:style>
-        <p:txBody>
-          <a:bodyPr rtlCol="0" anchor="ctr"/>
-          <a:lstStyle/>
-          <a:p>
-            <a:pPr algn="ctr"/>
-            <a:endParaRPr lang="en-SG" sz="1050" b="1">
-              <a:solidFill>
-                <a:srgbClr val="92D050"/>
-              </a:solidFill>
-            </a:endParaRPr>
-          </a:p>
-        </p:txBody>
-      </p:sp>
-      <p:sp>
-        <p:nvSpPr>
-          <p:cNvPr id="205" name="TextBox 204"/>
-          <p:cNvSpPr txBox="1"/>
-          <p:nvPr/>
-        </p:nvSpPr>
-        <p:spPr>
-          <a:xfrm>
-            <a:off x="4596987" y="3531931"/>
-            <a:ext cx="881018" cy="261610"/>
-          </a:xfrm>
-          <a:prstGeom prst="rect">
-            <a:avLst/>
-          </a:prstGeom>
-          <a:noFill/>
-        </p:spPr>
-        <p:txBody>
-          <a:bodyPr wrap="square" rtlCol="0">
-            <a:spAutoFit/>
-          </a:bodyPr>
-          <a:lstStyle/>
-          <a:p>
-            <a:pPr algn="r"/>
-            <a:r>
-              <a:rPr lang="en-US" sz="1100" dirty="0" smtClean="0">
-                <a:solidFill>
-                  <a:srgbClr val="7030A0"/>
-                </a:solidFill>
-              </a:rPr>
-              <a:t>filtered list</a:t>
-            </a:r>
-            <a:endParaRPr lang="en-SG" sz="1100" dirty="0">
-              <a:solidFill>
-                <a:srgbClr val="7030A0"/>
-              </a:solidFill>
-            </a:endParaRPr>
-          </a:p>
-        </p:txBody>
-      </p:sp>
-      <p:sp>
-        <p:nvSpPr>
-          <p:cNvPr id="207" name="TextBox 206"/>
-          <p:cNvSpPr txBox="1"/>
-          <p:nvPr/>
-        </p:nvSpPr>
-        <p:spPr>
-          <a:xfrm>
-            <a:off x="5391684" y="3835264"/>
-            <a:ext cx="176827" cy="201177"/>
-          </a:xfrm>
-          <a:prstGeom prst="rect">
-            <a:avLst/>
-          </a:prstGeom>
-          <a:noFill/>
-        </p:spPr>
-        <p:txBody>
-          <a:bodyPr wrap="square" lIns="0" tIns="0" rIns="0" bIns="0" rtlCol="0">
-            <a:noAutofit/>
-          </a:bodyPr>
-          <a:lstStyle/>
-          <a:p>
-            <a:pPr algn="ctr"/>
-            <a:r>
-              <a:rPr lang="en-US" sz="1100" dirty="0" smtClean="0">
-                <a:solidFill>
-                  <a:srgbClr val="7030A0"/>
-                </a:solidFill>
-              </a:rPr>
-              <a:t>1</a:t>
-            </a:r>
-            <a:endParaRPr lang="en-SG" sz="1100" dirty="0">
-              <a:solidFill>
-                <a:srgbClr val="7030A0"/>
-              </a:solidFill>
-            </a:endParaRPr>
-          </a:p>
-        </p:txBody>
-      </p:sp>
-      <p:cxnSp>
-        <p:nvCxnSpPr>
-          <p:cNvPr id="234" name="Straight Arrow Connector 233"/>
-          <p:cNvCxnSpPr>
-            <a:stCxn id="140" idx="3"/>
-            <a:endCxn id="83" idx="1"/>
-          </p:cNvCxnSpPr>
-          <p:nvPr/>
-        </p:nvCxnSpPr>
-        <p:spPr>
-          <a:xfrm>
-            <a:off x="6693480" y="3787616"/>
-            <a:ext cx="491886" cy="1"/>
-          </a:xfrm>
-          <a:prstGeom prst="straightConnector1">
-            <a:avLst/>
-          </a:prstGeom>
-          <a:ln w="19050">
-            <a:solidFill>
-              <a:srgbClr val="7030A0"/>
-            </a:solidFill>
-            <a:headEnd type="none" w="med" len="med"/>
-            <a:tailEnd type="arrow" w="med" len="med"/>
-          </a:ln>
-          <a:effectLst/>
-        </p:spPr>
-        <p:style>
-          <a:lnRef idx="1">
-            <a:schemeClr val="accent2"/>
-          </a:lnRef>
-          <a:fillRef idx="2">
-            <a:schemeClr val="accent2"/>
-          </a:fillRef>
-          <a:effectRef idx="1">
-            <a:schemeClr val="accent2"/>
-          </a:effectRef>
-          <a:fontRef idx="minor">
-            <a:schemeClr val="dk1"/>
-          </a:fontRef>
-        </p:style>
-      </p:cxnSp>
-      <p:sp>
-        <p:nvSpPr>
-          <p:cNvPr id="241" name="Rectangle 8"/>
-          <p:cNvSpPr/>
-          <p:nvPr/>
-        </p:nvSpPr>
-        <p:spPr>
-          <a:xfrm>
-            <a:off x="3365617" y="4037615"/>
-            <a:ext cx="1447413" cy="346760"/>
-          </a:xfrm>
-          <a:prstGeom prst="rect">
-            <a:avLst/>
-          </a:prstGeom>
-          <a:ln w="19050">
-            <a:solidFill>
-              <a:srgbClr val="7030A0"/>
-            </a:solidFill>
-          </a:ln>
-          <a:effectLst/>
-        </p:spPr>
-        <p:style>
-          <a:lnRef idx="1">
-            <a:schemeClr val="accent4"/>
-          </a:lnRef>
-          <a:fillRef idx="2">
-            <a:schemeClr val="accent4"/>
-          </a:fillRef>
-          <a:effectRef idx="1">
-            <a:schemeClr val="accent4"/>
-          </a:effectRef>
-          <a:fontRef idx="minor">
-            <a:schemeClr val="dk1"/>
-          </a:fontRef>
-        </p:style>
-        <p:txBody>
-          <a:bodyPr rtlCol="0" anchor="ctr"/>
-          <a:lstStyle/>
-          <a:p>
-            <a:pPr algn="ctr"/>
-            <a:r>
-              <a:rPr lang="en-US" sz="1050" dirty="0" smtClean="0">
-                <a:solidFill>
-                  <a:srgbClr val="7030A0"/>
-                </a:solidFill>
-              </a:rPr>
-              <a:t>&lt;&lt;interface&gt;&gt;</a:t>
-            </a:r>
-            <a:br>
-              <a:rPr lang="en-US" sz="1050" dirty="0" smtClean="0">
-                <a:solidFill>
-                  <a:srgbClr val="7030A0"/>
-                </a:solidFill>
-              </a:rPr>
-            </a:br>
-            <a:r>
-              <a:rPr lang="en-US" sz="1050" dirty="0" smtClean="0">
-                <a:solidFill>
-                  <a:srgbClr val="7030A0"/>
-                </a:solidFill>
-              </a:rPr>
-              <a:t>ReadOnlyDetailedTask</a:t>
-            </a:r>
-            <a:endParaRPr lang="en-SG" sz="1050" dirty="0">
-              <a:solidFill>
-                <a:srgbClr val="7030A0"/>
-              </a:solidFill>
-            </a:endParaRPr>
-          </a:p>
-        </p:txBody>
-      </p:sp>
-      <p:sp>
-        <p:nvSpPr>
-          <p:cNvPr id="242" name="Isosceles Triangle 102"/>
-          <p:cNvSpPr/>
-          <p:nvPr/>
-        </p:nvSpPr>
-        <p:spPr>
-          <a:xfrm rot="5400000" flipH="1" flipV="1">
-            <a:off x="4769795" y="4123711"/>
-            <a:ext cx="270504" cy="175523"/>
-          </a:xfrm>
-          <a:prstGeom prst="triangle">
-            <a:avLst/>
-          </a:prstGeom>
-          <a:solidFill>
-            <a:srgbClr val="7030A0"/>
-          </a:solidFill>
-          <a:ln w="19050">
-            <a:solidFill>
-              <a:srgbClr val="7030A0"/>
-            </a:solidFill>
-          </a:ln>
-          <a:effectLst/>
-        </p:spPr>
-        <p:style>
-          <a:lnRef idx="1">
-            <a:schemeClr val="accent4"/>
-          </a:lnRef>
-          <a:fillRef idx="2">
-            <a:schemeClr val="accent4"/>
-          </a:fillRef>
-          <a:effectRef idx="1">
-            <a:schemeClr val="accent4"/>
-          </a:effectRef>
-          <a:fontRef idx="minor">
-            <a:schemeClr val="dk1"/>
-          </a:fontRef>
-        </p:style>
-        <p:txBody>
-          <a:bodyPr rtlCol="0" anchor="ctr"/>
-          <a:lstStyle/>
-          <a:p>
-            <a:pPr algn="ctr"/>
-            <a:endParaRPr lang="en-SG" sz="1050" b="1">
-              <a:solidFill>
-                <a:srgbClr val="92D050"/>
-              </a:solidFill>
-            </a:endParaRPr>
-          </a:p>
-        </p:txBody>
-      </p:sp>
-      <p:cxnSp>
-        <p:nvCxnSpPr>
-          <p:cNvPr id="243" name="Elbow Connector 63"/>
-          <p:cNvCxnSpPr>
-            <a:stCxn id="242" idx="3"/>
-            <a:endCxn id="134" idx="2"/>
-          </p:cNvCxnSpPr>
-          <p:nvPr/>
-        </p:nvCxnSpPr>
-        <p:spPr>
-          <a:xfrm flipV="1">
-            <a:off x="4992809" y="3902268"/>
-            <a:ext cx="1004274" cy="309205"/>
-          </a:xfrm>
-          <a:prstGeom prst="bentConnector2">
-            <a:avLst/>
-          </a:prstGeom>
-          <a:ln w="19050">
-            <a:solidFill>
-              <a:srgbClr val="7030A0"/>
-            </a:solidFill>
-            <a:prstDash val="sysDot"/>
-            <a:headEnd type="none" w="med" len="med"/>
-            <a:tailEnd type="none" w="med" len="med"/>
-          </a:ln>
-          <a:effectLst/>
-        </p:spPr>
-        <p:style>
-          <a:lnRef idx="1">
-            <a:schemeClr val="accent2"/>
-          </a:lnRef>
-          <a:fillRef idx="2">
-            <a:schemeClr val="accent2"/>
-          </a:fillRef>
-          <a:effectRef idx="1">
-            <a:schemeClr val="accent2"/>
-          </a:effectRef>
-          <a:fontRef idx="minor">
-            <a:schemeClr val="dk1"/>
-          </a:fontRef>
-        </p:style>
-      </p:cxnSp>
-      <p:cxnSp>
-        <p:nvCxnSpPr>
-          <p:cNvPr id="266" name="Elbow Connector 265"/>
-          <p:cNvCxnSpPr>
-            <a:stCxn id="51" idx="3"/>
-            <a:endCxn id="273" idx="1"/>
-          </p:cNvCxnSpPr>
-          <p:nvPr/>
-        </p:nvCxnSpPr>
-        <p:spPr>
-          <a:xfrm>
-            <a:off x="3382151" y="2760681"/>
-            <a:ext cx="265907" cy="589640"/>
-          </a:xfrm>
-          <a:prstGeom prst="bentConnector3">
-            <a:avLst>
-              <a:gd name="adj1" fmla="val 50000"/>
-            </a:avLst>
-          </a:prstGeom>
-          <a:ln w="19050">
-            <a:solidFill>
-              <a:srgbClr val="7030A0"/>
-            </a:solidFill>
-            <a:headEnd type="none" w="med" len="med"/>
-            <a:tailEnd type="arrow" w="med" len="med"/>
-          </a:ln>
-          <a:effectLst/>
-        </p:spPr>
-        <p:style>
-          <a:lnRef idx="1">
-            <a:schemeClr val="accent2"/>
-          </a:lnRef>
-          <a:fillRef idx="2">
-            <a:schemeClr val="accent2"/>
-          </a:fillRef>
-          <a:effectRef idx="1">
-            <a:schemeClr val="accent2"/>
-          </a:effectRef>
-          <a:fontRef idx="minor">
-            <a:schemeClr val="dk1"/>
-          </a:fontRef>
-        </p:style>
-      </p:cxnSp>
-      <p:sp>
-        <p:nvSpPr>
-          <p:cNvPr id="273" name="Rectangle 8"/>
-          <p:cNvSpPr/>
-          <p:nvPr/>
-        </p:nvSpPr>
-        <p:spPr>
-          <a:xfrm>
-            <a:off x="3648058" y="3176941"/>
-            <a:ext cx="1494645" cy="346760"/>
-          </a:xfrm>
-          <a:prstGeom prst="rect">
-            <a:avLst/>
-          </a:prstGeom>
-          <a:ln w="19050">
-            <a:solidFill>
-              <a:srgbClr val="7030A0"/>
-            </a:solidFill>
-          </a:ln>
-          <a:effectLst/>
-        </p:spPr>
-        <p:style>
-          <a:lnRef idx="1">
-            <a:schemeClr val="accent4"/>
-          </a:lnRef>
-          <a:fillRef idx="2">
-            <a:schemeClr val="accent4"/>
-          </a:fillRef>
-          <a:effectRef idx="1">
-            <a:schemeClr val="accent4"/>
-          </a:effectRef>
-          <a:fontRef idx="minor">
-            <a:schemeClr val="dk1"/>
-          </a:fontRef>
-        </p:style>
-        <p:txBody>
-          <a:bodyPr rtlCol="0" anchor="ctr"/>
-          <a:lstStyle/>
-          <a:p>
-            <a:pPr algn="ctr"/>
-            <a:r>
-              <a:rPr lang="en-US" sz="1050" dirty="0" smtClean="0">
-                <a:solidFill>
-                  <a:srgbClr val="7030A0"/>
-                </a:solidFill>
-              </a:rPr>
-              <a:t>UniqueDetailedTaskList</a:t>
-            </a:r>
-            <a:endParaRPr lang="en-SG" sz="1050" dirty="0">
-              <a:solidFill>
-                <a:srgbClr val="7030A0"/>
-              </a:solidFill>
-            </a:endParaRPr>
-          </a:p>
-        </p:txBody>
-      </p:sp>
-      <p:cxnSp>
-        <p:nvCxnSpPr>
-          <p:cNvPr id="283" name="Straight Arrow Connector 282"/>
-          <p:cNvCxnSpPr>
-            <a:stCxn id="63" idx="3"/>
-          </p:cNvCxnSpPr>
-          <p:nvPr/>
-        </p:nvCxnSpPr>
-        <p:spPr>
-          <a:xfrm flipV="1">
-            <a:off x="5044934" y="2893950"/>
-            <a:ext cx="430543" cy="1286"/>
-          </a:xfrm>
-          <a:prstGeom prst="straightConnector1">
-            <a:avLst/>
-          </a:prstGeom>
-          <a:ln w="19050">
-            <a:solidFill>
-              <a:srgbClr val="7030A0"/>
-            </a:solidFill>
-            <a:headEnd type="none" w="med" len="med"/>
-            <a:tailEnd type="arrow" w="med" len="med"/>
-          </a:ln>
-          <a:effectLst/>
-        </p:spPr>
-        <p:style>
-          <a:lnRef idx="1">
-            <a:schemeClr val="accent2"/>
-          </a:lnRef>
-          <a:fillRef idx="2">
-            <a:schemeClr val="accent2"/>
-          </a:fillRef>
-          <a:effectRef idx="1">
-            <a:schemeClr val="accent2"/>
-          </a:effectRef>
-          <a:fontRef idx="minor">
-            <a:schemeClr val="dk1"/>
-          </a:fontRef>
-        </p:style>
-      </p:cxnSp>
-      <p:sp>
-        <p:nvSpPr>
-          <p:cNvPr id="293" name="Flowchart: Decision 96"/>
-          <p:cNvSpPr/>
-          <p:nvPr/>
-        </p:nvSpPr>
-        <p:spPr>
-          <a:xfrm>
-            <a:off x="5154317" y="3268318"/>
-            <a:ext cx="236048" cy="173380"/>
-          </a:xfrm>
-          <a:prstGeom prst="flowChartDecision">
-            <a:avLst/>
-          </a:prstGeom>
-          <a:noFill/>
-          <a:ln w="19050">
-            <a:solidFill>
-              <a:srgbClr val="7030A0"/>
-            </a:solidFill>
-          </a:ln>
-          <a:effectLst/>
-        </p:spPr>
-        <p:style>
-          <a:lnRef idx="1">
-            <a:schemeClr val="accent6"/>
-          </a:lnRef>
-          <a:fillRef idx="2">
-            <a:schemeClr val="accent6"/>
-          </a:fillRef>
-          <a:effectRef idx="1">
-            <a:schemeClr val="accent6"/>
-          </a:effectRef>
-          <a:fontRef idx="minor">
-            <a:schemeClr val="dk1"/>
-          </a:fontRef>
-        </p:style>
-        <p:txBody>
-          <a:bodyPr rtlCol="0" anchor="ctr"/>
-          <a:lstStyle/>
-          <a:p>
-            <a:pPr algn="ctr"/>
-            <a:endParaRPr lang="en-US" sz="1050"/>
-          </a:p>
-        </p:txBody>
-      </p:sp>
-      <p:cxnSp>
-        <p:nvCxnSpPr>
-          <p:cNvPr id="296" name="Elbow Connector 295"/>
-          <p:cNvCxnSpPr>
-            <a:stCxn id="293" idx="3"/>
-          </p:cNvCxnSpPr>
-          <p:nvPr/>
-        </p:nvCxnSpPr>
-        <p:spPr>
-          <a:xfrm>
-            <a:off x="5390365" y="3355008"/>
-            <a:ext cx="339788" cy="259754"/>
-          </a:xfrm>
-          <a:prstGeom prst="bentConnector3">
-            <a:avLst>
-              <a:gd name="adj1" fmla="val 99991"/>
-            </a:avLst>
-          </a:prstGeom>
-          <a:ln w="19050">
-            <a:solidFill>
-              <a:srgbClr val="7030A0"/>
-            </a:solidFill>
-            <a:headEnd type="none" w="med" len="med"/>
-            <a:tailEnd type="arrow" w="med" len="med"/>
-          </a:ln>
-          <a:effectLst/>
-        </p:spPr>
-        <p:style>
-          <a:lnRef idx="1">
-            <a:schemeClr val="accent2"/>
-          </a:lnRef>
-          <a:fillRef idx="2">
-            <a:schemeClr val="accent2"/>
-          </a:fillRef>
-          <a:effectRef idx="1">
-            <a:schemeClr val="accent2"/>
-          </a:effectRef>
-          <a:fontRef idx="minor">
-            <a:schemeClr val="dk1"/>
-          </a:fontRef>
-        </p:style>
-      </p:cxnSp>
-      <p:sp>
-        <p:nvSpPr>
-          <p:cNvPr id="302" name="TextBox 301"/>
-          <p:cNvSpPr txBox="1"/>
-          <p:nvPr/>
-        </p:nvSpPr>
-        <p:spPr>
-          <a:xfrm>
-            <a:off x="5525743" y="3441854"/>
-            <a:ext cx="189257" cy="178683"/>
-          </a:xfrm>
-          <a:prstGeom prst="rect">
-            <a:avLst/>
-          </a:prstGeom>
-          <a:noFill/>
-        </p:spPr>
-        <p:txBody>
-          <a:bodyPr wrap="square" lIns="0" tIns="0" rIns="0" bIns="0" rtlCol="0">
-            <a:noAutofit/>
-          </a:bodyPr>
-          <a:lstStyle/>
-          <a:p>
-            <a:pPr algn="ctr"/>
-            <a:r>
-              <a:rPr lang="en-US" sz="1100" dirty="0" smtClean="0">
-                <a:solidFill>
-                  <a:srgbClr val="7030A0"/>
-                </a:solidFill>
-              </a:rPr>
-              <a:t>*</a:t>
-            </a:r>
-            <a:endParaRPr lang="en-SG" sz="1100" dirty="0">
-              <a:solidFill>
-                <a:srgbClr val="7030A0"/>
-              </a:solidFill>
-            </a:endParaRPr>
-          </a:p>
-        </p:txBody>
-      </p:sp>
-      <p:sp>
-        <p:nvSpPr>
-          <p:cNvPr id="311" name="TextBox 310"/>
-          <p:cNvSpPr txBox="1"/>
-          <p:nvPr/>
-        </p:nvSpPr>
-        <p:spPr>
-          <a:xfrm>
-            <a:off x="3461311" y="3407275"/>
-            <a:ext cx="189257" cy="178683"/>
-          </a:xfrm>
-          <a:prstGeom prst="rect">
-            <a:avLst/>
-          </a:prstGeom>
-          <a:noFill/>
-        </p:spPr>
-        <p:txBody>
-          <a:bodyPr wrap="square" lIns="0" tIns="0" rIns="0" bIns="0" rtlCol="0">
-            <a:noAutofit/>
-          </a:bodyPr>
-          <a:lstStyle/>
-          <a:p>
-            <a:pPr algn="ctr"/>
-            <a:r>
-              <a:rPr lang="en-US" sz="1100" dirty="0" smtClean="0">
-                <a:solidFill>
-                  <a:srgbClr val="7030A0"/>
-                </a:solidFill>
-              </a:rPr>
-              <a:t>1</a:t>
-            </a:r>
-            <a:endParaRPr lang="en-SG" sz="1100" dirty="0">
-              <a:solidFill>
-                <a:srgbClr val="7030A0"/>
-              </a:solidFill>
-            </a:endParaRPr>
-          </a:p>
-        </p:txBody>
-      </p:sp>
     </p:spTree>
     <p:extLst>
       <p:ext uri="{BB962C8B-B14F-4D97-AF65-F5344CB8AC3E}">

--- a/docs/diagrams/ModelComponentClassDiagram.pptx
+++ b/docs/diagrams/ModelComponentClassDiagram.pptx
@@ -208,7 +208,7 @@
           <a:p>
             <a:fld id="{F5CC4B3F-88C1-4FFA-B1B6-F41C21DC6924}" type="datetimeFigureOut">
               <a:rPr lang="en-US" smtClean="0"/>
-              <a:t>3/22/2017</a:t>
+              <a:t>3/23/2017</a:t>
             </a:fld>
             <a:endParaRPr lang="en-US"/>
           </a:p>
@@ -741,7 +741,7 @@
           <a:p>
             <a:fld id="{78C97017-6FC3-485B-9764-EAC9E56C1D49}" type="datetimeFigureOut">
               <a:rPr lang="en-US" smtClean="0"/>
-              <a:t>3/22/2017</a:t>
+              <a:t>3/23/2017</a:t>
             </a:fld>
             <a:endParaRPr lang="en-US"/>
           </a:p>
@@ -911,7 +911,7 @@
           <a:p>
             <a:fld id="{78C97017-6FC3-485B-9764-EAC9E56C1D49}" type="datetimeFigureOut">
               <a:rPr lang="en-US" smtClean="0"/>
-              <a:t>3/22/2017</a:t>
+              <a:t>3/23/2017</a:t>
             </a:fld>
             <a:endParaRPr lang="en-US"/>
           </a:p>
@@ -1091,7 +1091,7 @@
           <a:p>
             <a:fld id="{78C97017-6FC3-485B-9764-EAC9E56C1D49}" type="datetimeFigureOut">
               <a:rPr lang="en-US" smtClean="0"/>
-              <a:t>3/22/2017</a:t>
+              <a:t>3/23/2017</a:t>
             </a:fld>
             <a:endParaRPr lang="en-US"/>
           </a:p>
@@ -1261,7 +1261,7 @@
           <a:p>
             <a:fld id="{78C97017-6FC3-485B-9764-EAC9E56C1D49}" type="datetimeFigureOut">
               <a:rPr lang="en-US" smtClean="0"/>
-              <a:t>3/22/2017</a:t>
+              <a:t>3/23/2017</a:t>
             </a:fld>
             <a:endParaRPr lang="en-US"/>
           </a:p>
@@ -1507,7 +1507,7 @@
           <a:p>
             <a:fld id="{78C97017-6FC3-485B-9764-EAC9E56C1D49}" type="datetimeFigureOut">
               <a:rPr lang="en-US" smtClean="0"/>
-              <a:t>3/22/2017</a:t>
+              <a:t>3/23/2017</a:t>
             </a:fld>
             <a:endParaRPr lang="en-US"/>
           </a:p>
@@ -1795,7 +1795,7 @@
           <a:p>
             <a:fld id="{78C97017-6FC3-485B-9764-EAC9E56C1D49}" type="datetimeFigureOut">
               <a:rPr lang="en-US" smtClean="0"/>
-              <a:t>3/22/2017</a:t>
+              <a:t>3/23/2017</a:t>
             </a:fld>
             <a:endParaRPr lang="en-US"/>
           </a:p>
@@ -2217,7 +2217,7 @@
           <a:p>
             <a:fld id="{78C97017-6FC3-485B-9764-EAC9E56C1D49}" type="datetimeFigureOut">
               <a:rPr lang="en-US" smtClean="0"/>
-              <a:t>3/22/2017</a:t>
+              <a:t>3/23/2017</a:t>
             </a:fld>
             <a:endParaRPr lang="en-US"/>
           </a:p>
@@ -2335,7 +2335,7 @@
           <a:p>
             <a:fld id="{78C97017-6FC3-485B-9764-EAC9E56C1D49}" type="datetimeFigureOut">
               <a:rPr lang="en-US" smtClean="0"/>
-              <a:t>3/22/2017</a:t>
+              <a:t>3/23/2017</a:t>
             </a:fld>
             <a:endParaRPr lang="en-US"/>
           </a:p>
@@ -2430,7 +2430,7 @@
           <a:p>
             <a:fld id="{78C97017-6FC3-485B-9764-EAC9E56C1D49}" type="datetimeFigureOut">
               <a:rPr lang="en-US" smtClean="0"/>
-              <a:t>3/22/2017</a:t>
+              <a:t>3/23/2017</a:t>
             </a:fld>
             <a:endParaRPr lang="en-US"/>
           </a:p>
@@ -2707,7 +2707,7 @@
           <a:p>
             <a:fld id="{78C97017-6FC3-485B-9764-EAC9E56C1D49}" type="datetimeFigureOut">
               <a:rPr lang="en-US" smtClean="0"/>
-              <a:t>3/22/2017</a:t>
+              <a:t>3/23/2017</a:t>
             </a:fld>
             <a:endParaRPr lang="en-US"/>
           </a:p>
@@ -2960,7 +2960,7 @@
           <a:p>
             <a:fld id="{78C97017-6FC3-485B-9764-EAC9E56C1D49}" type="datetimeFigureOut">
               <a:rPr lang="en-US" smtClean="0"/>
-              <a:t>3/22/2017</a:t>
+              <a:t>3/23/2017</a:t>
             </a:fld>
             <a:endParaRPr lang="en-US"/>
           </a:p>
@@ -3173,7 +3173,7 @@
           <a:p>
             <a:fld id="{78C97017-6FC3-485B-9764-EAC9E56C1D49}" type="datetimeFigureOut">
               <a:rPr lang="en-US" smtClean="0"/>
-              <a:t>3/22/2017</a:t>
+              <a:t>3/23/2017</a:t>
             </a:fld>
             <a:endParaRPr lang="en-US"/>
           </a:p>
@@ -3556,7 +3556,7 @@
         </p:nvSpPr>
         <p:spPr>
           <a:xfrm>
-            <a:off x="1119865" y="1727200"/>
+            <a:off x="1119865" y="1685109"/>
             <a:ext cx="7490735" cy="4064000"/>
           </a:xfrm>
           <a:prstGeom prst="roundRect">
@@ -5815,7 +5815,7 @@
         </p:nvSpPr>
         <p:spPr>
           <a:xfrm>
-            <a:off x="4474551" y="3434925"/>
+            <a:off x="5051629" y="3564733"/>
             <a:ext cx="1404467" cy="417979"/>
           </a:xfrm>
           <a:prstGeom prst="rect">
@@ -5866,18 +5866,18 @@
       <p:cxnSp>
         <p:nvCxnSpPr>
           <p:cNvPr id="74" name="Elbow Connector 73"/>
-          <p:cNvCxnSpPr>
-            <a:endCxn id="73" idx="1"/>
-          </p:cNvCxnSpPr>
+          <p:cNvCxnSpPr/>
           <p:nvPr/>
         </p:nvCxnSpPr>
         <p:spPr>
-          <a:xfrm rot="16200000" flipH="1">
-            <a:off x="3962256" y="3131620"/>
-            <a:ext cx="883234" cy="141356"/>
-          </a:xfrm>
-          <a:prstGeom prst="bentConnector2">
-            <a:avLst/>
+          <a:xfrm rot="5400000">
+            <a:off x="6170247" y="3221032"/>
+            <a:ext cx="350274" cy="337133"/>
+          </a:xfrm>
+          <a:prstGeom prst="bentConnector3">
+            <a:avLst>
+              <a:gd name="adj1" fmla="val 50000"/>
+            </a:avLst>
           </a:prstGeom>
           <a:ln w="19050">
             <a:solidFill>
@@ -5911,7 +5911,7 @@
         </p:nvSpPr>
         <p:spPr>
           <a:xfrm>
-            <a:off x="4281449" y="3724274"/>
+            <a:off x="5919840" y="3378332"/>
             <a:ext cx="189257" cy="178683"/>
           </a:xfrm>
           <a:prstGeom prst="rect">
@@ -5950,7 +5950,7 @@
         </p:nvSpPr>
         <p:spPr>
           <a:xfrm>
-            <a:off x="4134227" y="4119571"/>
+            <a:off x="3311511" y="3900742"/>
             <a:ext cx="791882" cy="307402"/>
           </a:xfrm>
           <a:prstGeom prst="rect">
@@ -5998,63 +5998,19 @@
           </a:p>
         </p:txBody>
       </p:sp>
-      <p:sp>
-        <p:nvSpPr>
-          <p:cNvPr id="87" name="Flowchart: Decision 96"/>
-          <p:cNvSpPr/>
-          <p:nvPr/>
-        </p:nvSpPr>
-        <p:spPr>
-          <a:xfrm rot="16200000">
-            <a:off x="5384505" y="3899547"/>
-            <a:ext cx="236048" cy="173380"/>
-          </a:xfrm>
-          <a:prstGeom prst="flowChartDecision">
-            <a:avLst/>
-          </a:prstGeom>
-          <a:noFill/>
-          <a:ln w="19050">
-            <a:solidFill>
-              <a:srgbClr val="7030A0"/>
-            </a:solidFill>
-          </a:ln>
-          <a:effectLst/>
-        </p:spPr>
-        <p:style>
-          <a:lnRef idx="1">
-            <a:schemeClr val="accent6"/>
-          </a:lnRef>
-          <a:fillRef idx="2">
-            <a:schemeClr val="accent6"/>
-          </a:fillRef>
-          <a:effectRef idx="1">
-            <a:schemeClr val="accent6"/>
-          </a:effectRef>
-          <a:fontRef idx="minor">
-            <a:schemeClr val="dk1"/>
-          </a:fontRef>
-        </p:style>
-        <p:txBody>
-          <a:bodyPr rtlCol="0" anchor="ctr"/>
-          <a:lstStyle/>
-          <a:p>
-            <a:pPr algn="ctr"/>
-            <a:endParaRPr lang="en-US" sz="1050"/>
-          </a:p>
-        </p:txBody>
-      </p:sp>
       <p:cxnSp>
         <p:nvCxnSpPr>
           <p:cNvPr id="88" name="Elbow Connector 87"/>
           <p:cNvCxnSpPr>
+            <a:stCxn id="83" idx="1"/>
             <a:endCxn id="82" idx="3"/>
           </p:cNvCxnSpPr>
           <p:nvPr/>
         </p:nvCxnSpPr>
         <p:spPr>
           <a:xfrm rot="10800000" flipV="1">
-            <a:off x="4926110" y="4097618"/>
-            <a:ext cx="597281" cy="175654"/>
+            <a:off x="4103393" y="3814051"/>
+            <a:ext cx="700248" cy="240391"/>
           </a:xfrm>
           <a:prstGeom prst="bentConnector3">
             <a:avLst>
@@ -6093,7 +6049,7 @@
         </p:nvSpPr>
         <p:spPr>
           <a:xfrm>
-            <a:off x="4935485" y="4064540"/>
+            <a:off x="4164427" y="4160324"/>
             <a:ext cx="189257" cy="178683"/>
           </a:xfrm>
           <a:prstGeom prst="rect">
@@ -6121,6 +6077,51 @@
                 <a:srgbClr val="7030A0"/>
               </a:solidFill>
             </a:endParaRPr>
+          </a:p>
+        </p:txBody>
+      </p:sp>
+      <p:sp>
+        <p:nvSpPr>
+          <p:cNvPr id="83" name="Flowchart: Decision 96"/>
+          <p:cNvSpPr/>
+          <p:nvPr/>
+        </p:nvSpPr>
+        <p:spPr>
+          <a:xfrm>
+            <a:off x="4803641" y="3727362"/>
+            <a:ext cx="236048" cy="173380"/>
+          </a:xfrm>
+          <a:prstGeom prst="flowChartDecision">
+            <a:avLst/>
+          </a:prstGeom>
+          <a:noFill/>
+          <a:ln w="19050">
+            <a:solidFill>
+              <a:srgbClr val="7030A0"/>
+            </a:solidFill>
+          </a:ln>
+          <a:effectLst/>
+        </p:spPr>
+        <p:style>
+          <a:lnRef idx="1">
+            <a:schemeClr val="accent6"/>
+          </a:lnRef>
+          <a:fillRef idx="2">
+            <a:schemeClr val="accent6"/>
+          </a:fillRef>
+          <a:effectRef idx="1">
+            <a:schemeClr val="accent6"/>
+          </a:effectRef>
+          <a:fontRef idx="minor">
+            <a:schemeClr val="dk1"/>
+          </a:fontRef>
+        </p:style>
+        <p:txBody>
+          <a:bodyPr rtlCol="0" anchor="ctr"/>
+          <a:lstStyle/>
+          <a:p>
+            <a:pPr algn="ctr"/>
+            <a:endParaRPr lang="en-US" sz="1050"/>
           </a:p>
         </p:txBody>
       </p:sp>

--- a/docs/diagrams/ModelComponentClassDiagram.pptx
+++ b/docs/diagrams/ModelComponentClassDiagram.pptx
@@ -208,7 +208,7 @@
           <a:p>
             <a:fld id="{F5CC4B3F-88C1-4FFA-B1B6-F41C21DC6924}" type="datetimeFigureOut">
               <a:rPr lang="en-US" smtClean="0"/>
-              <a:t>3/16/17</a:t>
+              <a:t>3/23/2017</a:t>
             </a:fld>
             <a:endParaRPr lang="en-US"/>
           </a:p>
@@ -654,7 +654,7 @@
           <a:p>
             <a:fld id="{78C97017-6FC3-485B-9764-EAC9E56C1D49}" type="datetimeFigureOut">
               <a:rPr lang="en-US" smtClean="0"/>
-              <a:t>3/16/17</a:t>
+              <a:t>3/23/2017</a:t>
             </a:fld>
             <a:endParaRPr lang="en-US"/>
           </a:p>
@@ -822,7 +822,7 @@
           <a:p>
             <a:fld id="{78C97017-6FC3-485B-9764-EAC9E56C1D49}" type="datetimeFigureOut">
               <a:rPr lang="en-US" smtClean="0"/>
-              <a:t>3/16/17</a:t>
+              <a:t>3/23/2017</a:t>
             </a:fld>
             <a:endParaRPr lang="en-US"/>
           </a:p>
@@ -1000,7 +1000,7 @@
           <a:p>
             <a:fld id="{78C97017-6FC3-485B-9764-EAC9E56C1D49}" type="datetimeFigureOut">
               <a:rPr lang="en-US" smtClean="0"/>
-              <a:t>3/16/17</a:t>
+              <a:t>3/23/2017</a:t>
             </a:fld>
             <a:endParaRPr lang="en-US"/>
           </a:p>
@@ -1168,7 +1168,7 @@
           <a:p>
             <a:fld id="{78C97017-6FC3-485B-9764-EAC9E56C1D49}" type="datetimeFigureOut">
               <a:rPr lang="en-US" smtClean="0"/>
-              <a:t>3/16/17</a:t>
+              <a:t>3/23/2017</a:t>
             </a:fld>
             <a:endParaRPr lang="en-US"/>
           </a:p>
@@ -1413,7 +1413,7 @@
           <a:p>
             <a:fld id="{78C97017-6FC3-485B-9764-EAC9E56C1D49}" type="datetimeFigureOut">
               <a:rPr lang="en-US" smtClean="0"/>
-              <a:t>3/16/17</a:t>
+              <a:t>3/23/2017</a:t>
             </a:fld>
             <a:endParaRPr lang="en-US"/>
           </a:p>
@@ -1698,7 +1698,7 @@
           <a:p>
             <a:fld id="{78C97017-6FC3-485B-9764-EAC9E56C1D49}" type="datetimeFigureOut">
               <a:rPr lang="en-US" smtClean="0"/>
-              <a:t>3/16/17</a:t>
+              <a:t>3/23/2017</a:t>
             </a:fld>
             <a:endParaRPr lang="en-US"/>
           </a:p>
@@ -2117,7 +2117,7 @@
           <a:p>
             <a:fld id="{78C97017-6FC3-485B-9764-EAC9E56C1D49}" type="datetimeFigureOut">
               <a:rPr lang="en-US" smtClean="0"/>
-              <a:t>3/16/17</a:t>
+              <a:t>3/23/2017</a:t>
             </a:fld>
             <a:endParaRPr lang="en-US"/>
           </a:p>
@@ -2234,7 +2234,7 @@
           <a:p>
             <a:fld id="{78C97017-6FC3-485B-9764-EAC9E56C1D49}" type="datetimeFigureOut">
               <a:rPr lang="en-US" smtClean="0"/>
-              <a:t>3/16/17</a:t>
+              <a:t>3/23/2017</a:t>
             </a:fld>
             <a:endParaRPr lang="en-US"/>
           </a:p>
@@ -2329,7 +2329,7 @@
           <a:p>
             <a:fld id="{78C97017-6FC3-485B-9764-EAC9E56C1D49}" type="datetimeFigureOut">
               <a:rPr lang="en-US" smtClean="0"/>
-              <a:t>3/16/17</a:t>
+              <a:t>3/23/2017</a:t>
             </a:fld>
             <a:endParaRPr lang="en-US"/>
           </a:p>
@@ -2604,7 +2604,7 @@
           <a:p>
             <a:fld id="{78C97017-6FC3-485B-9764-EAC9E56C1D49}" type="datetimeFigureOut">
               <a:rPr lang="en-US" smtClean="0"/>
-              <a:t>3/16/17</a:t>
+              <a:t>3/23/2017</a:t>
             </a:fld>
             <a:endParaRPr lang="en-US"/>
           </a:p>
@@ -2856,7 +2856,7 @@
           <a:p>
             <a:fld id="{78C97017-6FC3-485B-9764-EAC9E56C1D49}" type="datetimeFigureOut">
               <a:rPr lang="en-US" smtClean="0"/>
-              <a:t>3/16/17</a:t>
+              <a:t>3/23/2017</a:t>
             </a:fld>
             <a:endParaRPr lang="en-US"/>
           </a:p>
@@ -3072,7 +3072,7 @@
           <a:p>
             <a:fld id="{78C97017-6FC3-485B-9764-EAC9E56C1D49}" type="datetimeFigureOut">
               <a:rPr lang="en-US" smtClean="0"/>
-              <a:t>3/16/17</a:t>
+              <a:t>3/23/2017</a:t>
             </a:fld>
             <a:endParaRPr lang="en-US"/>
           </a:p>
@@ -3455,8 +3455,8 @@
         </p:nvSpPr>
         <p:spPr>
           <a:xfrm>
-            <a:off x="1119865" y="1727200"/>
-            <a:ext cx="7490735" cy="2997200"/>
+            <a:off x="775254" y="1676399"/>
+            <a:ext cx="7848600" cy="3436557"/>
           </a:xfrm>
           <a:prstGeom prst="roundRect">
             <a:avLst>
@@ -3516,7 +3516,7 @@
         </p:nvSpPr>
         <p:spPr>
           <a:xfrm>
-            <a:off x="2877180" y="3158440"/>
+            <a:off x="2877180" y="3838076"/>
             <a:ext cx="1093635" cy="346760"/>
           </a:xfrm>
           <a:prstGeom prst="rect">
@@ -3575,8 +3575,8 @@
         </p:nvSpPr>
         <p:spPr>
           <a:xfrm rot="16200000">
-            <a:off x="1683963" y="2868687"/>
-            <a:ext cx="1093635" cy="346760"/>
+            <a:off x="1170456" y="3206875"/>
+            <a:ext cx="1773889" cy="346760"/>
           </a:xfrm>
           <a:prstGeom prst="rect">
             <a:avLst/>
@@ -3671,19 +3671,20 @@
         <p:nvCxnSpPr>
           <p:cNvPr id="107" name="Elbow Connector 106"/>
           <p:cNvCxnSpPr>
+            <a:cxnSpLocks/>
             <a:stCxn id="9" idx="1"/>
+            <a:endCxn id="62" idx="2"/>
           </p:cNvCxnSpPr>
           <p:nvPr/>
         </p:nvCxnSpPr>
         <p:spPr>
           <a:xfrm rot="5400000" flipH="1" flipV="1">
-            <a:off x="4360065" y="1080909"/>
-            <a:ext cx="378691" cy="4637261"/>
-          </a:xfrm>
-          <a:prstGeom prst="bentConnector4">
+            <a:off x="3831398" y="1430828"/>
+            <a:ext cx="1062374" cy="4610369"/>
+          </a:xfrm>
+          <a:prstGeom prst="bentConnector3">
             <a:avLst>
-              <a:gd name="adj1" fmla="val -101829"/>
-              <a:gd name="adj2" fmla="val 99976"/>
+              <a:gd name="adj1" fmla="val -17560"/>
             </a:avLst>
           </a:prstGeom>
           <a:ln w="19050">
@@ -3719,7 +3720,7 @@
         </p:nvSpPr>
         <p:spPr>
           <a:xfrm rot="16200000">
-            <a:off x="956202" y="2861202"/>
+            <a:off x="827220" y="2861202"/>
             <a:ext cx="1093635" cy="346760"/>
           </a:xfrm>
           <a:prstGeom prst="rect">
@@ -3789,7 +3790,7 @@
         </p:nvSpPr>
         <p:spPr>
           <a:xfrm rot="16200000">
-            <a:off x="1626910" y="2952291"/>
+            <a:off x="1518640" y="2952291"/>
             <a:ext cx="270504" cy="175523"/>
           </a:xfrm>
           <a:prstGeom prst="triangle">
@@ -3839,8 +3840,8 @@
         </p:nvCxnSpPr>
         <p:spPr>
           <a:xfrm>
-            <a:off x="2656370" y="3326536"/>
-            <a:ext cx="220810" cy="5284"/>
+            <a:off x="2470722" y="4003873"/>
+            <a:ext cx="406458" cy="7583"/>
           </a:xfrm>
           <a:prstGeom prst="straightConnector1">
             <a:avLst/>
@@ -3923,13 +3924,16 @@
       <p:cxnSp>
         <p:nvCxnSpPr>
           <p:cNvPr id="75" name="Elbow Connector 122"/>
-          <p:cNvCxnSpPr/>
+          <p:cNvCxnSpPr>
+            <a:cxnSpLocks/>
+            <a:endCxn id="119" idx="0"/>
+          </p:cNvCxnSpPr>
           <p:nvPr/>
         </p:nvCxnSpPr>
         <p:spPr>
-          <a:xfrm>
-            <a:off x="910091" y="3040053"/>
-            <a:ext cx="419548" cy="2860"/>
+          <a:xfrm flipV="1">
+            <a:off x="741917" y="3034582"/>
+            <a:ext cx="458741" cy="5471"/>
           </a:xfrm>
           <a:prstGeom prst="bentConnector3">
             <a:avLst>
@@ -3967,14 +3971,15 @@
         <p:nvCxnSpPr>
           <p:cNvPr id="21" name="Straight Connector 20"/>
           <p:cNvCxnSpPr>
+            <a:cxnSpLocks/>
             <a:stCxn id="120" idx="3"/>
           </p:cNvCxnSpPr>
           <p:nvPr/>
         </p:nvCxnSpPr>
         <p:spPr>
-          <a:xfrm flipV="1">
-            <a:off x="1849924" y="3040052"/>
-            <a:ext cx="216105" cy="1"/>
+          <a:xfrm>
+            <a:off x="1741654" y="3040053"/>
+            <a:ext cx="212845" cy="0"/>
           </a:xfrm>
           <a:prstGeom prst="line">
             <a:avLst/>
@@ -4012,7 +4017,7 @@
         </p:nvSpPr>
         <p:spPr>
           <a:xfrm>
-            <a:off x="2420322" y="3239846"/>
+            <a:off x="2234674" y="3917183"/>
             <a:ext cx="236048" cy="173380"/>
           </a:xfrm>
           <a:prstGeom prst="flowChartDecision">
@@ -4109,15 +4114,16 @@
         <p:nvCxnSpPr>
           <p:cNvPr id="47" name="Straight Arrow Connector 46"/>
           <p:cNvCxnSpPr>
+            <a:cxnSpLocks/>
             <a:stCxn id="48" idx="3"/>
             <a:endCxn id="46" idx="1"/>
           </p:cNvCxnSpPr>
           <p:nvPr/>
         </p:nvCxnSpPr>
         <p:spPr>
-          <a:xfrm>
-            <a:off x="2658680" y="2795516"/>
-            <a:ext cx="220810" cy="5284"/>
+          <a:xfrm flipV="1">
+            <a:off x="2470722" y="2800800"/>
+            <a:ext cx="408768" cy="2527"/>
           </a:xfrm>
           <a:prstGeom prst="straightConnector1">
             <a:avLst/>
@@ -4154,7 +4160,7 @@
         </p:nvSpPr>
         <p:spPr>
           <a:xfrm>
-            <a:off x="2422632" y="2708826"/>
+            <a:off x="2234674" y="2716637"/>
             <a:ext cx="236048" cy="173380"/>
           </a:xfrm>
           <a:prstGeom prst="flowChartDecision">
@@ -4797,8 +4803,8 @@
         </p:nvSpPr>
         <p:spPr>
           <a:xfrm>
-            <a:off x="7712397" y="2243052"/>
-            <a:ext cx="708186" cy="285783"/>
+            <a:off x="7712396" y="2243052"/>
+            <a:ext cx="745803" cy="285783"/>
           </a:xfrm>
           <a:prstGeom prst="rect">
             <a:avLst/>
@@ -4896,6 +4902,7 @@
         <p:nvCxnSpPr>
           <p:cNvPr id="79" name="Elbow Connector 78"/>
           <p:cNvCxnSpPr>
+            <a:cxnSpLocks/>
             <a:stCxn id="78" idx="3"/>
             <a:endCxn id="76" idx="1"/>
           </p:cNvCxnSpPr>
@@ -4904,7 +4911,7 @@
         <p:spPr>
           <a:xfrm flipV="1">
             <a:off x="7277995" y="2385944"/>
-            <a:ext cx="434402" cy="648947"/>
+            <a:ext cx="434401" cy="648947"/>
           </a:xfrm>
           <a:prstGeom prst="bentConnector3">
             <a:avLst/>
@@ -4941,8 +4948,8 @@
         </p:nvSpPr>
         <p:spPr>
           <a:xfrm>
-            <a:off x="7712397" y="2566030"/>
-            <a:ext cx="708186" cy="285783"/>
+            <a:off x="7712396" y="2566030"/>
+            <a:ext cx="745803" cy="285783"/>
           </a:xfrm>
           <a:prstGeom prst="rect">
             <a:avLst/>
@@ -4993,6 +5000,7 @@
         <p:nvCxnSpPr>
           <p:cNvPr id="81" name="Elbow Connector 80"/>
           <p:cNvCxnSpPr>
+            <a:cxnSpLocks/>
             <a:stCxn id="78" idx="3"/>
             <a:endCxn id="80" idx="1"/>
           </p:cNvCxnSpPr>
@@ -5001,7 +5009,7 @@
         <p:spPr>
           <a:xfrm flipV="1">
             <a:off x="7277995" y="2708922"/>
-            <a:ext cx="434402" cy="325969"/>
+            <a:ext cx="434401" cy="325969"/>
           </a:xfrm>
           <a:prstGeom prst="bentConnector3">
             <a:avLst/>
@@ -5038,8 +5046,8 @@
         </p:nvSpPr>
         <p:spPr>
           <a:xfrm>
-            <a:off x="7712397" y="2889008"/>
-            <a:ext cx="708186" cy="285783"/>
+            <a:off x="7712396" y="2889008"/>
+            <a:ext cx="745803" cy="285783"/>
           </a:xfrm>
           <a:prstGeom prst="rect">
             <a:avLst/>
@@ -5090,6 +5098,7 @@
         <p:nvCxnSpPr>
           <p:cNvPr id="84" name="Elbow Connector 83"/>
           <p:cNvCxnSpPr>
+            <a:cxnSpLocks/>
             <a:stCxn id="78" idx="3"/>
             <a:endCxn id="83" idx="1"/>
           </p:cNvCxnSpPr>
@@ -5098,7 +5107,7 @@
         <p:spPr>
           <a:xfrm flipV="1">
             <a:off x="7277995" y="3031900"/>
-            <a:ext cx="434402" cy="2991"/>
+            <a:ext cx="434401" cy="2991"/>
           </a:xfrm>
           <a:prstGeom prst="bentConnector3">
             <a:avLst/>
@@ -5135,8 +5144,8 @@
         </p:nvSpPr>
         <p:spPr>
           <a:xfrm>
-            <a:off x="7712397" y="3211985"/>
-            <a:ext cx="708186" cy="285783"/>
+            <a:off x="7712396" y="3211985"/>
+            <a:ext cx="745803" cy="285783"/>
           </a:xfrm>
           <a:prstGeom prst="rect">
             <a:avLst/>
@@ -5187,6 +5196,7 @@
         <p:nvCxnSpPr>
           <p:cNvPr id="86" name="Elbow Connector 85"/>
           <p:cNvCxnSpPr>
+            <a:cxnSpLocks/>
             <a:stCxn id="78" idx="3"/>
             <a:endCxn id="85" idx="1"/>
           </p:cNvCxnSpPr>
@@ -5195,7 +5205,7 @@
         <p:spPr>
           <a:xfrm>
             <a:off x="7277995" y="3034891"/>
-            <a:ext cx="434402" cy="319986"/>
+            <a:ext cx="434401" cy="319986"/>
           </a:xfrm>
           <a:prstGeom prst="bentConnector3">
             <a:avLst/>
@@ -5228,14 +5238,16 @@
         <p:nvCxnSpPr>
           <p:cNvPr id="97" name="Elbow Connector 63"/>
           <p:cNvCxnSpPr>
+            <a:cxnSpLocks/>
             <a:stCxn id="99" idx="3"/>
+            <a:endCxn id="46" idx="2"/>
           </p:cNvCxnSpPr>
           <p:nvPr/>
         </p:nvCxnSpPr>
         <p:spPr>
-          <a:xfrm rot="16200000" flipH="1">
-            <a:off x="3279321" y="2485431"/>
-            <a:ext cx="293825" cy="1"/>
+          <a:xfrm rot="5400000" flipH="1" flipV="1">
+            <a:off x="3337835" y="3059733"/>
+            <a:ext cx="174025" cy="2921"/>
           </a:xfrm>
           <a:prstGeom prst="bentConnector3">
             <a:avLst>
@@ -5274,8 +5286,8 @@
           <p:nvPr/>
         </p:nvSpPr>
         <p:spPr>
-          <a:xfrm rot="10800000" flipV="1">
-            <a:off x="3290981" y="2162997"/>
+          <a:xfrm flipV="1">
+            <a:off x="3288135" y="3148205"/>
             <a:ext cx="270504" cy="175523"/>
           </a:xfrm>
           <a:prstGeom prst="triangle">
@@ -5323,8 +5335,8 @@
         </p:nvSpPr>
         <p:spPr>
           <a:xfrm>
-            <a:off x="2660303" y="1806470"/>
-            <a:ext cx="1539926" cy="346760"/>
+            <a:off x="2703466" y="3321511"/>
+            <a:ext cx="1439840" cy="346760"/>
           </a:xfrm>
           <a:prstGeom prst="rect">
             <a:avLst/>
@@ -5433,7 +5445,7 @@
         </p:nvSpPr>
         <p:spPr>
           <a:xfrm>
-            <a:off x="2057400" y="4239491"/>
+            <a:off x="2025856" y="4612375"/>
             <a:ext cx="1775949" cy="346760"/>
           </a:xfrm>
           <a:prstGeom prst="rect">
@@ -5500,6 +5512,7 @@
         <p:nvCxnSpPr>
           <p:cNvPr id="124" name="Elbow Connector 122"/>
           <p:cNvCxnSpPr>
+            <a:cxnSpLocks/>
             <a:stCxn id="119" idx="1"/>
             <a:endCxn id="122" idx="1"/>
           </p:cNvCxnSpPr>
@@ -5507,8 +5520,8 @@
         </p:nvCxnSpPr>
         <p:spPr>
           <a:xfrm rot="16200000" flipH="1">
-            <a:off x="1364475" y="3719945"/>
-            <a:ext cx="831471" cy="554380"/>
+            <a:off x="1097770" y="3857668"/>
+            <a:ext cx="1204355" cy="651818"/>
           </a:xfrm>
           <a:prstGeom prst="bentConnector2">
             <a:avLst/>
@@ -5821,7 +5834,7 @@
         </p:nvSpPr>
         <p:spPr>
           <a:xfrm>
-            <a:off x="2656370" y="3386050"/>
+            <a:off x="2656370" y="4065686"/>
             <a:ext cx="189257" cy="178683"/>
           </a:xfrm>
           <a:prstGeom prst="rect">
@@ -5900,7 +5913,7 @@
         <p:spPr>
           <a:xfrm>
             <a:off x="7716762" y="3541389"/>
-            <a:ext cx="708186" cy="285783"/>
+            <a:ext cx="741438" cy="285783"/>
           </a:xfrm>
           <a:prstGeom prst="rect">
             <a:avLst/>
@@ -5932,12 +5945,12 @@
           <a:p>
             <a:pPr algn="ctr"/>
             <a:r>
-              <a:rPr lang="en-US" sz="1050" dirty="0" err="1" smtClean="0">
+              <a:rPr lang="en-US" sz="1050" dirty="0" err="1">
                 <a:solidFill>
                   <a:srgbClr val="7030A0"/>
                 </a:solidFill>
               </a:rPr>
-              <a:t>EndTime</a:t>
+              <a:t>DateTime</a:t>
             </a:r>
             <a:endParaRPr lang="en-SG" sz="1050" dirty="0">
               <a:solidFill>
@@ -5947,16 +5960,97 @@
           </a:p>
         </p:txBody>
       </p:sp>
-      <p:sp>
-        <p:nvSpPr>
-          <p:cNvPr id="73" name="Rectangle 8"/>
+      <p:cxnSp>
+        <p:nvCxnSpPr>
+          <p:cNvPr id="74" name="Elbow Connector 73"/>
+          <p:cNvCxnSpPr>
+            <a:cxnSpLocks/>
+            <a:stCxn id="78" idx="3"/>
+            <a:endCxn id="55" idx="1"/>
+          </p:cNvCxnSpPr>
+          <p:nvPr/>
+        </p:nvCxnSpPr>
+        <p:spPr>
+          <a:xfrm>
+            <a:off x="7277995" y="3034891"/>
+            <a:ext cx="438767" cy="649390"/>
+          </a:xfrm>
+          <a:prstGeom prst="bentConnector3">
+            <a:avLst/>
+          </a:prstGeom>
+          <a:ln w="19050">
+            <a:solidFill>
+              <a:srgbClr val="7030A0"/>
+            </a:solidFill>
+            <a:headEnd type="none" w="med" len="med"/>
+            <a:tailEnd type="arrow" w="med" len="med"/>
+          </a:ln>
+          <a:effectLst/>
+        </p:spPr>
+        <p:style>
+          <a:lnRef idx="1">
+            <a:schemeClr val="accent2"/>
+          </a:lnRef>
+          <a:fillRef idx="2">
+            <a:schemeClr val="accent2"/>
+          </a:fillRef>
+          <a:effectRef idx="1">
+            <a:schemeClr val="accent2"/>
+          </a:effectRef>
+          <a:fontRef idx="minor">
+            <a:schemeClr val="dk1"/>
+          </a:fontRef>
+        </p:style>
+      </p:cxnSp>
+      <p:sp>
+        <p:nvSpPr>
+          <p:cNvPr id="77" name="TextBox 76"/>
+          <p:cNvSpPr txBox="1"/>
+          <p:nvPr/>
+        </p:nvSpPr>
+        <p:spPr>
+          <a:xfrm>
+            <a:off x="7523139" y="3721483"/>
+            <a:ext cx="189257" cy="178683"/>
+          </a:xfrm>
+          <a:prstGeom prst="rect">
+            <a:avLst/>
+          </a:prstGeom>
+          <a:noFill/>
+        </p:spPr>
+        <p:txBody>
+          <a:bodyPr wrap="square" lIns="0" tIns="0" rIns="0" bIns="0" rtlCol="0">
+            <a:noAutofit/>
+          </a:bodyPr>
+          <a:lstStyle/>
+          <a:p>
+            <a:pPr algn="ctr"/>
+            <a:r>
+              <a:rPr lang="en-US" sz="1100" dirty="0">
+                <a:solidFill>
+                  <a:srgbClr val="7030A0"/>
+                </a:solidFill>
+              </a:rPr>
+              <a:t>2</a:t>
+            </a:r>
+            <a:endParaRPr lang="en-SG" sz="1100" dirty="0">
+              <a:solidFill>
+                <a:srgbClr val="7030A0"/>
+              </a:solidFill>
+            </a:endParaRPr>
+          </a:p>
+        </p:txBody>
+      </p:sp>
+      <p:sp>
+        <p:nvSpPr>
+          <p:cNvPr id="87" name="Rectangle 8"/>
           <p:cNvSpPr/>
           <p:nvPr/>
         </p:nvSpPr>
         <p:spPr>
           <a:xfrm>
-            <a:off x="7718469" y="3868558"/>
-            <a:ext cx="708186" cy="285783"/>
+            <a:off x="2365564" y="1809332"/>
+            <a:ext cx="627468" cy="346760"/>
           </a:xfrm>
           <a:prstGeom prst="rect">
             <a:avLst/>
@@ -5988,14 +6082,14 @@
           <a:p>
             <a:pPr algn="ctr"/>
             <a:r>
-              <a:rPr lang="en-US" sz="1000" dirty="0" err="1" smtClean="0">
+              <a:rPr lang="en-US" sz="1050" dirty="0">
                 <a:solidFill>
                   <a:srgbClr val="7030A0"/>
                 </a:solidFill>
               </a:rPr>
-              <a:t>StartTime</a:t>
-            </a:r>
-            <a:endParaRPr lang="en-SG" sz="1000" dirty="0">
+              <a:t>History</a:t>
+            </a:r>
+            <a:endParaRPr lang="en-SG" sz="1050" dirty="0">
               <a:solidFill>
                 <a:srgbClr val="7030A0"/>
               </a:solidFill>
@@ -6003,21 +6097,106 @@
           </a:p>
         </p:txBody>
       </p:sp>
+      <p:sp>
+        <p:nvSpPr>
+          <p:cNvPr id="89" name="TextBox 88"/>
+          <p:cNvSpPr txBox="1"/>
+          <p:nvPr/>
+        </p:nvSpPr>
+        <p:spPr>
+          <a:xfrm>
+            <a:off x="2155839" y="2041480"/>
+            <a:ext cx="189257" cy="178683"/>
+          </a:xfrm>
+          <a:prstGeom prst="rect">
+            <a:avLst/>
+          </a:prstGeom>
+          <a:noFill/>
+        </p:spPr>
+        <p:txBody>
+          <a:bodyPr wrap="square" lIns="0" tIns="0" rIns="0" bIns="0" rtlCol="0">
+            <a:noAutofit/>
+          </a:bodyPr>
+          <a:lstStyle/>
+          <a:p>
+            <a:pPr algn="ctr"/>
+            <a:r>
+              <a:rPr lang="en-US" sz="1100" dirty="0">
+                <a:solidFill>
+                  <a:srgbClr val="7030A0"/>
+                </a:solidFill>
+              </a:rPr>
+              <a:t>1</a:t>
+            </a:r>
+            <a:endParaRPr lang="en-SG" sz="1100" dirty="0">
+              <a:solidFill>
+                <a:srgbClr val="7030A0"/>
+              </a:solidFill>
+            </a:endParaRPr>
+          </a:p>
+        </p:txBody>
+      </p:sp>
+      <p:sp>
+        <p:nvSpPr>
+          <p:cNvPr id="93" name="Flowchart: Decision 96"/>
+          <p:cNvSpPr/>
+          <p:nvPr/>
+        </p:nvSpPr>
+        <p:spPr>
+          <a:xfrm>
+            <a:off x="2998834" y="1895833"/>
+            <a:ext cx="236048" cy="173380"/>
+          </a:xfrm>
+          <a:prstGeom prst="flowChartDecision">
+            <a:avLst/>
+          </a:prstGeom>
+          <a:noFill/>
+          <a:ln w="19050">
+            <a:solidFill>
+              <a:srgbClr val="7030A0"/>
+            </a:solidFill>
+          </a:ln>
+          <a:effectLst/>
+        </p:spPr>
+        <p:style>
+          <a:lnRef idx="1">
+            <a:schemeClr val="accent6"/>
+          </a:lnRef>
+          <a:fillRef idx="2">
+            <a:schemeClr val="accent6"/>
+          </a:fillRef>
+          <a:effectRef idx="1">
+            <a:schemeClr val="accent6"/>
+          </a:effectRef>
+          <a:fontRef idx="minor">
+            <a:schemeClr val="dk1"/>
+          </a:fontRef>
+        </p:style>
+        <p:txBody>
+          <a:bodyPr rtlCol="0" anchor="ctr"/>
+          <a:lstStyle/>
+          <a:p>
+            <a:pPr algn="ctr"/>
+            <a:endParaRPr lang="en-US" sz="1050"/>
+          </a:p>
+        </p:txBody>
+      </p:sp>
       <p:cxnSp>
         <p:nvCxnSpPr>
-          <p:cNvPr id="74" name="Elbow Connector 73"/>
+          <p:cNvPr id="95" name="Elbow Connector 49"/>
           <p:cNvCxnSpPr>
-            <a:stCxn id="78" idx="3"/>
-            <a:endCxn id="55" idx="1"/>
+            <a:cxnSpLocks/>
+            <a:stCxn id="9" idx="3"/>
+            <a:endCxn id="87" idx="1"/>
           </p:cNvCxnSpPr>
           <p:nvPr/>
         </p:nvCxnSpPr>
         <p:spPr>
-          <a:xfrm>
-            <a:off x="7277995" y="3034891"/>
-            <a:ext cx="438767" cy="649390"/>
-          </a:xfrm>
-          <a:prstGeom prst="bentConnector3">
+          <a:xfrm rot="5400000" flipH="1" flipV="1">
+            <a:off x="1956183" y="2083931"/>
+            <a:ext cx="510599" cy="308163"/>
+          </a:xfrm>
+          <a:prstGeom prst="bentConnector2">
             <a:avLst/>
           </a:prstGeom>
           <a:ln w="19050">
@@ -6046,22 +6225,20 @@
       </p:cxnSp>
       <p:cxnSp>
         <p:nvCxnSpPr>
-          <p:cNvPr id="82" name="Elbow Connector 81"/>
+          <p:cNvPr id="98" name="Elbow Connector 49"/>
           <p:cNvCxnSpPr>
-            <a:stCxn id="78" idx="3"/>
-            <a:endCxn id="73" idx="1"/>
+            <a:cxnSpLocks/>
+            <a:stCxn id="93" idx="3"/>
           </p:cNvCxnSpPr>
           <p:nvPr/>
         </p:nvCxnSpPr>
         <p:spPr>
           <a:xfrm>
-            <a:off x="7277995" y="3034891"/>
-            <a:ext cx="440474" cy="976559"/>
-          </a:xfrm>
-          <a:prstGeom prst="bentConnector3">
-            <a:avLst>
-              <a:gd name="adj1" fmla="val 50000"/>
-            </a:avLst>
+            <a:off x="3234882" y="1982523"/>
+            <a:ext cx="192551" cy="647037"/>
+          </a:xfrm>
+          <a:prstGeom prst="bentConnector2">
+            <a:avLst/>
           </a:prstGeom>
           <a:ln w="19050">
             <a:solidFill>
@@ -6087,6 +6264,45 @@
           </a:fontRef>
         </p:style>
       </p:cxnSp>
+      <p:sp>
+        <p:nvSpPr>
+          <p:cNvPr id="121" name="TextBox 120"/>
+          <p:cNvSpPr txBox="1"/>
+          <p:nvPr/>
+        </p:nvSpPr>
+        <p:spPr>
+          <a:xfrm>
+            <a:off x="3205106" y="2451066"/>
+            <a:ext cx="189257" cy="178683"/>
+          </a:xfrm>
+          <a:prstGeom prst="rect">
+            <a:avLst/>
+          </a:prstGeom>
+          <a:noFill/>
+        </p:spPr>
+        <p:txBody>
+          <a:bodyPr wrap="square" lIns="0" tIns="0" rIns="0" bIns="0" rtlCol="0">
+            <a:noAutofit/>
+          </a:bodyPr>
+          <a:lstStyle/>
+          <a:p>
+            <a:pPr algn="ctr"/>
+            <a:r>
+              <a:rPr lang="en-US" sz="1100" dirty="0">
+                <a:solidFill>
+                  <a:srgbClr val="7030A0"/>
+                </a:solidFill>
+              </a:rPr>
+              <a:t>*</a:t>
+            </a:r>
+            <a:endParaRPr lang="en-SG" sz="1100" dirty="0">
+              <a:solidFill>
+                <a:srgbClr val="7030A0"/>
+              </a:solidFill>
+            </a:endParaRPr>
+          </a:p>
+        </p:txBody>
+      </p:sp>
     </p:spTree>
     <p:extLst>
       <p:ext uri="{BB962C8B-B14F-4D97-AF65-F5344CB8AC3E}">

--- a/docs/diagrams/ModelComponentClassDiagram.pptx
+++ b/docs/diagrams/ModelComponentClassDiagram.pptx
@@ -107,6 +107,22 @@
       </a:defRPr>
     </a:lvl9pPr>
   </p:defaultTextStyle>
+  <p:extLst>
+    <p:ext uri="{EFAFB233-063F-42B5-8137-9DF3F51BA10A}">
+      <p15:sldGuideLst xmlns:p15="http://schemas.microsoft.com/office/powerpoint/2012/main">
+        <p15:guide id="1" orient="horz" pos="1488">
+          <p15:clr>
+            <a:srgbClr val="A4A3A4"/>
+          </p15:clr>
+        </p15:guide>
+        <p15:guide id="2" pos="2880">
+          <p15:clr>
+            <a:srgbClr val="A4A3A4"/>
+          </p15:clr>
+        </p15:guide>
+      </p15:sldGuideLst>
+    </p:ext>
+  </p:extLst>
 </p:presentation>
 </file>
 
@@ -192,7 +208,7 @@
           <a:p>
             <a:fld id="{F5CC4B3F-88C1-4FFA-B1B6-F41C21DC6924}" type="datetimeFigureOut">
               <a:rPr lang="en-US" smtClean="0"/>
-              <a:t>11/19/2016</a:t>
+              <a:t>23-Mar-17</a:t>
             </a:fld>
             <a:endParaRPr lang="en-US"/>
           </a:p>
@@ -256,38 +272,37 @@
           <a:p>
             <a:pPr lvl="0"/>
             <a:r>
-              <a:rPr lang="en-US" smtClean="0"/>
+              <a:rPr lang="en-US"/>
               <a:t>Click to edit Master text styles</a:t>
             </a:r>
           </a:p>
           <a:p>
             <a:pPr lvl="1"/>
             <a:r>
-              <a:rPr lang="en-US" smtClean="0"/>
+              <a:rPr lang="en-US"/>
               <a:t>Second level</a:t>
             </a:r>
           </a:p>
           <a:p>
             <a:pPr lvl="2"/>
             <a:r>
-              <a:rPr lang="en-US" smtClean="0"/>
+              <a:rPr lang="en-US"/>
               <a:t>Third level</a:t>
             </a:r>
           </a:p>
           <a:p>
             <a:pPr lvl="3"/>
             <a:r>
-              <a:rPr lang="en-US" smtClean="0"/>
+              <a:rPr lang="en-US"/>
               <a:t>Fourth level</a:t>
             </a:r>
           </a:p>
           <a:p>
             <a:pPr lvl="4"/>
             <a:r>
-              <a:rPr lang="en-US" smtClean="0"/>
+              <a:rPr lang="en-US"/>
               <a:t>Fifth level</a:t>
             </a:r>
-            <a:endParaRPr lang="en-US"/>
           </a:p>
         </p:txBody>
       </p:sp>
@@ -498,10 +513,9 @@
           <a:lstStyle/>
           <a:p>
             <a:r>
-              <a:rPr lang="en-US" smtClean="0"/>
+              <a:rPr lang="en-US"/>
               <a:t>Click to edit Master title style</a:t>
             </a:r>
-            <a:endParaRPr lang="en-US"/>
           </a:p>
         </p:txBody>
       </p:sp>
@@ -617,10 +631,9 @@
           </a:lstStyle>
           <a:p>
             <a:r>
-              <a:rPr lang="en-US" smtClean="0"/>
+              <a:rPr lang="en-US"/>
               <a:t>Click to edit Master subtitle style</a:t>
             </a:r>
-            <a:endParaRPr lang="en-US"/>
           </a:p>
         </p:txBody>
       </p:sp>
@@ -641,7 +654,7 @@
           <a:p>
             <a:fld id="{78C97017-6FC3-485B-9764-EAC9E56C1D49}" type="datetimeFigureOut">
               <a:rPr lang="en-US" smtClean="0"/>
-              <a:t>11/19/2016</a:t>
+              <a:t>23-Mar-17</a:t>
             </a:fld>
             <a:endParaRPr lang="en-US"/>
           </a:p>
@@ -735,10 +748,9 @@
           <a:lstStyle/>
           <a:p>
             <a:r>
-              <a:rPr lang="en-US" smtClean="0"/>
+              <a:rPr lang="en-US"/>
               <a:t>Click to edit Master title style</a:t>
             </a:r>
-            <a:endParaRPr lang="en-US"/>
           </a:p>
         </p:txBody>
       </p:sp>
@@ -759,38 +771,37 @@
           <a:p>
             <a:pPr lvl="0"/>
             <a:r>
-              <a:rPr lang="en-US" smtClean="0"/>
+              <a:rPr lang="en-US"/>
               <a:t>Click to edit Master text styles</a:t>
             </a:r>
           </a:p>
           <a:p>
             <a:pPr lvl="1"/>
             <a:r>
-              <a:rPr lang="en-US" smtClean="0"/>
+              <a:rPr lang="en-US"/>
               <a:t>Second level</a:t>
             </a:r>
           </a:p>
           <a:p>
             <a:pPr lvl="2"/>
             <a:r>
-              <a:rPr lang="en-US" smtClean="0"/>
+              <a:rPr lang="en-US"/>
               <a:t>Third level</a:t>
             </a:r>
           </a:p>
           <a:p>
             <a:pPr lvl="3"/>
             <a:r>
-              <a:rPr lang="en-US" smtClean="0"/>
+              <a:rPr lang="en-US"/>
               <a:t>Fourth level</a:t>
             </a:r>
           </a:p>
           <a:p>
             <a:pPr lvl="4"/>
             <a:r>
-              <a:rPr lang="en-US" smtClean="0"/>
+              <a:rPr lang="en-US"/>
               <a:t>Fifth level</a:t>
             </a:r>
-            <a:endParaRPr lang="en-US"/>
           </a:p>
         </p:txBody>
       </p:sp>
@@ -811,7 +822,7 @@
           <a:p>
             <a:fld id="{78C97017-6FC3-485B-9764-EAC9E56C1D49}" type="datetimeFigureOut">
               <a:rPr lang="en-US" smtClean="0"/>
-              <a:t>11/19/2016</a:t>
+              <a:t>23-Mar-17</a:t>
             </a:fld>
             <a:endParaRPr lang="en-US"/>
           </a:p>
@@ -910,10 +921,9 @@
           <a:lstStyle/>
           <a:p>
             <a:r>
-              <a:rPr lang="en-US" smtClean="0"/>
+              <a:rPr lang="en-US"/>
               <a:t>Click to edit Master title style</a:t>
             </a:r>
-            <a:endParaRPr lang="en-US"/>
           </a:p>
         </p:txBody>
       </p:sp>
@@ -939,38 +949,37 @@
           <a:p>
             <a:pPr lvl="0"/>
             <a:r>
-              <a:rPr lang="en-US" smtClean="0"/>
+              <a:rPr lang="en-US"/>
               <a:t>Click to edit Master text styles</a:t>
             </a:r>
           </a:p>
           <a:p>
             <a:pPr lvl="1"/>
             <a:r>
-              <a:rPr lang="en-US" smtClean="0"/>
+              <a:rPr lang="en-US"/>
               <a:t>Second level</a:t>
             </a:r>
           </a:p>
           <a:p>
             <a:pPr lvl="2"/>
             <a:r>
-              <a:rPr lang="en-US" smtClean="0"/>
+              <a:rPr lang="en-US"/>
               <a:t>Third level</a:t>
             </a:r>
           </a:p>
           <a:p>
             <a:pPr lvl="3"/>
             <a:r>
-              <a:rPr lang="en-US" smtClean="0"/>
+              <a:rPr lang="en-US"/>
               <a:t>Fourth level</a:t>
             </a:r>
           </a:p>
           <a:p>
             <a:pPr lvl="4"/>
             <a:r>
-              <a:rPr lang="en-US" smtClean="0"/>
+              <a:rPr lang="en-US"/>
               <a:t>Fifth level</a:t>
             </a:r>
-            <a:endParaRPr lang="en-US"/>
           </a:p>
         </p:txBody>
       </p:sp>
@@ -991,7 +1000,7 @@
           <a:p>
             <a:fld id="{78C97017-6FC3-485B-9764-EAC9E56C1D49}" type="datetimeFigureOut">
               <a:rPr lang="en-US" smtClean="0"/>
-              <a:t>11/19/2016</a:t>
+              <a:t>23-Mar-17</a:t>
             </a:fld>
             <a:endParaRPr lang="en-US"/>
           </a:p>
@@ -1085,10 +1094,9 @@
           <a:lstStyle/>
           <a:p>
             <a:r>
-              <a:rPr lang="en-US" smtClean="0"/>
+              <a:rPr lang="en-US"/>
               <a:t>Click to edit Master title style</a:t>
             </a:r>
-            <a:endParaRPr lang="en-US"/>
           </a:p>
         </p:txBody>
       </p:sp>
@@ -1109,38 +1117,37 @@
           <a:p>
             <a:pPr lvl="0"/>
             <a:r>
-              <a:rPr lang="en-US" smtClean="0"/>
+              <a:rPr lang="en-US"/>
               <a:t>Click to edit Master text styles</a:t>
             </a:r>
           </a:p>
           <a:p>
             <a:pPr lvl="1"/>
             <a:r>
-              <a:rPr lang="en-US" smtClean="0"/>
+              <a:rPr lang="en-US"/>
               <a:t>Second level</a:t>
             </a:r>
           </a:p>
           <a:p>
             <a:pPr lvl="2"/>
             <a:r>
-              <a:rPr lang="en-US" smtClean="0"/>
+              <a:rPr lang="en-US"/>
               <a:t>Third level</a:t>
             </a:r>
           </a:p>
           <a:p>
             <a:pPr lvl="3"/>
             <a:r>
-              <a:rPr lang="en-US" smtClean="0"/>
+              <a:rPr lang="en-US"/>
               <a:t>Fourth level</a:t>
             </a:r>
           </a:p>
           <a:p>
             <a:pPr lvl="4"/>
             <a:r>
-              <a:rPr lang="en-US" smtClean="0"/>
+              <a:rPr lang="en-US"/>
               <a:t>Fifth level</a:t>
             </a:r>
-            <a:endParaRPr lang="en-US"/>
           </a:p>
         </p:txBody>
       </p:sp>
@@ -1161,7 +1168,7 @@
           <a:p>
             <a:fld id="{78C97017-6FC3-485B-9764-EAC9E56C1D49}" type="datetimeFigureOut">
               <a:rPr lang="en-US" smtClean="0"/>
-              <a:t>11/19/2016</a:t>
+              <a:t>23-Mar-17</a:t>
             </a:fld>
             <a:endParaRPr lang="en-US"/>
           </a:p>
@@ -1264,10 +1271,9 @@
           </a:lstStyle>
           <a:p>
             <a:r>
-              <a:rPr lang="en-US" smtClean="0"/>
+              <a:rPr lang="en-US"/>
               <a:t>Click to edit Master title style</a:t>
             </a:r>
-            <a:endParaRPr lang="en-US"/>
           </a:p>
         </p:txBody>
       </p:sp>
@@ -1384,7 +1390,7 @@
           <a:p>
             <a:pPr lvl="0"/>
             <a:r>
-              <a:rPr lang="en-US" smtClean="0"/>
+              <a:rPr lang="en-US"/>
               <a:t>Click to edit Master text styles</a:t>
             </a:r>
           </a:p>
@@ -1407,7 +1413,7 @@
           <a:p>
             <a:fld id="{78C97017-6FC3-485B-9764-EAC9E56C1D49}" type="datetimeFigureOut">
               <a:rPr lang="en-US" smtClean="0"/>
-              <a:t>11/19/2016</a:t>
+              <a:t>23-Mar-17</a:t>
             </a:fld>
             <a:endParaRPr lang="en-US"/>
           </a:p>
@@ -1501,10 +1507,9 @@
           <a:lstStyle/>
           <a:p>
             <a:r>
-              <a:rPr lang="en-US" smtClean="0"/>
+              <a:rPr lang="en-US"/>
               <a:t>Click to edit Master title style</a:t>
             </a:r>
-            <a:endParaRPr lang="en-US"/>
           </a:p>
         </p:txBody>
       </p:sp>
@@ -1558,38 +1563,37 @@
           <a:p>
             <a:pPr lvl="0"/>
             <a:r>
-              <a:rPr lang="en-US" smtClean="0"/>
+              <a:rPr lang="en-US"/>
               <a:t>Click to edit Master text styles</a:t>
             </a:r>
           </a:p>
           <a:p>
             <a:pPr lvl="1"/>
             <a:r>
-              <a:rPr lang="en-US" smtClean="0"/>
+              <a:rPr lang="en-US"/>
               <a:t>Second level</a:t>
             </a:r>
           </a:p>
           <a:p>
             <a:pPr lvl="2"/>
             <a:r>
-              <a:rPr lang="en-US" smtClean="0"/>
+              <a:rPr lang="en-US"/>
               <a:t>Third level</a:t>
             </a:r>
           </a:p>
           <a:p>
             <a:pPr lvl="3"/>
             <a:r>
-              <a:rPr lang="en-US" smtClean="0"/>
+              <a:rPr lang="en-US"/>
               <a:t>Fourth level</a:t>
             </a:r>
           </a:p>
           <a:p>
             <a:pPr lvl="4"/>
             <a:r>
-              <a:rPr lang="en-US" smtClean="0"/>
+              <a:rPr lang="en-US"/>
               <a:t>Fifth level</a:t>
             </a:r>
-            <a:endParaRPr lang="en-US"/>
           </a:p>
         </p:txBody>
       </p:sp>
@@ -1643,38 +1647,37 @@
           <a:p>
             <a:pPr lvl="0"/>
             <a:r>
-              <a:rPr lang="en-US" smtClean="0"/>
+              <a:rPr lang="en-US"/>
               <a:t>Click to edit Master text styles</a:t>
             </a:r>
           </a:p>
           <a:p>
             <a:pPr lvl="1"/>
             <a:r>
-              <a:rPr lang="en-US" smtClean="0"/>
+              <a:rPr lang="en-US"/>
               <a:t>Second level</a:t>
             </a:r>
           </a:p>
           <a:p>
             <a:pPr lvl="2"/>
             <a:r>
-              <a:rPr lang="en-US" smtClean="0"/>
+              <a:rPr lang="en-US"/>
               <a:t>Third level</a:t>
             </a:r>
           </a:p>
           <a:p>
             <a:pPr lvl="3"/>
             <a:r>
-              <a:rPr lang="en-US" smtClean="0"/>
+              <a:rPr lang="en-US"/>
               <a:t>Fourth level</a:t>
             </a:r>
           </a:p>
           <a:p>
             <a:pPr lvl="4"/>
             <a:r>
-              <a:rPr lang="en-US" smtClean="0"/>
+              <a:rPr lang="en-US"/>
               <a:t>Fifth level</a:t>
             </a:r>
-            <a:endParaRPr lang="en-US"/>
           </a:p>
         </p:txBody>
       </p:sp>
@@ -1695,7 +1698,7 @@
           <a:p>
             <a:fld id="{78C97017-6FC3-485B-9764-EAC9E56C1D49}" type="datetimeFigureOut">
               <a:rPr lang="en-US" smtClean="0"/>
-              <a:t>11/19/2016</a:t>
+              <a:t>23-Mar-17</a:t>
             </a:fld>
             <a:endParaRPr lang="en-US"/>
           </a:p>
@@ -1793,10 +1796,9 @@
           </a:lstStyle>
           <a:p>
             <a:r>
-              <a:rPr lang="en-US" smtClean="0"/>
+              <a:rPr lang="en-US"/>
               <a:t>Click to edit Master title style</a:t>
             </a:r>
-            <a:endParaRPr lang="en-US"/>
           </a:p>
         </p:txBody>
       </p:sp>
@@ -1859,7 +1861,7 @@
           <a:p>
             <a:pPr lvl="0"/>
             <a:r>
-              <a:rPr lang="en-US" smtClean="0"/>
+              <a:rPr lang="en-US"/>
               <a:t>Click to edit Master text styles</a:t>
             </a:r>
           </a:p>
@@ -1915,38 +1917,37 @@
           <a:p>
             <a:pPr lvl="0"/>
             <a:r>
-              <a:rPr lang="en-US" smtClean="0"/>
+              <a:rPr lang="en-US"/>
               <a:t>Click to edit Master text styles</a:t>
             </a:r>
           </a:p>
           <a:p>
             <a:pPr lvl="1"/>
             <a:r>
-              <a:rPr lang="en-US" smtClean="0"/>
+              <a:rPr lang="en-US"/>
               <a:t>Second level</a:t>
             </a:r>
           </a:p>
           <a:p>
             <a:pPr lvl="2"/>
             <a:r>
-              <a:rPr lang="en-US" smtClean="0"/>
+              <a:rPr lang="en-US"/>
               <a:t>Third level</a:t>
             </a:r>
           </a:p>
           <a:p>
             <a:pPr lvl="3"/>
             <a:r>
-              <a:rPr lang="en-US" smtClean="0"/>
+              <a:rPr lang="en-US"/>
               <a:t>Fourth level</a:t>
             </a:r>
           </a:p>
           <a:p>
             <a:pPr lvl="4"/>
             <a:r>
-              <a:rPr lang="en-US" smtClean="0"/>
+              <a:rPr lang="en-US"/>
               <a:t>Fifth level</a:t>
             </a:r>
-            <a:endParaRPr lang="en-US"/>
           </a:p>
         </p:txBody>
       </p:sp>
@@ -2009,7 +2010,7 @@
           <a:p>
             <a:pPr lvl="0"/>
             <a:r>
-              <a:rPr lang="en-US" smtClean="0"/>
+              <a:rPr lang="en-US"/>
               <a:t>Click to edit Master text styles</a:t>
             </a:r>
           </a:p>
@@ -2065,38 +2066,37 @@
           <a:p>
             <a:pPr lvl="0"/>
             <a:r>
-              <a:rPr lang="en-US" smtClean="0"/>
+              <a:rPr lang="en-US"/>
               <a:t>Click to edit Master text styles</a:t>
             </a:r>
           </a:p>
           <a:p>
             <a:pPr lvl="1"/>
             <a:r>
-              <a:rPr lang="en-US" smtClean="0"/>
+              <a:rPr lang="en-US"/>
               <a:t>Second level</a:t>
             </a:r>
           </a:p>
           <a:p>
             <a:pPr lvl="2"/>
             <a:r>
-              <a:rPr lang="en-US" smtClean="0"/>
+              <a:rPr lang="en-US"/>
               <a:t>Third level</a:t>
             </a:r>
           </a:p>
           <a:p>
             <a:pPr lvl="3"/>
             <a:r>
-              <a:rPr lang="en-US" smtClean="0"/>
+              <a:rPr lang="en-US"/>
               <a:t>Fourth level</a:t>
             </a:r>
           </a:p>
           <a:p>
             <a:pPr lvl="4"/>
             <a:r>
-              <a:rPr lang="en-US" smtClean="0"/>
+              <a:rPr lang="en-US"/>
               <a:t>Fifth level</a:t>
             </a:r>
-            <a:endParaRPr lang="en-US"/>
           </a:p>
         </p:txBody>
       </p:sp>
@@ -2117,7 +2117,7 @@
           <a:p>
             <a:fld id="{78C97017-6FC3-485B-9764-EAC9E56C1D49}" type="datetimeFigureOut">
               <a:rPr lang="en-US" smtClean="0"/>
-              <a:t>11/19/2016</a:t>
+              <a:t>23-Mar-17</a:t>
             </a:fld>
             <a:endParaRPr lang="en-US"/>
           </a:p>
@@ -2211,10 +2211,9 @@
           <a:lstStyle/>
           <a:p>
             <a:r>
-              <a:rPr lang="en-US" smtClean="0"/>
+              <a:rPr lang="en-US"/>
               <a:t>Click to edit Master title style</a:t>
             </a:r>
-            <a:endParaRPr lang="en-US"/>
           </a:p>
         </p:txBody>
       </p:sp>
@@ -2235,7 +2234,7 @@
           <a:p>
             <a:fld id="{78C97017-6FC3-485B-9764-EAC9E56C1D49}" type="datetimeFigureOut">
               <a:rPr lang="en-US" smtClean="0"/>
-              <a:t>11/19/2016</a:t>
+              <a:t>23-Mar-17</a:t>
             </a:fld>
             <a:endParaRPr lang="en-US"/>
           </a:p>
@@ -2330,7 +2329,7 @@
           <a:p>
             <a:fld id="{78C97017-6FC3-485B-9764-EAC9E56C1D49}" type="datetimeFigureOut">
               <a:rPr lang="en-US" smtClean="0"/>
-              <a:t>11/19/2016</a:t>
+              <a:t>23-Mar-17</a:t>
             </a:fld>
             <a:endParaRPr lang="en-US"/>
           </a:p>
@@ -2433,10 +2432,9 @@
           </a:lstStyle>
           <a:p>
             <a:r>
-              <a:rPr lang="en-US" smtClean="0"/>
+              <a:rPr lang="en-US"/>
               <a:t>Click to edit Master title style</a:t>
             </a:r>
-            <a:endParaRPr lang="en-US"/>
           </a:p>
         </p:txBody>
       </p:sp>
@@ -2490,38 +2488,37 @@
           <a:p>
             <a:pPr lvl="0"/>
             <a:r>
-              <a:rPr lang="en-US" smtClean="0"/>
+              <a:rPr lang="en-US"/>
               <a:t>Click to edit Master text styles</a:t>
             </a:r>
           </a:p>
           <a:p>
             <a:pPr lvl="1"/>
             <a:r>
-              <a:rPr lang="en-US" smtClean="0"/>
+              <a:rPr lang="en-US"/>
               <a:t>Second level</a:t>
             </a:r>
           </a:p>
           <a:p>
             <a:pPr lvl="2"/>
             <a:r>
-              <a:rPr lang="en-US" smtClean="0"/>
+              <a:rPr lang="en-US"/>
               <a:t>Third level</a:t>
             </a:r>
           </a:p>
           <a:p>
             <a:pPr lvl="3"/>
             <a:r>
-              <a:rPr lang="en-US" smtClean="0"/>
+              <a:rPr lang="en-US"/>
               <a:t>Fourth level</a:t>
             </a:r>
           </a:p>
           <a:p>
             <a:pPr lvl="4"/>
             <a:r>
-              <a:rPr lang="en-US" smtClean="0"/>
+              <a:rPr lang="en-US"/>
               <a:t>Fifth level</a:t>
             </a:r>
-            <a:endParaRPr lang="en-US"/>
           </a:p>
         </p:txBody>
       </p:sp>
@@ -2584,7 +2581,7 @@
           <a:p>
             <a:pPr lvl="0"/>
             <a:r>
-              <a:rPr lang="en-US" smtClean="0"/>
+              <a:rPr lang="en-US"/>
               <a:t>Click to edit Master text styles</a:t>
             </a:r>
           </a:p>
@@ -2607,7 +2604,7 @@
           <a:p>
             <a:fld id="{78C97017-6FC3-485B-9764-EAC9E56C1D49}" type="datetimeFigureOut">
               <a:rPr lang="en-US" smtClean="0"/>
-              <a:t>11/19/2016</a:t>
+              <a:t>23-Mar-17</a:t>
             </a:fld>
             <a:endParaRPr lang="en-US"/>
           </a:p>
@@ -2710,10 +2707,9 @@
           </a:lstStyle>
           <a:p>
             <a:r>
-              <a:rPr lang="en-US" smtClean="0"/>
+              <a:rPr lang="en-US"/>
               <a:t>Click to edit Master title style</a:t>
             </a:r>
-            <a:endParaRPr lang="en-US"/>
           </a:p>
         </p:txBody>
       </p:sp>
@@ -2837,7 +2833,7 @@
           <a:p>
             <a:pPr lvl="0"/>
             <a:r>
-              <a:rPr lang="en-US" smtClean="0"/>
+              <a:rPr lang="en-US"/>
               <a:t>Click to edit Master text styles</a:t>
             </a:r>
           </a:p>
@@ -2860,7 +2856,7 @@
           <a:p>
             <a:fld id="{78C97017-6FC3-485B-9764-EAC9E56C1D49}" type="datetimeFigureOut">
               <a:rPr lang="en-US" smtClean="0"/>
-              <a:t>11/19/2016</a:t>
+              <a:t>23-Mar-17</a:t>
             </a:fld>
             <a:endParaRPr lang="en-US"/>
           </a:p>
@@ -2969,10 +2965,9 @@
           <a:lstStyle/>
           <a:p>
             <a:r>
-              <a:rPr lang="en-US" smtClean="0"/>
+              <a:rPr lang="en-US"/>
               <a:t>Click to edit Master title style</a:t>
             </a:r>
-            <a:endParaRPr lang="en-US"/>
           </a:p>
         </p:txBody>
       </p:sp>
@@ -3003,38 +2998,37 @@
           <a:p>
             <a:pPr lvl="0"/>
             <a:r>
-              <a:rPr lang="en-US" smtClean="0"/>
+              <a:rPr lang="en-US"/>
               <a:t>Click to edit Master text styles</a:t>
             </a:r>
           </a:p>
           <a:p>
             <a:pPr lvl="1"/>
             <a:r>
-              <a:rPr lang="en-US" smtClean="0"/>
+              <a:rPr lang="en-US"/>
               <a:t>Second level</a:t>
             </a:r>
           </a:p>
           <a:p>
             <a:pPr lvl="2"/>
             <a:r>
-              <a:rPr lang="en-US" smtClean="0"/>
+              <a:rPr lang="en-US"/>
               <a:t>Third level</a:t>
             </a:r>
           </a:p>
           <a:p>
             <a:pPr lvl="3"/>
             <a:r>
-              <a:rPr lang="en-US" smtClean="0"/>
+              <a:rPr lang="en-US"/>
               <a:t>Fourth level</a:t>
             </a:r>
           </a:p>
           <a:p>
             <a:pPr lvl="4"/>
             <a:r>
-              <a:rPr lang="en-US" smtClean="0"/>
+              <a:rPr lang="en-US"/>
               <a:t>Fifth level</a:t>
             </a:r>
-            <a:endParaRPr lang="en-US"/>
           </a:p>
         </p:txBody>
       </p:sp>
@@ -3073,7 +3067,7 @@
           <a:p>
             <a:fld id="{78C97017-6FC3-485B-9764-EAC9E56C1D49}" type="datetimeFigureOut">
               <a:rPr lang="en-US" smtClean="0"/>
-              <a:t>11/19/2016</a:t>
+              <a:t>23-Mar-17</a:t>
             </a:fld>
             <a:endParaRPr lang="en-US"/>
           </a:p>
@@ -3494,7 +3488,7 @@
           <a:lstStyle/>
           <a:p>
             <a:r>
-              <a:rPr lang="en-US" sz="1200" b="1" dirty="0" smtClean="0">
+              <a:rPr lang="en-US" sz="1200" b="1" dirty="0">
                 <a:solidFill>
                   <a:srgbClr val="7030A0"/>
                 </a:solidFill>
@@ -3553,7 +3547,7 @@
           <a:p>
             <a:pPr algn="ctr"/>
             <a:r>
-              <a:rPr lang="en-US" sz="1050" dirty="0" err="1" smtClean="0">
+              <a:rPr lang="en-US" sz="1050" dirty="0" err="1">
                 <a:solidFill>
                   <a:schemeClr val="bg1"/>
                 </a:solidFill>
@@ -3612,7 +3606,7 @@
           <a:p>
             <a:pPr algn="ctr"/>
             <a:r>
-              <a:rPr lang="en-US" sz="1050" dirty="0" err="1" smtClean="0">
+              <a:rPr lang="en-US" sz="1050" dirty="0" err="1">
                 <a:solidFill>
                   <a:schemeClr val="bg1"/>
                 </a:solidFill>
@@ -3767,7 +3761,7 @@
           <a:p>
             <a:pPr algn="ctr"/>
             <a:r>
-              <a:rPr lang="en-US" sz="1050" dirty="0" smtClean="0">
+              <a:rPr lang="en-US" sz="1050" dirty="0">
                 <a:solidFill>
                   <a:schemeClr val="bg1"/>
                 </a:solidFill>
@@ -4091,12 +4085,12 @@
           <a:p>
             <a:pPr algn="ctr"/>
             <a:r>
-              <a:rPr lang="en-US" sz="1050" dirty="0" err="1" smtClean="0">
+              <a:rPr lang="en-US" sz="1050" dirty="0" err="1">
                 <a:solidFill>
                   <a:srgbClr val="7030A0"/>
                 </a:solidFill>
               </a:rPr>
-              <a:t>AddressBook</a:t>
+              <a:t>TaskManager</a:t>
             </a:r>
             <a:endParaRPr lang="en-SG" sz="1050" dirty="0">
               <a:solidFill>
@@ -4233,12 +4227,12 @@
           <a:p>
             <a:pPr algn="ctr"/>
             <a:r>
-              <a:rPr lang="en-US" sz="1050" dirty="0" err="1" smtClean="0">
+              <a:rPr lang="en-US" sz="1050" dirty="0" err="1">
                 <a:solidFill>
                   <a:srgbClr val="7030A0"/>
                 </a:solidFill>
               </a:rPr>
-              <a:t>UniquePersonList</a:t>
+              <a:t>UniqueTaskList</a:t>
             </a:r>
             <a:endParaRPr lang="en-SG" sz="1050" dirty="0">
               <a:solidFill>
@@ -4377,7 +4371,7 @@
           <a:p>
             <a:pPr algn="ctr"/>
             <a:r>
-              <a:rPr lang="en-US" sz="1050" dirty="0" err="1" smtClean="0">
+              <a:rPr lang="en-US" sz="1050" dirty="0" err="1">
                 <a:solidFill>
                   <a:srgbClr val="7030A0"/>
                 </a:solidFill>
@@ -4476,12 +4470,12 @@
           <a:p>
             <a:pPr algn="ctr"/>
             <a:r>
-              <a:rPr lang="en-US" sz="1050" dirty="0" smtClean="0">
+              <a:rPr lang="en-US" sz="1050" dirty="0">
                 <a:solidFill>
                   <a:srgbClr val="7030A0"/>
                 </a:solidFill>
               </a:rPr>
-              <a:t>Person</a:t>
+              <a:t>Task</a:t>
             </a:r>
             <a:endParaRPr lang="en-SG" sz="1050" dirty="0">
               <a:solidFill>
@@ -4618,7 +4612,7 @@
           <a:p>
             <a:pPr algn="ctr"/>
             <a:r>
-              <a:rPr lang="en-US" sz="1050" dirty="0" smtClean="0">
+              <a:rPr lang="en-US" sz="1050" dirty="0">
                 <a:solidFill>
                   <a:srgbClr val="7030A0"/>
                 </a:solidFill>
@@ -4760,7 +4754,7 @@
           <a:p>
             <a:pPr algn="ctr"/>
             <a:r>
-              <a:rPr lang="en-US" sz="1050" dirty="0" smtClean="0">
+              <a:rPr lang="en-US" sz="1050" dirty="0">
                 <a:solidFill>
                   <a:srgbClr val="7030A0"/>
                 </a:solidFill>
@@ -4768,19 +4762,19 @@
               <a:t>&lt;&lt;interface&gt;&gt;</a:t>
             </a:r>
             <a:br>
-              <a:rPr lang="en-US" sz="1050" dirty="0" smtClean="0">
+              <a:rPr lang="en-US" sz="1050" dirty="0">
                 <a:solidFill>
                   <a:srgbClr val="7030A0"/>
                 </a:solidFill>
               </a:rPr>
             </a:br>
             <a:r>
-              <a:rPr lang="en-US" sz="1050" dirty="0" err="1" smtClean="0">
+              <a:rPr lang="en-US" sz="1050" dirty="0" err="1">
                 <a:solidFill>
                   <a:srgbClr val="7030A0"/>
                 </a:solidFill>
               </a:rPr>
-              <a:t>ReadOnlyPerson</a:t>
+              <a:t>ReadOnlyTask</a:t>
             </a:r>
             <a:endParaRPr lang="en-SG" sz="1050" dirty="0">
               <a:solidFill>
@@ -4798,8 +4792,8 @@
         </p:nvSpPr>
         <p:spPr>
           <a:xfrm>
-            <a:off x="7712397" y="2564238"/>
-            <a:ext cx="708186" cy="285783"/>
+            <a:off x="7712396" y="2564238"/>
+            <a:ext cx="822003" cy="285783"/>
           </a:xfrm>
           <a:prstGeom prst="rect">
             <a:avLst/>
@@ -4831,12 +4825,12 @@
           <a:p>
             <a:pPr algn="ctr"/>
             <a:r>
-              <a:rPr lang="en-US" sz="1050" dirty="0" smtClean="0">
+              <a:rPr lang="en-US" sz="1050" dirty="0">
                 <a:solidFill>
                   <a:srgbClr val="7030A0"/>
                 </a:solidFill>
               </a:rPr>
-              <a:t>Name</a:t>
+              <a:t>Description</a:t>
             </a:r>
             <a:endParaRPr lang="en-SG" sz="1050" dirty="0">
               <a:solidFill>
@@ -4897,6 +4891,7 @@
         <p:nvCxnSpPr>
           <p:cNvPr id="79" name="Elbow Connector 78"/>
           <p:cNvCxnSpPr>
+            <a:cxnSpLocks/>
             <a:stCxn id="78" idx="3"/>
             <a:endCxn id="76" idx="1"/>
           </p:cNvCxnSpPr>
@@ -4905,7 +4900,7 @@
         <p:spPr>
           <a:xfrm flipV="1">
             <a:off x="7277995" y="2707130"/>
-            <a:ext cx="434402" cy="327761"/>
+            <a:ext cx="434401" cy="327761"/>
           </a:xfrm>
           <a:prstGeom prst="bentConnector3">
             <a:avLst/>
@@ -4943,7 +4938,7 @@
         <p:spPr>
           <a:xfrm>
             <a:off x="7712397" y="2887216"/>
-            <a:ext cx="708186" cy="285783"/>
+            <a:ext cx="822002" cy="285783"/>
           </a:xfrm>
           <a:prstGeom prst="rect">
             <a:avLst/>
@@ -4975,12 +4970,12 @@
           <a:p>
             <a:pPr algn="ctr"/>
             <a:r>
-              <a:rPr lang="en-US" sz="1050" dirty="0" smtClean="0">
+              <a:rPr lang="en-US" sz="1050" dirty="0" err="1">
                 <a:solidFill>
                   <a:srgbClr val="7030A0"/>
                 </a:solidFill>
               </a:rPr>
-              <a:t>Phone</a:t>
+              <a:t>DateTime</a:t>
             </a:r>
             <a:endParaRPr lang="en-SG" sz="1050" dirty="0">
               <a:solidFill>
@@ -4994,6 +4989,7 @@
         <p:nvCxnSpPr>
           <p:cNvPr id="81" name="Elbow Connector 80"/>
           <p:cNvCxnSpPr>
+            <a:cxnSpLocks/>
             <a:stCxn id="78" idx="3"/>
             <a:endCxn id="80" idx="1"/>
           </p:cNvCxnSpPr>
@@ -5040,7 +5036,7 @@
         <p:spPr>
           <a:xfrm>
             <a:off x="7712397" y="3210194"/>
-            <a:ext cx="708186" cy="285783"/>
+            <a:ext cx="822002" cy="285783"/>
           </a:xfrm>
           <a:prstGeom prst="rect">
             <a:avLst/>
@@ -5072,12 +5068,12 @@
           <a:p>
             <a:pPr algn="ctr"/>
             <a:r>
-              <a:rPr lang="en-US" sz="1050" dirty="0" smtClean="0">
+              <a:rPr lang="en-US" sz="1050" dirty="0" err="1">
                 <a:solidFill>
                   <a:srgbClr val="7030A0"/>
                 </a:solidFill>
               </a:rPr>
-              <a:t>Email</a:t>
+              <a:t>TaskStatus</a:t>
             </a:r>
             <a:endParaRPr lang="en-SG" sz="1050" dirty="0">
               <a:solidFill>
@@ -5091,6 +5087,7 @@
         <p:nvCxnSpPr>
           <p:cNvPr id="84" name="Elbow Connector 83"/>
           <p:cNvCxnSpPr>
+            <a:cxnSpLocks/>
             <a:stCxn id="78" idx="3"/>
             <a:endCxn id="83" idx="1"/>
           </p:cNvCxnSpPr>
@@ -5100,103 +5097,6 @@
           <a:xfrm>
             <a:off x="7277995" y="3034891"/>
             <a:ext cx="434402" cy="318195"/>
-          </a:xfrm>
-          <a:prstGeom prst="bentConnector3">
-            <a:avLst/>
-          </a:prstGeom>
-          <a:ln w="19050">
-            <a:solidFill>
-              <a:srgbClr val="7030A0"/>
-            </a:solidFill>
-            <a:headEnd type="none" w="med" len="med"/>
-            <a:tailEnd type="arrow" w="med" len="med"/>
-          </a:ln>
-          <a:effectLst/>
-        </p:spPr>
-        <p:style>
-          <a:lnRef idx="1">
-            <a:schemeClr val="accent2"/>
-          </a:lnRef>
-          <a:fillRef idx="2">
-            <a:schemeClr val="accent2"/>
-          </a:fillRef>
-          <a:effectRef idx="1">
-            <a:schemeClr val="accent2"/>
-          </a:effectRef>
-          <a:fontRef idx="minor">
-            <a:schemeClr val="dk1"/>
-          </a:fontRef>
-        </p:style>
-      </p:cxnSp>
-      <p:sp>
-        <p:nvSpPr>
-          <p:cNvPr id="85" name="Rectangle 8"/>
-          <p:cNvSpPr/>
-          <p:nvPr/>
-        </p:nvSpPr>
-        <p:spPr>
-          <a:xfrm>
-            <a:off x="7712397" y="3533171"/>
-            <a:ext cx="708186" cy="285783"/>
-          </a:xfrm>
-          <a:prstGeom prst="rect">
-            <a:avLst/>
-          </a:prstGeom>
-          <a:ln w="19050">
-            <a:solidFill>
-              <a:srgbClr val="7030A0"/>
-            </a:solidFill>
-          </a:ln>
-          <a:effectLst/>
-        </p:spPr>
-        <p:style>
-          <a:lnRef idx="1">
-            <a:schemeClr val="accent4"/>
-          </a:lnRef>
-          <a:fillRef idx="2">
-            <a:schemeClr val="accent4"/>
-          </a:fillRef>
-          <a:effectRef idx="1">
-            <a:schemeClr val="accent4"/>
-          </a:effectRef>
-          <a:fontRef idx="minor">
-            <a:schemeClr val="dk1"/>
-          </a:fontRef>
-        </p:style>
-        <p:txBody>
-          <a:bodyPr rtlCol="0" anchor="ctr"/>
-          <a:lstStyle/>
-          <a:p>
-            <a:pPr algn="ctr"/>
-            <a:r>
-              <a:rPr lang="en-US" sz="1050" dirty="0" smtClean="0">
-                <a:solidFill>
-                  <a:srgbClr val="7030A0"/>
-                </a:solidFill>
-              </a:rPr>
-              <a:t>Address</a:t>
-            </a:r>
-            <a:endParaRPr lang="en-SG" sz="1050" dirty="0">
-              <a:solidFill>
-                <a:srgbClr val="7030A0"/>
-              </a:solidFill>
-            </a:endParaRPr>
-          </a:p>
-        </p:txBody>
-      </p:sp>
-      <p:cxnSp>
-        <p:nvCxnSpPr>
-          <p:cNvPr id="86" name="Elbow Connector 85"/>
-          <p:cNvCxnSpPr>
-            <a:stCxn id="78" idx="3"/>
-            <a:endCxn id="85" idx="1"/>
-          </p:cNvCxnSpPr>
-          <p:nvPr/>
-        </p:nvCxnSpPr>
-        <p:spPr>
-          <a:xfrm>
-            <a:off x="7277995" y="3034891"/>
-            <a:ext cx="434402" cy="641172"/>
           </a:xfrm>
           <a:prstGeom prst="bentConnector3">
             <a:avLst/>
@@ -5357,7 +5257,7 @@
           <a:p>
             <a:pPr algn="ctr"/>
             <a:r>
-              <a:rPr lang="en-US" sz="1050" dirty="0" smtClean="0">
+              <a:rPr lang="en-US" sz="1050" dirty="0">
                 <a:solidFill>
                   <a:srgbClr val="7030A0"/>
                 </a:solidFill>
@@ -5365,19 +5265,19 @@
               <a:t>&lt;&lt;interface&gt;&gt;</a:t>
             </a:r>
             <a:br>
-              <a:rPr lang="en-US" sz="1050" dirty="0" smtClean="0">
+              <a:rPr lang="en-US" sz="1050" dirty="0">
                 <a:solidFill>
                   <a:srgbClr val="7030A0"/>
                 </a:solidFill>
               </a:rPr>
             </a:br>
             <a:r>
-              <a:rPr lang="en-US" sz="1050" dirty="0" err="1" smtClean="0">
+              <a:rPr lang="en-US" sz="1050" dirty="0" err="1">
                 <a:solidFill>
                   <a:srgbClr val="7030A0"/>
                 </a:solidFill>
               </a:rPr>
-              <a:t>ReadOnlyAddressBook</a:t>
+              <a:t>ReadOnlyTaskManager</a:t>
             </a:r>
             <a:endParaRPr lang="en-SG" sz="1050" dirty="0">
               <a:solidFill>
@@ -5411,7 +5311,7 @@
           <a:p>
             <a:pPr algn="r"/>
             <a:r>
-              <a:rPr lang="en-US" sz="1100" dirty="0" smtClean="0">
+              <a:rPr lang="en-US" sz="1100" dirty="0">
                 <a:solidFill>
                   <a:srgbClr val="7030A0"/>
                 </a:solidFill>
@@ -5467,20 +5367,12 @@
           <a:p>
             <a:pPr algn="ctr"/>
             <a:r>
-              <a:rPr lang="en-US" sz="1050" dirty="0" smtClean="0">
+              <a:rPr lang="en-US" sz="1050" dirty="0">
                 <a:solidFill>
                   <a:srgbClr val="7030A0"/>
                 </a:solidFill>
               </a:rPr>
               <a:t>&lt;&lt;interface&gt;&gt;</a:t>
-            </a:r>
-            <a:r>
-              <a:rPr lang="en-US" sz="1050" dirty="0">
-                <a:solidFill>
-                  <a:srgbClr val="7030A0"/>
-                </a:solidFill>
-              </a:rPr>
-              <a:t/>
             </a:r>
             <a:br>
               <a:rPr lang="en-US" sz="1050" dirty="0">
@@ -5490,7 +5382,7 @@
               </a:rPr>
             </a:br>
             <a:r>
-              <a:rPr lang="en-US" sz="1050" dirty="0" err="1" smtClean="0">
+              <a:rPr lang="en-US" sz="1050" dirty="0" err="1">
                 <a:solidFill>
                   <a:srgbClr val="7030A0"/>
                 </a:solidFill>
@@ -5612,7 +5504,7 @@
           <a:p>
             <a:pPr algn="ctr"/>
             <a:r>
-              <a:rPr lang="en-US" sz="1100" dirty="0" smtClean="0">
+              <a:rPr lang="en-US" sz="1100" dirty="0">
                 <a:solidFill>
                   <a:srgbClr val="7030A0"/>
                 </a:solidFill>
@@ -5651,7 +5543,7 @@
           <a:p>
             <a:pPr algn="ctr"/>
             <a:r>
-              <a:rPr lang="en-US" sz="1100" dirty="0" smtClean="0">
+              <a:rPr lang="en-US" sz="1100" dirty="0">
                 <a:solidFill>
                   <a:srgbClr val="7030A0"/>
                 </a:solidFill>
@@ -5690,7 +5582,7 @@
           <a:p>
             <a:pPr algn="ctr"/>
             <a:r>
-              <a:rPr lang="en-US" sz="1100" dirty="0" smtClean="0">
+              <a:rPr lang="en-US" sz="1100" dirty="0">
                 <a:solidFill>
                   <a:srgbClr val="7030A0"/>
                 </a:solidFill>
@@ -5729,7 +5621,7 @@
           <a:p>
             <a:pPr algn="ctr"/>
             <a:r>
-              <a:rPr lang="en-US" sz="1100" dirty="0" smtClean="0">
+              <a:rPr lang="en-US" sz="1100" dirty="0">
                 <a:solidFill>
                   <a:srgbClr val="7030A0"/>
                 </a:solidFill>
@@ -5768,7 +5660,7 @@
           <a:p>
             <a:pPr algn="ctr"/>
             <a:r>
-              <a:rPr lang="en-US" sz="1100" dirty="0" smtClean="0">
+              <a:rPr lang="en-US" sz="1100" dirty="0">
                 <a:solidFill>
                   <a:srgbClr val="7030A0"/>
                 </a:solidFill>
@@ -5807,7 +5699,7 @@
           <a:p>
             <a:pPr algn="ctr"/>
             <a:r>
-              <a:rPr lang="en-US" sz="1100" dirty="0" smtClean="0">
+              <a:rPr lang="en-US" sz="1100" dirty="0">
                 <a:solidFill>
                   <a:srgbClr val="7030A0"/>
                 </a:solidFill>
@@ -5846,7 +5738,7 @@
           <a:p>
             <a:pPr algn="ctr"/>
             <a:r>
-              <a:rPr lang="en-US" sz="1100" dirty="0" smtClean="0">
+              <a:rPr lang="en-US" sz="1100" dirty="0">
                 <a:solidFill>
                   <a:srgbClr val="7030A0"/>
                 </a:solidFill>
@@ -5885,7 +5777,7 @@
           <a:p>
             <a:pPr algn="ctr"/>
             <a:r>
-              <a:rPr lang="en-US" sz="1100" dirty="0" smtClean="0">
+              <a:rPr lang="en-US" sz="1100" dirty="0">
                 <a:solidFill>
                   <a:srgbClr val="7030A0"/>
                 </a:solidFill>
@@ -5910,13 +5802,6 @@
   <p:clrMapOvr>
     <a:masterClrMapping/>
   </p:clrMapOvr>
-  <p:timing>
-    <p:tnLst>
-      <p:par>
-        <p:cTn id="1" dur="indefinite" restart="never" nodeType="tmRoot"/>
-      </p:par>
-    </p:tnLst>
-  </p:timing>
 </p:sld>
 </file>
 

--- a/docs/diagrams/ModelComponentClassDiagram.pptx
+++ b/docs/diagrams/ModelComponentClassDiagram.pptx
@@ -107,6 +107,22 @@
       </a:defRPr>
     </a:lvl9pPr>
   </p:defaultTextStyle>
+  <p:extLst>
+    <p:ext uri="{EFAFB233-063F-42B5-8137-9DF3F51BA10A}">
+      <p15:sldGuideLst xmlns:p15="http://schemas.microsoft.com/office/powerpoint/2012/main">
+        <p15:guide id="1" orient="horz" pos="1488">
+          <p15:clr>
+            <a:srgbClr val="A4A3A4"/>
+          </p15:clr>
+        </p15:guide>
+        <p15:guide id="2" pos="2880">
+          <p15:clr>
+            <a:srgbClr val="A4A3A4"/>
+          </p15:clr>
+        </p15:guide>
+      </p15:sldGuideLst>
+    </p:ext>
+  </p:extLst>
 </p:presentation>
 </file>
 
@@ -192,7 +208,7 @@
           <a:p>
             <a:fld id="{F5CC4B3F-88C1-4FFA-B1B6-F41C21DC6924}" type="datetimeFigureOut">
               <a:rPr lang="en-US" smtClean="0"/>
-              <a:t>11/19/2016</a:t>
+              <a:t>3/23/2017</a:t>
             </a:fld>
             <a:endParaRPr lang="en-US"/>
           </a:p>
@@ -256,38 +272,37 @@
           <a:p>
             <a:pPr lvl="0"/>
             <a:r>
-              <a:rPr lang="en-US" smtClean="0"/>
+              <a:rPr lang="en-US"/>
               <a:t>Click to edit Master text styles</a:t>
             </a:r>
           </a:p>
           <a:p>
             <a:pPr lvl="1"/>
             <a:r>
-              <a:rPr lang="en-US" smtClean="0"/>
+              <a:rPr lang="en-US"/>
               <a:t>Second level</a:t>
             </a:r>
           </a:p>
           <a:p>
             <a:pPr lvl="2"/>
             <a:r>
-              <a:rPr lang="en-US" smtClean="0"/>
+              <a:rPr lang="en-US"/>
               <a:t>Third level</a:t>
             </a:r>
           </a:p>
           <a:p>
             <a:pPr lvl="3"/>
             <a:r>
-              <a:rPr lang="en-US" smtClean="0"/>
+              <a:rPr lang="en-US"/>
               <a:t>Fourth level</a:t>
             </a:r>
           </a:p>
           <a:p>
             <a:pPr lvl="4"/>
             <a:r>
-              <a:rPr lang="en-US" smtClean="0"/>
+              <a:rPr lang="en-US"/>
               <a:t>Fifth level</a:t>
             </a:r>
-            <a:endParaRPr lang="en-US"/>
           </a:p>
         </p:txBody>
       </p:sp>
@@ -498,10 +513,9 @@
           <a:lstStyle/>
           <a:p>
             <a:r>
-              <a:rPr lang="en-US" smtClean="0"/>
+              <a:rPr lang="en-US"/>
               <a:t>Click to edit Master title style</a:t>
             </a:r>
-            <a:endParaRPr lang="en-US"/>
           </a:p>
         </p:txBody>
       </p:sp>
@@ -617,10 +631,9 @@
           </a:lstStyle>
           <a:p>
             <a:r>
-              <a:rPr lang="en-US" smtClean="0"/>
+              <a:rPr lang="en-US"/>
               <a:t>Click to edit Master subtitle style</a:t>
             </a:r>
-            <a:endParaRPr lang="en-US"/>
           </a:p>
         </p:txBody>
       </p:sp>
@@ -641,7 +654,7 @@
           <a:p>
             <a:fld id="{78C97017-6FC3-485B-9764-EAC9E56C1D49}" type="datetimeFigureOut">
               <a:rPr lang="en-US" smtClean="0"/>
-              <a:t>11/19/2016</a:t>
+              <a:t>3/23/2017</a:t>
             </a:fld>
             <a:endParaRPr lang="en-US"/>
           </a:p>
@@ -735,10 +748,9 @@
           <a:lstStyle/>
           <a:p>
             <a:r>
-              <a:rPr lang="en-US" smtClean="0"/>
+              <a:rPr lang="en-US"/>
               <a:t>Click to edit Master title style</a:t>
             </a:r>
-            <a:endParaRPr lang="en-US"/>
           </a:p>
         </p:txBody>
       </p:sp>
@@ -759,38 +771,37 @@
           <a:p>
             <a:pPr lvl="0"/>
             <a:r>
-              <a:rPr lang="en-US" smtClean="0"/>
+              <a:rPr lang="en-US"/>
               <a:t>Click to edit Master text styles</a:t>
             </a:r>
           </a:p>
           <a:p>
             <a:pPr lvl="1"/>
             <a:r>
-              <a:rPr lang="en-US" smtClean="0"/>
+              <a:rPr lang="en-US"/>
               <a:t>Second level</a:t>
             </a:r>
           </a:p>
           <a:p>
             <a:pPr lvl="2"/>
             <a:r>
-              <a:rPr lang="en-US" smtClean="0"/>
+              <a:rPr lang="en-US"/>
               <a:t>Third level</a:t>
             </a:r>
           </a:p>
           <a:p>
             <a:pPr lvl="3"/>
             <a:r>
-              <a:rPr lang="en-US" smtClean="0"/>
+              <a:rPr lang="en-US"/>
               <a:t>Fourth level</a:t>
             </a:r>
           </a:p>
           <a:p>
             <a:pPr lvl="4"/>
             <a:r>
-              <a:rPr lang="en-US" smtClean="0"/>
+              <a:rPr lang="en-US"/>
               <a:t>Fifth level</a:t>
             </a:r>
-            <a:endParaRPr lang="en-US"/>
           </a:p>
         </p:txBody>
       </p:sp>
@@ -811,7 +822,7 @@
           <a:p>
             <a:fld id="{78C97017-6FC3-485B-9764-EAC9E56C1D49}" type="datetimeFigureOut">
               <a:rPr lang="en-US" smtClean="0"/>
-              <a:t>11/19/2016</a:t>
+              <a:t>3/23/2017</a:t>
             </a:fld>
             <a:endParaRPr lang="en-US"/>
           </a:p>
@@ -910,10 +921,9 @@
           <a:lstStyle/>
           <a:p>
             <a:r>
-              <a:rPr lang="en-US" smtClean="0"/>
+              <a:rPr lang="en-US"/>
               <a:t>Click to edit Master title style</a:t>
             </a:r>
-            <a:endParaRPr lang="en-US"/>
           </a:p>
         </p:txBody>
       </p:sp>
@@ -939,38 +949,37 @@
           <a:p>
             <a:pPr lvl="0"/>
             <a:r>
-              <a:rPr lang="en-US" smtClean="0"/>
+              <a:rPr lang="en-US"/>
               <a:t>Click to edit Master text styles</a:t>
             </a:r>
           </a:p>
           <a:p>
             <a:pPr lvl="1"/>
             <a:r>
-              <a:rPr lang="en-US" smtClean="0"/>
+              <a:rPr lang="en-US"/>
               <a:t>Second level</a:t>
             </a:r>
           </a:p>
           <a:p>
             <a:pPr lvl="2"/>
             <a:r>
-              <a:rPr lang="en-US" smtClean="0"/>
+              <a:rPr lang="en-US"/>
               <a:t>Third level</a:t>
             </a:r>
           </a:p>
           <a:p>
             <a:pPr lvl="3"/>
             <a:r>
-              <a:rPr lang="en-US" smtClean="0"/>
+              <a:rPr lang="en-US"/>
               <a:t>Fourth level</a:t>
             </a:r>
           </a:p>
           <a:p>
             <a:pPr lvl="4"/>
             <a:r>
-              <a:rPr lang="en-US" smtClean="0"/>
+              <a:rPr lang="en-US"/>
               <a:t>Fifth level</a:t>
             </a:r>
-            <a:endParaRPr lang="en-US"/>
           </a:p>
         </p:txBody>
       </p:sp>
@@ -991,7 +1000,7 @@
           <a:p>
             <a:fld id="{78C97017-6FC3-485B-9764-EAC9E56C1D49}" type="datetimeFigureOut">
               <a:rPr lang="en-US" smtClean="0"/>
-              <a:t>11/19/2016</a:t>
+              <a:t>3/23/2017</a:t>
             </a:fld>
             <a:endParaRPr lang="en-US"/>
           </a:p>
@@ -1085,10 +1094,9 @@
           <a:lstStyle/>
           <a:p>
             <a:r>
-              <a:rPr lang="en-US" smtClean="0"/>
+              <a:rPr lang="en-US"/>
               <a:t>Click to edit Master title style</a:t>
             </a:r>
-            <a:endParaRPr lang="en-US"/>
           </a:p>
         </p:txBody>
       </p:sp>
@@ -1109,38 +1117,37 @@
           <a:p>
             <a:pPr lvl="0"/>
             <a:r>
-              <a:rPr lang="en-US" smtClean="0"/>
+              <a:rPr lang="en-US"/>
               <a:t>Click to edit Master text styles</a:t>
             </a:r>
           </a:p>
           <a:p>
             <a:pPr lvl="1"/>
             <a:r>
-              <a:rPr lang="en-US" smtClean="0"/>
+              <a:rPr lang="en-US"/>
               <a:t>Second level</a:t>
             </a:r>
           </a:p>
           <a:p>
             <a:pPr lvl="2"/>
             <a:r>
-              <a:rPr lang="en-US" smtClean="0"/>
+              <a:rPr lang="en-US"/>
               <a:t>Third level</a:t>
             </a:r>
           </a:p>
           <a:p>
             <a:pPr lvl="3"/>
             <a:r>
-              <a:rPr lang="en-US" smtClean="0"/>
+              <a:rPr lang="en-US"/>
               <a:t>Fourth level</a:t>
             </a:r>
           </a:p>
           <a:p>
             <a:pPr lvl="4"/>
             <a:r>
-              <a:rPr lang="en-US" smtClean="0"/>
+              <a:rPr lang="en-US"/>
               <a:t>Fifth level</a:t>
             </a:r>
-            <a:endParaRPr lang="en-US"/>
           </a:p>
         </p:txBody>
       </p:sp>
@@ -1161,7 +1168,7 @@
           <a:p>
             <a:fld id="{78C97017-6FC3-485B-9764-EAC9E56C1D49}" type="datetimeFigureOut">
               <a:rPr lang="en-US" smtClean="0"/>
-              <a:t>11/19/2016</a:t>
+              <a:t>3/23/2017</a:t>
             </a:fld>
             <a:endParaRPr lang="en-US"/>
           </a:p>
@@ -1264,10 +1271,9 @@
           </a:lstStyle>
           <a:p>
             <a:r>
-              <a:rPr lang="en-US" smtClean="0"/>
+              <a:rPr lang="en-US"/>
               <a:t>Click to edit Master title style</a:t>
             </a:r>
-            <a:endParaRPr lang="en-US"/>
           </a:p>
         </p:txBody>
       </p:sp>
@@ -1384,7 +1390,7 @@
           <a:p>
             <a:pPr lvl="0"/>
             <a:r>
-              <a:rPr lang="en-US" smtClean="0"/>
+              <a:rPr lang="en-US"/>
               <a:t>Click to edit Master text styles</a:t>
             </a:r>
           </a:p>
@@ -1407,7 +1413,7 @@
           <a:p>
             <a:fld id="{78C97017-6FC3-485B-9764-EAC9E56C1D49}" type="datetimeFigureOut">
               <a:rPr lang="en-US" smtClean="0"/>
-              <a:t>11/19/2016</a:t>
+              <a:t>3/23/2017</a:t>
             </a:fld>
             <a:endParaRPr lang="en-US"/>
           </a:p>
@@ -1501,10 +1507,9 @@
           <a:lstStyle/>
           <a:p>
             <a:r>
-              <a:rPr lang="en-US" smtClean="0"/>
+              <a:rPr lang="en-US"/>
               <a:t>Click to edit Master title style</a:t>
             </a:r>
-            <a:endParaRPr lang="en-US"/>
           </a:p>
         </p:txBody>
       </p:sp>
@@ -1558,38 +1563,37 @@
           <a:p>
             <a:pPr lvl="0"/>
             <a:r>
-              <a:rPr lang="en-US" smtClean="0"/>
+              <a:rPr lang="en-US"/>
               <a:t>Click to edit Master text styles</a:t>
             </a:r>
           </a:p>
           <a:p>
             <a:pPr lvl="1"/>
             <a:r>
-              <a:rPr lang="en-US" smtClean="0"/>
+              <a:rPr lang="en-US"/>
               <a:t>Second level</a:t>
             </a:r>
           </a:p>
           <a:p>
             <a:pPr lvl="2"/>
             <a:r>
-              <a:rPr lang="en-US" smtClean="0"/>
+              <a:rPr lang="en-US"/>
               <a:t>Third level</a:t>
             </a:r>
           </a:p>
           <a:p>
             <a:pPr lvl="3"/>
             <a:r>
-              <a:rPr lang="en-US" smtClean="0"/>
+              <a:rPr lang="en-US"/>
               <a:t>Fourth level</a:t>
             </a:r>
           </a:p>
           <a:p>
             <a:pPr lvl="4"/>
             <a:r>
-              <a:rPr lang="en-US" smtClean="0"/>
+              <a:rPr lang="en-US"/>
               <a:t>Fifth level</a:t>
             </a:r>
-            <a:endParaRPr lang="en-US"/>
           </a:p>
         </p:txBody>
       </p:sp>
@@ -1643,38 +1647,37 @@
           <a:p>
             <a:pPr lvl="0"/>
             <a:r>
-              <a:rPr lang="en-US" smtClean="0"/>
+              <a:rPr lang="en-US"/>
               <a:t>Click to edit Master text styles</a:t>
             </a:r>
           </a:p>
           <a:p>
             <a:pPr lvl="1"/>
             <a:r>
-              <a:rPr lang="en-US" smtClean="0"/>
+              <a:rPr lang="en-US"/>
               <a:t>Second level</a:t>
             </a:r>
           </a:p>
           <a:p>
             <a:pPr lvl="2"/>
             <a:r>
-              <a:rPr lang="en-US" smtClean="0"/>
+              <a:rPr lang="en-US"/>
               <a:t>Third level</a:t>
             </a:r>
           </a:p>
           <a:p>
             <a:pPr lvl="3"/>
             <a:r>
-              <a:rPr lang="en-US" smtClean="0"/>
+              <a:rPr lang="en-US"/>
               <a:t>Fourth level</a:t>
             </a:r>
           </a:p>
           <a:p>
             <a:pPr lvl="4"/>
             <a:r>
-              <a:rPr lang="en-US" smtClean="0"/>
+              <a:rPr lang="en-US"/>
               <a:t>Fifth level</a:t>
             </a:r>
-            <a:endParaRPr lang="en-US"/>
           </a:p>
         </p:txBody>
       </p:sp>
@@ -1695,7 +1698,7 @@
           <a:p>
             <a:fld id="{78C97017-6FC3-485B-9764-EAC9E56C1D49}" type="datetimeFigureOut">
               <a:rPr lang="en-US" smtClean="0"/>
-              <a:t>11/19/2016</a:t>
+              <a:t>3/23/2017</a:t>
             </a:fld>
             <a:endParaRPr lang="en-US"/>
           </a:p>
@@ -1793,10 +1796,9 @@
           </a:lstStyle>
           <a:p>
             <a:r>
-              <a:rPr lang="en-US" smtClean="0"/>
+              <a:rPr lang="en-US"/>
               <a:t>Click to edit Master title style</a:t>
             </a:r>
-            <a:endParaRPr lang="en-US"/>
           </a:p>
         </p:txBody>
       </p:sp>
@@ -1859,7 +1861,7 @@
           <a:p>
             <a:pPr lvl="0"/>
             <a:r>
-              <a:rPr lang="en-US" smtClean="0"/>
+              <a:rPr lang="en-US"/>
               <a:t>Click to edit Master text styles</a:t>
             </a:r>
           </a:p>
@@ -1915,38 +1917,37 @@
           <a:p>
             <a:pPr lvl="0"/>
             <a:r>
-              <a:rPr lang="en-US" smtClean="0"/>
+              <a:rPr lang="en-US"/>
               <a:t>Click to edit Master text styles</a:t>
             </a:r>
           </a:p>
           <a:p>
             <a:pPr lvl="1"/>
             <a:r>
-              <a:rPr lang="en-US" smtClean="0"/>
+              <a:rPr lang="en-US"/>
               <a:t>Second level</a:t>
             </a:r>
           </a:p>
           <a:p>
             <a:pPr lvl="2"/>
             <a:r>
-              <a:rPr lang="en-US" smtClean="0"/>
+              <a:rPr lang="en-US"/>
               <a:t>Third level</a:t>
             </a:r>
           </a:p>
           <a:p>
             <a:pPr lvl="3"/>
             <a:r>
-              <a:rPr lang="en-US" smtClean="0"/>
+              <a:rPr lang="en-US"/>
               <a:t>Fourth level</a:t>
             </a:r>
           </a:p>
           <a:p>
             <a:pPr lvl="4"/>
             <a:r>
-              <a:rPr lang="en-US" smtClean="0"/>
+              <a:rPr lang="en-US"/>
               <a:t>Fifth level</a:t>
             </a:r>
-            <a:endParaRPr lang="en-US"/>
           </a:p>
         </p:txBody>
       </p:sp>
@@ -2009,7 +2010,7 @@
           <a:p>
             <a:pPr lvl="0"/>
             <a:r>
-              <a:rPr lang="en-US" smtClean="0"/>
+              <a:rPr lang="en-US"/>
               <a:t>Click to edit Master text styles</a:t>
             </a:r>
           </a:p>
@@ -2065,38 +2066,37 @@
           <a:p>
             <a:pPr lvl="0"/>
             <a:r>
-              <a:rPr lang="en-US" smtClean="0"/>
+              <a:rPr lang="en-US"/>
               <a:t>Click to edit Master text styles</a:t>
             </a:r>
           </a:p>
           <a:p>
             <a:pPr lvl="1"/>
             <a:r>
-              <a:rPr lang="en-US" smtClean="0"/>
+              <a:rPr lang="en-US"/>
               <a:t>Second level</a:t>
             </a:r>
           </a:p>
           <a:p>
             <a:pPr lvl="2"/>
             <a:r>
-              <a:rPr lang="en-US" smtClean="0"/>
+              <a:rPr lang="en-US"/>
               <a:t>Third level</a:t>
             </a:r>
           </a:p>
           <a:p>
             <a:pPr lvl="3"/>
             <a:r>
-              <a:rPr lang="en-US" smtClean="0"/>
+              <a:rPr lang="en-US"/>
               <a:t>Fourth level</a:t>
             </a:r>
           </a:p>
           <a:p>
             <a:pPr lvl="4"/>
             <a:r>
-              <a:rPr lang="en-US" smtClean="0"/>
+              <a:rPr lang="en-US"/>
               <a:t>Fifth level</a:t>
             </a:r>
-            <a:endParaRPr lang="en-US"/>
           </a:p>
         </p:txBody>
       </p:sp>
@@ -2117,7 +2117,7 @@
           <a:p>
             <a:fld id="{78C97017-6FC3-485B-9764-EAC9E56C1D49}" type="datetimeFigureOut">
               <a:rPr lang="en-US" smtClean="0"/>
-              <a:t>11/19/2016</a:t>
+              <a:t>3/23/2017</a:t>
             </a:fld>
             <a:endParaRPr lang="en-US"/>
           </a:p>
@@ -2211,10 +2211,9 @@
           <a:lstStyle/>
           <a:p>
             <a:r>
-              <a:rPr lang="en-US" smtClean="0"/>
+              <a:rPr lang="en-US"/>
               <a:t>Click to edit Master title style</a:t>
             </a:r>
-            <a:endParaRPr lang="en-US"/>
           </a:p>
         </p:txBody>
       </p:sp>
@@ -2235,7 +2234,7 @@
           <a:p>
             <a:fld id="{78C97017-6FC3-485B-9764-EAC9E56C1D49}" type="datetimeFigureOut">
               <a:rPr lang="en-US" smtClean="0"/>
-              <a:t>11/19/2016</a:t>
+              <a:t>3/23/2017</a:t>
             </a:fld>
             <a:endParaRPr lang="en-US"/>
           </a:p>
@@ -2330,7 +2329,7 @@
           <a:p>
             <a:fld id="{78C97017-6FC3-485B-9764-EAC9E56C1D49}" type="datetimeFigureOut">
               <a:rPr lang="en-US" smtClean="0"/>
-              <a:t>11/19/2016</a:t>
+              <a:t>3/23/2017</a:t>
             </a:fld>
             <a:endParaRPr lang="en-US"/>
           </a:p>
@@ -2433,10 +2432,9 @@
           </a:lstStyle>
           <a:p>
             <a:r>
-              <a:rPr lang="en-US" smtClean="0"/>
+              <a:rPr lang="en-US"/>
               <a:t>Click to edit Master title style</a:t>
             </a:r>
-            <a:endParaRPr lang="en-US"/>
           </a:p>
         </p:txBody>
       </p:sp>
@@ -2490,38 +2488,37 @@
           <a:p>
             <a:pPr lvl="0"/>
             <a:r>
-              <a:rPr lang="en-US" smtClean="0"/>
+              <a:rPr lang="en-US"/>
               <a:t>Click to edit Master text styles</a:t>
             </a:r>
           </a:p>
           <a:p>
             <a:pPr lvl="1"/>
             <a:r>
-              <a:rPr lang="en-US" smtClean="0"/>
+              <a:rPr lang="en-US"/>
               <a:t>Second level</a:t>
             </a:r>
           </a:p>
           <a:p>
             <a:pPr lvl="2"/>
             <a:r>
-              <a:rPr lang="en-US" smtClean="0"/>
+              <a:rPr lang="en-US"/>
               <a:t>Third level</a:t>
             </a:r>
           </a:p>
           <a:p>
             <a:pPr lvl="3"/>
             <a:r>
-              <a:rPr lang="en-US" smtClean="0"/>
+              <a:rPr lang="en-US"/>
               <a:t>Fourth level</a:t>
             </a:r>
           </a:p>
           <a:p>
             <a:pPr lvl="4"/>
             <a:r>
-              <a:rPr lang="en-US" smtClean="0"/>
+              <a:rPr lang="en-US"/>
               <a:t>Fifth level</a:t>
             </a:r>
-            <a:endParaRPr lang="en-US"/>
           </a:p>
         </p:txBody>
       </p:sp>
@@ -2584,7 +2581,7 @@
           <a:p>
             <a:pPr lvl="0"/>
             <a:r>
-              <a:rPr lang="en-US" smtClean="0"/>
+              <a:rPr lang="en-US"/>
               <a:t>Click to edit Master text styles</a:t>
             </a:r>
           </a:p>
@@ -2607,7 +2604,7 @@
           <a:p>
             <a:fld id="{78C97017-6FC3-485B-9764-EAC9E56C1D49}" type="datetimeFigureOut">
               <a:rPr lang="en-US" smtClean="0"/>
-              <a:t>11/19/2016</a:t>
+              <a:t>3/23/2017</a:t>
             </a:fld>
             <a:endParaRPr lang="en-US"/>
           </a:p>
@@ -2710,10 +2707,9 @@
           </a:lstStyle>
           <a:p>
             <a:r>
-              <a:rPr lang="en-US" smtClean="0"/>
+              <a:rPr lang="en-US"/>
               <a:t>Click to edit Master title style</a:t>
             </a:r>
-            <a:endParaRPr lang="en-US"/>
           </a:p>
         </p:txBody>
       </p:sp>
@@ -2837,7 +2833,7 @@
           <a:p>
             <a:pPr lvl="0"/>
             <a:r>
-              <a:rPr lang="en-US" smtClean="0"/>
+              <a:rPr lang="en-US"/>
               <a:t>Click to edit Master text styles</a:t>
             </a:r>
           </a:p>
@@ -2860,7 +2856,7 @@
           <a:p>
             <a:fld id="{78C97017-6FC3-485B-9764-EAC9E56C1D49}" type="datetimeFigureOut">
               <a:rPr lang="en-US" smtClean="0"/>
-              <a:t>11/19/2016</a:t>
+              <a:t>3/23/2017</a:t>
             </a:fld>
             <a:endParaRPr lang="en-US"/>
           </a:p>
@@ -2969,10 +2965,9 @@
           <a:lstStyle/>
           <a:p>
             <a:r>
-              <a:rPr lang="en-US" smtClean="0"/>
+              <a:rPr lang="en-US"/>
               <a:t>Click to edit Master title style</a:t>
             </a:r>
-            <a:endParaRPr lang="en-US"/>
           </a:p>
         </p:txBody>
       </p:sp>
@@ -3003,38 +2998,37 @@
           <a:p>
             <a:pPr lvl="0"/>
             <a:r>
-              <a:rPr lang="en-US" smtClean="0"/>
+              <a:rPr lang="en-US"/>
               <a:t>Click to edit Master text styles</a:t>
             </a:r>
           </a:p>
           <a:p>
             <a:pPr lvl="1"/>
             <a:r>
-              <a:rPr lang="en-US" smtClean="0"/>
+              <a:rPr lang="en-US"/>
               <a:t>Second level</a:t>
             </a:r>
           </a:p>
           <a:p>
             <a:pPr lvl="2"/>
             <a:r>
-              <a:rPr lang="en-US" smtClean="0"/>
+              <a:rPr lang="en-US"/>
               <a:t>Third level</a:t>
             </a:r>
           </a:p>
           <a:p>
             <a:pPr lvl="3"/>
             <a:r>
-              <a:rPr lang="en-US" smtClean="0"/>
+              <a:rPr lang="en-US"/>
               <a:t>Fourth level</a:t>
             </a:r>
           </a:p>
           <a:p>
             <a:pPr lvl="4"/>
             <a:r>
-              <a:rPr lang="en-US" smtClean="0"/>
+              <a:rPr lang="en-US"/>
               <a:t>Fifth level</a:t>
             </a:r>
-            <a:endParaRPr lang="en-US"/>
           </a:p>
         </p:txBody>
       </p:sp>
@@ -3073,7 +3067,7 @@
           <a:p>
             <a:fld id="{78C97017-6FC3-485B-9764-EAC9E56C1D49}" type="datetimeFigureOut">
               <a:rPr lang="en-US" smtClean="0"/>
-              <a:t>11/19/2016</a:t>
+              <a:t>3/23/2017</a:t>
             </a:fld>
             <a:endParaRPr lang="en-US"/>
           </a:p>
@@ -3456,8 +3450,8 @@
         </p:nvSpPr>
         <p:spPr>
           <a:xfrm>
-            <a:off x="1119865" y="1727200"/>
-            <a:ext cx="7490735" cy="2997200"/>
+            <a:off x="304800" y="155163"/>
+            <a:ext cx="8763000" cy="4555277"/>
           </a:xfrm>
           <a:prstGeom prst="roundRect">
             <a:avLst>
@@ -3494,7 +3488,7 @@
           <a:lstStyle/>
           <a:p>
             <a:r>
-              <a:rPr lang="en-US" sz="1200" b="1" dirty="0" smtClean="0">
+              <a:rPr lang="en-US" sz="1200" b="1" dirty="0">
                 <a:solidFill>
                   <a:srgbClr val="7030A0"/>
                 </a:solidFill>
@@ -3517,7 +3511,7 @@
         </p:nvSpPr>
         <p:spPr>
           <a:xfrm>
-            <a:off x="2877180" y="3158440"/>
+            <a:off x="2198077" y="2434515"/>
             <a:ext cx="1093635" cy="346760"/>
           </a:xfrm>
           <a:prstGeom prst="rect">
@@ -3553,7 +3547,7 @@
           <a:p>
             <a:pPr algn="ctr"/>
             <a:r>
-              <a:rPr lang="en-US" sz="1050" dirty="0" err="1" smtClean="0">
+              <a:rPr lang="en-US" sz="1050" dirty="0" err="1">
                 <a:solidFill>
                   <a:schemeClr val="bg1"/>
                 </a:solidFill>
@@ -3576,7 +3570,7 @@
         </p:nvSpPr>
         <p:spPr>
           <a:xfrm rot="16200000">
-            <a:off x="1683963" y="2868687"/>
+            <a:off x="1004860" y="2144762"/>
             <a:ext cx="1093635" cy="346760"/>
           </a:xfrm>
           <a:prstGeom prst="rect">
@@ -3612,7 +3606,7 @@
           <a:p>
             <a:pPr algn="ctr"/>
             <a:r>
-              <a:rPr lang="en-US" sz="1050" dirty="0" err="1" smtClean="0">
+              <a:rPr lang="en-US" sz="1050" dirty="0" err="1">
                 <a:solidFill>
                   <a:schemeClr val="bg1"/>
                 </a:solidFill>
@@ -3631,17 +3625,19 @@
         <p:nvCxnSpPr>
           <p:cNvPr id="53" name="Elbow Connector 63"/>
           <p:cNvCxnSpPr>
-            <a:stCxn id="71" idx="3"/>
+            <a:cxnSpLocks/>
           </p:cNvCxnSpPr>
           <p:nvPr/>
         </p:nvCxnSpPr>
         <p:spPr>
-          <a:xfrm flipV="1">
-            <a:off x="6477000" y="3194131"/>
-            <a:ext cx="95385" cy="416514"/>
-          </a:xfrm>
-          <a:prstGeom prst="bentConnector2">
-            <a:avLst/>
+          <a:xfrm rot="5400000">
+            <a:off x="5888081" y="1605651"/>
+            <a:ext cx="449451" cy="1285"/>
+          </a:xfrm>
+          <a:prstGeom prst="bentConnector3">
+            <a:avLst>
+              <a:gd name="adj1" fmla="val 50000"/>
+            </a:avLst>
           </a:prstGeom>
           <a:ln w="19050">
             <a:solidFill>
@@ -3672,19 +3668,20 @@
         <p:nvCxnSpPr>
           <p:cNvPr id="107" name="Elbow Connector 106"/>
           <p:cNvCxnSpPr>
+            <a:cxnSpLocks/>
             <a:stCxn id="9" idx="1"/>
+            <a:endCxn id="89" idx="2"/>
           </p:cNvCxnSpPr>
           <p:nvPr/>
         </p:nvCxnSpPr>
         <p:spPr>
-          <a:xfrm rot="5400000" flipH="1" flipV="1">
-            <a:off x="4360065" y="1080909"/>
-            <a:ext cx="378691" cy="4637261"/>
-          </a:xfrm>
-          <a:prstGeom prst="bentConnector4">
+          <a:xfrm rot="16200000" flipH="1">
+            <a:off x="3701538" y="715099"/>
+            <a:ext cx="137269" cy="4436989"/>
+          </a:xfrm>
+          <a:prstGeom prst="bentConnector3">
             <a:avLst>
-              <a:gd name="adj1" fmla="val -101829"/>
-              <a:gd name="adj2" fmla="val 99976"/>
+              <a:gd name="adj1" fmla="val 340550"/>
             </a:avLst>
           </a:prstGeom>
           <a:ln w="19050">
@@ -3720,7 +3717,7 @@
         </p:nvSpPr>
         <p:spPr>
           <a:xfrm rot="16200000">
-            <a:off x="956202" y="2861202"/>
+            <a:off x="277099" y="2137277"/>
             <a:ext cx="1093635" cy="346760"/>
           </a:xfrm>
           <a:prstGeom prst="rect">
@@ -3767,7 +3764,7 @@
           <a:p>
             <a:pPr algn="ctr"/>
             <a:r>
-              <a:rPr lang="en-US" sz="1050" dirty="0" smtClean="0">
+              <a:rPr lang="en-US" sz="1050" dirty="0">
                 <a:solidFill>
                   <a:schemeClr val="bg1"/>
                 </a:solidFill>
@@ -3790,7 +3787,7 @@
         </p:nvSpPr>
         <p:spPr>
           <a:xfrm rot="16200000">
-            <a:off x="1626910" y="2952291"/>
+            <a:off x="947807" y="2228366"/>
             <a:ext cx="270504" cy="175523"/>
           </a:xfrm>
           <a:prstGeom prst="triangle">
@@ -3840,7 +3837,7 @@
         </p:nvCxnSpPr>
         <p:spPr>
           <a:xfrm>
-            <a:off x="2656370" y="3326536"/>
+            <a:off x="1977267" y="2602611"/>
             <a:ext cx="220810" cy="5284"/>
           </a:xfrm>
           <a:prstGeom prst="straightConnector1">
@@ -3870,23 +3867,149 @@
           </a:fontRef>
         </p:style>
       </p:cxnSp>
-      <p:sp>
-        <p:nvSpPr>
-          <p:cNvPr id="71" name="Isosceles Triangle 102"/>
+      <p:cxnSp>
+        <p:nvCxnSpPr>
+          <p:cNvPr id="75" name="Elbow Connector 122"/>
+          <p:cNvCxnSpPr/>
+          <p:nvPr/>
+        </p:nvCxnSpPr>
+        <p:spPr>
+          <a:xfrm>
+            <a:off x="230988" y="2316128"/>
+            <a:ext cx="419548" cy="2860"/>
+          </a:xfrm>
+          <a:prstGeom prst="bentConnector3">
+            <a:avLst>
+              <a:gd name="adj1" fmla="val 50000"/>
+            </a:avLst>
+          </a:prstGeom>
+          <a:ln w="19050">
+            <a:solidFill>
+              <a:schemeClr val="bg1">
+                <a:lumMod val="75000"/>
+              </a:schemeClr>
+            </a:solidFill>
+            <a:prstDash val="sysDot"/>
+            <a:headEnd type="none" w="med" len="med"/>
+            <a:tailEnd type="arrow" w="med" len="med"/>
+          </a:ln>
+          <a:effectLst/>
+        </p:spPr>
+        <p:style>
+          <a:lnRef idx="1">
+            <a:schemeClr val="accent2"/>
+          </a:lnRef>
+          <a:fillRef idx="2">
+            <a:schemeClr val="accent2"/>
+          </a:fillRef>
+          <a:effectRef idx="1">
+            <a:schemeClr val="accent2"/>
+          </a:effectRef>
+          <a:fontRef idx="minor">
+            <a:schemeClr val="dk1"/>
+          </a:fontRef>
+        </p:style>
+      </p:cxnSp>
+      <p:cxnSp>
+        <p:nvCxnSpPr>
+          <p:cNvPr id="21" name="Straight Connector 20"/>
+          <p:cNvCxnSpPr>
+            <a:stCxn id="120" idx="3"/>
+          </p:cNvCxnSpPr>
+          <p:nvPr/>
+        </p:nvCxnSpPr>
+        <p:spPr>
+          <a:xfrm flipV="1">
+            <a:off x="1170821" y="2316127"/>
+            <a:ext cx="216105" cy="1"/>
+          </a:xfrm>
+          <a:prstGeom prst="line">
+            <a:avLst/>
+          </a:prstGeom>
+          <a:ln w="19050">
+            <a:solidFill>
+              <a:srgbClr val="7030A0"/>
+            </a:solidFill>
+            <a:prstDash val="sysDot"/>
+            <a:headEnd type="none" w="med" len="med"/>
+            <a:tailEnd type="none" w="med" len="med"/>
+          </a:ln>
+          <a:effectLst/>
+        </p:spPr>
+        <p:style>
+          <a:lnRef idx="1">
+            <a:schemeClr val="accent2"/>
+          </a:lnRef>
+          <a:fillRef idx="2">
+            <a:schemeClr val="accent2"/>
+          </a:fillRef>
+          <a:effectRef idx="1">
+            <a:schemeClr val="accent2"/>
+          </a:effectRef>
+          <a:fontRef idx="minor">
+            <a:schemeClr val="dk1"/>
+          </a:fontRef>
+        </p:style>
+      </p:cxnSp>
+      <p:sp>
+        <p:nvSpPr>
+          <p:cNvPr id="42" name="Flowchart: Decision 96"/>
           <p:cNvSpPr/>
           <p:nvPr/>
         </p:nvSpPr>
         <p:spPr>
-          <a:xfrm rot="5400000" flipV="1">
-            <a:off x="6253986" y="3522883"/>
-            <a:ext cx="270504" cy="175523"/>
-          </a:xfrm>
-          <a:prstGeom prst="triangle">
+          <a:xfrm>
+            <a:off x="1741219" y="2515921"/>
+            <a:ext cx="236048" cy="173380"/>
+          </a:xfrm>
+          <a:prstGeom prst="flowChartDecision">
             <a:avLst/>
           </a:prstGeom>
-          <a:solidFill>
-            <a:srgbClr val="7030A0"/>
-          </a:solidFill>
+          <a:noFill/>
+          <a:ln w="19050">
+            <a:solidFill>
+              <a:srgbClr val="7030A0"/>
+            </a:solidFill>
+          </a:ln>
+          <a:effectLst/>
+        </p:spPr>
+        <p:style>
+          <a:lnRef idx="1">
+            <a:schemeClr val="accent6"/>
+          </a:lnRef>
+          <a:fillRef idx="2">
+            <a:schemeClr val="accent6"/>
+          </a:fillRef>
+          <a:effectRef idx="1">
+            <a:schemeClr val="accent6"/>
+          </a:effectRef>
+          <a:fontRef idx="minor">
+            <a:schemeClr val="dk1"/>
+          </a:fontRef>
+        </p:style>
+        <p:txBody>
+          <a:bodyPr rtlCol="0" anchor="ctr"/>
+          <a:lstStyle/>
+          <a:p>
+            <a:pPr algn="ctr"/>
+            <a:endParaRPr lang="en-US" sz="1050"/>
+          </a:p>
+        </p:txBody>
+      </p:sp>
+      <p:sp>
+        <p:nvSpPr>
+          <p:cNvPr id="46" name="Rectangle 8"/>
+          <p:cNvSpPr/>
+          <p:nvPr/>
+        </p:nvSpPr>
+        <p:spPr>
+          <a:xfrm>
+            <a:off x="2200387" y="1903495"/>
+            <a:ext cx="1093635" cy="346760"/>
+          </a:xfrm>
+          <a:prstGeom prst="rect">
+            <a:avLst/>
+          </a:prstGeom>
           <a:ln w="19050">
             <a:solidFill>
               <a:srgbClr val="7030A0"/>
@@ -3913,9 +4036,17 @@
           <a:lstStyle/>
           <a:p>
             <a:pPr algn="ctr"/>
-            <a:endParaRPr lang="en-SG" sz="1050" b="1">
+            <a:r>
+              <a:rPr lang="en-US" sz="1050" dirty="0" err="1">
+                <a:solidFill>
+                  <a:srgbClr val="7030A0"/>
+                </a:solidFill>
+              </a:rPr>
+              <a:t>UserInbox</a:t>
+            </a:r>
+            <a:endParaRPr lang="en-SG" sz="1050" dirty="0">
               <a:solidFill>
-                <a:srgbClr val="92D050"/>
+                <a:srgbClr val="7030A0"/>
               </a:solidFill>
             </a:endParaRPr>
           </a:p>
@@ -3923,27 +4054,25 @@
       </p:sp>
       <p:cxnSp>
         <p:nvCxnSpPr>
-          <p:cNvPr id="75" name="Elbow Connector 122"/>
-          <p:cNvCxnSpPr/>
+          <p:cNvPr id="47" name="Straight Arrow Connector 46"/>
+          <p:cNvCxnSpPr>
+            <a:stCxn id="48" idx="3"/>
+            <a:endCxn id="46" idx="1"/>
+          </p:cNvCxnSpPr>
           <p:nvPr/>
         </p:nvCxnSpPr>
         <p:spPr>
           <a:xfrm>
-            <a:off x="910091" y="3040053"/>
-            <a:ext cx="419548" cy="2860"/>
-          </a:xfrm>
-          <a:prstGeom prst="bentConnector3">
-            <a:avLst>
-              <a:gd name="adj1" fmla="val 50000"/>
-            </a:avLst>
+            <a:off x="1979577" y="2071591"/>
+            <a:ext cx="220810" cy="5284"/>
+          </a:xfrm>
+          <a:prstGeom prst="straightConnector1">
+            <a:avLst/>
           </a:prstGeom>
           <a:ln w="19050">
             <a:solidFill>
-              <a:schemeClr val="bg1">
-                <a:lumMod val="75000"/>
-              </a:schemeClr>
+              <a:srgbClr val="7030A0"/>
             </a:solidFill>
-            <a:prstDash val="sysDot"/>
             <a:headEnd type="none" w="med" len="med"/>
             <a:tailEnd type="arrow" w="med" len="med"/>
           </a:ln>
@@ -3964,56 +4093,15 @@
           </a:fontRef>
         </p:style>
       </p:cxnSp>
-      <p:cxnSp>
-        <p:nvCxnSpPr>
-          <p:cNvPr id="21" name="Straight Connector 20"/>
-          <p:cNvCxnSpPr>
-            <a:stCxn id="120" idx="3"/>
-          </p:cNvCxnSpPr>
-          <p:nvPr/>
-        </p:nvCxnSpPr>
-        <p:spPr>
-          <a:xfrm flipV="1">
-            <a:off x="1849924" y="3040052"/>
-            <a:ext cx="216105" cy="1"/>
-          </a:xfrm>
-          <a:prstGeom prst="line">
-            <a:avLst/>
-          </a:prstGeom>
-          <a:ln w="19050">
-            <a:solidFill>
-              <a:srgbClr val="7030A0"/>
-            </a:solidFill>
-            <a:prstDash val="sysDot"/>
-            <a:headEnd type="none" w="med" len="med"/>
-            <a:tailEnd type="none" w="med" len="med"/>
-          </a:ln>
-          <a:effectLst/>
-        </p:spPr>
-        <p:style>
-          <a:lnRef idx="1">
-            <a:schemeClr val="accent2"/>
-          </a:lnRef>
-          <a:fillRef idx="2">
-            <a:schemeClr val="accent2"/>
-          </a:fillRef>
-          <a:effectRef idx="1">
-            <a:schemeClr val="accent2"/>
-          </a:effectRef>
-          <a:fontRef idx="minor">
-            <a:schemeClr val="dk1"/>
-          </a:fontRef>
-        </p:style>
-      </p:cxnSp>
-      <p:sp>
-        <p:nvSpPr>
-          <p:cNvPr id="42" name="Flowchart: Decision 96"/>
+      <p:sp>
+        <p:nvSpPr>
+          <p:cNvPr id="48" name="Flowchart: Decision 96"/>
           <p:cNvSpPr/>
           <p:nvPr/>
         </p:nvSpPr>
         <p:spPr>
           <a:xfrm>
-            <a:off x="2420322" y="3239846"/>
+            <a:off x="1743529" y="1984901"/>
             <a:ext cx="236048" cy="173380"/>
           </a:xfrm>
           <a:prstGeom prst="flowChartDecision">
@@ -4052,14 +4140,14 @@
       </p:sp>
       <p:sp>
         <p:nvSpPr>
-          <p:cNvPr id="46" name="Rectangle 8"/>
+          <p:cNvPr id="49" name="Rectangle 8"/>
           <p:cNvSpPr/>
           <p:nvPr/>
         </p:nvSpPr>
         <p:spPr>
           <a:xfrm>
-            <a:off x="2879490" y="2627420"/>
-            <a:ext cx="1093635" cy="346760"/>
+            <a:off x="3807914" y="2123446"/>
+            <a:ext cx="1156969" cy="346760"/>
           </a:xfrm>
           <a:prstGeom prst="rect">
             <a:avLst/>
@@ -4091,12 +4179,12 @@
           <a:p>
             <a:pPr algn="ctr"/>
             <a:r>
-              <a:rPr lang="en-US" sz="1050" dirty="0" err="1" smtClean="0">
+              <a:rPr lang="en-US" sz="1050" dirty="0" err="1">
                 <a:solidFill>
                   <a:srgbClr val="7030A0"/>
                 </a:solidFill>
               </a:rPr>
-              <a:t>AddressBook</a:t>
+              <a:t>UniqueTaskList</a:t>
             </a:r>
             <a:endParaRPr lang="en-SG" sz="1050" dirty="0">
               <a:solidFill>
@@ -4106,62 +4194,23 @@
           </a:p>
         </p:txBody>
       </p:sp>
-      <p:cxnSp>
-        <p:nvCxnSpPr>
-          <p:cNvPr id="47" name="Straight Arrow Connector 46"/>
-          <p:cNvCxnSpPr>
-            <a:stCxn id="48" idx="3"/>
-            <a:endCxn id="46" idx="1"/>
-          </p:cNvCxnSpPr>
-          <p:nvPr/>
-        </p:nvCxnSpPr>
-        <p:spPr>
-          <a:xfrm>
-            <a:off x="2658680" y="2795516"/>
-            <a:ext cx="220810" cy="5284"/>
-          </a:xfrm>
-          <a:prstGeom prst="straightConnector1">
-            <a:avLst/>
-          </a:prstGeom>
-          <a:ln w="19050">
-            <a:solidFill>
-              <a:srgbClr val="7030A0"/>
-            </a:solidFill>
-            <a:headEnd type="none" w="med" len="med"/>
-            <a:tailEnd type="arrow" w="med" len="med"/>
-          </a:ln>
-          <a:effectLst/>
-        </p:spPr>
-        <p:style>
-          <a:lnRef idx="1">
-            <a:schemeClr val="accent2"/>
-          </a:lnRef>
-          <a:fillRef idx="2">
-            <a:schemeClr val="accent2"/>
-          </a:fillRef>
-          <a:effectRef idx="1">
-            <a:schemeClr val="accent2"/>
-          </a:effectRef>
-          <a:fontRef idx="minor">
-            <a:schemeClr val="dk1"/>
-          </a:fontRef>
-        </p:style>
-      </p:cxnSp>
-      <p:sp>
-        <p:nvSpPr>
-          <p:cNvPr id="48" name="Flowchart: Decision 96"/>
+      <p:sp>
+        <p:nvSpPr>
+          <p:cNvPr id="51" name="Flowchart: Decision 96"/>
           <p:cNvSpPr/>
           <p:nvPr/>
         </p:nvSpPr>
         <p:spPr>
           <a:xfrm>
-            <a:off x="2422632" y="2708826"/>
+            <a:off x="3305200" y="1950066"/>
             <a:ext cx="236048" cy="173380"/>
           </a:xfrm>
           <a:prstGeom prst="flowChartDecision">
             <a:avLst/>
           </a:prstGeom>
-          <a:noFill/>
+          <a:solidFill>
+            <a:srgbClr val="7030A0"/>
+          </a:solidFill>
           <a:ln w="19050">
             <a:solidFill>
               <a:srgbClr val="7030A0"/>
@@ -4192,15 +4241,56 @@
           </a:p>
         </p:txBody>
       </p:sp>
-      <p:sp>
-        <p:nvSpPr>
-          <p:cNvPr id="49" name="Rectangle 8"/>
+      <p:cxnSp>
+        <p:nvCxnSpPr>
+          <p:cNvPr id="30" name="Elbow Connector 29"/>
+          <p:cNvCxnSpPr>
+            <a:stCxn id="51" idx="3"/>
+            <a:endCxn id="49" idx="1"/>
+          </p:cNvCxnSpPr>
+          <p:nvPr/>
+        </p:nvCxnSpPr>
+        <p:spPr>
+          <a:xfrm>
+            <a:off x="3541248" y="2036756"/>
+            <a:ext cx="266666" cy="260070"/>
+          </a:xfrm>
+          <a:prstGeom prst="bentConnector3">
+            <a:avLst/>
+          </a:prstGeom>
+          <a:ln w="19050">
+            <a:solidFill>
+              <a:srgbClr val="7030A0"/>
+            </a:solidFill>
+            <a:headEnd type="none" w="med" len="med"/>
+            <a:tailEnd type="arrow" w="med" len="med"/>
+          </a:ln>
+          <a:effectLst/>
+        </p:spPr>
+        <p:style>
+          <a:lnRef idx="1">
+            <a:schemeClr val="accent2"/>
+          </a:lnRef>
+          <a:fillRef idx="2">
+            <a:schemeClr val="accent2"/>
+          </a:fillRef>
+          <a:effectRef idx="1">
+            <a:schemeClr val="accent2"/>
+          </a:effectRef>
+          <a:fontRef idx="minor">
+            <a:schemeClr val="dk1"/>
+          </a:fontRef>
+        </p:style>
+      </p:cxnSp>
+      <p:sp>
+        <p:nvSpPr>
+          <p:cNvPr id="57" name="Rectangle 8"/>
           <p:cNvSpPr/>
           <p:nvPr/>
         </p:nvSpPr>
         <p:spPr>
           <a:xfrm>
-            <a:off x="4487017" y="2847371"/>
+            <a:off x="3798225" y="1556644"/>
             <a:ext cx="1156969" cy="346760"/>
           </a:xfrm>
           <a:prstGeom prst="rect">
@@ -4233,12 +4323,12 @@
           <a:p>
             <a:pPr algn="ctr"/>
             <a:r>
-              <a:rPr lang="en-US" sz="1050" dirty="0" err="1" smtClean="0">
+              <a:rPr lang="en-US" sz="1050" dirty="0" err="1">
                 <a:solidFill>
                   <a:srgbClr val="7030A0"/>
                 </a:solidFill>
               </a:rPr>
-              <a:t>UniquePersonList</a:t>
+              <a:t>UniqueTagList</a:t>
             </a:r>
             <a:endParaRPr lang="en-SG" sz="1050" dirty="0">
               <a:solidFill>
@@ -4248,23 +4338,120 @@
           </a:p>
         </p:txBody>
       </p:sp>
-      <p:sp>
-        <p:nvSpPr>
-          <p:cNvPr id="51" name="Flowchart: Decision 96"/>
+      <p:cxnSp>
+        <p:nvCxnSpPr>
+          <p:cNvPr id="59" name="Elbow Connector 58"/>
+          <p:cNvCxnSpPr>
+            <a:stCxn id="51" idx="3"/>
+            <a:endCxn id="57" idx="1"/>
+          </p:cNvCxnSpPr>
+          <p:nvPr/>
+        </p:nvCxnSpPr>
+        <p:spPr>
+          <a:xfrm flipV="1">
+            <a:off x="3541248" y="1730024"/>
+            <a:ext cx="256977" cy="306732"/>
+          </a:xfrm>
+          <a:prstGeom prst="bentConnector3">
+            <a:avLst>
+              <a:gd name="adj1" fmla="val 50000"/>
+            </a:avLst>
+          </a:prstGeom>
+          <a:ln w="19050">
+            <a:solidFill>
+              <a:srgbClr val="7030A0"/>
+            </a:solidFill>
+            <a:headEnd type="none" w="med" len="med"/>
+            <a:tailEnd type="arrow" w="med" len="med"/>
+          </a:ln>
+          <a:effectLst/>
+        </p:spPr>
+        <p:style>
+          <a:lnRef idx="1">
+            <a:schemeClr val="accent2"/>
+          </a:lnRef>
+          <a:fillRef idx="2">
+            <a:schemeClr val="accent2"/>
+          </a:fillRef>
+          <a:effectRef idx="1">
+            <a:schemeClr val="accent2"/>
+          </a:effectRef>
+          <a:fontRef idx="minor">
+            <a:schemeClr val="dk1"/>
+          </a:fontRef>
+        </p:style>
+      </p:cxnSp>
+      <p:sp>
+        <p:nvSpPr>
+          <p:cNvPr id="62" name="Rectangle 8"/>
           <p:cNvSpPr/>
           <p:nvPr/>
         </p:nvSpPr>
         <p:spPr>
           <a:xfrm>
-            <a:off x="3984303" y="2673991"/>
+            <a:off x="5634574" y="1797714"/>
+            <a:ext cx="708186" cy="346760"/>
+          </a:xfrm>
+          <a:prstGeom prst="rect">
+            <a:avLst/>
+          </a:prstGeom>
+          <a:ln w="19050">
+            <a:solidFill>
+              <a:srgbClr val="7030A0"/>
+            </a:solidFill>
+          </a:ln>
+          <a:effectLst/>
+        </p:spPr>
+        <p:style>
+          <a:lnRef idx="1">
+            <a:schemeClr val="accent4"/>
+          </a:lnRef>
+          <a:fillRef idx="2">
+            <a:schemeClr val="accent4"/>
+          </a:fillRef>
+          <a:effectRef idx="1">
+            <a:schemeClr val="accent4"/>
+          </a:effectRef>
+          <a:fontRef idx="minor">
+            <a:schemeClr val="dk1"/>
+          </a:fontRef>
+        </p:style>
+        <p:txBody>
+          <a:bodyPr rtlCol="0" anchor="ctr"/>
+          <a:lstStyle/>
+          <a:p>
+            <a:pPr algn="ctr"/>
+            <a:r>
+              <a:rPr lang="en-US" sz="1050" dirty="0">
+                <a:solidFill>
+                  <a:srgbClr val="7030A0"/>
+                </a:solidFill>
+              </a:rPr>
+              <a:t>Task</a:t>
+            </a:r>
+            <a:endParaRPr lang="en-SG" sz="1050" dirty="0">
+              <a:solidFill>
+                <a:srgbClr val="7030A0"/>
+              </a:solidFill>
+            </a:endParaRPr>
+          </a:p>
+        </p:txBody>
+      </p:sp>
+      <p:sp>
+        <p:nvSpPr>
+          <p:cNvPr id="63" name="Flowchart: Decision 96"/>
+          <p:cNvSpPr/>
+          <p:nvPr/>
+        </p:nvSpPr>
+        <p:spPr>
+          <a:xfrm>
+            <a:off x="4964124" y="2220054"/>
             <a:ext cx="236048" cy="173380"/>
           </a:xfrm>
           <a:prstGeom prst="flowChartDecision">
             <a:avLst/>
           </a:prstGeom>
-          <a:solidFill>
-            <a:srgbClr val="7030A0"/>
-          </a:solidFill>
+          <a:noFill/>
           <a:ln w="19050">
             <a:solidFill>
               <a:srgbClr val="7030A0"/>
@@ -4291,23 +4478,23 @@
           <a:lstStyle/>
           <a:p>
             <a:pPr algn="ctr"/>
-            <a:endParaRPr lang="en-US" sz="1050"/>
+            <a:endParaRPr lang="en-US" sz="1050" dirty="0"/>
           </a:p>
         </p:txBody>
       </p:sp>
       <p:cxnSp>
         <p:nvCxnSpPr>
-          <p:cNvPr id="30" name="Elbow Connector 29"/>
+          <p:cNvPr id="64" name="Elbow Connector 63"/>
           <p:cNvCxnSpPr>
-            <a:stCxn id="51" idx="3"/>
-            <a:endCxn id="49" idx="1"/>
+            <a:stCxn id="63" idx="3"/>
+            <a:endCxn id="62" idx="1"/>
           </p:cNvCxnSpPr>
           <p:nvPr/>
         </p:nvCxnSpPr>
         <p:spPr>
-          <a:xfrm>
-            <a:off x="4220351" y="2760681"/>
-            <a:ext cx="266666" cy="260070"/>
+          <a:xfrm flipV="1">
+            <a:off x="5200172" y="1971094"/>
+            <a:ext cx="434402" cy="335650"/>
           </a:xfrm>
           <a:prstGeom prst="bentConnector3">
             <a:avLst/>
@@ -4338,14 +4525,14 @@
       </p:cxnSp>
       <p:sp>
         <p:nvSpPr>
-          <p:cNvPr id="57" name="Rectangle 8"/>
+          <p:cNvPr id="67" name="Rectangle 8"/>
           <p:cNvSpPr/>
           <p:nvPr/>
         </p:nvSpPr>
         <p:spPr>
           <a:xfrm>
-            <a:off x="4477328" y="2280569"/>
-            <a:ext cx="1156969" cy="346760"/>
+            <a:off x="4657002" y="1085407"/>
+            <a:ext cx="483700" cy="346760"/>
           </a:xfrm>
           <a:prstGeom prst="rect">
             <a:avLst/>
@@ -4377,12 +4564,12 @@
           <a:p>
             <a:pPr algn="ctr"/>
             <a:r>
-              <a:rPr lang="en-US" sz="1050" dirty="0" err="1" smtClean="0">
+              <a:rPr lang="en-US" sz="1050" dirty="0">
                 <a:solidFill>
                   <a:srgbClr val="7030A0"/>
                 </a:solidFill>
               </a:rPr>
-              <a:t>UniqueTagList</a:t>
+              <a:t>Tag</a:t>
             </a:r>
             <a:endParaRPr lang="en-SG" sz="1050" dirty="0">
               <a:solidFill>
@@ -4392,24 +4579,67 @@
           </a:p>
         </p:txBody>
       </p:sp>
+      <p:sp>
+        <p:nvSpPr>
+          <p:cNvPr id="68" name="Flowchart: Decision 96"/>
+          <p:cNvSpPr/>
+          <p:nvPr/>
+        </p:nvSpPr>
+        <p:spPr>
+          <a:xfrm rot="16200000">
+            <a:off x="4242563" y="1342615"/>
+            <a:ext cx="236048" cy="173380"/>
+          </a:xfrm>
+          <a:prstGeom prst="flowChartDecision">
+            <a:avLst/>
+          </a:prstGeom>
+          <a:noFill/>
+          <a:ln w="19050">
+            <a:solidFill>
+              <a:srgbClr val="7030A0"/>
+            </a:solidFill>
+          </a:ln>
+          <a:effectLst/>
+        </p:spPr>
+        <p:style>
+          <a:lnRef idx="1">
+            <a:schemeClr val="accent6"/>
+          </a:lnRef>
+          <a:fillRef idx="2">
+            <a:schemeClr val="accent6"/>
+          </a:fillRef>
+          <a:effectRef idx="1">
+            <a:schemeClr val="accent6"/>
+          </a:effectRef>
+          <a:fontRef idx="minor">
+            <a:schemeClr val="dk1"/>
+          </a:fontRef>
+        </p:style>
+        <p:txBody>
+          <a:bodyPr rtlCol="0" anchor="ctr"/>
+          <a:lstStyle/>
+          <a:p>
+            <a:pPr algn="ctr"/>
+            <a:endParaRPr lang="en-US" sz="1050"/>
+          </a:p>
+        </p:txBody>
+      </p:sp>
       <p:cxnSp>
         <p:nvCxnSpPr>
-          <p:cNvPr id="59" name="Elbow Connector 58"/>
+          <p:cNvPr id="69" name="Elbow Connector 68"/>
           <p:cNvCxnSpPr>
-            <a:stCxn id="51" idx="3"/>
-            <a:endCxn id="57" idx="1"/>
+            <a:stCxn id="68" idx="3"/>
+            <a:endCxn id="67" idx="1"/>
           </p:cNvCxnSpPr>
           <p:nvPr/>
         </p:nvCxnSpPr>
         <p:spPr>
-          <a:xfrm flipV="1">
-            <a:off x="4220351" y="2453949"/>
-            <a:ext cx="256977" cy="306732"/>
-          </a:xfrm>
-          <a:prstGeom prst="bentConnector3">
-            <a:avLst>
-              <a:gd name="adj1" fmla="val 50000"/>
-            </a:avLst>
+          <a:xfrm rot="5400000" flipH="1" flipV="1">
+            <a:off x="4482547" y="1136827"/>
+            <a:ext cx="52494" cy="296415"/>
+          </a:xfrm>
+          <a:prstGeom prst="bentConnector2">
+            <a:avLst/>
           </a:prstGeom>
           <a:ln w="19050">
             <a:solidFill>
@@ -4437,14 +4667,14 @@
       </p:cxnSp>
       <p:sp>
         <p:nvSpPr>
-          <p:cNvPr id="62" name="Rectangle 8"/>
+          <p:cNvPr id="72" name="Rectangle 8"/>
           <p:cNvSpPr/>
           <p:nvPr/>
         </p:nvSpPr>
         <p:spPr>
           <a:xfrm>
-            <a:off x="6313677" y="2858066"/>
-            <a:ext cx="708186" cy="346760"/>
+            <a:off x="5276018" y="890004"/>
+            <a:ext cx="1156969" cy="346760"/>
           </a:xfrm>
           <a:prstGeom prst="rect">
             <a:avLst/>
@@ -4476,12 +4706,27 @@
           <a:p>
             <a:pPr algn="ctr"/>
             <a:r>
-              <a:rPr lang="en-US" sz="1050" dirty="0" smtClean="0">
+              <a:rPr lang="en-US" sz="1050" dirty="0">
                 <a:solidFill>
                   <a:srgbClr val="7030A0"/>
                 </a:solidFill>
               </a:rPr>
-              <a:t>Person</a:t>
+              <a:t>&lt;&lt;interface&gt;&gt;</a:t>
+            </a:r>
+            <a:br>
+              <a:rPr lang="en-US" sz="1050" dirty="0">
+                <a:solidFill>
+                  <a:srgbClr val="7030A0"/>
+                </a:solidFill>
+              </a:rPr>
+            </a:br>
+            <a:r>
+              <a:rPr lang="en-US" sz="1050" dirty="0" err="1">
+                <a:solidFill>
+                  <a:srgbClr val="7030A0"/>
+                </a:solidFill>
+              </a:rPr>
+              <a:t>ReadOnlyTask</a:t>
             </a:r>
             <a:endParaRPr lang="en-SG" sz="1050" dirty="0">
               <a:solidFill>
@@ -4493,19 +4738,77 @@
       </p:sp>
       <p:sp>
         <p:nvSpPr>
-          <p:cNvPr id="63" name="Flowchart: Decision 96"/>
+          <p:cNvPr id="76" name="Rectangle 8"/>
           <p:cNvSpPr/>
           <p:nvPr/>
         </p:nvSpPr>
         <p:spPr>
           <a:xfrm>
-            <a:off x="5643227" y="2943979"/>
-            <a:ext cx="236048" cy="173380"/>
+            <a:off x="6977250" y="1131028"/>
+            <a:ext cx="846023" cy="257001"/>
+          </a:xfrm>
+          <a:prstGeom prst="rect">
+            <a:avLst/>
+          </a:prstGeom>
+          <a:ln w="19050">
+            <a:solidFill>
+              <a:srgbClr val="7030A0"/>
+            </a:solidFill>
+          </a:ln>
+          <a:effectLst/>
+        </p:spPr>
+        <p:style>
+          <a:lnRef idx="1">
+            <a:schemeClr val="accent4"/>
+          </a:lnRef>
+          <a:fillRef idx="2">
+            <a:schemeClr val="accent4"/>
+          </a:fillRef>
+          <a:effectRef idx="1">
+            <a:schemeClr val="accent4"/>
+          </a:effectRef>
+          <a:fontRef idx="minor">
+            <a:schemeClr val="dk1"/>
+          </a:fontRef>
+        </p:style>
+        <p:txBody>
+          <a:bodyPr rtlCol="0" anchor="ctr"/>
+          <a:lstStyle/>
+          <a:p>
+            <a:pPr algn="ctr"/>
+            <a:r>
+              <a:rPr lang="en-US" sz="1050" dirty="0">
+                <a:solidFill>
+                  <a:srgbClr val="7030A0"/>
+                </a:solidFill>
+              </a:rPr>
+              <a:t>Priority</a:t>
+            </a:r>
+            <a:endParaRPr lang="en-SG" sz="1050" dirty="0">
+              <a:solidFill>
+                <a:srgbClr val="7030A0"/>
+              </a:solidFill>
+            </a:endParaRPr>
+          </a:p>
+        </p:txBody>
+      </p:sp>
+      <p:sp>
+        <p:nvSpPr>
+          <p:cNvPr id="78" name="Flowchart: Decision 96"/>
+          <p:cNvSpPr/>
+          <p:nvPr/>
+        </p:nvSpPr>
+        <p:spPr>
+          <a:xfrm>
+            <a:off x="6345493" y="1904323"/>
+            <a:ext cx="246680" cy="137880"/>
           </a:xfrm>
           <a:prstGeom prst="flowChartDecision">
             <a:avLst/>
           </a:prstGeom>
-          <a:noFill/>
+          <a:solidFill>
+            <a:srgbClr val="7030A0"/>
+          </a:solidFill>
           <a:ln w="19050">
             <a:solidFill>
               <a:srgbClr val="7030A0"/>
@@ -4538,17 +4841,18 @@
       </p:sp>
       <p:cxnSp>
         <p:nvCxnSpPr>
-          <p:cNvPr id="64" name="Elbow Connector 63"/>
+          <p:cNvPr id="79" name="Elbow Connector 78"/>
           <p:cNvCxnSpPr>
-            <a:stCxn id="63" idx="3"/>
-            <a:endCxn id="62" idx="1"/>
+            <a:cxnSpLocks/>
+            <a:stCxn id="78" idx="3"/>
+            <a:endCxn id="76" idx="1"/>
           </p:cNvCxnSpPr>
           <p:nvPr/>
         </p:nvCxnSpPr>
         <p:spPr>
-          <a:xfrm>
-            <a:off x="5879275" y="3030669"/>
-            <a:ext cx="434402" cy="777"/>
+          <a:xfrm flipV="1">
+            <a:off x="6592173" y="1259529"/>
+            <a:ext cx="385077" cy="713734"/>
           </a:xfrm>
           <a:prstGeom prst="bentConnector3">
             <a:avLst/>
@@ -4579,14 +4883,14 @@
       </p:cxnSp>
       <p:sp>
         <p:nvSpPr>
-          <p:cNvPr id="67" name="Rectangle 8"/>
+          <p:cNvPr id="80" name="Rectangle 8"/>
           <p:cNvSpPr/>
           <p:nvPr/>
         </p:nvSpPr>
         <p:spPr>
           <a:xfrm>
-            <a:off x="5336105" y="1809332"/>
-            <a:ext cx="483700" cy="346760"/>
+            <a:off x="6977251" y="1467303"/>
+            <a:ext cx="846022" cy="243705"/>
           </a:xfrm>
           <a:prstGeom prst="rect">
             <a:avLst/>
@@ -4618,12 +4922,12 @@
           <a:p>
             <a:pPr algn="ctr"/>
             <a:r>
-              <a:rPr lang="en-US" sz="1050" dirty="0" smtClean="0">
+              <a:rPr lang="en-US" sz="1050" dirty="0">
                 <a:solidFill>
                   <a:srgbClr val="7030A0"/>
                 </a:solidFill>
               </a:rPr>
-              <a:t>Tag</a:t>
+              <a:t>Deadline</a:t>
             </a:r>
             <a:endParaRPr lang="en-SG" sz="1050" dirty="0">
               <a:solidFill>
@@ -4633,66 +4937,22 @@
           </a:p>
         </p:txBody>
       </p:sp>
-      <p:sp>
-        <p:nvSpPr>
-          <p:cNvPr id="68" name="Flowchart: Decision 96"/>
-          <p:cNvSpPr/>
-          <p:nvPr/>
-        </p:nvSpPr>
-        <p:spPr>
-          <a:xfrm rot="16200000">
-            <a:off x="4921666" y="2066540"/>
-            <a:ext cx="236048" cy="173380"/>
-          </a:xfrm>
-          <a:prstGeom prst="flowChartDecision">
-            <a:avLst/>
-          </a:prstGeom>
-          <a:noFill/>
-          <a:ln w="19050">
-            <a:solidFill>
-              <a:srgbClr val="7030A0"/>
-            </a:solidFill>
-          </a:ln>
-          <a:effectLst/>
-        </p:spPr>
-        <p:style>
-          <a:lnRef idx="1">
-            <a:schemeClr val="accent6"/>
-          </a:lnRef>
-          <a:fillRef idx="2">
-            <a:schemeClr val="accent6"/>
-          </a:fillRef>
-          <a:effectRef idx="1">
-            <a:schemeClr val="accent6"/>
-          </a:effectRef>
-          <a:fontRef idx="minor">
-            <a:schemeClr val="dk1"/>
-          </a:fontRef>
-        </p:style>
-        <p:txBody>
-          <a:bodyPr rtlCol="0" anchor="ctr"/>
-          <a:lstStyle/>
-          <a:p>
-            <a:pPr algn="ctr"/>
-            <a:endParaRPr lang="en-US" sz="1050"/>
-          </a:p>
-        </p:txBody>
-      </p:sp>
       <p:cxnSp>
         <p:nvCxnSpPr>
-          <p:cNvPr id="69" name="Elbow Connector 68"/>
+          <p:cNvPr id="81" name="Elbow Connector 80"/>
           <p:cNvCxnSpPr>
-            <a:stCxn id="68" idx="3"/>
-            <a:endCxn id="67" idx="1"/>
+            <a:cxnSpLocks/>
+            <a:stCxn id="78" idx="3"/>
+            <a:endCxn id="80" idx="1"/>
           </p:cNvCxnSpPr>
           <p:nvPr/>
         </p:nvCxnSpPr>
         <p:spPr>
-          <a:xfrm rot="5400000" flipH="1" flipV="1">
-            <a:off x="5161650" y="1860752"/>
-            <a:ext cx="52494" cy="296415"/>
-          </a:xfrm>
-          <a:prstGeom prst="bentConnector2">
+          <a:xfrm flipV="1">
+            <a:off x="6592173" y="1589156"/>
+            <a:ext cx="385078" cy="384107"/>
+          </a:xfrm>
+          <a:prstGeom prst="bentConnector3">
             <a:avLst/>
           </a:prstGeom>
           <a:ln w="19050">
@@ -4721,14 +4981,14 @@
       </p:cxnSp>
       <p:sp>
         <p:nvSpPr>
-          <p:cNvPr id="72" name="Rectangle 8"/>
+          <p:cNvPr id="83" name="Rectangle 8"/>
           <p:cNvSpPr/>
           <p:nvPr/>
         </p:nvSpPr>
         <p:spPr>
           <a:xfrm>
-            <a:off x="5128257" y="3429000"/>
-            <a:ext cx="1156969" cy="346760"/>
+            <a:off x="8162708" y="1937170"/>
+            <a:ext cx="846022" cy="243705"/>
           </a:xfrm>
           <a:prstGeom prst="rect">
             <a:avLst/>
@@ -4760,27 +5020,12 @@
           <a:p>
             <a:pPr algn="ctr"/>
             <a:r>
-              <a:rPr lang="en-US" sz="1050" dirty="0" smtClean="0">
+              <a:rPr lang="en-US" sz="1050" dirty="0">
                 <a:solidFill>
                   <a:srgbClr val="7030A0"/>
                 </a:solidFill>
               </a:rPr>
-              <a:t>&lt;&lt;interface&gt;&gt;</a:t>
-            </a:r>
-            <a:br>
-              <a:rPr lang="en-US" sz="1050" dirty="0" smtClean="0">
-                <a:solidFill>
-                  <a:srgbClr val="7030A0"/>
-                </a:solidFill>
-              </a:rPr>
-            </a:br>
-            <a:r>
-              <a:rPr lang="en-US" sz="1050" dirty="0" err="1" smtClean="0">
-                <a:solidFill>
-                  <a:srgbClr val="7030A0"/>
-                </a:solidFill>
-              </a:rPr>
-              <a:t>ReadOnlyPerson</a:t>
+              <a:t>Name</a:t>
             </a:r>
             <a:endParaRPr lang="en-SG" sz="1050" dirty="0">
               <a:solidFill>
@@ -4792,14 +5037,14 @@
       </p:sp>
       <p:sp>
         <p:nvSpPr>
-          <p:cNvPr id="76" name="Rectangle 8"/>
+          <p:cNvPr id="85" name="Rectangle 8"/>
           <p:cNvSpPr/>
           <p:nvPr/>
         </p:nvSpPr>
         <p:spPr>
           <a:xfrm>
-            <a:off x="7712397" y="2564238"/>
-            <a:ext cx="708186" cy="285783"/>
+            <a:off x="8142592" y="2445597"/>
+            <a:ext cx="846022" cy="243704"/>
           </a:xfrm>
           <a:prstGeom prst="rect">
             <a:avLst/>
@@ -4831,12 +5076,12 @@
           <a:p>
             <a:pPr algn="ctr"/>
             <a:r>
-              <a:rPr lang="en-US" sz="1050" dirty="0" smtClean="0">
+              <a:rPr lang="en-US" sz="1050" dirty="0">
                 <a:solidFill>
                   <a:srgbClr val="7030A0"/>
                 </a:solidFill>
               </a:rPr>
-              <a:t>Name</a:t>
+              <a:t>Description</a:t>
             </a:r>
             <a:endParaRPr lang="en-SG" sz="1050" dirty="0">
               <a:solidFill>
@@ -4846,76 +5091,31 @@
           </a:p>
         </p:txBody>
       </p:sp>
-      <p:sp>
-        <p:nvSpPr>
-          <p:cNvPr id="78" name="Flowchart: Decision 96"/>
-          <p:cNvSpPr/>
+      <p:cxnSp>
+        <p:nvCxnSpPr>
+          <p:cNvPr id="97" name="Elbow Connector 63"/>
+          <p:cNvCxnSpPr>
+            <a:stCxn id="99" idx="3"/>
+          </p:cNvCxnSpPr>
           <p:nvPr/>
-        </p:nvSpPr>
-        <p:spPr>
-          <a:xfrm>
-            <a:off x="7041947" y="2948201"/>
-            <a:ext cx="236048" cy="173380"/>
-          </a:xfrm>
-          <a:prstGeom prst="flowChartDecision">
-            <a:avLst/>
-          </a:prstGeom>
-          <a:solidFill>
-            <a:srgbClr val="7030A0"/>
-          </a:solidFill>
+        </p:nvCxnSpPr>
+        <p:spPr>
+          <a:xfrm rot="16200000" flipH="1">
+            <a:off x="2600218" y="1761506"/>
+            <a:ext cx="293825" cy="1"/>
+          </a:xfrm>
+          <a:prstGeom prst="bentConnector3">
+            <a:avLst>
+              <a:gd name="adj1" fmla="val 50000"/>
+            </a:avLst>
+          </a:prstGeom>
           <a:ln w="19050">
             <a:solidFill>
               <a:srgbClr val="7030A0"/>
             </a:solidFill>
-          </a:ln>
-          <a:effectLst/>
-        </p:spPr>
-        <p:style>
-          <a:lnRef idx="1">
-            <a:schemeClr val="accent6"/>
-          </a:lnRef>
-          <a:fillRef idx="2">
-            <a:schemeClr val="accent6"/>
-          </a:fillRef>
-          <a:effectRef idx="1">
-            <a:schemeClr val="accent6"/>
-          </a:effectRef>
-          <a:fontRef idx="minor">
-            <a:schemeClr val="dk1"/>
-          </a:fontRef>
-        </p:style>
-        <p:txBody>
-          <a:bodyPr rtlCol="0" anchor="ctr"/>
-          <a:lstStyle/>
-          <a:p>
-            <a:pPr algn="ctr"/>
-            <a:endParaRPr lang="en-US" sz="1050"/>
-          </a:p>
-        </p:txBody>
-      </p:sp>
-      <p:cxnSp>
-        <p:nvCxnSpPr>
-          <p:cNvPr id="79" name="Elbow Connector 78"/>
-          <p:cNvCxnSpPr>
-            <a:stCxn id="78" idx="3"/>
-            <a:endCxn id="76" idx="1"/>
-          </p:cNvCxnSpPr>
-          <p:nvPr/>
-        </p:nvCxnSpPr>
-        <p:spPr>
-          <a:xfrm flipV="1">
-            <a:off x="7277995" y="2707130"/>
-            <a:ext cx="434402" cy="327761"/>
-          </a:xfrm>
-          <a:prstGeom prst="bentConnector3">
-            <a:avLst/>
-          </a:prstGeom>
-          <a:ln w="19050">
-            <a:solidFill>
-              <a:srgbClr val="7030A0"/>
-            </a:solidFill>
+            <a:prstDash val="sysDot"/>
             <a:headEnd type="none" w="med" len="med"/>
-            <a:tailEnd type="arrow" w="med" len="med"/>
+            <a:tailEnd type="none" w="med" len="med"/>
           </a:ln>
           <a:effectLst/>
         </p:spPr>
@@ -4936,16 +5136,16 @@
       </p:cxnSp>
       <p:sp>
         <p:nvSpPr>
-          <p:cNvPr id="80" name="Rectangle 8"/>
+          <p:cNvPr id="99" name="Isosceles Triangle 102"/>
           <p:cNvSpPr/>
           <p:nvPr/>
         </p:nvSpPr>
         <p:spPr>
-          <a:xfrm>
-            <a:off x="7712397" y="2887216"/>
-            <a:ext cx="708186" cy="285783"/>
-          </a:xfrm>
-          <a:prstGeom prst="rect">
+          <a:xfrm rot="10800000" flipV="1">
+            <a:off x="2611878" y="1439072"/>
+            <a:ext cx="270504" cy="175523"/>
+          </a:xfrm>
+          <a:prstGeom prst="triangle">
             <a:avLst/>
           </a:prstGeom>
           <a:ln w="19050">
@@ -4974,73 +5174,24 @@
           <a:lstStyle/>
           <a:p>
             <a:pPr algn="ctr"/>
-            <a:r>
-              <a:rPr lang="en-US" sz="1050" dirty="0" smtClean="0">
-                <a:solidFill>
-                  <a:srgbClr val="7030A0"/>
-                </a:solidFill>
-              </a:rPr>
-              <a:t>Phone</a:t>
-            </a:r>
-            <a:endParaRPr lang="en-SG" sz="1050" dirty="0">
+            <a:endParaRPr lang="en-SG" sz="1050" b="1">
               <a:solidFill>
-                <a:srgbClr val="7030A0"/>
+                <a:srgbClr val="92D050"/>
               </a:solidFill>
             </a:endParaRPr>
           </a:p>
         </p:txBody>
       </p:sp>
-      <p:cxnSp>
-        <p:nvCxnSpPr>
-          <p:cNvPr id="81" name="Elbow Connector 80"/>
-          <p:cNvCxnSpPr>
-            <a:stCxn id="78" idx="3"/>
-            <a:endCxn id="80" idx="1"/>
-          </p:cNvCxnSpPr>
-          <p:nvPr/>
-        </p:nvCxnSpPr>
-        <p:spPr>
-          <a:xfrm flipV="1">
-            <a:off x="7277995" y="3030108"/>
-            <a:ext cx="434402" cy="4783"/>
-          </a:xfrm>
-          <a:prstGeom prst="bentConnector3">
-            <a:avLst/>
-          </a:prstGeom>
-          <a:ln w="19050">
-            <a:solidFill>
-              <a:srgbClr val="7030A0"/>
-            </a:solidFill>
-            <a:headEnd type="none" w="med" len="med"/>
-            <a:tailEnd type="arrow" w="med" len="med"/>
-          </a:ln>
-          <a:effectLst/>
-        </p:spPr>
-        <p:style>
-          <a:lnRef idx="1">
-            <a:schemeClr val="accent2"/>
-          </a:lnRef>
-          <a:fillRef idx="2">
-            <a:schemeClr val="accent2"/>
-          </a:fillRef>
-          <a:effectRef idx="1">
-            <a:schemeClr val="accent2"/>
-          </a:effectRef>
-          <a:fontRef idx="minor">
-            <a:schemeClr val="dk1"/>
-          </a:fontRef>
-        </p:style>
-      </p:cxnSp>
-      <p:sp>
-        <p:nvSpPr>
-          <p:cNvPr id="83" name="Rectangle 8"/>
+      <p:sp>
+        <p:nvSpPr>
+          <p:cNvPr id="100" name="Rectangle 8"/>
           <p:cNvSpPr/>
           <p:nvPr/>
         </p:nvSpPr>
         <p:spPr>
           <a:xfrm>
-            <a:off x="7712397" y="3210194"/>
-            <a:ext cx="708186" cy="285783"/>
+            <a:off x="1981200" y="1082545"/>
+            <a:ext cx="1539926" cy="346760"/>
           </a:xfrm>
           <a:prstGeom prst="rect">
             <a:avLst/>
@@ -5072,12 +5223,27 @@
           <a:p>
             <a:pPr algn="ctr"/>
             <a:r>
-              <a:rPr lang="en-US" sz="1050" dirty="0" smtClean="0">
+              <a:rPr lang="en-US" sz="1050" dirty="0">
                 <a:solidFill>
                   <a:srgbClr val="7030A0"/>
                 </a:solidFill>
               </a:rPr>
-              <a:t>Email</a:t>
+              <a:t>&lt;&lt;interface&gt;&gt;</a:t>
+            </a:r>
+            <a:br>
+              <a:rPr lang="en-US" sz="1050" dirty="0">
+                <a:solidFill>
+                  <a:srgbClr val="7030A0"/>
+                </a:solidFill>
+              </a:rPr>
+            </a:br>
+            <a:r>
+              <a:rPr lang="en-US" sz="1050" dirty="0" err="1">
+                <a:solidFill>
+                  <a:srgbClr val="7030A0"/>
+                </a:solidFill>
+              </a:rPr>
+              <a:t>ReadOnlyUserInbox</a:t>
             </a:r>
             <a:endParaRPr lang="en-SG" sz="1050" dirty="0">
               <a:solidFill>
@@ -5087,57 +5253,16 @@
           </a:p>
         </p:txBody>
       </p:sp>
-      <p:cxnSp>
-        <p:nvCxnSpPr>
-          <p:cNvPr id="84" name="Elbow Connector 83"/>
-          <p:cNvCxnSpPr>
-            <a:stCxn id="78" idx="3"/>
-            <a:endCxn id="83" idx="1"/>
-          </p:cNvCxnSpPr>
-          <p:nvPr/>
-        </p:nvCxnSpPr>
-        <p:spPr>
-          <a:xfrm>
-            <a:off x="7277995" y="3034891"/>
-            <a:ext cx="434402" cy="318195"/>
-          </a:xfrm>
-          <a:prstGeom prst="bentConnector3">
-            <a:avLst/>
-          </a:prstGeom>
-          <a:ln w="19050">
-            <a:solidFill>
-              <a:srgbClr val="7030A0"/>
-            </a:solidFill>
-            <a:headEnd type="none" w="med" len="med"/>
-            <a:tailEnd type="arrow" w="med" len="med"/>
-          </a:ln>
-          <a:effectLst/>
-        </p:spPr>
-        <p:style>
-          <a:lnRef idx="1">
-            <a:schemeClr val="accent2"/>
-          </a:lnRef>
-          <a:fillRef idx="2">
-            <a:schemeClr val="accent2"/>
-          </a:fillRef>
-          <a:effectRef idx="1">
-            <a:schemeClr val="accent2"/>
-          </a:effectRef>
-          <a:fontRef idx="minor">
-            <a:schemeClr val="dk1"/>
-          </a:fontRef>
-        </p:style>
-      </p:cxnSp>
-      <p:sp>
-        <p:nvSpPr>
-          <p:cNvPr id="85" name="Rectangle 8"/>
+      <p:sp>
+        <p:nvSpPr>
+          <p:cNvPr id="122" name="Rectangle 8"/>
           <p:cNvSpPr/>
           <p:nvPr/>
         </p:nvSpPr>
         <p:spPr>
           <a:xfrm>
-            <a:off x="7712397" y="3533171"/>
-            <a:ext cx="708186" cy="285783"/>
+            <a:off x="1378297" y="3515566"/>
+            <a:ext cx="1775949" cy="346760"/>
           </a:xfrm>
           <a:prstGeom prst="rect">
             <a:avLst/>
@@ -5169,318 +5294,12 @@
           <a:p>
             <a:pPr algn="ctr"/>
             <a:r>
-              <a:rPr lang="en-US" sz="1050" dirty="0" smtClean="0">
-                <a:solidFill>
-                  <a:srgbClr val="7030A0"/>
-                </a:solidFill>
-              </a:rPr>
-              <a:t>Address</a:t>
-            </a:r>
-            <a:endParaRPr lang="en-SG" sz="1050" dirty="0">
-              <a:solidFill>
-                <a:srgbClr val="7030A0"/>
-              </a:solidFill>
-            </a:endParaRPr>
-          </a:p>
-        </p:txBody>
-      </p:sp>
-      <p:cxnSp>
-        <p:nvCxnSpPr>
-          <p:cNvPr id="86" name="Elbow Connector 85"/>
-          <p:cNvCxnSpPr>
-            <a:stCxn id="78" idx="3"/>
-            <a:endCxn id="85" idx="1"/>
-          </p:cNvCxnSpPr>
-          <p:nvPr/>
-        </p:nvCxnSpPr>
-        <p:spPr>
-          <a:xfrm>
-            <a:off x="7277995" y="3034891"/>
-            <a:ext cx="434402" cy="641172"/>
-          </a:xfrm>
-          <a:prstGeom prst="bentConnector3">
-            <a:avLst/>
-          </a:prstGeom>
-          <a:ln w="19050">
-            <a:solidFill>
-              <a:srgbClr val="7030A0"/>
-            </a:solidFill>
-            <a:headEnd type="none" w="med" len="med"/>
-            <a:tailEnd type="arrow" w="med" len="med"/>
-          </a:ln>
-          <a:effectLst/>
-        </p:spPr>
-        <p:style>
-          <a:lnRef idx="1">
-            <a:schemeClr val="accent2"/>
-          </a:lnRef>
-          <a:fillRef idx="2">
-            <a:schemeClr val="accent2"/>
-          </a:fillRef>
-          <a:effectRef idx="1">
-            <a:schemeClr val="accent2"/>
-          </a:effectRef>
-          <a:fontRef idx="minor">
-            <a:schemeClr val="dk1"/>
-          </a:fontRef>
-        </p:style>
-      </p:cxnSp>
-      <p:cxnSp>
-        <p:nvCxnSpPr>
-          <p:cNvPr id="97" name="Elbow Connector 63"/>
-          <p:cNvCxnSpPr>
-            <a:stCxn id="99" idx="3"/>
-          </p:cNvCxnSpPr>
-          <p:nvPr/>
-        </p:nvCxnSpPr>
-        <p:spPr>
-          <a:xfrm rot="16200000" flipH="1">
-            <a:off x="3279321" y="2485431"/>
-            <a:ext cx="293825" cy="1"/>
-          </a:xfrm>
-          <a:prstGeom prst="bentConnector3">
-            <a:avLst>
-              <a:gd name="adj1" fmla="val 50000"/>
-            </a:avLst>
-          </a:prstGeom>
-          <a:ln w="19050">
-            <a:solidFill>
-              <a:srgbClr val="7030A0"/>
-            </a:solidFill>
-            <a:prstDash val="sysDot"/>
-            <a:headEnd type="none" w="med" len="med"/>
-            <a:tailEnd type="none" w="med" len="med"/>
-          </a:ln>
-          <a:effectLst/>
-        </p:spPr>
-        <p:style>
-          <a:lnRef idx="1">
-            <a:schemeClr val="accent2"/>
-          </a:lnRef>
-          <a:fillRef idx="2">
-            <a:schemeClr val="accent2"/>
-          </a:fillRef>
-          <a:effectRef idx="1">
-            <a:schemeClr val="accent2"/>
-          </a:effectRef>
-          <a:fontRef idx="minor">
-            <a:schemeClr val="dk1"/>
-          </a:fontRef>
-        </p:style>
-      </p:cxnSp>
-      <p:sp>
-        <p:nvSpPr>
-          <p:cNvPr id="99" name="Isosceles Triangle 102"/>
-          <p:cNvSpPr/>
-          <p:nvPr/>
-        </p:nvSpPr>
-        <p:spPr>
-          <a:xfrm rot="10800000" flipV="1">
-            <a:off x="3290981" y="2162997"/>
-            <a:ext cx="270504" cy="175523"/>
-          </a:xfrm>
-          <a:prstGeom prst="triangle">
-            <a:avLst/>
-          </a:prstGeom>
-          <a:ln w="19050">
-            <a:solidFill>
-              <a:srgbClr val="7030A0"/>
-            </a:solidFill>
-          </a:ln>
-          <a:effectLst/>
-        </p:spPr>
-        <p:style>
-          <a:lnRef idx="1">
-            <a:schemeClr val="accent4"/>
-          </a:lnRef>
-          <a:fillRef idx="2">
-            <a:schemeClr val="accent4"/>
-          </a:fillRef>
-          <a:effectRef idx="1">
-            <a:schemeClr val="accent4"/>
-          </a:effectRef>
-          <a:fontRef idx="minor">
-            <a:schemeClr val="dk1"/>
-          </a:fontRef>
-        </p:style>
-        <p:txBody>
-          <a:bodyPr rtlCol="0" anchor="ctr"/>
-          <a:lstStyle/>
-          <a:p>
-            <a:pPr algn="ctr"/>
-            <a:endParaRPr lang="en-SG" sz="1050" b="1">
-              <a:solidFill>
-                <a:srgbClr val="92D050"/>
-              </a:solidFill>
-            </a:endParaRPr>
-          </a:p>
-        </p:txBody>
-      </p:sp>
-      <p:sp>
-        <p:nvSpPr>
-          <p:cNvPr id="100" name="Rectangle 8"/>
-          <p:cNvSpPr/>
-          <p:nvPr/>
-        </p:nvSpPr>
-        <p:spPr>
-          <a:xfrm>
-            <a:off x="2660303" y="1806470"/>
-            <a:ext cx="1539926" cy="346760"/>
-          </a:xfrm>
-          <a:prstGeom prst="rect">
-            <a:avLst/>
-          </a:prstGeom>
-          <a:ln w="19050">
-            <a:solidFill>
-              <a:srgbClr val="7030A0"/>
-            </a:solidFill>
-          </a:ln>
-          <a:effectLst/>
-        </p:spPr>
-        <p:style>
-          <a:lnRef idx="1">
-            <a:schemeClr val="accent4"/>
-          </a:lnRef>
-          <a:fillRef idx="2">
-            <a:schemeClr val="accent4"/>
-          </a:fillRef>
-          <a:effectRef idx="1">
-            <a:schemeClr val="accent4"/>
-          </a:effectRef>
-          <a:fontRef idx="minor">
-            <a:schemeClr val="dk1"/>
-          </a:fontRef>
-        </p:style>
-        <p:txBody>
-          <a:bodyPr rtlCol="0" anchor="ctr"/>
-          <a:lstStyle/>
-          <a:p>
-            <a:pPr algn="ctr"/>
-            <a:r>
-              <a:rPr lang="en-US" sz="1050" dirty="0" smtClean="0">
+              <a:rPr lang="en-US" sz="1050" dirty="0">
                 <a:solidFill>
                   <a:srgbClr val="7030A0"/>
                 </a:solidFill>
               </a:rPr>
               <a:t>&lt;&lt;interface&gt;&gt;</a:t>
-            </a:r>
-            <a:br>
-              <a:rPr lang="en-US" sz="1050" dirty="0" smtClean="0">
-                <a:solidFill>
-                  <a:srgbClr val="7030A0"/>
-                </a:solidFill>
-              </a:rPr>
-            </a:br>
-            <a:r>
-              <a:rPr lang="en-US" sz="1050" dirty="0" err="1" smtClean="0">
-                <a:solidFill>
-                  <a:srgbClr val="7030A0"/>
-                </a:solidFill>
-              </a:rPr>
-              <a:t>ReadOnlyAddressBook</a:t>
-            </a:r>
-            <a:endParaRPr lang="en-SG" sz="1050" dirty="0">
-              <a:solidFill>
-                <a:srgbClr val="7030A0"/>
-              </a:solidFill>
-            </a:endParaRPr>
-          </a:p>
-        </p:txBody>
-      </p:sp>
-      <p:sp>
-        <p:nvSpPr>
-          <p:cNvPr id="114" name="TextBox 113"/>
-          <p:cNvSpPr txBox="1"/>
-          <p:nvPr/>
-        </p:nvSpPr>
-        <p:spPr>
-          <a:xfrm rot="16200000">
-            <a:off x="6527512" y="3586305"/>
-            <a:ext cx="881018" cy="261610"/>
-          </a:xfrm>
-          <a:prstGeom prst="rect">
-            <a:avLst/>
-          </a:prstGeom>
-          <a:noFill/>
-        </p:spPr>
-        <p:txBody>
-          <a:bodyPr wrap="square" rtlCol="0">
-            <a:spAutoFit/>
-          </a:bodyPr>
-          <a:lstStyle/>
-          <a:p>
-            <a:pPr algn="r"/>
-            <a:r>
-              <a:rPr lang="en-US" sz="1100" dirty="0" smtClean="0">
-                <a:solidFill>
-                  <a:srgbClr val="7030A0"/>
-                </a:solidFill>
-              </a:rPr>
-              <a:t>filtered list</a:t>
-            </a:r>
-            <a:endParaRPr lang="en-SG" sz="1100" dirty="0">
-              <a:solidFill>
-                <a:srgbClr val="7030A0"/>
-              </a:solidFill>
-            </a:endParaRPr>
-          </a:p>
-        </p:txBody>
-      </p:sp>
-      <p:sp>
-        <p:nvSpPr>
-          <p:cNvPr id="122" name="Rectangle 8"/>
-          <p:cNvSpPr/>
-          <p:nvPr/>
-        </p:nvSpPr>
-        <p:spPr>
-          <a:xfrm>
-            <a:off x="2057400" y="4239491"/>
-            <a:ext cx="1775949" cy="346760"/>
-          </a:xfrm>
-          <a:prstGeom prst="rect">
-            <a:avLst/>
-          </a:prstGeom>
-          <a:ln w="19050">
-            <a:solidFill>
-              <a:srgbClr val="7030A0"/>
-            </a:solidFill>
-          </a:ln>
-          <a:effectLst/>
-        </p:spPr>
-        <p:style>
-          <a:lnRef idx="1">
-            <a:schemeClr val="accent4"/>
-          </a:lnRef>
-          <a:fillRef idx="2">
-            <a:schemeClr val="accent4"/>
-          </a:fillRef>
-          <a:effectRef idx="1">
-            <a:schemeClr val="accent4"/>
-          </a:effectRef>
-          <a:fontRef idx="minor">
-            <a:schemeClr val="dk1"/>
-          </a:fontRef>
-        </p:style>
-        <p:txBody>
-          <a:bodyPr rtlCol="0" anchor="ctr"/>
-          <a:lstStyle/>
-          <a:p>
-            <a:pPr algn="ctr"/>
-            <a:r>
-              <a:rPr lang="en-US" sz="1050" dirty="0" smtClean="0">
-                <a:solidFill>
-                  <a:srgbClr val="7030A0"/>
-                </a:solidFill>
-              </a:rPr>
-              <a:t>&lt;&lt;interface&gt;&gt;</a:t>
-            </a:r>
-            <a:r>
-              <a:rPr lang="en-US" sz="1050" dirty="0">
-                <a:solidFill>
-                  <a:srgbClr val="7030A0"/>
-                </a:solidFill>
-              </a:rPr>
-              <a:t/>
             </a:r>
             <a:br>
               <a:rPr lang="en-US" sz="1050" dirty="0">
@@ -5490,7 +5309,7 @@
               </a:rPr>
             </a:br>
             <a:r>
-              <a:rPr lang="en-US" sz="1050" dirty="0" err="1" smtClean="0">
+              <a:rPr lang="en-US" sz="1050" dirty="0" err="1">
                 <a:solidFill>
                   <a:srgbClr val="7030A0"/>
                 </a:solidFill>
@@ -5516,7 +5335,7 @@
         </p:nvCxnSpPr>
         <p:spPr>
           <a:xfrm rot="16200000" flipH="1">
-            <a:off x="1364475" y="3719945"/>
+            <a:off x="685372" y="2996020"/>
             <a:ext cx="831471" cy="554380"/>
           </a:xfrm>
           <a:prstGeom prst="bentConnector2">
@@ -5558,8 +5377,8 @@
         </p:nvCxnSpPr>
         <p:spPr>
           <a:xfrm rot="16200000" flipV="1">
-            <a:off x="5948976" y="2139271"/>
-            <a:ext cx="404117" cy="1033473"/>
+            <a:off x="5438086" y="1247132"/>
+            <a:ext cx="67690" cy="1033473"/>
           </a:xfrm>
           <a:prstGeom prst="bentConnector2">
             <a:avLst/>
@@ -5596,7 +5415,7 @@
         </p:nvSpPr>
         <p:spPr>
           <a:xfrm>
-            <a:off x="4324972" y="2191228"/>
+            <a:off x="3645869" y="1467303"/>
             <a:ext cx="189257" cy="178683"/>
           </a:xfrm>
           <a:prstGeom prst="rect">
@@ -5612,7 +5431,7 @@
           <a:p>
             <a:pPr algn="ctr"/>
             <a:r>
-              <a:rPr lang="en-US" sz="1100" dirty="0" smtClean="0">
+              <a:rPr lang="en-US" sz="1100" dirty="0">
                 <a:solidFill>
                   <a:srgbClr val="7030A0"/>
                 </a:solidFill>
@@ -5635,7 +5454,7 @@
         </p:nvSpPr>
         <p:spPr>
           <a:xfrm>
-            <a:off x="4324972" y="3058864"/>
+            <a:off x="3645869" y="2334939"/>
             <a:ext cx="189257" cy="178683"/>
           </a:xfrm>
           <a:prstGeom prst="rect">
@@ -5651,7 +5470,7 @@
           <a:p>
             <a:pPr algn="ctr"/>
             <a:r>
-              <a:rPr lang="en-US" sz="1100" dirty="0" smtClean="0">
+              <a:rPr lang="en-US" sz="1100" dirty="0">
                 <a:solidFill>
                   <a:srgbClr val="7030A0"/>
                 </a:solidFill>
@@ -5674,7 +5493,7 @@
         </p:nvSpPr>
         <p:spPr>
           <a:xfrm>
-            <a:off x="5689761" y="2495413"/>
+            <a:off x="5010658" y="1771488"/>
             <a:ext cx="189257" cy="178683"/>
           </a:xfrm>
           <a:prstGeom prst="rect">
@@ -5690,7 +5509,7 @@
           <a:p>
             <a:pPr algn="ctr"/>
             <a:r>
-              <a:rPr lang="en-US" sz="1100" dirty="0" smtClean="0">
+              <a:rPr lang="en-US" sz="1100" dirty="0">
                 <a:solidFill>
                   <a:srgbClr val="7030A0"/>
                 </a:solidFill>
@@ -5713,7 +5532,7 @@
         </p:nvSpPr>
         <p:spPr>
           <a:xfrm>
-            <a:off x="5163172" y="1778919"/>
+            <a:off x="4484069" y="1054994"/>
             <a:ext cx="189257" cy="178683"/>
           </a:xfrm>
           <a:prstGeom prst="rect">
@@ -5729,7 +5548,7 @@
           <a:p>
             <a:pPr algn="ctr"/>
             <a:r>
-              <a:rPr lang="en-US" sz="1100" dirty="0" smtClean="0">
+              <a:rPr lang="en-US" sz="1100" dirty="0">
                 <a:solidFill>
                   <a:srgbClr val="7030A0"/>
                 </a:solidFill>
@@ -5752,7 +5571,7 @@
         </p:nvSpPr>
         <p:spPr>
           <a:xfrm>
-            <a:off x="6135256" y="3097917"/>
+            <a:off x="5475395" y="2018996"/>
             <a:ext cx="189257" cy="178683"/>
           </a:xfrm>
           <a:prstGeom prst="rect">
@@ -5768,7 +5587,7 @@
           <a:p>
             <a:pPr algn="ctr"/>
             <a:r>
-              <a:rPr lang="en-US" sz="1100" dirty="0" smtClean="0">
+              <a:rPr lang="en-US" sz="1100" dirty="0">
                 <a:solidFill>
                   <a:srgbClr val="7030A0"/>
                 </a:solidFill>
@@ -5791,7 +5610,7 @@
         </p:nvSpPr>
         <p:spPr>
           <a:xfrm>
-            <a:off x="2687923" y="2564238"/>
+            <a:off x="2008820" y="1840313"/>
             <a:ext cx="189257" cy="178683"/>
           </a:xfrm>
           <a:prstGeom prst="rect">
@@ -5807,7 +5626,7 @@
           <a:p>
             <a:pPr algn="ctr"/>
             <a:r>
-              <a:rPr lang="en-US" sz="1100" dirty="0" smtClean="0">
+              <a:rPr lang="en-US" sz="1100" dirty="0">
                 <a:solidFill>
                   <a:srgbClr val="7030A0"/>
                 </a:solidFill>
@@ -5830,7 +5649,7 @@
         </p:nvSpPr>
         <p:spPr>
           <a:xfrm>
-            <a:off x="2656370" y="3386050"/>
+            <a:off x="1977267" y="2662125"/>
             <a:ext cx="189257" cy="178683"/>
           </a:xfrm>
           <a:prstGeom prst="rect">
@@ -5846,7 +5665,7 @@
           <a:p>
             <a:pPr algn="ctr"/>
             <a:r>
-              <a:rPr lang="en-US" sz="1100" dirty="0" smtClean="0">
+              <a:rPr lang="en-US" sz="1100" dirty="0">
                 <a:solidFill>
                   <a:srgbClr val="7030A0"/>
                 </a:solidFill>
@@ -5869,7 +5688,7 @@
         </p:nvSpPr>
         <p:spPr>
           <a:xfrm>
-            <a:off x="6667770" y="3210194"/>
+            <a:off x="5791095" y="3035810"/>
             <a:ext cx="189257" cy="178683"/>
           </a:xfrm>
           <a:prstGeom prst="rect">
@@ -5885,7 +5704,7 @@
           <a:p>
             <a:pPr algn="ctr"/>
             <a:r>
-              <a:rPr lang="en-US" sz="1100" dirty="0" smtClean="0">
+              <a:rPr lang="en-US" sz="1100" dirty="0">
                 <a:solidFill>
                   <a:srgbClr val="7030A0"/>
                 </a:solidFill>
@@ -5900,6 +5719,1526 @@
           </a:p>
         </p:txBody>
       </p:sp>
+      <p:sp>
+        <p:nvSpPr>
+          <p:cNvPr id="55" name="Rectangle 8"/>
+          <p:cNvSpPr/>
+          <p:nvPr/>
+        </p:nvSpPr>
+        <p:spPr>
+          <a:xfrm>
+            <a:off x="3807155" y="2655470"/>
+            <a:ext cx="1156969" cy="346760"/>
+          </a:xfrm>
+          <a:prstGeom prst="rect">
+            <a:avLst/>
+          </a:prstGeom>
+          <a:ln w="19050">
+            <a:solidFill>
+              <a:srgbClr val="7030A0"/>
+            </a:solidFill>
+          </a:ln>
+          <a:effectLst/>
+        </p:spPr>
+        <p:style>
+          <a:lnRef idx="1">
+            <a:schemeClr val="accent4"/>
+          </a:lnRef>
+          <a:fillRef idx="2">
+            <a:schemeClr val="accent4"/>
+          </a:fillRef>
+          <a:effectRef idx="1">
+            <a:schemeClr val="accent4"/>
+          </a:effectRef>
+          <a:fontRef idx="minor">
+            <a:schemeClr val="dk1"/>
+          </a:fontRef>
+        </p:style>
+        <p:txBody>
+          <a:bodyPr rtlCol="0" anchor="ctr"/>
+          <a:lstStyle/>
+          <a:p>
+            <a:pPr algn="ctr"/>
+            <a:r>
+              <a:rPr lang="en-US" sz="1050" dirty="0" err="1">
+                <a:solidFill>
+                  <a:srgbClr val="7030A0"/>
+                </a:solidFill>
+              </a:rPr>
+              <a:t>UniqueEventList</a:t>
+            </a:r>
+            <a:endParaRPr lang="en-SG" sz="1050" dirty="0">
+              <a:solidFill>
+                <a:srgbClr val="7030A0"/>
+              </a:solidFill>
+            </a:endParaRPr>
+          </a:p>
+        </p:txBody>
+      </p:sp>
+      <p:cxnSp>
+        <p:nvCxnSpPr>
+          <p:cNvPr id="73" name="Elbow Connector 29"/>
+          <p:cNvCxnSpPr>
+            <a:cxnSpLocks/>
+            <a:endCxn id="55" idx="1"/>
+          </p:cNvCxnSpPr>
+          <p:nvPr/>
+        </p:nvCxnSpPr>
+        <p:spPr>
+          <a:xfrm rot="16200000" flipH="1">
+            <a:off x="3344746" y="2366441"/>
+            <a:ext cx="792094" cy="132723"/>
+          </a:xfrm>
+          <a:prstGeom prst="bentConnector2">
+            <a:avLst/>
+          </a:prstGeom>
+          <a:ln w="19050">
+            <a:solidFill>
+              <a:srgbClr val="7030A0"/>
+            </a:solidFill>
+            <a:headEnd type="none" w="med" len="med"/>
+            <a:tailEnd type="arrow" w="med" len="med"/>
+          </a:ln>
+          <a:effectLst/>
+        </p:spPr>
+        <p:style>
+          <a:lnRef idx="1">
+            <a:schemeClr val="accent2"/>
+          </a:lnRef>
+          <a:fillRef idx="2">
+            <a:schemeClr val="accent2"/>
+          </a:fillRef>
+          <a:effectRef idx="1">
+            <a:schemeClr val="accent2"/>
+          </a:effectRef>
+          <a:fontRef idx="minor">
+            <a:schemeClr val="dk1"/>
+          </a:fontRef>
+        </p:style>
+      </p:cxnSp>
+      <p:sp>
+        <p:nvSpPr>
+          <p:cNvPr id="74" name="TextBox 73"/>
+          <p:cNvSpPr txBox="1"/>
+          <p:nvPr/>
+        </p:nvSpPr>
+        <p:spPr>
+          <a:xfrm>
+            <a:off x="3645869" y="2892248"/>
+            <a:ext cx="189257" cy="178683"/>
+          </a:xfrm>
+          <a:prstGeom prst="rect">
+            <a:avLst/>
+          </a:prstGeom>
+          <a:noFill/>
+        </p:spPr>
+        <p:txBody>
+          <a:bodyPr wrap="square" lIns="0" tIns="0" rIns="0" bIns="0" rtlCol="0">
+            <a:noAutofit/>
+          </a:bodyPr>
+          <a:lstStyle/>
+          <a:p>
+            <a:pPr algn="ctr"/>
+            <a:r>
+              <a:rPr lang="en-US" sz="1100" dirty="0">
+                <a:solidFill>
+                  <a:srgbClr val="7030A0"/>
+                </a:solidFill>
+              </a:rPr>
+              <a:t>1</a:t>
+            </a:r>
+            <a:endParaRPr lang="en-SG" sz="1100" dirty="0">
+              <a:solidFill>
+                <a:srgbClr val="7030A0"/>
+              </a:solidFill>
+            </a:endParaRPr>
+          </a:p>
+        </p:txBody>
+      </p:sp>
+      <p:sp>
+        <p:nvSpPr>
+          <p:cNvPr id="77" name="Flowchart: Decision 96"/>
+          <p:cNvSpPr/>
+          <p:nvPr/>
+        </p:nvSpPr>
+        <p:spPr>
+          <a:xfrm>
+            <a:off x="4976371" y="2728053"/>
+            <a:ext cx="236048" cy="173380"/>
+          </a:xfrm>
+          <a:prstGeom prst="flowChartDecision">
+            <a:avLst/>
+          </a:prstGeom>
+          <a:noFill/>
+          <a:ln w="19050">
+            <a:solidFill>
+              <a:srgbClr val="7030A0"/>
+            </a:solidFill>
+          </a:ln>
+          <a:effectLst/>
+        </p:spPr>
+        <p:style>
+          <a:lnRef idx="1">
+            <a:schemeClr val="accent6"/>
+          </a:lnRef>
+          <a:fillRef idx="2">
+            <a:schemeClr val="accent6"/>
+          </a:fillRef>
+          <a:effectRef idx="1">
+            <a:schemeClr val="accent6"/>
+          </a:effectRef>
+          <a:fontRef idx="minor">
+            <a:schemeClr val="dk1"/>
+          </a:fontRef>
+        </p:style>
+        <p:txBody>
+          <a:bodyPr rtlCol="0" anchor="ctr"/>
+          <a:lstStyle/>
+          <a:p>
+            <a:pPr algn="ctr"/>
+            <a:endParaRPr lang="en-US" sz="1050" dirty="0"/>
+          </a:p>
+        </p:txBody>
+      </p:sp>
+      <p:cxnSp>
+        <p:nvCxnSpPr>
+          <p:cNvPr id="82" name="Elbow Connector 63"/>
+          <p:cNvCxnSpPr>
+            <a:stCxn id="77" idx="3"/>
+          </p:cNvCxnSpPr>
+          <p:nvPr/>
+        </p:nvCxnSpPr>
+        <p:spPr>
+          <a:xfrm>
+            <a:off x="5212419" y="2814743"/>
+            <a:ext cx="434402" cy="777"/>
+          </a:xfrm>
+          <a:prstGeom prst="bentConnector3">
+            <a:avLst/>
+          </a:prstGeom>
+          <a:ln w="19050">
+            <a:solidFill>
+              <a:srgbClr val="7030A0"/>
+            </a:solidFill>
+            <a:headEnd type="none" w="med" len="med"/>
+            <a:tailEnd type="arrow" w="med" len="med"/>
+          </a:ln>
+          <a:effectLst/>
+        </p:spPr>
+        <p:style>
+          <a:lnRef idx="1">
+            <a:schemeClr val="accent2"/>
+          </a:lnRef>
+          <a:fillRef idx="2">
+            <a:schemeClr val="accent2"/>
+          </a:fillRef>
+          <a:effectRef idx="1">
+            <a:schemeClr val="accent2"/>
+          </a:effectRef>
+          <a:fontRef idx="minor">
+            <a:schemeClr val="dk1"/>
+          </a:fontRef>
+        </p:style>
+      </p:cxnSp>
+      <p:sp>
+        <p:nvSpPr>
+          <p:cNvPr id="89" name="Rectangle 8"/>
+          <p:cNvSpPr/>
+          <p:nvPr/>
+        </p:nvSpPr>
+        <p:spPr>
+          <a:xfrm>
+            <a:off x="5634574" y="2655469"/>
+            <a:ext cx="708186" cy="346760"/>
+          </a:xfrm>
+          <a:prstGeom prst="rect">
+            <a:avLst/>
+          </a:prstGeom>
+          <a:ln w="19050">
+            <a:solidFill>
+              <a:srgbClr val="7030A0"/>
+            </a:solidFill>
+          </a:ln>
+          <a:effectLst/>
+        </p:spPr>
+        <p:style>
+          <a:lnRef idx="1">
+            <a:schemeClr val="accent4"/>
+          </a:lnRef>
+          <a:fillRef idx="2">
+            <a:schemeClr val="accent4"/>
+          </a:fillRef>
+          <a:effectRef idx="1">
+            <a:schemeClr val="accent4"/>
+          </a:effectRef>
+          <a:fontRef idx="minor">
+            <a:schemeClr val="dk1"/>
+          </a:fontRef>
+        </p:style>
+        <p:txBody>
+          <a:bodyPr rtlCol="0" anchor="ctr"/>
+          <a:lstStyle/>
+          <a:p>
+            <a:pPr algn="ctr"/>
+            <a:r>
+              <a:rPr lang="en-US" sz="1050" dirty="0">
+                <a:solidFill>
+                  <a:srgbClr val="7030A0"/>
+                </a:solidFill>
+              </a:rPr>
+              <a:t>Event</a:t>
+            </a:r>
+            <a:endParaRPr lang="en-SG" sz="1050" dirty="0">
+              <a:solidFill>
+                <a:srgbClr val="7030A0"/>
+              </a:solidFill>
+            </a:endParaRPr>
+          </a:p>
+        </p:txBody>
+      </p:sp>
+      <p:sp>
+        <p:nvSpPr>
+          <p:cNvPr id="90" name="Rectangle 8"/>
+          <p:cNvSpPr/>
+          <p:nvPr/>
+        </p:nvSpPr>
+        <p:spPr>
+          <a:xfrm>
+            <a:off x="3533213" y="478577"/>
+            <a:ext cx="1269625" cy="346760"/>
+          </a:xfrm>
+          <a:prstGeom prst="rect">
+            <a:avLst/>
+          </a:prstGeom>
+          <a:ln w="19050">
+            <a:solidFill>
+              <a:srgbClr val="7030A0"/>
+            </a:solidFill>
+          </a:ln>
+          <a:effectLst/>
+        </p:spPr>
+        <p:style>
+          <a:lnRef idx="1">
+            <a:schemeClr val="accent4"/>
+          </a:lnRef>
+          <a:fillRef idx="2">
+            <a:schemeClr val="accent4"/>
+          </a:fillRef>
+          <a:effectRef idx="1">
+            <a:schemeClr val="accent4"/>
+          </a:effectRef>
+          <a:fontRef idx="minor">
+            <a:schemeClr val="dk1"/>
+          </a:fontRef>
+        </p:style>
+        <p:txBody>
+          <a:bodyPr rtlCol="0" anchor="ctr"/>
+          <a:lstStyle/>
+          <a:p>
+            <a:pPr algn="ctr"/>
+            <a:r>
+              <a:rPr lang="en-US" sz="1050" dirty="0">
+                <a:solidFill>
+                  <a:srgbClr val="7030A0"/>
+                </a:solidFill>
+              </a:rPr>
+              <a:t>&lt;&lt;interface&gt;&gt;</a:t>
+            </a:r>
+            <a:br>
+              <a:rPr lang="en-US" sz="1050" dirty="0">
+                <a:solidFill>
+                  <a:srgbClr val="7030A0"/>
+                </a:solidFill>
+              </a:rPr>
+            </a:br>
+            <a:r>
+              <a:rPr lang="en-US" sz="1050" dirty="0" err="1">
+                <a:solidFill>
+                  <a:srgbClr val="7030A0"/>
+                </a:solidFill>
+              </a:rPr>
+              <a:t>ReadOnlyUserItem</a:t>
+            </a:r>
+            <a:endParaRPr lang="en-SG" sz="1050" dirty="0">
+              <a:solidFill>
+                <a:srgbClr val="7030A0"/>
+              </a:solidFill>
+            </a:endParaRPr>
+          </a:p>
+        </p:txBody>
+      </p:sp>
+      <p:sp>
+        <p:nvSpPr>
+          <p:cNvPr id="91" name="Isosceles Triangle 102"/>
+          <p:cNvSpPr/>
+          <p:nvPr/>
+        </p:nvSpPr>
+        <p:spPr>
+          <a:xfrm rot="5400000" flipV="1">
+            <a:off x="4754238" y="568168"/>
+            <a:ext cx="270504" cy="149272"/>
+          </a:xfrm>
+          <a:prstGeom prst="triangle">
+            <a:avLst/>
+          </a:prstGeom>
+          <a:solidFill>
+            <a:srgbClr val="7030A0"/>
+          </a:solidFill>
+          <a:ln w="19050">
+            <a:solidFill>
+              <a:srgbClr val="7030A0"/>
+            </a:solidFill>
+          </a:ln>
+          <a:effectLst/>
+        </p:spPr>
+        <p:style>
+          <a:lnRef idx="1">
+            <a:schemeClr val="accent4"/>
+          </a:lnRef>
+          <a:fillRef idx="2">
+            <a:schemeClr val="accent4"/>
+          </a:fillRef>
+          <a:effectRef idx="1">
+            <a:schemeClr val="accent4"/>
+          </a:effectRef>
+          <a:fontRef idx="minor">
+            <a:schemeClr val="dk1"/>
+          </a:fontRef>
+        </p:style>
+        <p:txBody>
+          <a:bodyPr rtlCol="0" anchor="ctr"/>
+          <a:lstStyle/>
+          <a:p>
+            <a:pPr algn="ctr"/>
+            <a:endParaRPr lang="en-SG" sz="1050" b="1">
+              <a:solidFill>
+                <a:srgbClr val="92D050"/>
+              </a:solidFill>
+            </a:endParaRPr>
+          </a:p>
+        </p:txBody>
+      </p:sp>
+      <p:cxnSp>
+        <p:nvCxnSpPr>
+          <p:cNvPr id="92" name="Elbow Connector 63"/>
+          <p:cNvCxnSpPr>
+            <a:cxnSpLocks/>
+            <a:stCxn id="91" idx="3"/>
+            <a:endCxn id="72" idx="0"/>
+          </p:cNvCxnSpPr>
+          <p:nvPr/>
+        </p:nvCxnSpPr>
+        <p:spPr>
+          <a:xfrm>
+            <a:off x="4964126" y="642804"/>
+            <a:ext cx="890377" cy="247200"/>
+          </a:xfrm>
+          <a:prstGeom prst="bentConnector2">
+            <a:avLst/>
+          </a:prstGeom>
+          <a:ln w="19050">
+            <a:solidFill>
+              <a:srgbClr val="7030A0"/>
+            </a:solidFill>
+            <a:prstDash val="sysDot"/>
+            <a:headEnd type="none" w="med" len="med"/>
+            <a:tailEnd type="none" w="med" len="med"/>
+          </a:ln>
+          <a:effectLst/>
+        </p:spPr>
+        <p:style>
+          <a:lnRef idx="1">
+            <a:schemeClr val="accent2"/>
+          </a:lnRef>
+          <a:fillRef idx="2">
+            <a:schemeClr val="accent2"/>
+          </a:fillRef>
+          <a:effectRef idx="1">
+            <a:schemeClr val="accent2"/>
+          </a:effectRef>
+          <a:fontRef idx="minor">
+            <a:schemeClr val="dk1"/>
+          </a:fontRef>
+        </p:style>
+      </p:cxnSp>
+      <p:sp>
+        <p:nvSpPr>
+          <p:cNvPr id="98" name="Isosceles Triangle 102"/>
+          <p:cNvSpPr/>
+          <p:nvPr/>
+        </p:nvSpPr>
+        <p:spPr>
+          <a:xfrm rot="10800000" flipV="1">
+            <a:off x="5986960" y="1249329"/>
+            <a:ext cx="270504" cy="136800"/>
+          </a:xfrm>
+          <a:prstGeom prst="triangle">
+            <a:avLst/>
+          </a:prstGeom>
+          <a:solidFill>
+            <a:srgbClr val="7030A0"/>
+          </a:solidFill>
+          <a:ln w="19050">
+            <a:solidFill>
+              <a:srgbClr val="7030A0"/>
+            </a:solidFill>
+          </a:ln>
+          <a:effectLst/>
+        </p:spPr>
+        <p:style>
+          <a:lnRef idx="1">
+            <a:schemeClr val="accent4"/>
+          </a:lnRef>
+          <a:fillRef idx="2">
+            <a:schemeClr val="accent4"/>
+          </a:fillRef>
+          <a:effectRef idx="1">
+            <a:schemeClr val="accent4"/>
+          </a:effectRef>
+          <a:fontRef idx="minor">
+            <a:schemeClr val="dk1"/>
+          </a:fontRef>
+        </p:style>
+        <p:txBody>
+          <a:bodyPr rtlCol="0" anchor="ctr"/>
+          <a:lstStyle/>
+          <a:p>
+            <a:pPr algn="ctr"/>
+            <a:endParaRPr lang="en-SG" sz="1050" b="1">
+              <a:solidFill>
+                <a:srgbClr val="92D050"/>
+              </a:solidFill>
+            </a:endParaRPr>
+          </a:p>
+        </p:txBody>
+      </p:sp>
+      <p:sp>
+        <p:nvSpPr>
+          <p:cNvPr id="101" name="TextBox 100"/>
+          <p:cNvSpPr txBox="1"/>
+          <p:nvPr/>
+        </p:nvSpPr>
+        <p:spPr>
+          <a:xfrm>
+            <a:off x="5471931" y="2896125"/>
+            <a:ext cx="189257" cy="178683"/>
+          </a:xfrm>
+          <a:prstGeom prst="rect">
+            <a:avLst/>
+          </a:prstGeom>
+          <a:noFill/>
+        </p:spPr>
+        <p:txBody>
+          <a:bodyPr wrap="square" lIns="0" tIns="0" rIns="0" bIns="0" rtlCol="0">
+            <a:noAutofit/>
+          </a:bodyPr>
+          <a:lstStyle/>
+          <a:p>
+            <a:pPr algn="ctr"/>
+            <a:r>
+              <a:rPr lang="en-US" sz="1100" dirty="0">
+                <a:solidFill>
+                  <a:srgbClr val="7030A0"/>
+                </a:solidFill>
+              </a:rPr>
+              <a:t>*</a:t>
+            </a:r>
+            <a:endParaRPr lang="en-SG" sz="1100" dirty="0">
+              <a:solidFill>
+                <a:srgbClr val="7030A0"/>
+              </a:solidFill>
+            </a:endParaRPr>
+          </a:p>
+        </p:txBody>
+      </p:sp>
+      <p:cxnSp>
+        <p:nvCxnSpPr>
+          <p:cNvPr id="103" name="Elbow Connector 49"/>
+          <p:cNvCxnSpPr>
+            <a:cxnSpLocks/>
+            <a:endCxn id="57" idx="3"/>
+          </p:cNvCxnSpPr>
+          <p:nvPr/>
+        </p:nvCxnSpPr>
+        <p:spPr>
+          <a:xfrm rot="10800000">
+            <a:off x="4955195" y="1730024"/>
+            <a:ext cx="1027047" cy="925444"/>
+          </a:xfrm>
+          <a:prstGeom prst="bentConnector3">
+            <a:avLst>
+              <a:gd name="adj1" fmla="val 47527"/>
+            </a:avLst>
+          </a:prstGeom>
+          <a:ln w="19050">
+            <a:solidFill>
+              <a:srgbClr val="7030A0"/>
+            </a:solidFill>
+            <a:headEnd type="none" w="med" len="med"/>
+            <a:tailEnd type="arrow" w="med" len="med"/>
+          </a:ln>
+          <a:effectLst/>
+        </p:spPr>
+        <p:style>
+          <a:lnRef idx="1">
+            <a:schemeClr val="accent2"/>
+          </a:lnRef>
+          <a:fillRef idx="2">
+            <a:schemeClr val="accent2"/>
+          </a:fillRef>
+          <a:effectRef idx="1">
+            <a:schemeClr val="accent2"/>
+          </a:effectRef>
+          <a:fontRef idx="minor">
+            <a:schemeClr val="dk1"/>
+          </a:fontRef>
+        </p:style>
+      </p:cxnSp>
+      <p:sp>
+        <p:nvSpPr>
+          <p:cNvPr id="127" name="Rectangle 8"/>
+          <p:cNvSpPr/>
+          <p:nvPr/>
+        </p:nvSpPr>
+        <p:spPr>
+          <a:xfrm>
+            <a:off x="5276017" y="3548320"/>
+            <a:ext cx="1156969" cy="346760"/>
+          </a:xfrm>
+          <a:prstGeom prst="rect">
+            <a:avLst/>
+          </a:prstGeom>
+          <a:ln w="19050">
+            <a:solidFill>
+              <a:srgbClr val="7030A0"/>
+            </a:solidFill>
+          </a:ln>
+          <a:effectLst/>
+        </p:spPr>
+        <p:style>
+          <a:lnRef idx="1">
+            <a:schemeClr val="accent4"/>
+          </a:lnRef>
+          <a:fillRef idx="2">
+            <a:schemeClr val="accent4"/>
+          </a:fillRef>
+          <a:effectRef idx="1">
+            <a:schemeClr val="accent4"/>
+          </a:effectRef>
+          <a:fontRef idx="minor">
+            <a:schemeClr val="dk1"/>
+          </a:fontRef>
+        </p:style>
+        <p:txBody>
+          <a:bodyPr rtlCol="0" anchor="ctr"/>
+          <a:lstStyle/>
+          <a:p>
+            <a:pPr algn="ctr"/>
+            <a:r>
+              <a:rPr lang="en-US" sz="1050" dirty="0">
+                <a:solidFill>
+                  <a:srgbClr val="7030A0"/>
+                </a:solidFill>
+              </a:rPr>
+              <a:t>&lt;&lt;interface&gt;&gt;</a:t>
+            </a:r>
+            <a:br>
+              <a:rPr lang="en-US" sz="1050" dirty="0">
+                <a:solidFill>
+                  <a:srgbClr val="7030A0"/>
+                </a:solidFill>
+              </a:rPr>
+            </a:br>
+            <a:r>
+              <a:rPr lang="en-US" sz="1050" dirty="0" err="1">
+                <a:solidFill>
+                  <a:srgbClr val="7030A0"/>
+                </a:solidFill>
+              </a:rPr>
+              <a:t>ReadOnlyEvent</a:t>
+            </a:r>
+            <a:endParaRPr lang="en-SG" sz="1050" dirty="0">
+              <a:solidFill>
+                <a:srgbClr val="7030A0"/>
+              </a:solidFill>
+            </a:endParaRPr>
+          </a:p>
+        </p:txBody>
+      </p:sp>
+      <p:cxnSp>
+        <p:nvCxnSpPr>
+          <p:cNvPr id="129" name="Elbow Connector 63"/>
+          <p:cNvCxnSpPr>
+            <a:cxnSpLocks/>
+          </p:cNvCxnSpPr>
+          <p:nvPr/>
+        </p:nvCxnSpPr>
+        <p:spPr>
+          <a:xfrm>
+            <a:off x="4999134" y="641427"/>
+            <a:ext cx="1468860" cy="3078896"/>
+          </a:xfrm>
+          <a:prstGeom prst="bentConnector3">
+            <a:avLst>
+              <a:gd name="adj1" fmla="val 111240"/>
+            </a:avLst>
+          </a:prstGeom>
+          <a:ln w="19050">
+            <a:solidFill>
+              <a:srgbClr val="7030A0"/>
+            </a:solidFill>
+            <a:prstDash val="sysDot"/>
+            <a:headEnd type="none" w="med" len="med"/>
+            <a:tailEnd type="none" w="med" len="med"/>
+          </a:ln>
+          <a:effectLst/>
+        </p:spPr>
+        <p:style>
+          <a:lnRef idx="1">
+            <a:schemeClr val="accent2"/>
+          </a:lnRef>
+          <a:fillRef idx="2">
+            <a:schemeClr val="accent2"/>
+          </a:fillRef>
+          <a:effectRef idx="1">
+            <a:schemeClr val="accent2"/>
+          </a:effectRef>
+          <a:fontRef idx="minor">
+            <a:schemeClr val="dk1"/>
+          </a:fontRef>
+        </p:style>
+      </p:cxnSp>
+      <p:sp>
+        <p:nvSpPr>
+          <p:cNvPr id="141" name="Flowchart: Decision 96"/>
+          <p:cNvSpPr/>
+          <p:nvPr/>
+        </p:nvSpPr>
+        <p:spPr>
+          <a:xfrm>
+            <a:off x="6351221" y="2754368"/>
+            <a:ext cx="246680" cy="137880"/>
+          </a:xfrm>
+          <a:prstGeom prst="flowChartDecision">
+            <a:avLst/>
+          </a:prstGeom>
+          <a:solidFill>
+            <a:srgbClr val="7030A0"/>
+          </a:solidFill>
+          <a:ln w="19050">
+            <a:solidFill>
+              <a:srgbClr val="7030A0"/>
+            </a:solidFill>
+          </a:ln>
+          <a:effectLst/>
+        </p:spPr>
+        <p:style>
+          <a:lnRef idx="1">
+            <a:schemeClr val="accent6"/>
+          </a:lnRef>
+          <a:fillRef idx="2">
+            <a:schemeClr val="accent6"/>
+          </a:fillRef>
+          <a:effectRef idx="1">
+            <a:schemeClr val="accent6"/>
+          </a:effectRef>
+          <a:fontRef idx="minor">
+            <a:schemeClr val="dk1"/>
+          </a:fontRef>
+        </p:style>
+        <p:txBody>
+          <a:bodyPr rtlCol="0" anchor="ctr"/>
+          <a:lstStyle/>
+          <a:p>
+            <a:pPr algn="ctr"/>
+            <a:endParaRPr lang="en-US" sz="1050"/>
+          </a:p>
+        </p:txBody>
+      </p:sp>
+      <p:sp>
+        <p:nvSpPr>
+          <p:cNvPr id="145" name="Rectangle 8"/>
+          <p:cNvSpPr/>
+          <p:nvPr/>
+        </p:nvSpPr>
+        <p:spPr>
+          <a:xfrm>
+            <a:off x="6978200" y="2946307"/>
+            <a:ext cx="846023" cy="257001"/>
+          </a:xfrm>
+          <a:prstGeom prst="rect">
+            <a:avLst/>
+          </a:prstGeom>
+          <a:ln w="19050">
+            <a:solidFill>
+              <a:srgbClr val="7030A0"/>
+            </a:solidFill>
+          </a:ln>
+          <a:effectLst/>
+        </p:spPr>
+        <p:style>
+          <a:lnRef idx="1">
+            <a:schemeClr val="accent4"/>
+          </a:lnRef>
+          <a:fillRef idx="2">
+            <a:schemeClr val="accent4"/>
+          </a:fillRef>
+          <a:effectRef idx="1">
+            <a:schemeClr val="accent4"/>
+          </a:effectRef>
+          <a:fontRef idx="minor">
+            <a:schemeClr val="dk1"/>
+          </a:fontRef>
+        </p:style>
+        <p:txBody>
+          <a:bodyPr rtlCol="0" anchor="ctr"/>
+          <a:lstStyle/>
+          <a:p>
+            <a:pPr algn="ctr"/>
+            <a:r>
+              <a:rPr lang="en-US" sz="1050" dirty="0">
+                <a:solidFill>
+                  <a:srgbClr val="7030A0"/>
+                </a:solidFill>
+              </a:rPr>
+              <a:t>Location</a:t>
+            </a:r>
+            <a:endParaRPr lang="en-SG" sz="1050" dirty="0">
+              <a:solidFill>
+                <a:srgbClr val="7030A0"/>
+              </a:solidFill>
+            </a:endParaRPr>
+          </a:p>
+        </p:txBody>
+      </p:sp>
+      <p:sp>
+        <p:nvSpPr>
+          <p:cNvPr id="146" name="Rectangle 8"/>
+          <p:cNvSpPr/>
+          <p:nvPr/>
+        </p:nvSpPr>
+        <p:spPr>
+          <a:xfrm>
+            <a:off x="6978200" y="3273210"/>
+            <a:ext cx="846022" cy="243705"/>
+          </a:xfrm>
+          <a:prstGeom prst="rect">
+            <a:avLst/>
+          </a:prstGeom>
+          <a:ln w="19050">
+            <a:solidFill>
+              <a:srgbClr val="7030A0"/>
+            </a:solidFill>
+          </a:ln>
+          <a:effectLst/>
+        </p:spPr>
+        <p:style>
+          <a:lnRef idx="1">
+            <a:schemeClr val="accent4"/>
+          </a:lnRef>
+          <a:fillRef idx="2">
+            <a:schemeClr val="accent4"/>
+          </a:fillRef>
+          <a:effectRef idx="1">
+            <a:schemeClr val="accent4"/>
+          </a:effectRef>
+          <a:fontRef idx="minor">
+            <a:schemeClr val="dk1"/>
+          </a:fontRef>
+        </p:style>
+        <p:txBody>
+          <a:bodyPr rtlCol="0" anchor="ctr"/>
+          <a:lstStyle/>
+          <a:p>
+            <a:pPr algn="ctr"/>
+            <a:r>
+              <a:rPr lang="en-US" sz="1050" dirty="0">
+                <a:solidFill>
+                  <a:srgbClr val="7030A0"/>
+                </a:solidFill>
+              </a:rPr>
+              <a:t>Timeslot</a:t>
+            </a:r>
+            <a:endParaRPr lang="en-SG" sz="1050" dirty="0">
+              <a:solidFill>
+                <a:srgbClr val="7030A0"/>
+              </a:solidFill>
+            </a:endParaRPr>
+          </a:p>
+        </p:txBody>
+      </p:sp>
+      <p:cxnSp>
+        <p:nvCxnSpPr>
+          <p:cNvPr id="151" name="Elbow Connector 80"/>
+          <p:cNvCxnSpPr>
+            <a:cxnSpLocks/>
+            <a:stCxn id="141" idx="3"/>
+            <a:endCxn id="145" idx="1"/>
+          </p:cNvCxnSpPr>
+          <p:nvPr/>
+        </p:nvCxnSpPr>
+        <p:spPr>
+          <a:xfrm>
+            <a:off x="6597901" y="2823308"/>
+            <a:ext cx="380299" cy="251500"/>
+          </a:xfrm>
+          <a:prstGeom prst="bentConnector3">
+            <a:avLst>
+              <a:gd name="adj1" fmla="val 50000"/>
+            </a:avLst>
+          </a:prstGeom>
+          <a:ln w="19050">
+            <a:solidFill>
+              <a:srgbClr val="7030A0"/>
+            </a:solidFill>
+            <a:headEnd type="none" w="med" len="med"/>
+            <a:tailEnd type="arrow" w="med" len="med"/>
+          </a:ln>
+          <a:effectLst/>
+        </p:spPr>
+        <p:style>
+          <a:lnRef idx="1">
+            <a:schemeClr val="accent2"/>
+          </a:lnRef>
+          <a:fillRef idx="2">
+            <a:schemeClr val="accent2"/>
+          </a:fillRef>
+          <a:effectRef idx="1">
+            <a:schemeClr val="accent2"/>
+          </a:effectRef>
+          <a:fontRef idx="minor">
+            <a:schemeClr val="dk1"/>
+          </a:fontRef>
+        </p:style>
+      </p:cxnSp>
+      <p:cxnSp>
+        <p:nvCxnSpPr>
+          <p:cNvPr id="157" name="Elbow Connector 80"/>
+          <p:cNvCxnSpPr>
+            <a:cxnSpLocks/>
+            <a:stCxn id="141" idx="3"/>
+            <a:endCxn id="146" idx="1"/>
+          </p:cNvCxnSpPr>
+          <p:nvPr/>
+        </p:nvCxnSpPr>
+        <p:spPr>
+          <a:xfrm>
+            <a:off x="6597901" y="2823308"/>
+            <a:ext cx="380299" cy="571755"/>
+          </a:xfrm>
+          <a:prstGeom prst="bentConnector3">
+            <a:avLst>
+              <a:gd name="adj1" fmla="val 50000"/>
+            </a:avLst>
+          </a:prstGeom>
+          <a:ln w="19050">
+            <a:solidFill>
+              <a:srgbClr val="7030A0"/>
+            </a:solidFill>
+            <a:headEnd type="none" w="med" len="med"/>
+            <a:tailEnd type="arrow" w="med" len="med"/>
+          </a:ln>
+          <a:effectLst/>
+        </p:spPr>
+        <p:style>
+          <a:lnRef idx="1">
+            <a:schemeClr val="accent2"/>
+          </a:lnRef>
+          <a:fillRef idx="2">
+            <a:schemeClr val="accent2"/>
+          </a:fillRef>
+          <a:effectRef idx="1">
+            <a:schemeClr val="accent2"/>
+          </a:effectRef>
+          <a:fontRef idx="minor">
+            <a:schemeClr val="dk1"/>
+          </a:fontRef>
+        </p:style>
+      </p:cxnSp>
+      <p:sp>
+        <p:nvSpPr>
+          <p:cNvPr id="159" name="Rectangle 8"/>
+          <p:cNvSpPr/>
+          <p:nvPr/>
+        </p:nvSpPr>
+        <p:spPr>
+          <a:xfrm>
+            <a:off x="6793802" y="2160647"/>
+            <a:ext cx="893892" cy="375642"/>
+          </a:xfrm>
+          <a:prstGeom prst="rect">
+            <a:avLst/>
+          </a:prstGeom>
+          <a:ln w="19050">
+            <a:solidFill>
+              <a:srgbClr val="7030A0"/>
+            </a:solidFill>
+          </a:ln>
+          <a:effectLst/>
+        </p:spPr>
+        <p:style>
+          <a:lnRef idx="1">
+            <a:schemeClr val="accent4"/>
+          </a:lnRef>
+          <a:fillRef idx="2">
+            <a:schemeClr val="accent4"/>
+          </a:fillRef>
+          <a:effectRef idx="1">
+            <a:schemeClr val="accent4"/>
+          </a:effectRef>
+          <a:fontRef idx="minor">
+            <a:schemeClr val="dk1"/>
+          </a:fontRef>
+        </p:style>
+        <p:txBody>
+          <a:bodyPr rtlCol="0" anchor="ctr"/>
+          <a:lstStyle/>
+          <a:p>
+            <a:pPr algn="ctr"/>
+            <a:r>
+              <a:rPr lang="en-US" sz="1050" dirty="0" err="1">
+                <a:solidFill>
+                  <a:srgbClr val="7030A0"/>
+                </a:solidFill>
+              </a:rPr>
+              <a:t>UserItem</a:t>
+            </a:r>
+            <a:endParaRPr lang="en-SG" sz="1050" dirty="0">
+              <a:solidFill>
+                <a:srgbClr val="7030A0"/>
+              </a:solidFill>
+            </a:endParaRPr>
+          </a:p>
+        </p:txBody>
+      </p:sp>
+      <p:cxnSp>
+        <p:nvCxnSpPr>
+          <p:cNvPr id="164" name="Elbow Connector 80"/>
+          <p:cNvCxnSpPr>
+            <a:cxnSpLocks/>
+            <a:stCxn id="167" idx="3"/>
+            <a:endCxn id="83" idx="1"/>
+          </p:cNvCxnSpPr>
+          <p:nvPr/>
+        </p:nvCxnSpPr>
+        <p:spPr>
+          <a:xfrm flipV="1">
+            <a:off x="7934374" y="2059023"/>
+            <a:ext cx="228334" cy="275916"/>
+          </a:xfrm>
+          <a:prstGeom prst="bentConnector3">
+            <a:avLst>
+              <a:gd name="adj1" fmla="val 22190"/>
+            </a:avLst>
+          </a:prstGeom>
+          <a:ln w="19050">
+            <a:solidFill>
+              <a:srgbClr val="7030A0"/>
+            </a:solidFill>
+            <a:headEnd type="none" w="med" len="med"/>
+            <a:tailEnd type="arrow" w="med" len="med"/>
+          </a:ln>
+          <a:effectLst/>
+        </p:spPr>
+        <p:style>
+          <a:lnRef idx="1">
+            <a:schemeClr val="accent2"/>
+          </a:lnRef>
+          <a:fillRef idx="2">
+            <a:schemeClr val="accent2"/>
+          </a:fillRef>
+          <a:effectRef idx="1">
+            <a:schemeClr val="accent2"/>
+          </a:effectRef>
+          <a:fontRef idx="minor">
+            <a:schemeClr val="dk1"/>
+          </a:fontRef>
+        </p:style>
+      </p:cxnSp>
+      <p:sp>
+        <p:nvSpPr>
+          <p:cNvPr id="167" name="Flowchart: Decision 96"/>
+          <p:cNvSpPr/>
+          <p:nvPr/>
+        </p:nvSpPr>
+        <p:spPr>
+          <a:xfrm>
+            <a:off x="7687694" y="2265999"/>
+            <a:ext cx="246680" cy="137880"/>
+          </a:xfrm>
+          <a:prstGeom prst="flowChartDecision">
+            <a:avLst/>
+          </a:prstGeom>
+          <a:solidFill>
+            <a:srgbClr val="7030A0"/>
+          </a:solidFill>
+          <a:ln w="19050">
+            <a:solidFill>
+              <a:srgbClr val="7030A0"/>
+            </a:solidFill>
+          </a:ln>
+          <a:effectLst/>
+        </p:spPr>
+        <p:style>
+          <a:lnRef idx="1">
+            <a:schemeClr val="accent6"/>
+          </a:lnRef>
+          <a:fillRef idx="2">
+            <a:schemeClr val="accent6"/>
+          </a:fillRef>
+          <a:effectRef idx="1">
+            <a:schemeClr val="accent6"/>
+          </a:effectRef>
+          <a:fontRef idx="minor">
+            <a:schemeClr val="dk1"/>
+          </a:fontRef>
+        </p:style>
+        <p:txBody>
+          <a:bodyPr rtlCol="0" anchor="ctr"/>
+          <a:lstStyle/>
+          <a:p>
+            <a:pPr algn="ctr"/>
+            <a:endParaRPr lang="en-US" sz="1050"/>
+          </a:p>
+        </p:txBody>
+      </p:sp>
+      <p:cxnSp>
+        <p:nvCxnSpPr>
+          <p:cNvPr id="179" name="Elbow Connector 80"/>
+          <p:cNvCxnSpPr>
+            <a:cxnSpLocks/>
+            <a:stCxn id="167" idx="3"/>
+            <a:endCxn id="85" idx="1"/>
+          </p:cNvCxnSpPr>
+          <p:nvPr/>
+        </p:nvCxnSpPr>
+        <p:spPr>
+          <a:xfrm>
+            <a:off x="7934374" y="2334939"/>
+            <a:ext cx="208218" cy="232510"/>
+          </a:xfrm>
+          <a:prstGeom prst="bentConnector3">
+            <a:avLst>
+              <a:gd name="adj1" fmla="val 22553"/>
+            </a:avLst>
+          </a:prstGeom>
+          <a:ln w="19050">
+            <a:solidFill>
+              <a:srgbClr val="7030A0"/>
+            </a:solidFill>
+            <a:headEnd type="none" w="med" len="med"/>
+            <a:tailEnd type="arrow" w="med" len="med"/>
+          </a:ln>
+          <a:effectLst/>
+        </p:spPr>
+        <p:style>
+          <a:lnRef idx="1">
+            <a:schemeClr val="accent2"/>
+          </a:lnRef>
+          <a:fillRef idx="2">
+            <a:schemeClr val="accent2"/>
+          </a:fillRef>
+          <a:effectRef idx="1">
+            <a:schemeClr val="accent2"/>
+          </a:effectRef>
+          <a:fontRef idx="minor">
+            <a:schemeClr val="dk1"/>
+          </a:fontRef>
+        </p:style>
+      </p:cxnSp>
+      <p:sp>
+        <p:nvSpPr>
+          <p:cNvPr id="200" name="TextBox 199"/>
+          <p:cNvSpPr txBox="1"/>
+          <p:nvPr/>
+        </p:nvSpPr>
+        <p:spPr>
+          <a:xfrm>
+            <a:off x="3732498" y="3312748"/>
+            <a:ext cx="871599" cy="261610"/>
+          </a:xfrm>
+          <a:prstGeom prst="rect">
+            <a:avLst/>
+          </a:prstGeom>
+          <a:noFill/>
+        </p:spPr>
+        <p:txBody>
+          <a:bodyPr wrap="square" rtlCol="0">
+            <a:spAutoFit/>
+          </a:bodyPr>
+          <a:lstStyle/>
+          <a:p>
+            <a:pPr algn="r"/>
+            <a:r>
+              <a:rPr lang="en-US" sz="1100" dirty="0">
+                <a:solidFill>
+                  <a:srgbClr val="7030A0"/>
+                </a:solidFill>
+              </a:rPr>
+              <a:t>filtered list</a:t>
+            </a:r>
+            <a:endParaRPr lang="en-SG" sz="1100" dirty="0">
+              <a:solidFill>
+                <a:srgbClr val="7030A0"/>
+              </a:solidFill>
+            </a:endParaRPr>
+          </a:p>
+        </p:txBody>
+      </p:sp>
+      <p:grpSp>
+        <p:nvGrpSpPr>
+          <p:cNvPr id="245" name="Group 244"/>
+          <p:cNvGrpSpPr/>
+          <p:nvPr/>
+        </p:nvGrpSpPr>
+        <p:grpSpPr>
+          <a:xfrm>
+            <a:off x="5382002" y="2144474"/>
+            <a:ext cx="606665" cy="1173288"/>
+            <a:chOff x="5382002" y="2144474"/>
+            <a:chExt cx="606665" cy="1173288"/>
+          </a:xfrm>
+        </p:grpSpPr>
+        <p:cxnSp>
+          <p:nvCxnSpPr>
+            <p:cNvPr id="201" name="Elbow Connector 106"/>
+            <p:cNvCxnSpPr>
+              <a:cxnSpLocks/>
+              <a:endCxn id="62" idx="2"/>
+            </p:cNvCxnSpPr>
+            <p:nvPr/>
+          </p:nvCxnSpPr>
+          <p:spPr>
+            <a:xfrm flipV="1">
+              <a:off x="5386562" y="2144474"/>
+              <a:ext cx="602105" cy="298731"/>
+            </a:xfrm>
+            <a:prstGeom prst="bentConnector2">
+              <a:avLst/>
+            </a:prstGeom>
+            <a:ln w="19050">
+              <a:solidFill>
+                <a:srgbClr val="7030A0"/>
+              </a:solidFill>
+              <a:prstDash val="solid"/>
+              <a:headEnd type="none" w="med" len="med"/>
+              <a:tailEnd type="arrow" w="med" len="med"/>
+            </a:ln>
+            <a:effectLst/>
+          </p:spPr>
+          <p:style>
+            <a:lnRef idx="1">
+              <a:schemeClr val="accent2"/>
+            </a:lnRef>
+            <a:fillRef idx="2">
+              <a:schemeClr val="accent2"/>
+            </a:fillRef>
+            <a:effectRef idx="1">
+              <a:schemeClr val="accent2"/>
+            </a:effectRef>
+            <a:fontRef idx="minor">
+              <a:schemeClr val="dk1"/>
+            </a:fontRef>
+          </p:style>
+        </p:cxnSp>
+        <p:cxnSp>
+          <p:nvCxnSpPr>
+            <p:cNvPr id="240" name="Straight Connector 239"/>
+            <p:cNvCxnSpPr>
+              <a:cxnSpLocks/>
+            </p:cNvCxnSpPr>
+            <p:nvPr/>
+          </p:nvCxnSpPr>
+          <p:spPr>
+            <a:xfrm flipH="1">
+              <a:off x="5382002" y="2443205"/>
+              <a:ext cx="4562" cy="874557"/>
+            </a:xfrm>
+            <a:prstGeom prst="line">
+              <a:avLst/>
+            </a:prstGeom>
+            <a:ln w="19050">
+              <a:solidFill>
+                <a:srgbClr val="7030A0"/>
+              </a:solidFill>
+            </a:ln>
+          </p:spPr>
+          <p:style>
+            <a:lnRef idx="1">
+              <a:schemeClr val="accent1"/>
+            </a:lnRef>
+            <a:fillRef idx="0">
+              <a:schemeClr val="accent1"/>
+            </a:fillRef>
+            <a:effectRef idx="0">
+              <a:schemeClr val="accent1"/>
+            </a:effectRef>
+            <a:fontRef idx="minor">
+              <a:schemeClr val="tx1"/>
+            </a:fontRef>
+          </p:style>
+        </p:cxnSp>
+      </p:grpSp>
+      <p:sp>
+        <p:nvSpPr>
+          <p:cNvPr id="243" name="TextBox 242"/>
+          <p:cNvSpPr txBox="1"/>
+          <p:nvPr/>
+        </p:nvSpPr>
+        <p:spPr>
+          <a:xfrm>
+            <a:off x="5787449" y="2247778"/>
+            <a:ext cx="189257" cy="178683"/>
+          </a:xfrm>
+          <a:prstGeom prst="rect">
+            <a:avLst/>
+          </a:prstGeom>
+          <a:noFill/>
+        </p:spPr>
+        <p:txBody>
+          <a:bodyPr wrap="square" lIns="0" tIns="0" rIns="0" bIns="0" rtlCol="0">
+            <a:noAutofit/>
+          </a:bodyPr>
+          <a:lstStyle/>
+          <a:p>
+            <a:pPr algn="ctr"/>
+            <a:r>
+              <a:rPr lang="en-US" sz="1100" dirty="0">
+                <a:solidFill>
+                  <a:srgbClr val="7030A0"/>
+                </a:solidFill>
+              </a:rPr>
+              <a:t>1</a:t>
+            </a:r>
+            <a:endParaRPr lang="en-SG" sz="1100" dirty="0">
+              <a:solidFill>
+                <a:srgbClr val="7030A0"/>
+              </a:solidFill>
+            </a:endParaRPr>
+          </a:p>
+        </p:txBody>
+      </p:sp>
+      <p:sp>
+        <p:nvSpPr>
+          <p:cNvPr id="246" name="Isosceles Triangle 102"/>
+          <p:cNvSpPr/>
+          <p:nvPr/>
+        </p:nvSpPr>
+        <p:spPr>
+          <a:xfrm rot="16200000" flipV="1">
+            <a:off x="6626078" y="2300578"/>
+            <a:ext cx="219945" cy="114345"/>
+          </a:xfrm>
+          <a:prstGeom prst="triangle">
+            <a:avLst/>
+          </a:prstGeom>
+          <a:solidFill>
+            <a:srgbClr val="7030A0"/>
+          </a:solidFill>
+          <a:ln w="19050">
+            <a:solidFill>
+              <a:srgbClr val="7030A0"/>
+            </a:solidFill>
+          </a:ln>
+          <a:effectLst/>
+        </p:spPr>
+        <p:style>
+          <a:lnRef idx="1">
+            <a:schemeClr val="accent4"/>
+          </a:lnRef>
+          <a:fillRef idx="2">
+            <a:schemeClr val="accent4"/>
+          </a:fillRef>
+          <a:effectRef idx="1">
+            <a:schemeClr val="accent4"/>
+          </a:effectRef>
+          <a:fontRef idx="minor">
+            <a:schemeClr val="dk1"/>
+          </a:fontRef>
+        </p:style>
+        <p:txBody>
+          <a:bodyPr rtlCol="0" anchor="ctr"/>
+          <a:lstStyle/>
+          <a:p>
+            <a:pPr algn="ctr"/>
+            <a:endParaRPr lang="en-SG" sz="1050" b="1">
+              <a:solidFill>
+                <a:srgbClr val="92D050"/>
+              </a:solidFill>
+            </a:endParaRPr>
+          </a:p>
+        </p:txBody>
+      </p:sp>
+      <p:cxnSp>
+        <p:nvCxnSpPr>
+          <p:cNvPr id="249" name="Elbow Connector 63"/>
+          <p:cNvCxnSpPr>
+            <a:cxnSpLocks/>
+            <a:stCxn id="246" idx="3"/>
+          </p:cNvCxnSpPr>
+          <p:nvPr/>
+        </p:nvCxnSpPr>
+        <p:spPr>
+          <a:xfrm rot="10800000">
+            <a:off x="6175058" y="2146802"/>
+            <a:ext cx="503821" cy="210949"/>
+          </a:xfrm>
+          <a:prstGeom prst="bentConnector3">
+            <a:avLst>
+              <a:gd name="adj1" fmla="val 110498"/>
+            </a:avLst>
+          </a:prstGeom>
+          <a:ln w="19050">
+            <a:solidFill>
+              <a:srgbClr val="7030A0"/>
+            </a:solidFill>
+            <a:prstDash val="sysDot"/>
+            <a:headEnd type="none" w="med" len="med"/>
+            <a:tailEnd type="none" w="med" len="med"/>
+          </a:ln>
+          <a:effectLst/>
+        </p:spPr>
+        <p:style>
+          <a:lnRef idx="1">
+            <a:schemeClr val="accent2"/>
+          </a:lnRef>
+          <a:fillRef idx="2">
+            <a:schemeClr val="accent2"/>
+          </a:fillRef>
+          <a:effectRef idx="1">
+            <a:schemeClr val="accent2"/>
+          </a:effectRef>
+          <a:fontRef idx="minor">
+            <a:schemeClr val="dk1"/>
+          </a:fontRef>
+        </p:style>
+      </p:cxnSp>
+      <p:cxnSp>
+        <p:nvCxnSpPr>
+          <p:cNvPr id="255" name="Elbow Connector 63"/>
+          <p:cNvCxnSpPr>
+            <a:cxnSpLocks/>
+            <a:stCxn id="246" idx="3"/>
+          </p:cNvCxnSpPr>
+          <p:nvPr/>
+        </p:nvCxnSpPr>
+        <p:spPr>
+          <a:xfrm rot="10800000" flipV="1">
+            <a:off x="6120996" y="2357749"/>
+            <a:ext cx="557883" cy="295553"/>
+          </a:xfrm>
+          <a:prstGeom prst="bentConnector3">
+            <a:avLst>
+              <a:gd name="adj1" fmla="val 101221"/>
+            </a:avLst>
+          </a:prstGeom>
+          <a:ln w="19050">
+            <a:solidFill>
+              <a:srgbClr val="7030A0"/>
+            </a:solidFill>
+            <a:prstDash val="sysDot"/>
+            <a:headEnd type="none" w="med" len="med"/>
+            <a:tailEnd type="none" w="med" len="med"/>
+          </a:ln>
+          <a:effectLst/>
+        </p:spPr>
+        <p:style>
+          <a:lnRef idx="1">
+            <a:schemeClr val="accent2"/>
+          </a:lnRef>
+          <a:fillRef idx="2">
+            <a:schemeClr val="accent2"/>
+          </a:fillRef>
+          <a:effectRef idx="1">
+            <a:schemeClr val="accent2"/>
+          </a:effectRef>
+          <a:fontRef idx="minor">
+            <a:schemeClr val="dk1"/>
+          </a:fontRef>
+        </p:style>
+      </p:cxnSp>
+      <p:sp>
+        <p:nvSpPr>
+          <p:cNvPr id="260" name="TextBox 259"/>
+          <p:cNvSpPr txBox="1"/>
+          <p:nvPr/>
+        </p:nvSpPr>
+        <p:spPr>
+          <a:xfrm>
+            <a:off x="6654464" y="3422889"/>
+            <a:ext cx="378989" cy="185353"/>
+          </a:xfrm>
+          <a:prstGeom prst="rect">
+            <a:avLst/>
+          </a:prstGeom>
+          <a:noFill/>
+        </p:spPr>
+        <p:txBody>
+          <a:bodyPr wrap="square" lIns="0" tIns="0" rIns="0" bIns="0" rtlCol="0">
+            <a:noAutofit/>
+          </a:bodyPr>
+          <a:lstStyle/>
+          <a:p>
+            <a:pPr algn="ctr"/>
+            <a:r>
+              <a:rPr lang="en-US" sz="1100" dirty="0">
+                <a:solidFill>
+                  <a:srgbClr val="7030A0"/>
+                </a:solidFill>
+              </a:rPr>
+              <a:t>1..*</a:t>
+            </a:r>
+            <a:endParaRPr lang="en-SG" sz="1100" dirty="0">
+              <a:solidFill>
+                <a:srgbClr val="7030A0"/>
+              </a:solidFill>
+            </a:endParaRPr>
+          </a:p>
+        </p:txBody>
+      </p:sp>
+      <p:cxnSp>
+        <p:nvCxnSpPr>
+          <p:cNvPr id="261" name="Elbow Connector 63"/>
+          <p:cNvCxnSpPr>
+            <a:cxnSpLocks/>
+          </p:cNvCxnSpPr>
+          <p:nvPr/>
+        </p:nvCxnSpPr>
+        <p:spPr>
+          <a:xfrm>
+            <a:off x="4972437" y="640886"/>
+            <a:ext cx="2089214" cy="1517395"/>
+          </a:xfrm>
+          <a:prstGeom prst="bentConnector3">
+            <a:avLst>
+              <a:gd name="adj1" fmla="val 83738"/>
+            </a:avLst>
+          </a:prstGeom>
+          <a:ln w="19050">
+            <a:solidFill>
+              <a:srgbClr val="7030A0"/>
+            </a:solidFill>
+            <a:prstDash val="sysDot"/>
+            <a:headEnd type="none" w="med" len="med"/>
+            <a:tailEnd type="none" w="med" len="med"/>
+          </a:ln>
+          <a:effectLst/>
+        </p:spPr>
+        <p:style>
+          <a:lnRef idx="1">
+            <a:schemeClr val="accent2"/>
+          </a:lnRef>
+          <a:fillRef idx="2">
+            <a:schemeClr val="accent2"/>
+          </a:fillRef>
+          <a:effectRef idx="1">
+            <a:schemeClr val="accent2"/>
+          </a:effectRef>
+          <a:fontRef idx="minor">
+            <a:schemeClr val="dk1"/>
+          </a:fontRef>
+        </p:style>
+      </p:cxnSp>
     </p:spTree>
     <p:extLst>
       <p:ext uri="{BB962C8B-B14F-4D97-AF65-F5344CB8AC3E}">
@@ -5910,13 +7249,6 @@
   <p:clrMapOvr>
     <a:masterClrMapping/>
   </p:clrMapOvr>
-  <p:timing>
-    <p:tnLst>
-      <p:par>
-        <p:cTn id="1" dur="indefinite" restart="never" nodeType="tmRoot"/>
-      </p:par>
-    </p:tnLst>
-  </p:timing>
 </p:sld>
 </file>
 

--- a/docs/diagrams/ModelComponentClassDiagram.pptx
+++ b/docs/diagrams/ModelComponentClassDiagram.pptx
@@ -107,6 +107,22 @@
       </a:defRPr>
     </a:lvl9pPr>
   </p:defaultTextStyle>
+  <p:extLst>
+    <p:ext uri="{EFAFB233-063F-42B5-8137-9DF3F51BA10A}">
+      <p15:sldGuideLst xmlns:p15="http://schemas.microsoft.com/office/powerpoint/2012/main">
+        <p15:guide id="1" orient="horz" pos="1488">
+          <p15:clr>
+            <a:srgbClr val="A4A3A4"/>
+          </p15:clr>
+        </p15:guide>
+        <p15:guide id="2" pos="2880">
+          <p15:clr>
+            <a:srgbClr val="A4A3A4"/>
+          </p15:clr>
+        </p15:guide>
+      </p15:sldGuideLst>
+    </p:ext>
+  </p:extLst>
 </p:presentation>
 </file>
 
@@ -192,7 +208,7 @@
           <a:p>
             <a:fld id="{F5CC4B3F-88C1-4FFA-B1B6-F41C21DC6924}" type="datetimeFigureOut">
               <a:rPr lang="en-US" smtClean="0"/>
-              <a:t>11/19/2016</a:t>
+              <a:t>3/22/2017</a:t>
             </a:fld>
             <a:endParaRPr lang="en-US"/>
           </a:p>
@@ -641,7 +657,7 @@
           <a:p>
             <a:fld id="{78C97017-6FC3-485B-9764-EAC9E56C1D49}" type="datetimeFigureOut">
               <a:rPr lang="en-US" smtClean="0"/>
-              <a:t>11/19/2016</a:t>
+              <a:t>3/22/2017</a:t>
             </a:fld>
             <a:endParaRPr lang="en-US"/>
           </a:p>
@@ -811,7 +827,7 @@
           <a:p>
             <a:fld id="{78C97017-6FC3-485B-9764-EAC9E56C1D49}" type="datetimeFigureOut">
               <a:rPr lang="en-US" smtClean="0"/>
-              <a:t>11/19/2016</a:t>
+              <a:t>3/22/2017</a:t>
             </a:fld>
             <a:endParaRPr lang="en-US"/>
           </a:p>
@@ -991,7 +1007,7 @@
           <a:p>
             <a:fld id="{78C97017-6FC3-485B-9764-EAC9E56C1D49}" type="datetimeFigureOut">
               <a:rPr lang="en-US" smtClean="0"/>
-              <a:t>11/19/2016</a:t>
+              <a:t>3/22/2017</a:t>
             </a:fld>
             <a:endParaRPr lang="en-US"/>
           </a:p>
@@ -1161,7 +1177,7 @@
           <a:p>
             <a:fld id="{78C97017-6FC3-485B-9764-EAC9E56C1D49}" type="datetimeFigureOut">
               <a:rPr lang="en-US" smtClean="0"/>
-              <a:t>11/19/2016</a:t>
+              <a:t>3/22/2017</a:t>
             </a:fld>
             <a:endParaRPr lang="en-US"/>
           </a:p>
@@ -1407,7 +1423,7 @@
           <a:p>
             <a:fld id="{78C97017-6FC3-485B-9764-EAC9E56C1D49}" type="datetimeFigureOut">
               <a:rPr lang="en-US" smtClean="0"/>
-              <a:t>11/19/2016</a:t>
+              <a:t>3/22/2017</a:t>
             </a:fld>
             <a:endParaRPr lang="en-US"/>
           </a:p>
@@ -1695,7 +1711,7 @@
           <a:p>
             <a:fld id="{78C97017-6FC3-485B-9764-EAC9E56C1D49}" type="datetimeFigureOut">
               <a:rPr lang="en-US" smtClean="0"/>
-              <a:t>11/19/2016</a:t>
+              <a:t>3/22/2017</a:t>
             </a:fld>
             <a:endParaRPr lang="en-US"/>
           </a:p>
@@ -2117,7 +2133,7 @@
           <a:p>
             <a:fld id="{78C97017-6FC3-485B-9764-EAC9E56C1D49}" type="datetimeFigureOut">
               <a:rPr lang="en-US" smtClean="0"/>
-              <a:t>11/19/2016</a:t>
+              <a:t>3/22/2017</a:t>
             </a:fld>
             <a:endParaRPr lang="en-US"/>
           </a:p>
@@ -2235,7 +2251,7 @@
           <a:p>
             <a:fld id="{78C97017-6FC3-485B-9764-EAC9E56C1D49}" type="datetimeFigureOut">
               <a:rPr lang="en-US" smtClean="0"/>
-              <a:t>11/19/2016</a:t>
+              <a:t>3/22/2017</a:t>
             </a:fld>
             <a:endParaRPr lang="en-US"/>
           </a:p>
@@ -2330,7 +2346,7 @@
           <a:p>
             <a:fld id="{78C97017-6FC3-485B-9764-EAC9E56C1D49}" type="datetimeFigureOut">
               <a:rPr lang="en-US" smtClean="0"/>
-              <a:t>11/19/2016</a:t>
+              <a:t>3/22/2017</a:t>
             </a:fld>
             <a:endParaRPr lang="en-US"/>
           </a:p>
@@ -2607,7 +2623,7 @@
           <a:p>
             <a:fld id="{78C97017-6FC3-485B-9764-EAC9E56C1D49}" type="datetimeFigureOut">
               <a:rPr lang="en-US" smtClean="0"/>
-              <a:t>11/19/2016</a:t>
+              <a:t>3/22/2017</a:t>
             </a:fld>
             <a:endParaRPr lang="en-US"/>
           </a:p>
@@ -2860,7 +2876,7 @@
           <a:p>
             <a:fld id="{78C97017-6FC3-485B-9764-EAC9E56C1D49}" type="datetimeFigureOut">
               <a:rPr lang="en-US" smtClean="0"/>
-              <a:t>11/19/2016</a:t>
+              <a:t>3/22/2017</a:t>
             </a:fld>
             <a:endParaRPr lang="en-US"/>
           </a:p>
@@ -3073,7 +3089,7 @@
           <a:p>
             <a:fld id="{78C97017-6FC3-485B-9764-EAC9E56C1D49}" type="datetimeFigureOut">
               <a:rPr lang="en-US" smtClean="0"/>
-              <a:t>11/19/2016</a:t>
+              <a:t>3/22/2017</a:t>
             </a:fld>
             <a:endParaRPr lang="en-US"/>
           </a:p>
@@ -4096,7 +4112,7 @@
                   <a:srgbClr val="7030A0"/>
                 </a:solidFill>
               </a:rPr>
-              <a:t>AddressBook</a:t>
+              <a:t>ToDoList</a:t>
             </a:r>
             <a:endParaRPr lang="en-SG" sz="1050" dirty="0">
               <a:solidFill>
@@ -4238,7 +4254,7 @@
                   <a:srgbClr val="7030A0"/>
                 </a:solidFill>
               </a:rPr>
-              <a:t>UniquePersonList</a:t>
+              <a:t>UniqueTaskList</a:t>
             </a:r>
             <a:endParaRPr lang="en-SG" sz="1050" dirty="0">
               <a:solidFill>
@@ -4481,7 +4497,7 @@
                   <a:srgbClr val="7030A0"/>
                 </a:solidFill>
               </a:rPr>
-              <a:t>Person</a:t>
+              <a:t>Task</a:t>
             </a:r>
             <a:endParaRPr lang="en-SG" sz="1050" dirty="0">
               <a:solidFill>
@@ -4780,7 +4796,7 @@
                   <a:srgbClr val="7030A0"/>
                 </a:solidFill>
               </a:rPr>
-              <a:t>ReadOnlyPerson</a:t>
+              <a:t>ReadOnlyTask</a:t>
             </a:r>
             <a:endParaRPr lang="en-SG" sz="1050" dirty="0">
               <a:solidFill>
@@ -4798,8 +4814,8 @@
         </p:nvSpPr>
         <p:spPr>
           <a:xfrm>
-            <a:off x="7712397" y="2564238"/>
-            <a:ext cx="708186" cy="285783"/>
+            <a:off x="7712397" y="2595799"/>
+            <a:ext cx="828000" cy="255600"/>
           </a:xfrm>
           <a:prstGeom prst="rect">
             <a:avLst/>
@@ -4836,7 +4852,7 @@
                   <a:srgbClr val="7030A0"/>
                 </a:solidFill>
               </a:rPr>
-              <a:t>Name</a:t>
+              <a:t>Title</a:t>
             </a:r>
             <a:endParaRPr lang="en-SG" sz="1050" dirty="0">
               <a:solidFill>
@@ -4904,8 +4920,8 @@
         </p:nvCxnSpPr>
         <p:spPr>
           <a:xfrm flipV="1">
-            <a:off x="7277995" y="2707130"/>
-            <a:ext cx="434402" cy="327761"/>
+            <a:off x="7277995" y="2723599"/>
+            <a:ext cx="434402" cy="311292"/>
           </a:xfrm>
           <a:prstGeom prst="bentConnector3">
             <a:avLst/>
@@ -4942,8 +4958,8 @@
         </p:nvSpPr>
         <p:spPr>
           <a:xfrm>
-            <a:off x="7712397" y="2887216"/>
-            <a:ext cx="708186" cy="285783"/>
+            <a:off x="7712397" y="2918777"/>
+            <a:ext cx="828000" cy="255600"/>
           </a:xfrm>
           <a:prstGeom prst="rect">
             <a:avLst/>
@@ -4980,7 +4996,7 @@
                   <a:srgbClr val="7030A0"/>
                 </a:solidFill>
               </a:rPr>
-              <a:t>Phone</a:t>
+              <a:t>Venue</a:t>
             </a:r>
             <a:endParaRPr lang="en-SG" sz="1050" dirty="0">
               <a:solidFill>
@@ -5000,9 +5016,9 @@
           <p:nvPr/>
         </p:nvCxnSpPr>
         <p:spPr>
-          <a:xfrm flipV="1">
-            <a:off x="7277995" y="3030108"/>
-            <a:ext cx="434402" cy="4783"/>
+          <a:xfrm>
+            <a:off x="7277995" y="3034891"/>
+            <a:ext cx="434402" cy="11686"/>
           </a:xfrm>
           <a:prstGeom prst="bentConnector3">
             <a:avLst/>
@@ -5039,8 +5055,8 @@
         </p:nvSpPr>
         <p:spPr>
           <a:xfrm>
-            <a:off x="7712397" y="3210194"/>
-            <a:ext cx="708186" cy="285783"/>
+            <a:off x="7712397" y="3230015"/>
+            <a:ext cx="828000" cy="255600"/>
           </a:xfrm>
           <a:prstGeom prst="rect">
             <a:avLst/>
@@ -5072,12 +5088,12 @@
           <a:p>
             <a:pPr algn="ctr"/>
             <a:r>
-              <a:rPr lang="en-US" sz="1050" dirty="0" smtClean="0">
+              <a:rPr lang="en-US" sz="1050" dirty="0" err="1" smtClean="0">
                 <a:solidFill>
                   <a:srgbClr val="7030A0"/>
                 </a:solidFill>
               </a:rPr>
-              <a:t>Email</a:t>
+              <a:t>StartTime</a:t>
             </a:r>
             <a:endParaRPr lang="en-SG" sz="1050" dirty="0">
               <a:solidFill>
@@ -5091,15 +5107,14 @@
         <p:nvCxnSpPr>
           <p:cNvPr id="84" name="Elbow Connector 83"/>
           <p:cNvCxnSpPr>
-            <a:stCxn id="78" idx="3"/>
             <a:endCxn id="83" idx="1"/>
           </p:cNvCxnSpPr>
           <p:nvPr/>
         </p:nvCxnSpPr>
         <p:spPr>
           <a:xfrm>
-            <a:off x="7277995" y="3034891"/>
-            <a:ext cx="434402" cy="318195"/>
+            <a:off x="7277995" y="3045364"/>
+            <a:ext cx="434402" cy="312451"/>
           </a:xfrm>
           <a:prstGeom prst="bentConnector3">
             <a:avLst/>
@@ -5136,8 +5151,8 @@
         </p:nvSpPr>
         <p:spPr>
           <a:xfrm>
-            <a:off x="7712397" y="3533171"/>
-            <a:ext cx="708186" cy="285783"/>
+            <a:off x="7712397" y="3554400"/>
+            <a:ext cx="828000" cy="255600"/>
           </a:xfrm>
           <a:prstGeom prst="rect">
             <a:avLst/>
@@ -5169,12 +5184,12 @@
           <a:p>
             <a:pPr algn="ctr"/>
             <a:r>
-              <a:rPr lang="en-US" sz="1050" dirty="0" smtClean="0">
+              <a:rPr lang="en-US" sz="1050" dirty="0" err="1" smtClean="0">
                 <a:solidFill>
                   <a:srgbClr val="7030A0"/>
                 </a:solidFill>
               </a:rPr>
-              <a:t>Address</a:t>
+              <a:t>EndTime</a:t>
             </a:r>
             <a:endParaRPr lang="en-SG" sz="1050" dirty="0">
               <a:solidFill>
@@ -5184,47 +5199,6 @@
           </a:p>
         </p:txBody>
       </p:sp>
-      <p:cxnSp>
-        <p:nvCxnSpPr>
-          <p:cNvPr id="86" name="Elbow Connector 85"/>
-          <p:cNvCxnSpPr>
-            <a:stCxn id="78" idx="3"/>
-            <a:endCxn id="85" idx="1"/>
-          </p:cNvCxnSpPr>
-          <p:nvPr/>
-        </p:nvCxnSpPr>
-        <p:spPr>
-          <a:xfrm>
-            <a:off x="7277995" y="3034891"/>
-            <a:ext cx="434402" cy="641172"/>
-          </a:xfrm>
-          <a:prstGeom prst="bentConnector3">
-            <a:avLst/>
-          </a:prstGeom>
-          <a:ln w="19050">
-            <a:solidFill>
-              <a:srgbClr val="7030A0"/>
-            </a:solidFill>
-            <a:headEnd type="none" w="med" len="med"/>
-            <a:tailEnd type="arrow" w="med" len="med"/>
-          </a:ln>
-          <a:effectLst/>
-        </p:spPr>
-        <p:style>
-          <a:lnRef idx="1">
-            <a:schemeClr val="accent2"/>
-          </a:lnRef>
-          <a:fillRef idx="2">
-            <a:schemeClr val="accent2"/>
-          </a:fillRef>
-          <a:effectRef idx="1">
-            <a:schemeClr val="accent2"/>
-          </a:effectRef>
-          <a:fontRef idx="minor">
-            <a:schemeClr val="dk1"/>
-          </a:fontRef>
-        </p:style>
-      </p:cxnSp>
       <p:cxnSp>
         <p:nvCxnSpPr>
           <p:cNvPr id="97" name="Elbow Connector 63"/>
@@ -5377,7 +5351,7 @@
                   <a:srgbClr val="7030A0"/>
                 </a:solidFill>
               </a:rPr>
-              <a:t>ReadOnlyAddressBook</a:t>
+              <a:t>ReadOnlyToDoList</a:t>
             </a:r>
             <a:endParaRPr lang="en-SG" sz="1050" dirty="0">
               <a:solidFill>
@@ -5900,6 +5874,238 @@
           </a:p>
         </p:txBody>
       </p:sp>
+      <p:sp>
+        <p:nvSpPr>
+          <p:cNvPr id="73" name="Rectangle 8"/>
+          <p:cNvSpPr/>
+          <p:nvPr/>
+        </p:nvSpPr>
+        <p:spPr>
+          <a:xfrm>
+            <a:off x="7712397" y="3855773"/>
+            <a:ext cx="828000" cy="255600"/>
+          </a:xfrm>
+          <a:prstGeom prst="rect">
+            <a:avLst/>
+          </a:prstGeom>
+          <a:ln w="19050">
+            <a:solidFill>
+              <a:srgbClr val="7030A0"/>
+            </a:solidFill>
+          </a:ln>
+          <a:effectLst/>
+        </p:spPr>
+        <p:style>
+          <a:lnRef idx="1">
+            <a:schemeClr val="accent4"/>
+          </a:lnRef>
+          <a:fillRef idx="2">
+            <a:schemeClr val="accent4"/>
+          </a:fillRef>
+          <a:effectRef idx="1">
+            <a:schemeClr val="accent4"/>
+          </a:effectRef>
+          <a:fontRef idx="minor">
+            <a:schemeClr val="dk1"/>
+          </a:fontRef>
+        </p:style>
+        <p:txBody>
+          <a:bodyPr rtlCol="0" anchor="ctr"/>
+          <a:lstStyle/>
+          <a:p>
+            <a:pPr algn="ctr"/>
+            <a:r>
+              <a:rPr lang="en-US" sz="1050" dirty="0" smtClean="0">
+                <a:solidFill>
+                  <a:srgbClr val="7030A0"/>
+                </a:solidFill>
+              </a:rPr>
+              <a:t>Urgency</a:t>
+            </a:r>
+            <a:endParaRPr lang="en-SG" sz="1050" dirty="0">
+              <a:solidFill>
+                <a:srgbClr val="7030A0"/>
+              </a:solidFill>
+            </a:endParaRPr>
+          </a:p>
+        </p:txBody>
+      </p:sp>
+      <p:sp>
+        <p:nvSpPr>
+          <p:cNvPr id="74" name="Rectangle 8"/>
+          <p:cNvSpPr/>
+          <p:nvPr/>
+        </p:nvSpPr>
+        <p:spPr>
+          <a:xfrm>
+            <a:off x="7712397" y="4200963"/>
+            <a:ext cx="828000" cy="255600"/>
+          </a:xfrm>
+          <a:prstGeom prst="rect">
+            <a:avLst/>
+          </a:prstGeom>
+          <a:ln w="19050">
+            <a:solidFill>
+              <a:srgbClr val="7030A0"/>
+            </a:solidFill>
+          </a:ln>
+          <a:effectLst/>
+        </p:spPr>
+        <p:style>
+          <a:lnRef idx="1">
+            <a:schemeClr val="accent4"/>
+          </a:lnRef>
+          <a:fillRef idx="2">
+            <a:schemeClr val="accent4"/>
+          </a:fillRef>
+          <a:effectRef idx="1">
+            <a:schemeClr val="accent4"/>
+          </a:effectRef>
+          <a:fontRef idx="minor">
+            <a:schemeClr val="dk1"/>
+          </a:fontRef>
+        </p:style>
+        <p:txBody>
+          <a:bodyPr rtlCol="0" anchor="ctr"/>
+          <a:lstStyle/>
+          <a:p>
+            <a:pPr algn="ctr"/>
+            <a:r>
+              <a:rPr lang="en-US" sz="1050" dirty="0" smtClean="0">
+                <a:solidFill>
+                  <a:srgbClr val="7030A0"/>
+                </a:solidFill>
+              </a:rPr>
+              <a:t>Description</a:t>
+            </a:r>
+            <a:endParaRPr lang="en-SG" sz="1050" dirty="0">
+              <a:solidFill>
+                <a:srgbClr val="7030A0"/>
+              </a:solidFill>
+            </a:endParaRPr>
+          </a:p>
+        </p:txBody>
+      </p:sp>
+      <p:cxnSp>
+        <p:nvCxnSpPr>
+          <p:cNvPr id="77" name="Elbow Connector 76"/>
+          <p:cNvCxnSpPr>
+            <a:endCxn id="85" idx="1"/>
+          </p:cNvCxnSpPr>
+          <p:nvPr/>
+        </p:nvCxnSpPr>
+        <p:spPr>
+          <a:xfrm rot="16200000" flipH="1">
+            <a:off x="7304702" y="3274505"/>
+            <a:ext cx="603296" cy="212094"/>
+          </a:xfrm>
+          <a:prstGeom prst="bentConnector2">
+            <a:avLst/>
+          </a:prstGeom>
+          <a:ln w="19050">
+            <a:solidFill>
+              <a:srgbClr val="7030A0"/>
+            </a:solidFill>
+            <a:headEnd type="none" w="med" len="med"/>
+            <a:tailEnd type="arrow" w="med" len="med"/>
+          </a:ln>
+          <a:effectLst/>
+        </p:spPr>
+        <p:style>
+          <a:lnRef idx="1">
+            <a:schemeClr val="accent2"/>
+          </a:lnRef>
+          <a:fillRef idx="2">
+            <a:schemeClr val="accent2"/>
+          </a:fillRef>
+          <a:effectRef idx="1">
+            <a:schemeClr val="accent2"/>
+          </a:effectRef>
+          <a:fontRef idx="minor">
+            <a:schemeClr val="dk1"/>
+          </a:fontRef>
+        </p:style>
+      </p:cxnSp>
+      <p:cxnSp>
+        <p:nvCxnSpPr>
+          <p:cNvPr id="82" name="Elbow Connector 81"/>
+          <p:cNvCxnSpPr>
+            <a:endCxn id="73" idx="1"/>
+          </p:cNvCxnSpPr>
+          <p:nvPr/>
+        </p:nvCxnSpPr>
+        <p:spPr>
+          <a:xfrm rot="16200000" flipH="1">
+            <a:off x="7302581" y="3573756"/>
+            <a:ext cx="602431" cy="217202"/>
+          </a:xfrm>
+          <a:prstGeom prst="bentConnector2">
+            <a:avLst/>
+          </a:prstGeom>
+          <a:ln w="19050">
+            <a:solidFill>
+              <a:srgbClr val="7030A0"/>
+            </a:solidFill>
+            <a:headEnd type="none" w="med" len="med"/>
+            <a:tailEnd type="arrow" w="med" len="med"/>
+          </a:ln>
+          <a:effectLst/>
+        </p:spPr>
+        <p:style>
+          <a:lnRef idx="1">
+            <a:schemeClr val="accent2"/>
+          </a:lnRef>
+          <a:fillRef idx="2">
+            <a:schemeClr val="accent2"/>
+          </a:fillRef>
+          <a:effectRef idx="1">
+            <a:schemeClr val="accent2"/>
+          </a:effectRef>
+          <a:fontRef idx="minor">
+            <a:schemeClr val="dk1"/>
+          </a:fontRef>
+        </p:style>
+      </p:cxnSp>
+      <p:cxnSp>
+        <p:nvCxnSpPr>
+          <p:cNvPr id="87" name="Elbow Connector 86"/>
+          <p:cNvCxnSpPr>
+            <a:endCxn id="74" idx="1"/>
+          </p:cNvCxnSpPr>
+          <p:nvPr/>
+        </p:nvCxnSpPr>
+        <p:spPr>
+          <a:xfrm rot="16200000" flipH="1">
+            <a:off x="7285740" y="3902106"/>
+            <a:ext cx="634844" cy="218470"/>
+          </a:xfrm>
+          <a:prstGeom prst="bentConnector2">
+            <a:avLst/>
+          </a:prstGeom>
+          <a:ln w="19050">
+            <a:solidFill>
+              <a:srgbClr val="7030A0"/>
+            </a:solidFill>
+            <a:headEnd type="none" w="med" len="med"/>
+            <a:tailEnd type="arrow" w="med" len="med"/>
+          </a:ln>
+          <a:effectLst/>
+        </p:spPr>
+        <p:style>
+          <a:lnRef idx="1">
+            <a:schemeClr val="accent2"/>
+          </a:lnRef>
+          <a:fillRef idx="2">
+            <a:schemeClr val="accent2"/>
+          </a:fillRef>
+          <a:effectRef idx="1">
+            <a:schemeClr val="accent2"/>
+          </a:effectRef>
+          <a:fontRef idx="minor">
+            <a:schemeClr val="dk1"/>
+          </a:fontRef>
+        </p:style>
+      </p:cxnSp>
     </p:spTree>
     <p:extLst>
       <p:ext uri="{BB962C8B-B14F-4D97-AF65-F5344CB8AC3E}">

--- a/docs/diagrams/ModelComponentClassDiagram.pptx
+++ b/docs/diagrams/ModelComponentClassDiagram.pptx
@@ -208,7 +208,7 @@
           <a:p>
             <a:fld id="{F5CC4B3F-88C1-4FFA-B1B6-F41C21DC6924}" type="datetimeFigureOut">
               <a:rPr lang="en-US" smtClean="0"/>
-              <a:t>3/15/2017</a:t>
+              <a:t>3/23/2017</a:t>
             </a:fld>
             <a:endParaRPr lang="en-US"/>
           </a:p>
@@ -657,7 +657,7 @@
           <a:p>
             <a:fld id="{78C97017-6FC3-485B-9764-EAC9E56C1D49}" type="datetimeFigureOut">
               <a:rPr lang="en-US" smtClean="0"/>
-              <a:t>3/15/2017</a:t>
+              <a:t>3/23/2017</a:t>
             </a:fld>
             <a:endParaRPr lang="en-US"/>
           </a:p>
@@ -827,7 +827,7 @@
           <a:p>
             <a:fld id="{78C97017-6FC3-485B-9764-EAC9E56C1D49}" type="datetimeFigureOut">
               <a:rPr lang="en-US" smtClean="0"/>
-              <a:t>3/15/2017</a:t>
+              <a:t>3/23/2017</a:t>
             </a:fld>
             <a:endParaRPr lang="en-US"/>
           </a:p>
@@ -1007,7 +1007,7 @@
           <a:p>
             <a:fld id="{78C97017-6FC3-485B-9764-EAC9E56C1D49}" type="datetimeFigureOut">
               <a:rPr lang="en-US" smtClean="0"/>
-              <a:t>3/15/2017</a:t>
+              <a:t>3/23/2017</a:t>
             </a:fld>
             <a:endParaRPr lang="en-US"/>
           </a:p>
@@ -1177,7 +1177,7 @@
           <a:p>
             <a:fld id="{78C97017-6FC3-485B-9764-EAC9E56C1D49}" type="datetimeFigureOut">
               <a:rPr lang="en-US" smtClean="0"/>
-              <a:t>3/15/2017</a:t>
+              <a:t>3/23/2017</a:t>
             </a:fld>
             <a:endParaRPr lang="en-US"/>
           </a:p>
@@ -1423,7 +1423,7 @@
           <a:p>
             <a:fld id="{78C97017-6FC3-485B-9764-EAC9E56C1D49}" type="datetimeFigureOut">
               <a:rPr lang="en-US" smtClean="0"/>
-              <a:t>3/15/2017</a:t>
+              <a:t>3/23/2017</a:t>
             </a:fld>
             <a:endParaRPr lang="en-US"/>
           </a:p>
@@ -1711,7 +1711,7 @@
           <a:p>
             <a:fld id="{78C97017-6FC3-485B-9764-EAC9E56C1D49}" type="datetimeFigureOut">
               <a:rPr lang="en-US" smtClean="0"/>
-              <a:t>3/15/2017</a:t>
+              <a:t>3/23/2017</a:t>
             </a:fld>
             <a:endParaRPr lang="en-US"/>
           </a:p>
@@ -2133,7 +2133,7 @@
           <a:p>
             <a:fld id="{78C97017-6FC3-485B-9764-EAC9E56C1D49}" type="datetimeFigureOut">
               <a:rPr lang="en-US" smtClean="0"/>
-              <a:t>3/15/2017</a:t>
+              <a:t>3/23/2017</a:t>
             </a:fld>
             <a:endParaRPr lang="en-US"/>
           </a:p>
@@ -2251,7 +2251,7 @@
           <a:p>
             <a:fld id="{78C97017-6FC3-485B-9764-EAC9E56C1D49}" type="datetimeFigureOut">
               <a:rPr lang="en-US" smtClean="0"/>
-              <a:t>3/15/2017</a:t>
+              <a:t>3/23/2017</a:t>
             </a:fld>
             <a:endParaRPr lang="en-US"/>
           </a:p>
@@ -2346,7 +2346,7 @@
           <a:p>
             <a:fld id="{78C97017-6FC3-485B-9764-EAC9E56C1D49}" type="datetimeFigureOut">
               <a:rPr lang="en-US" smtClean="0"/>
-              <a:t>3/15/2017</a:t>
+              <a:t>3/23/2017</a:t>
             </a:fld>
             <a:endParaRPr lang="en-US"/>
           </a:p>
@@ -2623,7 +2623,7 @@
           <a:p>
             <a:fld id="{78C97017-6FC3-485B-9764-EAC9E56C1D49}" type="datetimeFigureOut">
               <a:rPr lang="en-US" smtClean="0"/>
-              <a:t>3/15/2017</a:t>
+              <a:t>3/23/2017</a:t>
             </a:fld>
             <a:endParaRPr lang="en-US"/>
           </a:p>
@@ -2876,7 +2876,7 @@
           <a:p>
             <a:fld id="{78C97017-6FC3-485B-9764-EAC9E56C1D49}" type="datetimeFigureOut">
               <a:rPr lang="en-US" smtClean="0"/>
-              <a:t>3/15/2017</a:t>
+              <a:t>3/23/2017</a:t>
             </a:fld>
             <a:endParaRPr lang="en-US"/>
           </a:p>
@@ -3089,7 +3089,7 @@
           <a:p>
             <a:fld id="{78C97017-6FC3-485B-9764-EAC9E56C1D49}" type="datetimeFigureOut">
               <a:rPr lang="en-US" smtClean="0"/>
-              <a:t>3/15/2017</a:t>
+              <a:t>3/23/2017</a:t>
             </a:fld>
             <a:endParaRPr lang="en-US"/>
           </a:p>
@@ -3472,8 +3472,8 @@
         </p:nvSpPr>
         <p:spPr>
           <a:xfrm>
-            <a:off x="1119865" y="1727200"/>
-            <a:ext cx="7719335" cy="2997200"/>
+            <a:off x="1093332" y="1371600"/>
+            <a:ext cx="7719335" cy="5130800"/>
           </a:xfrm>
           <a:prstGeom prst="roundRect">
             <a:avLst>
@@ -3533,7 +3533,7 @@
         </p:nvSpPr>
         <p:spPr>
           <a:xfrm>
-            <a:off x="2877180" y="3158440"/>
+            <a:off x="2886583" y="4648200"/>
             <a:ext cx="1093635" cy="346760"/>
           </a:xfrm>
           <a:prstGeom prst="rect">
@@ -3592,8 +3592,8 @@
         </p:nvSpPr>
         <p:spPr>
           <a:xfrm rot="16200000">
-            <a:off x="1683963" y="2868687"/>
-            <a:ext cx="1093635" cy="346760"/>
+            <a:off x="887605" y="3665044"/>
+            <a:ext cx="2686351" cy="346760"/>
           </a:xfrm>
           <a:prstGeom prst="rect">
             <a:avLst/>
@@ -3694,13 +3694,13 @@
         </p:nvCxnSpPr>
         <p:spPr>
           <a:xfrm rot="5400000" flipH="1" flipV="1">
-            <a:off x="4360065" y="1080909"/>
-            <a:ext cx="378691" cy="4637261"/>
+            <a:off x="3563709" y="1877268"/>
+            <a:ext cx="1971404" cy="4637260"/>
           </a:xfrm>
           <a:prstGeom prst="bentConnector4">
             <a:avLst>
-              <a:gd name="adj1" fmla="val -101829"/>
-              <a:gd name="adj2" fmla="val 99976"/>
+              <a:gd name="adj1" fmla="val -11596"/>
+              <a:gd name="adj2" fmla="val 100005"/>
             </a:avLst>
           </a:prstGeom>
           <a:ln w="19050">
@@ -3736,8 +3736,8 @@
         </p:nvSpPr>
         <p:spPr>
           <a:xfrm rot="16200000">
-            <a:off x="956202" y="2861202"/>
-            <a:ext cx="1093635" cy="346760"/>
+            <a:off x="156102" y="3661302"/>
+            <a:ext cx="2693835" cy="346760"/>
           </a:xfrm>
           <a:prstGeom prst="rect">
             <a:avLst/>
@@ -3849,14 +3849,13 @@
         <p:nvCxnSpPr>
           <p:cNvPr id="58" name="Straight Arrow Connector 57"/>
           <p:cNvCxnSpPr>
-            <a:stCxn id="42" idx="3"/>
             <a:endCxn id="2" idx="1"/>
           </p:cNvCxnSpPr>
           <p:nvPr/>
         </p:nvCxnSpPr>
         <p:spPr>
           <a:xfrm>
-            <a:off x="2656370" y="3326536"/>
+            <a:off x="2665773" y="4816296"/>
             <a:ext cx="220810" cy="5284"/>
           </a:xfrm>
           <a:prstGeom prst="straightConnector1">
@@ -4029,7 +4028,7 @@
         </p:nvSpPr>
         <p:spPr>
           <a:xfrm>
-            <a:off x="2420322" y="3239846"/>
+            <a:off x="2424255" y="4732248"/>
             <a:ext cx="236048" cy="173380"/>
           </a:xfrm>
           <a:prstGeom prst="flowChartDecision">
@@ -5361,7 +5360,7 @@
         </p:nvSpPr>
         <p:spPr>
           <a:xfrm>
-            <a:off x="2057400" y="4239491"/>
+            <a:off x="2057401" y="5638800"/>
             <a:ext cx="1775949" cy="346760"/>
           </a:xfrm>
           <a:prstGeom prst="rect">
@@ -5443,8 +5442,8 @@
         </p:nvCxnSpPr>
         <p:spPr>
           <a:xfrm rot="16200000" flipH="1">
-            <a:off x="1364475" y="3719945"/>
-            <a:ext cx="831471" cy="554380"/>
+            <a:off x="1464920" y="5219699"/>
+            <a:ext cx="630580" cy="554381"/>
           </a:xfrm>
           <a:prstGeom prst="bentConnector2">
             <a:avLst/>
@@ -5757,7 +5756,7 @@
         </p:nvSpPr>
         <p:spPr>
           <a:xfrm>
-            <a:off x="2656370" y="3386050"/>
+            <a:off x="2665773" y="4875810"/>
             <a:ext cx="189257" cy="178683"/>
           </a:xfrm>
           <a:prstGeom prst="rect">
@@ -5827,6 +5826,458 @@
           </a:p>
         </p:txBody>
       </p:sp>
+      <p:sp>
+        <p:nvSpPr>
+          <p:cNvPr id="74" name="Rectangle 8"/>
+          <p:cNvSpPr/>
+          <p:nvPr/>
+        </p:nvSpPr>
+        <p:spPr>
+          <a:xfrm>
+            <a:off x="2881789" y="3384110"/>
+            <a:ext cx="1093635" cy="346760"/>
+          </a:xfrm>
+          <a:prstGeom prst="rect">
+            <a:avLst/>
+          </a:prstGeom>
+          <a:ln w="19050">
+            <a:solidFill>
+              <a:srgbClr val="7030A0"/>
+            </a:solidFill>
+          </a:ln>
+          <a:effectLst/>
+        </p:spPr>
+        <p:style>
+          <a:lnRef idx="1">
+            <a:schemeClr val="accent4"/>
+          </a:lnRef>
+          <a:fillRef idx="2">
+            <a:schemeClr val="accent4"/>
+          </a:fillRef>
+          <a:effectRef idx="1">
+            <a:schemeClr val="accent4"/>
+          </a:effectRef>
+          <a:fontRef idx="minor">
+            <a:schemeClr val="dk1"/>
+          </a:fontRef>
+        </p:style>
+        <p:txBody>
+          <a:bodyPr rtlCol="0" anchor="ctr"/>
+          <a:lstStyle/>
+          <a:p>
+            <a:pPr algn="ctr"/>
+            <a:r>
+              <a:rPr lang="en-US" sz="800" smtClean="0">
+                <a:solidFill>
+                  <a:srgbClr val="7030A0"/>
+                </a:solidFill>
+              </a:rPr>
+              <a:t>H</a:t>
+            </a:r>
+            <a:r>
+              <a:rPr lang="en-US" altLang="zh-CN" sz="800" smtClean="0">
+                <a:solidFill>
+                  <a:srgbClr val="7030A0"/>
+                </a:solidFill>
+              </a:rPr>
+              <a:t>istory&lt;TodoList&gt;</a:t>
+            </a:r>
+            <a:endParaRPr lang="en-SG" sz="800" dirty="0">
+              <a:solidFill>
+                <a:srgbClr val="7030A0"/>
+              </a:solidFill>
+            </a:endParaRPr>
+          </a:p>
+        </p:txBody>
+      </p:sp>
+      <p:sp>
+        <p:nvSpPr>
+          <p:cNvPr id="77" name="Rectangle 8"/>
+          <p:cNvSpPr/>
+          <p:nvPr/>
+        </p:nvSpPr>
+        <p:spPr>
+          <a:xfrm>
+            <a:off x="2879490" y="4022518"/>
+            <a:ext cx="1093635" cy="346760"/>
+          </a:xfrm>
+          <a:prstGeom prst="rect">
+            <a:avLst/>
+          </a:prstGeom>
+          <a:ln w="19050">
+            <a:solidFill>
+              <a:srgbClr val="7030A0"/>
+            </a:solidFill>
+          </a:ln>
+          <a:effectLst/>
+        </p:spPr>
+        <p:style>
+          <a:lnRef idx="1">
+            <a:schemeClr val="accent4"/>
+          </a:lnRef>
+          <a:fillRef idx="2">
+            <a:schemeClr val="accent4"/>
+          </a:fillRef>
+          <a:effectRef idx="1">
+            <a:schemeClr val="accent4"/>
+          </a:effectRef>
+          <a:fontRef idx="minor">
+            <a:schemeClr val="dk1"/>
+          </a:fontRef>
+        </p:style>
+        <p:txBody>
+          <a:bodyPr rtlCol="0" anchor="ctr"/>
+          <a:lstStyle/>
+          <a:p>
+            <a:pPr algn="ctr"/>
+            <a:r>
+              <a:rPr lang="en-US" sz="1050">
+                <a:solidFill>
+                  <a:srgbClr val="7030A0"/>
+                </a:solidFill>
+              </a:rPr>
+              <a:t>AliasListMap</a:t>
+            </a:r>
+            <a:endParaRPr lang="en-SG" sz="1050" dirty="0">
+              <a:solidFill>
+                <a:srgbClr val="7030A0"/>
+              </a:solidFill>
+            </a:endParaRPr>
+          </a:p>
+        </p:txBody>
+      </p:sp>
+      <p:cxnSp>
+        <p:nvCxnSpPr>
+          <p:cNvPr id="82" name="Straight Arrow Connector 81"/>
+          <p:cNvCxnSpPr/>
+          <p:nvPr/>
+        </p:nvCxnSpPr>
+        <p:spPr>
+          <a:xfrm>
+            <a:off x="2656652" y="3559440"/>
+            <a:ext cx="220810" cy="5284"/>
+          </a:xfrm>
+          <a:prstGeom prst="straightConnector1">
+            <a:avLst/>
+          </a:prstGeom>
+          <a:ln w="19050">
+            <a:solidFill>
+              <a:srgbClr val="7030A0"/>
+            </a:solidFill>
+            <a:headEnd type="none" w="med" len="med"/>
+            <a:tailEnd type="arrow" w="med" len="med"/>
+          </a:ln>
+          <a:effectLst/>
+        </p:spPr>
+        <p:style>
+          <a:lnRef idx="1">
+            <a:schemeClr val="accent2"/>
+          </a:lnRef>
+          <a:fillRef idx="2">
+            <a:schemeClr val="accent2"/>
+          </a:fillRef>
+          <a:effectRef idx="1">
+            <a:schemeClr val="accent2"/>
+          </a:effectRef>
+          <a:fontRef idx="minor">
+            <a:schemeClr val="dk1"/>
+          </a:fontRef>
+        </p:style>
+      </p:cxnSp>
+      <p:sp>
+        <p:nvSpPr>
+          <p:cNvPr id="85" name="Flowchart: Decision 96"/>
+          <p:cNvSpPr/>
+          <p:nvPr/>
+        </p:nvSpPr>
+        <p:spPr>
+          <a:xfrm>
+            <a:off x="2415134" y="3475392"/>
+            <a:ext cx="236048" cy="173380"/>
+          </a:xfrm>
+          <a:prstGeom prst="flowChartDecision">
+            <a:avLst/>
+          </a:prstGeom>
+          <a:noFill/>
+          <a:ln w="19050">
+            <a:solidFill>
+              <a:srgbClr val="7030A0"/>
+            </a:solidFill>
+          </a:ln>
+          <a:effectLst/>
+        </p:spPr>
+        <p:style>
+          <a:lnRef idx="1">
+            <a:schemeClr val="accent6"/>
+          </a:lnRef>
+          <a:fillRef idx="2">
+            <a:schemeClr val="accent6"/>
+          </a:fillRef>
+          <a:effectRef idx="1">
+            <a:schemeClr val="accent6"/>
+          </a:effectRef>
+          <a:fontRef idx="minor">
+            <a:schemeClr val="dk1"/>
+          </a:fontRef>
+        </p:style>
+        <p:txBody>
+          <a:bodyPr rtlCol="0" anchor="ctr"/>
+          <a:lstStyle/>
+          <a:p>
+            <a:pPr algn="ctr"/>
+            <a:endParaRPr lang="en-US" sz="1050"/>
+          </a:p>
+        </p:txBody>
+      </p:sp>
+      <p:sp>
+        <p:nvSpPr>
+          <p:cNvPr id="86" name="TextBox 85"/>
+          <p:cNvSpPr txBox="1"/>
+          <p:nvPr/>
+        </p:nvSpPr>
+        <p:spPr>
+          <a:xfrm>
+            <a:off x="2656652" y="3618954"/>
+            <a:ext cx="189257" cy="178683"/>
+          </a:xfrm>
+          <a:prstGeom prst="rect">
+            <a:avLst/>
+          </a:prstGeom>
+          <a:noFill/>
+        </p:spPr>
+        <p:txBody>
+          <a:bodyPr wrap="square" lIns="0" tIns="0" rIns="0" bIns="0" rtlCol="0">
+            <a:noAutofit/>
+          </a:bodyPr>
+          <a:lstStyle/>
+          <a:p>
+            <a:pPr algn="ctr"/>
+            <a:r>
+              <a:rPr lang="en-US" sz="1100" dirty="0" smtClean="0">
+                <a:solidFill>
+                  <a:srgbClr val="7030A0"/>
+                </a:solidFill>
+              </a:rPr>
+              <a:t>1</a:t>
+            </a:r>
+            <a:endParaRPr lang="en-SG" sz="1100" dirty="0">
+              <a:solidFill>
+                <a:srgbClr val="7030A0"/>
+              </a:solidFill>
+            </a:endParaRPr>
+          </a:p>
+        </p:txBody>
+      </p:sp>
+      <p:cxnSp>
+        <p:nvCxnSpPr>
+          <p:cNvPr id="93" name="Straight Arrow Connector 92"/>
+          <p:cNvCxnSpPr/>
+          <p:nvPr/>
+        </p:nvCxnSpPr>
+        <p:spPr>
+          <a:xfrm>
+            <a:off x="2652179" y="4112901"/>
+            <a:ext cx="220810" cy="5284"/>
+          </a:xfrm>
+          <a:prstGeom prst="straightConnector1">
+            <a:avLst/>
+          </a:prstGeom>
+          <a:ln w="19050">
+            <a:solidFill>
+              <a:srgbClr val="7030A0"/>
+            </a:solidFill>
+            <a:headEnd type="none" w="med" len="med"/>
+            <a:tailEnd type="arrow" w="med" len="med"/>
+          </a:ln>
+          <a:effectLst/>
+        </p:spPr>
+        <p:style>
+          <a:lnRef idx="1">
+            <a:schemeClr val="accent2"/>
+          </a:lnRef>
+          <a:fillRef idx="2">
+            <a:schemeClr val="accent2"/>
+          </a:fillRef>
+          <a:effectRef idx="1">
+            <a:schemeClr val="accent2"/>
+          </a:effectRef>
+          <a:fontRef idx="minor">
+            <a:schemeClr val="dk1"/>
+          </a:fontRef>
+        </p:style>
+      </p:cxnSp>
+      <p:sp>
+        <p:nvSpPr>
+          <p:cNvPr id="94" name="Flowchart: Decision 96"/>
+          <p:cNvSpPr/>
+          <p:nvPr/>
+        </p:nvSpPr>
+        <p:spPr>
+          <a:xfrm>
+            <a:off x="2410661" y="4028853"/>
+            <a:ext cx="236048" cy="173380"/>
+          </a:xfrm>
+          <a:prstGeom prst="flowChartDecision">
+            <a:avLst/>
+          </a:prstGeom>
+          <a:noFill/>
+          <a:ln w="19050">
+            <a:solidFill>
+              <a:srgbClr val="7030A0"/>
+            </a:solidFill>
+          </a:ln>
+          <a:effectLst/>
+        </p:spPr>
+        <p:style>
+          <a:lnRef idx="1">
+            <a:schemeClr val="accent6"/>
+          </a:lnRef>
+          <a:fillRef idx="2">
+            <a:schemeClr val="accent6"/>
+          </a:fillRef>
+          <a:effectRef idx="1">
+            <a:schemeClr val="accent6"/>
+          </a:effectRef>
+          <a:fontRef idx="minor">
+            <a:schemeClr val="dk1"/>
+          </a:fontRef>
+        </p:style>
+        <p:txBody>
+          <a:bodyPr rtlCol="0" anchor="ctr"/>
+          <a:lstStyle/>
+          <a:p>
+            <a:pPr algn="ctr"/>
+            <a:endParaRPr lang="en-US" sz="1050"/>
+          </a:p>
+        </p:txBody>
+      </p:sp>
+      <p:sp>
+        <p:nvSpPr>
+          <p:cNvPr id="95" name="TextBox 94"/>
+          <p:cNvSpPr txBox="1"/>
+          <p:nvPr/>
+        </p:nvSpPr>
+        <p:spPr>
+          <a:xfrm>
+            <a:off x="2652179" y="4172415"/>
+            <a:ext cx="189257" cy="178683"/>
+          </a:xfrm>
+          <a:prstGeom prst="rect">
+            <a:avLst/>
+          </a:prstGeom>
+          <a:noFill/>
+        </p:spPr>
+        <p:txBody>
+          <a:bodyPr wrap="square" lIns="0" tIns="0" rIns="0" bIns="0" rtlCol="0">
+            <a:noAutofit/>
+          </a:bodyPr>
+          <a:lstStyle/>
+          <a:p>
+            <a:pPr algn="ctr"/>
+            <a:r>
+              <a:rPr lang="en-US" sz="1100" dirty="0" smtClean="0">
+                <a:solidFill>
+                  <a:srgbClr val="7030A0"/>
+                </a:solidFill>
+              </a:rPr>
+              <a:t>1</a:t>
+            </a:r>
+            <a:endParaRPr lang="en-SG" sz="1100" dirty="0">
+              <a:solidFill>
+                <a:srgbClr val="7030A0"/>
+              </a:solidFill>
+            </a:endParaRPr>
+          </a:p>
+        </p:txBody>
+      </p:sp>
+      <p:sp>
+        <p:nvSpPr>
+          <p:cNvPr id="96" name="Flowchart: Decision 96"/>
+          <p:cNvSpPr/>
+          <p:nvPr/>
+        </p:nvSpPr>
+        <p:spPr>
+          <a:xfrm rot="16200000">
+            <a:off x="3346249" y="3236926"/>
+            <a:ext cx="168034" cy="103834"/>
+          </a:xfrm>
+          <a:prstGeom prst="flowChartDecision">
+            <a:avLst/>
+          </a:prstGeom>
+          <a:solidFill>
+            <a:srgbClr val="7030A0"/>
+          </a:solidFill>
+          <a:ln w="19050">
+            <a:solidFill>
+              <a:srgbClr val="7030A0"/>
+            </a:solidFill>
+          </a:ln>
+          <a:effectLst/>
+        </p:spPr>
+        <p:style>
+          <a:lnRef idx="1">
+            <a:schemeClr val="accent6"/>
+          </a:lnRef>
+          <a:fillRef idx="2">
+            <a:schemeClr val="accent6"/>
+          </a:fillRef>
+          <a:effectRef idx="1">
+            <a:schemeClr val="accent6"/>
+          </a:effectRef>
+          <a:fontRef idx="minor">
+            <a:schemeClr val="dk1"/>
+          </a:fontRef>
+        </p:style>
+        <p:txBody>
+          <a:bodyPr rtlCol="0" anchor="ctr"/>
+          <a:lstStyle/>
+          <a:p>
+            <a:pPr algn="ctr"/>
+            <a:endParaRPr lang="en-US" sz="1050"/>
+          </a:p>
+        </p:txBody>
+      </p:sp>
+      <p:cxnSp>
+        <p:nvCxnSpPr>
+          <p:cNvPr id="102" name="Straight Arrow Connector 101"/>
+          <p:cNvCxnSpPr>
+            <a:stCxn id="96" idx="3"/>
+            <a:endCxn id="46" idx="2"/>
+          </p:cNvCxnSpPr>
+          <p:nvPr/>
+        </p:nvCxnSpPr>
+        <p:spPr>
+          <a:xfrm flipH="1" flipV="1">
+            <a:off x="3426308" y="2974180"/>
+            <a:ext cx="3958" cy="230646"/>
+          </a:xfrm>
+          <a:prstGeom prst="straightConnector1">
+            <a:avLst/>
+          </a:prstGeom>
+          <a:ln w="19050">
+            <a:solidFill>
+              <a:srgbClr val="7030A0"/>
+            </a:solidFill>
+            <a:headEnd type="none" w="med" len="med"/>
+            <a:tailEnd type="arrow" w="med" len="med"/>
+          </a:ln>
+          <a:effectLst/>
+        </p:spPr>
+        <p:style>
+          <a:lnRef idx="1">
+            <a:schemeClr val="accent2"/>
+          </a:lnRef>
+          <a:fillRef idx="2">
+            <a:schemeClr val="accent2"/>
+          </a:fillRef>
+          <a:effectRef idx="1">
+            <a:schemeClr val="accent2"/>
+          </a:effectRef>
+          <a:fontRef idx="minor">
+            <a:schemeClr val="dk1"/>
+          </a:fontRef>
+        </p:style>
+      </p:cxnSp>
     </p:spTree>
     <p:extLst>
       <p:ext uri="{BB962C8B-B14F-4D97-AF65-F5344CB8AC3E}">

--- a/docs/diagrams/ModelComponentClassDiagram.pptx
+++ b/docs/diagrams/ModelComponentClassDiagram.pptx
@@ -107,6 +107,22 @@
       </a:defRPr>
     </a:lvl9pPr>
   </p:defaultTextStyle>
+  <p:extLst>
+    <p:ext uri="{EFAFB233-063F-42B5-8137-9DF3F51BA10A}">
+      <p15:sldGuideLst xmlns:p15="http://schemas.microsoft.com/office/powerpoint/2012/main">
+        <p15:guide id="1" orient="horz" pos="1488">
+          <p15:clr>
+            <a:srgbClr val="A4A3A4"/>
+          </p15:clr>
+        </p15:guide>
+        <p15:guide id="2" pos="2880">
+          <p15:clr>
+            <a:srgbClr val="A4A3A4"/>
+          </p15:clr>
+        </p15:guide>
+      </p15:sldGuideLst>
+    </p:ext>
+  </p:extLst>
 </p:presentation>
 </file>
 
@@ -159,7 +175,7 @@
             </a:lvl1pPr>
           </a:lstStyle>
           <a:p>
-            <a:endParaRPr lang="en-US"/>
+            <a:endParaRPr lang="en-US" dirty="0"/>
           </a:p>
         </p:txBody>
       </p:sp>
@@ -192,9 +208,9 @@
           <a:p>
             <a:fld id="{F5CC4B3F-88C1-4FFA-B1B6-F41C21DC6924}" type="datetimeFigureOut">
               <a:rPr lang="en-US" smtClean="0"/>
-              <a:t>11/19/2016</a:t>
+              <a:t>03/24/17</a:t>
             </a:fld>
-            <a:endParaRPr lang="en-US"/>
+            <a:endParaRPr lang="en-US" dirty="0"/>
           </a:p>
         </p:txBody>
       </p:sp>
@@ -227,7 +243,7 @@
           <a:bodyPr vert="horz" lIns="91440" tIns="45720" rIns="91440" bIns="45720" rtlCol="0" anchor="ctr"/>
           <a:lstStyle/>
           <a:p>
-            <a:endParaRPr lang="en-US"/>
+            <a:endParaRPr lang="en-US" dirty="0"/>
           </a:p>
         </p:txBody>
       </p:sp>
@@ -256,38 +272,37 @@
           <a:p>
             <a:pPr lvl="0"/>
             <a:r>
-              <a:rPr lang="en-US" smtClean="0"/>
+              <a:rPr lang="en-US"/>
               <a:t>Click to edit Master text styles</a:t>
             </a:r>
           </a:p>
           <a:p>
             <a:pPr lvl="1"/>
             <a:r>
-              <a:rPr lang="en-US" smtClean="0"/>
+              <a:rPr lang="en-US"/>
               <a:t>Second level</a:t>
             </a:r>
           </a:p>
           <a:p>
             <a:pPr lvl="2"/>
             <a:r>
-              <a:rPr lang="en-US" smtClean="0"/>
+              <a:rPr lang="en-US"/>
               <a:t>Third level</a:t>
             </a:r>
           </a:p>
           <a:p>
             <a:pPr lvl="3"/>
             <a:r>
-              <a:rPr lang="en-US" smtClean="0"/>
+              <a:rPr lang="en-US"/>
               <a:t>Fourth level</a:t>
             </a:r>
           </a:p>
           <a:p>
             <a:pPr lvl="4"/>
             <a:r>
-              <a:rPr lang="en-US" smtClean="0"/>
+              <a:rPr lang="en-US"/>
               <a:t>Fifth level</a:t>
             </a:r>
-            <a:endParaRPr lang="en-US"/>
           </a:p>
         </p:txBody>
       </p:sp>
@@ -318,7 +333,7 @@
             </a:lvl1pPr>
           </a:lstStyle>
           <a:p>
-            <a:endParaRPr lang="en-US"/>
+            <a:endParaRPr lang="en-US" dirty="0"/>
           </a:p>
         </p:txBody>
       </p:sp>
@@ -353,7 +368,7 @@
               <a:rPr lang="en-US" smtClean="0"/>
               <a:t>‹#›</a:t>
             </a:fld>
-            <a:endParaRPr lang="en-US"/>
+            <a:endParaRPr lang="en-US" dirty="0"/>
           </a:p>
         </p:txBody>
       </p:sp>
@@ -498,10 +513,9 @@
           <a:lstStyle/>
           <a:p>
             <a:r>
-              <a:rPr lang="en-US" smtClean="0"/>
+              <a:rPr lang="en-US"/>
               <a:t>Click to edit Master title style</a:t>
             </a:r>
-            <a:endParaRPr lang="en-US"/>
           </a:p>
         </p:txBody>
       </p:sp>
@@ -617,10 +631,9 @@
           </a:lstStyle>
           <a:p>
             <a:r>
-              <a:rPr lang="en-US" smtClean="0"/>
+              <a:rPr lang="en-US"/>
               <a:t>Click to edit Master subtitle style</a:t>
             </a:r>
-            <a:endParaRPr lang="en-US"/>
           </a:p>
         </p:txBody>
       </p:sp>
@@ -641,9 +654,9 @@
           <a:p>
             <a:fld id="{78C97017-6FC3-485B-9764-EAC9E56C1D49}" type="datetimeFigureOut">
               <a:rPr lang="en-US" smtClean="0"/>
-              <a:t>11/19/2016</a:t>
+              <a:t>03/24/17</a:t>
             </a:fld>
-            <a:endParaRPr lang="en-US"/>
+            <a:endParaRPr lang="en-US" dirty="0"/>
           </a:p>
         </p:txBody>
       </p:sp>
@@ -662,7 +675,7 @@
           <a:bodyPr/>
           <a:lstStyle/>
           <a:p>
-            <a:endParaRPr lang="en-US"/>
+            <a:endParaRPr lang="en-US" dirty="0"/>
           </a:p>
         </p:txBody>
       </p:sp>
@@ -685,7 +698,7 @@
               <a:rPr lang="en-US" smtClean="0"/>
               <a:t>‹#›</a:t>
             </a:fld>
-            <a:endParaRPr lang="en-US"/>
+            <a:endParaRPr lang="en-US" dirty="0"/>
           </a:p>
         </p:txBody>
       </p:sp>
@@ -735,10 +748,9 @@
           <a:lstStyle/>
           <a:p>
             <a:r>
-              <a:rPr lang="en-US" smtClean="0"/>
+              <a:rPr lang="en-US"/>
               <a:t>Click to edit Master title style</a:t>
             </a:r>
-            <a:endParaRPr lang="en-US"/>
           </a:p>
         </p:txBody>
       </p:sp>
@@ -759,38 +771,37 @@
           <a:p>
             <a:pPr lvl="0"/>
             <a:r>
-              <a:rPr lang="en-US" smtClean="0"/>
+              <a:rPr lang="en-US"/>
               <a:t>Click to edit Master text styles</a:t>
             </a:r>
           </a:p>
           <a:p>
             <a:pPr lvl="1"/>
             <a:r>
-              <a:rPr lang="en-US" smtClean="0"/>
+              <a:rPr lang="en-US"/>
               <a:t>Second level</a:t>
             </a:r>
           </a:p>
           <a:p>
             <a:pPr lvl="2"/>
             <a:r>
-              <a:rPr lang="en-US" smtClean="0"/>
+              <a:rPr lang="en-US"/>
               <a:t>Third level</a:t>
             </a:r>
           </a:p>
           <a:p>
             <a:pPr lvl="3"/>
             <a:r>
-              <a:rPr lang="en-US" smtClean="0"/>
+              <a:rPr lang="en-US"/>
               <a:t>Fourth level</a:t>
             </a:r>
           </a:p>
           <a:p>
             <a:pPr lvl="4"/>
             <a:r>
-              <a:rPr lang="en-US" smtClean="0"/>
+              <a:rPr lang="en-US"/>
               <a:t>Fifth level</a:t>
             </a:r>
-            <a:endParaRPr lang="en-US"/>
           </a:p>
         </p:txBody>
       </p:sp>
@@ -811,9 +822,9 @@
           <a:p>
             <a:fld id="{78C97017-6FC3-485B-9764-EAC9E56C1D49}" type="datetimeFigureOut">
               <a:rPr lang="en-US" smtClean="0"/>
-              <a:t>11/19/2016</a:t>
+              <a:t>03/24/17</a:t>
             </a:fld>
-            <a:endParaRPr lang="en-US"/>
+            <a:endParaRPr lang="en-US" dirty="0"/>
           </a:p>
         </p:txBody>
       </p:sp>
@@ -832,7 +843,7 @@
           <a:bodyPr/>
           <a:lstStyle/>
           <a:p>
-            <a:endParaRPr lang="en-US"/>
+            <a:endParaRPr lang="en-US" dirty="0"/>
           </a:p>
         </p:txBody>
       </p:sp>
@@ -855,7 +866,7 @@
               <a:rPr lang="en-US" smtClean="0"/>
               <a:t>‹#›</a:t>
             </a:fld>
-            <a:endParaRPr lang="en-US"/>
+            <a:endParaRPr lang="en-US" dirty="0"/>
           </a:p>
         </p:txBody>
       </p:sp>
@@ -910,10 +921,9 @@
           <a:lstStyle/>
           <a:p>
             <a:r>
-              <a:rPr lang="en-US" smtClean="0"/>
+              <a:rPr lang="en-US"/>
               <a:t>Click to edit Master title style</a:t>
             </a:r>
-            <a:endParaRPr lang="en-US"/>
           </a:p>
         </p:txBody>
       </p:sp>
@@ -939,38 +949,37 @@
           <a:p>
             <a:pPr lvl="0"/>
             <a:r>
-              <a:rPr lang="en-US" smtClean="0"/>
+              <a:rPr lang="en-US"/>
               <a:t>Click to edit Master text styles</a:t>
             </a:r>
           </a:p>
           <a:p>
             <a:pPr lvl="1"/>
             <a:r>
-              <a:rPr lang="en-US" smtClean="0"/>
+              <a:rPr lang="en-US"/>
               <a:t>Second level</a:t>
             </a:r>
           </a:p>
           <a:p>
             <a:pPr lvl="2"/>
             <a:r>
-              <a:rPr lang="en-US" smtClean="0"/>
+              <a:rPr lang="en-US"/>
               <a:t>Third level</a:t>
             </a:r>
           </a:p>
           <a:p>
             <a:pPr lvl="3"/>
             <a:r>
-              <a:rPr lang="en-US" smtClean="0"/>
+              <a:rPr lang="en-US"/>
               <a:t>Fourth level</a:t>
             </a:r>
           </a:p>
           <a:p>
             <a:pPr lvl="4"/>
             <a:r>
-              <a:rPr lang="en-US" smtClean="0"/>
+              <a:rPr lang="en-US"/>
               <a:t>Fifth level</a:t>
             </a:r>
-            <a:endParaRPr lang="en-US"/>
           </a:p>
         </p:txBody>
       </p:sp>
@@ -991,9 +1000,9 @@
           <a:p>
             <a:fld id="{78C97017-6FC3-485B-9764-EAC9E56C1D49}" type="datetimeFigureOut">
               <a:rPr lang="en-US" smtClean="0"/>
-              <a:t>11/19/2016</a:t>
+              <a:t>03/24/17</a:t>
             </a:fld>
-            <a:endParaRPr lang="en-US"/>
+            <a:endParaRPr lang="en-US" dirty="0"/>
           </a:p>
         </p:txBody>
       </p:sp>
@@ -1012,7 +1021,7 @@
           <a:bodyPr/>
           <a:lstStyle/>
           <a:p>
-            <a:endParaRPr lang="en-US"/>
+            <a:endParaRPr lang="en-US" dirty="0"/>
           </a:p>
         </p:txBody>
       </p:sp>
@@ -1035,7 +1044,7 @@
               <a:rPr lang="en-US" smtClean="0"/>
               <a:t>‹#›</a:t>
             </a:fld>
-            <a:endParaRPr lang="en-US"/>
+            <a:endParaRPr lang="en-US" dirty="0"/>
           </a:p>
         </p:txBody>
       </p:sp>
@@ -1085,10 +1094,9 @@
           <a:lstStyle/>
           <a:p>
             <a:r>
-              <a:rPr lang="en-US" smtClean="0"/>
+              <a:rPr lang="en-US"/>
               <a:t>Click to edit Master title style</a:t>
             </a:r>
-            <a:endParaRPr lang="en-US"/>
           </a:p>
         </p:txBody>
       </p:sp>
@@ -1109,38 +1117,37 @@
           <a:p>
             <a:pPr lvl="0"/>
             <a:r>
-              <a:rPr lang="en-US" smtClean="0"/>
+              <a:rPr lang="en-US"/>
               <a:t>Click to edit Master text styles</a:t>
             </a:r>
           </a:p>
           <a:p>
             <a:pPr lvl="1"/>
             <a:r>
-              <a:rPr lang="en-US" smtClean="0"/>
+              <a:rPr lang="en-US"/>
               <a:t>Second level</a:t>
             </a:r>
           </a:p>
           <a:p>
             <a:pPr lvl="2"/>
             <a:r>
-              <a:rPr lang="en-US" smtClean="0"/>
+              <a:rPr lang="en-US"/>
               <a:t>Third level</a:t>
             </a:r>
           </a:p>
           <a:p>
             <a:pPr lvl="3"/>
             <a:r>
-              <a:rPr lang="en-US" smtClean="0"/>
+              <a:rPr lang="en-US"/>
               <a:t>Fourth level</a:t>
             </a:r>
           </a:p>
           <a:p>
             <a:pPr lvl="4"/>
             <a:r>
-              <a:rPr lang="en-US" smtClean="0"/>
+              <a:rPr lang="en-US"/>
               <a:t>Fifth level</a:t>
             </a:r>
-            <a:endParaRPr lang="en-US"/>
           </a:p>
         </p:txBody>
       </p:sp>
@@ -1161,9 +1168,9 @@
           <a:p>
             <a:fld id="{78C97017-6FC3-485B-9764-EAC9E56C1D49}" type="datetimeFigureOut">
               <a:rPr lang="en-US" smtClean="0"/>
-              <a:t>11/19/2016</a:t>
+              <a:t>03/24/17</a:t>
             </a:fld>
-            <a:endParaRPr lang="en-US"/>
+            <a:endParaRPr lang="en-US" dirty="0"/>
           </a:p>
         </p:txBody>
       </p:sp>
@@ -1182,7 +1189,7 @@
           <a:bodyPr/>
           <a:lstStyle/>
           <a:p>
-            <a:endParaRPr lang="en-US"/>
+            <a:endParaRPr lang="en-US" dirty="0"/>
           </a:p>
         </p:txBody>
       </p:sp>
@@ -1205,7 +1212,7 @@
               <a:rPr lang="en-US" smtClean="0"/>
               <a:t>‹#›</a:t>
             </a:fld>
-            <a:endParaRPr lang="en-US"/>
+            <a:endParaRPr lang="en-US" dirty="0"/>
           </a:p>
         </p:txBody>
       </p:sp>
@@ -1264,10 +1271,9 @@
           </a:lstStyle>
           <a:p>
             <a:r>
-              <a:rPr lang="en-US" smtClean="0"/>
+              <a:rPr lang="en-US"/>
               <a:t>Click to edit Master title style</a:t>
             </a:r>
-            <a:endParaRPr lang="en-US"/>
           </a:p>
         </p:txBody>
       </p:sp>
@@ -1384,7 +1390,7 @@
           <a:p>
             <a:pPr lvl="0"/>
             <a:r>
-              <a:rPr lang="en-US" smtClean="0"/>
+              <a:rPr lang="en-US"/>
               <a:t>Click to edit Master text styles</a:t>
             </a:r>
           </a:p>
@@ -1407,9 +1413,9 @@
           <a:p>
             <a:fld id="{78C97017-6FC3-485B-9764-EAC9E56C1D49}" type="datetimeFigureOut">
               <a:rPr lang="en-US" smtClean="0"/>
-              <a:t>11/19/2016</a:t>
+              <a:t>03/24/17</a:t>
             </a:fld>
-            <a:endParaRPr lang="en-US"/>
+            <a:endParaRPr lang="en-US" dirty="0"/>
           </a:p>
         </p:txBody>
       </p:sp>
@@ -1428,7 +1434,7 @@
           <a:bodyPr/>
           <a:lstStyle/>
           <a:p>
-            <a:endParaRPr lang="en-US"/>
+            <a:endParaRPr lang="en-US" dirty="0"/>
           </a:p>
         </p:txBody>
       </p:sp>
@@ -1451,7 +1457,7 @@
               <a:rPr lang="en-US" smtClean="0"/>
               <a:t>‹#›</a:t>
             </a:fld>
-            <a:endParaRPr lang="en-US"/>
+            <a:endParaRPr lang="en-US" dirty="0"/>
           </a:p>
         </p:txBody>
       </p:sp>
@@ -1501,10 +1507,9 @@
           <a:lstStyle/>
           <a:p>
             <a:r>
-              <a:rPr lang="en-US" smtClean="0"/>
+              <a:rPr lang="en-US"/>
               <a:t>Click to edit Master title style</a:t>
             </a:r>
-            <a:endParaRPr lang="en-US"/>
           </a:p>
         </p:txBody>
       </p:sp>
@@ -1558,38 +1563,37 @@
           <a:p>
             <a:pPr lvl="0"/>
             <a:r>
-              <a:rPr lang="en-US" smtClean="0"/>
+              <a:rPr lang="en-US"/>
               <a:t>Click to edit Master text styles</a:t>
             </a:r>
           </a:p>
           <a:p>
             <a:pPr lvl="1"/>
             <a:r>
-              <a:rPr lang="en-US" smtClean="0"/>
+              <a:rPr lang="en-US"/>
               <a:t>Second level</a:t>
             </a:r>
           </a:p>
           <a:p>
             <a:pPr lvl="2"/>
             <a:r>
-              <a:rPr lang="en-US" smtClean="0"/>
+              <a:rPr lang="en-US"/>
               <a:t>Third level</a:t>
             </a:r>
           </a:p>
           <a:p>
             <a:pPr lvl="3"/>
             <a:r>
-              <a:rPr lang="en-US" smtClean="0"/>
+              <a:rPr lang="en-US"/>
               <a:t>Fourth level</a:t>
             </a:r>
           </a:p>
           <a:p>
             <a:pPr lvl="4"/>
             <a:r>
-              <a:rPr lang="en-US" smtClean="0"/>
+              <a:rPr lang="en-US"/>
               <a:t>Fifth level</a:t>
             </a:r>
-            <a:endParaRPr lang="en-US"/>
           </a:p>
         </p:txBody>
       </p:sp>
@@ -1643,38 +1647,37 @@
           <a:p>
             <a:pPr lvl="0"/>
             <a:r>
-              <a:rPr lang="en-US" smtClean="0"/>
+              <a:rPr lang="en-US"/>
               <a:t>Click to edit Master text styles</a:t>
             </a:r>
           </a:p>
           <a:p>
             <a:pPr lvl="1"/>
             <a:r>
-              <a:rPr lang="en-US" smtClean="0"/>
+              <a:rPr lang="en-US"/>
               <a:t>Second level</a:t>
             </a:r>
           </a:p>
           <a:p>
             <a:pPr lvl="2"/>
             <a:r>
-              <a:rPr lang="en-US" smtClean="0"/>
+              <a:rPr lang="en-US"/>
               <a:t>Third level</a:t>
             </a:r>
           </a:p>
           <a:p>
             <a:pPr lvl="3"/>
             <a:r>
-              <a:rPr lang="en-US" smtClean="0"/>
+              <a:rPr lang="en-US"/>
               <a:t>Fourth level</a:t>
             </a:r>
           </a:p>
           <a:p>
             <a:pPr lvl="4"/>
             <a:r>
-              <a:rPr lang="en-US" smtClean="0"/>
+              <a:rPr lang="en-US"/>
               <a:t>Fifth level</a:t>
             </a:r>
-            <a:endParaRPr lang="en-US"/>
           </a:p>
         </p:txBody>
       </p:sp>
@@ -1695,9 +1698,9 @@
           <a:p>
             <a:fld id="{78C97017-6FC3-485B-9764-EAC9E56C1D49}" type="datetimeFigureOut">
               <a:rPr lang="en-US" smtClean="0"/>
-              <a:t>11/19/2016</a:t>
+              <a:t>03/24/17</a:t>
             </a:fld>
-            <a:endParaRPr lang="en-US"/>
+            <a:endParaRPr lang="en-US" dirty="0"/>
           </a:p>
         </p:txBody>
       </p:sp>
@@ -1716,7 +1719,7 @@
           <a:bodyPr/>
           <a:lstStyle/>
           <a:p>
-            <a:endParaRPr lang="en-US"/>
+            <a:endParaRPr lang="en-US" dirty="0"/>
           </a:p>
         </p:txBody>
       </p:sp>
@@ -1739,7 +1742,7 @@
               <a:rPr lang="en-US" smtClean="0"/>
               <a:t>‹#›</a:t>
             </a:fld>
-            <a:endParaRPr lang="en-US"/>
+            <a:endParaRPr lang="en-US" dirty="0"/>
           </a:p>
         </p:txBody>
       </p:sp>
@@ -1793,10 +1796,9 @@
           </a:lstStyle>
           <a:p>
             <a:r>
-              <a:rPr lang="en-US" smtClean="0"/>
+              <a:rPr lang="en-US"/>
               <a:t>Click to edit Master title style</a:t>
             </a:r>
-            <a:endParaRPr lang="en-US"/>
           </a:p>
         </p:txBody>
       </p:sp>
@@ -1859,7 +1861,7 @@
           <a:p>
             <a:pPr lvl="0"/>
             <a:r>
-              <a:rPr lang="en-US" smtClean="0"/>
+              <a:rPr lang="en-US"/>
               <a:t>Click to edit Master text styles</a:t>
             </a:r>
           </a:p>
@@ -1915,38 +1917,37 @@
           <a:p>
             <a:pPr lvl="0"/>
             <a:r>
-              <a:rPr lang="en-US" smtClean="0"/>
+              <a:rPr lang="en-US"/>
               <a:t>Click to edit Master text styles</a:t>
             </a:r>
           </a:p>
           <a:p>
             <a:pPr lvl="1"/>
             <a:r>
-              <a:rPr lang="en-US" smtClean="0"/>
+              <a:rPr lang="en-US"/>
               <a:t>Second level</a:t>
             </a:r>
           </a:p>
           <a:p>
             <a:pPr lvl="2"/>
             <a:r>
-              <a:rPr lang="en-US" smtClean="0"/>
+              <a:rPr lang="en-US"/>
               <a:t>Third level</a:t>
             </a:r>
           </a:p>
           <a:p>
             <a:pPr lvl="3"/>
             <a:r>
-              <a:rPr lang="en-US" smtClean="0"/>
+              <a:rPr lang="en-US"/>
               <a:t>Fourth level</a:t>
             </a:r>
           </a:p>
           <a:p>
             <a:pPr lvl="4"/>
             <a:r>
-              <a:rPr lang="en-US" smtClean="0"/>
+              <a:rPr lang="en-US"/>
               <a:t>Fifth level</a:t>
             </a:r>
-            <a:endParaRPr lang="en-US"/>
           </a:p>
         </p:txBody>
       </p:sp>
@@ -2009,7 +2010,7 @@
           <a:p>
             <a:pPr lvl="0"/>
             <a:r>
-              <a:rPr lang="en-US" smtClean="0"/>
+              <a:rPr lang="en-US"/>
               <a:t>Click to edit Master text styles</a:t>
             </a:r>
           </a:p>
@@ -2065,38 +2066,37 @@
           <a:p>
             <a:pPr lvl="0"/>
             <a:r>
-              <a:rPr lang="en-US" smtClean="0"/>
+              <a:rPr lang="en-US"/>
               <a:t>Click to edit Master text styles</a:t>
             </a:r>
           </a:p>
           <a:p>
             <a:pPr lvl="1"/>
             <a:r>
-              <a:rPr lang="en-US" smtClean="0"/>
+              <a:rPr lang="en-US"/>
               <a:t>Second level</a:t>
             </a:r>
           </a:p>
           <a:p>
             <a:pPr lvl="2"/>
             <a:r>
-              <a:rPr lang="en-US" smtClean="0"/>
+              <a:rPr lang="en-US"/>
               <a:t>Third level</a:t>
             </a:r>
           </a:p>
           <a:p>
             <a:pPr lvl="3"/>
             <a:r>
-              <a:rPr lang="en-US" smtClean="0"/>
+              <a:rPr lang="en-US"/>
               <a:t>Fourth level</a:t>
             </a:r>
           </a:p>
           <a:p>
             <a:pPr lvl="4"/>
             <a:r>
-              <a:rPr lang="en-US" smtClean="0"/>
+              <a:rPr lang="en-US"/>
               <a:t>Fifth level</a:t>
             </a:r>
-            <a:endParaRPr lang="en-US"/>
           </a:p>
         </p:txBody>
       </p:sp>
@@ -2117,9 +2117,9 @@
           <a:p>
             <a:fld id="{78C97017-6FC3-485B-9764-EAC9E56C1D49}" type="datetimeFigureOut">
               <a:rPr lang="en-US" smtClean="0"/>
-              <a:t>11/19/2016</a:t>
+              <a:t>03/24/17</a:t>
             </a:fld>
-            <a:endParaRPr lang="en-US"/>
+            <a:endParaRPr lang="en-US" dirty="0"/>
           </a:p>
         </p:txBody>
       </p:sp>
@@ -2138,7 +2138,7 @@
           <a:bodyPr/>
           <a:lstStyle/>
           <a:p>
-            <a:endParaRPr lang="en-US"/>
+            <a:endParaRPr lang="en-US" dirty="0"/>
           </a:p>
         </p:txBody>
       </p:sp>
@@ -2161,7 +2161,7 @@
               <a:rPr lang="en-US" smtClean="0"/>
               <a:t>‹#›</a:t>
             </a:fld>
-            <a:endParaRPr lang="en-US"/>
+            <a:endParaRPr lang="en-US" dirty="0"/>
           </a:p>
         </p:txBody>
       </p:sp>
@@ -2211,10 +2211,9 @@
           <a:lstStyle/>
           <a:p>
             <a:r>
-              <a:rPr lang="en-US" smtClean="0"/>
+              <a:rPr lang="en-US"/>
               <a:t>Click to edit Master title style</a:t>
             </a:r>
-            <a:endParaRPr lang="en-US"/>
           </a:p>
         </p:txBody>
       </p:sp>
@@ -2235,9 +2234,9 @@
           <a:p>
             <a:fld id="{78C97017-6FC3-485B-9764-EAC9E56C1D49}" type="datetimeFigureOut">
               <a:rPr lang="en-US" smtClean="0"/>
-              <a:t>11/19/2016</a:t>
+              <a:t>03/24/17</a:t>
             </a:fld>
-            <a:endParaRPr lang="en-US"/>
+            <a:endParaRPr lang="en-US" dirty="0"/>
           </a:p>
         </p:txBody>
       </p:sp>
@@ -2256,7 +2255,7 @@
           <a:bodyPr/>
           <a:lstStyle/>
           <a:p>
-            <a:endParaRPr lang="en-US"/>
+            <a:endParaRPr lang="en-US" dirty="0"/>
           </a:p>
         </p:txBody>
       </p:sp>
@@ -2279,7 +2278,7 @@
               <a:rPr lang="en-US" smtClean="0"/>
               <a:t>‹#›</a:t>
             </a:fld>
-            <a:endParaRPr lang="en-US"/>
+            <a:endParaRPr lang="en-US" dirty="0"/>
           </a:p>
         </p:txBody>
       </p:sp>
@@ -2330,9 +2329,9 @@
           <a:p>
             <a:fld id="{78C97017-6FC3-485B-9764-EAC9E56C1D49}" type="datetimeFigureOut">
               <a:rPr lang="en-US" smtClean="0"/>
-              <a:t>11/19/2016</a:t>
+              <a:t>03/24/17</a:t>
             </a:fld>
-            <a:endParaRPr lang="en-US"/>
+            <a:endParaRPr lang="en-US" dirty="0"/>
           </a:p>
         </p:txBody>
       </p:sp>
@@ -2351,7 +2350,7 @@
           <a:bodyPr/>
           <a:lstStyle/>
           <a:p>
-            <a:endParaRPr lang="en-US"/>
+            <a:endParaRPr lang="en-US" dirty="0"/>
           </a:p>
         </p:txBody>
       </p:sp>
@@ -2374,7 +2373,7 @@
               <a:rPr lang="en-US" smtClean="0"/>
               <a:t>‹#›</a:t>
             </a:fld>
-            <a:endParaRPr lang="en-US"/>
+            <a:endParaRPr lang="en-US" dirty="0"/>
           </a:p>
         </p:txBody>
       </p:sp>
@@ -2433,10 +2432,9 @@
           </a:lstStyle>
           <a:p>
             <a:r>
-              <a:rPr lang="en-US" smtClean="0"/>
+              <a:rPr lang="en-US"/>
               <a:t>Click to edit Master title style</a:t>
             </a:r>
-            <a:endParaRPr lang="en-US"/>
           </a:p>
         </p:txBody>
       </p:sp>
@@ -2490,38 +2488,37 @@
           <a:p>
             <a:pPr lvl="0"/>
             <a:r>
-              <a:rPr lang="en-US" smtClean="0"/>
+              <a:rPr lang="en-US"/>
               <a:t>Click to edit Master text styles</a:t>
             </a:r>
           </a:p>
           <a:p>
             <a:pPr lvl="1"/>
             <a:r>
-              <a:rPr lang="en-US" smtClean="0"/>
+              <a:rPr lang="en-US"/>
               <a:t>Second level</a:t>
             </a:r>
           </a:p>
           <a:p>
             <a:pPr lvl="2"/>
             <a:r>
-              <a:rPr lang="en-US" smtClean="0"/>
+              <a:rPr lang="en-US"/>
               <a:t>Third level</a:t>
             </a:r>
           </a:p>
           <a:p>
             <a:pPr lvl="3"/>
             <a:r>
-              <a:rPr lang="en-US" smtClean="0"/>
+              <a:rPr lang="en-US"/>
               <a:t>Fourth level</a:t>
             </a:r>
           </a:p>
           <a:p>
             <a:pPr lvl="4"/>
             <a:r>
-              <a:rPr lang="en-US" smtClean="0"/>
+              <a:rPr lang="en-US"/>
               <a:t>Fifth level</a:t>
             </a:r>
-            <a:endParaRPr lang="en-US"/>
           </a:p>
         </p:txBody>
       </p:sp>
@@ -2584,7 +2581,7 @@
           <a:p>
             <a:pPr lvl="0"/>
             <a:r>
-              <a:rPr lang="en-US" smtClean="0"/>
+              <a:rPr lang="en-US"/>
               <a:t>Click to edit Master text styles</a:t>
             </a:r>
           </a:p>
@@ -2607,9 +2604,9 @@
           <a:p>
             <a:fld id="{78C97017-6FC3-485B-9764-EAC9E56C1D49}" type="datetimeFigureOut">
               <a:rPr lang="en-US" smtClean="0"/>
-              <a:t>11/19/2016</a:t>
+              <a:t>03/24/17</a:t>
             </a:fld>
-            <a:endParaRPr lang="en-US"/>
+            <a:endParaRPr lang="en-US" dirty="0"/>
           </a:p>
         </p:txBody>
       </p:sp>
@@ -2628,7 +2625,7 @@
           <a:bodyPr/>
           <a:lstStyle/>
           <a:p>
-            <a:endParaRPr lang="en-US"/>
+            <a:endParaRPr lang="en-US" dirty="0"/>
           </a:p>
         </p:txBody>
       </p:sp>
@@ -2651,7 +2648,7 @@
               <a:rPr lang="en-US" smtClean="0"/>
               <a:t>‹#›</a:t>
             </a:fld>
-            <a:endParaRPr lang="en-US"/>
+            <a:endParaRPr lang="en-US" dirty="0"/>
           </a:p>
         </p:txBody>
       </p:sp>
@@ -2710,10 +2707,9 @@
           </a:lstStyle>
           <a:p>
             <a:r>
-              <a:rPr lang="en-US" smtClean="0"/>
+              <a:rPr lang="en-US"/>
               <a:t>Click to edit Master title style</a:t>
             </a:r>
-            <a:endParaRPr lang="en-US"/>
           </a:p>
         </p:txBody>
       </p:sp>
@@ -2774,7 +2770,7 @@
             </a:lvl9pPr>
           </a:lstStyle>
           <a:p>
-            <a:endParaRPr lang="en-US"/>
+            <a:endParaRPr lang="en-US" dirty="0"/>
           </a:p>
         </p:txBody>
       </p:sp>
@@ -2837,7 +2833,7 @@
           <a:p>
             <a:pPr lvl="0"/>
             <a:r>
-              <a:rPr lang="en-US" smtClean="0"/>
+              <a:rPr lang="en-US"/>
               <a:t>Click to edit Master text styles</a:t>
             </a:r>
           </a:p>
@@ -2860,9 +2856,9 @@
           <a:p>
             <a:fld id="{78C97017-6FC3-485B-9764-EAC9E56C1D49}" type="datetimeFigureOut">
               <a:rPr lang="en-US" smtClean="0"/>
-              <a:t>11/19/2016</a:t>
+              <a:t>03/24/17</a:t>
             </a:fld>
-            <a:endParaRPr lang="en-US"/>
+            <a:endParaRPr lang="en-US" dirty="0"/>
           </a:p>
         </p:txBody>
       </p:sp>
@@ -2881,7 +2877,7 @@
           <a:bodyPr/>
           <a:lstStyle/>
           <a:p>
-            <a:endParaRPr lang="en-US"/>
+            <a:endParaRPr lang="en-US" dirty="0"/>
           </a:p>
         </p:txBody>
       </p:sp>
@@ -2904,7 +2900,7 @@
               <a:rPr lang="en-US" smtClean="0"/>
               <a:t>‹#›</a:t>
             </a:fld>
-            <a:endParaRPr lang="en-US"/>
+            <a:endParaRPr lang="en-US" dirty="0"/>
           </a:p>
         </p:txBody>
       </p:sp>
@@ -2969,10 +2965,9 @@
           <a:lstStyle/>
           <a:p>
             <a:r>
-              <a:rPr lang="en-US" smtClean="0"/>
+              <a:rPr lang="en-US"/>
               <a:t>Click to edit Master title style</a:t>
             </a:r>
-            <a:endParaRPr lang="en-US"/>
           </a:p>
         </p:txBody>
       </p:sp>
@@ -3003,38 +2998,37 @@
           <a:p>
             <a:pPr lvl="0"/>
             <a:r>
-              <a:rPr lang="en-US" smtClean="0"/>
+              <a:rPr lang="en-US"/>
               <a:t>Click to edit Master text styles</a:t>
             </a:r>
           </a:p>
           <a:p>
             <a:pPr lvl="1"/>
             <a:r>
-              <a:rPr lang="en-US" smtClean="0"/>
+              <a:rPr lang="en-US"/>
               <a:t>Second level</a:t>
             </a:r>
           </a:p>
           <a:p>
             <a:pPr lvl="2"/>
             <a:r>
-              <a:rPr lang="en-US" smtClean="0"/>
+              <a:rPr lang="en-US"/>
               <a:t>Third level</a:t>
             </a:r>
           </a:p>
           <a:p>
             <a:pPr lvl="3"/>
             <a:r>
-              <a:rPr lang="en-US" smtClean="0"/>
+              <a:rPr lang="en-US"/>
               <a:t>Fourth level</a:t>
             </a:r>
           </a:p>
           <a:p>
             <a:pPr lvl="4"/>
             <a:r>
-              <a:rPr lang="en-US" smtClean="0"/>
+              <a:rPr lang="en-US"/>
               <a:t>Fifth level</a:t>
             </a:r>
-            <a:endParaRPr lang="en-US"/>
           </a:p>
         </p:txBody>
       </p:sp>
@@ -3073,9 +3067,9 @@
           <a:p>
             <a:fld id="{78C97017-6FC3-485B-9764-EAC9E56C1D49}" type="datetimeFigureOut">
               <a:rPr lang="en-US" smtClean="0"/>
-              <a:t>11/19/2016</a:t>
+              <a:t>03/24/17</a:t>
             </a:fld>
-            <a:endParaRPr lang="en-US"/>
+            <a:endParaRPr lang="en-US" dirty="0"/>
           </a:p>
         </p:txBody>
       </p:sp>
@@ -3112,7 +3106,7 @@
             </a:lvl1pPr>
           </a:lstStyle>
           <a:p>
-            <a:endParaRPr lang="en-US"/>
+            <a:endParaRPr lang="en-US" dirty="0"/>
           </a:p>
         </p:txBody>
       </p:sp>
@@ -3153,7 +3147,7 @@
               <a:rPr lang="en-US" smtClean="0"/>
               <a:t>‹#›</a:t>
             </a:fld>
-            <a:endParaRPr lang="en-US"/>
+            <a:endParaRPr lang="en-US" dirty="0"/>
           </a:p>
         </p:txBody>
       </p:sp>
@@ -3494,7 +3488,7 @@
           <a:lstStyle/>
           <a:p>
             <a:r>
-              <a:rPr lang="en-US" sz="1200" b="1" dirty="0" smtClean="0">
+              <a:rPr lang="en-US" sz="1200" b="1" dirty="0">
                 <a:solidFill>
                   <a:srgbClr val="7030A0"/>
                 </a:solidFill>
@@ -3553,7 +3547,7 @@
           <a:p>
             <a:pPr algn="ctr"/>
             <a:r>
-              <a:rPr lang="en-US" sz="1050" dirty="0" err="1" smtClean="0">
+              <a:rPr lang="en-US" sz="1050" dirty="0">
                 <a:solidFill>
                   <a:schemeClr val="bg1"/>
                 </a:solidFill>
@@ -3612,7 +3606,7 @@
           <a:p>
             <a:pPr algn="ctr"/>
             <a:r>
-              <a:rPr lang="en-US" sz="1050" dirty="0" err="1" smtClean="0">
+              <a:rPr lang="en-US" sz="1050" dirty="0">
                 <a:solidFill>
                   <a:schemeClr val="bg1"/>
                 </a:solidFill>
@@ -3767,7 +3761,7 @@
           <a:p>
             <a:pPr algn="ctr"/>
             <a:r>
-              <a:rPr lang="en-US" sz="1050" dirty="0" smtClean="0">
+              <a:rPr lang="en-US" sz="1050" dirty="0">
                 <a:solidFill>
                   <a:schemeClr val="bg1"/>
                 </a:solidFill>
@@ -3825,7 +3819,7 @@
           <a:lstStyle/>
           <a:p>
             <a:pPr algn="ctr"/>
-            <a:endParaRPr lang="en-SG" sz="1050"/>
+            <a:endParaRPr lang="en-SG" sz="1050" dirty="0"/>
           </a:p>
         </p:txBody>
       </p:sp>
@@ -3913,7 +3907,7 @@
           <a:lstStyle/>
           <a:p>
             <a:pPr algn="ctr"/>
-            <a:endParaRPr lang="en-SG" sz="1050" b="1">
+            <a:endParaRPr lang="en-SG" sz="1050" b="1" dirty="0">
               <a:solidFill>
                 <a:srgbClr val="92D050"/>
               </a:solidFill>
@@ -4046,7 +4040,7 @@
           <a:lstStyle/>
           <a:p>
             <a:pPr algn="ctr"/>
-            <a:endParaRPr lang="en-US" sz="1050"/>
+            <a:endParaRPr lang="en-US" sz="1050" dirty="0"/>
           </a:p>
         </p:txBody>
       </p:sp>
@@ -4091,12 +4085,12 @@
           <a:p>
             <a:pPr algn="ctr"/>
             <a:r>
-              <a:rPr lang="en-US" sz="1050" dirty="0" err="1" smtClean="0">
+              <a:rPr lang="en-US" sz="1050" dirty="0">
                 <a:solidFill>
                   <a:srgbClr val="7030A0"/>
                 </a:solidFill>
               </a:rPr>
-              <a:t>AddressBook</a:t>
+              <a:t>TaskManager</a:t>
             </a:r>
             <a:endParaRPr lang="en-SG" sz="1050" dirty="0">
               <a:solidFill>
@@ -4188,7 +4182,7 @@
           <a:lstStyle/>
           <a:p>
             <a:pPr algn="ctr"/>
-            <a:endParaRPr lang="en-US" sz="1050"/>
+            <a:endParaRPr lang="en-US" sz="1050" dirty="0"/>
           </a:p>
         </p:txBody>
       </p:sp>
@@ -4233,12 +4227,12 @@
           <a:p>
             <a:pPr algn="ctr"/>
             <a:r>
-              <a:rPr lang="en-US" sz="1050" dirty="0" err="1" smtClean="0">
+              <a:rPr lang="en-US" sz="1050" dirty="0">
                 <a:solidFill>
                   <a:srgbClr val="7030A0"/>
                 </a:solidFill>
               </a:rPr>
-              <a:t>UniquePersonList</a:t>
+              <a:t>UniqueTaskList</a:t>
             </a:r>
             <a:endParaRPr lang="en-SG" sz="1050" dirty="0">
               <a:solidFill>
@@ -4291,7 +4285,7 @@
           <a:lstStyle/>
           <a:p>
             <a:pPr algn="ctr"/>
-            <a:endParaRPr lang="en-US" sz="1050"/>
+            <a:endParaRPr lang="en-US" sz="1050" dirty="0"/>
           </a:p>
         </p:txBody>
       </p:sp>
@@ -4377,14 +4371,14 @@
           <a:p>
             <a:pPr algn="ctr"/>
             <a:r>
-              <a:rPr lang="en-US" sz="1050" dirty="0" err="1" smtClean="0">
+              <a:rPr lang="en-US" sz="900" dirty="0">
                 <a:solidFill>
                   <a:srgbClr val="7030A0"/>
                 </a:solidFill>
               </a:rPr>
-              <a:t>UniqueTagList</a:t>
-            </a:r>
-            <a:endParaRPr lang="en-SG" sz="1050" dirty="0">
+              <a:t>UniqueCategoryList</a:t>
+            </a:r>
+            <a:endParaRPr lang="en-SG" sz="900" dirty="0">
               <a:solidFill>
                 <a:srgbClr val="7030A0"/>
               </a:solidFill>
@@ -4476,12 +4470,12 @@
           <a:p>
             <a:pPr algn="ctr"/>
             <a:r>
-              <a:rPr lang="en-US" sz="1050" dirty="0" smtClean="0">
+              <a:rPr lang="en-US" sz="1050" dirty="0">
                 <a:solidFill>
                   <a:srgbClr val="7030A0"/>
                 </a:solidFill>
               </a:rPr>
-              <a:t>Person</a:t>
+              <a:t>Task</a:t>
             </a:r>
             <a:endParaRPr lang="en-SG" sz="1050" dirty="0">
               <a:solidFill>
@@ -4532,7 +4526,7 @@
           <a:lstStyle/>
           <a:p>
             <a:pPr algn="ctr"/>
-            <a:endParaRPr lang="en-US" sz="1050"/>
+            <a:endParaRPr lang="en-US" sz="1050" dirty="0"/>
           </a:p>
         </p:txBody>
       </p:sp>
@@ -4585,8 +4579,8 @@
         </p:nvSpPr>
         <p:spPr>
           <a:xfrm>
-            <a:off x="5336105" y="1809332"/>
-            <a:ext cx="483700" cy="346760"/>
+            <a:off x="5336104" y="1809332"/>
+            <a:ext cx="799151" cy="346760"/>
           </a:xfrm>
           <a:prstGeom prst="rect">
             <a:avLst/>
@@ -4618,12 +4612,12 @@
           <a:p>
             <a:pPr algn="ctr"/>
             <a:r>
-              <a:rPr lang="en-US" sz="1050" dirty="0" smtClean="0">
+              <a:rPr lang="en-US" sz="1050" dirty="0">
                 <a:solidFill>
                   <a:srgbClr val="7030A0"/>
                 </a:solidFill>
               </a:rPr>
-              <a:t>Tag</a:t>
+              <a:t>Category</a:t>
             </a:r>
             <a:endParaRPr lang="en-SG" sz="1050" dirty="0">
               <a:solidFill>
@@ -4674,7 +4668,7 @@
           <a:lstStyle/>
           <a:p>
             <a:pPr algn="ctr"/>
-            <a:endParaRPr lang="en-US" sz="1050"/>
+            <a:endParaRPr lang="en-US" sz="1050" dirty="0"/>
           </a:p>
         </p:txBody>
       </p:sp>
@@ -4682,6 +4676,7 @@
         <p:nvCxnSpPr>
           <p:cNvPr id="69" name="Elbow Connector 68"/>
           <p:cNvCxnSpPr>
+            <a:cxnSpLocks/>
             <a:stCxn id="68" idx="3"/>
             <a:endCxn id="67" idx="1"/>
           </p:cNvCxnSpPr>
@@ -4690,7 +4685,7 @@
         <p:spPr>
           <a:xfrm rot="5400000" flipH="1" flipV="1">
             <a:off x="5161650" y="1860752"/>
-            <a:ext cx="52494" cy="296415"/>
+            <a:ext cx="52494" cy="296414"/>
           </a:xfrm>
           <a:prstGeom prst="bentConnector2">
             <a:avLst/>
@@ -4760,7 +4755,7 @@
           <a:p>
             <a:pPr algn="ctr"/>
             <a:r>
-              <a:rPr lang="en-US" sz="1050" dirty="0" smtClean="0">
+              <a:rPr lang="en-US" sz="1050" dirty="0">
                 <a:solidFill>
                   <a:srgbClr val="7030A0"/>
                 </a:solidFill>
@@ -4768,19 +4763,19 @@
               <a:t>&lt;&lt;interface&gt;&gt;</a:t>
             </a:r>
             <a:br>
-              <a:rPr lang="en-US" sz="1050" dirty="0" smtClean="0">
+              <a:rPr lang="en-US" sz="1050" dirty="0">
                 <a:solidFill>
                   <a:srgbClr val="7030A0"/>
                 </a:solidFill>
               </a:rPr>
             </a:br>
             <a:r>
-              <a:rPr lang="en-US" sz="1050" dirty="0" err="1" smtClean="0">
+              <a:rPr lang="en-US" sz="1050" dirty="0">
                 <a:solidFill>
                   <a:srgbClr val="7030A0"/>
                 </a:solidFill>
               </a:rPr>
-              <a:t>ReadOnlyPerson</a:t>
+              <a:t>ReadOnlyTask</a:t>
             </a:r>
             <a:endParaRPr lang="en-SG" sz="1050" dirty="0">
               <a:solidFill>
@@ -4798,8 +4793,8 @@
         </p:nvSpPr>
         <p:spPr>
           <a:xfrm>
-            <a:off x="7712397" y="2564238"/>
-            <a:ext cx="708186" cy="285783"/>
+            <a:off x="7712396" y="2564238"/>
+            <a:ext cx="776557" cy="285783"/>
           </a:xfrm>
           <a:prstGeom prst="rect">
             <a:avLst/>
@@ -4831,12 +4826,12 @@
           <a:p>
             <a:pPr algn="ctr"/>
             <a:r>
-              <a:rPr lang="en-US" sz="1050" dirty="0" smtClean="0">
+              <a:rPr lang="en-US" sz="1050" dirty="0">
                 <a:solidFill>
                   <a:srgbClr val="7030A0"/>
                 </a:solidFill>
               </a:rPr>
-              <a:t>Name</a:t>
+              <a:t>Priority</a:t>
             </a:r>
             <a:endParaRPr lang="en-SG" sz="1050" dirty="0">
               <a:solidFill>
@@ -4889,7 +4884,7 @@
           <a:lstStyle/>
           <a:p>
             <a:pPr algn="ctr"/>
-            <a:endParaRPr lang="en-US" sz="1050"/>
+            <a:endParaRPr lang="en-US" sz="1050" dirty="0"/>
           </a:p>
         </p:txBody>
       </p:sp>
@@ -4897,6 +4892,7 @@
         <p:nvCxnSpPr>
           <p:cNvPr id="79" name="Elbow Connector 78"/>
           <p:cNvCxnSpPr>
+            <a:cxnSpLocks/>
             <a:stCxn id="78" idx="3"/>
             <a:endCxn id="76" idx="1"/>
           </p:cNvCxnSpPr>
@@ -4905,7 +4901,7 @@
         <p:spPr>
           <a:xfrm flipV="1">
             <a:off x="7277995" y="2707130"/>
-            <a:ext cx="434402" cy="327761"/>
+            <a:ext cx="434401" cy="327761"/>
           </a:xfrm>
           <a:prstGeom prst="bentConnector3">
             <a:avLst/>
@@ -4942,8 +4938,8 @@
         </p:nvSpPr>
         <p:spPr>
           <a:xfrm>
-            <a:off x="7712397" y="2887216"/>
-            <a:ext cx="708186" cy="285783"/>
+            <a:off x="7712396" y="2887216"/>
+            <a:ext cx="776557" cy="285783"/>
           </a:xfrm>
           <a:prstGeom prst="rect">
             <a:avLst/>
@@ -4975,12 +4971,12 @@
           <a:p>
             <a:pPr algn="ctr"/>
             <a:r>
-              <a:rPr lang="en-US" sz="1050" dirty="0" smtClean="0">
+              <a:rPr lang="en-US" sz="1050" dirty="0">
                 <a:solidFill>
                   <a:srgbClr val="7030A0"/>
                 </a:solidFill>
               </a:rPr>
-              <a:t>Phone</a:t>
+              <a:t>Location</a:t>
             </a:r>
             <a:endParaRPr lang="en-SG" sz="1050" dirty="0">
               <a:solidFill>
@@ -4994,6 +4990,7 @@
         <p:nvCxnSpPr>
           <p:cNvPr id="81" name="Elbow Connector 80"/>
           <p:cNvCxnSpPr>
+            <a:cxnSpLocks/>
             <a:stCxn id="78" idx="3"/>
             <a:endCxn id="80" idx="1"/>
           </p:cNvCxnSpPr>
@@ -5002,7 +4999,7 @@
         <p:spPr>
           <a:xfrm flipV="1">
             <a:off x="7277995" y="3030108"/>
-            <a:ext cx="434402" cy="4783"/>
+            <a:ext cx="434401" cy="4783"/>
           </a:xfrm>
           <a:prstGeom prst="bentConnector3">
             <a:avLst/>
@@ -5039,8 +5036,8 @@
         </p:nvSpPr>
         <p:spPr>
           <a:xfrm>
-            <a:off x="7712397" y="3210194"/>
-            <a:ext cx="708186" cy="285783"/>
+            <a:off x="7712396" y="3210194"/>
+            <a:ext cx="776557" cy="285783"/>
           </a:xfrm>
           <a:prstGeom prst="rect">
             <a:avLst/>
@@ -5072,14 +5069,14 @@
           <a:p>
             <a:pPr algn="ctr"/>
             <a:r>
-              <a:rPr lang="en-US" sz="1050" dirty="0" smtClean="0">
+              <a:rPr lang="en-US" sz="1000" dirty="0">
                 <a:solidFill>
                   <a:srgbClr val="7030A0"/>
                 </a:solidFill>
               </a:rPr>
-              <a:t>Email</a:t>
-            </a:r>
-            <a:endParaRPr lang="en-SG" sz="1050" dirty="0">
+              <a:t>Description</a:t>
+            </a:r>
+            <a:endParaRPr lang="en-SG" sz="1000" dirty="0">
               <a:solidFill>
                 <a:srgbClr val="7030A0"/>
               </a:solidFill>
@@ -5091,6 +5088,7 @@
         <p:nvCxnSpPr>
           <p:cNvPr id="84" name="Elbow Connector 83"/>
           <p:cNvCxnSpPr>
+            <a:cxnSpLocks/>
             <a:stCxn id="78" idx="3"/>
             <a:endCxn id="83" idx="1"/>
           </p:cNvCxnSpPr>
@@ -5099,7 +5097,7 @@
         <p:spPr>
           <a:xfrm>
             <a:off x="7277995" y="3034891"/>
-            <a:ext cx="434402" cy="318195"/>
+            <a:ext cx="434401" cy="318195"/>
           </a:xfrm>
           <a:prstGeom prst="bentConnector3">
             <a:avLst/>
@@ -5136,8 +5134,8 @@
         </p:nvSpPr>
         <p:spPr>
           <a:xfrm>
-            <a:off x="7712397" y="3533171"/>
-            <a:ext cx="708186" cy="285783"/>
+            <a:off x="7712396" y="3533171"/>
+            <a:ext cx="776557" cy="285783"/>
           </a:xfrm>
           <a:prstGeom prst="rect">
             <a:avLst/>
@@ -5169,12 +5167,12 @@
           <a:p>
             <a:pPr algn="ctr"/>
             <a:r>
-              <a:rPr lang="en-US" sz="1050" dirty="0" smtClean="0">
+              <a:rPr lang="en-US" sz="1050" dirty="0">
                 <a:solidFill>
                   <a:srgbClr val="7030A0"/>
                 </a:solidFill>
               </a:rPr>
-              <a:t>Address</a:t>
+              <a:t>DateTime</a:t>
             </a:r>
             <a:endParaRPr lang="en-SG" sz="1050" dirty="0">
               <a:solidFill>
@@ -5188,6 +5186,7 @@
         <p:nvCxnSpPr>
           <p:cNvPr id="86" name="Elbow Connector 85"/>
           <p:cNvCxnSpPr>
+            <a:cxnSpLocks/>
             <a:stCxn id="78" idx="3"/>
             <a:endCxn id="85" idx="1"/>
           </p:cNvCxnSpPr>
@@ -5196,7 +5195,7 @@
         <p:spPr>
           <a:xfrm>
             <a:off x="7277995" y="3034891"/>
-            <a:ext cx="434402" cy="641172"/>
+            <a:ext cx="434401" cy="641172"/>
           </a:xfrm>
           <a:prstGeom prst="bentConnector3">
             <a:avLst/>
@@ -5308,7 +5307,7 @@
           <a:lstStyle/>
           <a:p>
             <a:pPr algn="ctr"/>
-            <a:endParaRPr lang="en-SG" sz="1050" b="1">
+            <a:endParaRPr lang="en-SG" sz="1050" b="1" dirty="0">
               <a:solidFill>
                 <a:srgbClr val="92D050"/>
               </a:solidFill>
@@ -5357,7 +5356,7 @@
           <a:p>
             <a:pPr algn="ctr"/>
             <a:r>
-              <a:rPr lang="en-US" sz="1050" dirty="0" smtClean="0">
+              <a:rPr lang="en-US" sz="1050" dirty="0">
                 <a:solidFill>
                   <a:srgbClr val="7030A0"/>
                 </a:solidFill>
@@ -5365,19 +5364,19 @@
               <a:t>&lt;&lt;interface&gt;&gt;</a:t>
             </a:r>
             <a:br>
-              <a:rPr lang="en-US" sz="1050" dirty="0" smtClean="0">
+              <a:rPr lang="en-US" sz="1050" dirty="0">
                 <a:solidFill>
                   <a:srgbClr val="7030A0"/>
                 </a:solidFill>
               </a:rPr>
             </a:br>
             <a:r>
-              <a:rPr lang="en-US" sz="1050" dirty="0" err="1" smtClean="0">
+              <a:rPr lang="en-US" sz="1050" dirty="0">
                 <a:solidFill>
                   <a:srgbClr val="7030A0"/>
                 </a:solidFill>
               </a:rPr>
-              <a:t>ReadOnlyAddressBook</a:t>
+              <a:t>ReadOnlyTaskManager</a:t>
             </a:r>
             <a:endParaRPr lang="en-SG" sz="1050" dirty="0">
               <a:solidFill>
@@ -5411,7 +5410,7 @@
           <a:p>
             <a:pPr algn="r"/>
             <a:r>
-              <a:rPr lang="en-US" sz="1100" dirty="0" smtClean="0">
+              <a:rPr lang="en-US" sz="1100" dirty="0">
                 <a:solidFill>
                   <a:srgbClr val="7030A0"/>
                 </a:solidFill>
@@ -5467,20 +5466,12 @@
           <a:p>
             <a:pPr algn="ctr"/>
             <a:r>
-              <a:rPr lang="en-US" sz="1050" dirty="0" smtClean="0">
+              <a:rPr lang="en-US" sz="1050" dirty="0">
                 <a:solidFill>
                   <a:srgbClr val="7030A0"/>
                 </a:solidFill>
               </a:rPr>
               <a:t>&lt;&lt;interface&gt;&gt;</a:t>
-            </a:r>
-            <a:r>
-              <a:rPr lang="en-US" sz="1050" dirty="0">
-                <a:solidFill>
-                  <a:srgbClr val="7030A0"/>
-                </a:solidFill>
-              </a:rPr>
-              <a:t/>
             </a:r>
             <a:br>
               <a:rPr lang="en-US" sz="1050" dirty="0">
@@ -5490,7 +5481,7 @@
               </a:rPr>
             </a:br>
             <a:r>
-              <a:rPr lang="en-US" sz="1050" dirty="0" err="1" smtClean="0">
+              <a:rPr lang="en-US" sz="1050" dirty="0">
                 <a:solidFill>
                   <a:srgbClr val="7030A0"/>
                 </a:solidFill>
@@ -5612,7 +5603,7 @@
           <a:p>
             <a:pPr algn="ctr"/>
             <a:r>
-              <a:rPr lang="en-US" sz="1100" dirty="0" smtClean="0">
+              <a:rPr lang="en-US" sz="1100" dirty="0">
                 <a:solidFill>
                   <a:srgbClr val="7030A0"/>
                 </a:solidFill>
@@ -5651,7 +5642,7 @@
           <a:p>
             <a:pPr algn="ctr"/>
             <a:r>
-              <a:rPr lang="en-US" sz="1100" dirty="0" smtClean="0">
+              <a:rPr lang="en-US" sz="1100" dirty="0">
                 <a:solidFill>
                   <a:srgbClr val="7030A0"/>
                 </a:solidFill>
@@ -5690,7 +5681,7 @@
           <a:p>
             <a:pPr algn="ctr"/>
             <a:r>
-              <a:rPr lang="en-US" sz="1100" dirty="0" smtClean="0">
+              <a:rPr lang="en-US" sz="1100" dirty="0">
                 <a:solidFill>
                   <a:srgbClr val="7030A0"/>
                 </a:solidFill>
@@ -5729,7 +5720,7 @@
           <a:p>
             <a:pPr algn="ctr"/>
             <a:r>
-              <a:rPr lang="en-US" sz="1100" dirty="0" smtClean="0">
+              <a:rPr lang="en-US" sz="1100" dirty="0">
                 <a:solidFill>
                   <a:srgbClr val="7030A0"/>
                 </a:solidFill>
@@ -5768,7 +5759,7 @@
           <a:p>
             <a:pPr algn="ctr"/>
             <a:r>
-              <a:rPr lang="en-US" sz="1100" dirty="0" smtClean="0">
+              <a:rPr lang="en-US" sz="1100" dirty="0">
                 <a:solidFill>
                   <a:srgbClr val="7030A0"/>
                 </a:solidFill>
@@ -5807,7 +5798,7 @@
           <a:p>
             <a:pPr algn="ctr"/>
             <a:r>
-              <a:rPr lang="en-US" sz="1100" dirty="0" smtClean="0">
+              <a:rPr lang="en-US" sz="1100" dirty="0">
                 <a:solidFill>
                   <a:srgbClr val="7030A0"/>
                 </a:solidFill>
@@ -5846,7 +5837,7 @@
           <a:p>
             <a:pPr algn="ctr"/>
             <a:r>
-              <a:rPr lang="en-US" sz="1100" dirty="0" smtClean="0">
+              <a:rPr lang="en-US" sz="1100" dirty="0">
                 <a:solidFill>
                   <a:srgbClr val="7030A0"/>
                 </a:solidFill>
@@ -5885,7 +5876,7 @@
           <a:p>
             <a:pPr algn="ctr"/>
             <a:r>
-              <a:rPr lang="en-US" sz="1100" dirty="0" smtClean="0">
+              <a:rPr lang="en-US" sz="1100" dirty="0">
                 <a:solidFill>
                   <a:srgbClr val="7030A0"/>
                 </a:solidFill>
@@ -5900,6 +5891,290 @@
           </a:p>
         </p:txBody>
       </p:sp>
+      <p:sp>
+        <p:nvSpPr>
+          <p:cNvPr id="73" name="Rectangle 8"/>
+          <p:cNvSpPr/>
+          <p:nvPr/>
+        </p:nvSpPr>
+        <p:spPr>
+          <a:xfrm>
+            <a:off x="7713955" y="3851528"/>
+            <a:ext cx="776557" cy="285783"/>
+          </a:xfrm>
+          <a:prstGeom prst="rect">
+            <a:avLst/>
+          </a:prstGeom>
+          <a:ln w="19050">
+            <a:solidFill>
+              <a:srgbClr val="7030A0"/>
+            </a:solidFill>
+          </a:ln>
+          <a:effectLst/>
+        </p:spPr>
+        <p:style>
+          <a:lnRef idx="1">
+            <a:schemeClr val="accent4"/>
+          </a:lnRef>
+          <a:fillRef idx="2">
+            <a:schemeClr val="accent4"/>
+          </a:fillRef>
+          <a:effectRef idx="1">
+            <a:schemeClr val="accent4"/>
+          </a:effectRef>
+          <a:fontRef idx="minor">
+            <a:schemeClr val="dk1"/>
+          </a:fontRef>
+        </p:style>
+        <p:txBody>
+          <a:bodyPr rtlCol="0" anchor="ctr"/>
+          <a:lstStyle/>
+          <a:p>
+            <a:pPr algn="ctr"/>
+            <a:r>
+              <a:rPr lang="en-US" sz="1000" dirty="0">
+                <a:solidFill>
+                  <a:srgbClr val="7030A0"/>
+                </a:solidFill>
+              </a:rPr>
+              <a:t>Recurrence</a:t>
+            </a:r>
+            <a:endParaRPr lang="en-SG" sz="1000" dirty="0">
+              <a:solidFill>
+                <a:srgbClr val="7030A0"/>
+              </a:solidFill>
+            </a:endParaRPr>
+          </a:p>
+        </p:txBody>
+      </p:sp>
+      <p:sp>
+        <p:nvSpPr>
+          <p:cNvPr id="77" name="Rectangle 8"/>
+          <p:cNvSpPr/>
+          <p:nvPr/>
+        </p:nvSpPr>
+        <p:spPr>
+          <a:xfrm>
+            <a:off x="7710786" y="1925054"/>
+            <a:ext cx="776557" cy="285783"/>
+          </a:xfrm>
+          <a:prstGeom prst="rect">
+            <a:avLst/>
+          </a:prstGeom>
+          <a:ln w="19050">
+            <a:solidFill>
+              <a:srgbClr val="7030A0"/>
+            </a:solidFill>
+          </a:ln>
+          <a:effectLst/>
+        </p:spPr>
+        <p:style>
+          <a:lnRef idx="1">
+            <a:schemeClr val="accent4"/>
+          </a:lnRef>
+          <a:fillRef idx="2">
+            <a:schemeClr val="accent4"/>
+          </a:fillRef>
+          <a:effectRef idx="1">
+            <a:schemeClr val="accent4"/>
+          </a:effectRef>
+          <a:fontRef idx="minor">
+            <a:schemeClr val="dk1"/>
+          </a:fontRef>
+        </p:style>
+        <p:txBody>
+          <a:bodyPr rtlCol="0" anchor="ctr"/>
+          <a:lstStyle/>
+          <a:p>
+            <a:pPr algn="ctr"/>
+            <a:r>
+              <a:rPr lang="en-US" sz="1050" dirty="0">
+                <a:solidFill>
+                  <a:srgbClr val="7030A0"/>
+                </a:solidFill>
+              </a:rPr>
+              <a:t>Name</a:t>
+            </a:r>
+            <a:endParaRPr lang="en-SG" sz="1050" dirty="0">
+              <a:solidFill>
+                <a:srgbClr val="7030A0"/>
+              </a:solidFill>
+            </a:endParaRPr>
+          </a:p>
+        </p:txBody>
+      </p:sp>
+      <p:sp>
+        <p:nvSpPr>
+          <p:cNvPr id="82" name="Rectangle 8"/>
+          <p:cNvSpPr/>
+          <p:nvPr/>
+        </p:nvSpPr>
+        <p:spPr>
+          <a:xfrm>
+            <a:off x="7710786" y="2248031"/>
+            <a:ext cx="776557" cy="285783"/>
+          </a:xfrm>
+          <a:prstGeom prst="rect">
+            <a:avLst/>
+          </a:prstGeom>
+          <a:ln w="19050">
+            <a:solidFill>
+              <a:srgbClr val="7030A0"/>
+            </a:solidFill>
+          </a:ln>
+          <a:effectLst/>
+        </p:spPr>
+        <p:style>
+          <a:lnRef idx="1">
+            <a:schemeClr val="accent4"/>
+          </a:lnRef>
+          <a:fillRef idx="2">
+            <a:schemeClr val="accent4"/>
+          </a:fillRef>
+          <a:effectRef idx="1">
+            <a:schemeClr val="accent4"/>
+          </a:effectRef>
+          <a:fontRef idx="minor">
+            <a:schemeClr val="dk1"/>
+          </a:fontRef>
+        </p:style>
+        <p:txBody>
+          <a:bodyPr rtlCol="0" anchor="ctr"/>
+          <a:lstStyle/>
+          <a:p>
+            <a:pPr algn="ctr"/>
+            <a:r>
+              <a:rPr lang="en-US" sz="1050" dirty="0">
+                <a:solidFill>
+                  <a:srgbClr val="7030A0"/>
+                </a:solidFill>
+              </a:rPr>
+              <a:t>Status</a:t>
+            </a:r>
+            <a:endParaRPr lang="en-SG" sz="1050" dirty="0">
+              <a:solidFill>
+                <a:srgbClr val="7030A0"/>
+              </a:solidFill>
+            </a:endParaRPr>
+          </a:p>
+        </p:txBody>
+      </p:sp>
+      <p:cxnSp>
+        <p:nvCxnSpPr>
+          <p:cNvPr id="16" name="Connector: Elbow 15"/>
+          <p:cNvCxnSpPr>
+            <a:endCxn id="77" idx="1"/>
+          </p:cNvCxnSpPr>
+          <p:nvPr/>
+        </p:nvCxnSpPr>
+        <p:spPr>
+          <a:xfrm rot="5400000" flipH="1" flipV="1">
+            <a:off x="7278615" y="2284526"/>
+            <a:ext cx="648750" cy="215591"/>
+          </a:xfrm>
+          <a:prstGeom prst="bentConnector2">
+            <a:avLst/>
+          </a:prstGeom>
+          <a:ln w="19050">
+            <a:solidFill>
+              <a:srgbClr val="7030A0"/>
+            </a:solidFill>
+            <a:tailEnd type="arrow"/>
+          </a:ln>
+        </p:spPr>
+        <p:style>
+          <a:lnRef idx="1">
+            <a:schemeClr val="accent1"/>
+          </a:lnRef>
+          <a:fillRef idx="0">
+            <a:schemeClr val="accent1"/>
+          </a:fillRef>
+          <a:effectRef idx="0">
+            <a:schemeClr val="accent1"/>
+          </a:effectRef>
+          <a:fontRef idx="minor">
+            <a:schemeClr val="tx1"/>
+          </a:fontRef>
+        </p:style>
+      </p:cxnSp>
+      <p:cxnSp>
+        <p:nvCxnSpPr>
+          <p:cNvPr id="18" name="Connector: Elbow 17"/>
+          <p:cNvCxnSpPr>
+            <a:cxnSpLocks/>
+            <a:endCxn id="82" idx="1"/>
+          </p:cNvCxnSpPr>
+          <p:nvPr/>
+        </p:nvCxnSpPr>
+        <p:spPr>
+          <a:xfrm rot="5400000" flipH="1" flipV="1">
+            <a:off x="7294626" y="2591491"/>
+            <a:ext cx="616727" cy="215593"/>
+          </a:xfrm>
+          <a:prstGeom prst="bentConnector2">
+            <a:avLst/>
+          </a:prstGeom>
+          <a:ln w="19050">
+            <a:solidFill>
+              <a:srgbClr val="7030A0"/>
+            </a:solidFill>
+            <a:tailEnd type="arrow"/>
+          </a:ln>
+        </p:spPr>
+        <p:style>
+          <a:lnRef idx="1">
+            <a:schemeClr val="accent1"/>
+          </a:lnRef>
+          <a:fillRef idx="0">
+            <a:schemeClr val="accent1"/>
+          </a:fillRef>
+          <a:effectRef idx="0">
+            <a:schemeClr val="accent1"/>
+          </a:effectRef>
+          <a:fontRef idx="minor">
+            <a:schemeClr val="tx1"/>
+          </a:fontRef>
+        </p:style>
+      </p:cxnSp>
+      <p:cxnSp>
+        <p:nvCxnSpPr>
+          <p:cNvPr id="20" name="Connector: Elbow 19"/>
+          <p:cNvCxnSpPr>
+            <a:cxnSpLocks/>
+            <a:endCxn id="73" idx="1"/>
+          </p:cNvCxnSpPr>
+          <p:nvPr/>
+        </p:nvCxnSpPr>
+        <p:spPr>
+          <a:xfrm rot="16200000" flipH="1">
+            <a:off x="7257134" y="3537598"/>
+            <a:ext cx="694883" cy="218760"/>
+          </a:xfrm>
+          <a:prstGeom prst="bentConnector2">
+            <a:avLst/>
+          </a:prstGeom>
+          <a:ln w="19050">
+            <a:solidFill>
+              <a:srgbClr val="7030A0"/>
+            </a:solidFill>
+            <a:tailEnd type="arrow"/>
+          </a:ln>
+        </p:spPr>
+        <p:style>
+          <a:lnRef idx="1">
+            <a:schemeClr val="accent1"/>
+          </a:lnRef>
+          <a:fillRef idx="0">
+            <a:schemeClr val="accent1"/>
+          </a:fillRef>
+          <a:effectRef idx="0">
+            <a:schemeClr val="accent1"/>
+          </a:effectRef>
+          <a:fontRef idx="minor">
+            <a:schemeClr val="tx1"/>
+          </a:fontRef>
+        </p:style>
+      </p:cxnSp>
     </p:spTree>
     <p:extLst>
       <p:ext uri="{BB962C8B-B14F-4D97-AF65-F5344CB8AC3E}">
@@ -5910,13 +6185,6 @@
   <p:clrMapOvr>
     <a:masterClrMapping/>
   </p:clrMapOvr>
-  <p:timing>
-    <p:tnLst>
-      <p:par>
-        <p:cTn id="1" dur="indefinite" restart="never" nodeType="tmRoot"/>
-      </p:par>
-    </p:tnLst>
-  </p:timing>
 </p:sld>
 </file>
 

--- a/docs/diagrams/ModelComponentClassDiagram.pptx
+++ b/docs/diagrams/ModelComponentClassDiagram.pptx
@@ -107,6 +107,22 @@
       </a:defRPr>
     </a:lvl9pPr>
   </p:defaultTextStyle>
+  <p:extLst>
+    <p:ext uri="{EFAFB233-063F-42B5-8137-9DF3F51BA10A}">
+      <p15:sldGuideLst xmlns:p15="http://schemas.microsoft.com/office/powerpoint/2012/main">
+        <p15:guide id="1" orient="horz" pos="1488">
+          <p15:clr>
+            <a:srgbClr val="A4A3A4"/>
+          </p15:clr>
+        </p15:guide>
+        <p15:guide id="2" pos="2880">
+          <p15:clr>
+            <a:srgbClr val="A4A3A4"/>
+          </p15:clr>
+        </p15:guide>
+      </p15:sldGuideLst>
+    </p:ext>
+  </p:extLst>
 </p:presentation>
 </file>
 
@@ -192,7 +208,7 @@
           <a:p>
             <a:fld id="{F5CC4B3F-88C1-4FFA-B1B6-F41C21DC6924}" type="datetimeFigureOut">
               <a:rPr lang="en-US" smtClean="0"/>
-              <a:t>11/19/2016</a:t>
+              <a:t>3/25/2017</a:t>
             </a:fld>
             <a:endParaRPr lang="en-US"/>
           </a:p>
@@ -641,7 +657,7 @@
           <a:p>
             <a:fld id="{78C97017-6FC3-485B-9764-EAC9E56C1D49}" type="datetimeFigureOut">
               <a:rPr lang="en-US" smtClean="0"/>
-              <a:t>11/19/2016</a:t>
+              <a:t>3/25/2017</a:t>
             </a:fld>
             <a:endParaRPr lang="en-US"/>
           </a:p>
@@ -811,7 +827,7 @@
           <a:p>
             <a:fld id="{78C97017-6FC3-485B-9764-EAC9E56C1D49}" type="datetimeFigureOut">
               <a:rPr lang="en-US" smtClean="0"/>
-              <a:t>11/19/2016</a:t>
+              <a:t>3/25/2017</a:t>
             </a:fld>
             <a:endParaRPr lang="en-US"/>
           </a:p>
@@ -991,7 +1007,7 @@
           <a:p>
             <a:fld id="{78C97017-6FC3-485B-9764-EAC9E56C1D49}" type="datetimeFigureOut">
               <a:rPr lang="en-US" smtClean="0"/>
-              <a:t>11/19/2016</a:t>
+              <a:t>3/25/2017</a:t>
             </a:fld>
             <a:endParaRPr lang="en-US"/>
           </a:p>
@@ -1161,7 +1177,7 @@
           <a:p>
             <a:fld id="{78C97017-6FC3-485B-9764-EAC9E56C1D49}" type="datetimeFigureOut">
               <a:rPr lang="en-US" smtClean="0"/>
-              <a:t>11/19/2016</a:t>
+              <a:t>3/25/2017</a:t>
             </a:fld>
             <a:endParaRPr lang="en-US"/>
           </a:p>
@@ -1407,7 +1423,7 @@
           <a:p>
             <a:fld id="{78C97017-6FC3-485B-9764-EAC9E56C1D49}" type="datetimeFigureOut">
               <a:rPr lang="en-US" smtClean="0"/>
-              <a:t>11/19/2016</a:t>
+              <a:t>3/25/2017</a:t>
             </a:fld>
             <a:endParaRPr lang="en-US"/>
           </a:p>
@@ -1695,7 +1711,7 @@
           <a:p>
             <a:fld id="{78C97017-6FC3-485B-9764-EAC9E56C1D49}" type="datetimeFigureOut">
               <a:rPr lang="en-US" smtClean="0"/>
-              <a:t>11/19/2016</a:t>
+              <a:t>3/25/2017</a:t>
             </a:fld>
             <a:endParaRPr lang="en-US"/>
           </a:p>
@@ -2117,7 +2133,7 @@
           <a:p>
             <a:fld id="{78C97017-6FC3-485B-9764-EAC9E56C1D49}" type="datetimeFigureOut">
               <a:rPr lang="en-US" smtClean="0"/>
-              <a:t>11/19/2016</a:t>
+              <a:t>3/25/2017</a:t>
             </a:fld>
             <a:endParaRPr lang="en-US"/>
           </a:p>
@@ -2235,7 +2251,7 @@
           <a:p>
             <a:fld id="{78C97017-6FC3-485B-9764-EAC9E56C1D49}" type="datetimeFigureOut">
               <a:rPr lang="en-US" smtClean="0"/>
-              <a:t>11/19/2016</a:t>
+              <a:t>3/25/2017</a:t>
             </a:fld>
             <a:endParaRPr lang="en-US"/>
           </a:p>
@@ -2330,7 +2346,7 @@
           <a:p>
             <a:fld id="{78C97017-6FC3-485B-9764-EAC9E56C1D49}" type="datetimeFigureOut">
               <a:rPr lang="en-US" smtClean="0"/>
-              <a:t>11/19/2016</a:t>
+              <a:t>3/25/2017</a:t>
             </a:fld>
             <a:endParaRPr lang="en-US"/>
           </a:p>
@@ -2607,7 +2623,7 @@
           <a:p>
             <a:fld id="{78C97017-6FC3-485B-9764-EAC9E56C1D49}" type="datetimeFigureOut">
               <a:rPr lang="en-US" smtClean="0"/>
-              <a:t>11/19/2016</a:t>
+              <a:t>3/25/2017</a:t>
             </a:fld>
             <a:endParaRPr lang="en-US"/>
           </a:p>
@@ -2860,7 +2876,7 @@
           <a:p>
             <a:fld id="{78C97017-6FC3-485B-9764-EAC9E56C1D49}" type="datetimeFigureOut">
               <a:rPr lang="en-US" smtClean="0"/>
-              <a:t>11/19/2016</a:t>
+              <a:t>3/25/2017</a:t>
             </a:fld>
             <a:endParaRPr lang="en-US"/>
           </a:p>
@@ -3073,7 +3089,7 @@
           <a:p>
             <a:fld id="{78C97017-6FC3-485B-9764-EAC9E56C1D49}" type="datetimeFigureOut">
               <a:rPr lang="en-US" smtClean="0"/>
-              <a:t>11/19/2016</a:t>
+              <a:t>3/25/2017</a:t>
             </a:fld>
             <a:endParaRPr lang="en-US"/>
           </a:p>
@@ -3457,7 +3473,7 @@
         <p:spPr>
           <a:xfrm>
             <a:off x="1119865" y="1727200"/>
-            <a:ext cx="7490735" cy="2997200"/>
+            <a:ext cx="7490735" cy="3530600"/>
           </a:xfrm>
           <a:prstGeom prst="roundRect">
             <a:avLst>
@@ -3517,7 +3533,7 @@
         </p:nvSpPr>
         <p:spPr>
           <a:xfrm>
-            <a:off x="2877180" y="3158440"/>
+            <a:off x="2881470" y="2907295"/>
             <a:ext cx="1093635" cy="346760"/>
           </a:xfrm>
           <a:prstGeom prst="rect">
@@ -3576,8 +3592,8 @@
         </p:nvSpPr>
         <p:spPr>
           <a:xfrm rot="16200000">
-            <a:off x="1683963" y="2868687"/>
-            <a:ext cx="1093635" cy="346760"/>
+            <a:off x="1421006" y="3131644"/>
+            <a:ext cx="1619550" cy="346760"/>
           </a:xfrm>
           <a:prstGeom prst="rect">
             <a:avLst/>
@@ -3637,7 +3653,7 @@
         </p:nvCxnSpPr>
         <p:spPr>
           <a:xfrm flipV="1">
-            <a:off x="6477000" y="3194131"/>
+            <a:off x="6558642" y="3029330"/>
             <a:ext cx="95385" cy="416514"/>
           </a:xfrm>
           <a:prstGeom prst="bentConnector2">
@@ -3671,19 +3687,17 @@
       <p:cxnSp>
         <p:nvCxnSpPr>
           <p:cNvPr id="107" name="Elbow Connector 106"/>
-          <p:cNvCxnSpPr>
-            <a:stCxn id="9" idx="1"/>
-          </p:cNvCxnSpPr>
+          <p:cNvCxnSpPr/>
           <p:nvPr/>
         </p:nvCxnSpPr>
         <p:spPr>
           <a:xfrm rot="5400000" flipH="1" flipV="1">
-            <a:off x="4360065" y="1080909"/>
+            <a:off x="4441707" y="916108"/>
             <a:ext cx="378691" cy="4637261"/>
           </a:xfrm>
           <a:prstGeom prst="bentConnector4">
             <a:avLst>
-              <a:gd name="adj1" fmla="val -101829"/>
+              <a:gd name="adj1" fmla="val -286894"/>
               <a:gd name="adj2" fmla="val 99976"/>
             </a:avLst>
           </a:prstGeom>
@@ -3720,8 +3734,8 @@
         </p:nvSpPr>
         <p:spPr>
           <a:xfrm rot="16200000">
-            <a:off x="956202" y="2861202"/>
-            <a:ext cx="1093635" cy="346760"/>
+            <a:off x="689502" y="3127902"/>
+            <a:ext cx="1627036" cy="346760"/>
           </a:xfrm>
           <a:prstGeom prst="rect">
             <a:avLst/>
@@ -3840,7 +3854,7 @@
         </p:nvCxnSpPr>
         <p:spPr>
           <a:xfrm>
-            <a:off x="2656370" y="3326536"/>
+            <a:off x="2660660" y="3075391"/>
             <a:ext cx="220810" cy="5284"/>
           </a:xfrm>
           <a:prstGeom prst="straightConnector1">
@@ -3878,7 +3892,7 @@
         </p:nvSpPr>
         <p:spPr>
           <a:xfrm rot="5400000" flipV="1">
-            <a:off x="6253986" y="3522883"/>
+            <a:off x="6335628" y="3358082"/>
             <a:ext cx="270504" cy="175523"/>
           </a:xfrm>
           <a:prstGeom prst="triangle">
@@ -4013,7 +4027,7 @@
         </p:nvSpPr>
         <p:spPr>
           <a:xfrm>
-            <a:off x="2420322" y="3239846"/>
+            <a:off x="2424612" y="2988701"/>
             <a:ext cx="236048" cy="173380"/>
           </a:xfrm>
           <a:prstGeom prst="flowChartDecision">
@@ -4050,85 +4064,31 @@
           </a:p>
         </p:txBody>
       </p:sp>
-      <p:sp>
-        <p:nvSpPr>
-          <p:cNvPr id="46" name="Rectangle 8"/>
-          <p:cNvSpPr/>
+      <p:cxnSp>
+        <p:nvCxnSpPr>
+          <p:cNvPr id="97" name="Elbow Connector 63"/>
+          <p:cNvCxnSpPr>
+            <a:stCxn id="99" idx="3"/>
+          </p:cNvCxnSpPr>
           <p:nvPr/>
-        </p:nvSpPr>
-        <p:spPr>
-          <a:xfrm>
-            <a:off x="2879490" y="2627420"/>
-            <a:ext cx="1093635" cy="346760"/>
-          </a:xfrm>
-          <a:prstGeom prst="rect">
-            <a:avLst/>
+        </p:nvCxnSpPr>
+        <p:spPr>
+          <a:xfrm rot="16200000" flipH="1">
+            <a:off x="3279321" y="2485431"/>
+            <a:ext cx="293825" cy="1"/>
+          </a:xfrm>
+          <a:prstGeom prst="bentConnector3">
+            <a:avLst>
+              <a:gd name="adj1" fmla="val 50000"/>
+            </a:avLst>
           </a:prstGeom>
           <a:ln w="19050">
             <a:solidFill>
               <a:srgbClr val="7030A0"/>
             </a:solidFill>
-          </a:ln>
-          <a:effectLst/>
-        </p:spPr>
-        <p:style>
-          <a:lnRef idx="1">
-            <a:schemeClr val="accent4"/>
-          </a:lnRef>
-          <a:fillRef idx="2">
-            <a:schemeClr val="accent4"/>
-          </a:fillRef>
-          <a:effectRef idx="1">
-            <a:schemeClr val="accent4"/>
-          </a:effectRef>
-          <a:fontRef idx="minor">
-            <a:schemeClr val="dk1"/>
-          </a:fontRef>
-        </p:style>
-        <p:txBody>
-          <a:bodyPr rtlCol="0" anchor="ctr"/>
-          <a:lstStyle/>
-          <a:p>
-            <a:pPr algn="ctr"/>
-            <a:r>
-              <a:rPr lang="en-US" sz="1050" dirty="0" err="1" smtClean="0">
-                <a:solidFill>
-                  <a:srgbClr val="7030A0"/>
-                </a:solidFill>
-              </a:rPr>
-              <a:t>AddressBook</a:t>
-            </a:r>
-            <a:endParaRPr lang="en-SG" sz="1050" dirty="0">
-              <a:solidFill>
-                <a:srgbClr val="7030A0"/>
-              </a:solidFill>
-            </a:endParaRPr>
-          </a:p>
-        </p:txBody>
-      </p:sp>
-      <p:cxnSp>
-        <p:nvCxnSpPr>
-          <p:cNvPr id="47" name="Straight Arrow Connector 46"/>
-          <p:cNvCxnSpPr>
-            <a:stCxn id="48" idx="3"/>
-            <a:endCxn id="46" idx="1"/>
-          </p:cNvCxnSpPr>
-          <p:nvPr/>
-        </p:nvCxnSpPr>
-        <p:spPr>
-          <a:xfrm>
-            <a:off x="2658680" y="2795516"/>
-            <a:ext cx="220810" cy="5284"/>
-          </a:xfrm>
-          <a:prstGeom prst="straightConnector1">
-            <a:avLst/>
-          </a:prstGeom>
-          <a:ln w="19050">
-            <a:solidFill>
-              <a:srgbClr val="7030A0"/>
-            </a:solidFill>
+            <a:prstDash val="sysDot"/>
             <a:headEnd type="none" w="med" len="med"/>
-            <a:tailEnd type="arrow" w="med" len="med"/>
+            <a:tailEnd type="none" w="med" len="med"/>
           </a:ln>
           <a:effectLst/>
         </p:spPr>
@@ -4147,21 +4107,180 @@
           </a:fontRef>
         </p:style>
       </p:cxnSp>
-      <p:sp>
-        <p:nvSpPr>
-          <p:cNvPr id="48" name="Flowchart: Decision 96"/>
+      <p:grpSp>
+        <p:nvGrpSpPr>
+          <p:cNvPr id="7" name="Group 6"/>
+          <p:cNvGrpSpPr/>
+          <p:nvPr/>
+        </p:nvGrpSpPr>
+        <p:grpSpPr>
+          <a:xfrm>
+            <a:off x="2429027" y="2572681"/>
+            <a:ext cx="456858" cy="173380"/>
+            <a:chOff x="2422632" y="2708826"/>
+            <a:chExt cx="456858" cy="173380"/>
+          </a:xfrm>
+        </p:grpSpPr>
+        <p:cxnSp>
+          <p:nvCxnSpPr>
+            <p:cNvPr id="47" name="Straight Arrow Connector 46"/>
+            <p:cNvCxnSpPr>
+              <a:stCxn id="48" idx="3"/>
+              <a:endCxn id="46" idx="1"/>
+            </p:cNvCxnSpPr>
+            <p:nvPr/>
+          </p:nvCxnSpPr>
+          <p:spPr>
+            <a:xfrm>
+              <a:off x="2658680" y="2795516"/>
+              <a:ext cx="220810" cy="5284"/>
+            </a:xfrm>
+            <a:prstGeom prst="straightConnector1">
+              <a:avLst/>
+            </a:prstGeom>
+            <a:ln w="19050">
+              <a:solidFill>
+                <a:srgbClr val="7030A0"/>
+              </a:solidFill>
+              <a:headEnd type="none" w="med" len="med"/>
+              <a:tailEnd type="arrow" w="med" len="med"/>
+            </a:ln>
+            <a:effectLst/>
+          </p:spPr>
+          <p:style>
+            <a:lnRef idx="1">
+              <a:schemeClr val="accent2"/>
+            </a:lnRef>
+            <a:fillRef idx="2">
+              <a:schemeClr val="accent2"/>
+            </a:fillRef>
+            <a:effectRef idx="1">
+              <a:schemeClr val="accent2"/>
+            </a:effectRef>
+            <a:fontRef idx="minor">
+              <a:schemeClr val="dk1"/>
+            </a:fontRef>
+          </p:style>
+        </p:cxnSp>
+        <p:sp>
+          <p:nvSpPr>
+            <p:cNvPr id="48" name="Flowchart: Decision 96"/>
+            <p:cNvSpPr/>
+            <p:nvPr/>
+          </p:nvSpPr>
+          <p:spPr>
+            <a:xfrm>
+              <a:off x="2422632" y="2708826"/>
+              <a:ext cx="236048" cy="173380"/>
+            </a:xfrm>
+            <a:prstGeom prst="flowChartDecision">
+              <a:avLst/>
+            </a:prstGeom>
+            <a:noFill/>
+            <a:ln w="19050">
+              <a:solidFill>
+                <a:srgbClr val="7030A0"/>
+              </a:solidFill>
+            </a:ln>
+            <a:effectLst/>
+          </p:spPr>
+          <p:style>
+            <a:lnRef idx="1">
+              <a:schemeClr val="accent6"/>
+            </a:lnRef>
+            <a:fillRef idx="2">
+              <a:schemeClr val="accent6"/>
+            </a:fillRef>
+            <a:effectRef idx="1">
+              <a:schemeClr val="accent6"/>
+            </a:effectRef>
+            <a:fontRef idx="minor">
+              <a:schemeClr val="dk1"/>
+            </a:fontRef>
+          </p:style>
+          <p:txBody>
+            <a:bodyPr rtlCol="0" anchor="ctr"/>
+            <a:lstStyle/>
+            <a:p>
+              <a:pPr algn="ctr"/>
+              <a:endParaRPr lang="en-US" sz="1050"/>
+            </a:p>
+          </p:txBody>
+        </p:sp>
+      </p:grpSp>
+      <p:sp>
+        <p:nvSpPr>
+          <p:cNvPr id="49" name="Rectangle 8"/>
           <p:cNvSpPr/>
           <p:nvPr/>
         </p:nvSpPr>
         <p:spPr>
           <a:xfrm>
-            <a:off x="2422632" y="2708826"/>
+            <a:off x="4487206" y="2594197"/>
+            <a:ext cx="1156969" cy="346760"/>
+          </a:xfrm>
+          <a:prstGeom prst="rect">
+            <a:avLst/>
+          </a:prstGeom>
+          <a:ln w="19050">
+            <a:solidFill>
+              <a:srgbClr val="7030A0"/>
+            </a:solidFill>
+          </a:ln>
+          <a:effectLst/>
+        </p:spPr>
+        <p:style>
+          <a:lnRef idx="1">
+            <a:schemeClr val="accent4"/>
+          </a:lnRef>
+          <a:fillRef idx="2">
+            <a:schemeClr val="accent4"/>
+          </a:fillRef>
+          <a:effectRef idx="1">
+            <a:schemeClr val="accent4"/>
+          </a:effectRef>
+          <a:fontRef idx="minor">
+            <a:schemeClr val="dk1"/>
+          </a:fontRef>
+        </p:style>
+        <p:txBody>
+          <a:bodyPr rtlCol="0" anchor="ctr"/>
+          <a:lstStyle/>
+          <a:p>
+            <a:pPr algn="ctr"/>
+            <a:r>
+              <a:rPr lang="en-US" sz="1050" dirty="0" err="1" smtClean="0">
+                <a:solidFill>
+                  <a:srgbClr val="7030A0"/>
+                </a:solidFill>
+              </a:rPr>
+              <a:t>UniqueTaskList</a:t>
+            </a:r>
+            <a:endParaRPr lang="en-SG" sz="1050" dirty="0">
+              <a:solidFill>
+                <a:srgbClr val="7030A0"/>
+              </a:solidFill>
+            </a:endParaRPr>
+          </a:p>
+        </p:txBody>
+      </p:sp>
+      <p:sp>
+        <p:nvSpPr>
+          <p:cNvPr id="51" name="Flowchart: Decision 96"/>
+          <p:cNvSpPr/>
+          <p:nvPr/>
+        </p:nvSpPr>
+        <p:spPr>
+          <a:xfrm>
+            <a:off x="3993723" y="2608037"/>
             <a:ext cx="236048" cy="173380"/>
           </a:xfrm>
           <a:prstGeom prst="flowChartDecision">
             <a:avLst/>
           </a:prstGeom>
-          <a:noFill/>
+          <a:solidFill>
+            <a:srgbClr val="7030A0"/>
+          </a:solidFill>
           <a:ln w="19050">
             <a:solidFill>
               <a:srgbClr val="7030A0"/>
@@ -4192,109 +4311,6 @@
           </a:p>
         </p:txBody>
       </p:sp>
-      <p:sp>
-        <p:nvSpPr>
-          <p:cNvPr id="49" name="Rectangle 8"/>
-          <p:cNvSpPr/>
-          <p:nvPr/>
-        </p:nvSpPr>
-        <p:spPr>
-          <a:xfrm>
-            <a:off x="4487017" y="2847371"/>
-            <a:ext cx="1156969" cy="346760"/>
-          </a:xfrm>
-          <a:prstGeom prst="rect">
-            <a:avLst/>
-          </a:prstGeom>
-          <a:ln w="19050">
-            <a:solidFill>
-              <a:srgbClr val="7030A0"/>
-            </a:solidFill>
-          </a:ln>
-          <a:effectLst/>
-        </p:spPr>
-        <p:style>
-          <a:lnRef idx="1">
-            <a:schemeClr val="accent4"/>
-          </a:lnRef>
-          <a:fillRef idx="2">
-            <a:schemeClr val="accent4"/>
-          </a:fillRef>
-          <a:effectRef idx="1">
-            <a:schemeClr val="accent4"/>
-          </a:effectRef>
-          <a:fontRef idx="minor">
-            <a:schemeClr val="dk1"/>
-          </a:fontRef>
-        </p:style>
-        <p:txBody>
-          <a:bodyPr rtlCol="0" anchor="ctr"/>
-          <a:lstStyle/>
-          <a:p>
-            <a:pPr algn="ctr"/>
-            <a:r>
-              <a:rPr lang="en-US" sz="1050" dirty="0" err="1" smtClean="0">
-                <a:solidFill>
-                  <a:srgbClr val="7030A0"/>
-                </a:solidFill>
-              </a:rPr>
-              <a:t>UniquePersonList</a:t>
-            </a:r>
-            <a:endParaRPr lang="en-SG" sz="1050" dirty="0">
-              <a:solidFill>
-                <a:srgbClr val="7030A0"/>
-              </a:solidFill>
-            </a:endParaRPr>
-          </a:p>
-        </p:txBody>
-      </p:sp>
-      <p:sp>
-        <p:nvSpPr>
-          <p:cNvPr id="51" name="Flowchart: Decision 96"/>
-          <p:cNvSpPr/>
-          <p:nvPr/>
-        </p:nvSpPr>
-        <p:spPr>
-          <a:xfrm>
-            <a:off x="3984303" y="2673991"/>
-            <a:ext cx="236048" cy="173380"/>
-          </a:xfrm>
-          <a:prstGeom prst="flowChartDecision">
-            <a:avLst/>
-          </a:prstGeom>
-          <a:solidFill>
-            <a:srgbClr val="7030A0"/>
-          </a:solidFill>
-          <a:ln w="19050">
-            <a:solidFill>
-              <a:srgbClr val="7030A0"/>
-            </a:solidFill>
-          </a:ln>
-          <a:effectLst/>
-        </p:spPr>
-        <p:style>
-          <a:lnRef idx="1">
-            <a:schemeClr val="accent6"/>
-          </a:lnRef>
-          <a:fillRef idx="2">
-            <a:schemeClr val="accent6"/>
-          </a:fillRef>
-          <a:effectRef idx="1">
-            <a:schemeClr val="accent6"/>
-          </a:effectRef>
-          <a:fontRef idx="minor">
-            <a:schemeClr val="dk1"/>
-          </a:fontRef>
-        </p:style>
-        <p:txBody>
-          <a:bodyPr rtlCol="0" anchor="ctr"/>
-          <a:lstStyle/>
-          <a:p>
-            <a:pPr algn="ctr"/>
-            <a:endParaRPr lang="en-US" sz="1050"/>
-          </a:p>
-        </p:txBody>
-      </p:sp>
       <p:cxnSp>
         <p:nvCxnSpPr>
           <p:cNvPr id="30" name="Elbow Connector 29"/>
@@ -4306,8 +4322,8 @@
         </p:nvCxnSpPr>
         <p:spPr>
           <a:xfrm>
-            <a:off x="4220351" y="2760681"/>
-            <a:ext cx="266666" cy="260070"/>
+            <a:off x="4229771" y="2694727"/>
+            <a:ext cx="257435" cy="72850"/>
           </a:xfrm>
           <a:prstGeom prst="bentConnector3">
             <a:avLst/>
@@ -4344,7 +4360,7 @@
         </p:nvSpPr>
         <p:spPr>
           <a:xfrm>
-            <a:off x="4477328" y="2280569"/>
+            <a:off x="4486748" y="2179982"/>
             <a:ext cx="1156969" cy="346760"/>
           </a:xfrm>
           <a:prstGeom prst="rect">
@@ -4403,8 +4419,8 @@
         </p:nvCxnSpPr>
         <p:spPr>
           <a:xfrm flipV="1">
-            <a:off x="4220351" y="2453949"/>
-            <a:ext cx="256977" cy="306732"/>
+            <a:off x="4229771" y="2353362"/>
+            <a:ext cx="256977" cy="341365"/>
           </a:xfrm>
           <a:prstGeom prst="bentConnector3">
             <a:avLst>
@@ -4443,7 +4459,7 @@
         </p:nvSpPr>
         <p:spPr>
           <a:xfrm>
-            <a:off x="6313677" y="2858066"/>
+            <a:off x="6313677" y="2683348"/>
             <a:ext cx="708186" cy="346760"/>
           </a:xfrm>
           <a:prstGeom prst="rect">
@@ -4481,7 +4497,7 @@
                   <a:srgbClr val="7030A0"/>
                 </a:solidFill>
               </a:rPr>
-              <a:t>Person</a:t>
+              <a:t>Task</a:t>
             </a:r>
             <a:endParaRPr lang="en-SG" sz="1050" dirty="0">
               <a:solidFill>
@@ -4499,7 +4515,7 @@
         </p:nvSpPr>
         <p:spPr>
           <a:xfrm>
-            <a:off x="5643227" y="2943979"/>
+            <a:off x="5643258" y="2699780"/>
             <a:ext cx="236048" cy="173380"/>
           </a:xfrm>
           <a:prstGeom prst="flowChartDecision">
@@ -4541,13 +4557,12 @@
           <p:cNvPr id="64" name="Elbow Connector 63"/>
           <p:cNvCxnSpPr>
             <a:stCxn id="63" idx="3"/>
-            <a:endCxn id="62" idx="1"/>
           </p:cNvCxnSpPr>
           <p:nvPr/>
         </p:nvCxnSpPr>
         <p:spPr>
           <a:xfrm>
-            <a:off x="5879275" y="3030669"/>
+            <a:off x="5879306" y="2786470"/>
             <a:ext cx="434402" cy="777"/>
           </a:xfrm>
           <a:prstGeom prst="bentConnector3">
@@ -4585,7 +4600,7 @@
         </p:nvSpPr>
         <p:spPr>
           <a:xfrm>
-            <a:off x="5336105" y="1809332"/>
+            <a:off x="5370876" y="1738890"/>
             <a:ext cx="483700" cy="346760"/>
           </a:xfrm>
           <a:prstGeom prst="rect">
@@ -4641,7 +4656,7 @@
         </p:nvSpPr>
         <p:spPr>
           <a:xfrm rot="16200000">
-            <a:off x="4921666" y="2066540"/>
+            <a:off x="4931086" y="1965953"/>
             <a:ext cx="236048" cy="173380"/>
           </a:xfrm>
           <a:prstGeom prst="flowChartDecision">
@@ -4683,13 +4698,12 @@
           <p:cNvPr id="69" name="Elbow Connector 68"/>
           <p:cNvCxnSpPr>
             <a:stCxn id="68" idx="3"/>
-            <a:endCxn id="67" idx="1"/>
           </p:cNvCxnSpPr>
           <p:nvPr/>
         </p:nvCxnSpPr>
         <p:spPr>
           <a:xfrm rot="5400000" flipH="1" flipV="1">
-            <a:off x="5161650" y="1860752"/>
+            <a:off x="5171070" y="1760165"/>
             <a:ext cx="52494" cy="296415"/>
           </a:xfrm>
           <a:prstGeom prst="bentConnector2">
@@ -4727,7 +4741,7 @@
         </p:nvSpPr>
         <p:spPr>
           <a:xfrm>
-            <a:off x="5128257" y="3429000"/>
+            <a:off x="5209899" y="3264199"/>
             <a:ext cx="1156969" cy="346760"/>
           </a:xfrm>
           <a:prstGeom prst="rect">
@@ -4780,7 +4794,7 @@
                   <a:srgbClr val="7030A0"/>
                 </a:solidFill>
               </a:rPr>
-              <a:t>ReadOnlyPerson</a:t>
+              <a:t>ReadOnlyTask</a:t>
             </a:r>
             <a:endParaRPr lang="en-SG" sz="1050" dirty="0">
               <a:solidFill>
@@ -4798,8 +4812,8 @@
         </p:nvSpPr>
         <p:spPr>
           <a:xfrm>
-            <a:off x="7712397" y="2564238"/>
-            <a:ext cx="708186" cy="285783"/>
+            <a:off x="7705934" y="2397454"/>
+            <a:ext cx="822003" cy="285783"/>
           </a:xfrm>
           <a:prstGeom prst="rect">
             <a:avLst/>
@@ -4854,7 +4868,7 @@
         </p:nvSpPr>
         <p:spPr>
           <a:xfrm>
-            <a:off x="7041947" y="2948201"/>
+            <a:off x="7035485" y="2781417"/>
             <a:ext cx="236048" cy="173380"/>
           </a:xfrm>
           <a:prstGeom prst="flowChartDecision">
@@ -4904,8 +4918,8 @@
         </p:nvCxnSpPr>
         <p:spPr>
           <a:xfrm flipV="1">
-            <a:off x="7277995" y="2707130"/>
-            <a:ext cx="434402" cy="327761"/>
+            <a:off x="7271533" y="2540346"/>
+            <a:ext cx="434401" cy="327761"/>
           </a:xfrm>
           <a:prstGeom prst="bentConnector3">
             <a:avLst/>
@@ -4942,8 +4956,8 @@
         </p:nvSpPr>
         <p:spPr>
           <a:xfrm>
-            <a:off x="7712397" y="2887216"/>
-            <a:ext cx="708186" cy="285783"/>
+            <a:off x="7705935" y="2720432"/>
+            <a:ext cx="822002" cy="285783"/>
           </a:xfrm>
           <a:prstGeom prst="rect">
             <a:avLst/>
@@ -4975,12 +4989,12 @@
           <a:p>
             <a:pPr algn="ctr"/>
             <a:r>
-              <a:rPr lang="en-US" sz="1050" dirty="0" smtClean="0">
+              <a:rPr lang="en-US" sz="1050" dirty="0" err="1" smtClean="0">
                 <a:solidFill>
                   <a:srgbClr val="7030A0"/>
                 </a:solidFill>
               </a:rPr>
-              <a:t>Phone</a:t>
+              <a:t>StartTime</a:t>
             </a:r>
             <a:endParaRPr lang="en-SG" sz="1050" dirty="0">
               <a:solidFill>
@@ -5001,7 +5015,7 @@
         </p:nvCxnSpPr>
         <p:spPr>
           <a:xfrm flipV="1">
-            <a:off x="7277995" y="3030108"/>
+            <a:off x="7271533" y="2863324"/>
             <a:ext cx="434402" cy="4783"/>
           </a:xfrm>
           <a:prstGeom prst="bentConnector3">
@@ -5039,8 +5053,8 @@
         </p:nvSpPr>
         <p:spPr>
           <a:xfrm>
-            <a:off x="7712397" y="3210194"/>
-            <a:ext cx="708186" cy="285783"/>
+            <a:off x="7705935" y="3043410"/>
+            <a:ext cx="822002" cy="285783"/>
           </a:xfrm>
           <a:prstGeom prst="rect">
             <a:avLst/>
@@ -5072,12 +5086,12 @@
           <a:p>
             <a:pPr algn="ctr"/>
             <a:r>
-              <a:rPr lang="en-US" sz="1050" dirty="0" smtClean="0">
+              <a:rPr lang="en-US" sz="1050" dirty="0" err="1" smtClean="0">
                 <a:solidFill>
                   <a:srgbClr val="7030A0"/>
                 </a:solidFill>
               </a:rPr>
-              <a:t>Email</a:t>
+              <a:t>EndTime</a:t>
             </a:r>
             <a:endParaRPr lang="en-SG" sz="1050" dirty="0">
               <a:solidFill>
@@ -5098,7 +5112,7 @@
         </p:nvCxnSpPr>
         <p:spPr>
           <a:xfrm>
-            <a:off x="7277995" y="3034891"/>
+            <a:off x="7271533" y="2868107"/>
             <a:ext cx="434402" cy="318195"/>
           </a:xfrm>
           <a:prstGeom prst="bentConnector3">
@@ -5136,8 +5150,8 @@
         </p:nvSpPr>
         <p:spPr>
           <a:xfrm>
-            <a:off x="7712397" y="3533171"/>
-            <a:ext cx="708186" cy="285783"/>
+            <a:off x="7705935" y="3366387"/>
+            <a:ext cx="822002" cy="285783"/>
           </a:xfrm>
           <a:prstGeom prst="rect">
             <a:avLst/>
@@ -5169,12 +5183,12 @@
           <a:p>
             <a:pPr algn="ctr"/>
             <a:r>
-              <a:rPr lang="en-US" sz="1050" dirty="0" smtClean="0">
+              <a:rPr lang="en-US" sz="1050" dirty="0" err="1" smtClean="0">
                 <a:solidFill>
                   <a:srgbClr val="7030A0"/>
                 </a:solidFill>
               </a:rPr>
-              <a:t>Address</a:t>
+              <a:t>CompletionStatus</a:t>
             </a:r>
             <a:endParaRPr lang="en-SG" sz="1050" dirty="0">
               <a:solidFill>
@@ -5195,7 +5209,7 @@
         </p:nvCxnSpPr>
         <p:spPr>
           <a:xfrm>
-            <a:off x="7277995" y="3034891"/>
+            <a:off x="7271533" y="2868107"/>
             <a:ext cx="434402" cy="641172"/>
           </a:xfrm>
           <a:prstGeom prst="bentConnector3">
@@ -5225,49 +5239,6 @@
           </a:fontRef>
         </p:style>
       </p:cxnSp>
-      <p:cxnSp>
-        <p:nvCxnSpPr>
-          <p:cNvPr id="97" name="Elbow Connector 63"/>
-          <p:cNvCxnSpPr>
-            <a:stCxn id="99" idx="3"/>
-          </p:cNvCxnSpPr>
-          <p:nvPr/>
-        </p:nvCxnSpPr>
-        <p:spPr>
-          <a:xfrm rot="16200000" flipH="1">
-            <a:off x="3279321" y="2485431"/>
-            <a:ext cx="293825" cy="1"/>
-          </a:xfrm>
-          <a:prstGeom prst="bentConnector3">
-            <a:avLst>
-              <a:gd name="adj1" fmla="val 50000"/>
-            </a:avLst>
-          </a:prstGeom>
-          <a:ln w="19050">
-            <a:solidFill>
-              <a:srgbClr val="7030A0"/>
-            </a:solidFill>
-            <a:prstDash val="sysDot"/>
-            <a:headEnd type="none" w="med" len="med"/>
-            <a:tailEnd type="none" w="med" len="med"/>
-          </a:ln>
-          <a:effectLst/>
-        </p:spPr>
-        <p:style>
-          <a:lnRef idx="1">
-            <a:schemeClr val="accent2"/>
-          </a:lnRef>
-          <a:fillRef idx="2">
-            <a:schemeClr val="accent2"/>
-          </a:fillRef>
-          <a:effectRef idx="1">
-            <a:schemeClr val="accent2"/>
-          </a:effectRef>
-          <a:fontRef idx="minor">
-            <a:schemeClr val="dk1"/>
-          </a:fontRef>
-        </p:style>
-      </p:cxnSp>
       <p:sp>
         <p:nvSpPr>
           <p:cNvPr id="99" name="Isosceles Triangle 102"/>
@@ -5377,7 +5348,7 @@
                   <a:srgbClr val="7030A0"/>
                 </a:solidFill>
               </a:rPr>
-              <a:t>ReadOnlyAddressBook</a:t>
+              <a:t>ReadOnlyTaskManager</a:t>
             </a:r>
             <a:endParaRPr lang="en-SG" sz="1050" dirty="0">
               <a:solidFill>
@@ -5395,7 +5366,7 @@
         </p:nvSpPr>
         <p:spPr>
           <a:xfrm rot="16200000">
-            <a:off x="6527512" y="3586305"/>
+            <a:off x="6609154" y="3421504"/>
             <a:ext cx="881018" cy="261610"/>
           </a:xfrm>
           <a:prstGeom prst="rect">
@@ -5434,7 +5405,7 @@
         </p:nvSpPr>
         <p:spPr>
           <a:xfrm>
-            <a:off x="2057400" y="4239491"/>
+            <a:off x="2057401" y="4696077"/>
             <a:ext cx="1775949" cy="346760"/>
           </a:xfrm>
           <a:prstGeom prst="rect">
@@ -5516,8 +5487,8 @@
         </p:nvCxnSpPr>
         <p:spPr>
           <a:xfrm rot="16200000" flipH="1">
-            <a:off x="1364475" y="3719945"/>
-            <a:ext cx="831471" cy="554380"/>
+            <a:off x="1402882" y="4214937"/>
+            <a:ext cx="754657" cy="554381"/>
           </a:xfrm>
           <a:prstGeom prst="bentConnector2">
             <a:avLst/>
@@ -5558,8 +5529,8 @@
         </p:nvCxnSpPr>
         <p:spPr>
           <a:xfrm rot="16200000" flipV="1">
-            <a:off x="5948976" y="2139271"/>
-            <a:ext cx="404117" cy="1033473"/>
+            <a:off x="5990751" y="2006328"/>
+            <a:ext cx="329986" cy="1024053"/>
           </a:xfrm>
           <a:prstGeom prst="bentConnector2">
             <a:avLst/>
@@ -5596,7 +5567,7 @@
         </p:nvSpPr>
         <p:spPr>
           <a:xfrm>
-            <a:off x="4324972" y="2191228"/>
+            <a:off x="4334392" y="2090641"/>
             <a:ext cx="189257" cy="178683"/>
           </a:xfrm>
           <a:prstGeom prst="rect">
@@ -5635,7 +5606,7 @@
         </p:nvSpPr>
         <p:spPr>
           <a:xfrm>
-            <a:off x="4324972" y="3058864"/>
+            <a:off x="4330398" y="2918157"/>
             <a:ext cx="189257" cy="178683"/>
           </a:xfrm>
           <a:prstGeom prst="rect">
@@ -5752,7 +5723,7 @@
         </p:nvSpPr>
         <p:spPr>
           <a:xfrm>
-            <a:off x="6135256" y="3097917"/>
+            <a:off x="6117609" y="2624788"/>
             <a:ext cx="189257" cy="178683"/>
           </a:xfrm>
           <a:prstGeom prst="rect">
@@ -5791,7 +5762,7 @@
         </p:nvSpPr>
         <p:spPr>
           <a:xfrm>
-            <a:off x="2687923" y="2564238"/>
+            <a:off x="2680851" y="2447914"/>
             <a:ext cx="189257" cy="178683"/>
           </a:xfrm>
           <a:prstGeom prst="rect">
@@ -5830,7 +5801,7 @@
         </p:nvSpPr>
         <p:spPr>
           <a:xfrm>
-            <a:off x="2656370" y="3386050"/>
+            <a:off x="2673202" y="2852888"/>
             <a:ext cx="189257" cy="178683"/>
           </a:xfrm>
           <a:prstGeom prst="rect">
@@ -5869,7 +5840,7 @@
         </p:nvSpPr>
         <p:spPr>
           <a:xfrm>
-            <a:off x="6667770" y="3210194"/>
+            <a:off x="6749412" y="3045393"/>
             <a:ext cx="189257" cy="178683"/>
           </a:xfrm>
           <a:prstGeom prst="rect">
@@ -5897,6 +5868,541 @@
                 <a:srgbClr val="7030A0"/>
               </a:solidFill>
             </a:endParaRPr>
+          </a:p>
+        </p:txBody>
+      </p:sp>
+      <p:sp>
+        <p:nvSpPr>
+          <p:cNvPr id="46" name="Rectangle 8"/>
+          <p:cNvSpPr/>
+          <p:nvPr/>
+        </p:nvSpPr>
+        <p:spPr>
+          <a:xfrm>
+            <a:off x="2885885" y="2491275"/>
+            <a:ext cx="1093635" cy="346760"/>
+          </a:xfrm>
+          <a:prstGeom prst="rect">
+            <a:avLst/>
+          </a:prstGeom>
+          <a:ln w="19050">
+            <a:solidFill>
+              <a:srgbClr val="7030A0"/>
+            </a:solidFill>
+          </a:ln>
+          <a:effectLst/>
+        </p:spPr>
+        <p:style>
+          <a:lnRef idx="1">
+            <a:schemeClr val="accent4"/>
+          </a:lnRef>
+          <a:fillRef idx="2">
+            <a:schemeClr val="accent4"/>
+          </a:fillRef>
+          <a:effectRef idx="1">
+            <a:schemeClr val="accent4"/>
+          </a:effectRef>
+          <a:fontRef idx="minor">
+            <a:schemeClr val="dk1"/>
+          </a:fontRef>
+        </p:style>
+        <p:txBody>
+          <a:bodyPr rtlCol="0" anchor="ctr"/>
+          <a:lstStyle/>
+          <a:p>
+            <a:pPr algn="ctr"/>
+            <a:r>
+              <a:rPr lang="en-US" sz="1050" dirty="0" err="1" smtClean="0">
+                <a:solidFill>
+                  <a:srgbClr val="7030A0"/>
+                </a:solidFill>
+              </a:rPr>
+              <a:t>TaskManager</a:t>
+            </a:r>
+            <a:endParaRPr lang="en-SG" sz="1050" dirty="0">
+              <a:solidFill>
+                <a:srgbClr val="7030A0"/>
+              </a:solidFill>
+            </a:endParaRPr>
+          </a:p>
+        </p:txBody>
+      </p:sp>
+      <p:grpSp>
+        <p:nvGrpSpPr>
+          <p:cNvPr id="73" name="Group 72"/>
+          <p:cNvGrpSpPr/>
+          <p:nvPr/>
+        </p:nvGrpSpPr>
+        <p:grpSpPr>
+          <a:xfrm>
+            <a:off x="2424612" y="3396404"/>
+            <a:ext cx="456858" cy="173380"/>
+            <a:chOff x="2422632" y="2708826"/>
+            <a:chExt cx="456858" cy="173380"/>
+          </a:xfrm>
+        </p:grpSpPr>
+        <p:cxnSp>
+          <p:nvCxnSpPr>
+            <p:cNvPr id="74" name="Straight Arrow Connector 73"/>
+            <p:cNvCxnSpPr>
+              <a:stCxn id="77" idx="3"/>
+              <a:endCxn id="82" idx="1"/>
+            </p:cNvCxnSpPr>
+            <p:nvPr/>
+          </p:nvCxnSpPr>
+          <p:spPr>
+            <a:xfrm>
+              <a:off x="2658680" y="2795516"/>
+              <a:ext cx="220810" cy="5284"/>
+            </a:xfrm>
+            <a:prstGeom prst="straightConnector1">
+              <a:avLst/>
+            </a:prstGeom>
+            <a:ln w="19050">
+              <a:solidFill>
+                <a:srgbClr val="7030A0"/>
+              </a:solidFill>
+              <a:headEnd type="none" w="med" len="med"/>
+              <a:tailEnd type="arrow" w="med" len="med"/>
+            </a:ln>
+            <a:effectLst/>
+          </p:spPr>
+          <p:style>
+            <a:lnRef idx="1">
+              <a:schemeClr val="accent2"/>
+            </a:lnRef>
+            <a:fillRef idx="2">
+              <a:schemeClr val="accent2"/>
+            </a:fillRef>
+            <a:effectRef idx="1">
+              <a:schemeClr val="accent2"/>
+            </a:effectRef>
+            <a:fontRef idx="minor">
+              <a:schemeClr val="dk1"/>
+            </a:fontRef>
+          </p:style>
+        </p:cxnSp>
+        <p:sp>
+          <p:nvSpPr>
+            <p:cNvPr id="77" name="Flowchart: Decision 96"/>
+            <p:cNvSpPr/>
+            <p:nvPr/>
+          </p:nvSpPr>
+          <p:spPr>
+            <a:xfrm>
+              <a:off x="2422632" y="2708826"/>
+              <a:ext cx="236048" cy="173380"/>
+            </a:xfrm>
+            <a:prstGeom prst="flowChartDecision">
+              <a:avLst/>
+            </a:prstGeom>
+            <a:noFill/>
+            <a:ln w="19050">
+              <a:solidFill>
+                <a:srgbClr val="7030A0"/>
+              </a:solidFill>
+            </a:ln>
+            <a:effectLst/>
+          </p:spPr>
+          <p:style>
+            <a:lnRef idx="1">
+              <a:schemeClr val="accent6"/>
+            </a:lnRef>
+            <a:fillRef idx="2">
+              <a:schemeClr val="accent6"/>
+            </a:fillRef>
+            <a:effectRef idx="1">
+              <a:schemeClr val="accent6"/>
+            </a:effectRef>
+            <a:fontRef idx="minor">
+              <a:schemeClr val="dk1"/>
+            </a:fontRef>
+          </p:style>
+          <p:txBody>
+            <a:bodyPr rtlCol="0" anchor="ctr"/>
+            <a:lstStyle/>
+            <a:p>
+              <a:pPr algn="ctr"/>
+              <a:endParaRPr lang="en-US" sz="1050"/>
+            </a:p>
+          </p:txBody>
+        </p:sp>
+      </p:grpSp>
+      <p:sp>
+        <p:nvSpPr>
+          <p:cNvPr id="82" name="Rectangle 8"/>
+          <p:cNvSpPr/>
+          <p:nvPr/>
+        </p:nvSpPr>
+        <p:spPr>
+          <a:xfrm>
+            <a:off x="2881470" y="3314998"/>
+            <a:ext cx="1093635" cy="346760"/>
+          </a:xfrm>
+          <a:prstGeom prst="rect">
+            <a:avLst/>
+          </a:prstGeom>
+          <a:ln w="19050">
+            <a:solidFill>
+              <a:srgbClr val="7030A0"/>
+            </a:solidFill>
+          </a:ln>
+          <a:effectLst/>
+        </p:spPr>
+        <p:style>
+          <a:lnRef idx="1">
+            <a:schemeClr val="accent4"/>
+          </a:lnRef>
+          <a:fillRef idx="2">
+            <a:schemeClr val="accent4"/>
+          </a:fillRef>
+          <a:effectRef idx="1">
+            <a:schemeClr val="accent4"/>
+          </a:effectRef>
+          <a:fontRef idx="minor">
+            <a:schemeClr val="dk1"/>
+          </a:fontRef>
+        </p:style>
+        <p:txBody>
+          <a:bodyPr rtlCol="0" anchor="ctr"/>
+          <a:lstStyle/>
+          <a:p>
+            <a:pPr algn="ctr"/>
+            <a:r>
+              <a:rPr lang="en-US" sz="1050" dirty="0" err="1" smtClean="0">
+                <a:solidFill>
+                  <a:srgbClr val="7030A0"/>
+                </a:solidFill>
+              </a:rPr>
+              <a:t>chatList</a:t>
+            </a:r>
+            <a:endParaRPr lang="en-SG" sz="1050" dirty="0">
+              <a:solidFill>
+                <a:srgbClr val="7030A0"/>
+              </a:solidFill>
+            </a:endParaRPr>
+          </a:p>
+        </p:txBody>
+      </p:sp>
+      <p:sp>
+        <p:nvSpPr>
+          <p:cNvPr id="91" name="TextBox 90"/>
+          <p:cNvSpPr txBox="1"/>
+          <p:nvPr/>
+        </p:nvSpPr>
+        <p:spPr>
+          <a:xfrm>
+            <a:off x="2684542" y="3271105"/>
+            <a:ext cx="189257" cy="178683"/>
+          </a:xfrm>
+          <a:prstGeom prst="rect">
+            <a:avLst/>
+          </a:prstGeom>
+          <a:noFill/>
+        </p:spPr>
+        <p:txBody>
+          <a:bodyPr wrap="square" lIns="0" tIns="0" rIns="0" bIns="0" rtlCol="0">
+            <a:noAutofit/>
+          </a:bodyPr>
+          <a:lstStyle/>
+          <a:p>
+            <a:pPr algn="ctr"/>
+            <a:r>
+              <a:rPr lang="en-US" sz="1100" dirty="0" smtClean="0">
+                <a:solidFill>
+                  <a:srgbClr val="7030A0"/>
+                </a:solidFill>
+              </a:rPr>
+              <a:t>1</a:t>
+            </a:r>
+            <a:endParaRPr lang="en-SG" sz="1100" dirty="0">
+              <a:solidFill>
+                <a:srgbClr val="7030A0"/>
+              </a:solidFill>
+            </a:endParaRPr>
+          </a:p>
+        </p:txBody>
+      </p:sp>
+      <p:grpSp>
+        <p:nvGrpSpPr>
+          <p:cNvPr id="92" name="Group 91"/>
+          <p:cNvGrpSpPr/>
+          <p:nvPr/>
+        </p:nvGrpSpPr>
+        <p:grpSpPr>
+          <a:xfrm>
+            <a:off x="2424612" y="3839430"/>
+            <a:ext cx="456858" cy="173380"/>
+            <a:chOff x="2422632" y="2708826"/>
+            <a:chExt cx="456858" cy="173380"/>
+          </a:xfrm>
+        </p:grpSpPr>
+        <p:cxnSp>
+          <p:nvCxnSpPr>
+            <p:cNvPr id="93" name="Straight Arrow Connector 92"/>
+            <p:cNvCxnSpPr>
+              <a:stCxn id="94" idx="3"/>
+              <a:endCxn id="95" idx="1"/>
+            </p:cNvCxnSpPr>
+            <p:nvPr/>
+          </p:nvCxnSpPr>
+          <p:spPr>
+            <a:xfrm>
+              <a:off x="2658680" y="2795516"/>
+              <a:ext cx="220810" cy="5284"/>
+            </a:xfrm>
+            <a:prstGeom prst="straightConnector1">
+              <a:avLst/>
+            </a:prstGeom>
+            <a:ln w="19050">
+              <a:solidFill>
+                <a:srgbClr val="7030A0"/>
+              </a:solidFill>
+              <a:headEnd type="none" w="med" len="med"/>
+              <a:tailEnd type="arrow" w="med" len="med"/>
+            </a:ln>
+            <a:effectLst/>
+          </p:spPr>
+          <p:style>
+            <a:lnRef idx="1">
+              <a:schemeClr val="accent2"/>
+            </a:lnRef>
+            <a:fillRef idx="2">
+              <a:schemeClr val="accent2"/>
+            </a:fillRef>
+            <a:effectRef idx="1">
+              <a:schemeClr val="accent2"/>
+            </a:effectRef>
+            <a:fontRef idx="minor">
+              <a:schemeClr val="dk1"/>
+            </a:fontRef>
+          </p:style>
+        </p:cxnSp>
+        <p:sp>
+          <p:nvSpPr>
+            <p:cNvPr id="94" name="Flowchart: Decision 96"/>
+            <p:cNvSpPr/>
+            <p:nvPr/>
+          </p:nvSpPr>
+          <p:spPr>
+            <a:xfrm>
+              <a:off x="2422632" y="2708826"/>
+              <a:ext cx="236048" cy="173380"/>
+            </a:xfrm>
+            <a:prstGeom prst="flowChartDecision">
+              <a:avLst/>
+            </a:prstGeom>
+            <a:noFill/>
+            <a:ln w="19050">
+              <a:solidFill>
+                <a:srgbClr val="7030A0"/>
+              </a:solidFill>
+            </a:ln>
+            <a:effectLst/>
+          </p:spPr>
+          <p:style>
+            <a:lnRef idx="1">
+              <a:schemeClr val="accent6"/>
+            </a:lnRef>
+            <a:fillRef idx="2">
+              <a:schemeClr val="accent6"/>
+            </a:fillRef>
+            <a:effectRef idx="1">
+              <a:schemeClr val="accent6"/>
+            </a:effectRef>
+            <a:fontRef idx="minor">
+              <a:schemeClr val="dk1"/>
+            </a:fontRef>
+          </p:style>
+          <p:txBody>
+            <a:bodyPr rtlCol="0" anchor="ctr"/>
+            <a:lstStyle/>
+            <a:p>
+              <a:pPr algn="ctr"/>
+              <a:endParaRPr lang="en-US" sz="1050"/>
+            </a:p>
+          </p:txBody>
+        </p:sp>
+      </p:grpSp>
+      <p:sp>
+        <p:nvSpPr>
+          <p:cNvPr id="95" name="Rectangle 8"/>
+          <p:cNvSpPr/>
+          <p:nvPr/>
+        </p:nvSpPr>
+        <p:spPr>
+          <a:xfrm>
+            <a:off x="2881470" y="3758024"/>
+            <a:ext cx="1093635" cy="346760"/>
+          </a:xfrm>
+          <a:prstGeom prst="rect">
+            <a:avLst/>
+          </a:prstGeom>
+          <a:ln w="19050">
+            <a:solidFill>
+              <a:srgbClr val="7030A0"/>
+            </a:solidFill>
+          </a:ln>
+          <a:effectLst/>
+        </p:spPr>
+        <p:style>
+          <a:lnRef idx="1">
+            <a:schemeClr val="accent4"/>
+          </a:lnRef>
+          <a:fillRef idx="2">
+            <a:schemeClr val="accent4"/>
+          </a:fillRef>
+          <a:effectRef idx="1">
+            <a:schemeClr val="accent4"/>
+          </a:effectRef>
+          <a:fontRef idx="minor">
+            <a:schemeClr val="dk1"/>
+          </a:fontRef>
+        </p:style>
+        <p:txBody>
+          <a:bodyPr rtlCol="0" anchor="ctr"/>
+          <a:lstStyle/>
+          <a:p>
+            <a:pPr algn="ctr"/>
+            <a:r>
+              <a:rPr lang="en-US" sz="1050" dirty="0" err="1" smtClean="0">
+                <a:solidFill>
+                  <a:srgbClr val="7030A0"/>
+                </a:solidFill>
+              </a:rPr>
+              <a:t>undoManager</a:t>
+            </a:r>
+            <a:endParaRPr lang="en-SG" sz="1050" dirty="0">
+              <a:solidFill>
+                <a:srgbClr val="7030A0"/>
+              </a:solidFill>
+            </a:endParaRPr>
+          </a:p>
+        </p:txBody>
+      </p:sp>
+      <p:sp>
+        <p:nvSpPr>
+          <p:cNvPr id="96" name="TextBox 95"/>
+          <p:cNvSpPr txBox="1"/>
+          <p:nvPr/>
+        </p:nvSpPr>
+        <p:spPr>
+          <a:xfrm>
+            <a:off x="2684542" y="3714131"/>
+            <a:ext cx="189257" cy="178683"/>
+          </a:xfrm>
+          <a:prstGeom prst="rect">
+            <a:avLst/>
+          </a:prstGeom>
+          <a:noFill/>
+        </p:spPr>
+        <p:txBody>
+          <a:bodyPr wrap="square" lIns="0" tIns="0" rIns="0" bIns="0" rtlCol="0">
+            <a:noAutofit/>
+          </a:bodyPr>
+          <a:lstStyle/>
+          <a:p>
+            <a:pPr algn="ctr"/>
+            <a:r>
+              <a:rPr lang="en-US" sz="1100" dirty="0" smtClean="0">
+                <a:solidFill>
+                  <a:srgbClr val="7030A0"/>
+                </a:solidFill>
+              </a:rPr>
+              <a:t>1</a:t>
+            </a:r>
+            <a:endParaRPr lang="en-SG" sz="1100" dirty="0">
+              <a:solidFill>
+                <a:srgbClr val="7030A0"/>
+              </a:solidFill>
+            </a:endParaRPr>
+          </a:p>
+        </p:txBody>
+      </p:sp>
+      <p:cxnSp>
+        <p:nvCxnSpPr>
+          <p:cNvPr id="98" name="Elbow Connector 97"/>
+          <p:cNvCxnSpPr>
+            <a:stCxn id="101" idx="3"/>
+          </p:cNvCxnSpPr>
+          <p:nvPr/>
+        </p:nvCxnSpPr>
+        <p:spPr>
+          <a:xfrm flipV="1">
+            <a:off x="4226870" y="2988615"/>
+            <a:ext cx="2086807" cy="934540"/>
+          </a:xfrm>
+          <a:prstGeom prst="bentConnector3">
+            <a:avLst>
+              <a:gd name="adj1" fmla="val 42135"/>
+            </a:avLst>
+          </a:prstGeom>
+          <a:ln w="19050">
+            <a:solidFill>
+              <a:srgbClr val="7030A0"/>
+            </a:solidFill>
+            <a:headEnd type="none" w="med" len="med"/>
+            <a:tailEnd type="arrow" w="med" len="med"/>
+          </a:ln>
+          <a:effectLst/>
+        </p:spPr>
+        <p:style>
+          <a:lnRef idx="1">
+            <a:schemeClr val="accent2"/>
+          </a:lnRef>
+          <a:fillRef idx="2">
+            <a:schemeClr val="accent2"/>
+          </a:fillRef>
+          <a:effectRef idx="1">
+            <a:schemeClr val="accent2"/>
+          </a:effectRef>
+          <a:fontRef idx="minor">
+            <a:schemeClr val="dk1"/>
+          </a:fontRef>
+        </p:style>
+      </p:cxnSp>
+      <p:sp>
+        <p:nvSpPr>
+          <p:cNvPr id="101" name="Flowchart: Decision 96"/>
+          <p:cNvSpPr/>
+          <p:nvPr/>
+        </p:nvSpPr>
+        <p:spPr>
+          <a:xfrm>
+            <a:off x="3990822" y="3836465"/>
+            <a:ext cx="236048" cy="173380"/>
+          </a:xfrm>
+          <a:prstGeom prst="flowChartDecision">
+            <a:avLst/>
+          </a:prstGeom>
+          <a:noFill/>
+          <a:ln w="19050">
+            <a:solidFill>
+              <a:srgbClr val="7030A0"/>
+            </a:solidFill>
+          </a:ln>
+          <a:effectLst/>
+        </p:spPr>
+        <p:style>
+          <a:lnRef idx="1">
+            <a:schemeClr val="accent6"/>
+          </a:lnRef>
+          <a:fillRef idx="2">
+            <a:schemeClr val="accent6"/>
+          </a:fillRef>
+          <a:effectRef idx="1">
+            <a:schemeClr val="accent6"/>
+          </a:effectRef>
+          <a:fontRef idx="minor">
+            <a:schemeClr val="dk1"/>
+          </a:fontRef>
+        </p:style>
+        <p:txBody>
+          <a:bodyPr rtlCol="0" anchor="ctr"/>
+          <a:lstStyle/>
+          <a:p>
+            <a:pPr algn="ctr"/>
+            <a:endParaRPr lang="en-US" sz="1050"/>
           </a:p>
         </p:txBody>
       </p:sp>

--- a/docs/diagrams/ModelComponentClassDiagram.pptx
+++ b/docs/diagrams/ModelComponentClassDiagram.pptx
@@ -208,7 +208,7 @@
           <a:p>
             <a:fld id="{F5CC4B3F-88C1-4FFA-B1B6-F41C21DC6924}" type="datetimeFigureOut">
               <a:rPr lang="en-US" smtClean="0"/>
-              <a:t>3/16/2017</a:t>
+              <a:t>3/25/2017</a:t>
             </a:fld>
             <a:endParaRPr lang="en-US"/>
           </a:p>
@@ -654,7 +654,7 @@
           <a:p>
             <a:fld id="{78C97017-6FC3-485B-9764-EAC9E56C1D49}" type="datetimeFigureOut">
               <a:rPr lang="en-US" smtClean="0"/>
-              <a:t>3/16/2017</a:t>
+              <a:t>3/25/2017</a:t>
             </a:fld>
             <a:endParaRPr lang="en-US"/>
           </a:p>
@@ -822,7 +822,7 @@
           <a:p>
             <a:fld id="{78C97017-6FC3-485B-9764-EAC9E56C1D49}" type="datetimeFigureOut">
               <a:rPr lang="en-US" smtClean="0"/>
-              <a:t>3/16/2017</a:t>
+              <a:t>3/25/2017</a:t>
             </a:fld>
             <a:endParaRPr lang="en-US"/>
           </a:p>
@@ -1000,7 +1000,7 @@
           <a:p>
             <a:fld id="{78C97017-6FC3-485B-9764-EAC9E56C1D49}" type="datetimeFigureOut">
               <a:rPr lang="en-US" smtClean="0"/>
-              <a:t>3/16/2017</a:t>
+              <a:t>3/25/2017</a:t>
             </a:fld>
             <a:endParaRPr lang="en-US"/>
           </a:p>
@@ -1168,7 +1168,7 @@
           <a:p>
             <a:fld id="{78C97017-6FC3-485B-9764-EAC9E56C1D49}" type="datetimeFigureOut">
               <a:rPr lang="en-US" smtClean="0"/>
-              <a:t>3/16/2017</a:t>
+              <a:t>3/25/2017</a:t>
             </a:fld>
             <a:endParaRPr lang="en-US"/>
           </a:p>
@@ -1413,7 +1413,7 @@
           <a:p>
             <a:fld id="{78C97017-6FC3-485B-9764-EAC9E56C1D49}" type="datetimeFigureOut">
               <a:rPr lang="en-US" smtClean="0"/>
-              <a:t>3/16/2017</a:t>
+              <a:t>3/25/2017</a:t>
             </a:fld>
             <a:endParaRPr lang="en-US"/>
           </a:p>
@@ -1698,7 +1698,7 @@
           <a:p>
             <a:fld id="{78C97017-6FC3-485B-9764-EAC9E56C1D49}" type="datetimeFigureOut">
               <a:rPr lang="en-US" smtClean="0"/>
-              <a:t>3/16/2017</a:t>
+              <a:t>3/25/2017</a:t>
             </a:fld>
             <a:endParaRPr lang="en-US"/>
           </a:p>
@@ -2117,7 +2117,7 @@
           <a:p>
             <a:fld id="{78C97017-6FC3-485B-9764-EAC9E56C1D49}" type="datetimeFigureOut">
               <a:rPr lang="en-US" smtClean="0"/>
-              <a:t>3/16/2017</a:t>
+              <a:t>3/25/2017</a:t>
             </a:fld>
             <a:endParaRPr lang="en-US"/>
           </a:p>
@@ -2234,7 +2234,7 @@
           <a:p>
             <a:fld id="{78C97017-6FC3-485B-9764-EAC9E56C1D49}" type="datetimeFigureOut">
               <a:rPr lang="en-US" smtClean="0"/>
-              <a:t>3/16/2017</a:t>
+              <a:t>3/25/2017</a:t>
             </a:fld>
             <a:endParaRPr lang="en-US"/>
           </a:p>
@@ -2329,7 +2329,7 @@
           <a:p>
             <a:fld id="{78C97017-6FC3-485B-9764-EAC9E56C1D49}" type="datetimeFigureOut">
               <a:rPr lang="en-US" smtClean="0"/>
-              <a:t>3/16/2017</a:t>
+              <a:t>3/25/2017</a:t>
             </a:fld>
             <a:endParaRPr lang="en-US"/>
           </a:p>
@@ -2604,7 +2604,7 @@
           <a:p>
             <a:fld id="{78C97017-6FC3-485B-9764-EAC9E56C1D49}" type="datetimeFigureOut">
               <a:rPr lang="en-US" smtClean="0"/>
-              <a:t>3/16/2017</a:t>
+              <a:t>3/25/2017</a:t>
             </a:fld>
             <a:endParaRPr lang="en-US"/>
           </a:p>
@@ -2856,7 +2856,7 @@
           <a:p>
             <a:fld id="{78C97017-6FC3-485B-9764-EAC9E56C1D49}" type="datetimeFigureOut">
               <a:rPr lang="en-US" smtClean="0"/>
-              <a:t>3/16/2017</a:t>
+              <a:t>3/25/2017</a:t>
             </a:fld>
             <a:endParaRPr lang="en-US"/>
           </a:p>
@@ -3067,7 +3067,7 @@
           <a:p>
             <a:fld id="{78C97017-6FC3-485B-9764-EAC9E56C1D49}" type="datetimeFigureOut">
               <a:rPr lang="en-US" smtClean="0"/>
-              <a:t>3/16/2017</a:t>
+              <a:t>3/25/2017</a:t>
             </a:fld>
             <a:endParaRPr lang="en-US"/>
           </a:p>
@@ -4091,7 +4091,7 @@
                   <a:srgbClr val="7030A0"/>
                 </a:solidFill>
               </a:rPr>
-              <a:t>TaskManager</a:t>
+              <a:t>GeeKeep</a:t>
             </a:r>
             <a:endParaRPr lang="en-SG" sz="1050" dirty="0">
               <a:solidFill>

--- a/docs/diagrams/ModelComponentClassDiagram.pptx
+++ b/docs/diagrams/ModelComponentClassDiagram.pptx
@@ -208,7 +208,7 @@
           <a:p>
             <a:fld id="{F5CC4B3F-88C1-4FFA-B1B6-F41C21DC6924}" type="datetimeFigureOut">
               <a:rPr lang="en-US" smtClean="0"/>
-              <a:t>3/22/2017</a:t>
+              <a:t>3/28/2017</a:t>
             </a:fld>
             <a:endParaRPr lang="en-US"/>
           </a:p>
@@ -657,7 +657,7 @@
           <a:p>
             <a:fld id="{78C97017-6FC3-485B-9764-EAC9E56C1D49}" type="datetimeFigureOut">
               <a:rPr lang="en-US" smtClean="0"/>
-              <a:t>3/22/2017</a:t>
+              <a:t>3/28/2017</a:t>
             </a:fld>
             <a:endParaRPr lang="en-US"/>
           </a:p>
@@ -827,7 +827,7 @@
           <a:p>
             <a:fld id="{78C97017-6FC3-485B-9764-EAC9E56C1D49}" type="datetimeFigureOut">
               <a:rPr lang="en-US" smtClean="0"/>
-              <a:t>3/22/2017</a:t>
+              <a:t>3/28/2017</a:t>
             </a:fld>
             <a:endParaRPr lang="en-US"/>
           </a:p>
@@ -1007,7 +1007,7 @@
           <a:p>
             <a:fld id="{78C97017-6FC3-485B-9764-EAC9E56C1D49}" type="datetimeFigureOut">
               <a:rPr lang="en-US" smtClean="0"/>
-              <a:t>3/22/2017</a:t>
+              <a:t>3/28/2017</a:t>
             </a:fld>
             <a:endParaRPr lang="en-US"/>
           </a:p>
@@ -1177,7 +1177,7 @@
           <a:p>
             <a:fld id="{78C97017-6FC3-485B-9764-EAC9E56C1D49}" type="datetimeFigureOut">
               <a:rPr lang="en-US" smtClean="0"/>
-              <a:t>3/22/2017</a:t>
+              <a:t>3/28/2017</a:t>
             </a:fld>
             <a:endParaRPr lang="en-US"/>
           </a:p>
@@ -1423,7 +1423,7 @@
           <a:p>
             <a:fld id="{78C97017-6FC3-485B-9764-EAC9E56C1D49}" type="datetimeFigureOut">
               <a:rPr lang="en-US" smtClean="0"/>
-              <a:t>3/22/2017</a:t>
+              <a:t>3/28/2017</a:t>
             </a:fld>
             <a:endParaRPr lang="en-US"/>
           </a:p>
@@ -1711,7 +1711,7 @@
           <a:p>
             <a:fld id="{78C97017-6FC3-485B-9764-EAC9E56C1D49}" type="datetimeFigureOut">
               <a:rPr lang="en-US" smtClean="0"/>
-              <a:t>3/22/2017</a:t>
+              <a:t>3/28/2017</a:t>
             </a:fld>
             <a:endParaRPr lang="en-US"/>
           </a:p>
@@ -2133,7 +2133,7 @@
           <a:p>
             <a:fld id="{78C97017-6FC3-485B-9764-EAC9E56C1D49}" type="datetimeFigureOut">
               <a:rPr lang="en-US" smtClean="0"/>
-              <a:t>3/22/2017</a:t>
+              <a:t>3/28/2017</a:t>
             </a:fld>
             <a:endParaRPr lang="en-US"/>
           </a:p>
@@ -2251,7 +2251,7 @@
           <a:p>
             <a:fld id="{78C97017-6FC3-485B-9764-EAC9E56C1D49}" type="datetimeFigureOut">
               <a:rPr lang="en-US" smtClean="0"/>
-              <a:t>3/22/2017</a:t>
+              <a:t>3/28/2017</a:t>
             </a:fld>
             <a:endParaRPr lang="en-US"/>
           </a:p>
@@ -2346,7 +2346,7 @@
           <a:p>
             <a:fld id="{78C97017-6FC3-485B-9764-EAC9E56C1D49}" type="datetimeFigureOut">
               <a:rPr lang="en-US" smtClean="0"/>
-              <a:t>3/22/2017</a:t>
+              <a:t>3/28/2017</a:t>
             </a:fld>
             <a:endParaRPr lang="en-US"/>
           </a:p>
@@ -2623,7 +2623,7 @@
           <a:p>
             <a:fld id="{78C97017-6FC3-485B-9764-EAC9E56C1D49}" type="datetimeFigureOut">
               <a:rPr lang="en-US" smtClean="0"/>
-              <a:t>3/22/2017</a:t>
+              <a:t>3/28/2017</a:t>
             </a:fld>
             <a:endParaRPr lang="en-US"/>
           </a:p>
@@ -2876,7 +2876,7 @@
           <a:p>
             <a:fld id="{78C97017-6FC3-485B-9764-EAC9E56C1D49}" type="datetimeFigureOut">
               <a:rPr lang="en-US" smtClean="0"/>
-              <a:t>3/22/2017</a:t>
+              <a:t>3/28/2017</a:t>
             </a:fld>
             <a:endParaRPr lang="en-US"/>
           </a:p>
@@ -3089,7 +3089,7 @@
           <a:p>
             <a:fld id="{78C97017-6FC3-485B-9764-EAC9E56C1D49}" type="datetimeFigureOut">
               <a:rPr lang="en-US" smtClean="0"/>
-              <a:t>3/22/2017</a:t>
+              <a:t>3/28/2017</a:t>
             </a:fld>
             <a:endParaRPr lang="en-US"/>
           </a:p>
@@ -5823,12 +5823,12 @@
           <a:p>
             <a:pPr algn="ctr"/>
             <a:r>
-              <a:rPr lang="en-US" sz="1100" dirty="0" smtClean="0">
+              <a:rPr lang="en-SG" sz="1100" dirty="0" smtClean="0">
                 <a:solidFill>
                   <a:srgbClr val="7030A0"/>
                 </a:solidFill>
               </a:rPr>
-              <a:t>1</a:t>
+              <a:t>2</a:t>
             </a:r>
             <a:endParaRPr lang="en-SG" sz="1100" dirty="0">
               <a:solidFill>

--- a/docs/diagrams/ModelComponentClassDiagram.pptx
+++ b/docs/diagrams/ModelComponentClassDiagram.pptx
@@ -107,6 +107,22 @@
       </a:defRPr>
     </a:lvl9pPr>
   </p:defaultTextStyle>
+  <p:extLst>
+    <p:ext uri="{EFAFB233-063F-42B5-8137-9DF3F51BA10A}">
+      <p15:sldGuideLst xmlns:p15="http://schemas.microsoft.com/office/powerpoint/2012/main">
+        <p15:guide id="1" orient="horz" pos="1488">
+          <p15:clr>
+            <a:srgbClr val="A4A3A4"/>
+          </p15:clr>
+        </p15:guide>
+        <p15:guide id="2" pos="2880">
+          <p15:clr>
+            <a:srgbClr val="A4A3A4"/>
+          </p15:clr>
+        </p15:guide>
+      </p15:sldGuideLst>
+    </p:ext>
+  </p:extLst>
 </p:presentation>
 </file>
 
@@ -192,7 +208,7 @@
           <a:p>
             <a:fld id="{F5CC4B3F-88C1-4FFA-B1B6-F41C21DC6924}" type="datetimeFigureOut">
               <a:rPr lang="en-US" smtClean="0"/>
-              <a:t>11/19/2016</a:t>
+              <a:t>3/29/17</a:t>
             </a:fld>
             <a:endParaRPr lang="en-US"/>
           </a:p>
@@ -641,7 +657,7 @@
           <a:p>
             <a:fld id="{78C97017-6FC3-485B-9764-EAC9E56C1D49}" type="datetimeFigureOut">
               <a:rPr lang="en-US" smtClean="0"/>
-              <a:t>11/19/2016</a:t>
+              <a:t>3/29/17</a:t>
             </a:fld>
             <a:endParaRPr lang="en-US"/>
           </a:p>
@@ -811,7 +827,7 @@
           <a:p>
             <a:fld id="{78C97017-6FC3-485B-9764-EAC9E56C1D49}" type="datetimeFigureOut">
               <a:rPr lang="en-US" smtClean="0"/>
-              <a:t>11/19/2016</a:t>
+              <a:t>3/29/17</a:t>
             </a:fld>
             <a:endParaRPr lang="en-US"/>
           </a:p>
@@ -991,7 +1007,7 @@
           <a:p>
             <a:fld id="{78C97017-6FC3-485B-9764-EAC9E56C1D49}" type="datetimeFigureOut">
               <a:rPr lang="en-US" smtClean="0"/>
-              <a:t>11/19/2016</a:t>
+              <a:t>3/29/17</a:t>
             </a:fld>
             <a:endParaRPr lang="en-US"/>
           </a:p>
@@ -1161,7 +1177,7 @@
           <a:p>
             <a:fld id="{78C97017-6FC3-485B-9764-EAC9E56C1D49}" type="datetimeFigureOut">
               <a:rPr lang="en-US" smtClean="0"/>
-              <a:t>11/19/2016</a:t>
+              <a:t>3/29/17</a:t>
             </a:fld>
             <a:endParaRPr lang="en-US"/>
           </a:p>
@@ -1407,7 +1423,7 @@
           <a:p>
             <a:fld id="{78C97017-6FC3-485B-9764-EAC9E56C1D49}" type="datetimeFigureOut">
               <a:rPr lang="en-US" smtClean="0"/>
-              <a:t>11/19/2016</a:t>
+              <a:t>3/29/17</a:t>
             </a:fld>
             <a:endParaRPr lang="en-US"/>
           </a:p>
@@ -1695,7 +1711,7 @@
           <a:p>
             <a:fld id="{78C97017-6FC3-485B-9764-EAC9E56C1D49}" type="datetimeFigureOut">
               <a:rPr lang="en-US" smtClean="0"/>
-              <a:t>11/19/2016</a:t>
+              <a:t>3/29/17</a:t>
             </a:fld>
             <a:endParaRPr lang="en-US"/>
           </a:p>
@@ -2117,7 +2133,7 @@
           <a:p>
             <a:fld id="{78C97017-6FC3-485B-9764-EAC9E56C1D49}" type="datetimeFigureOut">
               <a:rPr lang="en-US" smtClean="0"/>
-              <a:t>11/19/2016</a:t>
+              <a:t>3/29/17</a:t>
             </a:fld>
             <a:endParaRPr lang="en-US"/>
           </a:p>
@@ -2235,7 +2251,7 @@
           <a:p>
             <a:fld id="{78C97017-6FC3-485B-9764-EAC9E56C1D49}" type="datetimeFigureOut">
               <a:rPr lang="en-US" smtClean="0"/>
-              <a:t>11/19/2016</a:t>
+              <a:t>3/29/17</a:t>
             </a:fld>
             <a:endParaRPr lang="en-US"/>
           </a:p>
@@ -2330,7 +2346,7 @@
           <a:p>
             <a:fld id="{78C97017-6FC3-485B-9764-EAC9E56C1D49}" type="datetimeFigureOut">
               <a:rPr lang="en-US" smtClean="0"/>
-              <a:t>11/19/2016</a:t>
+              <a:t>3/29/17</a:t>
             </a:fld>
             <a:endParaRPr lang="en-US"/>
           </a:p>
@@ -2607,7 +2623,7 @@
           <a:p>
             <a:fld id="{78C97017-6FC3-485B-9764-EAC9E56C1D49}" type="datetimeFigureOut">
               <a:rPr lang="en-US" smtClean="0"/>
-              <a:t>11/19/2016</a:t>
+              <a:t>3/29/17</a:t>
             </a:fld>
             <a:endParaRPr lang="en-US"/>
           </a:p>
@@ -2860,7 +2876,7 @@
           <a:p>
             <a:fld id="{78C97017-6FC3-485B-9764-EAC9E56C1D49}" type="datetimeFigureOut">
               <a:rPr lang="en-US" smtClean="0"/>
-              <a:t>11/19/2016</a:t>
+              <a:t>3/29/17</a:t>
             </a:fld>
             <a:endParaRPr lang="en-US"/>
           </a:p>
@@ -3073,7 +3089,7 @@
           <a:p>
             <a:fld id="{78C97017-6FC3-485B-9764-EAC9E56C1D49}" type="datetimeFigureOut">
               <a:rPr lang="en-US" smtClean="0"/>
-              <a:t>11/19/2016</a:t>
+              <a:t>3/29/17</a:t>
             </a:fld>
             <a:endParaRPr lang="en-US"/>
           </a:p>
@@ -3456,7 +3472,7 @@
         </p:nvSpPr>
         <p:spPr>
           <a:xfrm>
-            <a:off x="1119865" y="1727200"/>
+            <a:off x="1119865" y="1651000"/>
             <a:ext cx="7490735" cy="2997200"/>
           </a:xfrm>
           <a:prstGeom prst="roundRect">
@@ -3632,13 +3648,14 @@
           <p:cNvPr id="53" name="Elbow Connector 63"/>
           <p:cNvCxnSpPr>
             <a:stCxn id="71" idx="3"/>
+            <a:endCxn id="62" idx="2"/>
           </p:cNvCxnSpPr>
           <p:nvPr/>
         </p:nvCxnSpPr>
         <p:spPr>
           <a:xfrm flipV="1">
-            <a:off x="6477000" y="3194131"/>
-            <a:ext cx="95385" cy="416514"/>
+            <a:off x="6477000" y="3342793"/>
+            <a:ext cx="192758" cy="267852"/>
           </a:xfrm>
           <a:prstGeom prst="bentConnector2">
             <a:avLst/>
@@ -4096,7 +4113,7 @@
                   <a:srgbClr val="7030A0"/>
                 </a:solidFill>
               </a:rPr>
-              <a:t>AddressBook</a:t>
+              <a:t>WhatsLeft</a:t>
             </a:r>
             <a:endParaRPr lang="en-SG" sz="1050" dirty="0">
               <a:solidFill>
@@ -4200,8 +4217,8 @@
         </p:nvSpPr>
         <p:spPr>
           <a:xfrm>
-            <a:off x="4487017" y="2847371"/>
-            <a:ext cx="1156969" cy="346760"/>
+            <a:off x="4462430" y="2590800"/>
+            <a:ext cx="1156969" cy="210082"/>
           </a:xfrm>
           <a:prstGeom prst="rect">
             <a:avLst/>
@@ -4238,7 +4255,7 @@
                   <a:srgbClr val="7030A0"/>
                 </a:solidFill>
               </a:rPr>
-              <a:t>UniquePersonList</a:t>
+              <a:t>UniqueTagList</a:t>
             </a:r>
             <a:endParaRPr lang="en-SG" sz="1050" dirty="0">
               <a:solidFill>
@@ -4256,8 +4273,8 @@
         </p:nvSpPr>
         <p:spPr>
           <a:xfrm>
-            <a:off x="3984303" y="2673991"/>
-            <a:ext cx="236048" cy="173380"/>
+            <a:off x="3978162" y="2722155"/>
+            <a:ext cx="198596" cy="140075"/>
           </a:xfrm>
           <a:prstGeom prst="flowChartDecision">
             <a:avLst/>
@@ -4305,12 +4322,14 @@
           <p:nvPr/>
         </p:nvCxnSpPr>
         <p:spPr>
-          <a:xfrm>
-            <a:off x="4220351" y="2760681"/>
-            <a:ext cx="266666" cy="260070"/>
+          <a:xfrm flipV="1">
+            <a:off x="4176758" y="2695841"/>
+            <a:ext cx="285672" cy="96352"/>
           </a:xfrm>
           <a:prstGeom prst="bentConnector3">
-            <a:avLst/>
+            <a:avLst>
+              <a:gd name="adj1" fmla="val 50000"/>
+            </a:avLst>
           </a:prstGeom>
           <a:ln w="19050">
             <a:solidFill>
@@ -4344,8 +4363,8 @@
         </p:nvSpPr>
         <p:spPr>
           <a:xfrm>
-            <a:off x="4477328" y="2280569"/>
-            <a:ext cx="1156969" cy="346760"/>
+            <a:off x="4475603" y="2304236"/>
+            <a:ext cx="1156969" cy="207195"/>
           </a:xfrm>
           <a:prstGeom prst="rect">
             <a:avLst/>
@@ -4382,7 +4401,7 @@
                   <a:srgbClr val="7030A0"/>
                 </a:solidFill>
               </a:rPr>
-              <a:t>UniqueTagList</a:t>
+              <a:t>UniqueEventList</a:t>
             </a:r>
             <a:endParaRPr lang="en-SG" sz="1050" dirty="0">
               <a:solidFill>
@@ -4403,8 +4422,8 @@
         </p:nvCxnSpPr>
         <p:spPr>
           <a:xfrm flipV="1">
-            <a:off x="4220351" y="2453949"/>
-            <a:ext cx="256977" cy="306732"/>
+            <a:off x="4176758" y="2407834"/>
+            <a:ext cx="298845" cy="384359"/>
           </a:xfrm>
           <a:prstGeom prst="bentConnector3">
             <a:avLst>
@@ -4443,8 +4462,8 @@
         </p:nvSpPr>
         <p:spPr>
           <a:xfrm>
-            <a:off x="6313677" y="2858066"/>
-            <a:ext cx="708186" cy="346760"/>
+            <a:off x="6315665" y="3132711"/>
+            <a:ext cx="708186" cy="210082"/>
           </a:xfrm>
           <a:prstGeom prst="rect">
             <a:avLst/>
@@ -4476,12 +4495,12 @@
           <a:p>
             <a:pPr algn="ctr"/>
             <a:r>
-              <a:rPr lang="en-US" sz="1050" dirty="0" smtClean="0">
+              <a:rPr lang="en-US" sz="1050" smtClean="0">
                 <a:solidFill>
                   <a:srgbClr val="7030A0"/>
                 </a:solidFill>
               </a:rPr>
-              <a:t>Person</a:t>
+              <a:t>Task</a:t>
             </a:r>
             <a:endParaRPr lang="en-SG" sz="1050" dirty="0">
               <a:solidFill>
@@ -4499,8 +4518,8 @@
         </p:nvSpPr>
         <p:spPr>
           <a:xfrm>
-            <a:off x="5643227" y="2943979"/>
-            <a:ext cx="236048" cy="173380"/>
+            <a:off x="5632714" y="3174573"/>
+            <a:ext cx="176578" cy="133517"/>
           </a:xfrm>
           <a:prstGeom prst="flowChartDecision">
             <a:avLst/>
@@ -4541,17 +4560,18 @@
           <p:cNvPr id="64" name="Elbow Connector 63"/>
           <p:cNvCxnSpPr>
             <a:stCxn id="63" idx="3"/>
-            <a:endCxn id="62" idx="1"/>
           </p:cNvCxnSpPr>
           <p:nvPr/>
         </p:nvCxnSpPr>
         <p:spPr>
           <a:xfrm>
-            <a:off x="5879275" y="3030669"/>
-            <a:ext cx="434402" cy="777"/>
+            <a:off x="5809292" y="3241332"/>
+            <a:ext cx="507130" cy="1183"/>
           </a:xfrm>
           <a:prstGeom prst="bentConnector3">
-            <a:avLst/>
+            <a:avLst>
+              <a:gd name="adj1" fmla="val 50000"/>
+            </a:avLst>
           </a:prstGeom>
           <a:ln w="19050">
             <a:solidFill>
@@ -4585,8 +4605,8 @@
         </p:nvSpPr>
         <p:spPr>
           <a:xfrm>
-            <a:off x="5336105" y="1809332"/>
-            <a:ext cx="483700" cy="346760"/>
+            <a:off x="5732691" y="2917560"/>
+            <a:ext cx="483700" cy="215167"/>
           </a:xfrm>
           <a:prstGeom prst="rect">
             <a:avLst/>
@@ -4641,8 +4661,8 @@
         </p:nvSpPr>
         <p:spPr>
           <a:xfrm rot="16200000">
-            <a:off x="4921666" y="2066540"/>
-            <a:ext cx="236048" cy="173380"/>
+            <a:off x="5009293" y="2795671"/>
+            <a:ext cx="110978" cy="158436"/>
           </a:xfrm>
           <a:prstGeom prst="flowChartDecision">
             <a:avLst/>
@@ -4682,15 +4702,15 @@
         <p:nvCxnSpPr>
           <p:cNvPr id="69" name="Elbow Connector 68"/>
           <p:cNvCxnSpPr>
-            <a:stCxn id="68" idx="3"/>
+            <a:stCxn id="68" idx="1"/>
             <a:endCxn id="67" idx="1"/>
           </p:cNvCxnSpPr>
           <p:nvPr/>
         </p:nvCxnSpPr>
         <p:spPr>
-          <a:xfrm rot="5400000" flipH="1" flipV="1">
-            <a:off x="5161650" y="1860752"/>
-            <a:ext cx="52494" cy="296415"/>
+          <a:xfrm rot="16200000" flipH="1">
+            <a:off x="5351353" y="2643806"/>
+            <a:ext cx="94766" cy="667909"/>
           </a:xfrm>
           <a:prstGeom prst="bentConnector2">
             <a:avLst/>
@@ -4728,7 +4748,7 @@
         <p:spPr>
           <a:xfrm>
             <a:off x="5128257" y="3429000"/>
-            <a:ext cx="1156969" cy="346760"/>
+            <a:ext cx="1156969" cy="292583"/>
           </a:xfrm>
           <a:prstGeom prst="rect">
             <a:avLst/>
@@ -4780,7 +4800,7 @@
                   <a:srgbClr val="7030A0"/>
                 </a:solidFill>
               </a:rPr>
-              <a:t>ReadOnlyPerson</a:t>
+              <a:t>ReadOnlyTask</a:t>
             </a:r>
             <a:endParaRPr lang="en-SG" sz="1050" dirty="0">
               <a:solidFill>
@@ -4798,8 +4818,8 @@
         </p:nvSpPr>
         <p:spPr>
           <a:xfrm>
-            <a:off x="7712397" y="2564238"/>
-            <a:ext cx="708186" cy="285783"/>
+            <a:off x="7712397" y="3429000"/>
+            <a:ext cx="708186" cy="222601"/>
           </a:xfrm>
           <a:prstGeom prst="rect">
             <a:avLst/>
@@ -4831,14 +4851,14 @@
           <a:p>
             <a:pPr algn="ctr"/>
             <a:r>
-              <a:rPr lang="en-US" sz="1050" dirty="0" smtClean="0">
+              <a:rPr lang="en-US" sz="800" dirty="0" smtClean="0">
                 <a:solidFill>
                   <a:srgbClr val="7030A0"/>
                 </a:solidFill>
               </a:rPr>
-              <a:t>Name</a:t>
-            </a:r>
-            <a:endParaRPr lang="en-SG" sz="1050" dirty="0">
+              <a:t>Description</a:t>
+            </a:r>
+            <a:endParaRPr lang="en-SG" sz="800" dirty="0">
               <a:solidFill>
                 <a:srgbClr val="7030A0"/>
               </a:solidFill>
@@ -4854,7 +4874,7 @@
         </p:nvSpPr>
         <p:spPr>
           <a:xfrm>
-            <a:off x="7041947" y="2948201"/>
+            <a:off x="7025063" y="3153060"/>
             <a:ext cx="236048" cy="173380"/>
           </a:xfrm>
           <a:prstGeom prst="flowChartDecision">
@@ -4903,9 +4923,9 @@
           <p:nvPr/>
         </p:nvCxnSpPr>
         <p:spPr>
-          <a:xfrm flipV="1">
-            <a:off x="7277995" y="2707130"/>
-            <a:ext cx="434402" cy="327761"/>
+          <a:xfrm>
+            <a:off x="7261111" y="3239750"/>
+            <a:ext cx="451286" cy="300551"/>
           </a:xfrm>
           <a:prstGeom prst="bentConnector3">
             <a:avLst/>
@@ -4942,8 +4962,8 @@
         </p:nvSpPr>
         <p:spPr>
           <a:xfrm>
-            <a:off x="7712397" y="2887216"/>
-            <a:ext cx="708186" cy="285783"/>
+            <a:off x="7712397" y="3733800"/>
+            <a:ext cx="708186" cy="187067"/>
           </a:xfrm>
           <a:prstGeom prst="rect">
             <a:avLst/>
@@ -4975,14 +4995,14 @@
           <a:p>
             <a:pPr algn="ctr"/>
             <a:r>
-              <a:rPr lang="en-US" sz="1050" dirty="0" smtClean="0">
+              <a:rPr lang="en-US" sz="800" dirty="0" smtClean="0">
                 <a:solidFill>
                   <a:srgbClr val="7030A0"/>
                 </a:solidFill>
               </a:rPr>
-              <a:t>Phone</a:t>
-            </a:r>
-            <a:endParaRPr lang="en-SG" sz="1050" dirty="0">
+              <a:t>Priority</a:t>
+            </a:r>
+            <a:endParaRPr lang="en-SG" sz="800" dirty="0">
               <a:solidFill>
                 <a:srgbClr val="7030A0"/>
               </a:solidFill>
@@ -5000,9 +5020,9 @@
           <p:nvPr/>
         </p:nvCxnSpPr>
         <p:spPr>
-          <a:xfrm flipV="1">
-            <a:off x="7277995" y="3030108"/>
-            <a:ext cx="434402" cy="4783"/>
+          <a:xfrm>
+            <a:off x="7261111" y="3239750"/>
+            <a:ext cx="451286" cy="587584"/>
           </a:xfrm>
           <a:prstGeom prst="bentConnector3">
             <a:avLst/>
@@ -5039,8 +5059,8 @@
         </p:nvSpPr>
         <p:spPr>
           <a:xfrm>
-            <a:off x="7712397" y="3210194"/>
-            <a:ext cx="708186" cy="285783"/>
+            <a:off x="7712397" y="3962400"/>
+            <a:ext cx="708186" cy="180594"/>
           </a:xfrm>
           <a:prstGeom prst="rect">
             <a:avLst/>
@@ -5072,14 +5092,14 @@
           <a:p>
             <a:pPr algn="ctr"/>
             <a:r>
-              <a:rPr lang="en-US" sz="1050" dirty="0" smtClean="0">
+              <a:rPr lang="en-US" sz="800" dirty="0" err="1" smtClean="0">
                 <a:solidFill>
                   <a:srgbClr val="7030A0"/>
                 </a:solidFill>
               </a:rPr>
-              <a:t>Email</a:t>
-            </a:r>
-            <a:endParaRPr lang="en-SG" sz="1050" dirty="0">
+              <a:t>ByTime</a:t>
+            </a:r>
+            <a:endParaRPr lang="en-SG" sz="800" dirty="0">
               <a:solidFill>
                 <a:srgbClr val="7030A0"/>
               </a:solidFill>
@@ -5098,8 +5118,8 @@
         </p:nvCxnSpPr>
         <p:spPr>
           <a:xfrm>
-            <a:off x="7277995" y="3034891"/>
-            <a:ext cx="434402" cy="318195"/>
+            <a:off x="7261111" y="3239750"/>
+            <a:ext cx="451286" cy="812947"/>
           </a:xfrm>
           <a:prstGeom prst="bentConnector3">
             <a:avLst/>
@@ -5136,8 +5156,8 @@
         </p:nvSpPr>
         <p:spPr>
           <a:xfrm>
-            <a:off x="7712397" y="3533171"/>
-            <a:ext cx="708186" cy="285783"/>
+            <a:off x="7712397" y="4191000"/>
+            <a:ext cx="708186" cy="163556"/>
           </a:xfrm>
           <a:prstGeom prst="rect">
             <a:avLst/>
@@ -5169,14 +5189,14 @@
           <a:p>
             <a:pPr algn="ctr"/>
             <a:r>
-              <a:rPr lang="en-US" sz="1050" dirty="0" smtClean="0">
+              <a:rPr lang="en-US" sz="800" dirty="0" err="1" smtClean="0">
                 <a:solidFill>
                   <a:srgbClr val="7030A0"/>
                 </a:solidFill>
               </a:rPr>
-              <a:t>Address</a:t>
-            </a:r>
-            <a:endParaRPr lang="en-SG" sz="1050" dirty="0">
+              <a:t>ByDate</a:t>
+            </a:r>
+            <a:endParaRPr lang="en-SG" sz="800" dirty="0">
               <a:solidFill>
                 <a:srgbClr val="7030A0"/>
               </a:solidFill>
@@ -5195,8 +5215,8 @@
         </p:nvCxnSpPr>
         <p:spPr>
           <a:xfrm>
-            <a:off x="7277995" y="3034891"/>
-            <a:ext cx="434402" cy="641172"/>
+            <a:off x="7261111" y="3239750"/>
+            <a:ext cx="451286" cy="1033028"/>
           </a:xfrm>
           <a:prstGeom prst="bentConnector3">
             <a:avLst/>
@@ -5229,14 +5249,15 @@
         <p:nvCxnSpPr>
           <p:cNvPr id="97" name="Elbow Connector 63"/>
           <p:cNvCxnSpPr>
-            <a:stCxn id="99" idx="3"/>
+            <a:stCxn id="100" idx="2"/>
+            <a:endCxn id="46" idx="0"/>
           </p:cNvCxnSpPr>
           <p:nvPr/>
         </p:nvCxnSpPr>
         <p:spPr>
           <a:xfrm rot="16200000" flipH="1">
-            <a:off x="3279321" y="2485431"/>
-            <a:ext cx="293825" cy="1"/>
+            <a:off x="3300606" y="2501717"/>
+            <a:ext cx="249091" cy="2313"/>
           </a:xfrm>
           <a:prstGeom prst="bentConnector3">
             <a:avLst>
@@ -5276,8 +5297,8 @@
         </p:nvSpPr>
         <p:spPr>
           <a:xfrm rot="10800000" flipV="1">
-            <a:off x="3290981" y="2162997"/>
-            <a:ext cx="270504" cy="175523"/>
+            <a:off x="3354986" y="2386360"/>
+            <a:ext cx="138019" cy="65924"/>
           </a:xfrm>
           <a:prstGeom prst="triangle">
             <a:avLst/>
@@ -5324,8 +5345,8 @@
         </p:nvSpPr>
         <p:spPr>
           <a:xfrm>
-            <a:off x="2660303" y="1806470"/>
-            <a:ext cx="1539926" cy="346760"/>
+            <a:off x="2768739" y="2074397"/>
+            <a:ext cx="1310512" cy="303932"/>
           </a:xfrm>
           <a:prstGeom prst="rect">
             <a:avLst/>
@@ -5357,7 +5378,7 @@
           <a:p>
             <a:pPr algn="ctr"/>
             <a:r>
-              <a:rPr lang="en-US" sz="1050" dirty="0" smtClean="0">
+              <a:rPr lang="en-US" sz="800" dirty="0" smtClean="0">
                 <a:solidFill>
                   <a:srgbClr val="7030A0"/>
                 </a:solidFill>
@@ -5365,21 +5386,21 @@
               <a:t>&lt;&lt;interface&gt;&gt;</a:t>
             </a:r>
             <a:br>
-              <a:rPr lang="en-US" sz="1050" dirty="0" smtClean="0">
+              <a:rPr lang="en-US" sz="800" dirty="0" smtClean="0">
                 <a:solidFill>
                   <a:srgbClr val="7030A0"/>
                 </a:solidFill>
               </a:rPr>
             </a:br>
             <a:r>
-              <a:rPr lang="en-US" sz="1050" dirty="0" err="1" smtClean="0">
+              <a:rPr lang="en-US" sz="800" dirty="0" err="1" smtClean="0">
                 <a:solidFill>
                   <a:srgbClr val="7030A0"/>
                 </a:solidFill>
               </a:rPr>
-              <a:t>ReadOnlyAddressBook</a:t>
-            </a:r>
-            <a:endParaRPr lang="en-SG" sz="1050" dirty="0">
+              <a:t>ReadOnlyWhatsLeft</a:t>
+            </a:r>
+            <a:endParaRPr lang="en-SG" sz="800" dirty="0">
               <a:solidFill>
                 <a:srgbClr val="7030A0"/>
               </a:solidFill>
@@ -5395,8 +5416,8 @@
         </p:nvSpPr>
         <p:spPr>
           <a:xfrm rot="16200000">
-            <a:off x="6527512" y="3586305"/>
-            <a:ext cx="881018" cy="261610"/>
+            <a:off x="6527512" y="3609388"/>
+            <a:ext cx="881018" cy="215444"/>
           </a:xfrm>
           <a:prstGeom prst="rect">
             <a:avLst/>
@@ -5411,14 +5432,14 @@
           <a:p>
             <a:pPr algn="r"/>
             <a:r>
-              <a:rPr lang="en-US" sz="1100" dirty="0" smtClean="0">
+              <a:rPr lang="en-US" sz="800" dirty="0" smtClean="0">
                 <a:solidFill>
                   <a:srgbClr val="7030A0"/>
                 </a:solidFill>
               </a:rPr>
               <a:t>filtered list</a:t>
             </a:r>
-            <a:endParaRPr lang="en-SG" sz="1100" dirty="0">
+            <a:endParaRPr lang="en-SG" sz="800" dirty="0">
               <a:solidFill>
                 <a:srgbClr val="7030A0"/>
               </a:solidFill>
@@ -5552,14 +5573,14 @@
           <p:cNvPr id="50" name="Elbow Connector 49"/>
           <p:cNvCxnSpPr>
             <a:stCxn id="62" idx="0"/>
-            <a:endCxn id="57" idx="3"/>
+            <a:endCxn id="49" idx="3"/>
           </p:cNvCxnSpPr>
           <p:nvPr/>
         </p:nvCxnSpPr>
         <p:spPr>
           <a:xfrm rot="16200000" flipV="1">
-            <a:off x="5948976" y="2139271"/>
-            <a:ext cx="404117" cy="1033473"/>
+            <a:off x="5926144" y="2389096"/>
+            <a:ext cx="436870" cy="1050359"/>
           </a:xfrm>
           <a:prstGeom prst="bentConnector2">
             <a:avLst/>
@@ -5596,7 +5617,7 @@
         </p:nvSpPr>
         <p:spPr>
           <a:xfrm>
-            <a:off x="4324972" y="2191228"/>
+            <a:off x="4336236" y="2133459"/>
             <a:ext cx="189257" cy="178683"/>
           </a:xfrm>
           <a:prstGeom prst="rect">
@@ -5635,7 +5656,7 @@
         </p:nvSpPr>
         <p:spPr>
           <a:xfrm>
-            <a:off x="4324972" y="3058864"/>
+            <a:off x="4340463" y="2869317"/>
             <a:ext cx="189257" cy="178683"/>
           </a:xfrm>
           <a:prstGeom prst="rect">
@@ -5674,7 +5695,7 @@
         </p:nvSpPr>
         <p:spPr>
           <a:xfrm>
-            <a:off x="5689761" y="2495413"/>
+            <a:off x="5689761" y="2514600"/>
             <a:ext cx="189257" cy="178683"/>
           </a:xfrm>
           <a:prstGeom prst="rect">
@@ -5713,7 +5734,7 @@
         </p:nvSpPr>
         <p:spPr>
           <a:xfrm>
-            <a:off x="5163172" y="1778919"/>
+            <a:off x="5525743" y="2895600"/>
             <a:ext cx="189257" cy="178683"/>
           </a:xfrm>
           <a:prstGeom prst="rect">
@@ -5752,7 +5773,7 @@
         </p:nvSpPr>
         <p:spPr>
           <a:xfrm>
-            <a:off x="6135256" y="3097917"/>
+            <a:off x="6096000" y="3250317"/>
             <a:ext cx="189257" cy="178683"/>
           </a:xfrm>
           <a:prstGeom prst="rect">
@@ -5869,7 +5890,7 @@
         </p:nvSpPr>
         <p:spPr>
           <a:xfrm>
-            <a:off x="6667770" y="3210194"/>
+            <a:off x="6667770" y="2971800"/>
             <a:ext cx="189257" cy="178683"/>
           </a:xfrm>
           <a:prstGeom prst="rect">
@@ -5893,6 +5914,1380 @@
               <a:t>1</a:t>
             </a:r>
             <a:endParaRPr lang="en-SG" sz="1100" dirty="0">
+              <a:solidFill>
+                <a:srgbClr val="7030A0"/>
+              </a:solidFill>
+            </a:endParaRPr>
+          </a:p>
+        </p:txBody>
+      </p:sp>
+      <p:sp>
+        <p:nvSpPr>
+          <p:cNvPr id="77" name="Rectangle 8"/>
+          <p:cNvSpPr/>
+          <p:nvPr/>
+        </p:nvSpPr>
+        <p:spPr>
+          <a:xfrm>
+            <a:off x="4461204" y="3142718"/>
+            <a:ext cx="1156969" cy="210082"/>
+          </a:xfrm>
+          <a:prstGeom prst="rect">
+            <a:avLst/>
+          </a:prstGeom>
+          <a:ln w="19050">
+            <a:solidFill>
+              <a:srgbClr val="7030A0"/>
+            </a:solidFill>
+          </a:ln>
+          <a:effectLst/>
+        </p:spPr>
+        <p:style>
+          <a:lnRef idx="1">
+            <a:schemeClr val="accent4"/>
+          </a:lnRef>
+          <a:fillRef idx="2">
+            <a:schemeClr val="accent4"/>
+          </a:fillRef>
+          <a:effectRef idx="1">
+            <a:schemeClr val="accent4"/>
+          </a:effectRef>
+          <a:fontRef idx="minor">
+            <a:schemeClr val="dk1"/>
+          </a:fontRef>
+        </p:style>
+        <p:txBody>
+          <a:bodyPr rtlCol="0" anchor="ctr"/>
+          <a:lstStyle/>
+          <a:p>
+            <a:pPr algn="ctr"/>
+            <a:r>
+              <a:rPr lang="en-US" sz="1050" dirty="0" err="1" smtClean="0">
+                <a:solidFill>
+                  <a:srgbClr val="7030A0"/>
+                </a:solidFill>
+              </a:rPr>
+              <a:t>UniqueTaskList</a:t>
+            </a:r>
+            <a:endParaRPr lang="en-SG" sz="1050" dirty="0">
+              <a:solidFill>
+                <a:srgbClr val="7030A0"/>
+              </a:solidFill>
+            </a:endParaRPr>
+          </a:p>
+        </p:txBody>
+      </p:sp>
+      <p:cxnSp>
+        <p:nvCxnSpPr>
+          <p:cNvPr id="98" name="Elbow Connector 97"/>
+          <p:cNvCxnSpPr>
+            <a:stCxn id="51" idx="3"/>
+            <a:endCxn id="77" idx="1"/>
+          </p:cNvCxnSpPr>
+          <p:nvPr/>
+        </p:nvCxnSpPr>
+        <p:spPr>
+          <a:xfrm>
+            <a:off x="4176758" y="2792193"/>
+            <a:ext cx="284446" cy="455566"/>
+          </a:xfrm>
+          <a:prstGeom prst="bentConnector3">
+            <a:avLst>
+              <a:gd name="adj1" fmla="val 50000"/>
+            </a:avLst>
+          </a:prstGeom>
+          <a:ln w="19050">
+            <a:solidFill>
+              <a:srgbClr val="7030A0"/>
+            </a:solidFill>
+            <a:headEnd type="none" w="med" len="med"/>
+            <a:tailEnd type="arrow" w="med" len="med"/>
+          </a:ln>
+          <a:effectLst/>
+        </p:spPr>
+        <p:style>
+          <a:lnRef idx="1">
+            <a:schemeClr val="accent2"/>
+          </a:lnRef>
+          <a:fillRef idx="2">
+            <a:schemeClr val="accent2"/>
+          </a:fillRef>
+          <a:effectRef idx="1">
+            <a:schemeClr val="accent2"/>
+          </a:effectRef>
+          <a:fontRef idx="minor">
+            <a:schemeClr val="dk1"/>
+          </a:fontRef>
+        </p:style>
+      </p:cxnSp>
+      <p:sp>
+        <p:nvSpPr>
+          <p:cNvPr id="101" name="TextBox 100"/>
+          <p:cNvSpPr txBox="1"/>
+          <p:nvPr/>
+        </p:nvSpPr>
+        <p:spPr>
+          <a:xfrm>
+            <a:off x="4338643" y="3318441"/>
+            <a:ext cx="189257" cy="178683"/>
+          </a:xfrm>
+          <a:prstGeom prst="rect">
+            <a:avLst/>
+          </a:prstGeom>
+          <a:noFill/>
+        </p:spPr>
+        <p:txBody>
+          <a:bodyPr wrap="square" lIns="0" tIns="0" rIns="0" bIns="0" rtlCol="0">
+            <a:noAutofit/>
+          </a:bodyPr>
+          <a:lstStyle/>
+          <a:p>
+            <a:pPr algn="ctr"/>
+            <a:r>
+              <a:rPr lang="en-US" sz="1100" dirty="0" smtClean="0">
+                <a:solidFill>
+                  <a:srgbClr val="7030A0"/>
+                </a:solidFill>
+              </a:rPr>
+              <a:t>1</a:t>
+            </a:r>
+            <a:endParaRPr lang="en-SG" sz="1100" dirty="0">
+              <a:solidFill>
+                <a:srgbClr val="7030A0"/>
+              </a:solidFill>
+            </a:endParaRPr>
+          </a:p>
+        </p:txBody>
+      </p:sp>
+      <p:sp>
+        <p:nvSpPr>
+          <p:cNvPr id="121" name="Rectangle 8"/>
+          <p:cNvSpPr/>
+          <p:nvPr/>
+        </p:nvSpPr>
+        <p:spPr>
+          <a:xfrm>
+            <a:off x="7712397" y="4419600"/>
+            <a:ext cx="708186" cy="150068"/>
+          </a:xfrm>
+          <a:prstGeom prst="rect">
+            <a:avLst/>
+          </a:prstGeom>
+          <a:ln w="19050">
+            <a:solidFill>
+              <a:srgbClr val="7030A0"/>
+            </a:solidFill>
+          </a:ln>
+          <a:effectLst/>
+        </p:spPr>
+        <p:style>
+          <a:lnRef idx="1">
+            <a:schemeClr val="accent4"/>
+          </a:lnRef>
+          <a:fillRef idx="2">
+            <a:schemeClr val="accent4"/>
+          </a:fillRef>
+          <a:effectRef idx="1">
+            <a:schemeClr val="accent4"/>
+          </a:effectRef>
+          <a:fontRef idx="minor">
+            <a:schemeClr val="dk1"/>
+          </a:fontRef>
+        </p:style>
+        <p:txBody>
+          <a:bodyPr rtlCol="0" anchor="ctr"/>
+          <a:lstStyle/>
+          <a:p>
+            <a:pPr algn="ctr"/>
+            <a:r>
+              <a:rPr lang="en-US" sz="800" dirty="0" smtClean="0">
+                <a:solidFill>
+                  <a:srgbClr val="7030A0"/>
+                </a:solidFill>
+              </a:rPr>
+              <a:t>Location</a:t>
+            </a:r>
+            <a:endParaRPr lang="en-SG" sz="800" dirty="0">
+              <a:solidFill>
+                <a:srgbClr val="7030A0"/>
+              </a:solidFill>
+            </a:endParaRPr>
+          </a:p>
+        </p:txBody>
+      </p:sp>
+      <p:cxnSp>
+        <p:nvCxnSpPr>
+          <p:cNvPr id="123" name="Elbow Connector 122"/>
+          <p:cNvCxnSpPr>
+            <a:stCxn id="78" idx="3"/>
+            <a:endCxn id="121" idx="1"/>
+          </p:cNvCxnSpPr>
+          <p:nvPr/>
+        </p:nvCxnSpPr>
+        <p:spPr>
+          <a:xfrm>
+            <a:off x="7261111" y="3239750"/>
+            <a:ext cx="451286" cy="1254884"/>
+          </a:xfrm>
+          <a:prstGeom prst="bentConnector3">
+            <a:avLst/>
+          </a:prstGeom>
+          <a:ln w="19050">
+            <a:solidFill>
+              <a:srgbClr val="7030A0"/>
+            </a:solidFill>
+            <a:headEnd type="none" w="med" len="med"/>
+            <a:tailEnd type="arrow" w="med" len="med"/>
+          </a:ln>
+          <a:effectLst/>
+        </p:spPr>
+        <p:style>
+          <a:lnRef idx="1">
+            <a:schemeClr val="accent2"/>
+          </a:lnRef>
+          <a:fillRef idx="2">
+            <a:schemeClr val="accent2"/>
+          </a:fillRef>
+          <a:effectRef idx="1">
+            <a:schemeClr val="accent2"/>
+          </a:effectRef>
+          <a:fontRef idx="minor">
+            <a:schemeClr val="dk1"/>
+          </a:fontRef>
+        </p:style>
+      </p:cxnSp>
+      <p:sp>
+        <p:nvSpPr>
+          <p:cNvPr id="136" name="Rectangle 8"/>
+          <p:cNvSpPr/>
+          <p:nvPr/>
+        </p:nvSpPr>
+        <p:spPr>
+          <a:xfrm>
+            <a:off x="7717132" y="1970284"/>
+            <a:ext cx="708186" cy="164771"/>
+          </a:xfrm>
+          <a:prstGeom prst="rect">
+            <a:avLst/>
+          </a:prstGeom>
+          <a:ln w="19050">
+            <a:solidFill>
+              <a:srgbClr val="7030A0"/>
+            </a:solidFill>
+          </a:ln>
+          <a:effectLst/>
+        </p:spPr>
+        <p:style>
+          <a:lnRef idx="1">
+            <a:schemeClr val="accent4"/>
+          </a:lnRef>
+          <a:fillRef idx="2">
+            <a:schemeClr val="accent4"/>
+          </a:fillRef>
+          <a:effectRef idx="1">
+            <a:schemeClr val="accent4"/>
+          </a:effectRef>
+          <a:fontRef idx="minor">
+            <a:schemeClr val="dk1"/>
+          </a:fontRef>
+        </p:style>
+        <p:txBody>
+          <a:bodyPr rtlCol="0" anchor="ctr"/>
+          <a:lstStyle/>
+          <a:p>
+            <a:pPr algn="ctr"/>
+            <a:r>
+              <a:rPr lang="en-US" sz="800" dirty="0" smtClean="0">
+                <a:solidFill>
+                  <a:srgbClr val="7030A0"/>
+                </a:solidFill>
+              </a:rPr>
+              <a:t>Description</a:t>
+            </a:r>
+            <a:endParaRPr lang="en-SG" sz="800" dirty="0">
+              <a:solidFill>
+                <a:srgbClr val="7030A0"/>
+              </a:solidFill>
+            </a:endParaRPr>
+          </a:p>
+        </p:txBody>
+      </p:sp>
+      <p:sp>
+        <p:nvSpPr>
+          <p:cNvPr id="137" name="Rectangle 8"/>
+          <p:cNvSpPr/>
+          <p:nvPr/>
+        </p:nvSpPr>
+        <p:spPr>
+          <a:xfrm>
+            <a:off x="7721343" y="3058530"/>
+            <a:ext cx="708186" cy="150068"/>
+          </a:xfrm>
+          <a:prstGeom prst="rect">
+            <a:avLst/>
+          </a:prstGeom>
+          <a:ln w="19050">
+            <a:solidFill>
+              <a:srgbClr val="7030A0"/>
+            </a:solidFill>
+          </a:ln>
+          <a:effectLst/>
+        </p:spPr>
+        <p:style>
+          <a:lnRef idx="1">
+            <a:schemeClr val="accent4"/>
+          </a:lnRef>
+          <a:fillRef idx="2">
+            <a:schemeClr val="accent4"/>
+          </a:fillRef>
+          <a:effectRef idx="1">
+            <a:schemeClr val="accent4"/>
+          </a:effectRef>
+          <a:fontRef idx="minor">
+            <a:schemeClr val="dk1"/>
+          </a:fontRef>
+        </p:style>
+        <p:txBody>
+          <a:bodyPr rtlCol="0" anchor="ctr"/>
+          <a:lstStyle/>
+          <a:p>
+            <a:pPr algn="ctr"/>
+            <a:r>
+              <a:rPr lang="en-US" sz="800" dirty="0" smtClean="0">
+                <a:solidFill>
+                  <a:srgbClr val="7030A0"/>
+                </a:solidFill>
+              </a:rPr>
+              <a:t>Location</a:t>
+            </a:r>
+            <a:endParaRPr lang="en-SG" sz="800" dirty="0">
+              <a:solidFill>
+                <a:srgbClr val="7030A0"/>
+              </a:solidFill>
+            </a:endParaRPr>
+          </a:p>
+        </p:txBody>
+      </p:sp>
+      <p:sp>
+        <p:nvSpPr>
+          <p:cNvPr id="138" name="Rectangle 8"/>
+          <p:cNvSpPr/>
+          <p:nvPr/>
+        </p:nvSpPr>
+        <p:spPr>
+          <a:xfrm>
+            <a:off x="7720265" y="2854166"/>
+            <a:ext cx="708186" cy="150068"/>
+          </a:xfrm>
+          <a:prstGeom prst="rect">
+            <a:avLst/>
+          </a:prstGeom>
+          <a:ln w="19050">
+            <a:solidFill>
+              <a:srgbClr val="7030A0"/>
+            </a:solidFill>
+          </a:ln>
+          <a:effectLst/>
+        </p:spPr>
+        <p:style>
+          <a:lnRef idx="1">
+            <a:schemeClr val="accent4"/>
+          </a:lnRef>
+          <a:fillRef idx="2">
+            <a:schemeClr val="accent4"/>
+          </a:fillRef>
+          <a:effectRef idx="1">
+            <a:schemeClr val="accent4"/>
+          </a:effectRef>
+          <a:fontRef idx="minor">
+            <a:schemeClr val="dk1"/>
+          </a:fontRef>
+        </p:style>
+        <p:txBody>
+          <a:bodyPr rtlCol="0" anchor="ctr"/>
+          <a:lstStyle/>
+          <a:p>
+            <a:pPr algn="ctr"/>
+            <a:r>
+              <a:rPr lang="en-US" sz="800" dirty="0" err="1" smtClean="0">
+                <a:solidFill>
+                  <a:srgbClr val="7030A0"/>
+                </a:solidFill>
+              </a:rPr>
+              <a:t>EndDate</a:t>
+            </a:r>
+            <a:endParaRPr lang="en-SG" sz="800" dirty="0">
+              <a:solidFill>
+                <a:srgbClr val="7030A0"/>
+              </a:solidFill>
+            </a:endParaRPr>
+          </a:p>
+        </p:txBody>
+      </p:sp>
+      <p:sp>
+        <p:nvSpPr>
+          <p:cNvPr id="139" name="Rectangle 8"/>
+          <p:cNvSpPr/>
+          <p:nvPr/>
+        </p:nvSpPr>
+        <p:spPr>
+          <a:xfrm>
+            <a:off x="7720265" y="2647523"/>
+            <a:ext cx="708186" cy="150068"/>
+          </a:xfrm>
+          <a:prstGeom prst="rect">
+            <a:avLst/>
+          </a:prstGeom>
+          <a:ln w="19050">
+            <a:solidFill>
+              <a:srgbClr val="7030A0"/>
+            </a:solidFill>
+          </a:ln>
+          <a:effectLst/>
+        </p:spPr>
+        <p:style>
+          <a:lnRef idx="1">
+            <a:schemeClr val="accent4"/>
+          </a:lnRef>
+          <a:fillRef idx="2">
+            <a:schemeClr val="accent4"/>
+          </a:fillRef>
+          <a:effectRef idx="1">
+            <a:schemeClr val="accent4"/>
+          </a:effectRef>
+          <a:fontRef idx="minor">
+            <a:schemeClr val="dk1"/>
+          </a:fontRef>
+        </p:style>
+        <p:txBody>
+          <a:bodyPr rtlCol="0" anchor="ctr"/>
+          <a:lstStyle/>
+          <a:p>
+            <a:pPr algn="ctr"/>
+            <a:r>
+              <a:rPr lang="en-US" sz="800" dirty="0" err="1" smtClean="0">
+                <a:solidFill>
+                  <a:srgbClr val="7030A0"/>
+                </a:solidFill>
+              </a:rPr>
+              <a:t>EndTime</a:t>
+            </a:r>
+            <a:endParaRPr lang="en-SG" sz="800" dirty="0">
+              <a:solidFill>
+                <a:srgbClr val="7030A0"/>
+              </a:solidFill>
+            </a:endParaRPr>
+          </a:p>
+        </p:txBody>
+      </p:sp>
+      <p:sp>
+        <p:nvSpPr>
+          <p:cNvPr id="140" name="Rectangle 8"/>
+          <p:cNvSpPr/>
+          <p:nvPr/>
+        </p:nvSpPr>
+        <p:spPr>
+          <a:xfrm>
+            <a:off x="7712397" y="2218480"/>
+            <a:ext cx="708186" cy="150068"/>
+          </a:xfrm>
+          <a:prstGeom prst="rect">
+            <a:avLst/>
+          </a:prstGeom>
+          <a:ln w="19050">
+            <a:solidFill>
+              <a:srgbClr val="7030A0"/>
+            </a:solidFill>
+          </a:ln>
+          <a:effectLst/>
+        </p:spPr>
+        <p:style>
+          <a:lnRef idx="1">
+            <a:schemeClr val="accent4"/>
+          </a:lnRef>
+          <a:fillRef idx="2">
+            <a:schemeClr val="accent4"/>
+          </a:fillRef>
+          <a:effectRef idx="1">
+            <a:schemeClr val="accent4"/>
+          </a:effectRef>
+          <a:fontRef idx="minor">
+            <a:schemeClr val="dk1"/>
+          </a:fontRef>
+        </p:style>
+        <p:txBody>
+          <a:bodyPr rtlCol="0" anchor="ctr"/>
+          <a:lstStyle/>
+          <a:p>
+            <a:pPr algn="ctr"/>
+            <a:r>
+              <a:rPr lang="en-US" sz="800" dirty="0" err="1" smtClean="0">
+                <a:solidFill>
+                  <a:srgbClr val="7030A0"/>
+                </a:solidFill>
+              </a:rPr>
+              <a:t>Start</a:t>
+            </a:r>
+            <a:r>
+              <a:rPr lang="en-US" sz="800" dirty="0" err="1" smtClean="0">
+                <a:solidFill>
+                  <a:srgbClr val="7030A0"/>
+                </a:solidFill>
+              </a:rPr>
+              <a:t>Time</a:t>
+            </a:r>
+            <a:endParaRPr lang="en-SG" sz="800" dirty="0">
+              <a:solidFill>
+                <a:srgbClr val="7030A0"/>
+              </a:solidFill>
+            </a:endParaRPr>
+          </a:p>
+        </p:txBody>
+      </p:sp>
+      <p:sp>
+        <p:nvSpPr>
+          <p:cNvPr id="141" name="Rectangle 8"/>
+          <p:cNvSpPr/>
+          <p:nvPr/>
+        </p:nvSpPr>
+        <p:spPr>
+          <a:xfrm>
+            <a:off x="7719726" y="2441475"/>
+            <a:ext cx="708186" cy="150068"/>
+          </a:xfrm>
+          <a:prstGeom prst="rect">
+            <a:avLst/>
+          </a:prstGeom>
+          <a:ln w="19050">
+            <a:solidFill>
+              <a:srgbClr val="7030A0"/>
+            </a:solidFill>
+          </a:ln>
+          <a:effectLst/>
+        </p:spPr>
+        <p:style>
+          <a:lnRef idx="1">
+            <a:schemeClr val="accent4"/>
+          </a:lnRef>
+          <a:fillRef idx="2">
+            <a:schemeClr val="accent4"/>
+          </a:fillRef>
+          <a:effectRef idx="1">
+            <a:schemeClr val="accent4"/>
+          </a:effectRef>
+          <a:fontRef idx="minor">
+            <a:schemeClr val="dk1"/>
+          </a:fontRef>
+        </p:style>
+        <p:txBody>
+          <a:bodyPr rtlCol="0" anchor="ctr"/>
+          <a:lstStyle/>
+          <a:p>
+            <a:pPr algn="ctr"/>
+            <a:r>
+              <a:rPr lang="en-US" sz="800" dirty="0" err="1" smtClean="0">
+                <a:solidFill>
+                  <a:srgbClr val="7030A0"/>
+                </a:solidFill>
+              </a:rPr>
+              <a:t>StartDate</a:t>
+            </a:r>
+            <a:endParaRPr lang="en-SG" sz="800" dirty="0">
+              <a:solidFill>
+                <a:srgbClr val="7030A0"/>
+              </a:solidFill>
+            </a:endParaRPr>
+          </a:p>
+        </p:txBody>
+      </p:sp>
+      <p:cxnSp>
+        <p:nvCxnSpPr>
+          <p:cNvPr id="142" name="Elbow Connector 141"/>
+          <p:cNvCxnSpPr>
+            <a:stCxn id="135" idx="3"/>
+            <a:endCxn id="136" idx="1"/>
+          </p:cNvCxnSpPr>
+          <p:nvPr/>
+        </p:nvCxnSpPr>
+        <p:spPr>
+          <a:xfrm flipV="1">
+            <a:off x="7022557" y="2052670"/>
+            <a:ext cx="694575" cy="350468"/>
+          </a:xfrm>
+          <a:prstGeom prst="bentConnector3">
+            <a:avLst>
+              <a:gd name="adj1" fmla="val 50000"/>
+            </a:avLst>
+          </a:prstGeom>
+          <a:ln w="19050">
+            <a:solidFill>
+              <a:srgbClr val="7030A0"/>
+            </a:solidFill>
+            <a:headEnd type="none" w="med" len="med"/>
+            <a:tailEnd type="arrow" w="med" len="med"/>
+          </a:ln>
+          <a:effectLst/>
+        </p:spPr>
+        <p:style>
+          <a:lnRef idx="1">
+            <a:schemeClr val="accent2"/>
+          </a:lnRef>
+          <a:fillRef idx="2">
+            <a:schemeClr val="accent2"/>
+          </a:fillRef>
+          <a:effectRef idx="1">
+            <a:schemeClr val="accent2"/>
+          </a:effectRef>
+          <a:fontRef idx="minor">
+            <a:schemeClr val="dk1"/>
+          </a:fontRef>
+        </p:style>
+      </p:cxnSp>
+      <p:cxnSp>
+        <p:nvCxnSpPr>
+          <p:cNvPr id="145" name="Elbow Connector 144"/>
+          <p:cNvCxnSpPr>
+            <a:endCxn id="140" idx="1"/>
+          </p:cNvCxnSpPr>
+          <p:nvPr/>
+        </p:nvCxnSpPr>
+        <p:spPr>
+          <a:xfrm flipV="1">
+            <a:off x="7023851" y="2293514"/>
+            <a:ext cx="688546" cy="106428"/>
+          </a:xfrm>
+          <a:prstGeom prst="bentConnector3">
+            <a:avLst>
+              <a:gd name="adj1" fmla="val 50000"/>
+            </a:avLst>
+          </a:prstGeom>
+          <a:ln w="19050">
+            <a:solidFill>
+              <a:srgbClr val="7030A0"/>
+            </a:solidFill>
+            <a:headEnd type="none" w="med" len="med"/>
+            <a:tailEnd type="arrow" w="med" len="med"/>
+          </a:ln>
+          <a:effectLst/>
+        </p:spPr>
+        <p:style>
+          <a:lnRef idx="1">
+            <a:schemeClr val="accent2"/>
+          </a:lnRef>
+          <a:fillRef idx="2">
+            <a:schemeClr val="accent2"/>
+          </a:fillRef>
+          <a:effectRef idx="1">
+            <a:schemeClr val="accent2"/>
+          </a:effectRef>
+          <a:fontRef idx="minor">
+            <a:schemeClr val="dk1"/>
+          </a:fontRef>
+        </p:style>
+      </p:cxnSp>
+      <p:cxnSp>
+        <p:nvCxnSpPr>
+          <p:cNvPr id="148" name="Elbow Connector 147"/>
+          <p:cNvCxnSpPr>
+            <a:endCxn id="141" idx="1"/>
+          </p:cNvCxnSpPr>
+          <p:nvPr/>
+        </p:nvCxnSpPr>
+        <p:spPr>
+          <a:xfrm>
+            <a:off x="7023851" y="2399942"/>
+            <a:ext cx="695875" cy="116567"/>
+          </a:xfrm>
+          <a:prstGeom prst="bentConnector3">
+            <a:avLst>
+              <a:gd name="adj1" fmla="val 50000"/>
+            </a:avLst>
+          </a:prstGeom>
+          <a:ln w="19050">
+            <a:solidFill>
+              <a:srgbClr val="7030A0"/>
+            </a:solidFill>
+            <a:headEnd type="none" w="med" len="med"/>
+            <a:tailEnd type="arrow" w="med" len="med"/>
+          </a:ln>
+          <a:effectLst/>
+        </p:spPr>
+        <p:style>
+          <a:lnRef idx="1">
+            <a:schemeClr val="accent2"/>
+          </a:lnRef>
+          <a:fillRef idx="2">
+            <a:schemeClr val="accent2"/>
+          </a:fillRef>
+          <a:effectRef idx="1">
+            <a:schemeClr val="accent2"/>
+          </a:effectRef>
+          <a:fontRef idx="minor">
+            <a:schemeClr val="dk1"/>
+          </a:fontRef>
+        </p:style>
+      </p:cxnSp>
+      <p:cxnSp>
+        <p:nvCxnSpPr>
+          <p:cNvPr id="151" name="Elbow Connector 150"/>
+          <p:cNvCxnSpPr>
+            <a:stCxn id="135" idx="3"/>
+            <a:endCxn id="139" idx="1"/>
+          </p:cNvCxnSpPr>
+          <p:nvPr/>
+        </p:nvCxnSpPr>
+        <p:spPr>
+          <a:xfrm>
+            <a:off x="7022557" y="2403138"/>
+            <a:ext cx="697708" cy="319419"/>
+          </a:xfrm>
+          <a:prstGeom prst="bentConnector3">
+            <a:avLst>
+              <a:gd name="adj1" fmla="val 50000"/>
+            </a:avLst>
+          </a:prstGeom>
+          <a:ln w="19050">
+            <a:solidFill>
+              <a:srgbClr val="7030A0"/>
+            </a:solidFill>
+            <a:headEnd type="none" w="med" len="med"/>
+            <a:tailEnd type="arrow" w="med" len="med"/>
+          </a:ln>
+          <a:effectLst/>
+        </p:spPr>
+        <p:style>
+          <a:lnRef idx="1">
+            <a:schemeClr val="accent2"/>
+          </a:lnRef>
+          <a:fillRef idx="2">
+            <a:schemeClr val="accent2"/>
+          </a:fillRef>
+          <a:effectRef idx="1">
+            <a:schemeClr val="accent2"/>
+          </a:effectRef>
+          <a:fontRef idx="minor">
+            <a:schemeClr val="dk1"/>
+          </a:fontRef>
+        </p:style>
+      </p:cxnSp>
+      <p:cxnSp>
+        <p:nvCxnSpPr>
+          <p:cNvPr id="154" name="Elbow Connector 153"/>
+          <p:cNvCxnSpPr>
+            <a:stCxn id="135" idx="3"/>
+            <a:endCxn id="138" idx="1"/>
+          </p:cNvCxnSpPr>
+          <p:nvPr/>
+        </p:nvCxnSpPr>
+        <p:spPr>
+          <a:xfrm>
+            <a:off x="7022557" y="2403138"/>
+            <a:ext cx="697708" cy="526062"/>
+          </a:xfrm>
+          <a:prstGeom prst="bentConnector3">
+            <a:avLst>
+              <a:gd name="adj1" fmla="val 50000"/>
+            </a:avLst>
+          </a:prstGeom>
+          <a:ln w="19050">
+            <a:solidFill>
+              <a:srgbClr val="7030A0"/>
+            </a:solidFill>
+            <a:headEnd type="none" w="med" len="med"/>
+            <a:tailEnd type="arrow" w="med" len="med"/>
+          </a:ln>
+          <a:effectLst/>
+        </p:spPr>
+        <p:style>
+          <a:lnRef idx="1">
+            <a:schemeClr val="accent2"/>
+          </a:lnRef>
+          <a:fillRef idx="2">
+            <a:schemeClr val="accent2"/>
+          </a:fillRef>
+          <a:effectRef idx="1">
+            <a:schemeClr val="accent2"/>
+          </a:effectRef>
+          <a:fontRef idx="minor">
+            <a:schemeClr val="dk1"/>
+          </a:fontRef>
+        </p:style>
+      </p:cxnSp>
+      <p:sp>
+        <p:nvSpPr>
+          <p:cNvPr id="166" name="Flowchart: Decision 96"/>
+          <p:cNvSpPr/>
+          <p:nvPr/>
+        </p:nvSpPr>
+        <p:spPr>
+          <a:xfrm>
+            <a:off x="7025063" y="2301588"/>
+            <a:ext cx="236048" cy="173380"/>
+          </a:xfrm>
+          <a:prstGeom prst="flowChartDecision">
+            <a:avLst/>
+          </a:prstGeom>
+          <a:solidFill>
+            <a:srgbClr val="7030A0"/>
+          </a:solidFill>
+          <a:ln w="19050">
+            <a:solidFill>
+              <a:srgbClr val="7030A0"/>
+            </a:solidFill>
+          </a:ln>
+          <a:effectLst/>
+        </p:spPr>
+        <p:style>
+          <a:lnRef idx="1">
+            <a:schemeClr val="accent6"/>
+          </a:lnRef>
+          <a:fillRef idx="2">
+            <a:schemeClr val="accent6"/>
+          </a:fillRef>
+          <a:effectRef idx="1">
+            <a:schemeClr val="accent6"/>
+          </a:effectRef>
+          <a:fontRef idx="minor">
+            <a:schemeClr val="dk1"/>
+          </a:fontRef>
+        </p:style>
+        <p:txBody>
+          <a:bodyPr rtlCol="0" anchor="ctr"/>
+          <a:lstStyle/>
+          <a:p>
+            <a:pPr algn="ctr"/>
+            <a:endParaRPr lang="en-US" sz="1050"/>
+          </a:p>
+        </p:txBody>
+      </p:sp>
+      <p:sp>
+        <p:nvSpPr>
+          <p:cNvPr id="183" name="Rectangle 8"/>
+          <p:cNvSpPr/>
+          <p:nvPr/>
+        </p:nvSpPr>
+        <p:spPr>
+          <a:xfrm>
+            <a:off x="5128256" y="1823992"/>
+            <a:ext cx="1156969" cy="292583"/>
+          </a:xfrm>
+          <a:prstGeom prst="rect">
+            <a:avLst/>
+          </a:prstGeom>
+          <a:ln w="19050">
+            <a:solidFill>
+              <a:srgbClr val="7030A0"/>
+            </a:solidFill>
+          </a:ln>
+          <a:effectLst/>
+        </p:spPr>
+        <p:style>
+          <a:lnRef idx="1">
+            <a:schemeClr val="accent4"/>
+          </a:lnRef>
+          <a:fillRef idx="2">
+            <a:schemeClr val="accent4"/>
+          </a:fillRef>
+          <a:effectRef idx="1">
+            <a:schemeClr val="accent4"/>
+          </a:effectRef>
+          <a:fontRef idx="minor">
+            <a:schemeClr val="dk1"/>
+          </a:fontRef>
+        </p:style>
+        <p:txBody>
+          <a:bodyPr rtlCol="0" anchor="ctr"/>
+          <a:lstStyle/>
+          <a:p>
+            <a:pPr algn="ctr"/>
+            <a:r>
+              <a:rPr lang="en-US" sz="1050" dirty="0" smtClean="0">
+                <a:solidFill>
+                  <a:srgbClr val="7030A0"/>
+                </a:solidFill>
+              </a:rPr>
+              <a:t>&lt;&lt;interface&gt;&gt;</a:t>
+            </a:r>
+            <a:br>
+              <a:rPr lang="en-US" sz="1050" dirty="0" smtClean="0">
+                <a:solidFill>
+                  <a:srgbClr val="7030A0"/>
+                </a:solidFill>
+              </a:rPr>
+            </a:br>
+            <a:r>
+              <a:rPr lang="en-US" sz="1050" dirty="0" err="1" smtClean="0">
+                <a:solidFill>
+                  <a:srgbClr val="7030A0"/>
+                </a:solidFill>
+              </a:rPr>
+              <a:t>ReadOnlyEvent</a:t>
+            </a:r>
+            <a:endParaRPr lang="en-SG" sz="1050" dirty="0">
+              <a:solidFill>
+                <a:srgbClr val="7030A0"/>
+              </a:solidFill>
+            </a:endParaRPr>
+          </a:p>
+        </p:txBody>
+      </p:sp>
+      <p:cxnSp>
+        <p:nvCxnSpPr>
+          <p:cNvPr id="184" name="Elbow Connector 63"/>
+          <p:cNvCxnSpPr>
+            <a:stCxn id="183" idx="3"/>
+            <a:endCxn id="135" idx="0"/>
+          </p:cNvCxnSpPr>
+          <p:nvPr/>
+        </p:nvCxnSpPr>
+        <p:spPr>
+          <a:xfrm>
+            <a:off x="6285225" y="1970284"/>
+            <a:ext cx="383239" cy="327813"/>
+          </a:xfrm>
+          <a:prstGeom prst="bentConnector2">
+            <a:avLst/>
+          </a:prstGeom>
+          <a:ln w="19050">
+            <a:solidFill>
+              <a:srgbClr val="7030A0"/>
+            </a:solidFill>
+            <a:prstDash val="sysDot"/>
+            <a:headEnd type="none" w="med" len="med"/>
+            <a:tailEnd type="none" w="med" len="med"/>
+          </a:ln>
+          <a:effectLst/>
+        </p:spPr>
+        <p:style>
+          <a:lnRef idx="1">
+            <a:schemeClr val="accent2"/>
+          </a:lnRef>
+          <a:fillRef idx="2">
+            <a:schemeClr val="accent2"/>
+          </a:fillRef>
+          <a:effectRef idx="1">
+            <a:schemeClr val="accent2"/>
+          </a:effectRef>
+          <a:fontRef idx="minor">
+            <a:schemeClr val="dk1"/>
+          </a:fontRef>
+        </p:style>
+      </p:cxnSp>
+      <p:sp>
+        <p:nvSpPr>
+          <p:cNvPr id="187" name="Isosceles Triangle 102"/>
+          <p:cNvSpPr/>
+          <p:nvPr/>
+        </p:nvSpPr>
+        <p:spPr>
+          <a:xfrm rot="5400000" flipV="1">
+            <a:off x="6234602" y="1878622"/>
+            <a:ext cx="270504" cy="175523"/>
+          </a:xfrm>
+          <a:prstGeom prst="triangle">
+            <a:avLst/>
+          </a:prstGeom>
+          <a:solidFill>
+            <a:srgbClr val="7030A0"/>
+          </a:solidFill>
+          <a:ln w="19050">
+            <a:solidFill>
+              <a:srgbClr val="7030A0"/>
+            </a:solidFill>
+          </a:ln>
+          <a:effectLst/>
+        </p:spPr>
+        <p:style>
+          <a:lnRef idx="1">
+            <a:schemeClr val="accent4"/>
+          </a:lnRef>
+          <a:fillRef idx="2">
+            <a:schemeClr val="accent4"/>
+          </a:fillRef>
+          <a:effectRef idx="1">
+            <a:schemeClr val="accent4"/>
+          </a:effectRef>
+          <a:fontRef idx="minor">
+            <a:schemeClr val="dk1"/>
+          </a:fontRef>
+        </p:style>
+        <p:txBody>
+          <a:bodyPr rtlCol="0" anchor="ctr"/>
+          <a:lstStyle/>
+          <a:p>
+            <a:pPr algn="ctr"/>
+            <a:endParaRPr lang="en-SG" sz="1050" b="1">
+              <a:solidFill>
+                <a:srgbClr val="92D050"/>
+              </a:solidFill>
+            </a:endParaRPr>
+          </a:p>
+        </p:txBody>
+      </p:sp>
+      <p:cxnSp>
+        <p:nvCxnSpPr>
+          <p:cNvPr id="189" name="Elbow Connector 188"/>
+          <p:cNvCxnSpPr>
+            <a:stCxn id="135" idx="2"/>
+            <a:endCxn id="49" idx="3"/>
+          </p:cNvCxnSpPr>
+          <p:nvPr/>
+        </p:nvCxnSpPr>
+        <p:spPr>
+          <a:xfrm rot="5400000">
+            <a:off x="6050101" y="2077478"/>
+            <a:ext cx="187662" cy="1049065"/>
+          </a:xfrm>
+          <a:prstGeom prst="bentConnector2">
+            <a:avLst/>
+          </a:prstGeom>
+          <a:ln w="19050">
+            <a:solidFill>
+              <a:srgbClr val="7030A0"/>
+            </a:solidFill>
+            <a:headEnd type="none" w="med" len="med"/>
+            <a:tailEnd type="arrow" w="med" len="med"/>
+          </a:ln>
+          <a:effectLst/>
+        </p:spPr>
+        <p:style>
+          <a:lnRef idx="1">
+            <a:schemeClr val="accent2"/>
+          </a:lnRef>
+          <a:fillRef idx="2">
+            <a:schemeClr val="accent2"/>
+          </a:fillRef>
+          <a:effectRef idx="1">
+            <a:schemeClr val="accent2"/>
+          </a:effectRef>
+          <a:fontRef idx="minor">
+            <a:schemeClr val="dk1"/>
+          </a:fontRef>
+        </p:style>
+      </p:cxnSp>
+      <p:sp>
+        <p:nvSpPr>
+          <p:cNvPr id="194" name="TextBox 193"/>
+          <p:cNvSpPr txBox="1"/>
+          <p:nvPr/>
+        </p:nvSpPr>
+        <p:spPr>
+          <a:xfrm>
+            <a:off x="6656253" y="2541181"/>
+            <a:ext cx="189257" cy="178683"/>
+          </a:xfrm>
+          <a:prstGeom prst="rect">
+            <a:avLst/>
+          </a:prstGeom>
+          <a:noFill/>
+        </p:spPr>
+        <p:txBody>
+          <a:bodyPr wrap="square" lIns="0" tIns="0" rIns="0" bIns="0" rtlCol="0">
+            <a:noAutofit/>
+          </a:bodyPr>
+          <a:lstStyle/>
+          <a:p>
+            <a:pPr algn="ctr"/>
+            <a:r>
+              <a:rPr lang="en-US" sz="1100" dirty="0" smtClean="0">
+                <a:solidFill>
+                  <a:srgbClr val="7030A0"/>
+                </a:solidFill>
+              </a:rPr>
+              <a:t>1</a:t>
+            </a:r>
+            <a:endParaRPr lang="en-SG" sz="1100" dirty="0">
+              <a:solidFill>
+                <a:srgbClr val="7030A0"/>
+              </a:solidFill>
+            </a:endParaRPr>
+          </a:p>
+        </p:txBody>
+      </p:sp>
+      <p:sp>
+        <p:nvSpPr>
+          <p:cNvPr id="209" name="TextBox 208"/>
+          <p:cNvSpPr txBox="1"/>
+          <p:nvPr/>
+        </p:nvSpPr>
+        <p:spPr>
+          <a:xfrm rot="16200000">
+            <a:off x="6533262" y="2042569"/>
+            <a:ext cx="881018" cy="215444"/>
+          </a:xfrm>
+          <a:prstGeom prst="rect">
+            <a:avLst/>
+          </a:prstGeom>
+          <a:noFill/>
+        </p:spPr>
+        <p:txBody>
+          <a:bodyPr wrap="square" rtlCol="0">
+            <a:spAutoFit/>
+          </a:bodyPr>
+          <a:lstStyle/>
+          <a:p>
+            <a:pPr algn="r"/>
+            <a:r>
+              <a:rPr lang="en-US" sz="800" dirty="0" smtClean="0">
+                <a:solidFill>
+                  <a:srgbClr val="7030A0"/>
+                </a:solidFill>
+              </a:rPr>
+              <a:t>filtered list</a:t>
+            </a:r>
+            <a:endParaRPr lang="en-SG" sz="800" dirty="0">
+              <a:solidFill>
+                <a:srgbClr val="7030A0"/>
+              </a:solidFill>
+            </a:endParaRPr>
+          </a:p>
+        </p:txBody>
+      </p:sp>
+      <p:cxnSp>
+        <p:nvCxnSpPr>
+          <p:cNvPr id="220" name="Elbow Connector 219"/>
+          <p:cNvCxnSpPr/>
+          <p:nvPr/>
+        </p:nvCxnSpPr>
+        <p:spPr>
+          <a:xfrm>
+            <a:off x="5817974" y="2414693"/>
+            <a:ext cx="507130" cy="1183"/>
+          </a:xfrm>
+          <a:prstGeom prst="bentConnector3">
+            <a:avLst>
+              <a:gd name="adj1" fmla="val 50000"/>
+            </a:avLst>
+          </a:prstGeom>
+          <a:ln w="19050">
+            <a:solidFill>
+              <a:srgbClr val="7030A0"/>
+            </a:solidFill>
+            <a:headEnd type="none" w="med" len="med"/>
+            <a:tailEnd type="arrow" w="med" len="med"/>
+          </a:ln>
+          <a:effectLst/>
+        </p:spPr>
+        <p:style>
+          <a:lnRef idx="1">
+            <a:schemeClr val="accent2"/>
+          </a:lnRef>
+          <a:fillRef idx="2">
+            <a:schemeClr val="accent2"/>
+          </a:fillRef>
+          <a:effectRef idx="1">
+            <a:schemeClr val="accent2"/>
+          </a:effectRef>
+          <a:fontRef idx="minor">
+            <a:schemeClr val="dk1"/>
+          </a:fontRef>
+        </p:style>
+      </p:cxnSp>
+      <p:sp>
+        <p:nvSpPr>
+          <p:cNvPr id="221" name="Flowchart: Decision 96"/>
+          <p:cNvSpPr/>
+          <p:nvPr/>
+        </p:nvSpPr>
+        <p:spPr>
+          <a:xfrm>
+            <a:off x="5630496" y="2339221"/>
+            <a:ext cx="176578" cy="133517"/>
+          </a:xfrm>
+          <a:prstGeom prst="flowChartDecision">
+            <a:avLst/>
+          </a:prstGeom>
+          <a:noFill/>
+          <a:ln w="19050">
+            <a:solidFill>
+              <a:srgbClr val="7030A0"/>
+            </a:solidFill>
+          </a:ln>
+          <a:effectLst/>
+        </p:spPr>
+        <p:style>
+          <a:lnRef idx="1">
+            <a:schemeClr val="accent6"/>
+          </a:lnRef>
+          <a:fillRef idx="2">
+            <a:schemeClr val="accent6"/>
+          </a:fillRef>
+          <a:effectRef idx="1">
+            <a:schemeClr val="accent6"/>
+          </a:effectRef>
+          <a:fontRef idx="minor">
+            <a:schemeClr val="dk1"/>
+          </a:fontRef>
+        </p:style>
+        <p:txBody>
+          <a:bodyPr rtlCol="0" anchor="ctr"/>
+          <a:lstStyle/>
+          <a:p>
+            <a:pPr algn="ctr"/>
+            <a:endParaRPr lang="en-US" sz="1050"/>
+          </a:p>
+        </p:txBody>
+      </p:sp>
+      <p:sp>
+        <p:nvSpPr>
+          <p:cNvPr id="223" name="TextBox 222"/>
+          <p:cNvSpPr txBox="1"/>
+          <p:nvPr/>
+        </p:nvSpPr>
+        <p:spPr>
+          <a:xfrm>
+            <a:off x="6096000" y="2412117"/>
+            <a:ext cx="189257" cy="178683"/>
+          </a:xfrm>
+          <a:prstGeom prst="rect">
+            <a:avLst/>
+          </a:prstGeom>
+          <a:noFill/>
+        </p:spPr>
+        <p:txBody>
+          <a:bodyPr wrap="square" lIns="0" tIns="0" rIns="0" bIns="0" rtlCol="0">
+            <a:noAutofit/>
+          </a:bodyPr>
+          <a:lstStyle/>
+          <a:p>
+            <a:pPr algn="ctr"/>
+            <a:r>
+              <a:rPr lang="en-US" sz="1100" dirty="0" smtClean="0">
+                <a:solidFill>
+                  <a:srgbClr val="7030A0"/>
+                </a:solidFill>
+              </a:rPr>
+              <a:t>*</a:t>
+            </a:r>
+            <a:endParaRPr lang="en-SG" sz="1100" dirty="0">
+              <a:solidFill>
+                <a:srgbClr val="7030A0"/>
+              </a:solidFill>
+            </a:endParaRPr>
+          </a:p>
+        </p:txBody>
+      </p:sp>
+      <p:cxnSp>
+        <p:nvCxnSpPr>
+          <p:cNvPr id="225" name="Elbow Connector 224"/>
+          <p:cNvCxnSpPr>
+            <a:stCxn id="9" idx="3"/>
+          </p:cNvCxnSpPr>
+          <p:nvPr/>
+        </p:nvCxnSpPr>
+        <p:spPr>
+          <a:xfrm rot="5400000" flipH="1" flipV="1">
+            <a:off x="4168796" y="-192981"/>
+            <a:ext cx="750217" cy="4626246"/>
+          </a:xfrm>
+          <a:prstGeom prst="bentConnector2">
+            <a:avLst/>
+          </a:prstGeom>
+          <a:ln w="19050">
+            <a:solidFill>
+              <a:srgbClr val="7030A0"/>
+            </a:solidFill>
+          </a:ln>
+        </p:spPr>
+        <p:style>
+          <a:lnRef idx="1">
+            <a:schemeClr val="accent1"/>
+          </a:lnRef>
+          <a:fillRef idx="0">
+            <a:schemeClr val="accent1"/>
+          </a:fillRef>
+          <a:effectRef idx="0">
+            <a:schemeClr val="accent1"/>
+          </a:effectRef>
+          <a:fontRef idx="minor">
+            <a:schemeClr val="tx1"/>
+          </a:fontRef>
+        </p:style>
+      </p:cxnSp>
+      <p:cxnSp>
+        <p:nvCxnSpPr>
+          <p:cNvPr id="230" name="Straight Connector 229"/>
+          <p:cNvCxnSpPr/>
+          <p:nvPr/>
+        </p:nvCxnSpPr>
+        <p:spPr>
+          <a:xfrm>
+            <a:off x="6863455" y="1738304"/>
+            <a:ext cx="1" cy="547696"/>
+          </a:xfrm>
+          <a:prstGeom prst="line">
+            <a:avLst/>
+          </a:prstGeom>
+          <a:ln w="19050">
+            <a:solidFill>
+              <a:srgbClr val="7030A0"/>
+            </a:solidFill>
+          </a:ln>
+        </p:spPr>
+        <p:style>
+          <a:lnRef idx="1">
+            <a:schemeClr val="accent1"/>
+          </a:lnRef>
+          <a:fillRef idx="0">
+            <a:schemeClr val="accent1"/>
+          </a:fillRef>
+          <a:effectRef idx="0">
+            <a:schemeClr val="accent1"/>
+          </a:effectRef>
+          <a:fontRef idx="minor">
+            <a:schemeClr val="tx1"/>
+          </a:fontRef>
+        </p:style>
+      </p:cxnSp>
+      <p:sp>
+        <p:nvSpPr>
+          <p:cNvPr id="135" name="Rectangle 8"/>
+          <p:cNvSpPr/>
+          <p:nvPr/>
+        </p:nvSpPr>
+        <p:spPr>
+          <a:xfrm>
+            <a:off x="6314371" y="2298097"/>
+            <a:ext cx="708186" cy="210082"/>
+          </a:xfrm>
+          <a:prstGeom prst="rect">
+            <a:avLst/>
+          </a:prstGeom>
+          <a:ln w="19050">
+            <a:solidFill>
+              <a:srgbClr val="7030A0"/>
+            </a:solidFill>
+          </a:ln>
+          <a:effectLst/>
+        </p:spPr>
+        <p:style>
+          <a:lnRef idx="1">
+            <a:schemeClr val="accent4"/>
+          </a:lnRef>
+          <a:fillRef idx="2">
+            <a:schemeClr val="accent4"/>
+          </a:fillRef>
+          <a:effectRef idx="1">
+            <a:schemeClr val="accent4"/>
+          </a:effectRef>
+          <a:fontRef idx="minor">
+            <a:schemeClr val="dk1"/>
+          </a:fontRef>
+        </p:style>
+        <p:txBody>
+          <a:bodyPr rtlCol="0" anchor="ctr"/>
+          <a:lstStyle/>
+          <a:p>
+            <a:pPr algn="ctr"/>
+            <a:r>
+              <a:rPr lang="en-US" sz="1050" dirty="0" smtClean="0">
+                <a:solidFill>
+                  <a:srgbClr val="7030A0"/>
+                </a:solidFill>
+              </a:rPr>
+              <a:t>Event</a:t>
+            </a:r>
+            <a:endParaRPr lang="en-SG" sz="1050" dirty="0">
               <a:solidFill>
                 <a:srgbClr val="7030A0"/>
               </a:solidFill>

--- a/docs/diagrams/ModelComponentClassDiagram.pptx
+++ b/docs/diagrams/ModelComponentClassDiagram.pptx
@@ -5,10 +5,11 @@
     <p:sldMasterId id="2147483648" r:id="rId1"/>
   </p:sldMasterIdLst>
   <p:notesMasterIdLst>
-    <p:notesMasterId r:id="rId3"/>
+    <p:notesMasterId r:id="rId4"/>
   </p:notesMasterIdLst>
   <p:sldIdLst>
     <p:sldId id="263" r:id="rId2"/>
+    <p:sldId id="264" r:id="rId3"/>
   </p:sldIdLst>
   <p:sldSz cx="9144000" cy="6858000" type="screen4x3"/>
   <p:notesSz cx="6858000" cy="9144000"/>
@@ -208,7 +209,7 @@
           <a:p>
             <a:fld id="{F5CC4B3F-88C1-4FFA-B1B6-F41C21DC6924}" type="datetimeFigureOut">
               <a:rPr lang="en-US" smtClean="0"/>
-              <a:t>3/23/2017</a:t>
+              <a:t>3/30/2017</a:t>
             </a:fld>
             <a:endParaRPr lang="en-US"/>
           </a:p>
@@ -654,7 +655,7 @@
           <a:p>
             <a:fld id="{78C97017-6FC3-485B-9764-EAC9E56C1D49}" type="datetimeFigureOut">
               <a:rPr lang="en-US" smtClean="0"/>
-              <a:t>3/23/2017</a:t>
+              <a:t>3/30/2017</a:t>
             </a:fld>
             <a:endParaRPr lang="en-US"/>
           </a:p>
@@ -822,7 +823,7 @@
           <a:p>
             <a:fld id="{78C97017-6FC3-485B-9764-EAC9E56C1D49}" type="datetimeFigureOut">
               <a:rPr lang="en-US" smtClean="0"/>
-              <a:t>3/23/2017</a:t>
+              <a:t>3/30/2017</a:t>
             </a:fld>
             <a:endParaRPr lang="en-US"/>
           </a:p>
@@ -1000,7 +1001,7 @@
           <a:p>
             <a:fld id="{78C97017-6FC3-485B-9764-EAC9E56C1D49}" type="datetimeFigureOut">
               <a:rPr lang="en-US" smtClean="0"/>
-              <a:t>3/23/2017</a:t>
+              <a:t>3/30/2017</a:t>
             </a:fld>
             <a:endParaRPr lang="en-US"/>
           </a:p>
@@ -1168,7 +1169,7 @@
           <a:p>
             <a:fld id="{78C97017-6FC3-485B-9764-EAC9E56C1D49}" type="datetimeFigureOut">
               <a:rPr lang="en-US" smtClean="0"/>
-              <a:t>3/23/2017</a:t>
+              <a:t>3/30/2017</a:t>
             </a:fld>
             <a:endParaRPr lang="en-US"/>
           </a:p>
@@ -1413,7 +1414,7 @@
           <a:p>
             <a:fld id="{78C97017-6FC3-485B-9764-EAC9E56C1D49}" type="datetimeFigureOut">
               <a:rPr lang="en-US" smtClean="0"/>
-              <a:t>3/23/2017</a:t>
+              <a:t>3/30/2017</a:t>
             </a:fld>
             <a:endParaRPr lang="en-US"/>
           </a:p>
@@ -1698,7 +1699,7 @@
           <a:p>
             <a:fld id="{78C97017-6FC3-485B-9764-EAC9E56C1D49}" type="datetimeFigureOut">
               <a:rPr lang="en-US" smtClean="0"/>
-              <a:t>3/23/2017</a:t>
+              <a:t>3/30/2017</a:t>
             </a:fld>
             <a:endParaRPr lang="en-US"/>
           </a:p>
@@ -2117,7 +2118,7 @@
           <a:p>
             <a:fld id="{78C97017-6FC3-485B-9764-EAC9E56C1D49}" type="datetimeFigureOut">
               <a:rPr lang="en-US" smtClean="0"/>
-              <a:t>3/23/2017</a:t>
+              <a:t>3/30/2017</a:t>
             </a:fld>
             <a:endParaRPr lang="en-US"/>
           </a:p>
@@ -2234,7 +2235,7 @@
           <a:p>
             <a:fld id="{78C97017-6FC3-485B-9764-EAC9E56C1D49}" type="datetimeFigureOut">
               <a:rPr lang="en-US" smtClean="0"/>
-              <a:t>3/23/2017</a:t>
+              <a:t>3/30/2017</a:t>
             </a:fld>
             <a:endParaRPr lang="en-US"/>
           </a:p>
@@ -2329,7 +2330,7 @@
           <a:p>
             <a:fld id="{78C97017-6FC3-485B-9764-EAC9E56C1D49}" type="datetimeFigureOut">
               <a:rPr lang="en-US" smtClean="0"/>
-              <a:t>3/23/2017</a:t>
+              <a:t>3/30/2017</a:t>
             </a:fld>
             <a:endParaRPr lang="en-US"/>
           </a:p>
@@ -2604,7 +2605,7 @@
           <a:p>
             <a:fld id="{78C97017-6FC3-485B-9764-EAC9E56C1D49}" type="datetimeFigureOut">
               <a:rPr lang="en-US" smtClean="0"/>
-              <a:t>3/23/2017</a:t>
+              <a:t>3/30/2017</a:t>
             </a:fld>
             <a:endParaRPr lang="en-US"/>
           </a:p>
@@ -2856,7 +2857,7 @@
           <a:p>
             <a:fld id="{78C97017-6FC3-485B-9764-EAC9E56C1D49}" type="datetimeFigureOut">
               <a:rPr lang="en-US" smtClean="0"/>
-              <a:t>3/23/2017</a:t>
+              <a:t>3/30/2017</a:t>
             </a:fld>
             <a:endParaRPr lang="en-US"/>
           </a:p>
@@ -3067,7 +3068,7 @@
           <a:p>
             <a:fld id="{78C97017-6FC3-485B-9764-EAC9E56C1D49}" type="datetimeFigureOut">
               <a:rPr lang="en-US" smtClean="0"/>
-              <a:t>3/23/2017</a:t>
+              <a:t>3/30/2017</a:t>
             </a:fld>
             <a:endParaRPr lang="en-US"/>
           </a:p>
@@ -3444,14 +3445,14 @@
       </p:grpSpPr>
       <p:sp>
         <p:nvSpPr>
-          <p:cNvPr id="118" name="Rectangle 65"/>
+          <p:cNvPr id="93" name="Rectangle 65"/>
           <p:cNvSpPr/>
           <p:nvPr/>
         </p:nvSpPr>
         <p:spPr>
           <a:xfrm>
             <a:off x="304800" y="155163"/>
-            <a:ext cx="8763000" cy="4555277"/>
+            <a:ext cx="7848600" cy="4416837"/>
           </a:xfrm>
           <a:prstGeom prst="roundRect">
             <a:avLst>
@@ -3493,7 +3494,7 @@
                   <a:srgbClr val="7030A0"/>
                 </a:solidFill>
               </a:rPr>
-              <a:t>Model</a:t>
+              <a:t>Model 1/2</a:t>
             </a:r>
             <a:endParaRPr lang="en-SG" sz="1200" b="1" dirty="0">
               <a:solidFill>
@@ -3511,7 +3512,7 @@
         </p:nvSpPr>
         <p:spPr>
           <a:xfrm>
-            <a:off x="2198077" y="2434515"/>
+            <a:off x="2735703" y="2389401"/>
             <a:ext cx="1093635" cy="346760"/>
           </a:xfrm>
           <a:prstGeom prst="rect">
@@ -3570,7 +3571,7 @@
         </p:nvSpPr>
         <p:spPr>
           <a:xfrm rot="16200000">
-            <a:off x="1004860" y="2144762"/>
+            <a:off x="1542486" y="2099648"/>
             <a:ext cx="1093635" cy="346760"/>
           </a:xfrm>
           <a:prstGeom prst="rect">
@@ -3623,29 +3624,31 @@
       </p:sp>
       <p:cxnSp>
         <p:nvCxnSpPr>
-          <p:cNvPr id="53" name="Elbow Connector 63"/>
+          <p:cNvPr id="107" name="Elbow Connector 106"/>
           <p:cNvCxnSpPr>
             <a:cxnSpLocks/>
+            <a:stCxn id="9" idx="1"/>
+            <a:endCxn id="89" idx="2"/>
           </p:cNvCxnSpPr>
           <p:nvPr/>
         </p:nvCxnSpPr>
         <p:spPr>
-          <a:xfrm rot="5400000">
-            <a:off x="5888081" y="1605651"/>
-            <a:ext cx="449451" cy="1285"/>
+          <a:xfrm rot="16200000" flipH="1">
+            <a:off x="4239164" y="669985"/>
+            <a:ext cx="137269" cy="4436989"/>
           </a:xfrm>
           <a:prstGeom prst="bentConnector3">
             <a:avLst>
-              <a:gd name="adj1" fmla="val 50000"/>
+              <a:gd name="adj1" fmla="val 340550"/>
             </a:avLst>
           </a:prstGeom>
           <a:ln w="19050">
             <a:solidFill>
               <a:srgbClr val="7030A0"/>
             </a:solidFill>
-            <a:prstDash val="sysDot"/>
+            <a:prstDash val="solid"/>
             <a:headEnd type="none" w="med" len="med"/>
-            <a:tailEnd type="none" w="med" len="med"/>
+            <a:tailEnd type="arrow" w="med" len="med"/>
           </a:ln>
           <a:effectLst/>
         </p:spPr>
@@ -3664,33 +3667,27 @@
           </a:fontRef>
         </p:style>
       </p:cxnSp>
-      <p:cxnSp>
-        <p:nvCxnSpPr>
-          <p:cNvPr id="107" name="Elbow Connector 106"/>
-          <p:cNvCxnSpPr>
-            <a:cxnSpLocks/>
-            <a:stCxn id="9" idx="1"/>
-            <a:endCxn id="89" idx="2"/>
-          </p:cNvCxnSpPr>
+      <p:sp>
+        <p:nvSpPr>
+          <p:cNvPr id="119" name="Rectangle 62"/>
+          <p:cNvSpPr/>
           <p:nvPr/>
-        </p:nvCxnSpPr>
-        <p:spPr>
-          <a:xfrm rot="16200000" flipH="1">
-            <a:off x="3701538" y="715099"/>
-            <a:ext cx="137269" cy="4436989"/>
-          </a:xfrm>
-          <a:prstGeom prst="bentConnector3">
-            <a:avLst>
-              <a:gd name="adj1" fmla="val 340550"/>
-            </a:avLst>
-          </a:prstGeom>
+        </p:nvSpPr>
+        <p:spPr>
+          <a:xfrm rot="16200000">
+            <a:off x="814725" y="2092163"/>
+            <a:ext cx="1093635" cy="346760"/>
+          </a:xfrm>
+          <a:prstGeom prst="rect">
+            <a:avLst/>
+          </a:prstGeom>
+          <a:solidFill>
+            <a:srgbClr val="7030A0"/>
+          </a:solidFill>
           <a:ln w="19050">
             <a:solidFill>
               <a:srgbClr val="7030A0"/>
             </a:solidFill>
-            <a:prstDash val="solid"/>
-            <a:headEnd type="none" w="med" len="med"/>
-            <a:tailEnd type="arrow" w="med" len="med"/>
           </a:ln>
           <a:effectLst/>
         </p:spPr>
@@ -3708,45 +3705,6 @@
             <a:schemeClr val="dk1"/>
           </a:fontRef>
         </p:style>
-      </p:cxnSp>
-      <p:sp>
-        <p:nvSpPr>
-          <p:cNvPr id="119" name="Rectangle 62"/>
-          <p:cNvSpPr/>
-          <p:nvPr/>
-        </p:nvSpPr>
-        <p:spPr>
-          <a:xfrm rot="16200000">
-            <a:off x="277099" y="2137277"/>
-            <a:ext cx="1093635" cy="346760"/>
-          </a:xfrm>
-          <a:prstGeom prst="rect">
-            <a:avLst/>
-          </a:prstGeom>
-          <a:solidFill>
-            <a:srgbClr val="7030A0"/>
-          </a:solidFill>
-          <a:ln w="19050">
-            <a:solidFill>
-              <a:srgbClr val="7030A0"/>
-            </a:solidFill>
-          </a:ln>
-          <a:effectLst/>
-        </p:spPr>
-        <p:style>
-          <a:lnRef idx="1">
-            <a:schemeClr val="accent2"/>
-          </a:lnRef>
-          <a:fillRef idx="2">
-            <a:schemeClr val="accent2"/>
-          </a:fillRef>
-          <a:effectRef idx="1">
-            <a:schemeClr val="accent2"/>
-          </a:effectRef>
-          <a:fontRef idx="minor">
-            <a:schemeClr val="dk1"/>
-          </a:fontRef>
-        </p:style>
         <p:txBody>
           <a:bodyPr rtlCol="0" anchor="ctr"/>
           <a:lstStyle/>
@@ -3787,7 +3745,7 @@
         </p:nvSpPr>
         <p:spPr>
           <a:xfrm rot="16200000">
-            <a:off x="947807" y="2228366"/>
+            <a:off x="1485433" y="2183252"/>
             <a:ext cx="270504" cy="175523"/>
           </a:xfrm>
           <a:prstGeom prst="triangle">
@@ -3837,7 +3795,7 @@
         </p:nvCxnSpPr>
         <p:spPr>
           <a:xfrm>
-            <a:off x="1977267" y="2602611"/>
+            <a:off x="2514893" y="2557497"/>
             <a:ext cx="220810" cy="5284"/>
           </a:xfrm>
           <a:prstGeom prst="straightConnector1">
@@ -3875,7 +3833,7 @@
         </p:nvCxnSpPr>
         <p:spPr>
           <a:xfrm>
-            <a:off x="230988" y="2316128"/>
+            <a:off x="768614" y="2271014"/>
             <a:ext cx="419548" cy="2860"/>
           </a:xfrm>
           <a:prstGeom prst="bentConnector3">
@@ -3920,7 +3878,7 @@
         </p:nvCxnSpPr>
         <p:spPr>
           <a:xfrm flipV="1">
-            <a:off x="1170821" y="2316127"/>
+            <a:off x="1708447" y="2271013"/>
             <a:ext cx="216105" cy="1"/>
           </a:xfrm>
           <a:prstGeom prst="line">
@@ -3959,7 +3917,7 @@
         </p:nvSpPr>
         <p:spPr>
           <a:xfrm>
-            <a:off x="1741219" y="2515921"/>
+            <a:off x="2278845" y="2470807"/>
             <a:ext cx="236048" cy="173380"/>
           </a:xfrm>
           <a:prstGeom prst="flowChartDecision">
@@ -4004,7 +3962,7 @@
         </p:nvSpPr>
         <p:spPr>
           <a:xfrm>
-            <a:off x="2200387" y="1903495"/>
+            <a:off x="2738013" y="1858381"/>
             <a:ext cx="1093635" cy="346760"/>
           </a:xfrm>
           <a:prstGeom prst="rect">
@@ -4063,7 +4021,7 @@
         </p:nvCxnSpPr>
         <p:spPr>
           <a:xfrm>
-            <a:off x="1979577" y="2071591"/>
+            <a:off x="2517203" y="2026477"/>
             <a:ext cx="220810" cy="5284"/>
           </a:xfrm>
           <a:prstGeom prst="straightConnector1">
@@ -4101,7 +4059,7 @@
         </p:nvSpPr>
         <p:spPr>
           <a:xfrm>
-            <a:off x="1743529" y="1984901"/>
+            <a:off x="2281155" y="1939787"/>
             <a:ext cx="236048" cy="173380"/>
           </a:xfrm>
           <a:prstGeom prst="flowChartDecision">
@@ -4146,7 +4104,7 @@
         </p:nvSpPr>
         <p:spPr>
           <a:xfrm>
-            <a:off x="3807914" y="2123446"/>
+            <a:off x="4345540" y="2078332"/>
             <a:ext cx="1156969" cy="346760"/>
           </a:xfrm>
           <a:prstGeom prst="rect">
@@ -4202,7 +4160,7 @@
         </p:nvSpPr>
         <p:spPr>
           <a:xfrm>
-            <a:off x="3305200" y="1950066"/>
+            <a:off x="3842826" y="1904952"/>
             <a:ext cx="236048" cy="173380"/>
           </a:xfrm>
           <a:prstGeom prst="flowChartDecision">
@@ -4252,7 +4210,7 @@
         </p:nvCxnSpPr>
         <p:spPr>
           <a:xfrm>
-            <a:off x="3541248" y="2036756"/>
+            <a:off x="4078874" y="1991642"/>
             <a:ext cx="266666" cy="260070"/>
           </a:xfrm>
           <a:prstGeom prst="bentConnector3">
@@ -4290,7 +4248,7 @@
         </p:nvSpPr>
         <p:spPr>
           <a:xfrm>
-            <a:off x="3798225" y="1556644"/>
+            <a:off x="4335851" y="1511530"/>
             <a:ext cx="1156969" cy="346760"/>
           </a:xfrm>
           <a:prstGeom prst="rect">
@@ -4349,7 +4307,7 @@
         </p:nvCxnSpPr>
         <p:spPr>
           <a:xfrm flipV="1">
-            <a:off x="3541248" y="1730024"/>
+            <a:off x="4078874" y="1684910"/>
             <a:ext cx="256977" cy="306732"/>
           </a:xfrm>
           <a:prstGeom prst="bentConnector3">
@@ -4389,7 +4347,7 @@
         </p:nvSpPr>
         <p:spPr>
           <a:xfrm>
-            <a:off x="5634574" y="1797714"/>
+            <a:off x="6172200" y="1752600"/>
             <a:ext cx="708186" cy="346760"/>
           </a:xfrm>
           <a:prstGeom prst="rect">
@@ -4445,7 +4403,7 @@
         </p:nvSpPr>
         <p:spPr>
           <a:xfrm>
-            <a:off x="4964124" y="2220054"/>
+            <a:off x="5501750" y="2174940"/>
             <a:ext cx="236048" cy="173380"/>
           </a:xfrm>
           <a:prstGeom prst="flowChartDecision">
@@ -4493,7 +4451,7 @@
         </p:nvCxnSpPr>
         <p:spPr>
           <a:xfrm flipV="1">
-            <a:off x="5200172" y="1971094"/>
+            <a:off x="5737798" y="1925980"/>
             <a:ext cx="434402" cy="335650"/>
           </a:xfrm>
           <a:prstGeom prst="bentConnector3">
@@ -4531,7 +4489,7 @@
         </p:nvSpPr>
         <p:spPr>
           <a:xfrm>
-            <a:off x="4657002" y="1085407"/>
+            <a:off x="5194628" y="1040293"/>
             <a:ext cx="483700" cy="346760"/>
           </a:xfrm>
           <a:prstGeom prst="rect">
@@ -4587,7 +4545,7 @@
         </p:nvSpPr>
         <p:spPr>
           <a:xfrm rot="16200000">
-            <a:off x="4242563" y="1342615"/>
+            <a:off x="4780189" y="1297501"/>
             <a:ext cx="236048" cy="173380"/>
           </a:xfrm>
           <a:prstGeom prst="flowChartDecision">
@@ -4635,7 +4593,7 @@
         </p:nvCxnSpPr>
         <p:spPr>
           <a:xfrm rot="5400000" flipH="1" flipV="1">
-            <a:off x="4482547" y="1136827"/>
+            <a:off x="5020173" y="1091713"/>
             <a:ext cx="52494" cy="296415"/>
           </a:xfrm>
           <a:prstGeom prst="bentConnector2">
@@ -4645,707 +4603,6 @@
             <a:solidFill>
               <a:srgbClr val="7030A0"/>
             </a:solidFill>
-            <a:headEnd type="none" w="med" len="med"/>
-            <a:tailEnd type="arrow" w="med" len="med"/>
-          </a:ln>
-          <a:effectLst/>
-        </p:spPr>
-        <p:style>
-          <a:lnRef idx="1">
-            <a:schemeClr val="accent2"/>
-          </a:lnRef>
-          <a:fillRef idx="2">
-            <a:schemeClr val="accent2"/>
-          </a:fillRef>
-          <a:effectRef idx="1">
-            <a:schemeClr val="accent2"/>
-          </a:effectRef>
-          <a:fontRef idx="minor">
-            <a:schemeClr val="dk1"/>
-          </a:fontRef>
-        </p:style>
-      </p:cxnSp>
-      <p:sp>
-        <p:nvSpPr>
-          <p:cNvPr id="72" name="Rectangle 8"/>
-          <p:cNvSpPr/>
-          <p:nvPr/>
-        </p:nvSpPr>
-        <p:spPr>
-          <a:xfrm>
-            <a:off x="5276018" y="890004"/>
-            <a:ext cx="1156969" cy="346760"/>
-          </a:xfrm>
-          <a:prstGeom prst="rect">
-            <a:avLst/>
-          </a:prstGeom>
-          <a:ln w="19050">
-            <a:solidFill>
-              <a:srgbClr val="7030A0"/>
-            </a:solidFill>
-          </a:ln>
-          <a:effectLst/>
-        </p:spPr>
-        <p:style>
-          <a:lnRef idx="1">
-            <a:schemeClr val="accent4"/>
-          </a:lnRef>
-          <a:fillRef idx="2">
-            <a:schemeClr val="accent4"/>
-          </a:fillRef>
-          <a:effectRef idx="1">
-            <a:schemeClr val="accent4"/>
-          </a:effectRef>
-          <a:fontRef idx="minor">
-            <a:schemeClr val="dk1"/>
-          </a:fontRef>
-        </p:style>
-        <p:txBody>
-          <a:bodyPr rtlCol="0" anchor="ctr"/>
-          <a:lstStyle/>
-          <a:p>
-            <a:pPr algn="ctr"/>
-            <a:r>
-              <a:rPr lang="en-US" sz="1050" dirty="0">
-                <a:solidFill>
-                  <a:srgbClr val="7030A0"/>
-                </a:solidFill>
-              </a:rPr>
-              <a:t>&lt;&lt;interface&gt;&gt;</a:t>
-            </a:r>
-            <a:br>
-              <a:rPr lang="en-US" sz="1050" dirty="0">
-                <a:solidFill>
-                  <a:srgbClr val="7030A0"/>
-                </a:solidFill>
-              </a:rPr>
-            </a:br>
-            <a:r>
-              <a:rPr lang="en-US" sz="1050" dirty="0" err="1">
-                <a:solidFill>
-                  <a:srgbClr val="7030A0"/>
-                </a:solidFill>
-              </a:rPr>
-              <a:t>ReadOnlyTask</a:t>
-            </a:r>
-            <a:endParaRPr lang="en-SG" sz="1050" dirty="0">
-              <a:solidFill>
-                <a:srgbClr val="7030A0"/>
-              </a:solidFill>
-            </a:endParaRPr>
-          </a:p>
-        </p:txBody>
-      </p:sp>
-      <p:sp>
-        <p:nvSpPr>
-          <p:cNvPr id="76" name="Rectangle 8"/>
-          <p:cNvSpPr/>
-          <p:nvPr/>
-        </p:nvSpPr>
-        <p:spPr>
-          <a:xfrm>
-            <a:off x="6977250" y="1131028"/>
-            <a:ext cx="846023" cy="257001"/>
-          </a:xfrm>
-          <a:prstGeom prst="rect">
-            <a:avLst/>
-          </a:prstGeom>
-          <a:ln w="19050">
-            <a:solidFill>
-              <a:srgbClr val="7030A0"/>
-            </a:solidFill>
-          </a:ln>
-          <a:effectLst/>
-        </p:spPr>
-        <p:style>
-          <a:lnRef idx="1">
-            <a:schemeClr val="accent4"/>
-          </a:lnRef>
-          <a:fillRef idx="2">
-            <a:schemeClr val="accent4"/>
-          </a:fillRef>
-          <a:effectRef idx="1">
-            <a:schemeClr val="accent4"/>
-          </a:effectRef>
-          <a:fontRef idx="minor">
-            <a:schemeClr val="dk1"/>
-          </a:fontRef>
-        </p:style>
-        <p:txBody>
-          <a:bodyPr rtlCol="0" anchor="ctr"/>
-          <a:lstStyle/>
-          <a:p>
-            <a:pPr algn="ctr"/>
-            <a:r>
-              <a:rPr lang="en-US" sz="1050" dirty="0">
-                <a:solidFill>
-                  <a:srgbClr val="7030A0"/>
-                </a:solidFill>
-              </a:rPr>
-              <a:t>Priority</a:t>
-            </a:r>
-            <a:endParaRPr lang="en-SG" sz="1050" dirty="0">
-              <a:solidFill>
-                <a:srgbClr val="7030A0"/>
-              </a:solidFill>
-            </a:endParaRPr>
-          </a:p>
-        </p:txBody>
-      </p:sp>
-      <p:sp>
-        <p:nvSpPr>
-          <p:cNvPr id="78" name="Flowchart: Decision 96"/>
-          <p:cNvSpPr/>
-          <p:nvPr/>
-        </p:nvSpPr>
-        <p:spPr>
-          <a:xfrm>
-            <a:off x="6345493" y="1904323"/>
-            <a:ext cx="246680" cy="137880"/>
-          </a:xfrm>
-          <a:prstGeom prst="flowChartDecision">
-            <a:avLst/>
-          </a:prstGeom>
-          <a:solidFill>
-            <a:srgbClr val="7030A0"/>
-          </a:solidFill>
-          <a:ln w="19050">
-            <a:solidFill>
-              <a:srgbClr val="7030A0"/>
-            </a:solidFill>
-          </a:ln>
-          <a:effectLst/>
-        </p:spPr>
-        <p:style>
-          <a:lnRef idx="1">
-            <a:schemeClr val="accent6"/>
-          </a:lnRef>
-          <a:fillRef idx="2">
-            <a:schemeClr val="accent6"/>
-          </a:fillRef>
-          <a:effectRef idx="1">
-            <a:schemeClr val="accent6"/>
-          </a:effectRef>
-          <a:fontRef idx="minor">
-            <a:schemeClr val="dk1"/>
-          </a:fontRef>
-        </p:style>
-        <p:txBody>
-          <a:bodyPr rtlCol="0" anchor="ctr"/>
-          <a:lstStyle/>
-          <a:p>
-            <a:pPr algn="ctr"/>
-            <a:endParaRPr lang="en-US" sz="1050"/>
-          </a:p>
-        </p:txBody>
-      </p:sp>
-      <p:cxnSp>
-        <p:nvCxnSpPr>
-          <p:cNvPr id="79" name="Elbow Connector 78"/>
-          <p:cNvCxnSpPr>
-            <a:cxnSpLocks/>
-            <a:stCxn id="78" idx="3"/>
-            <a:endCxn id="76" idx="1"/>
-          </p:cNvCxnSpPr>
-          <p:nvPr/>
-        </p:nvCxnSpPr>
-        <p:spPr>
-          <a:xfrm flipV="1">
-            <a:off x="6592173" y="1259529"/>
-            <a:ext cx="385077" cy="713734"/>
-          </a:xfrm>
-          <a:prstGeom prst="bentConnector3">
-            <a:avLst/>
-          </a:prstGeom>
-          <a:ln w="19050">
-            <a:solidFill>
-              <a:srgbClr val="7030A0"/>
-            </a:solidFill>
-            <a:headEnd type="none" w="med" len="med"/>
-            <a:tailEnd type="arrow" w="med" len="med"/>
-          </a:ln>
-          <a:effectLst/>
-        </p:spPr>
-        <p:style>
-          <a:lnRef idx="1">
-            <a:schemeClr val="accent2"/>
-          </a:lnRef>
-          <a:fillRef idx="2">
-            <a:schemeClr val="accent2"/>
-          </a:fillRef>
-          <a:effectRef idx="1">
-            <a:schemeClr val="accent2"/>
-          </a:effectRef>
-          <a:fontRef idx="minor">
-            <a:schemeClr val="dk1"/>
-          </a:fontRef>
-        </p:style>
-      </p:cxnSp>
-      <p:sp>
-        <p:nvSpPr>
-          <p:cNvPr id="80" name="Rectangle 8"/>
-          <p:cNvSpPr/>
-          <p:nvPr/>
-        </p:nvSpPr>
-        <p:spPr>
-          <a:xfrm>
-            <a:off x="6977251" y="1467303"/>
-            <a:ext cx="846022" cy="243705"/>
-          </a:xfrm>
-          <a:prstGeom prst="rect">
-            <a:avLst/>
-          </a:prstGeom>
-          <a:ln w="19050">
-            <a:solidFill>
-              <a:srgbClr val="7030A0"/>
-            </a:solidFill>
-          </a:ln>
-          <a:effectLst/>
-        </p:spPr>
-        <p:style>
-          <a:lnRef idx="1">
-            <a:schemeClr val="accent4"/>
-          </a:lnRef>
-          <a:fillRef idx="2">
-            <a:schemeClr val="accent4"/>
-          </a:fillRef>
-          <a:effectRef idx="1">
-            <a:schemeClr val="accent4"/>
-          </a:effectRef>
-          <a:fontRef idx="minor">
-            <a:schemeClr val="dk1"/>
-          </a:fontRef>
-        </p:style>
-        <p:txBody>
-          <a:bodyPr rtlCol="0" anchor="ctr"/>
-          <a:lstStyle/>
-          <a:p>
-            <a:pPr algn="ctr"/>
-            <a:r>
-              <a:rPr lang="en-US" sz="1050" dirty="0">
-                <a:solidFill>
-                  <a:srgbClr val="7030A0"/>
-                </a:solidFill>
-              </a:rPr>
-              <a:t>Deadline</a:t>
-            </a:r>
-            <a:endParaRPr lang="en-SG" sz="1050" dirty="0">
-              <a:solidFill>
-                <a:srgbClr val="7030A0"/>
-              </a:solidFill>
-            </a:endParaRPr>
-          </a:p>
-        </p:txBody>
-      </p:sp>
-      <p:cxnSp>
-        <p:nvCxnSpPr>
-          <p:cNvPr id="81" name="Elbow Connector 80"/>
-          <p:cNvCxnSpPr>
-            <a:cxnSpLocks/>
-            <a:stCxn id="78" idx="3"/>
-            <a:endCxn id="80" idx="1"/>
-          </p:cNvCxnSpPr>
-          <p:nvPr/>
-        </p:nvCxnSpPr>
-        <p:spPr>
-          <a:xfrm flipV="1">
-            <a:off x="6592173" y="1589156"/>
-            <a:ext cx="385078" cy="384107"/>
-          </a:xfrm>
-          <a:prstGeom prst="bentConnector3">
-            <a:avLst/>
-          </a:prstGeom>
-          <a:ln w="19050">
-            <a:solidFill>
-              <a:srgbClr val="7030A0"/>
-            </a:solidFill>
-            <a:headEnd type="none" w="med" len="med"/>
-            <a:tailEnd type="arrow" w="med" len="med"/>
-          </a:ln>
-          <a:effectLst/>
-        </p:spPr>
-        <p:style>
-          <a:lnRef idx="1">
-            <a:schemeClr val="accent2"/>
-          </a:lnRef>
-          <a:fillRef idx="2">
-            <a:schemeClr val="accent2"/>
-          </a:fillRef>
-          <a:effectRef idx="1">
-            <a:schemeClr val="accent2"/>
-          </a:effectRef>
-          <a:fontRef idx="minor">
-            <a:schemeClr val="dk1"/>
-          </a:fontRef>
-        </p:style>
-      </p:cxnSp>
-      <p:sp>
-        <p:nvSpPr>
-          <p:cNvPr id="83" name="Rectangle 8"/>
-          <p:cNvSpPr/>
-          <p:nvPr/>
-        </p:nvSpPr>
-        <p:spPr>
-          <a:xfrm>
-            <a:off x="8162708" y="1937170"/>
-            <a:ext cx="846022" cy="243705"/>
-          </a:xfrm>
-          <a:prstGeom prst="rect">
-            <a:avLst/>
-          </a:prstGeom>
-          <a:ln w="19050">
-            <a:solidFill>
-              <a:srgbClr val="7030A0"/>
-            </a:solidFill>
-          </a:ln>
-          <a:effectLst/>
-        </p:spPr>
-        <p:style>
-          <a:lnRef idx="1">
-            <a:schemeClr val="accent4"/>
-          </a:lnRef>
-          <a:fillRef idx="2">
-            <a:schemeClr val="accent4"/>
-          </a:fillRef>
-          <a:effectRef idx="1">
-            <a:schemeClr val="accent4"/>
-          </a:effectRef>
-          <a:fontRef idx="minor">
-            <a:schemeClr val="dk1"/>
-          </a:fontRef>
-        </p:style>
-        <p:txBody>
-          <a:bodyPr rtlCol="0" anchor="ctr"/>
-          <a:lstStyle/>
-          <a:p>
-            <a:pPr algn="ctr"/>
-            <a:r>
-              <a:rPr lang="en-US" sz="1050" dirty="0">
-                <a:solidFill>
-                  <a:srgbClr val="7030A0"/>
-                </a:solidFill>
-              </a:rPr>
-              <a:t>Name</a:t>
-            </a:r>
-            <a:endParaRPr lang="en-SG" sz="1050" dirty="0">
-              <a:solidFill>
-                <a:srgbClr val="7030A0"/>
-              </a:solidFill>
-            </a:endParaRPr>
-          </a:p>
-        </p:txBody>
-      </p:sp>
-      <p:sp>
-        <p:nvSpPr>
-          <p:cNvPr id="85" name="Rectangle 8"/>
-          <p:cNvSpPr/>
-          <p:nvPr/>
-        </p:nvSpPr>
-        <p:spPr>
-          <a:xfrm>
-            <a:off x="8142592" y="2445597"/>
-            <a:ext cx="846022" cy="243704"/>
-          </a:xfrm>
-          <a:prstGeom prst="rect">
-            <a:avLst/>
-          </a:prstGeom>
-          <a:ln w="19050">
-            <a:solidFill>
-              <a:srgbClr val="7030A0"/>
-            </a:solidFill>
-          </a:ln>
-          <a:effectLst/>
-        </p:spPr>
-        <p:style>
-          <a:lnRef idx="1">
-            <a:schemeClr val="accent4"/>
-          </a:lnRef>
-          <a:fillRef idx="2">
-            <a:schemeClr val="accent4"/>
-          </a:fillRef>
-          <a:effectRef idx="1">
-            <a:schemeClr val="accent4"/>
-          </a:effectRef>
-          <a:fontRef idx="minor">
-            <a:schemeClr val="dk1"/>
-          </a:fontRef>
-        </p:style>
-        <p:txBody>
-          <a:bodyPr rtlCol="0" anchor="ctr"/>
-          <a:lstStyle/>
-          <a:p>
-            <a:pPr algn="ctr"/>
-            <a:r>
-              <a:rPr lang="en-US" sz="1050" dirty="0">
-                <a:solidFill>
-                  <a:srgbClr val="7030A0"/>
-                </a:solidFill>
-              </a:rPr>
-              <a:t>Description</a:t>
-            </a:r>
-            <a:endParaRPr lang="en-SG" sz="1050" dirty="0">
-              <a:solidFill>
-                <a:srgbClr val="7030A0"/>
-              </a:solidFill>
-            </a:endParaRPr>
-          </a:p>
-        </p:txBody>
-      </p:sp>
-      <p:cxnSp>
-        <p:nvCxnSpPr>
-          <p:cNvPr id="97" name="Elbow Connector 63"/>
-          <p:cNvCxnSpPr>
-            <a:stCxn id="99" idx="3"/>
-          </p:cNvCxnSpPr>
-          <p:nvPr/>
-        </p:nvCxnSpPr>
-        <p:spPr>
-          <a:xfrm rot="16200000" flipH="1">
-            <a:off x="2600218" y="1761506"/>
-            <a:ext cx="293825" cy="1"/>
-          </a:xfrm>
-          <a:prstGeom prst="bentConnector3">
-            <a:avLst>
-              <a:gd name="adj1" fmla="val 50000"/>
-            </a:avLst>
-          </a:prstGeom>
-          <a:ln w="19050">
-            <a:solidFill>
-              <a:srgbClr val="7030A0"/>
-            </a:solidFill>
-            <a:prstDash val="sysDot"/>
-            <a:headEnd type="none" w="med" len="med"/>
-            <a:tailEnd type="none" w="med" len="med"/>
-          </a:ln>
-          <a:effectLst/>
-        </p:spPr>
-        <p:style>
-          <a:lnRef idx="1">
-            <a:schemeClr val="accent2"/>
-          </a:lnRef>
-          <a:fillRef idx="2">
-            <a:schemeClr val="accent2"/>
-          </a:fillRef>
-          <a:effectRef idx="1">
-            <a:schemeClr val="accent2"/>
-          </a:effectRef>
-          <a:fontRef idx="minor">
-            <a:schemeClr val="dk1"/>
-          </a:fontRef>
-        </p:style>
-      </p:cxnSp>
-      <p:sp>
-        <p:nvSpPr>
-          <p:cNvPr id="99" name="Isosceles Triangle 102"/>
-          <p:cNvSpPr/>
-          <p:nvPr/>
-        </p:nvSpPr>
-        <p:spPr>
-          <a:xfrm rot="10800000" flipV="1">
-            <a:off x="2611878" y="1439072"/>
-            <a:ext cx="270504" cy="175523"/>
-          </a:xfrm>
-          <a:prstGeom prst="triangle">
-            <a:avLst/>
-          </a:prstGeom>
-          <a:ln w="19050">
-            <a:solidFill>
-              <a:srgbClr val="7030A0"/>
-            </a:solidFill>
-          </a:ln>
-          <a:effectLst/>
-        </p:spPr>
-        <p:style>
-          <a:lnRef idx="1">
-            <a:schemeClr val="accent4"/>
-          </a:lnRef>
-          <a:fillRef idx="2">
-            <a:schemeClr val="accent4"/>
-          </a:fillRef>
-          <a:effectRef idx="1">
-            <a:schemeClr val="accent4"/>
-          </a:effectRef>
-          <a:fontRef idx="minor">
-            <a:schemeClr val="dk1"/>
-          </a:fontRef>
-        </p:style>
-        <p:txBody>
-          <a:bodyPr rtlCol="0" anchor="ctr"/>
-          <a:lstStyle/>
-          <a:p>
-            <a:pPr algn="ctr"/>
-            <a:endParaRPr lang="en-SG" sz="1050" b="1">
-              <a:solidFill>
-                <a:srgbClr val="92D050"/>
-              </a:solidFill>
-            </a:endParaRPr>
-          </a:p>
-        </p:txBody>
-      </p:sp>
-      <p:sp>
-        <p:nvSpPr>
-          <p:cNvPr id="100" name="Rectangle 8"/>
-          <p:cNvSpPr/>
-          <p:nvPr/>
-        </p:nvSpPr>
-        <p:spPr>
-          <a:xfrm>
-            <a:off x="1981200" y="1082545"/>
-            <a:ext cx="1539926" cy="346760"/>
-          </a:xfrm>
-          <a:prstGeom prst="rect">
-            <a:avLst/>
-          </a:prstGeom>
-          <a:ln w="19050">
-            <a:solidFill>
-              <a:srgbClr val="7030A0"/>
-            </a:solidFill>
-          </a:ln>
-          <a:effectLst/>
-        </p:spPr>
-        <p:style>
-          <a:lnRef idx="1">
-            <a:schemeClr val="accent4"/>
-          </a:lnRef>
-          <a:fillRef idx="2">
-            <a:schemeClr val="accent4"/>
-          </a:fillRef>
-          <a:effectRef idx="1">
-            <a:schemeClr val="accent4"/>
-          </a:effectRef>
-          <a:fontRef idx="minor">
-            <a:schemeClr val="dk1"/>
-          </a:fontRef>
-        </p:style>
-        <p:txBody>
-          <a:bodyPr rtlCol="0" anchor="ctr"/>
-          <a:lstStyle/>
-          <a:p>
-            <a:pPr algn="ctr"/>
-            <a:r>
-              <a:rPr lang="en-US" sz="1050" dirty="0">
-                <a:solidFill>
-                  <a:srgbClr val="7030A0"/>
-                </a:solidFill>
-              </a:rPr>
-              <a:t>&lt;&lt;interface&gt;&gt;</a:t>
-            </a:r>
-            <a:br>
-              <a:rPr lang="en-US" sz="1050" dirty="0">
-                <a:solidFill>
-                  <a:srgbClr val="7030A0"/>
-                </a:solidFill>
-              </a:rPr>
-            </a:br>
-            <a:r>
-              <a:rPr lang="en-US" sz="1050" dirty="0" err="1">
-                <a:solidFill>
-                  <a:srgbClr val="7030A0"/>
-                </a:solidFill>
-              </a:rPr>
-              <a:t>ReadOnlyUserInbox</a:t>
-            </a:r>
-            <a:endParaRPr lang="en-SG" sz="1050" dirty="0">
-              <a:solidFill>
-                <a:srgbClr val="7030A0"/>
-              </a:solidFill>
-            </a:endParaRPr>
-          </a:p>
-        </p:txBody>
-      </p:sp>
-      <p:sp>
-        <p:nvSpPr>
-          <p:cNvPr id="122" name="Rectangle 8"/>
-          <p:cNvSpPr/>
-          <p:nvPr/>
-        </p:nvSpPr>
-        <p:spPr>
-          <a:xfrm>
-            <a:off x="1378297" y="3515566"/>
-            <a:ext cx="1775949" cy="346760"/>
-          </a:xfrm>
-          <a:prstGeom prst="rect">
-            <a:avLst/>
-          </a:prstGeom>
-          <a:ln w="19050">
-            <a:solidFill>
-              <a:srgbClr val="7030A0"/>
-            </a:solidFill>
-          </a:ln>
-          <a:effectLst/>
-        </p:spPr>
-        <p:style>
-          <a:lnRef idx="1">
-            <a:schemeClr val="accent4"/>
-          </a:lnRef>
-          <a:fillRef idx="2">
-            <a:schemeClr val="accent4"/>
-          </a:fillRef>
-          <a:effectRef idx="1">
-            <a:schemeClr val="accent4"/>
-          </a:effectRef>
-          <a:fontRef idx="minor">
-            <a:schemeClr val="dk1"/>
-          </a:fontRef>
-        </p:style>
-        <p:txBody>
-          <a:bodyPr rtlCol="0" anchor="ctr"/>
-          <a:lstStyle/>
-          <a:p>
-            <a:pPr algn="ctr"/>
-            <a:r>
-              <a:rPr lang="en-US" sz="1050" dirty="0">
-                <a:solidFill>
-                  <a:srgbClr val="7030A0"/>
-                </a:solidFill>
-              </a:rPr>
-              <a:t>&lt;&lt;interface&gt;&gt;</a:t>
-            </a:r>
-            <a:br>
-              <a:rPr lang="en-US" sz="1050" dirty="0">
-                <a:solidFill>
-                  <a:srgbClr val="7030A0"/>
-                </a:solidFill>
-              </a:rPr>
-            </a:br>
-            <a:r>
-              <a:rPr lang="en-US" sz="1050" dirty="0" err="1">
-                <a:solidFill>
-                  <a:srgbClr val="7030A0"/>
-                </a:solidFill>
-              </a:rPr>
-              <a:t>UnmodifiableObservableList</a:t>
-            </a:r>
-            <a:endParaRPr lang="en-SG" sz="1050" dirty="0">
-              <a:solidFill>
-                <a:srgbClr val="7030A0"/>
-              </a:solidFill>
-            </a:endParaRPr>
-          </a:p>
-        </p:txBody>
-      </p:sp>
-      <p:cxnSp>
-        <p:nvCxnSpPr>
-          <p:cNvPr id="124" name="Elbow Connector 122"/>
-          <p:cNvCxnSpPr>
-            <a:stCxn id="119" idx="1"/>
-            <a:endCxn id="122" idx="1"/>
-          </p:cNvCxnSpPr>
-          <p:nvPr/>
-        </p:nvCxnSpPr>
-        <p:spPr>
-          <a:xfrm rot="16200000" flipH="1">
-            <a:off x="685372" y="2996020"/>
-            <a:ext cx="831471" cy="554380"/>
-          </a:xfrm>
-          <a:prstGeom prst="bentConnector2">
-            <a:avLst/>
-          </a:prstGeom>
-          <a:ln w="19050">
-            <a:solidFill>
-              <a:srgbClr val="7030A0"/>
-            </a:solidFill>
-            <a:prstDash val="sysDot"/>
             <a:headEnd type="none" w="med" len="med"/>
             <a:tailEnd type="arrow" w="med" len="med"/>
           </a:ln>
@@ -5368,27 +4625,29 @@
       </p:cxnSp>
       <p:cxnSp>
         <p:nvCxnSpPr>
-          <p:cNvPr id="50" name="Elbow Connector 49"/>
+          <p:cNvPr id="97" name="Elbow Connector 63"/>
           <p:cNvCxnSpPr>
-            <a:stCxn id="62" idx="0"/>
-            <a:endCxn id="57" idx="3"/>
+            <a:stCxn id="99" idx="3"/>
           </p:cNvCxnSpPr>
           <p:nvPr/>
         </p:nvCxnSpPr>
         <p:spPr>
-          <a:xfrm rot="16200000" flipV="1">
-            <a:off x="5438086" y="1247132"/>
-            <a:ext cx="67690" cy="1033473"/>
-          </a:xfrm>
-          <a:prstGeom prst="bentConnector2">
-            <a:avLst/>
+          <a:xfrm rot="16200000" flipH="1">
+            <a:off x="3137844" y="1716392"/>
+            <a:ext cx="293825" cy="1"/>
+          </a:xfrm>
+          <a:prstGeom prst="bentConnector3">
+            <a:avLst>
+              <a:gd name="adj1" fmla="val 50000"/>
+            </a:avLst>
           </a:prstGeom>
           <a:ln w="19050">
             <a:solidFill>
               <a:srgbClr val="7030A0"/>
             </a:solidFill>
+            <a:prstDash val="sysDot"/>
             <a:headEnd type="none" w="med" len="med"/>
-            <a:tailEnd type="arrow" w="med" len="med"/>
+            <a:tailEnd type="none" w="med" len="med"/>
           </a:ln>
           <a:effectLst/>
         </p:spPr>
@@ -5409,328 +4668,16 @@
       </p:cxnSp>
       <p:sp>
         <p:nvSpPr>
-          <p:cNvPr id="11" name="TextBox 10"/>
-          <p:cNvSpPr txBox="1"/>
-          <p:nvPr/>
-        </p:nvSpPr>
-        <p:spPr>
-          <a:xfrm>
-            <a:off x="3645869" y="1467303"/>
-            <a:ext cx="189257" cy="178683"/>
-          </a:xfrm>
-          <a:prstGeom prst="rect">
-            <a:avLst/>
-          </a:prstGeom>
-          <a:noFill/>
-        </p:spPr>
-        <p:txBody>
-          <a:bodyPr wrap="square" lIns="0" tIns="0" rIns="0" bIns="0" rtlCol="0">
-            <a:noAutofit/>
-          </a:bodyPr>
-          <a:lstStyle/>
-          <a:p>
-            <a:pPr algn="ctr"/>
-            <a:r>
-              <a:rPr lang="en-US" sz="1100" dirty="0">
-                <a:solidFill>
-                  <a:srgbClr val="7030A0"/>
-                </a:solidFill>
-              </a:rPr>
-              <a:t>1</a:t>
-            </a:r>
-            <a:endParaRPr lang="en-SG" sz="1100" dirty="0">
-              <a:solidFill>
-                <a:srgbClr val="7030A0"/>
-              </a:solidFill>
-            </a:endParaRPr>
-          </a:p>
-        </p:txBody>
-      </p:sp>
-      <p:sp>
-        <p:nvSpPr>
-          <p:cNvPr id="54" name="TextBox 53"/>
-          <p:cNvSpPr txBox="1"/>
-          <p:nvPr/>
-        </p:nvSpPr>
-        <p:spPr>
-          <a:xfrm>
-            <a:off x="3645869" y="2334939"/>
-            <a:ext cx="189257" cy="178683"/>
-          </a:xfrm>
-          <a:prstGeom prst="rect">
-            <a:avLst/>
-          </a:prstGeom>
-          <a:noFill/>
-        </p:spPr>
-        <p:txBody>
-          <a:bodyPr wrap="square" lIns="0" tIns="0" rIns="0" bIns="0" rtlCol="0">
-            <a:noAutofit/>
-          </a:bodyPr>
-          <a:lstStyle/>
-          <a:p>
-            <a:pPr algn="ctr"/>
-            <a:r>
-              <a:rPr lang="en-US" sz="1100" dirty="0">
-                <a:solidFill>
-                  <a:srgbClr val="7030A0"/>
-                </a:solidFill>
-              </a:rPr>
-              <a:t>1</a:t>
-            </a:r>
-            <a:endParaRPr lang="en-SG" sz="1100" dirty="0">
-              <a:solidFill>
-                <a:srgbClr val="7030A0"/>
-              </a:solidFill>
-            </a:endParaRPr>
-          </a:p>
-        </p:txBody>
-      </p:sp>
-      <p:sp>
-        <p:nvSpPr>
-          <p:cNvPr id="56" name="TextBox 55"/>
-          <p:cNvSpPr txBox="1"/>
-          <p:nvPr/>
-        </p:nvSpPr>
-        <p:spPr>
-          <a:xfrm>
-            <a:off x="5010658" y="1771488"/>
-            <a:ext cx="189257" cy="178683"/>
-          </a:xfrm>
-          <a:prstGeom prst="rect">
-            <a:avLst/>
-          </a:prstGeom>
-          <a:noFill/>
-        </p:spPr>
-        <p:txBody>
-          <a:bodyPr wrap="square" lIns="0" tIns="0" rIns="0" bIns="0" rtlCol="0">
-            <a:noAutofit/>
-          </a:bodyPr>
-          <a:lstStyle/>
-          <a:p>
-            <a:pPr algn="ctr"/>
-            <a:r>
-              <a:rPr lang="en-US" sz="1100" dirty="0">
-                <a:solidFill>
-                  <a:srgbClr val="7030A0"/>
-                </a:solidFill>
-              </a:rPr>
-              <a:t>1</a:t>
-            </a:r>
-            <a:endParaRPr lang="en-SG" sz="1100" dirty="0">
-              <a:solidFill>
-                <a:srgbClr val="7030A0"/>
-              </a:solidFill>
-            </a:endParaRPr>
-          </a:p>
-        </p:txBody>
-      </p:sp>
-      <p:sp>
-        <p:nvSpPr>
-          <p:cNvPr id="60" name="TextBox 59"/>
-          <p:cNvSpPr txBox="1"/>
-          <p:nvPr/>
-        </p:nvSpPr>
-        <p:spPr>
-          <a:xfrm>
-            <a:off x="4484069" y="1054994"/>
-            <a:ext cx="189257" cy="178683"/>
-          </a:xfrm>
-          <a:prstGeom prst="rect">
-            <a:avLst/>
-          </a:prstGeom>
-          <a:noFill/>
-        </p:spPr>
-        <p:txBody>
-          <a:bodyPr wrap="square" lIns="0" tIns="0" rIns="0" bIns="0" rtlCol="0">
-            <a:noAutofit/>
-          </a:bodyPr>
-          <a:lstStyle/>
-          <a:p>
-            <a:pPr algn="ctr"/>
-            <a:r>
-              <a:rPr lang="en-US" sz="1100" dirty="0">
-                <a:solidFill>
-                  <a:srgbClr val="7030A0"/>
-                </a:solidFill>
-              </a:rPr>
-              <a:t>*</a:t>
-            </a:r>
-            <a:endParaRPr lang="en-SG" sz="1100" dirty="0">
-              <a:solidFill>
-                <a:srgbClr val="7030A0"/>
-              </a:solidFill>
-            </a:endParaRPr>
-          </a:p>
-        </p:txBody>
-      </p:sp>
-      <p:sp>
-        <p:nvSpPr>
-          <p:cNvPr id="61" name="TextBox 60"/>
-          <p:cNvSpPr txBox="1"/>
-          <p:nvPr/>
-        </p:nvSpPr>
-        <p:spPr>
-          <a:xfrm>
-            <a:off x="5475395" y="2018996"/>
-            <a:ext cx="189257" cy="178683"/>
-          </a:xfrm>
-          <a:prstGeom prst="rect">
-            <a:avLst/>
-          </a:prstGeom>
-          <a:noFill/>
-        </p:spPr>
-        <p:txBody>
-          <a:bodyPr wrap="square" lIns="0" tIns="0" rIns="0" bIns="0" rtlCol="0">
-            <a:noAutofit/>
-          </a:bodyPr>
-          <a:lstStyle/>
-          <a:p>
-            <a:pPr algn="ctr"/>
-            <a:r>
-              <a:rPr lang="en-US" sz="1100" dirty="0">
-                <a:solidFill>
-                  <a:srgbClr val="7030A0"/>
-                </a:solidFill>
-              </a:rPr>
-              <a:t>*</a:t>
-            </a:r>
-            <a:endParaRPr lang="en-SG" sz="1100" dirty="0">
-              <a:solidFill>
-                <a:srgbClr val="7030A0"/>
-              </a:solidFill>
-            </a:endParaRPr>
-          </a:p>
-        </p:txBody>
-      </p:sp>
-      <p:sp>
-        <p:nvSpPr>
-          <p:cNvPr id="65" name="TextBox 64"/>
-          <p:cNvSpPr txBox="1"/>
-          <p:nvPr/>
-        </p:nvSpPr>
-        <p:spPr>
-          <a:xfrm>
-            <a:off x="2008820" y="1840313"/>
-            <a:ext cx="189257" cy="178683"/>
-          </a:xfrm>
-          <a:prstGeom prst="rect">
-            <a:avLst/>
-          </a:prstGeom>
-          <a:noFill/>
-        </p:spPr>
-        <p:txBody>
-          <a:bodyPr wrap="square" lIns="0" tIns="0" rIns="0" bIns="0" rtlCol="0">
-            <a:noAutofit/>
-          </a:bodyPr>
-          <a:lstStyle/>
-          <a:p>
-            <a:pPr algn="ctr"/>
-            <a:r>
-              <a:rPr lang="en-US" sz="1100" dirty="0">
-                <a:solidFill>
-                  <a:srgbClr val="7030A0"/>
-                </a:solidFill>
-              </a:rPr>
-              <a:t>1</a:t>
-            </a:r>
-            <a:endParaRPr lang="en-SG" sz="1100" dirty="0">
-              <a:solidFill>
-                <a:srgbClr val="7030A0"/>
-              </a:solidFill>
-            </a:endParaRPr>
-          </a:p>
-        </p:txBody>
-      </p:sp>
-      <p:sp>
-        <p:nvSpPr>
-          <p:cNvPr id="66" name="TextBox 65"/>
-          <p:cNvSpPr txBox="1"/>
-          <p:nvPr/>
-        </p:nvSpPr>
-        <p:spPr>
-          <a:xfrm>
-            <a:off x="1977267" y="2662125"/>
-            <a:ext cx="189257" cy="178683"/>
-          </a:xfrm>
-          <a:prstGeom prst="rect">
-            <a:avLst/>
-          </a:prstGeom>
-          <a:noFill/>
-        </p:spPr>
-        <p:txBody>
-          <a:bodyPr wrap="square" lIns="0" tIns="0" rIns="0" bIns="0" rtlCol="0">
-            <a:noAutofit/>
-          </a:bodyPr>
-          <a:lstStyle/>
-          <a:p>
-            <a:pPr algn="ctr"/>
-            <a:r>
-              <a:rPr lang="en-US" sz="1100" dirty="0">
-                <a:solidFill>
-                  <a:srgbClr val="7030A0"/>
-                </a:solidFill>
-              </a:rPr>
-              <a:t>1</a:t>
-            </a:r>
-            <a:endParaRPr lang="en-SG" sz="1100" dirty="0">
-              <a:solidFill>
-                <a:srgbClr val="7030A0"/>
-              </a:solidFill>
-            </a:endParaRPr>
-          </a:p>
-        </p:txBody>
-      </p:sp>
-      <p:sp>
-        <p:nvSpPr>
-          <p:cNvPr id="70" name="TextBox 69"/>
-          <p:cNvSpPr txBox="1"/>
-          <p:nvPr/>
-        </p:nvSpPr>
-        <p:spPr>
-          <a:xfrm>
-            <a:off x="5791095" y="3035810"/>
-            <a:ext cx="189257" cy="178683"/>
-          </a:xfrm>
-          <a:prstGeom prst="rect">
-            <a:avLst/>
-          </a:prstGeom>
-          <a:noFill/>
-        </p:spPr>
-        <p:txBody>
-          <a:bodyPr wrap="square" lIns="0" tIns="0" rIns="0" bIns="0" rtlCol="0">
-            <a:noAutofit/>
-          </a:bodyPr>
-          <a:lstStyle/>
-          <a:p>
-            <a:pPr algn="ctr"/>
-            <a:r>
-              <a:rPr lang="en-US" sz="1100" dirty="0">
-                <a:solidFill>
-                  <a:srgbClr val="7030A0"/>
-                </a:solidFill>
-              </a:rPr>
-              <a:t>1</a:t>
-            </a:r>
-            <a:endParaRPr lang="en-SG" sz="1100" dirty="0">
-              <a:solidFill>
-                <a:srgbClr val="7030A0"/>
-              </a:solidFill>
-            </a:endParaRPr>
-          </a:p>
-        </p:txBody>
-      </p:sp>
-      <p:sp>
-        <p:nvSpPr>
-          <p:cNvPr id="55" name="Rectangle 8"/>
+          <p:cNvPr id="99" name="Isosceles Triangle 102"/>
           <p:cNvSpPr/>
           <p:nvPr/>
         </p:nvSpPr>
         <p:spPr>
-          <a:xfrm>
-            <a:off x="3807155" y="2655470"/>
-            <a:ext cx="1156969" cy="346760"/>
-          </a:xfrm>
-          <a:prstGeom prst="rect">
+          <a:xfrm rot="10800000" flipV="1">
+            <a:off x="3149504" y="1393958"/>
+            <a:ext cx="270504" cy="175523"/>
+          </a:xfrm>
+          <a:prstGeom prst="triangle">
             <a:avLst/>
           </a:prstGeom>
           <a:ln w="19050">
@@ -5759,13 +4706,76 @@
           <a:lstStyle/>
           <a:p>
             <a:pPr algn="ctr"/>
+            <a:endParaRPr lang="en-SG" sz="1050" b="1">
+              <a:solidFill>
+                <a:srgbClr val="92D050"/>
+              </a:solidFill>
+            </a:endParaRPr>
+          </a:p>
+        </p:txBody>
+      </p:sp>
+      <p:sp>
+        <p:nvSpPr>
+          <p:cNvPr id="100" name="Rectangle 8"/>
+          <p:cNvSpPr/>
+          <p:nvPr/>
+        </p:nvSpPr>
+        <p:spPr>
+          <a:xfrm>
+            <a:off x="2518826" y="1037431"/>
+            <a:ext cx="1539926" cy="346760"/>
+          </a:xfrm>
+          <a:prstGeom prst="rect">
+            <a:avLst/>
+          </a:prstGeom>
+          <a:ln w="19050">
+            <a:solidFill>
+              <a:srgbClr val="7030A0"/>
+            </a:solidFill>
+          </a:ln>
+          <a:effectLst/>
+        </p:spPr>
+        <p:style>
+          <a:lnRef idx="1">
+            <a:schemeClr val="accent4"/>
+          </a:lnRef>
+          <a:fillRef idx="2">
+            <a:schemeClr val="accent4"/>
+          </a:fillRef>
+          <a:effectRef idx="1">
+            <a:schemeClr val="accent4"/>
+          </a:effectRef>
+          <a:fontRef idx="minor">
+            <a:schemeClr val="dk1"/>
+          </a:fontRef>
+        </p:style>
+        <p:txBody>
+          <a:bodyPr rtlCol="0" anchor="ctr"/>
+          <a:lstStyle/>
+          <a:p>
+            <a:pPr algn="ctr"/>
+            <a:r>
+              <a:rPr lang="en-US" sz="1050" dirty="0">
+                <a:solidFill>
+                  <a:srgbClr val="7030A0"/>
+                </a:solidFill>
+              </a:rPr>
+              <a:t>&lt;&lt;interface&gt;&gt;</a:t>
+            </a:r>
+            <a:br>
+              <a:rPr lang="en-US" sz="1050" dirty="0">
+                <a:solidFill>
+                  <a:srgbClr val="7030A0"/>
+                </a:solidFill>
+              </a:rPr>
+            </a:br>
             <a:r>
               <a:rPr lang="en-US" sz="1050" dirty="0" err="1">
                 <a:solidFill>
                   <a:srgbClr val="7030A0"/>
                 </a:solidFill>
               </a:rPr>
-              <a:t>UniqueEventList</a:t>
+              <a:t>ReadOnlyUserInbox</a:t>
             </a:r>
             <a:endParaRPr lang="en-SG" sz="1050" dirty="0">
               <a:solidFill>
@@ -5775,27 +4785,99 @@
           </a:p>
         </p:txBody>
       </p:sp>
-      <p:cxnSp>
-        <p:nvCxnSpPr>
-          <p:cNvPr id="73" name="Elbow Connector 29"/>
-          <p:cNvCxnSpPr>
-            <a:cxnSpLocks/>
-            <a:endCxn id="55" idx="1"/>
-          </p:cNvCxnSpPr>
+      <p:sp>
+        <p:nvSpPr>
+          <p:cNvPr id="122" name="Rectangle 8"/>
+          <p:cNvSpPr/>
           <p:nvPr/>
-        </p:nvCxnSpPr>
-        <p:spPr>
-          <a:xfrm rot="16200000" flipH="1">
-            <a:off x="3344746" y="2366441"/>
-            <a:ext cx="792094" cy="132723"/>
-          </a:xfrm>
-          <a:prstGeom prst="bentConnector2">
+        </p:nvSpPr>
+        <p:spPr>
+          <a:xfrm>
+            <a:off x="1915923" y="3470452"/>
+            <a:ext cx="1775949" cy="346760"/>
+          </a:xfrm>
+          <a:prstGeom prst="rect">
             <a:avLst/>
           </a:prstGeom>
           <a:ln w="19050">
             <a:solidFill>
               <a:srgbClr val="7030A0"/>
             </a:solidFill>
+          </a:ln>
+          <a:effectLst/>
+        </p:spPr>
+        <p:style>
+          <a:lnRef idx="1">
+            <a:schemeClr val="accent4"/>
+          </a:lnRef>
+          <a:fillRef idx="2">
+            <a:schemeClr val="accent4"/>
+          </a:fillRef>
+          <a:effectRef idx="1">
+            <a:schemeClr val="accent4"/>
+          </a:effectRef>
+          <a:fontRef idx="minor">
+            <a:schemeClr val="dk1"/>
+          </a:fontRef>
+        </p:style>
+        <p:txBody>
+          <a:bodyPr rtlCol="0" anchor="ctr"/>
+          <a:lstStyle/>
+          <a:p>
+            <a:pPr algn="ctr"/>
+            <a:r>
+              <a:rPr lang="en-US" sz="1050" dirty="0">
+                <a:solidFill>
+                  <a:srgbClr val="7030A0"/>
+                </a:solidFill>
+              </a:rPr>
+              <a:t>&lt;&lt;interface&gt;&gt;</a:t>
+            </a:r>
+            <a:br>
+              <a:rPr lang="en-US" sz="1050" dirty="0">
+                <a:solidFill>
+                  <a:srgbClr val="7030A0"/>
+                </a:solidFill>
+              </a:rPr>
+            </a:br>
+            <a:r>
+              <a:rPr lang="en-US" sz="1050" dirty="0" err="1">
+                <a:solidFill>
+                  <a:srgbClr val="7030A0"/>
+                </a:solidFill>
+              </a:rPr>
+              <a:t>UnmodifiableObservableList</a:t>
+            </a:r>
+            <a:endParaRPr lang="en-SG" sz="1050" dirty="0">
+              <a:solidFill>
+                <a:srgbClr val="7030A0"/>
+              </a:solidFill>
+            </a:endParaRPr>
+          </a:p>
+        </p:txBody>
+      </p:sp>
+      <p:cxnSp>
+        <p:nvCxnSpPr>
+          <p:cNvPr id="124" name="Elbow Connector 122"/>
+          <p:cNvCxnSpPr>
+            <a:stCxn id="119" idx="1"/>
+            <a:endCxn id="122" idx="1"/>
+          </p:cNvCxnSpPr>
+          <p:nvPr/>
+        </p:nvCxnSpPr>
+        <p:spPr>
+          <a:xfrm rot="16200000" flipH="1">
+            <a:off x="1222998" y="2950906"/>
+            <a:ext cx="831471" cy="554380"/>
+          </a:xfrm>
+          <a:prstGeom prst="bentConnector2">
+            <a:avLst/>
+          </a:prstGeom>
+          <a:ln w="19050">
+            <a:solidFill>
+              <a:srgbClr val="7030A0"/>
+            </a:solidFill>
+            <a:prstDash val="sysDot"/>
             <a:headEnd type="none" w="med" len="med"/>
             <a:tailEnd type="arrow" w="med" len="med"/>
           </a:ln>
@@ -5818,13 +4900,13 @@
       </p:cxnSp>
       <p:sp>
         <p:nvSpPr>
-          <p:cNvPr id="74" name="TextBox 73"/>
+          <p:cNvPr id="11" name="TextBox 10"/>
           <p:cNvSpPr txBox="1"/>
           <p:nvPr/>
         </p:nvSpPr>
         <p:spPr>
           <a:xfrm>
-            <a:off x="3645869" y="2892248"/>
+            <a:off x="4183495" y="1422189"/>
             <a:ext cx="189257" cy="178683"/>
           </a:xfrm>
           <a:prstGeom prst="rect">
@@ -5857,19 +4939,291 @@
       </p:sp>
       <p:sp>
         <p:nvSpPr>
-          <p:cNvPr id="77" name="Flowchart: Decision 96"/>
+          <p:cNvPr id="54" name="TextBox 53"/>
+          <p:cNvSpPr txBox="1"/>
+          <p:nvPr/>
+        </p:nvSpPr>
+        <p:spPr>
+          <a:xfrm>
+            <a:off x="4183495" y="2289825"/>
+            <a:ext cx="189257" cy="178683"/>
+          </a:xfrm>
+          <a:prstGeom prst="rect">
+            <a:avLst/>
+          </a:prstGeom>
+          <a:noFill/>
+        </p:spPr>
+        <p:txBody>
+          <a:bodyPr wrap="square" lIns="0" tIns="0" rIns="0" bIns="0" rtlCol="0">
+            <a:noAutofit/>
+          </a:bodyPr>
+          <a:lstStyle/>
+          <a:p>
+            <a:pPr algn="ctr"/>
+            <a:r>
+              <a:rPr lang="en-US" sz="1100" dirty="0">
+                <a:solidFill>
+                  <a:srgbClr val="7030A0"/>
+                </a:solidFill>
+              </a:rPr>
+              <a:t>1</a:t>
+            </a:r>
+            <a:endParaRPr lang="en-SG" sz="1100" dirty="0">
+              <a:solidFill>
+                <a:srgbClr val="7030A0"/>
+              </a:solidFill>
+            </a:endParaRPr>
+          </a:p>
+        </p:txBody>
+      </p:sp>
+      <p:sp>
+        <p:nvSpPr>
+          <p:cNvPr id="56" name="TextBox 55"/>
+          <p:cNvSpPr txBox="1"/>
+          <p:nvPr/>
+        </p:nvSpPr>
+        <p:spPr>
+          <a:xfrm>
+            <a:off x="5548284" y="1726374"/>
+            <a:ext cx="189257" cy="178683"/>
+          </a:xfrm>
+          <a:prstGeom prst="rect">
+            <a:avLst/>
+          </a:prstGeom>
+          <a:noFill/>
+        </p:spPr>
+        <p:txBody>
+          <a:bodyPr wrap="square" lIns="0" tIns="0" rIns="0" bIns="0" rtlCol="0">
+            <a:noAutofit/>
+          </a:bodyPr>
+          <a:lstStyle/>
+          <a:p>
+            <a:pPr algn="ctr"/>
+            <a:r>
+              <a:rPr lang="en-US" sz="1100" dirty="0">
+                <a:solidFill>
+                  <a:srgbClr val="7030A0"/>
+                </a:solidFill>
+              </a:rPr>
+              <a:t>1</a:t>
+            </a:r>
+            <a:endParaRPr lang="en-SG" sz="1100" dirty="0">
+              <a:solidFill>
+                <a:srgbClr val="7030A0"/>
+              </a:solidFill>
+            </a:endParaRPr>
+          </a:p>
+        </p:txBody>
+      </p:sp>
+      <p:sp>
+        <p:nvSpPr>
+          <p:cNvPr id="60" name="TextBox 59"/>
+          <p:cNvSpPr txBox="1"/>
+          <p:nvPr/>
+        </p:nvSpPr>
+        <p:spPr>
+          <a:xfrm>
+            <a:off x="5021695" y="1009880"/>
+            <a:ext cx="189257" cy="178683"/>
+          </a:xfrm>
+          <a:prstGeom prst="rect">
+            <a:avLst/>
+          </a:prstGeom>
+          <a:noFill/>
+        </p:spPr>
+        <p:txBody>
+          <a:bodyPr wrap="square" lIns="0" tIns="0" rIns="0" bIns="0" rtlCol="0">
+            <a:noAutofit/>
+          </a:bodyPr>
+          <a:lstStyle/>
+          <a:p>
+            <a:pPr algn="ctr"/>
+            <a:r>
+              <a:rPr lang="en-US" sz="1100" dirty="0">
+                <a:solidFill>
+                  <a:srgbClr val="7030A0"/>
+                </a:solidFill>
+              </a:rPr>
+              <a:t>*</a:t>
+            </a:r>
+            <a:endParaRPr lang="en-SG" sz="1100" dirty="0">
+              <a:solidFill>
+                <a:srgbClr val="7030A0"/>
+              </a:solidFill>
+            </a:endParaRPr>
+          </a:p>
+        </p:txBody>
+      </p:sp>
+      <p:sp>
+        <p:nvSpPr>
+          <p:cNvPr id="61" name="TextBox 60"/>
+          <p:cNvSpPr txBox="1"/>
+          <p:nvPr/>
+        </p:nvSpPr>
+        <p:spPr>
+          <a:xfrm>
+            <a:off x="6013021" y="1973882"/>
+            <a:ext cx="189257" cy="178683"/>
+          </a:xfrm>
+          <a:prstGeom prst="rect">
+            <a:avLst/>
+          </a:prstGeom>
+          <a:noFill/>
+        </p:spPr>
+        <p:txBody>
+          <a:bodyPr wrap="square" lIns="0" tIns="0" rIns="0" bIns="0" rtlCol="0">
+            <a:noAutofit/>
+          </a:bodyPr>
+          <a:lstStyle/>
+          <a:p>
+            <a:pPr algn="ctr"/>
+            <a:r>
+              <a:rPr lang="en-US" sz="1100" dirty="0">
+                <a:solidFill>
+                  <a:srgbClr val="7030A0"/>
+                </a:solidFill>
+              </a:rPr>
+              <a:t>*</a:t>
+            </a:r>
+            <a:endParaRPr lang="en-SG" sz="1100" dirty="0">
+              <a:solidFill>
+                <a:srgbClr val="7030A0"/>
+              </a:solidFill>
+            </a:endParaRPr>
+          </a:p>
+        </p:txBody>
+      </p:sp>
+      <p:sp>
+        <p:nvSpPr>
+          <p:cNvPr id="65" name="TextBox 64"/>
+          <p:cNvSpPr txBox="1"/>
+          <p:nvPr/>
+        </p:nvSpPr>
+        <p:spPr>
+          <a:xfrm>
+            <a:off x="2546446" y="1795199"/>
+            <a:ext cx="189257" cy="178683"/>
+          </a:xfrm>
+          <a:prstGeom prst="rect">
+            <a:avLst/>
+          </a:prstGeom>
+          <a:noFill/>
+        </p:spPr>
+        <p:txBody>
+          <a:bodyPr wrap="square" lIns="0" tIns="0" rIns="0" bIns="0" rtlCol="0">
+            <a:noAutofit/>
+          </a:bodyPr>
+          <a:lstStyle/>
+          <a:p>
+            <a:pPr algn="ctr"/>
+            <a:r>
+              <a:rPr lang="en-US" sz="1100" dirty="0">
+                <a:solidFill>
+                  <a:srgbClr val="7030A0"/>
+                </a:solidFill>
+              </a:rPr>
+              <a:t>1</a:t>
+            </a:r>
+            <a:endParaRPr lang="en-SG" sz="1100" dirty="0">
+              <a:solidFill>
+                <a:srgbClr val="7030A0"/>
+              </a:solidFill>
+            </a:endParaRPr>
+          </a:p>
+        </p:txBody>
+      </p:sp>
+      <p:sp>
+        <p:nvSpPr>
+          <p:cNvPr id="66" name="TextBox 65"/>
+          <p:cNvSpPr txBox="1"/>
+          <p:nvPr/>
+        </p:nvSpPr>
+        <p:spPr>
+          <a:xfrm>
+            <a:off x="2514893" y="2617011"/>
+            <a:ext cx="189257" cy="178683"/>
+          </a:xfrm>
+          <a:prstGeom prst="rect">
+            <a:avLst/>
+          </a:prstGeom>
+          <a:noFill/>
+        </p:spPr>
+        <p:txBody>
+          <a:bodyPr wrap="square" lIns="0" tIns="0" rIns="0" bIns="0" rtlCol="0">
+            <a:noAutofit/>
+          </a:bodyPr>
+          <a:lstStyle/>
+          <a:p>
+            <a:pPr algn="ctr"/>
+            <a:r>
+              <a:rPr lang="en-US" sz="1100" dirty="0">
+                <a:solidFill>
+                  <a:srgbClr val="7030A0"/>
+                </a:solidFill>
+              </a:rPr>
+              <a:t>1</a:t>
+            </a:r>
+            <a:endParaRPr lang="en-SG" sz="1100" dirty="0">
+              <a:solidFill>
+                <a:srgbClr val="7030A0"/>
+              </a:solidFill>
+            </a:endParaRPr>
+          </a:p>
+        </p:txBody>
+      </p:sp>
+      <p:sp>
+        <p:nvSpPr>
+          <p:cNvPr id="70" name="TextBox 69"/>
+          <p:cNvSpPr txBox="1"/>
+          <p:nvPr/>
+        </p:nvSpPr>
+        <p:spPr>
+          <a:xfrm>
+            <a:off x="6328721" y="2990696"/>
+            <a:ext cx="189257" cy="178683"/>
+          </a:xfrm>
+          <a:prstGeom prst="rect">
+            <a:avLst/>
+          </a:prstGeom>
+          <a:noFill/>
+        </p:spPr>
+        <p:txBody>
+          <a:bodyPr wrap="square" lIns="0" tIns="0" rIns="0" bIns="0" rtlCol="0">
+            <a:noAutofit/>
+          </a:bodyPr>
+          <a:lstStyle/>
+          <a:p>
+            <a:pPr algn="ctr"/>
+            <a:r>
+              <a:rPr lang="en-US" sz="1100" dirty="0">
+                <a:solidFill>
+                  <a:srgbClr val="7030A0"/>
+                </a:solidFill>
+              </a:rPr>
+              <a:t>1</a:t>
+            </a:r>
+            <a:endParaRPr lang="en-SG" sz="1100" dirty="0">
+              <a:solidFill>
+                <a:srgbClr val="7030A0"/>
+              </a:solidFill>
+            </a:endParaRPr>
+          </a:p>
+        </p:txBody>
+      </p:sp>
+      <p:sp>
+        <p:nvSpPr>
+          <p:cNvPr id="55" name="Rectangle 8"/>
           <p:cNvSpPr/>
           <p:nvPr/>
         </p:nvSpPr>
         <p:spPr>
           <a:xfrm>
-            <a:off x="4976371" y="2728053"/>
-            <a:ext cx="236048" cy="173380"/>
-          </a:xfrm>
-          <a:prstGeom prst="flowChartDecision">
+            <a:off x="4344781" y="2610356"/>
+            <a:ext cx="1156969" cy="346760"/>
+          </a:xfrm>
+          <a:prstGeom prst="rect">
             <a:avLst/>
           </a:prstGeom>
-          <a:noFill/>
           <a:ln w="19050">
             <a:solidFill>
               <a:srgbClr val="7030A0"/>
@@ -5879,13 +5233,13 @@
         </p:spPr>
         <p:style>
           <a:lnRef idx="1">
-            <a:schemeClr val="accent6"/>
+            <a:schemeClr val="accent4"/>
           </a:lnRef>
           <a:fillRef idx="2">
-            <a:schemeClr val="accent6"/>
+            <a:schemeClr val="accent4"/>
           </a:fillRef>
           <a:effectRef idx="1">
-            <a:schemeClr val="accent6"/>
+            <a:schemeClr val="accent4"/>
           </a:effectRef>
           <a:fontRef idx="minor">
             <a:schemeClr val="dk1"/>
@@ -5896,24 +5250,37 @@
           <a:lstStyle/>
           <a:p>
             <a:pPr algn="ctr"/>
-            <a:endParaRPr lang="en-US" sz="1050" dirty="0"/>
+            <a:r>
+              <a:rPr lang="en-US" sz="1050" dirty="0" err="1">
+                <a:solidFill>
+                  <a:srgbClr val="7030A0"/>
+                </a:solidFill>
+              </a:rPr>
+              <a:t>UniqueEventList</a:t>
+            </a:r>
+            <a:endParaRPr lang="en-SG" sz="1050" dirty="0">
+              <a:solidFill>
+                <a:srgbClr val="7030A0"/>
+              </a:solidFill>
+            </a:endParaRPr>
           </a:p>
         </p:txBody>
       </p:sp>
       <p:cxnSp>
         <p:nvCxnSpPr>
-          <p:cNvPr id="82" name="Elbow Connector 63"/>
+          <p:cNvPr id="73" name="Elbow Connector 29"/>
           <p:cNvCxnSpPr>
-            <a:stCxn id="77" idx="3"/>
+            <a:cxnSpLocks/>
+            <a:endCxn id="55" idx="1"/>
           </p:cNvCxnSpPr>
           <p:nvPr/>
         </p:nvCxnSpPr>
         <p:spPr>
-          <a:xfrm>
-            <a:off x="5212419" y="2814743"/>
-            <a:ext cx="434402" cy="777"/>
-          </a:xfrm>
-          <a:prstGeom prst="bentConnector3">
+          <a:xfrm rot="16200000" flipH="1">
+            <a:off x="3882372" y="2321327"/>
+            <a:ext cx="792094" cy="132723"/>
+          </a:xfrm>
+          <a:prstGeom prst="bentConnector2">
             <a:avLst/>
           </a:prstGeom>
           <a:ln w="19050">
@@ -5942,18 +5309,58 @@
       </p:cxnSp>
       <p:sp>
         <p:nvSpPr>
-          <p:cNvPr id="89" name="Rectangle 8"/>
+          <p:cNvPr id="74" name="TextBox 73"/>
+          <p:cNvSpPr txBox="1"/>
+          <p:nvPr/>
+        </p:nvSpPr>
+        <p:spPr>
+          <a:xfrm>
+            <a:off x="4183495" y="2847134"/>
+            <a:ext cx="189257" cy="178683"/>
+          </a:xfrm>
+          <a:prstGeom prst="rect">
+            <a:avLst/>
+          </a:prstGeom>
+          <a:noFill/>
+        </p:spPr>
+        <p:txBody>
+          <a:bodyPr wrap="square" lIns="0" tIns="0" rIns="0" bIns="0" rtlCol="0">
+            <a:noAutofit/>
+          </a:bodyPr>
+          <a:lstStyle/>
+          <a:p>
+            <a:pPr algn="ctr"/>
+            <a:r>
+              <a:rPr lang="en-US" sz="1100" dirty="0">
+                <a:solidFill>
+                  <a:srgbClr val="7030A0"/>
+                </a:solidFill>
+              </a:rPr>
+              <a:t>1</a:t>
+            </a:r>
+            <a:endParaRPr lang="en-SG" sz="1100" dirty="0">
+              <a:solidFill>
+                <a:srgbClr val="7030A0"/>
+              </a:solidFill>
+            </a:endParaRPr>
+          </a:p>
+        </p:txBody>
+      </p:sp>
+      <p:sp>
+        <p:nvSpPr>
+          <p:cNvPr id="77" name="Flowchart: Decision 96"/>
           <p:cNvSpPr/>
           <p:nvPr/>
         </p:nvSpPr>
         <p:spPr>
           <a:xfrm>
-            <a:off x="5634574" y="2655469"/>
-            <a:ext cx="708186" cy="346760"/>
-          </a:xfrm>
-          <a:prstGeom prst="rect">
+            <a:off x="5513997" y="2682939"/>
+            <a:ext cx="236048" cy="173380"/>
+          </a:xfrm>
+          <a:prstGeom prst="flowChartDecision">
             <a:avLst/>
           </a:prstGeom>
+          <a:noFill/>
           <a:ln w="19050">
             <a:solidFill>
               <a:srgbClr val="7030A0"/>
@@ -5963,13 +5370,13 @@
         </p:spPr>
         <p:style>
           <a:lnRef idx="1">
-            <a:schemeClr val="accent4"/>
+            <a:schemeClr val="accent6"/>
           </a:lnRef>
           <a:fillRef idx="2">
-            <a:schemeClr val="accent4"/>
+            <a:schemeClr val="accent6"/>
           </a:fillRef>
           <a:effectRef idx="1">
-            <a:schemeClr val="accent4"/>
+            <a:schemeClr val="accent6"/>
           </a:effectRef>
           <a:fontRef idx="minor">
             <a:schemeClr val="dk1"/>
@@ -5980,169 +5387,32 @@
           <a:lstStyle/>
           <a:p>
             <a:pPr algn="ctr"/>
-            <a:r>
-              <a:rPr lang="en-US" sz="1050" dirty="0">
-                <a:solidFill>
-                  <a:srgbClr val="7030A0"/>
-                </a:solidFill>
-              </a:rPr>
-              <a:t>Event</a:t>
-            </a:r>
-            <a:endParaRPr lang="en-SG" sz="1050" dirty="0">
-              <a:solidFill>
-                <a:srgbClr val="7030A0"/>
-              </a:solidFill>
-            </a:endParaRPr>
-          </a:p>
-        </p:txBody>
-      </p:sp>
-      <p:sp>
-        <p:nvSpPr>
-          <p:cNvPr id="90" name="Rectangle 8"/>
-          <p:cNvSpPr/>
+            <a:endParaRPr lang="en-US" sz="1050" dirty="0"/>
+          </a:p>
+        </p:txBody>
+      </p:sp>
+      <p:cxnSp>
+        <p:nvCxnSpPr>
+          <p:cNvPr id="82" name="Elbow Connector 63"/>
+          <p:cNvCxnSpPr>
+            <a:stCxn id="77" idx="3"/>
+          </p:cNvCxnSpPr>
           <p:nvPr/>
-        </p:nvSpPr>
-        <p:spPr>
-          <a:xfrm>
-            <a:off x="3533213" y="478577"/>
-            <a:ext cx="1269625" cy="346760"/>
-          </a:xfrm>
-          <a:prstGeom prst="rect">
+        </p:nvCxnSpPr>
+        <p:spPr>
+          <a:xfrm>
+            <a:off x="5750045" y="2769629"/>
+            <a:ext cx="434402" cy="777"/>
+          </a:xfrm>
+          <a:prstGeom prst="bentConnector3">
             <a:avLst/>
           </a:prstGeom>
           <a:ln w="19050">
             <a:solidFill>
               <a:srgbClr val="7030A0"/>
             </a:solidFill>
-          </a:ln>
-          <a:effectLst/>
-        </p:spPr>
-        <p:style>
-          <a:lnRef idx="1">
-            <a:schemeClr val="accent4"/>
-          </a:lnRef>
-          <a:fillRef idx="2">
-            <a:schemeClr val="accent4"/>
-          </a:fillRef>
-          <a:effectRef idx="1">
-            <a:schemeClr val="accent4"/>
-          </a:effectRef>
-          <a:fontRef idx="minor">
-            <a:schemeClr val="dk1"/>
-          </a:fontRef>
-        </p:style>
-        <p:txBody>
-          <a:bodyPr rtlCol="0" anchor="ctr"/>
-          <a:lstStyle/>
-          <a:p>
-            <a:pPr algn="ctr"/>
-            <a:r>
-              <a:rPr lang="en-US" sz="1050" dirty="0">
-                <a:solidFill>
-                  <a:srgbClr val="7030A0"/>
-                </a:solidFill>
-              </a:rPr>
-              <a:t>&lt;&lt;interface&gt;&gt;</a:t>
-            </a:r>
-            <a:br>
-              <a:rPr lang="en-US" sz="1050" dirty="0">
-                <a:solidFill>
-                  <a:srgbClr val="7030A0"/>
-                </a:solidFill>
-              </a:rPr>
-            </a:br>
-            <a:r>
-              <a:rPr lang="en-US" sz="1050" dirty="0" err="1">
-                <a:solidFill>
-                  <a:srgbClr val="7030A0"/>
-                </a:solidFill>
-              </a:rPr>
-              <a:t>ReadOnlyUserItem</a:t>
-            </a:r>
-            <a:endParaRPr lang="en-SG" sz="1050" dirty="0">
-              <a:solidFill>
-                <a:srgbClr val="7030A0"/>
-              </a:solidFill>
-            </a:endParaRPr>
-          </a:p>
-        </p:txBody>
-      </p:sp>
-      <p:sp>
-        <p:nvSpPr>
-          <p:cNvPr id="91" name="Isosceles Triangle 102"/>
-          <p:cNvSpPr/>
-          <p:nvPr/>
-        </p:nvSpPr>
-        <p:spPr>
-          <a:xfrm rot="5400000" flipV="1">
-            <a:off x="4754238" y="568168"/>
-            <a:ext cx="270504" cy="149272"/>
-          </a:xfrm>
-          <a:prstGeom prst="triangle">
-            <a:avLst/>
-          </a:prstGeom>
-          <a:solidFill>
-            <a:srgbClr val="7030A0"/>
-          </a:solidFill>
-          <a:ln w="19050">
-            <a:solidFill>
-              <a:srgbClr val="7030A0"/>
-            </a:solidFill>
-          </a:ln>
-          <a:effectLst/>
-        </p:spPr>
-        <p:style>
-          <a:lnRef idx="1">
-            <a:schemeClr val="accent4"/>
-          </a:lnRef>
-          <a:fillRef idx="2">
-            <a:schemeClr val="accent4"/>
-          </a:fillRef>
-          <a:effectRef idx="1">
-            <a:schemeClr val="accent4"/>
-          </a:effectRef>
-          <a:fontRef idx="minor">
-            <a:schemeClr val="dk1"/>
-          </a:fontRef>
-        </p:style>
-        <p:txBody>
-          <a:bodyPr rtlCol="0" anchor="ctr"/>
-          <a:lstStyle/>
-          <a:p>
-            <a:pPr algn="ctr"/>
-            <a:endParaRPr lang="en-SG" sz="1050" b="1">
-              <a:solidFill>
-                <a:srgbClr val="92D050"/>
-              </a:solidFill>
-            </a:endParaRPr>
-          </a:p>
-        </p:txBody>
-      </p:sp>
-      <p:cxnSp>
-        <p:nvCxnSpPr>
-          <p:cNvPr id="92" name="Elbow Connector 63"/>
-          <p:cNvCxnSpPr>
-            <a:cxnSpLocks/>
-            <a:stCxn id="91" idx="3"/>
-            <a:endCxn id="72" idx="0"/>
-          </p:cNvCxnSpPr>
-          <p:nvPr/>
-        </p:nvCxnSpPr>
-        <p:spPr>
-          <a:xfrm>
-            <a:off x="4964126" y="642804"/>
-            <a:ext cx="890377" cy="247200"/>
-          </a:xfrm>
-          <a:prstGeom prst="bentConnector2">
-            <a:avLst/>
-          </a:prstGeom>
-          <a:ln w="19050">
-            <a:solidFill>
-              <a:srgbClr val="7030A0"/>
-            </a:solidFill>
-            <a:prstDash val="sysDot"/>
             <a:headEnd type="none" w="med" len="med"/>
-            <a:tailEnd type="none" w="med" len="med"/>
+            <a:tailEnd type="arrow" w="med" len="med"/>
           </a:ln>
           <a:effectLst/>
         </p:spPr>
@@ -6163,21 +5433,18 @@
       </p:cxnSp>
       <p:sp>
         <p:nvSpPr>
-          <p:cNvPr id="98" name="Isosceles Triangle 102"/>
+          <p:cNvPr id="89" name="Rectangle 8"/>
           <p:cNvSpPr/>
           <p:nvPr/>
         </p:nvSpPr>
         <p:spPr>
-          <a:xfrm rot="10800000" flipV="1">
-            <a:off x="5986960" y="1249329"/>
-            <a:ext cx="270504" cy="136800"/>
-          </a:xfrm>
-          <a:prstGeom prst="triangle">
+          <a:xfrm>
+            <a:off x="6172200" y="2610355"/>
+            <a:ext cx="708186" cy="346760"/>
+          </a:xfrm>
+          <a:prstGeom prst="rect">
             <a:avLst/>
           </a:prstGeom>
-          <a:solidFill>
-            <a:srgbClr val="7030A0"/>
-          </a:solidFill>
           <a:ln w="19050">
             <a:solidFill>
               <a:srgbClr val="7030A0"/>
@@ -6204,9 +5471,17 @@
           <a:lstStyle/>
           <a:p>
             <a:pPr algn="ctr"/>
-            <a:endParaRPr lang="en-SG" sz="1050" b="1">
+            <a:r>
+              <a:rPr lang="en-US" sz="1050" dirty="0">
+                <a:solidFill>
+                  <a:srgbClr val="7030A0"/>
+                </a:solidFill>
+              </a:rPr>
+              <a:t>Event</a:t>
+            </a:r>
+            <a:endParaRPr lang="en-SG" sz="1050" dirty="0">
               <a:solidFill>
-                <a:srgbClr val="92D050"/>
+                <a:srgbClr val="7030A0"/>
               </a:solidFill>
             </a:endParaRPr>
           </a:p>
@@ -6220,7 +5495,7 @@
         </p:nvSpPr>
         <p:spPr>
           <a:xfrm>
-            <a:off x="5471931" y="2896125"/>
+            <a:off x="6009557" y="2851011"/>
             <a:ext cx="189257" cy="178683"/>
           </a:xfrm>
           <a:prstGeom prst="rect">
@@ -6251,601 +5526,6 @@
           </a:p>
         </p:txBody>
       </p:sp>
-      <p:cxnSp>
-        <p:nvCxnSpPr>
-          <p:cNvPr id="103" name="Elbow Connector 49"/>
-          <p:cNvCxnSpPr>
-            <a:cxnSpLocks/>
-            <a:endCxn id="57" idx="3"/>
-          </p:cNvCxnSpPr>
-          <p:nvPr/>
-        </p:nvCxnSpPr>
-        <p:spPr>
-          <a:xfrm rot="10800000">
-            <a:off x="4955195" y="1730024"/>
-            <a:ext cx="1027047" cy="925444"/>
-          </a:xfrm>
-          <a:prstGeom prst="bentConnector3">
-            <a:avLst>
-              <a:gd name="adj1" fmla="val 47527"/>
-            </a:avLst>
-          </a:prstGeom>
-          <a:ln w="19050">
-            <a:solidFill>
-              <a:srgbClr val="7030A0"/>
-            </a:solidFill>
-            <a:headEnd type="none" w="med" len="med"/>
-            <a:tailEnd type="arrow" w="med" len="med"/>
-          </a:ln>
-          <a:effectLst/>
-        </p:spPr>
-        <p:style>
-          <a:lnRef idx="1">
-            <a:schemeClr val="accent2"/>
-          </a:lnRef>
-          <a:fillRef idx="2">
-            <a:schemeClr val="accent2"/>
-          </a:fillRef>
-          <a:effectRef idx="1">
-            <a:schemeClr val="accent2"/>
-          </a:effectRef>
-          <a:fontRef idx="minor">
-            <a:schemeClr val="dk1"/>
-          </a:fontRef>
-        </p:style>
-      </p:cxnSp>
-      <p:sp>
-        <p:nvSpPr>
-          <p:cNvPr id="127" name="Rectangle 8"/>
-          <p:cNvSpPr/>
-          <p:nvPr/>
-        </p:nvSpPr>
-        <p:spPr>
-          <a:xfrm>
-            <a:off x="5276017" y="3548320"/>
-            <a:ext cx="1156969" cy="346760"/>
-          </a:xfrm>
-          <a:prstGeom prst="rect">
-            <a:avLst/>
-          </a:prstGeom>
-          <a:ln w="19050">
-            <a:solidFill>
-              <a:srgbClr val="7030A0"/>
-            </a:solidFill>
-          </a:ln>
-          <a:effectLst/>
-        </p:spPr>
-        <p:style>
-          <a:lnRef idx="1">
-            <a:schemeClr val="accent4"/>
-          </a:lnRef>
-          <a:fillRef idx="2">
-            <a:schemeClr val="accent4"/>
-          </a:fillRef>
-          <a:effectRef idx="1">
-            <a:schemeClr val="accent4"/>
-          </a:effectRef>
-          <a:fontRef idx="minor">
-            <a:schemeClr val="dk1"/>
-          </a:fontRef>
-        </p:style>
-        <p:txBody>
-          <a:bodyPr rtlCol="0" anchor="ctr"/>
-          <a:lstStyle/>
-          <a:p>
-            <a:pPr algn="ctr"/>
-            <a:r>
-              <a:rPr lang="en-US" sz="1050" dirty="0">
-                <a:solidFill>
-                  <a:srgbClr val="7030A0"/>
-                </a:solidFill>
-              </a:rPr>
-              <a:t>&lt;&lt;interface&gt;&gt;</a:t>
-            </a:r>
-            <a:br>
-              <a:rPr lang="en-US" sz="1050" dirty="0">
-                <a:solidFill>
-                  <a:srgbClr val="7030A0"/>
-                </a:solidFill>
-              </a:rPr>
-            </a:br>
-            <a:r>
-              <a:rPr lang="en-US" sz="1050" dirty="0" err="1">
-                <a:solidFill>
-                  <a:srgbClr val="7030A0"/>
-                </a:solidFill>
-              </a:rPr>
-              <a:t>ReadOnlyEvent</a:t>
-            </a:r>
-            <a:endParaRPr lang="en-SG" sz="1050" dirty="0">
-              <a:solidFill>
-                <a:srgbClr val="7030A0"/>
-              </a:solidFill>
-            </a:endParaRPr>
-          </a:p>
-        </p:txBody>
-      </p:sp>
-      <p:cxnSp>
-        <p:nvCxnSpPr>
-          <p:cNvPr id="129" name="Elbow Connector 63"/>
-          <p:cNvCxnSpPr>
-            <a:cxnSpLocks/>
-          </p:cNvCxnSpPr>
-          <p:nvPr/>
-        </p:nvCxnSpPr>
-        <p:spPr>
-          <a:xfrm>
-            <a:off x="4999134" y="641427"/>
-            <a:ext cx="1468860" cy="3078896"/>
-          </a:xfrm>
-          <a:prstGeom prst="bentConnector3">
-            <a:avLst>
-              <a:gd name="adj1" fmla="val 111240"/>
-            </a:avLst>
-          </a:prstGeom>
-          <a:ln w="19050">
-            <a:solidFill>
-              <a:srgbClr val="7030A0"/>
-            </a:solidFill>
-            <a:prstDash val="sysDot"/>
-            <a:headEnd type="none" w="med" len="med"/>
-            <a:tailEnd type="none" w="med" len="med"/>
-          </a:ln>
-          <a:effectLst/>
-        </p:spPr>
-        <p:style>
-          <a:lnRef idx="1">
-            <a:schemeClr val="accent2"/>
-          </a:lnRef>
-          <a:fillRef idx="2">
-            <a:schemeClr val="accent2"/>
-          </a:fillRef>
-          <a:effectRef idx="1">
-            <a:schemeClr val="accent2"/>
-          </a:effectRef>
-          <a:fontRef idx="minor">
-            <a:schemeClr val="dk1"/>
-          </a:fontRef>
-        </p:style>
-      </p:cxnSp>
-      <p:sp>
-        <p:nvSpPr>
-          <p:cNvPr id="141" name="Flowchart: Decision 96"/>
-          <p:cNvSpPr/>
-          <p:nvPr/>
-        </p:nvSpPr>
-        <p:spPr>
-          <a:xfrm>
-            <a:off x="6351221" y="2754368"/>
-            <a:ext cx="246680" cy="137880"/>
-          </a:xfrm>
-          <a:prstGeom prst="flowChartDecision">
-            <a:avLst/>
-          </a:prstGeom>
-          <a:solidFill>
-            <a:srgbClr val="7030A0"/>
-          </a:solidFill>
-          <a:ln w="19050">
-            <a:solidFill>
-              <a:srgbClr val="7030A0"/>
-            </a:solidFill>
-          </a:ln>
-          <a:effectLst/>
-        </p:spPr>
-        <p:style>
-          <a:lnRef idx="1">
-            <a:schemeClr val="accent6"/>
-          </a:lnRef>
-          <a:fillRef idx="2">
-            <a:schemeClr val="accent6"/>
-          </a:fillRef>
-          <a:effectRef idx="1">
-            <a:schemeClr val="accent6"/>
-          </a:effectRef>
-          <a:fontRef idx="minor">
-            <a:schemeClr val="dk1"/>
-          </a:fontRef>
-        </p:style>
-        <p:txBody>
-          <a:bodyPr rtlCol="0" anchor="ctr"/>
-          <a:lstStyle/>
-          <a:p>
-            <a:pPr algn="ctr"/>
-            <a:endParaRPr lang="en-US" sz="1050"/>
-          </a:p>
-        </p:txBody>
-      </p:sp>
-      <p:sp>
-        <p:nvSpPr>
-          <p:cNvPr id="145" name="Rectangle 8"/>
-          <p:cNvSpPr/>
-          <p:nvPr/>
-        </p:nvSpPr>
-        <p:spPr>
-          <a:xfrm>
-            <a:off x="6978200" y="2946307"/>
-            <a:ext cx="846023" cy="257001"/>
-          </a:xfrm>
-          <a:prstGeom prst="rect">
-            <a:avLst/>
-          </a:prstGeom>
-          <a:ln w="19050">
-            <a:solidFill>
-              <a:srgbClr val="7030A0"/>
-            </a:solidFill>
-          </a:ln>
-          <a:effectLst/>
-        </p:spPr>
-        <p:style>
-          <a:lnRef idx="1">
-            <a:schemeClr val="accent4"/>
-          </a:lnRef>
-          <a:fillRef idx="2">
-            <a:schemeClr val="accent4"/>
-          </a:fillRef>
-          <a:effectRef idx="1">
-            <a:schemeClr val="accent4"/>
-          </a:effectRef>
-          <a:fontRef idx="minor">
-            <a:schemeClr val="dk1"/>
-          </a:fontRef>
-        </p:style>
-        <p:txBody>
-          <a:bodyPr rtlCol="0" anchor="ctr"/>
-          <a:lstStyle/>
-          <a:p>
-            <a:pPr algn="ctr"/>
-            <a:r>
-              <a:rPr lang="en-US" sz="1050" dirty="0">
-                <a:solidFill>
-                  <a:srgbClr val="7030A0"/>
-                </a:solidFill>
-              </a:rPr>
-              <a:t>Location</a:t>
-            </a:r>
-            <a:endParaRPr lang="en-SG" sz="1050" dirty="0">
-              <a:solidFill>
-                <a:srgbClr val="7030A0"/>
-              </a:solidFill>
-            </a:endParaRPr>
-          </a:p>
-        </p:txBody>
-      </p:sp>
-      <p:sp>
-        <p:nvSpPr>
-          <p:cNvPr id="146" name="Rectangle 8"/>
-          <p:cNvSpPr/>
-          <p:nvPr/>
-        </p:nvSpPr>
-        <p:spPr>
-          <a:xfrm>
-            <a:off x="6978200" y="3273210"/>
-            <a:ext cx="846022" cy="243705"/>
-          </a:xfrm>
-          <a:prstGeom prst="rect">
-            <a:avLst/>
-          </a:prstGeom>
-          <a:ln w="19050">
-            <a:solidFill>
-              <a:srgbClr val="7030A0"/>
-            </a:solidFill>
-          </a:ln>
-          <a:effectLst/>
-        </p:spPr>
-        <p:style>
-          <a:lnRef idx="1">
-            <a:schemeClr val="accent4"/>
-          </a:lnRef>
-          <a:fillRef idx="2">
-            <a:schemeClr val="accent4"/>
-          </a:fillRef>
-          <a:effectRef idx="1">
-            <a:schemeClr val="accent4"/>
-          </a:effectRef>
-          <a:fontRef idx="minor">
-            <a:schemeClr val="dk1"/>
-          </a:fontRef>
-        </p:style>
-        <p:txBody>
-          <a:bodyPr rtlCol="0" anchor="ctr"/>
-          <a:lstStyle/>
-          <a:p>
-            <a:pPr algn="ctr"/>
-            <a:r>
-              <a:rPr lang="en-US" sz="1050" dirty="0">
-                <a:solidFill>
-                  <a:srgbClr val="7030A0"/>
-                </a:solidFill>
-              </a:rPr>
-              <a:t>Timeslot</a:t>
-            </a:r>
-            <a:endParaRPr lang="en-SG" sz="1050" dirty="0">
-              <a:solidFill>
-                <a:srgbClr val="7030A0"/>
-              </a:solidFill>
-            </a:endParaRPr>
-          </a:p>
-        </p:txBody>
-      </p:sp>
-      <p:cxnSp>
-        <p:nvCxnSpPr>
-          <p:cNvPr id="151" name="Elbow Connector 80"/>
-          <p:cNvCxnSpPr>
-            <a:cxnSpLocks/>
-            <a:stCxn id="141" idx="3"/>
-            <a:endCxn id="145" idx="1"/>
-          </p:cNvCxnSpPr>
-          <p:nvPr/>
-        </p:nvCxnSpPr>
-        <p:spPr>
-          <a:xfrm>
-            <a:off x="6597901" y="2823308"/>
-            <a:ext cx="380299" cy="251500"/>
-          </a:xfrm>
-          <a:prstGeom prst="bentConnector3">
-            <a:avLst>
-              <a:gd name="adj1" fmla="val 50000"/>
-            </a:avLst>
-          </a:prstGeom>
-          <a:ln w="19050">
-            <a:solidFill>
-              <a:srgbClr val="7030A0"/>
-            </a:solidFill>
-            <a:headEnd type="none" w="med" len="med"/>
-            <a:tailEnd type="arrow" w="med" len="med"/>
-          </a:ln>
-          <a:effectLst/>
-        </p:spPr>
-        <p:style>
-          <a:lnRef idx="1">
-            <a:schemeClr val="accent2"/>
-          </a:lnRef>
-          <a:fillRef idx="2">
-            <a:schemeClr val="accent2"/>
-          </a:fillRef>
-          <a:effectRef idx="1">
-            <a:schemeClr val="accent2"/>
-          </a:effectRef>
-          <a:fontRef idx="minor">
-            <a:schemeClr val="dk1"/>
-          </a:fontRef>
-        </p:style>
-      </p:cxnSp>
-      <p:cxnSp>
-        <p:nvCxnSpPr>
-          <p:cNvPr id="157" name="Elbow Connector 80"/>
-          <p:cNvCxnSpPr>
-            <a:cxnSpLocks/>
-            <a:stCxn id="141" idx="3"/>
-            <a:endCxn id="146" idx="1"/>
-          </p:cNvCxnSpPr>
-          <p:nvPr/>
-        </p:nvCxnSpPr>
-        <p:spPr>
-          <a:xfrm>
-            <a:off x="6597901" y="2823308"/>
-            <a:ext cx="380299" cy="571755"/>
-          </a:xfrm>
-          <a:prstGeom prst="bentConnector3">
-            <a:avLst>
-              <a:gd name="adj1" fmla="val 50000"/>
-            </a:avLst>
-          </a:prstGeom>
-          <a:ln w="19050">
-            <a:solidFill>
-              <a:srgbClr val="7030A0"/>
-            </a:solidFill>
-            <a:headEnd type="none" w="med" len="med"/>
-            <a:tailEnd type="arrow" w="med" len="med"/>
-          </a:ln>
-          <a:effectLst/>
-        </p:spPr>
-        <p:style>
-          <a:lnRef idx="1">
-            <a:schemeClr val="accent2"/>
-          </a:lnRef>
-          <a:fillRef idx="2">
-            <a:schemeClr val="accent2"/>
-          </a:fillRef>
-          <a:effectRef idx="1">
-            <a:schemeClr val="accent2"/>
-          </a:effectRef>
-          <a:fontRef idx="minor">
-            <a:schemeClr val="dk1"/>
-          </a:fontRef>
-        </p:style>
-      </p:cxnSp>
-      <p:sp>
-        <p:nvSpPr>
-          <p:cNvPr id="159" name="Rectangle 8"/>
-          <p:cNvSpPr/>
-          <p:nvPr/>
-        </p:nvSpPr>
-        <p:spPr>
-          <a:xfrm>
-            <a:off x="6793802" y="2160647"/>
-            <a:ext cx="893892" cy="375642"/>
-          </a:xfrm>
-          <a:prstGeom prst="rect">
-            <a:avLst/>
-          </a:prstGeom>
-          <a:ln w="19050">
-            <a:solidFill>
-              <a:srgbClr val="7030A0"/>
-            </a:solidFill>
-          </a:ln>
-          <a:effectLst/>
-        </p:spPr>
-        <p:style>
-          <a:lnRef idx="1">
-            <a:schemeClr val="accent4"/>
-          </a:lnRef>
-          <a:fillRef idx="2">
-            <a:schemeClr val="accent4"/>
-          </a:fillRef>
-          <a:effectRef idx="1">
-            <a:schemeClr val="accent4"/>
-          </a:effectRef>
-          <a:fontRef idx="minor">
-            <a:schemeClr val="dk1"/>
-          </a:fontRef>
-        </p:style>
-        <p:txBody>
-          <a:bodyPr rtlCol="0" anchor="ctr"/>
-          <a:lstStyle/>
-          <a:p>
-            <a:pPr algn="ctr"/>
-            <a:r>
-              <a:rPr lang="en-US" sz="1050" dirty="0" err="1">
-                <a:solidFill>
-                  <a:srgbClr val="7030A0"/>
-                </a:solidFill>
-              </a:rPr>
-              <a:t>UserItem</a:t>
-            </a:r>
-            <a:endParaRPr lang="en-SG" sz="1050" dirty="0">
-              <a:solidFill>
-                <a:srgbClr val="7030A0"/>
-              </a:solidFill>
-            </a:endParaRPr>
-          </a:p>
-        </p:txBody>
-      </p:sp>
-      <p:cxnSp>
-        <p:nvCxnSpPr>
-          <p:cNvPr id="164" name="Elbow Connector 80"/>
-          <p:cNvCxnSpPr>
-            <a:cxnSpLocks/>
-            <a:stCxn id="167" idx="3"/>
-            <a:endCxn id="83" idx="1"/>
-          </p:cNvCxnSpPr>
-          <p:nvPr/>
-        </p:nvCxnSpPr>
-        <p:spPr>
-          <a:xfrm flipV="1">
-            <a:off x="7934374" y="2059023"/>
-            <a:ext cx="228334" cy="275916"/>
-          </a:xfrm>
-          <a:prstGeom prst="bentConnector3">
-            <a:avLst>
-              <a:gd name="adj1" fmla="val 22190"/>
-            </a:avLst>
-          </a:prstGeom>
-          <a:ln w="19050">
-            <a:solidFill>
-              <a:srgbClr val="7030A0"/>
-            </a:solidFill>
-            <a:headEnd type="none" w="med" len="med"/>
-            <a:tailEnd type="arrow" w="med" len="med"/>
-          </a:ln>
-          <a:effectLst/>
-        </p:spPr>
-        <p:style>
-          <a:lnRef idx="1">
-            <a:schemeClr val="accent2"/>
-          </a:lnRef>
-          <a:fillRef idx="2">
-            <a:schemeClr val="accent2"/>
-          </a:fillRef>
-          <a:effectRef idx="1">
-            <a:schemeClr val="accent2"/>
-          </a:effectRef>
-          <a:fontRef idx="minor">
-            <a:schemeClr val="dk1"/>
-          </a:fontRef>
-        </p:style>
-      </p:cxnSp>
-      <p:sp>
-        <p:nvSpPr>
-          <p:cNvPr id="167" name="Flowchart: Decision 96"/>
-          <p:cNvSpPr/>
-          <p:nvPr/>
-        </p:nvSpPr>
-        <p:spPr>
-          <a:xfrm>
-            <a:off x="7687694" y="2265999"/>
-            <a:ext cx="246680" cy="137880"/>
-          </a:xfrm>
-          <a:prstGeom prst="flowChartDecision">
-            <a:avLst/>
-          </a:prstGeom>
-          <a:solidFill>
-            <a:srgbClr val="7030A0"/>
-          </a:solidFill>
-          <a:ln w="19050">
-            <a:solidFill>
-              <a:srgbClr val="7030A0"/>
-            </a:solidFill>
-          </a:ln>
-          <a:effectLst/>
-        </p:spPr>
-        <p:style>
-          <a:lnRef idx="1">
-            <a:schemeClr val="accent6"/>
-          </a:lnRef>
-          <a:fillRef idx="2">
-            <a:schemeClr val="accent6"/>
-          </a:fillRef>
-          <a:effectRef idx="1">
-            <a:schemeClr val="accent6"/>
-          </a:effectRef>
-          <a:fontRef idx="minor">
-            <a:schemeClr val="dk1"/>
-          </a:fontRef>
-        </p:style>
-        <p:txBody>
-          <a:bodyPr rtlCol="0" anchor="ctr"/>
-          <a:lstStyle/>
-          <a:p>
-            <a:pPr algn="ctr"/>
-            <a:endParaRPr lang="en-US" sz="1050"/>
-          </a:p>
-        </p:txBody>
-      </p:sp>
-      <p:cxnSp>
-        <p:nvCxnSpPr>
-          <p:cNvPr id="179" name="Elbow Connector 80"/>
-          <p:cNvCxnSpPr>
-            <a:cxnSpLocks/>
-            <a:stCxn id="167" idx="3"/>
-            <a:endCxn id="85" idx="1"/>
-          </p:cNvCxnSpPr>
-          <p:nvPr/>
-        </p:nvCxnSpPr>
-        <p:spPr>
-          <a:xfrm>
-            <a:off x="7934374" y="2334939"/>
-            <a:ext cx="208218" cy="232510"/>
-          </a:xfrm>
-          <a:prstGeom prst="bentConnector3">
-            <a:avLst>
-              <a:gd name="adj1" fmla="val 22553"/>
-            </a:avLst>
-          </a:prstGeom>
-          <a:ln w="19050">
-            <a:solidFill>
-              <a:srgbClr val="7030A0"/>
-            </a:solidFill>
-            <a:headEnd type="none" w="med" len="med"/>
-            <a:tailEnd type="arrow" w="med" len="med"/>
-          </a:ln>
-          <a:effectLst/>
-        </p:spPr>
-        <p:style>
-          <a:lnRef idx="1">
-            <a:schemeClr val="accent2"/>
-          </a:lnRef>
-          <a:fillRef idx="2">
-            <a:schemeClr val="accent2"/>
-          </a:fillRef>
-          <a:effectRef idx="1">
-            <a:schemeClr val="accent2"/>
-          </a:effectRef>
-          <a:fontRef idx="minor">
-            <a:schemeClr val="dk1"/>
-          </a:fontRef>
-        </p:style>
-      </p:cxnSp>
       <p:sp>
         <p:nvSpPr>
           <p:cNvPr id="200" name="TextBox 199"/>
@@ -6854,7 +5534,7 @@
         </p:nvSpPr>
         <p:spPr>
           <a:xfrm>
-            <a:off x="3732498" y="3312748"/>
+            <a:off x="4270124" y="3267634"/>
             <a:ext cx="871599" cy="261610"/>
           </a:xfrm>
           <a:prstGeom prst="rect">
@@ -6893,10 +5573,10 @@
         </p:nvGrpSpPr>
         <p:grpSpPr>
           <a:xfrm>
-            <a:off x="5382002" y="2144474"/>
-            <a:ext cx="606665" cy="1173288"/>
-            <a:chOff x="5382002" y="2144474"/>
-            <a:chExt cx="606665" cy="1173288"/>
+            <a:off x="5917763" y="2099360"/>
+            <a:ext cx="608530" cy="1168274"/>
+            <a:chOff x="5380137" y="2099360"/>
+            <a:chExt cx="608530" cy="1168274"/>
           </a:xfrm>
         </p:grpSpPr>
         <p:cxnSp>
@@ -6910,8 +5590,8 @@
           </p:nvCxnSpPr>
           <p:spPr>
             <a:xfrm flipV="1">
-              <a:off x="5386562" y="2144474"/>
-              <a:ext cx="602105" cy="298731"/>
+              <a:off x="5380137" y="2099360"/>
+              <a:ext cx="608530" cy="343576"/>
             </a:xfrm>
             <a:prstGeom prst="bentConnector2">
               <a:avLst/>
@@ -6950,9 +5630,9 @@
             <p:nvPr/>
           </p:nvCxnSpPr>
           <p:spPr>
-            <a:xfrm flipH="1">
-              <a:off x="5382002" y="2443205"/>
-              <a:ext cx="4562" cy="874557"/>
+            <a:xfrm>
+              <a:off x="5386564" y="2443205"/>
+              <a:ext cx="5820" cy="824429"/>
             </a:xfrm>
             <a:prstGeom prst="line">
               <a:avLst/>
@@ -6987,7 +5667,7 @@
         </p:nvSpPr>
         <p:spPr>
           <a:xfrm>
-            <a:off x="5787449" y="2247778"/>
+            <a:off x="6325075" y="2202664"/>
             <a:ext cx="189257" cy="178683"/>
           </a:xfrm>
           <a:prstGeom prst="rect">
@@ -7020,21 +5700,148 @@
       </p:sp>
       <p:sp>
         <p:nvSpPr>
-          <p:cNvPr id="246" name="Isosceles Triangle 102"/>
+          <p:cNvPr id="94" name="TextBox 93"/>
+          <p:cNvSpPr txBox="1"/>
+          <p:nvPr/>
+        </p:nvSpPr>
+        <p:spPr>
+          <a:xfrm>
+            <a:off x="6808779" y="2179468"/>
+            <a:ext cx="1255174" cy="430887"/>
+          </a:xfrm>
+          <a:prstGeom prst="rect">
+            <a:avLst/>
+          </a:prstGeom>
+          <a:noFill/>
+        </p:spPr>
+        <p:txBody>
+          <a:bodyPr wrap="square" rtlCol="0">
+            <a:spAutoFit/>
+          </a:bodyPr>
+          <a:lstStyle/>
+          <a:p>
+            <a:pPr algn="r"/>
+            <a:r>
+              <a:rPr lang="en-US" sz="1100" dirty="0">
+                <a:solidFill>
+                  <a:srgbClr val="7030A0"/>
+                </a:solidFill>
+              </a:rPr>
+              <a:t>See Model 2/2 for more details</a:t>
+            </a:r>
+            <a:endParaRPr lang="en-SG" sz="1100" dirty="0">
+              <a:solidFill>
+                <a:srgbClr val="7030A0"/>
+              </a:solidFill>
+            </a:endParaRPr>
+          </a:p>
+        </p:txBody>
+      </p:sp>
+    </p:spTree>
+    <p:extLst>
+      <p:ext uri="{BB962C8B-B14F-4D97-AF65-F5344CB8AC3E}">
+        <p14:creationId xmlns:p14="http://schemas.microsoft.com/office/powerpoint/2010/main" val="2396968029"/>
+      </p:ext>
+    </p:extLst>
+  </p:cSld>
+  <p:clrMapOvr>
+    <a:masterClrMapping/>
+  </p:clrMapOvr>
+</p:sld>
+</file>
+
+<file path=ppt/slides/slide2.xml><?xml version="1.0" encoding="utf-8"?>
+<p:sld xmlns:a="http://schemas.openxmlformats.org/drawingml/2006/main" xmlns:r="http://schemas.openxmlformats.org/officeDocument/2006/relationships" xmlns:p="http://schemas.openxmlformats.org/presentationml/2006/main">
+  <p:cSld>
+    <p:spTree>
+      <p:nvGrpSpPr>
+        <p:cNvPr id="1" name=""/>
+        <p:cNvGrpSpPr/>
+        <p:nvPr/>
+      </p:nvGrpSpPr>
+      <p:grpSpPr>
+        <a:xfrm>
+          <a:off x="0" y="0"/>
+          <a:ext cx="0" cy="0"/>
+          <a:chOff x="0" y="0"/>
+          <a:chExt cx="0" cy="0"/>
+        </a:xfrm>
+      </p:grpSpPr>
+      <p:sp>
+        <p:nvSpPr>
+          <p:cNvPr id="220" name="Rectangle 65"/>
           <p:cNvSpPr/>
           <p:nvPr/>
         </p:nvSpPr>
         <p:spPr>
-          <a:xfrm rot="16200000" flipV="1">
-            <a:off x="6626078" y="2300578"/>
-            <a:ext cx="219945" cy="114345"/>
-          </a:xfrm>
-          <a:prstGeom prst="triangle">
+          <a:xfrm>
+            <a:off x="304800" y="155163"/>
+            <a:ext cx="7848600" cy="4416837"/>
+          </a:xfrm>
+          <a:prstGeom prst="roundRect">
+            <a:avLst>
+              <a:gd name="adj" fmla="val 3484"/>
+            </a:avLst>
+          </a:prstGeom>
+          <a:solidFill>
+            <a:schemeClr val="accent4">
+              <a:lumMod val="20000"/>
+              <a:lumOff val="80000"/>
+            </a:schemeClr>
+          </a:solidFill>
+          <a:ln w="19050">
+            <a:noFill/>
+          </a:ln>
+          <a:effectLst/>
+        </p:spPr>
+        <p:style>
+          <a:lnRef idx="1">
+            <a:schemeClr val="accent2"/>
+          </a:lnRef>
+          <a:fillRef idx="2">
+            <a:schemeClr val="accent2"/>
+          </a:fillRef>
+          <a:effectRef idx="1">
+            <a:schemeClr val="accent2"/>
+          </a:effectRef>
+          <a:fontRef idx="minor">
+            <a:schemeClr val="dk1"/>
+          </a:fontRef>
+        </p:style>
+        <p:txBody>
+          <a:bodyPr rtlCol="0" anchor="t"/>
+          <a:lstStyle/>
+          <a:p>
+            <a:r>
+              <a:rPr lang="en-US" sz="1200" b="1" dirty="0">
+                <a:solidFill>
+                  <a:srgbClr val="7030A0"/>
+                </a:solidFill>
+              </a:rPr>
+              <a:t>Model 2/2</a:t>
+            </a:r>
+            <a:endParaRPr lang="en-SG" sz="1200" b="1" dirty="0">
+              <a:solidFill>
+                <a:srgbClr val="7030A0"/>
+              </a:solidFill>
+            </a:endParaRPr>
+          </a:p>
+        </p:txBody>
+      </p:sp>
+      <p:sp>
+        <p:nvSpPr>
+          <p:cNvPr id="21" name="Rectangle 8"/>
+          <p:cNvSpPr/>
+          <p:nvPr/>
+        </p:nvSpPr>
+        <p:spPr>
+          <a:xfrm>
+            <a:off x="1105995" y="768590"/>
+            <a:ext cx="708186" cy="346760"/>
+          </a:xfrm>
+          <a:prstGeom prst="rect">
             <a:avLst/>
           </a:prstGeom>
-          <a:solidFill>
-            <a:srgbClr val="7030A0"/>
-          </a:solidFill>
           <a:ln w="19050">
             <a:solidFill>
               <a:srgbClr val="7030A0"/>
@@ -7061,6 +5868,1291 @@
           <a:lstStyle/>
           <a:p>
             <a:pPr algn="ctr"/>
+            <a:r>
+              <a:rPr lang="en-US" sz="1050" dirty="0">
+                <a:solidFill>
+                  <a:srgbClr val="7030A0"/>
+                </a:solidFill>
+              </a:rPr>
+              <a:t>Task</a:t>
+            </a:r>
+            <a:endParaRPr lang="en-SG" sz="1050" dirty="0">
+              <a:solidFill>
+                <a:srgbClr val="7030A0"/>
+              </a:solidFill>
+            </a:endParaRPr>
+          </a:p>
+        </p:txBody>
+      </p:sp>
+      <p:sp>
+        <p:nvSpPr>
+          <p:cNvPr id="24" name="Rectangle 8"/>
+          <p:cNvSpPr/>
+          <p:nvPr/>
+        </p:nvSpPr>
+        <p:spPr>
+          <a:xfrm>
+            <a:off x="7050735" y="2081250"/>
+            <a:ext cx="483700" cy="346760"/>
+          </a:xfrm>
+          <a:prstGeom prst="rect">
+            <a:avLst/>
+          </a:prstGeom>
+          <a:ln w="19050">
+            <a:solidFill>
+              <a:srgbClr val="7030A0"/>
+            </a:solidFill>
+          </a:ln>
+          <a:effectLst/>
+        </p:spPr>
+        <p:style>
+          <a:lnRef idx="1">
+            <a:schemeClr val="accent4"/>
+          </a:lnRef>
+          <a:fillRef idx="2">
+            <a:schemeClr val="accent4"/>
+          </a:fillRef>
+          <a:effectRef idx="1">
+            <a:schemeClr val="accent4"/>
+          </a:effectRef>
+          <a:fontRef idx="minor">
+            <a:schemeClr val="dk1"/>
+          </a:fontRef>
+        </p:style>
+        <p:txBody>
+          <a:bodyPr rtlCol="0" anchor="ctr"/>
+          <a:lstStyle/>
+          <a:p>
+            <a:pPr algn="ctr"/>
+            <a:r>
+              <a:rPr lang="en-US" sz="1050" dirty="0">
+                <a:solidFill>
+                  <a:srgbClr val="7030A0"/>
+                </a:solidFill>
+              </a:rPr>
+              <a:t>Tag</a:t>
+            </a:r>
+            <a:endParaRPr lang="en-SG" sz="1050" dirty="0">
+              <a:solidFill>
+                <a:srgbClr val="7030A0"/>
+              </a:solidFill>
+            </a:endParaRPr>
+          </a:p>
+        </p:txBody>
+      </p:sp>
+      <p:sp>
+        <p:nvSpPr>
+          <p:cNvPr id="25" name="Flowchart: Decision 96"/>
+          <p:cNvSpPr/>
+          <p:nvPr/>
+        </p:nvSpPr>
+        <p:spPr>
+          <a:xfrm rot="16200000">
+            <a:off x="6636296" y="2338458"/>
+            <a:ext cx="236048" cy="173380"/>
+          </a:xfrm>
+          <a:prstGeom prst="flowChartDecision">
+            <a:avLst/>
+          </a:prstGeom>
+          <a:noFill/>
+          <a:ln w="19050">
+            <a:solidFill>
+              <a:srgbClr val="7030A0"/>
+            </a:solidFill>
+          </a:ln>
+          <a:effectLst/>
+        </p:spPr>
+        <p:style>
+          <a:lnRef idx="1">
+            <a:schemeClr val="accent6"/>
+          </a:lnRef>
+          <a:fillRef idx="2">
+            <a:schemeClr val="accent6"/>
+          </a:fillRef>
+          <a:effectRef idx="1">
+            <a:schemeClr val="accent6"/>
+          </a:effectRef>
+          <a:fontRef idx="minor">
+            <a:schemeClr val="dk1"/>
+          </a:fontRef>
+        </p:style>
+        <p:txBody>
+          <a:bodyPr rtlCol="0" anchor="ctr"/>
+          <a:lstStyle/>
+          <a:p>
+            <a:pPr algn="ctr"/>
+            <a:endParaRPr lang="en-US" sz="1050"/>
+          </a:p>
+        </p:txBody>
+      </p:sp>
+      <p:cxnSp>
+        <p:nvCxnSpPr>
+          <p:cNvPr id="26" name="Elbow Connector 68"/>
+          <p:cNvCxnSpPr>
+            <a:stCxn id="25" idx="3"/>
+            <a:endCxn id="24" idx="1"/>
+          </p:cNvCxnSpPr>
+          <p:nvPr/>
+        </p:nvCxnSpPr>
+        <p:spPr>
+          <a:xfrm rot="5400000" flipH="1" flipV="1">
+            <a:off x="6876280" y="2132670"/>
+            <a:ext cx="52494" cy="296415"/>
+          </a:xfrm>
+          <a:prstGeom prst="bentConnector2">
+            <a:avLst/>
+          </a:prstGeom>
+          <a:ln w="19050">
+            <a:solidFill>
+              <a:srgbClr val="7030A0"/>
+            </a:solidFill>
+            <a:headEnd type="none" w="med" len="med"/>
+            <a:tailEnd type="arrow" w="med" len="med"/>
+          </a:ln>
+          <a:effectLst/>
+        </p:spPr>
+        <p:style>
+          <a:lnRef idx="1">
+            <a:schemeClr val="accent2"/>
+          </a:lnRef>
+          <a:fillRef idx="2">
+            <a:schemeClr val="accent2"/>
+          </a:fillRef>
+          <a:effectRef idx="1">
+            <a:schemeClr val="accent2"/>
+          </a:effectRef>
+          <a:fontRef idx="minor">
+            <a:schemeClr val="dk1"/>
+          </a:fontRef>
+        </p:style>
+      </p:cxnSp>
+      <p:sp>
+        <p:nvSpPr>
+          <p:cNvPr id="27" name="Rectangle 8"/>
+          <p:cNvSpPr/>
+          <p:nvPr/>
+        </p:nvSpPr>
+        <p:spPr>
+          <a:xfrm>
+            <a:off x="2604943" y="1197845"/>
+            <a:ext cx="1156969" cy="346760"/>
+          </a:xfrm>
+          <a:prstGeom prst="rect">
+            <a:avLst/>
+          </a:prstGeom>
+          <a:ln w="19050">
+            <a:solidFill>
+              <a:srgbClr val="7030A0"/>
+            </a:solidFill>
+          </a:ln>
+          <a:effectLst/>
+        </p:spPr>
+        <p:style>
+          <a:lnRef idx="1">
+            <a:schemeClr val="accent4"/>
+          </a:lnRef>
+          <a:fillRef idx="2">
+            <a:schemeClr val="accent4"/>
+          </a:fillRef>
+          <a:effectRef idx="1">
+            <a:schemeClr val="accent4"/>
+          </a:effectRef>
+          <a:fontRef idx="minor">
+            <a:schemeClr val="dk1"/>
+          </a:fontRef>
+        </p:style>
+        <p:txBody>
+          <a:bodyPr rtlCol="0" anchor="ctr"/>
+          <a:lstStyle/>
+          <a:p>
+            <a:pPr algn="ctr"/>
+            <a:r>
+              <a:rPr lang="en-US" sz="1050" dirty="0">
+                <a:solidFill>
+                  <a:srgbClr val="7030A0"/>
+                </a:solidFill>
+              </a:rPr>
+              <a:t>&lt;&lt;interface&gt;&gt;</a:t>
+            </a:r>
+            <a:br>
+              <a:rPr lang="en-US" sz="1050" dirty="0">
+                <a:solidFill>
+                  <a:srgbClr val="7030A0"/>
+                </a:solidFill>
+              </a:rPr>
+            </a:br>
+            <a:r>
+              <a:rPr lang="en-US" sz="1050" dirty="0" err="1">
+                <a:solidFill>
+                  <a:srgbClr val="7030A0"/>
+                </a:solidFill>
+              </a:rPr>
+              <a:t>ReadOnlyTask</a:t>
+            </a:r>
+            <a:endParaRPr lang="en-SG" sz="1050" dirty="0">
+              <a:solidFill>
+                <a:srgbClr val="7030A0"/>
+              </a:solidFill>
+            </a:endParaRPr>
+          </a:p>
+        </p:txBody>
+      </p:sp>
+      <p:grpSp>
+        <p:nvGrpSpPr>
+          <p:cNvPr id="115" name="Group 114"/>
+          <p:cNvGrpSpPr/>
+          <p:nvPr/>
+        </p:nvGrpSpPr>
+        <p:grpSpPr>
+          <a:xfrm>
+            <a:off x="1343314" y="581102"/>
+            <a:ext cx="801852" cy="171567"/>
+            <a:chOff x="4341148" y="1574236"/>
+            <a:chExt cx="14003319" cy="94291"/>
+          </a:xfrm>
+        </p:grpSpPr>
+        <p:sp>
+          <p:nvSpPr>
+            <p:cNvPr id="29" name="Flowchart: Decision 96"/>
+            <p:cNvSpPr/>
+            <p:nvPr/>
+          </p:nvSpPr>
+          <p:spPr>
+            <a:xfrm>
+              <a:off x="4341148" y="1574236"/>
+              <a:ext cx="3769020" cy="94291"/>
+            </a:xfrm>
+            <a:prstGeom prst="flowChartDecision">
+              <a:avLst/>
+            </a:prstGeom>
+            <a:solidFill>
+              <a:srgbClr val="7030A0"/>
+            </a:solidFill>
+            <a:ln w="19050">
+              <a:solidFill>
+                <a:srgbClr val="7030A0"/>
+              </a:solidFill>
+            </a:ln>
+            <a:effectLst/>
+          </p:spPr>
+          <p:style>
+            <a:lnRef idx="1">
+              <a:schemeClr val="accent6"/>
+            </a:lnRef>
+            <a:fillRef idx="2">
+              <a:schemeClr val="accent6"/>
+            </a:fillRef>
+            <a:effectRef idx="1">
+              <a:schemeClr val="accent6"/>
+            </a:effectRef>
+            <a:fontRef idx="minor">
+              <a:schemeClr val="dk1"/>
+            </a:fontRef>
+          </p:style>
+          <p:txBody>
+            <a:bodyPr rtlCol="0" anchor="ctr"/>
+            <a:lstStyle/>
+            <a:p>
+              <a:pPr algn="ctr"/>
+              <a:endParaRPr lang="en-US" sz="1050" dirty="0"/>
+            </a:p>
+          </p:txBody>
+        </p:sp>
+        <p:cxnSp>
+          <p:nvCxnSpPr>
+            <p:cNvPr id="30" name="Elbow Connector 78"/>
+            <p:cNvCxnSpPr>
+              <a:cxnSpLocks/>
+              <a:stCxn id="29" idx="3"/>
+              <a:endCxn id="31" idx="1"/>
+            </p:cNvCxnSpPr>
+            <p:nvPr/>
+          </p:nvCxnSpPr>
+          <p:spPr>
+            <a:xfrm flipV="1">
+              <a:off x="8110168" y="1621381"/>
+              <a:ext cx="10234299" cy="1"/>
+            </a:xfrm>
+            <a:prstGeom prst="bentConnector3">
+              <a:avLst>
+                <a:gd name="adj1" fmla="val 50000"/>
+              </a:avLst>
+            </a:prstGeom>
+            <a:ln w="19050">
+              <a:solidFill>
+                <a:srgbClr val="7030A0"/>
+              </a:solidFill>
+              <a:headEnd type="none" w="med" len="med"/>
+              <a:tailEnd type="arrow" w="med" len="med"/>
+            </a:ln>
+            <a:effectLst/>
+          </p:spPr>
+          <p:style>
+            <a:lnRef idx="1">
+              <a:schemeClr val="accent2"/>
+            </a:lnRef>
+            <a:fillRef idx="2">
+              <a:schemeClr val="accent2"/>
+            </a:fillRef>
+            <a:effectRef idx="1">
+              <a:schemeClr val="accent2"/>
+            </a:effectRef>
+            <a:fontRef idx="minor">
+              <a:schemeClr val="dk1"/>
+            </a:fontRef>
+          </p:style>
+        </p:cxnSp>
+      </p:grpSp>
+      <p:sp>
+        <p:nvSpPr>
+          <p:cNvPr id="31" name="Rectangle 8"/>
+          <p:cNvSpPr/>
+          <p:nvPr/>
+        </p:nvSpPr>
+        <p:spPr>
+          <a:xfrm>
+            <a:off x="2145166" y="545032"/>
+            <a:ext cx="846022" cy="243705"/>
+          </a:xfrm>
+          <a:prstGeom prst="rect">
+            <a:avLst/>
+          </a:prstGeom>
+          <a:ln w="19050">
+            <a:solidFill>
+              <a:srgbClr val="7030A0"/>
+            </a:solidFill>
+          </a:ln>
+          <a:effectLst/>
+        </p:spPr>
+        <p:style>
+          <a:lnRef idx="1">
+            <a:schemeClr val="accent4"/>
+          </a:lnRef>
+          <a:fillRef idx="2">
+            <a:schemeClr val="accent4"/>
+          </a:fillRef>
+          <a:effectRef idx="1">
+            <a:schemeClr val="accent4"/>
+          </a:effectRef>
+          <a:fontRef idx="minor">
+            <a:schemeClr val="dk1"/>
+          </a:fontRef>
+        </p:style>
+        <p:txBody>
+          <a:bodyPr rtlCol="0" anchor="ctr"/>
+          <a:lstStyle/>
+          <a:p>
+            <a:pPr algn="ctr"/>
+            <a:r>
+              <a:rPr lang="en-US" sz="1050" dirty="0">
+                <a:solidFill>
+                  <a:srgbClr val="7030A0"/>
+                </a:solidFill>
+              </a:rPr>
+              <a:t>Deadline</a:t>
+            </a:r>
+            <a:endParaRPr lang="en-SG" sz="1050" dirty="0">
+              <a:solidFill>
+                <a:srgbClr val="7030A0"/>
+              </a:solidFill>
+            </a:endParaRPr>
+          </a:p>
+        </p:txBody>
+      </p:sp>
+      <p:cxnSp>
+        <p:nvCxnSpPr>
+          <p:cNvPr id="32" name="Elbow Connector 80"/>
+          <p:cNvCxnSpPr>
+            <a:cxnSpLocks/>
+            <a:stCxn id="70" idx="3"/>
+            <a:endCxn id="84" idx="1"/>
+          </p:cNvCxnSpPr>
+          <p:nvPr/>
+        </p:nvCxnSpPr>
+        <p:spPr>
+          <a:xfrm flipV="1">
+            <a:off x="5621071" y="1807394"/>
+            <a:ext cx="556941" cy="360095"/>
+          </a:xfrm>
+          <a:prstGeom prst="bentConnector3">
+            <a:avLst/>
+          </a:prstGeom>
+          <a:ln w="19050">
+            <a:solidFill>
+              <a:srgbClr val="7030A0"/>
+            </a:solidFill>
+            <a:headEnd type="none" w="med" len="med"/>
+            <a:tailEnd type="arrow" w="med" len="med"/>
+          </a:ln>
+          <a:effectLst/>
+        </p:spPr>
+        <p:style>
+          <a:lnRef idx="1">
+            <a:schemeClr val="accent2"/>
+          </a:lnRef>
+          <a:fillRef idx="2">
+            <a:schemeClr val="accent2"/>
+          </a:fillRef>
+          <a:effectRef idx="1">
+            <a:schemeClr val="accent2"/>
+          </a:effectRef>
+          <a:fontRef idx="minor">
+            <a:schemeClr val="dk1"/>
+          </a:fontRef>
+        </p:style>
+      </p:cxnSp>
+      <p:sp>
+        <p:nvSpPr>
+          <p:cNvPr id="33" name="Rectangle 8"/>
+          <p:cNvSpPr/>
+          <p:nvPr/>
+        </p:nvSpPr>
+        <p:spPr>
+          <a:xfrm>
+            <a:off x="6178012" y="1279407"/>
+            <a:ext cx="846022" cy="243705"/>
+          </a:xfrm>
+          <a:prstGeom prst="rect">
+            <a:avLst/>
+          </a:prstGeom>
+          <a:ln w="19050">
+            <a:solidFill>
+              <a:srgbClr val="7030A0"/>
+            </a:solidFill>
+          </a:ln>
+          <a:effectLst/>
+        </p:spPr>
+        <p:style>
+          <a:lnRef idx="1">
+            <a:schemeClr val="accent4"/>
+          </a:lnRef>
+          <a:fillRef idx="2">
+            <a:schemeClr val="accent4"/>
+          </a:fillRef>
+          <a:effectRef idx="1">
+            <a:schemeClr val="accent4"/>
+          </a:effectRef>
+          <a:fontRef idx="minor">
+            <a:schemeClr val="dk1"/>
+          </a:fontRef>
+        </p:style>
+        <p:txBody>
+          <a:bodyPr rtlCol="0" anchor="ctr"/>
+          <a:lstStyle/>
+          <a:p>
+            <a:pPr algn="ctr"/>
+            <a:r>
+              <a:rPr lang="en-US" sz="1050" dirty="0">
+                <a:solidFill>
+                  <a:srgbClr val="7030A0"/>
+                </a:solidFill>
+              </a:rPr>
+              <a:t>Name</a:t>
+            </a:r>
+            <a:endParaRPr lang="en-SG" sz="1050" dirty="0">
+              <a:solidFill>
+                <a:srgbClr val="7030A0"/>
+              </a:solidFill>
+            </a:endParaRPr>
+          </a:p>
+        </p:txBody>
+      </p:sp>
+      <p:sp>
+        <p:nvSpPr>
+          <p:cNvPr id="34" name="Rectangle 8"/>
+          <p:cNvSpPr/>
+          <p:nvPr/>
+        </p:nvSpPr>
+        <p:spPr>
+          <a:xfrm>
+            <a:off x="6178012" y="3206010"/>
+            <a:ext cx="846022" cy="253614"/>
+          </a:xfrm>
+          <a:prstGeom prst="rect">
+            <a:avLst/>
+          </a:prstGeom>
+          <a:ln w="19050">
+            <a:solidFill>
+              <a:srgbClr val="7030A0"/>
+            </a:solidFill>
+          </a:ln>
+          <a:effectLst/>
+        </p:spPr>
+        <p:style>
+          <a:lnRef idx="1">
+            <a:schemeClr val="accent4"/>
+          </a:lnRef>
+          <a:fillRef idx="2">
+            <a:schemeClr val="accent4"/>
+          </a:fillRef>
+          <a:effectRef idx="1">
+            <a:schemeClr val="accent4"/>
+          </a:effectRef>
+          <a:fontRef idx="minor">
+            <a:schemeClr val="dk1"/>
+          </a:fontRef>
+        </p:style>
+        <p:txBody>
+          <a:bodyPr rtlCol="0" anchor="ctr"/>
+          <a:lstStyle/>
+          <a:p>
+            <a:pPr algn="ctr"/>
+            <a:r>
+              <a:rPr lang="en-US" sz="1050" dirty="0">
+                <a:solidFill>
+                  <a:srgbClr val="7030A0"/>
+                </a:solidFill>
+              </a:rPr>
+              <a:t>Description</a:t>
+            </a:r>
+            <a:endParaRPr lang="en-SG" sz="1050" dirty="0">
+              <a:solidFill>
+                <a:srgbClr val="7030A0"/>
+              </a:solidFill>
+            </a:endParaRPr>
+          </a:p>
+        </p:txBody>
+      </p:sp>
+      <p:sp>
+        <p:nvSpPr>
+          <p:cNvPr id="44" name="TextBox 43"/>
+          <p:cNvSpPr txBox="1"/>
+          <p:nvPr/>
+        </p:nvSpPr>
+        <p:spPr>
+          <a:xfrm>
+            <a:off x="6877802" y="2050837"/>
+            <a:ext cx="189257" cy="178683"/>
+          </a:xfrm>
+          <a:prstGeom prst="rect">
+            <a:avLst/>
+          </a:prstGeom>
+          <a:noFill/>
+        </p:spPr>
+        <p:txBody>
+          <a:bodyPr wrap="square" lIns="0" tIns="0" rIns="0" bIns="0" rtlCol="0">
+            <a:noAutofit/>
+          </a:bodyPr>
+          <a:lstStyle/>
+          <a:p>
+            <a:pPr algn="ctr"/>
+            <a:r>
+              <a:rPr lang="en-US" sz="1100" dirty="0">
+                <a:solidFill>
+                  <a:srgbClr val="7030A0"/>
+                </a:solidFill>
+              </a:rPr>
+              <a:t>*</a:t>
+            </a:r>
+            <a:endParaRPr lang="en-SG" sz="1100" dirty="0">
+              <a:solidFill>
+                <a:srgbClr val="7030A0"/>
+              </a:solidFill>
+            </a:endParaRPr>
+          </a:p>
+        </p:txBody>
+      </p:sp>
+      <p:sp>
+        <p:nvSpPr>
+          <p:cNvPr id="54" name="Rectangle 8"/>
+          <p:cNvSpPr/>
+          <p:nvPr/>
+        </p:nvSpPr>
+        <p:spPr>
+          <a:xfrm>
+            <a:off x="1105995" y="2823403"/>
+            <a:ext cx="708186" cy="346760"/>
+          </a:xfrm>
+          <a:prstGeom prst="rect">
+            <a:avLst/>
+          </a:prstGeom>
+          <a:ln w="19050">
+            <a:solidFill>
+              <a:srgbClr val="7030A0"/>
+            </a:solidFill>
+          </a:ln>
+          <a:effectLst/>
+        </p:spPr>
+        <p:style>
+          <a:lnRef idx="1">
+            <a:schemeClr val="accent4"/>
+          </a:lnRef>
+          <a:fillRef idx="2">
+            <a:schemeClr val="accent4"/>
+          </a:fillRef>
+          <a:effectRef idx="1">
+            <a:schemeClr val="accent4"/>
+          </a:effectRef>
+          <a:fontRef idx="minor">
+            <a:schemeClr val="dk1"/>
+          </a:fontRef>
+        </p:style>
+        <p:txBody>
+          <a:bodyPr rtlCol="0" anchor="ctr"/>
+          <a:lstStyle/>
+          <a:p>
+            <a:pPr algn="ctr"/>
+            <a:r>
+              <a:rPr lang="en-US" sz="1050" dirty="0">
+                <a:solidFill>
+                  <a:srgbClr val="7030A0"/>
+                </a:solidFill>
+              </a:rPr>
+              <a:t>Event</a:t>
+            </a:r>
+            <a:endParaRPr lang="en-SG" sz="1050" dirty="0">
+              <a:solidFill>
+                <a:srgbClr val="7030A0"/>
+              </a:solidFill>
+            </a:endParaRPr>
+          </a:p>
+        </p:txBody>
+      </p:sp>
+      <p:sp>
+        <p:nvSpPr>
+          <p:cNvPr id="55" name="Rectangle 8"/>
+          <p:cNvSpPr/>
+          <p:nvPr/>
+        </p:nvSpPr>
+        <p:spPr>
+          <a:xfrm>
+            <a:off x="4295220" y="908823"/>
+            <a:ext cx="1269625" cy="346760"/>
+          </a:xfrm>
+          <a:prstGeom prst="rect">
+            <a:avLst/>
+          </a:prstGeom>
+          <a:ln w="19050">
+            <a:solidFill>
+              <a:srgbClr val="7030A0"/>
+            </a:solidFill>
+          </a:ln>
+          <a:effectLst/>
+        </p:spPr>
+        <p:style>
+          <a:lnRef idx="1">
+            <a:schemeClr val="accent4"/>
+          </a:lnRef>
+          <a:fillRef idx="2">
+            <a:schemeClr val="accent4"/>
+          </a:fillRef>
+          <a:effectRef idx="1">
+            <a:schemeClr val="accent4"/>
+          </a:effectRef>
+          <a:fontRef idx="minor">
+            <a:schemeClr val="dk1"/>
+          </a:fontRef>
+        </p:style>
+        <p:txBody>
+          <a:bodyPr rtlCol="0" anchor="ctr"/>
+          <a:lstStyle/>
+          <a:p>
+            <a:pPr algn="ctr"/>
+            <a:r>
+              <a:rPr lang="en-US" sz="1050" dirty="0">
+                <a:solidFill>
+                  <a:srgbClr val="7030A0"/>
+                </a:solidFill>
+              </a:rPr>
+              <a:t>&lt;&lt;interface&gt;&gt;</a:t>
+            </a:r>
+            <a:br>
+              <a:rPr lang="en-US" sz="1050" dirty="0">
+                <a:solidFill>
+                  <a:srgbClr val="7030A0"/>
+                </a:solidFill>
+              </a:rPr>
+            </a:br>
+            <a:r>
+              <a:rPr lang="en-US" sz="1050" dirty="0" err="1">
+                <a:solidFill>
+                  <a:srgbClr val="7030A0"/>
+                </a:solidFill>
+              </a:rPr>
+              <a:t>ReadOnlyToDo</a:t>
+            </a:r>
+            <a:endParaRPr lang="en-SG" sz="1050" dirty="0">
+              <a:solidFill>
+                <a:srgbClr val="7030A0"/>
+              </a:solidFill>
+            </a:endParaRPr>
+          </a:p>
+        </p:txBody>
+      </p:sp>
+      <p:cxnSp>
+        <p:nvCxnSpPr>
+          <p:cNvPr id="57" name="Elbow Connector 63"/>
+          <p:cNvCxnSpPr>
+            <a:cxnSpLocks/>
+            <a:stCxn id="27" idx="2"/>
+            <a:endCxn id="222" idx="3"/>
+          </p:cNvCxnSpPr>
+          <p:nvPr/>
+        </p:nvCxnSpPr>
+        <p:spPr>
+          <a:xfrm rot="5400000" flipH="1" flipV="1">
+            <a:off x="3426078" y="845968"/>
+            <a:ext cx="455986" cy="941287"/>
+          </a:xfrm>
+          <a:prstGeom prst="bentConnector4">
+            <a:avLst>
+              <a:gd name="adj1" fmla="val -50133"/>
+              <a:gd name="adj2" fmla="val 79387"/>
+            </a:avLst>
+          </a:prstGeom>
+          <a:ln w="19050">
+            <a:solidFill>
+              <a:srgbClr val="7030A0"/>
+            </a:solidFill>
+            <a:prstDash val="solid"/>
+            <a:headEnd type="none" w="med" len="med"/>
+            <a:tailEnd type="none" w="med" len="med"/>
+          </a:ln>
+          <a:effectLst/>
+        </p:spPr>
+        <p:style>
+          <a:lnRef idx="1">
+            <a:schemeClr val="accent2"/>
+          </a:lnRef>
+          <a:fillRef idx="2">
+            <a:schemeClr val="accent2"/>
+          </a:fillRef>
+          <a:effectRef idx="1">
+            <a:schemeClr val="accent2"/>
+          </a:effectRef>
+          <a:fontRef idx="minor">
+            <a:schemeClr val="dk1"/>
+          </a:fontRef>
+        </p:style>
+      </p:cxnSp>
+      <p:grpSp>
+        <p:nvGrpSpPr>
+          <p:cNvPr id="102" name="Group 101"/>
+          <p:cNvGrpSpPr/>
+          <p:nvPr/>
+        </p:nvGrpSpPr>
+        <p:grpSpPr>
+          <a:xfrm>
+            <a:off x="1814181" y="941970"/>
+            <a:ext cx="781728" cy="566714"/>
+            <a:chOff x="3499783" y="723636"/>
+            <a:chExt cx="781728" cy="566714"/>
+          </a:xfrm>
+        </p:grpSpPr>
+        <p:cxnSp>
+          <p:nvCxnSpPr>
+            <p:cNvPr id="5" name="Elbow Connector 63"/>
+            <p:cNvCxnSpPr>
+              <a:cxnSpLocks/>
+              <a:stCxn id="58" idx="3"/>
+              <a:endCxn id="21" idx="3"/>
+            </p:cNvCxnSpPr>
+            <p:nvPr/>
+          </p:nvCxnSpPr>
+          <p:spPr>
+            <a:xfrm rot="10800000">
+              <a:off x="3499783" y="723636"/>
+              <a:ext cx="644928" cy="431462"/>
+            </a:xfrm>
+            <a:prstGeom prst="bentConnector3">
+              <a:avLst>
+                <a:gd name="adj1" fmla="val 50000"/>
+              </a:avLst>
+            </a:prstGeom>
+            <a:ln w="19050">
+              <a:solidFill>
+                <a:srgbClr val="7030A0"/>
+              </a:solidFill>
+              <a:prstDash val="sysDot"/>
+              <a:headEnd type="none" w="med" len="med"/>
+              <a:tailEnd type="none" w="med" len="med"/>
+            </a:ln>
+            <a:effectLst/>
+          </p:spPr>
+          <p:style>
+            <a:lnRef idx="1">
+              <a:schemeClr val="accent2"/>
+            </a:lnRef>
+            <a:fillRef idx="2">
+              <a:schemeClr val="accent2"/>
+            </a:fillRef>
+            <a:effectRef idx="1">
+              <a:schemeClr val="accent2"/>
+            </a:effectRef>
+            <a:fontRef idx="minor">
+              <a:schemeClr val="dk1"/>
+            </a:fontRef>
+          </p:style>
+        </p:cxnSp>
+        <p:sp>
+          <p:nvSpPr>
+            <p:cNvPr id="58" name="Isosceles Triangle 102"/>
+            <p:cNvSpPr/>
+            <p:nvPr/>
+          </p:nvSpPr>
+          <p:spPr>
+            <a:xfrm rot="16200000" flipV="1">
+              <a:off x="4077859" y="1086698"/>
+              <a:ext cx="270504" cy="136800"/>
+            </a:xfrm>
+            <a:prstGeom prst="triangle">
+              <a:avLst/>
+            </a:prstGeom>
+            <a:solidFill>
+              <a:srgbClr val="7030A0"/>
+            </a:solidFill>
+            <a:ln w="19050">
+              <a:solidFill>
+                <a:srgbClr val="7030A0"/>
+              </a:solidFill>
+            </a:ln>
+            <a:effectLst/>
+          </p:spPr>
+          <p:style>
+            <a:lnRef idx="1">
+              <a:schemeClr val="accent4"/>
+            </a:lnRef>
+            <a:fillRef idx="2">
+              <a:schemeClr val="accent4"/>
+            </a:fillRef>
+            <a:effectRef idx="1">
+              <a:schemeClr val="accent4"/>
+            </a:effectRef>
+            <a:fontRef idx="minor">
+              <a:schemeClr val="dk1"/>
+            </a:fontRef>
+          </p:style>
+          <p:txBody>
+            <a:bodyPr rtlCol="0" anchor="ctr"/>
+            <a:lstStyle/>
+            <a:p>
+              <a:pPr algn="ctr"/>
+              <a:endParaRPr lang="en-SG" sz="1050" b="1">
+                <a:solidFill>
+                  <a:srgbClr val="92D050"/>
+                </a:solidFill>
+              </a:endParaRPr>
+            </a:p>
+          </p:txBody>
+        </p:sp>
+      </p:grpSp>
+      <p:sp>
+        <p:nvSpPr>
+          <p:cNvPr id="61" name="Rectangle 8"/>
+          <p:cNvSpPr/>
+          <p:nvPr/>
+        </p:nvSpPr>
+        <p:spPr>
+          <a:xfrm>
+            <a:off x="2584623" y="2397768"/>
+            <a:ext cx="1156969" cy="346760"/>
+          </a:xfrm>
+          <a:prstGeom prst="rect">
+            <a:avLst/>
+          </a:prstGeom>
+          <a:ln w="19050">
+            <a:solidFill>
+              <a:srgbClr val="7030A0"/>
+            </a:solidFill>
+          </a:ln>
+          <a:effectLst/>
+        </p:spPr>
+        <p:style>
+          <a:lnRef idx="1">
+            <a:schemeClr val="accent4"/>
+          </a:lnRef>
+          <a:fillRef idx="2">
+            <a:schemeClr val="accent4"/>
+          </a:fillRef>
+          <a:effectRef idx="1">
+            <a:schemeClr val="accent4"/>
+          </a:effectRef>
+          <a:fontRef idx="minor">
+            <a:schemeClr val="dk1"/>
+          </a:fontRef>
+        </p:style>
+        <p:txBody>
+          <a:bodyPr rtlCol="0" anchor="ctr"/>
+          <a:lstStyle/>
+          <a:p>
+            <a:pPr algn="ctr"/>
+            <a:r>
+              <a:rPr lang="en-US" sz="1050" dirty="0">
+                <a:solidFill>
+                  <a:srgbClr val="7030A0"/>
+                </a:solidFill>
+              </a:rPr>
+              <a:t>&lt;&lt;interface&gt;&gt;</a:t>
+            </a:r>
+            <a:br>
+              <a:rPr lang="en-US" sz="1050" dirty="0">
+                <a:solidFill>
+                  <a:srgbClr val="7030A0"/>
+                </a:solidFill>
+              </a:rPr>
+            </a:br>
+            <a:r>
+              <a:rPr lang="en-US" sz="1050" dirty="0" err="1">
+                <a:solidFill>
+                  <a:srgbClr val="7030A0"/>
+                </a:solidFill>
+              </a:rPr>
+              <a:t>ReadOnlyEvent</a:t>
+            </a:r>
+            <a:endParaRPr lang="en-SG" sz="1050" dirty="0">
+              <a:solidFill>
+                <a:srgbClr val="7030A0"/>
+              </a:solidFill>
+            </a:endParaRPr>
+          </a:p>
+        </p:txBody>
+      </p:sp>
+      <p:sp>
+        <p:nvSpPr>
+          <p:cNvPr id="64" name="Rectangle 8"/>
+          <p:cNvSpPr/>
+          <p:nvPr/>
+        </p:nvSpPr>
+        <p:spPr>
+          <a:xfrm>
+            <a:off x="2437763" y="3317315"/>
+            <a:ext cx="846023" cy="257001"/>
+          </a:xfrm>
+          <a:prstGeom prst="rect">
+            <a:avLst/>
+          </a:prstGeom>
+          <a:ln w="19050">
+            <a:solidFill>
+              <a:srgbClr val="7030A0"/>
+            </a:solidFill>
+          </a:ln>
+          <a:effectLst/>
+        </p:spPr>
+        <p:style>
+          <a:lnRef idx="1">
+            <a:schemeClr val="accent4"/>
+          </a:lnRef>
+          <a:fillRef idx="2">
+            <a:schemeClr val="accent4"/>
+          </a:fillRef>
+          <a:effectRef idx="1">
+            <a:schemeClr val="accent4"/>
+          </a:effectRef>
+          <a:fontRef idx="minor">
+            <a:schemeClr val="dk1"/>
+          </a:fontRef>
+        </p:style>
+        <p:txBody>
+          <a:bodyPr rtlCol="0" anchor="ctr"/>
+          <a:lstStyle/>
+          <a:p>
+            <a:pPr algn="ctr"/>
+            <a:r>
+              <a:rPr lang="en-US" sz="1050" dirty="0">
+                <a:solidFill>
+                  <a:srgbClr val="7030A0"/>
+                </a:solidFill>
+              </a:rPr>
+              <a:t>Location</a:t>
+            </a:r>
+            <a:endParaRPr lang="en-SG" sz="1050" dirty="0">
+              <a:solidFill>
+                <a:srgbClr val="7030A0"/>
+              </a:solidFill>
+            </a:endParaRPr>
+          </a:p>
+        </p:txBody>
+      </p:sp>
+      <p:sp>
+        <p:nvSpPr>
+          <p:cNvPr id="65" name="Rectangle 8"/>
+          <p:cNvSpPr/>
+          <p:nvPr/>
+        </p:nvSpPr>
+        <p:spPr>
+          <a:xfrm>
+            <a:off x="2444637" y="3761642"/>
+            <a:ext cx="846022" cy="243705"/>
+          </a:xfrm>
+          <a:prstGeom prst="rect">
+            <a:avLst/>
+          </a:prstGeom>
+          <a:ln w="19050">
+            <a:solidFill>
+              <a:srgbClr val="7030A0"/>
+            </a:solidFill>
+          </a:ln>
+          <a:effectLst/>
+        </p:spPr>
+        <p:style>
+          <a:lnRef idx="1">
+            <a:schemeClr val="accent4"/>
+          </a:lnRef>
+          <a:fillRef idx="2">
+            <a:schemeClr val="accent4"/>
+          </a:fillRef>
+          <a:effectRef idx="1">
+            <a:schemeClr val="accent4"/>
+          </a:effectRef>
+          <a:fontRef idx="minor">
+            <a:schemeClr val="dk1"/>
+          </a:fontRef>
+        </p:style>
+        <p:txBody>
+          <a:bodyPr rtlCol="0" anchor="ctr"/>
+          <a:lstStyle/>
+          <a:p>
+            <a:pPr algn="ctr"/>
+            <a:r>
+              <a:rPr lang="en-US" sz="1050" dirty="0">
+                <a:solidFill>
+                  <a:srgbClr val="7030A0"/>
+                </a:solidFill>
+              </a:rPr>
+              <a:t>Timeslot</a:t>
+            </a:r>
+            <a:endParaRPr lang="en-SG" sz="1050" dirty="0">
+              <a:solidFill>
+                <a:srgbClr val="7030A0"/>
+              </a:solidFill>
+            </a:endParaRPr>
+          </a:p>
+        </p:txBody>
+      </p:sp>
+      <p:sp>
+        <p:nvSpPr>
+          <p:cNvPr id="68" name="Rectangle 8"/>
+          <p:cNvSpPr/>
+          <p:nvPr/>
+        </p:nvSpPr>
+        <p:spPr>
+          <a:xfrm>
+            <a:off x="4465340" y="1961360"/>
+            <a:ext cx="893892" cy="375642"/>
+          </a:xfrm>
+          <a:prstGeom prst="rect">
+            <a:avLst/>
+          </a:prstGeom>
+          <a:ln w="19050">
+            <a:solidFill>
+              <a:srgbClr val="7030A0"/>
+            </a:solidFill>
+          </a:ln>
+          <a:effectLst/>
+        </p:spPr>
+        <p:style>
+          <a:lnRef idx="1">
+            <a:schemeClr val="accent4"/>
+          </a:lnRef>
+          <a:fillRef idx="2">
+            <a:schemeClr val="accent4"/>
+          </a:fillRef>
+          <a:effectRef idx="1">
+            <a:schemeClr val="accent4"/>
+          </a:effectRef>
+          <a:fontRef idx="minor">
+            <a:schemeClr val="dk1"/>
+          </a:fontRef>
+        </p:style>
+        <p:txBody>
+          <a:bodyPr rtlCol="0" anchor="ctr"/>
+          <a:lstStyle/>
+          <a:p>
+            <a:pPr algn="ctr"/>
+            <a:r>
+              <a:rPr lang="en-US" sz="1050" dirty="0" err="1">
+                <a:solidFill>
+                  <a:srgbClr val="7030A0"/>
+                </a:solidFill>
+              </a:rPr>
+              <a:t>UserToDo</a:t>
+            </a:r>
+            <a:endParaRPr lang="en-SG" sz="1050" dirty="0">
+              <a:solidFill>
+                <a:srgbClr val="7030A0"/>
+              </a:solidFill>
+            </a:endParaRPr>
+          </a:p>
+        </p:txBody>
+      </p:sp>
+      <p:cxnSp>
+        <p:nvCxnSpPr>
+          <p:cNvPr id="69" name="Elbow Connector 80"/>
+          <p:cNvCxnSpPr>
+            <a:cxnSpLocks/>
+            <a:stCxn id="70" idx="3"/>
+            <a:endCxn id="33" idx="1"/>
+          </p:cNvCxnSpPr>
+          <p:nvPr/>
+        </p:nvCxnSpPr>
+        <p:spPr>
+          <a:xfrm flipV="1">
+            <a:off x="5621071" y="1401260"/>
+            <a:ext cx="556941" cy="766229"/>
+          </a:xfrm>
+          <a:prstGeom prst="bentConnector3">
+            <a:avLst>
+              <a:gd name="adj1" fmla="val 50000"/>
+            </a:avLst>
+          </a:prstGeom>
+          <a:ln w="19050">
+            <a:solidFill>
+              <a:srgbClr val="7030A0"/>
+            </a:solidFill>
+            <a:headEnd type="none" w="med" len="med"/>
+            <a:tailEnd type="arrow" w="med" len="med"/>
+          </a:ln>
+          <a:effectLst/>
+        </p:spPr>
+        <p:style>
+          <a:lnRef idx="1">
+            <a:schemeClr val="accent2"/>
+          </a:lnRef>
+          <a:fillRef idx="2">
+            <a:schemeClr val="accent2"/>
+          </a:fillRef>
+          <a:effectRef idx="1">
+            <a:schemeClr val="accent2"/>
+          </a:effectRef>
+          <a:fontRef idx="minor">
+            <a:schemeClr val="dk1"/>
+          </a:fontRef>
+        </p:style>
+      </p:cxnSp>
+      <p:sp>
+        <p:nvSpPr>
+          <p:cNvPr id="70" name="Flowchart: Decision 96"/>
+          <p:cNvSpPr/>
+          <p:nvPr/>
+        </p:nvSpPr>
+        <p:spPr>
+          <a:xfrm>
+            <a:off x="5374391" y="2098549"/>
+            <a:ext cx="246680" cy="137880"/>
+          </a:xfrm>
+          <a:prstGeom prst="flowChartDecision">
+            <a:avLst/>
+          </a:prstGeom>
+          <a:solidFill>
+            <a:srgbClr val="7030A0"/>
+          </a:solidFill>
+          <a:ln w="19050">
+            <a:solidFill>
+              <a:srgbClr val="7030A0"/>
+            </a:solidFill>
+          </a:ln>
+          <a:effectLst/>
+        </p:spPr>
+        <p:style>
+          <a:lnRef idx="1">
+            <a:schemeClr val="accent6"/>
+          </a:lnRef>
+          <a:fillRef idx="2">
+            <a:schemeClr val="accent6"/>
+          </a:fillRef>
+          <a:effectRef idx="1">
+            <a:schemeClr val="accent6"/>
+          </a:effectRef>
+          <a:fontRef idx="minor">
+            <a:schemeClr val="dk1"/>
+          </a:fontRef>
+        </p:style>
+        <p:txBody>
+          <a:bodyPr rtlCol="0" anchor="ctr"/>
+          <a:lstStyle/>
+          <a:p>
+            <a:pPr algn="ctr"/>
+            <a:endParaRPr lang="en-US" sz="1050"/>
+          </a:p>
+        </p:txBody>
+      </p:sp>
+      <p:cxnSp>
+        <p:nvCxnSpPr>
+          <p:cNvPr id="71" name="Elbow Connector 80"/>
+          <p:cNvCxnSpPr>
+            <a:cxnSpLocks/>
+            <a:stCxn id="70" idx="3"/>
+            <a:endCxn id="34" idx="1"/>
+          </p:cNvCxnSpPr>
+          <p:nvPr/>
+        </p:nvCxnSpPr>
+        <p:spPr>
+          <a:xfrm>
+            <a:off x="5621071" y="2167489"/>
+            <a:ext cx="556941" cy="1165328"/>
+          </a:xfrm>
+          <a:prstGeom prst="bentConnector3">
+            <a:avLst>
+              <a:gd name="adj1" fmla="val 50000"/>
+            </a:avLst>
+          </a:prstGeom>
+          <a:ln w="19050">
+            <a:solidFill>
+              <a:srgbClr val="7030A0"/>
+            </a:solidFill>
+            <a:headEnd type="none" w="med" len="med"/>
+            <a:tailEnd type="arrow" w="med" len="med"/>
+          </a:ln>
+          <a:effectLst/>
+        </p:spPr>
+        <p:style>
+          <a:lnRef idx="1">
+            <a:schemeClr val="accent2"/>
+          </a:lnRef>
+          <a:fillRef idx="2">
+            <a:schemeClr val="accent2"/>
+          </a:fillRef>
+          <a:effectRef idx="1">
+            <a:schemeClr val="accent2"/>
+          </a:effectRef>
+          <a:fontRef idx="minor">
+            <a:schemeClr val="dk1"/>
+          </a:fontRef>
+        </p:style>
+      </p:cxnSp>
+      <p:sp>
+        <p:nvSpPr>
+          <p:cNvPr id="77" name="Isosceles Triangle 102"/>
+          <p:cNvSpPr/>
+          <p:nvPr/>
+        </p:nvSpPr>
+        <p:spPr>
+          <a:xfrm rot="16200000" flipV="1">
+            <a:off x="4287962" y="2096440"/>
+            <a:ext cx="219945" cy="114345"/>
+          </a:xfrm>
+          <a:prstGeom prst="triangle">
+            <a:avLst/>
+          </a:prstGeom>
+          <a:solidFill>
+            <a:srgbClr val="7030A0"/>
+          </a:solidFill>
+          <a:ln w="19050">
+            <a:solidFill>
+              <a:srgbClr val="7030A0"/>
+            </a:solidFill>
+          </a:ln>
+          <a:effectLst/>
+        </p:spPr>
+        <p:style>
+          <a:lnRef idx="1">
+            <a:schemeClr val="accent4"/>
+          </a:lnRef>
+          <a:fillRef idx="2">
+            <a:schemeClr val="accent4"/>
+          </a:fillRef>
+          <a:effectRef idx="1">
+            <a:schemeClr val="accent4"/>
+          </a:effectRef>
+          <a:fontRef idx="minor">
+            <a:schemeClr val="dk1"/>
+          </a:fontRef>
+        </p:style>
+        <p:txBody>
+          <a:bodyPr rtlCol="0" anchor="ctr"/>
+          <a:lstStyle/>
+          <a:p>
+            <a:pPr algn="ctr"/>
             <a:endParaRPr lang="en-SG" sz="1050" b="1">
               <a:solidFill>
                 <a:srgbClr val="92D050"/>
@@ -7071,28 +7163,27 @@
       </p:sp>
       <p:cxnSp>
         <p:nvCxnSpPr>
-          <p:cNvPr id="249" name="Elbow Connector 63"/>
+          <p:cNvPr id="78" name="Elbow Connector 63"/>
           <p:cNvCxnSpPr>
             <a:cxnSpLocks/>
-            <a:stCxn id="246" idx="3"/>
+            <a:stCxn id="77" idx="3"/>
+            <a:endCxn id="21" idx="2"/>
           </p:cNvCxnSpPr>
           <p:nvPr/>
         </p:nvCxnSpPr>
         <p:spPr>
           <a:xfrm rot="10800000">
-            <a:off x="6175058" y="2146802"/>
-            <a:ext cx="503821" cy="210949"/>
-          </a:xfrm>
-          <a:prstGeom prst="bentConnector3">
-            <a:avLst>
-              <a:gd name="adj1" fmla="val 110498"/>
-            </a:avLst>
+            <a:off x="1460088" y="1115350"/>
+            <a:ext cx="2880674" cy="1038262"/>
+          </a:xfrm>
+          <a:prstGeom prst="bentConnector2">
+            <a:avLst/>
           </a:prstGeom>
           <a:ln w="19050">
             <a:solidFill>
               <a:srgbClr val="7030A0"/>
             </a:solidFill>
-            <a:prstDash val="sysDot"/>
+            <a:prstDash val="solid"/>
             <a:headEnd type="none" w="med" len="med"/>
             <a:tailEnd type="none" w="med" len="med"/>
           </a:ln>
@@ -7115,28 +7206,27 @@
       </p:cxnSp>
       <p:cxnSp>
         <p:nvCxnSpPr>
-          <p:cNvPr id="255" name="Elbow Connector 63"/>
+          <p:cNvPr id="79" name="Elbow Connector 63"/>
           <p:cNvCxnSpPr>
             <a:cxnSpLocks/>
-            <a:stCxn id="246" idx="3"/>
+            <a:stCxn id="77" idx="3"/>
+            <a:endCxn id="54" idx="0"/>
           </p:cNvCxnSpPr>
           <p:nvPr/>
         </p:nvCxnSpPr>
         <p:spPr>
           <a:xfrm rot="10800000" flipV="1">
-            <a:off x="6120996" y="2357749"/>
-            <a:ext cx="557883" cy="295553"/>
-          </a:xfrm>
-          <a:prstGeom prst="bentConnector3">
-            <a:avLst>
-              <a:gd name="adj1" fmla="val 101221"/>
-            </a:avLst>
+            <a:off x="1460088" y="2153611"/>
+            <a:ext cx="2880674" cy="669791"/>
+          </a:xfrm>
+          <a:prstGeom prst="bentConnector2">
+            <a:avLst/>
           </a:prstGeom>
           <a:ln w="19050">
             <a:solidFill>
               <a:srgbClr val="7030A0"/>
             </a:solidFill>
-            <a:prstDash val="sysDot"/>
+            <a:prstDash val="solid"/>
             <a:headEnd type="none" w="med" len="med"/>
             <a:tailEnd type="none" w="med" len="med"/>
           </a:ln>
@@ -7157,38 +7247,366 @@
           </a:fontRef>
         </p:style>
       </p:cxnSp>
-      <p:sp>
-        <p:nvSpPr>
-          <p:cNvPr id="260" name="TextBox 259"/>
-          <p:cNvSpPr txBox="1"/>
+      <p:grpSp>
+        <p:nvGrpSpPr>
+          <p:cNvPr id="110" name="Group 109"/>
+          <p:cNvGrpSpPr/>
           <p:nvPr/>
-        </p:nvSpPr>
-        <p:spPr>
-          <a:xfrm>
-            <a:off x="6654464" y="3422889"/>
-            <a:ext cx="378989" cy="185353"/>
+        </p:nvGrpSpPr>
+        <p:grpSpPr>
+          <a:xfrm>
+            <a:off x="1343314" y="3191281"/>
+            <a:ext cx="1165163" cy="961012"/>
+            <a:chOff x="3263608" y="3454413"/>
+            <a:chExt cx="1165163" cy="961012"/>
+          </a:xfrm>
+        </p:grpSpPr>
+        <p:grpSp>
+          <p:nvGrpSpPr>
+            <p:cNvPr id="109" name="Group 108"/>
+            <p:cNvGrpSpPr/>
+            <p:nvPr/>
+          </p:nvGrpSpPr>
+          <p:grpSpPr>
+            <a:xfrm>
+              <a:off x="3263608" y="3454413"/>
+              <a:ext cx="1101322" cy="692214"/>
+              <a:chOff x="3263608" y="3454413"/>
+              <a:chExt cx="1101322" cy="692214"/>
+            </a:xfrm>
+          </p:grpSpPr>
+          <p:sp>
+            <p:nvSpPr>
+              <p:cNvPr id="63" name="Flowchart: Decision 96"/>
+              <p:cNvSpPr/>
+              <p:nvPr/>
+            </p:nvSpPr>
+            <p:spPr>
+              <a:xfrm>
+                <a:off x="3263608" y="3454413"/>
+                <a:ext cx="246680" cy="137880"/>
+              </a:xfrm>
+              <a:prstGeom prst="flowChartDecision">
+                <a:avLst/>
+              </a:prstGeom>
+              <a:solidFill>
+                <a:srgbClr val="7030A0"/>
+              </a:solidFill>
+              <a:ln w="19050">
+                <a:solidFill>
+                  <a:srgbClr val="7030A0"/>
+                </a:solidFill>
+              </a:ln>
+              <a:effectLst/>
+            </p:spPr>
+            <p:style>
+              <a:lnRef idx="1">
+                <a:schemeClr val="accent6"/>
+              </a:lnRef>
+              <a:fillRef idx="2">
+                <a:schemeClr val="accent6"/>
+              </a:fillRef>
+              <a:effectRef idx="1">
+                <a:schemeClr val="accent6"/>
+              </a:effectRef>
+              <a:fontRef idx="minor">
+                <a:schemeClr val="dk1"/>
+              </a:fontRef>
+            </p:style>
+            <p:txBody>
+              <a:bodyPr rtlCol="0" anchor="ctr"/>
+              <a:lstStyle/>
+              <a:p>
+                <a:pPr algn="ctr"/>
+                <a:endParaRPr lang="en-US" sz="1050"/>
+              </a:p>
+            </p:txBody>
+          </p:sp>
+          <p:cxnSp>
+            <p:nvCxnSpPr>
+              <p:cNvPr id="66" name="Elbow Connector 80"/>
+              <p:cNvCxnSpPr>
+                <a:cxnSpLocks/>
+                <a:stCxn id="63" idx="2"/>
+                <a:endCxn id="64" idx="1"/>
+              </p:cNvCxnSpPr>
+              <p:nvPr/>
+            </p:nvCxnSpPr>
+            <p:spPr>
+              <a:xfrm rot="16200000" flipH="1">
+                <a:off x="3814175" y="3165065"/>
+                <a:ext cx="116655" cy="971109"/>
+              </a:xfrm>
+              <a:prstGeom prst="bentConnector2">
+                <a:avLst/>
+              </a:prstGeom>
+              <a:ln w="19050">
+                <a:solidFill>
+                  <a:srgbClr val="7030A0"/>
+                </a:solidFill>
+                <a:headEnd type="none" w="med" len="med"/>
+                <a:tailEnd type="arrow" w="med" len="med"/>
+              </a:ln>
+              <a:effectLst/>
+            </p:spPr>
+            <p:style>
+              <a:lnRef idx="1">
+                <a:schemeClr val="accent2"/>
+              </a:lnRef>
+              <a:fillRef idx="2">
+                <a:schemeClr val="accent2"/>
+              </a:fillRef>
+              <a:effectRef idx="1">
+                <a:schemeClr val="accent2"/>
+              </a:effectRef>
+              <a:fontRef idx="minor">
+                <a:schemeClr val="dk1"/>
+              </a:fontRef>
+            </p:style>
+          </p:cxnSp>
+          <p:cxnSp>
+            <p:nvCxnSpPr>
+              <p:cNvPr id="67" name="Elbow Connector 80"/>
+              <p:cNvCxnSpPr>
+                <a:cxnSpLocks/>
+                <a:stCxn id="63" idx="2"/>
+                <a:endCxn id="65" idx="1"/>
+              </p:cNvCxnSpPr>
+              <p:nvPr/>
+            </p:nvCxnSpPr>
+            <p:spPr>
+              <a:xfrm rot="16200000" flipH="1">
+                <a:off x="3598772" y="3380468"/>
+                <a:ext cx="554334" cy="977983"/>
+              </a:xfrm>
+              <a:prstGeom prst="bentConnector2">
+                <a:avLst/>
+              </a:prstGeom>
+              <a:ln w="19050">
+                <a:solidFill>
+                  <a:srgbClr val="7030A0"/>
+                </a:solidFill>
+                <a:headEnd type="none" w="med" len="med"/>
+                <a:tailEnd type="arrow" w="med" len="med"/>
+              </a:ln>
+              <a:effectLst/>
+            </p:spPr>
+            <p:style>
+              <a:lnRef idx="1">
+                <a:schemeClr val="accent2"/>
+              </a:lnRef>
+              <a:fillRef idx="2">
+                <a:schemeClr val="accent2"/>
+              </a:fillRef>
+              <a:effectRef idx="1">
+                <a:schemeClr val="accent2"/>
+              </a:effectRef>
+              <a:fontRef idx="minor">
+                <a:schemeClr val="dk1"/>
+              </a:fontRef>
+            </p:style>
+          </p:cxnSp>
+        </p:grpSp>
+        <p:sp>
+          <p:nvSpPr>
+            <p:cNvPr id="80" name="TextBox 79"/>
+            <p:cNvSpPr txBox="1"/>
+            <p:nvPr/>
+          </p:nvSpPr>
+          <p:spPr>
+            <a:xfrm>
+              <a:off x="4049782" y="4230072"/>
+              <a:ext cx="378989" cy="185353"/>
+            </a:xfrm>
+            <a:prstGeom prst="rect">
+              <a:avLst/>
+            </a:prstGeom>
+            <a:noFill/>
+          </p:spPr>
+          <p:txBody>
+            <a:bodyPr wrap="square" lIns="0" tIns="0" rIns="0" bIns="0" rtlCol="0">
+              <a:noAutofit/>
+            </a:bodyPr>
+            <a:lstStyle/>
+            <a:p>
+              <a:pPr algn="ctr"/>
+              <a:r>
+                <a:rPr lang="en-US" sz="1100" dirty="0">
+                  <a:solidFill>
+                    <a:srgbClr val="7030A0"/>
+                  </a:solidFill>
+                </a:rPr>
+                <a:t>1..*</a:t>
+              </a:r>
+              <a:endParaRPr lang="en-SG" sz="1100" dirty="0">
+                <a:solidFill>
+                  <a:srgbClr val="7030A0"/>
+                </a:solidFill>
+              </a:endParaRPr>
+            </a:p>
+          </p:txBody>
+        </p:sp>
+      </p:grpSp>
+      <p:grpSp>
+        <p:nvGrpSpPr>
+          <p:cNvPr id="137" name="Group 136"/>
+          <p:cNvGrpSpPr/>
+          <p:nvPr/>
+        </p:nvGrpSpPr>
+        <p:grpSpPr>
+          <a:xfrm>
+            <a:off x="4808480" y="1263273"/>
+            <a:ext cx="216675" cy="698089"/>
+            <a:chOff x="4317908" y="1535141"/>
+            <a:chExt cx="426420" cy="562301"/>
+          </a:xfrm>
+        </p:grpSpPr>
+        <p:sp>
+          <p:nvSpPr>
+            <p:cNvPr id="56" name="Isosceles Triangle 102"/>
+            <p:cNvSpPr/>
+            <p:nvPr/>
+          </p:nvSpPr>
+          <p:spPr>
+            <a:xfrm rot="10800000" flipV="1">
+              <a:off x="4317908" y="1535141"/>
+              <a:ext cx="426420" cy="133839"/>
+            </a:xfrm>
+            <a:prstGeom prst="triangle">
+              <a:avLst/>
+            </a:prstGeom>
+            <a:solidFill>
+              <a:srgbClr val="7030A0"/>
+            </a:solidFill>
+            <a:ln w="19050">
+              <a:solidFill>
+                <a:srgbClr val="7030A0"/>
+              </a:solidFill>
+            </a:ln>
+            <a:effectLst/>
+          </p:spPr>
+          <p:style>
+            <a:lnRef idx="1">
+              <a:schemeClr val="accent4"/>
+            </a:lnRef>
+            <a:fillRef idx="2">
+              <a:schemeClr val="accent4"/>
+            </a:fillRef>
+            <a:effectRef idx="1">
+              <a:schemeClr val="accent4"/>
+            </a:effectRef>
+            <a:fontRef idx="minor">
+              <a:schemeClr val="dk1"/>
+            </a:fontRef>
+          </p:style>
+          <p:txBody>
+            <a:bodyPr rtlCol="0" anchor="ctr"/>
+            <a:lstStyle/>
+            <a:p>
+              <a:pPr algn="ctr"/>
+              <a:endParaRPr lang="en-SG" sz="1050" b="1">
+                <a:solidFill>
+                  <a:srgbClr val="92D050"/>
+                </a:solidFill>
+              </a:endParaRPr>
+            </a:p>
+          </p:txBody>
+        </p:sp>
+        <p:cxnSp>
+          <p:nvCxnSpPr>
+            <p:cNvPr id="81" name="Elbow Connector 63"/>
+            <p:cNvCxnSpPr>
+              <a:cxnSpLocks/>
+              <a:stCxn id="56" idx="3"/>
+              <a:endCxn id="68" idx="0"/>
+            </p:cNvCxnSpPr>
+            <p:nvPr/>
+          </p:nvCxnSpPr>
+          <p:spPr>
+            <a:xfrm rot="5400000">
+              <a:off x="4312430" y="1878752"/>
+              <a:ext cx="428462" cy="8917"/>
+            </a:xfrm>
+            <a:prstGeom prst="bentConnector3">
+              <a:avLst>
+                <a:gd name="adj1" fmla="val 50000"/>
+              </a:avLst>
+            </a:prstGeom>
+            <a:ln w="19050">
+              <a:solidFill>
+                <a:srgbClr val="7030A0"/>
+              </a:solidFill>
+              <a:prstDash val="sysDot"/>
+              <a:headEnd type="none" w="med" len="med"/>
+              <a:tailEnd type="none" w="med" len="med"/>
+            </a:ln>
+            <a:effectLst/>
+          </p:spPr>
+          <p:style>
+            <a:lnRef idx="1">
+              <a:schemeClr val="accent2"/>
+            </a:lnRef>
+            <a:fillRef idx="2">
+              <a:schemeClr val="accent2"/>
+            </a:fillRef>
+            <a:effectRef idx="1">
+              <a:schemeClr val="accent2"/>
+            </a:effectRef>
+            <a:fontRef idx="minor">
+              <a:schemeClr val="dk1"/>
+            </a:fontRef>
+          </p:style>
+        </p:cxnSp>
+      </p:grpSp>
+      <p:sp>
+        <p:nvSpPr>
+          <p:cNvPr id="84" name="Rectangle 8"/>
+          <p:cNvSpPr/>
+          <p:nvPr/>
+        </p:nvSpPr>
+        <p:spPr>
+          <a:xfrm>
+            <a:off x="6178012" y="1678893"/>
+            <a:ext cx="846023" cy="257001"/>
           </a:xfrm>
           <a:prstGeom prst="rect">
             <a:avLst/>
           </a:prstGeom>
-          <a:noFill/>
-        </p:spPr>
-        <p:txBody>
-          <a:bodyPr wrap="square" lIns="0" tIns="0" rIns="0" bIns="0" rtlCol="0">
-            <a:noAutofit/>
-          </a:bodyPr>
+          <a:ln w="19050">
+            <a:solidFill>
+              <a:srgbClr val="7030A0"/>
+            </a:solidFill>
+          </a:ln>
+          <a:effectLst/>
+        </p:spPr>
+        <p:style>
+          <a:lnRef idx="1">
+            <a:schemeClr val="accent4"/>
+          </a:lnRef>
+          <a:fillRef idx="2">
+            <a:schemeClr val="accent4"/>
+          </a:fillRef>
+          <a:effectRef idx="1">
+            <a:schemeClr val="accent4"/>
+          </a:effectRef>
+          <a:fontRef idx="minor">
+            <a:schemeClr val="dk1"/>
+          </a:fontRef>
+        </p:style>
+        <p:txBody>
+          <a:bodyPr rtlCol="0" anchor="ctr"/>
           <a:lstStyle/>
           <a:p>
             <a:pPr algn="ctr"/>
             <a:r>
-              <a:rPr lang="en-US" sz="1100" dirty="0">
+              <a:rPr lang="en-US" sz="1050" dirty="0">
                 <a:solidFill>
                   <a:srgbClr val="7030A0"/>
                 </a:solidFill>
               </a:rPr>
-              <a:t>1..*</a:t>
-            </a:r>
-            <a:endParaRPr lang="en-SG" sz="1100" dirty="0">
+              <a:t>Priority</a:t>
+            </a:r>
+            <a:endParaRPr lang="en-SG" sz="1050" dirty="0">
               <a:solidFill>
                 <a:srgbClr val="7030A0"/>
               </a:solidFill>
@@ -7196,31 +7614,88 @@
           </a:p>
         </p:txBody>
       </p:sp>
-      <p:cxnSp>
-        <p:nvCxnSpPr>
-          <p:cNvPr id="261" name="Elbow Connector 63"/>
-          <p:cNvCxnSpPr>
-            <a:cxnSpLocks/>
-          </p:cNvCxnSpPr>
+      <p:sp>
+        <p:nvSpPr>
+          <p:cNvPr id="92" name="Rectangle 8"/>
+          <p:cNvSpPr/>
           <p:nvPr/>
-        </p:nvCxnSpPr>
-        <p:spPr>
-          <a:xfrm>
-            <a:off x="4972437" y="640886"/>
-            <a:ext cx="2089214" cy="1517395"/>
-          </a:xfrm>
-          <a:prstGeom prst="bentConnector3">
-            <a:avLst>
-              <a:gd name="adj1" fmla="val 83738"/>
-            </a:avLst>
+        </p:nvSpPr>
+        <p:spPr>
+          <a:xfrm>
+            <a:off x="6178012" y="2545188"/>
+            <a:ext cx="1156969" cy="346760"/>
+          </a:xfrm>
+          <a:prstGeom prst="rect">
+            <a:avLst/>
           </a:prstGeom>
           <a:ln w="19050">
             <a:solidFill>
               <a:srgbClr val="7030A0"/>
             </a:solidFill>
-            <a:prstDash val="sysDot"/>
+          </a:ln>
+          <a:effectLst/>
+        </p:spPr>
+        <p:style>
+          <a:lnRef idx="1">
+            <a:schemeClr val="accent4"/>
+          </a:lnRef>
+          <a:fillRef idx="2">
+            <a:schemeClr val="accent4"/>
+          </a:fillRef>
+          <a:effectRef idx="1">
+            <a:schemeClr val="accent4"/>
+          </a:effectRef>
+          <a:fontRef idx="minor">
+            <a:schemeClr val="dk1"/>
+          </a:fontRef>
+        </p:style>
+        <p:txBody>
+          <a:bodyPr rtlCol="0" anchor="ctr"/>
+          <a:lstStyle/>
+          <a:p>
+            <a:pPr algn="ctr"/>
+            <a:r>
+              <a:rPr lang="en-US" sz="1050" dirty="0" err="1">
+                <a:solidFill>
+                  <a:srgbClr val="7030A0"/>
+                </a:solidFill>
+              </a:rPr>
+              <a:t>UniqueTagList</a:t>
+            </a:r>
+            <a:endParaRPr lang="en-SG" sz="1050" dirty="0">
+              <a:solidFill>
+                <a:srgbClr val="7030A0"/>
+              </a:solidFill>
+            </a:endParaRPr>
+          </a:p>
+        </p:txBody>
+      </p:sp>
+      <p:cxnSp>
+        <p:nvCxnSpPr>
+          <p:cNvPr id="94" name="Elbow Connector 80"/>
+          <p:cNvCxnSpPr>
+            <a:cxnSpLocks/>
+            <a:stCxn id="70" idx="3"/>
+            <a:endCxn id="92" idx="1"/>
+          </p:cNvCxnSpPr>
+          <p:nvPr/>
+        </p:nvCxnSpPr>
+        <p:spPr>
+          <a:xfrm>
+            <a:off x="5621071" y="2167489"/>
+            <a:ext cx="556941" cy="551079"/>
+          </a:xfrm>
+          <a:prstGeom prst="bentConnector3">
+            <a:avLst>
+              <a:gd name="adj1" fmla="val 50000"/>
+            </a:avLst>
+          </a:prstGeom>
+          <a:ln w="19050">
+            <a:solidFill>
+              <a:srgbClr val="7030A0"/>
+            </a:solidFill>
             <a:headEnd type="none" w="med" len="med"/>
-            <a:tailEnd type="none" w="med" len="med"/>
+            <a:tailEnd type="arrow" w="med" len="med"/>
           </a:ln>
           <a:effectLst/>
         </p:spPr>
@@ -7239,10 +7714,217 @@
           </a:fontRef>
         </p:style>
       </p:cxnSp>
+      <p:grpSp>
+        <p:nvGrpSpPr>
+          <p:cNvPr id="184" name="Group 183"/>
+          <p:cNvGrpSpPr/>
+          <p:nvPr/>
+        </p:nvGrpSpPr>
+        <p:grpSpPr>
+          <a:xfrm>
+            <a:off x="1814181" y="2435897"/>
+            <a:ext cx="770442" cy="560886"/>
+            <a:chOff x="3511069" y="1019846"/>
+            <a:chExt cx="770442" cy="560886"/>
+          </a:xfrm>
+        </p:grpSpPr>
+        <p:cxnSp>
+          <p:nvCxnSpPr>
+            <p:cNvPr id="185" name="Elbow Connector 63"/>
+            <p:cNvCxnSpPr>
+              <a:cxnSpLocks/>
+              <a:stCxn id="186" idx="3"/>
+              <a:endCxn id="54" idx="3"/>
+            </p:cNvCxnSpPr>
+            <p:nvPr/>
+          </p:nvCxnSpPr>
+          <p:spPr>
+            <a:xfrm rot="10800000" flipV="1">
+              <a:off x="3511069" y="1155098"/>
+              <a:ext cx="633642" cy="425634"/>
+            </a:xfrm>
+            <a:prstGeom prst="bentConnector3">
+              <a:avLst>
+                <a:gd name="adj1" fmla="val 50000"/>
+              </a:avLst>
+            </a:prstGeom>
+            <a:ln w="19050">
+              <a:solidFill>
+                <a:srgbClr val="7030A0"/>
+              </a:solidFill>
+              <a:prstDash val="sysDot"/>
+              <a:headEnd type="none" w="med" len="med"/>
+              <a:tailEnd type="none" w="med" len="med"/>
+            </a:ln>
+            <a:effectLst/>
+          </p:spPr>
+          <p:style>
+            <a:lnRef idx="1">
+              <a:schemeClr val="accent2"/>
+            </a:lnRef>
+            <a:fillRef idx="2">
+              <a:schemeClr val="accent2"/>
+            </a:fillRef>
+            <a:effectRef idx="1">
+              <a:schemeClr val="accent2"/>
+            </a:effectRef>
+            <a:fontRef idx="minor">
+              <a:schemeClr val="dk1"/>
+            </a:fontRef>
+          </p:style>
+        </p:cxnSp>
+        <p:sp>
+          <p:nvSpPr>
+            <p:cNvPr id="186" name="Isosceles Triangle 102"/>
+            <p:cNvSpPr/>
+            <p:nvPr/>
+          </p:nvSpPr>
+          <p:spPr>
+            <a:xfrm rot="16200000" flipV="1">
+              <a:off x="4077859" y="1086698"/>
+              <a:ext cx="270504" cy="136800"/>
+            </a:xfrm>
+            <a:prstGeom prst="triangle">
+              <a:avLst/>
+            </a:prstGeom>
+            <a:solidFill>
+              <a:srgbClr val="7030A0"/>
+            </a:solidFill>
+            <a:ln w="19050">
+              <a:solidFill>
+                <a:srgbClr val="7030A0"/>
+              </a:solidFill>
+            </a:ln>
+            <a:effectLst/>
+          </p:spPr>
+          <p:style>
+            <a:lnRef idx="1">
+              <a:schemeClr val="accent4"/>
+            </a:lnRef>
+            <a:fillRef idx="2">
+              <a:schemeClr val="accent4"/>
+            </a:fillRef>
+            <a:effectRef idx="1">
+              <a:schemeClr val="accent4"/>
+            </a:effectRef>
+            <a:fontRef idx="minor">
+              <a:schemeClr val="dk1"/>
+            </a:fontRef>
+          </p:style>
+          <p:txBody>
+            <a:bodyPr rtlCol="0" anchor="ctr"/>
+            <a:lstStyle/>
+            <a:p>
+              <a:pPr algn="ctr"/>
+              <a:endParaRPr lang="en-SG" sz="1050" b="1">
+                <a:solidFill>
+                  <a:srgbClr val="92D050"/>
+                </a:solidFill>
+              </a:endParaRPr>
+            </a:p>
+          </p:txBody>
+        </p:sp>
+      </p:grpSp>
+      <p:cxnSp>
+        <p:nvCxnSpPr>
+          <p:cNvPr id="206" name="Elbow Connector 63"/>
+          <p:cNvCxnSpPr>
+            <a:cxnSpLocks/>
+            <a:stCxn id="61" idx="3"/>
+            <a:endCxn id="222" idx="3"/>
+          </p:cNvCxnSpPr>
+          <p:nvPr/>
+        </p:nvCxnSpPr>
+        <p:spPr>
+          <a:xfrm flipV="1">
+            <a:off x="3741592" y="1088619"/>
+            <a:ext cx="383123" cy="1482529"/>
+          </a:xfrm>
+          <a:prstGeom prst="bentConnector3">
+            <a:avLst>
+              <a:gd name="adj1" fmla="val 50000"/>
+            </a:avLst>
+          </a:prstGeom>
+          <a:ln w="19050">
+            <a:solidFill>
+              <a:srgbClr val="7030A0"/>
+            </a:solidFill>
+            <a:prstDash val="solid"/>
+            <a:headEnd type="none" w="med" len="med"/>
+            <a:tailEnd type="none" w="med" len="med"/>
+          </a:ln>
+          <a:effectLst/>
+        </p:spPr>
+        <p:style>
+          <a:lnRef idx="1">
+            <a:schemeClr val="accent2"/>
+          </a:lnRef>
+          <a:fillRef idx="2">
+            <a:schemeClr val="accent2"/>
+          </a:fillRef>
+          <a:effectRef idx="1">
+            <a:schemeClr val="accent2"/>
+          </a:effectRef>
+          <a:fontRef idx="minor">
+            <a:schemeClr val="dk1"/>
+          </a:fontRef>
+        </p:style>
+      </p:cxnSp>
+      <p:sp>
+        <p:nvSpPr>
+          <p:cNvPr id="222" name="Isosceles Triangle 102"/>
+          <p:cNvSpPr/>
+          <p:nvPr/>
+        </p:nvSpPr>
+        <p:spPr>
+          <a:xfrm rot="16200000" flipV="1">
+            <a:off x="4099457" y="1005540"/>
+            <a:ext cx="216675" cy="166159"/>
+          </a:xfrm>
+          <a:prstGeom prst="triangle">
+            <a:avLst/>
+          </a:prstGeom>
+          <a:solidFill>
+            <a:srgbClr val="7030A0"/>
+          </a:solidFill>
+          <a:ln w="19050">
+            <a:solidFill>
+              <a:srgbClr val="7030A0"/>
+            </a:solidFill>
+          </a:ln>
+          <a:effectLst/>
+        </p:spPr>
+        <p:style>
+          <a:lnRef idx="1">
+            <a:schemeClr val="accent4"/>
+          </a:lnRef>
+          <a:fillRef idx="2">
+            <a:schemeClr val="accent4"/>
+          </a:fillRef>
+          <a:effectRef idx="1">
+            <a:schemeClr val="accent4"/>
+          </a:effectRef>
+          <a:fontRef idx="minor">
+            <a:schemeClr val="dk1"/>
+          </a:fontRef>
+        </p:style>
+        <p:txBody>
+          <a:bodyPr rtlCol="0" anchor="ctr"/>
+          <a:lstStyle/>
+          <a:p>
+            <a:pPr algn="ctr"/>
+            <a:endParaRPr lang="en-SG" sz="1050" b="1">
+              <a:solidFill>
+                <a:srgbClr val="92D050"/>
+              </a:solidFill>
+            </a:endParaRPr>
+          </a:p>
+        </p:txBody>
+      </p:sp>
     </p:spTree>
     <p:extLst>
       <p:ext uri="{BB962C8B-B14F-4D97-AF65-F5344CB8AC3E}">
-        <p14:creationId xmlns:p14="http://schemas.microsoft.com/office/powerpoint/2010/main" val="2396968029"/>
+        <p14:creationId xmlns:p14="http://schemas.microsoft.com/office/powerpoint/2010/main" val="1540460188"/>
       </p:ext>
     </p:extLst>
   </p:cSld>

--- a/docs/diagrams/ModelComponentClassDiagram.pptx
+++ b/docs/diagrams/ModelComponentClassDiagram.pptx
@@ -208,7 +208,7 @@
           <a:p>
             <a:fld id="{F5CC4B3F-88C1-4FFA-B1B6-F41C21DC6924}" type="datetimeFigureOut">
               <a:rPr lang="en-US" smtClean="0"/>
-              <a:t>3/9/17</a:t>
+              <a:t>4/6/17</a:t>
             </a:fld>
             <a:endParaRPr lang="en-US"/>
           </a:p>
@@ -657,7 +657,7 @@
           <a:p>
             <a:fld id="{78C97017-6FC3-485B-9764-EAC9E56C1D49}" type="datetimeFigureOut">
               <a:rPr lang="en-US" smtClean="0"/>
-              <a:t>3/9/17</a:t>
+              <a:t>4/6/17</a:t>
             </a:fld>
             <a:endParaRPr lang="en-US"/>
           </a:p>
@@ -827,7 +827,7 @@
           <a:p>
             <a:fld id="{78C97017-6FC3-485B-9764-EAC9E56C1D49}" type="datetimeFigureOut">
               <a:rPr lang="en-US" smtClean="0"/>
-              <a:t>3/9/17</a:t>
+              <a:t>4/6/17</a:t>
             </a:fld>
             <a:endParaRPr lang="en-US"/>
           </a:p>
@@ -1007,7 +1007,7 @@
           <a:p>
             <a:fld id="{78C97017-6FC3-485B-9764-EAC9E56C1D49}" type="datetimeFigureOut">
               <a:rPr lang="en-US" smtClean="0"/>
-              <a:t>3/9/17</a:t>
+              <a:t>4/6/17</a:t>
             </a:fld>
             <a:endParaRPr lang="en-US"/>
           </a:p>
@@ -1177,7 +1177,7 @@
           <a:p>
             <a:fld id="{78C97017-6FC3-485B-9764-EAC9E56C1D49}" type="datetimeFigureOut">
               <a:rPr lang="en-US" smtClean="0"/>
-              <a:t>3/9/17</a:t>
+              <a:t>4/6/17</a:t>
             </a:fld>
             <a:endParaRPr lang="en-US"/>
           </a:p>
@@ -1423,7 +1423,7 @@
           <a:p>
             <a:fld id="{78C97017-6FC3-485B-9764-EAC9E56C1D49}" type="datetimeFigureOut">
               <a:rPr lang="en-US" smtClean="0"/>
-              <a:t>3/9/17</a:t>
+              <a:t>4/6/17</a:t>
             </a:fld>
             <a:endParaRPr lang="en-US"/>
           </a:p>
@@ -1711,7 +1711,7 @@
           <a:p>
             <a:fld id="{78C97017-6FC3-485B-9764-EAC9E56C1D49}" type="datetimeFigureOut">
               <a:rPr lang="en-US" smtClean="0"/>
-              <a:t>3/9/17</a:t>
+              <a:t>4/6/17</a:t>
             </a:fld>
             <a:endParaRPr lang="en-US"/>
           </a:p>
@@ -2133,7 +2133,7 @@
           <a:p>
             <a:fld id="{78C97017-6FC3-485B-9764-EAC9E56C1D49}" type="datetimeFigureOut">
               <a:rPr lang="en-US" smtClean="0"/>
-              <a:t>3/9/17</a:t>
+              <a:t>4/6/17</a:t>
             </a:fld>
             <a:endParaRPr lang="en-US"/>
           </a:p>
@@ -2251,7 +2251,7 @@
           <a:p>
             <a:fld id="{78C97017-6FC3-485B-9764-EAC9E56C1D49}" type="datetimeFigureOut">
               <a:rPr lang="en-US" smtClean="0"/>
-              <a:t>3/9/17</a:t>
+              <a:t>4/6/17</a:t>
             </a:fld>
             <a:endParaRPr lang="en-US"/>
           </a:p>
@@ -2346,7 +2346,7 @@
           <a:p>
             <a:fld id="{78C97017-6FC3-485B-9764-EAC9E56C1D49}" type="datetimeFigureOut">
               <a:rPr lang="en-US" smtClean="0"/>
-              <a:t>3/9/17</a:t>
+              <a:t>4/6/17</a:t>
             </a:fld>
             <a:endParaRPr lang="en-US"/>
           </a:p>
@@ -2623,7 +2623,7 @@
           <a:p>
             <a:fld id="{78C97017-6FC3-485B-9764-EAC9E56C1D49}" type="datetimeFigureOut">
               <a:rPr lang="en-US" smtClean="0"/>
-              <a:t>3/9/17</a:t>
+              <a:t>4/6/17</a:t>
             </a:fld>
             <a:endParaRPr lang="en-US"/>
           </a:p>
@@ -2876,7 +2876,7 @@
           <a:p>
             <a:fld id="{78C97017-6FC3-485B-9764-EAC9E56C1D49}" type="datetimeFigureOut">
               <a:rPr lang="en-US" smtClean="0"/>
-              <a:t>3/9/17</a:t>
+              <a:t>4/6/17</a:t>
             </a:fld>
             <a:endParaRPr lang="en-US"/>
           </a:p>
@@ -3089,7 +3089,7 @@
           <a:p>
             <a:fld id="{78C97017-6FC3-485B-9764-EAC9E56C1D49}" type="datetimeFigureOut">
               <a:rPr lang="en-US" smtClean="0"/>
-              <a:t>3/9/17</a:t>
+              <a:t>4/6/17</a:t>
             </a:fld>
             <a:endParaRPr lang="en-US"/>
           </a:p>
@@ -4611,62 +4611,6 @@
       </p:cxnSp>
       <p:sp>
         <p:nvSpPr>
-          <p:cNvPr id="67" name="Rectangle 8"/>
-          <p:cNvSpPr/>
-          <p:nvPr/>
-        </p:nvSpPr>
-        <p:spPr>
-          <a:xfrm>
-            <a:off x="5336105" y="1809332"/>
-            <a:ext cx="483700" cy="346760"/>
-          </a:xfrm>
-          <a:prstGeom prst="rect">
-            <a:avLst/>
-          </a:prstGeom>
-          <a:ln w="19050">
-            <a:solidFill>
-              <a:srgbClr val="7030A0"/>
-            </a:solidFill>
-          </a:ln>
-          <a:effectLst/>
-        </p:spPr>
-        <p:style>
-          <a:lnRef idx="1">
-            <a:schemeClr val="accent4"/>
-          </a:lnRef>
-          <a:fillRef idx="2">
-            <a:schemeClr val="accent4"/>
-          </a:fillRef>
-          <a:effectRef idx="1">
-            <a:schemeClr val="accent4"/>
-          </a:effectRef>
-          <a:fontRef idx="minor">
-            <a:schemeClr val="dk1"/>
-          </a:fontRef>
-        </p:style>
-        <p:txBody>
-          <a:bodyPr rtlCol="0" anchor="ctr"/>
-          <a:lstStyle/>
-          <a:p>
-            <a:pPr algn="ctr"/>
-            <a:r>
-              <a:rPr lang="en-US" sz="1050" dirty="0" smtClean="0">
-                <a:solidFill>
-                  <a:srgbClr val="7030A0"/>
-                </a:solidFill>
-              </a:rPr>
-              <a:t>Tag</a:t>
-            </a:r>
-            <a:endParaRPr lang="en-SG" sz="1050" dirty="0">
-              <a:solidFill>
-                <a:srgbClr val="7030A0"/>
-              </a:solidFill>
-            </a:endParaRPr>
-          </a:p>
-        </p:txBody>
-      </p:sp>
-      <p:sp>
-        <p:nvSpPr>
           <p:cNvPr id="68" name="Flowchart: Decision 96"/>
           <p:cNvSpPr/>
           <p:nvPr/>
@@ -4722,7 +4666,7 @@
         <p:spPr>
           <a:xfrm rot="5400000" flipH="1" flipV="1">
             <a:off x="5161650" y="1860752"/>
-            <a:ext cx="52494" cy="296415"/>
+            <a:ext cx="52494" cy="296414"/>
           </a:xfrm>
           <a:prstGeom prst="bentConnector2">
             <a:avLst/>
@@ -5055,12 +4999,12 @@
           <a:p>
             <a:pPr algn="ctr"/>
             <a:r>
-              <a:rPr lang="en-US" altLang="zh-CN" sz="1050" dirty="0" err="1" smtClean="0">
+              <a:rPr lang="en-US" altLang="zh-CN" sz="1050" dirty="0" smtClean="0">
                 <a:solidFill>
                   <a:srgbClr val="7030A0"/>
                 </a:solidFill>
               </a:rPr>
-              <a:t>EndTime</a:t>
+              <a:t>Priority</a:t>
             </a:r>
             <a:endParaRPr lang="en-SG" sz="1050" dirty="0">
               <a:solidFill>
@@ -5152,12 +5096,12 @@
           <a:p>
             <a:pPr algn="ctr"/>
             <a:r>
-              <a:rPr lang="en-US" altLang="zh-CN" sz="1050" smtClean="0">
+              <a:rPr lang="en-US" altLang="zh-CN" sz="1050" dirty="0" smtClean="0">
                 <a:solidFill>
                   <a:srgbClr val="7030A0"/>
                 </a:solidFill>
               </a:rPr>
-              <a:t>StartTime</a:t>
+              <a:t>Date</a:t>
             </a:r>
             <a:endParaRPr lang="en-SG" sz="1050" dirty="0">
               <a:solidFill>
@@ -5843,6 +5787,156 @@
               <a:t>1</a:t>
             </a:r>
             <a:endParaRPr lang="en-SG" sz="1100" dirty="0">
+              <a:solidFill>
+                <a:srgbClr val="7030A0"/>
+              </a:solidFill>
+            </a:endParaRPr>
+          </a:p>
+        </p:txBody>
+      </p:sp>
+      <p:sp>
+        <p:nvSpPr>
+          <p:cNvPr id="74" name="Rectangle 8"/>
+          <p:cNvSpPr/>
+          <p:nvPr/>
+        </p:nvSpPr>
+        <p:spPr>
+          <a:xfrm>
+            <a:off x="6088893" y="1810226"/>
+            <a:ext cx="667105" cy="346760"/>
+          </a:xfrm>
+          <a:prstGeom prst="rect">
+            <a:avLst/>
+          </a:prstGeom>
+          <a:ln w="19050">
+            <a:solidFill>
+              <a:srgbClr val="7030A0"/>
+            </a:solidFill>
+          </a:ln>
+          <a:effectLst/>
+        </p:spPr>
+        <p:style>
+          <a:lnRef idx="1">
+            <a:schemeClr val="accent4"/>
+          </a:lnRef>
+          <a:fillRef idx="2">
+            <a:schemeClr val="accent4"/>
+          </a:fillRef>
+          <a:effectRef idx="1">
+            <a:schemeClr val="accent4"/>
+          </a:effectRef>
+          <a:fontRef idx="minor">
+            <a:schemeClr val="dk1"/>
+          </a:fontRef>
+        </p:style>
+        <p:txBody>
+          <a:bodyPr rtlCol="0" anchor="ctr"/>
+          <a:lstStyle/>
+          <a:p>
+            <a:pPr algn="ctr"/>
+            <a:r>
+              <a:rPr lang="en-US" sz="1050" dirty="0" err="1" smtClean="0">
+                <a:solidFill>
+                  <a:srgbClr val="7030A0"/>
+                </a:solidFill>
+              </a:rPr>
+              <a:t>TagColor</a:t>
+            </a:r>
+            <a:endParaRPr lang="en-SG" sz="1050" dirty="0">
+              <a:solidFill>
+                <a:srgbClr val="7030A0"/>
+              </a:solidFill>
+            </a:endParaRPr>
+          </a:p>
+        </p:txBody>
+      </p:sp>
+      <p:cxnSp>
+        <p:nvCxnSpPr>
+          <p:cNvPr id="80" name="Elbow Connector 79"/>
+          <p:cNvCxnSpPr/>
+          <p:nvPr/>
+        </p:nvCxnSpPr>
+        <p:spPr>
+          <a:xfrm flipV="1">
+            <a:off x="5662074" y="1995339"/>
+            <a:ext cx="434402" cy="4783"/>
+          </a:xfrm>
+          <a:prstGeom prst="bentConnector3">
+            <a:avLst/>
+          </a:prstGeom>
+          <a:ln w="19050">
+            <a:solidFill>
+              <a:srgbClr val="7030A0"/>
+            </a:solidFill>
+            <a:headEnd type="none" w="med" len="med"/>
+            <a:tailEnd type="arrow" w="med" len="med"/>
+          </a:ln>
+          <a:effectLst/>
+        </p:spPr>
+        <p:style>
+          <a:lnRef idx="1">
+            <a:schemeClr val="accent2"/>
+          </a:lnRef>
+          <a:fillRef idx="2">
+            <a:schemeClr val="accent2"/>
+          </a:fillRef>
+          <a:effectRef idx="1">
+            <a:schemeClr val="accent2"/>
+          </a:effectRef>
+          <a:fontRef idx="minor">
+            <a:schemeClr val="dk1"/>
+          </a:fontRef>
+        </p:style>
+      </p:cxnSp>
+      <p:sp>
+        <p:nvSpPr>
+          <p:cNvPr id="67" name="Rectangle 8"/>
+          <p:cNvSpPr/>
+          <p:nvPr/>
+        </p:nvSpPr>
+        <p:spPr>
+          <a:xfrm>
+            <a:off x="5336104" y="1809332"/>
+            <a:ext cx="514055" cy="346760"/>
+          </a:xfrm>
+          <a:prstGeom prst="rect">
+            <a:avLst/>
+          </a:prstGeom>
+          <a:ln w="19050">
+            <a:solidFill>
+              <a:srgbClr val="7030A0"/>
+            </a:solidFill>
+          </a:ln>
+          <a:effectLst/>
+        </p:spPr>
+        <p:style>
+          <a:lnRef idx="1">
+            <a:schemeClr val="accent4"/>
+          </a:lnRef>
+          <a:fillRef idx="2">
+            <a:schemeClr val="accent4"/>
+          </a:fillRef>
+          <a:effectRef idx="1">
+            <a:schemeClr val="accent4"/>
+          </a:effectRef>
+          <a:fontRef idx="minor">
+            <a:schemeClr val="dk1"/>
+          </a:fontRef>
+        </p:style>
+        <p:txBody>
+          <a:bodyPr rtlCol="0" anchor="ctr"/>
+          <a:lstStyle/>
+          <a:p>
+            <a:pPr algn="ctr"/>
+            <a:r>
+              <a:rPr lang="en-US" sz="1050" dirty="0" smtClean="0">
+                <a:solidFill>
+                  <a:srgbClr val="7030A0"/>
+                </a:solidFill>
+              </a:rPr>
+              <a:t>Tag</a:t>
+            </a:r>
+            <a:endParaRPr lang="en-SG" sz="1050" dirty="0">
               <a:solidFill>
                 <a:srgbClr val="7030A0"/>
               </a:solidFill>

--- a/docs/diagrams/ModelComponentClassDiagram.pptx
+++ b/docs/diagrams/ModelComponentClassDiagram.pptx
@@ -107,6 +107,22 @@
       </a:defRPr>
     </a:lvl9pPr>
   </p:defaultTextStyle>
+  <p:extLst>
+    <p:ext uri="{EFAFB233-063F-42B5-8137-9DF3F51BA10A}">
+      <p15:sldGuideLst xmlns:p15="http://schemas.microsoft.com/office/powerpoint/2012/main">
+        <p15:guide id="1" orient="horz" pos="1488">
+          <p15:clr>
+            <a:srgbClr val="A4A3A4"/>
+          </p15:clr>
+        </p15:guide>
+        <p15:guide id="2" pos="2880">
+          <p15:clr>
+            <a:srgbClr val="A4A3A4"/>
+          </p15:clr>
+        </p15:guide>
+      </p15:sldGuideLst>
+    </p:ext>
+  </p:extLst>
 </p:presentation>
 </file>
 
@@ -192,7 +208,7 @@
           <a:p>
             <a:fld id="{F5CC4B3F-88C1-4FFA-B1B6-F41C21DC6924}" type="datetimeFigureOut">
               <a:rPr lang="en-US" smtClean="0"/>
-              <a:t>11/19/2016</a:t>
+              <a:t>4/8/2017</a:t>
             </a:fld>
             <a:endParaRPr lang="en-US"/>
           </a:p>
@@ -256,38 +272,37 @@
           <a:p>
             <a:pPr lvl="0"/>
             <a:r>
-              <a:rPr lang="en-US" smtClean="0"/>
+              <a:rPr lang="en-US"/>
               <a:t>Click to edit Master text styles</a:t>
             </a:r>
           </a:p>
           <a:p>
             <a:pPr lvl="1"/>
             <a:r>
-              <a:rPr lang="en-US" smtClean="0"/>
+              <a:rPr lang="en-US"/>
               <a:t>Second level</a:t>
             </a:r>
           </a:p>
           <a:p>
             <a:pPr lvl="2"/>
             <a:r>
-              <a:rPr lang="en-US" smtClean="0"/>
+              <a:rPr lang="en-US"/>
               <a:t>Third level</a:t>
             </a:r>
           </a:p>
           <a:p>
             <a:pPr lvl="3"/>
             <a:r>
-              <a:rPr lang="en-US" smtClean="0"/>
+              <a:rPr lang="en-US"/>
               <a:t>Fourth level</a:t>
             </a:r>
           </a:p>
           <a:p>
             <a:pPr lvl="4"/>
             <a:r>
-              <a:rPr lang="en-US" smtClean="0"/>
+              <a:rPr lang="en-US"/>
               <a:t>Fifth level</a:t>
             </a:r>
-            <a:endParaRPr lang="en-US"/>
           </a:p>
         </p:txBody>
       </p:sp>
@@ -498,10 +513,9 @@
           <a:lstStyle/>
           <a:p>
             <a:r>
-              <a:rPr lang="en-US" smtClean="0"/>
+              <a:rPr lang="en-US"/>
               <a:t>Click to edit Master title style</a:t>
             </a:r>
-            <a:endParaRPr lang="en-US"/>
           </a:p>
         </p:txBody>
       </p:sp>
@@ -617,10 +631,9 @@
           </a:lstStyle>
           <a:p>
             <a:r>
-              <a:rPr lang="en-US" smtClean="0"/>
+              <a:rPr lang="en-US"/>
               <a:t>Click to edit Master subtitle style</a:t>
             </a:r>
-            <a:endParaRPr lang="en-US"/>
           </a:p>
         </p:txBody>
       </p:sp>
@@ -641,7 +654,7 @@
           <a:p>
             <a:fld id="{78C97017-6FC3-485B-9764-EAC9E56C1D49}" type="datetimeFigureOut">
               <a:rPr lang="en-US" smtClean="0"/>
-              <a:t>11/19/2016</a:t>
+              <a:t>4/8/2017</a:t>
             </a:fld>
             <a:endParaRPr lang="en-US"/>
           </a:p>
@@ -735,10 +748,9 @@
           <a:lstStyle/>
           <a:p>
             <a:r>
-              <a:rPr lang="en-US" smtClean="0"/>
+              <a:rPr lang="en-US"/>
               <a:t>Click to edit Master title style</a:t>
             </a:r>
-            <a:endParaRPr lang="en-US"/>
           </a:p>
         </p:txBody>
       </p:sp>
@@ -759,38 +771,37 @@
           <a:p>
             <a:pPr lvl="0"/>
             <a:r>
-              <a:rPr lang="en-US" smtClean="0"/>
+              <a:rPr lang="en-US"/>
               <a:t>Click to edit Master text styles</a:t>
             </a:r>
           </a:p>
           <a:p>
             <a:pPr lvl="1"/>
             <a:r>
-              <a:rPr lang="en-US" smtClean="0"/>
+              <a:rPr lang="en-US"/>
               <a:t>Second level</a:t>
             </a:r>
           </a:p>
           <a:p>
             <a:pPr lvl="2"/>
             <a:r>
-              <a:rPr lang="en-US" smtClean="0"/>
+              <a:rPr lang="en-US"/>
               <a:t>Third level</a:t>
             </a:r>
           </a:p>
           <a:p>
             <a:pPr lvl="3"/>
             <a:r>
-              <a:rPr lang="en-US" smtClean="0"/>
+              <a:rPr lang="en-US"/>
               <a:t>Fourth level</a:t>
             </a:r>
           </a:p>
           <a:p>
             <a:pPr lvl="4"/>
             <a:r>
-              <a:rPr lang="en-US" smtClean="0"/>
+              <a:rPr lang="en-US"/>
               <a:t>Fifth level</a:t>
             </a:r>
-            <a:endParaRPr lang="en-US"/>
           </a:p>
         </p:txBody>
       </p:sp>
@@ -811,7 +822,7 @@
           <a:p>
             <a:fld id="{78C97017-6FC3-485B-9764-EAC9E56C1D49}" type="datetimeFigureOut">
               <a:rPr lang="en-US" smtClean="0"/>
-              <a:t>11/19/2016</a:t>
+              <a:t>4/8/2017</a:t>
             </a:fld>
             <a:endParaRPr lang="en-US"/>
           </a:p>
@@ -910,10 +921,9 @@
           <a:lstStyle/>
           <a:p>
             <a:r>
-              <a:rPr lang="en-US" smtClean="0"/>
+              <a:rPr lang="en-US"/>
               <a:t>Click to edit Master title style</a:t>
             </a:r>
-            <a:endParaRPr lang="en-US"/>
           </a:p>
         </p:txBody>
       </p:sp>
@@ -939,38 +949,37 @@
           <a:p>
             <a:pPr lvl="0"/>
             <a:r>
-              <a:rPr lang="en-US" smtClean="0"/>
+              <a:rPr lang="en-US"/>
               <a:t>Click to edit Master text styles</a:t>
             </a:r>
           </a:p>
           <a:p>
             <a:pPr lvl="1"/>
             <a:r>
-              <a:rPr lang="en-US" smtClean="0"/>
+              <a:rPr lang="en-US"/>
               <a:t>Second level</a:t>
             </a:r>
           </a:p>
           <a:p>
             <a:pPr lvl="2"/>
             <a:r>
-              <a:rPr lang="en-US" smtClean="0"/>
+              <a:rPr lang="en-US"/>
               <a:t>Third level</a:t>
             </a:r>
           </a:p>
           <a:p>
             <a:pPr lvl="3"/>
             <a:r>
-              <a:rPr lang="en-US" smtClean="0"/>
+              <a:rPr lang="en-US"/>
               <a:t>Fourth level</a:t>
             </a:r>
           </a:p>
           <a:p>
             <a:pPr lvl="4"/>
             <a:r>
-              <a:rPr lang="en-US" smtClean="0"/>
+              <a:rPr lang="en-US"/>
               <a:t>Fifth level</a:t>
             </a:r>
-            <a:endParaRPr lang="en-US"/>
           </a:p>
         </p:txBody>
       </p:sp>
@@ -991,7 +1000,7 @@
           <a:p>
             <a:fld id="{78C97017-6FC3-485B-9764-EAC9E56C1D49}" type="datetimeFigureOut">
               <a:rPr lang="en-US" smtClean="0"/>
-              <a:t>11/19/2016</a:t>
+              <a:t>4/8/2017</a:t>
             </a:fld>
             <a:endParaRPr lang="en-US"/>
           </a:p>
@@ -1085,10 +1094,9 @@
           <a:lstStyle/>
           <a:p>
             <a:r>
-              <a:rPr lang="en-US" smtClean="0"/>
+              <a:rPr lang="en-US"/>
               <a:t>Click to edit Master title style</a:t>
             </a:r>
-            <a:endParaRPr lang="en-US"/>
           </a:p>
         </p:txBody>
       </p:sp>
@@ -1109,38 +1117,37 @@
           <a:p>
             <a:pPr lvl="0"/>
             <a:r>
-              <a:rPr lang="en-US" smtClean="0"/>
+              <a:rPr lang="en-US"/>
               <a:t>Click to edit Master text styles</a:t>
             </a:r>
           </a:p>
           <a:p>
             <a:pPr lvl="1"/>
             <a:r>
-              <a:rPr lang="en-US" smtClean="0"/>
+              <a:rPr lang="en-US"/>
               <a:t>Second level</a:t>
             </a:r>
           </a:p>
           <a:p>
             <a:pPr lvl="2"/>
             <a:r>
-              <a:rPr lang="en-US" smtClean="0"/>
+              <a:rPr lang="en-US"/>
               <a:t>Third level</a:t>
             </a:r>
           </a:p>
           <a:p>
             <a:pPr lvl="3"/>
             <a:r>
-              <a:rPr lang="en-US" smtClean="0"/>
+              <a:rPr lang="en-US"/>
               <a:t>Fourth level</a:t>
             </a:r>
           </a:p>
           <a:p>
             <a:pPr lvl="4"/>
             <a:r>
-              <a:rPr lang="en-US" smtClean="0"/>
+              <a:rPr lang="en-US"/>
               <a:t>Fifth level</a:t>
             </a:r>
-            <a:endParaRPr lang="en-US"/>
           </a:p>
         </p:txBody>
       </p:sp>
@@ -1161,7 +1168,7 @@
           <a:p>
             <a:fld id="{78C97017-6FC3-485B-9764-EAC9E56C1D49}" type="datetimeFigureOut">
               <a:rPr lang="en-US" smtClean="0"/>
-              <a:t>11/19/2016</a:t>
+              <a:t>4/8/2017</a:t>
             </a:fld>
             <a:endParaRPr lang="en-US"/>
           </a:p>
@@ -1264,10 +1271,9 @@
           </a:lstStyle>
           <a:p>
             <a:r>
-              <a:rPr lang="en-US" smtClean="0"/>
+              <a:rPr lang="en-US"/>
               <a:t>Click to edit Master title style</a:t>
             </a:r>
-            <a:endParaRPr lang="en-US"/>
           </a:p>
         </p:txBody>
       </p:sp>
@@ -1384,7 +1390,7 @@
           <a:p>
             <a:pPr lvl="0"/>
             <a:r>
-              <a:rPr lang="en-US" smtClean="0"/>
+              <a:rPr lang="en-US"/>
               <a:t>Click to edit Master text styles</a:t>
             </a:r>
           </a:p>
@@ -1407,7 +1413,7 @@
           <a:p>
             <a:fld id="{78C97017-6FC3-485B-9764-EAC9E56C1D49}" type="datetimeFigureOut">
               <a:rPr lang="en-US" smtClean="0"/>
-              <a:t>11/19/2016</a:t>
+              <a:t>4/8/2017</a:t>
             </a:fld>
             <a:endParaRPr lang="en-US"/>
           </a:p>
@@ -1501,10 +1507,9 @@
           <a:lstStyle/>
           <a:p>
             <a:r>
-              <a:rPr lang="en-US" smtClean="0"/>
+              <a:rPr lang="en-US"/>
               <a:t>Click to edit Master title style</a:t>
             </a:r>
-            <a:endParaRPr lang="en-US"/>
           </a:p>
         </p:txBody>
       </p:sp>
@@ -1558,38 +1563,37 @@
           <a:p>
             <a:pPr lvl="0"/>
             <a:r>
-              <a:rPr lang="en-US" smtClean="0"/>
+              <a:rPr lang="en-US"/>
               <a:t>Click to edit Master text styles</a:t>
             </a:r>
           </a:p>
           <a:p>
             <a:pPr lvl="1"/>
             <a:r>
-              <a:rPr lang="en-US" smtClean="0"/>
+              <a:rPr lang="en-US"/>
               <a:t>Second level</a:t>
             </a:r>
           </a:p>
           <a:p>
             <a:pPr lvl="2"/>
             <a:r>
-              <a:rPr lang="en-US" smtClean="0"/>
+              <a:rPr lang="en-US"/>
               <a:t>Third level</a:t>
             </a:r>
           </a:p>
           <a:p>
             <a:pPr lvl="3"/>
             <a:r>
-              <a:rPr lang="en-US" smtClean="0"/>
+              <a:rPr lang="en-US"/>
               <a:t>Fourth level</a:t>
             </a:r>
           </a:p>
           <a:p>
             <a:pPr lvl="4"/>
             <a:r>
-              <a:rPr lang="en-US" smtClean="0"/>
+              <a:rPr lang="en-US"/>
               <a:t>Fifth level</a:t>
             </a:r>
-            <a:endParaRPr lang="en-US"/>
           </a:p>
         </p:txBody>
       </p:sp>
@@ -1643,38 +1647,37 @@
           <a:p>
             <a:pPr lvl="0"/>
             <a:r>
-              <a:rPr lang="en-US" smtClean="0"/>
+              <a:rPr lang="en-US"/>
               <a:t>Click to edit Master text styles</a:t>
             </a:r>
           </a:p>
           <a:p>
             <a:pPr lvl="1"/>
             <a:r>
-              <a:rPr lang="en-US" smtClean="0"/>
+              <a:rPr lang="en-US"/>
               <a:t>Second level</a:t>
             </a:r>
           </a:p>
           <a:p>
             <a:pPr lvl="2"/>
             <a:r>
-              <a:rPr lang="en-US" smtClean="0"/>
+              <a:rPr lang="en-US"/>
               <a:t>Third level</a:t>
             </a:r>
           </a:p>
           <a:p>
             <a:pPr lvl="3"/>
             <a:r>
-              <a:rPr lang="en-US" smtClean="0"/>
+              <a:rPr lang="en-US"/>
               <a:t>Fourth level</a:t>
             </a:r>
           </a:p>
           <a:p>
             <a:pPr lvl="4"/>
             <a:r>
-              <a:rPr lang="en-US" smtClean="0"/>
+              <a:rPr lang="en-US"/>
               <a:t>Fifth level</a:t>
             </a:r>
-            <a:endParaRPr lang="en-US"/>
           </a:p>
         </p:txBody>
       </p:sp>
@@ -1695,7 +1698,7 @@
           <a:p>
             <a:fld id="{78C97017-6FC3-485B-9764-EAC9E56C1D49}" type="datetimeFigureOut">
               <a:rPr lang="en-US" smtClean="0"/>
-              <a:t>11/19/2016</a:t>
+              <a:t>4/8/2017</a:t>
             </a:fld>
             <a:endParaRPr lang="en-US"/>
           </a:p>
@@ -1793,10 +1796,9 @@
           </a:lstStyle>
           <a:p>
             <a:r>
-              <a:rPr lang="en-US" smtClean="0"/>
+              <a:rPr lang="en-US"/>
               <a:t>Click to edit Master title style</a:t>
             </a:r>
-            <a:endParaRPr lang="en-US"/>
           </a:p>
         </p:txBody>
       </p:sp>
@@ -1859,7 +1861,7 @@
           <a:p>
             <a:pPr lvl="0"/>
             <a:r>
-              <a:rPr lang="en-US" smtClean="0"/>
+              <a:rPr lang="en-US"/>
               <a:t>Click to edit Master text styles</a:t>
             </a:r>
           </a:p>
@@ -1915,38 +1917,37 @@
           <a:p>
             <a:pPr lvl="0"/>
             <a:r>
-              <a:rPr lang="en-US" smtClean="0"/>
+              <a:rPr lang="en-US"/>
               <a:t>Click to edit Master text styles</a:t>
             </a:r>
           </a:p>
           <a:p>
             <a:pPr lvl="1"/>
             <a:r>
-              <a:rPr lang="en-US" smtClean="0"/>
+              <a:rPr lang="en-US"/>
               <a:t>Second level</a:t>
             </a:r>
           </a:p>
           <a:p>
             <a:pPr lvl="2"/>
             <a:r>
-              <a:rPr lang="en-US" smtClean="0"/>
+              <a:rPr lang="en-US"/>
               <a:t>Third level</a:t>
             </a:r>
           </a:p>
           <a:p>
             <a:pPr lvl="3"/>
             <a:r>
-              <a:rPr lang="en-US" smtClean="0"/>
+              <a:rPr lang="en-US"/>
               <a:t>Fourth level</a:t>
             </a:r>
           </a:p>
           <a:p>
             <a:pPr lvl="4"/>
             <a:r>
-              <a:rPr lang="en-US" smtClean="0"/>
+              <a:rPr lang="en-US"/>
               <a:t>Fifth level</a:t>
             </a:r>
-            <a:endParaRPr lang="en-US"/>
           </a:p>
         </p:txBody>
       </p:sp>
@@ -2009,7 +2010,7 @@
           <a:p>
             <a:pPr lvl="0"/>
             <a:r>
-              <a:rPr lang="en-US" smtClean="0"/>
+              <a:rPr lang="en-US"/>
               <a:t>Click to edit Master text styles</a:t>
             </a:r>
           </a:p>
@@ -2065,38 +2066,37 @@
           <a:p>
             <a:pPr lvl="0"/>
             <a:r>
-              <a:rPr lang="en-US" smtClean="0"/>
+              <a:rPr lang="en-US"/>
               <a:t>Click to edit Master text styles</a:t>
             </a:r>
           </a:p>
           <a:p>
             <a:pPr lvl="1"/>
             <a:r>
-              <a:rPr lang="en-US" smtClean="0"/>
+              <a:rPr lang="en-US"/>
               <a:t>Second level</a:t>
             </a:r>
           </a:p>
           <a:p>
             <a:pPr lvl="2"/>
             <a:r>
-              <a:rPr lang="en-US" smtClean="0"/>
+              <a:rPr lang="en-US"/>
               <a:t>Third level</a:t>
             </a:r>
           </a:p>
           <a:p>
             <a:pPr lvl="3"/>
             <a:r>
-              <a:rPr lang="en-US" smtClean="0"/>
+              <a:rPr lang="en-US"/>
               <a:t>Fourth level</a:t>
             </a:r>
           </a:p>
           <a:p>
             <a:pPr lvl="4"/>
             <a:r>
-              <a:rPr lang="en-US" smtClean="0"/>
+              <a:rPr lang="en-US"/>
               <a:t>Fifth level</a:t>
             </a:r>
-            <a:endParaRPr lang="en-US"/>
           </a:p>
         </p:txBody>
       </p:sp>
@@ -2117,7 +2117,7 @@
           <a:p>
             <a:fld id="{78C97017-6FC3-485B-9764-EAC9E56C1D49}" type="datetimeFigureOut">
               <a:rPr lang="en-US" smtClean="0"/>
-              <a:t>11/19/2016</a:t>
+              <a:t>4/8/2017</a:t>
             </a:fld>
             <a:endParaRPr lang="en-US"/>
           </a:p>
@@ -2211,10 +2211,9 @@
           <a:lstStyle/>
           <a:p>
             <a:r>
-              <a:rPr lang="en-US" smtClean="0"/>
+              <a:rPr lang="en-US"/>
               <a:t>Click to edit Master title style</a:t>
             </a:r>
-            <a:endParaRPr lang="en-US"/>
           </a:p>
         </p:txBody>
       </p:sp>
@@ -2235,7 +2234,7 @@
           <a:p>
             <a:fld id="{78C97017-6FC3-485B-9764-EAC9E56C1D49}" type="datetimeFigureOut">
               <a:rPr lang="en-US" smtClean="0"/>
-              <a:t>11/19/2016</a:t>
+              <a:t>4/8/2017</a:t>
             </a:fld>
             <a:endParaRPr lang="en-US"/>
           </a:p>
@@ -2330,7 +2329,7 @@
           <a:p>
             <a:fld id="{78C97017-6FC3-485B-9764-EAC9E56C1D49}" type="datetimeFigureOut">
               <a:rPr lang="en-US" smtClean="0"/>
-              <a:t>11/19/2016</a:t>
+              <a:t>4/8/2017</a:t>
             </a:fld>
             <a:endParaRPr lang="en-US"/>
           </a:p>
@@ -2433,10 +2432,9 @@
           </a:lstStyle>
           <a:p>
             <a:r>
-              <a:rPr lang="en-US" smtClean="0"/>
+              <a:rPr lang="en-US"/>
               <a:t>Click to edit Master title style</a:t>
             </a:r>
-            <a:endParaRPr lang="en-US"/>
           </a:p>
         </p:txBody>
       </p:sp>
@@ -2490,38 +2488,37 @@
           <a:p>
             <a:pPr lvl="0"/>
             <a:r>
-              <a:rPr lang="en-US" smtClean="0"/>
+              <a:rPr lang="en-US"/>
               <a:t>Click to edit Master text styles</a:t>
             </a:r>
           </a:p>
           <a:p>
             <a:pPr lvl="1"/>
             <a:r>
-              <a:rPr lang="en-US" smtClean="0"/>
+              <a:rPr lang="en-US"/>
               <a:t>Second level</a:t>
             </a:r>
           </a:p>
           <a:p>
             <a:pPr lvl="2"/>
             <a:r>
-              <a:rPr lang="en-US" smtClean="0"/>
+              <a:rPr lang="en-US"/>
               <a:t>Third level</a:t>
             </a:r>
           </a:p>
           <a:p>
             <a:pPr lvl="3"/>
             <a:r>
-              <a:rPr lang="en-US" smtClean="0"/>
+              <a:rPr lang="en-US"/>
               <a:t>Fourth level</a:t>
             </a:r>
           </a:p>
           <a:p>
             <a:pPr lvl="4"/>
             <a:r>
-              <a:rPr lang="en-US" smtClean="0"/>
+              <a:rPr lang="en-US"/>
               <a:t>Fifth level</a:t>
             </a:r>
-            <a:endParaRPr lang="en-US"/>
           </a:p>
         </p:txBody>
       </p:sp>
@@ -2584,7 +2581,7 @@
           <a:p>
             <a:pPr lvl="0"/>
             <a:r>
-              <a:rPr lang="en-US" smtClean="0"/>
+              <a:rPr lang="en-US"/>
               <a:t>Click to edit Master text styles</a:t>
             </a:r>
           </a:p>
@@ -2607,7 +2604,7 @@
           <a:p>
             <a:fld id="{78C97017-6FC3-485B-9764-EAC9E56C1D49}" type="datetimeFigureOut">
               <a:rPr lang="en-US" smtClean="0"/>
-              <a:t>11/19/2016</a:t>
+              <a:t>4/8/2017</a:t>
             </a:fld>
             <a:endParaRPr lang="en-US"/>
           </a:p>
@@ -2710,10 +2707,9 @@
           </a:lstStyle>
           <a:p>
             <a:r>
-              <a:rPr lang="en-US" smtClean="0"/>
+              <a:rPr lang="en-US"/>
               <a:t>Click to edit Master title style</a:t>
             </a:r>
-            <a:endParaRPr lang="en-US"/>
           </a:p>
         </p:txBody>
       </p:sp>
@@ -2837,7 +2833,7 @@
           <a:p>
             <a:pPr lvl="0"/>
             <a:r>
-              <a:rPr lang="en-US" smtClean="0"/>
+              <a:rPr lang="en-US"/>
               <a:t>Click to edit Master text styles</a:t>
             </a:r>
           </a:p>
@@ -2860,7 +2856,7 @@
           <a:p>
             <a:fld id="{78C97017-6FC3-485B-9764-EAC9E56C1D49}" type="datetimeFigureOut">
               <a:rPr lang="en-US" smtClean="0"/>
-              <a:t>11/19/2016</a:t>
+              <a:t>4/8/2017</a:t>
             </a:fld>
             <a:endParaRPr lang="en-US"/>
           </a:p>
@@ -2969,10 +2965,9 @@
           <a:lstStyle/>
           <a:p>
             <a:r>
-              <a:rPr lang="en-US" smtClean="0"/>
+              <a:rPr lang="en-US"/>
               <a:t>Click to edit Master title style</a:t>
             </a:r>
-            <a:endParaRPr lang="en-US"/>
           </a:p>
         </p:txBody>
       </p:sp>
@@ -3003,38 +2998,37 @@
           <a:p>
             <a:pPr lvl="0"/>
             <a:r>
-              <a:rPr lang="en-US" smtClean="0"/>
+              <a:rPr lang="en-US"/>
               <a:t>Click to edit Master text styles</a:t>
             </a:r>
           </a:p>
           <a:p>
             <a:pPr lvl="1"/>
             <a:r>
-              <a:rPr lang="en-US" smtClean="0"/>
+              <a:rPr lang="en-US"/>
               <a:t>Second level</a:t>
             </a:r>
           </a:p>
           <a:p>
             <a:pPr lvl="2"/>
             <a:r>
-              <a:rPr lang="en-US" smtClean="0"/>
+              <a:rPr lang="en-US"/>
               <a:t>Third level</a:t>
             </a:r>
           </a:p>
           <a:p>
             <a:pPr lvl="3"/>
             <a:r>
-              <a:rPr lang="en-US" smtClean="0"/>
+              <a:rPr lang="en-US"/>
               <a:t>Fourth level</a:t>
             </a:r>
           </a:p>
           <a:p>
             <a:pPr lvl="4"/>
             <a:r>
-              <a:rPr lang="en-US" smtClean="0"/>
+              <a:rPr lang="en-US"/>
               <a:t>Fifth level</a:t>
             </a:r>
-            <a:endParaRPr lang="en-US"/>
           </a:p>
         </p:txBody>
       </p:sp>
@@ -3073,7 +3067,7 @@
           <a:p>
             <a:fld id="{78C97017-6FC3-485B-9764-EAC9E56C1D49}" type="datetimeFigureOut">
               <a:rPr lang="en-US" smtClean="0"/>
-              <a:t>11/19/2016</a:t>
+              <a:t>4/8/2017</a:t>
             </a:fld>
             <a:endParaRPr lang="en-US"/>
           </a:p>
@@ -3456,8 +3450,8 @@
         </p:nvSpPr>
         <p:spPr>
           <a:xfrm>
-            <a:off x="1119865" y="1727200"/>
-            <a:ext cx="7490735" cy="2997200"/>
+            <a:off x="423409" y="1711423"/>
+            <a:ext cx="8458200" cy="3170574"/>
           </a:xfrm>
           <a:prstGeom prst="roundRect">
             <a:avLst>
@@ -3494,7 +3488,7 @@
           <a:lstStyle/>
           <a:p>
             <a:r>
-              <a:rPr lang="en-US" sz="1200" b="1" dirty="0" smtClean="0">
+              <a:rPr lang="en-US" sz="1200" b="1" dirty="0">
                 <a:solidFill>
                   <a:srgbClr val="7030A0"/>
                 </a:solidFill>
@@ -3517,7 +3511,7 @@
         </p:nvSpPr>
         <p:spPr>
           <a:xfrm>
-            <a:off x="2877180" y="3158440"/>
+            <a:off x="2271889" y="3128614"/>
             <a:ext cx="1093635" cy="346760"/>
           </a:xfrm>
           <a:prstGeom prst="rect">
@@ -3553,7 +3547,7 @@
           <a:p>
             <a:pPr algn="ctr"/>
             <a:r>
-              <a:rPr lang="en-US" sz="1050" dirty="0" err="1" smtClean="0">
+              <a:rPr lang="en-US" sz="1050" dirty="0" err="1">
                 <a:solidFill>
                   <a:schemeClr val="bg1"/>
                 </a:solidFill>
@@ -3576,7 +3570,7 @@
         </p:nvSpPr>
         <p:spPr>
           <a:xfrm rot="16200000">
-            <a:off x="1683963" y="2868687"/>
+            <a:off x="1078672" y="2838861"/>
             <a:ext cx="1093635" cy="346760"/>
           </a:xfrm>
           <a:prstGeom prst="rect">
@@ -3612,7 +3606,7 @@
           <a:p>
             <a:pPr algn="ctr"/>
             <a:r>
-              <a:rPr lang="en-US" sz="1050" dirty="0" err="1" smtClean="0">
+              <a:rPr lang="en-US" sz="1050" dirty="0" err="1">
                 <a:solidFill>
                   <a:schemeClr val="bg1"/>
                 </a:solidFill>
@@ -3637,7 +3631,7 @@
         </p:nvCxnSpPr>
         <p:spPr>
           <a:xfrm flipV="1">
-            <a:off x="6477000" y="3194131"/>
+            <a:off x="5871709" y="3164305"/>
             <a:ext cx="95385" cy="416514"/>
           </a:xfrm>
           <a:prstGeom prst="bentConnector2">
@@ -3678,7 +3672,7 @@
         </p:nvCxnSpPr>
         <p:spPr>
           <a:xfrm rot="5400000" flipH="1" flipV="1">
-            <a:off x="4360065" y="1080909"/>
+            <a:off x="3754774" y="1051083"/>
             <a:ext cx="378691" cy="4637261"/>
           </a:xfrm>
           <a:prstGeom prst="bentConnector4">
@@ -3720,7 +3714,7 @@
         </p:nvSpPr>
         <p:spPr>
           <a:xfrm rot="16200000">
-            <a:off x="956202" y="2861202"/>
+            <a:off x="350911" y="2831376"/>
             <a:ext cx="1093635" cy="346760"/>
           </a:xfrm>
           <a:prstGeom prst="rect">
@@ -3767,7 +3761,7 @@
           <a:p>
             <a:pPr algn="ctr"/>
             <a:r>
-              <a:rPr lang="en-US" sz="1050" dirty="0" smtClean="0">
+              <a:rPr lang="en-US" sz="1050" dirty="0">
                 <a:solidFill>
                   <a:schemeClr val="bg1"/>
                 </a:solidFill>
@@ -3790,7 +3784,7 @@
         </p:nvSpPr>
         <p:spPr>
           <a:xfrm rot="16200000">
-            <a:off x="1626910" y="2952291"/>
+            <a:off x="1021619" y="2922465"/>
             <a:ext cx="270504" cy="175523"/>
           </a:xfrm>
           <a:prstGeom prst="triangle">
@@ -3840,7 +3834,7 @@
         </p:nvCxnSpPr>
         <p:spPr>
           <a:xfrm>
-            <a:off x="2656370" y="3326536"/>
+            <a:off x="2051079" y="3296710"/>
             <a:ext cx="220810" cy="5284"/>
           </a:xfrm>
           <a:prstGeom prst="straightConnector1">
@@ -3878,7 +3872,7 @@
         </p:nvSpPr>
         <p:spPr>
           <a:xfrm rot="5400000" flipV="1">
-            <a:off x="6253986" y="3522883"/>
+            <a:off x="5648695" y="3493057"/>
             <a:ext cx="270504" cy="175523"/>
           </a:xfrm>
           <a:prstGeom prst="triangle">
@@ -3929,7 +3923,7 @@
         </p:nvCxnSpPr>
         <p:spPr>
           <a:xfrm>
-            <a:off x="910091" y="3040053"/>
+            <a:off x="304800" y="3010227"/>
             <a:ext cx="419548" cy="2860"/>
           </a:xfrm>
           <a:prstGeom prst="bentConnector3">
@@ -3974,7 +3968,7 @@
         </p:nvCxnSpPr>
         <p:spPr>
           <a:xfrm flipV="1">
-            <a:off x="1849924" y="3040052"/>
+            <a:off x="1244633" y="3010226"/>
             <a:ext cx="216105" cy="1"/>
           </a:xfrm>
           <a:prstGeom prst="line">
@@ -4013,7 +4007,7 @@
         </p:nvSpPr>
         <p:spPr>
           <a:xfrm>
-            <a:off x="2420322" y="3239846"/>
+            <a:off x="1815031" y="3210020"/>
             <a:ext cx="236048" cy="173380"/>
           </a:xfrm>
           <a:prstGeom prst="flowChartDecision">
@@ -4058,7 +4052,7 @@
         </p:nvSpPr>
         <p:spPr>
           <a:xfrm>
-            <a:off x="2879490" y="2627420"/>
+            <a:off x="2274199" y="2597594"/>
             <a:ext cx="1093635" cy="346760"/>
           </a:xfrm>
           <a:prstGeom prst="rect">
@@ -4091,12 +4085,12 @@
           <a:p>
             <a:pPr algn="ctr"/>
             <a:r>
-              <a:rPr lang="en-US" sz="1050" dirty="0" err="1" smtClean="0">
+              <a:rPr lang="en-US" sz="1050" dirty="0" err="1">
                 <a:solidFill>
                   <a:srgbClr val="7030A0"/>
                 </a:solidFill>
               </a:rPr>
-              <a:t>AddressBook</a:t>
+              <a:t>TaskManager</a:t>
             </a:r>
             <a:endParaRPr lang="en-SG" sz="1050" dirty="0">
               <a:solidFill>
@@ -4117,7 +4111,7 @@
         </p:nvCxnSpPr>
         <p:spPr>
           <a:xfrm>
-            <a:off x="2658680" y="2795516"/>
+            <a:off x="2053389" y="2765690"/>
             <a:ext cx="220810" cy="5284"/>
           </a:xfrm>
           <a:prstGeom prst="straightConnector1">
@@ -4155,7 +4149,7 @@
         </p:nvSpPr>
         <p:spPr>
           <a:xfrm>
-            <a:off x="2422632" y="2708826"/>
+            <a:off x="1817341" y="2679000"/>
             <a:ext cx="236048" cy="173380"/>
           </a:xfrm>
           <a:prstGeom prst="flowChartDecision">
@@ -4200,7 +4194,7 @@
         </p:nvSpPr>
         <p:spPr>
           <a:xfrm>
-            <a:off x="4487017" y="2847371"/>
+            <a:off x="3881726" y="2817545"/>
             <a:ext cx="1156969" cy="346760"/>
           </a:xfrm>
           <a:prstGeom prst="rect">
@@ -4233,12 +4227,12 @@
           <a:p>
             <a:pPr algn="ctr"/>
             <a:r>
-              <a:rPr lang="en-US" sz="1050" dirty="0" err="1" smtClean="0">
+              <a:rPr lang="en-US" sz="1050" dirty="0" err="1">
                 <a:solidFill>
                   <a:srgbClr val="7030A0"/>
                 </a:solidFill>
               </a:rPr>
-              <a:t>UniquePersonList</a:t>
+              <a:t>UniqueTaskList</a:t>
             </a:r>
             <a:endParaRPr lang="en-SG" sz="1050" dirty="0">
               <a:solidFill>
@@ -4256,7 +4250,7 @@
         </p:nvSpPr>
         <p:spPr>
           <a:xfrm>
-            <a:off x="3984303" y="2673991"/>
+            <a:off x="3379012" y="2644165"/>
             <a:ext cx="236048" cy="173380"/>
           </a:xfrm>
           <a:prstGeom prst="flowChartDecision">
@@ -4306,7 +4300,7 @@
         </p:nvCxnSpPr>
         <p:spPr>
           <a:xfrm>
-            <a:off x="4220351" y="2760681"/>
+            <a:off x="3615060" y="2730855"/>
             <a:ext cx="266666" cy="260070"/>
           </a:xfrm>
           <a:prstGeom prst="bentConnector3">
@@ -4344,7 +4338,7 @@
         </p:nvSpPr>
         <p:spPr>
           <a:xfrm>
-            <a:off x="4477328" y="2280569"/>
+            <a:off x="3872037" y="2250743"/>
             <a:ext cx="1156969" cy="346760"/>
           </a:xfrm>
           <a:prstGeom prst="rect">
@@ -4377,7 +4371,7 @@
           <a:p>
             <a:pPr algn="ctr"/>
             <a:r>
-              <a:rPr lang="en-US" sz="1050" dirty="0" err="1" smtClean="0">
+              <a:rPr lang="en-US" sz="1050" dirty="0" err="1">
                 <a:solidFill>
                   <a:srgbClr val="7030A0"/>
                 </a:solidFill>
@@ -4403,7 +4397,7 @@
         </p:nvCxnSpPr>
         <p:spPr>
           <a:xfrm flipV="1">
-            <a:off x="4220351" y="2453949"/>
+            <a:off x="3615060" y="2424123"/>
             <a:ext cx="256977" cy="306732"/>
           </a:xfrm>
           <a:prstGeom prst="bentConnector3">
@@ -4443,7 +4437,7 @@
         </p:nvSpPr>
         <p:spPr>
           <a:xfrm>
-            <a:off x="6313677" y="2858066"/>
+            <a:off x="5708386" y="2828240"/>
             <a:ext cx="708186" cy="346760"/>
           </a:xfrm>
           <a:prstGeom prst="rect">
@@ -4476,12 +4470,20 @@
           <a:p>
             <a:pPr algn="ctr"/>
             <a:r>
-              <a:rPr lang="en-US" sz="1050" dirty="0" smtClean="0">
+              <a:rPr lang="en-US" sz="1050" dirty="0">
                 <a:solidFill>
                   <a:srgbClr val="7030A0"/>
                 </a:solidFill>
               </a:rPr>
-              <a:t>Person</a:t>
+              <a:t>T</a:t>
+            </a:r>
+            <a:r>
+              <a:rPr lang="en-US" altLang="zh-CN" sz="1050" dirty="0">
+                <a:solidFill>
+                  <a:srgbClr val="7030A0"/>
+                </a:solidFill>
+              </a:rPr>
+              <a:t>ask</a:t>
             </a:r>
             <a:endParaRPr lang="en-SG" sz="1050" dirty="0">
               <a:solidFill>
@@ -4499,7 +4501,7 @@
         </p:nvSpPr>
         <p:spPr>
           <a:xfrm>
-            <a:off x="5643227" y="2943979"/>
+            <a:off x="5037936" y="2914153"/>
             <a:ext cx="236048" cy="173380"/>
           </a:xfrm>
           <a:prstGeom prst="flowChartDecision">
@@ -4547,7 +4549,7 @@
         </p:nvCxnSpPr>
         <p:spPr>
           <a:xfrm>
-            <a:off x="5879275" y="3030669"/>
+            <a:off x="5273984" y="3000843"/>
             <a:ext cx="434402" cy="777"/>
           </a:xfrm>
           <a:prstGeom prst="bentConnector3">
@@ -4585,7 +4587,7 @@
         </p:nvSpPr>
         <p:spPr>
           <a:xfrm>
-            <a:off x="5336105" y="1809332"/>
+            <a:off x="4730814" y="1779506"/>
             <a:ext cx="483700" cy="346760"/>
           </a:xfrm>
           <a:prstGeom prst="rect">
@@ -4618,7 +4620,7 @@
           <a:p>
             <a:pPr algn="ctr"/>
             <a:r>
-              <a:rPr lang="en-US" sz="1050" dirty="0" smtClean="0">
+              <a:rPr lang="en-US" sz="1050" dirty="0">
                 <a:solidFill>
                   <a:srgbClr val="7030A0"/>
                 </a:solidFill>
@@ -4641,7 +4643,7 @@
         </p:nvSpPr>
         <p:spPr>
           <a:xfrm rot="16200000">
-            <a:off x="4921666" y="2066540"/>
+            <a:off x="4316375" y="2036714"/>
             <a:ext cx="236048" cy="173380"/>
           </a:xfrm>
           <a:prstGeom prst="flowChartDecision">
@@ -4689,7 +4691,7 @@
         </p:nvCxnSpPr>
         <p:spPr>
           <a:xfrm rot="5400000" flipH="1" flipV="1">
-            <a:off x="5161650" y="1860752"/>
+            <a:off x="4556359" y="1830926"/>
             <a:ext cx="52494" cy="296415"/>
           </a:xfrm>
           <a:prstGeom prst="bentConnector2">
@@ -4727,7 +4729,7 @@
         </p:nvSpPr>
         <p:spPr>
           <a:xfrm>
-            <a:off x="5128257" y="3429000"/>
+            <a:off x="4522966" y="3399174"/>
             <a:ext cx="1156969" cy="346760"/>
           </a:xfrm>
           <a:prstGeom prst="rect">
@@ -4760,7 +4762,7 @@
           <a:p>
             <a:pPr algn="ctr"/>
             <a:r>
-              <a:rPr lang="en-US" sz="1050" dirty="0" smtClean="0">
+              <a:rPr lang="en-US" sz="1050" dirty="0">
                 <a:solidFill>
                   <a:srgbClr val="7030A0"/>
                 </a:solidFill>
@@ -4768,19 +4770,19 @@
               <a:t>&lt;&lt;interface&gt;&gt;</a:t>
             </a:r>
             <a:br>
-              <a:rPr lang="en-US" sz="1050" dirty="0" smtClean="0">
+              <a:rPr lang="en-US" sz="1050" dirty="0">
                 <a:solidFill>
                   <a:srgbClr val="7030A0"/>
                 </a:solidFill>
               </a:rPr>
             </a:br>
             <a:r>
-              <a:rPr lang="en-US" sz="1050" dirty="0" err="1" smtClean="0">
+              <a:rPr lang="en-US" sz="1050" dirty="0" err="1">
                 <a:solidFill>
                   <a:srgbClr val="7030A0"/>
                 </a:solidFill>
               </a:rPr>
-              <a:t>ReadOnlyPerson</a:t>
+              <a:t>ReadOnlyTask</a:t>
             </a:r>
             <a:endParaRPr lang="en-SG" sz="1050" dirty="0">
               <a:solidFill>
@@ -4798,7 +4800,7 @@
         </p:nvSpPr>
         <p:spPr>
           <a:xfrm>
-            <a:off x="7712397" y="2564238"/>
+            <a:off x="6952582" y="2861324"/>
             <a:ext cx="708186" cy="285783"/>
           </a:xfrm>
           <a:prstGeom prst="rect">
@@ -4831,7 +4833,7 @@
           <a:p>
             <a:pPr algn="ctr"/>
             <a:r>
-              <a:rPr lang="en-US" sz="1050" dirty="0" smtClean="0">
+              <a:rPr lang="en-US" sz="1050" dirty="0">
                 <a:solidFill>
                   <a:srgbClr val="7030A0"/>
                 </a:solidFill>
@@ -4854,7 +4856,7 @@
         </p:nvSpPr>
         <p:spPr>
           <a:xfrm>
-            <a:off x="7041947" y="2948201"/>
+            <a:off x="6436656" y="2918375"/>
             <a:ext cx="236048" cy="173380"/>
           </a:xfrm>
           <a:prstGeom prst="flowChartDecision">
@@ -4904,8 +4906,8 @@
         </p:nvCxnSpPr>
         <p:spPr>
           <a:xfrm flipV="1">
-            <a:off x="7277995" y="2707130"/>
-            <a:ext cx="434402" cy="327761"/>
+            <a:off x="6672704" y="3004216"/>
+            <a:ext cx="279878" cy="849"/>
           </a:xfrm>
           <a:prstGeom prst="bentConnector3">
             <a:avLst/>
@@ -4942,7 +4944,7 @@
         </p:nvSpPr>
         <p:spPr>
           <a:xfrm>
-            <a:off x="7712397" y="2887216"/>
+            <a:off x="6952582" y="3184302"/>
             <a:ext cx="708186" cy="285783"/>
           </a:xfrm>
           <a:prstGeom prst="rect">
@@ -4975,12 +4977,20 @@
           <a:p>
             <a:pPr algn="ctr"/>
             <a:r>
-              <a:rPr lang="en-US" sz="1050" dirty="0" smtClean="0">
+              <a:rPr lang="en-US" sz="1050" dirty="0">
                 <a:solidFill>
                   <a:srgbClr val="7030A0"/>
                 </a:solidFill>
               </a:rPr>
-              <a:t>Phone</a:t>
+              <a:t>D</a:t>
+            </a:r>
+            <a:r>
+              <a:rPr lang="en-US" altLang="zh-CN" sz="1050" dirty="0">
+                <a:solidFill>
+                  <a:srgbClr val="7030A0"/>
+                </a:solidFill>
+              </a:rPr>
+              <a:t>ate</a:t>
             </a:r>
             <a:endParaRPr lang="en-SG" sz="1050" dirty="0">
               <a:solidFill>
@@ -5000,9 +5010,9 @@
           <p:nvPr/>
         </p:nvCxnSpPr>
         <p:spPr>
-          <a:xfrm flipV="1">
-            <a:off x="7277995" y="3030108"/>
-            <a:ext cx="434402" cy="4783"/>
+          <a:xfrm>
+            <a:off x="6672704" y="3005065"/>
+            <a:ext cx="279878" cy="322129"/>
           </a:xfrm>
           <a:prstGeom prst="bentConnector3">
             <a:avLst/>
@@ -5039,7 +5049,7 @@
         </p:nvSpPr>
         <p:spPr>
           <a:xfrm>
-            <a:off x="7712397" y="3210194"/>
+            <a:off x="6952582" y="3507280"/>
             <a:ext cx="708186" cy="285783"/>
           </a:xfrm>
           <a:prstGeom prst="rect">
@@ -5072,12 +5082,20 @@
           <a:p>
             <a:pPr algn="ctr"/>
             <a:r>
-              <a:rPr lang="en-US" sz="1050" dirty="0" smtClean="0">
+              <a:rPr lang="en-US" sz="1050" dirty="0">
                 <a:solidFill>
                   <a:srgbClr val="7030A0"/>
                 </a:solidFill>
               </a:rPr>
-              <a:t>Email</a:t>
+              <a:t>G</a:t>
+            </a:r>
+            <a:r>
+              <a:rPr lang="en-US" altLang="zh-CN" sz="1050" dirty="0">
+                <a:solidFill>
+                  <a:srgbClr val="7030A0"/>
+                </a:solidFill>
+              </a:rPr>
+              <a:t>roup</a:t>
             </a:r>
             <a:endParaRPr lang="en-SG" sz="1050" dirty="0">
               <a:solidFill>
@@ -5098,105 +5116,8 @@
         </p:nvCxnSpPr>
         <p:spPr>
           <a:xfrm>
-            <a:off x="7277995" y="3034891"/>
-            <a:ext cx="434402" cy="318195"/>
-          </a:xfrm>
-          <a:prstGeom prst="bentConnector3">
-            <a:avLst/>
-          </a:prstGeom>
-          <a:ln w="19050">
-            <a:solidFill>
-              <a:srgbClr val="7030A0"/>
-            </a:solidFill>
-            <a:headEnd type="none" w="med" len="med"/>
-            <a:tailEnd type="arrow" w="med" len="med"/>
-          </a:ln>
-          <a:effectLst/>
-        </p:spPr>
-        <p:style>
-          <a:lnRef idx="1">
-            <a:schemeClr val="accent2"/>
-          </a:lnRef>
-          <a:fillRef idx="2">
-            <a:schemeClr val="accent2"/>
-          </a:fillRef>
-          <a:effectRef idx="1">
-            <a:schemeClr val="accent2"/>
-          </a:effectRef>
-          <a:fontRef idx="minor">
-            <a:schemeClr val="dk1"/>
-          </a:fontRef>
-        </p:style>
-      </p:cxnSp>
-      <p:sp>
-        <p:nvSpPr>
-          <p:cNvPr id="85" name="Rectangle 8"/>
-          <p:cNvSpPr/>
-          <p:nvPr/>
-        </p:nvSpPr>
-        <p:spPr>
-          <a:xfrm>
-            <a:off x="7712397" y="3533171"/>
-            <a:ext cx="708186" cy="285783"/>
-          </a:xfrm>
-          <a:prstGeom prst="rect">
-            <a:avLst/>
-          </a:prstGeom>
-          <a:ln w="19050">
-            <a:solidFill>
-              <a:srgbClr val="7030A0"/>
-            </a:solidFill>
-          </a:ln>
-          <a:effectLst/>
-        </p:spPr>
-        <p:style>
-          <a:lnRef idx="1">
-            <a:schemeClr val="accent4"/>
-          </a:lnRef>
-          <a:fillRef idx="2">
-            <a:schemeClr val="accent4"/>
-          </a:fillRef>
-          <a:effectRef idx="1">
-            <a:schemeClr val="accent4"/>
-          </a:effectRef>
-          <a:fontRef idx="minor">
-            <a:schemeClr val="dk1"/>
-          </a:fontRef>
-        </p:style>
-        <p:txBody>
-          <a:bodyPr rtlCol="0" anchor="ctr"/>
-          <a:lstStyle/>
-          <a:p>
-            <a:pPr algn="ctr"/>
-            <a:r>
-              <a:rPr lang="en-US" sz="1050" dirty="0" smtClean="0">
-                <a:solidFill>
-                  <a:srgbClr val="7030A0"/>
-                </a:solidFill>
-              </a:rPr>
-              <a:t>Address</a:t>
-            </a:r>
-            <a:endParaRPr lang="en-SG" sz="1050" dirty="0">
-              <a:solidFill>
-                <a:srgbClr val="7030A0"/>
-              </a:solidFill>
-            </a:endParaRPr>
-          </a:p>
-        </p:txBody>
-      </p:sp>
-      <p:cxnSp>
-        <p:nvCxnSpPr>
-          <p:cNvPr id="86" name="Elbow Connector 85"/>
-          <p:cNvCxnSpPr>
-            <a:stCxn id="78" idx="3"/>
-            <a:endCxn id="85" idx="1"/>
-          </p:cNvCxnSpPr>
-          <p:nvPr/>
-        </p:nvCxnSpPr>
-        <p:spPr>
-          <a:xfrm>
-            <a:off x="7277995" y="3034891"/>
-            <a:ext cx="434402" cy="641172"/>
+            <a:off x="6672704" y="3005065"/>
+            <a:ext cx="279878" cy="645107"/>
           </a:xfrm>
           <a:prstGeom prst="bentConnector3">
             <a:avLst/>
@@ -5235,7 +5156,7 @@
         </p:nvCxnSpPr>
         <p:spPr>
           <a:xfrm rot="16200000" flipH="1">
-            <a:off x="3279321" y="2485431"/>
+            <a:off x="2674030" y="2455605"/>
             <a:ext cx="293825" cy="1"/>
           </a:xfrm>
           <a:prstGeom prst="bentConnector3">
@@ -5276,7 +5197,7 @@
         </p:nvSpPr>
         <p:spPr>
           <a:xfrm rot="10800000" flipV="1">
-            <a:off x="3290981" y="2162997"/>
+            <a:off x="2685690" y="2133171"/>
             <a:ext cx="270504" cy="175523"/>
           </a:xfrm>
           <a:prstGeom prst="triangle">
@@ -5324,7 +5245,7 @@
         </p:nvSpPr>
         <p:spPr>
           <a:xfrm>
-            <a:off x="2660303" y="1806470"/>
+            <a:off x="2055012" y="1776644"/>
             <a:ext cx="1539926" cy="346760"/>
           </a:xfrm>
           <a:prstGeom prst="rect">
@@ -5357,7 +5278,7 @@
           <a:p>
             <a:pPr algn="ctr"/>
             <a:r>
-              <a:rPr lang="en-US" sz="1050" dirty="0" smtClean="0">
+              <a:rPr lang="en-US" sz="1050" dirty="0">
                 <a:solidFill>
                   <a:srgbClr val="7030A0"/>
                 </a:solidFill>
@@ -5365,19 +5286,27 @@
               <a:t>&lt;&lt;interface&gt;&gt;</a:t>
             </a:r>
             <a:br>
-              <a:rPr lang="en-US" sz="1050" dirty="0" smtClean="0">
+              <a:rPr lang="en-US" sz="1050" dirty="0">
                 <a:solidFill>
                   <a:srgbClr val="7030A0"/>
                 </a:solidFill>
               </a:rPr>
             </a:br>
             <a:r>
-              <a:rPr lang="en-US" sz="1050" dirty="0" err="1" smtClean="0">
+              <a:rPr lang="en-US" sz="1050" dirty="0" err="1">
                 <a:solidFill>
                   <a:srgbClr val="7030A0"/>
                 </a:solidFill>
               </a:rPr>
-              <a:t>ReadOnlyAddressBook</a:t>
+              <a:t>ReadOnlyT</a:t>
+            </a:r>
+            <a:r>
+              <a:rPr lang="en-US" altLang="zh-CN" sz="1050" dirty="0" err="1">
+                <a:solidFill>
+                  <a:srgbClr val="7030A0"/>
+                </a:solidFill>
+              </a:rPr>
+              <a:t>askManager</a:t>
             </a:r>
             <a:endParaRPr lang="en-SG" sz="1050" dirty="0">
               <a:solidFill>
@@ -5395,7 +5324,7 @@
         </p:nvSpPr>
         <p:spPr>
           <a:xfrm rot="16200000">
-            <a:off x="6527512" y="3586305"/>
+            <a:off x="5922221" y="3556479"/>
             <a:ext cx="881018" cy="261610"/>
           </a:xfrm>
           <a:prstGeom prst="rect">
@@ -5411,7 +5340,7 @@
           <a:p>
             <a:pPr algn="r"/>
             <a:r>
-              <a:rPr lang="en-US" sz="1100" dirty="0" smtClean="0">
+              <a:rPr lang="en-US" sz="1100" dirty="0">
                 <a:solidFill>
                   <a:srgbClr val="7030A0"/>
                 </a:solidFill>
@@ -5434,7 +5363,7 @@
         </p:nvSpPr>
         <p:spPr>
           <a:xfrm>
-            <a:off x="2057400" y="4239491"/>
+            <a:off x="1452109" y="4209665"/>
             <a:ext cx="1775949" cy="346760"/>
           </a:xfrm>
           <a:prstGeom prst="rect">
@@ -5467,21 +5396,13 @@
           <a:p>
             <a:pPr algn="ctr"/>
             <a:r>
-              <a:rPr lang="en-US" sz="1050" dirty="0" smtClean="0">
+              <a:rPr lang="en-US" sz="1050" dirty="0">
                 <a:solidFill>
                   <a:srgbClr val="7030A0"/>
                 </a:solidFill>
               </a:rPr>
               <a:t>&lt;&lt;interface&gt;&gt;</a:t>
             </a:r>
-            <a:r>
-              <a:rPr lang="en-US" sz="1050" dirty="0">
-                <a:solidFill>
-                  <a:srgbClr val="7030A0"/>
-                </a:solidFill>
-              </a:rPr>
-              <a:t/>
-            </a:r>
             <a:br>
               <a:rPr lang="en-US" sz="1050" dirty="0">
                 <a:solidFill>
@@ -5490,7 +5411,7 @@
               </a:rPr>
             </a:br>
             <a:r>
-              <a:rPr lang="en-US" sz="1050" dirty="0" err="1" smtClean="0">
+              <a:rPr lang="en-US" sz="1050" dirty="0" err="1">
                 <a:solidFill>
                   <a:srgbClr val="7030A0"/>
                 </a:solidFill>
@@ -5516,7 +5437,7 @@
         </p:nvCxnSpPr>
         <p:spPr>
           <a:xfrm rot="16200000" flipH="1">
-            <a:off x="1364475" y="3719945"/>
+            <a:off x="759184" y="3690119"/>
             <a:ext cx="831471" cy="554380"/>
           </a:xfrm>
           <a:prstGeom prst="bentConnector2">
@@ -5558,7 +5479,7 @@
         </p:nvCxnSpPr>
         <p:spPr>
           <a:xfrm rot="16200000" flipV="1">
-            <a:off x="5948976" y="2139271"/>
+            <a:off x="5343685" y="2109445"/>
             <a:ext cx="404117" cy="1033473"/>
           </a:xfrm>
           <a:prstGeom prst="bentConnector2">
@@ -5596,7 +5517,7 @@
         </p:nvSpPr>
         <p:spPr>
           <a:xfrm>
-            <a:off x="4324972" y="2191228"/>
+            <a:off x="3719681" y="2161402"/>
             <a:ext cx="189257" cy="178683"/>
           </a:xfrm>
           <a:prstGeom prst="rect">
@@ -5612,7 +5533,7 @@
           <a:p>
             <a:pPr algn="ctr"/>
             <a:r>
-              <a:rPr lang="en-US" sz="1100" dirty="0" smtClean="0">
+              <a:rPr lang="en-US" sz="1100" dirty="0">
                 <a:solidFill>
                   <a:srgbClr val="7030A0"/>
                 </a:solidFill>
@@ -5635,7 +5556,7 @@
         </p:nvSpPr>
         <p:spPr>
           <a:xfrm>
-            <a:off x="4324972" y="3058864"/>
+            <a:off x="3719681" y="3029038"/>
             <a:ext cx="189257" cy="178683"/>
           </a:xfrm>
           <a:prstGeom prst="rect">
@@ -5651,7 +5572,7 @@
           <a:p>
             <a:pPr algn="ctr"/>
             <a:r>
-              <a:rPr lang="en-US" sz="1100" dirty="0" smtClean="0">
+              <a:rPr lang="en-US" sz="1100" dirty="0">
                 <a:solidFill>
                   <a:srgbClr val="7030A0"/>
                 </a:solidFill>
@@ -5674,7 +5595,7 @@
         </p:nvSpPr>
         <p:spPr>
           <a:xfrm>
-            <a:off x="5689761" y="2495413"/>
+            <a:off x="5084470" y="2465587"/>
             <a:ext cx="189257" cy="178683"/>
           </a:xfrm>
           <a:prstGeom prst="rect">
@@ -5690,7 +5611,7 @@
           <a:p>
             <a:pPr algn="ctr"/>
             <a:r>
-              <a:rPr lang="en-US" sz="1100" dirty="0" smtClean="0">
+              <a:rPr lang="en-US" sz="1100" dirty="0">
                 <a:solidFill>
                   <a:srgbClr val="7030A0"/>
                 </a:solidFill>
@@ -5713,7 +5634,7 @@
         </p:nvSpPr>
         <p:spPr>
           <a:xfrm>
-            <a:off x="5163172" y="1778919"/>
+            <a:off x="4557881" y="1749093"/>
             <a:ext cx="189257" cy="178683"/>
           </a:xfrm>
           <a:prstGeom prst="rect">
@@ -5729,7 +5650,7 @@
           <a:p>
             <a:pPr algn="ctr"/>
             <a:r>
-              <a:rPr lang="en-US" sz="1100" dirty="0" smtClean="0">
+              <a:rPr lang="en-US" sz="1100" dirty="0">
                 <a:solidFill>
                   <a:srgbClr val="7030A0"/>
                 </a:solidFill>
@@ -5752,7 +5673,7 @@
         </p:nvSpPr>
         <p:spPr>
           <a:xfrm>
-            <a:off x="6135256" y="3097917"/>
+            <a:off x="5529965" y="3068091"/>
             <a:ext cx="189257" cy="178683"/>
           </a:xfrm>
           <a:prstGeom prst="rect">
@@ -5768,7 +5689,7 @@
           <a:p>
             <a:pPr algn="ctr"/>
             <a:r>
-              <a:rPr lang="en-US" sz="1100" dirty="0" smtClean="0">
+              <a:rPr lang="en-US" sz="1100" dirty="0">
                 <a:solidFill>
                   <a:srgbClr val="7030A0"/>
                 </a:solidFill>
@@ -5791,7 +5712,7 @@
         </p:nvSpPr>
         <p:spPr>
           <a:xfrm>
-            <a:off x="2687923" y="2564238"/>
+            <a:off x="2082632" y="2534412"/>
             <a:ext cx="189257" cy="178683"/>
           </a:xfrm>
           <a:prstGeom prst="rect">
@@ -5807,7 +5728,7 @@
           <a:p>
             <a:pPr algn="ctr"/>
             <a:r>
-              <a:rPr lang="en-US" sz="1100" dirty="0" smtClean="0">
+              <a:rPr lang="en-US" sz="1100" dirty="0">
                 <a:solidFill>
                   <a:srgbClr val="7030A0"/>
                 </a:solidFill>
@@ -5830,7 +5751,7 @@
         </p:nvSpPr>
         <p:spPr>
           <a:xfrm>
-            <a:off x="2656370" y="3386050"/>
+            <a:off x="2051079" y="3356224"/>
             <a:ext cx="189257" cy="178683"/>
           </a:xfrm>
           <a:prstGeom prst="rect">
@@ -5846,7 +5767,7 @@
           <a:p>
             <a:pPr algn="ctr"/>
             <a:r>
-              <a:rPr lang="en-US" sz="1100" dirty="0" smtClean="0">
+              <a:rPr lang="en-US" sz="1100" dirty="0">
                 <a:solidFill>
                   <a:srgbClr val="7030A0"/>
                 </a:solidFill>
@@ -5869,7 +5790,7 @@
         </p:nvSpPr>
         <p:spPr>
           <a:xfrm>
-            <a:off x="6667770" y="3210194"/>
+            <a:off x="6062479" y="3180368"/>
             <a:ext cx="189257" cy="178683"/>
           </a:xfrm>
           <a:prstGeom prst="rect">
@@ -5885,7 +5806,7 @@
           <a:p>
             <a:pPr algn="ctr"/>
             <a:r>
-              <a:rPr lang="en-US" sz="1100" dirty="0" smtClean="0">
+              <a:rPr lang="en-US" sz="1100" dirty="0">
                 <a:solidFill>
                   <a:srgbClr val="7030A0"/>
                 </a:solidFill>
@@ -5900,6 +5821,705 @@
           </a:p>
         </p:txBody>
       </p:sp>
+      <p:cxnSp>
+        <p:nvCxnSpPr>
+          <p:cNvPr id="91" name="Elbow Connector 63"/>
+          <p:cNvCxnSpPr>
+            <a:stCxn id="115" idx="1"/>
+            <a:endCxn id="101" idx="3"/>
+          </p:cNvCxnSpPr>
+          <p:nvPr/>
+        </p:nvCxnSpPr>
+        <p:spPr>
+          <a:xfrm rot="10800000">
+            <a:off x="7846590" y="3347828"/>
+            <a:ext cx="157797" cy="298095"/>
+          </a:xfrm>
+          <a:prstGeom prst="bentConnector3">
+            <a:avLst>
+              <a:gd name="adj1" fmla="val 50000"/>
+            </a:avLst>
+          </a:prstGeom>
+          <a:ln w="19050">
+            <a:solidFill>
+              <a:srgbClr val="7030A0"/>
+            </a:solidFill>
+            <a:prstDash val="solid"/>
+            <a:headEnd type="none" w="med" len="med"/>
+            <a:tailEnd type="none" w="med" len="med"/>
+          </a:ln>
+          <a:effectLst/>
+        </p:spPr>
+        <p:style>
+          <a:lnRef idx="1">
+            <a:schemeClr val="accent2"/>
+          </a:lnRef>
+          <a:fillRef idx="2">
+            <a:schemeClr val="accent2"/>
+          </a:fillRef>
+          <a:effectRef idx="1">
+            <a:schemeClr val="accent2"/>
+          </a:effectRef>
+          <a:fontRef idx="minor">
+            <a:schemeClr val="dk1"/>
+          </a:fontRef>
+        </p:style>
+      </p:cxnSp>
+      <p:sp>
+        <p:nvSpPr>
+          <p:cNvPr id="101" name="Isosceles Triangle 102"/>
+          <p:cNvSpPr/>
+          <p:nvPr/>
+        </p:nvSpPr>
+        <p:spPr>
+          <a:xfrm rot="5400000" flipV="1">
+            <a:off x="7623575" y="3260065"/>
+            <a:ext cx="270504" cy="175523"/>
+          </a:xfrm>
+          <a:prstGeom prst="triangle">
+            <a:avLst/>
+          </a:prstGeom>
+          <a:ln w="19050">
+            <a:solidFill>
+              <a:srgbClr val="7030A0"/>
+            </a:solidFill>
+          </a:ln>
+          <a:effectLst/>
+        </p:spPr>
+        <p:style>
+          <a:lnRef idx="1">
+            <a:schemeClr val="accent4"/>
+          </a:lnRef>
+          <a:fillRef idx="2">
+            <a:schemeClr val="accent4"/>
+          </a:fillRef>
+          <a:effectRef idx="1">
+            <a:schemeClr val="accent4"/>
+          </a:effectRef>
+          <a:fontRef idx="minor">
+            <a:schemeClr val="dk1"/>
+          </a:fontRef>
+        </p:style>
+        <p:txBody>
+          <a:bodyPr rtlCol="0" anchor="ctr"/>
+          <a:lstStyle>
+            <a:defPPr>
+              <a:defRPr lang="en-US"/>
+            </a:defPPr>
+            <a:lvl1pPr marL="0" algn="l" defTabSz="914400" rtl="0" eaLnBrk="1" latinLnBrk="0" hangingPunct="1">
+              <a:defRPr sz="1800" kern="1200">
+                <a:solidFill>
+                  <a:schemeClr val="dk1"/>
+                </a:solidFill>
+                <a:latin typeface="+mn-lt"/>
+                <a:ea typeface="+mn-ea"/>
+                <a:cs typeface="+mn-cs"/>
+              </a:defRPr>
+            </a:lvl1pPr>
+            <a:lvl2pPr marL="457200" algn="l" defTabSz="914400" rtl="0" eaLnBrk="1" latinLnBrk="0" hangingPunct="1">
+              <a:defRPr sz="1800" kern="1200">
+                <a:solidFill>
+                  <a:schemeClr val="dk1"/>
+                </a:solidFill>
+                <a:latin typeface="+mn-lt"/>
+                <a:ea typeface="+mn-ea"/>
+                <a:cs typeface="+mn-cs"/>
+              </a:defRPr>
+            </a:lvl2pPr>
+            <a:lvl3pPr marL="914400" algn="l" defTabSz="914400" rtl="0" eaLnBrk="1" latinLnBrk="0" hangingPunct="1">
+              <a:defRPr sz="1800" kern="1200">
+                <a:solidFill>
+                  <a:schemeClr val="dk1"/>
+                </a:solidFill>
+                <a:latin typeface="+mn-lt"/>
+                <a:ea typeface="+mn-ea"/>
+                <a:cs typeface="+mn-cs"/>
+              </a:defRPr>
+            </a:lvl3pPr>
+            <a:lvl4pPr marL="1371600" algn="l" defTabSz="914400" rtl="0" eaLnBrk="1" latinLnBrk="0" hangingPunct="1">
+              <a:defRPr sz="1800" kern="1200">
+                <a:solidFill>
+                  <a:schemeClr val="dk1"/>
+                </a:solidFill>
+                <a:latin typeface="+mn-lt"/>
+                <a:ea typeface="+mn-ea"/>
+                <a:cs typeface="+mn-cs"/>
+              </a:defRPr>
+            </a:lvl4pPr>
+            <a:lvl5pPr marL="1828800" algn="l" defTabSz="914400" rtl="0" eaLnBrk="1" latinLnBrk="0" hangingPunct="1">
+              <a:defRPr sz="1800" kern="1200">
+                <a:solidFill>
+                  <a:schemeClr val="dk1"/>
+                </a:solidFill>
+                <a:latin typeface="+mn-lt"/>
+                <a:ea typeface="+mn-ea"/>
+                <a:cs typeface="+mn-cs"/>
+              </a:defRPr>
+            </a:lvl5pPr>
+            <a:lvl6pPr marL="2286000" algn="l" defTabSz="914400" rtl="0" eaLnBrk="1" latinLnBrk="0" hangingPunct="1">
+              <a:defRPr sz="1800" kern="1200">
+                <a:solidFill>
+                  <a:schemeClr val="dk1"/>
+                </a:solidFill>
+                <a:latin typeface="+mn-lt"/>
+                <a:ea typeface="+mn-ea"/>
+                <a:cs typeface="+mn-cs"/>
+              </a:defRPr>
+            </a:lvl6pPr>
+            <a:lvl7pPr marL="2743200" algn="l" defTabSz="914400" rtl="0" eaLnBrk="1" latinLnBrk="0" hangingPunct="1">
+              <a:defRPr sz="1800" kern="1200">
+                <a:solidFill>
+                  <a:schemeClr val="dk1"/>
+                </a:solidFill>
+                <a:latin typeface="+mn-lt"/>
+                <a:ea typeface="+mn-ea"/>
+                <a:cs typeface="+mn-cs"/>
+              </a:defRPr>
+            </a:lvl7pPr>
+            <a:lvl8pPr marL="3200400" algn="l" defTabSz="914400" rtl="0" eaLnBrk="1" latinLnBrk="0" hangingPunct="1">
+              <a:defRPr sz="1800" kern="1200">
+                <a:solidFill>
+                  <a:schemeClr val="dk1"/>
+                </a:solidFill>
+                <a:latin typeface="+mn-lt"/>
+                <a:ea typeface="+mn-ea"/>
+                <a:cs typeface="+mn-cs"/>
+              </a:defRPr>
+            </a:lvl8pPr>
+            <a:lvl9pPr marL="3657600" algn="l" defTabSz="914400" rtl="0" eaLnBrk="1" latinLnBrk="0" hangingPunct="1">
+              <a:defRPr sz="1800" kern="1200">
+                <a:solidFill>
+                  <a:schemeClr val="dk1"/>
+                </a:solidFill>
+                <a:latin typeface="+mn-lt"/>
+                <a:ea typeface="+mn-ea"/>
+                <a:cs typeface="+mn-cs"/>
+              </a:defRPr>
+            </a:lvl9pPr>
+          </a:lstStyle>
+          <a:p>
+            <a:pPr algn="ctr"/>
+            <a:endParaRPr lang="en-SG" sz="1050" b="1">
+              <a:solidFill>
+                <a:srgbClr val="92D050"/>
+              </a:solidFill>
+            </a:endParaRPr>
+          </a:p>
+        </p:txBody>
+      </p:sp>
+      <p:cxnSp>
+        <p:nvCxnSpPr>
+          <p:cNvPr id="102" name="Elbow Connector 63"/>
+          <p:cNvCxnSpPr>
+            <a:stCxn id="108" idx="1"/>
+            <a:endCxn id="101" idx="3"/>
+          </p:cNvCxnSpPr>
+          <p:nvPr/>
+        </p:nvCxnSpPr>
+        <p:spPr>
+          <a:xfrm rot="10800000" flipV="1">
+            <a:off x="7846589" y="3004215"/>
+            <a:ext cx="161370" cy="343612"/>
+          </a:xfrm>
+          <a:prstGeom prst="bentConnector3">
+            <a:avLst>
+              <a:gd name="adj1" fmla="val 50000"/>
+            </a:avLst>
+          </a:prstGeom>
+          <a:ln w="19050">
+            <a:solidFill>
+              <a:srgbClr val="7030A0"/>
+            </a:solidFill>
+            <a:prstDash val="solid"/>
+            <a:headEnd type="none" w="med" len="med"/>
+            <a:tailEnd type="none" w="med" len="med"/>
+          </a:ln>
+          <a:effectLst/>
+        </p:spPr>
+        <p:style>
+          <a:lnRef idx="1">
+            <a:schemeClr val="accent2"/>
+          </a:lnRef>
+          <a:fillRef idx="2">
+            <a:schemeClr val="accent2"/>
+          </a:fillRef>
+          <a:effectRef idx="1">
+            <a:schemeClr val="accent2"/>
+          </a:effectRef>
+          <a:fontRef idx="minor">
+            <a:schemeClr val="dk1"/>
+          </a:fontRef>
+        </p:style>
+      </p:cxnSp>
+      <p:sp>
+        <p:nvSpPr>
+          <p:cNvPr id="108" name="Rectangle 8"/>
+          <p:cNvSpPr/>
+          <p:nvPr/>
+        </p:nvSpPr>
+        <p:spPr>
+          <a:xfrm>
+            <a:off x="8007959" y="2861323"/>
+            <a:ext cx="708186" cy="285783"/>
+          </a:xfrm>
+          <a:prstGeom prst="rect">
+            <a:avLst/>
+          </a:prstGeom>
+          <a:ln w="19050">
+            <a:solidFill>
+              <a:srgbClr val="7030A0"/>
+            </a:solidFill>
+          </a:ln>
+          <a:effectLst/>
+        </p:spPr>
+        <p:style>
+          <a:lnRef idx="1">
+            <a:schemeClr val="accent4"/>
+          </a:lnRef>
+          <a:fillRef idx="2">
+            <a:schemeClr val="accent4"/>
+          </a:fillRef>
+          <a:effectRef idx="1">
+            <a:schemeClr val="accent4"/>
+          </a:effectRef>
+          <a:fontRef idx="minor">
+            <a:schemeClr val="dk1"/>
+          </a:fontRef>
+        </p:style>
+        <p:txBody>
+          <a:bodyPr rtlCol="0" anchor="ctr"/>
+          <a:lstStyle/>
+          <a:p>
+            <a:pPr algn="ctr"/>
+            <a:r>
+              <a:rPr lang="en-US" sz="1050" dirty="0" err="1">
+                <a:solidFill>
+                  <a:srgbClr val="7030A0"/>
+                </a:solidFill>
+              </a:rPr>
+              <a:t>StartDate</a:t>
+            </a:r>
+            <a:endParaRPr lang="en-SG" sz="1050" dirty="0">
+              <a:solidFill>
+                <a:srgbClr val="7030A0"/>
+              </a:solidFill>
+            </a:endParaRPr>
+          </a:p>
+        </p:txBody>
+      </p:sp>
+      <p:sp>
+        <p:nvSpPr>
+          <p:cNvPr id="115" name="Rectangle 8"/>
+          <p:cNvSpPr/>
+          <p:nvPr/>
+        </p:nvSpPr>
+        <p:spPr>
+          <a:xfrm>
+            <a:off x="8004386" y="3503030"/>
+            <a:ext cx="708186" cy="285783"/>
+          </a:xfrm>
+          <a:prstGeom prst="rect">
+            <a:avLst/>
+          </a:prstGeom>
+          <a:ln w="19050">
+            <a:solidFill>
+              <a:srgbClr val="7030A0"/>
+            </a:solidFill>
+          </a:ln>
+          <a:effectLst/>
+        </p:spPr>
+        <p:style>
+          <a:lnRef idx="1">
+            <a:schemeClr val="accent4"/>
+          </a:lnRef>
+          <a:fillRef idx="2">
+            <a:schemeClr val="accent4"/>
+          </a:fillRef>
+          <a:effectRef idx="1">
+            <a:schemeClr val="accent4"/>
+          </a:effectRef>
+          <a:fontRef idx="minor">
+            <a:schemeClr val="dk1"/>
+          </a:fontRef>
+        </p:style>
+        <p:txBody>
+          <a:bodyPr rtlCol="0" anchor="ctr"/>
+          <a:lstStyle/>
+          <a:p>
+            <a:pPr algn="ctr"/>
+            <a:r>
+              <a:rPr lang="en-US" sz="1050" dirty="0" err="1">
+                <a:solidFill>
+                  <a:srgbClr val="7030A0"/>
+                </a:solidFill>
+              </a:rPr>
+              <a:t>EndDate</a:t>
+            </a:r>
+            <a:endParaRPr lang="en-SG" sz="1050" dirty="0">
+              <a:solidFill>
+                <a:srgbClr val="7030A0"/>
+              </a:solidFill>
+            </a:endParaRPr>
+          </a:p>
+        </p:txBody>
+      </p:sp>
+      <p:sp>
+        <p:nvSpPr>
+          <p:cNvPr id="116" name="Isosceles Triangle 102"/>
+          <p:cNvSpPr/>
+          <p:nvPr/>
+        </p:nvSpPr>
+        <p:spPr>
+          <a:xfrm flipV="1">
+            <a:off x="6184411" y="2639661"/>
+            <a:ext cx="270504" cy="175523"/>
+          </a:xfrm>
+          <a:prstGeom prst="triangle">
+            <a:avLst/>
+          </a:prstGeom>
+          <a:ln w="19050">
+            <a:solidFill>
+              <a:srgbClr val="7030A0"/>
+            </a:solidFill>
+          </a:ln>
+          <a:effectLst/>
+        </p:spPr>
+        <p:style>
+          <a:lnRef idx="1">
+            <a:schemeClr val="accent4"/>
+          </a:lnRef>
+          <a:fillRef idx="2">
+            <a:schemeClr val="accent4"/>
+          </a:fillRef>
+          <a:effectRef idx="1">
+            <a:schemeClr val="accent4"/>
+          </a:effectRef>
+          <a:fontRef idx="minor">
+            <a:schemeClr val="dk1"/>
+          </a:fontRef>
+        </p:style>
+        <p:txBody>
+          <a:bodyPr rtlCol="0" anchor="ctr"/>
+          <a:lstStyle>
+            <a:defPPr>
+              <a:defRPr lang="en-US"/>
+            </a:defPPr>
+            <a:lvl1pPr marL="0" algn="l" defTabSz="914400" rtl="0" eaLnBrk="1" latinLnBrk="0" hangingPunct="1">
+              <a:defRPr sz="1800" kern="1200">
+                <a:solidFill>
+                  <a:schemeClr val="dk1"/>
+                </a:solidFill>
+                <a:latin typeface="+mn-lt"/>
+                <a:ea typeface="+mn-ea"/>
+                <a:cs typeface="+mn-cs"/>
+              </a:defRPr>
+            </a:lvl1pPr>
+            <a:lvl2pPr marL="457200" algn="l" defTabSz="914400" rtl="0" eaLnBrk="1" latinLnBrk="0" hangingPunct="1">
+              <a:defRPr sz="1800" kern="1200">
+                <a:solidFill>
+                  <a:schemeClr val="dk1"/>
+                </a:solidFill>
+                <a:latin typeface="+mn-lt"/>
+                <a:ea typeface="+mn-ea"/>
+                <a:cs typeface="+mn-cs"/>
+              </a:defRPr>
+            </a:lvl2pPr>
+            <a:lvl3pPr marL="914400" algn="l" defTabSz="914400" rtl="0" eaLnBrk="1" latinLnBrk="0" hangingPunct="1">
+              <a:defRPr sz="1800" kern="1200">
+                <a:solidFill>
+                  <a:schemeClr val="dk1"/>
+                </a:solidFill>
+                <a:latin typeface="+mn-lt"/>
+                <a:ea typeface="+mn-ea"/>
+                <a:cs typeface="+mn-cs"/>
+              </a:defRPr>
+            </a:lvl3pPr>
+            <a:lvl4pPr marL="1371600" algn="l" defTabSz="914400" rtl="0" eaLnBrk="1" latinLnBrk="0" hangingPunct="1">
+              <a:defRPr sz="1800" kern="1200">
+                <a:solidFill>
+                  <a:schemeClr val="dk1"/>
+                </a:solidFill>
+                <a:latin typeface="+mn-lt"/>
+                <a:ea typeface="+mn-ea"/>
+                <a:cs typeface="+mn-cs"/>
+              </a:defRPr>
+            </a:lvl4pPr>
+            <a:lvl5pPr marL="1828800" algn="l" defTabSz="914400" rtl="0" eaLnBrk="1" latinLnBrk="0" hangingPunct="1">
+              <a:defRPr sz="1800" kern="1200">
+                <a:solidFill>
+                  <a:schemeClr val="dk1"/>
+                </a:solidFill>
+                <a:latin typeface="+mn-lt"/>
+                <a:ea typeface="+mn-ea"/>
+                <a:cs typeface="+mn-cs"/>
+              </a:defRPr>
+            </a:lvl5pPr>
+            <a:lvl6pPr marL="2286000" algn="l" defTabSz="914400" rtl="0" eaLnBrk="1" latinLnBrk="0" hangingPunct="1">
+              <a:defRPr sz="1800" kern="1200">
+                <a:solidFill>
+                  <a:schemeClr val="dk1"/>
+                </a:solidFill>
+                <a:latin typeface="+mn-lt"/>
+                <a:ea typeface="+mn-ea"/>
+                <a:cs typeface="+mn-cs"/>
+              </a:defRPr>
+            </a:lvl6pPr>
+            <a:lvl7pPr marL="2743200" algn="l" defTabSz="914400" rtl="0" eaLnBrk="1" latinLnBrk="0" hangingPunct="1">
+              <a:defRPr sz="1800" kern="1200">
+                <a:solidFill>
+                  <a:schemeClr val="dk1"/>
+                </a:solidFill>
+                <a:latin typeface="+mn-lt"/>
+                <a:ea typeface="+mn-ea"/>
+                <a:cs typeface="+mn-cs"/>
+              </a:defRPr>
+            </a:lvl7pPr>
+            <a:lvl8pPr marL="3200400" algn="l" defTabSz="914400" rtl="0" eaLnBrk="1" latinLnBrk="0" hangingPunct="1">
+              <a:defRPr sz="1800" kern="1200">
+                <a:solidFill>
+                  <a:schemeClr val="dk1"/>
+                </a:solidFill>
+                <a:latin typeface="+mn-lt"/>
+                <a:ea typeface="+mn-ea"/>
+                <a:cs typeface="+mn-cs"/>
+              </a:defRPr>
+            </a:lvl8pPr>
+            <a:lvl9pPr marL="3657600" algn="l" defTabSz="914400" rtl="0" eaLnBrk="1" latinLnBrk="0" hangingPunct="1">
+              <a:defRPr sz="1800" kern="1200">
+                <a:solidFill>
+                  <a:schemeClr val="dk1"/>
+                </a:solidFill>
+                <a:latin typeface="+mn-lt"/>
+                <a:ea typeface="+mn-ea"/>
+                <a:cs typeface="+mn-cs"/>
+              </a:defRPr>
+            </a:lvl9pPr>
+          </a:lstStyle>
+          <a:p>
+            <a:pPr algn="ctr"/>
+            <a:endParaRPr lang="en-SG" sz="1050" b="1">
+              <a:solidFill>
+                <a:srgbClr val="92D050"/>
+              </a:solidFill>
+            </a:endParaRPr>
+          </a:p>
+        </p:txBody>
+      </p:sp>
+      <p:cxnSp>
+        <p:nvCxnSpPr>
+          <p:cNvPr id="117" name="Elbow Connector 63"/>
+          <p:cNvCxnSpPr>
+            <a:stCxn id="121" idx="1"/>
+            <a:endCxn id="116" idx="3"/>
+          </p:cNvCxnSpPr>
+          <p:nvPr/>
+        </p:nvCxnSpPr>
+        <p:spPr>
+          <a:xfrm rot="10800000" flipV="1">
+            <a:off x="6319664" y="2034291"/>
+            <a:ext cx="353041" cy="605369"/>
+          </a:xfrm>
+          <a:prstGeom prst="bentConnector2">
+            <a:avLst/>
+          </a:prstGeom>
+          <a:ln w="19050">
+            <a:solidFill>
+              <a:srgbClr val="7030A0"/>
+            </a:solidFill>
+            <a:prstDash val="solid"/>
+            <a:headEnd type="none" w="med" len="med"/>
+            <a:tailEnd type="none" w="med" len="med"/>
+          </a:ln>
+          <a:effectLst/>
+        </p:spPr>
+        <p:style>
+          <a:lnRef idx="1">
+            <a:schemeClr val="accent2"/>
+          </a:lnRef>
+          <a:fillRef idx="2">
+            <a:schemeClr val="accent2"/>
+          </a:fillRef>
+          <a:effectRef idx="1">
+            <a:schemeClr val="accent2"/>
+          </a:effectRef>
+          <a:fontRef idx="minor">
+            <a:schemeClr val="dk1"/>
+          </a:fontRef>
+        </p:style>
+      </p:cxnSp>
+      <p:sp>
+        <p:nvSpPr>
+          <p:cNvPr id="121" name="Rectangle 8"/>
+          <p:cNvSpPr/>
+          <p:nvPr/>
+        </p:nvSpPr>
+        <p:spPr>
+          <a:xfrm>
+            <a:off x="6672704" y="1891400"/>
+            <a:ext cx="708186" cy="285783"/>
+          </a:xfrm>
+          <a:prstGeom prst="rect">
+            <a:avLst/>
+          </a:prstGeom>
+          <a:ln w="19050">
+            <a:solidFill>
+              <a:srgbClr val="7030A0"/>
+            </a:solidFill>
+          </a:ln>
+          <a:effectLst/>
+        </p:spPr>
+        <p:style>
+          <a:lnRef idx="1">
+            <a:schemeClr val="accent4"/>
+          </a:lnRef>
+          <a:fillRef idx="2">
+            <a:schemeClr val="accent4"/>
+          </a:fillRef>
+          <a:effectRef idx="1">
+            <a:schemeClr val="accent4"/>
+          </a:effectRef>
+          <a:fontRef idx="minor">
+            <a:schemeClr val="dk1"/>
+          </a:fontRef>
+        </p:style>
+        <p:txBody>
+          <a:bodyPr rtlCol="0" anchor="ctr"/>
+          <a:lstStyle/>
+          <a:p>
+            <a:pPr algn="ctr"/>
+            <a:r>
+              <a:rPr lang="en-SG" sz="1050" dirty="0">
+                <a:solidFill>
+                  <a:srgbClr val="7030A0"/>
+                </a:solidFill>
+              </a:rPr>
+              <a:t>D</a:t>
+            </a:r>
+            <a:r>
+              <a:rPr lang="en-US" altLang="zh-CN" sz="1050" dirty="0" err="1">
+                <a:solidFill>
+                  <a:srgbClr val="7030A0"/>
+                </a:solidFill>
+              </a:rPr>
+              <a:t>eadlineTask</a:t>
+            </a:r>
+            <a:endParaRPr lang="en-SG" sz="1050" dirty="0">
+              <a:solidFill>
+                <a:srgbClr val="7030A0"/>
+              </a:solidFill>
+            </a:endParaRPr>
+          </a:p>
+        </p:txBody>
+      </p:sp>
+      <p:sp>
+        <p:nvSpPr>
+          <p:cNvPr id="123" name="Rectangle 8"/>
+          <p:cNvSpPr/>
+          <p:nvPr/>
+        </p:nvSpPr>
+        <p:spPr>
+          <a:xfrm>
+            <a:off x="6672704" y="2248629"/>
+            <a:ext cx="708186" cy="285783"/>
+          </a:xfrm>
+          <a:prstGeom prst="rect">
+            <a:avLst/>
+          </a:prstGeom>
+          <a:ln w="19050">
+            <a:solidFill>
+              <a:srgbClr val="7030A0"/>
+            </a:solidFill>
+          </a:ln>
+          <a:effectLst/>
+        </p:spPr>
+        <p:style>
+          <a:lnRef idx="1">
+            <a:schemeClr val="accent4"/>
+          </a:lnRef>
+          <a:fillRef idx="2">
+            <a:schemeClr val="accent4"/>
+          </a:fillRef>
+          <a:effectRef idx="1">
+            <a:schemeClr val="accent4"/>
+          </a:effectRef>
+          <a:fontRef idx="minor">
+            <a:schemeClr val="dk1"/>
+          </a:fontRef>
+        </p:style>
+        <p:txBody>
+          <a:bodyPr rtlCol="0" anchor="ctr"/>
+          <a:lstStyle/>
+          <a:p>
+            <a:pPr algn="ctr"/>
+            <a:r>
+              <a:rPr lang="en-US" sz="1050">
+                <a:solidFill>
+                  <a:srgbClr val="7030A0"/>
+                </a:solidFill>
+              </a:rPr>
+              <a:t>Floating</a:t>
+            </a:r>
+          </a:p>
+          <a:p>
+            <a:pPr algn="ctr"/>
+            <a:r>
+              <a:rPr lang="en-US" sz="1050">
+                <a:solidFill>
+                  <a:srgbClr val="7030A0"/>
+                </a:solidFill>
+              </a:rPr>
+              <a:t>Task</a:t>
+            </a:r>
+            <a:endParaRPr lang="en-SG" sz="1050" dirty="0">
+              <a:solidFill>
+                <a:srgbClr val="7030A0"/>
+              </a:solidFill>
+            </a:endParaRPr>
+          </a:p>
+        </p:txBody>
+      </p:sp>
+      <p:cxnSp>
+        <p:nvCxnSpPr>
+          <p:cNvPr id="126" name="Elbow Connector 63"/>
+          <p:cNvCxnSpPr>
+            <a:stCxn id="123" idx="1"/>
+            <a:endCxn id="116" idx="3"/>
+          </p:cNvCxnSpPr>
+          <p:nvPr/>
+        </p:nvCxnSpPr>
+        <p:spPr>
+          <a:xfrm rot="10800000" flipV="1">
+            <a:off x="6319664" y="2391521"/>
+            <a:ext cx="353041" cy="248140"/>
+          </a:xfrm>
+          <a:prstGeom prst="bentConnector2">
+            <a:avLst/>
+          </a:prstGeom>
+          <a:ln w="19050">
+            <a:solidFill>
+              <a:srgbClr val="7030A0"/>
+            </a:solidFill>
+            <a:prstDash val="solid"/>
+            <a:headEnd type="none" w="med" len="med"/>
+            <a:tailEnd type="none" w="med" len="med"/>
+          </a:ln>
+          <a:effectLst/>
+        </p:spPr>
+        <p:style>
+          <a:lnRef idx="1">
+            <a:schemeClr val="accent2"/>
+          </a:lnRef>
+          <a:fillRef idx="2">
+            <a:schemeClr val="accent2"/>
+          </a:fillRef>
+          <a:effectRef idx="1">
+            <a:schemeClr val="accent2"/>
+          </a:effectRef>
+          <a:fontRef idx="minor">
+            <a:schemeClr val="dk1"/>
+          </a:fontRef>
+        </p:style>
+      </p:cxnSp>
     </p:spTree>
     <p:extLst>
       <p:ext uri="{BB962C8B-B14F-4D97-AF65-F5344CB8AC3E}">
@@ -5910,13 +6530,6 @@
   <p:clrMapOvr>
     <a:masterClrMapping/>
   </p:clrMapOvr>
-  <p:timing>
-    <p:tnLst>
-      <p:par>
-        <p:cTn id="1" dur="indefinite" restart="never" nodeType="tmRoot"/>
-      </p:par>
-    </p:tnLst>
-  </p:timing>
 </p:sld>
 </file>
 

--- a/docs/diagrams/ModelComponentClassDiagram.pptx
+++ b/docs/diagrams/ModelComponentClassDiagram.pptx
@@ -208,7 +208,7 @@
           <a:p>
             <a:fld id="{F5CC4B3F-88C1-4FFA-B1B6-F41C21DC6924}" type="datetimeFigureOut">
               <a:rPr lang="en-US" smtClean="0"/>
-              <a:t>3/22/2017</a:t>
+              <a:t>4/9/2017</a:t>
             </a:fld>
             <a:endParaRPr lang="en-US"/>
           </a:p>
@@ -657,7 +657,7 @@
           <a:p>
             <a:fld id="{78C97017-6FC3-485B-9764-EAC9E56C1D49}" type="datetimeFigureOut">
               <a:rPr lang="en-US" smtClean="0"/>
-              <a:t>3/22/2017</a:t>
+              <a:t>4/9/2017</a:t>
             </a:fld>
             <a:endParaRPr lang="en-US"/>
           </a:p>
@@ -827,7 +827,7 @@
           <a:p>
             <a:fld id="{78C97017-6FC3-485B-9764-EAC9E56C1D49}" type="datetimeFigureOut">
               <a:rPr lang="en-US" smtClean="0"/>
-              <a:t>3/22/2017</a:t>
+              <a:t>4/9/2017</a:t>
             </a:fld>
             <a:endParaRPr lang="en-US"/>
           </a:p>
@@ -1007,7 +1007,7 @@
           <a:p>
             <a:fld id="{78C97017-6FC3-485B-9764-EAC9E56C1D49}" type="datetimeFigureOut">
               <a:rPr lang="en-US" smtClean="0"/>
-              <a:t>3/22/2017</a:t>
+              <a:t>4/9/2017</a:t>
             </a:fld>
             <a:endParaRPr lang="en-US"/>
           </a:p>
@@ -1177,7 +1177,7 @@
           <a:p>
             <a:fld id="{78C97017-6FC3-485B-9764-EAC9E56C1D49}" type="datetimeFigureOut">
               <a:rPr lang="en-US" smtClean="0"/>
-              <a:t>3/22/2017</a:t>
+              <a:t>4/9/2017</a:t>
             </a:fld>
             <a:endParaRPr lang="en-US"/>
           </a:p>
@@ -1423,7 +1423,7 @@
           <a:p>
             <a:fld id="{78C97017-6FC3-485B-9764-EAC9E56C1D49}" type="datetimeFigureOut">
               <a:rPr lang="en-US" smtClean="0"/>
-              <a:t>3/22/2017</a:t>
+              <a:t>4/9/2017</a:t>
             </a:fld>
             <a:endParaRPr lang="en-US"/>
           </a:p>
@@ -1711,7 +1711,7 @@
           <a:p>
             <a:fld id="{78C97017-6FC3-485B-9764-EAC9E56C1D49}" type="datetimeFigureOut">
               <a:rPr lang="en-US" smtClean="0"/>
-              <a:t>3/22/2017</a:t>
+              <a:t>4/9/2017</a:t>
             </a:fld>
             <a:endParaRPr lang="en-US"/>
           </a:p>
@@ -2133,7 +2133,7 @@
           <a:p>
             <a:fld id="{78C97017-6FC3-485B-9764-EAC9E56C1D49}" type="datetimeFigureOut">
               <a:rPr lang="en-US" smtClean="0"/>
-              <a:t>3/22/2017</a:t>
+              <a:t>4/9/2017</a:t>
             </a:fld>
             <a:endParaRPr lang="en-US"/>
           </a:p>
@@ -2251,7 +2251,7 @@
           <a:p>
             <a:fld id="{78C97017-6FC3-485B-9764-EAC9E56C1D49}" type="datetimeFigureOut">
               <a:rPr lang="en-US" smtClean="0"/>
-              <a:t>3/22/2017</a:t>
+              <a:t>4/9/2017</a:t>
             </a:fld>
             <a:endParaRPr lang="en-US"/>
           </a:p>
@@ -2346,7 +2346,7 @@
           <a:p>
             <a:fld id="{78C97017-6FC3-485B-9764-EAC9E56C1D49}" type="datetimeFigureOut">
               <a:rPr lang="en-US" smtClean="0"/>
-              <a:t>3/22/2017</a:t>
+              <a:t>4/9/2017</a:t>
             </a:fld>
             <a:endParaRPr lang="en-US"/>
           </a:p>
@@ -2623,7 +2623,7 @@
           <a:p>
             <a:fld id="{78C97017-6FC3-485B-9764-EAC9E56C1D49}" type="datetimeFigureOut">
               <a:rPr lang="en-US" smtClean="0"/>
-              <a:t>3/22/2017</a:t>
+              <a:t>4/9/2017</a:t>
             </a:fld>
             <a:endParaRPr lang="en-US"/>
           </a:p>
@@ -2876,7 +2876,7 @@
           <a:p>
             <a:fld id="{78C97017-6FC3-485B-9764-EAC9E56C1D49}" type="datetimeFigureOut">
               <a:rPr lang="en-US" smtClean="0"/>
-              <a:t>3/22/2017</a:t>
+              <a:t>4/9/2017</a:t>
             </a:fld>
             <a:endParaRPr lang="en-US"/>
           </a:p>
@@ -3089,7 +3089,7 @@
           <a:p>
             <a:fld id="{78C97017-6FC3-485B-9764-EAC9E56C1D49}" type="datetimeFigureOut">
               <a:rPr lang="en-US" smtClean="0"/>
-              <a:t>3/22/2017</a:t>
+              <a:t>4/9/2017</a:t>
             </a:fld>
             <a:endParaRPr lang="en-US"/>
           </a:p>
@@ -3643,29 +3643,146 @@
           </a:p>
         </p:txBody>
       </p:sp>
+      <p:sp>
+        <p:nvSpPr>
+          <p:cNvPr id="119" name="Rectangle 62"/>
+          <p:cNvSpPr/>
+          <p:nvPr/>
+        </p:nvSpPr>
+        <p:spPr>
+          <a:xfrm rot="16200000">
+            <a:off x="118002" y="2861202"/>
+            <a:ext cx="1093635" cy="346760"/>
+          </a:xfrm>
+          <a:prstGeom prst="rect">
+            <a:avLst/>
+          </a:prstGeom>
+          <a:solidFill>
+            <a:srgbClr val="7030A0"/>
+          </a:solidFill>
+          <a:ln w="19050">
+            <a:solidFill>
+              <a:srgbClr val="7030A0"/>
+            </a:solidFill>
+          </a:ln>
+          <a:effectLst/>
+        </p:spPr>
+        <p:style>
+          <a:lnRef idx="1">
+            <a:schemeClr val="accent2"/>
+          </a:lnRef>
+          <a:fillRef idx="2">
+            <a:schemeClr val="accent2"/>
+          </a:fillRef>
+          <a:effectRef idx="1">
+            <a:schemeClr val="accent2"/>
+          </a:effectRef>
+          <a:fontRef idx="minor">
+            <a:schemeClr val="dk1"/>
+          </a:fontRef>
+        </p:style>
+        <p:txBody>
+          <a:bodyPr rtlCol="0" anchor="ctr"/>
+          <a:lstStyle/>
+          <a:p>
+            <a:pPr algn="ctr"/>
+            <a:r>
+              <a:rPr lang="en-US" sz="1050" dirty="0">
+                <a:solidFill>
+                  <a:schemeClr val="bg1"/>
+                </a:solidFill>
+              </a:rPr>
+              <a:t>&lt;&lt;interface&gt;&gt;</a:t>
+            </a:r>
+          </a:p>
+          <a:p>
+            <a:pPr algn="ctr"/>
+            <a:r>
+              <a:rPr lang="en-US" sz="1050" dirty="0" smtClean="0">
+                <a:solidFill>
+                  <a:schemeClr val="bg1"/>
+                </a:solidFill>
+              </a:rPr>
+              <a:t>Model</a:t>
+            </a:r>
+            <a:endParaRPr lang="en-SG" sz="1050" dirty="0">
+              <a:solidFill>
+                <a:schemeClr val="bg1"/>
+              </a:solidFill>
+            </a:endParaRPr>
+          </a:p>
+        </p:txBody>
+      </p:sp>
+      <p:sp>
+        <p:nvSpPr>
+          <p:cNvPr id="120" name="Isosceles Triangle 102"/>
+          <p:cNvSpPr/>
+          <p:nvPr/>
+        </p:nvSpPr>
+        <p:spPr>
+          <a:xfrm rot="16200000">
+            <a:off x="788710" y="2952291"/>
+            <a:ext cx="270504" cy="175523"/>
+          </a:xfrm>
+          <a:prstGeom prst="triangle">
+            <a:avLst/>
+          </a:prstGeom>
+          <a:solidFill>
+            <a:srgbClr val="7030A0"/>
+          </a:solidFill>
+          <a:ln w="19050">
+            <a:solidFill>
+              <a:srgbClr val="7030A0"/>
+            </a:solidFill>
+          </a:ln>
+          <a:effectLst/>
+        </p:spPr>
+        <p:style>
+          <a:lnRef idx="1">
+            <a:schemeClr val="accent6"/>
+          </a:lnRef>
+          <a:fillRef idx="2">
+            <a:schemeClr val="accent6"/>
+          </a:fillRef>
+          <a:effectRef idx="1">
+            <a:schemeClr val="accent6"/>
+          </a:effectRef>
+          <a:fontRef idx="minor">
+            <a:schemeClr val="dk1"/>
+          </a:fontRef>
+        </p:style>
+        <p:txBody>
+          <a:bodyPr rtlCol="0" anchor="ctr"/>
+          <a:lstStyle/>
+          <a:p>
+            <a:pPr algn="ctr"/>
+            <a:endParaRPr lang="en-SG" sz="1050"/>
+          </a:p>
+        </p:txBody>
+      </p:sp>
       <p:cxnSp>
         <p:nvCxnSpPr>
-          <p:cNvPr id="53" name="Elbow Connector 63"/>
+          <p:cNvPr id="58" name="Straight Arrow Connector 57"/>
           <p:cNvCxnSpPr>
-            <a:endCxn id="71" idx="3"/>
+            <a:stCxn id="42" idx="3"/>
+            <a:endCxn id="2" idx="1"/>
           </p:cNvCxnSpPr>
           <p:nvPr/>
         </p:nvCxnSpPr>
         <p:spPr>
-          <a:xfrm rot="5400000" flipH="1" flipV="1">
-            <a:off x="5781241" y="2437358"/>
-            <a:ext cx="634523" cy="185509"/>
-          </a:xfrm>
-          <a:prstGeom prst="bentConnector2">
+          <a:xfrm flipV="1">
+            <a:off x="1812932" y="3145180"/>
+            <a:ext cx="226048" cy="5677"/>
+          </a:xfrm>
+          <a:prstGeom prst="straightConnector1">
             <a:avLst/>
           </a:prstGeom>
           <a:ln w="19050">
             <a:solidFill>
               <a:srgbClr val="7030A0"/>
             </a:solidFill>
-            <a:prstDash val="sysDot"/>
             <a:headEnd type="none" w="med" len="med"/>
-            <a:tailEnd type="none" w="med" len="med"/>
+            <a:tailEnd type="arrow" w="med" len="med"/>
           </a:ln>
           <a:effectLst/>
         </p:spPr>
@@ -3684,215 +3801,6 @@
           </a:fontRef>
         </p:style>
       </p:cxnSp>
-      <p:sp>
-        <p:nvSpPr>
-          <p:cNvPr id="119" name="Rectangle 62"/>
-          <p:cNvSpPr/>
-          <p:nvPr/>
-        </p:nvSpPr>
-        <p:spPr>
-          <a:xfrm rot="16200000">
-            <a:off x="118002" y="2861202"/>
-            <a:ext cx="1093635" cy="346760"/>
-          </a:xfrm>
-          <a:prstGeom prst="rect">
-            <a:avLst/>
-          </a:prstGeom>
-          <a:solidFill>
-            <a:srgbClr val="7030A0"/>
-          </a:solidFill>
-          <a:ln w="19050">
-            <a:solidFill>
-              <a:srgbClr val="7030A0"/>
-            </a:solidFill>
-          </a:ln>
-          <a:effectLst/>
-        </p:spPr>
-        <p:style>
-          <a:lnRef idx="1">
-            <a:schemeClr val="accent2"/>
-          </a:lnRef>
-          <a:fillRef idx="2">
-            <a:schemeClr val="accent2"/>
-          </a:fillRef>
-          <a:effectRef idx="1">
-            <a:schemeClr val="accent2"/>
-          </a:effectRef>
-          <a:fontRef idx="minor">
-            <a:schemeClr val="dk1"/>
-          </a:fontRef>
-        </p:style>
-        <p:txBody>
-          <a:bodyPr rtlCol="0" anchor="ctr"/>
-          <a:lstStyle/>
-          <a:p>
-            <a:pPr algn="ctr"/>
-            <a:r>
-              <a:rPr lang="en-US" sz="1050" dirty="0">
-                <a:solidFill>
-                  <a:schemeClr val="bg1"/>
-                </a:solidFill>
-              </a:rPr>
-              <a:t>&lt;&lt;interface&gt;&gt;</a:t>
-            </a:r>
-          </a:p>
-          <a:p>
-            <a:pPr algn="ctr"/>
-            <a:r>
-              <a:rPr lang="en-US" sz="1050" dirty="0" smtClean="0">
-                <a:solidFill>
-                  <a:schemeClr val="bg1"/>
-                </a:solidFill>
-              </a:rPr>
-              <a:t>Model</a:t>
-            </a:r>
-            <a:endParaRPr lang="en-SG" sz="1050" dirty="0">
-              <a:solidFill>
-                <a:schemeClr val="bg1"/>
-              </a:solidFill>
-            </a:endParaRPr>
-          </a:p>
-        </p:txBody>
-      </p:sp>
-      <p:sp>
-        <p:nvSpPr>
-          <p:cNvPr id="120" name="Isosceles Triangle 102"/>
-          <p:cNvSpPr/>
-          <p:nvPr/>
-        </p:nvSpPr>
-        <p:spPr>
-          <a:xfrm rot="16200000">
-            <a:off x="788710" y="2952291"/>
-            <a:ext cx="270504" cy="175523"/>
-          </a:xfrm>
-          <a:prstGeom prst="triangle">
-            <a:avLst/>
-          </a:prstGeom>
-          <a:solidFill>
-            <a:srgbClr val="7030A0"/>
-          </a:solidFill>
-          <a:ln w="19050">
-            <a:solidFill>
-              <a:srgbClr val="7030A0"/>
-            </a:solidFill>
-          </a:ln>
-          <a:effectLst/>
-        </p:spPr>
-        <p:style>
-          <a:lnRef idx="1">
-            <a:schemeClr val="accent6"/>
-          </a:lnRef>
-          <a:fillRef idx="2">
-            <a:schemeClr val="accent6"/>
-          </a:fillRef>
-          <a:effectRef idx="1">
-            <a:schemeClr val="accent6"/>
-          </a:effectRef>
-          <a:fontRef idx="minor">
-            <a:schemeClr val="dk1"/>
-          </a:fontRef>
-        </p:style>
-        <p:txBody>
-          <a:bodyPr rtlCol="0" anchor="ctr"/>
-          <a:lstStyle/>
-          <a:p>
-            <a:pPr algn="ctr"/>
-            <a:endParaRPr lang="en-SG" sz="1050"/>
-          </a:p>
-        </p:txBody>
-      </p:sp>
-      <p:cxnSp>
-        <p:nvCxnSpPr>
-          <p:cNvPr id="58" name="Straight Arrow Connector 57"/>
-          <p:cNvCxnSpPr>
-            <a:stCxn id="42" idx="3"/>
-            <a:endCxn id="2" idx="1"/>
-          </p:cNvCxnSpPr>
-          <p:nvPr/>
-        </p:nvCxnSpPr>
-        <p:spPr>
-          <a:xfrm flipV="1">
-            <a:off x="1812932" y="3145180"/>
-            <a:ext cx="226048" cy="5677"/>
-          </a:xfrm>
-          <a:prstGeom prst="straightConnector1">
-            <a:avLst/>
-          </a:prstGeom>
-          <a:ln w="19050">
-            <a:solidFill>
-              <a:srgbClr val="7030A0"/>
-            </a:solidFill>
-            <a:headEnd type="none" w="med" len="med"/>
-            <a:tailEnd type="arrow" w="med" len="med"/>
-          </a:ln>
-          <a:effectLst/>
-        </p:spPr>
-        <p:style>
-          <a:lnRef idx="1">
-            <a:schemeClr val="accent2"/>
-          </a:lnRef>
-          <a:fillRef idx="2">
-            <a:schemeClr val="accent2"/>
-          </a:fillRef>
-          <a:effectRef idx="1">
-            <a:schemeClr val="accent2"/>
-          </a:effectRef>
-          <a:fontRef idx="minor">
-            <a:schemeClr val="dk1"/>
-          </a:fontRef>
-        </p:style>
-      </p:cxnSp>
-      <p:sp>
-        <p:nvSpPr>
-          <p:cNvPr id="71" name="Isosceles Triangle 102"/>
-          <p:cNvSpPr/>
-          <p:nvPr/>
-        </p:nvSpPr>
-        <p:spPr>
-          <a:xfrm rot="16200000" flipH="1" flipV="1">
-            <a:off x="6143766" y="2125088"/>
-            <a:ext cx="270504" cy="175523"/>
-          </a:xfrm>
-          <a:prstGeom prst="triangle">
-            <a:avLst/>
-          </a:prstGeom>
-          <a:solidFill>
-            <a:srgbClr val="7030A0"/>
-          </a:solidFill>
-          <a:ln w="19050">
-            <a:solidFill>
-              <a:srgbClr val="7030A0"/>
-            </a:solidFill>
-          </a:ln>
-          <a:effectLst/>
-        </p:spPr>
-        <p:style>
-          <a:lnRef idx="1">
-            <a:schemeClr val="accent4"/>
-          </a:lnRef>
-          <a:fillRef idx="2">
-            <a:schemeClr val="accent4"/>
-          </a:fillRef>
-          <a:effectRef idx="1">
-            <a:schemeClr val="accent4"/>
-          </a:effectRef>
-          <a:fontRef idx="minor">
-            <a:schemeClr val="dk1"/>
-          </a:fontRef>
-        </p:style>
-        <p:txBody>
-          <a:bodyPr rtlCol="0" anchor="ctr"/>
-          <a:lstStyle/>
-          <a:p>
-            <a:pPr algn="ctr"/>
-            <a:endParaRPr lang="en-SG" sz="1050" b="1">
-              <a:solidFill>
-                <a:srgbClr val="92D050"/>
-              </a:solidFill>
-            </a:endParaRPr>
-          </a:p>
-        </p:txBody>
-      </p:sp>
       <p:cxnSp>
         <p:nvCxnSpPr>
           <p:cNvPr id="75" name="Elbow Connector 122"/>
@@ -4655,7 +4563,7 @@
         </p:nvSpPr>
         <p:spPr>
           <a:xfrm>
-            <a:off x="6387303" y="1994778"/>
+            <a:off x="4314311" y="3451148"/>
             <a:ext cx="1156969" cy="346760"/>
           </a:xfrm>
           <a:prstGeom prst="rect">
@@ -4813,7 +4721,7 @@
         </p:nvSpPr>
         <p:spPr>
           <a:xfrm>
-            <a:off x="7202537" y="3243417"/>
+            <a:off x="7186669" y="2872671"/>
             <a:ext cx="817879" cy="285783"/>
           </a:xfrm>
           <a:prstGeom prst="rect">
@@ -5111,45 +5019,6 @@
               <a:t>ReadOnlyTaskManager</a:t>
             </a:r>
             <a:endParaRPr lang="en-SG" sz="1050" dirty="0">
-              <a:solidFill>
-                <a:srgbClr val="7030A0"/>
-              </a:solidFill>
-            </a:endParaRPr>
-          </a:p>
-        </p:txBody>
-      </p:sp>
-      <p:sp>
-        <p:nvSpPr>
-          <p:cNvPr id="114" name="TextBox 113"/>
-          <p:cNvSpPr txBox="1"/>
-          <p:nvPr/>
-        </p:nvSpPr>
-        <p:spPr>
-          <a:xfrm rot="16200000">
-            <a:off x="5301940" y="2032192"/>
-            <a:ext cx="881018" cy="261610"/>
-          </a:xfrm>
-          <a:prstGeom prst="rect">
-            <a:avLst/>
-          </a:prstGeom>
-          <a:noFill/>
-        </p:spPr>
-        <p:txBody>
-          <a:bodyPr wrap="square" rtlCol="0">
-            <a:spAutoFit/>
-          </a:bodyPr>
-          <a:lstStyle/>
-          <a:p>
-            <a:pPr algn="r"/>
-            <a:r>
-              <a:rPr lang="en-US" sz="1100" dirty="0" smtClean="0">
-                <a:solidFill>
-                  <a:srgbClr val="7030A0"/>
-                </a:solidFill>
-              </a:rPr>
-              <a:t>filtered list</a:t>
-            </a:r>
-            <a:endParaRPr lang="en-SG" sz="1100" dirty="0">
               <a:solidFill>
                 <a:srgbClr val="7030A0"/>
               </a:solidFill>
@@ -5634,29 +5503,26 @@
       </p:sp>
       <p:cxnSp>
         <p:nvCxnSpPr>
-          <p:cNvPr id="187" name="Elbow Connector 186"/>
+          <p:cNvPr id="283" name="Straight Arrow Connector 282"/>
           <p:cNvCxnSpPr>
-            <a:stCxn id="9" idx="3"/>
-            <a:endCxn id="62" idx="0"/>
+            <a:stCxn id="63" idx="3"/>
           </p:cNvCxnSpPr>
           <p:nvPr/>
         </p:nvCxnSpPr>
         <p:spPr>
-          <a:xfrm rot="16200000" flipH="1">
-            <a:off x="3429668" y="458164"/>
-            <a:ext cx="362816" cy="4436988"/>
-          </a:xfrm>
-          <a:prstGeom prst="bentConnector3">
-            <a:avLst>
-              <a:gd name="adj1" fmla="val -213286"/>
-            </a:avLst>
+          <a:xfrm flipV="1">
+            <a:off x="5044934" y="2893950"/>
+            <a:ext cx="430543" cy="1286"/>
+          </a:xfrm>
+          <a:prstGeom prst="straightConnector1">
+            <a:avLst/>
           </a:prstGeom>
           <a:ln w="19050">
             <a:solidFill>
               <a:srgbClr val="7030A0"/>
             </a:solidFill>
             <a:headEnd type="none" w="med" len="med"/>
-            <a:tailEnd type="triangle"/>
+            <a:tailEnd type="arrow" w="med" len="med"/>
           </a:ln>
           <a:effectLst/>
         </p:spPr>
@@ -5677,24 +5543,26 @@
       </p:cxnSp>
       <p:cxnSp>
         <p:nvCxnSpPr>
-          <p:cNvPr id="283" name="Straight Arrow Connector 282"/>
-          <p:cNvCxnSpPr>
-            <a:stCxn id="63" idx="3"/>
-          </p:cNvCxnSpPr>
+          <p:cNvPr id="52" name="Elbow Connector 51"/>
+          <p:cNvCxnSpPr/>
           <p:nvPr/>
         </p:nvCxnSpPr>
         <p:spPr>
-          <a:xfrm flipV="1">
-            <a:off x="5044934" y="2893950"/>
-            <a:ext cx="430543" cy="1286"/>
-          </a:xfrm>
-          <a:prstGeom prst="straightConnector1">
-            <a:avLst/>
+          <a:xfrm rot="5400000" flipH="1" flipV="1">
+            <a:off x="3521866" y="1080613"/>
+            <a:ext cx="378691" cy="4637261"/>
+          </a:xfrm>
+          <a:prstGeom prst="bentConnector4">
+            <a:avLst>
+              <a:gd name="adj1" fmla="val -101829"/>
+              <a:gd name="adj2" fmla="val 99976"/>
+            </a:avLst>
           </a:prstGeom>
           <a:ln w="19050">
             <a:solidFill>
               <a:srgbClr val="7030A0"/>
             </a:solidFill>
+            <a:prstDash val="solid"/>
             <a:headEnd type="none" w="med" len="med"/>
             <a:tailEnd type="arrow" w="med" len="med"/>
           </a:ln>
@@ -5715,6 +5583,372 @@
           </a:fontRef>
         </p:style>
       </p:cxnSp>
+      <p:sp>
+        <p:nvSpPr>
+          <p:cNvPr id="55" name="TextBox 54"/>
+          <p:cNvSpPr txBox="1"/>
+          <p:nvPr/>
+        </p:nvSpPr>
+        <p:spPr>
+          <a:xfrm rot="16200000">
+            <a:off x="5689313" y="3586009"/>
+            <a:ext cx="881018" cy="261610"/>
+          </a:xfrm>
+          <a:prstGeom prst="rect">
+            <a:avLst/>
+          </a:prstGeom>
+          <a:noFill/>
+        </p:spPr>
+        <p:txBody>
+          <a:bodyPr wrap="square" rtlCol="0">
+            <a:spAutoFit/>
+          </a:bodyPr>
+          <a:lstStyle/>
+          <a:p>
+            <a:pPr algn="r"/>
+            <a:r>
+              <a:rPr lang="en-US" sz="1100" dirty="0" smtClean="0">
+                <a:solidFill>
+                  <a:srgbClr val="7030A0"/>
+                </a:solidFill>
+              </a:rPr>
+              <a:t>filtered list</a:t>
+            </a:r>
+            <a:endParaRPr lang="en-SG" sz="1100" dirty="0">
+              <a:solidFill>
+                <a:srgbClr val="7030A0"/>
+              </a:solidFill>
+            </a:endParaRPr>
+          </a:p>
+        </p:txBody>
+      </p:sp>
+      <p:cxnSp>
+        <p:nvCxnSpPr>
+          <p:cNvPr id="64" name="Elbow Connector 63"/>
+          <p:cNvCxnSpPr>
+            <a:stCxn id="73" idx="3"/>
+          </p:cNvCxnSpPr>
+          <p:nvPr/>
+        </p:nvCxnSpPr>
+        <p:spPr>
+          <a:xfrm flipV="1">
+            <a:off x="5654738" y="3212350"/>
+            <a:ext cx="95385" cy="416514"/>
+          </a:xfrm>
+          <a:prstGeom prst="bentConnector2">
+            <a:avLst/>
+          </a:prstGeom>
+          <a:ln w="19050">
+            <a:solidFill>
+              <a:srgbClr val="7030A0"/>
+            </a:solidFill>
+            <a:prstDash val="sysDot"/>
+            <a:headEnd type="none" w="med" len="med"/>
+            <a:tailEnd type="none" w="med" len="med"/>
+          </a:ln>
+          <a:effectLst/>
+        </p:spPr>
+        <p:style>
+          <a:lnRef idx="1">
+            <a:schemeClr val="accent2"/>
+          </a:lnRef>
+          <a:fillRef idx="2">
+            <a:schemeClr val="accent2"/>
+          </a:fillRef>
+          <a:effectRef idx="1">
+            <a:schemeClr val="accent2"/>
+          </a:effectRef>
+          <a:fontRef idx="minor">
+            <a:schemeClr val="dk1"/>
+          </a:fontRef>
+        </p:style>
+      </p:cxnSp>
+      <p:sp>
+        <p:nvSpPr>
+          <p:cNvPr id="73" name="Isosceles Triangle 102"/>
+          <p:cNvSpPr/>
+          <p:nvPr/>
+        </p:nvSpPr>
+        <p:spPr>
+          <a:xfrm rot="5400000" flipV="1">
+            <a:off x="5431724" y="3541102"/>
+            <a:ext cx="270504" cy="175523"/>
+          </a:xfrm>
+          <a:prstGeom prst="triangle">
+            <a:avLst/>
+          </a:prstGeom>
+          <a:solidFill>
+            <a:srgbClr val="7030A0"/>
+          </a:solidFill>
+          <a:ln w="19050">
+            <a:solidFill>
+              <a:srgbClr val="7030A0"/>
+            </a:solidFill>
+          </a:ln>
+          <a:effectLst/>
+        </p:spPr>
+        <p:style>
+          <a:lnRef idx="1">
+            <a:schemeClr val="accent4"/>
+          </a:lnRef>
+          <a:fillRef idx="2">
+            <a:schemeClr val="accent4"/>
+          </a:fillRef>
+          <a:effectRef idx="1">
+            <a:schemeClr val="accent4"/>
+          </a:effectRef>
+          <a:fontRef idx="minor">
+            <a:schemeClr val="dk1"/>
+          </a:fontRef>
+        </p:style>
+        <p:txBody>
+          <a:bodyPr rtlCol="0" anchor="ctr"/>
+          <a:lstStyle/>
+          <a:p>
+            <a:pPr algn="ctr"/>
+            <a:endParaRPr lang="en-SG" sz="1050" b="1">
+              <a:solidFill>
+                <a:srgbClr val="92D050"/>
+              </a:solidFill>
+            </a:endParaRPr>
+          </a:p>
+        </p:txBody>
+      </p:sp>
+      <p:cxnSp>
+        <p:nvCxnSpPr>
+          <p:cNvPr id="74" name="Elbow Connector 73"/>
+          <p:cNvCxnSpPr/>
+          <p:nvPr/>
+        </p:nvCxnSpPr>
+        <p:spPr>
+          <a:xfrm flipV="1">
+            <a:off x="6820217" y="3026664"/>
+            <a:ext cx="363762" cy="4782"/>
+          </a:xfrm>
+          <a:prstGeom prst="bentConnector3">
+            <a:avLst/>
+          </a:prstGeom>
+          <a:ln w="19050">
+            <a:solidFill>
+              <a:srgbClr val="7030A0"/>
+            </a:solidFill>
+            <a:headEnd type="none" w="med" len="med"/>
+            <a:tailEnd type="arrow" w="med" len="med"/>
+          </a:ln>
+          <a:effectLst/>
+        </p:spPr>
+        <p:style>
+          <a:lnRef idx="1">
+            <a:schemeClr val="accent2"/>
+          </a:lnRef>
+          <a:fillRef idx="2">
+            <a:schemeClr val="accent2"/>
+          </a:fillRef>
+          <a:effectRef idx="1">
+            <a:schemeClr val="accent2"/>
+          </a:effectRef>
+          <a:fontRef idx="minor">
+            <a:schemeClr val="dk1"/>
+          </a:fontRef>
+        </p:style>
+      </p:cxnSp>
+      <p:sp>
+        <p:nvSpPr>
+          <p:cNvPr id="76" name="Rectangle 8"/>
+          <p:cNvSpPr/>
+          <p:nvPr/>
+        </p:nvSpPr>
+        <p:spPr>
+          <a:xfrm>
+            <a:off x="7189083" y="3256352"/>
+            <a:ext cx="811917" cy="285783"/>
+          </a:xfrm>
+          <a:prstGeom prst="rect">
+            <a:avLst/>
+          </a:prstGeom>
+          <a:ln w="19050">
+            <a:solidFill>
+              <a:srgbClr val="7030A0"/>
+            </a:solidFill>
+          </a:ln>
+          <a:effectLst/>
+        </p:spPr>
+        <p:style>
+          <a:lnRef idx="1">
+            <a:schemeClr val="accent4"/>
+          </a:lnRef>
+          <a:fillRef idx="2">
+            <a:schemeClr val="accent4"/>
+          </a:fillRef>
+          <a:effectRef idx="1">
+            <a:schemeClr val="accent4"/>
+          </a:effectRef>
+          <a:fontRef idx="minor">
+            <a:schemeClr val="dk1"/>
+          </a:fontRef>
+        </p:style>
+        <p:txBody>
+          <a:bodyPr rtlCol="0" anchor="ctr"/>
+          <a:lstStyle/>
+          <a:p>
+            <a:pPr algn="ctr"/>
+            <a:r>
+              <a:rPr lang="en-US" sz="1050" dirty="0" err="1" smtClean="0">
+                <a:solidFill>
+                  <a:srgbClr val="7030A0"/>
+                </a:solidFill>
+              </a:rPr>
+              <a:t>RecurState</a:t>
+            </a:r>
+            <a:endParaRPr lang="en-SG" sz="1050" dirty="0">
+              <a:solidFill>
+                <a:srgbClr val="7030A0"/>
+              </a:solidFill>
+            </a:endParaRPr>
+          </a:p>
+        </p:txBody>
+      </p:sp>
+      <p:sp>
+        <p:nvSpPr>
+          <p:cNvPr id="77" name="Flowchart: Decision 96"/>
+          <p:cNvSpPr/>
+          <p:nvPr/>
+        </p:nvSpPr>
+        <p:spPr>
+          <a:xfrm rot="5400000">
+            <a:off x="7477017" y="3592607"/>
+            <a:ext cx="236048" cy="173380"/>
+          </a:xfrm>
+          <a:prstGeom prst="flowChartDecision">
+            <a:avLst/>
+          </a:prstGeom>
+          <a:solidFill>
+            <a:srgbClr val="7030A0"/>
+          </a:solidFill>
+          <a:ln w="19050">
+            <a:solidFill>
+              <a:srgbClr val="7030A0"/>
+            </a:solidFill>
+          </a:ln>
+          <a:effectLst/>
+        </p:spPr>
+        <p:style>
+          <a:lnRef idx="1">
+            <a:schemeClr val="accent6"/>
+          </a:lnRef>
+          <a:fillRef idx="2">
+            <a:schemeClr val="accent6"/>
+          </a:fillRef>
+          <a:effectRef idx="1">
+            <a:schemeClr val="accent6"/>
+          </a:effectRef>
+          <a:fontRef idx="minor">
+            <a:schemeClr val="dk1"/>
+          </a:fontRef>
+        </p:style>
+        <p:txBody>
+          <a:bodyPr rtlCol="0" anchor="ctr"/>
+          <a:lstStyle/>
+          <a:p>
+            <a:pPr algn="ctr"/>
+            <a:endParaRPr lang="en-US" sz="1050"/>
+          </a:p>
+        </p:txBody>
+      </p:sp>
+      <p:cxnSp>
+        <p:nvCxnSpPr>
+          <p:cNvPr id="82" name="Straight Arrow Connector 81"/>
+          <p:cNvCxnSpPr/>
+          <p:nvPr/>
+        </p:nvCxnSpPr>
+        <p:spPr>
+          <a:xfrm>
+            <a:off x="7595041" y="3797321"/>
+            <a:ext cx="0" cy="245022"/>
+          </a:xfrm>
+          <a:prstGeom prst="straightConnector1">
+            <a:avLst/>
+          </a:prstGeom>
+          <a:ln w="19050">
+            <a:solidFill>
+              <a:srgbClr val="7030A0"/>
+            </a:solidFill>
+            <a:headEnd type="none" w="med" len="med"/>
+            <a:tailEnd type="arrow" w="med" len="med"/>
+          </a:ln>
+          <a:effectLst/>
+        </p:spPr>
+        <p:style>
+          <a:lnRef idx="1">
+            <a:schemeClr val="accent2"/>
+          </a:lnRef>
+          <a:fillRef idx="2">
+            <a:schemeClr val="accent2"/>
+          </a:fillRef>
+          <a:effectRef idx="1">
+            <a:schemeClr val="accent2"/>
+          </a:effectRef>
+          <a:fontRef idx="minor">
+            <a:schemeClr val="dk1"/>
+          </a:fontRef>
+        </p:style>
+      </p:cxnSp>
+      <p:sp>
+        <p:nvSpPr>
+          <p:cNvPr id="83" name="Rectangle 8"/>
+          <p:cNvSpPr/>
+          <p:nvPr/>
+        </p:nvSpPr>
+        <p:spPr>
+          <a:xfrm>
+            <a:off x="7086600" y="4042343"/>
+            <a:ext cx="985496" cy="285783"/>
+          </a:xfrm>
+          <a:prstGeom prst="rect">
+            <a:avLst/>
+          </a:prstGeom>
+          <a:ln w="19050">
+            <a:solidFill>
+              <a:srgbClr val="7030A0"/>
+            </a:solidFill>
+          </a:ln>
+          <a:effectLst/>
+        </p:spPr>
+        <p:style>
+          <a:lnRef idx="1">
+            <a:schemeClr val="accent4"/>
+          </a:lnRef>
+          <a:fillRef idx="2">
+            <a:schemeClr val="accent4"/>
+          </a:fillRef>
+          <a:effectRef idx="1">
+            <a:schemeClr val="accent4"/>
+          </a:effectRef>
+          <a:fontRef idx="minor">
+            <a:schemeClr val="dk1"/>
+          </a:fontRef>
+        </p:style>
+        <p:txBody>
+          <a:bodyPr rtlCol="0" anchor="ctr"/>
+          <a:lstStyle/>
+          <a:p>
+            <a:pPr algn="ctr"/>
+            <a:r>
+              <a:rPr lang="en-US" sz="1050" dirty="0" err="1" smtClean="0">
+                <a:solidFill>
+                  <a:srgbClr val="7030A0"/>
+                </a:solidFill>
+              </a:rPr>
+              <a:t>RecurInterval</a:t>
+            </a:r>
+            <a:endParaRPr lang="en-SG" sz="1050" dirty="0">
+              <a:solidFill>
+                <a:srgbClr val="7030A0"/>
+              </a:solidFill>
+            </a:endParaRPr>
+          </a:p>
+        </p:txBody>
+      </p:sp>
     </p:spTree>
     <p:extLst>
       <p:ext uri="{BB962C8B-B14F-4D97-AF65-F5344CB8AC3E}">

--- a/docs/diagrams/ModelComponentClassDiagram.pptx
+++ b/docs/diagrams/ModelComponentClassDiagram.pptx
@@ -107,6 +107,22 @@
       </a:defRPr>
     </a:lvl9pPr>
   </p:defaultTextStyle>
+  <p:extLst>
+    <p:ext uri="{EFAFB233-063F-42B5-8137-9DF3F51BA10A}">
+      <p15:sldGuideLst xmlns:p15="http://schemas.microsoft.com/office/powerpoint/2012/main">
+        <p15:guide id="1" orient="horz" pos="1488">
+          <p15:clr>
+            <a:srgbClr val="A4A3A4"/>
+          </p15:clr>
+        </p15:guide>
+        <p15:guide id="2" pos="2880">
+          <p15:clr>
+            <a:srgbClr val="A4A3A4"/>
+          </p15:clr>
+        </p15:guide>
+      </p15:sldGuideLst>
+    </p:ext>
+  </p:extLst>
 </p:presentation>
 </file>
 
@@ -192,7 +208,7 @@
           <a:p>
             <a:fld id="{F5CC4B3F-88C1-4FFA-B1B6-F41C21DC6924}" type="datetimeFigureOut">
               <a:rPr lang="en-US" smtClean="0"/>
-              <a:t>11/19/2016</a:t>
+              <a:t>4/9/2017</a:t>
             </a:fld>
             <a:endParaRPr lang="en-US"/>
           </a:p>
@@ -256,38 +272,37 @@
           <a:p>
             <a:pPr lvl="0"/>
             <a:r>
-              <a:rPr lang="en-US" smtClean="0"/>
+              <a:rPr lang="en-US"/>
               <a:t>Click to edit Master text styles</a:t>
             </a:r>
           </a:p>
           <a:p>
             <a:pPr lvl="1"/>
             <a:r>
-              <a:rPr lang="en-US" smtClean="0"/>
+              <a:rPr lang="en-US"/>
               <a:t>Second level</a:t>
             </a:r>
           </a:p>
           <a:p>
             <a:pPr lvl="2"/>
             <a:r>
-              <a:rPr lang="en-US" smtClean="0"/>
+              <a:rPr lang="en-US"/>
               <a:t>Third level</a:t>
             </a:r>
           </a:p>
           <a:p>
             <a:pPr lvl="3"/>
             <a:r>
-              <a:rPr lang="en-US" smtClean="0"/>
+              <a:rPr lang="en-US"/>
               <a:t>Fourth level</a:t>
             </a:r>
           </a:p>
           <a:p>
             <a:pPr lvl="4"/>
             <a:r>
-              <a:rPr lang="en-US" smtClean="0"/>
+              <a:rPr lang="en-US"/>
               <a:t>Fifth level</a:t>
             </a:r>
-            <a:endParaRPr lang="en-US"/>
           </a:p>
         </p:txBody>
       </p:sp>
@@ -498,10 +513,9 @@
           <a:lstStyle/>
           <a:p>
             <a:r>
-              <a:rPr lang="en-US" smtClean="0"/>
+              <a:rPr lang="en-US"/>
               <a:t>Click to edit Master title style</a:t>
             </a:r>
-            <a:endParaRPr lang="en-US"/>
           </a:p>
         </p:txBody>
       </p:sp>
@@ -617,10 +631,9 @@
           </a:lstStyle>
           <a:p>
             <a:r>
-              <a:rPr lang="en-US" smtClean="0"/>
+              <a:rPr lang="en-US"/>
               <a:t>Click to edit Master subtitle style</a:t>
             </a:r>
-            <a:endParaRPr lang="en-US"/>
           </a:p>
         </p:txBody>
       </p:sp>
@@ -641,7 +654,7 @@
           <a:p>
             <a:fld id="{78C97017-6FC3-485B-9764-EAC9E56C1D49}" type="datetimeFigureOut">
               <a:rPr lang="en-US" smtClean="0"/>
-              <a:t>11/19/2016</a:t>
+              <a:t>4/9/2017</a:t>
             </a:fld>
             <a:endParaRPr lang="en-US"/>
           </a:p>
@@ -735,10 +748,9 @@
           <a:lstStyle/>
           <a:p>
             <a:r>
-              <a:rPr lang="en-US" smtClean="0"/>
+              <a:rPr lang="en-US"/>
               <a:t>Click to edit Master title style</a:t>
             </a:r>
-            <a:endParaRPr lang="en-US"/>
           </a:p>
         </p:txBody>
       </p:sp>
@@ -759,38 +771,37 @@
           <a:p>
             <a:pPr lvl="0"/>
             <a:r>
-              <a:rPr lang="en-US" smtClean="0"/>
+              <a:rPr lang="en-US"/>
               <a:t>Click to edit Master text styles</a:t>
             </a:r>
           </a:p>
           <a:p>
             <a:pPr lvl="1"/>
             <a:r>
-              <a:rPr lang="en-US" smtClean="0"/>
+              <a:rPr lang="en-US"/>
               <a:t>Second level</a:t>
             </a:r>
           </a:p>
           <a:p>
             <a:pPr lvl="2"/>
             <a:r>
-              <a:rPr lang="en-US" smtClean="0"/>
+              <a:rPr lang="en-US"/>
               <a:t>Third level</a:t>
             </a:r>
           </a:p>
           <a:p>
             <a:pPr lvl="3"/>
             <a:r>
-              <a:rPr lang="en-US" smtClean="0"/>
+              <a:rPr lang="en-US"/>
               <a:t>Fourth level</a:t>
             </a:r>
           </a:p>
           <a:p>
             <a:pPr lvl="4"/>
             <a:r>
-              <a:rPr lang="en-US" smtClean="0"/>
+              <a:rPr lang="en-US"/>
               <a:t>Fifth level</a:t>
             </a:r>
-            <a:endParaRPr lang="en-US"/>
           </a:p>
         </p:txBody>
       </p:sp>
@@ -811,7 +822,7 @@
           <a:p>
             <a:fld id="{78C97017-6FC3-485B-9764-EAC9E56C1D49}" type="datetimeFigureOut">
               <a:rPr lang="en-US" smtClean="0"/>
-              <a:t>11/19/2016</a:t>
+              <a:t>4/9/2017</a:t>
             </a:fld>
             <a:endParaRPr lang="en-US"/>
           </a:p>
@@ -910,10 +921,9 @@
           <a:lstStyle/>
           <a:p>
             <a:r>
-              <a:rPr lang="en-US" smtClean="0"/>
+              <a:rPr lang="en-US"/>
               <a:t>Click to edit Master title style</a:t>
             </a:r>
-            <a:endParaRPr lang="en-US"/>
           </a:p>
         </p:txBody>
       </p:sp>
@@ -939,38 +949,37 @@
           <a:p>
             <a:pPr lvl="0"/>
             <a:r>
-              <a:rPr lang="en-US" smtClean="0"/>
+              <a:rPr lang="en-US"/>
               <a:t>Click to edit Master text styles</a:t>
             </a:r>
           </a:p>
           <a:p>
             <a:pPr lvl="1"/>
             <a:r>
-              <a:rPr lang="en-US" smtClean="0"/>
+              <a:rPr lang="en-US"/>
               <a:t>Second level</a:t>
             </a:r>
           </a:p>
           <a:p>
             <a:pPr lvl="2"/>
             <a:r>
-              <a:rPr lang="en-US" smtClean="0"/>
+              <a:rPr lang="en-US"/>
               <a:t>Third level</a:t>
             </a:r>
           </a:p>
           <a:p>
             <a:pPr lvl="3"/>
             <a:r>
-              <a:rPr lang="en-US" smtClean="0"/>
+              <a:rPr lang="en-US"/>
               <a:t>Fourth level</a:t>
             </a:r>
           </a:p>
           <a:p>
             <a:pPr lvl="4"/>
             <a:r>
-              <a:rPr lang="en-US" smtClean="0"/>
+              <a:rPr lang="en-US"/>
               <a:t>Fifth level</a:t>
             </a:r>
-            <a:endParaRPr lang="en-US"/>
           </a:p>
         </p:txBody>
       </p:sp>
@@ -991,7 +1000,7 @@
           <a:p>
             <a:fld id="{78C97017-6FC3-485B-9764-EAC9E56C1D49}" type="datetimeFigureOut">
               <a:rPr lang="en-US" smtClean="0"/>
-              <a:t>11/19/2016</a:t>
+              <a:t>4/9/2017</a:t>
             </a:fld>
             <a:endParaRPr lang="en-US"/>
           </a:p>
@@ -1085,10 +1094,9 @@
           <a:lstStyle/>
           <a:p>
             <a:r>
-              <a:rPr lang="en-US" smtClean="0"/>
+              <a:rPr lang="en-US"/>
               <a:t>Click to edit Master title style</a:t>
             </a:r>
-            <a:endParaRPr lang="en-US"/>
           </a:p>
         </p:txBody>
       </p:sp>
@@ -1109,38 +1117,37 @@
           <a:p>
             <a:pPr lvl="0"/>
             <a:r>
-              <a:rPr lang="en-US" smtClean="0"/>
+              <a:rPr lang="en-US"/>
               <a:t>Click to edit Master text styles</a:t>
             </a:r>
           </a:p>
           <a:p>
             <a:pPr lvl="1"/>
             <a:r>
-              <a:rPr lang="en-US" smtClean="0"/>
+              <a:rPr lang="en-US"/>
               <a:t>Second level</a:t>
             </a:r>
           </a:p>
           <a:p>
             <a:pPr lvl="2"/>
             <a:r>
-              <a:rPr lang="en-US" smtClean="0"/>
+              <a:rPr lang="en-US"/>
               <a:t>Third level</a:t>
             </a:r>
           </a:p>
           <a:p>
             <a:pPr lvl="3"/>
             <a:r>
-              <a:rPr lang="en-US" smtClean="0"/>
+              <a:rPr lang="en-US"/>
               <a:t>Fourth level</a:t>
             </a:r>
           </a:p>
           <a:p>
             <a:pPr lvl="4"/>
             <a:r>
-              <a:rPr lang="en-US" smtClean="0"/>
+              <a:rPr lang="en-US"/>
               <a:t>Fifth level</a:t>
             </a:r>
-            <a:endParaRPr lang="en-US"/>
           </a:p>
         </p:txBody>
       </p:sp>
@@ -1161,7 +1168,7 @@
           <a:p>
             <a:fld id="{78C97017-6FC3-485B-9764-EAC9E56C1D49}" type="datetimeFigureOut">
               <a:rPr lang="en-US" smtClean="0"/>
-              <a:t>11/19/2016</a:t>
+              <a:t>4/9/2017</a:t>
             </a:fld>
             <a:endParaRPr lang="en-US"/>
           </a:p>
@@ -1264,10 +1271,9 @@
           </a:lstStyle>
           <a:p>
             <a:r>
-              <a:rPr lang="en-US" smtClean="0"/>
+              <a:rPr lang="en-US"/>
               <a:t>Click to edit Master title style</a:t>
             </a:r>
-            <a:endParaRPr lang="en-US"/>
           </a:p>
         </p:txBody>
       </p:sp>
@@ -1384,7 +1390,7 @@
           <a:p>
             <a:pPr lvl="0"/>
             <a:r>
-              <a:rPr lang="en-US" smtClean="0"/>
+              <a:rPr lang="en-US"/>
               <a:t>Click to edit Master text styles</a:t>
             </a:r>
           </a:p>
@@ -1407,7 +1413,7 @@
           <a:p>
             <a:fld id="{78C97017-6FC3-485B-9764-EAC9E56C1D49}" type="datetimeFigureOut">
               <a:rPr lang="en-US" smtClean="0"/>
-              <a:t>11/19/2016</a:t>
+              <a:t>4/9/2017</a:t>
             </a:fld>
             <a:endParaRPr lang="en-US"/>
           </a:p>
@@ -1501,10 +1507,9 @@
           <a:lstStyle/>
           <a:p>
             <a:r>
-              <a:rPr lang="en-US" smtClean="0"/>
+              <a:rPr lang="en-US"/>
               <a:t>Click to edit Master title style</a:t>
             </a:r>
-            <a:endParaRPr lang="en-US"/>
           </a:p>
         </p:txBody>
       </p:sp>
@@ -1558,38 +1563,37 @@
           <a:p>
             <a:pPr lvl="0"/>
             <a:r>
-              <a:rPr lang="en-US" smtClean="0"/>
+              <a:rPr lang="en-US"/>
               <a:t>Click to edit Master text styles</a:t>
             </a:r>
           </a:p>
           <a:p>
             <a:pPr lvl="1"/>
             <a:r>
-              <a:rPr lang="en-US" smtClean="0"/>
+              <a:rPr lang="en-US"/>
               <a:t>Second level</a:t>
             </a:r>
           </a:p>
           <a:p>
             <a:pPr lvl="2"/>
             <a:r>
-              <a:rPr lang="en-US" smtClean="0"/>
+              <a:rPr lang="en-US"/>
               <a:t>Third level</a:t>
             </a:r>
           </a:p>
           <a:p>
             <a:pPr lvl="3"/>
             <a:r>
-              <a:rPr lang="en-US" smtClean="0"/>
+              <a:rPr lang="en-US"/>
               <a:t>Fourth level</a:t>
             </a:r>
           </a:p>
           <a:p>
             <a:pPr lvl="4"/>
             <a:r>
-              <a:rPr lang="en-US" smtClean="0"/>
+              <a:rPr lang="en-US"/>
               <a:t>Fifth level</a:t>
             </a:r>
-            <a:endParaRPr lang="en-US"/>
           </a:p>
         </p:txBody>
       </p:sp>
@@ -1643,38 +1647,37 @@
           <a:p>
             <a:pPr lvl="0"/>
             <a:r>
-              <a:rPr lang="en-US" smtClean="0"/>
+              <a:rPr lang="en-US"/>
               <a:t>Click to edit Master text styles</a:t>
             </a:r>
           </a:p>
           <a:p>
             <a:pPr lvl="1"/>
             <a:r>
-              <a:rPr lang="en-US" smtClean="0"/>
+              <a:rPr lang="en-US"/>
               <a:t>Second level</a:t>
             </a:r>
           </a:p>
           <a:p>
             <a:pPr lvl="2"/>
             <a:r>
-              <a:rPr lang="en-US" smtClean="0"/>
+              <a:rPr lang="en-US"/>
               <a:t>Third level</a:t>
             </a:r>
           </a:p>
           <a:p>
             <a:pPr lvl="3"/>
             <a:r>
-              <a:rPr lang="en-US" smtClean="0"/>
+              <a:rPr lang="en-US"/>
               <a:t>Fourth level</a:t>
             </a:r>
           </a:p>
           <a:p>
             <a:pPr lvl="4"/>
             <a:r>
-              <a:rPr lang="en-US" smtClean="0"/>
+              <a:rPr lang="en-US"/>
               <a:t>Fifth level</a:t>
             </a:r>
-            <a:endParaRPr lang="en-US"/>
           </a:p>
         </p:txBody>
       </p:sp>
@@ -1695,7 +1698,7 @@
           <a:p>
             <a:fld id="{78C97017-6FC3-485B-9764-EAC9E56C1D49}" type="datetimeFigureOut">
               <a:rPr lang="en-US" smtClean="0"/>
-              <a:t>11/19/2016</a:t>
+              <a:t>4/9/2017</a:t>
             </a:fld>
             <a:endParaRPr lang="en-US"/>
           </a:p>
@@ -1793,10 +1796,9 @@
           </a:lstStyle>
           <a:p>
             <a:r>
-              <a:rPr lang="en-US" smtClean="0"/>
+              <a:rPr lang="en-US"/>
               <a:t>Click to edit Master title style</a:t>
             </a:r>
-            <a:endParaRPr lang="en-US"/>
           </a:p>
         </p:txBody>
       </p:sp>
@@ -1859,7 +1861,7 @@
           <a:p>
             <a:pPr lvl="0"/>
             <a:r>
-              <a:rPr lang="en-US" smtClean="0"/>
+              <a:rPr lang="en-US"/>
               <a:t>Click to edit Master text styles</a:t>
             </a:r>
           </a:p>
@@ -1915,38 +1917,37 @@
           <a:p>
             <a:pPr lvl="0"/>
             <a:r>
-              <a:rPr lang="en-US" smtClean="0"/>
+              <a:rPr lang="en-US"/>
               <a:t>Click to edit Master text styles</a:t>
             </a:r>
           </a:p>
           <a:p>
             <a:pPr lvl="1"/>
             <a:r>
-              <a:rPr lang="en-US" smtClean="0"/>
+              <a:rPr lang="en-US"/>
               <a:t>Second level</a:t>
             </a:r>
           </a:p>
           <a:p>
             <a:pPr lvl="2"/>
             <a:r>
-              <a:rPr lang="en-US" smtClean="0"/>
+              <a:rPr lang="en-US"/>
               <a:t>Third level</a:t>
             </a:r>
           </a:p>
           <a:p>
             <a:pPr lvl="3"/>
             <a:r>
-              <a:rPr lang="en-US" smtClean="0"/>
+              <a:rPr lang="en-US"/>
               <a:t>Fourth level</a:t>
             </a:r>
           </a:p>
           <a:p>
             <a:pPr lvl="4"/>
             <a:r>
-              <a:rPr lang="en-US" smtClean="0"/>
+              <a:rPr lang="en-US"/>
               <a:t>Fifth level</a:t>
             </a:r>
-            <a:endParaRPr lang="en-US"/>
           </a:p>
         </p:txBody>
       </p:sp>
@@ -2009,7 +2010,7 @@
           <a:p>
             <a:pPr lvl="0"/>
             <a:r>
-              <a:rPr lang="en-US" smtClean="0"/>
+              <a:rPr lang="en-US"/>
               <a:t>Click to edit Master text styles</a:t>
             </a:r>
           </a:p>
@@ -2065,38 +2066,37 @@
           <a:p>
             <a:pPr lvl="0"/>
             <a:r>
-              <a:rPr lang="en-US" smtClean="0"/>
+              <a:rPr lang="en-US"/>
               <a:t>Click to edit Master text styles</a:t>
             </a:r>
           </a:p>
           <a:p>
             <a:pPr lvl="1"/>
             <a:r>
-              <a:rPr lang="en-US" smtClean="0"/>
+              <a:rPr lang="en-US"/>
               <a:t>Second level</a:t>
             </a:r>
           </a:p>
           <a:p>
             <a:pPr lvl="2"/>
             <a:r>
-              <a:rPr lang="en-US" smtClean="0"/>
+              <a:rPr lang="en-US"/>
               <a:t>Third level</a:t>
             </a:r>
           </a:p>
           <a:p>
             <a:pPr lvl="3"/>
             <a:r>
-              <a:rPr lang="en-US" smtClean="0"/>
+              <a:rPr lang="en-US"/>
               <a:t>Fourth level</a:t>
             </a:r>
           </a:p>
           <a:p>
             <a:pPr lvl="4"/>
             <a:r>
-              <a:rPr lang="en-US" smtClean="0"/>
+              <a:rPr lang="en-US"/>
               <a:t>Fifth level</a:t>
             </a:r>
-            <a:endParaRPr lang="en-US"/>
           </a:p>
         </p:txBody>
       </p:sp>
@@ -2117,7 +2117,7 @@
           <a:p>
             <a:fld id="{78C97017-6FC3-485B-9764-EAC9E56C1D49}" type="datetimeFigureOut">
               <a:rPr lang="en-US" smtClean="0"/>
-              <a:t>11/19/2016</a:t>
+              <a:t>4/9/2017</a:t>
             </a:fld>
             <a:endParaRPr lang="en-US"/>
           </a:p>
@@ -2211,10 +2211,9 @@
           <a:lstStyle/>
           <a:p>
             <a:r>
-              <a:rPr lang="en-US" smtClean="0"/>
+              <a:rPr lang="en-US"/>
               <a:t>Click to edit Master title style</a:t>
             </a:r>
-            <a:endParaRPr lang="en-US"/>
           </a:p>
         </p:txBody>
       </p:sp>
@@ -2235,7 +2234,7 @@
           <a:p>
             <a:fld id="{78C97017-6FC3-485B-9764-EAC9E56C1D49}" type="datetimeFigureOut">
               <a:rPr lang="en-US" smtClean="0"/>
-              <a:t>11/19/2016</a:t>
+              <a:t>4/9/2017</a:t>
             </a:fld>
             <a:endParaRPr lang="en-US"/>
           </a:p>
@@ -2330,7 +2329,7 @@
           <a:p>
             <a:fld id="{78C97017-6FC3-485B-9764-EAC9E56C1D49}" type="datetimeFigureOut">
               <a:rPr lang="en-US" smtClean="0"/>
-              <a:t>11/19/2016</a:t>
+              <a:t>4/9/2017</a:t>
             </a:fld>
             <a:endParaRPr lang="en-US"/>
           </a:p>
@@ -2433,10 +2432,9 @@
           </a:lstStyle>
           <a:p>
             <a:r>
-              <a:rPr lang="en-US" smtClean="0"/>
+              <a:rPr lang="en-US"/>
               <a:t>Click to edit Master title style</a:t>
             </a:r>
-            <a:endParaRPr lang="en-US"/>
           </a:p>
         </p:txBody>
       </p:sp>
@@ -2490,38 +2488,37 @@
           <a:p>
             <a:pPr lvl="0"/>
             <a:r>
-              <a:rPr lang="en-US" smtClean="0"/>
+              <a:rPr lang="en-US"/>
               <a:t>Click to edit Master text styles</a:t>
             </a:r>
           </a:p>
           <a:p>
             <a:pPr lvl="1"/>
             <a:r>
-              <a:rPr lang="en-US" smtClean="0"/>
+              <a:rPr lang="en-US"/>
               <a:t>Second level</a:t>
             </a:r>
           </a:p>
           <a:p>
             <a:pPr lvl="2"/>
             <a:r>
-              <a:rPr lang="en-US" smtClean="0"/>
+              <a:rPr lang="en-US"/>
               <a:t>Third level</a:t>
             </a:r>
           </a:p>
           <a:p>
             <a:pPr lvl="3"/>
             <a:r>
-              <a:rPr lang="en-US" smtClean="0"/>
+              <a:rPr lang="en-US"/>
               <a:t>Fourth level</a:t>
             </a:r>
           </a:p>
           <a:p>
             <a:pPr lvl="4"/>
             <a:r>
-              <a:rPr lang="en-US" smtClean="0"/>
+              <a:rPr lang="en-US"/>
               <a:t>Fifth level</a:t>
             </a:r>
-            <a:endParaRPr lang="en-US"/>
           </a:p>
         </p:txBody>
       </p:sp>
@@ -2584,7 +2581,7 @@
           <a:p>
             <a:pPr lvl="0"/>
             <a:r>
-              <a:rPr lang="en-US" smtClean="0"/>
+              <a:rPr lang="en-US"/>
               <a:t>Click to edit Master text styles</a:t>
             </a:r>
           </a:p>
@@ -2607,7 +2604,7 @@
           <a:p>
             <a:fld id="{78C97017-6FC3-485B-9764-EAC9E56C1D49}" type="datetimeFigureOut">
               <a:rPr lang="en-US" smtClean="0"/>
-              <a:t>11/19/2016</a:t>
+              <a:t>4/9/2017</a:t>
             </a:fld>
             <a:endParaRPr lang="en-US"/>
           </a:p>
@@ -2710,10 +2707,9 @@
           </a:lstStyle>
           <a:p>
             <a:r>
-              <a:rPr lang="en-US" smtClean="0"/>
+              <a:rPr lang="en-US"/>
               <a:t>Click to edit Master title style</a:t>
             </a:r>
-            <a:endParaRPr lang="en-US"/>
           </a:p>
         </p:txBody>
       </p:sp>
@@ -2837,7 +2833,7 @@
           <a:p>
             <a:pPr lvl="0"/>
             <a:r>
-              <a:rPr lang="en-US" smtClean="0"/>
+              <a:rPr lang="en-US"/>
               <a:t>Click to edit Master text styles</a:t>
             </a:r>
           </a:p>
@@ -2860,7 +2856,7 @@
           <a:p>
             <a:fld id="{78C97017-6FC3-485B-9764-EAC9E56C1D49}" type="datetimeFigureOut">
               <a:rPr lang="en-US" smtClean="0"/>
-              <a:t>11/19/2016</a:t>
+              <a:t>4/9/2017</a:t>
             </a:fld>
             <a:endParaRPr lang="en-US"/>
           </a:p>
@@ -2969,10 +2965,9 @@
           <a:lstStyle/>
           <a:p>
             <a:r>
-              <a:rPr lang="en-US" smtClean="0"/>
+              <a:rPr lang="en-US"/>
               <a:t>Click to edit Master title style</a:t>
             </a:r>
-            <a:endParaRPr lang="en-US"/>
           </a:p>
         </p:txBody>
       </p:sp>
@@ -3003,38 +2998,37 @@
           <a:p>
             <a:pPr lvl="0"/>
             <a:r>
-              <a:rPr lang="en-US" smtClean="0"/>
+              <a:rPr lang="en-US"/>
               <a:t>Click to edit Master text styles</a:t>
             </a:r>
           </a:p>
           <a:p>
             <a:pPr lvl="1"/>
             <a:r>
-              <a:rPr lang="en-US" smtClean="0"/>
+              <a:rPr lang="en-US"/>
               <a:t>Second level</a:t>
             </a:r>
           </a:p>
           <a:p>
             <a:pPr lvl="2"/>
             <a:r>
-              <a:rPr lang="en-US" smtClean="0"/>
+              <a:rPr lang="en-US"/>
               <a:t>Third level</a:t>
             </a:r>
           </a:p>
           <a:p>
             <a:pPr lvl="3"/>
             <a:r>
-              <a:rPr lang="en-US" smtClean="0"/>
+              <a:rPr lang="en-US"/>
               <a:t>Fourth level</a:t>
             </a:r>
           </a:p>
           <a:p>
             <a:pPr lvl="4"/>
             <a:r>
-              <a:rPr lang="en-US" smtClean="0"/>
+              <a:rPr lang="en-US"/>
               <a:t>Fifth level</a:t>
             </a:r>
-            <a:endParaRPr lang="en-US"/>
           </a:p>
         </p:txBody>
       </p:sp>
@@ -3073,7 +3067,7 @@
           <a:p>
             <a:fld id="{78C97017-6FC3-485B-9764-EAC9E56C1D49}" type="datetimeFigureOut">
               <a:rPr lang="en-US" smtClean="0"/>
-              <a:t>11/19/2016</a:t>
+              <a:t>4/9/2017</a:t>
             </a:fld>
             <a:endParaRPr lang="en-US"/>
           </a:p>
@@ -3494,7 +3488,7 @@
           <a:lstStyle/>
           <a:p>
             <a:r>
-              <a:rPr lang="en-US" sz="1200" b="1" dirty="0" smtClean="0">
+              <a:rPr lang="en-US" sz="1200" b="1" dirty="0">
                 <a:solidFill>
                   <a:srgbClr val="7030A0"/>
                 </a:solidFill>
@@ -3553,7 +3547,7 @@
           <a:p>
             <a:pPr algn="ctr"/>
             <a:r>
-              <a:rPr lang="en-US" sz="1050" dirty="0" err="1" smtClean="0">
+              <a:rPr lang="en-US" sz="1050" dirty="0" err="1">
                 <a:solidFill>
                   <a:schemeClr val="bg1"/>
                 </a:solidFill>
@@ -3612,7 +3606,7 @@
           <a:p>
             <a:pPr algn="ctr"/>
             <a:r>
-              <a:rPr lang="en-US" sz="1050" dirty="0" err="1" smtClean="0">
+              <a:rPr lang="en-US" sz="1050" dirty="0" err="1">
                 <a:solidFill>
                   <a:schemeClr val="bg1"/>
                 </a:solidFill>
@@ -3767,7 +3761,7 @@
           <a:p>
             <a:pPr algn="ctr"/>
             <a:r>
-              <a:rPr lang="en-US" sz="1050" dirty="0" smtClean="0">
+              <a:rPr lang="en-US" sz="1050" dirty="0">
                 <a:solidFill>
                   <a:schemeClr val="bg1"/>
                 </a:solidFill>
@@ -4091,12 +4085,12 @@
           <a:p>
             <a:pPr algn="ctr"/>
             <a:r>
-              <a:rPr lang="en-US" sz="1050" dirty="0" err="1" smtClean="0">
+              <a:rPr lang="en-US" sz="1050" dirty="0" err="1">
                 <a:solidFill>
                   <a:srgbClr val="7030A0"/>
                 </a:solidFill>
               </a:rPr>
-              <a:t>AddressBook</a:t>
+              <a:t>TaskManager</a:t>
             </a:r>
             <a:endParaRPr lang="en-SG" sz="1050" dirty="0">
               <a:solidFill>
@@ -4233,12 +4227,12 @@
           <a:p>
             <a:pPr algn="ctr"/>
             <a:r>
-              <a:rPr lang="en-US" sz="1050" dirty="0" err="1" smtClean="0">
+              <a:rPr lang="en-US" sz="1050" dirty="0" err="1">
                 <a:solidFill>
                   <a:srgbClr val="7030A0"/>
                 </a:solidFill>
               </a:rPr>
-              <a:t>UniquePersonList</a:t>
+              <a:t>UniqueTaskList</a:t>
             </a:r>
             <a:endParaRPr lang="en-SG" sz="1050" dirty="0">
               <a:solidFill>
@@ -4377,7 +4371,7 @@
           <a:p>
             <a:pPr algn="ctr"/>
             <a:r>
-              <a:rPr lang="en-US" sz="1050" dirty="0" err="1" smtClean="0">
+              <a:rPr lang="en-US" sz="1050" dirty="0" err="1">
                 <a:solidFill>
                   <a:srgbClr val="7030A0"/>
                 </a:solidFill>
@@ -4476,12 +4470,12 @@
           <a:p>
             <a:pPr algn="ctr"/>
             <a:r>
-              <a:rPr lang="en-US" sz="1050" dirty="0" smtClean="0">
+              <a:rPr lang="en-US" sz="1050" dirty="0">
                 <a:solidFill>
                   <a:srgbClr val="7030A0"/>
                 </a:solidFill>
               </a:rPr>
-              <a:t>Person</a:t>
+              <a:t>Task</a:t>
             </a:r>
             <a:endParaRPr lang="en-SG" sz="1050" dirty="0">
               <a:solidFill>
@@ -4618,7 +4612,7 @@
           <a:p>
             <a:pPr algn="ctr"/>
             <a:r>
-              <a:rPr lang="en-US" sz="1050" dirty="0" smtClean="0">
+              <a:rPr lang="en-US" sz="1050" dirty="0">
                 <a:solidFill>
                   <a:srgbClr val="7030A0"/>
                 </a:solidFill>
@@ -4760,7 +4754,7 @@
           <a:p>
             <a:pPr algn="ctr"/>
             <a:r>
-              <a:rPr lang="en-US" sz="1050" dirty="0" smtClean="0">
+              <a:rPr lang="en-US" sz="1050" dirty="0">
                 <a:solidFill>
                   <a:srgbClr val="7030A0"/>
                 </a:solidFill>
@@ -4768,19 +4762,19 @@
               <a:t>&lt;&lt;interface&gt;&gt;</a:t>
             </a:r>
             <a:br>
-              <a:rPr lang="en-US" sz="1050" dirty="0" smtClean="0">
+              <a:rPr lang="en-US" sz="1050" dirty="0">
                 <a:solidFill>
                   <a:srgbClr val="7030A0"/>
                 </a:solidFill>
               </a:rPr>
             </a:br>
             <a:r>
-              <a:rPr lang="en-US" sz="1050" dirty="0" err="1" smtClean="0">
+              <a:rPr lang="en-US" sz="1050" dirty="0" err="1">
                 <a:solidFill>
                   <a:srgbClr val="7030A0"/>
                 </a:solidFill>
               </a:rPr>
-              <a:t>ReadOnlyPerson</a:t>
+              <a:t>ReadOnlyTask</a:t>
             </a:r>
             <a:endParaRPr lang="en-SG" sz="1050" dirty="0">
               <a:solidFill>
@@ -4798,7 +4792,7 @@
         </p:nvSpPr>
         <p:spPr>
           <a:xfrm>
-            <a:off x="7712397" y="2564238"/>
+            <a:off x="7696200" y="2228817"/>
             <a:ext cx="708186" cy="285783"/>
           </a:xfrm>
           <a:prstGeom prst="rect">
@@ -4831,7 +4825,7 @@
           <a:p>
             <a:pPr algn="ctr"/>
             <a:r>
-              <a:rPr lang="en-US" sz="1050" dirty="0" smtClean="0">
+              <a:rPr lang="en-US" sz="1050" dirty="0">
                 <a:solidFill>
                   <a:srgbClr val="7030A0"/>
                 </a:solidFill>
@@ -4897,6 +4891,7 @@
         <p:nvCxnSpPr>
           <p:cNvPr id="79" name="Elbow Connector 78"/>
           <p:cNvCxnSpPr>
+            <a:cxnSpLocks/>
             <a:stCxn id="78" idx="3"/>
             <a:endCxn id="76" idx="1"/>
           </p:cNvCxnSpPr>
@@ -4904,8 +4899,8 @@
         </p:nvCxnSpPr>
         <p:spPr>
           <a:xfrm flipV="1">
-            <a:off x="7277995" y="2707130"/>
-            <a:ext cx="434402" cy="327761"/>
+            <a:off x="7277995" y="2371709"/>
+            <a:ext cx="418205" cy="663182"/>
           </a:xfrm>
           <a:prstGeom prst="bentConnector3">
             <a:avLst/>
@@ -4942,7 +4937,7 @@
         </p:nvSpPr>
         <p:spPr>
           <a:xfrm>
-            <a:off x="7712397" y="2887216"/>
+            <a:off x="7696200" y="2838417"/>
             <a:ext cx="708186" cy="285783"/>
           </a:xfrm>
           <a:prstGeom prst="rect">
@@ -4975,12 +4970,12 @@
           <a:p>
             <a:pPr algn="ctr"/>
             <a:r>
-              <a:rPr lang="en-US" sz="1050" dirty="0" smtClean="0">
+              <a:rPr lang="en-US" sz="1050" dirty="0">
                 <a:solidFill>
                   <a:srgbClr val="7030A0"/>
                 </a:solidFill>
               </a:rPr>
-              <a:t>Phone</a:t>
+              <a:t>Date</a:t>
             </a:r>
             <a:endParaRPr lang="en-SG" sz="1050" dirty="0">
               <a:solidFill>
@@ -4994,15 +4989,14 @@
         <p:nvCxnSpPr>
           <p:cNvPr id="81" name="Elbow Connector 80"/>
           <p:cNvCxnSpPr>
-            <a:stCxn id="78" idx="3"/>
-            <a:endCxn id="80" idx="1"/>
+            <a:cxnSpLocks/>
           </p:cNvCxnSpPr>
           <p:nvPr/>
         </p:nvCxnSpPr>
         <p:spPr>
           <a:xfrm flipV="1">
-            <a:off x="7277995" y="3030108"/>
-            <a:ext cx="434402" cy="4783"/>
+            <a:off x="7277995" y="2994418"/>
+            <a:ext cx="418205" cy="53582"/>
           </a:xfrm>
           <a:prstGeom prst="bentConnector3">
             <a:avLst/>
@@ -5039,7 +5033,7 @@
         </p:nvSpPr>
         <p:spPr>
           <a:xfrm>
-            <a:off x="7712397" y="3210194"/>
+            <a:off x="7712397" y="3371817"/>
             <a:ext cx="708186" cy="285783"/>
           </a:xfrm>
           <a:prstGeom prst="rect">
@@ -5072,12 +5066,12 @@
           <a:p>
             <a:pPr algn="ctr"/>
             <a:r>
-              <a:rPr lang="en-US" sz="1050" dirty="0" smtClean="0">
+              <a:rPr lang="en-US" sz="1050" dirty="0">
                 <a:solidFill>
                   <a:srgbClr val="7030A0"/>
                 </a:solidFill>
               </a:rPr>
-              <a:t>Email</a:t>
+              <a:t>Remark</a:t>
             </a:r>
             <a:endParaRPr lang="en-SG" sz="1050" dirty="0">
               <a:solidFill>
@@ -5099,7 +5093,7 @@
         <p:spPr>
           <a:xfrm>
             <a:off x="7277995" y="3034891"/>
-            <a:ext cx="434402" cy="318195"/>
+            <a:ext cx="434402" cy="479818"/>
           </a:xfrm>
           <a:prstGeom prst="bentConnector3">
             <a:avLst/>
@@ -5136,7 +5130,7 @@
         </p:nvSpPr>
         <p:spPr>
           <a:xfrm>
-            <a:off x="7712397" y="3533171"/>
+            <a:off x="7712397" y="3752817"/>
             <a:ext cx="708186" cy="285783"/>
           </a:xfrm>
           <a:prstGeom prst="rect">
@@ -5169,12 +5163,12 @@
           <a:p>
             <a:pPr algn="ctr"/>
             <a:r>
-              <a:rPr lang="en-US" sz="1050" dirty="0" smtClean="0">
+              <a:rPr lang="en-US" sz="1050" dirty="0">
                 <a:solidFill>
                   <a:srgbClr val="7030A0"/>
                 </a:solidFill>
               </a:rPr>
-              <a:t>Address</a:t>
+              <a:t>Location</a:t>
             </a:r>
             <a:endParaRPr lang="en-SG" sz="1050" dirty="0">
               <a:solidFill>
@@ -5196,7 +5190,7 @@
         <p:spPr>
           <a:xfrm>
             <a:off x="7277995" y="3034891"/>
-            <a:ext cx="434402" cy="641172"/>
+            <a:ext cx="434402" cy="860818"/>
           </a:xfrm>
           <a:prstGeom prst="bentConnector3">
             <a:avLst/>
@@ -5357,7 +5351,7 @@
           <a:p>
             <a:pPr algn="ctr"/>
             <a:r>
-              <a:rPr lang="en-US" sz="1050" dirty="0" smtClean="0">
+              <a:rPr lang="en-US" sz="1050" dirty="0">
                 <a:solidFill>
                   <a:srgbClr val="7030A0"/>
                 </a:solidFill>
@@ -5365,19 +5359,19 @@
               <a:t>&lt;&lt;interface&gt;&gt;</a:t>
             </a:r>
             <a:br>
-              <a:rPr lang="en-US" sz="1050" dirty="0" smtClean="0">
+              <a:rPr lang="en-US" sz="1050" dirty="0">
                 <a:solidFill>
                   <a:srgbClr val="7030A0"/>
                 </a:solidFill>
               </a:rPr>
             </a:br>
             <a:r>
-              <a:rPr lang="en-US" sz="1050" dirty="0" err="1" smtClean="0">
+              <a:rPr lang="en-US" sz="1050" dirty="0" err="1">
                 <a:solidFill>
                   <a:srgbClr val="7030A0"/>
                 </a:solidFill>
               </a:rPr>
-              <a:t>ReadOnlyAddressBook</a:t>
+              <a:t>ReadOnlyTaskManager</a:t>
             </a:r>
             <a:endParaRPr lang="en-SG" sz="1050" dirty="0">
               <a:solidFill>
@@ -5411,7 +5405,7 @@
           <a:p>
             <a:pPr algn="r"/>
             <a:r>
-              <a:rPr lang="en-US" sz="1100" dirty="0" smtClean="0">
+              <a:rPr lang="en-US" sz="1100" dirty="0">
                 <a:solidFill>
                   <a:srgbClr val="7030A0"/>
                 </a:solidFill>
@@ -5467,20 +5461,12 @@
           <a:p>
             <a:pPr algn="ctr"/>
             <a:r>
-              <a:rPr lang="en-US" sz="1050" dirty="0" smtClean="0">
+              <a:rPr lang="en-US" sz="1050" dirty="0">
                 <a:solidFill>
                   <a:srgbClr val="7030A0"/>
                 </a:solidFill>
               </a:rPr>
               <a:t>&lt;&lt;interface&gt;&gt;</a:t>
-            </a:r>
-            <a:r>
-              <a:rPr lang="en-US" sz="1050" dirty="0">
-                <a:solidFill>
-                  <a:srgbClr val="7030A0"/>
-                </a:solidFill>
-              </a:rPr>
-              <a:t/>
             </a:r>
             <a:br>
               <a:rPr lang="en-US" sz="1050" dirty="0">
@@ -5490,7 +5476,7 @@
               </a:rPr>
             </a:br>
             <a:r>
-              <a:rPr lang="en-US" sz="1050" dirty="0" err="1" smtClean="0">
+              <a:rPr lang="en-US" sz="1050" dirty="0" err="1">
                 <a:solidFill>
                   <a:srgbClr val="7030A0"/>
                 </a:solidFill>
@@ -5612,7 +5598,7 @@
           <a:p>
             <a:pPr algn="ctr"/>
             <a:r>
-              <a:rPr lang="en-US" sz="1100" dirty="0" smtClean="0">
+              <a:rPr lang="en-US" sz="1100" dirty="0">
                 <a:solidFill>
                   <a:srgbClr val="7030A0"/>
                 </a:solidFill>
@@ -5651,7 +5637,7 @@
           <a:p>
             <a:pPr algn="ctr"/>
             <a:r>
-              <a:rPr lang="en-US" sz="1100" dirty="0" smtClean="0">
+              <a:rPr lang="en-US" sz="1100" dirty="0">
                 <a:solidFill>
                   <a:srgbClr val="7030A0"/>
                 </a:solidFill>
@@ -5690,7 +5676,7 @@
           <a:p>
             <a:pPr algn="ctr"/>
             <a:r>
-              <a:rPr lang="en-US" sz="1100" dirty="0" smtClean="0">
+              <a:rPr lang="en-US" sz="1100" dirty="0">
                 <a:solidFill>
                   <a:srgbClr val="7030A0"/>
                 </a:solidFill>
@@ -5729,7 +5715,7 @@
           <a:p>
             <a:pPr algn="ctr"/>
             <a:r>
-              <a:rPr lang="en-US" sz="1100" dirty="0" smtClean="0">
+              <a:rPr lang="en-US" sz="1100" dirty="0">
                 <a:solidFill>
                   <a:srgbClr val="7030A0"/>
                 </a:solidFill>
@@ -5768,7 +5754,7 @@
           <a:p>
             <a:pPr algn="ctr"/>
             <a:r>
-              <a:rPr lang="en-US" sz="1100" dirty="0" smtClean="0">
+              <a:rPr lang="en-US" sz="1100" dirty="0">
                 <a:solidFill>
                   <a:srgbClr val="7030A0"/>
                 </a:solidFill>
@@ -5807,7 +5793,7 @@
           <a:p>
             <a:pPr algn="ctr"/>
             <a:r>
-              <a:rPr lang="en-US" sz="1100" dirty="0" smtClean="0">
+              <a:rPr lang="en-US" sz="1100" dirty="0">
                 <a:solidFill>
                   <a:srgbClr val="7030A0"/>
                 </a:solidFill>
@@ -5846,7 +5832,7 @@
           <a:p>
             <a:pPr algn="ctr"/>
             <a:r>
-              <a:rPr lang="en-US" sz="1100" dirty="0" smtClean="0">
+              <a:rPr lang="en-US" sz="1100" dirty="0">
                 <a:solidFill>
                   <a:srgbClr val="7030A0"/>
                 </a:solidFill>
@@ -5885,7 +5871,163 @@
           <a:p>
             <a:pPr algn="ctr"/>
             <a:r>
-              <a:rPr lang="en-US" sz="1100" dirty="0" smtClean="0">
+              <a:rPr lang="en-US" sz="1100" dirty="0">
+                <a:solidFill>
+                  <a:srgbClr val="7030A0"/>
+                </a:solidFill>
+              </a:rPr>
+              <a:t>1</a:t>
+            </a:r>
+            <a:endParaRPr lang="en-SG" sz="1100" dirty="0">
+              <a:solidFill>
+                <a:srgbClr val="7030A0"/>
+              </a:solidFill>
+            </a:endParaRPr>
+          </a:p>
+        </p:txBody>
+      </p:sp>
+      <p:sp>
+        <p:nvSpPr>
+          <p:cNvPr id="55" name="TextBox 54"/>
+          <p:cNvSpPr txBox="1"/>
+          <p:nvPr/>
+        </p:nvSpPr>
+        <p:spPr>
+          <a:xfrm>
+            <a:off x="7487097" y="2743256"/>
+            <a:ext cx="252636" cy="193398"/>
+          </a:xfrm>
+          <a:prstGeom prst="rect">
+            <a:avLst/>
+          </a:prstGeom>
+          <a:noFill/>
+        </p:spPr>
+        <p:txBody>
+          <a:bodyPr wrap="square" lIns="0" tIns="0" rIns="0" bIns="0" rtlCol="0">
+            <a:noAutofit/>
+          </a:bodyPr>
+          <a:lstStyle/>
+          <a:p>
+            <a:pPr algn="ctr"/>
+            <a:r>
+              <a:rPr lang="en-US" sz="1100" dirty="0">
+                <a:solidFill>
+                  <a:srgbClr val="7030A0"/>
+                </a:solidFill>
+              </a:rPr>
+              <a:t>2</a:t>
+            </a:r>
+            <a:endParaRPr lang="en-SG" sz="1100" dirty="0">
+              <a:solidFill>
+                <a:srgbClr val="7030A0"/>
+              </a:solidFill>
+            </a:endParaRPr>
+          </a:p>
+        </p:txBody>
+      </p:sp>
+      <p:sp>
+        <p:nvSpPr>
+          <p:cNvPr id="73" name="TextBox 72"/>
+          <p:cNvSpPr txBox="1"/>
+          <p:nvPr/>
+        </p:nvSpPr>
+        <p:spPr>
+          <a:xfrm>
+            <a:off x="7487097" y="2139475"/>
+            <a:ext cx="189257" cy="178683"/>
+          </a:xfrm>
+          <a:prstGeom prst="rect">
+            <a:avLst/>
+          </a:prstGeom>
+          <a:noFill/>
+        </p:spPr>
+        <p:txBody>
+          <a:bodyPr wrap="square" lIns="0" tIns="0" rIns="0" bIns="0" rtlCol="0">
+            <a:noAutofit/>
+          </a:bodyPr>
+          <a:lstStyle/>
+          <a:p>
+            <a:pPr algn="ctr"/>
+            <a:r>
+              <a:rPr lang="en-US" sz="1100" dirty="0">
+                <a:solidFill>
+                  <a:srgbClr val="7030A0"/>
+                </a:solidFill>
+              </a:rPr>
+              <a:t>1</a:t>
+            </a:r>
+            <a:endParaRPr lang="en-SG" sz="1100" dirty="0">
+              <a:solidFill>
+                <a:srgbClr val="7030A0"/>
+              </a:solidFill>
+            </a:endParaRPr>
+          </a:p>
+        </p:txBody>
+      </p:sp>
+      <p:sp>
+        <p:nvSpPr>
+          <p:cNvPr id="74" name="TextBox 73"/>
+          <p:cNvSpPr txBox="1"/>
+          <p:nvPr/>
+        </p:nvSpPr>
+        <p:spPr>
+          <a:xfrm>
+            <a:off x="7479022" y="3326536"/>
+            <a:ext cx="189257" cy="178683"/>
+          </a:xfrm>
+          <a:prstGeom prst="rect">
+            <a:avLst/>
+          </a:prstGeom>
+          <a:noFill/>
+        </p:spPr>
+        <p:txBody>
+          <a:bodyPr wrap="square" lIns="0" tIns="0" rIns="0" bIns="0" rtlCol="0">
+            <a:noAutofit/>
+          </a:bodyPr>
+          <a:lstStyle/>
+          <a:p>
+            <a:pPr algn="ctr"/>
+            <a:r>
+              <a:rPr lang="en-US" sz="1100" dirty="0">
+                <a:solidFill>
+                  <a:srgbClr val="7030A0"/>
+                </a:solidFill>
+              </a:rPr>
+              <a:t>1</a:t>
+            </a:r>
+            <a:endParaRPr lang="en-SG" sz="1100" dirty="0">
+              <a:solidFill>
+                <a:srgbClr val="7030A0"/>
+              </a:solidFill>
+            </a:endParaRPr>
+          </a:p>
+        </p:txBody>
+      </p:sp>
+      <p:sp>
+        <p:nvSpPr>
+          <p:cNvPr id="77" name="TextBox 76"/>
+          <p:cNvSpPr txBox="1"/>
+          <p:nvPr/>
+        </p:nvSpPr>
+        <p:spPr>
+          <a:xfrm>
+            <a:off x="7509316" y="4010962"/>
+            <a:ext cx="189257" cy="178683"/>
+          </a:xfrm>
+          <a:prstGeom prst="rect">
+            <a:avLst/>
+          </a:prstGeom>
+          <a:noFill/>
+        </p:spPr>
+        <p:txBody>
+          <a:bodyPr wrap="square" lIns="0" tIns="0" rIns="0" bIns="0" rtlCol="0">
+            <a:noAutofit/>
+          </a:bodyPr>
+          <a:lstStyle/>
+          <a:p>
+            <a:pPr algn="ctr"/>
+            <a:r>
+              <a:rPr lang="en-US" sz="1100" dirty="0">
                 <a:solidFill>
                   <a:srgbClr val="7030A0"/>
                 </a:solidFill>
@@ -5910,13 +6052,6 @@
   <p:clrMapOvr>
     <a:masterClrMapping/>
   </p:clrMapOvr>
-  <p:timing>
-    <p:tnLst>
-      <p:par>
-        <p:cTn id="1" dur="indefinite" restart="never" nodeType="tmRoot"/>
-      </p:par>
-    </p:tnLst>
-  </p:timing>
 </p:sld>
 </file>
 

--- a/docs/diagrams/ModelComponentClassDiagram.pptx
+++ b/docs/diagrams/ModelComponentClassDiagram.pptx
@@ -208,7 +208,7 @@
           <a:p>
             <a:fld id="{F5CC4B3F-88C1-4FFA-B1B6-F41C21DC6924}" type="datetimeFigureOut">
               <a:rPr lang="en-US" smtClean="0"/>
-              <a:t>3/23/2017</a:t>
+              <a:t>4/9/2017</a:t>
             </a:fld>
             <a:endParaRPr lang="en-US"/>
           </a:p>
@@ -657,7 +657,7 @@
           <a:p>
             <a:fld id="{78C97017-6FC3-485B-9764-EAC9E56C1D49}" type="datetimeFigureOut">
               <a:rPr lang="en-US" smtClean="0"/>
-              <a:t>3/23/2017</a:t>
+              <a:t>4/9/2017</a:t>
             </a:fld>
             <a:endParaRPr lang="en-US"/>
           </a:p>
@@ -827,7 +827,7 @@
           <a:p>
             <a:fld id="{78C97017-6FC3-485B-9764-EAC9E56C1D49}" type="datetimeFigureOut">
               <a:rPr lang="en-US" smtClean="0"/>
-              <a:t>3/23/2017</a:t>
+              <a:t>4/9/2017</a:t>
             </a:fld>
             <a:endParaRPr lang="en-US"/>
           </a:p>
@@ -1007,7 +1007,7 @@
           <a:p>
             <a:fld id="{78C97017-6FC3-485B-9764-EAC9E56C1D49}" type="datetimeFigureOut">
               <a:rPr lang="en-US" smtClean="0"/>
-              <a:t>3/23/2017</a:t>
+              <a:t>4/9/2017</a:t>
             </a:fld>
             <a:endParaRPr lang="en-US"/>
           </a:p>
@@ -1177,7 +1177,7 @@
           <a:p>
             <a:fld id="{78C97017-6FC3-485B-9764-EAC9E56C1D49}" type="datetimeFigureOut">
               <a:rPr lang="en-US" smtClean="0"/>
-              <a:t>3/23/2017</a:t>
+              <a:t>4/9/2017</a:t>
             </a:fld>
             <a:endParaRPr lang="en-US"/>
           </a:p>
@@ -1423,7 +1423,7 @@
           <a:p>
             <a:fld id="{78C97017-6FC3-485B-9764-EAC9E56C1D49}" type="datetimeFigureOut">
               <a:rPr lang="en-US" smtClean="0"/>
-              <a:t>3/23/2017</a:t>
+              <a:t>4/9/2017</a:t>
             </a:fld>
             <a:endParaRPr lang="en-US"/>
           </a:p>
@@ -1711,7 +1711,7 @@
           <a:p>
             <a:fld id="{78C97017-6FC3-485B-9764-EAC9E56C1D49}" type="datetimeFigureOut">
               <a:rPr lang="en-US" smtClean="0"/>
-              <a:t>3/23/2017</a:t>
+              <a:t>4/9/2017</a:t>
             </a:fld>
             <a:endParaRPr lang="en-US"/>
           </a:p>
@@ -2133,7 +2133,7 @@
           <a:p>
             <a:fld id="{78C97017-6FC3-485B-9764-EAC9E56C1D49}" type="datetimeFigureOut">
               <a:rPr lang="en-US" smtClean="0"/>
-              <a:t>3/23/2017</a:t>
+              <a:t>4/9/2017</a:t>
             </a:fld>
             <a:endParaRPr lang="en-US"/>
           </a:p>
@@ -2251,7 +2251,7 @@
           <a:p>
             <a:fld id="{78C97017-6FC3-485B-9764-EAC9E56C1D49}" type="datetimeFigureOut">
               <a:rPr lang="en-US" smtClean="0"/>
-              <a:t>3/23/2017</a:t>
+              <a:t>4/9/2017</a:t>
             </a:fld>
             <a:endParaRPr lang="en-US"/>
           </a:p>
@@ -2346,7 +2346,7 @@
           <a:p>
             <a:fld id="{78C97017-6FC3-485B-9764-EAC9E56C1D49}" type="datetimeFigureOut">
               <a:rPr lang="en-US" smtClean="0"/>
-              <a:t>3/23/2017</a:t>
+              <a:t>4/9/2017</a:t>
             </a:fld>
             <a:endParaRPr lang="en-US"/>
           </a:p>
@@ -2623,7 +2623,7 @@
           <a:p>
             <a:fld id="{78C97017-6FC3-485B-9764-EAC9E56C1D49}" type="datetimeFigureOut">
               <a:rPr lang="en-US" smtClean="0"/>
-              <a:t>3/23/2017</a:t>
+              <a:t>4/9/2017</a:t>
             </a:fld>
             <a:endParaRPr lang="en-US"/>
           </a:p>
@@ -2876,7 +2876,7 @@
           <a:p>
             <a:fld id="{78C97017-6FC3-485B-9764-EAC9E56C1D49}" type="datetimeFigureOut">
               <a:rPr lang="en-US" smtClean="0"/>
-              <a:t>3/23/2017</a:t>
+              <a:t>4/9/2017</a:t>
             </a:fld>
             <a:endParaRPr lang="en-US"/>
           </a:p>
@@ -3089,7 +3089,7 @@
           <a:p>
             <a:fld id="{78C97017-6FC3-485B-9764-EAC9E56C1D49}" type="datetimeFigureOut">
               <a:rPr lang="en-US" smtClean="0"/>
-              <a:t>3/23/2017</a:t>
+              <a:t>4/9/2017</a:t>
             </a:fld>
             <a:endParaRPr lang="en-US"/>
           </a:p>
@@ -3472,7 +3472,7 @@
         </p:nvSpPr>
         <p:spPr>
           <a:xfrm>
-            <a:off x="1093332" y="1371600"/>
+            <a:off x="1093332" y="1320800"/>
             <a:ext cx="7719335" cy="5130800"/>
           </a:xfrm>
           <a:prstGeom prst="roundRect">
@@ -6278,6 +6278,100 @@
           </a:fontRef>
         </p:style>
       </p:cxnSp>
+      <p:cxnSp>
+        <p:nvCxnSpPr>
+          <p:cNvPr id="89" name="Elbow Connector 88"/>
+          <p:cNvCxnSpPr/>
+          <p:nvPr/>
+        </p:nvCxnSpPr>
+        <p:spPr>
+          <a:xfrm>
+            <a:off x="7277479" y="3030107"/>
+            <a:ext cx="434401" cy="630000"/>
+          </a:xfrm>
+          <a:prstGeom prst="bentConnector3">
+            <a:avLst/>
+          </a:prstGeom>
+          <a:ln w="19050">
+            <a:solidFill>
+              <a:srgbClr val="7030A0"/>
+            </a:solidFill>
+            <a:headEnd type="none" w="med" len="med"/>
+            <a:tailEnd type="arrow" w="med" len="med"/>
+          </a:ln>
+          <a:effectLst/>
+        </p:spPr>
+        <p:style>
+          <a:lnRef idx="1">
+            <a:schemeClr val="accent2"/>
+          </a:lnRef>
+          <a:fillRef idx="2">
+            <a:schemeClr val="accent2"/>
+          </a:fillRef>
+          <a:effectRef idx="1">
+            <a:schemeClr val="accent2"/>
+          </a:effectRef>
+          <a:fontRef idx="minor">
+            <a:schemeClr val="dk1"/>
+          </a:fontRef>
+        </p:style>
+      </p:cxnSp>
+      <p:sp>
+        <p:nvSpPr>
+          <p:cNvPr id="98" name="Rectangle 8"/>
+          <p:cNvSpPr/>
+          <p:nvPr/>
+        </p:nvSpPr>
+        <p:spPr>
+          <a:xfrm>
+            <a:off x="7719979" y="3535216"/>
+            <a:ext cx="855459" cy="285783"/>
+          </a:xfrm>
+          <a:prstGeom prst="rect">
+            <a:avLst/>
+          </a:prstGeom>
+          <a:ln w="19050">
+            <a:solidFill>
+              <a:srgbClr val="7030A0"/>
+            </a:solidFill>
+          </a:ln>
+          <a:effectLst/>
+        </p:spPr>
+        <p:style>
+          <a:lnRef idx="1">
+            <a:schemeClr val="accent4"/>
+          </a:lnRef>
+          <a:fillRef idx="2">
+            <a:schemeClr val="accent4"/>
+          </a:fillRef>
+          <a:effectRef idx="1">
+            <a:schemeClr val="accent4"/>
+          </a:effectRef>
+          <a:fontRef idx="minor">
+            <a:schemeClr val="dk1"/>
+          </a:fontRef>
+        </p:style>
+        <p:txBody>
+          <a:bodyPr rtlCol="0" anchor="ctr"/>
+          <a:lstStyle/>
+          <a:p>
+            <a:pPr algn="ctr"/>
+            <a:r>
+              <a:rPr lang="en-US" sz="1050" dirty="0" err="1" smtClean="0">
+                <a:solidFill>
+                  <a:srgbClr val="7030A0"/>
+                </a:solidFill>
+              </a:rPr>
+              <a:t>TaskDate</a:t>
+            </a:r>
+            <a:endParaRPr lang="en-SG" sz="1050" dirty="0">
+              <a:solidFill>
+                <a:srgbClr val="7030A0"/>
+              </a:solidFill>
+            </a:endParaRPr>
+          </a:p>
+        </p:txBody>
+      </p:sp>
     </p:spTree>
     <p:extLst>
       <p:ext uri="{BB962C8B-B14F-4D97-AF65-F5344CB8AC3E}">

--- a/docs/diagrams/ModelComponentClassDiagram.pptx
+++ b/docs/diagrams/ModelComponentClassDiagram.pptx
@@ -3450,7 +3450,7 @@
         </p:nvSpPr>
         <p:spPr>
           <a:xfrm>
-            <a:off x="1119865" y="1727200"/>
+            <a:off x="1069304" y="1720817"/>
             <a:ext cx="7490735" cy="2997200"/>
           </a:xfrm>
           <a:prstGeom prst="roundRect">
@@ -4792,7 +4792,7 @@
         </p:nvSpPr>
         <p:spPr>
           <a:xfrm>
-            <a:off x="7696200" y="2228817"/>
+            <a:off x="7696200" y="2293982"/>
             <a:ext cx="708186" cy="285783"/>
           </a:xfrm>
           <a:prstGeom prst="rect">
@@ -4899,8 +4899,8 @@
         </p:nvCxnSpPr>
         <p:spPr>
           <a:xfrm flipV="1">
-            <a:off x="7277995" y="2371709"/>
-            <a:ext cx="418205" cy="663182"/>
+            <a:off x="7277995" y="2436874"/>
+            <a:ext cx="418205" cy="598017"/>
           </a:xfrm>
           <a:prstGeom prst="bentConnector3">
             <a:avLst/>
@@ -4937,7 +4937,7 @@
         </p:nvSpPr>
         <p:spPr>
           <a:xfrm>
-            <a:off x="7696200" y="2838417"/>
+            <a:off x="7691554" y="2682333"/>
             <a:ext cx="708186" cy="285783"/>
           </a:xfrm>
           <a:prstGeom prst="rect">
@@ -4990,13 +4990,15 @@
           <p:cNvPr id="81" name="Elbow Connector 80"/>
           <p:cNvCxnSpPr>
             <a:cxnSpLocks/>
+            <a:stCxn id="78" idx="3"/>
+            <a:endCxn id="80" idx="1"/>
           </p:cNvCxnSpPr>
           <p:nvPr/>
         </p:nvCxnSpPr>
         <p:spPr>
           <a:xfrm flipV="1">
-            <a:off x="7277995" y="2994418"/>
-            <a:ext cx="418205" cy="53582"/>
+            <a:off x="7277995" y="2825225"/>
+            <a:ext cx="413559" cy="209666"/>
           </a:xfrm>
           <a:prstGeom prst="bentConnector3">
             <a:avLst/>
@@ -5033,7 +5035,7 @@
         </p:nvSpPr>
         <p:spPr>
           <a:xfrm>
-            <a:off x="7712397" y="3371817"/>
+            <a:off x="7696200" y="3219417"/>
             <a:ext cx="708186" cy="285783"/>
           </a:xfrm>
           <a:prstGeom prst="rect">
@@ -5093,7 +5095,7 @@
         <p:spPr>
           <a:xfrm>
             <a:off x="7277995" y="3034891"/>
-            <a:ext cx="434402" cy="479818"/>
+            <a:ext cx="418205" cy="327418"/>
           </a:xfrm>
           <a:prstGeom prst="bentConnector3">
             <a:avLst/>
@@ -5130,7 +5132,7 @@
         </p:nvSpPr>
         <p:spPr>
           <a:xfrm>
-            <a:off x="7712397" y="3752817"/>
+            <a:off x="7696149" y="3600417"/>
             <a:ext cx="708186" cy="285783"/>
           </a:xfrm>
           <a:prstGeom prst="rect">
@@ -5190,7 +5192,7 @@
         <p:spPr>
           <a:xfrm>
             <a:off x="7277995" y="3034891"/>
-            <a:ext cx="434402" cy="860818"/>
+            <a:ext cx="418154" cy="708418"/>
           </a:xfrm>
           <a:prstGeom prst="bentConnector3">
             <a:avLst/>
@@ -5888,52 +5890,13 @@
       </p:sp>
       <p:sp>
         <p:nvSpPr>
-          <p:cNvPr id="55" name="TextBox 54"/>
+          <p:cNvPr id="82" name="TextBox 81"/>
           <p:cNvSpPr txBox="1"/>
           <p:nvPr/>
         </p:nvSpPr>
         <p:spPr>
           <a:xfrm>
-            <a:off x="7487097" y="2743256"/>
-            <a:ext cx="252636" cy="193398"/>
-          </a:xfrm>
-          <a:prstGeom prst="rect">
-            <a:avLst/>
-          </a:prstGeom>
-          <a:noFill/>
-        </p:spPr>
-        <p:txBody>
-          <a:bodyPr wrap="square" lIns="0" tIns="0" rIns="0" bIns="0" rtlCol="0">
-            <a:noAutofit/>
-          </a:bodyPr>
-          <a:lstStyle/>
-          <a:p>
-            <a:pPr algn="ctr"/>
-            <a:r>
-              <a:rPr lang="en-US" sz="1100" dirty="0">
-                <a:solidFill>
-                  <a:srgbClr val="7030A0"/>
-                </a:solidFill>
-              </a:rPr>
-              <a:t>2</a:t>
-            </a:r>
-            <a:endParaRPr lang="en-SG" sz="1100" dirty="0">
-              <a:solidFill>
-                <a:srgbClr val="7030A0"/>
-              </a:solidFill>
-            </a:endParaRPr>
-          </a:p>
-        </p:txBody>
-      </p:sp>
-      <p:sp>
-        <p:nvSpPr>
-          <p:cNvPr id="73" name="TextBox 72"/>
-          <p:cNvSpPr txBox="1"/>
-          <p:nvPr/>
-        </p:nvSpPr>
-        <p:spPr>
-          <a:xfrm>
-            <a:off x="7487097" y="2139475"/>
+            <a:off x="7418137" y="2260842"/>
             <a:ext cx="189257" cy="178683"/>
           </a:xfrm>
           <a:prstGeom prst="rect">
@@ -5966,13 +5929,52 @@
       </p:sp>
       <p:sp>
         <p:nvSpPr>
-          <p:cNvPr id="74" name="TextBox 73"/>
+          <p:cNvPr id="87" name="TextBox 86"/>
           <p:cNvSpPr txBox="1"/>
           <p:nvPr/>
         </p:nvSpPr>
         <p:spPr>
           <a:xfrm>
-            <a:off x="7479022" y="3326536"/>
+            <a:off x="7224212" y="2695664"/>
+            <a:ext cx="288554" cy="147703"/>
+          </a:xfrm>
+          <a:prstGeom prst="rect">
+            <a:avLst/>
+          </a:prstGeom>
+          <a:noFill/>
+        </p:spPr>
+        <p:txBody>
+          <a:bodyPr wrap="square" lIns="0" tIns="0" rIns="0" bIns="0" rtlCol="0">
+            <a:noAutofit/>
+          </a:bodyPr>
+          <a:lstStyle/>
+          <a:p>
+            <a:pPr algn="ctr"/>
+            <a:r>
+              <a:rPr lang="en-US" sz="1100" dirty="0">
+                <a:solidFill>
+                  <a:srgbClr val="7030A0"/>
+                </a:solidFill>
+              </a:rPr>
+              <a:t>0..2</a:t>
+            </a:r>
+            <a:endParaRPr lang="en-SG" sz="1100" dirty="0">
+              <a:solidFill>
+                <a:srgbClr val="7030A0"/>
+              </a:solidFill>
+            </a:endParaRPr>
+          </a:p>
+        </p:txBody>
+      </p:sp>
+      <p:sp>
+        <p:nvSpPr>
+          <p:cNvPr id="88" name="TextBox 87"/>
+          <p:cNvSpPr txBox="1"/>
+          <p:nvPr/>
+        </p:nvSpPr>
+        <p:spPr>
+          <a:xfrm>
+            <a:off x="7317603" y="3254552"/>
             <a:ext cx="189257" cy="178683"/>
           </a:xfrm>
           <a:prstGeom prst="rect">
@@ -6005,13 +6007,13 @@
       </p:sp>
       <p:sp>
         <p:nvSpPr>
-          <p:cNvPr id="77" name="TextBox 76"/>
+          <p:cNvPr id="89" name="TextBox 88"/>
           <p:cNvSpPr txBox="1"/>
           <p:nvPr/>
         </p:nvSpPr>
         <p:spPr>
           <a:xfrm>
-            <a:off x="7509316" y="4010962"/>
+            <a:off x="7445816" y="3818452"/>
             <a:ext cx="189257" cy="178683"/>
           </a:xfrm>
           <a:prstGeom prst="rect">

--- a/docs/diagrams/ModelComponentClassDiagram.pptx
+++ b/docs/diagrams/ModelComponentClassDiagram.pptx
@@ -5974,8 +5974,8 @@
         </p:nvSpPr>
         <p:spPr>
           <a:xfrm>
-            <a:off x="7317603" y="3254552"/>
-            <a:ext cx="189257" cy="178683"/>
+            <a:off x="7224213" y="3254552"/>
+            <a:ext cx="282648" cy="220840"/>
           </a:xfrm>
           <a:prstGeom prst="rect">
             <a:avLst/>
@@ -5995,7 +5995,7 @@
                   <a:srgbClr val="7030A0"/>
                 </a:solidFill>
               </a:rPr>
-              <a:t>1</a:t>
+              <a:t>0..1</a:t>
             </a:r>
             <a:endParaRPr lang="en-SG" sz="1100" dirty="0">
               <a:solidFill>
@@ -6013,8 +6013,8 @@
         </p:nvSpPr>
         <p:spPr>
           <a:xfrm>
-            <a:off x="7445816" y="3818452"/>
-            <a:ext cx="189257" cy="178683"/>
+            <a:off x="7363658" y="3818452"/>
+            <a:ext cx="271416" cy="296348"/>
           </a:xfrm>
           <a:prstGeom prst="rect">
             <a:avLst/>
@@ -6034,7 +6034,7 @@
                   <a:srgbClr val="7030A0"/>
                 </a:solidFill>
               </a:rPr>
-              <a:t>1</a:t>
+              <a:t>0..1</a:t>
             </a:r>
             <a:endParaRPr lang="en-SG" sz="1100" dirty="0">
               <a:solidFill>

--- a/docs/diagrams/ModelComponentClassDiagram.pptx
+++ b/docs/diagrams/ModelComponentClassDiagram.pptx
@@ -208,7 +208,7 @@
           <a:p>
             <a:fld id="{F5CC4B3F-88C1-4FFA-B1B6-F41C21DC6924}" type="datetimeFigureOut">
               <a:rPr lang="en-US" smtClean="0"/>
-              <a:t>3/23/2017</a:t>
+              <a:t>4/9/2017</a:t>
             </a:fld>
             <a:endParaRPr lang="en-US"/>
           </a:p>
@@ -654,7 +654,7 @@
           <a:p>
             <a:fld id="{78C97017-6FC3-485B-9764-EAC9E56C1D49}" type="datetimeFigureOut">
               <a:rPr lang="en-US" smtClean="0"/>
-              <a:t>3/23/2017</a:t>
+              <a:t>4/9/2017</a:t>
             </a:fld>
             <a:endParaRPr lang="en-US"/>
           </a:p>
@@ -822,7 +822,7 @@
           <a:p>
             <a:fld id="{78C97017-6FC3-485B-9764-EAC9E56C1D49}" type="datetimeFigureOut">
               <a:rPr lang="en-US" smtClean="0"/>
-              <a:t>3/23/2017</a:t>
+              <a:t>4/9/2017</a:t>
             </a:fld>
             <a:endParaRPr lang="en-US"/>
           </a:p>
@@ -1000,7 +1000,7 @@
           <a:p>
             <a:fld id="{78C97017-6FC3-485B-9764-EAC9E56C1D49}" type="datetimeFigureOut">
               <a:rPr lang="en-US" smtClean="0"/>
-              <a:t>3/23/2017</a:t>
+              <a:t>4/9/2017</a:t>
             </a:fld>
             <a:endParaRPr lang="en-US"/>
           </a:p>
@@ -1168,7 +1168,7 @@
           <a:p>
             <a:fld id="{78C97017-6FC3-485B-9764-EAC9E56C1D49}" type="datetimeFigureOut">
               <a:rPr lang="en-US" smtClean="0"/>
-              <a:t>3/23/2017</a:t>
+              <a:t>4/9/2017</a:t>
             </a:fld>
             <a:endParaRPr lang="en-US"/>
           </a:p>
@@ -1413,7 +1413,7 @@
           <a:p>
             <a:fld id="{78C97017-6FC3-485B-9764-EAC9E56C1D49}" type="datetimeFigureOut">
               <a:rPr lang="en-US" smtClean="0"/>
-              <a:t>3/23/2017</a:t>
+              <a:t>4/9/2017</a:t>
             </a:fld>
             <a:endParaRPr lang="en-US"/>
           </a:p>
@@ -1698,7 +1698,7 @@
           <a:p>
             <a:fld id="{78C97017-6FC3-485B-9764-EAC9E56C1D49}" type="datetimeFigureOut">
               <a:rPr lang="en-US" smtClean="0"/>
-              <a:t>3/23/2017</a:t>
+              <a:t>4/9/2017</a:t>
             </a:fld>
             <a:endParaRPr lang="en-US"/>
           </a:p>
@@ -2117,7 +2117,7 @@
           <a:p>
             <a:fld id="{78C97017-6FC3-485B-9764-EAC9E56C1D49}" type="datetimeFigureOut">
               <a:rPr lang="en-US" smtClean="0"/>
-              <a:t>3/23/2017</a:t>
+              <a:t>4/9/2017</a:t>
             </a:fld>
             <a:endParaRPr lang="en-US"/>
           </a:p>
@@ -2234,7 +2234,7 @@
           <a:p>
             <a:fld id="{78C97017-6FC3-485B-9764-EAC9E56C1D49}" type="datetimeFigureOut">
               <a:rPr lang="en-US" smtClean="0"/>
-              <a:t>3/23/2017</a:t>
+              <a:t>4/9/2017</a:t>
             </a:fld>
             <a:endParaRPr lang="en-US"/>
           </a:p>
@@ -2329,7 +2329,7 @@
           <a:p>
             <a:fld id="{78C97017-6FC3-485B-9764-EAC9E56C1D49}" type="datetimeFigureOut">
               <a:rPr lang="en-US" smtClean="0"/>
-              <a:t>3/23/2017</a:t>
+              <a:t>4/9/2017</a:t>
             </a:fld>
             <a:endParaRPr lang="en-US"/>
           </a:p>
@@ -2604,7 +2604,7 @@
           <a:p>
             <a:fld id="{78C97017-6FC3-485B-9764-EAC9E56C1D49}" type="datetimeFigureOut">
               <a:rPr lang="en-US" smtClean="0"/>
-              <a:t>3/23/2017</a:t>
+              <a:t>4/9/2017</a:t>
             </a:fld>
             <a:endParaRPr lang="en-US"/>
           </a:p>
@@ -2856,7 +2856,7 @@
           <a:p>
             <a:fld id="{78C97017-6FC3-485B-9764-EAC9E56C1D49}" type="datetimeFigureOut">
               <a:rPr lang="en-US" smtClean="0"/>
-              <a:t>3/23/2017</a:t>
+              <a:t>4/9/2017</a:t>
             </a:fld>
             <a:endParaRPr lang="en-US"/>
           </a:p>
@@ -3072,7 +3072,7 @@
           <a:p>
             <a:fld id="{78C97017-6FC3-485B-9764-EAC9E56C1D49}" type="datetimeFigureOut">
               <a:rPr lang="en-US" smtClean="0"/>
-              <a:t>3/23/2017</a:t>
+              <a:t>4/9/2017</a:t>
             </a:fld>
             <a:endParaRPr lang="en-US"/>
           </a:p>
@@ -3455,8 +3455,8 @@
         </p:nvSpPr>
         <p:spPr>
           <a:xfrm>
-            <a:off x="775254" y="1676399"/>
-            <a:ext cx="7848600" cy="3436557"/>
+            <a:off x="741917" y="1066800"/>
+            <a:ext cx="7881937" cy="4046157"/>
           </a:xfrm>
           <a:prstGeom prst="roundRect">
             <a:avLst>
@@ -3575,8 +3575,8 @@
         </p:nvSpPr>
         <p:spPr>
           <a:xfrm rot="16200000">
-            <a:off x="1170456" y="3206875"/>
-            <a:ext cx="1773889" cy="346760"/>
+            <a:off x="650131" y="2841628"/>
+            <a:ext cx="2590798" cy="265103"/>
           </a:xfrm>
           <a:prstGeom prst="rect">
             <a:avLst/>
@@ -3679,12 +3679,12 @@
         </p:nvCxnSpPr>
         <p:spPr>
           <a:xfrm rot="5400000" flipH="1" flipV="1">
-            <a:off x="3831398" y="1430828"/>
-            <a:ext cx="1062374" cy="4610369"/>
+            <a:off x="3774273" y="1376083"/>
+            <a:ext cx="1064753" cy="4722239"/>
           </a:xfrm>
           <a:prstGeom prst="bentConnector3">
             <a:avLst>
-              <a:gd name="adj1" fmla="val -17560"/>
+              <a:gd name="adj1" fmla="val -15807"/>
             </a:avLst>
           </a:prstGeom>
           <a:ln w="19050">
@@ -3720,7 +3720,7 @@
         </p:nvSpPr>
         <p:spPr>
           <a:xfrm rot="16200000">
-            <a:off x="827220" y="2861202"/>
+            <a:off x="692369" y="2792865"/>
             <a:ext cx="1093635" cy="346760"/>
           </a:xfrm>
           <a:prstGeom prst="rect">
@@ -3790,7 +3790,7 @@
         </p:nvSpPr>
         <p:spPr>
           <a:xfrm rot="16200000">
-            <a:off x="1518640" y="2952291"/>
+            <a:off x="1372764" y="2886417"/>
             <a:ext cx="270504" cy="175523"/>
           </a:xfrm>
           <a:prstGeom prst="triangle">
@@ -3840,8 +3840,8 @@
         </p:nvCxnSpPr>
         <p:spPr>
           <a:xfrm>
-            <a:off x="2470722" y="4003873"/>
-            <a:ext cx="406458" cy="7583"/>
+            <a:off x="2318023" y="4006252"/>
+            <a:ext cx="559157" cy="5204"/>
           </a:xfrm>
           <a:prstGeom prst="straightConnector1">
             <a:avLst/>
@@ -3931,14 +3931,12 @@
           <p:nvPr/>
         </p:nvCxnSpPr>
         <p:spPr>
-          <a:xfrm flipV="1">
-            <a:off x="741917" y="3034582"/>
-            <a:ext cx="458741" cy="5471"/>
-          </a:xfrm>
-          <a:prstGeom prst="bentConnector3">
-            <a:avLst>
-              <a:gd name="adj1" fmla="val 50000"/>
-            </a:avLst>
+          <a:xfrm>
+            <a:off x="422994" y="2964068"/>
+            <a:ext cx="642813" cy="2177"/>
+          </a:xfrm>
+          <a:prstGeom prst="straightConnector1">
+            <a:avLst/>
           </a:prstGeom>
           <a:ln w="19050">
             <a:solidFill>
@@ -3973,13 +3971,14 @@
           <p:cNvCxnSpPr>
             <a:cxnSpLocks/>
             <a:stCxn id="120" idx="3"/>
+            <a:endCxn id="9" idx="0"/>
           </p:cNvCxnSpPr>
           <p:nvPr/>
         </p:nvCxnSpPr>
         <p:spPr>
           <a:xfrm>
-            <a:off x="1741654" y="3040053"/>
-            <a:ext cx="212845" cy="0"/>
+            <a:off x="1595778" y="2974179"/>
+            <a:ext cx="217201" cy="1"/>
           </a:xfrm>
           <a:prstGeom prst="line">
             <a:avLst/>
@@ -4017,7 +4016,7 @@
         </p:nvSpPr>
         <p:spPr>
           <a:xfrm>
-            <a:off x="2234674" y="3917183"/>
+            <a:off x="2081975" y="3919562"/>
             <a:ext cx="236048" cy="173380"/>
           </a:xfrm>
           <a:prstGeom prst="flowChartDecision">
@@ -4122,8 +4121,8 @@
         </p:nvCxnSpPr>
         <p:spPr>
           <a:xfrm flipV="1">
-            <a:off x="2470722" y="2800800"/>
-            <a:ext cx="408768" cy="2527"/>
+            <a:off x="2318023" y="2800800"/>
+            <a:ext cx="561467" cy="4906"/>
           </a:xfrm>
           <a:prstGeom prst="straightConnector1">
             <a:avLst/>
@@ -4160,7 +4159,7 @@
         </p:nvSpPr>
         <p:spPr>
           <a:xfrm>
-            <a:off x="2234674" y="2716637"/>
+            <a:off x="2081975" y="2719016"/>
             <a:ext cx="236048" cy="173380"/>
           </a:xfrm>
           <a:prstGeom prst="flowChartDecision">
@@ -5520,8 +5519,8 @@
         </p:nvCxnSpPr>
         <p:spPr>
           <a:xfrm rot="16200000" flipH="1">
-            <a:off x="1097770" y="3857668"/>
-            <a:ext cx="1204355" cy="651818"/>
+            <a:off x="996175" y="3756074"/>
+            <a:ext cx="1272692" cy="786669"/>
           </a:xfrm>
           <a:prstGeom prst="bentConnector2">
             <a:avLst/>
@@ -6049,8 +6048,8 @@
         </p:nvSpPr>
         <p:spPr>
           <a:xfrm>
-            <a:off x="2365564" y="1809332"/>
-            <a:ext cx="627468" cy="346760"/>
+            <a:off x="2611852" y="1830614"/>
+            <a:ext cx="1634682" cy="332924"/>
           </a:xfrm>
           <a:prstGeom prst="rect">
             <a:avLst/>
@@ -6082,12 +6081,12 @@
           <a:p>
             <a:pPr algn="ctr"/>
             <a:r>
-              <a:rPr lang="en-US" sz="1050" dirty="0">
+              <a:rPr lang="en-US" sz="1050" dirty="0" err="1">
                 <a:solidFill>
                   <a:srgbClr val="7030A0"/>
                 </a:solidFill>
               </a:rPr>
-              <a:t>History</a:t>
+              <a:t>TaskManagerStateHistory</a:t>
             </a:r>
             <a:endParaRPr lang="en-SG" sz="1050" dirty="0">
               <a:solidFill>
@@ -6105,7 +6104,7 @@
         </p:nvSpPr>
         <p:spPr>
           <a:xfrm>
-            <a:off x="2155839" y="2041480"/>
+            <a:off x="2408128" y="2079036"/>
             <a:ext cx="189257" cy="178683"/>
           </a:xfrm>
           <a:prstGeom prst="rect">
@@ -6143,8 +6142,8 @@
           <p:nvPr/>
         </p:nvSpPr>
         <p:spPr>
-          <a:xfrm>
-            <a:off x="2998834" y="1895833"/>
+          <a:xfrm rot="5400000">
+            <a:off x="3311982" y="2212645"/>
             <a:ext cx="236048" cy="173380"/>
           </a:xfrm>
           <a:prstGeom prst="flowChartDecision">
@@ -6181,22 +6180,61 @@
           </a:p>
         </p:txBody>
       </p:sp>
+      <p:sp>
+        <p:nvSpPr>
+          <p:cNvPr id="121" name="TextBox 120"/>
+          <p:cNvSpPr txBox="1"/>
+          <p:nvPr/>
+        </p:nvSpPr>
+        <p:spPr>
+          <a:xfrm>
+            <a:off x="3205106" y="2451066"/>
+            <a:ext cx="189257" cy="178683"/>
+          </a:xfrm>
+          <a:prstGeom prst="rect">
+            <a:avLst/>
+          </a:prstGeom>
+          <a:noFill/>
+        </p:spPr>
+        <p:txBody>
+          <a:bodyPr wrap="square" lIns="0" tIns="0" rIns="0" bIns="0" rtlCol="0">
+            <a:noAutofit/>
+          </a:bodyPr>
+          <a:lstStyle/>
+          <a:p>
+            <a:pPr algn="ctr"/>
+            <a:r>
+              <a:rPr lang="en-US" sz="1100" dirty="0">
+                <a:solidFill>
+                  <a:srgbClr val="7030A0"/>
+                </a:solidFill>
+              </a:rPr>
+              <a:t>*</a:t>
+            </a:r>
+            <a:endParaRPr lang="en-SG" sz="1100" dirty="0">
+              <a:solidFill>
+                <a:srgbClr val="7030A0"/>
+              </a:solidFill>
+            </a:endParaRPr>
+          </a:p>
+        </p:txBody>
+      </p:sp>
       <p:cxnSp>
         <p:nvCxnSpPr>
-          <p:cNvPr id="95" name="Elbow Connector 49"/>
+          <p:cNvPr id="82" name="Straight Arrow Connector 81"/>
           <p:cNvCxnSpPr>
             <a:cxnSpLocks/>
-            <a:stCxn id="9" idx="3"/>
-            <a:endCxn id="87" idx="1"/>
+            <a:stCxn id="93" idx="3"/>
+            <a:endCxn id="46" idx="0"/>
           </p:cNvCxnSpPr>
           <p:nvPr/>
         </p:nvCxnSpPr>
         <p:spPr>
-          <a:xfrm rot="5400000" flipH="1" flipV="1">
-            <a:off x="1956183" y="2083931"/>
-            <a:ext cx="510599" cy="308163"/>
-          </a:xfrm>
-          <a:prstGeom prst="bentConnector2">
+          <a:xfrm flipH="1">
+            <a:off x="3426308" y="2417359"/>
+            <a:ext cx="3698" cy="210061"/>
+          </a:xfrm>
+          <a:prstGeom prst="straightConnector1">
             <a:avLst/>
           </a:prstGeom>
           <a:ln w="19050">
@@ -6225,19 +6263,20 @@
       </p:cxnSp>
       <p:cxnSp>
         <p:nvCxnSpPr>
-          <p:cNvPr id="98" name="Elbow Connector 49"/>
+          <p:cNvPr id="88" name="Straight Arrow Connector 87"/>
           <p:cNvCxnSpPr>
             <a:cxnSpLocks/>
-            <a:stCxn id="93" idx="3"/>
+            <a:stCxn id="90" idx="3"/>
+            <a:endCxn id="87" idx="1"/>
           </p:cNvCxnSpPr>
           <p:nvPr/>
         </p:nvCxnSpPr>
         <p:spPr>
           <a:xfrm>
-            <a:off x="3234882" y="1982523"/>
-            <a:ext cx="192551" cy="647037"/>
-          </a:xfrm>
-          <a:prstGeom prst="bentConnector2">
+            <a:off x="2311770" y="1997076"/>
+            <a:ext cx="300082" cy="0"/>
+          </a:xfrm>
+          <a:prstGeom prst="straightConnector1">
             <a:avLst/>
           </a:prstGeom>
           <a:ln w="19050">
@@ -6266,13 +6305,100 @@
       </p:cxnSp>
       <p:sp>
         <p:nvSpPr>
-          <p:cNvPr id="121" name="TextBox 120"/>
+          <p:cNvPr id="90" name="Flowchart: Decision 96"/>
+          <p:cNvSpPr/>
+          <p:nvPr/>
+        </p:nvSpPr>
+        <p:spPr>
+          <a:xfrm>
+            <a:off x="2075722" y="1910386"/>
+            <a:ext cx="236048" cy="173380"/>
+          </a:xfrm>
+          <a:prstGeom prst="flowChartDecision">
+            <a:avLst/>
+          </a:prstGeom>
+          <a:noFill/>
+          <a:ln w="19050">
+            <a:solidFill>
+              <a:srgbClr val="7030A0"/>
+            </a:solidFill>
+          </a:ln>
+          <a:effectLst/>
+        </p:spPr>
+        <p:style>
+          <a:lnRef idx="1">
+            <a:schemeClr val="accent6"/>
+          </a:lnRef>
+          <a:fillRef idx="2">
+            <a:schemeClr val="accent6"/>
+          </a:fillRef>
+          <a:effectRef idx="1">
+            <a:schemeClr val="accent6"/>
+          </a:effectRef>
+          <a:fontRef idx="minor">
+            <a:schemeClr val="dk1"/>
+          </a:fontRef>
+        </p:style>
+        <p:txBody>
+          <a:bodyPr rtlCol="0" anchor="ctr"/>
+          <a:lstStyle/>
+          <a:p>
+            <a:pPr algn="ctr"/>
+            <a:endParaRPr lang="en-US" sz="1050"/>
+          </a:p>
+        </p:txBody>
+      </p:sp>
+      <p:cxnSp>
+        <p:nvCxnSpPr>
+          <p:cNvPr id="123" name="Elbow Connector 68"/>
+          <p:cNvCxnSpPr>
+            <a:cxnSpLocks/>
+            <a:stCxn id="9" idx="3"/>
+            <a:endCxn id="126" idx="1"/>
+          </p:cNvCxnSpPr>
+          <p:nvPr/>
+        </p:nvCxnSpPr>
+        <p:spPr>
+          <a:xfrm rot="5400000" flipH="1" flipV="1">
+            <a:off x="2166457" y="1222498"/>
+            <a:ext cx="235357" cy="677210"/>
+          </a:xfrm>
+          <a:prstGeom prst="bentConnector2">
+            <a:avLst/>
+          </a:prstGeom>
+          <a:ln w="19050">
+            <a:solidFill>
+              <a:srgbClr val="7030A0"/>
+            </a:solidFill>
+            <a:headEnd type="none" w="med" len="med"/>
+            <a:tailEnd type="arrow" w="med" len="med"/>
+          </a:ln>
+          <a:effectLst/>
+        </p:spPr>
+        <p:style>
+          <a:lnRef idx="1">
+            <a:schemeClr val="accent2"/>
+          </a:lnRef>
+          <a:fillRef idx="2">
+            <a:schemeClr val="accent2"/>
+          </a:fillRef>
+          <a:effectRef idx="1">
+            <a:schemeClr val="accent2"/>
+          </a:effectRef>
+          <a:fontRef idx="minor">
+            <a:schemeClr val="dk1"/>
+          </a:fontRef>
+        </p:style>
+      </p:cxnSp>
+      <p:sp>
+        <p:nvSpPr>
+          <p:cNvPr id="125" name="TextBox 124"/>
           <p:cNvSpPr txBox="1"/>
           <p:nvPr/>
         </p:nvSpPr>
         <p:spPr>
           <a:xfrm>
-            <a:off x="3205106" y="2451066"/>
+            <a:off x="2368650" y="1245442"/>
             <a:ext cx="189257" cy="178683"/>
           </a:xfrm>
           <a:prstGeom prst="rect">
@@ -6293,11 +6419,70 @@
                   <a:srgbClr val="7030A0"/>
                 </a:solidFill>
               </a:rPr>
-              <a:t>*</a:t>
+              <a:t>1</a:t>
             </a:r>
             <a:endParaRPr lang="en-SG" sz="1100" dirty="0">
               <a:solidFill>
                 <a:srgbClr val="7030A0"/>
+              </a:solidFill>
+            </a:endParaRPr>
+          </a:p>
+        </p:txBody>
+      </p:sp>
+      <p:sp>
+        <p:nvSpPr>
+          <p:cNvPr id="126" name="Rectangle 8"/>
+          <p:cNvSpPr/>
+          <p:nvPr/>
+        </p:nvSpPr>
+        <p:spPr>
+          <a:xfrm>
+            <a:off x="2622740" y="1270044"/>
+            <a:ext cx="1093635" cy="346760"/>
+          </a:xfrm>
+          <a:prstGeom prst="rect">
+            <a:avLst/>
+          </a:prstGeom>
+          <a:solidFill>
+            <a:srgbClr val="7030A0"/>
+          </a:solidFill>
+          <a:ln w="19050">
+            <a:solidFill>
+              <a:srgbClr val="7030A0"/>
+            </a:solidFill>
+          </a:ln>
+          <a:effectLst/>
+        </p:spPr>
+        <p:style>
+          <a:lnRef idx="1">
+            <a:schemeClr val="accent2"/>
+          </a:lnRef>
+          <a:fillRef idx="2">
+            <a:schemeClr val="accent2"/>
+          </a:fillRef>
+          <a:effectRef idx="1">
+            <a:schemeClr val="accent2"/>
+          </a:effectRef>
+          <a:fontRef idx="minor">
+            <a:schemeClr val="dk1"/>
+          </a:fontRef>
+        </p:style>
+        <p:txBody>
+          <a:bodyPr rtlCol="0" anchor="ctr"/>
+          <a:lstStyle/>
+          <a:p>
+            <a:pPr algn="ctr"/>
+            <a:r>
+              <a:rPr lang="en-US" sz="1050" dirty="0">
+                <a:solidFill>
+                  <a:schemeClr val="bg1"/>
+                </a:solidFill>
+              </a:rPr>
+              <a:t>Sync</a:t>
+            </a:r>
+            <a:endParaRPr lang="en-SG" sz="1050" dirty="0">
+              <a:solidFill>
+                <a:schemeClr val="bg1"/>
               </a:solidFill>
             </a:endParaRPr>
           </a:p>

--- a/docs/diagrams/ModelComponentClassDiagram.pptx
+++ b/docs/diagrams/ModelComponentClassDiagram.pptx
@@ -208,7 +208,7 @@
           <a:p>
             <a:fld id="{F5CC4B3F-88C1-4FFA-B1B6-F41C21DC6924}" type="datetimeFigureOut">
               <a:rPr lang="en-US" smtClean="0"/>
-              <a:t>17-Mar-17</a:t>
+              <a:t>09-Apr-17</a:t>
             </a:fld>
             <a:endParaRPr lang="en-US"/>
           </a:p>
@@ -657,7 +657,7 @@
           <a:p>
             <a:fld id="{78C97017-6FC3-485B-9764-EAC9E56C1D49}" type="datetimeFigureOut">
               <a:rPr lang="en-US" smtClean="0"/>
-              <a:t>17-Mar-17</a:t>
+              <a:t>09-Apr-17</a:t>
             </a:fld>
             <a:endParaRPr lang="en-US"/>
           </a:p>
@@ -827,7 +827,7 @@
           <a:p>
             <a:fld id="{78C97017-6FC3-485B-9764-EAC9E56C1D49}" type="datetimeFigureOut">
               <a:rPr lang="en-US" smtClean="0"/>
-              <a:t>17-Mar-17</a:t>
+              <a:t>09-Apr-17</a:t>
             </a:fld>
             <a:endParaRPr lang="en-US"/>
           </a:p>
@@ -1007,7 +1007,7 @@
           <a:p>
             <a:fld id="{78C97017-6FC3-485B-9764-EAC9E56C1D49}" type="datetimeFigureOut">
               <a:rPr lang="en-US" smtClean="0"/>
-              <a:t>17-Mar-17</a:t>
+              <a:t>09-Apr-17</a:t>
             </a:fld>
             <a:endParaRPr lang="en-US"/>
           </a:p>
@@ -1177,7 +1177,7 @@
           <a:p>
             <a:fld id="{78C97017-6FC3-485B-9764-EAC9E56C1D49}" type="datetimeFigureOut">
               <a:rPr lang="en-US" smtClean="0"/>
-              <a:t>17-Mar-17</a:t>
+              <a:t>09-Apr-17</a:t>
             </a:fld>
             <a:endParaRPr lang="en-US"/>
           </a:p>
@@ -1423,7 +1423,7 @@
           <a:p>
             <a:fld id="{78C97017-6FC3-485B-9764-EAC9E56C1D49}" type="datetimeFigureOut">
               <a:rPr lang="en-US" smtClean="0"/>
-              <a:t>17-Mar-17</a:t>
+              <a:t>09-Apr-17</a:t>
             </a:fld>
             <a:endParaRPr lang="en-US"/>
           </a:p>
@@ -1711,7 +1711,7 @@
           <a:p>
             <a:fld id="{78C97017-6FC3-485B-9764-EAC9E56C1D49}" type="datetimeFigureOut">
               <a:rPr lang="en-US" smtClean="0"/>
-              <a:t>17-Mar-17</a:t>
+              <a:t>09-Apr-17</a:t>
             </a:fld>
             <a:endParaRPr lang="en-US"/>
           </a:p>
@@ -2133,7 +2133,7 @@
           <a:p>
             <a:fld id="{78C97017-6FC3-485B-9764-EAC9E56C1D49}" type="datetimeFigureOut">
               <a:rPr lang="en-US" smtClean="0"/>
-              <a:t>17-Mar-17</a:t>
+              <a:t>09-Apr-17</a:t>
             </a:fld>
             <a:endParaRPr lang="en-US"/>
           </a:p>
@@ -2251,7 +2251,7 @@
           <a:p>
             <a:fld id="{78C97017-6FC3-485B-9764-EAC9E56C1D49}" type="datetimeFigureOut">
               <a:rPr lang="en-US" smtClean="0"/>
-              <a:t>17-Mar-17</a:t>
+              <a:t>09-Apr-17</a:t>
             </a:fld>
             <a:endParaRPr lang="en-US"/>
           </a:p>
@@ -2346,7 +2346,7 @@
           <a:p>
             <a:fld id="{78C97017-6FC3-485B-9764-EAC9E56C1D49}" type="datetimeFigureOut">
               <a:rPr lang="en-US" smtClean="0"/>
-              <a:t>17-Mar-17</a:t>
+              <a:t>09-Apr-17</a:t>
             </a:fld>
             <a:endParaRPr lang="en-US"/>
           </a:p>
@@ -2623,7 +2623,7 @@
           <a:p>
             <a:fld id="{78C97017-6FC3-485B-9764-EAC9E56C1D49}" type="datetimeFigureOut">
               <a:rPr lang="en-US" smtClean="0"/>
-              <a:t>17-Mar-17</a:t>
+              <a:t>09-Apr-17</a:t>
             </a:fld>
             <a:endParaRPr lang="en-US"/>
           </a:p>
@@ -2876,7 +2876,7 @@
           <a:p>
             <a:fld id="{78C97017-6FC3-485B-9764-EAC9E56C1D49}" type="datetimeFigureOut">
               <a:rPr lang="en-US" smtClean="0"/>
-              <a:t>17-Mar-17</a:t>
+              <a:t>09-Apr-17</a:t>
             </a:fld>
             <a:endParaRPr lang="en-US"/>
           </a:p>
@@ -3089,7 +3089,7 @@
           <a:p>
             <a:fld id="{78C97017-6FC3-485B-9764-EAC9E56C1D49}" type="datetimeFigureOut">
               <a:rPr lang="en-US" smtClean="0"/>
-              <a:t>17-Mar-17</a:t>
+              <a:t>09-Apr-17</a:t>
             </a:fld>
             <a:endParaRPr lang="en-US"/>
           </a:p>
@@ -3533,7 +3533,7 @@
         </p:nvSpPr>
         <p:spPr>
           <a:xfrm>
-            <a:off x="2877180" y="3158440"/>
+            <a:off x="2886697" y="2887216"/>
             <a:ext cx="1093635" cy="346760"/>
           </a:xfrm>
           <a:prstGeom prst="rect">
@@ -3856,8 +3856,8 @@
         </p:nvCxnSpPr>
         <p:spPr>
           <a:xfrm>
-            <a:off x="2656370" y="3326536"/>
-            <a:ext cx="220810" cy="5284"/>
+            <a:off x="2650198" y="3060596"/>
+            <a:ext cx="236499" cy="0"/>
           </a:xfrm>
           <a:prstGeom prst="straightConnector1">
             <a:avLst/>
@@ -4029,7 +4029,7 @@
         </p:nvSpPr>
         <p:spPr>
           <a:xfrm>
-            <a:off x="2420322" y="3239846"/>
+            <a:off x="2414150" y="2973906"/>
             <a:ext cx="236048" cy="173380"/>
           </a:xfrm>
           <a:prstGeom prst="flowChartDecision">
@@ -4074,7 +4074,7 @@
         </p:nvSpPr>
         <p:spPr>
           <a:xfrm>
-            <a:off x="2879490" y="2627420"/>
+            <a:off x="2884764" y="2498064"/>
             <a:ext cx="1093635" cy="346760"/>
           </a:xfrm>
           <a:prstGeom prst="rect">
@@ -4133,8 +4133,8 @@
         </p:nvCxnSpPr>
         <p:spPr>
           <a:xfrm>
-            <a:off x="2658680" y="2795516"/>
-            <a:ext cx="220810" cy="5284"/>
+            <a:off x="2664066" y="2671444"/>
+            <a:ext cx="220698" cy="0"/>
           </a:xfrm>
           <a:prstGeom prst="straightConnector1">
             <a:avLst/>
@@ -4171,7 +4171,7 @@
         </p:nvSpPr>
         <p:spPr>
           <a:xfrm>
-            <a:off x="2422632" y="2708826"/>
+            <a:off x="2428018" y="2584754"/>
             <a:ext cx="236048" cy="173380"/>
           </a:xfrm>
           <a:prstGeom prst="flowChartDecision">
@@ -4272,7 +4272,7 @@
         </p:nvSpPr>
         <p:spPr>
           <a:xfrm>
-            <a:off x="3984303" y="2673991"/>
+            <a:off x="3995190" y="2595022"/>
             <a:ext cx="236048" cy="173380"/>
           </a:xfrm>
           <a:prstGeom prst="flowChartDecision">
@@ -4322,8 +4322,8 @@
         </p:nvCxnSpPr>
         <p:spPr>
           <a:xfrm>
-            <a:off x="4220351" y="2760681"/>
-            <a:ext cx="266666" cy="260070"/>
+            <a:off x="4231238" y="2681712"/>
+            <a:ext cx="255779" cy="339039"/>
           </a:xfrm>
           <a:prstGeom prst="bentConnector3">
             <a:avLst/>
@@ -4419,12 +4419,12 @@
         </p:nvCxnSpPr>
         <p:spPr>
           <a:xfrm flipV="1">
-            <a:off x="4220351" y="2453949"/>
-            <a:ext cx="256977" cy="306732"/>
+            <a:off x="4231238" y="2453949"/>
+            <a:ext cx="246090" cy="227763"/>
           </a:xfrm>
           <a:prstGeom prst="bentConnector3">
             <a:avLst>
-              <a:gd name="adj1" fmla="val 50000"/>
+              <a:gd name="adj1" fmla="val 52580"/>
             </a:avLst>
           </a:prstGeom>
           <a:ln w="19050">
@@ -5807,7 +5807,7 @@
         </p:nvSpPr>
         <p:spPr>
           <a:xfrm>
-            <a:off x="2687923" y="2564238"/>
+            <a:off x="2657853" y="2484569"/>
             <a:ext cx="189257" cy="178683"/>
           </a:xfrm>
           <a:prstGeom prst="rect">
@@ -5846,7 +5846,7 @@
         </p:nvSpPr>
         <p:spPr>
           <a:xfrm>
-            <a:off x="2656370" y="3386050"/>
+            <a:off x="2644963" y="2863368"/>
             <a:ext cx="189257" cy="178683"/>
           </a:xfrm>
           <a:prstGeom prst="rect">
@@ -6014,6 +6014,189 @@
           </a:fontRef>
         </p:style>
       </p:cxnSp>
+      <p:sp>
+        <p:nvSpPr>
+          <p:cNvPr id="77" name="Flowchart: Decision 96"/>
+          <p:cNvSpPr/>
+          <p:nvPr/>
+        </p:nvSpPr>
+        <p:spPr>
+          <a:xfrm>
+            <a:off x="2414183" y="3376177"/>
+            <a:ext cx="236048" cy="173380"/>
+          </a:xfrm>
+          <a:prstGeom prst="flowChartDecision">
+            <a:avLst/>
+          </a:prstGeom>
+          <a:solidFill>
+            <a:srgbClr val="7030A0"/>
+          </a:solidFill>
+          <a:ln w="19050">
+            <a:solidFill>
+              <a:srgbClr val="7030A0"/>
+            </a:solidFill>
+          </a:ln>
+          <a:effectLst/>
+        </p:spPr>
+        <p:style>
+          <a:lnRef idx="1">
+            <a:schemeClr val="accent6"/>
+          </a:lnRef>
+          <a:fillRef idx="2">
+            <a:schemeClr val="accent6"/>
+          </a:fillRef>
+          <a:effectRef idx="1">
+            <a:schemeClr val="accent6"/>
+          </a:effectRef>
+          <a:fontRef idx="minor">
+            <a:schemeClr val="dk1"/>
+          </a:fontRef>
+        </p:style>
+        <p:txBody>
+          <a:bodyPr rtlCol="0" anchor="ctr"/>
+          <a:lstStyle/>
+          <a:p>
+            <a:pPr algn="ctr"/>
+            <a:endParaRPr lang="en-US" sz="1050"/>
+          </a:p>
+        </p:txBody>
+      </p:sp>
+      <p:cxnSp>
+        <p:nvCxnSpPr>
+          <p:cNvPr id="82" name="Straight Arrow Connector 81"/>
+          <p:cNvCxnSpPr>
+            <a:stCxn id="77" idx="3"/>
+            <a:endCxn id="89" idx="1"/>
+          </p:cNvCxnSpPr>
+          <p:nvPr/>
+        </p:nvCxnSpPr>
+        <p:spPr>
+          <a:xfrm flipV="1">
+            <a:off x="2650231" y="3458852"/>
+            <a:ext cx="229183" cy="4015"/>
+          </a:xfrm>
+          <a:prstGeom prst="straightConnector1">
+            <a:avLst/>
+          </a:prstGeom>
+          <a:ln w="19050">
+            <a:solidFill>
+              <a:srgbClr val="7030A0"/>
+            </a:solidFill>
+            <a:headEnd type="none" w="med" len="med"/>
+            <a:tailEnd type="arrow" w="med" len="med"/>
+          </a:ln>
+          <a:effectLst/>
+        </p:spPr>
+        <p:style>
+          <a:lnRef idx="1">
+            <a:schemeClr val="accent2"/>
+          </a:lnRef>
+          <a:fillRef idx="2">
+            <a:schemeClr val="accent2"/>
+          </a:fillRef>
+          <a:effectRef idx="1">
+            <a:schemeClr val="accent2"/>
+          </a:effectRef>
+          <a:fontRef idx="minor">
+            <a:schemeClr val="dk1"/>
+          </a:fontRef>
+        </p:style>
+      </p:cxnSp>
+      <p:sp>
+        <p:nvSpPr>
+          <p:cNvPr id="89" name="Rectangle 8"/>
+          <p:cNvSpPr/>
+          <p:nvPr/>
+        </p:nvSpPr>
+        <p:spPr>
+          <a:xfrm>
+            <a:off x="2879414" y="3285472"/>
+            <a:ext cx="1235386" cy="346760"/>
+          </a:xfrm>
+          <a:prstGeom prst="rect">
+            <a:avLst/>
+          </a:prstGeom>
+          <a:ln w="19050">
+            <a:solidFill>
+              <a:srgbClr val="7030A0"/>
+            </a:solidFill>
+          </a:ln>
+          <a:effectLst/>
+        </p:spPr>
+        <p:style>
+          <a:lnRef idx="1">
+            <a:schemeClr val="accent4"/>
+          </a:lnRef>
+          <a:fillRef idx="2">
+            <a:schemeClr val="accent4"/>
+          </a:fillRef>
+          <a:effectRef idx="1">
+            <a:schemeClr val="accent4"/>
+          </a:effectRef>
+          <a:fontRef idx="minor">
+            <a:schemeClr val="dk1"/>
+          </a:fontRef>
+        </p:style>
+        <p:txBody>
+          <a:bodyPr rtlCol="0" anchor="ctr"/>
+          <a:lstStyle/>
+          <a:p>
+            <a:pPr algn="ctr"/>
+            <a:r>
+              <a:rPr lang="en-US" sz="1050" dirty="0" err="1" smtClean="0">
+                <a:solidFill>
+                  <a:srgbClr val="7030A0"/>
+                </a:solidFill>
+              </a:rPr>
+              <a:t>TaskManagerStack</a:t>
+            </a:r>
+            <a:endParaRPr lang="en-SG" sz="1050" dirty="0">
+              <a:solidFill>
+                <a:srgbClr val="7030A0"/>
+              </a:solidFill>
+            </a:endParaRPr>
+          </a:p>
+        </p:txBody>
+      </p:sp>
+      <p:sp>
+        <p:nvSpPr>
+          <p:cNvPr id="90" name="TextBox 89"/>
+          <p:cNvSpPr txBox="1"/>
+          <p:nvPr/>
+        </p:nvSpPr>
+        <p:spPr>
+          <a:xfrm>
+            <a:off x="2644490" y="3232088"/>
+            <a:ext cx="189257" cy="178683"/>
+          </a:xfrm>
+          <a:prstGeom prst="rect">
+            <a:avLst/>
+          </a:prstGeom>
+          <a:noFill/>
+        </p:spPr>
+        <p:txBody>
+          <a:bodyPr wrap="square" lIns="0" tIns="0" rIns="0" bIns="0" rtlCol="0">
+            <a:noAutofit/>
+          </a:bodyPr>
+          <a:lstStyle/>
+          <a:p>
+            <a:pPr algn="ctr"/>
+            <a:r>
+              <a:rPr lang="en-US" sz="1100" dirty="0" smtClean="0">
+                <a:solidFill>
+                  <a:srgbClr val="7030A0"/>
+                </a:solidFill>
+              </a:rPr>
+              <a:t>1</a:t>
+            </a:r>
+            <a:endParaRPr lang="en-SG" sz="1100" dirty="0">
+              <a:solidFill>
+                <a:srgbClr val="7030A0"/>
+              </a:solidFill>
+            </a:endParaRPr>
+          </a:p>
+        </p:txBody>
+      </p:sp>
     </p:spTree>
     <p:extLst>
       <p:ext uri="{BB962C8B-B14F-4D97-AF65-F5344CB8AC3E}">

--- a/docs/diagrams/ModelComponentClassDiagram.pptx
+++ b/docs/diagrams/ModelComponentClassDiagram.pptx
@@ -208,7 +208,7 @@
           <a:p>
             <a:fld id="{F5CC4B3F-88C1-4FFA-B1B6-F41C21DC6924}" type="datetimeFigureOut">
               <a:rPr lang="en-US" smtClean="0"/>
-              <a:t>3/25/2017</a:t>
+              <a:t>4/10/2017</a:t>
             </a:fld>
             <a:endParaRPr lang="en-US"/>
           </a:p>
@@ -654,7 +654,7 @@
           <a:p>
             <a:fld id="{78C97017-6FC3-485B-9764-EAC9E56C1D49}" type="datetimeFigureOut">
               <a:rPr lang="en-US" smtClean="0"/>
-              <a:t>3/25/2017</a:t>
+              <a:t>4/10/2017</a:t>
             </a:fld>
             <a:endParaRPr lang="en-US"/>
           </a:p>
@@ -822,7 +822,7 @@
           <a:p>
             <a:fld id="{78C97017-6FC3-485B-9764-EAC9E56C1D49}" type="datetimeFigureOut">
               <a:rPr lang="en-US" smtClean="0"/>
-              <a:t>3/25/2017</a:t>
+              <a:t>4/10/2017</a:t>
             </a:fld>
             <a:endParaRPr lang="en-US"/>
           </a:p>
@@ -1000,7 +1000,7 @@
           <a:p>
             <a:fld id="{78C97017-6FC3-485B-9764-EAC9E56C1D49}" type="datetimeFigureOut">
               <a:rPr lang="en-US" smtClean="0"/>
-              <a:t>3/25/2017</a:t>
+              <a:t>4/10/2017</a:t>
             </a:fld>
             <a:endParaRPr lang="en-US"/>
           </a:p>
@@ -1168,7 +1168,7 @@
           <a:p>
             <a:fld id="{78C97017-6FC3-485B-9764-EAC9E56C1D49}" type="datetimeFigureOut">
               <a:rPr lang="en-US" smtClean="0"/>
-              <a:t>3/25/2017</a:t>
+              <a:t>4/10/2017</a:t>
             </a:fld>
             <a:endParaRPr lang="en-US"/>
           </a:p>
@@ -1413,7 +1413,7 @@
           <a:p>
             <a:fld id="{78C97017-6FC3-485B-9764-EAC9E56C1D49}" type="datetimeFigureOut">
               <a:rPr lang="en-US" smtClean="0"/>
-              <a:t>3/25/2017</a:t>
+              <a:t>4/10/2017</a:t>
             </a:fld>
             <a:endParaRPr lang="en-US"/>
           </a:p>
@@ -1698,7 +1698,7 @@
           <a:p>
             <a:fld id="{78C97017-6FC3-485B-9764-EAC9E56C1D49}" type="datetimeFigureOut">
               <a:rPr lang="en-US" smtClean="0"/>
-              <a:t>3/25/2017</a:t>
+              <a:t>4/10/2017</a:t>
             </a:fld>
             <a:endParaRPr lang="en-US"/>
           </a:p>
@@ -2117,7 +2117,7 @@
           <a:p>
             <a:fld id="{78C97017-6FC3-485B-9764-EAC9E56C1D49}" type="datetimeFigureOut">
               <a:rPr lang="en-US" smtClean="0"/>
-              <a:t>3/25/2017</a:t>
+              <a:t>4/10/2017</a:t>
             </a:fld>
             <a:endParaRPr lang="en-US"/>
           </a:p>
@@ -2234,7 +2234,7 @@
           <a:p>
             <a:fld id="{78C97017-6FC3-485B-9764-EAC9E56C1D49}" type="datetimeFigureOut">
               <a:rPr lang="en-US" smtClean="0"/>
-              <a:t>3/25/2017</a:t>
+              <a:t>4/10/2017</a:t>
             </a:fld>
             <a:endParaRPr lang="en-US"/>
           </a:p>
@@ -2329,7 +2329,7 @@
           <a:p>
             <a:fld id="{78C97017-6FC3-485B-9764-EAC9E56C1D49}" type="datetimeFigureOut">
               <a:rPr lang="en-US" smtClean="0"/>
-              <a:t>3/25/2017</a:t>
+              <a:t>4/10/2017</a:t>
             </a:fld>
             <a:endParaRPr lang="en-US"/>
           </a:p>
@@ -2604,7 +2604,7 @@
           <a:p>
             <a:fld id="{78C97017-6FC3-485B-9764-EAC9E56C1D49}" type="datetimeFigureOut">
               <a:rPr lang="en-US" smtClean="0"/>
-              <a:t>3/25/2017</a:t>
+              <a:t>4/10/2017</a:t>
             </a:fld>
             <a:endParaRPr lang="en-US"/>
           </a:p>
@@ -2856,7 +2856,7 @@
           <a:p>
             <a:fld id="{78C97017-6FC3-485B-9764-EAC9E56C1D49}" type="datetimeFigureOut">
               <a:rPr lang="en-US" smtClean="0"/>
-              <a:t>3/25/2017</a:t>
+              <a:t>4/10/2017</a:t>
             </a:fld>
             <a:endParaRPr lang="en-US"/>
           </a:p>
@@ -3067,7 +3067,7 @@
           <a:p>
             <a:fld id="{78C97017-6FC3-485B-9764-EAC9E56C1D49}" type="datetimeFigureOut">
               <a:rPr lang="en-US" smtClean="0"/>
-              <a:t>3/25/2017</a:t>
+              <a:t>4/10/2017</a:t>
             </a:fld>
             <a:endParaRPr lang="en-US"/>
           </a:p>
@@ -4695,7 +4695,7 @@
         <p:spPr>
           <a:xfrm>
             <a:off x="7694424" y="2323888"/>
-            <a:ext cx="708186" cy="285783"/>
+            <a:ext cx="839976" cy="285783"/>
           </a:xfrm>
           <a:prstGeom prst="rect">
             <a:avLst/>
@@ -4793,6 +4793,7 @@
         <p:nvCxnSpPr>
           <p:cNvPr id="79" name="Elbow Connector 78"/>
           <p:cNvCxnSpPr>
+            <a:cxnSpLocks/>
             <a:stCxn id="78" idx="3"/>
             <a:endCxn id="76" idx="1"/>
           </p:cNvCxnSpPr>
@@ -4839,7 +4840,7 @@
         <p:spPr>
           <a:xfrm>
             <a:off x="7694424" y="2646866"/>
-            <a:ext cx="708186" cy="285783"/>
+            <a:ext cx="839976" cy="285783"/>
           </a:xfrm>
           <a:prstGeom prst="rect">
             <a:avLst/>
@@ -4876,7 +4877,7 @@
                   <a:srgbClr val="7030A0"/>
                 </a:solidFill>
               </a:rPr>
-              <a:t>Location</a:t>
+              <a:t>Description</a:t>
             </a:r>
             <a:endParaRPr lang="en-SG" sz="1050" dirty="0">
               <a:solidFill>
@@ -4890,6 +4891,7 @@
         <p:nvCxnSpPr>
           <p:cNvPr id="81" name="Elbow Connector 80"/>
           <p:cNvCxnSpPr>
+            <a:cxnSpLocks/>
             <a:stCxn id="78" idx="3"/>
             <a:endCxn id="80" idx="1"/>
           </p:cNvCxnSpPr>
@@ -4936,7 +4938,7 @@
         <p:spPr>
           <a:xfrm>
             <a:off x="7694424" y="2969844"/>
-            <a:ext cx="708186" cy="285783"/>
+            <a:ext cx="839976" cy="285783"/>
           </a:xfrm>
           <a:prstGeom prst="rect">
             <a:avLst/>
@@ -4968,14 +4970,14 @@
           <a:p>
             <a:pPr algn="ctr"/>
             <a:r>
-              <a:rPr lang="en-US" sz="1050" dirty="0" err="1">
+              <a:rPr lang="en-US" altLang="zh-CN" sz="1000" dirty="0" err="1">
                 <a:solidFill>
                   <a:srgbClr val="7030A0"/>
                 </a:solidFill>
               </a:rPr>
-              <a:t>startDateTime</a:t>
-            </a:r>
-            <a:endParaRPr lang="en-SG" sz="1050" dirty="0">
+              <a:t>DateTime</a:t>
+            </a:r>
+            <a:endParaRPr lang="en-SG" sz="1000" dirty="0">
               <a:solidFill>
                 <a:srgbClr val="7030A0"/>
               </a:solidFill>
@@ -4987,6 +4989,7 @@
         <p:nvCxnSpPr>
           <p:cNvPr id="84" name="Elbow Connector 83"/>
           <p:cNvCxnSpPr>
+            <a:cxnSpLocks/>
             <a:stCxn id="78" idx="3"/>
             <a:endCxn id="83" idx="1"/>
           </p:cNvCxnSpPr>
@@ -4996,103 +4999,6 @@
           <a:xfrm>
             <a:off x="7260022" y="2794541"/>
             <a:ext cx="434402" cy="318195"/>
-          </a:xfrm>
-          <a:prstGeom prst="bentConnector3">
-            <a:avLst/>
-          </a:prstGeom>
-          <a:ln w="19050">
-            <a:solidFill>
-              <a:srgbClr val="7030A0"/>
-            </a:solidFill>
-            <a:headEnd type="none" w="med" len="med"/>
-            <a:tailEnd type="arrow" w="med" len="med"/>
-          </a:ln>
-          <a:effectLst/>
-        </p:spPr>
-        <p:style>
-          <a:lnRef idx="1">
-            <a:schemeClr val="accent2"/>
-          </a:lnRef>
-          <a:fillRef idx="2">
-            <a:schemeClr val="accent2"/>
-          </a:fillRef>
-          <a:effectRef idx="1">
-            <a:schemeClr val="accent2"/>
-          </a:effectRef>
-          <a:fontRef idx="minor">
-            <a:schemeClr val="dk1"/>
-          </a:fontRef>
-        </p:style>
-      </p:cxnSp>
-      <p:sp>
-        <p:nvSpPr>
-          <p:cNvPr id="85" name="Rectangle 8"/>
-          <p:cNvSpPr/>
-          <p:nvPr/>
-        </p:nvSpPr>
-        <p:spPr>
-          <a:xfrm>
-            <a:off x="7694424" y="3292821"/>
-            <a:ext cx="708186" cy="285783"/>
-          </a:xfrm>
-          <a:prstGeom prst="rect">
-            <a:avLst/>
-          </a:prstGeom>
-          <a:ln w="19050">
-            <a:solidFill>
-              <a:srgbClr val="7030A0"/>
-            </a:solidFill>
-          </a:ln>
-          <a:effectLst/>
-        </p:spPr>
-        <p:style>
-          <a:lnRef idx="1">
-            <a:schemeClr val="accent4"/>
-          </a:lnRef>
-          <a:fillRef idx="2">
-            <a:schemeClr val="accent4"/>
-          </a:fillRef>
-          <a:effectRef idx="1">
-            <a:schemeClr val="accent4"/>
-          </a:effectRef>
-          <a:fontRef idx="minor">
-            <a:schemeClr val="dk1"/>
-          </a:fontRef>
-        </p:style>
-        <p:txBody>
-          <a:bodyPr rtlCol="0" anchor="ctr"/>
-          <a:lstStyle/>
-          <a:p>
-            <a:pPr algn="ctr"/>
-            <a:r>
-              <a:rPr lang="en-US" sz="1050" dirty="0" err="1">
-                <a:solidFill>
-                  <a:srgbClr val="7030A0"/>
-                </a:solidFill>
-              </a:rPr>
-              <a:t>endDateTime</a:t>
-            </a:r>
-            <a:endParaRPr lang="en-SG" sz="1050" dirty="0">
-              <a:solidFill>
-                <a:srgbClr val="7030A0"/>
-              </a:solidFill>
-            </a:endParaRPr>
-          </a:p>
-        </p:txBody>
-      </p:sp>
-      <p:cxnSp>
-        <p:nvCxnSpPr>
-          <p:cNvPr id="86" name="Elbow Connector 85"/>
-          <p:cNvCxnSpPr>
-            <a:stCxn id="78" idx="3"/>
-            <a:endCxn id="85" idx="1"/>
-          </p:cNvCxnSpPr>
-          <p:nvPr/>
-        </p:nvCxnSpPr>
-        <p:spPr>
-          <a:xfrm>
-            <a:off x="7260022" y="2794541"/>
-            <a:ext cx="434402" cy="641172"/>
           </a:xfrm>
           <a:prstGeom prst="bentConnector3">
             <a:avLst/>

--- a/docs/diagrams/ModelComponentClassDiagram.pptx
+++ b/docs/diagrams/ModelComponentClassDiagram.pptx
@@ -3547,7 +3547,7 @@
           <a:p>
             <a:pPr algn="ctr"/>
             <a:r>
-              <a:rPr lang="en-US" sz="1050" dirty="0" err="1">
+              <a:rPr lang="en-US" sz="1050" dirty="0">
                 <a:solidFill>
                   <a:schemeClr val="bg1"/>
                 </a:solidFill>
@@ -3606,7 +3606,7 @@
           <a:p>
             <a:pPr algn="ctr"/>
             <a:r>
-              <a:rPr lang="en-US" sz="1050" dirty="0" err="1">
+              <a:rPr lang="en-US" sz="1050" dirty="0">
                 <a:solidFill>
                   <a:schemeClr val="bg1"/>
                 </a:solidFill>
@@ -4086,7 +4086,7 @@
           <a:p>
             <a:pPr algn="ctr"/>
             <a:r>
-              <a:rPr lang="en-US" altLang="zh-CN" sz="1050" dirty="0" err="1">
+              <a:rPr lang="en-US" altLang="zh-CN" sz="1050" dirty="0">
                 <a:solidFill>
                   <a:srgbClr val="7030A0"/>
                 </a:solidFill>
@@ -4195,7 +4195,7 @@
         </p:nvSpPr>
         <p:spPr>
           <a:xfrm>
-            <a:off x="4484147" y="2586369"/>
+            <a:off x="4484147" y="2704974"/>
             <a:ext cx="1156969" cy="346760"/>
           </a:xfrm>
           <a:prstGeom prst="rect">
@@ -4228,7 +4228,7 @@
           <a:p>
             <a:pPr algn="ctr"/>
             <a:r>
-              <a:rPr lang="en-US" sz="1050" dirty="0" err="1">
+              <a:rPr lang="en-US" sz="1050" dirty="0">
                 <a:solidFill>
                   <a:srgbClr val="7030A0"/>
                 </a:solidFill>
@@ -4251,7 +4251,7 @@
         </p:nvSpPr>
         <p:spPr>
           <a:xfrm>
-            <a:off x="3984303" y="2673991"/>
+            <a:off x="3972093" y="2789757"/>
             <a:ext cx="236048" cy="173380"/>
           </a:xfrm>
           <a:prstGeom prst="flowChartDecision">
@@ -4300,9 +4300,9 @@
           <p:nvPr/>
         </p:nvCxnSpPr>
         <p:spPr>
-          <a:xfrm flipV="1">
-            <a:off x="4220351" y="2759749"/>
-            <a:ext cx="263796" cy="932"/>
+          <a:xfrm>
+            <a:off x="4208141" y="2876447"/>
+            <a:ext cx="276006" cy="1907"/>
           </a:xfrm>
           <a:prstGeom prst="bentConnector3">
             <a:avLst/>
@@ -4481,7 +4481,7 @@
         </p:nvSpPr>
         <p:spPr>
           <a:xfrm>
-            <a:off x="5163172" y="2014853"/>
+            <a:off x="5224225" y="1877973"/>
             <a:ext cx="483700" cy="346760"/>
           </a:xfrm>
           <a:prstGeom prst="rect">
@@ -4578,15 +4578,16 @@
         <p:nvCxnSpPr>
           <p:cNvPr id="69" name="Elbow Connector 68"/>
           <p:cNvCxnSpPr>
-            <a:stCxn id="68" idx="3"/>
+            <a:cxnSpLocks/>
+            <a:stCxn id="52" idx="0"/>
             <a:endCxn id="67" idx="1"/>
           </p:cNvCxnSpPr>
           <p:nvPr/>
         </p:nvCxnSpPr>
         <p:spPr>
           <a:xfrm rot="5400000" flipH="1" flipV="1">
-            <a:off x="4970343" y="2159099"/>
-            <a:ext cx="163694" cy="221963"/>
+            <a:off x="5017121" y="2096864"/>
+            <a:ext cx="252614" cy="161593"/>
           </a:xfrm>
           <a:prstGeom prst="bentConnector2">
             <a:avLst/>
@@ -4671,7 +4672,7 @@
               </a:rPr>
             </a:br>
             <a:r>
-              <a:rPr lang="en-US" sz="1050" dirty="0" err="1">
+              <a:rPr lang="en-US" sz="1050" dirty="0">
                 <a:solidFill>
                   <a:srgbClr val="7030A0"/>
                 </a:solidFill>
@@ -4970,7 +4971,7 @@
           <a:p>
             <a:pPr algn="ctr"/>
             <a:r>
-              <a:rPr lang="en-US" altLang="zh-CN" sz="1000" dirty="0" err="1">
+              <a:rPr lang="en-US" altLang="zh-CN" sz="1000" dirty="0">
                 <a:solidFill>
                   <a:srgbClr val="7030A0"/>
                 </a:solidFill>
@@ -5174,12 +5175,20 @@
               </a:rPr>
             </a:br>
             <a:r>
-              <a:rPr lang="en-US" sz="1050" dirty="0" err="1">
+              <a:rPr lang="en-US" sz="1050" dirty="0">
                 <a:solidFill>
                   <a:srgbClr val="7030A0"/>
                 </a:solidFill>
               </a:rPr>
-              <a:t>ReadOnlyTaskManager</a:t>
+              <a:t>ReadOnly</a:t>
+            </a:r>
+            <a:r>
+              <a:rPr lang="en-US" altLang="zh-CN" sz="1050" dirty="0">
+                <a:solidFill>
+                  <a:srgbClr val="7030A0"/>
+                </a:solidFill>
+              </a:rPr>
+              <a:t>Geekeep</a:t>
             </a:r>
             <a:endParaRPr lang="en-SG" sz="1050" dirty="0">
               <a:solidFill>
@@ -5284,7 +5293,7 @@
               </a:rPr>
             </a:br>
             <a:r>
-              <a:rPr lang="en-US" sz="1050" dirty="0" err="1">
+              <a:rPr lang="en-US" sz="1050" dirty="0">
                 <a:solidFill>
                   <a:srgbClr val="7030A0"/>
                 </a:solidFill>
@@ -5347,13 +5356,14 @@
           <p:cNvCxnSpPr>
             <a:cxnSpLocks/>
             <a:stCxn id="62" idx="0"/>
+            <a:endCxn id="52" idx="3"/>
           </p:cNvCxnSpPr>
           <p:nvPr/>
         </p:nvCxnSpPr>
         <p:spPr>
           <a:xfrm rot="16200000" flipV="1">
-            <a:off x="5948976" y="1885372"/>
-            <a:ext cx="404117" cy="1033473"/>
+            <a:off x="6091033" y="2027430"/>
+            <a:ext cx="126820" cy="1026654"/>
           </a:xfrm>
           <a:prstGeom prst="bentConnector2">
             <a:avLst/>
@@ -5390,7 +5400,7 @@
         </p:nvSpPr>
         <p:spPr>
           <a:xfrm>
-            <a:off x="4324972" y="3058864"/>
+            <a:off x="4328106" y="2883472"/>
             <a:ext cx="189257" cy="178683"/>
           </a:xfrm>
           <a:prstGeom prst="rect">
@@ -5429,7 +5439,7 @@
         </p:nvSpPr>
         <p:spPr>
           <a:xfrm>
-            <a:off x="5689761" y="2495413"/>
+            <a:off x="5685158" y="2308770"/>
             <a:ext cx="189257" cy="178683"/>
           </a:xfrm>
           <a:prstGeom prst="rect">
@@ -5468,7 +5478,7 @@
         </p:nvSpPr>
         <p:spPr>
           <a:xfrm>
-            <a:off x="5001907" y="1978101"/>
+            <a:off x="5062631" y="1908750"/>
             <a:ext cx="189257" cy="178683"/>
           </a:xfrm>
           <a:prstGeom prst="rect">
@@ -5624,7 +5634,277 @@
         </p:nvSpPr>
         <p:spPr>
           <a:xfrm>
-            <a:off x="6715462" y="2972814"/>
+            <a:off x="6685308" y="2967579"/>
+            <a:ext cx="189257" cy="178683"/>
+          </a:xfrm>
+          <a:prstGeom prst="rect">
+            <a:avLst/>
+          </a:prstGeom>
+          <a:noFill/>
+        </p:spPr>
+        <p:txBody>
+          <a:bodyPr wrap="square" lIns="0" tIns="0" rIns="0" bIns="0" rtlCol="0">
+            <a:noAutofit/>
+          </a:bodyPr>
+          <a:lstStyle/>
+          <a:p>
+            <a:pPr algn="ctr"/>
+            <a:r>
+              <a:rPr lang="en-US" sz="1100" dirty="0">
+                <a:solidFill>
+                  <a:srgbClr val="7030A0"/>
+                </a:solidFill>
+              </a:rPr>
+              <a:t>1</a:t>
+            </a:r>
+            <a:endParaRPr lang="en-SG" sz="1100" dirty="0">
+              <a:solidFill>
+                <a:srgbClr val="7030A0"/>
+              </a:solidFill>
+            </a:endParaRPr>
+          </a:p>
+        </p:txBody>
+      </p:sp>
+      <p:sp>
+        <p:nvSpPr>
+          <p:cNvPr id="52" name="Rectangle 8"/>
+          <p:cNvSpPr/>
+          <p:nvPr/>
+        </p:nvSpPr>
+        <p:spPr>
+          <a:xfrm>
+            <a:off x="4484147" y="2303967"/>
+            <a:ext cx="1156969" cy="346760"/>
+          </a:xfrm>
+          <a:prstGeom prst="rect">
+            <a:avLst/>
+          </a:prstGeom>
+          <a:ln w="19050">
+            <a:solidFill>
+              <a:srgbClr val="7030A0"/>
+            </a:solidFill>
+          </a:ln>
+          <a:effectLst/>
+        </p:spPr>
+        <p:style>
+          <a:lnRef idx="1">
+            <a:schemeClr val="accent4"/>
+          </a:lnRef>
+          <a:fillRef idx="2">
+            <a:schemeClr val="accent4"/>
+          </a:fillRef>
+          <a:effectRef idx="1">
+            <a:schemeClr val="accent4"/>
+          </a:effectRef>
+          <a:fontRef idx="minor">
+            <a:schemeClr val="dk1"/>
+          </a:fontRef>
+        </p:style>
+        <p:txBody>
+          <a:bodyPr rtlCol="0" anchor="ctr"/>
+          <a:lstStyle/>
+          <a:p>
+            <a:pPr algn="ctr"/>
+            <a:r>
+              <a:rPr lang="en-US" sz="1050" dirty="0">
+                <a:solidFill>
+                  <a:srgbClr val="7030A0"/>
+                </a:solidFill>
+              </a:rPr>
+              <a:t>UniqueT</a:t>
+            </a:r>
+            <a:r>
+              <a:rPr lang="en-US" altLang="zh-CN" sz="1050" dirty="0">
+                <a:solidFill>
+                  <a:srgbClr val="7030A0"/>
+                </a:solidFill>
+              </a:rPr>
+              <a:t>ag</a:t>
+            </a:r>
+            <a:r>
+              <a:rPr lang="en-US" sz="1050" dirty="0">
+                <a:solidFill>
+                  <a:srgbClr val="7030A0"/>
+                </a:solidFill>
+              </a:rPr>
+              <a:t>List</a:t>
+            </a:r>
+            <a:endParaRPr lang="en-SG" sz="1050" dirty="0">
+              <a:solidFill>
+                <a:srgbClr val="7030A0"/>
+              </a:solidFill>
+            </a:endParaRPr>
+          </a:p>
+        </p:txBody>
+      </p:sp>
+      <p:cxnSp>
+        <p:nvCxnSpPr>
+          <p:cNvPr id="55" name="Elbow Connector 29"/>
+          <p:cNvCxnSpPr>
+            <a:cxnSpLocks/>
+            <a:stCxn id="51" idx="3"/>
+            <a:endCxn id="52" idx="1"/>
+          </p:cNvCxnSpPr>
+          <p:nvPr/>
+        </p:nvCxnSpPr>
+        <p:spPr>
+          <a:xfrm flipV="1">
+            <a:off x="4208141" y="2477347"/>
+            <a:ext cx="276006" cy="399100"/>
+          </a:xfrm>
+          <a:prstGeom prst="bentConnector3">
+            <a:avLst/>
+          </a:prstGeom>
+          <a:ln w="19050">
+            <a:solidFill>
+              <a:srgbClr val="7030A0"/>
+            </a:solidFill>
+            <a:headEnd type="none" w="med" len="med"/>
+            <a:tailEnd type="arrow" w="med" len="med"/>
+          </a:ln>
+          <a:effectLst/>
+        </p:spPr>
+        <p:style>
+          <a:lnRef idx="1">
+            <a:schemeClr val="accent2"/>
+          </a:lnRef>
+          <a:fillRef idx="2">
+            <a:schemeClr val="accent2"/>
+          </a:fillRef>
+          <a:effectRef idx="1">
+            <a:schemeClr val="accent2"/>
+          </a:effectRef>
+          <a:fontRef idx="minor">
+            <a:schemeClr val="dk1"/>
+          </a:fontRef>
+        </p:style>
+      </p:cxnSp>
+      <p:sp>
+        <p:nvSpPr>
+          <p:cNvPr id="73" name="TextBox 72"/>
+          <p:cNvSpPr txBox="1"/>
+          <p:nvPr/>
+        </p:nvSpPr>
+        <p:spPr>
+          <a:xfrm>
+            <a:off x="4317415" y="2256303"/>
+            <a:ext cx="189257" cy="178683"/>
+          </a:xfrm>
+          <a:prstGeom prst="rect">
+            <a:avLst/>
+          </a:prstGeom>
+          <a:noFill/>
+        </p:spPr>
+        <p:txBody>
+          <a:bodyPr wrap="square" lIns="0" tIns="0" rIns="0" bIns="0" rtlCol="0">
+            <a:noAutofit/>
+          </a:bodyPr>
+          <a:lstStyle/>
+          <a:p>
+            <a:pPr algn="ctr"/>
+            <a:r>
+              <a:rPr lang="en-US" sz="1100" dirty="0">
+                <a:solidFill>
+                  <a:srgbClr val="7030A0"/>
+                </a:solidFill>
+              </a:rPr>
+              <a:t>1</a:t>
+            </a:r>
+            <a:endParaRPr lang="en-SG" sz="1100" dirty="0">
+              <a:solidFill>
+                <a:srgbClr val="7030A0"/>
+              </a:solidFill>
+            </a:endParaRPr>
+          </a:p>
+        </p:txBody>
+      </p:sp>
+      <p:sp>
+        <p:nvSpPr>
+          <p:cNvPr id="74" name="TextBox 73"/>
+          <p:cNvSpPr txBox="1"/>
+          <p:nvPr/>
+        </p:nvSpPr>
+        <p:spPr>
+          <a:xfrm>
+            <a:off x="7535420" y="3143465"/>
+            <a:ext cx="189257" cy="178683"/>
+          </a:xfrm>
+          <a:prstGeom prst="rect">
+            <a:avLst/>
+          </a:prstGeom>
+          <a:noFill/>
+        </p:spPr>
+        <p:txBody>
+          <a:bodyPr wrap="square" lIns="0" tIns="0" rIns="0" bIns="0" rtlCol="0">
+            <a:noAutofit/>
+          </a:bodyPr>
+          <a:lstStyle/>
+          <a:p>
+            <a:pPr algn="ctr"/>
+            <a:r>
+              <a:rPr lang="en-US" sz="1100" dirty="0">
+                <a:solidFill>
+                  <a:srgbClr val="7030A0"/>
+                </a:solidFill>
+              </a:rPr>
+              <a:t>2</a:t>
+            </a:r>
+            <a:endParaRPr lang="en-SG" sz="1100" dirty="0">
+              <a:solidFill>
+                <a:srgbClr val="7030A0"/>
+              </a:solidFill>
+            </a:endParaRPr>
+          </a:p>
+        </p:txBody>
+      </p:sp>
+      <p:sp>
+        <p:nvSpPr>
+          <p:cNvPr id="77" name="TextBox 76"/>
+          <p:cNvSpPr txBox="1"/>
+          <p:nvPr/>
+        </p:nvSpPr>
+        <p:spPr>
+          <a:xfrm>
+            <a:off x="7550850" y="2799926"/>
+            <a:ext cx="189257" cy="178683"/>
+          </a:xfrm>
+          <a:prstGeom prst="rect">
+            <a:avLst/>
+          </a:prstGeom>
+          <a:noFill/>
+        </p:spPr>
+        <p:txBody>
+          <a:bodyPr wrap="square" lIns="0" tIns="0" rIns="0" bIns="0" rtlCol="0">
+            <a:noAutofit/>
+          </a:bodyPr>
+          <a:lstStyle/>
+          <a:p>
+            <a:pPr algn="ctr"/>
+            <a:r>
+              <a:rPr lang="en-US" sz="1100" dirty="0">
+                <a:solidFill>
+                  <a:srgbClr val="7030A0"/>
+                </a:solidFill>
+              </a:rPr>
+              <a:t>1</a:t>
+            </a:r>
+            <a:endParaRPr lang="en-SG" sz="1100" dirty="0">
+              <a:solidFill>
+                <a:srgbClr val="7030A0"/>
+              </a:solidFill>
+            </a:endParaRPr>
+          </a:p>
+        </p:txBody>
+      </p:sp>
+      <p:sp>
+        <p:nvSpPr>
+          <p:cNvPr id="82" name="TextBox 81"/>
+          <p:cNvSpPr txBox="1"/>
+          <p:nvPr/>
+        </p:nvSpPr>
+        <p:spPr>
+          <a:xfrm>
+            <a:off x="7550850" y="2481600"/>
             <a:ext cx="189257" cy="178683"/>
           </a:xfrm>
           <a:prstGeom prst="rect">

--- a/docs/diagrams/ModelComponentClassDiagram.pptx
+++ b/docs/diagrams/ModelComponentClassDiagram.pptx
@@ -107,6 +107,22 @@
       </a:defRPr>
     </a:lvl9pPr>
   </p:defaultTextStyle>
+  <p:extLst>
+    <p:ext uri="{EFAFB233-063F-42B5-8137-9DF3F51BA10A}">
+      <p15:sldGuideLst xmlns:p15="http://schemas.microsoft.com/office/powerpoint/2012/main">
+        <p15:guide id="1" orient="horz" pos="1488">
+          <p15:clr>
+            <a:srgbClr val="A4A3A4"/>
+          </p15:clr>
+        </p15:guide>
+        <p15:guide id="2" pos="2880">
+          <p15:clr>
+            <a:srgbClr val="A4A3A4"/>
+          </p15:clr>
+        </p15:guide>
+      </p15:sldGuideLst>
+    </p:ext>
+  </p:extLst>
 </p:presentation>
 </file>
 
@@ -192,7 +208,7 @@
           <a:p>
             <a:fld id="{F5CC4B3F-88C1-4FFA-B1B6-F41C21DC6924}" type="datetimeFigureOut">
               <a:rPr lang="en-US" smtClean="0"/>
-              <a:t>11/19/2016</a:t>
+              <a:t>4/10/2017</a:t>
             </a:fld>
             <a:endParaRPr lang="en-US"/>
           </a:p>
@@ -256,38 +272,37 @@
           <a:p>
             <a:pPr lvl="0"/>
             <a:r>
-              <a:rPr lang="en-US" smtClean="0"/>
+              <a:rPr lang="en-US"/>
               <a:t>Click to edit Master text styles</a:t>
             </a:r>
           </a:p>
           <a:p>
             <a:pPr lvl="1"/>
             <a:r>
-              <a:rPr lang="en-US" smtClean="0"/>
+              <a:rPr lang="en-US"/>
               <a:t>Second level</a:t>
             </a:r>
           </a:p>
           <a:p>
             <a:pPr lvl="2"/>
             <a:r>
-              <a:rPr lang="en-US" smtClean="0"/>
+              <a:rPr lang="en-US"/>
               <a:t>Third level</a:t>
             </a:r>
           </a:p>
           <a:p>
             <a:pPr lvl="3"/>
             <a:r>
-              <a:rPr lang="en-US" smtClean="0"/>
+              <a:rPr lang="en-US"/>
               <a:t>Fourth level</a:t>
             </a:r>
           </a:p>
           <a:p>
             <a:pPr lvl="4"/>
             <a:r>
-              <a:rPr lang="en-US" smtClean="0"/>
+              <a:rPr lang="en-US"/>
               <a:t>Fifth level</a:t>
             </a:r>
-            <a:endParaRPr lang="en-US"/>
           </a:p>
         </p:txBody>
       </p:sp>
@@ -498,10 +513,9 @@
           <a:lstStyle/>
           <a:p>
             <a:r>
-              <a:rPr lang="en-US" smtClean="0"/>
+              <a:rPr lang="en-US"/>
               <a:t>Click to edit Master title style</a:t>
             </a:r>
-            <a:endParaRPr lang="en-US"/>
           </a:p>
         </p:txBody>
       </p:sp>
@@ -617,10 +631,9 @@
           </a:lstStyle>
           <a:p>
             <a:r>
-              <a:rPr lang="en-US" smtClean="0"/>
+              <a:rPr lang="en-US"/>
               <a:t>Click to edit Master subtitle style</a:t>
             </a:r>
-            <a:endParaRPr lang="en-US"/>
           </a:p>
         </p:txBody>
       </p:sp>
@@ -641,7 +654,7 @@
           <a:p>
             <a:fld id="{78C97017-6FC3-485B-9764-EAC9E56C1D49}" type="datetimeFigureOut">
               <a:rPr lang="en-US" smtClean="0"/>
-              <a:t>11/19/2016</a:t>
+              <a:t>4/10/2017</a:t>
             </a:fld>
             <a:endParaRPr lang="en-US"/>
           </a:p>
@@ -735,10 +748,9 @@
           <a:lstStyle/>
           <a:p>
             <a:r>
-              <a:rPr lang="en-US" smtClean="0"/>
+              <a:rPr lang="en-US"/>
               <a:t>Click to edit Master title style</a:t>
             </a:r>
-            <a:endParaRPr lang="en-US"/>
           </a:p>
         </p:txBody>
       </p:sp>
@@ -759,38 +771,37 @@
           <a:p>
             <a:pPr lvl="0"/>
             <a:r>
-              <a:rPr lang="en-US" smtClean="0"/>
+              <a:rPr lang="en-US"/>
               <a:t>Click to edit Master text styles</a:t>
             </a:r>
           </a:p>
           <a:p>
             <a:pPr lvl="1"/>
             <a:r>
-              <a:rPr lang="en-US" smtClean="0"/>
+              <a:rPr lang="en-US"/>
               <a:t>Second level</a:t>
             </a:r>
           </a:p>
           <a:p>
             <a:pPr lvl="2"/>
             <a:r>
-              <a:rPr lang="en-US" smtClean="0"/>
+              <a:rPr lang="en-US"/>
               <a:t>Third level</a:t>
             </a:r>
           </a:p>
           <a:p>
             <a:pPr lvl="3"/>
             <a:r>
-              <a:rPr lang="en-US" smtClean="0"/>
+              <a:rPr lang="en-US"/>
               <a:t>Fourth level</a:t>
             </a:r>
           </a:p>
           <a:p>
             <a:pPr lvl="4"/>
             <a:r>
-              <a:rPr lang="en-US" smtClean="0"/>
+              <a:rPr lang="en-US"/>
               <a:t>Fifth level</a:t>
             </a:r>
-            <a:endParaRPr lang="en-US"/>
           </a:p>
         </p:txBody>
       </p:sp>
@@ -811,7 +822,7 @@
           <a:p>
             <a:fld id="{78C97017-6FC3-485B-9764-EAC9E56C1D49}" type="datetimeFigureOut">
               <a:rPr lang="en-US" smtClean="0"/>
-              <a:t>11/19/2016</a:t>
+              <a:t>4/10/2017</a:t>
             </a:fld>
             <a:endParaRPr lang="en-US"/>
           </a:p>
@@ -910,10 +921,9 @@
           <a:lstStyle/>
           <a:p>
             <a:r>
-              <a:rPr lang="en-US" smtClean="0"/>
+              <a:rPr lang="en-US"/>
               <a:t>Click to edit Master title style</a:t>
             </a:r>
-            <a:endParaRPr lang="en-US"/>
           </a:p>
         </p:txBody>
       </p:sp>
@@ -939,38 +949,37 @@
           <a:p>
             <a:pPr lvl="0"/>
             <a:r>
-              <a:rPr lang="en-US" smtClean="0"/>
+              <a:rPr lang="en-US"/>
               <a:t>Click to edit Master text styles</a:t>
             </a:r>
           </a:p>
           <a:p>
             <a:pPr lvl="1"/>
             <a:r>
-              <a:rPr lang="en-US" smtClean="0"/>
+              <a:rPr lang="en-US"/>
               <a:t>Second level</a:t>
             </a:r>
           </a:p>
           <a:p>
             <a:pPr lvl="2"/>
             <a:r>
-              <a:rPr lang="en-US" smtClean="0"/>
+              <a:rPr lang="en-US"/>
               <a:t>Third level</a:t>
             </a:r>
           </a:p>
           <a:p>
             <a:pPr lvl="3"/>
             <a:r>
-              <a:rPr lang="en-US" smtClean="0"/>
+              <a:rPr lang="en-US"/>
               <a:t>Fourth level</a:t>
             </a:r>
           </a:p>
           <a:p>
             <a:pPr lvl="4"/>
             <a:r>
-              <a:rPr lang="en-US" smtClean="0"/>
+              <a:rPr lang="en-US"/>
               <a:t>Fifth level</a:t>
             </a:r>
-            <a:endParaRPr lang="en-US"/>
           </a:p>
         </p:txBody>
       </p:sp>
@@ -991,7 +1000,7 @@
           <a:p>
             <a:fld id="{78C97017-6FC3-485B-9764-EAC9E56C1D49}" type="datetimeFigureOut">
               <a:rPr lang="en-US" smtClean="0"/>
-              <a:t>11/19/2016</a:t>
+              <a:t>4/10/2017</a:t>
             </a:fld>
             <a:endParaRPr lang="en-US"/>
           </a:p>
@@ -1085,10 +1094,9 @@
           <a:lstStyle/>
           <a:p>
             <a:r>
-              <a:rPr lang="en-US" smtClean="0"/>
+              <a:rPr lang="en-US"/>
               <a:t>Click to edit Master title style</a:t>
             </a:r>
-            <a:endParaRPr lang="en-US"/>
           </a:p>
         </p:txBody>
       </p:sp>
@@ -1109,38 +1117,37 @@
           <a:p>
             <a:pPr lvl="0"/>
             <a:r>
-              <a:rPr lang="en-US" smtClean="0"/>
+              <a:rPr lang="en-US"/>
               <a:t>Click to edit Master text styles</a:t>
             </a:r>
           </a:p>
           <a:p>
             <a:pPr lvl="1"/>
             <a:r>
-              <a:rPr lang="en-US" smtClean="0"/>
+              <a:rPr lang="en-US"/>
               <a:t>Second level</a:t>
             </a:r>
           </a:p>
           <a:p>
             <a:pPr lvl="2"/>
             <a:r>
-              <a:rPr lang="en-US" smtClean="0"/>
+              <a:rPr lang="en-US"/>
               <a:t>Third level</a:t>
             </a:r>
           </a:p>
           <a:p>
             <a:pPr lvl="3"/>
             <a:r>
-              <a:rPr lang="en-US" smtClean="0"/>
+              <a:rPr lang="en-US"/>
               <a:t>Fourth level</a:t>
             </a:r>
           </a:p>
           <a:p>
             <a:pPr lvl="4"/>
             <a:r>
-              <a:rPr lang="en-US" smtClean="0"/>
+              <a:rPr lang="en-US"/>
               <a:t>Fifth level</a:t>
             </a:r>
-            <a:endParaRPr lang="en-US"/>
           </a:p>
         </p:txBody>
       </p:sp>
@@ -1161,7 +1168,7 @@
           <a:p>
             <a:fld id="{78C97017-6FC3-485B-9764-EAC9E56C1D49}" type="datetimeFigureOut">
               <a:rPr lang="en-US" smtClean="0"/>
-              <a:t>11/19/2016</a:t>
+              <a:t>4/10/2017</a:t>
             </a:fld>
             <a:endParaRPr lang="en-US"/>
           </a:p>
@@ -1264,10 +1271,9 @@
           </a:lstStyle>
           <a:p>
             <a:r>
-              <a:rPr lang="en-US" smtClean="0"/>
+              <a:rPr lang="en-US"/>
               <a:t>Click to edit Master title style</a:t>
             </a:r>
-            <a:endParaRPr lang="en-US"/>
           </a:p>
         </p:txBody>
       </p:sp>
@@ -1384,7 +1390,7 @@
           <a:p>
             <a:pPr lvl="0"/>
             <a:r>
-              <a:rPr lang="en-US" smtClean="0"/>
+              <a:rPr lang="en-US"/>
               <a:t>Click to edit Master text styles</a:t>
             </a:r>
           </a:p>
@@ -1407,7 +1413,7 @@
           <a:p>
             <a:fld id="{78C97017-6FC3-485B-9764-EAC9E56C1D49}" type="datetimeFigureOut">
               <a:rPr lang="en-US" smtClean="0"/>
-              <a:t>11/19/2016</a:t>
+              <a:t>4/10/2017</a:t>
             </a:fld>
             <a:endParaRPr lang="en-US"/>
           </a:p>
@@ -1501,10 +1507,9 @@
           <a:lstStyle/>
           <a:p>
             <a:r>
-              <a:rPr lang="en-US" smtClean="0"/>
+              <a:rPr lang="en-US"/>
               <a:t>Click to edit Master title style</a:t>
             </a:r>
-            <a:endParaRPr lang="en-US"/>
           </a:p>
         </p:txBody>
       </p:sp>
@@ -1558,38 +1563,37 @@
           <a:p>
             <a:pPr lvl="0"/>
             <a:r>
-              <a:rPr lang="en-US" smtClean="0"/>
+              <a:rPr lang="en-US"/>
               <a:t>Click to edit Master text styles</a:t>
             </a:r>
           </a:p>
           <a:p>
             <a:pPr lvl="1"/>
             <a:r>
-              <a:rPr lang="en-US" smtClean="0"/>
+              <a:rPr lang="en-US"/>
               <a:t>Second level</a:t>
             </a:r>
           </a:p>
           <a:p>
             <a:pPr lvl="2"/>
             <a:r>
-              <a:rPr lang="en-US" smtClean="0"/>
+              <a:rPr lang="en-US"/>
               <a:t>Third level</a:t>
             </a:r>
           </a:p>
           <a:p>
             <a:pPr lvl="3"/>
             <a:r>
-              <a:rPr lang="en-US" smtClean="0"/>
+              <a:rPr lang="en-US"/>
               <a:t>Fourth level</a:t>
             </a:r>
           </a:p>
           <a:p>
             <a:pPr lvl="4"/>
             <a:r>
-              <a:rPr lang="en-US" smtClean="0"/>
+              <a:rPr lang="en-US"/>
               <a:t>Fifth level</a:t>
             </a:r>
-            <a:endParaRPr lang="en-US"/>
           </a:p>
         </p:txBody>
       </p:sp>
@@ -1643,38 +1647,37 @@
           <a:p>
             <a:pPr lvl="0"/>
             <a:r>
-              <a:rPr lang="en-US" smtClean="0"/>
+              <a:rPr lang="en-US"/>
               <a:t>Click to edit Master text styles</a:t>
             </a:r>
           </a:p>
           <a:p>
             <a:pPr lvl="1"/>
             <a:r>
-              <a:rPr lang="en-US" smtClean="0"/>
+              <a:rPr lang="en-US"/>
               <a:t>Second level</a:t>
             </a:r>
           </a:p>
           <a:p>
             <a:pPr lvl="2"/>
             <a:r>
-              <a:rPr lang="en-US" smtClean="0"/>
+              <a:rPr lang="en-US"/>
               <a:t>Third level</a:t>
             </a:r>
           </a:p>
           <a:p>
             <a:pPr lvl="3"/>
             <a:r>
-              <a:rPr lang="en-US" smtClean="0"/>
+              <a:rPr lang="en-US"/>
               <a:t>Fourth level</a:t>
             </a:r>
           </a:p>
           <a:p>
             <a:pPr lvl="4"/>
             <a:r>
-              <a:rPr lang="en-US" smtClean="0"/>
+              <a:rPr lang="en-US"/>
               <a:t>Fifth level</a:t>
             </a:r>
-            <a:endParaRPr lang="en-US"/>
           </a:p>
         </p:txBody>
       </p:sp>
@@ -1695,7 +1698,7 @@
           <a:p>
             <a:fld id="{78C97017-6FC3-485B-9764-EAC9E56C1D49}" type="datetimeFigureOut">
               <a:rPr lang="en-US" smtClean="0"/>
-              <a:t>11/19/2016</a:t>
+              <a:t>4/10/2017</a:t>
             </a:fld>
             <a:endParaRPr lang="en-US"/>
           </a:p>
@@ -1793,10 +1796,9 @@
           </a:lstStyle>
           <a:p>
             <a:r>
-              <a:rPr lang="en-US" smtClean="0"/>
+              <a:rPr lang="en-US"/>
               <a:t>Click to edit Master title style</a:t>
             </a:r>
-            <a:endParaRPr lang="en-US"/>
           </a:p>
         </p:txBody>
       </p:sp>
@@ -1859,7 +1861,7 @@
           <a:p>
             <a:pPr lvl="0"/>
             <a:r>
-              <a:rPr lang="en-US" smtClean="0"/>
+              <a:rPr lang="en-US"/>
               <a:t>Click to edit Master text styles</a:t>
             </a:r>
           </a:p>
@@ -1915,38 +1917,37 @@
           <a:p>
             <a:pPr lvl="0"/>
             <a:r>
-              <a:rPr lang="en-US" smtClean="0"/>
+              <a:rPr lang="en-US"/>
               <a:t>Click to edit Master text styles</a:t>
             </a:r>
           </a:p>
           <a:p>
             <a:pPr lvl="1"/>
             <a:r>
-              <a:rPr lang="en-US" smtClean="0"/>
+              <a:rPr lang="en-US"/>
               <a:t>Second level</a:t>
             </a:r>
           </a:p>
           <a:p>
             <a:pPr lvl="2"/>
             <a:r>
-              <a:rPr lang="en-US" smtClean="0"/>
+              <a:rPr lang="en-US"/>
               <a:t>Third level</a:t>
             </a:r>
           </a:p>
           <a:p>
             <a:pPr lvl="3"/>
             <a:r>
-              <a:rPr lang="en-US" smtClean="0"/>
+              <a:rPr lang="en-US"/>
               <a:t>Fourth level</a:t>
             </a:r>
           </a:p>
           <a:p>
             <a:pPr lvl="4"/>
             <a:r>
-              <a:rPr lang="en-US" smtClean="0"/>
+              <a:rPr lang="en-US"/>
               <a:t>Fifth level</a:t>
             </a:r>
-            <a:endParaRPr lang="en-US"/>
           </a:p>
         </p:txBody>
       </p:sp>
@@ -2009,7 +2010,7 @@
           <a:p>
             <a:pPr lvl="0"/>
             <a:r>
-              <a:rPr lang="en-US" smtClean="0"/>
+              <a:rPr lang="en-US"/>
               <a:t>Click to edit Master text styles</a:t>
             </a:r>
           </a:p>
@@ -2065,38 +2066,37 @@
           <a:p>
             <a:pPr lvl="0"/>
             <a:r>
-              <a:rPr lang="en-US" smtClean="0"/>
+              <a:rPr lang="en-US"/>
               <a:t>Click to edit Master text styles</a:t>
             </a:r>
           </a:p>
           <a:p>
             <a:pPr lvl="1"/>
             <a:r>
-              <a:rPr lang="en-US" smtClean="0"/>
+              <a:rPr lang="en-US"/>
               <a:t>Second level</a:t>
             </a:r>
           </a:p>
           <a:p>
             <a:pPr lvl="2"/>
             <a:r>
-              <a:rPr lang="en-US" smtClean="0"/>
+              <a:rPr lang="en-US"/>
               <a:t>Third level</a:t>
             </a:r>
           </a:p>
           <a:p>
             <a:pPr lvl="3"/>
             <a:r>
-              <a:rPr lang="en-US" smtClean="0"/>
+              <a:rPr lang="en-US"/>
               <a:t>Fourth level</a:t>
             </a:r>
           </a:p>
           <a:p>
             <a:pPr lvl="4"/>
             <a:r>
-              <a:rPr lang="en-US" smtClean="0"/>
+              <a:rPr lang="en-US"/>
               <a:t>Fifth level</a:t>
             </a:r>
-            <a:endParaRPr lang="en-US"/>
           </a:p>
         </p:txBody>
       </p:sp>
@@ -2117,7 +2117,7 @@
           <a:p>
             <a:fld id="{78C97017-6FC3-485B-9764-EAC9E56C1D49}" type="datetimeFigureOut">
               <a:rPr lang="en-US" smtClean="0"/>
-              <a:t>11/19/2016</a:t>
+              <a:t>4/10/2017</a:t>
             </a:fld>
             <a:endParaRPr lang="en-US"/>
           </a:p>
@@ -2211,10 +2211,9 @@
           <a:lstStyle/>
           <a:p>
             <a:r>
-              <a:rPr lang="en-US" smtClean="0"/>
+              <a:rPr lang="en-US"/>
               <a:t>Click to edit Master title style</a:t>
             </a:r>
-            <a:endParaRPr lang="en-US"/>
           </a:p>
         </p:txBody>
       </p:sp>
@@ -2235,7 +2234,7 @@
           <a:p>
             <a:fld id="{78C97017-6FC3-485B-9764-EAC9E56C1D49}" type="datetimeFigureOut">
               <a:rPr lang="en-US" smtClean="0"/>
-              <a:t>11/19/2016</a:t>
+              <a:t>4/10/2017</a:t>
             </a:fld>
             <a:endParaRPr lang="en-US"/>
           </a:p>
@@ -2330,7 +2329,7 @@
           <a:p>
             <a:fld id="{78C97017-6FC3-485B-9764-EAC9E56C1D49}" type="datetimeFigureOut">
               <a:rPr lang="en-US" smtClean="0"/>
-              <a:t>11/19/2016</a:t>
+              <a:t>4/10/2017</a:t>
             </a:fld>
             <a:endParaRPr lang="en-US"/>
           </a:p>
@@ -2433,10 +2432,9 @@
           </a:lstStyle>
           <a:p>
             <a:r>
-              <a:rPr lang="en-US" smtClean="0"/>
+              <a:rPr lang="en-US"/>
               <a:t>Click to edit Master title style</a:t>
             </a:r>
-            <a:endParaRPr lang="en-US"/>
           </a:p>
         </p:txBody>
       </p:sp>
@@ -2490,38 +2488,37 @@
           <a:p>
             <a:pPr lvl="0"/>
             <a:r>
-              <a:rPr lang="en-US" smtClean="0"/>
+              <a:rPr lang="en-US"/>
               <a:t>Click to edit Master text styles</a:t>
             </a:r>
           </a:p>
           <a:p>
             <a:pPr lvl="1"/>
             <a:r>
-              <a:rPr lang="en-US" smtClean="0"/>
+              <a:rPr lang="en-US"/>
               <a:t>Second level</a:t>
             </a:r>
           </a:p>
           <a:p>
             <a:pPr lvl="2"/>
             <a:r>
-              <a:rPr lang="en-US" smtClean="0"/>
+              <a:rPr lang="en-US"/>
               <a:t>Third level</a:t>
             </a:r>
           </a:p>
           <a:p>
             <a:pPr lvl="3"/>
             <a:r>
-              <a:rPr lang="en-US" smtClean="0"/>
+              <a:rPr lang="en-US"/>
               <a:t>Fourth level</a:t>
             </a:r>
           </a:p>
           <a:p>
             <a:pPr lvl="4"/>
             <a:r>
-              <a:rPr lang="en-US" smtClean="0"/>
+              <a:rPr lang="en-US"/>
               <a:t>Fifth level</a:t>
             </a:r>
-            <a:endParaRPr lang="en-US"/>
           </a:p>
         </p:txBody>
       </p:sp>
@@ -2584,7 +2581,7 @@
           <a:p>
             <a:pPr lvl="0"/>
             <a:r>
-              <a:rPr lang="en-US" smtClean="0"/>
+              <a:rPr lang="en-US"/>
               <a:t>Click to edit Master text styles</a:t>
             </a:r>
           </a:p>
@@ -2607,7 +2604,7 @@
           <a:p>
             <a:fld id="{78C97017-6FC3-485B-9764-EAC9E56C1D49}" type="datetimeFigureOut">
               <a:rPr lang="en-US" smtClean="0"/>
-              <a:t>11/19/2016</a:t>
+              <a:t>4/10/2017</a:t>
             </a:fld>
             <a:endParaRPr lang="en-US"/>
           </a:p>
@@ -2710,10 +2707,9 @@
           </a:lstStyle>
           <a:p>
             <a:r>
-              <a:rPr lang="en-US" smtClean="0"/>
+              <a:rPr lang="en-US"/>
               <a:t>Click to edit Master title style</a:t>
             </a:r>
-            <a:endParaRPr lang="en-US"/>
           </a:p>
         </p:txBody>
       </p:sp>
@@ -2837,7 +2833,7 @@
           <a:p>
             <a:pPr lvl="0"/>
             <a:r>
-              <a:rPr lang="en-US" smtClean="0"/>
+              <a:rPr lang="en-US"/>
               <a:t>Click to edit Master text styles</a:t>
             </a:r>
           </a:p>
@@ -2860,7 +2856,7 @@
           <a:p>
             <a:fld id="{78C97017-6FC3-485B-9764-EAC9E56C1D49}" type="datetimeFigureOut">
               <a:rPr lang="en-US" smtClean="0"/>
-              <a:t>11/19/2016</a:t>
+              <a:t>4/10/2017</a:t>
             </a:fld>
             <a:endParaRPr lang="en-US"/>
           </a:p>
@@ -2969,10 +2965,9 @@
           <a:lstStyle/>
           <a:p>
             <a:r>
-              <a:rPr lang="en-US" smtClean="0"/>
+              <a:rPr lang="en-US"/>
               <a:t>Click to edit Master title style</a:t>
             </a:r>
-            <a:endParaRPr lang="en-US"/>
           </a:p>
         </p:txBody>
       </p:sp>
@@ -3003,38 +2998,37 @@
           <a:p>
             <a:pPr lvl="0"/>
             <a:r>
-              <a:rPr lang="en-US" smtClean="0"/>
+              <a:rPr lang="en-US"/>
               <a:t>Click to edit Master text styles</a:t>
             </a:r>
           </a:p>
           <a:p>
             <a:pPr lvl="1"/>
             <a:r>
-              <a:rPr lang="en-US" smtClean="0"/>
+              <a:rPr lang="en-US"/>
               <a:t>Second level</a:t>
             </a:r>
           </a:p>
           <a:p>
             <a:pPr lvl="2"/>
             <a:r>
-              <a:rPr lang="en-US" smtClean="0"/>
+              <a:rPr lang="en-US"/>
               <a:t>Third level</a:t>
             </a:r>
           </a:p>
           <a:p>
             <a:pPr lvl="3"/>
             <a:r>
-              <a:rPr lang="en-US" smtClean="0"/>
+              <a:rPr lang="en-US"/>
               <a:t>Fourth level</a:t>
             </a:r>
           </a:p>
           <a:p>
             <a:pPr lvl="4"/>
             <a:r>
-              <a:rPr lang="en-US" smtClean="0"/>
+              <a:rPr lang="en-US"/>
               <a:t>Fifth level</a:t>
             </a:r>
-            <a:endParaRPr lang="en-US"/>
           </a:p>
         </p:txBody>
       </p:sp>
@@ -3073,7 +3067,7 @@
           <a:p>
             <a:fld id="{78C97017-6FC3-485B-9764-EAC9E56C1D49}" type="datetimeFigureOut">
               <a:rPr lang="en-US" smtClean="0"/>
-              <a:t>11/19/2016</a:t>
+              <a:t>4/10/2017</a:t>
             </a:fld>
             <a:endParaRPr lang="en-US"/>
           </a:p>
@@ -3494,7 +3488,7 @@
           <a:lstStyle/>
           <a:p>
             <a:r>
-              <a:rPr lang="en-US" sz="1200" b="1" dirty="0" smtClean="0">
+              <a:rPr lang="en-US" sz="1200" b="1" dirty="0">
                 <a:solidFill>
                   <a:srgbClr val="7030A0"/>
                 </a:solidFill>
@@ -3553,7 +3547,7 @@
           <a:p>
             <a:pPr algn="ctr"/>
             <a:r>
-              <a:rPr lang="en-US" sz="1050" dirty="0" err="1" smtClean="0">
+              <a:rPr lang="en-US" sz="1050" dirty="0" err="1">
                 <a:solidFill>
                   <a:schemeClr val="bg1"/>
                 </a:solidFill>
@@ -3612,7 +3606,7 @@
           <a:p>
             <a:pPr algn="ctr"/>
             <a:r>
-              <a:rPr lang="en-US" sz="1050" dirty="0" err="1" smtClean="0">
+              <a:rPr lang="en-US" sz="1050" dirty="0" err="1">
                 <a:solidFill>
                   <a:schemeClr val="bg1"/>
                 </a:solidFill>
@@ -3767,7 +3761,7 @@
           <a:p>
             <a:pPr algn="ctr"/>
             <a:r>
-              <a:rPr lang="en-US" sz="1050" dirty="0" smtClean="0">
+              <a:rPr lang="en-US" sz="1050" dirty="0">
                 <a:solidFill>
                   <a:schemeClr val="bg1"/>
                 </a:solidFill>
@@ -4091,12 +4085,12 @@
           <a:p>
             <a:pPr algn="ctr"/>
             <a:r>
-              <a:rPr lang="en-US" sz="1050" dirty="0" err="1" smtClean="0">
+              <a:rPr lang="en-US" sz="1050" dirty="0" err="1">
                 <a:solidFill>
                   <a:srgbClr val="7030A0"/>
                 </a:solidFill>
               </a:rPr>
-              <a:t>AddressBook</a:t>
+              <a:t>TaskManager</a:t>
             </a:r>
             <a:endParaRPr lang="en-SG" sz="1050" dirty="0">
               <a:solidFill>
@@ -4233,12 +4227,12 @@
           <a:p>
             <a:pPr algn="ctr"/>
             <a:r>
-              <a:rPr lang="en-US" sz="1050" dirty="0" err="1" smtClean="0">
+              <a:rPr lang="en-US" sz="1050" dirty="0" err="1">
                 <a:solidFill>
                   <a:srgbClr val="7030A0"/>
                 </a:solidFill>
               </a:rPr>
-              <a:t>UniquePersonList</a:t>
+              <a:t>UniqueTaskList</a:t>
             </a:r>
             <a:endParaRPr lang="en-SG" sz="1050" dirty="0">
               <a:solidFill>
@@ -4372,19 +4366,19 @@
           </a:fontRef>
         </p:style>
         <p:txBody>
-          <a:bodyPr rtlCol="0" anchor="ctr"/>
+          <a:bodyPr lIns="72000" rIns="72000" rtlCol="0" anchor="ctr"/>
           <a:lstStyle/>
           <a:p>
             <a:pPr algn="ctr"/>
             <a:r>
-              <a:rPr lang="en-US" sz="1050" dirty="0" err="1" smtClean="0">
+              <a:rPr lang="en-US" sz="1000" dirty="0" err="1">
                 <a:solidFill>
                   <a:srgbClr val="7030A0"/>
                 </a:solidFill>
               </a:rPr>
-              <a:t>UniqueTagList</a:t>
-            </a:r>
-            <a:endParaRPr lang="en-SG" sz="1050" dirty="0">
+              <a:t>UniqueCategoryList</a:t>
+            </a:r>
+            <a:endParaRPr lang="en-SG" sz="1000" dirty="0">
               <a:solidFill>
                 <a:srgbClr val="7030A0"/>
               </a:solidFill>
@@ -4476,12 +4470,12 @@
           <a:p>
             <a:pPr algn="ctr"/>
             <a:r>
-              <a:rPr lang="en-US" sz="1050" dirty="0" smtClean="0">
+              <a:rPr lang="en-US" sz="1050" dirty="0">
                 <a:solidFill>
                   <a:srgbClr val="7030A0"/>
                 </a:solidFill>
               </a:rPr>
-              <a:t>Person</a:t>
+              <a:t>Task</a:t>
             </a:r>
             <a:endParaRPr lang="en-SG" sz="1050" dirty="0">
               <a:solidFill>
@@ -4586,7 +4580,7 @@
         <p:spPr>
           <a:xfrm>
             <a:off x="5336105" y="1809332"/>
-            <a:ext cx="483700" cy="346760"/>
+            <a:ext cx="683695" cy="346760"/>
           </a:xfrm>
           <a:prstGeom prst="rect">
             <a:avLst/>
@@ -4618,12 +4612,12 @@
           <a:p>
             <a:pPr algn="ctr"/>
             <a:r>
-              <a:rPr lang="en-US" sz="1050" dirty="0" smtClean="0">
+              <a:rPr lang="en-US" sz="1050" dirty="0">
                 <a:solidFill>
                   <a:srgbClr val="7030A0"/>
                 </a:solidFill>
               </a:rPr>
-              <a:t>Tag</a:t>
+              <a:t>Category</a:t>
             </a:r>
             <a:endParaRPr lang="en-SG" sz="1050" dirty="0">
               <a:solidFill>
@@ -4760,7 +4754,7 @@
           <a:p>
             <a:pPr algn="ctr"/>
             <a:r>
-              <a:rPr lang="en-US" sz="1050" dirty="0" smtClean="0">
+              <a:rPr lang="en-US" sz="1050" dirty="0">
                 <a:solidFill>
                   <a:srgbClr val="7030A0"/>
                 </a:solidFill>
@@ -4768,19 +4762,19 @@
               <a:t>&lt;&lt;interface&gt;&gt;</a:t>
             </a:r>
             <a:br>
-              <a:rPr lang="en-US" sz="1050" dirty="0" smtClean="0">
+              <a:rPr lang="en-US" sz="1050" dirty="0">
                 <a:solidFill>
                   <a:srgbClr val="7030A0"/>
                 </a:solidFill>
               </a:rPr>
             </a:br>
             <a:r>
-              <a:rPr lang="en-US" sz="1050" dirty="0" err="1" smtClean="0">
+              <a:rPr lang="en-US" sz="1050" dirty="0" err="1">
                 <a:solidFill>
                   <a:srgbClr val="7030A0"/>
                 </a:solidFill>
               </a:rPr>
-              <a:t>ReadOnlyPerson</a:t>
+              <a:t>ReadOnlyTask</a:t>
             </a:r>
             <a:endParaRPr lang="en-SG" sz="1050" dirty="0">
               <a:solidFill>
@@ -4826,17 +4820,17 @@
           </a:fontRef>
         </p:style>
         <p:txBody>
-          <a:bodyPr rtlCol="0" anchor="ctr"/>
+          <a:bodyPr lIns="72000" rIns="72000" rtlCol="0" anchor="ctr"/>
           <a:lstStyle/>
           <a:p>
             <a:pPr algn="ctr"/>
             <a:r>
-              <a:rPr lang="en-US" sz="1050" dirty="0" smtClean="0">
+              <a:rPr lang="en-US" sz="1050" dirty="0">
                 <a:solidFill>
                   <a:srgbClr val="7030A0"/>
                 </a:solidFill>
               </a:rPr>
-              <a:t>Name</a:t>
+              <a:t>Start Date</a:t>
             </a:r>
             <a:endParaRPr lang="en-SG" sz="1050" dirty="0">
               <a:solidFill>
@@ -4970,17 +4964,17 @@
           </a:fontRef>
         </p:style>
         <p:txBody>
-          <a:bodyPr rtlCol="0" anchor="ctr"/>
+          <a:bodyPr lIns="72000" rIns="72000" rtlCol="0" anchor="ctr"/>
           <a:lstStyle/>
           <a:p>
             <a:pPr algn="ctr"/>
             <a:r>
-              <a:rPr lang="en-US" sz="1050" dirty="0" smtClean="0">
+              <a:rPr lang="en-US" sz="1050" dirty="0">
                 <a:solidFill>
                   <a:srgbClr val="7030A0"/>
                 </a:solidFill>
               </a:rPr>
-              <a:t>Phone</a:t>
+              <a:t>Start Time</a:t>
             </a:r>
             <a:endParaRPr lang="en-SG" sz="1050" dirty="0">
               <a:solidFill>
@@ -5072,12 +5066,12 @@
           <a:p>
             <a:pPr algn="ctr"/>
             <a:r>
-              <a:rPr lang="en-US" sz="1050" dirty="0" smtClean="0">
+              <a:rPr lang="en-US" sz="1050" dirty="0">
                 <a:solidFill>
                   <a:srgbClr val="7030A0"/>
                 </a:solidFill>
               </a:rPr>
-              <a:t>Email</a:t>
+              <a:t>End Date</a:t>
             </a:r>
             <a:endParaRPr lang="en-SG" sz="1050" dirty="0">
               <a:solidFill>
@@ -5169,12 +5163,12 @@
           <a:p>
             <a:pPr algn="ctr"/>
             <a:r>
-              <a:rPr lang="en-US" sz="1050" dirty="0" smtClean="0">
+              <a:rPr lang="en-US" sz="1050" dirty="0">
                 <a:solidFill>
                   <a:srgbClr val="7030A0"/>
                 </a:solidFill>
               </a:rPr>
-              <a:t>Address</a:t>
+              <a:t>End Time</a:t>
             </a:r>
             <a:endParaRPr lang="en-SG" sz="1050" dirty="0">
               <a:solidFill>
@@ -5357,7 +5351,7 @@
           <a:p>
             <a:pPr algn="ctr"/>
             <a:r>
-              <a:rPr lang="en-US" sz="1050" dirty="0" smtClean="0">
+              <a:rPr lang="en-US" sz="1050" dirty="0">
                 <a:solidFill>
                   <a:srgbClr val="7030A0"/>
                 </a:solidFill>
@@ -5365,19 +5359,19 @@
               <a:t>&lt;&lt;interface&gt;&gt;</a:t>
             </a:r>
             <a:br>
-              <a:rPr lang="en-US" sz="1050" dirty="0" smtClean="0">
+              <a:rPr lang="en-US" sz="1050" dirty="0">
                 <a:solidFill>
                   <a:srgbClr val="7030A0"/>
                 </a:solidFill>
               </a:rPr>
             </a:br>
             <a:r>
-              <a:rPr lang="en-US" sz="1050" dirty="0" err="1" smtClean="0">
+              <a:rPr lang="en-US" sz="1050" dirty="0" err="1">
                 <a:solidFill>
                   <a:srgbClr val="7030A0"/>
                 </a:solidFill>
               </a:rPr>
-              <a:t>ReadOnlyAddressBook</a:t>
+              <a:t>ReadOnlyTaskManager</a:t>
             </a:r>
             <a:endParaRPr lang="en-SG" sz="1050" dirty="0">
               <a:solidFill>
@@ -5411,7 +5405,7 @@
           <a:p>
             <a:pPr algn="r"/>
             <a:r>
-              <a:rPr lang="en-US" sz="1100" dirty="0" smtClean="0">
+              <a:rPr lang="en-US" sz="1100" dirty="0">
                 <a:solidFill>
                   <a:srgbClr val="7030A0"/>
                 </a:solidFill>
@@ -5467,20 +5461,12 @@
           <a:p>
             <a:pPr algn="ctr"/>
             <a:r>
-              <a:rPr lang="en-US" sz="1050" dirty="0" smtClean="0">
+              <a:rPr lang="en-US" sz="1050" dirty="0">
                 <a:solidFill>
                   <a:srgbClr val="7030A0"/>
                 </a:solidFill>
               </a:rPr>
               <a:t>&lt;&lt;interface&gt;&gt;</a:t>
-            </a:r>
-            <a:r>
-              <a:rPr lang="en-US" sz="1050" dirty="0">
-                <a:solidFill>
-                  <a:srgbClr val="7030A0"/>
-                </a:solidFill>
-              </a:rPr>
-              <a:t/>
             </a:r>
             <a:br>
               <a:rPr lang="en-US" sz="1050" dirty="0">
@@ -5490,7 +5476,7 @@
               </a:rPr>
             </a:br>
             <a:r>
-              <a:rPr lang="en-US" sz="1050" dirty="0" err="1" smtClean="0">
+              <a:rPr lang="en-US" sz="1050" dirty="0" err="1">
                 <a:solidFill>
                   <a:srgbClr val="7030A0"/>
                 </a:solidFill>
@@ -5612,7 +5598,7 @@
           <a:p>
             <a:pPr algn="ctr"/>
             <a:r>
-              <a:rPr lang="en-US" sz="1100" dirty="0" smtClean="0">
+              <a:rPr lang="en-US" sz="1100" dirty="0">
                 <a:solidFill>
                   <a:srgbClr val="7030A0"/>
                 </a:solidFill>
@@ -5651,7 +5637,7 @@
           <a:p>
             <a:pPr algn="ctr"/>
             <a:r>
-              <a:rPr lang="en-US" sz="1100" dirty="0" smtClean="0">
+              <a:rPr lang="en-US" sz="1100" dirty="0">
                 <a:solidFill>
                   <a:srgbClr val="7030A0"/>
                 </a:solidFill>
@@ -5690,7 +5676,7 @@
           <a:p>
             <a:pPr algn="ctr"/>
             <a:r>
-              <a:rPr lang="en-US" sz="1100" dirty="0" smtClean="0">
+              <a:rPr lang="en-US" sz="1100" dirty="0">
                 <a:solidFill>
                   <a:srgbClr val="7030A0"/>
                 </a:solidFill>
@@ -5729,7 +5715,7 @@
           <a:p>
             <a:pPr algn="ctr"/>
             <a:r>
-              <a:rPr lang="en-US" sz="1100" dirty="0" smtClean="0">
+              <a:rPr lang="en-US" sz="1100" dirty="0">
                 <a:solidFill>
                   <a:srgbClr val="7030A0"/>
                 </a:solidFill>
@@ -5768,7 +5754,7 @@
           <a:p>
             <a:pPr algn="ctr"/>
             <a:r>
-              <a:rPr lang="en-US" sz="1100" dirty="0" smtClean="0">
+              <a:rPr lang="en-US" sz="1100" dirty="0">
                 <a:solidFill>
                   <a:srgbClr val="7030A0"/>
                 </a:solidFill>
@@ -5807,7 +5793,7 @@
           <a:p>
             <a:pPr algn="ctr"/>
             <a:r>
-              <a:rPr lang="en-US" sz="1100" dirty="0" smtClean="0">
+              <a:rPr lang="en-US" sz="1100" dirty="0">
                 <a:solidFill>
                   <a:srgbClr val="7030A0"/>
                 </a:solidFill>
@@ -5846,7 +5832,7 @@
           <a:p>
             <a:pPr algn="ctr"/>
             <a:r>
-              <a:rPr lang="en-US" sz="1100" dirty="0" smtClean="0">
+              <a:rPr lang="en-US" sz="1100" dirty="0">
                 <a:solidFill>
                   <a:srgbClr val="7030A0"/>
                 </a:solidFill>
@@ -5885,7 +5871,7 @@
           <a:p>
             <a:pPr algn="ctr"/>
             <a:r>
-              <a:rPr lang="en-US" sz="1100" dirty="0" smtClean="0">
+              <a:rPr lang="en-US" sz="1100" dirty="0">
                 <a:solidFill>
                   <a:srgbClr val="7030A0"/>
                 </a:solidFill>
@@ -5900,6 +5886,202 @@
           </a:p>
         </p:txBody>
       </p:sp>
+      <p:cxnSp>
+        <p:nvCxnSpPr>
+          <p:cNvPr id="73" name="Elbow Connector 78"/>
+          <p:cNvCxnSpPr>
+            <a:endCxn id="74" idx="1"/>
+          </p:cNvCxnSpPr>
+          <p:nvPr/>
+        </p:nvCxnSpPr>
+        <p:spPr>
+          <a:xfrm rot="5400000" flipH="1" flipV="1">
+            <a:off x="7280942" y="2601573"/>
+            <a:ext cx="642790" cy="214278"/>
+          </a:xfrm>
+          <a:prstGeom prst="bentConnector2">
+            <a:avLst/>
+          </a:prstGeom>
+          <a:ln w="19050">
+            <a:solidFill>
+              <a:srgbClr val="7030A0"/>
+            </a:solidFill>
+            <a:headEnd type="none" w="med" len="med"/>
+            <a:tailEnd type="arrow" w="med" len="med"/>
+          </a:ln>
+          <a:effectLst/>
+        </p:spPr>
+        <p:style>
+          <a:lnRef idx="1">
+            <a:schemeClr val="accent2"/>
+          </a:lnRef>
+          <a:fillRef idx="2">
+            <a:schemeClr val="accent2"/>
+          </a:fillRef>
+          <a:effectRef idx="1">
+            <a:schemeClr val="accent2"/>
+          </a:effectRef>
+          <a:fontRef idx="minor">
+            <a:schemeClr val="dk1"/>
+          </a:fontRef>
+        </p:style>
+      </p:cxnSp>
+      <p:sp>
+        <p:nvSpPr>
+          <p:cNvPr id="74" name="Rectangle 8"/>
+          <p:cNvSpPr/>
+          <p:nvPr/>
+        </p:nvSpPr>
+        <p:spPr>
+          <a:xfrm>
+            <a:off x="7709476" y="2244425"/>
+            <a:ext cx="708186" cy="285783"/>
+          </a:xfrm>
+          <a:prstGeom prst="rect">
+            <a:avLst/>
+          </a:prstGeom>
+          <a:ln w="19050">
+            <a:solidFill>
+              <a:srgbClr val="7030A0"/>
+            </a:solidFill>
+          </a:ln>
+          <a:effectLst/>
+        </p:spPr>
+        <p:style>
+          <a:lnRef idx="1">
+            <a:schemeClr val="accent4"/>
+          </a:lnRef>
+          <a:fillRef idx="2">
+            <a:schemeClr val="accent4"/>
+          </a:fillRef>
+          <a:effectRef idx="1">
+            <a:schemeClr val="accent4"/>
+          </a:effectRef>
+          <a:fontRef idx="minor">
+            <a:schemeClr val="dk1"/>
+          </a:fontRef>
+        </p:style>
+        <p:txBody>
+          <a:bodyPr lIns="72000" rIns="72000" rtlCol="0" anchor="ctr"/>
+          <a:lstStyle/>
+          <a:p>
+            <a:pPr algn="ctr"/>
+            <a:r>
+              <a:rPr lang="en-US" sz="1050" dirty="0" err="1">
+                <a:solidFill>
+                  <a:srgbClr val="7030A0"/>
+                </a:solidFill>
+              </a:rPr>
+              <a:t>TaskName</a:t>
+            </a:r>
+            <a:endParaRPr lang="en-SG" sz="1050" dirty="0">
+              <a:solidFill>
+                <a:srgbClr val="7030A0"/>
+              </a:solidFill>
+            </a:endParaRPr>
+          </a:p>
+        </p:txBody>
+      </p:sp>
+      <p:sp>
+        <p:nvSpPr>
+          <p:cNvPr id="77" name="Rectangle 8"/>
+          <p:cNvSpPr/>
+          <p:nvPr/>
+        </p:nvSpPr>
+        <p:spPr>
+          <a:xfrm>
+            <a:off x="7709476" y="3854243"/>
+            <a:ext cx="708186" cy="285783"/>
+          </a:xfrm>
+          <a:prstGeom prst="rect">
+            <a:avLst/>
+          </a:prstGeom>
+          <a:ln w="19050">
+            <a:solidFill>
+              <a:srgbClr val="7030A0"/>
+            </a:solidFill>
+          </a:ln>
+          <a:effectLst/>
+        </p:spPr>
+        <p:style>
+          <a:lnRef idx="1">
+            <a:schemeClr val="accent4"/>
+          </a:lnRef>
+          <a:fillRef idx="2">
+            <a:schemeClr val="accent4"/>
+          </a:fillRef>
+          <a:effectRef idx="1">
+            <a:schemeClr val="accent4"/>
+          </a:effectRef>
+          <a:fontRef idx="minor">
+            <a:schemeClr val="dk1"/>
+          </a:fontRef>
+        </p:style>
+        <p:txBody>
+          <a:bodyPr lIns="36000" rIns="36000" bIns="36000" rtlCol="0" anchor="ctr"/>
+          <a:lstStyle/>
+          <a:p>
+            <a:pPr algn="ctr">
+              <a:lnSpc>
+                <a:spcPct val="80000"/>
+              </a:lnSpc>
+            </a:pPr>
+            <a:r>
+              <a:rPr lang="en-US" sz="1050" dirty="0">
+                <a:solidFill>
+                  <a:srgbClr val="7030A0"/>
+                </a:solidFill>
+              </a:rPr>
+              <a:t>Completed Mark</a:t>
+            </a:r>
+            <a:endParaRPr lang="en-SG" sz="1050" dirty="0">
+              <a:solidFill>
+                <a:srgbClr val="7030A0"/>
+              </a:solidFill>
+            </a:endParaRPr>
+          </a:p>
+        </p:txBody>
+      </p:sp>
+      <p:cxnSp>
+        <p:nvCxnSpPr>
+          <p:cNvPr id="82" name="Elbow Connector 85"/>
+          <p:cNvCxnSpPr>
+            <a:endCxn id="77" idx="1"/>
+          </p:cNvCxnSpPr>
+          <p:nvPr/>
+        </p:nvCxnSpPr>
+        <p:spPr>
+          <a:xfrm rot="16200000" flipH="1">
+            <a:off x="7114144" y="3401803"/>
+            <a:ext cx="976384" cy="214280"/>
+          </a:xfrm>
+          <a:prstGeom prst="bentConnector2">
+            <a:avLst/>
+          </a:prstGeom>
+          <a:ln w="19050">
+            <a:solidFill>
+              <a:srgbClr val="7030A0"/>
+            </a:solidFill>
+            <a:headEnd type="none" w="med" len="med"/>
+            <a:tailEnd type="arrow" w="med" len="med"/>
+          </a:ln>
+          <a:effectLst/>
+        </p:spPr>
+        <p:style>
+          <a:lnRef idx="1">
+            <a:schemeClr val="accent2"/>
+          </a:lnRef>
+          <a:fillRef idx="2">
+            <a:schemeClr val="accent2"/>
+          </a:fillRef>
+          <a:effectRef idx="1">
+            <a:schemeClr val="accent2"/>
+          </a:effectRef>
+          <a:fontRef idx="minor">
+            <a:schemeClr val="dk1"/>
+          </a:fontRef>
+        </p:style>
+      </p:cxnSp>
     </p:spTree>
     <p:extLst>
       <p:ext uri="{BB962C8B-B14F-4D97-AF65-F5344CB8AC3E}">
@@ -5910,13 +6092,6 @@
   <p:clrMapOvr>
     <a:masterClrMapping/>
   </p:clrMapOvr>
-  <p:timing>
-    <p:tnLst>
-      <p:par>
-        <p:cTn id="1" dur="indefinite" restart="never" nodeType="tmRoot"/>
-      </p:par>
-    </p:tnLst>
-  </p:timing>
 </p:sld>
 </file>
 

--- a/docs/diagrams/ModelComponentClassDiagram.pptx
+++ b/docs/diagrams/ModelComponentClassDiagram.pptx
@@ -208,7 +208,7 @@
           <a:p>
             <a:fld id="{F5CC4B3F-88C1-4FFA-B1B6-F41C21DC6924}" type="datetimeFigureOut">
               <a:rPr lang="en-US" smtClean="0"/>
-              <a:t>4/6/17</a:t>
+              <a:t>4/10/17</a:t>
             </a:fld>
             <a:endParaRPr lang="en-US"/>
           </a:p>
@@ -657,7 +657,7 @@
           <a:p>
             <a:fld id="{78C97017-6FC3-485B-9764-EAC9E56C1D49}" type="datetimeFigureOut">
               <a:rPr lang="en-US" smtClean="0"/>
-              <a:t>4/6/17</a:t>
+              <a:t>4/10/17</a:t>
             </a:fld>
             <a:endParaRPr lang="en-US"/>
           </a:p>
@@ -827,7 +827,7 @@
           <a:p>
             <a:fld id="{78C97017-6FC3-485B-9764-EAC9E56C1D49}" type="datetimeFigureOut">
               <a:rPr lang="en-US" smtClean="0"/>
-              <a:t>4/6/17</a:t>
+              <a:t>4/10/17</a:t>
             </a:fld>
             <a:endParaRPr lang="en-US"/>
           </a:p>
@@ -1007,7 +1007,7 @@
           <a:p>
             <a:fld id="{78C97017-6FC3-485B-9764-EAC9E56C1D49}" type="datetimeFigureOut">
               <a:rPr lang="en-US" smtClean="0"/>
-              <a:t>4/6/17</a:t>
+              <a:t>4/10/17</a:t>
             </a:fld>
             <a:endParaRPr lang="en-US"/>
           </a:p>
@@ -1177,7 +1177,7 @@
           <a:p>
             <a:fld id="{78C97017-6FC3-485B-9764-EAC9E56C1D49}" type="datetimeFigureOut">
               <a:rPr lang="en-US" smtClean="0"/>
-              <a:t>4/6/17</a:t>
+              <a:t>4/10/17</a:t>
             </a:fld>
             <a:endParaRPr lang="en-US"/>
           </a:p>
@@ -1423,7 +1423,7 @@
           <a:p>
             <a:fld id="{78C97017-6FC3-485B-9764-EAC9E56C1D49}" type="datetimeFigureOut">
               <a:rPr lang="en-US" smtClean="0"/>
-              <a:t>4/6/17</a:t>
+              <a:t>4/10/17</a:t>
             </a:fld>
             <a:endParaRPr lang="en-US"/>
           </a:p>
@@ -1711,7 +1711,7 @@
           <a:p>
             <a:fld id="{78C97017-6FC3-485B-9764-EAC9E56C1D49}" type="datetimeFigureOut">
               <a:rPr lang="en-US" smtClean="0"/>
-              <a:t>4/6/17</a:t>
+              <a:t>4/10/17</a:t>
             </a:fld>
             <a:endParaRPr lang="en-US"/>
           </a:p>
@@ -2133,7 +2133,7 @@
           <a:p>
             <a:fld id="{78C97017-6FC3-485B-9764-EAC9E56C1D49}" type="datetimeFigureOut">
               <a:rPr lang="en-US" smtClean="0"/>
-              <a:t>4/6/17</a:t>
+              <a:t>4/10/17</a:t>
             </a:fld>
             <a:endParaRPr lang="en-US"/>
           </a:p>
@@ -2251,7 +2251,7 @@
           <a:p>
             <a:fld id="{78C97017-6FC3-485B-9764-EAC9E56C1D49}" type="datetimeFigureOut">
               <a:rPr lang="en-US" smtClean="0"/>
-              <a:t>4/6/17</a:t>
+              <a:t>4/10/17</a:t>
             </a:fld>
             <a:endParaRPr lang="en-US"/>
           </a:p>
@@ -2346,7 +2346,7 @@
           <a:p>
             <a:fld id="{78C97017-6FC3-485B-9764-EAC9E56C1D49}" type="datetimeFigureOut">
               <a:rPr lang="en-US" smtClean="0"/>
-              <a:t>4/6/17</a:t>
+              <a:t>4/10/17</a:t>
             </a:fld>
             <a:endParaRPr lang="en-US"/>
           </a:p>
@@ -2623,7 +2623,7 @@
           <a:p>
             <a:fld id="{78C97017-6FC3-485B-9764-EAC9E56C1D49}" type="datetimeFigureOut">
               <a:rPr lang="en-US" smtClean="0"/>
-              <a:t>4/6/17</a:t>
+              <a:t>4/10/17</a:t>
             </a:fld>
             <a:endParaRPr lang="en-US"/>
           </a:p>
@@ -2876,7 +2876,7 @@
           <a:p>
             <a:fld id="{78C97017-6FC3-485B-9764-EAC9E56C1D49}" type="datetimeFigureOut">
               <a:rPr lang="en-US" smtClean="0"/>
-              <a:t>4/6/17</a:t>
+              <a:t>4/10/17</a:t>
             </a:fld>
             <a:endParaRPr lang="en-US"/>
           </a:p>
@@ -3089,7 +3089,7 @@
           <a:p>
             <a:fld id="{78C97017-6FC3-485B-9764-EAC9E56C1D49}" type="datetimeFigureOut">
               <a:rPr lang="en-US" smtClean="0"/>
-              <a:t>4/6/17</a:t>
+              <a:t>4/10/17</a:t>
             </a:fld>
             <a:endParaRPr lang="en-US"/>
           </a:p>
@@ -3472,8 +3472,8 @@
         </p:nvSpPr>
         <p:spPr>
           <a:xfrm>
-            <a:off x="1119865" y="1727200"/>
-            <a:ext cx="7490735" cy="2997200"/>
+            <a:off x="1143000" y="942371"/>
+            <a:ext cx="7490735" cy="3810000"/>
           </a:xfrm>
           <a:prstGeom prst="roundRect">
             <a:avLst>
@@ -5064,7 +5064,7 @@
         <p:spPr>
           <a:xfrm>
             <a:off x="7717386" y="2935345"/>
-            <a:ext cx="771567" cy="285783"/>
+            <a:ext cx="700621" cy="285783"/>
           </a:xfrm>
           <a:prstGeom prst="rect">
             <a:avLst/>
@@ -5796,14 +5796,14 @@
       </p:sp>
       <p:sp>
         <p:nvSpPr>
-          <p:cNvPr id="74" name="Rectangle 8"/>
+          <p:cNvPr id="67" name="Rectangle 8"/>
           <p:cNvSpPr/>
           <p:nvPr/>
         </p:nvSpPr>
         <p:spPr>
           <a:xfrm>
-            <a:off x="6088893" y="1810226"/>
-            <a:ext cx="667105" cy="346760"/>
+            <a:off x="5336104" y="1809332"/>
+            <a:ext cx="514055" cy="346760"/>
           </a:xfrm>
           <a:prstGeom prst="rect">
             <a:avLst/>
@@ -5835,12 +5835,12 @@
           <a:p>
             <a:pPr algn="ctr"/>
             <a:r>
-              <a:rPr lang="en-US" sz="1050" dirty="0" err="1" smtClean="0">
+              <a:rPr lang="en-US" sz="1050" dirty="0" smtClean="0">
                 <a:solidFill>
                   <a:srgbClr val="7030A0"/>
                 </a:solidFill>
               </a:rPr>
-              <a:t>TagColor</a:t>
+              <a:t>Tag</a:t>
             </a:r>
             <a:endParaRPr lang="en-SG" sz="1050" dirty="0">
               <a:solidFill>
@@ -5850,19 +5850,171 @@
           </a:p>
         </p:txBody>
       </p:sp>
+      <p:sp>
+        <p:nvSpPr>
+          <p:cNvPr id="55" name="Flowchart: Decision 96"/>
+          <p:cNvSpPr/>
+          <p:nvPr/>
+        </p:nvSpPr>
+        <p:spPr>
+          <a:xfrm>
+            <a:off x="2168019" y="2289273"/>
+            <a:ext cx="149535" cy="205976"/>
+          </a:xfrm>
+          <a:prstGeom prst="flowChartDecision">
+            <a:avLst/>
+          </a:prstGeom>
+          <a:solidFill>
+            <a:srgbClr val="7030A0"/>
+          </a:solidFill>
+          <a:ln w="19050">
+            <a:solidFill>
+              <a:srgbClr val="7030A0"/>
+            </a:solidFill>
+          </a:ln>
+          <a:effectLst/>
+        </p:spPr>
+        <p:style>
+          <a:lnRef idx="1">
+            <a:schemeClr val="accent6"/>
+          </a:lnRef>
+          <a:fillRef idx="2">
+            <a:schemeClr val="accent6"/>
+          </a:fillRef>
+          <a:effectRef idx="1">
+            <a:schemeClr val="accent6"/>
+          </a:effectRef>
+          <a:fontRef idx="minor">
+            <a:schemeClr val="dk1"/>
+          </a:fontRef>
+        </p:style>
+        <p:txBody>
+          <a:bodyPr rtlCol="0" anchor="ctr"/>
+          <a:lstStyle/>
+          <a:p>
+            <a:pPr algn="ctr"/>
+            <a:endParaRPr lang="en-US" sz="1050"/>
+          </a:p>
+        </p:txBody>
+      </p:sp>
+      <p:sp>
+        <p:nvSpPr>
+          <p:cNvPr id="77" name="Rectangle 8"/>
+          <p:cNvSpPr/>
+          <p:nvPr/>
+        </p:nvSpPr>
+        <p:spPr>
+          <a:xfrm>
+            <a:off x="2827113" y="992769"/>
+            <a:ext cx="1093635" cy="346760"/>
+          </a:xfrm>
+          <a:prstGeom prst="rect">
+            <a:avLst/>
+          </a:prstGeom>
+          <a:ln w="19050">
+            <a:solidFill>
+              <a:srgbClr val="7030A0"/>
+            </a:solidFill>
+          </a:ln>
+          <a:effectLst/>
+        </p:spPr>
+        <p:style>
+          <a:lnRef idx="1">
+            <a:schemeClr val="accent4"/>
+          </a:lnRef>
+          <a:fillRef idx="2">
+            <a:schemeClr val="accent4"/>
+          </a:fillRef>
+          <a:effectRef idx="1">
+            <a:schemeClr val="accent4"/>
+          </a:effectRef>
+          <a:fontRef idx="minor">
+            <a:schemeClr val="dk1"/>
+          </a:fontRef>
+        </p:style>
+        <p:txBody>
+          <a:bodyPr rtlCol="0" anchor="ctr"/>
+          <a:lstStyle/>
+          <a:p>
+            <a:pPr algn="ctr"/>
+            <a:r>
+              <a:rPr lang="en-US" altLang="zh-CN" sz="1050" dirty="0" smtClean="0">
+                <a:solidFill>
+                  <a:srgbClr val="7030A0"/>
+                </a:solidFill>
+              </a:rPr>
+              <a:t>State</a:t>
+            </a:r>
+            <a:endParaRPr lang="en-SG" sz="1050" dirty="0">
+              <a:solidFill>
+                <a:srgbClr val="7030A0"/>
+              </a:solidFill>
+            </a:endParaRPr>
+          </a:p>
+        </p:txBody>
+      </p:sp>
+      <p:sp>
+        <p:nvSpPr>
+          <p:cNvPr id="82" name="Flowchart: Decision 96"/>
+          <p:cNvSpPr/>
+          <p:nvPr/>
+        </p:nvSpPr>
+        <p:spPr>
+          <a:xfrm>
+            <a:off x="3271597" y="1347560"/>
+            <a:ext cx="152400" cy="230927"/>
+          </a:xfrm>
+          <a:prstGeom prst="flowChartDecision">
+            <a:avLst/>
+          </a:prstGeom>
+          <a:solidFill>
+            <a:srgbClr val="7030A0"/>
+          </a:solidFill>
+          <a:ln w="19050">
+            <a:solidFill>
+              <a:srgbClr val="7030A0"/>
+            </a:solidFill>
+          </a:ln>
+          <a:effectLst/>
+        </p:spPr>
+        <p:style>
+          <a:lnRef idx="1">
+            <a:schemeClr val="accent6"/>
+          </a:lnRef>
+          <a:fillRef idx="2">
+            <a:schemeClr val="accent6"/>
+          </a:fillRef>
+          <a:effectRef idx="1">
+            <a:schemeClr val="accent6"/>
+          </a:effectRef>
+          <a:fontRef idx="minor">
+            <a:schemeClr val="dk1"/>
+          </a:fontRef>
+        </p:style>
+        <p:txBody>
+          <a:bodyPr rtlCol="0" anchor="ctr"/>
+          <a:lstStyle/>
+          <a:p>
+            <a:pPr algn="ctr"/>
+            <a:endParaRPr lang="en-US" sz="1050"/>
+          </a:p>
+        </p:txBody>
+      </p:sp>
       <p:cxnSp>
         <p:nvCxnSpPr>
-          <p:cNvPr id="80" name="Elbow Connector 79"/>
+          <p:cNvPr id="86" name="Elbow Connector 85"/>
           <p:cNvCxnSpPr/>
           <p:nvPr/>
         </p:nvCxnSpPr>
         <p:spPr>
-          <a:xfrm flipV="1">
-            <a:off x="5662074" y="1995339"/>
-            <a:ext cx="434402" cy="4783"/>
+          <a:xfrm rot="5400000">
+            <a:off x="3235529" y="1696446"/>
+            <a:ext cx="227199" cy="7344"/>
           </a:xfrm>
           <a:prstGeom prst="bentConnector3">
-            <a:avLst/>
+            <a:avLst>
+              <a:gd name="adj1" fmla="val 50000"/>
+            </a:avLst>
           </a:prstGeom>
           <a:ln w="19050">
             <a:solidFill>
@@ -5888,62 +6040,48 @@
           </a:fontRef>
         </p:style>
       </p:cxnSp>
-      <p:sp>
-        <p:nvSpPr>
-          <p:cNvPr id="67" name="Rectangle 8"/>
-          <p:cNvSpPr/>
+      <p:cxnSp>
+        <p:nvCxnSpPr>
+          <p:cNvPr id="87" name="Elbow Connector 86"/>
+          <p:cNvCxnSpPr>
+            <a:stCxn id="55" idx="0"/>
+          </p:cNvCxnSpPr>
           <p:nvPr/>
-        </p:nvSpPr>
-        <p:spPr>
-          <a:xfrm>
-            <a:off x="5336104" y="1809332"/>
-            <a:ext cx="514055" cy="346760"/>
-          </a:xfrm>
-          <a:prstGeom prst="rect">
-            <a:avLst/>
+        </p:nvCxnSpPr>
+        <p:spPr>
+          <a:xfrm rot="5400000" flipH="1" flipV="1">
+            <a:off x="1984077" y="1446237"/>
+            <a:ext cx="1101747" cy="584326"/>
+          </a:xfrm>
+          <a:prstGeom prst="bentConnector3">
+            <a:avLst>
+              <a:gd name="adj1" fmla="val 99655"/>
+            </a:avLst>
           </a:prstGeom>
           <a:ln w="19050">
             <a:solidFill>
               <a:srgbClr val="7030A0"/>
             </a:solidFill>
+            <a:headEnd type="none" w="med" len="med"/>
+            <a:tailEnd type="arrow" w="med" len="med"/>
           </a:ln>
           <a:effectLst/>
         </p:spPr>
         <p:style>
           <a:lnRef idx="1">
-            <a:schemeClr val="accent4"/>
+            <a:schemeClr val="accent2"/>
           </a:lnRef>
           <a:fillRef idx="2">
-            <a:schemeClr val="accent4"/>
+            <a:schemeClr val="accent2"/>
           </a:fillRef>
           <a:effectRef idx="1">
-            <a:schemeClr val="accent4"/>
+            <a:schemeClr val="accent2"/>
           </a:effectRef>
           <a:fontRef idx="minor">
             <a:schemeClr val="dk1"/>
           </a:fontRef>
         </p:style>
-        <p:txBody>
-          <a:bodyPr rtlCol="0" anchor="ctr"/>
-          <a:lstStyle/>
-          <a:p>
-            <a:pPr algn="ctr"/>
-            <a:r>
-              <a:rPr lang="en-US" sz="1050" dirty="0" smtClean="0">
-                <a:solidFill>
-                  <a:srgbClr val="7030A0"/>
-                </a:solidFill>
-              </a:rPr>
-              <a:t>Tag</a:t>
-            </a:r>
-            <a:endParaRPr lang="en-SG" sz="1050" dirty="0">
-              <a:solidFill>
-                <a:srgbClr val="7030A0"/>
-              </a:solidFill>
-            </a:endParaRPr>
-          </a:p>
-        </p:txBody>
-      </p:sp>
+      </p:cxnSp>
     </p:spTree>
     <p:extLst>
       <p:ext uri="{BB962C8B-B14F-4D97-AF65-F5344CB8AC3E}">

--- a/docs/diagrams/ModelComponentClassDiagram.pptx
+++ b/docs/diagrams/ModelComponentClassDiagram.pptx
@@ -208,7 +208,7 @@
           <a:p>
             <a:fld id="{F5CC4B3F-88C1-4FFA-B1B6-F41C21DC6924}" type="datetimeFigureOut">
               <a:rPr lang="en-US" smtClean="0"/>
-              <a:t>4/10/2017</a:t>
+              <a:t>4/10/17</a:t>
             </a:fld>
             <a:endParaRPr lang="en-US"/>
           </a:p>
@@ -654,7 +654,7 @@
           <a:p>
             <a:fld id="{78C97017-6FC3-485B-9764-EAC9E56C1D49}" type="datetimeFigureOut">
               <a:rPr lang="en-US" smtClean="0"/>
-              <a:t>4/10/2017</a:t>
+              <a:t>4/10/17</a:t>
             </a:fld>
             <a:endParaRPr lang="en-US"/>
           </a:p>
@@ -822,7 +822,7 @@
           <a:p>
             <a:fld id="{78C97017-6FC3-485B-9764-EAC9E56C1D49}" type="datetimeFigureOut">
               <a:rPr lang="en-US" smtClean="0"/>
-              <a:t>4/10/2017</a:t>
+              <a:t>4/10/17</a:t>
             </a:fld>
             <a:endParaRPr lang="en-US"/>
           </a:p>
@@ -1000,7 +1000,7 @@
           <a:p>
             <a:fld id="{78C97017-6FC3-485B-9764-EAC9E56C1D49}" type="datetimeFigureOut">
               <a:rPr lang="en-US" smtClean="0"/>
-              <a:t>4/10/2017</a:t>
+              <a:t>4/10/17</a:t>
             </a:fld>
             <a:endParaRPr lang="en-US"/>
           </a:p>
@@ -1168,7 +1168,7 @@
           <a:p>
             <a:fld id="{78C97017-6FC3-485B-9764-EAC9E56C1D49}" type="datetimeFigureOut">
               <a:rPr lang="en-US" smtClean="0"/>
-              <a:t>4/10/2017</a:t>
+              <a:t>4/10/17</a:t>
             </a:fld>
             <a:endParaRPr lang="en-US"/>
           </a:p>
@@ -1413,7 +1413,7 @@
           <a:p>
             <a:fld id="{78C97017-6FC3-485B-9764-EAC9E56C1D49}" type="datetimeFigureOut">
               <a:rPr lang="en-US" smtClean="0"/>
-              <a:t>4/10/2017</a:t>
+              <a:t>4/10/17</a:t>
             </a:fld>
             <a:endParaRPr lang="en-US"/>
           </a:p>
@@ -1698,7 +1698,7 @@
           <a:p>
             <a:fld id="{78C97017-6FC3-485B-9764-EAC9E56C1D49}" type="datetimeFigureOut">
               <a:rPr lang="en-US" smtClean="0"/>
-              <a:t>4/10/2017</a:t>
+              <a:t>4/10/17</a:t>
             </a:fld>
             <a:endParaRPr lang="en-US"/>
           </a:p>
@@ -2117,7 +2117,7 @@
           <a:p>
             <a:fld id="{78C97017-6FC3-485B-9764-EAC9E56C1D49}" type="datetimeFigureOut">
               <a:rPr lang="en-US" smtClean="0"/>
-              <a:t>4/10/2017</a:t>
+              <a:t>4/10/17</a:t>
             </a:fld>
             <a:endParaRPr lang="en-US"/>
           </a:p>
@@ -2234,7 +2234,7 @@
           <a:p>
             <a:fld id="{78C97017-6FC3-485B-9764-EAC9E56C1D49}" type="datetimeFigureOut">
               <a:rPr lang="en-US" smtClean="0"/>
-              <a:t>4/10/2017</a:t>
+              <a:t>4/10/17</a:t>
             </a:fld>
             <a:endParaRPr lang="en-US"/>
           </a:p>
@@ -2329,7 +2329,7 @@
           <a:p>
             <a:fld id="{78C97017-6FC3-485B-9764-EAC9E56C1D49}" type="datetimeFigureOut">
               <a:rPr lang="en-US" smtClean="0"/>
-              <a:t>4/10/2017</a:t>
+              <a:t>4/10/17</a:t>
             </a:fld>
             <a:endParaRPr lang="en-US"/>
           </a:p>
@@ -2604,7 +2604,7 @@
           <a:p>
             <a:fld id="{78C97017-6FC3-485B-9764-EAC9E56C1D49}" type="datetimeFigureOut">
               <a:rPr lang="en-US" smtClean="0"/>
-              <a:t>4/10/2017</a:t>
+              <a:t>4/10/17</a:t>
             </a:fld>
             <a:endParaRPr lang="en-US"/>
           </a:p>
@@ -2856,7 +2856,7 @@
           <a:p>
             <a:fld id="{78C97017-6FC3-485B-9764-EAC9E56C1D49}" type="datetimeFigureOut">
               <a:rPr lang="en-US" smtClean="0"/>
-              <a:t>4/10/2017</a:t>
+              <a:t>4/10/17</a:t>
             </a:fld>
             <a:endParaRPr lang="en-US"/>
           </a:p>
@@ -3067,7 +3067,7 @@
           <a:p>
             <a:fld id="{78C97017-6FC3-485B-9764-EAC9E56C1D49}" type="datetimeFigureOut">
               <a:rPr lang="en-US" smtClean="0"/>
-              <a:t>4/10/2017</a:t>
+              <a:t>4/10/17</a:t>
             </a:fld>
             <a:endParaRPr lang="en-US"/>
           </a:p>
@@ -3450,7 +3450,7 @@
         </p:nvSpPr>
         <p:spPr>
           <a:xfrm>
-            <a:off x="1119865" y="1727200"/>
+            <a:off x="1119865" y="1806470"/>
             <a:ext cx="7490735" cy="2997200"/>
           </a:xfrm>
           <a:prstGeom prst="roundRect">
@@ -3511,7 +3511,7 @@
         </p:nvSpPr>
         <p:spPr>
           <a:xfrm>
-            <a:off x="2877180" y="3158440"/>
+            <a:off x="2877180" y="3083052"/>
             <a:ext cx="1093635" cy="346760"/>
           </a:xfrm>
           <a:prstGeom prst="rect">
@@ -3570,8 +3570,8 @@
         </p:nvSpPr>
         <p:spPr>
           <a:xfrm rot="16200000">
-            <a:off x="1683963" y="2868687"/>
-            <a:ext cx="1093635" cy="346760"/>
+            <a:off x="1579000" y="2973650"/>
+            <a:ext cx="1303562" cy="346760"/>
           </a:xfrm>
           <a:prstGeom prst="rect">
             <a:avLst/>
@@ -3673,13 +3673,13 @@
         </p:nvCxnSpPr>
         <p:spPr>
           <a:xfrm rot="5400000" flipH="1" flipV="1">
-            <a:off x="4209819" y="941677"/>
-            <a:ext cx="668170" cy="4626246"/>
+            <a:off x="4104856" y="1046640"/>
+            <a:ext cx="878096" cy="4626246"/>
           </a:xfrm>
           <a:prstGeom prst="bentConnector4">
             <a:avLst>
-              <a:gd name="adj1" fmla="val -34213"/>
-              <a:gd name="adj2" fmla="val 100013"/>
+              <a:gd name="adj1" fmla="val -38562"/>
+              <a:gd name="adj2" fmla="val 57044"/>
             </a:avLst>
           </a:prstGeom>
           <a:ln w="19050">
@@ -3715,8 +3715,8 @@
         </p:nvSpPr>
         <p:spPr>
           <a:xfrm rot="16200000">
-            <a:off x="956202" y="2861202"/>
-            <a:ext cx="1093635" cy="346760"/>
+            <a:off x="847497" y="2969907"/>
+            <a:ext cx="1311046" cy="346760"/>
           </a:xfrm>
           <a:prstGeom prst="rect">
             <a:avLst/>
@@ -3835,8 +3835,8 @@
         </p:nvCxnSpPr>
         <p:spPr>
           <a:xfrm>
-            <a:off x="2656370" y="3326536"/>
-            <a:ext cx="220810" cy="5284"/>
+            <a:off x="2641252" y="3254800"/>
+            <a:ext cx="235928" cy="1632"/>
           </a:xfrm>
           <a:prstGeom prst="straightConnector1">
             <a:avLst/>
@@ -4008,7 +4008,7 @@
         </p:nvSpPr>
         <p:spPr>
           <a:xfrm>
-            <a:off x="2420322" y="3239846"/>
+            <a:off x="2405204" y="3168110"/>
             <a:ext cx="236048" cy="173380"/>
           </a:xfrm>
           <a:prstGeom prst="flowChartDecision">
@@ -5319,8 +5319,8 @@
         </p:nvCxnSpPr>
         <p:spPr>
           <a:xfrm rot="16200000" flipH="1">
-            <a:off x="1364475" y="3719945"/>
-            <a:ext cx="831471" cy="554380"/>
+            <a:off x="1473180" y="3828650"/>
+            <a:ext cx="614061" cy="554380"/>
           </a:xfrm>
           <a:prstGeom prst="bentConnector2">
             <a:avLst/>
@@ -5595,7 +5595,7 @@
         </p:nvSpPr>
         <p:spPr>
           <a:xfrm>
-            <a:off x="2656370" y="3386050"/>
+            <a:off x="2702173" y="3258888"/>
             <a:ext cx="189257" cy="178683"/>
           </a:xfrm>
           <a:prstGeom prst="rect">
@@ -5935,6 +5935,315 @@
           </a:p>
         </p:txBody>
       </p:sp>
+      <p:sp>
+        <p:nvSpPr>
+          <p:cNvPr id="57" name="Rectangle 8"/>
+          <p:cNvSpPr/>
+          <p:nvPr/>
+        </p:nvSpPr>
+        <p:spPr>
+          <a:xfrm>
+            <a:off x="2885021" y="3521861"/>
+            <a:ext cx="1093635" cy="346760"/>
+          </a:xfrm>
+          <a:prstGeom prst="rect">
+            <a:avLst/>
+          </a:prstGeom>
+          <a:solidFill>
+            <a:srgbClr val="7030A0"/>
+          </a:solidFill>
+          <a:ln w="19050">
+            <a:solidFill>
+              <a:srgbClr val="7030A0"/>
+            </a:solidFill>
+          </a:ln>
+          <a:effectLst/>
+        </p:spPr>
+        <p:style>
+          <a:lnRef idx="1">
+            <a:schemeClr val="accent2"/>
+          </a:lnRef>
+          <a:fillRef idx="2">
+            <a:schemeClr val="accent2"/>
+          </a:fillRef>
+          <a:effectRef idx="1">
+            <a:schemeClr val="accent2"/>
+          </a:effectRef>
+          <a:fontRef idx="minor">
+            <a:schemeClr val="dk1"/>
+          </a:fontRef>
+        </p:style>
+        <p:txBody>
+          <a:bodyPr rtlCol="0" anchor="ctr"/>
+          <a:lstStyle/>
+          <a:p>
+            <a:pPr algn="ctr"/>
+            <a:r>
+              <a:rPr lang="en-SG" sz="1050" dirty="0" err="1" smtClean="0">
+                <a:solidFill>
+                  <a:schemeClr val="bg1"/>
+                </a:solidFill>
+              </a:rPr>
+              <a:t>Config</a:t>
+            </a:r>
+            <a:endParaRPr lang="en-SG" sz="1050" dirty="0">
+              <a:solidFill>
+                <a:schemeClr val="bg1"/>
+              </a:solidFill>
+            </a:endParaRPr>
+          </a:p>
+        </p:txBody>
+      </p:sp>
+      <p:sp>
+        <p:nvSpPr>
+          <p:cNvPr id="59" name="Flowchart: Decision 96"/>
+          <p:cNvSpPr/>
+          <p:nvPr/>
+        </p:nvSpPr>
+        <p:spPr>
+          <a:xfrm>
+            <a:off x="2411174" y="3578191"/>
+            <a:ext cx="247506" cy="188766"/>
+          </a:xfrm>
+          <a:prstGeom prst="flowChartDecision">
+            <a:avLst/>
+          </a:prstGeom>
+          <a:noFill/>
+          <a:ln w="19050">
+            <a:solidFill>
+              <a:srgbClr val="7030A0"/>
+            </a:solidFill>
+          </a:ln>
+          <a:effectLst/>
+        </p:spPr>
+        <p:style>
+          <a:lnRef idx="1">
+            <a:schemeClr val="accent6"/>
+          </a:lnRef>
+          <a:fillRef idx="2">
+            <a:schemeClr val="accent6"/>
+          </a:fillRef>
+          <a:effectRef idx="1">
+            <a:schemeClr val="accent6"/>
+          </a:effectRef>
+          <a:fontRef idx="minor">
+            <a:schemeClr val="dk1"/>
+          </a:fontRef>
+        </p:style>
+        <p:txBody>
+          <a:bodyPr rtlCol="0" anchor="ctr"/>
+          <a:lstStyle/>
+          <a:p>
+            <a:pPr algn="ctr"/>
+            <a:endParaRPr lang="en-US" sz="1050"/>
+          </a:p>
+        </p:txBody>
+      </p:sp>
+      <p:sp>
+        <p:nvSpPr>
+          <p:cNvPr id="86" name="TextBox 85"/>
+          <p:cNvSpPr txBox="1"/>
+          <p:nvPr/>
+        </p:nvSpPr>
+        <p:spPr>
+          <a:xfrm>
+            <a:off x="2720603" y="3709469"/>
+            <a:ext cx="189257" cy="178683"/>
+          </a:xfrm>
+          <a:prstGeom prst="rect">
+            <a:avLst/>
+          </a:prstGeom>
+          <a:noFill/>
+        </p:spPr>
+        <p:txBody>
+          <a:bodyPr wrap="square" lIns="0" tIns="0" rIns="0" bIns="0" rtlCol="0">
+            <a:noAutofit/>
+          </a:bodyPr>
+          <a:lstStyle/>
+          <a:p>
+            <a:pPr algn="ctr"/>
+            <a:r>
+              <a:rPr lang="en-US" sz="1100" dirty="0">
+                <a:solidFill>
+                  <a:srgbClr val="7030A0"/>
+                </a:solidFill>
+              </a:rPr>
+              <a:t>1</a:t>
+            </a:r>
+            <a:endParaRPr lang="en-SG" sz="1100" dirty="0">
+              <a:solidFill>
+                <a:srgbClr val="7030A0"/>
+              </a:solidFill>
+            </a:endParaRPr>
+          </a:p>
+        </p:txBody>
+      </p:sp>
+      <p:sp>
+        <p:nvSpPr>
+          <p:cNvPr id="87" name="Flowchart: Decision 96"/>
+          <p:cNvSpPr/>
+          <p:nvPr/>
+        </p:nvSpPr>
+        <p:spPr>
+          <a:xfrm flipV="1">
+            <a:off x="2156537" y="2224729"/>
+            <a:ext cx="165013" cy="268669"/>
+          </a:xfrm>
+          <a:prstGeom prst="flowChartDecision">
+            <a:avLst/>
+          </a:prstGeom>
+          <a:noFill/>
+          <a:ln w="19050">
+            <a:solidFill>
+              <a:srgbClr val="7030A0"/>
+            </a:solidFill>
+          </a:ln>
+          <a:effectLst/>
+        </p:spPr>
+        <p:style>
+          <a:lnRef idx="1">
+            <a:schemeClr val="accent6"/>
+          </a:lnRef>
+          <a:fillRef idx="2">
+            <a:schemeClr val="accent6"/>
+          </a:fillRef>
+          <a:effectRef idx="1">
+            <a:schemeClr val="accent6"/>
+          </a:effectRef>
+          <a:fontRef idx="minor">
+            <a:schemeClr val="dk1"/>
+          </a:fontRef>
+        </p:style>
+        <p:txBody>
+          <a:bodyPr rtlCol="0" anchor="ctr"/>
+          <a:lstStyle/>
+          <a:p>
+            <a:pPr algn="ctr"/>
+            <a:endParaRPr lang="en-US" sz="1050"/>
+          </a:p>
+        </p:txBody>
+      </p:sp>
+      <p:cxnSp>
+        <p:nvCxnSpPr>
+          <p:cNvPr id="88" name="Elbow Connector 29"/>
+          <p:cNvCxnSpPr>
+            <a:cxnSpLocks/>
+            <a:stCxn id="87" idx="2"/>
+            <a:endCxn id="100" idx="1"/>
+          </p:cNvCxnSpPr>
+          <p:nvPr/>
+        </p:nvCxnSpPr>
+        <p:spPr>
+          <a:xfrm rot="5400000" flipH="1" flipV="1">
+            <a:off x="2327234" y="1891661"/>
+            <a:ext cx="244879" cy="421259"/>
+          </a:xfrm>
+          <a:prstGeom prst="bentConnector2">
+            <a:avLst/>
+          </a:prstGeom>
+          <a:ln w="19050">
+            <a:solidFill>
+              <a:srgbClr val="7030A0"/>
+            </a:solidFill>
+            <a:headEnd type="none" w="med" len="med"/>
+            <a:tailEnd type="arrow" w="med" len="med"/>
+          </a:ln>
+          <a:effectLst/>
+        </p:spPr>
+        <p:style>
+          <a:lnRef idx="1">
+            <a:schemeClr val="accent2"/>
+          </a:lnRef>
+          <a:fillRef idx="2">
+            <a:schemeClr val="accent2"/>
+          </a:fillRef>
+          <a:effectRef idx="1">
+            <a:schemeClr val="accent2"/>
+          </a:effectRef>
+          <a:fontRef idx="minor">
+            <a:schemeClr val="dk1"/>
+          </a:fontRef>
+        </p:style>
+      </p:cxnSp>
+      <p:sp>
+        <p:nvSpPr>
+          <p:cNvPr id="89" name="TextBox 88"/>
+          <p:cNvSpPr txBox="1"/>
+          <p:nvPr/>
+        </p:nvSpPr>
+        <p:spPr>
+          <a:xfrm>
+            <a:off x="2523228" y="1823042"/>
+            <a:ext cx="189257" cy="178683"/>
+          </a:xfrm>
+          <a:prstGeom prst="rect">
+            <a:avLst/>
+          </a:prstGeom>
+          <a:noFill/>
+        </p:spPr>
+        <p:txBody>
+          <a:bodyPr wrap="square" lIns="0" tIns="0" rIns="0" bIns="0" rtlCol="0">
+            <a:noAutofit/>
+          </a:bodyPr>
+          <a:lstStyle/>
+          <a:p>
+            <a:pPr algn="ctr"/>
+            <a:r>
+              <a:rPr lang="en-US" sz="1100" dirty="0">
+                <a:solidFill>
+                  <a:srgbClr val="7030A0"/>
+                </a:solidFill>
+              </a:rPr>
+              <a:t>*</a:t>
+            </a:r>
+            <a:endParaRPr lang="en-SG" sz="1100" dirty="0">
+              <a:solidFill>
+                <a:srgbClr val="7030A0"/>
+              </a:solidFill>
+            </a:endParaRPr>
+          </a:p>
+        </p:txBody>
+      </p:sp>
+      <p:cxnSp>
+        <p:nvCxnSpPr>
+          <p:cNvPr id="90" name="Straight Arrow Connector 89"/>
+          <p:cNvCxnSpPr>
+            <a:endCxn id="90" idx="1"/>
+          </p:cNvCxnSpPr>
+          <p:nvPr/>
+        </p:nvCxnSpPr>
+        <p:spPr>
+          <a:xfrm>
+            <a:off x="2664587" y="3674272"/>
+            <a:ext cx="235928" cy="1632"/>
+          </a:xfrm>
+          <a:prstGeom prst="straightConnector1">
+            <a:avLst/>
+          </a:prstGeom>
+          <a:ln w="19050">
+            <a:solidFill>
+              <a:srgbClr val="7030A0"/>
+            </a:solidFill>
+            <a:headEnd type="none" w="med" len="med"/>
+            <a:tailEnd type="arrow" w="med" len="med"/>
+          </a:ln>
+          <a:effectLst/>
+        </p:spPr>
+        <p:style>
+          <a:lnRef idx="1">
+            <a:schemeClr val="accent2"/>
+          </a:lnRef>
+          <a:fillRef idx="2">
+            <a:schemeClr val="accent2"/>
+          </a:fillRef>
+          <a:effectRef idx="1">
+            <a:schemeClr val="accent2"/>
+          </a:effectRef>
+          <a:fontRef idx="minor">
+            <a:schemeClr val="dk1"/>
+          </a:fontRef>
+        </p:style>
+      </p:cxnSp>
     </p:spTree>
     <p:extLst>
       <p:ext uri="{BB962C8B-B14F-4D97-AF65-F5344CB8AC3E}">

--- a/docs/diagrams/ModelComponentClassDiagram.pptx
+++ b/docs/diagrams/ModelComponentClassDiagram.pptx
@@ -3678,8 +3678,8 @@
           </a:xfrm>
           <a:prstGeom prst="bentConnector4">
             <a:avLst>
-              <a:gd name="adj1" fmla="val -38562"/>
-              <a:gd name="adj2" fmla="val 57044"/>
+              <a:gd name="adj1" fmla="val -30732"/>
+              <a:gd name="adj2" fmla="val 99993"/>
             </a:avLst>
           </a:prstGeom>
           <a:ln w="19050">

--- a/docs/diagrams/ModelComponentClassDiagram.pptx
+++ b/docs/diagrams/ModelComponentClassDiagram.pptx
@@ -175,7 +175,7 @@
             </a:lvl1pPr>
           </a:lstStyle>
           <a:p>
-            <a:endParaRPr lang="en-US"/>
+            <a:endParaRPr lang="en-US" dirty="0"/>
           </a:p>
         </p:txBody>
       </p:sp>
@@ -210,7 +210,7 @@
               <a:rPr lang="en-US" smtClean="0"/>
               <a:t>4/10/17</a:t>
             </a:fld>
-            <a:endParaRPr lang="en-US"/>
+            <a:endParaRPr lang="en-US" dirty="0"/>
           </a:p>
         </p:txBody>
       </p:sp>
@@ -243,7 +243,7 @@
           <a:bodyPr vert="horz" lIns="91440" tIns="45720" rIns="91440" bIns="45720" rtlCol="0" anchor="ctr"/>
           <a:lstStyle/>
           <a:p>
-            <a:endParaRPr lang="en-US"/>
+            <a:endParaRPr lang="en-US" dirty="0"/>
           </a:p>
         </p:txBody>
       </p:sp>
@@ -333,7 +333,7 @@
             </a:lvl1pPr>
           </a:lstStyle>
           <a:p>
-            <a:endParaRPr lang="en-US"/>
+            <a:endParaRPr lang="en-US" dirty="0"/>
           </a:p>
         </p:txBody>
       </p:sp>
@@ -368,7 +368,7 @@
               <a:rPr lang="en-US" smtClean="0"/>
               <a:t>‹#›</a:t>
             </a:fld>
-            <a:endParaRPr lang="en-US"/>
+            <a:endParaRPr lang="en-US" dirty="0"/>
           </a:p>
         </p:txBody>
       </p:sp>
@@ -656,7 +656,7 @@
               <a:rPr lang="en-US" smtClean="0"/>
               <a:t>4/10/17</a:t>
             </a:fld>
-            <a:endParaRPr lang="en-US"/>
+            <a:endParaRPr lang="en-US" dirty="0"/>
           </a:p>
         </p:txBody>
       </p:sp>
@@ -675,7 +675,7 @@
           <a:bodyPr/>
           <a:lstStyle/>
           <a:p>
-            <a:endParaRPr lang="en-US"/>
+            <a:endParaRPr lang="en-US" dirty="0"/>
           </a:p>
         </p:txBody>
       </p:sp>
@@ -698,7 +698,7 @@
               <a:rPr lang="en-US" smtClean="0"/>
               <a:t>‹#›</a:t>
             </a:fld>
-            <a:endParaRPr lang="en-US"/>
+            <a:endParaRPr lang="en-US" dirty="0"/>
           </a:p>
         </p:txBody>
       </p:sp>
@@ -824,7 +824,7 @@
               <a:rPr lang="en-US" smtClean="0"/>
               <a:t>4/10/17</a:t>
             </a:fld>
-            <a:endParaRPr lang="en-US"/>
+            <a:endParaRPr lang="en-US" dirty="0"/>
           </a:p>
         </p:txBody>
       </p:sp>
@@ -843,7 +843,7 @@
           <a:bodyPr/>
           <a:lstStyle/>
           <a:p>
-            <a:endParaRPr lang="en-US"/>
+            <a:endParaRPr lang="en-US" dirty="0"/>
           </a:p>
         </p:txBody>
       </p:sp>
@@ -866,7 +866,7 @@
               <a:rPr lang="en-US" smtClean="0"/>
               <a:t>‹#›</a:t>
             </a:fld>
-            <a:endParaRPr lang="en-US"/>
+            <a:endParaRPr lang="en-US" dirty="0"/>
           </a:p>
         </p:txBody>
       </p:sp>
@@ -1002,7 +1002,7 @@
               <a:rPr lang="en-US" smtClean="0"/>
               <a:t>4/10/17</a:t>
             </a:fld>
-            <a:endParaRPr lang="en-US"/>
+            <a:endParaRPr lang="en-US" dirty="0"/>
           </a:p>
         </p:txBody>
       </p:sp>
@@ -1021,7 +1021,7 @@
           <a:bodyPr/>
           <a:lstStyle/>
           <a:p>
-            <a:endParaRPr lang="en-US"/>
+            <a:endParaRPr lang="en-US" dirty="0"/>
           </a:p>
         </p:txBody>
       </p:sp>
@@ -1044,7 +1044,7 @@
               <a:rPr lang="en-US" smtClean="0"/>
               <a:t>‹#›</a:t>
             </a:fld>
-            <a:endParaRPr lang="en-US"/>
+            <a:endParaRPr lang="en-US" dirty="0"/>
           </a:p>
         </p:txBody>
       </p:sp>
@@ -1170,7 +1170,7 @@
               <a:rPr lang="en-US" smtClean="0"/>
               <a:t>4/10/17</a:t>
             </a:fld>
-            <a:endParaRPr lang="en-US"/>
+            <a:endParaRPr lang="en-US" dirty="0"/>
           </a:p>
         </p:txBody>
       </p:sp>
@@ -1189,7 +1189,7 @@
           <a:bodyPr/>
           <a:lstStyle/>
           <a:p>
-            <a:endParaRPr lang="en-US"/>
+            <a:endParaRPr lang="en-US" dirty="0"/>
           </a:p>
         </p:txBody>
       </p:sp>
@@ -1212,7 +1212,7 @@
               <a:rPr lang="en-US" smtClean="0"/>
               <a:t>‹#›</a:t>
             </a:fld>
-            <a:endParaRPr lang="en-US"/>
+            <a:endParaRPr lang="en-US" dirty="0"/>
           </a:p>
         </p:txBody>
       </p:sp>
@@ -1415,7 +1415,7 @@
               <a:rPr lang="en-US" smtClean="0"/>
               <a:t>4/10/17</a:t>
             </a:fld>
-            <a:endParaRPr lang="en-US"/>
+            <a:endParaRPr lang="en-US" dirty="0"/>
           </a:p>
         </p:txBody>
       </p:sp>
@@ -1434,7 +1434,7 @@
           <a:bodyPr/>
           <a:lstStyle/>
           <a:p>
-            <a:endParaRPr lang="en-US"/>
+            <a:endParaRPr lang="en-US" dirty="0"/>
           </a:p>
         </p:txBody>
       </p:sp>
@@ -1457,7 +1457,7 @@
               <a:rPr lang="en-US" smtClean="0"/>
               <a:t>‹#›</a:t>
             </a:fld>
-            <a:endParaRPr lang="en-US"/>
+            <a:endParaRPr lang="en-US" dirty="0"/>
           </a:p>
         </p:txBody>
       </p:sp>
@@ -1700,7 +1700,7 @@
               <a:rPr lang="en-US" smtClean="0"/>
               <a:t>4/10/17</a:t>
             </a:fld>
-            <a:endParaRPr lang="en-US"/>
+            <a:endParaRPr lang="en-US" dirty="0"/>
           </a:p>
         </p:txBody>
       </p:sp>
@@ -1719,7 +1719,7 @@
           <a:bodyPr/>
           <a:lstStyle/>
           <a:p>
-            <a:endParaRPr lang="en-US"/>
+            <a:endParaRPr lang="en-US" dirty="0"/>
           </a:p>
         </p:txBody>
       </p:sp>
@@ -1742,7 +1742,7 @@
               <a:rPr lang="en-US" smtClean="0"/>
               <a:t>‹#›</a:t>
             </a:fld>
-            <a:endParaRPr lang="en-US"/>
+            <a:endParaRPr lang="en-US" dirty="0"/>
           </a:p>
         </p:txBody>
       </p:sp>
@@ -2119,7 +2119,7 @@
               <a:rPr lang="en-US" smtClean="0"/>
               <a:t>4/10/17</a:t>
             </a:fld>
-            <a:endParaRPr lang="en-US"/>
+            <a:endParaRPr lang="en-US" dirty="0"/>
           </a:p>
         </p:txBody>
       </p:sp>
@@ -2138,7 +2138,7 @@
           <a:bodyPr/>
           <a:lstStyle/>
           <a:p>
-            <a:endParaRPr lang="en-US"/>
+            <a:endParaRPr lang="en-US" dirty="0"/>
           </a:p>
         </p:txBody>
       </p:sp>
@@ -2161,7 +2161,7 @@
               <a:rPr lang="en-US" smtClean="0"/>
               <a:t>‹#›</a:t>
             </a:fld>
-            <a:endParaRPr lang="en-US"/>
+            <a:endParaRPr lang="en-US" dirty="0"/>
           </a:p>
         </p:txBody>
       </p:sp>
@@ -2236,7 +2236,7 @@
               <a:rPr lang="en-US" smtClean="0"/>
               <a:t>4/10/17</a:t>
             </a:fld>
-            <a:endParaRPr lang="en-US"/>
+            <a:endParaRPr lang="en-US" dirty="0"/>
           </a:p>
         </p:txBody>
       </p:sp>
@@ -2255,7 +2255,7 @@
           <a:bodyPr/>
           <a:lstStyle/>
           <a:p>
-            <a:endParaRPr lang="en-US"/>
+            <a:endParaRPr lang="en-US" dirty="0"/>
           </a:p>
         </p:txBody>
       </p:sp>
@@ -2278,7 +2278,7 @@
               <a:rPr lang="en-US" smtClean="0"/>
               <a:t>‹#›</a:t>
             </a:fld>
-            <a:endParaRPr lang="en-US"/>
+            <a:endParaRPr lang="en-US" dirty="0"/>
           </a:p>
         </p:txBody>
       </p:sp>
@@ -2331,7 +2331,7 @@
               <a:rPr lang="en-US" smtClean="0"/>
               <a:t>4/10/17</a:t>
             </a:fld>
-            <a:endParaRPr lang="en-US"/>
+            <a:endParaRPr lang="en-US" dirty="0"/>
           </a:p>
         </p:txBody>
       </p:sp>
@@ -2350,7 +2350,7 @@
           <a:bodyPr/>
           <a:lstStyle/>
           <a:p>
-            <a:endParaRPr lang="en-US"/>
+            <a:endParaRPr lang="en-US" dirty="0"/>
           </a:p>
         </p:txBody>
       </p:sp>
@@ -2373,7 +2373,7 @@
               <a:rPr lang="en-US" smtClean="0"/>
               <a:t>‹#›</a:t>
             </a:fld>
-            <a:endParaRPr lang="en-US"/>
+            <a:endParaRPr lang="en-US" dirty="0"/>
           </a:p>
         </p:txBody>
       </p:sp>
@@ -2606,7 +2606,7 @@
               <a:rPr lang="en-US" smtClean="0"/>
               <a:t>4/10/17</a:t>
             </a:fld>
-            <a:endParaRPr lang="en-US"/>
+            <a:endParaRPr lang="en-US" dirty="0"/>
           </a:p>
         </p:txBody>
       </p:sp>
@@ -2625,7 +2625,7 @@
           <a:bodyPr/>
           <a:lstStyle/>
           <a:p>
-            <a:endParaRPr lang="en-US"/>
+            <a:endParaRPr lang="en-US" dirty="0"/>
           </a:p>
         </p:txBody>
       </p:sp>
@@ -2648,7 +2648,7 @@
               <a:rPr lang="en-US" smtClean="0"/>
               <a:t>‹#›</a:t>
             </a:fld>
-            <a:endParaRPr lang="en-US"/>
+            <a:endParaRPr lang="en-US" dirty="0"/>
           </a:p>
         </p:txBody>
       </p:sp>
@@ -2770,7 +2770,7 @@
             </a:lvl9pPr>
           </a:lstStyle>
           <a:p>
-            <a:endParaRPr lang="en-US"/>
+            <a:endParaRPr lang="en-US" dirty="0"/>
           </a:p>
         </p:txBody>
       </p:sp>
@@ -2858,7 +2858,7 @@
               <a:rPr lang="en-US" smtClean="0"/>
               <a:t>4/10/17</a:t>
             </a:fld>
-            <a:endParaRPr lang="en-US"/>
+            <a:endParaRPr lang="en-US" dirty="0"/>
           </a:p>
         </p:txBody>
       </p:sp>
@@ -2877,7 +2877,7 @@
           <a:bodyPr/>
           <a:lstStyle/>
           <a:p>
-            <a:endParaRPr lang="en-US"/>
+            <a:endParaRPr lang="en-US" dirty="0"/>
           </a:p>
         </p:txBody>
       </p:sp>
@@ -2900,7 +2900,7 @@
               <a:rPr lang="en-US" smtClean="0"/>
               <a:t>‹#›</a:t>
             </a:fld>
-            <a:endParaRPr lang="en-US"/>
+            <a:endParaRPr lang="en-US" dirty="0"/>
           </a:p>
         </p:txBody>
       </p:sp>
@@ -3069,7 +3069,7 @@
               <a:rPr lang="en-US" smtClean="0"/>
               <a:t>4/10/17</a:t>
             </a:fld>
-            <a:endParaRPr lang="en-US"/>
+            <a:endParaRPr lang="en-US" dirty="0"/>
           </a:p>
         </p:txBody>
       </p:sp>
@@ -3106,7 +3106,7 @@
             </a:lvl1pPr>
           </a:lstStyle>
           <a:p>
-            <a:endParaRPr lang="en-US"/>
+            <a:endParaRPr lang="en-US" dirty="0"/>
           </a:p>
         </p:txBody>
       </p:sp>
@@ -3147,7 +3147,7 @@
               <a:rPr lang="en-US" smtClean="0"/>
               <a:t>‹#›</a:t>
             </a:fld>
-            <a:endParaRPr lang="en-US"/>
+            <a:endParaRPr lang="en-US" dirty="0"/>
           </a:p>
         </p:txBody>
       </p:sp>
@@ -3820,7 +3820,7 @@
           <a:lstStyle/>
           <a:p>
             <a:pPr algn="ctr"/>
-            <a:endParaRPr lang="en-SG" sz="1050"/>
+            <a:endParaRPr lang="en-SG" sz="1050" dirty="0"/>
           </a:p>
         </p:txBody>
       </p:sp>
@@ -3908,7 +3908,7 @@
           <a:lstStyle/>
           <a:p>
             <a:pPr algn="ctr"/>
-            <a:endParaRPr lang="en-SG" sz="1050" b="1">
+            <a:endParaRPr lang="en-SG" sz="1050" b="1" dirty="0">
               <a:solidFill>
                 <a:srgbClr val="92D050"/>
               </a:solidFill>
@@ -4041,7 +4041,7 @@
           <a:lstStyle/>
           <a:p>
             <a:pPr algn="ctr"/>
-            <a:endParaRPr lang="en-US" sz="1050"/>
+            <a:endParaRPr lang="en-US" sz="1050" dirty="0"/>
           </a:p>
         </p:txBody>
       </p:sp>
@@ -4183,7 +4183,7 @@
           <a:lstStyle/>
           <a:p>
             <a:pPr algn="ctr"/>
-            <a:endParaRPr lang="en-US" sz="1050"/>
+            <a:endParaRPr lang="en-US" sz="1050" dirty="0"/>
           </a:p>
         </p:txBody>
       </p:sp>
@@ -4286,7 +4286,7 @@
           <a:lstStyle/>
           <a:p>
             <a:pPr algn="ctr"/>
-            <a:endParaRPr lang="en-US" sz="1050"/>
+            <a:endParaRPr lang="en-US" sz="1050" dirty="0"/>
           </a:p>
         </p:txBody>
       </p:sp>
@@ -4428,7 +4428,7 @@
           <a:lstStyle/>
           <a:p>
             <a:pPr algn="ctr"/>
-            <a:endParaRPr lang="en-US" sz="1050"/>
+            <a:endParaRPr lang="en-US" sz="1050" dirty="0"/>
           </a:p>
         </p:txBody>
       </p:sp>
@@ -4570,7 +4570,7 @@
           <a:lstStyle/>
           <a:p>
             <a:pPr algn="ctr"/>
-            <a:endParaRPr lang="en-US" sz="1050"/>
+            <a:endParaRPr lang="en-US" sz="1050" dirty="0"/>
           </a:p>
         </p:txBody>
       </p:sp>
@@ -4786,7 +4786,7 @@
           <a:lstStyle/>
           <a:p>
             <a:pPr algn="ctr"/>
-            <a:endParaRPr lang="en-US" sz="1050"/>
+            <a:endParaRPr lang="en-US" sz="1050" dirty="0"/>
           </a:p>
         </p:txBody>
       </p:sp>
@@ -5111,7 +5111,7 @@
           <a:lstStyle/>
           <a:p>
             <a:pPr algn="ctr"/>
-            <a:endParaRPr lang="en-SG" sz="1050" b="1">
+            <a:endParaRPr lang="en-SG" sz="1050" b="1" dirty="0">
               <a:solidFill>
                 <a:srgbClr val="92D050"/>
               </a:solidFill>
@@ -5517,7 +5517,7 @@
         </p:nvSpPr>
         <p:spPr>
           <a:xfrm>
-            <a:off x="6135256" y="3097917"/>
+            <a:off x="6165171" y="2820261"/>
             <a:ext cx="189257" cy="178683"/>
           </a:xfrm>
           <a:prstGeom prst="rect">
@@ -5979,7 +5979,7 @@
           <a:p>
             <a:pPr algn="ctr"/>
             <a:r>
-              <a:rPr lang="en-SG" sz="1050" dirty="0" err="1" smtClean="0">
+              <a:rPr lang="en-SG" sz="1050" dirty="0" smtClean="0">
                 <a:solidFill>
                   <a:schemeClr val="bg1"/>
                 </a:solidFill>
@@ -6035,7 +6035,7 @@
           <a:lstStyle/>
           <a:p>
             <a:pPr algn="ctr"/>
-            <a:endParaRPr lang="en-US" sz="1050"/>
+            <a:endParaRPr lang="en-US" sz="1050" dirty="0"/>
           </a:p>
         </p:txBody>
       </p:sp>
@@ -6119,7 +6119,7 @@
           <a:lstStyle/>
           <a:p>
             <a:pPr algn="ctr"/>
-            <a:endParaRPr lang="en-US" sz="1050"/>
+            <a:endParaRPr lang="en-US" sz="1050" dirty="0"/>
           </a:p>
         </p:txBody>
       </p:sp>
